--- a/slides/Patrones de diseño con Typescript en el mundo real.pptx
+++ b/slides/Patrones de diseño con Typescript en el mundo real.pptx
@@ -266,7 +266,7 @@
           <a:p>
             <a:fld id="{0985B797-0E29-4660-9B0F-1C71CA65525C}" type="datetimeFigureOut">
               <a:rPr lang="en-US" smtClean="0"/>
-              <a:t>10/25/2019</a:t>
+              <a:t>10/26/2019</a:t>
             </a:fld>
             <a:endParaRPr lang="en-US"/>
           </a:p>
@@ -466,7 +466,7 @@
           <a:p>
             <a:fld id="{0985B797-0E29-4660-9B0F-1C71CA65525C}" type="datetimeFigureOut">
               <a:rPr lang="en-US" smtClean="0"/>
-              <a:t>10/25/2019</a:t>
+              <a:t>10/26/2019</a:t>
             </a:fld>
             <a:endParaRPr lang="en-US"/>
           </a:p>
@@ -676,7 +676,7 @@
           <a:p>
             <a:fld id="{0985B797-0E29-4660-9B0F-1C71CA65525C}" type="datetimeFigureOut">
               <a:rPr lang="en-US" smtClean="0"/>
-              <a:t>10/25/2019</a:t>
+              <a:t>10/26/2019</a:t>
             </a:fld>
             <a:endParaRPr lang="en-US"/>
           </a:p>
@@ -876,7 +876,7 @@
           <a:p>
             <a:fld id="{0985B797-0E29-4660-9B0F-1C71CA65525C}" type="datetimeFigureOut">
               <a:rPr lang="en-US" smtClean="0"/>
-              <a:t>10/25/2019</a:t>
+              <a:t>10/26/2019</a:t>
             </a:fld>
             <a:endParaRPr lang="en-US"/>
           </a:p>
@@ -1152,7 +1152,7 @@
           <a:p>
             <a:fld id="{0985B797-0E29-4660-9B0F-1C71CA65525C}" type="datetimeFigureOut">
               <a:rPr lang="en-US" smtClean="0"/>
-              <a:t>10/25/2019</a:t>
+              <a:t>10/26/2019</a:t>
             </a:fld>
             <a:endParaRPr lang="en-US"/>
           </a:p>
@@ -1420,7 +1420,7 @@
           <a:p>
             <a:fld id="{0985B797-0E29-4660-9B0F-1C71CA65525C}" type="datetimeFigureOut">
               <a:rPr lang="en-US" smtClean="0"/>
-              <a:t>10/25/2019</a:t>
+              <a:t>10/26/2019</a:t>
             </a:fld>
             <a:endParaRPr lang="en-US"/>
           </a:p>
@@ -1835,7 +1835,7 @@
           <a:p>
             <a:fld id="{0985B797-0E29-4660-9B0F-1C71CA65525C}" type="datetimeFigureOut">
               <a:rPr lang="en-US" smtClean="0"/>
-              <a:t>10/25/2019</a:t>
+              <a:t>10/26/2019</a:t>
             </a:fld>
             <a:endParaRPr lang="en-US"/>
           </a:p>
@@ -1977,7 +1977,7 @@
           <a:p>
             <a:fld id="{0985B797-0E29-4660-9B0F-1C71CA65525C}" type="datetimeFigureOut">
               <a:rPr lang="en-US" smtClean="0"/>
-              <a:t>10/25/2019</a:t>
+              <a:t>10/26/2019</a:t>
             </a:fld>
             <a:endParaRPr lang="en-US"/>
           </a:p>
@@ -2090,7 +2090,7 @@
           <a:p>
             <a:fld id="{0985B797-0E29-4660-9B0F-1C71CA65525C}" type="datetimeFigureOut">
               <a:rPr lang="en-US" smtClean="0"/>
-              <a:t>10/25/2019</a:t>
+              <a:t>10/26/2019</a:t>
             </a:fld>
             <a:endParaRPr lang="en-US"/>
           </a:p>
@@ -2403,7 +2403,7 @@
           <a:p>
             <a:fld id="{0985B797-0E29-4660-9B0F-1C71CA65525C}" type="datetimeFigureOut">
               <a:rPr lang="en-US" smtClean="0"/>
-              <a:t>10/25/2019</a:t>
+              <a:t>10/26/2019</a:t>
             </a:fld>
             <a:endParaRPr lang="en-US"/>
           </a:p>
@@ -2692,7 +2692,7 @@
           <a:p>
             <a:fld id="{0985B797-0E29-4660-9B0F-1C71CA65525C}" type="datetimeFigureOut">
               <a:rPr lang="en-US" smtClean="0"/>
-              <a:t>10/25/2019</a:t>
+              <a:t>10/26/2019</a:t>
             </a:fld>
             <a:endParaRPr lang="en-US"/>
           </a:p>
@@ -2935,7 +2935,7 @@
           <a:p>
             <a:fld id="{0985B797-0E29-4660-9B0F-1C71CA65525C}" type="datetimeFigureOut">
               <a:rPr lang="en-US" smtClean="0"/>
-              <a:t>10/25/2019</a:t>
+              <a:t>10/26/2019</a:t>
             </a:fld>
             <a:endParaRPr lang="en-US"/>
           </a:p>
@@ -5664,43 +5664,6 @@
           </a:effectLst>
         </p:spPr>
       </p:pic>
-      <p:pic>
-        <p:nvPicPr>
-          <p:cNvPr id="15" name="Imagen 14">
-            <a:extLst>
-              <a:ext uri="{FF2B5EF4-FFF2-40B4-BE49-F238E27FC236}">
-                <a16:creationId xmlns:a16="http://schemas.microsoft.com/office/drawing/2014/main" id="{53F864D0-8C3F-4518-A3B1-648B52A65960}"/>
-              </a:ext>
-            </a:extLst>
-          </p:cNvPr>
-          <p:cNvPicPr>
-            <a:picLocks noChangeAspect="1"/>
-          </p:cNvPicPr>
-          <p:nvPr/>
-        </p:nvPicPr>
-        <p:blipFill>
-          <a:blip r:embed="rId4"/>
-          <a:stretch>
-            <a:fillRect/>
-          </a:stretch>
-        </p:blipFill>
-        <p:spPr>
-          <a:xfrm>
-            <a:off x="6567864" y="2155699"/>
-            <a:ext cx="5515533" cy="3373454"/>
-          </a:xfrm>
-          <a:prstGeom prst="rect">
-            <a:avLst/>
-          </a:prstGeom>
-          <a:effectLst>
-            <a:glow rad="25400">
-              <a:schemeClr val="bg1">
-                <a:alpha val="40000"/>
-              </a:schemeClr>
-            </a:glow>
-          </a:effectLst>
-        </p:spPr>
-      </p:pic>
       <p:cxnSp>
         <p:nvCxnSpPr>
           <p:cNvPr id="27" name="Conector recto de flecha 26">
@@ -5845,7 +5808,7 @@
         </p:nvSpPr>
         <p:spPr>
           <a:xfrm>
-            <a:off x="5720382" y="2090384"/>
+            <a:off x="5670848" y="2076804"/>
             <a:ext cx="1376218" cy="338554"/>
           </a:xfrm>
           <a:prstGeom prst="rect">
@@ -5959,10 +5922,79 @@
       </p:sp>
       <p:pic>
         <p:nvPicPr>
-          <p:cNvPr id="52" name="Imagen 51">
-            <a:extLst>
-              <a:ext uri="{FF2B5EF4-FFF2-40B4-BE49-F238E27FC236}">
-                <a16:creationId xmlns:a16="http://schemas.microsoft.com/office/drawing/2014/main" id="{5BB59DB6-5E71-4EE6-89AA-ACD7DD387B33}"/>
+          <p:cNvPr id="53" name="Imagen 52">
+            <a:extLst>
+              <a:ext uri="{FF2B5EF4-FFF2-40B4-BE49-F238E27FC236}">
+                <a16:creationId xmlns:a16="http://schemas.microsoft.com/office/drawing/2014/main" id="{258348A1-8868-4B4B-B380-B32C7F6D44D0}"/>
+              </a:ext>
+            </a:extLst>
+          </p:cNvPr>
+          <p:cNvPicPr>
+            <a:picLocks noChangeAspect="1"/>
+          </p:cNvPicPr>
+          <p:nvPr/>
+        </p:nvPicPr>
+        <p:blipFill>
+          <a:blip r:embed="rId4"/>
+          <a:stretch>
+            <a:fillRect/>
+          </a:stretch>
+        </p:blipFill>
+        <p:spPr>
+          <a:xfrm>
+            <a:off x="329997" y="4798389"/>
+            <a:ext cx="3219074" cy="1642218"/>
+          </a:xfrm>
+          <a:prstGeom prst="rect">
+            <a:avLst/>
+          </a:prstGeom>
+        </p:spPr>
+      </p:pic>
+      <p:sp>
+        <p:nvSpPr>
+          <p:cNvPr id="95" name="CuadroTexto 94">
+            <a:extLst>
+              <a:ext uri="{FF2B5EF4-FFF2-40B4-BE49-F238E27FC236}">
+                <a16:creationId xmlns:a16="http://schemas.microsoft.com/office/drawing/2014/main" id="{67848249-14A6-4729-A6A1-BB8AF75BB5E5}"/>
+              </a:ext>
+            </a:extLst>
+          </p:cNvPr>
+          <p:cNvSpPr txBox="1"/>
+          <p:nvPr/>
+        </p:nvSpPr>
+        <p:spPr>
+          <a:xfrm>
+            <a:off x="175289" y="3723216"/>
+            <a:ext cx="935768" cy="369332"/>
+          </a:xfrm>
+          <a:prstGeom prst="rect">
+            <a:avLst/>
+          </a:prstGeom>
+          <a:noFill/>
+        </p:spPr>
+        <p:txBody>
+          <a:bodyPr wrap="square" rtlCol="0">
+            <a:spAutoFit/>
+          </a:bodyPr>
+          <a:lstStyle/>
+          <a:p>
+            <a:r>
+              <a:rPr lang="en-US" dirty="0">
+                <a:solidFill>
+                  <a:schemeClr val="bg1"/>
+                </a:solidFill>
+              </a:rPr>
+              <a:t>Usage:</a:t>
+            </a:r>
+          </a:p>
+        </p:txBody>
+      </p:sp>
+      <p:pic>
+        <p:nvPicPr>
+          <p:cNvPr id="98" name="Imagen 97">
+            <a:extLst>
+              <a:ext uri="{FF2B5EF4-FFF2-40B4-BE49-F238E27FC236}">
+                <a16:creationId xmlns:a16="http://schemas.microsoft.com/office/drawing/2014/main" id="{FD217EEE-32A7-4431-A10D-C72C9D432A7D}"/>
               </a:ext>
             </a:extLst>
           </p:cNvPr>
@@ -5979,8 +6011,8 @@
         </p:blipFill>
         <p:spPr>
           <a:xfrm>
-            <a:off x="288904" y="4200065"/>
-            <a:ext cx="5515533" cy="578890"/>
+            <a:off x="235185" y="2097665"/>
+            <a:ext cx="5328679" cy="598728"/>
           </a:xfrm>
           <a:prstGeom prst="rect">
             <a:avLst/>
@@ -5989,10 +6021,10 @@
       </p:pic>
       <p:pic>
         <p:nvPicPr>
-          <p:cNvPr id="53" name="Imagen 52">
-            <a:extLst>
-              <a:ext uri="{FF2B5EF4-FFF2-40B4-BE49-F238E27FC236}">
-                <a16:creationId xmlns:a16="http://schemas.microsoft.com/office/drawing/2014/main" id="{258348A1-8868-4B4B-B380-B32C7F6D44D0}"/>
+          <p:cNvPr id="99" name="Imagen 98">
+            <a:extLst>
+              <a:ext uri="{FF2B5EF4-FFF2-40B4-BE49-F238E27FC236}">
+                <a16:creationId xmlns:a16="http://schemas.microsoft.com/office/drawing/2014/main" id="{B7554640-2141-4ECA-9DBB-AA03B44695E0}"/>
               </a:ext>
             </a:extLst>
           </p:cNvPr>
@@ -6009,59 +6041,20 @@
         </p:blipFill>
         <p:spPr>
           <a:xfrm>
-            <a:off x="288904" y="4859508"/>
-            <a:ext cx="3219074" cy="1642218"/>
+            <a:off x="244407" y="1395745"/>
+            <a:ext cx="5143609" cy="631952"/>
           </a:xfrm>
           <a:prstGeom prst="rect">
             <a:avLst/>
           </a:prstGeom>
         </p:spPr>
       </p:pic>
-      <p:sp>
-        <p:nvSpPr>
-          <p:cNvPr id="95" name="CuadroTexto 94">
-            <a:extLst>
-              <a:ext uri="{FF2B5EF4-FFF2-40B4-BE49-F238E27FC236}">
-                <a16:creationId xmlns:a16="http://schemas.microsoft.com/office/drawing/2014/main" id="{67848249-14A6-4729-A6A1-BB8AF75BB5E5}"/>
-              </a:ext>
-            </a:extLst>
-          </p:cNvPr>
-          <p:cNvSpPr txBox="1"/>
-          <p:nvPr/>
-        </p:nvSpPr>
-        <p:spPr>
-          <a:xfrm>
-            <a:off x="175289" y="3723216"/>
-            <a:ext cx="935768" cy="369332"/>
-          </a:xfrm>
-          <a:prstGeom prst="rect">
-            <a:avLst/>
-          </a:prstGeom>
-          <a:noFill/>
-        </p:spPr>
-        <p:txBody>
-          <a:bodyPr wrap="square" rtlCol="0">
-            <a:spAutoFit/>
-          </a:bodyPr>
-          <a:lstStyle/>
-          <a:p>
-            <a:r>
-              <a:rPr lang="en-US" dirty="0">
-                <a:solidFill>
-                  <a:schemeClr val="bg1"/>
-                </a:solidFill>
-              </a:rPr>
-              <a:t>Usage:</a:t>
-            </a:r>
-          </a:p>
-        </p:txBody>
-      </p:sp>
       <p:pic>
         <p:nvPicPr>
-          <p:cNvPr id="98" name="Imagen 97">
-            <a:extLst>
-              <a:ext uri="{FF2B5EF4-FFF2-40B4-BE49-F238E27FC236}">
-                <a16:creationId xmlns:a16="http://schemas.microsoft.com/office/drawing/2014/main" id="{FD217EEE-32A7-4431-A10D-C72C9D432A7D}"/>
+          <p:cNvPr id="100" name="Imagen 99">
+            <a:extLst>
+              <a:ext uri="{FF2B5EF4-FFF2-40B4-BE49-F238E27FC236}">
+                <a16:creationId xmlns:a16="http://schemas.microsoft.com/office/drawing/2014/main" id="{0D705CEE-9F14-416B-8B73-39260594E740}"/>
               </a:ext>
             </a:extLst>
           </p:cNvPr>
@@ -6078,8 +6071,8 @@
         </p:blipFill>
         <p:spPr>
           <a:xfrm>
-            <a:off x="235185" y="2097665"/>
-            <a:ext cx="5328679" cy="598728"/>
+            <a:off x="235185" y="2755462"/>
+            <a:ext cx="5290656" cy="629285"/>
           </a:xfrm>
           <a:prstGeom prst="rect">
             <a:avLst/>
@@ -6088,10 +6081,10 @@
       </p:pic>
       <p:pic>
         <p:nvPicPr>
-          <p:cNvPr id="99" name="Imagen 98">
-            <a:extLst>
-              <a:ext uri="{FF2B5EF4-FFF2-40B4-BE49-F238E27FC236}">
-                <a16:creationId xmlns:a16="http://schemas.microsoft.com/office/drawing/2014/main" id="{B7554640-2141-4ECA-9DBB-AA03B44695E0}"/>
+          <p:cNvPr id="2" name="Imagen 1">
+            <a:extLst>
+              <a:ext uri="{FF2B5EF4-FFF2-40B4-BE49-F238E27FC236}">
+                <a16:creationId xmlns:a16="http://schemas.microsoft.com/office/drawing/2014/main" id="{609F9505-B986-494B-892B-D1F095D77BE1}"/>
               </a:ext>
             </a:extLst>
           </p:cNvPr>
@@ -6108,8 +6101,8 @@
         </p:blipFill>
         <p:spPr>
           <a:xfrm>
-            <a:off x="244407" y="1395745"/>
-            <a:ext cx="5143609" cy="631952"/>
+            <a:off x="288904" y="4238453"/>
+            <a:ext cx="5431478" cy="446854"/>
           </a:xfrm>
           <a:prstGeom prst="rect">
             <a:avLst/>
@@ -6118,10 +6111,10 @@
       </p:pic>
       <p:pic>
         <p:nvPicPr>
-          <p:cNvPr id="100" name="Imagen 99">
-            <a:extLst>
-              <a:ext uri="{FF2B5EF4-FFF2-40B4-BE49-F238E27FC236}">
-                <a16:creationId xmlns:a16="http://schemas.microsoft.com/office/drawing/2014/main" id="{0D705CEE-9F14-416B-8B73-39260594E740}"/>
+          <p:cNvPr id="3" name="Imagen 2">
+            <a:extLst>
+              <a:ext uri="{FF2B5EF4-FFF2-40B4-BE49-F238E27FC236}">
+                <a16:creationId xmlns:a16="http://schemas.microsoft.com/office/drawing/2014/main" id="{9ECA7B51-42E0-45E5-BDA6-E7BA03961FBE}"/>
               </a:ext>
             </a:extLst>
           </p:cNvPr>
@@ -6138,12 +6131,19 @@
         </p:blipFill>
         <p:spPr>
           <a:xfrm>
-            <a:off x="235185" y="2755462"/>
-            <a:ext cx="5290656" cy="629285"/>
+            <a:off x="6442125" y="2157145"/>
+            <a:ext cx="5662740" cy="3508364"/>
           </a:xfrm>
           <a:prstGeom prst="rect">
             <a:avLst/>
           </a:prstGeom>
+          <a:effectLst>
+            <a:glow rad="25400">
+              <a:schemeClr val="bg1">
+                <a:alpha val="40000"/>
+              </a:schemeClr>
+            </a:glow>
+          </a:effectLst>
         </p:spPr>
       </p:pic>
     </p:spTree>

--- a/slides/Patrones de diseño con Typescript en el mundo real.pptx
+++ b/slides/Patrones de diseño con Typescript en el mundo real.pptx
@@ -5,12 +5,18 @@
     <p:sldMasterId id="2147483648" r:id="rId1"/>
   </p:sldMasterIdLst>
   <p:sldIdLst>
-    <p:sldId id="263" r:id="rId2"/>
-    <p:sldId id="262" r:id="rId3"/>
-    <p:sldId id="260" r:id="rId4"/>
-    <p:sldId id="261" r:id="rId5"/>
-    <p:sldId id="264" r:id="rId6"/>
-    <p:sldId id="265" r:id="rId7"/>
+    <p:sldId id="266" r:id="rId2"/>
+    <p:sldId id="263" r:id="rId3"/>
+    <p:sldId id="262" r:id="rId4"/>
+    <p:sldId id="260" r:id="rId5"/>
+    <p:sldId id="261" r:id="rId6"/>
+    <p:sldId id="264" r:id="rId7"/>
+    <p:sldId id="265" r:id="rId8"/>
+    <p:sldId id="267" r:id="rId9"/>
+    <p:sldId id="269" r:id="rId10"/>
+    <p:sldId id="268" r:id="rId11"/>
+    <p:sldId id="270" r:id="rId12"/>
+    <p:sldId id="271" r:id="rId13"/>
   </p:sldIdLst>
   <p:sldSz cx="12192000" cy="6858000"/>
   <p:notesSz cx="6858000" cy="9144000"/>
@@ -3357,6 +3363,1467 @@
           <p:cNvPr id="2" name="Título 1">
             <a:extLst>
               <a:ext uri="{FF2B5EF4-FFF2-40B4-BE49-F238E27FC236}">
+                <a16:creationId xmlns:a16="http://schemas.microsoft.com/office/drawing/2014/main" id="{73A2909B-13B3-4614-9321-16AF10F4286A}"/>
+              </a:ext>
+            </a:extLst>
+          </p:cNvPr>
+          <p:cNvSpPr>
+            <a:spLocks noGrp="1"/>
+          </p:cNvSpPr>
+          <p:nvPr>
+            <p:ph type="title"/>
+          </p:nvPr>
+        </p:nvSpPr>
+        <p:spPr>
+          <a:xfrm>
+            <a:off x="838200" y="2103437"/>
+            <a:ext cx="10515600" cy="1325563"/>
+          </a:xfrm>
+        </p:spPr>
+        <p:txBody>
+          <a:bodyPr/>
+          <a:lstStyle/>
+          <a:p>
+            <a:r>
+              <a:rPr lang="en-US" dirty="0"/>
+              <a:t>Creational Patterns</a:t>
+            </a:r>
+          </a:p>
+        </p:txBody>
+      </p:sp>
+    </p:spTree>
+    <p:extLst>
+      <p:ext uri="{BB962C8B-B14F-4D97-AF65-F5344CB8AC3E}">
+        <p14:creationId xmlns:p14="http://schemas.microsoft.com/office/powerpoint/2010/main" val="1345392525"/>
+      </p:ext>
+    </p:extLst>
+  </p:cSld>
+  <p:clrMapOvr>
+    <a:masterClrMapping/>
+  </p:clrMapOvr>
+</p:sld>
+</file>
+
+<file path=ppt/slides/slide10.xml><?xml version="1.0" encoding="utf-8"?>
+<p:sld xmlns:a="http://schemas.openxmlformats.org/drawingml/2006/main" xmlns:r="http://schemas.openxmlformats.org/officeDocument/2006/relationships" xmlns:p="http://schemas.openxmlformats.org/presentationml/2006/main">
+  <p:cSld>
+    <p:bg>
+      <p:bgPr>
+        <a:solidFill>
+          <a:srgbClr val="1E1E1E"/>
+        </a:solidFill>
+        <a:effectLst/>
+      </p:bgPr>
+    </p:bg>
+    <p:spTree>
+      <p:nvGrpSpPr>
+        <p:cNvPr id="1" name=""/>
+        <p:cNvGrpSpPr/>
+        <p:nvPr/>
+      </p:nvGrpSpPr>
+      <p:grpSpPr>
+        <a:xfrm>
+          <a:off x="0" y="0"/>
+          <a:ext cx="0" cy="0"/>
+          <a:chOff x="0" y="0"/>
+          <a:chExt cx="0" cy="0"/>
+        </a:xfrm>
+      </p:grpSpPr>
+      <p:cxnSp>
+        <p:nvCxnSpPr>
+          <p:cNvPr id="12" name="Conector recto de flecha 11">
+            <a:extLst>
+              <a:ext uri="{FF2B5EF4-FFF2-40B4-BE49-F238E27FC236}">
+                <a16:creationId xmlns:a16="http://schemas.microsoft.com/office/drawing/2014/main" id="{864C9DE1-4B25-4E8D-BACD-990C6B3F64E1}"/>
+              </a:ext>
+            </a:extLst>
+          </p:cNvPr>
+          <p:cNvCxnSpPr>
+            <a:cxnSpLocks/>
+            <a:stCxn id="6" idx="3"/>
+            <a:endCxn id="5" idx="1"/>
+          </p:cNvCxnSpPr>
+          <p:nvPr/>
+        </p:nvCxnSpPr>
+        <p:spPr>
+          <a:xfrm>
+            <a:off x="3253682" y="2955333"/>
+            <a:ext cx="608928" cy="0"/>
+          </a:xfrm>
+          <a:prstGeom prst="straightConnector1">
+            <a:avLst/>
+          </a:prstGeom>
+          <a:ln w="12700">
+            <a:solidFill>
+              <a:schemeClr val="bg1"/>
+            </a:solidFill>
+            <a:tailEnd type="triangle"/>
+          </a:ln>
+        </p:spPr>
+        <p:style>
+          <a:lnRef idx="1">
+            <a:schemeClr val="accent1"/>
+          </a:lnRef>
+          <a:fillRef idx="0">
+            <a:schemeClr val="accent1"/>
+          </a:fillRef>
+          <a:effectRef idx="0">
+            <a:schemeClr val="accent1"/>
+          </a:effectRef>
+          <a:fontRef idx="minor">
+            <a:schemeClr val="tx1"/>
+          </a:fontRef>
+        </p:style>
+      </p:cxnSp>
+      <p:sp>
+        <p:nvSpPr>
+          <p:cNvPr id="14" name="CuadroTexto 13">
+            <a:extLst>
+              <a:ext uri="{FF2B5EF4-FFF2-40B4-BE49-F238E27FC236}">
+                <a16:creationId xmlns:a16="http://schemas.microsoft.com/office/drawing/2014/main" id="{B8579608-CD71-4529-A8DF-5564C1172DAC}"/>
+              </a:ext>
+            </a:extLst>
+          </p:cNvPr>
+          <p:cNvSpPr txBox="1"/>
+          <p:nvPr/>
+        </p:nvSpPr>
+        <p:spPr>
+          <a:xfrm>
+            <a:off x="3253682" y="2583238"/>
+            <a:ext cx="1376218" cy="369332"/>
+          </a:xfrm>
+          <a:prstGeom prst="rect">
+            <a:avLst/>
+          </a:prstGeom>
+          <a:noFill/>
+        </p:spPr>
+        <p:txBody>
+          <a:bodyPr wrap="square" rtlCol="0">
+            <a:spAutoFit/>
+          </a:bodyPr>
+          <a:lstStyle/>
+          <a:p>
+            <a:r>
+              <a:rPr lang="en-US" dirty="0">
+                <a:solidFill>
+                  <a:schemeClr val="bg1"/>
+                </a:solidFill>
+              </a:rPr>
+              <a:t>calls</a:t>
+            </a:r>
+          </a:p>
+        </p:txBody>
+      </p:sp>
+      <p:sp>
+        <p:nvSpPr>
+          <p:cNvPr id="31" name="CuadroTexto 30">
+            <a:extLst>
+              <a:ext uri="{FF2B5EF4-FFF2-40B4-BE49-F238E27FC236}">
+                <a16:creationId xmlns:a16="http://schemas.microsoft.com/office/drawing/2014/main" id="{FBF7026D-12F4-4541-8110-DE706094717A}"/>
+              </a:ext>
+            </a:extLst>
+          </p:cNvPr>
+          <p:cNvSpPr txBox="1"/>
+          <p:nvPr/>
+        </p:nvSpPr>
+        <p:spPr>
+          <a:xfrm>
+            <a:off x="484863" y="185392"/>
+            <a:ext cx="3397994" cy="646331"/>
+          </a:xfrm>
+          <a:prstGeom prst="rect">
+            <a:avLst/>
+          </a:prstGeom>
+          <a:noFill/>
+        </p:spPr>
+        <p:txBody>
+          <a:bodyPr wrap="square" rtlCol="0">
+            <a:spAutoFit/>
+          </a:bodyPr>
+          <a:lstStyle/>
+          <a:p>
+            <a:r>
+              <a:rPr lang="en-US" sz="3600" dirty="0" err="1">
+                <a:solidFill>
+                  <a:srgbClr val="53A2D3"/>
+                </a:solidFill>
+              </a:rPr>
+              <a:t>Teoría</a:t>
+            </a:r>
+            <a:endParaRPr lang="en-US" sz="3600" dirty="0">
+              <a:solidFill>
+                <a:srgbClr val="53A2D3"/>
+              </a:solidFill>
+            </a:endParaRPr>
+          </a:p>
+        </p:txBody>
+      </p:sp>
+      <p:pic>
+        <p:nvPicPr>
+          <p:cNvPr id="2" name="Imagen 1">
+            <a:extLst>
+              <a:ext uri="{FF2B5EF4-FFF2-40B4-BE49-F238E27FC236}">
+                <a16:creationId xmlns:a16="http://schemas.microsoft.com/office/drawing/2014/main" id="{3BC8EF47-888A-4EE4-9AE3-0325D360B9FB}"/>
+              </a:ext>
+            </a:extLst>
+          </p:cNvPr>
+          <p:cNvPicPr>
+            <a:picLocks noChangeAspect="1"/>
+          </p:cNvPicPr>
+          <p:nvPr/>
+        </p:nvPicPr>
+        <p:blipFill>
+          <a:blip r:embed="rId2"/>
+          <a:stretch>
+            <a:fillRect/>
+          </a:stretch>
+        </p:blipFill>
+        <p:spPr>
+          <a:xfrm>
+            <a:off x="8677274" y="880395"/>
+            <a:ext cx="3232951" cy="1008808"/>
+          </a:xfrm>
+          <a:prstGeom prst="rect">
+            <a:avLst/>
+          </a:prstGeom>
+          <a:effectLst>
+            <a:glow rad="25400">
+              <a:schemeClr val="bg1">
+                <a:alpha val="40000"/>
+              </a:schemeClr>
+            </a:glow>
+          </a:effectLst>
+        </p:spPr>
+      </p:pic>
+      <p:pic>
+        <p:nvPicPr>
+          <p:cNvPr id="3" name="Imagen 2">
+            <a:extLst>
+              <a:ext uri="{FF2B5EF4-FFF2-40B4-BE49-F238E27FC236}">
+                <a16:creationId xmlns:a16="http://schemas.microsoft.com/office/drawing/2014/main" id="{0D58A32E-D262-4166-8F3A-C6E88EE4DDEA}"/>
+              </a:ext>
+            </a:extLst>
+          </p:cNvPr>
+          <p:cNvPicPr>
+            <a:picLocks noChangeAspect="1"/>
+          </p:cNvPicPr>
+          <p:nvPr/>
+        </p:nvPicPr>
+        <p:blipFill>
+          <a:blip r:embed="rId3"/>
+          <a:stretch>
+            <a:fillRect/>
+          </a:stretch>
+        </p:blipFill>
+        <p:spPr>
+          <a:xfrm>
+            <a:off x="8629649" y="2450929"/>
+            <a:ext cx="3280576" cy="1003283"/>
+          </a:xfrm>
+          <a:prstGeom prst="rect">
+            <a:avLst/>
+          </a:prstGeom>
+          <a:effectLst>
+            <a:glow rad="25400">
+              <a:schemeClr val="bg1">
+                <a:alpha val="40000"/>
+              </a:schemeClr>
+            </a:glow>
+          </a:effectLst>
+        </p:spPr>
+      </p:pic>
+      <p:pic>
+        <p:nvPicPr>
+          <p:cNvPr id="4" name="Imagen 3">
+            <a:extLst>
+              <a:ext uri="{FF2B5EF4-FFF2-40B4-BE49-F238E27FC236}">
+                <a16:creationId xmlns:a16="http://schemas.microsoft.com/office/drawing/2014/main" id="{23EBA2EE-CDAC-4A82-8CAB-1A60B6C581B2}"/>
+              </a:ext>
+            </a:extLst>
+          </p:cNvPr>
+          <p:cNvPicPr>
+            <a:picLocks noChangeAspect="1"/>
+          </p:cNvPicPr>
+          <p:nvPr/>
+        </p:nvPicPr>
+        <p:blipFill>
+          <a:blip r:embed="rId4"/>
+          <a:stretch>
+            <a:fillRect/>
+          </a:stretch>
+        </p:blipFill>
+        <p:spPr>
+          <a:xfrm>
+            <a:off x="8629650" y="4036760"/>
+            <a:ext cx="3280576" cy="997742"/>
+          </a:xfrm>
+          <a:prstGeom prst="rect">
+            <a:avLst/>
+          </a:prstGeom>
+          <a:effectLst>
+            <a:glow rad="25400">
+              <a:schemeClr val="bg1">
+                <a:alpha val="40000"/>
+              </a:schemeClr>
+            </a:glow>
+          </a:effectLst>
+        </p:spPr>
+      </p:pic>
+      <p:pic>
+        <p:nvPicPr>
+          <p:cNvPr id="5" name="Imagen 4">
+            <a:extLst>
+              <a:ext uri="{FF2B5EF4-FFF2-40B4-BE49-F238E27FC236}">
+                <a16:creationId xmlns:a16="http://schemas.microsoft.com/office/drawing/2014/main" id="{6ED504B8-B7AE-459C-9B04-F4065A202477}"/>
+              </a:ext>
+            </a:extLst>
+          </p:cNvPr>
+          <p:cNvPicPr>
+            <a:picLocks noChangeAspect="1"/>
+          </p:cNvPicPr>
+          <p:nvPr/>
+        </p:nvPicPr>
+        <p:blipFill>
+          <a:blip r:embed="rId5"/>
+          <a:stretch>
+            <a:fillRect/>
+          </a:stretch>
+        </p:blipFill>
+        <p:spPr>
+          <a:xfrm>
+            <a:off x="3862610" y="1375035"/>
+            <a:ext cx="3359757" cy="3160596"/>
+          </a:xfrm>
+          <a:prstGeom prst="rect">
+            <a:avLst/>
+          </a:prstGeom>
+          <a:effectLst>
+            <a:glow rad="25400">
+              <a:schemeClr val="bg1">
+                <a:alpha val="40000"/>
+              </a:schemeClr>
+            </a:glow>
+          </a:effectLst>
+        </p:spPr>
+      </p:pic>
+      <p:pic>
+        <p:nvPicPr>
+          <p:cNvPr id="6" name="Imagen 5">
+            <a:extLst>
+              <a:ext uri="{FF2B5EF4-FFF2-40B4-BE49-F238E27FC236}">
+                <a16:creationId xmlns:a16="http://schemas.microsoft.com/office/drawing/2014/main" id="{F79878D0-D175-4A30-8E57-C04D2F7CE7CA}"/>
+              </a:ext>
+            </a:extLst>
+          </p:cNvPr>
+          <p:cNvPicPr>
+            <a:picLocks noChangeAspect="1"/>
+          </p:cNvPicPr>
+          <p:nvPr/>
+        </p:nvPicPr>
+        <p:blipFill>
+          <a:blip r:embed="rId6"/>
+          <a:stretch>
+            <a:fillRect/>
+          </a:stretch>
+        </p:blipFill>
+        <p:spPr>
+          <a:xfrm>
+            <a:off x="106457" y="2219840"/>
+            <a:ext cx="3147225" cy="1470986"/>
+          </a:xfrm>
+          <a:prstGeom prst="rect">
+            <a:avLst/>
+          </a:prstGeom>
+          <a:effectLst>
+            <a:glow rad="25400">
+              <a:schemeClr val="bg1">
+                <a:alpha val="40000"/>
+              </a:schemeClr>
+            </a:glow>
+          </a:effectLst>
+        </p:spPr>
+      </p:pic>
+      <p:cxnSp>
+        <p:nvCxnSpPr>
+          <p:cNvPr id="21" name="Conector recto de flecha 20">
+            <a:extLst>
+              <a:ext uri="{FF2B5EF4-FFF2-40B4-BE49-F238E27FC236}">
+                <a16:creationId xmlns:a16="http://schemas.microsoft.com/office/drawing/2014/main" id="{657B125F-F210-4C10-90D5-E2406540AF25}"/>
+              </a:ext>
+            </a:extLst>
+          </p:cNvPr>
+          <p:cNvCxnSpPr>
+            <a:cxnSpLocks/>
+            <a:stCxn id="5" idx="3"/>
+            <a:endCxn id="3" idx="1"/>
+          </p:cNvCxnSpPr>
+          <p:nvPr/>
+        </p:nvCxnSpPr>
+        <p:spPr>
+          <a:xfrm flipV="1">
+            <a:off x="7222367" y="2952571"/>
+            <a:ext cx="1407282" cy="2762"/>
+          </a:xfrm>
+          <a:prstGeom prst="straightConnector1">
+            <a:avLst/>
+          </a:prstGeom>
+          <a:ln w="12700">
+            <a:solidFill>
+              <a:schemeClr val="bg1"/>
+            </a:solidFill>
+            <a:tailEnd type="triangle"/>
+          </a:ln>
+        </p:spPr>
+        <p:style>
+          <a:lnRef idx="1">
+            <a:schemeClr val="accent1"/>
+          </a:lnRef>
+          <a:fillRef idx="0">
+            <a:schemeClr val="accent1"/>
+          </a:fillRef>
+          <a:effectRef idx="0">
+            <a:schemeClr val="accent1"/>
+          </a:effectRef>
+          <a:fontRef idx="minor">
+            <a:schemeClr val="tx1"/>
+          </a:fontRef>
+        </p:style>
+      </p:cxnSp>
+      <p:sp>
+        <p:nvSpPr>
+          <p:cNvPr id="22" name="CuadroTexto 21">
+            <a:extLst>
+              <a:ext uri="{FF2B5EF4-FFF2-40B4-BE49-F238E27FC236}">
+                <a16:creationId xmlns:a16="http://schemas.microsoft.com/office/drawing/2014/main" id="{64C9644A-8F54-4F7F-928B-4E1AB3ACFDD8}"/>
+              </a:ext>
+            </a:extLst>
+          </p:cNvPr>
+          <p:cNvSpPr txBox="1"/>
+          <p:nvPr/>
+        </p:nvSpPr>
+        <p:spPr>
+          <a:xfrm>
+            <a:off x="7587919" y="2583238"/>
+            <a:ext cx="1376218" cy="369332"/>
+          </a:xfrm>
+          <a:prstGeom prst="rect">
+            <a:avLst/>
+          </a:prstGeom>
+          <a:noFill/>
+        </p:spPr>
+        <p:txBody>
+          <a:bodyPr wrap="square" rtlCol="0">
+            <a:spAutoFit/>
+          </a:bodyPr>
+          <a:lstStyle/>
+          <a:p>
+            <a:r>
+              <a:rPr lang="en-US" dirty="0">
+                <a:solidFill>
+                  <a:schemeClr val="bg1"/>
+                </a:solidFill>
+              </a:rPr>
+              <a:t>calls</a:t>
+            </a:r>
+          </a:p>
+        </p:txBody>
+      </p:sp>
+      <p:cxnSp>
+        <p:nvCxnSpPr>
+          <p:cNvPr id="23" name="Conector recto de flecha 22">
+            <a:extLst>
+              <a:ext uri="{FF2B5EF4-FFF2-40B4-BE49-F238E27FC236}">
+                <a16:creationId xmlns:a16="http://schemas.microsoft.com/office/drawing/2014/main" id="{659FD9CC-0ED7-48DA-B353-E983B8B32E24}"/>
+              </a:ext>
+            </a:extLst>
+          </p:cNvPr>
+          <p:cNvCxnSpPr>
+            <a:cxnSpLocks/>
+            <a:stCxn id="5" idx="3"/>
+            <a:endCxn id="2" idx="1"/>
+          </p:cNvCxnSpPr>
+          <p:nvPr/>
+        </p:nvCxnSpPr>
+        <p:spPr>
+          <a:xfrm flipV="1">
+            <a:off x="7222367" y="1384799"/>
+            <a:ext cx="1454907" cy="1570534"/>
+          </a:xfrm>
+          <a:prstGeom prst="straightConnector1">
+            <a:avLst/>
+          </a:prstGeom>
+          <a:ln w="12700">
+            <a:solidFill>
+              <a:schemeClr val="bg1"/>
+            </a:solidFill>
+            <a:tailEnd type="triangle"/>
+          </a:ln>
+        </p:spPr>
+        <p:style>
+          <a:lnRef idx="1">
+            <a:schemeClr val="accent1"/>
+          </a:lnRef>
+          <a:fillRef idx="0">
+            <a:schemeClr val="accent1"/>
+          </a:fillRef>
+          <a:effectRef idx="0">
+            <a:schemeClr val="accent1"/>
+          </a:effectRef>
+          <a:fontRef idx="minor">
+            <a:schemeClr val="tx1"/>
+          </a:fontRef>
+        </p:style>
+      </p:cxnSp>
+      <p:sp>
+        <p:nvSpPr>
+          <p:cNvPr id="24" name="CuadroTexto 23">
+            <a:extLst>
+              <a:ext uri="{FF2B5EF4-FFF2-40B4-BE49-F238E27FC236}">
+                <a16:creationId xmlns:a16="http://schemas.microsoft.com/office/drawing/2014/main" id="{49EC6474-4E8B-4074-9043-8B456DE43AC5}"/>
+              </a:ext>
+            </a:extLst>
+          </p:cNvPr>
+          <p:cNvSpPr txBox="1"/>
+          <p:nvPr/>
+        </p:nvSpPr>
+        <p:spPr>
+          <a:xfrm>
+            <a:off x="7587919" y="3875029"/>
+            <a:ext cx="1376218" cy="369332"/>
+          </a:xfrm>
+          <a:prstGeom prst="rect">
+            <a:avLst/>
+          </a:prstGeom>
+          <a:noFill/>
+        </p:spPr>
+        <p:txBody>
+          <a:bodyPr wrap="square" rtlCol="0">
+            <a:spAutoFit/>
+          </a:bodyPr>
+          <a:lstStyle/>
+          <a:p>
+            <a:r>
+              <a:rPr lang="en-US" dirty="0">
+                <a:solidFill>
+                  <a:schemeClr val="bg1"/>
+                </a:solidFill>
+              </a:rPr>
+              <a:t>calls</a:t>
+            </a:r>
+          </a:p>
+        </p:txBody>
+      </p:sp>
+      <p:cxnSp>
+        <p:nvCxnSpPr>
+          <p:cNvPr id="25" name="Conector recto de flecha 24">
+            <a:extLst>
+              <a:ext uri="{FF2B5EF4-FFF2-40B4-BE49-F238E27FC236}">
+                <a16:creationId xmlns:a16="http://schemas.microsoft.com/office/drawing/2014/main" id="{3CC6DB77-8AFE-4568-96A0-4F1DD4F57789}"/>
+              </a:ext>
+            </a:extLst>
+          </p:cNvPr>
+          <p:cNvCxnSpPr>
+            <a:cxnSpLocks/>
+            <a:stCxn id="5" idx="3"/>
+            <a:endCxn id="4" idx="1"/>
+          </p:cNvCxnSpPr>
+          <p:nvPr/>
+        </p:nvCxnSpPr>
+        <p:spPr>
+          <a:xfrm>
+            <a:off x="7222367" y="2955333"/>
+            <a:ext cx="1407283" cy="1580298"/>
+          </a:xfrm>
+          <a:prstGeom prst="straightConnector1">
+            <a:avLst/>
+          </a:prstGeom>
+          <a:ln w="12700">
+            <a:solidFill>
+              <a:schemeClr val="bg1"/>
+            </a:solidFill>
+            <a:tailEnd type="triangle"/>
+          </a:ln>
+        </p:spPr>
+        <p:style>
+          <a:lnRef idx="1">
+            <a:schemeClr val="accent1"/>
+          </a:lnRef>
+          <a:fillRef idx="0">
+            <a:schemeClr val="accent1"/>
+          </a:fillRef>
+          <a:effectRef idx="0">
+            <a:schemeClr val="accent1"/>
+          </a:effectRef>
+          <a:fontRef idx="minor">
+            <a:schemeClr val="tx1"/>
+          </a:fontRef>
+        </p:style>
+      </p:cxnSp>
+      <p:sp>
+        <p:nvSpPr>
+          <p:cNvPr id="26" name="CuadroTexto 25">
+            <a:extLst>
+              <a:ext uri="{FF2B5EF4-FFF2-40B4-BE49-F238E27FC236}">
+                <a16:creationId xmlns:a16="http://schemas.microsoft.com/office/drawing/2014/main" id="{D1D54606-D117-4018-9BD6-D871D677ABC3}"/>
+              </a:ext>
+            </a:extLst>
+          </p:cNvPr>
+          <p:cNvSpPr txBox="1"/>
+          <p:nvPr/>
+        </p:nvSpPr>
+        <p:spPr>
+          <a:xfrm>
+            <a:off x="7587919" y="1595945"/>
+            <a:ext cx="1376218" cy="369332"/>
+          </a:xfrm>
+          <a:prstGeom prst="rect">
+            <a:avLst/>
+          </a:prstGeom>
+          <a:noFill/>
+        </p:spPr>
+        <p:txBody>
+          <a:bodyPr wrap="square" rtlCol="0">
+            <a:spAutoFit/>
+          </a:bodyPr>
+          <a:lstStyle/>
+          <a:p>
+            <a:r>
+              <a:rPr lang="en-US" dirty="0">
+                <a:solidFill>
+                  <a:schemeClr val="bg1"/>
+                </a:solidFill>
+              </a:rPr>
+              <a:t>calls</a:t>
+            </a:r>
+          </a:p>
+        </p:txBody>
+      </p:sp>
+    </p:spTree>
+    <p:extLst>
+      <p:ext uri="{BB962C8B-B14F-4D97-AF65-F5344CB8AC3E}">
+        <p14:creationId xmlns:p14="http://schemas.microsoft.com/office/powerpoint/2010/main" val="3510976558"/>
+      </p:ext>
+    </p:extLst>
+  </p:cSld>
+  <p:clrMapOvr>
+    <a:masterClrMapping/>
+  </p:clrMapOvr>
+</p:sld>
+</file>
+
+<file path=ppt/slides/slide11.xml><?xml version="1.0" encoding="utf-8"?>
+<p:sld xmlns:a="http://schemas.openxmlformats.org/drawingml/2006/main" xmlns:r="http://schemas.openxmlformats.org/officeDocument/2006/relationships" xmlns:p="http://schemas.openxmlformats.org/presentationml/2006/main">
+  <p:cSld>
+    <p:spTree>
+      <p:nvGrpSpPr>
+        <p:cNvPr id="1" name=""/>
+        <p:cNvGrpSpPr/>
+        <p:nvPr/>
+      </p:nvGrpSpPr>
+      <p:grpSpPr>
+        <a:xfrm>
+          <a:off x="0" y="0"/>
+          <a:ext cx="0" cy="0"/>
+          <a:chOff x="0" y="0"/>
+          <a:chExt cx="0" cy="0"/>
+        </a:xfrm>
+      </p:grpSpPr>
+      <p:sp>
+        <p:nvSpPr>
+          <p:cNvPr id="2" name="Título 1">
+            <a:extLst>
+              <a:ext uri="{FF2B5EF4-FFF2-40B4-BE49-F238E27FC236}">
+                <a16:creationId xmlns:a16="http://schemas.microsoft.com/office/drawing/2014/main" id="{76BD9A5A-574E-4A01-B4A1-C92D21C4F273}"/>
+              </a:ext>
+            </a:extLst>
+          </p:cNvPr>
+          <p:cNvSpPr>
+            <a:spLocks noGrp="1"/>
+          </p:cNvSpPr>
+          <p:nvPr>
+            <p:ph type="title"/>
+          </p:nvPr>
+        </p:nvSpPr>
+        <p:spPr/>
+        <p:txBody>
+          <a:bodyPr/>
+          <a:lstStyle/>
+          <a:p>
+            <a:r>
+              <a:rPr lang="en-US" dirty="0"/>
+              <a:t>¿Por </a:t>
+            </a:r>
+            <a:r>
+              <a:rPr lang="en-US" dirty="0" err="1"/>
+              <a:t>qué</a:t>
+            </a:r>
+            <a:r>
+              <a:rPr lang="en-US" dirty="0"/>
+              <a:t> </a:t>
+            </a:r>
+            <a:r>
+              <a:rPr lang="en-US" dirty="0" err="1"/>
+              <a:t>aplicamos</a:t>
+            </a:r>
+            <a:r>
+              <a:rPr lang="en-US" dirty="0"/>
+              <a:t> </a:t>
+            </a:r>
+            <a:r>
+              <a:rPr lang="en-US" dirty="0" err="1"/>
+              <a:t>este</a:t>
+            </a:r>
+            <a:r>
+              <a:rPr lang="en-US" dirty="0"/>
+              <a:t> </a:t>
+            </a:r>
+            <a:r>
+              <a:rPr lang="en-US" dirty="0" err="1"/>
+              <a:t>patrón</a:t>
+            </a:r>
+            <a:r>
+              <a:rPr lang="en-US" dirty="0"/>
+              <a:t>?</a:t>
+            </a:r>
+          </a:p>
+        </p:txBody>
+      </p:sp>
+      <p:sp>
+        <p:nvSpPr>
+          <p:cNvPr id="3" name="Marcador de contenido 2">
+            <a:extLst>
+              <a:ext uri="{FF2B5EF4-FFF2-40B4-BE49-F238E27FC236}">
+                <a16:creationId xmlns:a16="http://schemas.microsoft.com/office/drawing/2014/main" id="{39BACE21-12A9-4ABB-9AA1-D3BFDA8198C9}"/>
+              </a:ext>
+            </a:extLst>
+          </p:cNvPr>
+          <p:cNvSpPr>
+            <a:spLocks noGrp="1"/>
+          </p:cNvSpPr>
+          <p:nvPr>
+            <p:ph idx="1"/>
+          </p:nvPr>
+        </p:nvSpPr>
+        <p:spPr/>
+        <p:txBody>
+          <a:bodyPr/>
+          <a:lstStyle/>
+          <a:p>
+            <a:pPr algn="just"/>
+            <a:r>
+              <a:rPr lang="en-US" dirty="0" err="1"/>
+              <a:t>Encapsulación</a:t>
+            </a:r>
+            <a:r>
+              <a:rPr lang="en-US" dirty="0"/>
+              <a:t>: El </a:t>
+            </a:r>
+            <a:r>
+              <a:rPr lang="en-US" dirty="0" err="1"/>
+              <a:t>cliente</a:t>
+            </a:r>
+            <a:r>
+              <a:rPr lang="en-US" dirty="0"/>
+              <a:t> no </a:t>
+            </a:r>
+            <a:r>
+              <a:rPr lang="en-US" dirty="0" err="1"/>
+              <a:t>conoce</a:t>
+            </a:r>
+            <a:r>
+              <a:rPr lang="en-US" dirty="0"/>
+              <a:t> </a:t>
+            </a:r>
+            <a:r>
+              <a:rPr lang="en-US" dirty="0" err="1"/>
+              <a:t>ni</a:t>
+            </a:r>
+            <a:r>
+              <a:rPr lang="en-US" dirty="0"/>
+              <a:t> </a:t>
+            </a:r>
+            <a:r>
+              <a:rPr lang="en-US" dirty="0" err="1"/>
+              <a:t>depende</a:t>
+            </a:r>
+            <a:r>
+              <a:rPr lang="en-US" dirty="0"/>
+              <a:t> de la </a:t>
+            </a:r>
+            <a:r>
+              <a:rPr lang="en-US" dirty="0" err="1"/>
+              <a:t>implementación</a:t>
+            </a:r>
+            <a:r>
+              <a:rPr lang="en-US" dirty="0"/>
+              <a:t> </a:t>
+            </a:r>
+            <a:r>
+              <a:rPr lang="en-US" dirty="0" err="1"/>
+              <a:t>interna</a:t>
+            </a:r>
+            <a:r>
+              <a:rPr lang="en-US" dirty="0"/>
+              <a:t> de </a:t>
+            </a:r>
+            <a:r>
+              <a:rPr lang="en-US" dirty="0" err="1"/>
+              <a:t>cada</a:t>
+            </a:r>
+            <a:r>
+              <a:rPr lang="en-US" dirty="0"/>
+              <a:t> </a:t>
+            </a:r>
+            <a:r>
+              <a:rPr lang="en-US" dirty="0" err="1"/>
+              <a:t>operación</a:t>
+            </a:r>
+            <a:r>
+              <a:rPr lang="en-US" dirty="0"/>
+              <a:t>.</a:t>
+            </a:r>
+          </a:p>
+          <a:p>
+            <a:pPr algn="just"/>
+            <a:r>
+              <a:rPr lang="en-US" dirty="0" err="1"/>
+              <a:t>Versatilidad</a:t>
+            </a:r>
+            <a:r>
+              <a:rPr lang="en-US" dirty="0"/>
+              <a:t>: Podemos </a:t>
+            </a:r>
+            <a:r>
+              <a:rPr lang="en-US" dirty="0" err="1"/>
+              <a:t>cambiar</a:t>
+            </a:r>
+            <a:r>
+              <a:rPr lang="en-US" dirty="0"/>
+              <a:t> los </a:t>
+            </a:r>
+            <a:r>
+              <a:rPr lang="en-US" dirty="0" err="1"/>
+              <a:t>subsistemas</a:t>
+            </a:r>
+            <a:r>
+              <a:rPr lang="en-US" dirty="0"/>
+              <a:t> o </a:t>
+            </a:r>
+            <a:r>
+              <a:rPr lang="en-US" dirty="0" err="1"/>
+              <a:t>módulos</a:t>
+            </a:r>
+            <a:r>
+              <a:rPr lang="en-US" dirty="0"/>
+              <a:t> </a:t>
+            </a:r>
+            <a:r>
+              <a:rPr lang="en-US" dirty="0" err="1"/>
+              <a:t>implicados</a:t>
+            </a:r>
+            <a:r>
+              <a:rPr lang="en-US" dirty="0"/>
+              <a:t> </a:t>
+            </a:r>
+            <a:r>
+              <a:rPr lang="en-US" dirty="0" err="1"/>
+              <a:t>en</a:t>
+            </a:r>
+            <a:r>
+              <a:rPr lang="en-US" dirty="0"/>
+              <a:t> </a:t>
+            </a:r>
+            <a:r>
+              <a:rPr lang="en-US" dirty="0" err="1"/>
+              <a:t>cada</a:t>
+            </a:r>
+            <a:r>
+              <a:rPr lang="en-US" dirty="0"/>
+              <a:t> </a:t>
+            </a:r>
+            <a:r>
+              <a:rPr lang="en-US" dirty="0" err="1"/>
+              <a:t>operación</a:t>
+            </a:r>
+            <a:r>
+              <a:rPr lang="en-US" dirty="0"/>
+              <a:t> sin romper la </a:t>
+            </a:r>
+            <a:r>
+              <a:rPr lang="en-US" dirty="0" err="1"/>
+              <a:t>compatibilidad</a:t>
+            </a:r>
+            <a:r>
+              <a:rPr lang="en-US" dirty="0"/>
+              <a:t> con el </a:t>
+            </a:r>
+            <a:r>
+              <a:rPr lang="en-US" dirty="0" err="1"/>
+              <a:t>cliente</a:t>
+            </a:r>
+            <a:r>
+              <a:rPr lang="en-US" dirty="0"/>
+              <a:t>. </a:t>
+            </a:r>
+            <a:r>
+              <a:rPr lang="en-US" dirty="0" err="1"/>
+              <a:t>Incluso</a:t>
+            </a:r>
+            <a:r>
+              <a:rPr lang="en-US" dirty="0"/>
+              <a:t> </a:t>
+            </a:r>
+            <a:r>
+              <a:rPr lang="en-US" dirty="0" err="1"/>
+              <a:t>podríamos</a:t>
+            </a:r>
+            <a:r>
+              <a:rPr lang="en-US" dirty="0"/>
+              <a:t> </a:t>
+            </a:r>
+            <a:r>
+              <a:rPr lang="en-US" dirty="0" err="1"/>
+              <a:t>cambiar</a:t>
+            </a:r>
+            <a:r>
+              <a:rPr lang="en-US" dirty="0"/>
+              <a:t> la </a:t>
+            </a:r>
+            <a:r>
+              <a:rPr lang="en-US" dirty="0" err="1"/>
+              <a:t>fachada</a:t>
+            </a:r>
+            <a:r>
+              <a:rPr lang="en-US" dirty="0"/>
+              <a:t> </a:t>
+            </a:r>
+            <a:r>
+              <a:rPr lang="en-US" dirty="0" err="1"/>
+              <a:t>siempre</a:t>
+            </a:r>
+            <a:r>
+              <a:rPr lang="en-US" dirty="0"/>
+              <a:t> que </a:t>
+            </a:r>
+            <a:r>
+              <a:rPr lang="en-US" dirty="0" err="1"/>
+              <a:t>cumpliera</a:t>
+            </a:r>
+            <a:r>
+              <a:rPr lang="en-US" dirty="0"/>
+              <a:t> la </a:t>
+            </a:r>
+            <a:r>
+              <a:rPr lang="en-US" dirty="0" err="1"/>
+              <a:t>misma</a:t>
+            </a:r>
+            <a:r>
+              <a:rPr lang="en-US" dirty="0"/>
+              <a:t> </a:t>
+            </a:r>
+            <a:r>
+              <a:rPr lang="en-US" dirty="0" err="1"/>
+              <a:t>interfaz</a:t>
+            </a:r>
+            <a:r>
+              <a:rPr lang="en-US" dirty="0"/>
+              <a:t>.</a:t>
+            </a:r>
+          </a:p>
+        </p:txBody>
+      </p:sp>
+    </p:spTree>
+    <p:extLst>
+      <p:ext uri="{BB962C8B-B14F-4D97-AF65-F5344CB8AC3E}">
+        <p14:creationId xmlns:p14="http://schemas.microsoft.com/office/powerpoint/2010/main" val="1536784634"/>
+      </p:ext>
+    </p:extLst>
+  </p:cSld>
+  <p:clrMapOvr>
+    <a:masterClrMapping/>
+  </p:clrMapOvr>
+</p:sld>
+</file>
+
+<file path=ppt/slides/slide12.xml><?xml version="1.0" encoding="utf-8"?>
+<p:sld xmlns:a="http://schemas.openxmlformats.org/drawingml/2006/main" xmlns:r="http://schemas.openxmlformats.org/officeDocument/2006/relationships" xmlns:p="http://schemas.openxmlformats.org/presentationml/2006/main">
+  <p:cSld>
+    <p:bg>
+      <p:bgPr>
+        <a:solidFill>
+          <a:srgbClr val="1E1E1E"/>
+        </a:solidFill>
+        <a:effectLst/>
+      </p:bgPr>
+    </p:bg>
+    <p:spTree>
+      <p:nvGrpSpPr>
+        <p:cNvPr id="1" name=""/>
+        <p:cNvGrpSpPr/>
+        <p:nvPr/>
+      </p:nvGrpSpPr>
+      <p:grpSpPr>
+        <a:xfrm>
+          <a:off x="0" y="0"/>
+          <a:ext cx="0" cy="0"/>
+          <a:chOff x="0" y="0"/>
+          <a:chExt cx="0" cy="0"/>
+        </a:xfrm>
+      </p:grpSpPr>
+      <p:sp>
+        <p:nvSpPr>
+          <p:cNvPr id="17" name="CuadroTexto 16">
+            <a:extLst>
+              <a:ext uri="{FF2B5EF4-FFF2-40B4-BE49-F238E27FC236}">
+                <a16:creationId xmlns:a16="http://schemas.microsoft.com/office/drawing/2014/main" id="{5C456F47-1C52-4FA5-A369-2F5203D67ABD}"/>
+              </a:ext>
+            </a:extLst>
+          </p:cNvPr>
+          <p:cNvSpPr txBox="1"/>
+          <p:nvPr/>
+        </p:nvSpPr>
+        <p:spPr>
+          <a:xfrm>
+            <a:off x="361700" y="215130"/>
+            <a:ext cx="3397994" cy="646331"/>
+          </a:xfrm>
+          <a:prstGeom prst="rect">
+            <a:avLst/>
+          </a:prstGeom>
+          <a:noFill/>
+        </p:spPr>
+        <p:txBody>
+          <a:bodyPr wrap="square" rtlCol="0">
+            <a:spAutoFit/>
+          </a:bodyPr>
+          <a:lstStyle/>
+          <a:p>
+            <a:r>
+              <a:rPr lang="en-US" sz="3600" dirty="0">
+                <a:solidFill>
+                  <a:srgbClr val="53A2D3"/>
+                </a:solidFill>
+              </a:rPr>
+              <a:t>Mundo real</a:t>
+            </a:r>
+          </a:p>
+        </p:txBody>
+      </p:sp>
+      <p:pic>
+        <p:nvPicPr>
+          <p:cNvPr id="7" name="Imagen 6">
+            <a:extLst>
+              <a:ext uri="{FF2B5EF4-FFF2-40B4-BE49-F238E27FC236}">
+                <a16:creationId xmlns:a16="http://schemas.microsoft.com/office/drawing/2014/main" id="{6B5ECB1A-A92D-46D4-9682-2248BD91ECA8}"/>
+              </a:ext>
+            </a:extLst>
+          </p:cNvPr>
+          <p:cNvPicPr>
+            <a:picLocks noChangeAspect="1"/>
+          </p:cNvPicPr>
+          <p:nvPr/>
+        </p:nvPicPr>
+        <p:blipFill>
+          <a:blip r:embed="rId2"/>
+          <a:stretch>
+            <a:fillRect/>
+          </a:stretch>
+        </p:blipFill>
+        <p:spPr>
+          <a:xfrm>
+            <a:off x="187819" y="5532582"/>
+            <a:ext cx="7143750" cy="923925"/>
+          </a:xfrm>
+          <a:prstGeom prst="rect">
+            <a:avLst/>
+          </a:prstGeom>
+          <a:effectLst>
+            <a:glow rad="25400">
+              <a:schemeClr val="bg1">
+                <a:alpha val="40000"/>
+              </a:schemeClr>
+            </a:glow>
+          </a:effectLst>
+        </p:spPr>
+      </p:pic>
+      <p:pic>
+        <p:nvPicPr>
+          <p:cNvPr id="8" name="Imagen 7">
+            <a:extLst>
+              <a:ext uri="{FF2B5EF4-FFF2-40B4-BE49-F238E27FC236}">
+                <a16:creationId xmlns:a16="http://schemas.microsoft.com/office/drawing/2014/main" id="{485C5F0C-7AD6-4DE3-9926-D9F267B388D9}"/>
+              </a:ext>
+            </a:extLst>
+          </p:cNvPr>
+          <p:cNvPicPr>
+            <a:picLocks noChangeAspect="1"/>
+          </p:cNvPicPr>
+          <p:nvPr/>
+        </p:nvPicPr>
+        <p:blipFill>
+          <a:blip r:embed="rId3"/>
+          <a:stretch>
+            <a:fillRect/>
+          </a:stretch>
+        </p:blipFill>
+        <p:spPr>
+          <a:xfrm>
+            <a:off x="284838" y="1612601"/>
+            <a:ext cx="6524625" cy="3305175"/>
+          </a:xfrm>
+          <a:prstGeom prst="rect">
+            <a:avLst/>
+          </a:prstGeom>
+        </p:spPr>
+      </p:pic>
+      <p:pic>
+        <p:nvPicPr>
+          <p:cNvPr id="11" name="Imagen 10">
+            <a:extLst>
+              <a:ext uri="{FF2B5EF4-FFF2-40B4-BE49-F238E27FC236}">
+                <a16:creationId xmlns:a16="http://schemas.microsoft.com/office/drawing/2014/main" id="{A16E7029-5441-49AB-A7B5-6206776246F1}"/>
+              </a:ext>
+            </a:extLst>
+          </p:cNvPr>
+          <p:cNvPicPr>
+            <a:picLocks noChangeAspect="1"/>
+          </p:cNvPicPr>
+          <p:nvPr/>
+        </p:nvPicPr>
+        <p:blipFill>
+          <a:blip r:embed="rId4"/>
+          <a:stretch>
+            <a:fillRect/>
+          </a:stretch>
+        </p:blipFill>
+        <p:spPr>
+          <a:xfrm>
+            <a:off x="284838" y="1228141"/>
+            <a:ext cx="7301926" cy="199370"/>
+          </a:xfrm>
+          <a:prstGeom prst="rect">
+            <a:avLst/>
+          </a:prstGeom>
+        </p:spPr>
+      </p:pic>
+      <p:pic>
+        <p:nvPicPr>
+          <p:cNvPr id="1026" name="Picture 2" descr="Resultado de imagen de logo npm transparent">
+            <a:extLst>
+              <a:ext uri="{FF2B5EF4-FFF2-40B4-BE49-F238E27FC236}">
+                <a16:creationId xmlns:a16="http://schemas.microsoft.com/office/drawing/2014/main" id="{F7D3756D-28EE-4EF9-8F51-70576B101ADA}"/>
+              </a:ext>
+            </a:extLst>
+          </p:cNvPr>
+          <p:cNvPicPr>
+            <a:picLocks noChangeAspect="1" noChangeArrowheads="1"/>
+          </p:cNvPicPr>
+          <p:nvPr/>
+        </p:nvPicPr>
+        <p:blipFill>
+          <a:blip r:embed="rId5">
+            <a:extLst>
+              <a:ext uri="{28A0092B-C50C-407E-A947-70E740481C1C}">
+                <a14:useLocalDpi xmlns:a14="http://schemas.microsoft.com/office/drawing/2010/main" val="0"/>
+              </a:ext>
+            </a:extLst>
+          </a:blip>
+          <a:srcRect/>
+          <a:stretch>
+            <a:fillRect/>
+          </a:stretch>
+        </p:blipFill>
+        <p:spPr bwMode="auto">
+          <a:xfrm>
+            <a:off x="9854119" y="1612601"/>
+            <a:ext cx="1488332" cy="581768"/>
+          </a:xfrm>
+          <a:prstGeom prst="rect">
+            <a:avLst/>
+          </a:prstGeom>
+          <a:noFill/>
+          <a:extLst>
+            <a:ext uri="{909E8E84-426E-40DD-AFC4-6F175D3DCCD1}">
+              <a14:hiddenFill xmlns:a14="http://schemas.microsoft.com/office/drawing/2010/main">
+                <a:solidFill>
+                  <a:srgbClr val="FFFFFF"/>
+                </a:solidFill>
+              </a14:hiddenFill>
+            </a:ext>
+          </a:extLst>
+        </p:spPr>
+      </p:pic>
+      <p:sp>
+        <p:nvSpPr>
+          <p:cNvPr id="26" name="CuadroTexto 25">
+            <a:extLst>
+              <a:ext uri="{FF2B5EF4-FFF2-40B4-BE49-F238E27FC236}">
+                <a16:creationId xmlns:a16="http://schemas.microsoft.com/office/drawing/2014/main" id="{972226EF-8B2E-4D84-8E4C-84DDF0123273}"/>
+              </a:ext>
+            </a:extLst>
+          </p:cNvPr>
+          <p:cNvSpPr txBox="1"/>
+          <p:nvPr/>
+        </p:nvSpPr>
+        <p:spPr>
+          <a:xfrm>
+            <a:off x="9505700" y="2320155"/>
+            <a:ext cx="3397994" cy="400110"/>
+          </a:xfrm>
+          <a:prstGeom prst="rect">
+            <a:avLst/>
+          </a:prstGeom>
+          <a:noFill/>
+        </p:spPr>
+        <p:txBody>
+          <a:bodyPr wrap="square" rtlCol="0">
+            <a:spAutoFit/>
+          </a:bodyPr>
+          <a:lstStyle/>
+          <a:p>
+            <a:r>
+              <a:rPr lang="en-US" sz="2000" dirty="0">
+                <a:solidFill>
+                  <a:srgbClr val="53A2D3"/>
+                </a:solidFill>
+              </a:rPr>
+              <a:t>ng2-tooltip-directive</a:t>
+            </a:r>
+          </a:p>
+        </p:txBody>
+      </p:sp>
+      <p:sp>
+        <p:nvSpPr>
+          <p:cNvPr id="12" name="CuadroTexto 11">
+            <a:extLst>
+              <a:ext uri="{FF2B5EF4-FFF2-40B4-BE49-F238E27FC236}">
+                <a16:creationId xmlns:a16="http://schemas.microsoft.com/office/drawing/2014/main" id="{4984E2BF-9736-48EF-99A3-6D7FCC5212CD}"/>
+              </a:ext>
+            </a:extLst>
+          </p:cNvPr>
+          <p:cNvSpPr txBox="1"/>
+          <p:nvPr/>
+        </p:nvSpPr>
+        <p:spPr>
+          <a:xfrm>
+            <a:off x="187819" y="1099226"/>
+            <a:ext cx="8148785" cy="3818550"/>
+          </a:xfrm>
+          <a:prstGeom prst="rect">
+            <a:avLst/>
+          </a:prstGeom>
+          <a:noFill/>
+          <a:ln>
+            <a:solidFill>
+              <a:schemeClr val="bg1"/>
+            </a:solidFill>
+          </a:ln>
+        </p:spPr>
+        <p:txBody>
+          <a:bodyPr wrap="square" rtlCol="0">
+            <a:spAutoFit/>
+          </a:bodyPr>
+          <a:lstStyle/>
+          <a:p>
+            <a:endParaRPr lang="en-US" dirty="0"/>
+          </a:p>
+        </p:txBody>
+      </p:sp>
+      <p:sp>
+        <p:nvSpPr>
+          <p:cNvPr id="13" name="CuadroTexto 12">
+            <a:extLst>
+              <a:ext uri="{FF2B5EF4-FFF2-40B4-BE49-F238E27FC236}">
+                <a16:creationId xmlns:a16="http://schemas.microsoft.com/office/drawing/2014/main" id="{1733F97F-1B01-4732-8962-ACD71ACB8E6E}"/>
+              </a:ext>
+            </a:extLst>
+          </p:cNvPr>
+          <p:cNvSpPr txBox="1"/>
+          <p:nvPr/>
+        </p:nvSpPr>
+        <p:spPr>
+          <a:xfrm>
+            <a:off x="9289790" y="1099226"/>
+            <a:ext cx="2616990" cy="2013626"/>
+          </a:xfrm>
+          <a:prstGeom prst="rect">
+            <a:avLst/>
+          </a:prstGeom>
+          <a:noFill/>
+          <a:ln>
+            <a:solidFill>
+              <a:schemeClr val="bg1"/>
+            </a:solidFill>
+          </a:ln>
+        </p:spPr>
+        <p:txBody>
+          <a:bodyPr wrap="square" rtlCol="0">
+            <a:spAutoFit/>
+          </a:bodyPr>
+          <a:lstStyle/>
+          <a:p>
+            <a:endParaRPr lang="en-US" dirty="0"/>
+          </a:p>
+        </p:txBody>
+      </p:sp>
+      <p:cxnSp>
+        <p:nvCxnSpPr>
+          <p:cNvPr id="28" name="Conector recto de flecha 27">
+            <a:extLst>
+              <a:ext uri="{FF2B5EF4-FFF2-40B4-BE49-F238E27FC236}">
+                <a16:creationId xmlns:a16="http://schemas.microsoft.com/office/drawing/2014/main" id="{18FB9522-FFDE-4F56-8C3D-450F4BFAB028}"/>
+              </a:ext>
+            </a:extLst>
+          </p:cNvPr>
+          <p:cNvCxnSpPr>
+            <a:cxnSpLocks/>
+            <a:endCxn id="13" idx="1"/>
+          </p:cNvCxnSpPr>
+          <p:nvPr/>
+        </p:nvCxnSpPr>
+        <p:spPr>
+          <a:xfrm>
+            <a:off x="8336604" y="2106039"/>
+            <a:ext cx="953186" cy="0"/>
+          </a:xfrm>
+          <a:prstGeom prst="straightConnector1">
+            <a:avLst/>
+          </a:prstGeom>
+          <a:ln w="12700">
+            <a:solidFill>
+              <a:schemeClr val="bg1"/>
+            </a:solidFill>
+            <a:tailEnd type="triangle"/>
+          </a:ln>
+        </p:spPr>
+        <p:style>
+          <a:lnRef idx="1">
+            <a:schemeClr val="accent1"/>
+          </a:lnRef>
+          <a:fillRef idx="0">
+            <a:schemeClr val="accent1"/>
+          </a:fillRef>
+          <a:effectRef idx="0">
+            <a:schemeClr val="accent1"/>
+          </a:effectRef>
+          <a:fontRef idx="minor">
+            <a:schemeClr val="tx1"/>
+          </a:fontRef>
+        </p:style>
+      </p:cxnSp>
+      <p:sp>
+        <p:nvSpPr>
+          <p:cNvPr id="29" name="CuadroTexto 28">
+            <a:extLst>
+              <a:ext uri="{FF2B5EF4-FFF2-40B4-BE49-F238E27FC236}">
+                <a16:creationId xmlns:a16="http://schemas.microsoft.com/office/drawing/2014/main" id="{982B0BDA-8245-4D8E-BB1B-71C259DD536C}"/>
+              </a:ext>
+            </a:extLst>
+          </p:cNvPr>
+          <p:cNvSpPr txBox="1"/>
+          <p:nvPr/>
+        </p:nvSpPr>
+        <p:spPr>
+          <a:xfrm>
+            <a:off x="97621" y="5155541"/>
+            <a:ext cx="1376218" cy="369332"/>
+          </a:xfrm>
+          <a:prstGeom prst="rect">
+            <a:avLst/>
+          </a:prstGeom>
+          <a:noFill/>
+        </p:spPr>
+        <p:txBody>
+          <a:bodyPr wrap="square" rtlCol="0">
+            <a:spAutoFit/>
+          </a:bodyPr>
+          <a:lstStyle/>
+          <a:p>
+            <a:r>
+              <a:rPr lang="en-US" dirty="0">
+                <a:solidFill>
+                  <a:schemeClr val="bg1"/>
+                </a:solidFill>
+              </a:rPr>
+              <a:t>Usage:</a:t>
+            </a:r>
+          </a:p>
+        </p:txBody>
+      </p:sp>
+      <p:sp>
+        <p:nvSpPr>
+          <p:cNvPr id="37" name="CuadroTexto 36">
+            <a:extLst>
+              <a:ext uri="{FF2B5EF4-FFF2-40B4-BE49-F238E27FC236}">
+                <a16:creationId xmlns:a16="http://schemas.microsoft.com/office/drawing/2014/main" id="{6E63413F-5101-430A-BCD4-8E659BABAA8D}"/>
+              </a:ext>
+            </a:extLst>
+          </p:cNvPr>
+          <p:cNvSpPr txBox="1"/>
+          <p:nvPr/>
+        </p:nvSpPr>
+        <p:spPr>
+          <a:xfrm>
+            <a:off x="8433623" y="1742902"/>
+            <a:ext cx="1376218" cy="369332"/>
+          </a:xfrm>
+          <a:prstGeom prst="rect">
+            <a:avLst/>
+          </a:prstGeom>
+          <a:noFill/>
+        </p:spPr>
+        <p:txBody>
+          <a:bodyPr wrap="square" rtlCol="0">
+            <a:spAutoFit/>
+          </a:bodyPr>
+          <a:lstStyle/>
+          <a:p>
+            <a:r>
+              <a:rPr lang="en-US" dirty="0">
+                <a:solidFill>
+                  <a:schemeClr val="bg1"/>
+                </a:solidFill>
+              </a:rPr>
+              <a:t>calls</a:t>
+            </a:r>
+          </a:p>
+        </p:txBody>
+      </p:sp>
+    </p:spTree>
+    <p:extLst>
+      <p:ext uri="{BB962C8B-B14F-4D97-AF65-F5344CB8AC3E}">
+        <p14:creationId xmlns:p14="http://schemas.microsoft.com/office/powerpoint/2010/main" val="458315806"/>
+      </p:ext>
+    </p:extLst>
+  </p:cSld>
+  <p:clrMapOvr>
+    <a:masterClrMapping/>
+  </p:clrMapOvr>
+</p:sld>
+</file>
+
+<file path=ppt/slides/slide2.xml><?xml version="1.0" encoding="utf-8"?>
+<p:sld xmlns:a="http://schemas.openxmlformats.org/drawingml/2006/main" xmlns:r="http://schemas.openxmlformats.org/officeDocument/2006/relationships" xmlns:p="http://schemas.openxmlformats.org/presentationml/2006/main">
+  <p:cSld>
+    <p:spTree>
+      <p:nvGrpSpPr>
+        <p:cNvPr id="1" name=""/>
+        <p:cNvGrpSpPr/>
+        <p:nvPr/>
+      </p:nvGrpSpPr>
+      <p:grpSpPr>
+        <a:xfrm>
+          <a:off x="0" y="0"/>
+          <a:ext cx="0" cy="0"/>
+          <a:chOff x="0" y="0"/>
+          <a:chExt cx="0" cy="0"/>
+        </a:xfrm>
+      </p:grpSpPr>
+      <p:sp>
+        <p:nvSpPr>
+          <p:cNvPr id="2" name="Título 1">
+            <a:extLst>
+              <a:ext uri="{FF2B5EF4-FFF2-40B4-BE49-F238E27FC236}">
                 <a16:creationId xmlns:a16="http://schemas.microsoft.com/office/drawing/2014/main" id="{51E579E3-4D4D-4391-A4DB-77F6C6DD84BE}"/>
               </a:ext>
             </a:extLst>
@@ -3431,7 +4898,7 @@
 </p:sld>
 </file>
 
-<file path=ppt/slides/slide2.xml><?xml version="1.0" encoding="utf-8"?>
+<file path=ppt/slides/slide3.xml><?xml version="1.0" encoding="utf-8"?>
 <p:sld xmlns:a="http://schemas.openxmlformats.org/drawingml/2006/main" xmlns:r="http://schemas.openxmlformats.org/officeDocument/2006/relationships" xmlns:p="http://schemas.openxmlformats.org/presentationml/2006/main">
   <p:cSld>
     <p:bg>
@@ -3919,7 +5386,7 @@
 </p:sld>
 </file>
 
-<file path=ppt/slides/slide3.xml><?xml version="1.0" encoding="utf-8"?>
+<file path=ppt/slides/slide4.xml><?xml version="1.0" encoding="utf-8"?>
 <p:sld xmlns:a="http://schemas.openxmlformats.org/drawingml/2006/main" xmlns:r="http://schemas.openxmlformats.org/officeDocument/2006/relationships" xmlns:p="http://schemas.openxmlformats.org/presentationml/2006/main">
   <p:cSld>
     <p:spTree>
@@ -4223,681 +5690,6 @@
     <p:extLst>
       <p:ext uri="{BB962C8B-B14F-4D97-AF65-F5344CB8AC3E}">
         <p14:creationId xmlns:p14="http://schemas.microsoft.com/office/powerpoint/2010/main" val="1346559302"/>
-      </p:ext>
-    </p:extLst>
-  </p:cSld>
-  <p:clrMapOvr>
-    <a:masterClrMapping/>
-  </p:clrMapOvr>
-</p:sld>
-</file>
-
-<file path=ppt/slides/slide4.xml><?xml version="1.0" encoding="utf-8"?>
-<p:sld xmlns:a="http://schemas.openxmlformats.org/drawingml/2006/main" xmlns:r="http://schemas.openxmlformats.org/officeDocument/2006/relationships" xmlns:p="http://schemas.openxmlformats.org/presentationml/2006/main">
-  <p:cSld>
-    <p:bg>
-      <p:bgPr>
-        <a:solidFill>
-          <a:srgbClr val="1E1E1E"/>
-        </a:solidFill>
-        <a:effectLst/>
-      </p:bgPr>
-    </p:bg>
-    <p:spTree>
-      <p:nvGrpSpPr>
-        <p:cNvPr id="1" name=""/>
-        <p:cNvGrpSpPr/>
-        <p:nvPr/>
-      </p:nvGrpSpPr>
-      <p:grpSpPr>
-        <a:xfrm>
-          <a:off x="0" y="0"/>
-          <a:ext cx="0" cy="0"/>
-          <a:chOff x="0" y="0"/>
-          <a:chExt cx="0" cy="0"/>
-        </a:xfrm>
-      </p:grpSpPr>
-      <p:pic>
-        <p:nvPicPr>
-          <p:cNvPr id="2" name="Imagen 1">
-            <a:extLst>
-              <a:ext uri="{FF2B5EF4-FFF2-40B4-BE49-F238E27FC236}">
-                <a16:creationId xmlns:a16="http://schemas.microsoft.com/office/drawing/2014/main" id="{82E656D6-8014-4393-A7E4-C7118B275146}"/>
-              </a:ext>
-            </a:extLst>
-          </p:cNvPr>
-          <p:cNvPicPr>
-            <a:picLocks noChangeAspect="1"/>
-          </p:cNvPicPr>
-          <p:nvPr/>
-        </p:nvPicPr>
-        <p:blipFill>
-          <a:blip r:embed="rId2"/>
-          <a:stretch>
-            <a:fillRect/>
-          </a:stretch>
-        </p:blipFill>
-        <p:spPr>
-          <a:xfrm>
-            <a:off x="1515906" y="1441360"/>
-            <a:ext cx="2266950" cy="619125"/>
-          </a:xfrm>
-          <a:prstGeom prst="rect">
-            <a:avLst/>
-          </a:prstGeom>
-          <a:effectLst>
-            <a:glow rad="25400">
-              <a:schemeClr val="bg1">
-                <a:alpha val="40000"/>
-              </a:schemeClr>
-            </a:glow>
-          </a:effectLst>
-        </p:spPr>
-      </p:pic>
-      <p:pic>
-        <p:nvPicPr>
-          <p:cNvPr id="4" name="Imagen 3">
-            <a:extLst>
-              <a:ext uri="{FF2B5EF4-FFF2-40B4-BE49-F238E27FC236}">
-                <a16:creationId xmlns:a16="http://schemas.microsoft.com/office/drawing/2014/main" id="{4BCD6FE4-DA5B-4B42-A6CA-80CFC2C1632C}"/>
-              </a:ext>
-            </a:extLst>
-          </p:cNvPr>
-          <p:cNvPicPr>
-            <a:picLocks noChangeAspect="1"/>
-          </p:cNvPicPr>
-          <p:nvPr/>
-        </p:nvPicPr>
-        <p:blipFill>
-          <a:blip r:embed="rId3"/>
-          <a:stretch>
-            <a:fillRect/>
-          </a:stretch>
-        </p:blipFill>
-        <p:spPr>
-          <a:xfrm>
-            <a:off x="634844" y="3350327"/>
-            <a:ext cx="4029075" cy="971550"/>
-          </a:xfrm>
-          <a:prstGeom prst="rect">
-            <a:avLst/>
-          </a:prstGeom>
-          <a:effectLst>
-            <a:glow rad="25400">
-              <a:schemeClr val="bg1">
-                <a:alpha val="40000"/>
-              </a:schemeClr>
-            </a:glow>
-            <a:softEdge rad="0"/>
-          </a:effectLst>
-        </p:spPr>
-      </p:pic>
-      <p:pic>
-        <p:nvPicPr>
-          <p:cNvPr id="5" name="Imagen 4">
-            <a:extLst>
-              <a:ext uri="{FF2B5EF4-FFF2-40B4-BE49-F238E27FC236}">
-                <a16:creationId xmlns:a16="http://schemas.microsoft.com/office/drawing/2014/main" id="{F82BC3F5-B939-4CD2-AA5D-C961BCEE68CA}"/>
-              </a:ext>
-            </a:extLst>
-          </p:cNvPr>
-          <p:cNvPicPr>
-            <a:picLocks noChangeAspect="1"/>
-          </p:cNvPicPr>
-          <p:nvPr/>
-        </p:nvPicPr>
-        <p:blipFill>
-          <a:blip r:embed="rId4"/>
-          <a:stretch>
-            <a:fillRect/>
-          </a:stretch>
-        </p:blipFill>
-        <p:spPr>
-          <a:xfrm>
-            <a:off x="7068489" y="1039514"/>
-            <a:ext cx="3333750" cy="1304925"/>
-          </a:xfrm>
-          <a:prstGeom prst="rect">
-            <a:avLst/>
-          </a:prstGeom>
-          <a:effectLst>
-            <a:glow rad="25400">
-              <a:schemeClr val="bg1">
-                <a:alpha val="40000"/>
-              </a:schemeClr>
-            </a:glow>
-          </a:effectLst>
-        </p:spPr>
-      </p:pic>
-      <p:pic>
-        <p:nvPicPr>
-          <p:cNvPr id="3" name="Imagen 2">
-            <a:extLst>
-              <a:ext uri="{FF2B5EF4-FFF2-40B4-BE49-F238E27FC236}">
-                <a16:creationId xmlns:a16="http://schemas.microsoft.com/office/drawing/2014/main" id="{4400D3A2-6F03-43A7-8561-5BA0E4EC4E72}"/>
-              </a:ext>
-            </a:extLst>
-          </p:cNvPr>
-          <p:cNvPicPr>
-            <a:picLocks noChangeAspect="1"/>
-          </p:cNvPicPr>
-          <p:nvPr/>
-        </p:nvPicPr>
-        <p:blipFill>
-          <a:blip r:embed="rId5"/>
-          <a:stretch>
-            <a:fillRect/>
-          </a:stretch>
-        </p:blipFill>
-        <p:spPr>
-          <a:xfrm>
-            <a:off x="8817455" y="3156900"/>
-            <a:ext cx="2771775" cy="1390650"/>
-          </a:xfrm>
-          <a:prstGeom prst="rect">
-            <a:avLst/>
-          </a:prstGeom>
-          <a:effectLst>
-            <a:glow rad="25400">
-              <a:schemeClr val="bg1">
-                <a:alpha val="40000"/>
-              </a:schemeClr>
-            </a:glow>
-          </a:effectLst>
-        </p:spPr>
-      </p:pic>
-      <p:pic>
-        <p:nvPicPr>
-          <p:cNvPr id="9" name="Imagen 8">
-            <a:extLst>
-              <a:ext uri="{FF2B5EF4-FFF2-40B4-BE49-F238E27FC236}">
-                <a16:creationId xmlns:a16="http://schemas.microsoft.com/office/drawing/2014/main" id="{BB73BF90-97D7-4C41-B7DE-BB6F7E427B20}"/>
-              </a:ext>
-            </a:extLst>
-          </p:cNvPr>
-          <p:cNvPicPr>
-            <a:picLocks noChangeAspect="1"/>
-          </p:cNvPicPr>
-          <p:nvPr/>
-        </p:nvPicPr>
-        <p:blipFill>
-          <a:blip r:embed="rId6"/>
-          <a:stretch>
-            <a:fillRect/>
-          </a:stretch>
-        </p:blipFill>
-        <p:spPr>
-          <a:xfrm>
-            <a:off x="5951119" y="3156900"/>
-            <a:ext cx="2743200" cy="1371600"/>
-          </a:xfrm>
-          <a:prstGeom prst="rect">
-            <a:avLst/>
-          </a:prstGeom>
-          <a:effectLst>
-            <a:glow rad="25400">
-              <a:schemeClr val="bg1">
-                <a:alpha val="40000"/>
-              </a:schemeClr>
-            </a:glow>
-          </a:effectLst>
-        </p:spPr>
-      </p:pic>
-      <p:pic>
-        <p:nvPicPr>
-          <p:cNvPr id="10" name="Imagen 9">
-            <a:extLst>
-              <a:ext uri="{FF2B5EF4-FFF2-40B4-BE49-F238E27FC236}">
-                <a16:creationId xmlns:a16="http://schemas.microsoft.com/office/drawing/2014/main" id="{753BA75E-AFB4-43C7-93C5-DBBA2CC5CFE2}"/>
-              </a:ext>
-            </a:extLst>
-          </p:cNvPr>
-          <p:cNvPicPr>
-            <a:picLocks noChangeAspect="1"/>
-          </p:cNvPicPr>
-          <p:nvPr/>
-        </p:nvPicPr>
-        <p:blipFill>
-          <a:blip r:embed="rId7"/>
-          <a:stretch>
-            <a:fillRect/>
-          </a:stretch>
-        </p:blipFill>
-        <p:spPr>
-          <a:xfrm>
-            <a:off x="740189" y="5379061"/>
-            <a:ext cx="7162800" cy="1076325"/>
-          </a:xfrm>
-          <a:prstGeom prst="rect">
-            <a:avLst/>
-          </a:prstGeom>
-          <a:effectLst>
-            <a:glow rad="25400">
-              <a:schemeClr val="bg1">
-                <a:alpha val="40000"/>
-              </a:schemeClr>
-            </a:glow>
-          </a:effectLst>
-        </p:spPr>
-      </p:pic>
-      <p:cxnSp>
-        <p:nvCxnSpPr>
-          <p:cNvPr id="14" name="Conector recto de flecha 13">
-            <a:extLst>
-              <a:ext uri="{FF2B5EF4-FFF2-40B4-BE49-F238E27FC236}">
-                <a16:creationId xmlns:a16="http://schemas.microsoft.com/office/drawing/2014/main" id="{BBE9E990-FC3E-41C9-B43C-3EFC0962AB9D}"/>
-              </a:ext>
-            </a:extLst>
-          </p:cNvPr>
-          <p:cNvCxnSpPr>
-            <a:stCxn id="4" idx="0"/>
-            <a:endCxn id="2" idx="2"/>
-          </p:cNvCxnSpPr>
-          <p:nvPr/>
-        </p:nvCxnSpPr>
-        <p:spPr>
-          <a:xfrm flipH="1" flipV="1">
-            <a:off x="2649381" y="2060485"/>
-            <a:ext cx="1" cy="1289842"/>
-          </a:xfrm>
-          <a:prstGeom prst="straightConnector1">
-            <a:avLst/>
-          </a:prstGeom>
-          <a:ln w="12700">
-            <a:solidFill>
-              <a:schemeClr val="bg1"/>
-            </a:solidFill>
-            <a:tailEnd type="triangle"/>
-          </a:ln>
-        </p:spPr>
-        <p:style>
-          <a:lnRef idx="1">
-            <a:schemeClr val="accent1"/>
-          </a:lnRef>
-          <a:fillRef idx="0">
-            <a:schemeClr val="accent1"/>
-          </a:fillRef>
-          <a:effectRef idx="0">
-            <a:schemeClr val="accent1"/>
-          </a:effectRef>
-          <a:fontRef idx="minor">
-            <a:schemeClr val="tx1"/>
-          </a:fontRef>
-        </p:style>
-      </p:cxnSp>
-      <p:cxnSp>
-        <p:nvCxnSpPr>
-          <p:cNvPr id="20" name="Conector recto de flecha 19">
-            <a:extLst>
-              <a:ext uri="{FF2B5EF4-FFF2-40B4-BE49-F238E27FC236}">
-                <a16:creationId xmlns:a16="http://schemas.microsoft.com/office/drawing/2014/main" id="{9B15C56A-0FE9-4CBC-B44D-29503B41A061}"/>
-              </a:ext>
-            </a:extLst>
-          </p:cNvPr>
-          <p:cNvCxnSpPr>
-            <a:stCxn id="9" idx="0"/>
-            <a:endCxn id="5" idx="2"/>
-          </p:cNvCxnSpPr>
-          <p:nvPr/>
-        </p:nvCxnSpPr>
-        <p:spPr>
-          <a:xfrm flipV="1">
-            <a:off x="7322719" y="2344439"/>
-            <a:ext cx="1412645" cy="812461"/>
-          </a:xfrm>
-          <a:prstGeom prst="straightConnector1">
-            <a:avLst/>
-          </a:prstGeom>
-          <a:ln w="12700">
-            <a:solidFill>
-              <a:schemeClr val="bg1"/>
-            </a:solidFill>
-            <a:tailEnd type="triangle"/>
-          </a:ln>
-        </p:spPr>
-        <p:style>
-          <a:lnRef idx="1">
-            <a:schemeClr val="accent1"/>
-          </a:lnRef>
-          <a:fillRef idx="0">
-            <a:schemeClr val="accent1"/>
-          </a:fillRef>
-          <a:effectRef idx="0">
-            <a:schemeClr val="accent1"/>
-          </a:effectRef>
-          <a:fontRef idx="minor">
-            <a:schemeClr val="tx1"/>
-          </a:fontRef>
-        </p:style>
-      </p:cxnSp>
-      <p:cxnSp>
-        <p:nvCxnSpPr>
-          <p:cNvPr id="22" name="Conector recto de flecha 21">
-            <a:extLst>
-              <a:ext uri="{FF2B5EF4-FFF2-40B4-BE49-F238E27FC236}">
-                <a16:creationId xmlns:a16="http://schemas.microsoft.com/office/drawing/2014/main" id="{18DD3FA9-DF3D-4D01-9C2B-4C794196CD33}"/>
-              </a:ext>
-            </a:extLst>
-          </p:cNvPr>
-          <p:cNvCxnSpPr>
-            <a:stCxn id="3" idx="0"/>
-            <a:endCxn id="5" idx="2"/>
-          </p:cNvCxnSpPr>
-          <p:nvPr/>
-        </p:nvCxnSpPr>
-        <p:spPr>
-          <a:xfrm flipH="1" flipV="1">
-            <a:off x="8735364" y="2344439"/>
-            <a:ext cx="1467979" cy="812461"/>
-          </a:xfrm>
-          <a:prstGeom prst="straightConnector1">
-            <a:avLst/>
-          </a:prstGeom>
-          <a:ln w="12700">
-            <a:solidFill>
-              <a:schemeClr val="bg1"/>
-            </a:solidFill>
-            <a:tailEnd type="triangle"/>
-          </a:ln>
-        </p:spPr>
-        <p:style>
-          <a:lnRef idx="1">
-            <a:schemeClr val="accent1"/>
-          </a:lnRef>
-          <a:fillRef idx="0">
-            <a:schemeClr val="accent1"/>
-          </a:fillRef>
-          <a:effectRef idx="0">
-            <a:schemeClr val="accent1"/>
-          </a:effectRef>
-          <a:fontRef idx="minor">
-            <a:schemeClr val="tx1"/>
-          </a:fontRef>
-        </p:style>
-      </p:cxnSp>
-      <p:cxnSp>
-        <p:nvCxnSpPr>
-          <p:cNvPr id="24" name="Conector recto de flecha 23">
-            <a:extLst>
-              <a:ext uri="{FF2B5EF4-FFF2-40B4-BE49-F238E27FC236}">
-                <a16:creationId xmlns:a16="http://schemas.microsoft.com/office/drawing/2014/main" id="{E5FDCDA5-D881-447C-B1BE-4FBD7E901A48}"/>
-              </a:ext>
-            </a:extLst>
-          </p:cNvPr>
-          <p:cNvCxnSpPr>
-            <a:stCxn id="9" idx="1"/>
-            <a:endCxn id="4" idx="3"/>
-          </p:cNvCxnSpPr>
-          <p:nvPr/>
-        </p:nvCxnSpPr>
-        <p:spPr>
-          <a:xfrm flipH="1" flipV="1">
-            <a:off x="4663919" y="3836102"/>
-            <a:ext cx="1287200" cy="6598"/>
-          </a:xfrm>
-          <a:prstGeom prst="straightConnector1">
-            <a:avLst/>
-          </a:prstGeom>
-          <a:ln w="12700">
-            <a:solidFill>
-              <a:schemeClr val="bg1"/>
-            </a:solidFill>
-            <a:tailEnd type="triangle"/>
-          </a:ln>
-        </p:spPr>
-        <p:style>
-          <a:lnRef idx="1">
-            <a:schemeClr val="accent1"/>
-          </a:lnRef>
-          <a:fillRef idx="0">
-            <a:schemeClr val="accent1"/>
-          </a:fillRef>
-          <a:effectRef idx="0">
-            <a:schemeClr val="accent1"/>
-          </a:effectRef>
-          <a:fontRef idx="minor">
-            <a:schemeClr val="tx1"/>
-          </a:fontRef>
-        </p:style>
-      </p:cxnSp>
-      <p:sp>
-        <p:nvSpPr>
-          <p:cNvPr id="32" name="CuadroTexto 31">
-            <a:extLst>
-              <a:ext uri="{FF2B5EF4-FFF2-40B4-BE49-F238E27FC236}">
-                <a16:creationId xmlns:a16="http://schemas.microsoft.com/office/drawing/2014/main" id="{40F2DF41-A2B9-4A87-A4B5-9EBF59CA34CA}"/>
-              </a:ext>
-            </a:extLst>
-          </p:cNvPr>
-          <p:cNvSpPr txBox="1"/>
-          <p:nvPr/>
-        </p:nvSpPr>
-        <p:spPr>
-          <a:xfrm>
-            <a:off x="9556279" y="2485766"/>
-            <a:ext cx="1376218" cy="369332"/>
-          </a:xfrm>
-          <a:prstGeom prst="rect">
-            <a:avLst/>
-          </a:prstGeom>
-          <a:noFill/>
-        </p:spPr>
-        <p:txBody>
-          <a:bodyPr wrap="square" rtlCol="0">
-            <a:spAutoFit/>
-          </a:bodyPr>
-          <a:lstStyle/>
-          <a:p>
-            <a:r>
-              <a:rPr lang="en-US" dirty="0">
-                <a:solidFill>
-                  <a:schemeClr val="bg1"/>
-                </a:solidFill>
-              </a:rPr>
-              <a:t>extends</a:t>
-            </a:r>
-          </a:p>
-        </p:txBody>
-      </p:sp>
-      <p:sp>
-        <p:nvSpPr>
-          <p:cNvPr id="33" name="CuadroTexto 32">
-            <a:extLst>
-              <a:ext uri="{FF2B5EF4-FFF2-40B4-BE49-F238E27FC236}">
-                <a16:creationId xmlns:a16="http://schemas.microsoft.com/office/drawing/2014/main" id="{97668815-0728-4759-9556-057F414F3B45}"/>
-              </a:ext>
-            </a:extLst>
-          </p:cNvPr>
-          <p:cNvSpPr txBox="1"/>
-          <p:nvPr/>
-        </p:nvSpPr>
-        <p:spPr>
-          <a:xfrm>
-            <a:off x="7068489" y="2490822"/>
-            <a:ext cx="1376218" cy="369332"/>
-          </a:xfrm>
-          <a:prstGeom prst="rect">
-            <a:avLst/>
-          </a:prstGeom>
-          <a:noFill/>
-        </p:spPr>
-        <p:txBody>
-          <a:bodyPr wrap="square" rtlCol="0">
-            <a:spAutoFit/>
-          </a:bodyPr>
-          <a:lstStyle/>
-          <a:p>
-            <a:r>
-              <a:rPr lang="en-US" dirty="0">
-                <a:solidFill>
-                  <a:schemeClr val="bg1"/>
-                </a:solidFill>
-              </a:rPr>
-              <a:t>extends</a:t>
-            </a:r>
-          </a:p>
-        </p:txBody>
-      </p:sp>
-      <p:sp>
-        <p:nvSpPr>
-          <p:cNvPr id="34" name="CuadroTexto 33">
-            <a:extLst>
-              <a:ext uri="{FF2B5EF4-FFF2-40B4-BE49-F238E27FC236}">
-                <a16:creationId xmlns:a16="http://schemas.microsoft.com/office/drawing/2014/main" id="{AF390347-4FE9-4637-ADC2-2F883038674D}"/>
-              </a:ext>
-            </a:extLst>
-          </p:cNvPr>
-          <p:cNvSpPr txBox="1"/>
-          <p:nvPr/>
-        </p:nvSpPr>
-        <p:spPr>
-          <a:xfrm>
-            <a:off x="2649381" y="2485766"/>
-            <a:ext cx="1376218" cy="369332"/>
-          </a:xfrm>
-          <a:prstGeom prst="rect">
-            <a:avLst/>
-          </a:prstGeom>
-          <a:noFill/>
-        </p:spPr>
-        <p:txBody>
-          <a:bodyPr wrap="square" rtlCol="0">
-            <a:spAutoFit/>
-          </a:bodyPr>
-          <a:lstStyle/>
-          <a:p>
-            <a:r>
-              <a:rPr lang="en-US" dirty="0">
-                <a:solidFill>
-                  <a:schemeClr val="bg1"/>
-                </a:solidFill>
-              </a:rPr>
-              <a:t>implements</a:t>
-            </a:r>
-          </a:p>
-        </p:txBody>
-      </p:sp>
-      <p:sp>
-        <p:nvSpPr>
-          <p:cNvPr id="35" name="CuadroTexto 34">
-            <a:extLst>
-              <a:ext uri="{FF2B5EF4-FFF2-40B4-BE49-F238E27FC236}">
-                <a16:creationId xmlns:a16="http://schemas.microsoft.com/office/drawing/2014/main" id="{BE50640E-D77B-4741-921C-C1EB9BC55B03}"/>
-              </a:ext>
-            </a:extLst>
-          </p:cNvPr>
-          <p:cNvSpPr txBox="1"/>
-          <p:nvPr/>
-        </p:nvSpPr>
-        <p:spPr>
-          <a:xfrm>
-            <a:off x="685483" y="5009729"/>
-            <a:ext cx="935768" cy="369332"/>
-          </a:xfrm>
-          <a:prstGeom prst="rect">
-            <a:avLst/>
-          </a:prstGeom>
-          <a:noFill/>
-        </p:spPr>
-        <p:txBody>
-          <a:bodyPr wrap="square" rtlCol="0">
-            <a:spAutoFit/>
-          </a:bodyPr>
-          <a:lstStyle/>
-          <a:p>
-            <a:r>
-              <a:rPr lang="en-US" dirty="0">
-                <a:solidFill>
-                  <a:schemeClr val="bg1"/>
-                </a:solidFill>
-              </a:rPr>
-              <a:t>Usage:</a:t>
-            </a:r>
-          </a:p>
-        </p:txBody>
-      </p:sp>
-      <p:sp>
-        <p:nvSpPr>
-          <p:cNvPr id="38" name="CuadroTexto 37">
-            <a:extLst>
-              <a:ext uri="{FF2B5EF4-FFF2-40B4-BE49-F238E27FC236}">
-                <a16:creationId xmlns:a16="http://schemas.microsoft.com/office/drawing/2014/main" id="{59ACC0EC-E019-4E05-89A5-7D9CEFC1BBA2}"/>
-              </a:ext>
-            </a:extLst>
-          </p:cNvPr>
-          <p:cNvSpPr txBox="1"/>
-          <p:nvPr/>
-        </p:nvSpPr>
-        <p:spPr>
-          <a:xfrm>
-            <a:off x="4864665" y="3466770"/>
-            <a:ext cx="1376218" cy="369332"/>
-          </a:xfrm>
-          <a:prstGeom prst="rect">
-            <a:avLst/>
-          </a:prstGeom>
-          <a:noFill/>
-        </p:spPr>
-        <p:txBody>
-          <a:bodyPr wrap="square" rtlCol="0">
-            <a:spAutoFit/>
-          </a:bodyPr>
-          <a:lstStyle/>
-          <a:p>
-            <a:r>
-              <a:rPr lang="en-US" dirty="0">
-                <a:solidFill>
-                  <a:schemeClr val="bg1"/>
-                </a:solidFill>
-              </a:rPr>
-              <a:t>creates</a:t>
-            </a:r>
-          </a:p>
-        </p:txBody>
-      </p:sp>
-      <p:sp>
-        <p:nvSpPr>
-          <p:cNvPr id="17" name="CuadroTexto 16">
-            <a:extLst>
-              <a:ext uri="{FF2B5EF4-FFF2-40B4-BE49-F238E27FC236}">
-                <a16:creationId xmlns:a16="http://schemas.microsoft.com/office/drawing/2014/main" id="{5C456F47-1C52-4FA5-A369-2F5203D67ABD}"/>
-              </a:ext>
-            </a:extLst>
-          </p:cNvPr>
-          <p:cNvSpPr txBox="1"/>
-          <p:nvPr/>
-        </p:nvSpPr>
-        <p:spPr>
-          <a:xfrm>
-            <a:off x="361700" y="215130"/>
-            <a:ext cx="3397994" cy="646331"/>
-          </a:xfrm>
-          <a:prstGeom prst="rect">
-            <a:avLst/>
-          </a:prstGeom>
-          <a:noFill/>
-        </p:spPr>
-        <p:txBody>
-          <a:bodyPr wrap="square" rtlCol="0">
-            <a:spAutoFit/>
-          </a:bodyPr>
-          <a:lstStyle/>
-          <a:p>
-            <a:r>
-              <a:rPr lang="en-US" sz="3600" dirty="0">
-                <a:solidFill>
-                  <a:srgbClr val="53A2D3"/>
-                </a:solidFill>
-              </a:rPr>
-              <a:t>Mundo real</a:t>
-            </a:r>
-          </a:p>
-        </p:txBody>
-      </p:sp>
-    </p:spTree>
-    <p:extLst>
-      <p:ext uri="{BB962C8B-B14F-4D97-AF65-F5344CB8AC3E}">
-        <p14:creationId xmlns:p14="http://schemas.microsoft.com/office/powerpoint/2010/main" val="1822608010"/>
       </p:ext>
     </p:extLst>
   </p:cSld>
@@ -4932,26 +5724,248 @@
           <a:chExt cx="0" cy="0"/>
         </a:xfrm>
       </p:grpSpPr>
+      <p:pic>
+        <p:nvPicPr>
+          <p:cNvPr id="2" name="Imagen 1">
+            <a:extLst>
+              <a:ext uri="{FF2B5EF4-FFF2-40B4-BE49-F238E27FC236}">
+                <a16:creationId xmlns:a16="http://schemas.microsoft.com/office/drawing/2014/main" id="{82E656D6-8014-4393-A7E4-C7118B275146}"/>
+              </a:ext>
+            </a:extLst>
+          </p:cNvPr>
+          <p:cNvPicPr>
+            <a:picLocks noChangeAspect="1"/>
+          </p:cNvPicPr>
+          <p:nvPr/>
+        </p:nvPicPr>
+        <p:blipFill>
+          <a:blip r:embed="rId2"/>
+          <a:stretch>
+            <a:fillRect/>
+          </a:stretch>
+        </p:blipFill>
+        <p:spPr>
+          <a:xfrm>
+            <a:off x="1515906" y="1441360"/>
+            <a:ext cx="2266950" cy="619125"/>
+          </a:xfrm>
+          <a:prstGeom prst="rect">
+            <a:avLst/>
+          </a:prstGeom>
+          <a:effectLst>
+            <a:glow rad="25400">
+              <a:schemeClr val="bg1">
+                <a:alpha val="40000"/>
+              </a:schemeClr>
+            </a:glow>
+          </a:effectLst>
+        </p:spPr>
+      </p:pic>
+      <p:pic>
+        <p:nvPicPr>
+          <p:cNvPr id="4" name="Imagen 3">
+            <a:extLst>
+              <a:ext uri="{FF2B5EF4-FFF2-40B4-BE49-F238E27FC236}">
+                <a16:creationId xmlns:a16="http://schemas.microsoft.com/office/drawing/2014/main" id="{4BCD6FE4-DA5B-4B42-A6CA-80CFC2C1632C}"/>
+              </a:ext>
+            </a:extLst>
+          </p:cNvPr>
+          <p:cNvPicPr>
+            <a:picLocks noChangeAspect="1"/>
+          </p:cNvPicPr>
+          <p:nvPr/>
+        </p:nvPicPr>
+        <p:blipFill>
+          <a:blip r:embed="rId3"/>
+          <a:stretch>
+            <a:fillRect/>
+          </a:stretch>
+        </p:blipFill>
+        <p:spPr>
+          <a:xfrm>
+            <a:off x="634844" y="3350327"/>
+            <a:ext cx="4029075" cy="971550"/>
+          </a:xfrm>
+          <a:prstGeom prst="rect">
+            <a:avLst/>
+          </a:prstGeom>
+          <a:effectLst>
+            <a:glow rad="25400">
+              <a:schemeClr val="bg1">
+                <a:alpha val="40000"/>
+              </a:schemeClr>
+            </a:glow>
+            <a:softEdge rad="0"/>
+          </a:effectLst>
+        </p:spPr>
+      </p:pic>
+      <p:pic>
+        <p:nvPicPr>
+          <p:cNvPr id="5" name="Imagen 4">
+            <a:extLst>
+              <a:ext uri="{FF2B5EF4-FFF2-40B4-BE49-F238E27FC236}">
+                <a16:creationId xmlns:a16="http://schemas.microsoft.com/office/drawing/2014/main" id="{F82BC3F5-B939-4CD2-AA5D-C961BCEE68CA}"/>
+              </a:ext>
+            </a:extLst>
+          </p:cNvPr>
+          <p:cNvPicPr>
+            <a:picLocks noChangeAspect="1"/>
+          </p:cNvPicPr>
+          <p:nvPr/>
+        </p:nvPicPr>
+        <p:blipFill>
+          <a:blip r:embed="rId4"/>
+          <a:stretch>
+            <a:fillRect/>
+          </a:stretch>
+        </p:blipFill>
+        <p:spPr>
+          <a:xfrm>
+            <a:off x="7068489" y="1039514"/>
+            <a:ext cx="3333750" cy="1304925"/>
+          </a:xfrm>
+          <a:prstGeom prst="rect">
+            <a:avLst/>
+          </a:prstGeom>
+          <a:effectLst>
+            <a:glow rad="25400">
+              <a:schemeClr val="bg1">
+                <a:alpha val="40000"/>
+              </a:schemeClr>
+            </a:glow>
+          </a:effectLst>
+        </p:spPr>
+      </p:pic>
+      <p:pic>
+        <p:nvPicPr>
+          <p:cNvPr id="3" name="Imagen 2">
+            <a:extLst>
+              <a:ext uri="{FF2B5EF4-FFF2-40B4-BE49-F238E27FC236}">
+                <a16:creationId xmlns:a16="http://schemas.microsoft.com/office/drawing/2014/main" id="{4400D3A2-6F03-43A7-8561-5BA0E4EC4E72}"/>
+              </a:ext>
+            </a:extLst>
+          </p:cNvPr>
+          <p:cNvPicPr>
+            <a:picLocks noChangeAspect="1"/>
+          </p:cNvPicPr>
+          <p:nvPr/>
+        </p:nvPicPr>
+        <p:blipFill>
+          <a:blip r:embed="rId5"/>
+          <a:stretch>
+            <a:fillRect/>
+          </a:stretch>
+        </p:blipFill>
+        <p:spPr>
+          <a:xfrm>
+            <a:off x="8817455" y="3156900"/>
+            <a:ext cx="2771775" cy="1390650"/>
+          </a:xfrm>
+          <a:prstGeom prst="rect">
+            <a:avLst/>
+          </a:prstGeom>
+          <a:effectLst>
+            <a:glow rad="25400">
+              <a:schemeClr val="bg1">
+                <a:alpha val="40000"/>
+              </a:schemeClr>
+            </a:glow>
+          </a:effectLst>
+        </p:spPr>
+      </p:pic>
+      <p:pic>
+        <p:nvPicPr>
+          <p:cNvPr id="9" name="Imagen 8">
+            <a:extLst>
+              <a:ext uri="{FF2B5EF4-FFF2-40B4-BE49-F238E27FC236}">
+                <a16:creationId xmlns:a16="http://schemas.microsoft.com/office/drawing/2014/main" id="{BB73BF90-97D7-4C41-B7DE-BB6F7E427B20}"/>
+              </a:ext>
+            </a:extLst>
+          </p:cNvPr>
+          <p:cNvPicPr>
+            <a:picLocks noChangeAspect="1"/>
+          </p:cNvPicPr>
+          <p:nvPr/>
+        </p:nvPicPr>
+        <p:blipFill>
+          <a:blip r:embed="rId6"/>
+          <a:stretch>
+            <a:fillRect/>
+          </a:stretch>
+        </p:blipFill>
+        <p:spPr>
+          <a:xfrm>
+            <a:off x="5951119" y="3156900"/>
+            <a:ext cx="2743200" cy="1371600"/>
+          </a:xfrm>
+          <a:prstGeom prst="rect">
+            <a:avLst/>
+          </a:prstGeom>
+          <a:effectLst>
+            <a:glow rad="25400">
+              <a:schemeClr val="bg1">
+                <a:alpha val="40000"/>
+              </a:schemeClr>
+            </a:glow>
+          </a:effectLst>
+        </p:spPr>
+      </p:pic>
+      <p:pic>
+        <p:nvPicPr>
+          <p:cNvPr id="10" name="Imagen 9">
+            <a:extLst>
+              <a:ext uri="{FF2B5EF4-FFF2-40B4-BE49-F238E27FC236}">
+                <a16:creationId xmlns:a16="http://schemas.microsoft.com/office/drawing/2014/main" id="{753BA75E-AFB4-43C7-93C5-DBBA2CC5CFE2}"/>
+              </a:ext>
+            </a:extLst>
+          </p:cNvPr>
+          <p:cNvPicPr>
+            <a:picLocks noChangeAspect="1"/>
+          </p:cNvPicPr>
+          <p:nvPr/>
+        </p:nvPicPr>
+        <p:blipFill>
+          <a:blip r:embed="rId7"/>
+          <a:stretch>
+            <a:fillRect/>
+          </a:stretch>
+        </p:blipFill>
+        <p:spPr>
+          <a:xfrm>
+            <a:off x="740189" y="5379061"/>
+            <a:ext cx="7162800" cy="1076325"/>
+          </a:xfrm>
+          <a:prstGeom prst="rect">
+            <a:avLst/>
+          </a:prstGeom>
+          <a:effectLst>
+            <a:glow rad="25400">
+              <a:schemeClr val="bg1">
+                <a:alpha val="40000"/>
+              </a:schemeClr>
+            </a:glow>
+          </a:effectLst>
+        </p:spPr>
+      </p:pic>
       <p:cxnSp>
         <p:nvCxnSpPr>
-          <p:cNvPr id="7" name="Conector recto de flecha 6">
-            <a:extLst>
-              <a:ext uri="{FF2B5EF4-FFF2-40B4-BE49-F238E27FC236}">
-                <a16:creationId xmlns:a16="http://schemas.microsoft.com/office/drawing/2014/main" id="{CACB2080-F611-4C38-875E-FD4937B2074C}"/>
+          <p:cNvPr id="14" name="Conector recto de flecha 13">
+            <a:extLst>
+              <a:ext uri="{FF2B5EF4-FFF2-40B4-BE49-F238E27FC236}">
+                <a16:creationId xmlns:a16="http://schemas.microsoft.com/office/drawing/2014/main" id="{BBE9E990-FC3E-41C9-B43C-3EFC0962AB9D}"/>
               </a:ext>
             </a:extLst>
           </p:cNvPr>
           <p:cNvCxnSpPr>
-            <a:cxnSpLocks/>
-            <a:stCxn id="23" idx="0"/>
-            <a:endCxn id="22" idx="2"/>
+            <a:stCxn id="4" idx="0"/>
+            <a:endCxn id="2" idx="2"/>
           </p:cNvCxnSpPr>
           <p:nvPr/>
         </p:nvCxnSpPr>
         <p:spPr>
-          <a:xfrm flipV="1">
-            <a:off x="2866369" y="2001012"/>
-            <a:ext cx="0" cy="1062178"/>
+          <a:xfrm flipH="1" flipV="1">
+            <a:off x="2649381" y="2060485"/>
+            <a:ext cx="1" cy="1289842"/>
           </a:xfrm>
           <a:prstGeom prst="straightConnector1">
             <a:avLst/>
@@ -4980,27 +5994,23 @@
       </p:cxnSp>
       <p:cxnSp>
         <p:nvCxnSpPr>
-          <p:cNvPr id="10" name="Conector recto de flecha 9">
-            <a:extLst>
-              <a:ext uri="{FF2B5EF4-FFF2-40B4-BE49-F238E27FC236}">
-                <a16:creationId xmlns:a16="http://schemas.microsoft.com/office/drawing/2014/main" id="{8E8142DB-1054-415D-AC96-53835950BB91}"/>
-              </a:ext>
-              <a:ext uri="{C183D7F6-B498-43B3-948B-1728B52AA6E4}">
-                <adec:decorative xmlns:adec="http://schemas.microsoft.com/office/drawing/2017/decorative" val="0"/>
+          <p:cNvPr id="20" name="Conector recto de flecha 19">
+            <a:extLst>
+              <a:ext uri="{FF2B5EF4-FFF2-40B4-BE49-F238E27FC236}">
+                <a16:creationId xmlns:a16="http://schemas.microsoft.com/office/drawing/2014/main" id="{9B15C56A-0FE9-4CBC-B44D-29503B41A061}"/>
               </a:ext>
             </a:extLst>
           </p:cNvPr>
           <p:cNvCxnSpPr>
-            <a:cxnSpLocks/>
-            <a:stCxn id="21" idx="0"/>
-            <a:endCxn id="20" idx="2"/>
+            <a:stCxn id="9" idx="0"/>
+            <a:endCxn id="5" idx="2"/>
           </p:cNvCxnSpPr>
           <p:nvPr/>
         </p:nvCxnSpPr>
         <p:spPr>
           <a:xfrm flipV="1">
-            <a:off x="9329505" y="1996012"/>
-            <a:ext cx="0" cy="1124328"/>
+            <a:off x="7322719" y="2344439"/>
+            <a:ext cx="1412645" cy="812461"/>
           </a:xfrm>
           <a:prstGeom prst="straightConnector1">
             <a:avLst/>
@@ -5029,24 +6039,23 @@
       </p:cxnSp>
       <p:cxnSp>
         <p:nvCxnSpPr>
-          <p:cNvPr id="12" name="Conector recto de flecha 11">
-            <a:extLst>
-              <a:ext uri="{FF2B5EF4-FFF2-40B4-BE49-F238E27FC236}">
-                <a16:creationId xmlns:a16="http://schemas.microsoft.com/office/drawing/2014/main" id="{864C9DE1-4B25-4E8D-BACD-990C6B3F64E1}"/>
+          <p:cNvPr id="22" name="Conector recto de flecha 21">
+            <a:extLst>
+              <a:ext uri="{FF2B5EF4-FFF2-40B4-BE49-F238E27FC236}">
+                <a16:creationId xmlns:a16="http://schemas.microsoft.com/office/drawing/2014/main" id="{18DD3FA9-DF3D-4D01-9C2B-4C794196CD33}"/>
               </a:ext>
             </a:extLst>
           </p:cNvPr>
           <p:cNvCxnSpPr>
-            <a:cxnSpLocks/>
-            <a:stCxn id="21" idx="1"/>
-            <a:endCxn id="23" idx="3"/>
+            <a:stCxn id="3" idx="0"/>
+            <a:endCxn id="5" idx="2"/>
           </p:cNvCxnSpPr>
           <p:nvPr/>
         </p:nvCxnSpPr>
         <p:spPr>
-          <a:xfrm flipH="1">
-            <a:off x="5266669" y="4577665"/>
-            <a:ext cx="1552998" cy="0"/>
+          <a:xfrm flipH="1" flipV="1">
+            <a:off x="8735364" y="2344439"/>
+            <a:ext cx="1467979" cy="812461"/>
           </a:xfrm>
           <a:prstGeom prst="straightConnector1">
             <a:avLst/>
@@ -5073,12 +6082,57 @@
           </a:fontRef>
         </p:style>
       </p:cxnSp>
-      <p:sp>
-        <p:nvSpPr>
-          <p:cNvPr id="13" name="CuadroTexto 12">
-            <a:extLst>
-              <a:ext uri="{FF2B5EF4-FFF2-40B4-BE49-F238E27FC236}">
-                <a16:creationId xmlns:a16="http://schemas.microsoft.com/office/drawing/2014/main" id="{E787060D-FE99-441B-A857-E421157059B2}"/>
+      <p:cxnSp>
+        <p:nvCxnSpPr>
+          <p:cNvPr id="24" name="Conector recto de flecha 23">
+            <a:extLst>
+              <a:ext uri="{FF2B5EF4-FFF2-40B4-BE49-F238E27FC236}">
+                <a16:creationId xmlns:a16="http://schemas.microsoft.com/office/drawing/2014/main" id="{E5FDCDA5-D881-447C-B1BE-4FBD7E901A48}"/>
+              </a:ext>
+            </a:extLst>
+          </p:cNvPr>
+          <p:cNvCxnSpPr>
+            <a:stCxn id="9" idx="1"/>
+            <a:endCxn id="4" idx="3"/>
+          </p:cNvCxnSpPr>
+          <p:nvPr/>
+        </p:nvCxnSpPr>
+        <p:spPr>
+          <a:xfrm flipH="1" flipV="1">
+            <a:off x="4663919" y="3836102"/>
+            <a:ext cx="1287200" cy="6598"/>
+          </a:xfrm>
+          <a:prstGeom prst="straightConnector1">
+            <a:avLst/>
+          </a:prstGeom>
+          <a:ln w="12700">
+            <a:solidFill>
+              <a:schemeClr val="bg1"/>
+            </a:solidFill>
+            <a:tailEnd type="triangle"/>
+          </a:ln>
+        </p:spPr>
+        <p:style>
+          <a:lnRef idx="1">
+            <a:schemeClr val="accent1"/>
+          </a:lnRef>
+          <a:fillRef idx="0">
+            <a:schemeClr val="accent1"/>
+          </a:fillRef>
+          <a:effectRef idx="0">
+            <a:schemeClr val="accent1"/>
+          </a:effectRef>
+          <a:fontRef idx="minor">
+            <a:schemeClr val="tx1"/>
+          </a:fontRef>
+        </p:style>
+      </p:cxnSp>
+      <p:sp>
+        <p:nvSpPr>
+          <p:cNvPr id="32" name="CuadroTexto 31">
+            <a:extLst>
+              <a:ext uri="{FF2B5EF4-FFF2-40B4-BE49-F238E27FC236}">
+                <a16:creationId xmlns:a16="http://schemas.microsoft.com/office/drawing/2014/main" id="{40F2DF41-A2B9-4A87-A4B5-9EBF59CA34CA}"/>
               </a:ext>
             </a:extLst>
           </p:cNvPr>
@@ -5087,7 +6141,85 @@
         </p:nvSpPr>
         <p:spPr>
           <a:xfrm>
-            <a:off x="9325631" y="2390164"/>
+            <a:off x="9556279" y="2485766"/>
+            <a:ext cx="1376218" cy="369332"/>
+          </a:xfrm>
+          <a:prstGeom prst="rect">
+            <a:avLst/>
+          </a:prstGeom>
+          <a:noFill/>
+        </p:spPr>
+        <p:txBody>
+          <a:bodyPr wrap="square" rtlCol="0">
+            <a:spAutoFit/>
+          </a:bodyPr>
+          <a:lstStyle/>
+          <a:p>
+            <a:r>
+              <a:rPr lang="en-US" dirty="0">
+                <a:solidFill>
+                  <a:schemeClr val="bg1"/>
+                </a:solidFill>
+              </a:rPr>
+              <a:t>extends</a:t>
+            </a:r>
+          </a:p>
+        </p:txBody>
+      </p:sp>
+      <p:sp>
+        <p:nvSpPr>
+          <p:cNvPr id="33" name="CuadroTexto 32">
+            <a:extLst>
+              <a:ext uri="{FF2B5EF4-FFF2-40B4-BE49-F238E27FC236}">
+                <a16:creationId xmlns:a16="http://schemas.microsoft.com/office/drawing/2014/main" id="{97668815-0728-4759-9556-057F414F3B45}"/>
+              </a:ext>
+            </a:extLst>
+          </p:cNvPr>
+          <p:cNvSpPr txBox="1"/>
+          <p:nvPr/>
+        </p:nvSpPr>
+        <p:spPr>
+          <a:xfrm>
+            <a:off x="7068489" y="2490822"/>
+            <a:ext cx="1376218" cy="369332"/>
+          </a:xfrm>
+          <a:prstGeom prst="rect">
+            <a:avLst/>
+          </a:prstGeom>
+          <a:noFill/>
+        </p:spPr>
+        <p:txBody>
+          <a:bodyPr wrap="square" rtlCol="0">
+            <a:spAutoFit/>
+          </a:bodyPr>
+          <a:lstStyle/>
+          <a:p>
+            <a:r>
+              <a:rPr lang="en-US" dirty="0">
+                <a:solidFill>
+                  <a:schemeClr val="bg1"/>
+                </a:solidFill>
+              </a:rPr>
+              <a:t>extends</a:t>
+            </a:r>
+          </a:p>
+        </p:txBody>
+      </p:sp>
+      <p:sp>
+        <p:nvSpPr>
+          <p:cNvPr id="34" name="CuadroTexto 33">
+            <a:extLst>
+              <a:ext uri="{FF2B5EF4-FFF2-40B4-BE49-F238E27FC236}">
+                <a16:creationId xmlns:a16="http://schemas.microsoft.com/office/drawing/2014/main" id="{AF390347-4FE9-4637-ADC2-2F883038674D}"/>
+              </a:ext>
+            </a:extLst>
+          </p:cNvPr>
+          <p:cNvSpPr txBox="1"/>
+          <p:nvPr/>
+        </p:nvSpPr>
+        <p:spPr>
+          <a:xfrm>
+            <a:off x="2649381" y="2485766"/>
             <a:ext cx="1376218" cy="369332"/>
           </a:xfrm>
           <a:prstGeom prst="rect">
@@ -5114,10 +6246,10 @@
       </p:sp>
       <p:sp>
         <p:nvSpPr>
-          <p:cNvPr id="14" name="CuadroTexto 13">
-            <a:extLst>
-              <a:ext uri="{FF2B5EF4-FFF2-40B4-BE49-F238E27FC236}">
-                <a16:creationId xmlns:a16="http://schemas.microsoft.com/office/drawing/2014/main" id="{B8579608-CD71-4529-A8DF-5564C1172DAC}"/>
+          <p:cNvPr id="35" name="CuadroTexto 34">
+            <a:extLst>
+              <a:ext uri="{FF2B5EF4-FFF2-40B4-BE49-F238E27FC236}">
+                <a16:creationId xmlns:a16="http://schemas.microsoft.com/office/drawing/2014/main" id="{BE50640E-D77B-4741-921C-C1EB9BC55B03}"/>
               </a:ext>
             </a:extLst>
           </p:cNvPr>
@@ -5126,7 +6258,46 @@
         </p:nvSpPr>
         <p:spPr>
           <a:xfrm>
-            <a:off x="5549115" y="4208333"/>
+            <a:off x="685483" y="5009729"/>
+            <a:ext cx="935768" cy="369332"/>
+          </a:xfrm>
+          <a:prstGeom prst="rect">
+            <a:avLst/>
+          </a:prstGeom>
+          <a:noFill/>
+        </p:spPr>
+        <p:txBody>
+          <a:bodyPr wrap="square" rtlCol="0">
+            <a:spAutoFit/>
+          </a:bodyPr>
+          <a:lstStyle/>
+          <a:p>
+            <a:r>
+              <a:rPr lang="en-US" dirty="0">
+                <a:solidFill>
+                  <a:schemeClr val="bg1"/>
+                </a:solidFill>
+              </a:rPr>
+              <a:t>Usage:</a:t>
+            </a:r>
+          </a:p>
+        </p:txBody>
+      </p:sp>
+      <p:sp>
+        <p:nvSpPr>
+          <p:cNvPr id="38" name="CuadroTexto 37">
+            <a:extLst>
+              <a:ext uri="{FF2B5EF4-FFF2-40B4-BE49-F238E27FC236}">
+                <a16:creationId xmlns:a16="http://schemas.microsoft.com/office/drawing/2014/main" id="{59ACC0EC-E019-4E05-89A5-7D9CEFC1BBA2}"/>
+              </a:ext>
+            </a:extLst>
+          </p:cNvPr>
+          <p:cNvSpPr txBox="1"/>
+          <p:nvPr/>
+        </p:nvSpPr>
+        <p:spPr>
+          <a:xfrm>
+            <a:off x="4864665" y="3466770"/>
             <a:ext cx="1376218" cy="369332"/>
           </a:xfrm>
           <a:prstGeom prst="rect">
@@ -5153,10 +6324,10 @@
       </p:sp>
       <p:sp>
         <p:nvSpPr>
-          <p:cNvPr id="15" name="CuadroTexto 14">
-            <a:extLst>
-              <a:ext uri="{FF2B5EF4-FFF2-40B4-BE49-F238E27FC236}">
-                <a16:creationId xmlns:a16="http://schemas.microsoft.com/office/drawing/2014/main" id="{BC9DC069-9617-4C0E-A5AB-D76C202F9CF6}"/>
+          <p:cNvPr id="17" name="CuadroTexto 16">
+            <a:extLst>
+              <a:ext uri="{FF2B5EF4-FFF2-40B4-BE49-F238E27FC236}">
+                <a16:creationId xmlns:a16="http://schemas.microsoft.com/office/drawing/2014/main" id="{5C456F47-1C52-4FA5-A369-2F5203D67ABD}"/>
               </a:ext>
             </a:extLst>
           </p:cNvPr>
@@ -5165,8 +6336,8 @@
         </p:nvSpPr>
         <p:spPr>
           <a:xfrm>
-            <a:off x="2862494" y="2390164"/>
-            <a:ext cx="1376218" cy="369332"/>
+            <a:off x="361700" y="215130"/>
+            <a:ext cx="3397994" cy="646331"/>
           </a:xfrm>
           <a:prstGeom prst="rect">
             <a:avLst/>
@@ -5179,232 +6350,21 @@
           </a:bodyPr>
           <a:lstStyle/>
           <a:p>
-            <a:r>
-              <a:rPr lang="en-US" dirty="0">
-                <a:solidFill>
-                  <a:schemeClr val="bg1"/>
-                </a:solidFill>
-              </a:rPr>
-              <a:t>implements</a:t>
-            </a:r>
-          </a:p>
-        </p:txBody>
-      </p:sp>
-      <p:sp>
-        <p:nvSpPr>
-          <p:cNvPr id="31" name="CuadroTexto 30">
-            <a:extLst>
-              <a:ext uri="{FF2B5EF4-FFF2-40B4-BE49-F238E27FC236}">
-                <a16:creationId xmlns:a16="http://schemas.microsoft.com/office/drawing/2014/main" id="{FBF7026D-12F4-4541-8110-DE706094717A}"/>
-              </a:ext>
-            </a:extLst>
-          </p:cNvPr>
-          <p:cNvSpPr txBox="1"/>
-          <p:nvPr/>
-        </p:nvSpPr>
-        <p:spPr>
-          <a:xfrm>
-            <a:off x="484862" y="185392"/>
-            <a:ext cx="6285393" cy="646331"/>
-          </a:xfrm>
-          <a:prstGeom prst="rect">
-            <a:avLst/>
-          </a:prstGeom>
-          <a:noFill/>
-        </p:spPr>
-        <p:txBody>
-          <a:bodyPr wrap="square" rtlCol="0">
-            <a:spAutoFit/>
-          </a:bodyPr>
-          <a:lstStyle/>
-          <a:p>
-            <a:r>
-              <a:rPr lang="en-US" sz="3600" dirty="0" err="1">
-                <a:solidFill>
-                  <a:srgbClr val="53A2D3"/>
-                </a:solidFill>
-              </a:rPr>
-              <a:t>Teoría</a:t>
-            </a:r>
             <a:r>
               <a:rPr lang="en-US" sz="3600" dirty="0">
                 <a:solidFill>
                   <a:srgbClr val="53A2D3"/>
                 </a:solidFill>
               </a:rPr>
-              <a:t> (con </a:t>
-            </a:r>
-            <a:r>
-              <a:rPr lang="en-US" sz="3600" dirty="0" err="1">
-                <a:solidFill>
-                  <a:srgbClr val="53A2D3"/>
-                </a:solidFill>
-              </a:rPr>
-              <a:t>parámetros</a:t>
-            </a:r>
-            <a:r>
-              <a:rPr lang="en-US" sz="3600" dirty="0">
-                <a:solidFill>
-                  <a:srgbClr val="53A2D3"/>
-                </a:solidFill>
-              </a:rPr>
-              <a:t>)</a:t>
-            </a:r>
-          </a:p>
-        </p:txBody>
-      </p:sp>
-      <p:pic>
-        <p:nvPicPr>
-          <p:cNvPr id="20" name="Picture 1">
-            <a:extLst>
-              <a:ext uri="{FF2B5EF4-FFF2-40B4-BE49-F238E27FC236}">
-                <a16:creationId xmlns:a16="http://schemas.microsoft.com/office/drawing/2014/main" id="{BDCA5F6F-7F18-496C-80F9-C4AD8853DA6D}"/>
-              </a:ext>
-            </a:extLst>
-          </p:cNvPr>
-          <p:cNvPicPr>
-            <a:picLocks noChangeAspect="1"/>
-          </p:cNvPicPr>
-          <p:nvPr/>
-        </p:nvPicPr>
-        <p:blipFill>
-          <a:blip r:embed="rId2"/>
-          <a:stretch>
-            <a:fillRect/>
-          </a:stretch>
-        </p:blipFill>
-        <p:spPr>
-          <a:xfrm>
-            <a:off x="7005405" y="1176862"/>
-            <a:ext cx="4648200" cy="819150"/>
-          </a:xfrm>
-          <a:prstGeom prst="rect">
-            <a:avLst/>
-          </a:prstGeom>
-          <a:effectLst>
-            <a:glow rad="25400">
-              <a:schemeClr val="bg1">
-                <a:alpha val="40000"/>
-              </a:schemeClr>
-            </a:glow>
-          </a:effectLst>
-        </p:spPr>
-      </p:pic>
-      <p:pic>
-        <p:nvPicPr>
-          <p:cNvPr id="21" name="Picture 9">
-            <a:extLst>
-              <a:ext uri="{FF2B5EF4-FFF2-40B4-BE49-F238E27FC236}">
-                <a16:creationId xmlns:a16="http://schemas.microsoft.com/office/drawing/2014/main" id="{04241BB1-EA6D-46FC-BB47-A95340EEBBE0}"/>
-              </a:ext>
-            </a:extLst>
-          </p:cNvPr>
-          <p:cNvPicPr>
-            <a:picLocks noChangeAspect="1"/>
-          </p:cNvPicPr>
-          <p:nvPr/>
-        </p:nvPicPr>
-        <p:blipFill>
-          <a:blip r:embed="rId3"/>
-          <a:stretch>
-            <a:fillRect/>
-          </a:stretch>
-        </p:blipFill>
-        <p:spPr>
-          <a:xfrm>
-            <a:off x="6819667" y="3120340"/>
-            <a:ext cx="5019675" cy="2914650"/>
-          </a:xfrm>
-          <a:prstGeom prst="rect">
-            <a:avLst/>
-          </a:prstGeom>
-          <a:effectLst>
-            <a:glow rad="25400">
-              <a:schemeClr val="bg1">
-                <a:alpha val="40000"/>
-              </a:schemeClr>
-            </a:glow>
-          </a:effectLst>
-        </p:spPr>
-      </p:pic>
-      <p:pic>
-        <p:nvPicPr>
-          <p:cNvPr id="22" name="Picture 5">
-            <a:extLst>
-              <a:ext uri="{FF2B5EF4-FFF2-40B4-BE49-F238E27FC236}">
-                <a16:creationId xmlns:a16="http://schemas.microsoft.com/office/drawing/2014/main" id="{291618EF-9E9B-418B-92B1-1BC24730A0AC}"/>
-              </a:ext>
-            </a:extLst>
-          </p:cNvPr>
-          <p:cNvPicPr>
-            <a:picLocks noChangeAspect="1"/>
-          </p:cNvPicPr>
-          <p:nvPr/>
-        </p:nvPicPr>
-        <p:blipFill>
-          <a:blip r:embed="rId4"/>
-          <a:stretch>
-            <a:fillRect/>
-          </a:stretch>
-        </p:blipFill>
-        <p:spPr>
-          <a:xfrm>
-            <a:off x="1713844" y="1191387"/>
-            <a:ext cx="2305050" cy="809625"/>
-          </a:xfrm>
-          <a:prstGeom prst="rect">
-            <a:avLst/>
-          </a:prstGeom>
-          <a:effectLst>
-            <a:glow rad="25400">
-              <a:schemeClr val="bg1">
-                <a:alpha val="40000"/>
-              </a:schemeClr>
-            </a:glow>
-          </a:effectLst>
-        </p:spPr>
-      </p:pic>
-      <p:pic>
-        <p:nvPicPr>
-          <p:cNvPr id="23" name="Picture 12">
-            <a:extLst>
-              <a:ext uri="{FF2B5EF4-FFF2-40B4-BE49-F238E27FC236}">
-                <a16:creationId xmlns:a16="http://schemas.microsoft.com/office/drawing/2014/main" id="{2AB2827F-1BFF-4AD5-BE46-91F694BB0C1D}"/>
-              </a:ext>
-            </a:extLst>
-          </p:cNvPr>
-          <p:cNvPicPr>
-            <a:picLocks noChangeAspect="1"/>
-          </p:cNvPicPr>
-          <p:nvPr/>
-        </p:nvPicPr>
-        <p:blipFill>
-          <a:blip r:embed="rId5"/>
-          <a:stretch>
-            <a:fillRect/>
-          </a:stretch>
-        </p:blipFill>
-        <p:spPr>
-          <a:xfrm>
-            <a:off x="466069" y="3063190"/>
-            <a:ext cx="4800600" cy="3028950"/>
-          </a:xfrm>
-          <a:prstGeom prst="rect">
-            <a:avLst/>
-          </a:prstGeom>
-          <a:effectLst>
-            <a:glow rad="25400">
-              <a:schemeClr val="bg1">
-                <a:alpha val="40000"/>
-              </a:schemeClr>
-            </a:glow>
-          </a:effectLst>
-        </p:spPr>
-      </p:pic>
+              <a:t>Mundo real</a:t>
+            </a:r>
+          </a:p>
+        </p:txBody>
+      </p:sp>
     </p:spTree>
     <p:extLst>
       <p:ext uri="{BB962C8B-B14F-4D97-AF65-F5344CB8AC3E}">
-        <p14:creationId xmlns:p14="http://schemas.microsoft.com/office/powerpoint/2010/main" val="2067568303"/>
+        <p14:creationId xmlns:p14="http://schemas.microsoft.com/office/powerpoint/2010/main" val="1822608010"/>
       </p:ext>
     </p:extLst>
   </p:cSld>
@@ -5439,251 +6399,26 @@
           <a:chExt cx="0" cy="0"/>
         </a:xfrm>
       </p:grpSpPr>
-      <p:sp>
-        <p:nvSpPr>
-          <p:cNvPr id="59" name="CuadroTexto 58">
-            <a:extLst>
-              <a:ext uri="{FF2B5EF4-FFF2-40B4-BE49-F238E27FC236}">
-                <a16:creationId xmlns:a16="http://schemas.microsoft.com/office/drawing/2014/main" id="{4C81365D-BA99-4D51-A6D9-EB87A8B13E78}"/>
-              </a:ext>
-            </a:extLst>
-          </p:cNvPr>
-          <p:cNvSpPr txBox="1"/>
-          <p:nvPr/>
-        </p:nvSpPr>
-        <p:spPr>
-          <a:xfrm>
-            <a:off x="223163" y="4092548"/>
-            <a:ext cx="5647017" cy="2489732"/>
-          </a:xfrm>
-          <a:prstGeom prst="rect">
-            <a:avLst/>
-          </a:prstGeom>
-          <a:noFill/>
-          <a:ln w="0">
-            <a:solidFill>
-              <a:schemeClr val="bg1"/>
-            </a:solidFill>
-          </a:ln>
-          <a:effectLst>
-            <a:glow>
-              <a:schemeClr val="bg1">
-                <a:alpha val="40000"/>
-              </a:schemeClr>
-            </a:glow>
-          </a:effectLst>
-        </p:spPr>
-        <p:txBody>
-          <a:bodyPr wrap="square" rtlCol="0">
-            <a:spAutoFit/>
-          </a:bodyPr>
-          <a:lstStyle/>
-          <a:p>
-            <a:endParaRPr lang="en-US" dirty="0">
-              <a:solidFill>
-                <a:schemeClr val="bg1"/>
-              </a:solidFill>
-            </a:endParaRPr>
-          </a:p>
-        </p:txBody>
-      </p:sp>
-      <p:sp>
-        <p:nvSpPr>
-          <p:cNvPr id="18" name="CuadroTexto 17">
-            <a:extLst>
-              <a:ext uri="{FF2B5EF4-FFF2-40B4-BE49-F238E27FC236}">
-                <a16:creationId xmlns:a16="http://schemas.microsoft.com/office/drawing/2014/main" id="{B39B8261-0BA7-4BC5-89F6-FAA9B3688524}"/>
-              </a:ext>
-            </a:extLst>
-          </p:cNvPr>
-          <p:cNvSpPr txBox="1"/>
-          <p:nvPr/>
-        </p:nvSpPr>
-        <p:spPr>
-          <a:xfrm>
-            <a:off x="134486" y="1301802"/>
-            <a:ext cx="5489651" cy="2227112"/>
-          </a:xfrm>
-          <a:prstGeom prst="rect">
-            <a:avLst/>
-          </a:prstGeom>
-          <a:noFill/>
-          <a:ln w="0">
-            <a:solidFill>
-              <a:schemeClr val="bg1"/>
-            </a:solidFill>
-          </a:ln>
-          <a:effectLst>
-            <a:glow>
-              <a:schemeClr val="bg1">
-                <a:alpha val="40000"/>
-              </a:schemeClr>
-            </a:glow>
-          </a:effectLst>
-        </p:spPr>
-        <p:txBody>
-          <a:bodyPr wrap="square" rtlCol="0">
-            <a:spAutoFit/>
-          </a:bodyPr>
-          <a:lstStyle/>
-          <a:p>
-            <a:endParaRPr lang="en-US" dirty="0">
-              <a:solidFill>
-                <a:schemeClr val="bg1"/>
-              </a:solidFill>
-            </a:endParaRPr>
-          </a:p>
-        </p:txBody>
-      </p:sp>
-      <p:sp>
-        <p:nvSpPr>
-          <p:cNvPr id="17" name="CuadroTexto 16">
-            <a:extLst>
-              <a:ext uri="{FF2B5EF4-FFF2-40B4-BE49-F238E27FC236}">
-                <a16:creationId xmlns:a16="http://schemas.microsoft.com/office/drawing/2014/main" id="{5C456F47-1C52-4FA5-A369-2F5203D67ABD}"/>
-              </a:ext>
-            </a:extLst>
-          </p:cNvPr>
-          <p:cNvSpPr txBox="1"/>
-          <p:nvPr/>
-        </p:nvSpPr>
-        <p:spPr>
-          <a:xfrm>
-            <a:off x="7096600" y="5997505"/>
-            <a:ext cx="7341428" cy="584775"/>
-          </a:xfrm>
-          <a:prstGeom prst="rect">
-            <a:avLst/>
-          </a:prstGeom>
-          <a:noFill/>
-        </p:spPr>
-        <p:txBody>
-          <a:bodyPr wrap="square" rtlCol="0">
-            <a:spAutoFit/>
-          </a:bodyPr>
-          <a:lstStyle/>
-          <a:p>
-            <a:r>
-              <a:rPr lang="en-US" sz="3200" dirty="0">
-                <a:solidFill>
-                  <a:srgbClr val="53A2D3"/>
-                </a:solidFill>
-              </a:rPr>
-              <a:t>Mundo real (con </a:t>
-            </a:r>
-            <a:r>
-              <a:rPr lang="en-US" sz="3200" dirty="0" err="1">
-                <a:solidFill>
-                  <a:srgbClr val="53A2D3"/>
-                </a:solidFill>
-              </a:rPr>
-              <a:t>parámetros</a:t>
-            </a:r>
-            <a:r>
-              <a:rPr lang="en-US" sz="3200" dirty="0">
-                <a:solidFill>
-                  <a:srgbClr val="53A2D3"/>
-                </a:solidFill>
-              </a:rPr>
-              <a:t>)</a:t>
-            </a:r>
-          </a:p>
-        </p:txBody>
-      </p:sp>
-      <p:pic>
-        <p:nvPicPr>
-          <p:cNvPr id="6" name="Imagen 5">
-            <a:extLst>
-              <a:ext uri="{FF2B5EF4-FFF2-40B4-BE49-F238E27FC236}">
-                <a16:creationId xmlns:a16="http://schemas.microsoft.com/office/drawing/2014/main" id="{7FB57C20-E605-409C-BD47-72273570642B}"/>
-              </a:ext>
-            </a:extLst>
-          </p:cNvPr>
-          <p:cNvPicPr>
-            <a:picLocks noChangeAspect="1"/>
-          </p:cNvPicPr>
-          <p:nvPr/>
-        </p:nvPicPr>
-        <p:blipFill>
-          <a:blip r:embed="rId2"/>
-          <a:stretch>
-            <a:fillRect/>
-          </a:stretch>
-        </p:blipFill>
-        <p:spPr>
-          <a:xfrm>
-            <a:off x="1570076" y="219665"/>
-            <a:ext cx="2618469" cy="646331"/>
-          </a:xfrm>
-          <a:prstGeom prst="rect">
-            <a:avLst/>
-          </a:prstGeom>
-          <a:effectLst>
-            <a:glow rad="25400">
-              <a:schemeClr val="bg1">
-                <a:alpha val="40000"/>
-              </a:schemeClr>
-            </a:glow>
-          </a:effectLst>
-        </p:spPr>
-      </p:pic>
-      <p:pic>
-        <p:nvPicPr>
-          <p:cNvPr id="13" name="Imagen 12">
-            <a:extLst>
-              <a:ext uri="{FF2B5EF4-FFF2-40B4-BE49-F238E27FC236}">
-                <a16:creationId xmlns:a16="http://schemas.microsoft.com/office/drawing/2014/main" id="{96980A7C-6F1D-416F-9CC3-367F9B2EC5D2}"/>
-              </a:ext>
-            </a:extLst>
-          </p:cNvPr>
-          <p:cNvPicPr>
-            <a:picLocks noChangeAspect="1"/>
-          </p:cNvPicPr>
-          <p:nvPr/>
-        </p:nvPicPr>
-        <p:blipFill>
-          <a:blip r:embed="rId3"/>
-          <a:stretch>
-            <a:fillRect/>
-          </a:stretch>
-        </p:blipFill>
-        <p:spPr>
-          <a:xfrm>
-            <a:off x="6971266" y="77665"/>
-            <a:ext cx="5112131" cy="1713644"/>
-          </a:xfrm>
-          <a:prstGeom prst="rect">
-            <a:avLst/>
-          </a:prstGeom>
-          <a:effectLst>
-            <a:glow rad="25400">
-              <a:schemeClr val="bg1">
-                <a:alpha val="40000"/>
-              </a:schemeClr>
-            </a:glow>
-          </a:effectLst>
-        </p:spPr>
-      </p:pic>
       <p:cxnSp>
         <p:nvCxnSpPr>
-          <p:cNvPr id="27" name="Conector recto de flecha 26">
-            <a:extLst>
-              <a:ext uri="{FF2B5EF4-FFF2-40B4-BE49-F238E27FC236}">
-                <a16:creationId xmlns:a16="http://schemas.microsoft.com/office/drawing/2014/main" id="{BCD76D3D-CC21-4D8B-BE1F-9A3AAB477B30}"/>
+          <p:cNvPr id="7" name="Conector recto de flecha 6">
+            <a:extLst>
+              <a:ext uri="{FF2B5EF4-FFF2-40B4-BE49-F238E27FC236}">
+                <a16:creationId xmlns:a16="http://schemas.microsoft.com/office/drawing/2014/main" id="{CACB2080-F611-4C38-875E-FD4937B2074C}"/>
               </a:ext>
             </a:extLst>
           </p:cNvPr>
           <p:cNvCxnSpPr>
             <a:cxnSpLocks/>
-            <a:stCxn id="18" idx="0"/>
-            <a:endCxn id="6" idx="2"/>
+            <a:stCxn id="23" idx="0"/>
+            <a:endCxn id="22" idx="2"/>
           </p:cNvCxnSpPr>
           <p:nvPr/>
         </p:nvCxnSpPr>
         <p:spPr>
-          <a:xfrm flipH="1" flipV="1">
-            <a:off x="2879311" y="865996"/>
-            <a:ext cx="1" cy="435806"/>
+          <a:xfrm flipV="1">
+            <a:off x="2866369" y="2001012"/>
+            <a:ext cx="0" cy="1062178"/>
           </a:xfrm>
           <a:prstGeom prst="straightConnector1">
             <a:avLst/>
@@ -5710,64 +6445,29 @@
           </a:fontRef>
         </p:style>
       </p:cxnSp>
-      <p:sp>
-        <p:nvSpPr>
-          <p:cNvPr id="28" name="CuadroTexto 27">
-            <a:extLst>
-              <a:ext uri="{FF2B5EF4-FFF2-40B4-BE49-F238E27FC236}">
-                <a16:creationId xmlns:a16="http://schemas.microsoft.com/office/drawing/2014/main" id="{0EA56A32-4692-4A43-8865-B9DAB0747B52}"/>
-              </a:ext>
-            </a:extLst>
-          </p:cNvPr>
-          <p:cNvSpPr txBox="1"/>
-          <p:nvPr/>
-        </p:nvSpPr>
-        <p:spPr>
-          <a:xfrm>
-            <a:off x="2860962" y="921868"/>
-            <a:ext cx="1376218" cy="338554"/>
-          </a:xfrm>
-          <a:prstGeom prst="rect">
-            <a:avLst/>
-          </a:prstGeom>
-          <a:noFill/>
-        </p:spPr>
-        <p:txBody>
-          <a:bodyPr wrap="square" rtlCol="0">
-            <a:spAutoFit/>
-          </a:bodyPr>
-          <a:lstStyle/>
-          <a:p>
-            <a:r>
-              <a:rPr lang="en-US" sz="1600" dirty="0">
-                <a:solidFill>
-                  <a:schemeClr val="bg1"/>
-                </a:solidFill>
-              </a:rPr>
-              <a:t>implements</a:t>
-            </a:r>
-          </a:p>
-        </p:txBody>
-      </p:sp>
       <p:cxnSp>
         <p:nvCxnSpPr>
-          <p:cNvPr id="31" name="Conector recto de flecha 30">
-            <a:extLst>
-              <a:ext uri="{FF2B5EF4-FFF2-40B4-BE49-F238E27FC236}">
-                <a16:creationId xmlns:a16="http://schemas.microsoft.com/office/drawing/2014/main" id="{1F94211B-24ED-41AE-9E98-08E144D353D3}"/>
+          <p:cNvPr id="10" name="Conector recto de flecha 9">
+            <a:extLst>
+              <a:ext uri="{FF2B5EF4-FFF2-40B4-BE49-F238E27FC236}">
+                <a16:creationId xmlns:a16="http://schemas.microsoft.com/office/drawing/2014/main" id="{8E8142DB-1054-415D-AC96-53835950BB91}"/>
+              </a:ext>
+              <a:ext uri="{C183D7F6-B498-43B3-948B-1728B52AA6E4}">
+                <adec:decorative xmlns:adec="http://schemas.microsoft.com/office/drawing/2017/decorative" val="0"/>
               </a:ext>
             </a:extLst>
           </p:cNvPr>
           <p:cNvCxnSpPr>
             <a:cxnSpLocks/>
-            <a:endCxn id="18" idx="3"/>
+            <a:stCxn id="21" idx="0"/>
+            <a:endCxn id="20" idx="2"/>
           </p:cNvCxnSpPr>
           <p:nvPr/>
         </p:nvCxnSpPr>
         <p:spPr>
-          <a:xfrm flipH="1">
-            <a:off x="5624137" y="2415358"/>
-            <a:ext cx="927951" cy="0"/>
+          <a:xfrm flipV="1">
+            <a:off x="9329505" y="1996012"/>
+            <a:ext cx="0" cy="1124328"/>
           </a:xfrm>
           <a:prstGeom prst="straightConnector1">
             <a:avLst/>
@@ -5794,67 +6494,26 @@
           </a:fontRef>
         </p:style>
       </p:cxnSp>
-      <p:sp>
-        <p:nvSpPr>
-          <p:cNvPr id="36" name="CuadroTexto 35">
-            <a:extLst>
-              <a:ext uri="{FF2B5EF4-FFF2-40B4-BE49-F238E27FC236}">
-                <a16:creationId xmlns:a16="http://schemas.microsoft.com/office/drawing/2014/main" id="{DE28EF74-F915-4354-B18B-3926503544B8}"/>
-              </a:ext>
-            </a:extLst>
-          </p:cNvPr>
-          <p:cNvSpPr txBox="1"/>
-          <p:nvPr/>
-        </p:nvSpPr>
-        <p:spPr>
-          <a:xfrm>
-            <a:off x="5670848" y="2076804"/>
-            <a:ext cx="1376218" cy="338554"/>
-          </a:xfrm>
-          <a:prstGeom prst="rect">
-            <a:avLst/>
-          </a:prstGeom>
-          <a:noFill/>
-        </p:spPr>
-        <p:txBody>
-          <a:bodyPr wrap="square" rtlCol="0">
-            <a:spAutoFit/>
-          </a:bodyPr>
-          <a:lstStyle/>
-          <a:p>
-            <a:r>
-              <a:rPr lang="en-US" sz="1600" dirty="0">
-                <a:solidFill>
-                  <a:schemeClr val="bg1"/>
-                </a:solidFill>
-              </a:rPr>
-              <a:t>creates</a:t>
-            </a:r>
-          </a:p>
-        </p:txBody>
-      </p:sp>
       <p:cxnSp>
         <p:nvCxnSpPr>
-          <p:cNvPr id="37" name="Conector recto de flecha 36">
-            <a:extLst>
-              <a:ext uri="{FF2B5EF4-FFF2-40B4-BE49-F238E27FC236}">
-                <a16:creationId xmlns:a16="http://schemas.microsoft.com/office/drawing/2014/main" id="{84C96256-9E04-4A36-81E4-3C78FE3D7E61}"/>
-              </a:ext>
-              <a:ext uri="{C183D7F6-B498-43B3-948B-1728B52AA6E4}">
-                <adec:decorative xmlns:adec="http://schemas.microsoft.com/office/drawing/2017/decorative" val="0"/>
+          <p:cNvPr id="12" name="Conector recto de flecha 11">
+            <a:extLst>
+              <a:ext uri="{FF2B5EF4-FFF2-40B4-BE49-F238E27FC236}">
+                <a16:creationId xmlns:a16="http://schemas.microsoft.com/office/drawing/2014/main" id="{864C9DE1-4B25-4E8D-BACD-990C6B3F64E1}"/>
               </a:ext>
             </a:extLst>
           </p:cNvPr>
           <p:cNvCxnSpPr>
             <a:cxnSpLocks/>
-            <a:endCxn id="13" idx="2"/>
+            <a:stCxn id="21" idx="1"/>
+            <a:endCxn id="23" idx="3"/>
           </p:cNvCxnSpPr>
           <p:nvPr/>
         </p:nvCxnSpPr>
         <p:spPr>
-          <a:xfrm flipV="1">
-            <a:off x="9527332" y="1791309"/>
-            <a:ext cx="0" cy="344044"/>
+          <a:xfrm flipH="1">
+            <a:off x="5266669" y="4577665"/>
+            <a:ext cx="1552998" cy="0"/>
           </a:xfrm>
           <a:prstGeom prst="straightConnector1">
             <a:avLst/>
@@ -5883,10 +6542,10 @@
       </p:cxnSp>
       <p:sp>
         <p:nvSpPr>
-          <p:cNvPr id="39" name="CuadroTexto 38">
-            <a:extLst>
-              <a:ext uri="{FF2B5EF4-FFF2-40B4-BE49-F238E27FC236}">
-                <a16:creationId xmlns:a16="http://schemas.microsoft.com/office/drawing/2014/main" id="{C8EAE2A9-1D48-4069-9D0F-2D14D1453AA2}"/>
+          <p:cNvPr id="13" name="CuadroTexto 12">
+            <a:extLst>
+              <a:ext uri="{FF2B5EF4-FFF2-40B4-BE49-F238E27FC236}">
+                <a16:creationId xmlns:a16="http://schemas.microsoft.com/office/drawing/2014/main" id="{E787060D-FE99-441B-A857-E421157059B2}"/>
               </a:ext>
             </a:extLst>
           </p:cNvPr>
@@ -5895,8 +6554,8 @@
         </p:nvSpPr>
         <p:spPr>
           <a:xfrm>
-            <a:off x="9527331" y="1796799"/>
-            <a:ext cx="1376218" cy="338554"/>
+            <a:off x="9325631" y="2390164"/>
+            <a:ext cx="1376218" cy="369332"/>
           </a:xfrm>
           <a:prstGeom prst="rect">
             <a:avLst/>
@@ -5910,22 +6569,237 @@
           <a:lstStyle/>
           <a:p>
             <a:r>
-              <a:rPr lang="en-US" sz="1600" dirty="0">
+              <a:rPr lang="en-US" dirty="0">
                 <a:solidFill>
                   <a:schemeClr val="bg1"/>
                 </a:solidFill>
               </a:rPr>
-              <a:t>gets</a:t>
+              <a:t>implements</a:t>
+            </a:r>
+          </a:p>
+        </p:txBody>
+      </p:sp>
+      <p:sp>
+        <p:nvSpPr>
+          <p:cNvPr id="14" name="CuadroTexto 13">
+            <a:extLst>
+              <a:ext uri="{FF2B5EF4-FFF2-40B4-BE49-F238E27FC236}">
+                <a16:creationId xmlns:a16="http://schemas.microsoft.com/office/drawing/2014/main" id="{B8579608-CD71-4529-A8DF-5564C1172DAC}"/>
+              </a:ext>
+            </a:extLst>
+          </p:cNvPr>
+          <p:cNvSpPr txBox="1"/>
+          <p:nvPr/>
+        </p:nvSpPr>
+        <p:spPr>
+          <a:xfrm>
+            <a:off x="5549115" y="4208333"/>
+            <a:ext cx="1376218" cy="369332"/>
+          </a:xfrm>
+          <a:prstGeom prst="rect">
+            <a:avLst/>
+          </a:prstGeom>
+          <a:noFill/>
+        </p:spPr>
+        <p:txBody>
+          <a:bodyPr wrap="square" rtlCol="0">
+            <a:spAutoFit/>
+          </a:bodyPr>
+          <a:lstStyle/>
+          <a:p>
+            <a:r>
+              <a:rPr lang="en-US" dirty="0">
+                <a:solidFill>
+                  <a:schemeClr val="bg1"/>
+                </a:solidFill>
+              </a:rPr>
+              <a:t>creates</a:t>
+            </a:r>
+          </a:p>
+        </p:txBody>
+      </p:sp>
+      <p:sp>
+        <p:nvSpPr>
+          <p:cNvPr id="15" name="CuadroTexto 14">
+            <a:extLst>
+              <a:ext uri="{FF2B5EF4-FFF2-40B4-BE49-F238E27FC236}">
+                <a16:creationId xmlns:a16="http://schemas.microsoft.com/office/drawing/2014/main" id="{BC9DC069-9617-4C0E-A5AB-D76C202F9CF6}"/>
+              </a:ext>
+            </a:extLst>
+          </p:cNvPr>
+          <p:cNvSpPr txBox="1"/>
+          <p:nvPr/>
+        </p:nvSpPr>
+        <p:spPr>
+          <a:xfrm>
+            <a:off x="2862494" y="2390164"/>
+            <a:ext cx="1376218" cy="369332"/>
+          </a:xfrm>
+          <a:prstGeom prst="rect">
+            <a:avLst/>
+          </a:prstGeom>
+          <a:noFill/>
+        </p:spPr>
+        <p:txBody>
+          <a:bodyPr wrap="square" rtlCol="0">
+            <a:spAutoFit/>
+          </a:bodyPr>
+          <a:lstStyle/>
+          <a:p>
+            <a:r>
+              <a:rPr lang="en-US" dirty="0">
+                <a:solidFill>
+                  <a:schemeClr val="bg1"/>
+                </a:solidFill>
+              </a:rPr>
+              <a:t>implements</a:t>
+            </a:r>
+          </a:p>
+        </p:txBody>
+      </p:sp>
+      <p:sp>
+        <p:nvSpPr>
+          <p:cNvPr id="31" name="CuadroTexto 30">
+            <a:extLst>
+              <a:ext uri="{FF2B5EF4-FFF2-40B4-BE49-F238E27FC236}">
+                <a16:creationId xmlns:a16="http://schemas.microsoft.com/office/drawing/2014/main" id="{FBF7026D-12F4-4541-8110-DE706094717A}"/>
+              </a:ext>
+            </a:extLst>
+          </p:cNvPr>
+          <p:cNvSpPr txBox="1"/>
+          <p:nvPr/>
+        </p:nvSpPr>
+        <p:spPr>
+          <a:xfrm>
+            <a:off x="484862" y="185392"/>
+            <a:ext cx="6285393" cy="646331"/>
+          </a:xfrm>
+          <a:prstGeom prst="rect">
+            <a:avLst/>
+          </a:prstGeom>
+          <a:noFill/>
+        </p:spPr>
+        <p:txBody>
+          <a:bodyPr wrap="square" rtlCol="0">
+            <a:spAutoFit/>
+          </a:bodyPr>
+          <a:lstStyle/>
+          <a:p>
+            <a:r>
+              <a:rPr lang="en-US" sz="3600" dirty="0" err="1">
+                <a:solidFill>
+                  <a:srgbClr val="53A2D3"/>
+                </a:solidFill>
+              </a:rPr>
+              <a:t>Teoría</a:t>
+            </a:r>
+            <a:r>
+              <a:rPr lang="en-US" sz="3600" dirty="0">
+                <a:solidFill>
+                  <a:srgbClr val="53A2D3"/>
+                </a:solidFill>
+              </a:rPr>
+              <a:t> (con </a:t>
+            </a:r>
+            <a:r>
+              <a:rPr lang="en-US" sz="3600" dirty="0" err="1">
+                <a:solidFill>
+                  <a:srgbClr val="53A2D3"/>
+                </a:solidFill>
+              </a:rPr>
+              <a:t>parámetros</a:t>
+            </a:r>
+            <a:r>
+              <a:rPr lang="en-US" sz="3600" dirty="0">
+                <a:solidFill>
+                  <a:srgbClr val="53A2D3"/>
+                </a:solidFill>
+              </a:rPr>
+              <a:t>)</a:t>
             </a:r>
           </a:p>
         </p:txBody>
       </p:sp>
       <p:pic>
         <p:nvPicPr>
-          <p:cNvPr id="53" name="Imagen 52">
-            <a:extLst>
-              <a:ext uri="{FF2B5EF4-FFF2-40B4-BE49-F238E27FC236}">
-                <a16:creationId xmlns:a16="http://schemas.microsoft.com/office/drawing/2014/main" id="{258348A1-8868-4B4B-B380-B32C7F6D44D0}"/>
+          <p:cNvPr id="20" name="Picture 1">
+            <a:extLst>
+              <a:ext uri="{FF2B5EF4-FFF2-40B4-BE49-F238E27FC236}">
+                <a16:creationId xmlns:a16="http://schemas.microsoft.com/office/drawing/2014/main" id="{BDCA5F6F-7F18-496C-80F9-C4AD8853DA6D}"/>
+              </a:ext>
+            </a:extLst>
+          </p:cNvPr>
+          <p:cNvPicPr>
+            <a:picLocks noChangeAspect="1"/>
+          </p:cNvPicPr>
+          <p:nvPr/>
+        </p:nvPicPr>
+        <p:blipFill>
+          <a:blip r:embed="rId2"/>
+          <a:stretch>
+            <a:fillRect/>
+          </a:stretch>
+        </p:blipFill>
+        <p:spPr>
+          <a:xfrm>
+            <a:off x="7005405" y="1176862"/>
+            <a:ext cx="4648200" cy="819150"/>
+          </a:xfrm>
+          <a:prstGeom prst="rect">
+            <a:avLst/>
+          </a:prstGeom>
+          <a:effectLst>
+            <a:glow rad="25400">
+              <a:schemeClr val="bg1">
+                <a:alpha val="40000"/>
+              </a:schemeClr>
+            </a:glow>
+          </a:effectLst>
+        </p:spPr>
+      </p:pic>
+      <p:pic>
+        <p:nvPicPr>
+          <p:cNvPr id="21" name="Picture 9">
+            <a:extLst>
+              <a:ext uri="{FF2B5EF4-FFF2-40B4-BE49-F238E27FC236}">
+                <a16:creationId xmlns:a16="http://schemas.microsoft.com/office/drawing/2014/main" id="{04241BB1-EA6D-46FC-BB47-A95340EEBBE0}"/>
+              </a:ext>
+            </a:extLst>
+          </p:cNvPr>
+          <p:cNvPicPr>
+            <a:picLocks noChangeAspect="1"/>
+          </p:cNvPicPr>
+          <p:nvPr/>
+        </p:nvPicPr>
+        <p:blipFill>
+          <a:blip r:embed="rId3"/>
+          <a:stretch>
+            <a:fillRect/>
+          </a:stretch>
+        </p:blipFill>
+        <p:spPr>
+          <a:xfrm>
+            <a:off x="6819667" y="3120340"/>
+            <a:ext cx="5019675" cy="2914650"/>
+          </a:xfrm>
+          <a:prstGeom prst="rect">
+            <a:avLst/>
+          </a:prstGeom>
+          <a:effectLst>
+            <a:glow rad="25400">
+              <a:schemeClr val="bg1">
+                <a:alpha val="40000"/>
+              </a:schemeClr>
+            </a:glow>
+          </a:effectLst>
+        </p:spPr>
+      </p:pic>
+      <p:pic>
+        <p:nvPicPr>
+          <p:cNvPr id="22" name="Picture 5">
+            <a:extLst>
+              <a:ext uri="{FF2B5EF4-FFF2-40B4-BE49-F238E27FC236}">
+                <a16:creationId xmlns:a16="http://schemas.microsoft.com/office/drawing/2014/main" id="{291618EF-9E9B-418B-92B1-1BC24730A0AC}"/>
               </a:ext>
             </a:extLst>
           </p:cNvPr>
@@ -5942,59 +6816,27 @@
         </p:blipFill>
         <p:spPr>
           <a:xfrm>
-            <a:off x="329997" y="4798389"/>
-            <a:ext cx="3219074" cy="1642218"/>
+            <a:off x="1713844" y="1191387"/>
+            <a:ext cx="2305050" cy="809625"/>
           </a:xfrm>
           <a:prstGeom prst="rect">
             <a:avLst/>
           </a:prstGeom>
+          <a:effectLst>
+            <a:glow rad="25400">
+              <a:schemeClr val="bg1">
+                <a:alpha val="40000"/>
+              </a:schemeClr>
+            </a:glow>
+          </a:effectLst>
         </p:spPr>
       </p:pic>
-      <p:sp>
-        <p:nvSpPr>
-          <p:cNvPr id="95" name="CuadroTexto 94">
-            <a:extLst>
-              <a:ext uri="{FF2B5EF4-FFF2-40B4-BE49-F238E27FC236}">
-                <a16:creationId xmlns:a16="http://schemas.microsoft.com/office/drawing/2014/main" id="{67848249-14A6-4729-A6A1-BB8AF75BB5E5}"/>
-              </a:ext>
-            </a:extLst>
-          </p:cNvPr>
-          <p:cNvSpPr txBox="1"/>
-          <p:nvPr/>
-        </p:nvSpPr>
-        <p:spPr>
-          <a:xfrm>
-            <a:off x="175289" y="3723216"/>
-            <a:ext cx="935768" cy="369332"/>
-          </a:xfrm>
-          <a:prstGeom prst="rect">
-            <a:avLst/>
-          </a:prstGeom>
-          <a:noFill/>
-        </p:spPr>
-        <p:txBody>
-          <a:bodyPr wrap="square" rtlCol="0">
-            <a:spAutoFit/>
-          </a:bodyPr>
-          <a:lstStyle/>
-          <a:p>
-            <a:r>
-              <a:rPr lang="en-US" dirty="0">
-                <a:solidFill>
-                  <a:schemeClr val="bg1"/>
-                </a:solidFill>
-              </a:rPr>
-              <a:t>Usage:</a:t>
-            </a:r>
-          </a:p>
-        </p:txBody>
-      </p:sp>
       <p:pic>
         <p:nvPicPr>
-          <p:cNvPr id="98" name="Imagen 97">
-            <a:extLst>
-              <a:ext uri="{FF2B5EF4-FFF2-40B4-BE49-F238E27FC236}">
-                <a16:creationId xmlns:a16="http://schemas.microsoft.com/office/drawing/2014/main" id="{FD217EEE-32A7-4431-A10D-C72C9D432A7D}"/>
+          <p:cNvPr id="23" name="Picture 12">
+            <a:extLst>
+              <a:ext uri="{FF2B5EF4-FFF2-40B4-BE49-F238E27FC236}">
+                <a16:creationId xmlns:a16="http://schemas.microsoft.com/office/drawing/2014/main" id="{2AB2827F-1BFF-4AD5-BE46-91F694BB0C1D}"/>
               </a:ext>
             </a:extLst>
           </p:cNvPr>
@@ -6011,6 +6853,631 @@
         </p:blipFill>
         <p:spPr>
           <a:xfrm>
+            <a:off x="466069" y="3063190"/>
+            <a:ext cx="4800600" cy="3028950"/>
+          </a:xfrm>
+          <a:prstGeom prst="rect">
+            <a:avLst/>
+          </a:prstGeom>
+          <a:effectLst>
+            <a:glow rad="25400">
+              <a:schemeClr val="bg1">
+                <a:alpha val="40000"/>
+              </a:schemeClr>
+            </a:glow>
+          </a:effectLst>
+        </p:spPr>
+      </p:pic>
+    </p:spTree>
+    <p:extLst>
+      <p:ext uri="{BB962C8B-B14F-4D97-AF65-F5344CB8AC3E}">
+        <p14:creationId xmlns:p14="http://schemas.microsoft.com/office/powerpoint/2010/main" val="2067568303"/>
+      </p:ext>
+    </p:extLst>
+  </p:cSld>
+  <p:clrMapOvr>
+    <a:masterClrMapping/>
+  </p:clrMapOvr>
+</p:sld>
+</file>
+
+<file path=ppt/slides/slide7.xml><?xml version="1.0" encoding="utf-8"?>
+<p:sld xmlns:a="http://schemas.openxmlformats.org/drawingml/2006/main" xmlns:r="http://schemas.openxmlformats.org/officeDocument/2006/relationships" xmlns:p="http://schemas.openxmlformats.org/presentationml/2006/main">
+  <p:cSld>
+    <p:bg>
+      <p:bgPr>
+        <a:solidFill>
+          <a:srgbClr val="1E1E1E"/>
+        </a:solidFill>
+        <a:effectLst/>
+      </p:bgPr>
+    </p:bg>
+    <p:spTree>
+      <p:nvGrpSpPr>
+        <p:cNvPr id="1" name=""/>
+        <p:cNvGrpSpPr/>
+        <p:nvPr/>
+      </p:nvGrpSpPr>
+      <p:grpSpPr>
+        <a:xfrm>
+          <a:off x="0" y="0"/>
+          <a:ext cx="0" cy="0"/>
+          <a:chOff x="0" y="0"/>
+          <a:chExt cx="0" cy="0"/>
+        </a:xfrm>
+      </p:grpSpPr>
+      <p:sp>
+        <p:nvSpPr>
+          <p:cNvPr id="59" name="CuadroTexto 58">
+            <a:extLst>
+              <a:ext uri="{FF2B5EF4-FFF2-40B4-BE49-F238E27FC236}">
+                <a16:creationId xmlns:a16="http://schemas.microsoft.com/office/drawing/2014/main" id="{4C81365D-BA99-4D51-A6D9-EB87A8B13E78}"/>
+              </a:ext>
+            </a:extLst>
+          </p:cNvPr>
+          <p:cNvSpPr txBox="1"/>
+          <p:nvPr/>
+        </p:nvSpPr>
+        <p:spPr>
+          <a:xfrm>
+            <a:off x="223163" y="4092548"/>
+            <a:ext cx="5647017" cy="2489732"/>
+          </a:xfrm>
+          <a:prstGeom prst="rect">
+            <a:avLst/>
+          </a:prstGeom>
+          <a:noFill/>
+          <a:ln w="0">
+            <a:solidFill>
+              <a:schemeClr val="bg1"/>
+            </a:solidFill>
+          </a:ln>
+          <a:effectLst>
+            <a:glow>
+              <a:schemeClr val="bg1">
+                <a:alpha val="40000"/>
+              </a:schemeClr>
+            </a:glow>
+          </a:effectLst>
+        </p:spPr>
+        <p:txBody>
+          <a:bodyPr wrap="square" rtlCol="0">
+            <a:spAutoFit/>
+          </a:bodyPr>
+          <a:lstStyle/>
+          <a:p>
+            <a:endParaRPr lang="en-US" dirty="0">
+              <a:solidFill>
+                <a:schemeClr val="bg1"/>
+              </a:solidFill>
+            </a:endParaRPr>
+          </a:p>
+        </p:txBody>
+      </p:sp>
+      <p:sp>
+        <p:nvSpPr>
+          <p:cNvPr id="18" name="CuadroTexto 17">
+            <a:extLst>
+              <a:ext uri="{FF2B5EF4-FFF2-40B4-BE49-F238E27FC236}">
+                <a16:creationId xmlns:a16="http://schemas.microsoft.com/office/drawing/2014/main" id="{B39B8261-0BA7-4BC5-89F6-FAA9B3688524}"/>
+              </a:ext>
+            </a:extLst>
+          </p:cNvPr>
+          <p:cNvSpPr txBox="1"/>
+          <p:nvPr/>
+        </p:nvSpPr>
+        <p:spPr>
+          <a:xfrm>
+            <a:off x="134486" y="1301802"/>
+            <a:ext cx="5489651" cy="2227112"/>
+          </a:xfrm>
+          <a:prstGeom prst="rect">
+            <a:avLst/>
+          </a:prstGeom>
+          <a:noFill/>
+          <a:ln w="0">
+            <a:solidFill>
+              <a:schemeClr val="bg1"/>
+            </a:solidFill>
+          </a:ln>
+          <a:effectLst>
+            <a:glow>
+              <a:schemeClr val="bg1">
+                <a:alpha val="40000"/>
+              </a:schemeClr>
+            </a:glow>
+          </a:effectLst>
+        </p:spPr>
+        <p:txBody>
+          <a:bodyPr wrap="square" rtlCol="0">
+            <a:spAutoFit/>
+          </a:bodyPr>
+          <a:lstStyle/>
+          <a:p>
+            <a:endParaRPr lang="en-US" dirty="0">
+              <a:solidFill>
+                <a:schemeClr val="bg1"/>
+              </a:solidFill>
+            </a:endParaRPr>
+          </a:p>
+        </p:txBody>
+      </p:sp>
+      <p:sp>
+        <p:nvSpPr>
+          <p:cNvPr id="17" name="CuadroTexto 16">
+            <a:extLst>
+              <a:ext uri="{FF2B5EF4-FFF2-40B4-BE49-F238E27FC236}">
+                <a16:creationId xmlns:a16="http://schemas.microsoft.com/office/drawing/2014/main" id="{5C456F47-1C52-4FA5-A369-2F5203D67ABD}"/>
+              </a:ext>
+            </a:extLst>
+          </p:cNvPr>
+          <p:cNvSpPr txBox="1"/>
+          <p:nvPr/>
+        </p:nvSpPr>
+        <p:spPr>
+          <a:xfrm>
+            <a:off x="7096600" y="5997505"/>
+            <a:ext cx="7341428" cy="584775"/>
+          </a:xfrm>
+          <a:prstGeom prst="rect">
+            <a:avLst/>
+          </a:prstGeom>
+          <a:noFill/>
+        </p:spPr>
+        <p:txBody>
+          <a:bodyPr wrap="square" rtlCol="0">
+            <a:spAutoFit/>
+          </a:bodyPr>
+          <a:lstStyle/>
+          <a:p>
+            <a:r>
+              <a:rPr lang="en-US" sz="3200" dirty="0">
+                <a:solidFill>
+                  <a:srgbClr val="53A2D3"/>
+                </a:solidFill>
+              </a:rPr>
+              <a:t>Mundo real (con </a:t>
+            </a:r>
+            <a:r>
+              <a:rPr lang="en-US" sz="3200" dirty="0" err="1">
+                <a:solidFill>
+                  <a:srgbClr val="53A2D3"/>
+                </a:solidFill>
+              </a:rPr>
+              <a:t>parámetros</a:t>
+            </a:r>
+            <a:r>
+              <a:rPr lang="en-US" sz="3200" dirty="0">
+                <a:solidFill>
+                  <a:srgbClr val="53A2D3"/>
+                </a:solidFill>
+              </a:rPr>
+              <a:t>)</a:t>
+            </a:r>
+          </a:p>
+        </p:txBody>
+      </p:sp>
+      <p:pic>
+        <p:nvPicPr>
+          <p:cNvPr id="6" name="Imagen 5">
+            <a:extLst>
+              <a:ext uri="{FF2B5EF4-FFF2-40B4-BE49-F238E27FC236}">
+                <a16:creationId xmlns:a16="http://schemas.microsoft.com/office/drawing/2014/main" id="{7FB57C20-E605-409C-BD47-72273570642B}"/>
+              </a:ext>
+            </a:extLst>
+          </p:cNvPr>
+          <p:cNvPicPr>
+            <a:picLocks noChangeAspect="1"/>
+          </p:cNvPicPr>
+          <p:nvPr/>
+        </p:nvPicPr>
+        <p:blipFill>
+          <a:blip r:embed="rId2"/>
+          <a:stretch>
+            <a:fillRect/>
+          </a:stretch>
+        </p:blipFill>
+        <p:spPr>
+          <a:xfrm>
+            <a:off x="1570076" y="219665"/>
+            <a:ext cx="2618469" cy="646331"/>
+          </a:xfrm>
+          <a:prstGeom prst="rect">
+            <a:avLst/>
+          </a:prstGeom>
+          <a:effectLst>
+            <a:glow rad="25400">
+              <a:schemeClr val="bg1">
+                <a:alpha val="40000"/>
+              </a:schemeClr>
+            </a:glow>
+          </a:effectLst>
+        </p:spPr>
+      </p:pic>
+      <p:pic>
+        <p:nvPicPr>
+          <p:cNvPr id="13" name="Imagen 12">
+            <a:extLst>
+              <a:ext uri="{FF2B5EF4-FFF2-40B4-BE49-F238E27FC236}">
+                <a16:creationId xmlns:a16="http://schemas.microsoft.com/office/drawing/2014/main" id="{96980A7C-6F1D-416F-9CC3-367F9B2EC5D2}"/>
+              </a:ext>
+            </a:extLst>
+          </p:cNvPr>
+          <p:cNvPicPr>
+            <a:picLocks noChangeAspect="1"/>
+          </p:cNvPicPr>
+          <p:nvPr/>
+        </p:nvPicPr>
+        <p:blipFill>
+          <a:blip r:embed="rId3"/>
+          <a:stretch>
+            <a:fillRect/>
+          </a:stretch>
+        </p:blipFill>
+        <p:spPr>
+          <a:xfrm>
+            <a:off x="6971266" y="77665"/>
+            <a:ext cx="5112131" cy="1713644"/>
+          </a:xfrm>
+          <a:prstGeom prst="rect">
+            <a:avLst/>
+          </a:prstGeom>
+          <a:effectLst>
+            <a:glow rad="25400">
+              <a:schemeClr val="bg1">
+                <a:alpha val="40000"/>
+              </a:schemeClr>
+            </a:glow>
+          </a:effectLst>
+        </p:spPr>
+      </p:pic>
+      <p:cxnSp>
+        <p:nvCxnSpPr>
+          <p:cNvPr id="27" name="Conector recto de flecha 26">
+            <a:extLst>
+              <a:ext uri="{FF2B5EF4-FFF2-40B4-BE49-F238E27FC236}">
+                <a16:creationId xmlns:a16="http://schemas.microsoft.com/office/drawing/2014/main" id="{BCD76D3D-CC21-4D8B-BE1F-9A3AAB477B30}"/>
+              </a:ext>
+            </a:extLst>
+          </p:cNvPr>
+          <p:cNvCxnSpPr>
+            <a:cxnSpLocks/>
+            <a:stCxn id="18" idx="0"/>
+            <a:endCxn id="6" idx="2"/>
+          </p:cNvCxnSpPr>
+          <p:nvPr/>
+        </p:nvCxnSpPr>
+        <p:spPr>
+          <a:xfrm flipH="1" flipV="1">
+            <a:off x="2879311" y="865996"/>
+            <a:ext cx="1" cy="435806"/>
+          </a:xfrm>
+          <a:prstGeom prst="straightConnector1">
+            <a:avLst/>
+          </a:prstGeom>
+          <a:ln w="12700">
+            <a:solidFill>
+              <a:schemeClr val="bg1"/>
+            </a:solidFill>
+            <a:tailEnd type="triangle"/>
+          </a:ln>
+        </p:spPr>
+        <p:style>
+          <a:lnRef idx="1">
+            <a:schemeClr val="accent1"/>
+          </a:lnRef>
+          <a:fillRef idx="0">
+            <a:schemeClr val="accent1"/>
+          </a:fillRef>
+          <a:effectRef idx="0">
+            <a:schemeClr val="accent1"/>
+          </a:effectRef>
+          <a:fontRef idx="minor">
+            <a:schemeClr val="tx1"/>
+          </a:fontRef>
+        </p:style>
+      </p:cxnSp>
+      <p:sp>
+        <p:nvSpPr>
+          <p:cNvPr id="28" name="CuadroTexto 27">
+            <a:extLst>
+              <a:ext uri="{FF2B5EF4-FFF2-40B4-BE49-F238E27FC236}">
+                <a16:creationId xmlns:a16="http://schemas.microsoft.com/office/drawing/2014/main" id="{0EA56A32-4692-4A43-8865-B9DAB0747B52}"/>
+              </a:ext>
+            </a:extLst>
+          </p:cNvPr>
+          <p:cNvSpPr txBox="1"/>
+          <p:nvPr/>
+        </p:nvSpPr>
+        <p:spPr>
+          <a:xfrm>
+            <a:off x="2860962" y="921868"/>
+            <a:ext cx="1376218" cy="338554"/>
+          </a:xfrm>
+          <a:prstGeom prst="rect">
+            <a:avLst/>
+          </a:prstGeom>
+          <a:noFill/>
+        </p:spPr>
+        <p:txBody>
+          <a:bodyPr wrap="square" rtlCol="0">
+            <a:spAutoFit/>
+          </a:bodyPr>
+          <a:lstStyle/>
+          <a:p>
+            <a:r>
+              <a:rPr lang="en-US" sz="1600" dirty="0">
+                <a:solidFill>
+                  <a:schemeClr val="bg1"/>
+                </a:solidFill>
+              </a:rPr>
+              <a:t>implements</a:t>
+            </a:r>
+          </a:p>
+        </p:txBody>
+      </p:sp>
+      <p:cxnSp>
+        <p:nvCxnSpPr>
+          <p:cNvPr id="31" name="Conector recto de flecha 30">
+            <a:extLst>
+              <a:ext uri="{FF2B5EF4-FFF2-40B4-BE49-F238E27FC236}">
+                <a16:creationId xmlns:a16="http://schemas.microsoft.com/office/drawing/2014/main" id="{1F94211B-24ED-41AE-9E98-08E144D353D3}"/>
+              </a:ext>
+            </a:extLst>
+          </p:cNvPr>
+          <p:cNvCxnSpPr>
+            <a:cxnSpLocks/>
+            <a:endCxn id="18" idx="3"/>
+          </p:cNvCxnSpPr>
+          <p:nvPr/>
+        </p:nvCxnSpPr>
+        <p:spPr>
+          <a:xfrm flipH="1">
+            <a:off x="5624137" y="2415358"/>
+            <a:ext cx="927951" cy="0"/>
+          </a:xfrm>
+          <a:prstGeom prst="straightConnector1">
+            <a:avLst/>
+          </a:prstGeom>
+          <a:ln w="12700">
+            <a:solidFill>
+              <a:schemeClr val="bg1"/>
+            </a:solidFill>
+            <a:tailEnd type="triangle"/>
+          </a:ln>
+        </p:spPr>
+        <p:style>
+          <a:lnRef idx="1">
+            <a:schemeClr val="accent1"/>
+          </a:lnRef>
+          <a:fillRef idx="0">
+            <a:schemeClr val="accent1"/>
+          </a:fillRef>
+          <a:effectRef idx="0">
+            <a:schemeClr val="accent1"/>
+          </a:effectRef>
+          <a:fontRef idx="minor">
+            <a:schemeClr val="tx1"/>
+          </a:fontRef>
+        </p:style>
+      </p:cxnSp>
+      <p:sp>
+        <p:nvSpPr>
+          <p:cNvPr id="36" name="CuadroTexto 35">
+            <a:extLst>
+              <a:ext uri="{FF2B5EF4-FFF2-40B4-BE49-F238E27FC236}">
+                <a16:creationId xmlns:a16="http://schemas.microsoft.com/office/drawing/2014/main" id="{DE28EF74-F915-4354-B18B-3926503544B8}"/>
+              </a:ext>
+            </a:extLst>
+          </p:cNvPr>
+          <p:cNvSpPr txBox="1"/>
+          <p:nvPr/>
+        </p:nvSpPr>
+        <p:spPr>
+          <a:xfrm>
+            <a:off x="5670848" y="2076804"/>
+            <a:ext cx="1376218" cy="338554"/>
+          </a:xfrm>
+          <a:prstGeom prst="rect">
+            <a:avLst/>
+          </a:prstGeom>
+          <a:noFill/>
+        </p:spPr>
+        <p:txBody>
+          <a:bodyPr wrap="square" rtlCol="0">
+            <a:spAutoFit/>
+          </a:bodyPr>
+          <a:lstStyle/>
+          <a:p>
+            <a:r>
+              <a:rPr lang="en-US" sz="1600" dirty="0">
+                <a:solidFill>
+                  <a:schemeClr val="bg1"/>
+                </a:solidFill>
+              </a:rPr>
+              <a:t>creates</a:t>
+            </a:r>
+          </a:p>
+        </p:txBody>
+      </p:sp>
+      <p:cxnSp>
+        <p:nvCxnSpPr>
+          <p:cNvPr id="37" name="Conector recto de flecha 36">
+            <a:extLst>
+              <a:ext uri="{FF2B5EF4-FFF2-40B4-BE49-F238E27FC236}">
+                <a16:creationId xmlns:a16="http://schemas.microsoft.com/office/drawing/2014/main" id="{84C96256-9E04-4A36-81E4-3C78FE3D7E61}"/>
+              </a:ext>
+              <a:ext uri="{C183D7F6-B498-43B3-948B-1728B52AA6E4}">
+                <adec:decorative xmlns:adec="http://schemas.microsoft.com/office/drawing/2017/decorative" val="0"/>
+              </a:ext>
+            </a:extLst>
+          </p:cNvPr>
+          <p:cNvCxnSpPr>
+            <a:cxnSpLocks/>
+            <a:endCxn id="13" idx="2"/>
+          </p:cNvCxnSpPr>
+          <p:nvPr/>
+        </p:nvCxnSpPr>
+        <p:spPr>
+          <a:xfrm flipV="1">
+            <a:off x="9527332" y="1791309"/>
+            <a:ext cx="0" cy="344044"/>
+          </a:xfrm>
+          <a:prstGeom prst="straightConnector1">
+            <a:avLst/>
+          </a:prstGeom>
+          <a:ln w="12700">
+            <a:solidFill>
+              <a:schemeClr val="bg1"/>
+            </a:solidFill>
+            <a:tailEnd type="triangle"/>
+          </a:ln>
+        </p:spPr>
+        <p:style>
+          <a:lnRef idx="1">
+            <a:schemeClr val="accent1"/>
+          </a:lnRef>
+          <a:fillRef idx="0">
+            <a:schemeClr val="accent1"/>
+          </a:fillRef>
+          <a:effectRef idx="0">
+            <a:schemeClr val="accent1"/>
+          </a:effectRef>
+          <a:fontRef idx="minor">
+            <a:schemeClr val="tx1"/>
+          </a:fontRef>
+        </p:style>
+      </p:cxnSp>
+      <p:sp>
+        <p:nvSpPr>
+          <p:cNvPr id="39" name="CuadroTexto 38">
+            <a:extLst>
+              <a:ext uri="{FF2B5EF4-FFF2-40B4-BE49-F238E27FC236}">
+                <a16:creationId xmlns:a16="http://schemas.microsoft.com/office/drawing/2014/main" id="{C8EAE2A9-1D48-4069-9D0F-2D14D1453AA2}"/>
+              </a:ext>
+            </a:extLst>
+          </p:cNvPr>
+          <p:cNvSpPr txBox="1"/>
+          <p:nvPr/>
+        </p:nvSpPr>
+        <p:spPr>
+          <a:xfrm>
+            <a:off x="9527331" y="1796799"/>
+            <a:ext cx="1376218" cy="338554"/>
+          </a:xfrm>
+          <a:prstGeom prst="rect">
+            <a:avLst/>
+          </a:prstGeom>
+          <a:noFill/>
+        </p:spPr>
+        <p:txBody>
+          <a:bodyPr wrap="square" rtlCol="0">
+            <a:spAutoFit/>
+          </a:bodyPr>
+          <a:lstStyle/>
+          <a:p>
+            <a:r>
+              <a:rPr lang="en-US" sz="1600" dirty="0">
+                <a:solidFill>
+                  <a:schemeClr val="bg1"/>
+                </a:solidFill>
+              </a:rPr>
+              <a:t>gets</a:t>
+            </a:r>
+          </a:p>
+        </p:txBody>
+      </p:sp>
+      <p:pic>
+        <p:nvPicPr>
+          <p:cNvPr id="53" name="Imagen 52">
+            <a:extLst>
+              <a:ext uri="{FF2B5EF4-FFF2-40B4-BE49-F238E27FC236}">
+                <a16:creationId xmlns:a16="http://schemas.microsoft.com/office/drawing/2014/main" id="{258348A1-8868-4B4B-B380-B32C7F6D44D0}"/>
+              </a:ext>
+            </a:extLst>
+          </p:cNvPr>
+          <p:cNvPicPr>
+            <a:picLocks noChangeAspect="1"/>
+          </p:cNvPicPr>
+          <p:nvPr/>
+        </p:nvPicPr>
+        <p:blipFill>
+          <a:blip r:embed="rId4"/>
+          <a:stretch>
+            <a:fillRect/>
+          </a:stretch>
+        </p:blipFill>
+        <p:spPr>
+          <a:xfrm>
+            <a:off x="329997" y="4798389"/>
+            <a:ext cx="3219074" cy="1642218"/>
+          </a:xfrm>
+          <a:prstGeom prst="rect">
+            <a:avLst/>
+          </a:prstGeom>
+        </p:spPr>
+      </p:pic>
+      <p:sp>
+        <p:nvSpPr>
+          <p:cNvPr id="95" name="CuadroTexto 94">
+            <a:extLst>
+              <a:ext uri="{FF2B5EF4-FFF2-40B4-BE49-F238E27FC236}">
+                <a16:creationId xmlns:a16="http://schemas.microsoft.com/office/drawing/2014/main" id="{67848249-14A6-4729-A6A1-BB8AF75BB5E5}"/>
+              </a:ext>
+            </a:extLst>
+          </p:cNvPr>
+          <p:cNvSpPr txBox="1"/>
+          <p:nvPr/>
+        </p:nvSpPr>
+        <p:spPr>
+          <a:xfrm>
+            <a:off x="175289" y="3723216"/>
+            <a:ext cx="935768" cy="369332"/>
+          </a:xfrm>
+          <a:prstGeom prst="rect">
+            <a:avLst/>
+          </a:prstGeom>
+          <a:noFill/>
+        </p:spPr>
+        <p:txBody>
+          <a:bodyPr wrap="square" rtlCol="0">
+            <a:spAutoFit/>
+          </a:bodyPr>
+          <a:lstStyle/>
+          <a:p>
+            <a:r>
+              <a:rPr lang="en-US" dirty="0">
+                <a:solidFill>
+                  <a:schemeClr val="bg1"/>
+                </a:solidFill>
+              </a:rPr>
+              <a:t>Usage:</a:t>
+            </a:r>
+          </a:p>
+        </p:txBody>
+      </p:sp>
+      <p:pic>
+        <p:nvPicPr>
+          <p:cNvPr id="98" name="Imagen 97">
+            <a:extLst>
+              <a:ext uri="{FF2B5EF4-FFF2-40B4-BE49-F238E27FC236}">
+                <a16:creationId xmlns:a16="http://schemas.microsoft.com/office/drawing/2014/main" id="{FD217EEE-32A7-4431-A10D-C72C9D432A7D}"/>
+              </a:ext>
+            </a:extLst>
+          </p:cNvPr>
+          <p:cNvPicPr>
+            <a:picLocks noChangeAspect="1"/>
+          </p:cNvPicPr>
+          <p:nvPr/>
+        </p:nvPicPr>
+        <p:blipFill>
+          <a:blip r:embed="rId5"/>
+          <a:stretch>
+            <a:fillRect/>
+          </a:stretch>
+        </p:blipFill>
+        <p:spPr>
+          <a:xfrm>
             <a:off x="235185" y="2097665"/>
             <a:ext cx="5328679" cy="598728"/>
           </a:xfrm>
@@ -6150,6 +7617,156 @@
     <p:extLst>
       <p:ext uri="{BB962C8B-B14F-4D97-AF65-F5344CB8AC3E}">
         <p14:creationId xmlns:p14="http://schemas.microsoft.com/office/powerpoint/2010/main" val="4033332203"/>
+      </p:ext>
+    </p:extLst>
+  </p:cSld>
+  <p:clrMapOvr>
+    <a:masterClrMapping/>
+  </p:clrMapOvr>
+</p:sld>
+</file>
+
+<file path=ppt/slides/slide8.xml><?xml version="1.0" encoding="utf-8"?>
+<p:sld xmlns:a="http://schemas.openxmlformats.org/drawingml/2006/main" xmlns:r="http://schemas.openxmlformats.org/officeDocument/2006/relationships" xmlns:p="http://schemas.openxmlformats.org/presentationml/2006/main">
+  <p:cSld>
+    <p:spTree>
+      <p:nvGrpSpPr>
+        <p:cNvPr id="1" name=""/>
+        <p:cNvGrpSpPr/>
+        <p:nvPr/>
+      </p:nvGrpSpPr>
+      <p:grpSpPr>
+        <a:xfrm>
+          <a:off x="0" y="0"/>
+          <a:ext cx="0" cy="0"/>
+          <a:chOff x="0" y="0"/>
+          <a:chExt cx="0" cy="0"/>
+        </a:xfrm>
+      </p:grpSpPr>
+      <p:sp>
+        <p:nvSpPr>
+          <p:cNvPr id="2" name="Título 1">
+            <a:extLst>
+              <a:ext uri="{FF2B5EF4-FFF2-40B4-BE49-F238E27FC236}">
+                <a16:creationId xmlns:a16="http://schemas.microsoft.com/office/drawing/2014/main" id="{73A2909B-13B3-4614-9321-16AF10F4286A}"/>
+              </a:ext>
+            </a:extLst>
+          </p:cNvPr>
+          <p:cNvSpPr>
+            <a:spLocks noGrp="1"/>
+          </p:cNvSpPr>
+          <p:nvPr>
+            <p:ph type="title"/>
+          </p:nvPr>
+        </p:nvSpPr>
+        <p:spPr>
+          <a:xfrm>
+            <a:off x="838200" y="2103437"/>
+            <a:ext cx="10515600" cy="1325563"/>
+          </a:xfrm>
+        </p:spPr>
+        <p:txBody>
+          <a:bodyPr/>
+          <a:lstStyle/>
+          <a:p>
+            <a:r>
+              <a:rPr lang="en-US" dirty="0"/>
+              <a:t>Structural Patterns</a:t>
+            </a:r>
+          </a:p>
+        </p:txBody>
+      </p:sp>
+    </p:spTree>
+    <p:extLst>
+      <p:ext uri="{BB962C8B-B14F-4D97-AF65-F5344CB8AC3E}">
+        <p14:creationId xmlns:p14="http://schemas.microsoft.com/office/powerpoint/2010/main" val="3577003569"/>
+      </p:ext>
+    </p:extLst>
+  </p:cSld>
+  <p:clrMapOvr>
+    <a:masterClrMapping/>
+  </p:clrMapOvr>
+</p:sld>
+</file>
+
+<file path=ppt/slides/slide9.xml><?xml version="1.0" encoding="utf-8"?>
+<p:sld xmlns:a="http://schemas.openxmlformats.org/drawingml/2006/main" xmlns:r="http://schemas.openxmlformats.org/officeDocument/2006/relationships" xmlns:p="http://schemas.openxmlformats.org/presentationml/2006/main">
+  <p:cSld>
+    <p:spTree>
+      <p:nvGrpSpPr>
+        <p:cNvPr id="1" name=""/>
+        <p:cNvGrpSpPr/>
+        <p:nvPr/>
+      </p:nvGrpSpPr>
+      <p:grpSpPr>
+        <a:xfrm>
+          <a:off x="0" y="0"/>
+          <a:ext cx="0" cy="0"/>
+          <a:chOff x="0" y="0"/>
+          <a:chExt cx="0" cy="0"/>
+        </a:xfrm>
+      </p:grpSpPr>
+      <p:sp>
+        <p:nvSpPr>
+          <p:cNvPr id="2" name="Título 1">
+            <a:extLst>
+              <a:ext uri="{FF2B5EF4-FFF2-40B4-BE49-F238E27FC236}">
+                <a16:creationId xmlns:a16="http://schemas.microsoft.com/office/drawing/2014/main" id="{51E579E3-4D4D-4391-A4DB-77F6C6DD84BE}"/>
+              </a:ext>
+            </a:extLst>
+          </p:cNvPr>
+          <p:cNvSpPr>
+            <a:spLocks noGrp="1"/>
+          </p:cNvSpPr>
+          <p:nvPr>
+            <p:ph type="title"/>
+          </p:nvPr>
+        </p:nvSpPr>
+        <p:spPr>
+          <a:xfrm>
+            <a:off x="900344" y="2766218"/>
+            <a:ext cx="10515600" cy="1325563"/>
+          </a:xfrm>
+        </p:spPr>
+        <p:txBody>
+          <a:bodyPr/>
+          <a:lstStyle/>
+          <a:p>
+            <a:r>
+              <a:rPr lang="es-ES" dirty="0" err="1">
+                <a:solidFill>
+                  <a:srgbClr val="000000"/>
+                </a:solidFill>
+                <a:latin typeface="Calibri" panose="020F0502020204030204" pitchFamily="34" charset="0"/>
+              </a:rPr>
+              <a:t>Facade</a:t>
+            </a:r>
+            <a:r>
+              <a:rPr lang="es-ES" dirty="0">
+                <a:solidFill>
+                  <a:srgbClr val="000000"/>
+                </a:solidFill>
+                <a:latin typeface="Calibri" panose="020F0502020204030204" pitchFamily="34" charset="0"/>
+              </a:rPr>
+              <a:t> </a:t>
+            </a:r>
+            <a:r>
+              <a:rPr lang="es-ES" dirty="0" err="1">
+                <a:solidFill>
+                  <a:srgbClr val="000000"/>
+                </a:solidFill>
+                <a:latin typeface="Calibri" panose="020F0502020204030204" pitchFamily="34" charset="0"/>
+              </a:rPr>
+              <a:t>pattern</a:t>
+            </a:r>
+            <a:endParaRPr lang="en-US" dirty="0"/>
+          </a:p>
+        </p:txBody>
+      </p:sp>
+    </p:spTree>
+    <p:extLst>
+      <p:ext uri="{BB962C8B-B14F-4D97-AF65-F5344CB8AC3E}">
+        <p14:creationId xmlns:p14="http://schemas.microsoft.com/office/powerpoint/2010/main" val="4060908076"/>
       </p:ext>
     </p:extLst>
   </p:cSld>

--- a/slides/Patrones de diseño con Typescript en el mundo real.pptx
+++ b/slides/Patrones de diseño con Typescript en el mundo real.pptx
@@ -17,6 +17,10 @@
     <p:sldId id="268" r:id="rId11"/>
     <p:sldId id="270" r:id="rId12"/>
     <p:sldId id="271" r:id="rId13"/>
+    <p:sldId id="272" r:id="rId14"/>
+    <p:sldId id="273" r:id="rId15"/>
+    <p:sldId id="274" r:id="rId16"/>
+    <p:sldId id="275" r:id="rId17"/>
   </p:sldIdLst>
   <p:sldSz cx="12192000" cy="6858000"/>
   <p:notesSz cx="6858000" cy="9144000"/>
@@ -272,7 +276,7 @@
           <a:p>
             <a:fld id="{0985B797-0E29-4660-9B0F-1C71CA65525C}" type="datetimeFigureOut">
               <a:rPr lang="en-US" smtClean="0"/>
-              <a:t>10/26/2019</a:t>
+              <a:t>10/27/2019</a:t>
             </a:fld>
             <a:endParaRPr lang="en-US"/>
           </a:p>
@@ -472,7 +476,7 @@
           <a:p>
             <a:fld id="{0985B797-0E29-4660-9B0F-1C71CA65525C}" type="datetimeFigureOut">
               <a:rPr lang="en-US" smtClean="0"/>
-              <a:t>10/26/2019</a:t>
+              <a:t>10/27/2019</a:t>
             </a:fld>
             <a:endParaRPr lang="en-US"/>
           </a:p>
@@ -682,7 +686,7 @@
           <a:p>
             <a:fld id="{0985B797-0E29-4660-9B0F-1C71CA65525C}" type="datetimeFigureOut">
               <a:rPr lang="en-US" smtClean="0"/>
-              <a:t>10/26/2019</a:t>
+              <a:t>10/27/2019</a:t>
             </a:fld>
             <a:endParaRPr lang="en-US"/>
           </a:p>
@@ -882,7 +886,7 @@
           <a:p>
             <a:fld id="{0985B797-0E29-4660-9B0F-1C71CA65525C}" type="datetimeFigureOut">
               <a:rPr lang="en-US" smtClean="0"/>
-              <a:t>10/26/2019</a:t>
+              <a:t>10/27/2019</a:t>
             </a:fld>
             <a:endParaRPr lang="en-US"/>
           </a:p>
@@ -1158,7 +1162,7 @@
           <a:p>
             <a:fld id="{0985B797-0E29-4660-9B0F-1C71CA65525C}" type="datetimeFigureOut">
               <a:rPr lang="en-US" smtClean="0"/>
-              <a:t>10/26/2019</a:t>
+              <a:t>10/27/2019</a:t>
             </a:fld>
             <a:endParaRPr lang="en-US"/>
           </a:p>
@@ -1426,7 +1430,7 @@
           <a:p>
             <a:fld id="{0985B797-0E29-4660-9B0F-1C71CA65525C}" type="datetimeFigureOut">
               <a:rPr lang="en-US" smtClean="0"/>
-              <a:t>10/26/2019</a:t>
+              <a:t>10/27/2019</a:t>
             </a:fld>
             <a:endParaRPr lang="en-US"/>
           </a:p>
@@ -1841,7 +1845,7 @@
           <a:p>
             <a:fld id="{0985B797-0E29-4660-9B0F-1C71CA65525C}" type="datetimeFigureOut">
               <a:rPr lang="en-US" smtClean="0"/>
-              <a:t>10/26/2019</a:t>
+              <a:t>10/27/2019</a:t>
             </a:fld>
             <a:endParaRPr lang="en-US"/>
           </a:p>
@@ -1983,7 +1987,7 @@
           <a:p>
             <a:fld id="{0985B797-0E29-4660-9B0F-1C71CA65525C}" type="datetimeFigureOut">
               <a:rPr lang="en-US" smtClean="0"/>
-              <a:t>10/26/2019</a:t>
+              <a:t>10/27/2019</a:t>
             </a:fld>
             <a:endParaRPr lang="en-US"/>
           </a:p>
@@ -2096,7 +2100,7 @@
           <a:p>
             <a:fld id="{0985B797-0E29-4660-9B0F-1C71CA65525C}" type="datetimeFigureOut">
               <a:rPr lang="en-US" smtClean="0"/>
-              <a:t>10/26/2019</a:t>
+              <a:t>10/27/2019</a:t>
             </a:fld>
             <a:endParaRPr lang="en-US"/>
           </a:p>
@@ -2409,7 +2413,7 @@
           <a:p>
             <a:fld id="{0985B797-0E29-4660-9B0F-1C71CA65525C}" type="datetimeFigureOut">
               <a:rPr lang="en-US" smtClean="0"/>
-              <a:t>10/26/2019</a:t>
+              <a:t>10/27/2019</a:t>
             </a:fld>
             <a:endParaRPr lang="en-US"/>
           </a:p>
@@ -2698,7 +2702,7 @@
           <a:p>
             <a:fld id="{0985B797-0E29-4660-9B0F-1C71CA65525C}" type="datetimeFigureOut">
               <a:rPr lang="en-US" smtClean="0"/>
-              <a:t>10/26/2019</a:t>
+              <a:t>10/27/2019</a:t>
             </a:fld>
             <a:endParaRPr lang="en-US"/>
           </a:p>
@@ -2941,7 +2945,7 @@
           <a:p>
             <a:fld id="{0985B797-0E29-4660-9B0F-1C71CA65525C}" type="datetimeFigureOut">
               <a:rPr lang="en-US" smtClean="0"/>
-              <a:t>10/26/2019</a:t>
+              <a:t>10/27/2019</a:t>
             </a:fld>
             <a:endParaRPr lang="en-US"/>
           </a:p>
@@ -4802,6 +4806,1426 @@
 </p:sld>
 </file>
 
+<file path=ppt/slides/slide13.xml><?xml version="1.0" encoding="utf-8"?>
+<p:sld xmlns:a="http://schemas.openxmlformats.org/drawingml/2006/main" xmlns:r="http://schemas.openxmlformats.org/officeDocument/2006/relationships" xmlns:p="http://schemas.openxmlformats.org/presentationml/2006/main">
+  <p:cSld>
+    <p:spTree>
+      <p:nvGrpSpPr>
+        <p:cNvPr id="1" name=""/>
+        <p:cNvGrpSpPr/>
+        <p:nvPr/>
+      </p:nvGrpSpPr>
+      <p:grpSpPr>
+        <a:xfrm>
+          <a:off x="0" y="0"/>
+          <a:ext cx="0" cy="0"/>
+          <a:chOff x="0" y="0"/>
+          <a:chExt cx="0" cy="0"/>
+        </a:xfrm>
+      </p:grpSpPr>
+      <p:sp>
+        <p:nvSpPr>
+          <p:cNvPr id="2" name="Título 1">
+            <a:extLst>
+              <a:ext uri="{FF2B5EF4-FFF2-40B4-BE49-F238E27FC236}">
+                <a16:creationId xmlns:a16="http://schemas.microsoft.com/office/drawing/2014/main" id="{73A2909B-13B3-4614-9321-16AF10F4286A}"/>
+              </a:ext>
+            </a:extLst>
+          </p:cNvPr>
+          <p:cNvSpPr>
+            <a:spLocks noGrp="1"/>
+          </p:cNvSpPr>
+          <p:nvPr>
+            <p:ph type="title"/>
+          </p:nvPr>
+        </p:nvSpPr>
+        <p:spPr>
+          <a:xfrm>
+            <a:off x="838200" y="2103437"/>
+            <a:ext cx="10515600" cy="1325563"/>
+          </a:xfrm>
+        </p:spPr>
+        <p:txBody>
+          <a:bodyPr/>
+          <a:lstStyle/>
+          <a:p>
+            <a:r>
+              <a:rPr lang="en-US" dirty="0"/>
+              <a:t>Behavioral Patterns</a:t>
+            </a:r>
+          </a:p>
+        </p:txBody>
+      </p:sp>
+    </p:spTree>
+    <p:extLst>
+      <p:ext uri="{BB962C8B-B14F-4D97-AF65-F5344CB8AC3E}">
+        <p14:creationId xmlns:p14="http://schemas.microsoft.com/office/powerpoint/2010/main" val="2740739163"/>
+      </p:ext>
+    </p:extLst>
+  </p:cSld>
+  <p:clrMapOvr>
+    <a:masterClrMapping/>
+  </p:clrMapOvr>
+</p:sld>
+</file>
+
+<file path=ppt/slides/slide14.xml><?xml version="1.0" encoding="utf-8"?>
+<p:sld xmlns:a="http://schemas.openxmlformats.org/drawingml/2006/main" xmlns:r="http://schemas.openxmlformats.org/officeDocument/2006/relationships" xmlns:p="http://schemas.openxmlformats.org/presentationml/2006/main">
+  <p:cSld>
+    <p:spTree>
+      <p:nvGrpSpPr>
+        <p:cNvPr id="1" name=""/>
+        <p:cNvGrpSpPr/>
+        <p:nvPr/>
+      </p:nvGrpSpPr>
+      <p:grpSpPr>
+        <a:xfrm>
+          <a:off x="0" y="0"/>
+          <a:ext cx="0" cy="0"/>
+          <a:chOff x="0" y="0"/>
+          <a:chExt cx="0" cy="0"/>
+        </a:xfrm>
+      </p:grpSpPr>
+      <p:sp>
+        <p:nvSpPr>
+          <p:cNvPr id="2" name="Título 1">
+            <a:extLst>
+              <a:ext uri="{FF2B5EF4-FFF2-40B4-BE49-F238E27FC236}">
+                <a16:creationId xmlns:a16="http://schemas.microsoft.com/office/drawing/2014/main" id="{51E579E3-4D4D-4391-A4DB-77F6C6DD84BE}"/>
+              </a:ext>
+            </a:extLst>
+          </p:cNvPr>
+          <p:cNvSpPr>
+            <a:spLocks noGrp="1"/>
+          </p:cNvSpPr>
+          <p:nvPr>
+            <p:ph type="title"/>
+          </p:nvPr>
+        </p:nvSpPr>
+        <p:spPr>
+          <a:xfrm>
+            <a:off x="900344" y="2766218"/>
+            <a:ext cx="10515600" cy="1325563"/>
+          </a:xfrm>
+        </p:spPr>
+        <p:txBody>
+          <a:bodyPr/>
+          <a:lstStyle/>
+          <a:p>
+            <a:r>
+              <a:rPr lang="es-ES" dirty="0" err="1">
+                <a:solidFill>
+                  <a:srgbClr val="000000"/>
+                </a:solidFill>
+                <a:latin typeface="Calibri" panose="020F0502020204030204" pitchFamily="34" charset="0"/>
+              </a:rPr>
+              <a:t>Strategy</a:t>
+            </a:r>
+            <a:r>
+              <a:rPr lang="es-ES" dirty="0">
+                <a:solidFill>
+                  <a:srgbClr val="000000"/>
+                </a:solidFill>
+                <a:latin typeface="Calibri" panose="020F0502020204030204" pitchFamily="34" charset="0"/>
+              </a:rPr>
+              <a:t> </a:t>
+            </a:r>
+            <a:r>
+              <a:rPr lang="es-ES" dirty="0" err="1">
+                <a:solidFill>
+                  <a:srgbClr val="000000"/>
+                </a:solidFill>
+                <a:latin typeface="Calibri" panose="020F0502020204030204" pitchFamily="34" charset="0"/>
+              </a:rPr>
+              <a:t>pattern</a:t>
+            </a:r>
+            <a:endParaRPr lang="en-US" dirty="0"/>
+          </a:p>
+        </p:txBody>
+      </p:sp>
+    </p:spTree>
+    <p:extLst>
+      <p:ext uri="{BB962C8B-B14F-4D97-AF65-F5344CB8AC3E}">
+        <p14:creationId xmlns:p14="http://schemas.microsoft.com/office/powerpoint/2010/main" val="1428411220"/>
+      </p:ext>
+    </p:extLst>
+  </p:cSld>
+  <p:clrMapOvr>
+    <a:masterClrMapping/>
+  </p:clrMapOvr>
+</p:sld>
+</file>
+
+<file path=ppt/slides/slide15.xml><?xml version="1.0" encoding="utf-8"?>
+<p:sld xmlns:a="http://schemas.openxmlformats.org/drawingml/2006/main" xmlns:r="http://schemas.openxmlformats.org/officeDocument/2006/relationships" xmlns:p="http://schemas.openxmlformats.org/presentationml/2006/main">
+  <p:cSld>
+    <p:bg>
+      <p:bgPr>
+        <a:solidFill>
+          <a:srgbClr val="1E1E1E"/>
+        </a:solidFill>
+        <a:effectLst/>
+      </p:bgPr>
+    </p:bg>
+    <p:spTree>
+      <p:nvGrpSpPr>
+        <p:cNvPr id="1" name=""/>
+        <p:cNvGrpSpPr/>
+        <p:nvPr/>
+      </p:nvGrpSpPr>
+      <p:grpSpPr>
+        <a:xfrm>
+          <a:off x="0" y="0"/>
+          <a:ext cx="0" cy="0"/>
+          <a:chOff x="0" y="0"/>
+          <a:chExt cx="0" cy="0"/>
+        </a:xfrm>
+      </p:grpSpPr>
+      <p:sp>
+        <p:nvSpPr>
+          <p:cNvPr id="31" name="CuadroTexto 30">
+            <a:extLst>
+              <a:ext uri="{FF2B5EF4-FFF2-40B4-BE49-F238E27FC236}">
+                <a16:creationId xmlns:a16="http://schemas.microsoft.com/office/drawing/2014/main" id="{FBF7026D-12F4-4541-8110-DE706094717A}"/>
+              </a:ext>
+            </a:extLst>
+          </p:cNvPr>
+          <p:cNvSpPr txBox="1"/>
+          <p:nvPr/>
+        </p:nvSpPr>
+        <p:spPr>
+          <a:xfrm>
+            <a:off x="484863" y="185392"/>
+            <a:ext cx="3397994" cy="646331"/>
+          </a:xfrm>
+          <a:prstGeom prst="rect">
+            <a:avLst/>
+          </a:prstGeom>
+          <a:noFill/>
+        </p:spPr>
+        <p:txBody>
+          <a:bodyPr wrap="square" rtlCol="0">
+            <a:spAutoFit/>
+          </a:bodyPr>
+          <a:lstStyle/>
+          <a:p>
+            <a:r>
+              <a:rPr lang="en-US" sz="3600" dirty="0" err="1">
+                <a:solidFill>
+                  <a:srgbClr val="53A2D3"/>
+                </a:solidFill>
+              </a:rPr>
+              <a:t>Teoría</a:t>
+            </a:r>
+            <a:endParaRPr lang="en-US" sz="3600" dirty="0">
+              <a:solidFill>
+                <a:srgbClr val="53A2D3"/>
+              </a:solidFill>
+            </a:endParaRPr>
+          </a:p>
+        </p:txBody>
+      </p:sp>
+      <p:pic>
+        <p:nvPicPr>
+          <p:cNvPr id="7" name="Imagen 6">
+            <a:extLst>
+              <a:ext uri="{FF2B5EF4-FFF2-40B4-BE49-F238E27FC236}">
+                <a16:creationId xmlns:a16="http://schemas.microsoft.com/office/drawing/2014/main" id="{63A3F3E7-77F9-4C2C-B74D-5C03E1CCF6E0}"/>
+              </a:ext>
+            </a:extLst>
+          </p:cNvPr>
+          <p:cNvPicPr>
+            <a:picLocks noChangeAspect="1"/>
+          </p:cNvPicPr>
+          <p:nvPr/>
+        </p:nvPicPr>
+        <p:blipFill>
+          <a:blip r:embed="rId2"/>
+          <a:stretch>
+            <a:fillRect/>
+          </a:stretch>
+        </p:blipFill>
+        <p:spPr>
+          <a:xfrm>
+            <a:off x="8176025" y="1101933"/>
+            <a:ext cx="3781425" cy="3429000"/>
+          </a:xfrm>
+          <a:prstGeom prst="rect">
+            <a:avLst/>
+          </a:prstGeom>
+          <a:effectLst>
+            <a:glow rad="25400">
+              <a:schemeClr val="bg1">
+                <a:alpha val="40000"/>
+              </a:schemeClr>
+            </a:glow>
+          </a:effectLst>
+        </p:spPr>
+      </p:pic>
+      <p:pic>
+        <p:nvPicPr>
+          <p:cNvPr id="13" name="Imagen 12">
+            <a:extLst>
+              <a:ext uri="{FF2B5EF4-FFF2-40B4-BE49-F238E27FC236}">
+                <a16:creationId xmlns:a16="http://schemas.microsoft.com/office/drawing/2014/main" id="{1226FC3B-E807-4859-AB7D-0829A64B5D4D}"/>
+              </a:ext>
+            </a:extLst>
+          </p:cNvPr>
+          <p:cNvPicPr>
+            <a:picLocks noChangeAspect="1"/>
+          </p:cNvPicPr>
+          <p:nvPr/>
+        </p:nvPicPr>
+        <p:blipFill>
+          <a:blip r:embed="rId3"/>
+          <a:stretch>
+            <a:fillRect/>
+          </a:stretch>
+        </p:blipFill>
+        <p:spPr>
+          <a:xfrm>
+            <a:off x="2293072" y="831723"/>
+            <a:ext cx="2819400" cy="762000"/>
+          </a:xfrm>
+          <a:prstGeom prst="rect">
+            <a:avLst/>
+          </a:prstGeom>
+          <a:effectLst>
+            <a:glow rad="25400">
+              <a:schemeClr val="bg1">
+                <a:alpha val="40000"/>
+              </a:schemeClr>
+            </a:glow>
+          </a:effectLst>
+        </p:spPr>
+      </p:pic>
+      <p:pic>
+        <p:nvPicPr>
+          <p:cNvPr id="15" name="Imagen 14">
+            <a:extLst>
+              <a:ext uri="{FF2B5EF4-FFF2-40B4-BE49-F238E27FC236}">
+                <a16:creationId xmlns:a16="http://schemas.microsoft.com/office/drawing/2014/main" id="{3030403C-23EF-4D34-B8B2-265C157FE1FE}"/>
+              </a:ext>
+            </a:extLst>
+          </p:cNvPr>
+          <p:cNvPicPr>
+            <a:picLocks noChangeAspect="1"/>
+          </p:cNvPicPr>
+          <p:nvPr/>
+        </p:nvPicPr>
+        <p:blipFill>
+          <a:blip r:embed="rId4"/>
+          <a:stretch>
+            <a:fillRect/>
+          </a:stretch>
+        </p:blipFill>
+        <p:spPr>
+          <a:xfrm>
+            <a:off x="3702772" y="2358548"/>
+            <a:ext cx="3216008" cy="915769"/>
+          </a:xfrm>
+          <a:prstGeom prst="rect">
+            <a:avLst/>
+          </a:prstGeom>
+          <a:effectLst>
+            <a:glow rad="25400">
+              <a:schemeClr val="bg1">
+                <a:alpha val="40000"/>
+              </a:schemeClr>
+            </a:glow>
+          </a:effectLst>
+        </p:spPr>
+      </p:pic>
+      <p:pic>
+        <p:nvPicPr>
+          <p:cNvPr id="16" name="Imagen 15">
+            <a:extLst>
+              <a:ext uri="{FF2B5EF4-FFF2-40B4-BE49-F238E27FC236}">
+                <a16:creationId xmlns:a16="http://schemas.microsoft.com/office/drawing/2014/main" id="{BF9224CC-F0AA-49F7-BFB1-D2130500CB02}"/>
+              </a:ext>
+            </a:extLst>
+          </p:cNvPr>
+          <p:cNvPicPr>
+            <a:picLocks noChangeAspect="1"/>
+          </p:cNvPicPr>
+          <p:nvPr/>
+        </p:nvPicPr>
+        <p:blipFill>
+          <a:blip r:embed="rId5"/>
+          <a:stretch>
+            <a:fillRect/>
+          </a:stretch>
+        </p:blipFill>
+        <p:spPr>
+          <a:xfrm>
+            <a:off x="234550" y="2358547"/>
+            <a:ext cx="3308585" cy="915769"/>
+          </a:xfrm>
+          <a:prstGeom prst="rect">
+            <a:avLst/>
+          </a:prstGeom>
+          <a:effectLst>
+            <a:glow rad="25400">
+              <a:schemeClr val="bg1">
+                <a:alpha val="40000"/>
+              </a:schemeClr>
+            </a:glow>
+          </a:effectLst>
+        </p:spPr>
+      </p:pic>
+      <p:pic>
+        <p:nvPicPr>
+          <p:cNvPr id="17" name="Imagen 16">
+            <a:extLst>
+              <a:ext uri="{FF2B5EF4-FFF2-40B4-BE49-F238E27FC236}">
+                <a16:creationId xmlns:a16="http://schemas.microsoft.com/office/drawing/2014/main" id="{F4BFD28B-3F89-4969-8017-2D353B4E8616}"/>
+              </a:ext>
+            </a:extLst>
+          </p:cNvPr>
+          <p:cNvPicPr>
+            <a:picLocks noChangeAspect="1"/>
+          </p:cNvPicPr>
+          <p:nvPr/>
+        </p:nvPicPr>
+        <p:blipFill>
+          <a:blip r:embed="rId6"/>
+          <a:stretch>
+            <a:fillRect/>
+          </a:stretch>
+        </p:blipFill>
+        <p:spPr>
+          <a:xfrm>
+            <a:off x="220430" y="4402312"/>
+            <a:ext cx="5695950" cy="2124075"/>
+          </a:xfrm>
+          <a:prstGeom prst="rect">
+            <a:avLst/>
+          </a:prstGeom>
+          <a:effectLst>
+            <a:glow rad="25400">
+              <a:schemeClr val="bg1">
+                <a:alpha val="40000"/>
+              </a:schemeClr>
+            </a:glow>
+          </a:effectLst>
+        </p:spPr>
+      </p:pic>
+      <p:sp>
+        <p:nvSpPr>
+          <p:cNvPr id="27" name="CuadroTexto 26">
+            <a:extLst>
+              <a:ext uri="{FF2B5EF4-FFF2-40B4-BE49-F238E27FC236}">
+                <a16:creationId xmlns:a16="http://schemas.microsoft.com/office/drawing/2014/main" id="{C80AB779-E6C3-449A-80EB-6690C83E798F}"/>
+              </a:ext>
+            </a:extLst>
+          </p:cNvPr>
+          <p:cNvSpPr txBox="1"/>
+          <p:nvPr/>
+        </p:nvSpPr>
+        <p:spPr>
+          <a:xfrm>
+            <a:off x="220430" y="4007356"/>
+            <a:ext cx="1376218" cy="369332"/>
+          </a:xfrm>
+          <a:prstGeom prst="rect">
+            <a:avLst/>
+          </a:prstGeom>
+          <a:noFill/>
+        </p:spPr>
+        <p:txBody>
+          <a:bodyPr wrap="square" rtlCol="0">
+            <a:spAutoFit/>
+          </a:bodyPr>
+          <a:lstStyle/>
+          <a:p>
+            <a:r>
+              <a:rPr lang="en-US" dirty="0">
+                <a:solidFill>
+                  <a:schemeClr val="bg1"/>
+                </a:solidFill>
+              </a:rPr>
+              <a:t>Usage:</a:t>
+            </a:r>
+          </a:p>
+        </p:txBody>
+      </p:sp>
+      <p:cxnSp>
+        <p:nvCxnSpPr>
+          <p:cNvPr id="28" name="Conector recto de flecha 27">
+            <a:extLst>
+              <a:ext uri="{FF2B5EF4-FFF2-40B4-BE49-F238E27FC236}">
+                <a16:creationId xmlns:a16="http://schemas.microsoft.com/office/drawing/2014/main" id="{3A1A54ED-7217-460A-A419-52A2A8C6E16D}"/>
+              </a:ext>
+            </a:extLst>
+          </p:cNvPr>
+          <p:cNvCxnSpPr>
+            <a:cxnSpLocks/>
+            <a:stCxn id="16" idx="0"/>
+            <a:endCxn id="13" idx="2"/>
+          </p:cNvCxnSpPr>
+          <p:nvPr/>
+        </p:nvCxnSpPr>
+        <p:spPr>
+          <a:xfrm flipV="1">
+            <a:off x="1888843" y="1593723"/>
+            <a:ext cx="1813929" cy="764824"/>
+          </a:xfrm>
+          <a:prstGeom prst="straightConnector1">
+            <a:avLst/>
+          </a:prstGeom>
+          <a:ln w="12700">
+            <a:solidFill>
+              <a:schemeClr val="bg1"/>
+            </a:solidFill>
+            <a:tailEnd type="triangle"/>
+          </a:ln>
+        </p:spPr>
+        <p:style>
+          <a:lnRef idx="1">
+            <a:schemeClr val="accent1"/>
+          </a:lnRef>
+          <a:fillRef idx="0">
+            <a:schemeClr val="accent1"/>
+          </a:fillRef>
+          <a:effectRef idx="0">
+            <a:schemeClr val="accent1"/>
+          </a:effectRef>
+          <a:fontRef idx="minor">
+            <a:schemeClr val="tx1"/>
+          </a:fontRef>
+        </p:style>
+      </p:cxnSp>
+      <p:sp>
+        <p:nvSpPr>
+          <p:cNvPr id="29" name="CuadroTexto 28">
+            <a:extLst>
+              <a:ext uri="{FF2B5EF4-FFF2-40B4-BE49-F238E27FC236}">
+                <a16:creationId xmlns:a16="http://schemas.microsoft.com/office/drawing/2014/main" id="{6C5D61F4-13D6-441D-8985-28E82A07ACD8}"/>
+              </a:ext>
+            </a:extLst>
+          </p:cNvPr>
+          <p:cNvSpPr txBox="1"/>
+          <p:nvPr/>
+        </p:nvSpPr>
+        <p:spPr>
+          <a:xfrm>
+            <a:off x="4738560" y="1747673"/>
+            <a:ext cx="1376218" cy="369332"/>
+          </a:xfrm>
+          <a:prstGeom prst="rect">
+            <a:avLst/>
+          </a:prstGeom>
+          <a:noFill/>
+        </p:spPr>
+        <p:txBody>
+          <a:bodyPr wrap="square" rtlCol="0">
+            <a:spAutoFit/>
+          </a:bodyPr>
+          <a:lstStyle/>
+          <a:p>
+            <a:r>
+              <a:rPr lang="en-US" dirty="0">
+                <a:solidFill>
+                  <a:schemeClr val="bg1"/>
+                </a:solidFill>
+              </a:rPr>
+              <a:t>implements</a:t>
+            </a:r>
+          </a:p>
+        </p:txBody>
+      </p:sp>
+      <p:cxnSp>
+        <p:nvCxnSpPr>
+          <p:cNvPr id="32" name="Conector recto de flecha 31">
+            <a:extLst>
+              <a:ext uri="{FF2B5EF4-FFF2-40B4-BE49-F238E27FC236}">
+                <a16:creationId xmlns:a16="http://schemas.microsoft.com/office/drawing/2014/main" id="{54BAFDE7-80A8-46D7-A8DA-73C79CC1DA06}"/>
+              </a:ext>
+            </a:extLst>
+          </p:cNvPr>
+          <p:cNvCxnSpPr>
+            <a:cxnSpLocks/>
+            <a:stCxn id="15" idx="0"/>
+            <a:endCxn id="13" idx="2"/>
+          </p:cNvCxnSpPr>
+          <p:nvPr/>
+        </p:nvCxnSpPr>
+        <p:spPr>
+          <a:xfrm flipH="1" flipV="1">
+            <a:off x="3702772" y="1593723"/>
+            <a:ext cx="1608004" cy="764825"/>
+          </a:xfrm>
+          <a:prstGeom prst="straightConnector1">
+            <a:avLst/>
+          </a:prstGeom>
+          <a:ln w="12700">
+            <a:solidFill>
+              <a:schemeClr val="bg1"/>
+            </a:solidFill>
+            <a:tailEnd type="triangle"/>
+          </a:ln>
+        </p:spPr>
+        <p:style>
+          <a:lnRef idx="1">
+            <a:schemeClr val="accent1"/>
+          </a:lnRef>
+          <a:fillRef idx="0">
+            <a:schemeClr val="accent1"/>
+          </a:fillRef>
+          <a:effectRef idx="0">
+            <a:schemeClr val="accent1"/>
+          </a:effectRef>
+          <a:fontRef idx="minor">
+            <a:schemeClr val="tx1"/>
+          </a:fontRef>
+        </p:style>
+      </p:cxnSp>
+      <p:sp>
+        <p:nvSpPr>
+          <p:cNvPr id="36" name="CuadroTexto 35">
+            <a:extLst>
+              <a:ext uri="{FF2B5EF4-FFF2-40B4-BE49-F238E27FC236}">
+                <a16:creationId xmlns:a16="http://schemas.microsoft.com/office/drawing/2014/main" id="{9584946C-1ABD-49B7-9E74-6778D71B8931}"/>
+              </a:ext>
+            </a:extLst>
+          </p:cNvPr>
+          <p:cNvSpPr txBox="1"/>
+          <p:nvPr/>
+        </p:nvSpPr>
+        <p:spPr>
+          <a:xfrm>
+            <a:off x="1249275" y="1747673"/>
+            <a:ext cx="1376218" cy="369332"/>
+          </a:xfrm>
+          <a:prstGeom prst="rect">
+            <a:avLst/>
+          </a:prstGeom>
+          <a:noFill/>
+        </p:spPr>
+        <p:txBody>
+          <a:bodyPr wrap="square" rtlCol="0">
+            <a:spAutoFit/>
+          </a:bodyPr>
+          <a:lstStyle/>
+          <a:p>
+            <a:r>
+              <a:rPr lang="en-US" dirty="0">
+                <a:solidFill>
+                  <a:schemeClr val="bg1"/>
+                </a:solidFill>
+              </a:rPr>
+              <a:t>implements</a:t>
+            </a:r>
+          </a:p>
+        </p:txBody>
+      </p:sp>
+      <p:cxnSp>
+        <p:nvCxnSpPr>
+          <p:cNvPr id="37" name="Conector recto de flecha 36">
+            <a:extLst>
+              <a:ext uri="{FF2B5EF4-FFF2-40B4-BE49-F238E27FC236}">
+                <a16:creationId xmlns:a16="http://schemas.microsoft.com/office/drawing/2014/main" id="{F33C09D8-47E5-497E-A508-0BB69A63CB87}"/>
+              </a:ext>
+            </a:extLst>
+          </p:cNvPr>
+          <p:cNvCxnSpPr>
+            <a:cxnSpLocks/>
+            <a:stCxn id="7" idx="1"/>
+            <a:endCxn id="15" idx="3"/>
+          </p:cNvCxnSpPr>
+          <p:nvPr/>
+        </p:nvCxnSpPr>
+        <p:spPr>
+          <a:xfrm flipH="1">
+            <a:off x="6918780" y="2816433"/>
+            <a:ext cx="1257245" cy="0"/>
+          </a:xfrm>
+          <a:prstGeom prst="straightConnector1">
+            <a:avLst/>
+          </a:prstGeom>
+          <a:ln w="12700">
+            <a:solidFill>
+              <a:schemeClr val="bg1"/>
+            </a:solidFill>
+            <a:tailEnd type="triangle"/>
+          </a:ln>
+        </p:spPr>
+        <p:style>
+          <a:lnRef idx="1">
+            <a:schemeClr val="accent1"/>
+          </a:lnRef>
+          <a:fillRef idx="0">
+            <a:schemeClr val="accent1"/>
+          </a:fillRef>
+          <a:effectRef idx="0">
+            <a:schemeClr val="accent1"/>
+          </a:effectRef>
+          <a:fontRef idx="minor">
+            <a:schemeClr val="tx1"/>
+          </a:fontRef>
+        </p:style>
+      </p:cxnSp>
+      <p:sp>
+        <p:nvSpPr>
+          <p:cNvPr id="43" name="CuadroTexto 42">
+            <a:extLst>
+              <a:ext uri="{FF2B5EF4-FFF2-40B4-BE49-F238E27FC236}">
+                <a16:creationId xmlns:a16="http://schemas.microsoft.com/office/drawing/2014/main" id="{9194DB71-63AB-401A-BE6D-85B024946DBE}"/>
+              </a:ext>
+            </a:extLst>
+          </p:cNvPr>
+          <p:cNvSpPr txBox="1"/>
+          <p:nvPr/>
+        </p:nvSpPr>
+        <p:spPr>
+          <a:xfrm>
+            <a:off x="7078417" y="2491377"/>
+            <a:ext cx="1376218" cy="369332"/>
+          </a:xfrm>
+          <a:prstGeom prst="rect">
+            <a:avLst/>
+          </a:prstGeom>
+          <a:noFill/>
+        </p:spPr>
+        <p:txBody>
+          <a:bodyPr wrap="square" rtlCol="0">
+            <a:spAutoFit/>
+          </a:bodyPr>
+          <a:lstStyle/>
+          <a:p>
+            <a:r>
+              <a:rPr lang="en-US" dirty="0">
+                <a:solidFill>
+                  <a:schemeClr val="bg1"/>
+                </a:solidFill>
+              </a:rPr>
+              <a:t>executes</a:t>
+            </a:r>
+          </a:p>
+        </p:txBody>
+      </p:sp>
+    </p:spTree>
+    <p:extLst>
+      <p:ext uri="{BB962C8B-B14F-4D97-AF65-F5344CB8AC3E}">
+        <p14:creationId xmlns:p14="http://schemas.microsoft.com/office/powerpoint/2010/main" val="4059487831"/>
+      </p:ext>
+    </p:extLst>
+  </p:cSld>
+  <p:clrMapOvr>
+    <a:masterClrMapping/>
+  </p:clrMapOvr>
+</p:sld>
+</file>
+
+<file path=ppt/slides/slide16.xml><?xml version="1.0" encoding="utf-8"?>
+<p:sld xmlns:a="http://schemas.openxmlformats.org/drawingml/2006/main" xmlns:r="http://schemas.openxmlformats.org/officeDocument/2006/relationships" xmlns:p="http://schemas.openxmlformats.org/presentationml/2006/main">
+  <p:cSld>
+    <p:bg>
+      <p:bgPr>
+        <a:solidFill>
+          <a:srgbClr val="1E1E1E"/>
+        </a:solidFill>
+        <a:effectLst/>
+      </p:bgPr>
+    </p:bg>
+    <p:spTree>
+      <p:nvGrpSpPr>
+        <p:cNvPr id="1" name=""/>
+        <p:cNvGrpSpPr/>
+        <p:nvPr/>
+      </p:nvGrpSpPr>
+      <p:grpSpPr>
+        <a:xfrm>
+          <a:off x="0" y="0"/>
+          <a:ext cx="0" cy="0"/>
+          <a:chOff x="0" y="0"/>
+          <a:chExt cx="0" cy="0"/>
+        </a:xfrm>
+      </p:grpSpPr>
+      <p:sp>
+        <p:nvSpPr>
+          <p:cNvPr id="19" name="CuadroTexto 18">
+            <a:extLst>
+              <a:ext uri="{FF2B5EF4-FFF2-40B4-BE49-F238E27FC236}">
+                <a16:creationId xmlns:a16="http://schemas.microsoft.com/office/drawing/2014/main" id="{A96312D1-C027-407A-96BD-2EF07177E281}"/>
+              </a:ext>
+            </a:extLst>
+          </p:cNvPr>
+          <p:cNvSpPr txBox="1"/>
+          <p:nvPr/>
+        </p:nvSpPr>
+        <p:spPr>
+          <a:xfrm>
+            <a:off x="277441" y="3087902"/>
+            <a:ext cx="5675684" cy="3609235"/>
+          </a:xfrm>
+          <a:prstGeom prst="rect">
+            <a:avLst/>
+          </a:prstGeom>
+          <a:noFill/>
+          <a:ln>
+            <a:solidFill>
+              <a:schemeClr val="bg1"/>
+            </a:solidFill>
+          </a:ln>
+        </p:spPr>
+        <p:txBody>
+          <a:bodyPr wrap="square" rtlCol="0">
+            <a:spAutoFit/>
+          </a:bodyPr>
+          <a:lstStyle/>
+          <a:p>
+            <a:endParaRPr lang="en-US" dirty="0"/>
+          </a:p>
+        </p:txBody>
+      </p:sp>
+      <p:pic>
+        <p:nvPicPr>
+          <p:cNvPr id="5" name="Imagen 4">
+            <a:extLst>
+              <a:ext uri="{FF2B5EF4-FFF2-40B4-BE49-F238E27FC236}">
+                <a16:creationId xmlns:a16="http://schemas.microsoft.com/office/drawing/2014/main" id="{1F28F35C-9F8B-4E76-86E9-350415B88C79}"/>
+              </a:ext>
+            </a:extLst>
+          </p:cNvPr>
+          <p:cNvPicPr>
+            <a:picLocks noChangeAspect="1"/>
+          </p:cNvPicPr>
+          <p:nvPr/>
+        </p:nvPicPr>
+        <p:blipFill>
+          <a:blip r:embed="rId2"/>
+          <a:stretch>
+            <a:fillRect/>
+          </a:stretch>
+        </p:blipFill>
+        <p:spPr>
+          <a:xfrm>
+            <a:off x="797883" y="1225868"/>
+            <a:ext cx="4287752" cy="969928"/>
+          </a:xfrm>
+          <a:prstGeom prst="rect">
+            <a:avLst/>
+          </a:prstGeom>
+          <a:effectLst>
+            <a:glow rad="25400">
+              <a:schemeClr val="bg1">
+                <a:alpha val="40000"/>
+              </a:schemeClr>
+            </a:glow>
+          </a:effectLst>
+        </p:spPr>
+      </p:pic>
+      <p:pic>
+        <p:nvPicPr>
+          <p:cNvPr id="3" name="Imagen 2">
+            <a:extLst>
+              <a:ext uri="{FF2B5EF4-FFF2-40B4-BE49-F238E27FC236}">
+                <a16:creationId xmlns:a16="http://schemas.microsoft.com/office/drawing/2014/main" id="{9C1B9B4B-60A9-4422-9C3A-3CD098F4505A}"/>
+              </a:ext>
+            </a:extLst>
+          </p:cNvPr>
+          <p:cNvPicPr>
+            <a:picLocks noChangeAspect="1"/>
+          </p:cNvPicPr>
+          <p:nvPr/>
+        </p:nvPicPr>
+        <p:blipFill>
+          <a:blip r:embed="rId3"/>
+          <a:stretch>
+            <a:fillRect/>
+          </a:stretch>
+        </p:blipFill>
+        <p:spPr>
+          <a:xfrm>
+            <a:off x="345048" y="3127409"/>
+            <a:ext cx="5253753" cy="488881"/>
+          </a:xfrm>
+          <a:prstGeom prst="rect">
+            <a:avLst/>
+          </a:prstGeom>
+          <a:effectLst>
+            <a:glow>
+              <a:schemeClr val="bg1">
+                <a:alpha val="40000"/>
+              </a:schemeClr>
+            </a:glow>
+          </a:effectLst>
+        </p:spPr>
+      </p:pic>
+      <p:pic>
+        <p:nvPicPr>
+          <p:cNvPr id="4" name="Imagen 3">
+            <a:extLst>
+              <a:ext uri="{FF2B5EF4-FFF2-40B4-BE49-F238E27FC236}">
+                <a16:creationId xmlns:a16="http://schemas.microsoft.com/office/drawing/2014/main" id="{C36C44D5-9D26-4140-9030-A25266CFEACE}"/>
+              </a:ext>
+            </a:extLst>
+          </p:cNvPr>
+          <p:cNvPicPr>
+            <a:picLocks noChangeAspect="1"/>
+          </p:cNvPicPr>
+          <p:nvPr/>
+        </p:nvPicPr>
+        <p:blipFill>
+          <a:blip r:embed="rId4"/>
+          <a:stretch>
+            <a:fillRect/>
+          </a:stretch>
+        </p:blipFill>
+        <p:spPr>
+          <a:xfrm>
+            <a:off x="1339827" y="1917666"/>
+            <a:ext cx="4516224" cy="971158"/>
+          </a:xfrm>
+          <a:prstGeom prst="rect">
+            <a:avLst/>
+          </a:prstGeom>
+          <a:effectLst>
+            <a:glow rad="25400">
+              <a:schemeClr val="bg1">
+                <a:alpha val="40000"/>
+              </a:schemeClr>
+            </a:glow>
+          </a:effectLst>
+        </p:spPr>
+      </p:pic>
+      <p:pic>
+        <p:nvPicPr>
+          <p:cNvPr id="9" name="Imagen 8">
+            <a:extLst>
+              <a:ext uri="{FF2B5EF4-FFF2-40B4-BE49-F238E27FC236}">
+                <a16:creationId xmlns:a16="http://schemas.microsoft.com/office/drawing/2014/main" id="{49F94EEA-BD17-488E-8959-1BDE76060086}"/>
+              </a:ext>
+            </a:extLst>
+          </p:cNvPr>
+          <p:cNvPicPr>
+            <a:picLocks noChangeAspect="1"/>
+          </p:cNvPicPr>
+          <p:nvPr/>
+        </p:nvPicPr>
+        <p:blipFill>
+          <a:blip r:embed="rId5"/>
+          <a:stretch>
+            <a:fillRect/>
+          </a:stretch>
+        </p:blipFill>
+        <p:spPr>
+          <a:xfrm>
+            <a:off x="1487759" y="160863"/>
+            <a:ext cx="2908000" cy="573633"/>
+          </a:xfrm>
+          <a:prstGeom prst="rect">
+            <a:avLst/>
+          </a:prstGeom>
+          <a:effectLst>
+            <a:glow rad="25400">
+              <a:schemeClr val="bg1">
+                <a:alpha val="40000"/>
+              </a:schemeClr>
+            </a:glow>
+          </a:effectLst>
+        </p:spPr>
+      </p:pic>
+      <p:pic>
+        <p:nvPicPr>
+          <p:cNvPr id="14" name="Imagen 13">
+            <a:extLst>
+              <a:ext uri="{FF2B5EF4-FFF2-40B4-BE49-F238E27FC236}">
+                <a16:creationId xmlns:a16="http://schemas.microsoft.com/office/drawing/2014/main" id="{E0E785AA-AFC8-4D14-8DD6-DA69DB1D5C3D}"/>
+              </a:ext>
+            </a:extLst>
+          </p:cNvPr>
+          <p:cNvPicPr>
+            <a:picLocks noChangeAspect="1"/>
+          </p:cNvPicPr>
+          <p:nvPr/>
+        </p:nvPicPr>
+        <p:blipFill>
+          <a:blip r:embed="rId6"/>
+          <a:stretch>
+            <a:fillRect/>
+          </a:stretch>
+        </p:blipFill>
+        <p:spPr>
+          <a:xfrm>
+            <a:off x="7235443" y="3087902"/>
+            <a:ext cx="4287753" cy="1843117"/>
+          </a:xfrm>
+          <a:prstGeom prst="rect">
+            <a:avLst/>
+          </a:prstGeom>
+          <a:effectLst>
+            <a:glow rad="25400">
+              <a:schemeClr val="bg1">
+                <a:alpha val="40000"/>
+              </a:schemeClr>
+            </a:glow>
+          </a:effectLst>
+        </p:spPr>
+      </p:pic>
+      <p:pic>
+        <p:nvPicPr>
+          <p:cNvPr id="16" name="Imagen 15">
+            <a:extLst>
+              <a:ext uri="{FF2B5EF4-FFF2-40B4-BE49-F238E27FC236}">
+                <a16:creationId xmlns:a16="http://schemas.microsoft.com/office/drawing/2014/main" id="{E2574B5B-77DE-464E-B6B5-321D05E8DDCF}"/>
+              </a:ext>
+            </a:extLst>
+          </p:cNvPr>
+          <p:cNvPicPr>
+            <a:picLocks noChangeAspect="1"/>
+          </p:cNvPicPr>
+          <p:nvPr/>
+        </p:nvPicPr>
+        <p:blipFill>
+          <a:blip r:embed="rId7"/>
+          <a:stretch>
+            <a:fillRect/>
+          </a:stretch>
+        </p:blipFill>
+        <p:spPr>
+          <a:xfrm>
+            <a:off x="6731370" y="165207"/>
+            <a:ext cx="5295901" cy="2445957"/>
+          </a:xfrm>
+          <a:prstGeom prst="rect">
+            <a:avLst/>
+          </a:prstGeom>
+          <a:effectLst>
+            <a:glow rad="25400">
+              <a:schemeClr val="bg1">
+                <a:alpha val="40000"/>
+              </a:schemeClr>
+            </a:glow>
+          </a:effectLst>
+        </p:spPr>
+      </p:pic>
+      <p:pic>
+        <p:nvPicPr>
+          <p:cNvPr id="18" name="Imagen 17">
+            <a:extLst>
+              <a:ext uri="{FF2B5EF4-FFF2-40B4-BE49-F238E27FC236}">
+                <a16:creationId xmlns:a16="http://schemas.microsoft.com/office/drawing/2014/main" id="{0B0AB996-6C12-4098-B73D-617DC9134067}"/>
+              </a:ext>
+            </a:extLst>
+          </p:cNvPr>
+          <p:cNvPicPr>
+            <a:picLocks noChangeAspect="1"/>
+          </p:cNvPicPr>
+          <p:nvPr/>
+        </p:nvPicPr>
+        <p:blipFill>
+          <a:blip r:embed="rId8"/>
+          <a:stretch>
+            <a:fillRect/>
+          </a:stretch>
+        </p:blipFill>
+        <p:spPr>
+          <a:xfrm>
+            <a:off x="345048" y="3655797"/>
+            <a:ext cx="5253754" cy="2780996"/>
+          </a:xfrm>
+          <a:prstGeom prst="rect">
+            <a:avLst/>
+          </a:prstGeom>
+        </p:spPr>
+      </p:pic>
+      <p:sp>
+        <p:nvSpPr>
+          <p:cNvPr id="25" name="CuadroTexto 24">
+            <a:extLst>
+              <a:ext uri="{FF2B5EF4-FFF2-40B4-BE49-F238E27FC236}">
+                <a16:creationId xmlns:a16="http://schemas.microsoft.com/office/drawing/2014/main" id="{B6FBF2F1-EAB1-495D-AD6F-27A42C4E8F45}"/>
+              </a:ext>
+            </a:extLst>
+          </p:cNvPr>
+          <p:cNvSpPr txBox="1"/>
+          <p:nvPr/>
+        </p:nvSpPr>
+        <p:spPr>
+          <a:xfrm>
+            <a:off x="2909830" y="820228"/>
+            <a:ext cx="1376218" cy="369332"/>
+          </a:xfrm>
+          <a:prstGeom prst="rect">
+            <a:avLst/>
+          </a:prstGeom>
+          <a:noFill/>
+        </p:spPr>
+        <p:txBody>
+          <a:bodyPr wrap="square" rtlCol="0">
+            <a:spAutoFit/>
+          </a:bodyPr>
+          <a:lstStyle/>
+          <a:p>
+            <a:r>
+              <a:rPr lang="en-US" dirty="0">
+                <a:solidFill>
+                  <a:schemeClr val="bg1"/>
+                </a:solidFill>
+              </a:rPr>
+              <a:t>implements</a:t>
+            </a:r>
+          </a:p>
+        </p:txBody>
+      </p:sp>
+      <p:cxnSp>
+        <p:nvCxnSpPr>
+          <p:cNvPr id="27" name="Conector recto de flecha 26">
+            <a:extLst>
+              <a:ext uri="{FF2B5EF4-FFF2-40B4-BE49-F238E27FC236}">
+                <a16:creationId xmlns:a16="http://schemas.microsoft.com/office/drawing/2014/main" id="{88EC44E3-2AD7-4D4C-9534-8FD067DCA220}"/>
+              </a:ext>
+            </a:extLst>
+          </p:cNvPr>
+          <p:cNvCxnSpPr>
+            <a:cxnSpLocks/>
+            <a:stCxn id="5" idx="0"/>
+            <a:endCxn id="9" idx="2"/>
+          </p:cNvCxnSpPr>
+          <p:nvPr/>
+        </p:nvCxnSpPr>
+        <p:spPr>
+          <a:xfrm flipV="1">
+            <a:off x="2941759" y="734496"/>
+            <a:ext cx="0" cy="491372"/>
+          </a:xfrm>
+          <a:prstGeom prst="straightConnector1">
+            <a:avLst/>
+          </a:prstGeom>
+          <a:ln w="12700">
+            <a:solidFill>
+              <a:schemeClr val="bg1"/>
+            </a:solidFill>
+            <a:tailEnd type="triangle"/>
+          </a:ln>
+        </p:spPr>
+        <p:style>
+          <a:lnRef idx="1">
+            <a:schemeClr val="accent1"/>
+          </a:lnRef>
+          <a:fillRef idx="0">
+            <a:schemeClr val="accent1"/>
+          </a:fillRef>
+          <a:effectRef idx="0">
+            <a:schemeClr val="accent1"/>
+          </a:effectRef>
+          <a:fontRef idx="minor">
+            <a:schemeClr val="tx1"/>
+          </a:fontRef>
+        </p:style>
+      </p:cxnSp>
+      <p:cxnSp>
+        <p:nvCxnSpPr>
+          <p:cNvPr id="34" name="Conector recto de flecha 33">
+            <a:extLst>
+              <a:ext uri="{FF2B5EF4-FFF2-40B4-BE49-F238E27FC236}">
+                <a16:creationId xmlns:a16="http://schemas.microsoft.com/office/drawing/2014/main" id="{77211730-336B-4475-92D1-978E8AE483D7}"/>
+              </a:ext>
+            </a:extLst>
+          </p:cNvPr>
+          <p:cNvCxnSpPr>
+            <a:cxnSpLocks/>
+            <a:stCxn id="16" idx="1"/>
+            <a:endCxn id="5" idx="3"/>
+          </p:cNvCxnSpPr>
+          <p:nvPr/>
+        </p:nvCxnSpPr>
+        <p:spPr>
+          <a:xfrm flipH="1">
+            <a:off x="5085635" y="1388186"/>
+            <a:ext cx="1645735" cy="322646"/>
+          </a:xfrm>
+          <a:prstGeom prst="straightConnector1">
+            <a:avLst/>
+          </a:prstGeom>
+          <a:ln w="12700">
+            <a:solidFill>
+              <a:schemeClr val="bg1"/>
+            </a:solidFill>
+            <a:tailEnd type="triangle"/>
+          </a:ln>
+        </p:spPr>
+        <p:style>
+          <a:lnRef idx="1">
+            <a:schemeClr val="accent1"/>
+          </a:lnRef>
+          <a:fillRef idx="0">
+            <a:schemeClr val="accent1"/>
+          </a:fillRef>
+          <a:effectRef idx="0">
+            <a:schemeClr val="accent1"/>
+          </a:effectRef>
+          <a:fontRef idx="minor">
+            <a:schemeClr val="tx1"/>
+          </a:fontRef>
+        </p:style>
+      </p:cxnSp>
+      <p:sp>
+        <p:nvSpPr>
+          <p:cNvPr id="35" name="CuadroTexto 34">
+            <a:extLst>
+              <a:ext uri="{FF2B5EF4-FFF2-40B4-BE49-F238E27FC236}">
+                <a16:creationId xmlns:a16="http://schemas.microsoft.com/office/drawing/2014/main" id="{C400614D-3218-4E37-9650-3A63BC3DE8EB}"/>
+              </a:ext>
+            </a:extLst>
+          </p:cNvPr>
+          <p:cNvSpPr txBox="1"/>
+          <p:nvPr/>
+        </p:nvSpPr>
+        <p:spPr>
+          <a:xfrm rot="20924205">
+            <a:off x="5469464" y="1159486"/>
+            <a:ext cx="1376218" cy="369332"/>
+          </a:xfrm>
+          <a:prstGeom prst="rect">
+            <a:avLst/>
+          </a:prstGeom>
+          <a:noFill/>
+        </p:spPr>
+        <p:txBody>
+          <a:bodyPr wrap="square" rtlCol="0">
+            <a:spAutoFit/>
+          </a:bodyPr>
+          <a:lstStyle/>
+          <a:p>
+            <a:r>
+              <a:rPr lang="en-US" dirty="0">
+                <a:solidFill>
+                  <a:schemeClr val="bg1"/>
+                </a:solidFill>
+              </a:rPr>
+              <a:t>executes</a:t>
+            </a:r>
+          </a:p>
+        </p:txBody>
+      </p:sp>
+      <p:cxnSp>
+        <p:nvCxnSpPr>
+          <p:cNvPr id="38" name="Conector recto de flecha 37">
+            <a:extLst>
+              <a:ext uri="{FF2B5EF4-FFF2-40B4-BE49-F238E27FC236}">
+                <a16:creationId xmlns:a16="http://schemas.microsoft.com/office/drawing/2014/main" id="{074459B3-FE79-42A2-9A9E-C03EC6F7E472}"/>
+              </a:ext>
+            </a:extLst>
+          </p:cNvPr>
+          <p:cNvCxnSpPr>
+            <a:cxnSpLocks/>
+            <a:stCxn id="16" idx="1"/>
+            <a:endCxn id="4" idx="3"/>
+          </p:cNvCxnSpPr>
+          <p:nvPr/>
+        </p:nvCxnSpPr>
+        <p:spPr>
+          <a:xfrm flipH="1">
+            <a:off x="5856051" y="1388186"/>
+            <a:ext cx="875319" cy="1015059"/>
+          </a:xfrm>
+          <a:prstGeom prst="straightConnector1">
+            <a:avLst/>
+          </a:prstGeom>
+          <a:ln w="12700">
+            <a:solidFill>
+              <a:schemeClr val="bg1"/>
+            </a:solidFill>
+            <a:tailEnd type="triangle"/>
+          </a:ln>
+        </p:spPr>
+        <p:style>
+          <a:lnRef idx="1">
+            <a:schemeClr val="accent1"/>
+          </a:lnRef>
+          <a:fillRef idx="0">
+            <a:schemeClr val="accent1"/>
+          </a:fillRef>
+          <a:effectRef idx="0">
+            <a:schemeClr val="accent1"/>
+          </a:effectRef>
+          <a:fontRef idx="minor">
+            <a:schemeClr val="tx1"/>
+          </a:fontRef>
+        </p:style>
+      </p:cxnSp>
+      <p:cxnSp>
+        <p:nvCxnSpPr>
+          <p:cNvPr id="48" name="Conector recto de flecha 47">
+            <a:extLst>
+              <a:ext uri="{FF2B5EF4-FFF2-40B4-BE49-F238E27FC236}">
+                <a16:creationId xmlns:a16="http://schemas.microsoft.com/office/drawing/2014/main" id="{CADF5784-5FC3-40D6-BB19-FC72C0D9D2F5}"/>
+              </a:ext>
+              <a:ext uri="{C183D7F6-B498-43B3-948B-1728B52AA6E4}">
+                <adec:decorative xmlns:adec="http://schemas.microsoft.com/office/drawing/2017/decorative" val="0"/>
+              </a:ext>
+            </a:extLst>
+          </p:cNvPr>
+          <p:cNvCxnSpPr>
+            <a:cxnSpLocks/>
+            <a:stCxn id="16" idx="2"/>
+            <a:endCxn id="14" idx="0"/>
+          </p:cNvCxnSpPr>
+          <p:nvPr/>
+        </p:nvCxnSpPr>
+        <p:spPr>
+          <a:xfrm flipH="1">
+            <a:off x="9379320" y="2611164"/>
+            <a:ext cx="1" cy="476738"/>
+          </a:xfrm>
+          <a:prstGeom prst="straightConnector1">
+            <a:avLst/>
+          </a:prstGeom>
+          <a:ln w="12700">
+            <a:solidFill>
+              <a:schemeClr val="bg1"/>
+            </a:solidFill>
+            <a:tailEnd type="triangle"/>
+          </a:ln>
+        </p:spPr>
+        <p:style>
+          <a:lnRef idx="1">
+            <a:schemeClr val="accent1"/>
+          </a:lnRef>
+          <a:fillRef idx="0">
+            <a:schemeClr val="accent1"/>
+          </a:fillRef>
+          <a:effectRef idx="0">
+            <a:schemeClr val="accent1"/>
+          </a:effectRef>
+          <a:fontRef idx="minor">
+            <a:schemeClr val="tx1"/>
+          </a:fontRef>
+        </p:style>
+      </p:cxnSp>
+      <p:sp>
+        <p:nvSpPr>
+          <p:cNvPr id="49" name="CuadroTexto 48">
+            <a:extLst>
+              <a:ext uri="{FF2B5EF4-FFF2-40B4-BE49-F238E27FC236}">
+                <a16:creationId xmlns:a16="http://schemas.microsoft.com/office/drawing/2014/main" id="{863B58CB-9D32-47A7-AAAD-1480E6429863}"/>
+              </a:ext>
+            </a:extLst>
+          </p:cNvPr>
+          <p:cNvSpPr txBox="1"/>
+          <p:nvPr/>
+        </p:nvSpPr>
+        <p:spPr>
+          <a:xfrm>
+            <a:off x="9379319" y="2641505"/>
+            <a:ext cx="1376218" cy="338554"/>
+          </a:xfrm>
+          <a:prstGeom prst="rect">
+            <a:avLst/>
+          </a:prstGeom>
+          <a:noFill/>
+        </p:spPr>
+        <p:txBody>
+          <a:bodyPr wrap="square" rtlCol="0">
+            <a:spAutoFit/>
+          </a:bodyPr>
+          <a:lstStyle/>
+          <a:p>
+            <a:r>
+              <a:rPr lang="en-US" sz="1600" dirty="0">
+                <a:solidFill>
+                  <a:schemeClr val="bg1"/>
+                </a:solidFill>
+              </a:rPr>
+              <a:t>gets</a:t>
+            </a:r>
+          </a:p>
+        </p:txBody>
+      </p:sp>
+      <p:sp>
+        <p:nvSpPr>
+          <p:cNvPr id="56" name="CuadroTexto 55">
+            <a:extLst>
+              <a:ext uri="{FF2B5EF4-FFF2-40B4-BE49-F238E27FC236}">
+                <a16:creationId xmlns:a16="http://schemas.microsoft.com/office/drawing/2014/main" id="{8E28305B-4A7C-463A-9539-BFD2B83DD84E}"/>
+              </a:ext>
+            </a:extLst>
+          </p:cNvPr>
+          <p:cNvSpPr txBox="1"/>
+          <p:nvPr/>
+        </p:nvSpPr>
+        <p:spPr>
+          <a:xfrm>
+            <a:off x="5216982" y="6358583"/>
+            <a:ext cx="1376218" cy="338554"/>
+          </a:xfrm>
+          <a:prstGeom prst="rect">
+            <a:avLst/>
+          </a:prstGeom>
+          <a:noFill/>
+        </p:spPr>
+        <p:txBody>
+          <a:bodyPr wrap="square" rtlCol="0">
+            <a:spAutoFit/>
+          </a:bodyPr>
+          <a:lstStyle/>
+          <a:p>
+            <a:r>
+              <a:rPr lang="en-US" sz="1600" dirty="0">
+                <a:solidFill>
+                  <a:schemeClr val="bg1"/>
+                </a:solidFill>
+              </a:rPr>
+              <a:t>Usage</a:t>
+            </a:r>
+          </a:p>
+        </p:txBody>
+      </p:sp>
+      <p:sp>
+        <p:nvSpPr>
+          <p:cNvPr id="57" name="CuadroTexto 56">
+            <a:extLst>
+              <a:ext uri="{FF2B5EF4-FFF2-40B4-BE49-F238E27FC236}">
+                <a16:creationId xmlns:a16="http://schemas.microsoft.com/office/drawing/2014/main" id="{74D0A3BB-A078-423C-B55A-B0DF40F77A9B}"/>
+              </a:ext>
+            </a:extLst>
+          </p:cNvPr>
+          <p:cNvSpPr txBox="1"/>
+          <p:nvPr/>
+        </p:nvSpPr>
+        <p:spPr>
+          <a:xfrm>
+            <a:off x="9483407" y="6035417"/>
+            <a:ext cx="3397994" cy="646331"/>
+          </a:xfrm>
+          <a:prstGeom prst="rect">
+            <a:avLst/>
+          </a:prstGeom>
+          <a:noFill/>
+        </p:spPr>
+        <p:txBody>
+          <a:bodyPr wrap="square" rtlCol="0">
+            <a:spAutoFit/>
+          </a:bodyPr>
+          <a:lstStyle/>
+          <a:p>
+            <a:r>
+              <a:rPr lang="en-US" sz="3600" dirty="0">
+                <a:solidFill>
+                  <a:srgbClr val="53A2D3"/>
+                </a:solidFill>
+              </a:rPr>
+              <a:t>Mundo real</a:t>
+            </a:r>
+          </a:p>
+        </p:txBody>
+      </p:sp>
+    </p:spTree>
+    <p:extLst>
+      <p:ext uri="{BB962C8B-B14F-4D97-AF65-F5344CB8AC3E}">
+        <p14:creationId xmlns:p14="http://schemas.microsoft.com/office/powerpoint/2010/main" val="2514131287"/>
+      </p:ext>
+    </p:extLst>
+  </p:cSld>
+  <p:clrMapOvr>
+    <a:masterClrMapping/>
+  </p:clrMapOvr>
+</p:sld>
+</file>
+
 <file path=ppt/slides/slide2.xml><?xml version="1.0" encoding="utf-8"?>
 <p:sld xmlns:a="http://schemas.openxmlformats.org/drawingml/2006/main" xmlns:r="http://schemas.openxmlformats.org/officeDocument/2006/relationships" xmlns:p="http://schemas.openxmlformats.org/presentationml/2006/main">
   <p:cSld>

--- a/slides/Patrones de diseño con Typescript en el mundo real.pptx
+++ b/slides/Patrones de diseño con Typescript en el mundo real.pptx
@@ -21,6 +21,11 @@
     <p:sldId id="273" r:id="rId15"/>
     <p:sldId id="274" r:id="rId16"/>
     <p:sldId id="275" r:id="rId17"/>
+    <p:sldId id="276" r:id="rId18"/>
+    <p:sldId id="277" r:id="rId19"/>
+    <p:sldId id="278" r:id="rId20"/>
+    <p:sldId id="279" r:id="rId21"/>
+    <p:sldId id="280" r:id="rId22"/>
   </p:sldIdLst>
   <p:sldSz cx="12192000" cy="6858000"/>
   <p:notesSz cx="6858000" cy="9144000"/>
@@ -6226,6 +6231,529 @@
 </p:sld>
 </file>
 
+<file path=ppt/slides/slide17.xml><?xml version="1.0" encoding="utf-8"?>
+<p:sld xmlns:a="http://schemas.openxmlformats.org/drawingml/2006/main" xmlns:r="http://schemas.openxmlformats.org/officeDocument/2006/relationships" xmlns:p="http://schemas.openxmlformats.org/presentationml/2006/main">
+  <p:cSld>
+    <p:spTree>
+      <p:nvGrpSpPr>
+        <p:cNvPr id="1" name=""/>
+        <p:cNvGrpSpPr/>
+        <p:nvPr/>
+      </p:nvGrpSpPr>
+      <p:grpSpPr>
+        <a:xfrm>
+          <a:off x="0" y="0"/>
+          <a:ext cx="0" cy="0"/>
+          <a:chOff x="0" y="0"/>
+          <a:chExt cx="0" cy="0"/>
+        </a:xfrm>
+      </p:grpSpPr>
+      <p:sp>
+        <p:nvSpPr>
+          <p:cNvPr id="2" name="Título 1">
+            <a:extLst>
+              <a:ext uri="{FF2B5EF4-FFF2-40B4-BE49-F238E27FC236}">
+                <a16:creationId xmlns:a16="http://schemas.microsoft.com/office/drawing/2014/main" id="{73A2909B-13B3-4614-9321-16AF10F4286A}"/>
+              </a:ext>
+            </a:extLst>
+          </p:cNvPr>
+          <p:cNvSpPr>
+            <a:spLocks noGrp="1"/>
+          </p:cNvSpPr>
+          <p:nvPr>
+            <p:ph type="title"/>
+          </p:nvPr>
+        </p:nvSpPr>
+        <p:spPr>
+          <a:xfrm>
+            <a:off x="838200" y="2103437"/>
+            <a:ext cx="10515600" cy="1325563"/>
+          </a:xfrm>
+        </p:spPr>
+        <p:txBody>
+          <a:bodyPr/>
+          <a:lstStyle/>
+          <a:p>
+            <a:r>
+              <a:rPr lang="en-US" dirty="0"/>
+              <a:t>UI Patterns</a:t>
+            </a:r>
+          </a:p>
+        </p:txBody>
+      </p:sp>
+    </p:spTree>
+    <p:extLst>
+      <p:ext uri="{BB962C8B-B14F-4D97-AF65-F5344CB8AC3E}">
+        <p14:creationId xmlns:p14="http://schemas.microsoft.com/office/powerpoint/2010/main" val="2266296736"/>
+      </p:ext>
+    </p:extLst>
+  </p:cSld>
+  <p:clrMapOvr>
+    <a:masterClrMapping/>
+  </p:clrMapOvr>
+</p:sld>
+</file>
+
+<file path=ppt/slides/slide18.xml><?xml version="1.0" encoding="utf-8"?>
+<p:sld xmlns:a="http://schemas.openxmlformats.org/drawingml/2006/main" xmlns:r="http://schemas.openxmlformats.org/officeDocument/2006/relationships" xmlns:p="http://schemas.openxmlformats.org/presentationml/2006/main">
+  <p:cSld>
+    <p:spTree>
+      <p:nvGrpSpPr>
+        <p:cNvPr id="1" name=""/>
+        <p:cNvGrpSpPr/>
+        <p:nvPr/>
+      </p:nvGrpSpPr>
+      <p:grpSpPr>
+        <a:xfrm>
+          <a:off x="0" y="0"/>
+          <a:ext cx="0" cy="0"/>
+          <a:chOff x="0" y="0"/>
+          <a:chExt cx="0" cy="0"/>
+        </a:xfrm>
+      </p:grpSpPr>
+      <p:sp>
+        <p:nvSpPr>
+          <p:cNvPr id="2" name="Título 1">
+            <a:extLst>
+              <a:ext uri="{FF2B5EF4-FFF2-40B4-BE49-F238E27FC236}">
+                <a16:creationId xmlns:a16="http://schemas.microsoft.com/office/drawing/2014/main" id="{51E579E3-4D4D-4391-A4DB-77F6C6DD84BE}"/>
+              </a:ext>
+            </a:extLst>
+          </p:cNvPr>
+          <p:cNvSpPr>
+            <a:spLocks noGrp="1"/>
+          </p:cNvSpPr>
+          <p:nvPr>
+            <p:ph type="title"/>
+          </p:nvPr>
+        </p:nvSpPr>
+        <p:spPr>
+          <a:xfrm>
+            <a:off x="900344" y="2766218"/>
+            <a:ext cx="10515600" cy="1325563"/>
+          </a:xfrm>
+        </p:spPr>
+        <p:txBody>
+          <a:bodyPr/>
+          <a:lstStyle/>
+          <a:p>
+            <a:r>
+              <a:rPr lang="es-ES" dirty="0">
+                <a:solidFill>
+                  <a:srgbClr val="000000"/>
+                </a:solidFill>
+                <a:latin typeface="Calibri" panose="020F0502020204030204" pitchFamily="34" charset="0"/>
+              </a:rPr>
+              <a:t>Page-</a:t>
+            </a:r>
+            <a:r>
+              <a:rPr lang="es-ES" dirty="0" err="1">
+                <a:solidFill>
+                  <a:srgbClr val="000000"/>
+                </a:solidFill>
+                <a:latin typeface="Calibri" panose="020F0502020204030204" pitchFamily="34" charset="0"/>
+              </a:rPr>
+              <a:t>Object</a:t>
+            </a:r>
+            <a:r>
+              <a:rPr lang="es-ES" dirty="0">
+                <a:solidFill>
+                  <a:srgbClr val="000000"/>
+                </a:solidFill>
+                <a:latin typeface="Calibri" panose="020F0502020204030204" pitchFamily="34" charset="0"/>
+              </a:rPr>
+              <a:t> </a:t>
+            </a:r>
+            <a:r>
+              <a:rPr lang="es-ES" dirty="0" err="1">
+                <a:solidFill>
+                  <a:srgbClr val="000000"/>
+                </a:solidFill>
+                <a:latin typeface="Calibri" panose="020F0502020204030204" pitchFamily="34" charset="0"/>
+              </a:rPr>
+              <a:t>pattern</a:t>
+            </a:r>
+            <a:endParaRPr lang="en-US" dirty="0"/>
+          </a:p>
+        </p:txBody>
+      </p:sp>
+    </p:spTree>
+    <p:extLst>
+      <p:ext uri="{BB962C8B-B14F-4D97-AF65-F5344CB8AC3E}">
+        <p14:creationId xmlns:p14="http://schemas.microsoft.com/office/powerpoint/2010/main" val="2983471730"/>
+      </p:ext>
+    </p:extLst>
+  </p:cSld>
+  <p:clrMapOvr>
+    <a:masterClrMapping/>
+  </p:clrMapOvr>
+</p:sld>
+</file>
+
+<file path=ppt/slides/slide19.xml><?xml version="1.0" encoding="utf-8"?>
+<p:sld xmlns:a="http://schemas.openxmlformats.org/drawingml/2006/main" xmlns:r="http://schemas.openxmlformats.org/officeDocument/2006/relationships" xmlns:p="http://schemas.openxmlformats.org/presentationml/2006/main">
+  <p:cSld>
+    <p:bg>
+      <p:bgPr>
+        <a:solidFill>
+          <a:srgbClr val="1E1E1E"/>
+        </a:solidFill>
+        <a:effectLst/>
+      </p:bgPr>
+    </p:bg>
+    <p:spTree>
+      <p:nvGrpSpPr>
+        <p:cNvPr id="1" name=""/>
+        <p:cNvGrpSpPr/>
+        <p:nvPr/>
+      </p:nvGrpSpPr>
+      <p:grpSpPr>
+        <a:xfrm>
+          <a:off x="0" y="0"/>
+          <a:ext cx="0" cy="0"/>
+          <a:chOff x="0" y="0"/>
+          <a:chExt cx="0" cy="0"/>
+        </a:xfrm>
+      </p:grpSpPr>
+      <p:sp>
+        <p:nvSpPr>
+          <p:cNvPr id="31" name="CuadroTexto 30">
+            <a:extLst>
+              <a:ext uri="{FF2B5EF4-FFF2-40B4-BE49-F238E27FC236}">
+                <a16:creationId xmlns:a16="http://schemas.microsoft.com/office/drawing/2014/main" id="{FBF7026D-12F4-4541-8110-DE706094717A}"/>
+              </a:ext>
+            </a:extLst>
+          </p:cNvPr>
+          <p:cNvSpPr txBox="1"/>
+          <p:nvPr/>
+        </p:nvSpPr>
+        <p:spPr>
+          <a:xfrm>
+            <a:off x="484863" y="185392"/>
+            <a:ext cx="3397994" cy="646331"/>
+          </a:xfrm>
+          <a:prstGeom prst="rect">
+            <a:avLst/>
+          </a:prstGeom>
+          <a:noFill/>
+        </p:spPr>
+        <p:txBody>
+          <a:bodyPr wrap="square" rtlCol="0">
+            <a:spAutoFit/>
+          </a:bodyPr>
+          <a:lstStyle/>
+          <a:p>
+            <a:r>
+              <a:rPr lang="en-US" sz="3600" dirty="0" err="1">
+                <a:solidFill>
+                  <a:srgbClr val="53A2D3"/>
+                </a:solidFill>
+              </a:rPr>
+              <a:t>Teoría</a:t>
+            </a:r>
+            <a:endParaRPr lang="en-US" sz="3600" dirty="0">
+              <a:solidFill>
+                <a:srgbClr val="53A2D3"/>
+              </a:solidFill>
+            </a:endParaRPr>
+          </a:p>
+        </p:txBody>
+      </p:sp>
+      <p:pic>
+        <p:nvPicPr>
+          <p:cNvPr id="30" name="Imagen 29">
+            <a:extLst>
+              <a:ext uri="{FF2B5EF4-FFF2-40B4-BE49-F238E27FC236}">
+                <a16:creationId xmlns:a16="http://schemas.microsoft.com/office/drawing/2014/main" id="{11AA3BEE-0DB9-4E5E-97F9-46B38CC019A4}"/>
+              </a:ext>
+            </a:extLst>
+          </p:cNvPr>
+          <p:cNvPicPr>
+            <a:picLocks noChangeAspect="1"/>
+          </p:cNvPicPr>
+          <p:nvPr/>
+        </p:nvPicPr>
+        <p:blipFill>
+          <a:blip r:embed="rId2"/>
+          <a:stretch>
+            <a:fillRect/>
+          </a:stretch>
+        </p:blipFill>
+        <p:spPr>
+          <a:xfrm>
+            <a:off x="320338" y="3308109"/>
+            <a:ext cx="4785360" cy="2990850"/>
+          </a:xfrm>
+          <a:prstGeom prst="rect">
+            <a:avLst/>
+          </a:prstGeom>
+          <a:effectLst>
+            <a:glow rad="25400">
+              <a:schemeClr val="bg1">
+                <a:alpha val="40000"/>
+              </a:schemeClr>
+            </a:glow>
+          </a:effectLst>
+        </p:spPr>
+      </p:pic>
+      <p:pic>
+        <p:nvPicPr>
+          <p:cNvPr id="33" name="Imagen 32">
+            <a:extLst>
+              <a:ext uri="{FF2B5EF4-FFF2-40B4-BE49-F238E27FC236}">
+                <a16:creationId xmlns:a16="http://schemas.microsoft.com/office/drawing/2014/main" id="{27AF6DC8-BCC6-43A0-ACB8-8E24581FFF99}"/>
+              </a:ext>
+            </a:extLst>
+          </p:cNvPr>
+          <p:cNvPicPr>
+            <a:picLocks noChangeAspect="1"/>
+          </p:cNvPicPr>
+          <p:nvPr/>
+        </p:nvPicPr>
+        <p:blipFill>
+          <a:blip r:embed="rId3"/>
+          <a:stretch>
+            <a:fillRect/>
+          </a:stretch>
+        </p:blipFill>
+        <p:spPr>
+          <a:xfrm>
+            <a:off x="6221148" y="252067"/>
+            <a:ext cx="5485989" cy="2262533"/>
+          </a:xfrm>
+          <a:prstGeom prst="rect">
+            <a:avLst/>
+          </a:prstGeom>
+          <a:effectLst>
+            <a:glow rad="25400">
+              <a:schemeClr val="bg1">
+                <a:alpha val="40000"/>
+              </a:schemeClr>
+            </a:glow>
+          </a:effectLst>
+        </p:spPr>
+      </p:pic>
+      <p:pic>
+        <p:nvPicPr>
+          <p:cNvPr id="2" name="Imagen 1">
+            <a:extLst>
+              <a:ext uri="{FF2B5EF4-FFF2-40B4-BE49-F238E27FC236}">
+                <a16:creationId xmlns:a16="http://schemas.microsoft.com/office/drawing/2014/main" id="{0D177CD9-B958-4BF5-9974-F66D391F7A44}"/>
+              </a:ext>
+            </a:extLst>
+          </p:cNvPr>
+          <p:cNvPicPr>
+            <a:picLocks noChangeAspect="1"/>
+          </p:cNvPicPr>
+          <p:nvPr/>
+        </p:nvPicPr>
+        <p:blipFill>
+          <a:blip r:embed="rId4"/>
+          <a:stretch>
+            <a:fillRect/>
+          </a:stretch>
+        </p:blipFill>
+        <p:spPr>
+          <a:xfrm>
+            <a:off x="6221148" y="3124301"/>
+            <a:ext cx="5491163" cy="3358466"/>
+          </a:xfrm>
+          <a:prstGeom prst="rect">
+            <a:avLst/>
+          </a:prstGeom>
+          <a:effectLst>
+            <a:glow rad="25400">
+              <a:schemeClr val="bg1">
+                <a:alpha val="40000"/>
+              </a:schemeClr>
+            </a:glow>
+          </a:effectLst>
+        </p:spPr>
+      </p:pic>
+      <p:cxnSp>
+        <p:nvCxnSpPr>
+          <p:cNvPr id="34" name="Conector recto de flecha 33">
+            <a:extLst>
+              <a:ext uri="{FF2B5EF4-FFF2-40B4-BE49-F238E27FC236}">
+                <a16:creationId xmlns:a16="http://schemas.microsoft.com/office/drawing/2014/main" id="{FE5B11F8-9635-41F2-BA0B-CF1CE47617E6}"/>
+              </a:ext>
+            </a:extLst>
+          </p:cNvPr>
+          <p:cNvCxnSpPr>
+            <a:cxnSpLocks/>
+            <a:stCxn id="2" idx="0"/>
+            <a:endCxn id="33" idx="2"/>
+          </p:cNvCxnSpPr>
+          <p:nvPr/>
+        </p:nvCxnSpPr>
+        <p:spPr>
+          <a:xfrm flipH="1" flipV="1">
+            <a:off x="8964143" y="2514600"/>
+            <a:ext cx="2587" cy="609701"/>
+          </a:xfrm>
+          <a:prstGeom prst="straightConnector1">
+            <a:avLst/>
+          </a:prstGeom>
+          <a:ln w="12700">
+            <a:solidFill>
+              <a:schemeClr val="bg1"/>
+            </a:solidFill>
+            <a:headEnd type="triangle"/>
+            <a:tailEnd type="triangle"/>
+          </a:ln>
+        </p:spPr>
+        <p:style>
+          <a:lnRef idx="1">
+            <a:schemeClr val="accent1"/>
+          </a:lnRef>
+          <a:fillRef idx="0">
+            <a:schemeClr val="accent1"/>
+          </a:fillRef>
+          <a:effectRef idx="0">
+            <a:schemeClr val="accent1"/>
+          </a:effectRef>
+          <a:fontRef idx="minor">
+            <a:schemeClr val="tx1"/>
+          </a:fontRef>
+        </p:style>
+      </p:cxnSp>
+      <p:sp>
+        <p:nvSpPr>
+          <p:cNvPr id="38" name="CuadroTexto 37">
+            <a:extLst>
+              <a:ext uri="{FF2B5EF4-FFF2-40B4-BE49-F238E27FC236}">
+                <a16:creationId xmlns:a16="http://schemas.microsoft.com/office/drawing/2014/main" id="{E593275B-18D5-4ED5-B785-2CD80B46AC8E}"/>
+              </a:ext>
+            </a:extLst>
+          </p:cNvPr>
+          <p:cNvSpPr txBox="1"/>
+          <p:nvPr/>
+        </p:nvSpPr>
+        <p:spPr>
+          <a:xfrm>
+            <a:off x="8964141" y="2650173"/>
+            <a:ext cx="1758422" cy="338554"/>
+          </a:xfrm>
+          <a:prstGeom prst="rect">
+            <a:avLst/>
+          </a:prstGeom>
+          <a:noFill/>
+        </p:spPr>
+        <p:txBody>
+          <a:bodyPr wrap="square" rtlCol="0">
+            <a:spAutoFit/>
+          </a:bodyPr>
+          <a:lstStyle/>
+          <a:p>
+            <a:r>
+              <a:rPr lang="en-US" sz="1600" dirty="0">
+                <a:solidFill>
+                  <a:schemeClr val="bg1"/>
+                </a:solidFill>
+              </a:rPr>
+              <a:t>reads and interacts</a:t>
+            </a:r>
+          </a:p>
+        </p:txBody>
+      </p:sp>
+      <p:sp>
+        <p:nvSpPr>
+          <p:cNvPr id="39" name="CuadroTexto 38">
+            <a:extLst>
+              <a:ext uri="{FF2B5EF4-FFF2-40B4-BE49-F238E27FC236}">
+                <a16:creationId xmlns:a16="http://schemas.microsoft.com/office/drawing/2014/main" id="{E933C427-2012-4298-BAC7-CF5FE7311DE1}"/>
+              </a:ext>
+            </a:extLst>
+          </p:cNvPr>
+          <p:cNvSpPr txBox="1"/>
+          <p:nvPr/>
+        </p:nvSpPr>
+        <p:spPr>
+          <a:xfrm>
+            <a:off x="5282744" y="4434202"/>
+            <a:ext cx="1376218" cy="369332"/>
+          </a:xfrm>
+          <a:prstGeom prst="rect">
+            <a:avLst/>
+          </a:prstGeom>
+          <a:noFill/>
+        </p:spPr>
+        <p:txBody>
+          <a:bodyPr wrap="square" rtlCol="0">
+            <a:spAutoFit/>
+          </a:bodyPr>
+          <a:lstStyle/>
+          <a:p>
+            <a:r>
+              <a:rPr lang="en-US" dirty="0">
+                <a:solidFill>
+                  <a:schemeClr val="bg1"/>
+                </a:solidFill>
+              </a:rPr>
+              <a:t>calls</a:t>
+            </a:r>
+          </a:p>
+        </p:txBody>
+      </p:sp>
+      <p:cxnSp>
+        <p:nvCxnSpPr>
+          <p:cNvPr id="40" name="Conector recto de flecha 39">
+            <a:extLst>
+              <a:ext uri="{FF2B5EF4-FFF2-40B4-BE49-F238E27FC236}">
+                <a16:creationId xmlns:a16="http://schemas.microsoft.com/office/drawing/2014/main" id="{65ADA00B-B061-4BC6-8BEA-533E11C25C79}"/>
+              </a:ext>
+            </a:extLst>
+          </p:cNvPr>
+          <p:cNvCxnSpPr>
+            <a:cxnSpLocks/>
+            <a:stCxn id="30" idx="3"/>
+            <a:endCxn id="2" idx="1"/>
+          </p:cNvCxnSpPr>
+          <p:nvPr/>
+        </p:nvCxnSpPr>
+        <p:spPr>
+          <a:xfrm>
+            <a:off x="5105698" y="4803534"/>
+            <a:ext cx="1115450" cy="0"/>
+          </a:xfrm>
+          <a:prstGeom prst="straightConnector1">
+            <a:avLst/>
+          </a:prstGeom>
+          <a:ln w="12700">
+            <a:solidFill>
+              <a:schemeClr val="bg1"/>
+            </a:solidFill>
+            <a:tailEnd type="triangle"/>
+          </a:ln>
+        </p:spPr>
+        <p:style>
+          <a:lnRef idx="1">
+            <a:schemeClr val="accent1"/>
+          </a:lnRef>
+          <a:fillRef idx="0">
+            <a:schemeClr val="accent1"/>
+          </a:fillRef>
+          <a:effectRef idx="0">
+            <a:schemeClr val="accent1"/>
+          </a:effectRef>
+          <a:fontRef idx="minor">
+            <a:schemeClr val="tx1"/>
+          </a:fontRef>
+        </p:style>
+      </p:cxnSp>
+    </p:spTree>
+    <p:extLst>
+      <p:ext uri="{BB962C8B-B14F-4D97-AF65-F5344CB8AC3E}">
+        <p14:creationId xmlns:p14="http://schemas.microsoft.com/office/powerpoint/2010/main" val="2070501123"/>
+      </p:ext>
+    </p:extLst>
+  </p:cSld>
+  <p:clrMapOvr>
+    <a:masterClrMapping/>
+  </p:clrMapOvr>
+</p:sld>
+</file>
+
 <file path=ppt/slides/slide2.xml><?xml version="1.0" encoding="utf-8"?>
 <p:sld xmlns:a="http://schemas.openxmlformats.org/drawingml/2006/main" xmlns:r="http://schemas.openxmlformats.org/officeDocument/2006/relationships" xmlns:p="http://schemas.openxmlformats.org/presentationml/2006/main">
   <p:cSld>
@@ -6313,6 +6841,425 @@
     <p:extLst>
       <p:ext uri="{BB962C8B-B14F-4D97-AF65-F5344CB8AC3E}">
         <p14:creationId xmlns:p14="http://schemas.microsoft.com/office/powerpoint/2010/main" val="692795186"/>
+      </p:ext>
+    </p:extLst>
+  </p:cSld>
+  <p:clrMapOvr>
+    <a:masterClrMapping/>
+  </p:clrMapOvr>
+</p:sld>
+</file>
+
+<file path=ppt/slides/slide20.xml><?xml version="1.0" encoding="utf-8"?>
+<p:sld xmlns:a="http://schemas.openxmlformats.org/drawingml/2006/main" xmlns:r="http://schemas.openxmlformats.org/officeDocument/2006/relationships" xmlns:p="http://schemas.openxmlformats.org/presentationml/2006/main">
+  <p:cSld>
+    <p:bg>
+      <p:bgPr>
+        <a:solidFill>
+          <a:srgbClr val="1E1E1E"/>
+        </a:solidFill>
+        <a:effectLst/>
+      </p:bgPr>
+    </p:bg>
+    <p:spTree>
+      <p:nvGrpSpPr>
+        <p:cNvPr id="1" name=""/>
+        <p:cNvGrpSpPr/>
+        <p:nvPr/>
+      </p:nvGrpSpPr>
+      <p:grpSpPr>
+        <a:xfrm>
+          <a:off x="0" y="0"/>
+          <a:ext cx="0" cy="0"/>
+          <a:chOff x="0" y="0"/>
+          <a:chExt cx="0" cy="0"/>
+        </a:xfrm>
+      </p:grpSpPr>
+      <p:pic>
+        <p:nvPicPr>
+          <p:cNvPr id="7" name="Imagen 6">
+            <a:extLst>
+              <a:ext uri="{FF2B5EF4-FFF2-40B4-BE49-F238E27FC236}">
+                <a16:creationId xmlns:a16="http://schemas.microsoft.com/office/drawing/2014/main" id="{2CFE6195-EA83-4C47-A03F-329D229C5AB7}"/>
+              </a:ext>
+            </a:extLst>
+          </p:cNvPr>
+          <p:cNvPicPr>
+            <a:picLocks noChangeAspect="1"/>
+          </p:cNvPicPr>
+          <p:nvPr/>
+        </p:nvPicPr>
+        <p:blipFill>
+          <a:blip r:embed="rId2"/>
+          <a:stretch>
+            <a:fillRect/>
+          </a:stretch>
+        </p:blipFill>
+        <p:spPr>
+          <a:xfrm>
+            <a:off x="207896" y="2087591"/>
+            <a:ext cx="5179886" cy="4335534"/>
+          </a:xfrm>
+          <a:prstGeom prst="rect">
+            <a:avLst/>
+          </a:prstGeom>
+          <a:effectLst>
+            <a:glow rad="25400">
+              <a:schemeClr val="bg1">
+                <a:alpha val="40000"/>
+              </a:schemeClr>
+            </a:glow>
+          </a:effectLst>
+        </p:spPr>
+      </p:pic>
+      <p:pic>
+        <p:nvPicPr>
+          <p:cNvPr id="11" name="Imagen 10">
+            <a:extLst>
+              <a:ext uri="{FF2B5EF4-FFF2-40B4-BE49-F238E27FC236}">
+                <a16:creationId xmlns:a16="http://schemas.microsoft.com/office/drawing/2014/main" id="{FACE3969-615E-4C45-B56D-19518D2A9CE0}"/>
+              </a:ext>
+            </a:extLst>
+          </p:cNvPr>
+          <p:cNvPicPr>
+            <a:picLocks noChangeAspect="1"/>
+          </p:cNvPicPr>
+          <p:nvPr/>
+        </p:nvPicPr>
+        <p:blipFill>
+          <a:blip r:embed="rId3"/>
+          <a:stretch>
+            <a:fillRect/>
+          </a:stretch>
+        </p:blipFill>
+        <p:spPr>
+          <a:xfrm>
+            <a:off x="6151615" y="1849550"/>
+            <a:ext cx="5830965" cy="4823295"/>
+          </a:xfrm>
+          <a:prstGeom prst="rect">
+            <a:avLst/>
+          </a:prstGeom>
+          <a:effectLst>
+            <a:glow rad="25400">
+              <a:schemeClr val="bg1">
+                <a:alpha val="40000"/>
+              </a:schemeClr>
+            </a:glow>
+          </a:effectLst>
+        </p:spPr>
+      </p:pic>
+      <p:pic>
+        <p:nvPicPr>
+          <p:cNvPr id="13" name="Imagen 12">
+            <a:extLst>
+              <a:ext uri="{FF2B5EF4-FFF2-40B4-BE49-F238E27FC236}">
+                <a16:creationId xmlns:a16="http://schemas.microsoft.com/office/drawing/2014/main" id="{DB69B325-2AFF-4143-A6CE-6A622ECFDFA2}"/>
+              </a:ext>
+            </a:extLst>
+          </p:cNvPr>
+          <p:cNvPicPr>
+            <a:picLocks noChangeAspect="1"/>
+          </p:cNvPicPr>
+          <p:nvPr/>
+        </p:nvPicPr>
+        <p:blipFill>
+          <a:blip r:embed="rId4"/>
+          <a:stretch>
+            <a:fillRect/>
+          </a:stretch>
+        </p:blipFill>
+        <p:spPr>
+          <a:xfrm>
+            <a:off x="6267604" y="433524"/>
+            <a:ext cx="5598986" cy="664286"/>
+          </a:xfrm>
+          <a:prstGeom prst="rect">
+            <a:avLst/>
+          </a:prstGeom>
+          <a:effectLst>
+            <a:glow rad="25400">
+              <a:schemeClr val="bg1">
+                <a:alpha val="40000"/>
+              </a:schemeClr>
+            </a:glow>
+          </a:effectLst>
+        </p:spPr>
+      </p:pic>
+      <p:sp>
+        <p:nvSpPr>
+          <p:cNvPr id="25" name="CuadroTexto 24">
+            <a:extLst>
+              <a:ext uri="{FF2B5EF4-FFF2-40B4-BE49-F238E27FC236}">
+                <a16:creationId xmlns:a16="http://schemas.microsoft.com/office/drawing/2014/main" id="{19C6170D-CFD8-49E4-816C-97EDFBA2B700}"/>
+              </a:ext>
+            </a:extLst>
+          </p:cNvPr>
+          <p:cNvSpPr txBox="1"/>
+          <p:nvPr/>
+        </p:nvSpPr>
+        <p:spPr>
+          <a:xfrm>
+            <a:off x="5407891" y="3891865"/>
+            <a:ext cx="1376218" cy="369332"/>
+          </a:xfrm>
+          <a:prstGeom prst="rect">
+            <a:avLst/>
+          </a:prstGeom>
+          <a:noFill/>
+        </p:spPr>
+        <p:txBody>
+          <a:bodyPr wrap="square" rtlCol="0">
+            <a:spAutoFit/>
+          </a:bodyPr>
+          <a:lstStyle/>
+          <a:p>
+            <a:r>
+              <a:rPr lang="en-US" dirty="0">
+                <a:solidFill>
+                  <a:schemeClr val="bg1"/>
+                </a:solidFill>
+              </a:rPr>
+              <a:t>calls</a:t>
+            </a:r>
+          </a:p>
+        </p:txBody>
+      </p:sp>
+      <p:cxnSp>
+        <p:nvCxnSpPr>
+          <p:cNvPr id="26" name="Conector recto de flecha 25">
+            <a:extLst>
+              <a:ext uri="{FF2B5EF4-FFF2-40B4-BE49-F238E27FC236}">
+                <a16:creationId xmlns:a16="http://schemas.microsoft.com/office/drawing/2014/main" id="{76AE51E0-8D6F-4932-8634-0B5B6F4E744C}"/>
+              </a:ext>
+            </a:extLst>
+          </p:cNvPr>
+          <p:cNvCxnSpPr>
+            <a:cxnSpLocks/>
+            <a:stCxn id="7" idx="3"/>
+            <a:endCxn id="11" idx="1"/>
+          </p:cNvCxnSpPr>
+          <p:nvPr/>
+        </p:nvCxnSpPr>
+        <p:spPr>
+          <a:xfrm>
+            <a:off x="5387782" y="4255358"/>
+            <a:ext cx="763833" cy="5840"/>
+          </a:xfrm>
+          <a:prstGeom prst="straightConnector1">
+            <a:avLst/>
+          </a:prstGeom>
+          <a:ln w="12700">
+            <a:solidFill>
+              <a:schemeClr val="bg1"/>
+            </a:solidFill>
+            <a:tailEnd type="triangle"/>
+          </a:ln>
+        </p:spPr>
+        <p:style>
+          <a:lnRef idx="1">
+            <a:schemeClr val="accent1"/>
+          </a:lnRef>
+          <a:fillRef idx="0">
+            <a:schemeClr val="accent1"/>
+          </a:fillRef>
+          <a:effectRef idx="0">
+            <a:schemeClr val="accent1"/>
+          </a:effectRef>
+          <a:fontRef idx="minor">
+            <a:schemeClr val="tx1"/>
+          </a:fontRef>
+        </p:style>
+      </p:cxnSp>
+      <p:cxnSp>
+        <p:nvCxnSpPr>
+          <p:cNvPr id="29" name="Conector recto de flecha 28">
+            <a:extLst>
+              <a:ext uri="{FF2B5EF4-FFF2-40B4-BE49-F238E27FC236}">
+                <a16:creationId xmlns:a16="http://schemas.microsoft.com/office/drawing/2014/main" id="{03CB87ED-D98B-4404-8865-52F51E0F0D1A}"/>
+              </a:ext>
+            </a:extLst>
+          </p:cNvPr>
+          <p:cNvCxnSpPr>
+            <a:cxnSpLocks/>
+            <a:stCxn id="11" idx="0"/>
+            <a:endCxn id="13" idx="2"/>
+          </p:cNvCxnSpPr>
+          <p:nvPr/>
+        </p:nvCxnSpPr>
+        <p:spPr>
+          <a:xfrm flipH="1" flipV="1">
+            <a:off x="9067097" y="1097810"/>
+            <a:ext cx="1" cy="751740"/>
+          </a:xfrm>
+          <a:prstGeom prst="straightConnector1">
+            <a:avLst/>
+          </a:prstGeom>
+          <a:ln w="12700">
+            <a:solidFill>
+              <a:schemeClr val="bg1"/>
+            </a:solidFill>
+            <a:headEnd type="triangle"/>
+            <a:tailEnd type="triangle"/>
+          </a:ln>
+        </p:spPr>
+        <p:style>
+          <a:lnRef idx="1">
+            <a:schemeClr val="accent1"/>
+          </a:lnRef>
+          <a:fillRef idx="0">
+            <a:schemeClr val="accent1"/>
+          </a:fillRef>
+          <a:effectRef idx="0">
+            <a:schemeClr val="accent1"/>
+          </a:effectRef>
+          <a:fontRef idx="minor">
+            <a:schemeClr val="tx1"/>
+          </a:fontRef>
+        </p:style>
+      </p:cxnSp>
+      <p:sp>
+        <p:nvSpPr>
+          <p:cNvPr id="30" name="CuadroTexto 29">
+            <a:extLst>
+              <a:ext uri="{FF2B5EF4-FFF2-40B4-BE49-F238E27FC236}">
+                <a16:creationId xmlns:a16="http://schemas.microsoft.com/office/drawing/2014/main" id="{97B5AC85-396E-4BE9-9E35-EC6CFF814F96}"/>
+              </a:ext>
+            </a:extLst>
+          </p:cNvPr>
+          <p:cNvSpPr txBox="1"/>
+          <p:nvPr/>
+        </p:nvSpPr>
+        <p:spPr>
+          <a:xfrm>
+            <a:off x="9067097" y="1304403"/>
+            <a:ext cx="1758422" cy="338554"/>
+          </a:xfrm>
+          <a:prstGeom prst="rect">
+            <a:avLst/>
+          </a:prstGeom>
+          <a:noFill/>
+        </p:spPr>
+        <p:txBody>
+          <a:bodyPr wrap="square" rtlCol="0">
+            <a:spAutoFit/>
+          </a:bodyPr>
+          <a:lstStyle/>
+          <a:p>
+            <a:r>
+              <a:rPr lang="en-US" sz="1600" dirty="0">
+                <a:solidFill>
+                  <a:schemeClr val="bg1"/>
+                </a:solidFill>
+              </a:rPr>
+              <a:t>reads and interacts</a:t>
+            </a:r>
+          </a:p>
+        </p:txBody>
+      </p:sp>
+      <p:sp>
+        <p:nvSpPr>
+          <p:cNvPr id="36" name="CuadroTexto 35">
+            <a:extLst>
+              <a:ext uri="{FF2B5EF4-FFF2-40B4-BE49-F238E27FC236}">
+                <a16:creationId xmlns:a16="http://schemas.microsoft.com/office/drawing/2014/main" id="{8D5F8848-69CC-474A-8B0C-8685958FFF9D}"/>
+              </a:ext>
+            </a:extLst>
+          </p:cNvPr>
+          <p:cNvSpPr txBox="1"/>
+          <p:nvPr/>
+        </p:nvSpPr>
+        <p:spPr>
+          <a:xfrm>
+            <a:off x="361700" y="215130"/>
+            <a:ext cx="3397994" cy="646331"/>
+          </a:xfrm>
+          <a:prstGeom prst="rect">
+            <a:avLst/>
+          </a:prstGeom>
+          <a:noFill/>
+        </p:spPr>
+        <p:txBody>
+          <a:bodyPr wrap="square" rtlCol="0">
+            <a:spAutoFit/>
+          </a:bodyPr>
+          <a:lstStyle/>
+          <a:p>
+            <a:r>
+              <a:rPr lang="en-US" sz="3600" dirty="0">
+                <a:solidFill>
+                  <a:srgbClr val="53A2D3"/>
+                </a:solidFill>
+              </a:rPr>
+              <a:t>Mundo real</a:t>
+            </a:r>
+          </a:p>
+        </p:txBody>
+      </p:sp>
+    </p:spTree>
+    <p:extLst>
+      <p:ext uri="{BB962C8B-B14F-4D97-AF65-F5344CB8AC3E}">
+        <p14:creationId xmlns:p14="http://schemas.microsoft.com/office/powerpoint/2010/main" val="181309968"/>
+      </p:ext>
+    </p:extLst>
+  </p:cSld>
+  <p:clrMapOvr>
+    <a:masterClrMapping/>
+  </p:clrMapOvr>
+</p:sld>
+</file>
+
+<file path=ppt/slides/slide21.xml><?xml version="1.0" encoding="utf-8"?>
+<p:sld xmlns:a="http://schemas.openxmlformats.org/drawingml/2006/main" xmlns:r="http://schemas.openxmlformats.org/officeDocument/2006/relationships" xmlns:p="http://schemas.openxmlformats.org/presentationml/2006/main">
+  <p:cSld>
+    <p:spTree>
+      <p:nvGrpSpPr>
+        <p:cNvPr id="1" name=""/>
+        <p:cNvGrpSpPr/>
+        <p:nvPr/>
+      </p:nvGrpSpPr>
+      <p:grpSpPr>
+        <a:xfrm>
+          <a:off x="0" y="0"/>
+          <a:ext cx="0" cy="0"/>
+          <a:chOff x="0" y="0"/>
+          <a:chExt cx="0" cy="0"/>
+        </a:xfrm>
+      </p:grpSpPr>
+      <p:pic>
+        <p:nvPicPr>
+          <p:cNvPr id="3" name="Imagen 2">
+            <a:extLst>
+              <a:ext uri="{FF2B5EF4-FFF2-40B4-BE49-F238E27FC236}">
+                <a16:creationId xmlns:a16="http://schemas.microsoft.com/office/drawing/2014/main" id="{5A053BAB-5B07-4515-A730-99649EA7B7CC}"/>
+              </a:ext>
+            </a:extLst>
+          </p:cNvPr>
+          <p:cNvPicPr>
+            <a:picLocks noChangeAspect="1"/>
+          </p:cNvPicPr>
+          <p:nvPr/>
+        </p:nvPicPr>
+        <p:blipFill>
+          <a:blip r:embed="rId2"/>
+          <a:stretch>
+            <a:fillRect/>
+          </a:stretch>
+        </p:blipFill>
+        <p:spPr>
+          <a:xfrm>
+            <a:off x="1814512" y="1157287"/>
+            <a:ext cx="8562975" cy="4543425"/>
+          </a:xfrm>
+          <a:prstGeom prst="rect">
+            <a:avLst/>
+          </a:prstGeom>
+        </p:spPr>
+      </p:pic>
+    </p:spTree>
+    <p:extLst>
+      <p:ext uri="{BB962C8B-B14F-4D97-AF65-F5344CB8AC3E}">
+        <p14:creationId xmlns:p14="http://schemas.microsoft.com/office/powerpoint/2010/main" val="2266530384"/>
       </p:ext>
     </p:extLst>
   </p:cSld>

--- a/slides/Patrones de diseño con Typescript en el mundo real.pptx
+++ b/slides/Patrones de diseño con Typescript en el mundo real.pptx
@@ -17,15 +17,19 @@
     <p:sldId id="268" r:id="rId11"/>
     <p:sldId id="270" r:id="rId12"/>
     <p:sldId id="271" r:id="rId13"/>
-    <p:sldId id="272" r:id="rId14"/>
-    <p:sldId id="273" r:id="rId15"/>
-    <p:sldId id="274" r:id="rId16"/>
-    <p:sldId id="275" r:id="rId17"/>
-    <p:sldId id="276" r:id="rId18"/>
-    <p:sldId id="277" r:id="rId19"/>
-    <p:sldId id="278" r:id="rId20"/>
-    <p:sldId id="279" r:id="rId21"/>
-    <p:sldId id="280" r:id="rId22"/>
+    <p:sldId id="281" r:id="rId14"/>
+    <p:sldId id="282" r:id="rId15"/>
+    <p:sldId id="283" r:id="rId16"/>
+    <p:sldId id="284" r:id="rId17"/>
+    <p:sldId id="272" r:id="rId18"/>
+    <p:sldId id="273" r:id="rId19"/>
+    <p:sldId id="274" r:id="rId20"/>
+    <p:sldId id="275" r:id="rId21"/>
+    <p:sldId id="276" r:id="rId22"/>
+    <p:sldId id="277" r:id="rId23"/>
+    <p:sldId id="278" r:id="rId24"/>
+    <p:sldId id="279" r:id="rId25"/>
+    <p:sldId id="280" r:id="rId26"/>
   </p:sldIdLst>
   <p:sldSz cx="12192000" cy="6858000"/>
   <p:notesSz cx="6858000" cy="9144000"/>
@@ -281,7 +285,7 @@
           <a:p>
             <a:fld id="{0985B797-0E29-4660-9B0F-1C71CA65525C}" type="datetimeFigureOut">
               <a:rPr lang="en-US" smtClean="0"/>
-              <a:t>10/27/2019</a:t>
+              <a:t>10/28/2019</a:t>
             </a:fld>
             <a:endParaRPr lang="en-US"/>
           </a:p>
@@ -481,7 +485,7 @@
           <a:p>
             <a:fld id="{0985B797-0E29-4660-9B0F-1C71CA65525C}" type="datetimeFigureOut">
               <a:rPr lang="en-US" smtClean="0"/>
-              <a:t>10/27/2019</a:t>
+              <a:t>10/28/2019</a:t>
             </a:fld>
             <a:endParaRPr lang="en-US"/>
           </a:p>
@@ -691,7 +695,7 @@
           <a:p>
             <a:fld id="{0985B797-0E29-4660-9B0F-1C71CA65525C}" type="datetimeFigureOut">
               <a:rPr lang="en-US" smtClean="0"/>
-              <a:t>10/27/2019</a:t>
+              <a:t>10/28/2019</a:t>
             </a:fld>
             <a:endParaRPr lang="en-US"/>
           </a:p>
@@ -891,7 +895,7 @@
           <a:p>
             <a:fld id="{0985B797-0E29-4660-9B0F-1C71CA65525C}" type="datetimeFigureOut">
               <a:rPr lang="en-US" smtClean="0"/>
-              <a:t>10/27/2019</a:t>
+              <a:t>10/28/2019</a:t>
             </a:fld>
             <a:endParaRPr lang="en-US"/>
           </a:p>
@@ -1167,7 +1171,7 @@
           <a:p>
             <a:fld id="{0985B797-0E29-4660-9B0F-1C71CA65525C}" type="datetimeFigureOut">
               <a:rPr lang="en-US" smtClean="0"/>
-              <a:t>10/27/2019</a:t>
+              <a:t>10/28/2019</a:t>
             </a:fld>
             <a:endParaRPr lang="en-US"/>
           </a:p>
@@ -1435,7 +1439,7 @@
           <a:p>
             <a:fld id="{0985B797-0E29-4660-9B0F-1C71CA65525C}" type="datetimeFigureOut">
               <a:rPr lang="en-US" smtClean="0"/>
-              <a:t>10/27/2019</a:t>
+              <a:t>10/28/2019</a:t>
             </a:fld>
             <a:endParaRPr lang="en-US"/>
           </a:p>
@@ -1850,7 +1854,7 @@
           <a:p>
             <a:fld id="{0985B797-0E29-4660-9B0F-1C71CA65525C}" type="datetimeFigureOut">
               <a:rPr lang="en-US" smtClean="0"/>
-              <a:t>10/27/2019</a:t>
+              <a:t>10/28/2019</a:t>
             </a:fld>
             <a:endParaRPr lang="en-US"/>
           </a:p>
@@ -1992,7 +1996,7 @@
           <a:p>
             <a:fld id="{0985B797-0E29-4660-9B0F-1C71CA65525C}" type="datetimeFigureOut">
               <a:rPr lang="en-US" smtClean="0"/>
-              <a:t>10/27/2019</a:t>
+              <a:t>10/28/2019</a:t>
             </a:fld>
             <a:endParaRPr lang="en-US"/>
           </a:p>
@@ -2105,7 +2109,7 @@
           <a:p>
             <a:fld id="{0985B797-0E29-4660-9B0F-1C71CA65525C}" type="datetimeFigureOut">
               <a:rPr lang="en-US" smtClean="0"/>
-              <a:t>10/27/2019</a:t>
+              <a:t>10/28/2019</a:t>
             </a:fld>
             <a:endParaRPr lang="en-US"/>
           </a:p>
@@ -2418,7 +2422,7 @@
           <a:p>
             <a:fld id="{0985B797-0E29-4660-9B0F-1C71CA65525C}" type="datetimeFigureOut">
               <a:rPr lang="en-US" smtClean="0"/>
-              <a:t>10/27/2019</a:t>
+              <a:t>10/28/2019</a:t>
             </a:fld>
             <a:endParaRPr lang="en-US"/>
           </a:p>
@@ -2707,7 +2711,7 @@
           <a:p>
             <a:fld id="{0985B797-0E29-4660-9B0F-1C71CA65525C}" type="datetimeFigureOut">
               <a:rPr lang="en-US" smtClean="0"/>
-              <a:t>10/27/2019</a:t>
+              <a:t>10/28/2019</a:t>
             </a:fld>
             <a:endParaRPr lang="en-US"/>
           </a:p>
@@ -2950,7 +2954,7 @@
           <a:p>
             <a:fld id="{0985B797-0E29-4660-9B0F-1C71CA65525C}" type="datetimeFigureOut">
               <a:rPr lang="en-US" smtClean="0"/>
-              <a:t>10/27/2019</a:t>
+              <a:t>10/28/2019</a:t>
             </a:fld>
             <a:endParaRPr lang="en-US"/>
           </a:p>
@@ -4833,7 +4837,7 @@
           <p:cNvPr id="2" name="Título 1">
             <a:extLst>
               <a:ext uri="{FF2B5EF4-FFF2-40B4-BE49-F238E27FC236}">
-                <a16:creationId xmlns:a16="http://schemas.microsoft.com/office/drawing/2014/main" id="{73A2909B-13B3-4614-9321-16AF10F4286A}"/>
+                <a16:creationId xmlns:a16="http://schemas.microsoft.com/office/drawing/2014/main" id="{51E579E3-4D4D-4391-A4DB-77F6C6DD84BE}"/>
               </a:ext>
             </a:extLst>
           </p:cNvPr>
@@ -4846,7 +4850,7 @@
         </p:nvSpPr>
         <p:spPr>
           <a:xfrm>
-            <a:off x="838200" y="2103437"/>
+            <a:off x="900344" y="2766218"/>
             <a:ext cx="10515600" cy="1325563"/>
           </a:xfrm>
         </p:spPr>
@@ -4855,16 +4859,40 @@
           <a:lstStyle/>
           <a:p>
             <a:r>
-              <a:rPr lang="en-US" dirty="0"/>
-              <a:t>Behavioral Patterns</a:t>
-            </a:r>
+              <a:rPr lang="es-ES" dirty="0" err="1">
+                <a:solidFill>
+                  <a:srgbClr val="000000"/>
+                </a:solidFill>
+                <a:latin typeface="Calibri" panose="020F0502020204030204" pitchFamily="34" charset="0"/>
+              </a:rPr>
+              <a:t>Flyweight</a:t>
+            </a:r>
+            <a:r>
+              <a:rPr lang="es-ES" dirty="0">
+                <a:solidFill>
+                  <a:srgbClr val="000000"/>
+                </a:solidFill>
+                <a:latin typeface="Calibri" panose="020F0502020204030204" pitchFamily="34" charset="0"/>
+              </a:rPr>
+              <a:t> </a:t>
+            </a:r>
+            <a:r>
+              <a:rPr lang="es-ES" dirty="0" err="1">
+                <a:solidFill>
+                  <a:srgbClr val="000000"/>
+                </a:solidFill>
+                <a:latin typeface="Calibri" panose="020F0502020204030204" pitchFamily="34" charset="0"/>
+              </a:rPr>
+              <a:t>pattern</a:t>
+            </a:r>
+            <a:endParaRPr lang="en-US" dirty="0"/>
           </a:p>
         </p:txBody>
       </p:sp>
     </p:spTree>
     <p:extLst>
       <p:ext uri="{BB962C8B-B14F-4D97-AF65-F5344CB8AC3E}">
-        <p14:creationId xmlns:p14="http://schemas.microsoft.com/office/powerpoint/2010/main" val="2740739163"/>
+        <p14:creationId xmlns:p14="http://schemas.microsoft.com/office/powerpoint/2010/main" val="111627758"/>
       </p:ext>
     </p:extLst>
   </p:cSld>
@@ -4877,6 +4905,14 @@
 <file path=ppt/slides/slide14.xml><?xml version="1.0" encoding="utf-8"?>
 <p:sld xmlns:a="http://schemas.openxmlformats.org/drawingml/2006/main" xmlns:r="http://schemas.openxmlformats.org/officeDocument/2006/relationships" xmlns:p="http://schemas.openxmlformats.org/presentationml/2006/main">
   <p:cSld>
+    <p:bg>
+      <p:bgPr>
+        <a:solidFill>
+          <a:srgbClr val="1E1E1E"/>
+        </a:solidFill>
+        <a:effectLst/>
+      </p:bgPr>
+    </p:bg>
     <p:spTree>
       <p:nvGrpSpPr>
         <p:cNvPr id="1" name=""/>
@@ -4893,65 +4929,409 @@
       </p:grpSpPr>
       <p:sp>
         <p:nvSpPr>
-          <p:cNvPr id="2" name="Título 1">
-            <a:extLst>
-              <a:ext uri="{FF2B5EF4-FFF2-40B4-BE49-F238E27FC236}">
-                <a16:creationId xmlns:a16="http://schemas.microsoft.com/office/drawing/2014/main" id="{51E579E3-4D4D-4391-A4DB-77F6C6DD84BE}"/>
-              </a:ext>
-            </a:extLst>
-          </p:cNvPr>
-          <p:cNvSpPr>
-            <a:spLocks noGrp="1"/>
-          </p:cNvSpPr>
-          <p:nvPr>
-            <p:ph type="title"/>
-          </p:nvPr>
-        </p:nvSpPr>
-        <p:spPr>
-          <a:xfrm>
-            <a:off x="900344" y="2766218"/>
-            <a:ext cx="10515600" cy="1325563"/>
-          </a:xfrm>
-        </p:spPr>
-        <p:txBody>
-          <a:bodyPr/>
-          <a:lstStyle/>
-          <a:p>
-            <a:r>
-              <a:rPr lang="es-ES" dirty="0" err="1">
+          <p:cNvPr id="31" name="CuadroTexto 30">
+            <a:extLst>
+              <a:ext uri="{FF2B5EF4-FFF2-40B4-BE49-F238E27FC236}">
+                <a16:creationId xmlns:a16="http://schemas.microsoft.com/office/drawing/2014/main" id="{FBF7026D-12F4-4541-8110-DE706094717A}"/>
+              </a:ext>
+            </a:extLst>
+          </p:cNvPr>
+          <p:cNvSpPr txBox="1"/>
+          <p:nvPr/>
+        </p:nvSpPr>
+        <p:spPr>
+          <a:xfrm>
+            <a:off x="484863" y="185392"/>
+            <a:ext cx="3397994" cy="646331"/>
+          </a:xfrm>
+          <a:prstGeom prst="rect">
+            <a:avLst/>
+          </a:prstGeom>
+          <a:noFill/>
+        </p:spPr>
+        <p:txBody>
+          <a:bodyPr wrap="square" rtlCol="0">
+            <a:spAutoFit/>
+          </a:bodyPr>
+          <a:lstStyle/>
+          <a:p>
+            <a:r>
+              <a:rPr lang="en-US" sz="3600" dirty="0" err="1">
                 <a:solidFill>
-                  <a:srgbClr val="000000"/>
+                  <a:srgbClr val="53A2D3"/>
                 </a:solidFill>
-                <a:latin typeface="Calibri" panose="020F0502020204030204" pitchFamily="34" charset="0"/>
               </a:rPr>
-              <a:t>Strategy</a:t>
-            </a:r>
-            <a:r>
-              <a:rPr lang="es-ES" dirty="0">
+              <a:t>Teoría</a:t>
+            </a:r>
+            <a:endParaRPr lang="en-US" sz="3600" dirty="0">
+              <a:solidFill>
+                <a:srgbClr val="53A2D3"/>
+              </a:solidFill>
+            </a:endParaRPr>
+          </a:p>
+        </p:txBody>
+      </p:sp>
+      <p:pic>
+        <p:nvPicPr>
+          <p:cNvPr id="16" name="Imagen 15">
+            <a:extLst>
+              <a:ext uri="{FF2B5EF4-FFF2-40B4-BE49-F238E27FC236}">
+                <a16:creationId xmlns:a16="http://schemas.microsoft.com/office/drawing/2014/main" id="{8279B1F2-16FE-496F-83D6-D5898593528C}"/>
+              </a:ext>
+            </a:extLst>
+          </p:cNvPr>
+          <p:cNvPicPr>
+            <a:picLocks noChangeAspect="1"/>
+          </p:cNvPicPr>
+          <p:nvPr/>
+        </p:nvPicPr>
+        <p:blipFill>
+          <a:blip r:embed="rId2"/>
+          <a:stretch>
+            <a:fillRect/>
+          </a:stretch>
+        </p:blipFill>
+        <p:spPr>
+          <a:xfrm>
+            <a:off x="6773819" y="1330496"/>
+            <a:ext cx="5056334" cy="3368332"/>
+          </a:xfrm>
+          <a:prstGeom prst="rect">
+            <a:avLst/>
+          </a:prstGeom>
+          <a:effectLst>
+            <a:glow rad="25400">
+              <a:schemeClr val="bg1">
+                <a:alpha val="40000"/>
+              </a:schemeClr>
+            </a:glow>
+          </a:effectLst>
+        </p:spPr>
+      </p:pic>
+      <p:pic>
+        <p:nvPicPr>
+          <p:cNvPr id="17" name="Imagen 16">
+            <a:extLst>
+              <a:ext uri="{FF2B5EF4-FFF2-40B4-BE49-F238E27FC236}">
+                <a16:creationId xmlns:a16="http://schemas.microsoft.com/office/drawing/2014/main" id="{814408AF-29F6-49B7-8987-D380B75236D6}"/>
+              </a:ext>
+            </a:extLst>
+          </p:cNvPr>
+          <p:cNvPicPr>
+            <a:picLocks noChangeAspect="1"/>
+          </p:cNvPicPr>
+          <p:nvPr/>
+        </p:nvPicPr>
+        <p:blipFill>
+          <a:blip r:embed="rId3"/>
+          <a:stretch>
+            <a:fillRect/>
+          </a:stretch>
+        </p:blipFill>
+        <p:spPr>
+          <a:xfrm>
+            <a:off x="286608" y="2600325"/>
+            <a:ext cx="4410075" cy="828675"/>
+          </a:xfrm>
+          <a:prstGeom prst="rect">
+            <a:avLst/>
+          </a:prstGeom>
+          <a:effectLst>
+            <a:glow rad="25400">
+              <a:schemeClr val="bg1">
+                <a:alpha val="40000"/>
+              </a:schemeClr>
+            </a:glow>
+          </a:effectLst>
+        </p:spPr>
+      </p:pic>
+      <p:pic>
+        <p:nvPicPr>
+          <p:cNvPr id="18" name="Imagen 17">
+            <a:extLst>
+              <a:ext uri="{FF2B5EF4-FFF2-40B4-BE49-F238E27FC236}">
+                <a16:creationId xmlns:a16="http://schemas.microsoft.com/office/drawing/2014/main" id="{63B33F79-0635-479F-B1A9-CD9F7970F356}"/>
+              </a:ext>
+            </a:extLst>
+          </p:cNvPr>
+          <p:cNvPicPr>
+            <a:picLocks noChangeAspect="1"/>
+          </p:cNvPicPr>
+          <p:nvPr/>
+        </p:nvPicPr>
+        <p:blipFill>
+          <a:blip r:embed="rId4"/>
+          <a:stretch>
+            <a:fillRect/>
+          </a:stretch>
+        </p:blipFill>
+        <p:spPr>
+          <a:xfrm>
+            <a:off x="1034320" y="1197984"/>
+            <a:ext cx="2914650" cy="723900"/>
+          </a:xfrm>
+          <a:prstGeom prst="rect">
+            <a:avLst/>
+          </a:prstGeom>
+          <a:effectLst>
+            <a:glow rad="25400">
+              <a:schemeClr val="bg1">
+                <a:alpha val="40000"/>
+              </a:schemeClr>
+            </a:glow>
+          </a:effectLst>
+        </p:spPr>
+      </p:pic>
+      <p:pic>
+        <p:nvPicPr>
+          <p:cNvPr id="19" name="Imagen 18">
+            <a:extLst>
+              <a:ext uri="{FF2B5EF4-FFF2-40B4-BE49-F238E27FC236}">
+                <a16:creationId xmlns:a16="http://schemas.microsoft.com/office/drawing/2014/main" id="{9A539867-B6CE-43FE-94B2-B21383E97B22}"/>
+              </a:ext>
+            </a:extLst>
+          </p:cNvPr>
+          <p:cNvPicPr>
+            <a:picLocks noChangeAspect="1"/>
+          </p:cNvPicPr>
+          <p:nvPr/>
+        </p:nvPicPr>
+        <p:blipFill>
+          <a:blip r:embed="rId5"/>
+          <a:stretch>
+            <a:fillRect/>
+          </a:stretch>
+        </p:blipFill>
+        <p:spPr>
+          <a:xfrm>
+            <a:off x="286608" y="4512937"/>
+            <a:ext cx="5452844" cy="1886725"/>
+          </a:xfrm>
+          <a:prstGeom prst="rect">
+            <a:avLst/>
+          </a:prstGeom>
+          <a:effectLst>
+            <a:glow rad="25400">
+              <a:schemeClr val="bg1">
+                <a:alpha val="40000"/>
+              </a:schemeClr>
+            </a:glow>
+          </a:effectLst>
+        </p:spPr>
+      </p:pic>
+      <p:sp>
+        <p:nvSpPr>
+          <p:cNvPr id="20" name="CuadroTexto 19">
+            <a:extLst>
+              <a:ext uri="{FF2B5EF4-FFF2-40B4-BE49-F238E27FC236}">
+                <a16:creationId xmlns:a16="http://schemas.microsoft.com/office/drawing/2014/main" id="{BC515246-2D70-43C4-9490-C2DB84607B63}"/>
+              </a:ext>
+            </a:extLst>
+          </p:cNvPr>
+          <p:cNvSpPr txBox="1"/>
+          <p:nvPr/>
+        </p:nvSpPr>
+        <p:spPr>
+          <a:xfrm>
+            <a:off x="2491645" y="2103479"/>
+            <a:ext cx="1376218" cy="369332"/>
+          </a:xfrm>
+          <a:prstGeom prst="rect">
+            <a:avLst/>
+          </a:prstGeom>
+          <a:noFill/>
+        </p:spPr>
+        <p:txBody>
+          <a:bodyPr wrap="square" rtlCol="0">
+            <a:spAutoFit/>
+          </a:bodyPr>
+          <a:lstStyle/>
+          <a:p>
+            <a:r>
+              <a:rPr lang="en-US" dirty="0">
                 <a:solidFill>
-                  <a:srgbClr val="000000"/>
+                  <a:schemeClr val="bg1"/>
                 </a:solidFill>
-                <a:latin typeface="Calibri" panose="020F0502020204030204" pitchFamily="34" charset="0"/>
               </a:rPr>
-              <a:t> </a:t>
-            </a:r>
-            <a:r>
-              <a:rPr lang="es-ES" dirty="0" err="1">
+              <a:t>implements</a:t>
+            </a:r>
+          </a:p>
+        </p:txBody>
+      </p:sp>
+      <p:cxnSp>
+        <p:nvCxnSpPr>
+          <p:cNvPr id="27" name="Conector recto de flecha 26">
+            <a:extLst>
+              <a:ext uri="{FF2B5EF4-FFF2-40B4-BE49-F238E27FC236}">
+                <a16:creationId xmlns:a16="http://schemas.microsoft.com/office/drawing/2014/main" id="{4B88947E-6AF8-4F12-A84D-22205FA18A23}"/>
+              </a:ext>
+            </a:extLst>
+          </p:cNvPr>
+          <p:cNvCxnSpPr>
+            <a:cxnSpLocks/>
+            <a:stCxn id="17" idx="0"/>
+            <a:endCxn id="18" idx="2"/>
+          </p:cNvCxnSpPr>
+          <p:nvPr/>
+        </p:nvCxnSpPr>
+        <p:spPr>
+          <a:xfrm flipH="1" flipV="1">
+            <a:off x="2491645" y="1921884"/>
+            <a:ext cx="1" cy="678441"/>
+          </a:xfrm>
+          <a:prstGeom prst="straightConnector1">
+            <a:avLst/>
+          </a:prstGeom>
+          <a:ln w="12700">
+            <a:solidFill>
+              <a:schemeClr val="bg1"/>
+            </a:solidFill>
+            <a:tailEnd type="triangle"/>
+          </a:ln>
+        </p:spPr>
+        <p:style>
+          <a:lnRef idx="1">
+            <a:schemeClr val="accent1"/>
+          </a:lnRef>
+          <a:fillRef idx="0">
+            <a:schemeClr val="accent1"/>
+          </a:fillRef>
+          <a:effectRef idx="0">
+            <a:schemeClr val="accent1"/>
+          </a:effectRef>
+          <a:fontRef idx="minor">
+            <a:schemeClr val="tx1"/>
+          </a:fontRef>
+        </p:style>
+      </p:cxnSp>
+      <p:sp>
+        <p:nvSpPr>
+          <p:cNvPr id="28" name="CuadroTexto 27">
+            <a:extLst>
+              <a:ext uri="{FF2B5EF4-FFF2-40B4-BE49-F238E27FC236}">
+                <a16:creationId xmlns:a16="http://schemas.microsoft.com/office/drawing/2014/main" id="{4B2613B0-1FC0-43F3-A529-95CB9D285597}"/>
+              </a:ext>
+            </a:extLst>
+          </p:cNvPr>
+          <p:cNvSpPr txBox="1"/>
+          <p:nvPr/>
+        </p:nvSpPr>
+        <p:spPr>
+          <a:xfrm>
+            <a:off x="175796" y="4107441"/>
+            <a:ext cx="1376218" cy="369332"/>
+          </a:xfrm>
+          <a:prstGeom prst="rect">
+            <a:avLst/>
+          </a:prstGeom>
+          <a:noFill/>
+        </p:spPr>
+        <p:txBody>
+          <a:bodyPr wrap="square" rtlCol="0">
+            <a:spAutoFit/>
+          </a:bodyPr>
+          <a:lstStyle/>
+          <a:p>
+            <a:r>
+              <a:rPr lang="en-US" dirty="0">
                 <a:solidFill>
-                  <a:srgbClr val="000000"/>
+                  <a:schemeClr val="bg1"/>
                 </a:solidFill>
-                <a:latin typeface="Calibri" panose="020F0502020204030204" pitchFamily="34" charset="0"/>
               </a:rPr>
-              <a:t>pattern</a:t>
-            </a:r>
-            <a:endParaRPr lang="en-US" dirty="0"/>
-          </a:p>
-        </p:txBody>
-      </p:sp>
+              <a:t>Usage:</a:t>
+            </a:r>
+          </a:p>
+        </p:txBody>
+      </p:sp>
+      <p:sp>
+        <p:nvSpPr>
+          <p:cNvPr id="30" name="CuadroTexto 29">
+            <a:extLst>
+              <a:ext uri="{FF2B5EF4-FFF2-40B4-BE49-F238E27FC236}">
+                <a16:creationId xmlns:a16="http://schemas.microsoft.com/office/drawing/2014/main" id="{569BCF64-BAC8-4FD5-8908-9AD9B1AE6942}"/>
+              </a:ext>
+            </a:extLst>
+          </p:cNvPr>
+          <p:cNvSpPr txBox="1"/>
+          <p:nvPr/>
+        </p:nvSpPr>
+        <p:spPr>
+          <a:xfrm>
+            <a:off x="4852727" y="2639825"/>
+            <a:ext cx="1921092" cy="369332"/>
+          </a:xfrm>
+          <a:prstGeom prst="rect">
+            <a:avLst/>
+          </a:prstGeom>
+          <a:noFill/>
+        </p:spPr>
+        <p:txBody>
+          <a:bodyPr wrap="square" rtlCol="0">
+            <a:spAutoFit/>
+          </a:bodyPr>
+          <a:lstStyle/>
+          <a:p>
+            <a:r>
+              <a:rPr lang="en-US" dirty="0">
+                <a:solidFill>
+                  <a:schemeClr val="bg1"/>
+                </a:solidFill>
+              </a:rPr>
+              <a:t>creates and stores</a:t>
+            </a:r>
+          </a:p>
+        </p:txBody>
+      </p:sp>
+      <p:cxnSp>
+        <p:nvCxnSpPr>
+          <p:cNvPr id="32" name="Conector recto de flecha 31">
+            <a:extLst>
+              <a:ext uri="{FF2B5EF4-FFF2-40B4-BE49-F238E27FC236}">
+                <a16:creationId xmlns:a16="http://schemas.microsoft.com/office/drawing/2014/main" id="{B23CEE8A-B932-43D2-8D21-F8D9AA2A80A1}"/>
+              </a:ext>
+            </a:extLst>
+          </p:cNvPr>
+          <p:cNvCxnSpPr>
+            <a:cxnSpLocks/>
+            <a:stCxn id="16" idx="1"/>
+            <a:endCxn id="17" idx="3"/>
+          </p:cNvCxnSpPr>
+          <p:nvPr/>
+        </p:nvCxnSpPr>
+        <p:spPr>
+          <a:xfrm flipH="1">
+            <a:off x="4696683" y="3014662"/>
+            <a:ext cx="2077136" cy="1"/>
+          </a:xfrm>
+          <a:prstGeom prst="straightConnector1">
+            <a:avLst/>
+          </a:prstGeom>
+          <a:ln w="12700">
+            <a:solidFill>
+              <a:schemeClr val="bg1"/>
+            </a:solidFill>
+            <a:tailEnd type="triangle"/>
+          </a:ln>
+        </p:spPr>
+        <p:style>
+          <a:lnRef idx="1">
+            <a:schemeClr val="accent1"/>
+          </a:lnRef>
+          <a:fillRef idx="0">
+            <a:schemeClr val="accent1"/>
+          </a:fillRef>
+          <a:effectRef idx="0">
+            <a:schemeClr val="accent1"/>
+          </a:effectRef>
+          <a:fontRef idx="minor">
+            <a:schemeClr val="tx1"/>
+          </a:fontRef>
+        </p:style>
+      </p:cxnSp>
     </p:spTree>
     <p:extLst>
       <p:ext uri="{BB962C8B-B14F-4D97-AF65-F5344CB8AC3E}">
-        <p14:creationId xmlns:p14="http://schemas.microsoft.com/office/powerpoint/2010/main" val="1428411220"/>
+        <p14:creationId xmlns:p14="http://schemas.microsoft.com/office/powerpoint/2010/main" val="3474419071"/>
       </p:ext>
     </p:extLst>
   </p:cSld>
@@ -4988,10 +5368,10 @@
       </p:grpSpPr>
       <p:sp>
         <p:nvSpPr>
-          <p:cNvPr id="31" name="CuadroTexto 30">
-            <a:extLst>
-              <a:ext uri="{FF2B5EF4-FFF2-40B4-BE49-F238E27FC236}">
-                <a16:creationId xmlns:a16="http://schemas.microsoft.com/office/drawing/2014/main" id="{FBF7026D-12F4-4541-8110-DE706094717A}"/>
+          <p:cNvPr id="19" name="CuadroTexto 18">
+            <a:extLst>
+              <a:ext uri="{FF2B5EF4-FFF2-40B4-BE49-F238E27FC236}">
+                <a16:creationId xmlns:a16="http://schemas.microsoft.com/office/drawing/2014/main" id="{F2F59C7B-06BE-4061-B098-34928D5323C5}"/>
               </a:ext>
             </a:extLst>
           </p:cNvPr>
@@ -5000,13 +5380,18 @@
         </p:nvSpPr>
         <p:spPr>
           <a:xfrm>
-            <a:off x="484863" y="185392"/>
-            <a:ext cx="3397994" cy="646331"/>
+            <a:off x="6903566" y="257793"/>
+            <a:ext cx="4806300" cy="3169328"/>
           </a:xfrm>
           <a:prstGeom prst="rect">
             <a:avLst/>
           </a:prstGeom>
           <a:noFill/>
+          <a:ln>
+            <a:solidFill>
+              <a:schemeClr val="bg1"/>
+            </a:solidFill>
+          </a:ln>
         </p:spPr>
         <p:txBody>
           <a:bodyPr wrap="square" rtlCol="0">
@@ -5014,28 +5399,16 @@
           </a:bodyPr>
           <a:lstStyle/>
           <a:p>
-            <a:r>
-              <a:rPr lang="en-US" sz="3600" dirty="0" err="1">
-                <a:solidFill>
-                  <a:srgbClr val="53A2D3"/>
-                </a:solidFill>
-              </a:rPr>
-              <a:t>Teoría</a:t>
-            </a:r>
-            <a:endParaRPr lang="en-US" sz="3600" dirty="0">
-              <a:solidFill>
-                <a:srgbClr val="53A2D3"/>
-              </a:solidFill>
-            </a:endParaRPr>
+            <a:endParaRPr lang="en-US" dirty="0"/>
           </a:p>
         </p:txBody>
       </p:sp>
       <p:pic>
         <p:nvPicPr>
-          <p:cNvPr id="7" name="Imagen 6">
-            <a:extLst>
-              <a:ext uri="{FF2B5EF4-FFF2-40B4-BE49-F238E27FC236}">
-                <a16:creationId xmlns:a16="http://schemas.microsoft.com/office/drawing/2014/main" id="{63A3F3E7-77F9-4C2C-B74D-5C03E1CCF6E0}"/>
+          <p:cNvPr id="22" name="Imagen 21">
+            <a:extLst>
+              <a:ext uri="{FF2B5EF4-FFF2-40B4-BE49-F238E27FC236}">
+                <a16:creationId xmlns:a16="http://schemas.microsoft.com/office/drawing/2014/main" id="{01266FB9-5F2E-4B8A-98B8-8D6B6FD177B4}"/>
               </a:ext>
             </a:extLst>
           </p:cNvPr>
@@ -5052,8 +5425,8 @@
         </p:blipFill>
         <p:spPr>
           <a:xfrm>
-            <a:off x="8176025" y="1101933"/>
-            <a:ext cx="3781425" cy="3429000"/>
+            <a:off x="7141636" y="426241"/>
+            <a:ext cx="3705225" cy="466725"/>
           </a:xfrm>
           <a:prstGeom prst="rect">
             <a:avLst/>
@@ -5069,10 +5442,10 @@
       </p:pic>
       <p:pic>
         <p:nvPicPr>
-          <p:cNvPr id="13" name="Imagen 12">
-            <a:extLst>
-              <a:ext uri="{FF2B5EF4-FFF2-40B4-BE49-F238E27FC236}">
-                <a16:creationId xmlns:a16="http://schemas.microsoft.com/office/drawing/2014/main" id="{1226FC3B-E807-4859-AB7D-0829A64B5D4D}"/>
+          <p:cNvPr id="6" name="Imagen 5">
+            <a:extLst>
+              <a:ext uri="{FF2B5EF4-FFF2-40B4-BE49-F238E27FC236}">
+                <a16:creationId xmlns:a16="http://schemas.microsoft.com/office/drawing/2014/main" id="{1A91569B-D13B-4E53-89DC-FF82D39B7980}"/>
               </a:ext>
             </a:extLst>
           </p:cNvPr>
@@ -5089,8 +5462,8 @@
         </p:blipFill>
         <p:spPr>
           <a:xfrm>
-            <a:off x="2293072" y="831723"/>
-            <a:ext cx="2819400" cy="762000"/>
+            <a:off x="7141636" y="1309494"/>
+            <a:ext cx="3705225" cy="1528678"/>
           </a:xfrm>
           <a:prstGeom prst="rect">
             <a:avLst/>
@@ -5106,10 +5479,10 @@
       </p:pic>
       <p:pic>
         <p:nvPicPr>
-          <p:cNvPr id="15" name="Imagen 14">
-            <a:extLst>
-              <a:ext uri="{FF2B5EF4-FFF2-40B4-BE49-F238E27FC236}">
-                <a16:creationId xmlns:a16="http://schemas.microsoft.com/office/drawing/2014/main" id="{3030403C-23EF-4D34-B8B2-265C157FE1FE}"/>
+          <p:cNvPr id="10" name="Imagen 9">
+            <a:extLst>
+              <a:ext uri="{FF2B5EF4-FFF2-40B4-BE49-F238E27FC236}">
+                <a16:creationId xmlns:a16="http://schemas.microsoft.com/office/drawing/2014/main" id="{A7B0250F-F7AD-4C62-BAD2-BCD890E4BC88}"/>
               </a:ext>
             </a:extLst>
           </p:cNvPr>
@@ -5126,8 +5499,8 @@
         </p:blipFill>
         <p:spPr>
           <a:xfrm>
-            <a:off x="3702772" y="2358548"/>
-            <a:ext cx="3216008" cy="915769"/>
+            <a:off x="440209" y="1513360"/>
+            <a:ext cx="4686300" cy="647700"/>
           </a:xfrm>
           <a:prstGeom prst="rect">
             <a:avLst/>
@@ -5143,10 +5516,47 @@
       </p:pic>
       <p:pic>
         <p:nvPicPr>
-          <p:cNvPr id="16" name="Imagen 15">
-            <a:extLst>
-              <a:ext uri="{FF2B5EF4-FFF2-40B4-BE49-F238E27FC236}">
-                <a16:creationId xmlns:a16="http://schemas.microsoft.com/office/drawing/2014/main" id="{BF9224CC-F0AA-49F7-BFB1-D2130500CB02}"/>
+          <p:cNvPr id="14" name="Imagen 13">
+            <a:extLst>
+              <a:ext uri="{FF2B5EF4-FFF2-40B4-BE49-F238E27FC236}">
+                <a16:creationId xmlns:a16="http://schemas.microsoft.com/office/drawing/2014/main" id="{487F4B95-0AE9-4475-BB30-1AF666599007}"/>
+              </a:ext>
+            </a:extLst>
+          </p:cNvPr>
+          <p:cNvPicPr>
+            <a:picLocks noChangeAspect="1"/>
+          </p:cNvPicPr>
+          <p:nvPr/>
+        </p:nvPicPr>
+        <p:blipFill>
+          <a:blip r:embed="rId2"/>
+          <a:stretch>
+            <a:fillRect/>
+          </a:stretch>
+        </p:blipFill>
+        <p:spPr>
+          <a:xfrm>
+            <a:off x="7498998" y="628098"/>
+            <a:ext cx="3705225" cy="466725"/>
+          </a:xfrm>
+          <a:prstGeom prst="rect">
+            <a:avLst/>
+          </a:prstGeom>
+          <a:effectLst>
+            <a:glow rad="25400">
+              <a:schemeClr val="bg1">
+                <a:alpha val="40000"/>
+              </a:schemeClr>
+            </a:glow>
+          </a:effectLst>
+        </p:spPr>
+      </p:pic>
+      <p:pic>
+        <p:nvPicPr>
+          <p:cNvPr id="15" name="Imagen 14">
+            <a:extLst>
+              <a:ext uri="{FF2B5EF4-FFF2-40B4-BE49-F238E27FC236}">
+                <a16:creationId xmlns:a16="http://schemas.microsoft.com/office/drawing/2014/main" id="{31F32FEE-166E-4146-AF36-05BE35CC5603}"/>
               </a:ext>
             </a:extLst>
           </p:cNvPr>
@@ -5163,8 +5573,8 @@
         </p:blipFill>
         <p:spPr>
           <a:xfrm>
-            <a:off x="234550" y="2358547"/>
-            <a:ext cx="3308585" cy="915769"/>
+            <a:off x="442839" y="4018746"/>
+            <a:ext cx="6479202" cy="697522"/>
           </a:xfrm>
           <a:prstGeom prst="rect">
             <a:avLst/>
@@ -5180,10 +5590,84 @@
       </p:pic>
       <p:pic>
         <p:nvPicPr>
-          <p:cNvPr id="17" name="Imagen 16">
-            <a:extLst>
-              <a:ext uri="{FF2B5EF4-FFF2-40B4-BE49-F238E27FC236}">
-                <a16:creationId xmlns:a16="http://schemas.microsoft.com/office/drawing/2014/main" id="{F4BFD28B-3F89-4969-8017-2D353B4E8616}"/>
+          <p:cNvPr id="23" name="Imagen 22">
+            <a:extLst>
+              <a:ext uri="{FF2B5EF4-FFF2-40B4-BE49-F238E27FC236}">
+                <a16:creationId xmlns:a16="http://schemas.microsoft.com/office/drawing/2014/main" id="{E527FA2B-C2B4-4F75-AEAC-77959F97DEAA}"/>
+              </a:ext>
+            </a:extLst>
+          </p:cNvPr>
+          <p:cNvPicPr>
+            <a:picLocks noChangeAspect="1"/>
+          </p:cNvPicPr>
+          <p:nvPr/>
+        </p:nvPicPr>
+        <p:blipFill>
+          <a:blip r:embed="rId3"/>
+          <a:stretch>
+            <a:fillRect/>
+          </a:stretch>
+        </p:blipFill>
+        <p:spPr>
+          <a:xfrm>
+            <a:off x="7355152" y="1574879"/>
+            <a:ext cx="4147096" cy="1710983"/>
+          </a:xfrm>
+          <a:prstGeom prst="rect">
+            <a:avLst/>
+          </a:prstGeom>
+          <a:effectLst>
+            <a:glow rad="25400">
+              <a:schemeClr val="bg1">
+                <a:alpha val="40000"/>
+              </a:schemeClr>
+            </a:glow>
+          </a:effectLst>
+        </p:spPr>
+      </p:pic>
+      <p:pic>
+        <p:nvPicPr>
+          <p:cNvPr id="25" name="Imagen 24">
+            <a:extLst>
+              <a:ext uri="{FF2B5EF4-FFF2-40B4-BE49-F238E27FC236}">
+                <a16:creationId xmlns:a16="http://schemas.microsoft.com/office/drawing/2014/main" id="{55BC766A-6F5C-4378-A09C-FF4B09751C9F}"/>
+              </a:ext>
+            </a:extLst>
+          </p:cNvPr>
+          <p:cNvPicPr>
+            <a:picLocks noChangeAspect="1"/>
+          </p:cNvPicPr>
+          <p:nvPr/>
+        </p:nvPicPr>
+        <p:blipFill>
+          <a:blip r:embed="rId3"/>
+          <a:stretch>
+            <a:fillRect/>
+          </a:stretch>
+        </p:blipFill>
+        <p:spPr>
+          <a:xfrm>
+            <a:off x="6903566" y="4815610"/>
+            <a:ext cx="4598682" cy="1897295"/>
+          </a:xfrm>
+          <a:prstGeom prst="rect">
+            <a:avLst/>
+          </a:prstGeom>
+          <a:effectLst>
+            <a:glow rad="25400">
+              <a:schemeClr val="bg1">
+                <a:alpha val="40000"/>
+              </a:schemeClr>
+            </a:glow>
+          </a:effectLst>
+        </p:spPr>
+      </p:pic>
+      <p:pic>
+        <p:nvPicPr>
+          <p:cNvPr id="18" name="Imagen 17">
+            <a:extLst>
+              <a:ext uri="{FF2B5EF4-FFF2-40B4-BE49-F238E27FC236}">
+                <a16:creationId xmlns:a16="http://schemas.microsoft.com/office/drawing/2014/main" id="{EE335C85-6FFD-4D54-BA3B-11AE318B6749}"/>
               </a:ext>
             </a:extLst>
           </p:cNvPr>
@@ -5200,8 +5684,8 @@
         </p:blipFill>
         <p:spPr>
           <a:xfrm>
-            <a:off x="220430" y="4402312"/>
-            <a:ext cx="5695950" cy="2124075"/>
+            <a:off x="440209" y="4846005"/>
+            <a:ext cx="5781675" cy="1866900"/>
           </a:xfrm>
           <a:prstGeom prst="rect">
             <a:avLst/>
@@ -5217,10 +5701,10 @@
       </p:pic>
       <p:sp>
         <p:nvSpPr>
-          <p:cNvPr id="27" name="CuadroTexto 26">
-            <a:extLst>
-              <a:ext uri="{FF2B5EF4-FFF2-40B4-BE49-F238E27FC236}">
-                <a16:creationId xmlns:a16="http://schemas.microsoft.com/office/drawing/2014/main" id="{C80AB779-E6C3-449A-80EB-6690C83E798F}"/>
+          <p:cNvPr id="30" name="CuadroTexto 29">
+            <a:extLst>
+              <a:ext uri="{FF2B5EF4-FFF2-40B4-BE49-F238E27FC236}">
+                <a16:creationId xmlns:a16="http://schemas.microsoft.com/office/drawing/2014/main" id="{4917B2AD-77E2-4C81-8AC2-15DF890E6A6F}"/>
               </a:ext>
             </a:extLst>
           </p:cNvPr>
@@ -5229,7 +5713,46 @@
         </p:nvSpPr>
         <p:spPr>
           <a:xfrm>
-            <a:off x="220430" y="4007356"/>
+            <a:off x="361700" y="215130"/>
+            <a:ext cx="3397994" cy="646331"/>
+          </a:xfrm>
+          <a:prstGeom prst="rect">
+            <a:avLst/>
+          </a:prstGeom>
+          <a:noFill/>
+        </p:spPr>
+        <p:txBody>
+          <a:bodyPr wrap="square" rtlCol="0">
+            <a:spAutoFit/>
+          </a:bodyPr>
+          <a:lstStyle/>
+          <a:p>
+            <a:r>
+              <a:rPr lang="en-US" sz="3600" dirty="0">
+                <a:solidFill>
+                  <a:srgbClr val="53A2D3"/>
+                </a:solidFill>
+              </a:rPr>
+              <a:t>Mundo real</a:t>
+            </a:r>
+          </a:p>
+        </p:txBody>
+      </p:sp>
+      <p:sp>
+        <p:nvSpPr>
+          <p:cNvPr id="31" name="CuadroTexto 30">
+            <a:extLst>
+              <a:ext uri="{FF2B5EF4-FFF2-40B4-BE49-F238E27FC236}">
+                <a16:creationId xmlns:a16="http://schemas.microsoft.com/office/drawing/2014/main" id="{3F8216F6-5FDB-40B2-85FE-240A0C0F80C3}"/>
+              </a:ext>
+            </a:extLst>
+          </p:cNvPr>
+          <p:cNvSpPr txBox="1"/>
+          <p:nvPr/>
+        </p:nvSpPr>
+        <p:spPr>
+          <a:xfrm>
+            <a:off x="5491605" y="1518607"/>
             <a:ext cx="1376218" cy="369332"/>
           </a:xfrm>
           <a:prstGeom prst="rect">
@@ -5249,31 +5772,31 @@
                   <a:schemeClr val="bg1"/>
                 </a:solidFill>
               </a:rPr>
-              <a:t>Usage:</a:t>
+              <a:t>has 1..n</a:t>
             </a:r>
           </a:p>
         </p:txBody>
       </p:sp>
       <p:cxnSp>
         <p:nvCxnSpPr>
-          <p:cNvPr id="28" name="Conector recto de flecha 27">
-            <a:extLst>
-              <a:ext uri="{FF2B5EF4-FFF2-40B4-BE49-F238E27FC236}">
-                <a16:creationId xmlns:a16="http://schemas.microsoft.com/office/drawing/2014/main" id="{3A1A54ED-7217-460A-A419-52A2A8C6E16D}"/>
+          <p:cNvPr id="32" name="Conector recto de flecha 31">
+            <a:extLst>
+              <a:ext uri="{FF2B5EF4-FFF2-40B4-BE49-F238E27FC236}">
+                <a16:creationId xmlns:a16="http://schemas.microsoft.com/office/drawing/2014/main" id="{5C3F7D72-8EA2-4A12-B40C-676D2B35CE1E}"/>
               </a:ext>
             </a:extLst>
           </p:cNvPr>
           <p:cNvCxnSpPr>
             <a:cxnSpLocks/>
-            <a:stCxn id="16" idx="0"/>
-            <a:endCxn id="13" idx="2"/>
+            <a:stCxn id="10" idx="3"/>
+            <a:endCxn id="19" idx="1"/>
           </p:cNvCxnSpPr>
           <p:nvPr/>
         </p:nvCxnSpPr>
         <p:spPr>
-          <a:xfrm flipV="1">
-            <a:off x="1888843" y="1593723"/>
-            <a:ext cx="1813929" cy="764824"/>
+          <a:xfrm>
+            <a:off x="5126509" y="1837210"/>
+            <a:ext cx="1777057" cy="5247"/>
           </a:xfrm>
           <a:prstGeom prst="straightConnector1">
             <a:avLst/>
@@ -5302,10 +5825,10 @@
       </p:cxnSp>
       <p:sp>
         <p:nvSpPr>
-          <p:cNvPr id="29" name="CuadroTexto 28">
-            <a:extLst>
-              <a:ext uri="{FF2B5EF4-FFF2-40B4-BE49-F238E27FC236}">
-                <a16:creationId xmlns:a16="http://schemas.microsoft.com/office/drawing/2014/main" id="{6C5D61F4-13D6-441D-8985-28E82A07ACD8}"/>
+          <p:cNvPr id="38" name="CuadroTexto 37">
+            <a:extLst>
+              <a:ext uri="{FF2B5EF4-FFF2-40B4-BE49-F238E27FC236}">
+                <a16:creationId xmlns:a16="http://schemas.microsoft.com/office/drawing/2014/main" id="{FE11BCE7-3243-460D-A514-1B29B7A8EF1B}"/>
               </a:ext>
             </a:extLst>
           </p:cNvPr>
@@ -5314,8 +5837,8 @@
         </p:nvSpPr>
         <p:spPr>
           <a:xfrm>
-            <a:off x="4738560" y="1747673"/>
-            <a:ext cx="1376218" cy="369332"/>
+            <a:off x="361700" y="3639993"/>
+            <a:ext cx="7137298" cy="369332"/>
           </a:xfrm>
           <a:prstGeom prst="rect">
             <a:avLst/>
@@ -5334,31 +5857,69 @@
                   <a:schemeClr val="bg1"/>
                 </a:solidFill>
               </a:rPr>
-              <a:t>implements</a:t>
+              <a:t>Extracting intrinsic (the dialog) and extrinsic (the info text) properties:</a:t>
+            </a:r>
+          </a:p>
+        </p:txBody>
+      </p:sp>
+      <p:sp>
+        <p:nvSpPr>
+          <p:cNvPr id="40" name="CuadroTexto 39">
+            <a:extLst>
+              <a:ext uri="{FF2B5EF4-FFF2-40B4-BE49-F238E27FC236}">
+                <a16:creationId xmlns:a16="http://schemas.microsoft.com/office/drawing/2014/main" id="{7E595D3F-45BE-4F3F-A1B6-794DFE6FFC8C}"/>
+              </a:ext>
+            </a:extLst>
+          </p:cNvPr>
+          <p:cNvSpPr txBox="1"/>
+          <p:nvPr/>
+        </p:nvSpPr>
+        <p:spPr>
+          <a:xfrm>
+            <a:off x="6307084" y="5437529"/>
+            <a:ext cx="1376218" cy="369332"/>
+          </a:xfrm>
+          <a:prstGeom prst="rect">
+            <a:avLst/>
+          </a:prstGeom>
+          <a:noFill/>
+        </p:spPr>
+        <p:txBody>
+          <a:bodyPr wrap="square" rtlCol="0">
+            <a:spAutoFit/>
+          </a:bodyPr>
+          <a:lstStyle/>
+          <a:p>
+            <a:r>
+              <a:rPr lang="en-US" dirty="0">
+                <a:solidFill>
+                  <a:schemeClr val="bg1"/>
+                </a:solidFill>
+              </a:rPr>
+              <a:t>has</a:t>
             </a:r>
           </a:p>
         </p:txBody>
       </p:sp>
       <p:cxnSp>
         <p:nvCxnSpPr>
-          <p:cNvPr id="32" name="Conector recto de flecha 31">
-            <a:extLst>
-              <a:ext uri="{FF2B5EF4-FFF2-40B4-BE49-F238E27FC236}">
-                <a16:creationId xmlns:a16="http://schemas.microsoft.com/office/drawing/2014/main" id="{54BAFDE7-80A8-46D7-A8DA-73C79CC1DA06}"/>
+          <p:cNvPr id="41" name="Conector recto de flecha 40">
+            <a:extLst>
+              <a:ext uri="{FF2B5EF4-FFF2-40B4-BE49-F238E27FC236}">
+                <a16:creationId xmlns:a16="http://schemas.microsoft.com/office/drawing/2014/main" id="{EFA35158-7E59-4997-A1EC-E7B5376960CB}"/>
               </a:ext>
             </a:extLst>
           </p:cNvPr>
           <p:cNvCxnSpPr>
             <a:cxnSpLocks/>
-            <a:stCxn id="15" idx="0"/>
-            <a:endCxn id="13" idx="2"/>
+            <a:endCxn id="25" idx="1"/>
           </p:cNvCxnSpPr>
           <p:nvPr/>
         </p:nvCxnSpPr>
         <p:spPr>
-          <a:xfrm flipH="1" flipV="1">
-            <a:off x="3702772" y="1593723"/>
-            <a:ext cx="1608004" cy="764825"/>
+          <a:xfrm>
+            <a:off x="6221884" y="5761379"/>
+            <a:ext cx="681682" cy="2879"/>
           </a:xfrm>
           <a:prstGeom prst="straightConnector1">
             <a:avLst/>
@@ -5385,134 +5946,10 @@
           </a:fontRef>
         </p:style>
       </p:cxnSp>
-      <p:sp>
-        <p:nvSpPr>
-          <p:cNvPr id="36" name="CuadroTexto 35">
-            <a:extLst>
-              <a:ext uri="{FF2B5EF4-FFF2-40B4-BE49-F238E27FC236}">
-                <a16:creationId xmlns:a16="http://schemas.microsoft.com/office/drawing/2014/main" id="{9584946C-1ABD-49B7-9E74-6778D71B8931}"/>
-              </a:ext>
-            </a:extLst>
-          </p:cNvPr>
-          <p:cNvSpPr txBox="1"/>
-          <p:nvPr/>
-        </p:nvSpPr>
-        <p:spPr>
-          <a:xfrm>
-            <a:off x="1249275" y="1747673"/>
-            <a:ext cx="1376218" cy="369332"/>
-          </a:xfrm>
-          <a:prstGeom prst="rect">
-            <a:avLst/>
-          </a:prstGeom>
-          <a:noFill/>
-        </p:spPr>
-        <p:txBody>
-          <a:bodyPr wrap="square" rtlCol="0">
-            <a:spAutoFit/>
-          </a:bodyPr>
-          <a:lstStyle/>
-          <a:p>
-            <a:r>
-              <a:rPr lang="en-US" dirty="0">
-                <a:solidFill>
-                  <a:schemeClr val="bg1"/>
-                </a:solidFill>
-              </a:rPr>
-              <a:t>implements</a:t>
-            </a:r>
-          </a:p>
-        </p:txBody>
-      </p:sp>
-      <p:cxnSp>
-        <p:nvCxnSpPr>
-          <p:cNvPr id="37" name="Conector recto de flecha 36">
-            <a:extLst>
-              <a:ext uri="{FF2B5EF4-FFF2-40B4-BE49-F238E27FC236}">
-                <a16:creationId xmlns:a16="http://schemas.microsoft.com/office/drawing/2014/main" id="{F33C09D8-47E5-497E-A508-0BB69A63CB87}"/>
-              </a:ext>
-            </a:extLst>
-          </p:cNvPr>
-          <p:cNvCxnSpPr>
-            <a:cxnSpLocks/>
-            <a:stCxn id="7" idx="1"/>
-            <a:endCxn id="15" idx="3"/>
-          </p:cNvCxnSpPr>
-          <p:nvPr/>
-        </p:nvCxnSpPr>
-        <p:spPr>
-          <a:xfrm flipH="1">
-            <a:off x="6918780" y="2816433"/>
-            <a:ext cx="1257245" cy="0"/>
-          </a:xfrm>
-          <a:prstGeom prst="straightConnector1">
-            <a:avLst/>
-          </a:prstGeom>
-          <a:ln w="12700">
-            <a:solidFill>
-              <a:schemeClr val="bg1"/>
-            </a:solidFill>
-            <a:tailEnd type="triangle"/>
-          </a:ln>
-        </p:spPr>
-        <p:style>
-          <a:lnRef idx="1">
-            <a:schemeClr val="accent1"/>
-          </a:lnRef>
-          <a:fillRef idx="0">
-            <a:schemeClr val="accent1"/>
-          </a:fillRef>
-          <a:effectRef idx="0">
-            <a:schemeClr val="accent1"/>
-          </a:effectRef>
-          <a:fontRef idx="minor">
-            <a:schemeClr val="tx1"/>
-          </a:fontRef>
-        </p:style>
-      </p:cxnSp>
-      <p:sp>
-        <p:nvSpPr>
-          <p:cNvPr id="43" name="CuadroTexto 42">
-            <a:extLst>
-              <a:ext uri="{FF2B5EF4-FFF2-40B4-BE49-F238E27FC236}">
-                <a16:creationId xmlns:a16="http://schemas.microsoft.com/office/drawing/2014/main" id="{9194DB71-63AB-401A-BE6D-85B024946DBE}"/>
-              </a:ext>
-            </a:extLst>
-          </p:cNvPr>
-          <p:cNvSpPr txBox="1"/>
-          <p:nvPr/>
-        </p:nvSpPr>
-        <p:spPr>
-          <a:xfrm>
-            <a:off x="7078417" y="2491377"/>
-            <a:ext cx="1376218" cy="369332"/>
-          </a:xfrm>
-          <a:prstGeom prst="rect">
-            <a:avLst/>
-          </a:prstGeom>
-          <a:noFill/>
-        </p:spPr>
-        <p:txBody>
-          <a:bodyPr wrap="square" rtlCol="0">
-            <a:spAutoFit/>
-          </a:bodyPr>
-          <a:lstStyle/>
-          <a:p>
-            <a:r>
-              <a:rPr lang="en-US" dirty="0">
-                <a:solidFill>
-                  <a:schemeClr val="bg1"/>
-                </a:solidFill>
-              </a:rPr>
-              <a:t>executes</a:t>
-            </a:r>
-          </a:p>
-        </p:txBody>
-      </p:sp>
     </p:spTree>
     <p:extLst>
       <p:ext uri="{BB962C8B-B14F-4D97-AF65-F5344CB8AC3E}">
-        <p14:creationId xmlns:p14="http://schemas.microsoft.com/office/powerpoint/2010/main" val="4059487831"/>
+        <p14:creationId xmlns:p14="http://schemas.microsoft.com/office/powerpoint/2010/main" val="2943244092"/>
       </p:ext>
     </p:extLst>
   </p:cSld>
@@ -5525,14 +5962,6 @@
 <file path=ppt/slides/slide16.xml><?xml version="1.0" encoding="utf-8"?>
 <p:sld xmlns:a="http://schemas.openxmlformats.org/drawingml/2006/main" xmlns:r="http://schemas.openxmlformats.org/officeDocument/2006/relationships" xmlns:p="http://schemas.openxmlformats.org/presentationml/2006/main">
   <p:cSld>
-    <p:bg>
-      <p:bgPr>
-        <a:solidFill>
-          <a:srgbClr val="1E1E1E"/>
-        </a:solidFill>
-        <a:effectLst/>
-      </p:bgPr>
-    </p:bg>
     <p:spTree>
       <p:nvGrpSpPr>
         <p:cNvPr id="1" name=""/>
@@ -5547,49 +5976,12 @@
           <a:chExt cx="0" cy="0"/>
         </a:xfrm>
       </p:grpSpPr>
-      <p:sp>
-        <p:nvSpPr>
-          <p:cNvPr id="19" name="CuadroTexto 18">
-            <a:extLst>
-              <a:ext uri="{FF2B5EF4-FFF2-40B4-BE49-F238E27FC236}">
-                <a16:creationId xmlns:a16="http://schemas.microsoft.com/office/drawing/2014/main" id="{A96312D1-C027-407A-96BD-2EF07177E281}"/>
-              </a:ext>
-            </a:extLst>
-          </p:cNvPr>
-          <p:cNvSpPr txBox="1"/>
-          <p:nvPr/>
-        </p:nvSpPr>
-        <p:spPr>
-          <a:xfrm>
-            <a:off x="277441" y="3087902"/>
-            <a:ext cx="5675684" cy="3609235"/>
-          </a:xfrm>
-          <a:prstGeom prst="rect">
-            <a:avLst/>
-          </a:prstGeom>
-          <a:noFill/>
-          <a:ln>
-            <a:solidFill>
-              <a:schemeClr val="bg1"/>
-            </a:solidFill>
-          </a:ln>
-        </p:spPr>
-        <p:txBody>
-          <a:bodyPr wrap="square" rtlCol="0">
-            <a:spAutoFit/>
-          </a:bodyPr>
-          <a:lstStyle/>
-          <a:p>
-            <a:endParaRPr lang="en-US" dirty="0"/>
-          </a:p>
-        </p:txBody>
-      </p:sp>
       <p:pic>
         <p:nvPicPr>
-          <p:cNvPr id="5" name="Imagen 4">
-            <a:extLst>
-              <a:ext uri="{FF2B5EF4-FFF2-40B4-BE49-F238E27FC236}">
-                <a16:creationId xmlns:a16="http://schemas.microsoft.com/office/drawing/2014/main" id="{1F28F35C-9F8B-4E76-86E9-350415B88C79}"/>
+          <p:cNvPr id="2" name="Imagen 1">
+            <a:extLst>
+              <a:ext uri="{FF2B5EF4-FFF2-40B4-BE49-F238E27FC236}">
+                <a16:creationId xmlns:a16="http://schemas.microsoft.com/office/drawing/2014/main" id="{D165A437-33A2-461A-85B2-0765BA3BFDFD}"/>
               </a:ext>
             </a:extLst>
           </p:cNvPr>
@@ -5606,19 +5998,12 @@
         </p:blipFill>
         <p:spPr>
           <a:xfrm>
-            <a:off x="797883" y="1225868"/>
-            <a:ext cx="4287752" cy="969928"/>
-          </a:xfrm>
-          <a:prstGeom prst="rect">
-            <a:avLst/>
-          </a:prstGeom>
-          <a:effectLst>
-            <a:glow rad="25400">
-              <a:schemeClr val="bg1">
-                <a:alpha val="40000"/>
-              </a:schemeClr>
-            </a:glow>
-          </a:effectLst>
+            <a:off x="3391227" y="1158874"/>
+            <a:ext cx="5029200" cy="1447800"/>
+          </a:xfrm>
+          <a:prstGeom prst="rect">
+            <a:avLst/>
+          </a:prstGeom>
         </p:spPr>
       </p:pic>
       <p:pic>
@@ -5626,7 +6011,7 @@
           <p:cNvPr id="3" name="Imagen 2">
             <a:extLst>
               <a:ext uri="{FF2B5EF4-FFF2-40B4-BE49-F238E27FC236}">
-                <a16:creationId xmlns:a16="http://schemas.microsoft.com/office/drawing/2014/main" id="{9C1B9B4B-60A9-4422-9C3A-3CD098F4505A}"/>
+                <a16:creationId xmlns:a16="http://schemas.microsoft.com/office/drawing/2014/main" id="{ECF44CC5-D36B-47E9-9262-322431FF49EA}"/>
               </a:ext>
             </a:extLst>
           </p:cNvPr>
@@ -5643,205 +6028,20 @@
         </p:blipFill>
         <p:spPr>
           <a:xfrm>
-            <a:off x="345048" y="3127409"/>
-            <a:ext cx="5253753" cy="488881"/>
-          </a:xfrm>
-          <a:prstGeom prst="rect">
-            <a:avLst/>
-          </a:prstGeom>
-          <a:effectLst>
-            <a:glow>
-              <a:schemeClr val="bg1">
-                <a:alpha val="40000"/>
-              </a:schemeClr>
-            </a:glow>
-          </a:effectLst>
+            <a:off x="3391227" y="3966729"/>
+            <a:ext cx="5238750" cy="1238250"/>
+          </a:xfrm>
+          <a:prstGeom prst="rect">
+            <a:avLst/>
+          </a:prstGeom>
         </p:spPr>
       </p:pic>
-      <p:pic>
-        <p:nvPicPr>
-          <p:cNvPr id="4" name="Imagen 3">
-            <a:extLst>
-              <a:ext uri="{FF2B5EF4-FFF2-40B4-BE49-F238E27FC236}">
-                <a16:creationId xmlns:a16="http://schemas.microsoft.com/office/drawing/2014/main" id="{C36C44D5-9D26-4140-9030-A25266CFEACE}"/>
-              </a:ext>
-            </a:extLst>
-          </p:cNvPr>
-          <p:cNvPicPr>
-            <a:picLocks noChangeAspect="1"/>
-          </p:cNvPicPr>
-          <p:nvPr/>
-        </p:nvPicPr>
-        <p:blipFill>
-          <a:blip r:embed="rId4"/>
-          <a:stretch>
-            <a:fillRect/>
-          </a:stretch>
-        </p:blipFill>
-        <p:spPr>
-          <a:xfrm>
-            <a:off x="1339827" y="1917666"/>
-            <a:ext cx="4516224" cy="971158"/>
-          </a:xfrm>
-          <a:prstGeom prst="rect">
-            <a:avLst/>
-          </a:prstGeom>
-          <a:effectLst>
-            <a:glow rad="25400">
-              <a:schemeClr val="bg1">
-                <a:alpha val="40000"/>
-              </a:schemeClr>
-            </a:glow>
-          </a:effectLst>
-        </p:spPr>
-      </p:pic>
-      <p:pic>
-        <p:nvPicPr>
-          <p:cNvPr id="9" name="Imagen 8">
-            <a:extLst>
-              <a:ext uri="{FF2B5EF4-FFF2-40B4-BE49-F238E27FC236}">
-                <a16:creationId xmlns:a16="http://schemas.microsoft.com/office/drawing/2014/main" id="{49F94EEA-BD17-488E-8959-1BDE76060086}"/>
-              </a:ext>
-            </a:extLst>
-          </p:cNvPr>
-          <p:cNvPicPr>
-            <a:picLocks noChangeAspect="1"/>
-          </p:cNvPicPr>
-          <p:nvPr/>
-        </p:nvPicPr>
-        <p:blipFill>
-          <a:blip r:embed="rId5"/>
-          <a:stretch>
-            <a:fillRect/>
-          </a:stretch>
-        </p:blipFill>
-        <p:spPr>
-          <a:xfrm>
-            <a:off x="1487759" y="160863"/>
-            <a:ext cx="2908000" cy="573633"/>
-          </a:xfrm>
-          <a:prstGeom prst="rect">
-            <a:avLst/>
-          </a:prstGeom>
-          <a:effectLst>
-            <a:glow rad="25400">
-              <a:schemeClr val="bg1">
-                <a:alpha val="40000"/>
-              </a:schemeClr>
-            </a:glow>
-          </a:effectLst>
-        </p:spPr>
-      </p:pic>
-      <p:pic>
-        <p:nvPicPr>
-          <p:cNvPr id="14" name="Imagen 13">
-            <a:extLst>
-              <a:ext uri="{FF2B5EF4-FFF2-40B4-BE49-F238E27FC236}">
-                <a16:creationId xmlns:a16="http://schemas.microsoft.com/office/drawing/2014/main" id="{E0E785AA-AFC8-4D14-8DD6-DA69DB1D5C3D}"/>
-              </a:ext>
-            </a:extLst>
-          </p:cNvPr>
-          <p:cNvPicPr>
-            <a:picLocks noChangeAspect="1"/>
-          </p:cNvPicPr>
-          <p:nvPr/>
-        </p:nvPicPr>
-        <p:blipFill>
-          <a:blip r:embed="rId6"/>
-          <a:stretch>
-            <a:fillRect/>
-          </a:stretch>
-        </p:blipFill>
-        <p:spPr>
-          <a:xfrm>
-            <a:off x="7235443" y="3087902"/>
-            <a:ext cx="4287753" cy="1843117"/>
-          </a:xfrm>
-          <a:prstGeom prst="rect">
-            <a:avLst/>
-          </a:prstGeom>
-          <a:effectLst>
-            <a:glow rad="25400">
-              <a:schemeClr val="bg1">
-                <a:alpha val="40000"/>
-              </a:schemeClr>
-            </a:glow>
-          </a:effectLst>
-        </p:spPr>
-      </p:pic>
-      <p:pic>
-        <p:nvPicPr>
-          <p:cNvPr id="16" name="Imagen 15">
-            <a:extLst>
-              <a:ext uri="{FF2B5EF4-FFF2-40B4-BE49-F238E27FC236}">
-                <a16:creationId xmlns:a16="http://schemas.microsoft.com/office/drawing/2014/main" id="{E2574B5B-77DE-464E-B6B5-321D05E8DDCF}"/>
-              </a:ext>
-            </a:extLst>
-          </p:cNvPr>
-          <p:cNvPicPr>
-            <a:picLocks noChangeAspect="1"/>
-          </p:cNvPicPr>
-          <p:nvPr/>
-        </p:nvPicPr>
-        <p:blipFill>
-          <a:blip r:embed="rId7"/>
-          <a:stretch>
-            <a:fillRect/>
-          </a:stretch>
-        </p:blipFill>
-        <p:spPr>
-          <a:xfrm>
-            <a:off x="6731370" y="165207"/>
-            <a:ext cx="5295901" cy="2445957"/>
-          </a:xfrm>
-          <a:prstGeom prst="rect">
-            <a:avLst/>
-          </a:prstGeom>
-          <a:effectLst>
-            <a:glow rad="25400">
-              <a:schemeClr val="bg1">
-                <a:alpha val="40000"/>
-              </a:schemeClr>
-            </a:glow>
-          </a:effectLst>
-        </p:spPr>
-      </p:pic>
-      <p:pic>
-        <p:nvPicPr>
-          <p:cNvPr id="18" name="Imagen 17">
-            <a:extLst>
-              <a:ext uri="{FF2B5EF4-FFF2-40B4-BE49-F238E27FC236}">
-                <a16:creationId xmlns:a16="http://schemas.microsoft.com/office/drawing/2014/main" id="{0B0AB996-6C12-4098-B73D-617DC9134067}"/>
-              </a:ext>
-            </a:extLst>
-          </p:cNvPr>
-          <p:cNvPicPr>
-            <a:picLocks noChangeAspect="1"/>
-          </p:cNvPicPr>
-          <p:nvPr/>
-        </p:nvPicPr>
-        <p:blipFill>
-          <a:blip r:embed="rId8"/>
-          <a:stretch>
-            <a:fillRect/>
-          </a:stretch>
-        </p:blipFill>
-        <p:spPr>
-          <a:xfrm>
-            <a:off x="345048" y="3655797"/>
-            <a:ext cx="5253754" cy="2780996"/>
-          </a:xfrm>
-          <a:prstGeom prst="rect">
-            <a:avLst/>
-          </a:prstGeom>
-        </p:spPr>
-      </p:pic>
-      <p:sp>
-        <p:nvSpPr>
-          <p:cNvPr id="25" name="CuadroTexto 24">
-            <a:extLst>
-              <a:ext uri="{FF2B5EF4-FFF2-40B4-BE49-F238E27FC236}">
-                <a16:creationId xmlns:a16="http://schemas.microsoft.com/office/drawing/2014/main" id="{B6FBF2F1-EAB1-495D-AD6F-27A42C4E8F45}"/>
+      <p:sp>
+        <p:nvSpPr>
+          <p:cNvPr id="4" name="CuadroTexto 3">
+            <a:extLst>
+              <a:ext uri="{FF2B5EF4-FFF2-40B4-BE49-F238E27FC236}">
+                <a16:creationId xmlns:a16="http://schemas.microsoft.com/office/drawing/2014/main" id="{0493FEC0-472F-49E1-A7EC-B9EFA7493567}"/>
               </a:ext>
             </a:extLst>
           </p:cNvPr>
@@ -5850,8 +6050,8 @@
         </p:nvSpPr>
         <p:spPr>
           <a:xfrm>
-            <a:off x="2909830" y="820228"/>
-            <a:ext cx="1376218" cy="369332"/>
+            <a:off x="5435600" y="2745776"/>
+            <a:ext cx="2133600" cy="769441"/>
           </a:xfrm>
           <a:prstGeom prst="rect">
             <a:avLst/>
@@ -5865,355 +6065,8 @@
           <a:lstStyle/>
           <a:p>
             <a:r>
-              <a:rPr lang="en-US" dirty="0">
-                <a:solidFill>
-                  <a:schemeClr val="bg1"/>
-                </a:solidFill>
-              </a:rPr>
-              <a:t>implements</a:t>
-            </a:r>
-          </a:p>
-        </p:txBody>
-      </p:sp>
-      <p:cxnSp>
-        <p:nvCxnSpPr>
-          <p:cNvPr id="27" name="Conector recto de flecha 26">
-            <a:extLst>
-              <a:ext uri="{FF2B5EF4-FFF2-40B4-BE49-F238E27FC236}">
-                <a16:creationId xmlns:a16="http://schemas.microsoft.com/office/drawing/2014/main" id="{88EC44E3-2AD7-4D4C-9534-8FD067DCA220}"/>
-              </a:ext>
-            </a:extLst>
-          </p:cNvPr>
-          <p:cNvCxnSpPr>
-            <a:cxnSpLocks/>
-            <a:stCxn id="5" idx="0"/>
-            <a:endCxn id="9" idx="2"/>
-          </p:cNvCxnSpPr>
-          <p:nvPr/>
-        </p:nvCxnSpPr>
-        <p:spPr>
-          <a:xfrm flipV="1">
-            <a:off x="2941759" y="734496"/>
-            <a:ext cx="0" cy="491372"/>
-          </a:xfrm>
-          <a:prstGeom prst="straightConnector1">
-            <a:avLst/>
-          </a:prstGeom>
-          <a:ln w="12700">
-            <a:solidFill>
-              <a:schemeClr val="bg1"/>
-            </a:solidFill>
-            <a:tailEnd type="triangle"/>
-          </a:ln>
-        </p:spPr>
-        <p:style>
-          <a:lnRef idx="1">
-            <a:schemeClr val="accent1"/>
-          </a:lnRef>
-          <a:fillRef idx="0">
-            <a:schemeClr val="accent1"/>
-          </a:fillRef>
-          <a:effectRef idx="0">
-            <a:schemeClr val="accent1"/>
-          </a:effectRef>
-          <a:fontRef idx="minor">
-            <a:schemeClr val="tx1"/>
-          </a:fontRef>
-        </p:style>
-      </p:cxnSp>
-      <p:cxnSp>
-        <p:nvCxnSpPr>
-          <p:cNvPr id="34" name="Conector recto de flecha 33">
-            <a:extLst>
-              <a:ext uri="{FF2B5EF4-FFF2-40B4-BE49-F238E27FC236}">
-                <a16:creationId xmlns:a16="http://schemas.microsoft.com/office/drawing/2014/main" id="{77211730-336B-4475-92D1-978E8AE483D7}"/>
-              </a:ext>
-            </a:extLst>
-          </p:cNvPr>
-          <p:cNvCxnSpPr>
-            <a:cxnSpLocks/>
-            <a:stCxn id="16" idx="1"/>
-            <a:endCxn id="5" idx="3"/>
-          </p:cNvCxnSpPr>
-          <p:nvPr/>
-        </p:nvCxnSpPr>
-        <p:spPr>
-          <a:xfrm flipH="1">
-            <a:off x="5085635" y="1388186"/>
-            <a:ext cx="1645735" cy="322646"/>
-          </a:xfrm>
-          <a:prstGeom prst="straightConnector1">
-            <a:avLst/>
-          </a:prstGeom>
-          <a:ln w="12700">
-            <a:solidFill>
-              <a:schemeClr val="bg1"/>
-            </a:solidFill>
-            <a:tailEnd type="triangle"/>
-          </a:ln>
-        </p:spPr>
-        <p:style>
-          <a:lnRef idx="1">
-            <a:schemeClr val="accent1"/>
-          </a:lnRef>
-          <a:fillRef idx="0">
-            <a:schemeClr val="accent1"/>
-          </a:fillRef>
-          <a:effectRef idx="0">
-            <a:schemeClr val="accent1"/>
-          </a:effectRef>
-          <a:fontRef idx="minor">
-            <a:schemeClr val="tx1"/>
-          </a:fontRef>
-        </p:style>
-      </p:cxnSp>
-      <p:sp>
-        <p:nvSpPr>
-          <p:cNvPr id="35" name="CuadroTexto 34">
-            <a:extLst>
-              <a:ext uri="{FF2B5EF4-FFF2-40B4-BE49-F238E27FC236}">
-                <a16:creationId xmlns:a16="http://schemas.microsoft.com/office/drawing/2014/main" id="{C400614D-3218-4E37-9650-3A63BC3DE8EB}"/>
-              </a:ext>
-            </a:extLst>
-          </p:cNvPr>
-          <p:cNvSpPr txBox="1"/>
-          <p:nvPr/>
-        </p:nvSpPr>
-        <p:spPr>
-          <a:xfrm rot="20924205">
-            <a:off x="5469464" y="1159486"/>
-            <a:ext cx="1376218" cy="369332"/>
-          </a:xfrm>
-          <a:prstGeom prst="rect">
-            <a:avLst/>
-          </a:prstGeom>
-          <a:noFill/>
-        </p:spPr>
-        <p:txBody>
-          <a:bodyPr wrap="square" rtlCol="0">
-            <a:spAutoFit/>
-          </a:bodyPr>
-          <a:lstStyle/>
-          <a:p>
-            <a:r>
-              <a:rPr lang="en-US" dirty="0">
-                <a:solidFill>
-                  <a:schemeClr val="bg1"/>
-                </a:solidFill>
-              </a:rPr>
-              <a:t>executes</a:t>
-            </a:r>
-          </a:p>
-        </p:txBody>
-      </p:sp>
-      <p:cxnSp>
-        <p:nvCxnSpPr>
-          <p:cNvPr id="38" name="Conector recto de flecha 37">
-            <a:extLst>
-              <a:ext uri="{FF2B5EF4-FFF2-40B4-BE49-F238E27FC236}">
-                <a16:creationId xmlns:a16="http://schemas.microsoft.com/office/drawing/2014/main" id="{074459B3-FE79-42A2-9A9E-C03EC6F7E472}"/>
-              </a:ext>
-            </a:extLst>
-          </p:cNvPr>
-          <p:cNvCxnSpPr>
-            <a:cxnSpLocks/>
-            <a:stCxn id="16" idx="1"/>
-            <a:endCxn id="4" idx="3"/>
-          </p:cNvCxnSpPr>
-          <p:nvPr/>
-        </p:nvCxnSpPr>
-        <p:spPr>
-          <a:xfrm flipH="1">
-            <a:off x="5856051" y="1388186"/>
-            <a:ext cx="875319" cy="1015059"/>
-          </a:xfrm>
-          <a:prstGeom prst="straightConnector1">
-            <a:avLst/>
-          </a:prstGeom>
-          <a:ln w="12700">
-            <a:solidFill>
-              <a:schemeClr val="bg1"/>
-            </a:solidFill>
-            <a:tailEnd type="triangle"/>
-          </a:ln>
-        </p:spPr>
-        <p:style>
-          <a:lnRef idx="1">
-            <a:schemeClr val="accent1"/>
-          </a:lnRef>
-          <a:fillRef idx="0">
-            <a:schemeClr val="accent1"/>
-          </a:fillRef>
-          <a:effectRef idx="0">
-            <a:schemeClr val="accent1"/>
-          </a:effectRef>
-          <a:fontRef idx="minor">
-            <a:schemeClr val="tx1"/>
-          </a:fontRef>
-        </p:style>
-      </p:cxnSp>
-      <p:cxnSp>
-        <p:nvCxnSpPr>
-          <p:cNvPr id="48" name="Conector recto de flecha 47">
-            <a:extLst>
-              <a:ext uri="{FF2B5EF4-FFF2-40B4-BE49-F238E27FC236}">
-                <a16:creationId xmlns:a16="http://schemas.microsoft.com/office/drawing/2014/main" id="{CADF5784-5FC3-40D6-BB19-FC72C0D9D2F5}"/>
-              </a:ext>
-              <a:ext uri="{C183D7F6-B498-43B3-948B-1728B52AA6E4}">
-                <adec:decorative xmlns:adec="http://schemas.microsoft.com/office/drawing/2017/decorative" val="0"/>
-              </a:ext>
-            </a:extLst>
-          </p:cNvPr>
-          <p:cNvCxnSpPr>
-            <a:cxnSpLocks/>
-            <a:stCxn id="16" idx="2"/>
-            <a:endCxn id="14" idx="0"/>
-          </p:cNvCxnSpPr>
-          <p:nvPr/>
-        </p:nvCxnSpPr>
-        <p:spPr>
-          <a:xfrm flipH="1">
-            <a:off x="9379320" y="2611164"/>
-            <a:ext cx="1" cy="476738"/>
-          </a:xfrm>
-          <a:prstGeom prst="straightConnector1">
-            <a:avLst/>
-          </a:prstGeom>
-          <a:ln w="12700">
-            <a:solidFill>
-              <a:schemeClr val="bg1"/>
-            </a:solidFill>
-            <a:tailEnd type="triangle"/>
-          </a:ln>
-        </p:spPr>
-        <p:style>
-          <a:lnRef idx="1">
-            <a:schemeClr val="accent1"/>
-          </a:lnRef>
-          <a:fillRef idx="0">
-            <a:schemeClr val="accent1"/>
-          </a:fillRef>
-          <a:effectRef idx="0">
-            <a:schemeClr val="accent1"/>
-          </a:effectRef>
-          <a:fontRef idx="minor">
-            <a:schemeClr val="tx1"/>
-          </a:fontRef>
-        </p:style>
-      </p:cxnSp>
-      <p:sp>
-        <p:nvSpPr>
-          <p:cNvPr id="49" name="CuadroTexto 48">
-            <a:extLst>
-              <a:ext uri="{FF2B5EF4-FFF2-40B4-BE49-F238E27FC236}">
-                <a16:creationId xmlns:a16="http://schemas.microsoft.com/office/drawing/2014/main" id="{863B58CB-9D32-47A7-AAAD-1480E6429863}"/>
-              </a:ext>
-            </a:extLst>
-          </p:cNvPr>
-          <p:cNvSpPr txBox="1"/>
-          <p:nvPr/>
-        </p:nvSpPr>
-        <p:spPr>
-          <a:xfrm>
-            <a:off x="9379319" y="2641505"/>
-            <a:ext cx="1376218" cy="338554"/>
-          </a:xfrm>
-          <a:prstGeom prst="rect">
-            <a:avLst/>
-          </a:prstGeom>
-          <a:noFill/>
-        </p:spPr>
-        <p:txBody>
-          <a:bodyPr wrap="square" rtlCol="0">
-            <a:spAutoFit/>
-          </a:bodyPr>
-          <a:lstStyle/>
-          <a:p>
-            <a:r>
-              <a:rPr lang="en-US" sz="1600" dirty="0">
-                <a:solidFill>
-                  <a:schemeClr val="bg1"/>
-                </a:solidFill>
-              </a:rPr>
-              <a:t>gets</a:t>
-            </a:r>
-          </a:p>
-        </p:txBody>
-      </p:sp>
-      <p:sp>
-        <p:nvSpPr>
-          <p:cNvPr id="56" name="CuadroTexto 55">
-            <a:extLst>
-              <a:ext uri="{FF2B5EF4-FFF2-40B4-BE49-F238E27FC236}">
-                <a16:creationId xmlns:a16="http://schemas.microsoft.com/office/drawing/2014/main" id="{8E28305B-4A7C-463A-9539-BFD2B83DD84E}"/>
-              </a:ext>
-            </a:extLst>
-          </p:cNvPr>
-          <p:cNvSpPr txBox="1"/>
-          <p:nvPr/>
-        </p:nvSpPr>
-        <p:spPr>
-          <a:xfrm>
-            <a:off x="5216982" y="6358583"/>
-            <a:ext cx="1376218" cy="338554"/>
-          </a:xfrm>
-          <a:prstGeom prst="rect">
-            <a:avLst/>
-          </a:prstGeom>
-          <a:noFill/>
-        </p:spPr>
-        <p:txBody>
-          <a:bodyPr wrap="square" rtlCol="0">
-            <a:spAutoFit/>
-          </a:bodyPr>
-          <a:lstStyle/>
-          <a:p>
-            <a:r>
-              <a:rPr lang="en-US" sz="1600" dirty="0">
-                <a:solidFill>
-                  <a:schemeClr val="bg1"/>
-                </a:solidFill>
-              </a:rPr>
-              <a:t>Usage</a:t>
-            </a:r>
-          </a:p>
-        </p:txBody>
-      </p:sp>
-      <p:sp>
-        <p:nvSpPr>
-          <p:cNvPr id="57" name="CuadroTexto 56">
-            <a:extLst>
-              <a:ext uri="{FF2B5EF4-FFF2-40B4-BE49-F238E27FC236}">
-                <a16:creationId xmlns:a16="http://schemas.microsoft.com/office/drawing/2014/main" id="{74D0A3BB-A078-423C-B55A-B0DF40F77A9B}"/>
-              </a:ext>
-            </a:extLst>
-          </p:cNvPr>
-          <p:cNvSpPr txBox="1"/>
-          <p:nvPr/>
-        </p:nvSpPr>
-        <p:spPr>
-          <a:xfrm>
-            <a:off x="9483407" y="6035417"/>
-            <a:ext cx="3397994" cy="646331"/>
-          </a:xfrm>
-          <a:prstGeom prst="rect">
-            <a:avLst/>
-          </a:prstGeom>
-          <a:noFill/>
-        </p:spPr>
-        <p:txBody>
-          <a:bodyPr wrap="square" rtlCol="0">
-            <a:spAutoFit/>
-          </a:bodyPr>
-          <a:lstStyle/>
-          <a:p>
-            <a:r>
-              <a:rPr lang="en-US" sz="3600" dirty="0">
-                <a:solidFill>
-                  <a:srgbClr val="53A2D3"/>
-                </a:solidFill>
-              </a:rPr>
-              <a:t>Mundo real</a:t>
+              <a:rPr lang="en-US" sz="4400" dirty="0"/>
+              <a:t>vs</a:t>
             </a:r>
           </a:p>
         </p:txBody>
@@ -6221,7 +6074,7 @@
     </p:spTree>
     <p:extLst>
       <p:ext uri="{BB962C8B-B14F-4D97-AF65-F5344CB8AC3E}">
-        <p14:creationId xmlns:p14="http://schemas.microsoft.com/office/powerpoint/2010/main" val="2514131287"/>
+        <p14:creationId xmlns:p14="http://schemas.microsoft.com/office/powerpoint/2010/main" val="366736030"/>
       </p:ext>
     </p:extLst>
   </p:cSld>
@@ -6276,7 +6129,7 @@
           <a:p>
             <a:r>
               <a:rPr lang="en-US" dirty="0"/>
-              <a:t>UI Patterns</a:t>
+              <a:t>Behavioral Patterns</a:t>
             </a:r>
           </a:p>
         </p:txBody>
@@ -6284,7 +6137,7 @@
     </p:spTree>
     <p:extLst>
       <p:ext uri="{BB962C8B-B14F-4D97-AF65-F5344CB8AC3E}">
-        <p14:creationId xmlns:p14="http://schemas.microsoft.com/office/powerpoint/2010/main" val="2266296736"/>
+        <p14:creationId xmlns:p14="http://schemas.microsoft.com/office/powerpoint/2010/main" val="2740739163"/>
       </p:ext>
     </p:extLst>
   </p:cSld>
@@ -6338,22 +6191,13 @@
           <a:lstStyle/>
           <a:p>
             <a:r>
-              <a:rPr lang="es-ES" dirty="0">
-                <a:solidFill>
-                  <a:srgbClr val="000000"/>
-                </a:solidFill>
-                <a:latin typeface="Calibri" panose="020F0502020204030204" pitchFamily="34" charset="0"/>
-              </a:rPr>
-              <a:t>Page-</a:t>
-            </a:r>
-            <a:r>
               <a:rPr lang="es-ES" dirty="0" err="1">
                 <a:solidFill>
                   <a:srgbClr val="000000"/>
                 </a:solidFill>
                 <a:latin typeface="Calibri" panose="020F0502020204030204" pitchFamily="34" charset="0"/>
               </a:rPr>
-              <a:t>Object</a:t>
+              <a:t>Strategy</a:t>
             </a:r>
             <a:r>
               <a:rPr lang="es-ES" dirty="0">
@@ -6380,7 +6224,7 @@
     </p:spTree>
     <p:extLst>
       <p:ext uri="{BB962C8B-B14F-4D97-AF65-F5344CB8AC3E}">
-        <p14:creationId xmlns:p14="http://schemas.microsoft.com/office/powerpoint/2010/main" val="2983471730"/>
+        <p14:creationId xmlns:p14="http://schemas.microsoft.com/office/powerpoint/2010/main" val="1428411220"/>
       </p:ext>
     </p:extLst>
   </p:cSld>
@@ -6461,10 +6305,10 @@
       </p:sp>
       <p:pic>
         <p:nvPicPr>
-          <p:cNvPr id="30" name="Imagen 29">
-            <a:extLst>
-              <a:ext uri="{FF2B5EF4-FFF2-40B4-BE49-F238E27FC236}">
-                <a16:creationId xmlns:a16="http://schemas.microsoft.com/office/drawing/2014/main" id="{11AA3BEE-0DB9-4E5E-97F9-46B38CC019A4}"/>
+          <p:cNvPr id="7" name="Imagen 6">
+            <a:extLst>
+              <a:ext uri="{FF2B5EF4-FFF2-40B4-BE49-F238E27FC236}">
+                <a16:creationId xmlns:a16="http://schemas.microsoft.com/office/drawing/2014/main" id="{63A3F3E7-77F9-4C2C-B74D-5C03E1CCF6E0}"/>
               </a:ext>
             </a:extLst>
           </p:cNvPr>
@@ -6481,8 +6325,8 @@
         </p:blipFill>
         <p:spPr>
           <a:xfrm>
-            <a:off x="320338" y="3308109"/>
-            <a:ext cx="4785360" cy="2990850"/>
+            <a:off x="8176025" y="1101933"/>
+            <a:ext cx="3781425" cy="3429000"/>
           </a:xfrm>
           <a:prstGeom prst="rect">
             <a:avLst/>
@@ -6498,10 +6342,10 @@
       </p:pic>
       <p:pic>
         <p:nvPicPr>
-          <p:cNvPr id="33" name="Imagen 32">
-            <a:extLst>
-              <a:ext uri="{FF2B5EF4-FFF2-40B4-BE49-F238E27FC236}">
-                <a16:creationId xmlns:a16="http://schemas.microsoft.com/office/drawing/2014/main" id="{27AF6DC8-BCC6-43A0-ACB8-8E24581FFF99}"/>
+          <p:cNvPr id="13" name="Imagen 12">
+            <a:extLst>
+              <a:ext uri="{FF2B5EF4-FFF2-40B4-BE49-F238E27FC236}">
+                <a16:creationId xmlns:a16="http://schemas.microsoft.com/office/drawing/2014/main" id="{1226FC3B-E807-4859-AB7D-0829A64B5D4D}"/>
               </a:ext>
             </a:extLst>
           </p:cNvPr>
@@ -6518,8 +6362,8 @@
         </p:blipFill>
         <p:spPr>
           <a:xfrm>
-            <a:off x="6221148" y="252067"/>
-            <a:ext cx="5485989" cy="2262533"/>
+            <a:off x="2293072" y="831723"/>
+            <a:ext cx="2819400" cy="762000"/>
           </a:xfrm>
           <a:prstGeom prst="rect">
             <a:avLst/>
@@ -6535,10 +6379,10 @@
       </p:pic>
       <p:pic>
         <p:nvPicPr>
-          <p:cNvPr id="2" name="Imagen 1">
-            <a:extLst>
-              <a:ext uri="{FF2B5EF4-FFF2-40B4-BE49-F238E27FC236}">
-                <a16:creationId xmlns:a16="http://schemas.microsoft.com/office/drawing/2014/main" id="{0D177CD9-B958-4BF5-9974-F66D391F7A44}"/>
+          <p:cNvPr id="15" name="Imagen 14">
+            <a:extLst>
+              <a:ext uri="{FF2B5EF4-FFF2-40B4-BE49-F238E27FC236}">
+                <a16:creationId xmlns:a16="http://schemas.microsoft.com/office/drawing/2014/main" id="{3030403C-23EF-4D34-B8B2-265C157FE1FE}"/>
               </a:ext>
             </a:extLst>
           </p:cNvPr>
@@ -6555,8 +6399,8 @@
         </p:blipFill>
         <p:spPr>
           <a:xfrm>
-            <a:off x="6221148" y="3124301"/>
-            <a:ext cx="5491163" cy="3358466"/>
+            <a:off x="3702772" y="2358548"/>
+            <a:ext cx="3216008" cy="915769"/>
           </a:xfrm>
           <a:prstGeom prst="rect">
             <a:avLst/>
@@ -6570,26 +6414,139 @@
           </a:effectLst>
         </p:spPr>
       </p:pic>
+      <p:pic>
+        <p:nvPicPr>
+          <p:cNvPr id="16" name="Imagen 15">
+            <a:extLst>
+              <a:ext uri="{FF2B5EF4-FFF2-40B4-BE49-F238E27FC236}">
+                <a16:creationId xmlns:a16="http://schemas.microsoft.com/office/drawing/2014/main" id="{BF9224CC-F0AA-49F7-BFB1-D2130500CB02}"/>
+              </a:ext>
+            </a:extLst>
+          </p:cNvPr>
+          <p:cNvPicPr>
+            <a:picLocks noChangeAspect="1"/>
+          </p:cNvPicPr>
+          <p:nvPr/>
+        </p:nvPicPr>
+        <p:blipFill>
+          <a:blip r:embed="rId5"/>
+          <a:stretch>
+            <a:fillRect/>
+          </a:stretch>
+        </p:blipFill>
+        <p:spPr>
+          <a:xfrm>
+            <a:off x="234550" y="2358547"/>
+            <a:ext cx="3308585" cy="915769"/>
+          </a:xfrm>
+          <a:prstGeom prst="rect">
+            <a:avLst/>
+          </a:prstGeom>
+          <a:effectLst>
+            <a:glow rad="25400">
+              <a:schemeClr val="bg1">
+                <a:alpha val="40000"/>
+              </a:schemeClr>
+            </a:glow>
+          </a:effectLst>
+        </p:spPr>
+      </p:pic>
+      <p:pic>
+        <p:nvPicPr>
+          <p:cNvPr id="17" name="Imagen 16">
+            <a:extLst>
+              <a:ext uri="{FF2B5EF4-FFF2-40B4-BE49-F238E27FC236}">
+                <a16:creationId xmlns:a16="http://schemas.microsoft.com/office/drawing/2014/main" id="{F4BFD28B-3F89-4969-8017-2D353B4E8616}"/>
+              </a:ext>
+            </a:extLst>
+          </p:cNvPr>
+          <p:cNvPicPr>
+            <a:picLocks noChangeAspect="1"/>
+          </p:cNvPicPr>
+          <p:nvPr/>
+        </p:nvPicPr>
+        <p:blipFill>
+          <a:blip r:embed="rId6"/>
+          <a:stretch>
+            <a:fillRect/>
+          </a:stretch>
+        </p:blipFill>
+        <p:spPr>
+          <a:xfrm>
+            <a:off x="220430" y="4402312"/>
+            <a:ext cx="5695950" cy="2124075"/>
+          </a:xfrm>
+          <a:prstGeom prst="rect">
+            <a:avLst/>
+          </a:prstGeom>
+          <a:effectLst>
+            <a:glow rad="25400">
+              <a:schemeClr val="bg1">
+                <a:alpha val="40000"/>
+              </a:schemeClr>
+            </a:glow>
+          </a:effectLst>
+        </p:spPr>
+      </p:pic>
+      <p:sp>
+        <p:nvSpPr>
+          <p:cNvPr id="27" name="CuadroTexto 26">
+            <a:extLst>
+              <a:ext uri="{FF2B5EF4-FFF2-40B4-BE49-F238E27FC236}">
+                <a16:creationId xmlns:a16="http://schemas.microsoft.com/office/drawing/2014/main" id="{C80AB779-E6C3-449A-80EB-6690C83E798F}"/>
+              </a:ext>
+            </a:extLst>
+          </p:cNvPr>
+          <p:cNvSpPr txBox="1"/>
+          <p:nvPr/>
+        </p:nvSpPr>
+        <p:spPr>
+          <a:xfrm>
+            <a:off x="220430" y="4007356"/>
+            <a:ext cx="1376218" cy="369332"/>
+          </a:xfrm>
+          <a:prstGeom prst="rect">
+            <a:avLst/>
+          </a:prstGeom>
+          <a:noFill/>
+        </p:spPr>
+        <p:txBody>
+          <a:bodyPr wrap="square" rtlCol="0">
+            <a:spAutoFit/>
+          </a:bodyPr>
+          <a:lstStyle/>
+          <a:p>
+            <a:r>
+              <a:rPr lang="en-US" dirty="0">
+                <a:solidFill>
+                  <a:schemeClr val="bg1"/>
+                </a:solidFill>
+              </a:rPr>
+              <a:t>Usage:</a:t>
+            </a:r>
+          </a:p>
+        </p:txBody>
+      </p:sp>
       <p:cxnSp>
         <p:nvCxnSpPr>
-          <p:cNvPr id="34" name="Conector recto de flecha 33">
-            <a:extLst>
-              <a:ext uri="{FF2B5EF4-FFF2-40B4-BE49-F238E27FC236}">
-                <a16:creationId xmlns:a16="http://schemas.microsoft.com/office/drawing/2014/main" id="{FE5B11F8-9635-41F2-BA0B-CF1CE47617E6}"/>
+          <p:cNvPr id="28" name="Conector recto de flecha 27">
+            <a:extLst>
+              <a:ext uri="{FF2B5EF4-FFF2-40B4-BE49-F238E27FC236}">
+                <a16:creationId xmlns:a16="http://schemas.microsoft.com/office/drawing/2014/main" id="{3A1A54ED-7217-460A-A419-52A2A8C6E16D}"/>
               </a:ext>
             </a:extLst>
           </p:cNvPr>
           <p:cNvCxnSpPr>
             <a:cxnSpLocks/>
-            <a:stCxn id="2" idx="0"/>
-            <a:endCxn id="33" idx="2"/>
+            <a:stCxn id="16" idx="0"/>
+            <a:endCxn id="13" idx="2"/>
           </p:cNvCxnSpPr>
           <p:nvPr/>
         </p:nvCxnSpPr>
         <p:spPr>
-          <a:xfrm flipH="1" flipV="1">
-            <a:off x="8964143" y="2514600"/>
-            <a:ext cx="2587" cy="609701"/>
+          <a:xfrm flipV="1">
+            <a:off x="1888843" y="1593723"/>
+            <a:ext cx="1813929" cy="764824"/>
           </a:xfrm>
           <a:prstGeom prst="straightConnector1">
             <a:avLst/>
@@ -6598,7 +6555,6 @@
             <a:solidFill>
               <a:schemeClr val="bg1"/>
             </a:solidFill>
-            <a:headEnd type="triangle"/>
             <a:tailEnd type="triangle"/>
           </a:ln>
         </p:spPr>
@@ -6619,10 +6575,10 @@
       </p:cxnSp>
       <p:sp>
         <p:nvSpPr>
-          <p:cNvPr id="38" name="CuadroTexto 37">
-            <a:extLst>
-              <a:ext uri="{FF2B5EF4-FFF2-40B4-BE49-F238E27FC236}">
-                <a16:creationId xmlns:a16="http://schemas.microsoft.com/office/drawing/2014/main" id="{E593275B-18D5-4ED5-B785-2CD80B46AC8E}"/>
+          <p:cNvPr id="29" name="CuadroTexto 28">
+            <a:extLst>
+              <a:ext uri="{FF2B5EF4-FFF2-40B4-BE49-F238E27FC236}">
+                <a16:creationId xmlns:a16="http://schemas.microsoft.com/office/drawing/2014/main" id="{6C5D61F4-13D6-441D-8985-28E82A07ACD8}"/>
               </a:ext>
             </a:extLst>
           </p:cNvPr>
@@ -6631,46 +6587,7 @@
         </p:nvSpPr>
         <p:spPr>
           <a:xfrm>
-            <a:off x="8964141" y="2650173"/>
-            <a:ext cx="1758422" cy="338554"/>
-          </a:xfrm>
-          <a:prstGeom prst="rect">
-            <a:avLst/>
-          </a:prstGeom>
-          <a:noFill/>
-        </p:spPr>
-        <p:txBody>
-          <a:bodyPr wrap="square" rtlCol="0">
-            <a:spAutoFit/>
-          </a:bodyPr>
-          <a:lstStyle/>
-          <a:p>
-            <a:r>
-              <a:rPr lang="en-US" sz="1600" dirty="0">
-                <a:solidFill>
-                  <a:schemeClr val="bg1"/>
-                </a:solidFill>
-              </a:rPr>
-              <a:t>reads and interacts</a:t>
-            </a:r>
-          </a:p>
-        </p:txBody>
-      </p:sp>
-      <p:sp>
-        <p:nvSpPr>
-          <p:cNvPr id="39" name="CuadroTexto 38">
-            <a:extLst>
-              <a:ext uri="{FF2B5EF4-FFF2-40B4-BE49-F238E27FC236}">
-                <a16:creationId xmlns:a16="http://schemas.microsoft.com/office/drawing/2014/main" id="{E933C427-2012-4298-BAC7-CF5FE7311DE1}"/>
-              </a:ext>
-            </a:extLst>
-          </p:cNvPr>
-          <p:cNvSpPr txBox="1"/>
-          <p:nvPr/>
-        </p:nvSpPr>
-        <p:spPr>
-          <a:xfrm>
-            <a:off x="5282744" y="4434202"/>
+            <a:off x="4738560" y="1747673"/>
             <a:ext cx="1376218" cy="369332"/>
           </a:xfrm>
           <a:prstGeom prst="rect">
@@ -6690,31 +6607,31 @@
                   <a:schemeClr val="bg1"/>
                 </a:solidFill>
               </a:rPr>
-              <a:t>calls</a:t>
+              <a:t>implements</a:t>
             </a:r>
           </a:p>
         </p:txBody>
       </p:sp>
       <p:cxnSp>
         <p:nvCxnSpPr>
-          <p:cNvPr id="40" name="Conector recto de flecha 39">
-            <a:extLst>
-              <a:ext uri="{FF2B5EF4-FFF2-40B4-BE49-F238E27FC236}">
-                <a16:creationId xmlns:a16="http://schemas.microsoft.com/office/drawing/2014/main" id="{65ADA00B-B061-4BC6-8BEA-533E11C25C79}"/>
+          <p:cNvPr id="32" name="Conector recto de flecha 31">
+            <a:extLst>
+              <a:ext uri="{FF2B5EF4-FFF2-40B4-BE49-F238E27FC236}">
+                <a16:creationId xmlns:a16="http://schemas.microsoft.com/office/drawing/2014/main" id="{54BAFDE7-80A8-46D7-A8DA-73C79CC1DA06}"/>
               </a:ext>
             </a:extLst>
           </p:cNvPr>
           <p:cNvCxnSpPr>
             <a:cxnSpLocks/>
-            <a:stCxn id="30" idx="3"/>
-            <a:endCxn id="2" idx="1"/>
+            <a:stCxn id="15" idx="0"/>
+            <a:endCxn id="13" idx="2"/>
           </p:cNvCxnSpPr>
           <p:nvPr/>
         </p:nvCxnSpPr>
         <p:spPr>
-          <a:xfrm>
-            <a:off x="5105698" y="4803534"/>
-            <a:ext cx="1115450" cy="0"/>
+          <a:xfrm flipH="1" flipV="1">
+            <a:off x="3702772" y="1593723"/>
+            <a:ext cx="1608004" cy="764825"/>
           </a:xfrm>
           <a:prstGeom prst="straightConnector1">
             <a:avLst/>
@@ -6741,10 +6658,134 @@
           </a:fontRef>
         </p:style>
       </p:cxnSp>
+      <p:sp>
+        <p:nvSpPr>
+          <p:cNvPr id="36" name="CuadroTexto 35">
+            <a:extLst>
+              <a:ext uri="{FF2B5EF4-FFF2-40B4-BE49-F238E27FC236}">
+                <a16:creationId xmlns:a16="http://schemas.microsoft.com/office/drawing/2014/main" id="{9584946C-1ABD-49B7-9E74-6778D71B8931}"/>
+              </a:ext>
+            </a:extLst>
+          </p:cNvPr>
+          <p:cNvSpPr txBox="1"/>
+          <p:nvPr/>
+        </p:nvSpPr>
+        <p:spPr>
+          <a:xfrm>
+            <a:off x="1249275" y="1747673"/>
+            <a:ext cx="1376218" cy="369332"/>
+          </a:xfrm>
+          <a:prstGeom prst="rect">
+            <a:avLst/>
+          </a:prstGeom>
+          <a:noFill/>
+        </p:spPr>
+        <p:txBody>
+          <a:bodyPr wrap="square" rtlCol="0">
+            <a:spAutoFit/>
+          </a:bodyPr>
+          <a:lstStyle/>
+          <a:p>
+            <a:r>
+              <a:rPr lang="en-US" dirty="0">
+                <a:solidFill>
+                  <a:schemeClr val="bg1"/>
+                </a:solidFill>
+              </a:rPr>
+              <a:t>implements</a:t>
+            </a:r>
+          </a:p>
+        </p:txBody>
+      </p:sp>
+      <p:cxnSp>
+        <p:nvCxnSpPr>
+          <p:cNvPr id="37" name="Conector recto de flecha 36">
+            <a:extLst>
+              <a:ext uri="{FF2B5EF4-FFF2-40B4-BE49-F238E27FC236}">
+                <a16:creationId xmlns:a16="http://schemas.microsoft.com/office/drawing/2014/main" id="{F33C09D8-47E5-497E-A508-0BB69A63CB87}"/>
+              </a:ext>
+            </a:extLst>
+          </p:cNvPr>
+          <p:cNvCxnSpPr>
+            <a:cxnSpLocks/>
+            <a:stCxn id="7" idx="1"/>
+            <a:endCxn id="15" idx="3"/>
+          </p:cNvCxnSpPr>
+          <p:nvPr/>
+        </p:nvCxnSpPr>
+        <p:spPr>
+          <a:xfrm flipH="1">
+            <a:off x="6918780" y="2816433"/>
+            <a:ext cx="1257245" cy="0"/>
+          </a:xfrm>
+          <a:prstGeom prst="straightConnector1">
+            <a:avLst/>
+          </a:prstGeom>
+          <a:ln w="12700">
+            <a:solidFill>
+              <a:schemeClr val="bg1"/>
+            </a:solidFill>
+            <a:tailEnd type="triangle"/>
+          </a:ln>
+        </p:spPr>
+        <p:style>
+          <a:lnRef idx="1">
+            <a:schemeClr val="accent1"/>
+          </a:lnRef>
+          <a:fillRef idx="0">
+            <a:schemeClr val="accent1"/>
+          </a:fillRef>
+          <a:effectRef idx="0">
+            <a:schemeClr val="accent1"/>
+          </a:effectRef>
+          <a:fontRef idx="minor">
+            <a:schemeClr val="tx1"/>
+          </a:fontRef>
+        </p:style>
+      </p:cxnSp>
+      <p:sp>
+        <p:nvSpPr>
+          <p:cNvPr id="43" name="CuadroTexto 42">
+            <a:extLst>
+              <a:ext uri="{FF2B5EF4-FFF2-40B4-BE49-F238E27FC236}">
+                <a16:creationId xmlns:a16="http://schemas.microsoft.com/office/drawing/2014/main" id="{9194DB71-63AB-401A-BE6D-85B024946DBE}"/>
+              </a:ext>
+            </a:extLst>
+          </p:cNvPr>
+          <p:cNvSpPr txBox="1"/>
+          <p:nvPr/>
+        </p:nvSpPr>
+        <p:spPr>
+          <a:xfrm>
+            <a:off x="7078417" y="2491377"/>
+            <a:ext cx="1376218" cy="369332"/>
+          </a:xfrm>
+          <a:prstGeom prst="rect">
+            <a:avLst/>
+          </a:prstGeom>
+          <a:noFill/>
+        </p:spPr>
+        <p:txBody>
+          <a:bodyPr wrap="square" rtlCol="0">
+            <a:spAutoFit/>
+          </a:bodyPr>
+          <a:lstStyle/>
+          <a:p>
+            <a:r>
+              <a:rPr lang="en-US" dirty="0">
+                <a:solidFill>
+                  <a:schemeClr val="bg1"/>
+                </a:solidFill>
+              </a:rPr>
+              <a:t>executes</a:t>
+            </a:r>
+          </a:p>
+        </p:txBody>
+      </p:sp>
     </p:spTree>
     <p:extLst>
       <p:ext uri="{BB962C8B-B14F-4D97-AF65-F5344CB8AC3E}">
-        <p14:creationId xmlns:p14="http://schemas.microsoft.com/office/powerpoint/2010/main" val="2070501123"/>
+        <p14:creationId xmlns:p14="http://schemas.microsoft.com/office/powerpoint/2010/main" val="4059487831"/>
       </p:ext>
     </p:extLst>
   </p:cSld>
@@ -6875,12 +6916,49 @@
           <a:chExt cx="0" cy="0"/>
         </a:xfrm>
       </p:grpSpPr>
+      <p:sp>
+        <p:nvSpPr>
+          <p:cNvPr id="19" name="CuadroTexto 18">
+            <a:extLst>
+              <a:ext uri="{FF2B5EF4-FFF2-40B4-BE49-F238E27FC236}">
+                <a16:creationId xmlns:a16="http://schemas.microsoft.com/office/drawing/2014/main" id="{A96312D1-C027-407A-96BD-2EF07177E281}"/>
+              </a:ext>
+            </a:extLst>
+          </p:cNvPr>
+          <p:cNvSpPr txBox="1"/>
+          <p:nvPr/>
+        </p:nvSpPr>
+        <p:spPr>
+          <a:xfrm>
+            <a:off x="277441" y="3087902"/>
+            <a:ext cx="5675684" cy="3609235"/>
+          </a:xfrm>
+          <a:prstGeom prst="rect">
+            <a:avLst/>
+          </a:prstGeom>
+          <a:noFill/>
+          <a:ln>
+            <a:solidFill>
+              <a:schemeClr val="bg1"/>
+            </a:solidFill>
+          </a:ln>
+        </p:spPr>
+        <p:txBody>
+          <a:bodyPr wrap="square" rtlCol="0">
+            <a:spAutoFit/>
+          </a:bodyPr>
+          <a:lstStyle/>
+          <a:p>
+            <a:endParaRPr lang="en-US" dirty="0"/>
+          </a:p>
+        </p:txBody>
+      </p:sp>
       <p:pic>
         <p:nvPicPr>
-          <p:cNvPr id="7" name="Imagen 6">
-            <a:extLst>
-              <a:ext uri="{FF2B5EF4-FFF2-40B4-BE49-F238E27FC236}">
-                <a16:creationId xmlns:a16="http://schemas.microsoft.com/office/drawing/2014/main" id="{2CFE6195-EA83-4C47-A03F-329D229C5AB7}"/>
+          <p:cNvPr id="5" name="Imagen 4">
+            <a:extLst>
+              <a:ext uri="{FF2B5EF4-FFF2-40B4-BE49-F238E27FC236}">
+                <a16:creationId xmlns:a16="http://schemas.microsoft.com/office/drawing/2014/main" id="{1F28F35C-9F8B-4E76-86E9-350415B88C79}"/>
               </a:ext>
             </a:extLst>
           </p:cNvPr>
@@ -6897,8 +6975,8 @@
         </p:blipFill>
         <p:spPr>
           <a:xfrm>
-            <a:off x="207896" y="2087591"/>
-            <a:ext cx="5179886" cy="4335534"/>
+            <a:off x="797883" y="1225868"/>
+            <a:ext cx="4287752" cy="969928"/>
           </a:xfrm>
           <a:prstGeom prst="rect">
             <a:avLst/>
@@ -6914,10 +6992,10 @@
       </p:pic>
       <p:pic>
         <p:nvPicPr>
-          <p:cNvPr id="11" name="Imagen 10">
-            <a:extLst>
-              <a:ext uri="{FF2B5EF4-FFF2-40B4-BE49-F238E27FC236}">
-                <a16:creationId xmlns:a16="http://schemas.microsoft.com/office/drawing/2014/main" id="{FACE3969-615E-4C45-B56D-19518D2A9CE0}"/>
+          <p:cNvPr id="3" name="Imagen 2">
+            <a:extLst>
+              <a:ext uri="{FF2B5EF4-FFF2-40B4-BE49-F238E27FC236}">
+                <a16:creationId xmlns:a16="http://schemas.microsoft.com/office/drawing/2014/main" id="{9C1B9B4B-60A9-4422-9C3A-3CD098F4505A}"/>
               </a:ext>
             </a:extLst>
           </p:cNvPr>
@@ -6934,8 +7012,45 @@
         </p:blipFill>
         <p:spPr>
           <a:xfrm>
-            <a:off x="6151615" y="1849550"/>
-            <a:ext cx="5830965" cy="4823295"/>
+            <a:off x="345048" y="3127409"/>
+            <a:ext cx="5253753" cy="488881"/>
+          </a:xfrm>
+          <a:prstGeom prst="rect">
+            <a:avLst/>
+          </a:prstGeom>
+          <a:effectLst>
+            <a:glow>
+              <a:schemeClr val="bg1">
+                <a:alpha val="40000"/>
+              </a:schemeClr>
+            </a:glow>
+          </a:effectLst>
+        </p:spPr>
+      </p:pic>
+      <p:pic>
+        <p:nvPicPr>
+          <p:cNvPr id="4" name="Imagen 3">
+            <a:extLst>
+              <a:ext uri="{FF2B5EF4-FFF2-40B4-BE49-F238E27FC236}">
+                <a16:creationId xmlns:a16="http://schemas.microsoft.com/office/drawing/2014/main" id="{C36C44D5-9D26-4140-9030-A25266CFEACE}"/>
+              </a:ext>
+            </a:extLst>
+          </p:cNvPr>
+          <p:cNvPicPr>
+            <a:picLocks noChangeAspect="1"/>
+          </p:cNvPicPr>
+          <p:nvPr/>
+        </p:nvPicPr>
+        <p:blipFill>
+          <a:blip r:embed="rId4"/>
+          <a:stretch>
+            <a:fillRect/>
+          </a:stretch>
+        </p:blipFill>
+        <p:spPr>
+          <a:xfrm>
+            <a:off x="1339827" y="1917666"/>
+            <a:ext cx="4516224" cy="971158"/>
           </a:xfrm>
           <a:prstGeom prst="rect">
             <a:avLst/>
@@ -6951,10 +7066,10 @@
       </p:pic>
       <p:pic>
         <p:nvPicPr>
-          <p:cNvPr id="13" name="Imagen 12">
-            <a:extLst>
-              <a:ext uri="{FF2B5EF4-FFF2-40B4-BE49-F238E27FC236}">
-                <a16:creationId xmlns:a16="http://schemas.microsoft.com/office/drawing/2014/main" id="{DB69B325-2AFF-4143-A6CE-6A622ECFDFA2}"/>
+          <p:cNvPr id="9" name="Imagen 8">
+            <a:extLst>
+              <a:ext uri="{FF2B5EF4-FFF2-40B4-BE49-F238E27FC236}">
+                <a16:creationId xmlns:a16="http://schemas.microsoft.com/office/drawing/2014/main" id="{49F94EEA-BD17-488E-8959-1BDE76060086}"/>
               </a:ext>
             </a:extLst>
           </p:cNvPr>
@@ -6964,15 +7079,15 @@
           <p:nvPr/>
         </p:nvPicPr>
         <p:blipFill>
-          <a:blip r:embed="rId4"/>
+          <a:blip r:embed="rId5"/>
           <a:stretch>
             <a:fillRect/>
           </a:stretch>
         </p:blipFill>
         <p:spPr>
           <a:xfrm>
-            <a:off x="6267604" y="433524"/>
-            <a:ext cx="5598986" cy="664286"/>
+            <a:off x="1487759" y="160863"/>
+            <a:ext cx="2908000" cy="573633"/>
           </a:xfrm>
           <a:prstGeom prst="rect">
             <a:avLst/>
@@ -6986,12 +7101,116 @@
           </a:effectLst>
         </p:spPr>
       </p:pic>
+      <p:pic>
+        <p:nvPicPr>
+          <p:cNvPr id="14" name="Imagen 13">
+            <a:extLst>
+              <a:ext uri="{FF2B5EF4-FFF2-40B4-BE49-F238E27FC236}">
+                <a16:creationId xmlns:a16="http://schemas.microsoft.com/office/drawing/2014/main" id="{E0E785AA-AFC8-4D14-8DD6-DA69DB1D5C3D}"/>
+              </a:ext>
+            </a:extLst>
+          </p:cNvPr>
+          <p:cNvPicPr>
+            <a:picLocks noChangeAspect="1"/>
+          </p:cNvPicPr>
+          <p:nvPr/>
+        </p:nvPicPr>
+        <p:blipFill>
+          <a:blip r:embed="rId6"/>
+          <a:stretch>
+            <a:fillRect/>
+          </a:stretch>
+        </p:blipFill>
+        <p:spPr>
+          <a:xfrm>
+            <a:off x="7235443" y="3087902"/>
+            <a:ext cx="4287753" cy="1843117"/>
+          </a:xfrm>
+          <a:prstGeom prst="rect">
+            <a:avLst/>
+          </a:prstGeom>
+          <a:effectLst>
+            <a:glow rad="25400">
+              <a:schemeClr val="bg1">
+                <a:alpha val="40000"/>
+              </a:schemeClr>
+            </a:glow>
+          </a:effectLst>
+        </p:spPr>
+      </p:pic>
+      <p:pic>
+        <p:nvPicPr>
+          <p:cNvPr id="16" name="Imagen 15">
+            <a:extLst>
+              <a:ext uri="{FF2B5EF4-FFF2-40B4-BE49-F238E27FC236}">
+                <a16:creationId xmlns:a16="http://schemas.microsoft.com/office/drawing/2014/main" id="{E2574B5B-77DE-464E-B6B5-321D05E8DDCF}"/>
+              </a:ext>
+            </a:extLst>
+          </p:cNvPr>
+          <p:cNvPicPr>
+            <a:picLocks noChangeAspect="1"/>
+          </p:cNvPicPr>
+          <p:nvPr/>
+        </p:nvPicPr>
+        <p:blipFill>
+          <a:blip r:embed="rId7"/>
+          <a:stretch>
+            <a:fillRect/>
+          </a:stretch>
+        </p:blipFill>
+        <p:spPr>
+          <a:xfrm>
+            <a:off x="6731370" y="165207"/>
+            <a:ext cx="5295901" cy="2445957"/>
+          </a:xfrm>
+          <a:prstGeom prst="rect">
+            <a:avLst/>
+          </a:prstGeom>
+          <a:effectLst>
+            <a:glow rad="25400">
+              <a:schemeClr val="bg1">
+                <a:alpha val="40000"/>
+              </a:schemeClr>
+            </a:glow>
+          </a:effectLst>
+        </p:spPr>
+      </p:pic>
+      <p:pic>
+        <p:nvPicPr>
+          <p:cNvPr id="18" name="Imagen 17">
+            <a:extLst>
+              <a:ext uri="{FF2B5EF4-FFF2-40B4-BE49-F238E27FC236}">
+                <a16:creationId xmlns:a16="http://schemas.microsoft.com/office/drawing/2014/main" id="{0B0AB996-6C12-4098-B73D-617DC9134067}"/>
+              </a:ext>
+            </a:extLst>
+          </p:cNvPr>
+          <p:cNvPicPr>
+            <a:picLocks noChangeAspect="1"/>
+          </p:cNvPicPr>
+          <p:nvPr/>
+        </p:nvPicPr>
+        <p:blipFill>
+          <a:blip r:embed="rId8"/>
+          <a:stretch>
+            <a:fillRect/>
+          </a:stretch>
+        </p:blipFill>
+        <p:spPr>
+          <a:xfrm>
+            <a:off x="345048" y="3655797"/>
+            <a:ext cx="5253754" cy="2780996"/>
+          </a:xfrm>
+          <a:prstGeom prst="rect">
+            <a:avLst/>
+          </a:prstGeom>
+        </p:spPr>
+      </p:pic>
       <p:sp>
         <p:nvSpPr>
           <p:cNvPr id="25" name="CuadroTexto 24">
             <a:extLst>
               <a:ext uri="{FF2B5EF4-FFF2-40B4-BE49-F238E27FC236}">
-                <a16:creationId xmlns:a16="http://schemas.microsoft.com/office/drawing/2014/main" id="{19C6170D-CFD8-49E4-816C-97EDFBA2B700}"/>
+                <a16:creationId xmlns:a16="http://schemas.microsoft.com/office/drawing/2014/main" id="{B6FBF2F1-EAB1-495D-AD6F-27A42C4E8F45}"/>
               </a:ext>
             </a:extLst>
           </p:cNvPr>
@@ -7000,7 +7219,7 @@
         </p:nvSpPr>
         <p:spPr>
           <a:xfrm>
-            <a:off x="5407891" y="3891865"/>
+            <a:off x="2909830" y="820228"/>
             <a:ext cx="1376218" cy="369332"/>
           </a:xfrm>
           <a:prstGeom prst="rect">
@@ -7020,31 +7239,31 @@
                   <a:schemeClr val="bg1"/>
                 </a:solidFill>
               </a:rPr>
-              <a:t>calls</a:t>
+              <a:t>implements</a:t>
             </a:r>
           </a:p>
         </p:txBody>
       </p:sp>
       <p:cxnSp>
         <p:nvCxnSpPr>
-          <p:cNvPr id="26" name="Conector recto de flecha 25">
-            <a:extLst>
-              <a:ext uri="{FF2B5EF4-FFF2-40B4-BE49-F238E27FC236}">
-                <a16:creationId xmlns:a16="http://schemas.microsoft.com/office/drawing/2014/main" id="{76AE51E0-8D6F-4932-8634-0B5B6F4E744C}"/>
+          <p:cNvPr id="27" name="Conector recto de flecha 26">
+            <a:extLst>
+              <a:ext uri="{FF2B5EF4-FFF2-40B4-BE49-F238E27FC236}">
+                <a16:creationId xmlns:a16="http://schemas.microsoft.com/office/drawing/2014/main" id="{88EC44E3-2AD7-4D4C-9534-8FD067DCA220}"/>
               </a:ext>
             </a:extLst>
           </p:cNvPr>
           <p:cNvCxnSpPr>
             <a:cxnSpLocks/>
-            <a:stCxn id="7" idx="3"/>
-            <a:endCxn id="11" idx="1"/>
+            <a:stCxn id="5" idx="0"/>
+            <a:endCxn id="9" idx="2"/>
           </p:cNvCxnSpPr>
           <p:nvPr/>
         </p:nvCxnSpPr>
         <p:spPr>
-          <a:xfrm>
-            <a:off x="5387782" y="4255358"/>
-            <a:ext cx="763833" cy="5840"/>
+          <a:xfrm flipV="1">
+            <a:off x="2941759" y="734496"/>
+            <a:ext cx="0" cy="491372"/>
           </a:xfrm>
           <a:prstGeom prst="straightConnector1">
             <a:avLst/>
@@ -7073,24 +7292,24 @@
       </p:cxnSp>
       <p:cxnSp>
         <p:nvCxnSpPr>
-          <p:cNvPr id="29" name="Conector recto de flecha 28">
-            <a:extLst>
-              <a:ext uri="{FF2B5EF4-FFF2-40B4-BE49-F238E27FC236}">
-                <a16:creationId xmlns:a16="http://schemas.microsoft.com/office/drawing/2014/main" id="{03CB87ED-D98B-4404-8865-52F51E0F0D1A}"/>
+          <p:cNvPr id="34" name="Conector recto de flecha 33">
+            <a:extLst>
+              <a:ext uri="{FF2B5EF4-FFF2-40B4-BE49-F238E27FC236}">
+                <a16:creationId xmlns:a16="http://schemas.microsoft.com/office/drawing/2014/main" id="{77211730-336B-4475-92D1-978E8AE483D7}"/>
               </a:ext>
             </a:extLst>
           </p:cNvPr>
           <p:cNvCxnSpPr>
             <a:cxnSpLocks/>
-            <a:stCxn id="11" idx="0"/>
-            <a:endCxn id="13" idx="2"/>
+            <a:stCxn id="16" idx="1"/>
+            <a:endCxn id="5" idx="3"/>
           </p:cNvCxnSpPr>
           <p:nvPr/>
         </p:nvCxnSpPr>
         <p:spPr>
-          <a:xfrm flipH="1" flipV="1">
-            <a:off x="9067097" y="1097810"/>
-            <a:ext cx="1" cy="751740"/>
+          <a:xfrm flipH="1">
+            <a:off x="5085635" y="1388186"/>
+            <a:ext cx="1645735" cy="322646"/>
           </a:xfrm>
           <a:prstGeom prst="straightConnector1">
             <a:avLst/>
@@ -7099,7 +7318,6 @@
             <a:solidFill>
               <a:schemeClr val="bg1"/>
             </a:solidFill>
-            <a:headEnd type="triangle"/>
             <a:tailEnd type="triangle"/>
           </a:ln>
         </p:spPr>
@@ -7120,10 +7338,10 @@
       </p:cxnSp>
       <p:sp>
         <p:nvSpPr>
-          <p:cNvPr id="30" name="CuadroTexto 29">
-            <a:extLst>
-              <a:ext uri="{FF2B5EF4-FFF2-40B4-BE49-F238E27FC236}">
-                <a16:creationId xmlns:a16="http://schemas.microsoft.com/office/drawing/2014/main" id="{97B5AC85-396E-4BE9-9E35-EC6CFF814F96}"/>
+          <p:cNvPr id="35" name="CuadroTexto 34">
+            <a:extLst>
+              <a:ext uri="{FF2B5EF4-FFF2-40B4-BE49-F238E27FC236}">
+                <a16:creationId xmlns:a16="http://schemas.microsoft.com/office/drawing/2014/main" id="{C400614D-3218-4E37-9650-3A63BC3DE8EB}"/>
               </a:ext>
             </a:extLst>
           </p:cNvPr>
@@ -7131,9 +7349,143 @@
           <p:nvPr/>
         </p:nvSpPr>
         <p:spPr>
-          <a:xfrm>
-            <a:off x="9067097" y="1304403"/>
-            <a:ext cx="1758422" cy="338554"/>
+          <a:xfrm rot="20924205">
+            <a:off x="5469464" y="1159486"/>
+            <a:ext cx="1376218" cy="369332"/>
+          </a:xfrm>
+          <a:prstGeom prst="rect">
+            <a:avLst/>
+          </a:prstGeom>
+          <a:noFill/>
+        </p:spPr>
+        <p:txBody>
+          <a:bodyPr wrap="square" rtlCol="0">
+            <a:spAutoFit/>
+          </a:bodyPr>
+          <a:lstStyle/>
+          <a:p>
+            <a:r>
+              <a:rPr lang="en-US" dirty="0">
+                <a:solidFill>
+                  <a:schemeClr val="bg1"/>
+                </a:solidFill>
+              </a:rPr>
+              <a:t>executes</a:t>
+            </a:r>
+          </a:p>
+        </p:txBody>
+      </p:sp>
+      <p:cxnSp>
+        <p:nvCxnSpPr>
+          <p:cNvPr id="38" name="Conector recto de flecha 37">
+            <a:extLst>
+              <a:ext uri="{FF2B5EF4-FFF2-40B4-BE49-F238E27FC236}">
+                <a16:creationId xmlns:a16="http://schemas.microsoft.com/office/drawing/2014/main" id="{074459B3-FE79-42A2-9A9E-C03EC6F7E472}"/>
+              </a:ext>
+            </a:extLst>
+          </p:cNvPr>
+          <p:cNvCxnSpPr>
+            <a:cxnSpLocks/>
+            <a:stCxn id="16" idx="1"/>
+            <a:endCxn id="4" idx="3"/>
+          </p:cNvCxnSpPr>
+          <p:nvPr/>
+        </p:nvCxnSpPr>
+        <p:spPr>
+          <a:xfrm flipH="1">
+            <a:off x="5856051" y="1388186"/>
+            <a:ext cx="875319" cy="1015059"/>
+          </a:xfrm>
+          <a:prstGeom prst="straightConnector1">
+            <a:avLst/>
+          </a:prstGeom>
+          <a:ln w="12700">
+            <a:solidFill>
+              <a:schemeClr val="bg1"/>
+            </a:solidFill>
+            <a:tailEnd type="triangle"/>
+          </a:ln>
+        </p:spPr>
+        <p:style>
+          <a:lnRef idx="1">
+            <a:schemeClr val="accent1"/>
+          </a:lnRef>
+          <a:fillRef idx="0">
+            <a:schemeClr val="accent1"/>
+          </a:fillRef>
+          <a:effectRef idx="0">
+            <a:schemeClr val="accent1"/>
+          </a:effectRef>
+          <a:fontRef idx="minor">
+            <a:schemeClr val="tx1"/>
+          </a:fontRef>
+        </p:style>
+      </p:cxnSp>
+      <p:cxnSp>
+        <p:nvCxnSpPr>
+          <p:cNvPr id="48" name="Conector recto de flecha 47">
+            <a:extLst>
+              <a:ext uri="{FF2B5EF4-FFF2-40B4-BE49-F238E27FC236}">
+                <a16:creationId xmlns:a16="http://schemas.microsoft.com/office/drawing/2014/main" id="{CADF5784-5FC3-40D6-BB19-FC72C0D9D2F5}"/>
+              </a:ext>
+              <a:ext uri="{C183D7F6-B498-43B3-948B-1728B52AA6E4}">
+                <adec:decorative xmlns:adec="http://schemas.microsoft.com/office/drawing/2017/decorative" val="0"/>
+              </a:ext>
+            </a:extLst>
+          </p:cNvPr>
+          <p:cNvCxnSpPr>
+            <a:cxnSpLocks/>
+            <a:stCxn id="16" idx="2"/>
+            <a:endCxn id="14" idx="0"/>
+          </p:cNvCxnSpPr>
+          <p:nvPr/>
+        </p:nvCxnSpPr>
+        <p:spPr>
+          <a:xfrm flipH="1">
+            <a:off x="9379320" y="2611164"/>
+            <a:ext cx="1" cy="476738"/>
+          </a:xfrm>
+          <a:prstGeom prst="straightConnector1">
+            <a:avLst/>
+          </a:prstGeom>
+          <a:ln w="12700">
+            <a:solidFill>
+              <a:schemeClr val="bg1"/>
+            </a:solidFill>
+            <a:tailEnd type="triangle"/>
+          </a:ln>
+        </p:spPr>
+        <p:style>
+          <a:lnRef idx="1">
+            <a:schemeClr val="accent1"/>
+          </a:lnRef>
+          <a:fillRef idx="0">
+            <a:schemeClr val="accent1"/>
+          </a:fillRef>
+          <a:effectRef idx="0">
+            <a:schemeClr val="accent1"/>
+          </a:effectRef>
+          <a:fontRef idx="minor">
+            <a:schemeClr val="tx1"/>
+          </a:fontRef>
+        </p:style>
+      </p:cxnSp>
+      <p:sp>
+        <p:nvSpPr>
+          <p:cNvPr id="49" name="CuadroTexto 48">
+            <a:extLst>
+              <a:ext uri="{FF2B5EF4-FFF2-40B4-BE49-F238E27FC236}">
+                <a16:creationId xmlns:a16="http://schemas.microsoft.com/office/drawing/2014/main" id="{863B58CB-9D32-47A7-AAAD-1480E6429863}"/>
+              </a:ext>
+            </a:extLst>
+          </p:cNvPr>
+          <p:cNvSpPr txBox="1"/>
+          <p:nvPr/>
+        </p:nvSpPr>
+        <p:spPr>
+          <a:xfrm>
+            <a:off x="9379319" y="2641505"/>
+            <a:ext cx="1376218" cy="338554"/>
           </a:xfrm>
           <a:prstGeom prst="rect">
             <a:avLst/>
@@ -7152,17 +7504,17 @@
                   <a:schemeClr val="bg1"/>
                 </a:solidFill>
               </a:rPr>
-              <a:t>reads and interacts</a:t>
-            </a:r>
-          </a:p>
-        </p:txBody>
-      </p:sp>
-      <p:sp>
-        <p:nvSpPr>
-          <p:cNvPr id="36" name="CuadroTexto 35">
-            <a:extLst>
-              <a:ext uri="{FF2B5EF4-FFF2-40B4-BE49-F238E27FC236}">
-                <a16:creationId xmlns:a16="http://schemas.microsoft.com/office/drawing/2014/main" id="{8D5F8848-69CC-474A-8B0C-8685958FFF9D}"/>
+              <a:t>gets</a:t>
+            </a:r>
+          </a:p>
+        </p:txBody>
+      </p:sp>
+      <p:sp>
+        <p:nvSpPr>
+          <p:cNvPr id="56" name="CuadroTexto 55">
+            <a:extLst>
+              <a:ext uri="{FF2B5EF4-FFF2-40B4-BE49-F238E27FC236}">
+                <a16:creationId xmlns:a16="http://schemas.microsoft.com/office/drawing/2014/main" id="{8E28305B-4A7C-463A-9539-BFD2B83DD84E}"/>
               </a:ext>
             </a:extLst>
           </p:cNvPr>
@@ -7171,7 +7523,46 @@
         </p:nvSpPr>
         <p:spPr>
           <a:xfrm>
-            <a:off x="361700" y="215130"/>
+            <a:off x="5216982" y="6358583"/>
+            <a:ext cx="1376218" cy="338554"/>
+          </a:xfrm>
+          <a:prstGeom prst="rect">
+            <a:avLst/>
+          </a:prstGeom>
+          <a:noFill/>
+        </p:spPr>
+        <p:txBody>
+          <a:bodyPr wrap="square" rtlCol="0">
+            <a:spAutoFit/>
+          </a:bodyPr>
+          <a:lstStyle/>
+          <a:p>
+            <a:r>
+              <a:rPr lang="en-US" sz="1600" dirty="0">
+                <a:solidFill>
+                  <a:schemeClr val="bg1"/>
+                </a:solidFill>
+              </a:rPr>
+              <a:t>Usage</a:t>
+            </a:r>
+          </a:p>
+        </p:txBody>
+      </p:sp>
+      <p:sp>
+        <p:nvSpPr>
+          <p:cNvPr id="57" name="CuadroTexto 56">
+            <a:extLst>
+              <a:ext uri="{FF2B5EF4-FFF2-40B4-BE49-F238E27FC236}">
+                <a16:creationId xmlns:a16="http://schemas.microsoft.com/office/drawing/2014/main" id="{74D0A3BB-A078-423C-B55A-B0DF40F77A9B}"/>
+              </a:ext>
+            </a:extLst>
+          </p:cNvPr>
+          <p:cNvSpPr txBox="1"/>
+          <p:nvPr/>
+        </p:nvSpPr>
+        <p:spPr>
+          <a:xfrm>
+            <a:off x="9483407" y="6035417"/>
             <a:ext cx="3397994" cy="646331"/>
           </a:xfrm>
           <a:prstGeom prst="rect">
@@ -7199,7 +7590,7 @@
     </p:spTree>
     <p:extLst>
       <p:ext uri="{BB962C8B-B14F-4D97-AF65-F5344CB8AC3E}">
-        <p14:creationId xmlns:p14="http://schemas.microsoft.com/office/powerpoint/2010/main" val="181309968"/>
+        <p14:creationId xmlns:p14="http://schemas.microsoft.com/office/powerpoint/2010/main" val="2514131287"/>
       </p:ext>
     </p:extLst>
   </p:cSld>
@@ -7226,12 +7617,223 @@
           <a:chExt cx="0" cy="0"/>
         </a:xfrm>
       </p:grpSpPr>
+      <p:sp>
+        <p:nvSpPr>
+          <p:cNvPr id="2" name="Título 1">
+            <a:extLst>
+              <a:ext uri="{FF2B5EF4-FFF2-40B4-BE49-F238E27FC236}">
+                <a16:creationId xmlns:a16="http://schemas.microsoft.com/office/drawing/2014/main" id="{73A2909B-13B3-4614-9321-16AF10F4286A}"/>
+              </a:ext>
+            </a:extLst>
+          </p:cNvPr>
+          <p:cNvSpPr>
+            <a:spLocks noGrp="1"/>
+          </p:cNvSpPr>
+          <p:nvPr>
+            <p:ph type="title"/>
+          </p:nvPr>
+        </p:nvSpPr>
+        <p:spPr>
+          <a:xfrm>
+            <a:off x="838200" y="2103437"/>
+            <a:ext cx="10515600" cy="1325563"/>
+          </a:xfrm>
+        </p:spPr>
+        <p:txBody>
+          <a:bodyPr/>
+          <a:lstStyle/>
+          <a:p>
+            <a:r>
+              <a:rPr lang="en-US" dirty="0"/>
+              <a:t>UI Patterns</a:t>
+            </a:r>
+          </a:p>
+        </p:txBody>
+      </p:sp>
+    </p:spTree>
+    <p:extLst>
+      <p:ext uri="{BB962C8B-B14F-4D97-AF65-F5344CB8AC3E}">
+        <p14:creationId xmlns:p14="http://schemas.microsoft.com/office/powerpoint/2010/main" val="2266296736"/>
+      </p:ext>
+    </p:extLst>
+  </p:cSld>
+  <p:clrMapOvr>
+    <a:masterClrMapping/>
+  </p:clrMapOvr>
+</p:sld>
+</file>
+
+<file path=ppt/slides/slide22.xml><?xml version="1.0" encoding="utf-8"?>
+<p:sld xmlns:a="http://schemas.openxmlformats.org/drawingml/2006/main" xmlns:r="http://schemas.openxmlformats.org/officeDocument/2006/relationships" xmlns:p="http://schemas.openxmlformats.org/presentationml/2006/main">
+  <p:cSld>
+    <p:spTree>
+      <p:nvGrpSpPr>
+        <p:cNvPr id="1" name=""/>
+        <p:cNvGrpSpPr/>
+        <p:nvPr/>
+      </p:nvGrpSpPr>
+      <p:grpSpPr>
+        <a:xfrm>
+          <a:off x="0" y="0"/>
+          <a:ext cx="0" cy="0"/>
+          <a:chOff x="0" y="0"/>
+          <a:chExt cx="0" cy="0"/>
+        </a:xfrm>
+      </p:grpSpPr>
+      <p:sp>
+        <p:nvSpPr>
+          <p:cNvPr id="2" name="Título 1">
+            <a:extLst>
+              <a:ext uri="{FF2B5EF4-FFF2-40B4-BE49-F238E27FC236}">
+                <a16:creationId xmlns:a16="http://schemas.microsoft.com/office/drawing/2014/main" id="{51E579E3-4D4D-4391-A4DB-77F6C6DD84BE}"/>
+              </a:ext>
+            </a:extLst>
+          </p:cNvPr>
+          <p:cNvSpPr>
+            <a:spLocks noGrp="1"/>
+          </p:cNvSpPr>
+          <p:nvPr>
+            <p:ph type="title"/>
+          </p:nvPr>
+        </p:nvSpPr>
+        <p:spPr>
+          <a:xfrm>
+            <a:off x="900344" y="2766218"/>
+            <a:ext cx="10515600" cy="1325563"/>
+          </a:xfrm>
+        </p:spPr>
+        <p:txBody>
+          <a:bodyPr/>
+          <a:lstStyle/>
+          <a:p>
+            <a:r>
+              <a:rPr lang="es-ES" dirty="0">
+                <a:solidFill>
+                  <a:srgbClr val="000000"/>
+                </a:solidFill>
+                <a:latin typeface="Calibri" panose="020F0502020204030204" pitchFamily="34" charset="0"/>
+              </a:rPr>
+              <a:t>Page-</a:t>
+            </a:r>
+            <a:r>
+              <a:rPr lang="es-ES" dirty="0" err="1">
+                <a:solidFill>
+                  <a:srgbClr val="000000"/>
+                </a:solidFill>
+                <a:latin typeface="Calibri" panose="020F0502020204030204" pitchFamily="34" charset="0"/>
+              </a:rPr>
+              <a:t>Object</a:t>
+            </a:r>
+            <a:r>
+              <a:rPr lang="es-ES" dirty="0">
+                <a:solidFill>
+                  <a:srgbClr val="000000"/>
+                </a:solidFill>
+                <a:latin typeface="Calibri" panose="020F0502020204030204" pitchFamily="34" charset="0"/>
+              </a:rPr>
+              <a:t> </a:t>
+            </a:r>
+            <a:r>
+              <a:rPr lang="es-ES" dirty="0" err="1">
+                <a:solidFill>
+                  <a:srgbClr val="000000"/>
+                </a:solidFill>
+                <a:latin typeface="Calibri" panose="020F0502020204030204" pitchFamily="34" charset="0"/>
+              </a:rPr>
+              <a:t>pattern</a:t>
+            </a:r>
+            <a:endParaRPr lang="en-US" dirty="0"/>
+          </a:p>
+        </p:txBody>
+      </p:sp>
+    </p:spTree>
+    <p:extLst>
+      <p:ext uri="{BB962C8B-B14F-4D97-AF65-F5344CB8AC3E}">
+        <p14:creationId xmlns:p14="http://schemas.microsoft.com/office/powerpoint/2010/main" val="2983471730"/>
+      </p:ext>
+    </p:extLst>
+  </p:cSld>
+  <p:clrMapOvr>
+    <a:masterClrMapping/>
+  </p:clrMapOvr>
+</p:sld>
+</file>
+
+<file path=ppt/slides/slide23.xml><?xml version="1.0" encoding="utf-8"?>
+<p:sld xmlns:a="http://schemas.openxmlformats.org/drawingml/2006/main" xmlns:r="http://schemas.openxmlformats.org/officeDocument/2006/relationships" xmlns:p="http://schemas.openxmlformats.org/presentationml/2006/main">
+  <p:cSld>
+    <p:bg>
+      <p:bgPr>
+        <a:solidFill>
+          <a:srgbClr val="1E1E1E"/>
+        </a:solidFill>
+        <a:effectLst/>
+      </p:bgPr>
+    </p:bg>
+    <p:spTree>
+      <p:nvGrpSpPr>
+        <p:cNvPr id="1" name=""/>
+        <p:cNvGrpSpPr/>
+        <p:nvPr/>
+      </p:nvGrpSpPr>
+      <p:grpSpPr>
+        <a:xfrm>
+          <a:off x="0" y="0"/>
+          <a:ext cx="0" cy="0"/>
+          <a:chOff x="0" y="0"/>
+          <a:chExt cx="0" cy="0"/>
+        </a:xfrm>
+      </p:grpSpPr>
+      <p:sp>
+        <p:nvSpPr>
+          <p:cNvPr id="31" name="CuadroTexto 30">
+            <a:extLst>
+              <a:ext uri="{FF2B5EF4-FFF2-40B4-BE49-F238E27FC236}">
+                <a16:creationId xmlns:a16="http://schemas.microsoft.com/office/drawing/2014/main" id="{FBF7026D-12F4-4541-8110-DE706094717A}"/>
+              </a:ext>
+            </a:extLst>
+          </p:cNvPr>
+          <p:cNvSpPr txBox="1"/>
+          <p:nvPr/>
+        </p:nvSpPr>
+        <p:spPr>
+          <a:xfrm>
+            <a:off x="484863" y="185392"/>
+            <a:ext cx="3397994" cy="646331"/>
+          </a:xfrm>
+          <a:prstGeom prst="rect">
+            <a:avLst/>
+          </a:prstGeom>
+          <a:noFill/>
+        </p:spPr>
+        <p:txBody>
+          <a:bodyPr wrap="square" rtlCol="0">
+            <a:spAutoFit/>
+          </a:bodyPr>
+          <a:lstStyle/>
+          <a:p>
+            <a:r>
+              <a:rPr lang="en-US" sz="3600" dirty="0" err="1">
+                <a:solidFill>
+                  <a:srgbClr val="53A2D3"/>
+                </a:solidFill>
+              </a:rPr>
+              <a:t>Teoría</a:t>
+            </a:r>
+            <a:endParaRPr lang="en-US" sz="3600" dirty="0">
+              <a:solidFill>
+                <a:srgbClr val="53A2D3"/>
+              </a:solidFill>
+            </a:endParaRPr>
+          </a:p>
+        </p:txBody>
+      </p:sp>
       <p:pic>
         <p:nvPicPr>
-          <p:cNvPr id="3" name="Imagen 2">
-            <a:extLst>
-              <a:ext uri="{FF2B5EF4-FFF2-40B4-BE49-F238E27FC236}">
-                <a16:creationId xmlns:a16="http://schemas.microsoft.com/office/drawing/2014/main" id="{5A053BAB-5B07-4515-A730-99649EA7B7CC}"/>
+          <p:cNvPr id="30" name="Imagen 29">
+            <a:extLst>
+              <a:ext uri="{FF2B5EF4-FFF2-40B4-BE49-F238E27FC236}">
+                <a16:creationId xmlns:a16="http://schemas.microsoft.com/office/drawing/2014/main" id="{11AA3BEE-0DB9-4E5E-97F9-46B38CC019A4}"/>
               </a:ext>
             </a:extLst>
           </p:cNvPr>
@@ -7248,8 +7850,687 @@
         </p:blipFill>
         <p:spPr>
           <a:xfrm>
-            <a:off x="1814512" y="1157287"/>
-            <a:ext cx="8562975" cy="4543425"/>
+            <a:off x="320338" y="3308109"/>
+            <a:ext cx="4785360" cy="2990850"/>
+          </a:xfrm>
+          <a:prstGeom prst="rect">
+            <a:avLst/>
+          </a:prstGeom>
+          <a:effectLst>
+            <a:glow rad="25400">
+              <a:schemeClr val="bg1">
+                <a:alpha val="40000"/>
+              </a:schemeClr>
+            </a:glow>
+          </a:effectLst>
+        </p:spPr>
+      </p:pic>
+      <p:pic>
+        <p:nvPicPr>
+          <p:cNvPr id="33" name="Imagen 32">
+            <a:extLst>
+              <a:ext uri="{FF2B5EF4-FFF2-40B4-BE49-F238E27FC236}">
+                <a16:creationId xmlns:a16="http://schemas.microsoft.com/office/drawing/2014/main" id="{27AF6DC8-BCC6-43A0-ACB8-8E24581FFF99}"/>
+              </a:ext>
+            </a:extLst>
+          </p:cNvPr>
+          <p:cNvPicPr>
+            <a:picLocks noChangeAspect="1"/>
+          </p:cNvPicPr>
+          <p:nvPr/>
+        </p:nvPicPr>
+        <p:blipFill>
+          <a:blip r:embed="rId3"/>
+          <a:stretch>
+            <a:fillRect/>
+          </a:stretch>
+        </p:blipFill>
+        <p:spPr>
+          <a:xfrm>
+            <a:off x="6221148" y="252067"/>
+            <a:ext cx="5485989" cy="2262533"/>
+          </a:xfrm>
+          <a:prstGeom prst="rect">
+            <a:avLst/>
+          </a:prstGeom>
+          <a:effectLst>
+            <a:glow rad="25400">
+              <a:schemeClr val="bg1">
+                <a:alpha val="40000"/>
+              </a:schemeClr>
+            </a:glow>
+          </a:effectLst>
+        </p:spPr>
+      </p:pic>
+      <p:pic>
+        <p:nvPicPr>
+          <p:cNvPr id="2" name="Imagen 1">
+            <a:extLst>
+              <a:ext uri="{FF2B5EF4-FFF2-40B4-BE49-F238E27FC236}">
+                <a16:creationId xmlns:a16="http://schemas.microsoft.com/office/drawing/2014/main" id="{0D177CD9-B958-4BF5-9974-F66D391F7A44}"/>
+              </a:ext>
+            </a:extLst>
+          </p:cNvPr>
+          <p:cNvPicPr>
+            <a:picLocks noChangeAspect="1"/>
+          </p:cNvPicPr>
+          <p:nvPr/>
+        </p:nvPicPr>
+        <p:blipFill>
+          <a:blip r:embed="rId4"/>
+          <a:stretch>
+            <a:fillRect/>
+          </a:stretch>
+        </p:blipFill>
+        <p:spPr>
+          <a:xfrm>
+            <a:off x="6221148" y="3124301"/>
+            <a:ext cx="5491163" cy="3358466"/>
+          </a:xfrm>
+          <a:prstGeom prst="rect">
+            <a:avLst/>
+          </a:prstGeom>
+          <a:effectLst>
+            <a:glow rad="25400">
+              <a:schemeClr val="bg1">
+                <a:alpha val="40000"/>
+              </a:schemeClr>
+            </a:glow>
+          </a:effectLst>
+        </p:spPr>
+      </p:pic>
+      <p:cxnSp>
+        <p:nvCxnSpPr>
+          <p:cNvPr id="34" name="Conector recto de flecha 33">
+            <a:extLst>
+              <a:ext uri="{FF2B5EF4-FFF2-40B4-BE49-F238E27FC236}">
+                <a16:creationId xmlns:a16="http://schemas.microsoft.com/office/drawing/2014/main" id="{FE5B11F8-9635-41F2-BA0B-CF1CE47617E6}"/>
+              </a:ext>
+            </a:extLst>
+          </p:cNvPr>
+          <p:cNvCxnSpPr>
+            <a:cxnSpLocks/>
+            <a:stCxn id="2" idx="0"/>
+            <a:endCxn id="33" idx="2"/>
+          </p:cNvCxnSpPr>
+          <p:nvPr/>
+        </p:nvCxnSpPr>
+        <p:spPr>
+          <a:xfrm flipH="1" flipV="1">
+            <a:off x="8964143" y="2514600"/>
+            <a:ext cx="2587" cy="609701"/>
+          </a:xfrm>
+          <a:prstGeom prst="straightConnector1">
+            <a:avLst/>
+          </a:prstGeom>
+          <a:ln w="12700">
+            <a:solidFill>
+              <a:schemeClr val="bg1"/>
+            </a:solidFill>
+            <a:headEnd type="triangle"/>
+            <a:tailEnd type="triangle"/>
+          </a:ln>
+        </p:spPr>
+        <p:style>
+          <a:lnRef idx="1">
+            <a:schemeClr val="accent1"/>
+          </a:lnRef>
+          <a:fillRef idx="0">
+            <a:schemeClr val="accent1"/>
+          </a:fillRef>
+          <a:effectRef idx="0">
+            <a:schemeClr val="accent1"/>
+          </a:effectRef>
+          <a:fontRef idx="minor">
+            <a:schemeClr val="tx1"/>
+          </a:fontRef>
+        </p:style>
+      </p:cxnSp>
+      <p:sp>
+        <p:nvSpPr>
+          <p:cNvPr id="38" name="CuadroTexto 37">
+            <a:extLst>
+              <a:ext uri="{FF2B5EF4-FFF2-40B4-BE49-F238E27FC236}">
+                <a16:creationId xmlns:a16="http://schemas.microsoft.com/office/drawing/2014/main" id="{E593275B-18D5-4ED5-B785-2CD80B46AC8E}"/>
+              </a:ext>
+            </a:extLst>
+          </p:cNvPr>
+          <p:cNvSpPr txBox="1"/>
+          <p:nvPr/>
+        </p:nvSpPr>
+        <p:spPr>
+          <a:xfrm>
+            <a:off x="8964141" y="2650173"/>
+            <a:ext cx="1758422" cy="338554"/>
+          </a:xfrm>
+          <a:prstGeom prst="rect">
+            <a:avLst/>
+          </a:prstGeom>
+          <a:noFill/>
+        </p:spPr>
+        <p:txBody>
+          <a:bodyPr wrap="square" rtlCol="0">
+            <a:spAutoFit/>
+          </a:bodyPr>
+          <a:lstStyle/>
+          <a:p>
+            <a:r>
+              <a:rPr lang="en-US" sz="1600" dirty="0">
+                <a:solidFill>
+                  <a:schemeClr val="bg1"/>
+                </a:solidFill>
+              </a:rPr>
+              <a:t>reads and interacts</a:t>
+            </a:r>
+          </a:p>
+        </p:txBody>
+      </p:sp>
+      <p:sp>
+        <p:nvSpPr>
+          <p:cNvPr id="39" name="CuadroTexto 38">
+            <a:extLst>
+              <a:ext uri="{FF2B5EF4-FFF2-40B4-BE49-F238E27FC236}">
+                <a16:creationId xmlns:a16="http://schemas.microsoft.com/office/drawing/2014/main" id="{E933C427-2012-4298-BAC7-CF5FE7311DE1}"/>
+              </a:ext>
+            </a:extLst>
+          </p:cNvPr>
+          <p:cNvSpPr txBox="1"/>
+          <p:nvPr/>
+        </p:nvSpPr>
+        <p:spPr>
+          <a:xfrm>
+            <a:off x="5282744" y="4434202"/>
+            <a:ext cx="1376218" cy="369332"/>
+          </a:xfrm>
+          <a:prstGeom prst="rect">
+            <a:avLst/>
+          </a:prstGeom>
+          <a:noFill/>
+        </p:spPr>
+        <p:txBody>
+          <a:bodyPr wrap="square" rtlCol="0">
+            <a:spAutoFit/>
+          </a:bodyPr>
+          <a:lstStyle/>
+          <a:p>
+            <a:r>
+              <a:rPr lang="en-US" dirty="0">
+                <a:solidFill>
+                  <a:schemeClr val="bg1"/>
+                </a:solidFill>
+              </a:rPr>
+              <a:t>calls</a:t>
+            </a:r>
+          </a:p>
+        </p:txBody>
+      </p:sp>
+      <p:cxnSp>
+        <p:nvCxnSpPr>
+          <p:cNvPr id="40" name="Conector recto de flecha 39">
+            <a:extLst>
+              <a:ext uri="{FF2B5EF4-FFF2-40B4-BE49-F238E27FC236}">
+                <a16:creationId xmlns:a16="http://schemas.microsoft.com/office/drawing/2014/main" id="{65ADA00B-B061-4BC6-8BEA-533E11C25C79}"/>
+              </a:ext>
+            </a:extLst>
+          </p:cNvPr>
+          <p:cNvCxnSpPr>
+            <a:cxnSpLocks/>
+            <a:stCxn id="30" idx="3"/>
+            <a:endCxn id="2" idx="1"/>
+          </p:cNvCxnSpPr>
+          <p:nvPr/>
+        </p:nvCxnSpPr>
+        <p:spPr>
+          <a:xfrm>
+            <a:off x="5105698" y="4803534"/>
+            <a:ext cx="1115450" cy="0"/>
+          </a:xfrm>
+          <a:prstGeom prst="straightConnector1">
+            <a:avLst/>
+          </a:prstGeom>
+          <a:ln w="12700">
+            <a:solidFill>
+              <a:schemeClr val="bg1"/>
+            </a:solidFill>
+            <a:tailEnd type="triangle"/>
+          </a:ln>
+        </p:spPr>
+        <p:style>
+          <a:lnRef idx="1">
+            <a:schemeClr val="accent1"/>
+          </a:lnRef>
+          <a:fillRef idx="0">
+            <a:schemeClr val="accent1"/>
+          </a:fillRef>
+          <a:effectRef idx="0">
+            <a:schemeClr val="accent1"/>
+          </a:effectRef>
+          <a:fontRef idx="minor">
+            <a:schemeClr val="tx1"/>
+          </a:fontRef>
+        </p:style>
+      </p:cxnSp>
+    </p:spTree>
+    <p:extLst>
+      <p:ext uri="{BB962C8B-B14F-4D97-AF65-F5344CB8AC3E}">
+        <p14:creationId xmlns:p14="http://schemas.microsoft.com/office/powerpoint/2010/main" val="2070501123"/>
+      </p:ext>
+    </p:extLst>
+  </p:cSld>
+  <p:clrMapOvr>
+    <a:masterClrMapping/>
+  </p:clrMapOvr>
+</p:sld>
+</file>
+
+<file path=ppt/slides/slide24.xml><?xml version="1.0" encoding="utf-8"?>
+<p:sld xmlns:a="http://schemas.openxmlformats.org/drawingml/2006/main" xmlns:r="http://schemas.openxmlformats.org/officeDocument/2006/relationships" xmlns:p="http://schemas.openxmlformats.org/presentationml/2006/main">
+  <p:cSld>
+    <p:bg>
+      <p:bgPr>
+        <a:solidFill>
+          <a:srgbClr val="1E1E1E"/>
+        </a:solidFill>
+        <a:effectLst/>
+      </p:bgPr>
+    </p:bg>
+    <p:spTree>
+      <p:nvGrpSpPr>
+        <p:cNvPr id="1" name=""/>
+        <p:cNvGrpSpPr/>
+        <p:nvPr/>
+      </p:nvGrpSpPr>
+      <p:grpSpPr>
+        <a:xfrm>
+          <a:off x="0" y="0"/>
+          <a:ext cx="0" cy="0"/>
+          <a:chOff x="0" y="0"/>
+          <a:chExt cx="0" cy="0"/>
+        </a:xfrm>
+      </p:grpSpPr>
+      <p:pic>
+        <p:nvPicPr>
+          <p:cNvPr id="7" name="Imagen 6">
+            <a:extLst>
+              <a:ext uri="{FF2B5EF4-FFF2-40B4-BE49-F238E27FC236}">
+                <a16:creationId xmlns:a16="http://schemas.microsoft.com/office/drawing/2014/main" id="{2CFE6195-EA83-4C47-A03F-329D229C5AB7}"/>
+              </a:ext>
+            </a:extLst>
+          </p:cNvPr>
+          <p:cNvPicPr>
+            <a:picLocks noChangeAspect="1"/>
+          </p:cNvPicPr>
+          <p:nvPr/>
+        </p:nvPicPr>
+        <p:blipFill>
+          <a:blip r:embed="rId2"/>
+          <a:stretch>
+            <a:fillRect/>
+          </a:stretch>
+        </p:blipFill>
+        <p:spPr>
+          <a:xfrm>
+            <a:off x="207896" y="2087591"/>
+            <a:ext cx="5179886" cy="4335534"/>
+          </a:xfrm>
+          <a:prstGeom prst="rect">
+            <a:avLst/>
+          </a:prstGeom>
+          <a:effectLst>
+            <a:glow rad="25400">
+              <a:schemeClr val="bg1">
+                <a:alpha val="40000"/>
+              </a:schemeClr>
+            </a:glow>
+          </a:effectLst>
+        </p:spPr>
+      </p:pic>
+      <p:pic>
+        <p:nvPicPr>
+          <p:cNvPr id="11" name="Imagen 10">
+            <a:extLst>
+              <a:ext uri="{FF2B5EF4-FFF2-40B4-BE49-F238E27FC236}">
+                <a16:creationId xmlns:a16="http://schemas.microsoft.com/office/drawing/2014/main" id="{FACE3969-615E-4C45-B56D-19518D2A9CE0}"/>
+              </a:ext>
+            </a:extLst>
+          </p:cNvPr>
+          <p:cNvPicPr>
+            <a:picLocks noChangeAspect="1"/>
+          </p:cNvPicPr>
+          <p:nvPr/>
+        </p:nvPicPr>
+        <p:blipFill>
+          <a:blip r:embed="rId3"/>
+          <a:stretch>
+            <a:fillRect/>
+          </a:stretch>
+        </p:blipFill>
+        <p:spPr>
+          <a:xfrm>
+            <a:off x="6151615" y="1849550"/>
+            <a:ext cx="5830965" cy="4823295"/>
+          </a:xfrm>
+          <a:prstGeom prst="rect">
+            <a:avLst/>
+          </a:prstGeom>
+          <a:effectLst>
+            <a:glow rad="25400">
+              <a:schemeClr val="bg1">
+                <a:alpha val="40000"/>
+              </a:schemeClr>
+            </a:glow>
+          </a:effectLst>
+        </p:spPr>
+      </p:pic>
+      <p:pic>
+        <p:nvPicPr>
+          <p:cNvPr id="13" name="Imagen 12">
+            <a:extLst>
+              <a:ext uri="{FF2B5EF4-FFF2-40B4-BE49-F238E27FC236}">
+                <a16:creationId xmlns:a16="http://schemas.microsoft.com/office/drawing/2014/main" id="{DB69B325-2AFF-4143-A6CE-6A622ECFDFA2}"/>
+              </a:ext>
+            </a:extLst>
+          </p:cNvPr>
+          <p:cNvPicPr>
+            <a:picLocks noChangeAspect="1"/>
+          </p:cNvPicPr>
+          <p:nvPr/>
+        </p:nvPicPr>
+        <p:blipFill>
+          <a:blip r:embed="rId4"/>
+          <a:stretch>
+            <a:fillRect/>
+          </a:stretch>
+        </p:blipFill>
+        <p:spPr>
+          <a:xfrm>
+            <a:off x="6267604" y="433524"/>
+            <a:ext cx="5598986" cy="664286"/>
+          </a:xfrm>
+          <a:prstGeom prst="rect">
+            <a:avLst/>
+          </a:prstGeom>
+          <a:effectLst>
+            <a:glow rad="25400">
+              <a:schemeClr val="bg1">
+                <a:alpha val="40000"/>
+              </a:schemeClr>
+            </a:glow>
+          </a:effectLst>
+        </p:spPr>
+      </p:pic>
+      <p:sp>
+        <p:nvSpPr>
+          <p:cNvPr id="25" name="CuadroTexto 24">
+            <a:extLst>
+              <a:ext uri="{FF2B5EF4-FFF2-40B4-BE49-F238E27FC236}">
+                <a16:creationId xmlns:a16="http://schemas.microsoft.com/office/drawing/2014/main" id="{19C6170D-CFD8-49E4-816C-97EDFBA2B700}"/>
+              </a:ext>
+            </a:extLst>
+          </p:cNvPr>
+          <p:cNvSpPr txBox="1"/>
+          <p:nvPr/>
+        </p:nvSpPr>
+        <p:spPr>
+          <a:xfrm>
+            <a:off x="5407891" y="3891865"/>
+            <a:ext cx="1376218" cy="369332"/>
+          </a:xfrm>
+          <a:prstGeom prst="rect">
+            <a:avLst/>
+          </a:prstGeom>
+          <a:noFill/>
+        </p:spPr>
+        <p:txBody>
+          <a:bodyPr wrap="square" rtlCol="0">
+            <a:spAutoFit/>
+          </a:bodyPr>
+          <a:lstStyle/>
+          <a:p>
+            <a:r>
+              <a:rPr lang="en-US" dirty="0">
+                <a:solidFill>
+                  <a:schemeClr val="bg1"/>
+                </a:solidFill>
+              </a:rPr>
+              <a:t>calls</a:t>
+            </a:r>
+          </a:p>
+        </p:txBody>
+      </p:sp>
+      <p:cxnSp>
+        <p:nvCxnSpPr>
+          <p:cNvPr id="26" name="Conector recto de flecha 25">
+            <a:extLst>
+              <a:ext uri="{FF2B5EF4-FFF2-40B4-BE49-F238E27FC236}">
+                <a16:creationId xmlns:a16="http://schemas.microsoft.com/office/drawing/2014/main" id="{76AE51E0-8D6F-4932-8634-0B5B6F4E744C}"/>
+              </a:ext>
+            </a:extLst>
+          </p:cNvPr>
+          <p:cNvCxnSpPr>
+            <a:cxnSpLocks/>
+            <a:stCxn id="7" idx="3"/>
+            <a:endCxn id="11" idx="1"/>
+          </p:cNvCxnSpPr>
+          <p:nvPr/>
+        </p:nvCxnSpPr>
+        <p:spPr>
+          <a:xfrm>
+            <a:off x="5387782" y="4255358"/>
+            <a:ext cx="763833" cy="5840"/>
+          </a:xfrm>
+          <a:prstGeom prst="straightConnector1">
+            <a:avLst/>
+          </a:prstGeom>
+          <a:ln w="12700">
+            <a:solidFill>
+              <a:schemeClr val="bg1"/>
+            </a:solidFill>
+            <a:tailEnd type="triangle"/>
+          </a:ln>
+        </p:spPr>
+        <p:style>
+          <a:lnRef idx="1">
+            <a:schemeClr val="accent1"/>
+          </a:lnRef>
+          <a:fillRef idx="0">
+            <a:schemeClr val="accent1"/>
+          </a:fillRef>
+          <a:effectRef idx="0">
+            <a:schemeClr val="accent1"/>
+          </a:effectRef>
+          <a:fontRef idx="minor">
+            <a:schemeClr val="tx1"/>
+          </a:fontRef>
+        </p:style>
+      </p:cxnSp>
+      <p:cxnSp>
+        <p:nvCxnSpPr>
+          <p:cNvPr id="29" name="Conector recto de flecha 28">
+            <a:extLst>
+              <a:ext uri="{FF2B5EF4-FFF2-40B4-BE49-F238E27FC236}">
+                <a16:creationId xmlns:a16="http://schemas.microsoft.com/office/drawing/2014/main" id="{03CB87ED-D98B-4404-8865-52F51E0F0D1A}"/>
+              </a:ext>
+            </a:extLst>
+          </p:cNvPr>
+          <p:cNvCxnSpPr>
+            <a:cxnSpLocks/>
+            <a:stCxn id="11" idx="0"/>
+            <a:endCxn id="13" idx="2"/>
+          </p:cNvCxnSpPr>
+          <p:nvPr/>
+        </p:nvCxnSpPr>
+        <p:spPr>
+          <a:xfrm flipH="1" flipV="1">
+            <a:off x="9067097" y="1097810"/>
+            <a:ext cx="1" cy="751740"/>
+          </a:xfrm>
+          <a:prstGeom prst="straightConnector1">
+            <a:avLst/>
+          </a:prstGeom>
+          <a:ln w="12700">
+            <a:solidFill>
+              <a:schemeClr val="bg1"/>
+            </a:solidFill>
+            <a:headEnd type="triangle"/>
+            <a:tailEnd type="triangle"/>
+          </a:ln>
+        </p:spPr>
+        <p:style>
+          <a:lnRef idx="1">
+            <a:schemeClr val="accent1"/>
+          </a:lnRef>
+          <a:fillRef idx="0">
+            <a:schemeClr val="accent1"/>
+          </a:fillRef>
+          <a:effectRef idx="0">
+            <a:schemeClr val="accent1"/>
+          </a:effectRef>
+          <a:fontRef idx="minor">
+            <a:schemeClr val="tx1"/>
+          </a:fontRef>
+        </p:style>
+      </p:cxnSp>
+      <p:sp>
+        <p:nvSpPr>
+          <p:cNvPr id="30" name="CuadroTexto 29">
+            <a:extLst>
+              <a:ext uri="{FF2B5EF4-FFF2-40B4-BE49-F238E27FC236}">
+                <a16:creationId xmlns:a16="http://schemas.microsoft.com/office/drawing/2014/main" id="{97B5AC85-396E-4BE9-9E35-EC6CFF814F96}"/>
+              </a:ext>
+            </a:extLst>
+          </p:cNvPr>
+          <p:cNvSpPr txBox="1"/>
+          <p:nvPr/>
+        </p:nvSpPr>
+        <p:spPr>
+          <a:xfrm>
+            <a:off x="9067097" y="1304403"/>
+            <a:ext cx="1758422" cy="338554"/>
+          </a:xfrm>
+          <a:prstGeom prst="rect">
+            <a:avLst/>
+          </a:prstGeom>
+          <a:noFill/>
+        </p:spPr>
+        <p:txBody>
+          <a:bodyPr wrap="square" rtlCol="0">
+            <a:spAutoFit/>
+          </a:bodyPr>
+          <a:lstStyle/>
+          <a:p>
+            <a:r>
+              <a:rPr lang="en-US" sz="1600" dirty="0">
+                <a:solidFill>
+                  <a:schemeClr val="bg1"/>
+                </a:solidFill>
+              </a:rPr>
+              <a:t>reads and interacts</a:t>
+            </a:r>
+          </a:p>
+        </p:txBody>
+      </p:sp>
+      <p:sp>
+        <p:nvSpPr>
+          <p:cNvPr id="36" name="CuadroTexto 35">
+            <a:extLst>
+              <a:ext uri="{FF2B5EF4-FFF2-40B4-BE49-F238E27FC236}">
+                <a16:creationId xmlns:a16="http://schemas.microsoft.com/office/drawing/2014/main" id="{8D5F8848-69CC-474A-8B0C-8685958FFF9D}"/>
+              </a:ext>
+            </a:extLst>
+          </p:cNvPr>
+          <p:cNvSpPr txBox="1"/>
+          <p:nvPr/>
+        </p:nvSpPr>
+        <p:spPr>
+          <a:xfrm>
+            <a:off x="361700" y="215130"/>
+            <a:ext cx="3397994" cy="646331"/>
+          </a:xfrm>
+          <a:prstGeom prst="rect">
+            <a:avLst/>
+          </a:prstGeom>
+          <a:noFill/>
+        </p:spPr>
+        <p:txBody>
+          <a:bodyPr wrap="square" rtlCol="0">
+            <a:spAutoFit/>
+          </a:bodyPr>
+          <a:lstStyle/>
+          <a:p>
+            <a:r>
+              <a:rPr lang="en-US" sz="3600" dirty="0">
+                <a:solidFill>
+                  <a:srgbClr val="53A2D3"/>
+                </a:solidFill>
+              </a:rPr>
+              <a:t>Mundo real</a:t>
+            </a:r>
+          </a:p>
+        </p:txBody>
+      </p:sp>
+    </p:spTree>
+    <p:extLst>
+      <p:ext uri="{BB962C8B-B14F-4D97-AF65-F5344CB8AC3E}">
+        <p14:creationId xmlns:p14="http://schemas.microsoft.com/office/powerpoint/2010/main" val="181309968"/>
+      </p:ext>
+    </p:extLst>
+  </p:cSld>
+  <p:clrMapOvr>
+    <a:masterClrMapping/>
+  </p:clrMapOvr>
+</p:sld>
+</file>
+
+<file path=ppt/slides/slide25.xml><?xml version="1.0" encoding="utf-8"?>
+<p:sld xmlns:a="http://schemas.openxmlformats.org/drawingml/2006/main" xmlns:r="http://schemas.openxmlformats.org/officeDocument/2006/relationships" xmlns:p="http://schemas.openxmlformats.org/presentationml/2006/main">
+  <p:cSld>
+    <p:bg>
+      <p:bgPr>
+        <a:solidFill>
+          <a:schemeClr val="bg1"/>
+        </a:solidFill>
+        <a:effectLst/>
+      </p:bgPr>
+    </p:bg>
+    <p:spTree>
+      <p:nvGrpSpPr>
+        <p:cNvPr id="1" name=""/>
+        <p:cNvGrpSpPr/>
+        <p:nvPr/>
+      </p:nvGrpSpPr>
+      <p:grpSpPr>
+        <a:xfrm>
+          <a:off x="0" y="0"/>
+          <a:ext cx="0" cy="0"/>
+          <a:chOff x="0" y="0"/>
+          <a:chExt cx="0" cy="0"/>
+        </a:xfrm>
+      </p:grpSpPr>
+      <p:pic>
+        <p:nvPicPr>
+          <p:cNvPr id="3" name="Imagen 2" descr="Captura de pantalla de un celular&#10;&#10;Descripción generada automáticamente">
+            <a:extLst>
+              <a:ext uri="{FF2B5EF4-FFF2-40B4-BE49-F238E27FC236}">
+                <a16:creationId xmlns:a16="http://schemas.microsoft.com/office/drawing/2014/main" id="{5A053BAB-5B07-4515-A730-99649EA7B7CC}"/>
+              </a:ext>
+            </a:extLst>
+          </p:cNvPr>
+          <p:cNvPicPr>
+            <a:picLocks noChangeAspect="1"/>
+          </p:cNvPicPr>
+          <p:nvPr/>
+        </p:nvPicPr>
+        <p:blipFill>
+          <a:blip r:embed="rId2"/>
+          <a:stretch>
+            <a:fillRect/>
+          </a:stretch>
+        </p:blipFill>
+        <p:spPr>
+          <a:xfrm>
+            <a:off x="840277" y="643467"/>
+            <a:ext cx="10511445" cy="5571066"/>
           </a:xfrm>
           <a:prstGeom prst="rect">
             <a:avLst/>

--- a/slides/Patrones de diseño con Typescript en el mundo real.pptx
+++ b/slides/Patrones de diseño con Typescript en el mundo real.pptx
@@ -15,24 +15,27 @@
     <p:sldId id="261" r:id="rId9"/>
     <p:sldId id="264" r:id="rId10"/>
     <p:sldId id="265" r:id="rId11"/>
-    <p:sldId id="267" r:id="rId12"/>
-    <p:sldId id="269" r:id="rId13"/>
-    <p:sldId id="268" r:id="rId14"/>
-    <p:sldId id="270" r:id="rId15"/>
-    <p:sldId id="271" r:id="rId16"/>
-    <p:sldId id="281" r:id="rId17"/>
-    <p:sldId id="282" r:id="rId18"/>
-    <p:sldId id="283" r:id="rId19"/>
-    <p:sldId id="284" r:id="rId20"/>
-    <p:sldId id="272" r:id="rId21"/>
-    <p:sldId id="273" r:id="rId22"/>
-    <p:sldId id="274" r:id="rId23"/>
-    <p:sldId id="275" r:id="rId24"/>
-    <p:sldId id="276" r:id="rId25"/>
-    <p:sldId id="277" r:id="rId26"/>
-    <p:sldId id="278" r:id="rId27"/>
-    <p:sldId id="279" r:id="rId28"/>
-    <p:sldId id="280" r:id="rId29"/>
+    <p:sldId id="288" r:id="rId12"/>
+    <p:sldId id="289" r:id="rId13"/>
+    <p:sldId id="290" r:id="rId14"/>
+    <p:sldId id="267" r:id="rId15"/>
+    <p:sldId id="269" r:id="rId16"/>
+    <p:sldId id="268" r:id="rId17"/>
+    <p:sldId id="270" r:id="rId18"/>
+    <p:sldId id="271" r:id="rId19"/>
+    <p:sldId id="281" r:id="rId20"/>
+    <p:sldId id="282" r:id="rId21"/>
+    <p:sldId id="283" r:id="rId22"/>
+    <p:sldId id="284" r:id="rId23"/>
+    <p:sldId id="272" r:id="rId24"/>
+    <p:sldId id="273" r:id="rId25"/>
+    <p:sldId id="274" r:id="rId26"/>
+    <p:sldId id="275" r:id="rId27"/>
+    <p:sldId id="276" r:id="rId28"/>
+    <p:sldId id="277" r:id="rId29"/>
+    <p:sldId id="278" r:id="rId30"/>
+    <p:sldId id="279" r:id="rId31"/>
+    <p:sldId id="280" r:id="rId32"/>
   </p:sldIdLst>
   <p:sldSz cx="12192000" cy="6858000"/>
   <p:notesSz cx="6858000" cy="9144000"/>
@@ -4187,7 +4190,7 @@
           <p:cNvPr id="2" name="Título 1">
             <a:extLst>
               <a:ext uri="{FF2B5EF4-FFF2-40B4-BE49-F238E27FC236}">
-                <a16:creationId xmlns:a16="http://schemas.microsoft.com/office/drawing/2014/main" id="{73A2909B-13B3-4614-9321-16AF10F4286A}"/>
+                <a16:creationId xmlns:a16="http://schemas.microsoft.com/office/drawing/2014/main" id="{51E579E3-4D4D-4391-A4DB-77F6C6DD84BE}"/>
               </a:ext>
             </a:extLst>
           </p:cNvPr>
@@ -4200,7 +4203,7 @@
         </p:nvSpPr>
         <p:spPr>
           <a:xfrm>
-            <a:off x="838200" y="2103437"/>
+            <a:off x="900344" y="2766218"/>
             <a:ext cx="10515600" cy="1325563"/>
           </a:xfrm>
         </p:spPr>
@@ -4209,16 +4212,40 @@
           <a:lstStyle/>
           <a:p>
             <a:r>
-              <a:rPr lang="en-US" dirty="0"/>
-              <a:t>Structural Patterns</a:t>
-            </a:r>
+              <a:rPr lang="es-ES" dirty="0" err="1">
+                <a:solidFill>
+                  <a:srgbClr val="000000"/>
+                </a:solidFill>
+                <a:latin typeface="Calibri" panose="020F0502020204030204" pitchFamily="34" charset="0"/>
+              </a:rPr>
+              <a:t>Prototype</a:t>
+            </a:r>
+            <a:r>
+              <a:rPr lang="es-ES" dirty="0">
+                <a:solidFill>
+                  <a:srgbClr val="000000"/>
+                </a:solidFill>
+                <a:latin typeface="Calibri" panose="020F0502020204030204" pitchFamily="34" charset="0"/>
+              </a:rPr>
+              <a:t> </a:t>
+            </a:r>
+            <a:r>
+              <a:rPr lang="es-ES" dirty="0" err="1">
+                <a:solidFill>
+                  <a:srgbClr val="000000"/>
+                </a:solidFill>
+                <a:latin typeface="Calibri" panose="020F0502020204030204" pitchFamily="34" charset="0"/>
+              </a:rPr>
+              <a:t>pattern</a:t>
+            </a:r>
+            <a:endParaRPr lang="en-US" dirty="0"/>
           </a:p>
         </p:txBody>
       </p:sp>
     </p:spTree>
     <p:extLst>
       <p:ext uri="{BB962C8B-B14F-4D97-AF65-F5344CB8AC3E}">
-        <p14:creationId xmlns:p14="http://schemas.microsoft.com/office/powerpoint/2010/main" val="3577003569"/>
+        <p14:creationId xmlns:p14="http://schemas.microsoft.com/office/powerpoint/2010/main" val="1183391306"/>
       </p:ext>
     </p:extLst>
   </p:cSld>
@@ -4231,6 +4258,14 @@
 <file path=ppt/slides/slide12.xml><?xml version="1.0" encoding="utf-8"?>
 <p:sld xmlns:a="http://schemas.openxmlformats.org/drawingml/2006/main" xmlns:r="http://schemas.openxmlformats.org/officeDocument/2006/relationships" xmlns:p="http://schemas.openxmlformats.org/presentationml/2006/main">
   <p:cSld>
+    <p:bg>
+      <p:bgPr>
+        <a:solidFill>
+          <a:srgbClr val="1E1E1E"/>
+        </a:solidFill>
+        <a:effectLst/>
+      </p:bgPr>
+    </p:bg>
     <p:spTree>
       <p:nvGrpSpPr>
         <p:cNvPr id="1" name=""/>
@@ -4247,65 +4282,287 @@
       </p:grpSpPr>
       <p:sp>
         <p:nvSpPr>
-          <p:cNvPr id="2" name="Título 1">
-            <a:extLst>
-              <a:ext uri="{FF2B5EF4-FFF2-40B4-BE49-F238E27FC236}">
-                <a16:creationId xmlns:a16="http://schemas.microsoft.com/office/drawing/2014/main" id="{51E579E3-4D4D-4391-A4DB-77F6C6DD84BE}"/>
-              </a:ext>
-            </a:extLst>
-          </p:cNvPr>
-          <p:cNvSpPr>
-            <a:spLocks noGrp="1"/>
-          </p:cNvSpPr>
-          <p:nvPr>
-            <p:ph type="title"/>
-          </p:nvPr>
-        </p:nvSpPr>
-        <p:spPr>
-          <a:xfrm>
-            <a:off x="900344" y="2766218"/>
-            <a:ext cx="10515600" cy="1325563"/>
-          </a:xfrm>
-        </p:spPr>
-        <p:txBody>
-          <a:bodyPr/>
-          <a:lstStyle/>
-          <a:p>
-            <a:r>
-              <a:rPr lang="es-ES" dirty="0" err="1">
+          <p:cNvPr id="31" name="CuadroTexto 30">
+            <a:extLst>
+              <a:ext uri="{FF2B5EF4-FFF2-40B4-BE49-F238E27FC236}">
+                <a16:creationId xmlns:a16="http://schemas.microsoft.com/office/drawing/2014/main" id="{FBF7026D-12F4-4541-8110-DE706094717A}"/>
+              </a:ext>
+            </a:extLst>
+          </p:cNvPr>
+          <p:cNvSpPr txBox="1"/>
+          <p:nvPr/>
+        </p:nvSpPr>
+        <p:spPr>
+          <a:xfrm>
+            <a:off x="484863" y="185392"/>
+            <a:ext cx="3397994" cy="646331"/>
+          </a:xfrm>
+          <a:prstGeom prst="rect">
+            <a:avLst/>
+          </a:prstGeom>
+          <a:noFill/>
+        </p:spPr>
+        <p:txBody>
+          <a:bodyPr wrap="square" rtlCol="0">
+            <a:spAutoFit/>
+          </a:bodyPr>
+          <a:lstStyle/>
+          <a:p>
+            <a:r>
+              <a:rPr lang="en-US" sz="3600" dirty="0" err="1">
                 <a:solidFill>
-                  <a:srgbClr val="000000"/>
+                  <a:srgbClr val="53A2D3"/>
                 </a:solidFill>
-                <a:latin typeface="Calibri" panose="020F0502020204030204" pitchFamily="34" charset="0"/>
               </a:rPr>
-              <a:t>Facade</a:t>
-            </a:r>
-            <a:r>
-              <a:rPr lang="es-ES" dirty="0">
+              <a:t>Teoría</a:t>
+            </a:r>
+            <a:endParaRPr lang="en-US" sz="3600" dirty="0">
+              <a:solidFill>
+                <a:srgbClr val="53A2D3"/>
+              </a:solidFill>
+            </a:endParaRPr>
+          </a:p>
+        </p:txBody>
+      </p:sp>
+      <p:cxnSp>
+        <p:nvCxnSpPr>
+          <p:cNvPr id="20" name="Conector recto de flecha 19">
+            <a:extLst>
+              <a:ext uri="{FF2B5EF4-FFF2-40B4-BE49-F238E27FC236}">
+                <a16:creationId xmlns:a16="http://schemas.microsoft.com/office/drawing/2014/main" id="{F997FF03-78E2-475B-B07A-87C1CDBA1577}"/>
+              </a:ext>
+            </a:extLst>
+          </p:cNvPr>
+          <p:cNvCxnSpPr>
+            <a:cxnSpLocks/>
+            <a:stCxn id="23" idx="3"/>
+            <a:endCxn id="22" idx="1"/>
+          </p:cNvCxnSpPr>
+          <p:nvPr/>
+        </p:nvCxnSpPr>
+        <p:spPr>
+          <a:xfrm flipV="1">
+            <a:off x="6811152" y="2274299"/>
+            <a:ext cx="1467684" cy="1"/>
+          </a:xfrm>
+          <a:prstGeom prst="straightConnector1">
+            <a:avLst/>
+          </a:prstGeom>
+          <a:ln w="12700">
+            <a:solidFill>
+              <a:schemeClr val="bg1"/>
+            </a:solidFill>
+            <a:tailEnd type="triangle"/>
+          </a:ln>
+        </p:spPr>
+        <p:style>
+          <a:lnRef idx="1">
+            <a:schemeClr val="accent1"/>
+          </a:lnRef>
+          <a:fillRef idx="0">
+            <a:schemeClr val="accent1"/>
+          </a:fillRef>
+          <a:effectRef idx="0">
+            <a:schemeClr val="accent1"/>
+          </a:effectRef>
+          <a:fontRef idx="minor">
+            <a:schemeClr val="tx1"/>
+          </a:fontRef>
+        </p:style>
+      </p:cxnSp>
+      <p:sp>
+        <p:nvSpPr>
+          <p:cNvPr id="21" name="CuadroTexto 20">
+            <a:extLst>
+              <a:ext uri="{FF2B5EF4-FFF2-40B4-BE49-F238E27FC236}">
+                <a16:creationId xmlns:a16="http://schemas.microsoft.com/office/drawing/2014/main" id="{C81C347E-67B0-4105-8C3A-4C6F49E9A6A6}"/>
+              </a:ext>
+            </a:extLst>
+          </p:cNvPr>
+          <p:cNvSpPr txBox="1"/>
+          <p:nvPr/>
+        </p:nvSpPr>
+        <p:spPr>
+          <a:xfrm>
+            <a:off x="6902618" y="1935745"/>
+            <a:ext cx="1376218" cy="338554"/>
+          </a:xfrm>
+          <a:prstGeom prst="rect">
+            <a:avLst/>
+          </a:prstGeom>
+          <a:noFill/>
+        </p:spPr>
+        <p:txBody>
+          <a:bodyPr wrap="square" rtlCol="0">
+            <a:spAutoFit/>
+          </a:bodyPr>
+          <a:lstStyle/>
+          <a:p>
+            <a:r>
+              <a:rPr lang="en-US" sz="1600" dirty="0">
                 <a:solidFill>
-                  <a:srgbClr val="000000"/>
+                  <a:schemeClr val="bg1"/>
                 </a:solidFill>
-                <a:latin typeface="Calibri" panose="020F0502020204030204" pitchFamily="34" charset="0"/>
               </a:rPr>
-              <a:t> </a:t>
-            </a:r>
-            <a:r>
-              <a:rPr lang="es-ES" dirty="0" err="1">
+              <a:t>implements</a:t>
+            </a:r>
+          </a:p>
+        </p:txBody>
+      </p:sp>
+      <p:pic>
+        <p:nvPicPr>
+          <p:cNvPr id="22" name="Picture 4">
+            <a:extLst>
+              <a:ext uri="{FF2B5EF4-FFF2-40B4-BE49-F238E27FC236}">
+                <a16:creationId xmlns:a16="http://schemas.microsoft.com/office/drawing/2014/main" id="{C6231FFC-22DB-4180-9C05-2486AFEDAD91}"/>
+              </a:ext>
+            </a:extLst>
+          </p:cNvPr>
+          <p:cNvPicPr>
+            <a:picLocks noChangeAspect="1"/>
+          </p:cNvPicPr>
+          <p:nvPr/>
+        </p:nvPicPr>
+        <p:blipFill>
+          <a:blip r:embed="rId2"/>
+          <a:stretch>
+            <a:fillRect/>
+          </a:stretch>
+        </p:blipFill>
+        <p:spPr>
+          <a:xfrm>
+            <a:off x="8278836" y="1817099"/>
+            <a:ext cx="2771775" cy="914400"/>
+          </a:xfrm>
+          <a:prstGeom prst="rect">
+            <a:avLst/>
+          </a:prstGeom>
+          <a:effectLst>
+            <a:glow rad="25400">
+              <a:schemeClr val="bg1">
+                <a:alpha val="40000"/>
+              </a:schemeClr>
+            </a:glow>
+          </a:effectLst>
+        </p:spPr>
+      </p:pic>
+      <p:pic>
+        <p:nvPicPr>
+          <p:cNvPr id="23" name="Picture 5">
+            <a:extLst>
+              <a:ext uri="{FF2B5EF4-FFF2-40B4-BE49-F238E27FC236}">
+                <a16:creationId xmlns:a16="http://schemas.microsoft.com/office/drawing/2014/main" id="{EEF58FB7-9836-43FC-A588-DC026507F8D2}"/>
+              </a:ext>
+            </a:extLst>
+          </p:cNvPr>
+          <p:cNvPicPr>
+            <a:picLocks noChangeAspect="1"/>
+          </p:cNvPicPr>
+          <p:nvPr/>
+        </p:nvPicPr>
+        <p:blipFill>
+          <a:blip r:embed="rId3"/>
+          <a:stretch>
+            <a:fillRect/>
+          </a:stretch>
+        </p:blipFill>
+        <p:spPr>
+          <a:xfrm>
+            <a:off x="553227" y="1164637"/>
+            <a:ext cx="6257925" cy="2219325"/>
+          </a:xfrm>
+          <a:prstGeom prst="rect">
+            <a:avLst/>
+          </a:prstGeom>
+          <a:effectLst>
+            <a:glow rad="25400">
+              <a:schemeClr val="bg1">
+                <a:alpha val="40000"/>
+              </a:schemeClr>
+            </a:glow>
+          </a:effectLst>
+        </p:spPr>
+      </p:pic>
+      <p:pic>
+        <p:nvPicPr>
+          <p:cNvPr id="24" name="Picture 6">
+            <a:extLst>
+              <a:ext uri="{FF2B5EF4-FFF2-40B4-BE49-F238E27FC236}">
+                <a16:creationId xmlns:a16="http://schemas.microsoft.com/office/drawing/2014/main" id="{D811E764-2C84-448B-9C88-5FE7690C093D}"/>
+              </a:ext>
+            </a:extLst>
+          </p:cNvPr>
+          <p:cNvPicPr>
+            <a:picLocks noChangeAspect="1"/>
+          </p:cNvPicPr>
+          <p:nvPr/>
+        </p:nvPicPr>
+        <p:blipFill>
+          <a:blip r:embed="rId4"/>
+          <a:stretch>
+            <a:fillRect/>
+          </a:stretch>
+        </p:blipFill>
+        <p:spPr>
+          <a:xfrm>
+            <a:off x="553227" y="4437582"/>
+            <a:ext cx="4953000" cy="2047875"/>
+          </a:xfrm>
+          <a:prstGeom prst="rect">
+            <a:avLst/>
+          </a:prstGeom>
+          <a:effectLst>
+            <a:glow rad="25400">
+              <a:schemeClr val="bg1">
+                <a:alpha val="40000"/>
+              </a:schemeClr>
+            </a:glow>
+          </a:effectLst>
+        </p:spPr>
+      </p:pic>
+      <p:sp>
+        <p:nvSpPr>
+          <p:cNvPr id="25" name="CuadroTexto 24">
+            <a:extLst>
+              <a:ext uri="{FF2B5EF4-FFF2-40B4-BE49-F238E27FC236}">
+                <a16:creationId xmlns:a16="http://schemas.microsoft.com/office/drawing/2014/main" id="{FB7F2B11-9F05-44E6-AB4C-03D6D2FB1DC1}"/>
+              </a:ext>
+            </a:extLst>
+          </p:cNvPr>
+          <p:cNvSpPr txBox="1"/>
+          <p:nvPr/>
+        </p:nvSpPr>
+        <p:spPr>
+          <a:xfrm>
+            <a:off x="484863" y="4020639"/>
+            <a:ext cx="1376218" cy="338554"/>
+          </a:xfrm>
+          <a:prstGeom prst="rect">
+            <a:avLst/>
+          </a:prstGeom>
+          <a:noFill/>
+        </p:spPr>
+        <p:txBody>
+          <a:bodyPr wrap="square" rtlCol="0">
+            <a:spAutoFit/>
+          </a:bodyPr>
+          <a:lstStyle/>
+          <a:p>
+            <a:r>
+              <a:rPr lang="en-US" sz="1600" dirty="0">
                 <a:solidFill>
-                  <a:srgbClr val="000000"/>
+                  <a:schemeClr val="bg1"/>
                 </a:solidFill>
-                <a:latin typeface="Calibri" panose="020F0502020204030204" pitchFamily="34" charset="0"/>
               </a:rPr>
-              <a:t>pattern</a:t>
-            </a:r>
-            <a:endParaRPr lang="en-US" dirty="0"/>
+              <a:t>Usage:</a:t>
+            </a:r>
           </a:p>
         </p:txBody>
       </p:sp>
     </p:spTree>
     <p:extLst>
       <p:ext uri="{BB962C8B-B14F-4D97-AF65-F5344CB8AC3E}">
-        <p14:creationId xmlns:p14="http://schemas.microsoft.com/office/powerpoint/2010/main" val="4060908076"/>
+        <p14:creationId xmlns:p14="http://schemas.microsoft.com/office/powerpoint/2010/main" val="1426268195"/>
       </p:ext>
     </p:extLst>
   </p:cSld>
@@ -4340,26 +4597,138 @@
           <a:chExt cx="0" cy="0"/>
         </a:xfrm>
       </p:grpSpPr>
+      <p:sp>
+        <p:nvSpPr>
+          <p:cNvPr id="17" name="CuadroTexto 16">
+            <a:extLst>
+              <a:ext uri="{FF2B5EF4-FFF2-40B4-BE49-F238E27FC236}">
+                <a16:creationId xmlns:a16="http://schemas.microsoft.com/office/drawing/2014/main" id="{5C456F47-1C52-4FA5-A369-2F5203D67ABD}"/>
+              </a:ext>
+            </a:extLst>
+          </p:cNvPr>
+          <p:cNvSpPr txBox="1"/>
+          <p:nvPr/>
+        </p:nvSpPr>
+        <p:spPr>
+          <a:xfrm>
+            <a:off x="361700" y="215130"/>
+            <a:ext cx="3397994" cy="646331"/>
+          </a:xfrm>
+          <a:prstGeom prst="rect">
+            <a:avLst/>
+          </a:prstGeom>
+          <a:noFill/>
+        </p:spPr>
+        <p:txBody>
+          <a:bodyPr wrap="square" rtlCol="0">
+            <a:spAutoFit/>
+          </a:bodyPr>
+          <a:lstStyle/>
+          <a:p>
+            <a:r>
+              <a:rPr lang="en-US" sz="3600" dirty="0">
+                <a:solidFill>
+                  <a:srgbClr val="53A2D3"/>
+                </a:solidFill>
+              </a:rPr>
+              <a:t>Mundo real</a:t>
+            </a:r>
+          </a:p>
+        </p:txBody>
+      </p:sp>
+      <p:pic>
+        <p:nvPicPr>
+          <p:cNvPr id="23" name="Picture 1">
+            <a:extLst>
+              <a:ext uri="{FF2B5EF4-FFF2-40B4-BE49-F238E27FC236}">
+                <a16:creationId xmlns:a16="http://schemas.microsoft.com/office/drawing/2014/main" id="{EC5E936D-10EC-41BD-A638-95D3D53D70A9}"/>
+              </a:ext>
+            </a:extLst>
+          </p:cNvPr>
+          <p:cNvPicPr>
+            <a:picLocks noChangeAspect="1"/>
+          </p:cNvPicPr>
+          <p:nvPr/>
+        </p:nvPicPr>
+        <p:blipFill>
+          <a:blip r:embed="rId2"/>
+          <a:stretch>
+            <a:fillRect/>
+          </a:stretch>
+        </p:blipFill>
+        <p:spPr>
+          <a:xfrm>
+            <a:off x="301344" y="2229489"/>
+            <a:ext cx="6138711" cy="2236584"/>
+          </a:xfrm>
+          <a:prstGeom prst="rect">
+            <a:avLst/>
+          </a:prstGeom>
+          <a:effectLst>
+            <a:glow rad="25400">
+              <a:schemeClr val="bg1">
+                <a:alpha val="40000"/>
+              </a:schemeClr>
+            </a:glow>
+          </a:effectLst>
+        </p:spPr>
+      </p:pic>
+      <p:pic>
+        <p:nvPicPr>
+          <p:cNvPr id="25" name="Picture 4">
+            <a:extLst>
+              <a:ext uri="{FF2B5EF4-FFF2-40B4-BE49-F238E27FC236}">
+                <a16:creationId xmlns:a16="http://schemas.microsoft.com/office/drawing/2014/main" id="{5F3BB7F9-F8D8-434A-A8B9-CFD7470256F5}"/>
+              </a:ext>
+            </a:extLst>
+          </p:cNvPr>
+          <p:cNvPicPr>
+            <a:picLocks noChangeAspect="1"/>
+          </p:cNvPicPr>
+          <p:nvPr/>
+        </p:nvPicPr>
+        <p:blipFill>
+          <a:blip r:embed="rId3"/>
+          <a:stretch>
+            <a:fillRect/>
+          </a:stretch>
+        </p:blipFill>
+        <p:spPr>
+          <a:xfrm>
+            <a:off x="7751472" y="315471"/>
+            <a:ext cx="4078828" cy="6227058"/>
+          </a:xfrm>
+          <a:prstGeom prst="rect">
+            <a:avLst/>
+          </a:prstGeom>
+          <a:effectLst>
+            <a:glow rad="25400">
+              <a:schemeClr val="bg1">
+                <a:alpha val="40000"/>
+              </a:schemeClr>
+            </a:glow>
+          </a:effectLst>
+        </p:spPr>
+      </p:pic>
       <p:cxnSp>
         <p:nvCxnSpPr>
-          <p:cNvPr id="12" name="Conector recto de flecha 11">
-            <a:extLst>
-              <a:ext uri="{FF2B5EF4-FFF2-40B4-BE49-F238E27FC236}">
-                <a16:creationId xmlns:a16="http://schemas.microsoft.com/office/drawing/2014/main" id="{864C9DE1-4B25-4E8D-BACD-990C6B3F64E1}"/>
+          <p:cNvPr id="26" name="Conector recto de flecha 25">
+            <a:extLst>
+              <a:ext uri="{FF2B5EF4-FFF2-40B4-BE49-F238E27FC236}">
+                <a16:creationId xmlns:a16="http://schemas.microsoft.com/office/drawing/2014/main" id="{AE494DAB-36B0-4D77-B105-F28157E2B4B8}"/>
               </a:ext>
             </a:extLst>
           </p:cNvPr>
           <p:cNvCxnSpPr>
             <a:cxnSpLocks/>
-            <a:stCxn id="6" idx="3"/>
-            <a:endCxn id="5" idx="1"/>
+            <a:stCxn id="23" idx="3"/>
           </p:cNvCxnSpPr>
           <p:nvPr/>
         </p:nvCxnSpPr>
         <p:spPr>
-          <a:xfrm>
-            <a:off x="3253682" y="2955333"/>
-            <a:ext cx="608928" cy="0"/>
+          <a:xfrm flipV="1">
+            <a:off x="6440055" y="2313489"/>
+            <a:ext cx="1361799" cy="1034292"/>
           </a:xfrm>
           <a:prstGeom prst="straightConnector1">
             <a:avLst/>
@@ -4386,294 +4755,25 @@
           </a:fontRef>
         </p:style>
       </p:cxnSp>
-      <p:sp>
-        <p:nvSpPr>
-          <p:cNvPr id="14" name="CuadroTexto 13">
-            <a:extLst>
-              <a:ext uri="{FF2B5EF4-FFF2-40B4-BE49-F238E27FC236}">
-                <a16:creationId xmlns:a16="http://schemas.microsoft.com/office/drawing/2014/main" id="{B8579608-CD71-4529-A8DF-5564C1172DAC}"/>
-              </a:ext>
-            </a:extLst>
-          </p:cNvPr>
-          <p:cNvSpPr txBox="1"/>
-          <p:nvPr/>
-        </p:nvSpPr>
-        <p:spPr>
-          <a:xfrm>
-            <a:off x="3253682" y="2583238"/>
-            <a:ext cx="1376218" cy="369332"/>
-          </a:xfrm>
-          <a:prstGeom prst="rect">
-            <a:avLst/>
-          </a:prstGeom>
-          <a:noFill/>
-        </p:spPr>
-        <p:txBody>
-          <a:bodyPr wrap="square" rtlCol="0">
-            <a:spAutoFit/>
-          </a:bodyPr>
-          <a:lstStyle/>
-          <a:p>
-            <a:r>
-              <a:rPr lang="en-US" dirty="0">
-                <a:solidFill>
-                  <a:schemeClr val="bg1"/>
-                </a:solidFill>
-              </a:rPr>
-              <a:t>calls</a:t>
-            </a:r>
-          </a:p>
-        </p:txBody>
-      </p:sp>
-      <p:sp>
-        <p:nvSpPr>
-          <p:cNvPr id="31" name="CuadroTexto 30">
-            <a:extLst>
-              <a:ext uri="{FF2B5EF4-FFF2-40B4-BE49-F238E27FC236}">
-                <a16:creationId xmlns:a16="http://schemas.microsoft.com/office/drawing/2014/main" id="{FBF7026D-12F4-4541-8110-DE706094717A}"/>
-              </a:ext>
-            </a:extLst>
-          </p:cNvPr>
-          <p:cNvSpPr txBox="1"/>
-          <p:nvPr/>
-        </p:nvSpPr>
-        <p:spPr>
-          <a:xfrm>
-            <a:off x="484863" y="185392"/>
-            <a:ext cx="3397994" cy="646331"/>
-          </a:xfrm>
-          <a:prstGeom prst="rect">
-            <a:avLst/>
-          </a:prstGeom>
-          <a:noFill/>
-        </p:spPr>
-        <p:txBody>
-          <a:bodyPr wrap="square" rtlCol="0">
-            <a:spAutoFit/>
-          </a:bodyPr>
-          <a:lstStyle/>
-          <a:p>
-            <a:r>
-              <a:rPr lang="en-US" sz="3600" dirty="0" err="1">
-                <a:solidFill>
-                  <a:srgbClr val="53A2D3"/>
-                </a:solidFill>
-              </a:rPr>
-              <a:t>Teoría</a:t>
-            </a:r>
-            <a:endParaRPr lang="en-US" sz="3600" dirty="0">
-              <a:solidFill>
-                <a:srgbClr val="53A2D3"/>
-              </a:solidFill>
-            </a:endParaRPr>
-          </a:p>
-        </p:txBody>
-      </p:sp>
-      <p:pic>
-        <p:nvPicPr>
-          <p:cNvPr id="2" name="Imagen 1">
-            <a:extLst>
-              <a:ext uri="{FF2B5EF4-FFF2-40B4-BE49-F238E27FC236}">
-                <a16:creationId xmlns:a16="http://schemas.microsoft.com/office/drawing/2014/main" id="{3BC8EF47-888A-4EE4-9AE3-0325D360B9FB}"/>
-              </a:ext>
-            </a:extLst>
-          </p:cNvPr>
-          <p:cNvPicPr>
-            <a:picLocks noChangeAspect="1"/>
-          </p:cNvPicPr>
-          <p:nvPr/>
-        </p:nvPicPr>
-        <p:blipFill>
-          <a:blip r:embed="rId2"/>
-          <a:stretch>
-            <a:fillRect/>
-          </a:stretch>
-        </p:blipFill>
-        <p:spPr>
-          <a:xfrm>
-            <a:off x="8677274" y="880395"/>
-            <a:ext cx="3232951" cy="1008808"/>
-          </a:xfrm>
-          <a:prstGeom prst="rect">
-            <a:avLst/>
-          </a:prstGeom>
-          <a:effectLst>
-            <a:glow rad="25400">
-              <a:schemeClr val="bg1">
-                <a:alpha val="40000"/>
-              </a:schemeClr>
-            </a:glow>
-          </a:effectLst>
-        </p:spPr>
-      </p:pic>
-      <p:pic>
-        <p:nvPicPr>
-          <p:cNvPr id="3" name="Imagen 2">
-            <a:extLst>
-              <a:ext uri="{FF2B5EF4-FFF2-40B4-BE49-F238E27FC236}">
-                <a16:creationId xmlns:a16="http://schemas.microsoft.com/office/drawing/2014/main" id="{0D58A32E-D262-4166-8F3A-C6E88EE4DDEA}"/>
-              </a:ext>
-            </a:extLst>
-          </p:cNvPr>
-          <p:cNvPicPr>
-            <a:picLocks noChangeAspect="1"/>
-          </p:cNvPicPr>
-          <p:nvPr/>
-        </p:nvPicPr>
-        <p:blipFill>
-          <a:blip r:embed="rId3"/>
-          <a:stretch>
-            <a:fillRect/>
-          </a:stretch>
-        </p:blipFill>
-        <p:spPr>
-          <a:xfrm>
-            <a:off x="8629649" y="2450929"/>
-            <a:ext cx="3280576" cy="1003283"/>
-          </a:xfrm>
-          <a:prstGeom prst="rect">
-            <a:avLst/>
-          </a:prstGeom>
-          <a:effectLst>
-            <a:glow rad="25400">
-              <a:schemeClr val="bg1">
-                <a:alpha val="40000"/>
-              </a:schemeClr>
-            </a:glow>
-          </a:effectLst>
-        </p:spPr>
-      </p:pic>
-      <p:pic>
-        <p:nvPicPr>
-          <p:cNvPr id="4" name="Imagen 3">
-            <a:extLst>
-              <a:ext uri="{FF2B5EF4-FFF2-40B4-BE49-F238E27FC236}">
-                <a16:creationId xmlns:a16="http://schemas.microsoft.com/office/drawing/2014/main" id="{23EBA2EE-CDAC-4A82-8CAB-1A60B6C581B2}"/>
-              </a:ext>
-            </a:extLst>
-          </p:cNvPr>
-          <p:cNvPicPr>
-            <a:picLocks noChangeAspect="1"/>
-          </p:cNvPicPr>
-          <p:nvPr/>
-        </p:nvPicPr>
-        <p:blipFill>
-          <a:blip r:embed="rId4"/>
-          <a:stretch>
-            <a:fillRect/>
-          </a:stretch>
-        </p:blipFill>
-        <p:spPr>
-          <a:xfrm>
-            <a:off x="8629650" y="4036760"/>
-            <a:ext cx="3280576" cy="997742"/>
-          </a:xfrm>
-          <a:prstGeom prst="rect">
-            <a:avLst/>
-          </a:prstGeom>
-          <a:effectLst>
-            <a:glow rad="25400">
-              <a:schemeClr val="bg1">
-                <a:alpha val="40000"/>
-              </a:schemeClr>
-            </a:glow>
-          </a:effectLst>
-        </p:spPr>
-      </p:pic>
-      <p:pic>
-        <p:nvPicPr>
-          <p:cNvPr id="5" name="Imagen 4">
-            <a:extLst>
-              <a:ext uri="{FF2B5EF4-FFF2-40B4-BE49-F238E27FC236}">
-                <a16:creationId xmlns:a16="http://schemas.microsoft.com/office/drawing/2014/main" id="{6ED504B8-B7AE-459C-9B04-F4065A202477}"/>
-              </a:ext>
-            </a:extLst>
-          </p:cNvPr>
-          <p:cNvPicPr>
-            <a:picLocks noChangeAspect="1"/>
-          </p:cNvPicPr>
-          <p:nvPr/>
-        </p:nvPicPr>
-        <p:blipFill>
-          <a:blip r:embed="rId5"/>
-          <a:stretch>
-            <a:fillRect/>
-          </a:stretch>
-        </p:blipFill>
-        <p:spPr>
-          <a:xfrm>
-            <a:off x="3862610" y="1375035"/>
-            <a:ext cx="3359757" cy="3160596"/>
-          </a:xfrm>
-          <a:prstGeom prst="rect">
-            <a:avLst/>
-          </a:prstGeom>
-          <a:effectLst>
-            <a:glow rad="25400">
-              <a:schemeClr val="bg1">
-                <a:alpha val="40000"/>
-              </a:schemeClr>
-            </a:glow>
-          </a:effectLst>
-        </p:spPr>
-      </p:pic>
-      <p:pic>
-        <p:nvPicPr>
-          <p:cNvPr id="6" name="Imagen 5">
-            <a:extLst>
-              <a:ext uri="{FF2B5EF4-FFF2-40B4-BE49-F238E27FC236}">
-                <a16:creationId xmlns:a16="http://schemas.microsoft.com/office/drawing/2014/main" id="{F79878D0-D175-4A30-8E57-C04D2F7CE7CA}"/>
-              </a:ext>
-            </a:extLst>
-          </p:cNvPr>
-          <p:cNvPicPr>
-            <a:picLocks noChangeAspect="1"/>
-          </p:cNvPicPr>
-          <p:nvPr/>
-        </p:nvPicPr>
-        <p:blipFill>
-          <a:blip r:embed="rId6"/>
-          <a:stretch>
-            <a:fillRect/>
-          </a:stretch>
-        </p:blipFill>
-        <p:spPr>
-          <a:xfrm>
-            <a:off x="106457" y="2219840"/>
-            <a:ext cx="3147225" cy="1470986"/>
-          </a:xfrm>
-          <a:prstGeom prst="rect">
-            <a:avLst/>
-          </a:prstGeom>
-          <a:effectLst>
-            <a:glow rad="25400">
-              <a:schemeClr val="bg1">
-                <a:alpha val="40000"/>
-              </a:schemeClr>
-            </a:glow>
-          </a:effectLst>
-        </p:spPr>
-      </p:pic>
       <p:cxnSp>
         <p:nvCxnSpPr>
-          <p:cNvPr id="21" name="Conector recto de flecha 20">
-            <a:extLst>
-              <a:ext uri="{FF2B5EF4-FFF2-40B4-BE49-F238E27FC236}">
-                <a16:creationId xmlns:a16="http://schemas.microsoft.com/office/drawing/2014/main" id="{657B125F-F210-4C10-90D5-E2406540AF25}"/>
+          <p:cNvPr id="28" name="Conector recto de flecha 27">
+            <a:extLst>
+              <a:ext uri="{FF2B5EF4-FFF2-40B4-BE49-F238E27FC236}">
+                <a16:creationId xmlns:a16="http://schemas.microsoft.com/office/drawing/2014/main" id="{818C9D90-1778-48DF-AFC8-AAE581F4C216}"/>
               </a:ext>
             </a:extLst>
           </p:cNvPr>
           <p:cNvCxnSpPr>
             <a:cxnSpLocks/>
-            <a:stCxn id="5" idx="3"/>
-            <a:endCxn id="3" idx="1"/>
+            <a:stCxn id="23" idx="3"/>
           </p:cNvCxnSpPr>
           <p:nvPr/>
         </p:nvCxnSpPr>
         <p:spPr>
           <a:xfrm flipV="1">
-            <a:off x="7222367" y="2952571"/>
-            <a:ext cx="1407282" cy="2762"/>
+            <a:off x="6440055" y="999241"/>
+            <a:ext cx="1301443" cy="2348540"/>
           </a:xfrm>
           <a:prstGeom prst="straightConnector1">
             <a:avLst/>
@@ -4700,65 +4800,25 @@
           </a:fontRef>
         </p:style>
       </p:cxnSp>
-      <p:sp>
-        <p:nvSpPr>
-          <p:cNvPr id="22" name="CuadroTexto 21">
-            <a:extLst>
-              <a:ext uri="{FF2B5EF4-FFF2-40B4-BE49-F238E27FC236}">
-                <a16:creationId xmlns:a16="http://schemas.microsoft.com/office/drawing/2014/main" id="{64C9644A-8F54-4F7F-928B-4E1AB3ACFDD8}"/>
-              </a:ext>
-            </a:extLst>
-          </p:cNvPr>
-          <p:cNvSpPr txBox="1"/>
-          <p:nvPr/>
-        </p:nvSpPr>
-        <p:spPr>
-          <a:xfrm>
-            <a:off x="7587919" y="2583238"/>
-            <a:ext cx="1376218" cy="369332"/>
-          </a:xfrm>
-          <a:prstGeom prst="rect">
-            <a:avLst/>
-          </a:prstGeom>
-          <a:noFill/>
-        </p:spPr>
-        <p:txBody>
-          <a:bodyPr wrap="square" rtlCol="0">
-            <a:spAutoFit/>
-          </a:bodyPr>
-          <a:lstStyle/>
-          <a:p>
-            <a:r>
-              <a:rPr lang="en-US" dirty="0">
-                <a:solidFill>
-                  <a:schemeClr val="bg1"/>
-                </a:solidFill>
-              </a:rPr>
-              <a:t>calls</a:t>
-            </a:r>
-          </a:p>
-        </p:txBody>
-      </p:sp>
       <p:cxnSp>
         <p:nvCxnSpPr>
-          <p:cNvPr id="23" name="Conector recto de flecha 22">
-            <a:extLst>
-              <a:ext uri="{FF2B5EF4-FFF2-40B4-BE49-F238E27FC236}">
-                <a16:creationId xmlns:a16="http://schemas.microsoft.com/office/drawing/2014/main" id="{659FD9CC-0ED7-48DA-B353-E983B8B32E24}"/>
+          <p:cNvPr id="30" name="Conector recto de flecha 29">
+            <a:extLst>
+              <a:ext uri="{FF2B5EF4-FFF2-40B4-BE49-F238E27FC236}">
+                <a16:creationId xmlns:a16="http://schemas.microsoft.com/office/drawing/2014/main" id="{4D58AB27-750B-4CB4-AC25-20AD17133B97}"/>
               </a:ext>
             </a:extLst>
           </p:cNvPr>
           <p:cNvCxnSpPr>
             <a:cxnSpLocks/>
-            <a:stCxn id="5" idx="3"/>
-            <a:endCxn id="2" idx="1"/>
+            <a:stCxn id="23" idx="3"/>
           </p:cNvCxnSpPr>
           <p:nvPr/>
         </p:nvCxnSpPr>
         <p:spPr>
-          <a:xfrm flipV="1">
-            <a:off x="7222367" y="1384799"/>
-            <a:ext cx="1454907" cy="1570534"/>
+          <a:xfrm>
+            <a:off x="6440055" y="3347781"/>
+            <a:ext cx="1301443" cy="501871"/>
           </a:xfrm>
           <a:prstGeom prst="straightConnector1">
             <a:avLst/>
@@ -4787,10 +4847,10 @@
       </p:cxnSp>
       <p:sp>
         <p:nvSpPr>
-          <p:cNvPr id="24" name="CuadroTexto 23">
-            <a:extLst>
-              <a:ext uri="{FF2B5EF4-FFF2-40B4-BE49-F238E27FC236}">
-                <a16:creationId xmlns:a16="http://schemas.microsoft.com/office/drawing/2014/main" id="{49EC6474-4E8B-4074-9043-8B456DE43AC5}"/>
+          <p:cNvPr id="37" name="CuadroTexto 36">
+            <a:extLst>
+              <a:ext uri="{FF2B5EF4-FFF2-40B4-BE49-F238E27FC236}">
+                <a16:creationId xmlns:a16="http://schemas.microsoft.com/office/drawing/2014/main" id="{485389C5-885E-48FC-A7B8-DDADBD6761BA}"/>
               </a:ext>
             </a:extLst>
           </p:cNvPr>
@@ -4799,8 +4859,8 @@
         </p:nvSpPr>
         <p:spPr>
           <a:xfrm>
-            <a:off x="7587919" y="3875029"/>
-            <a:ext cx="1376218" cy="369332"/>
+            <a:off x="6940311" y="3187819"/>
+            <a:ext cx="1376218" cy="338554"/>
           </a:xfrm>
           <a:prstGeom prst="rect">
             <a:avLst/>
@@ -4814,7 +4874,7 @@
           <a:lstStyle/>
           <a:p>
             <a:r>
-              <a:rPr lang="en-US" dirty="0">
+              <a:rPr lang="en-US" sz="1600" dirty="0">
                 <a:solidFill>
                   <a:schemeClr val="bg1"/>
                 </a:solidFill>
@@ -4824,58 +4884,12 @@
           </a:p>
         </p:txBody>
       </p:sp>
-      <p:cxnSp>
-        <p:nvCxnSpPr>
-          <p:cNvPr id="25" name="Conector recto de flecha 24">
-            <a:extLst>
-              <a:ext uri="{FF2B5EF4-FFF2-40B4-BE49-F238E27FC236}">
-                <a16:creationId xmlns:a16="http://schemas.microsoft.com/office/drawing/2014/main" id="{3CC6DB77-8AFE-4568-96A0-4F1DD4F57789}"/>
-              </a:ext>
-            </a:extLst>
-          </p:cNvPr>
-          <p:cNvCxnSpPr>
-            <a:cxnSpLocks/>
-            <a:stCxn id="5" idx="3"/>
-            <a:endCxn id="4" idx="1"/>
-          </p:cNvCxnSpPr>
-          <p:nvPr/>
-        </p:nvCxnSpPr>
-        <p:spPr>
-          <a:xfrm>
-            <a:off x="7222367" y="2955333"/>
-            <a:ext cx="1407283" cy="1580298"/>
-          </a:xfrm>
-          <a:prstGeom prst="straightConnector1">
-            <a:avLst/>
-          </a:prstGeom>
-          <a:ln w="12700">
-            <a:solidFill>
-              <a:schemeClr val="bg1"/>
-            </a:solidFill>
-            <a:tailEnd type="triangle"/>
-          </a:ln>
-        </p:spPr>
-        <p:style>
-          <a:lnRef idx="1">
-            <a:schemeClr val="accent1"/>
-          </a:lnRef>
-          <a:fillRef idx="0">
-            <a:schemeClr val="accent1"/>
-          </a:fillRef>
-          <a:effectRef idx="0">
-            <a:schemeClr val="accent1"/>
-          </a:effectRef>
-          <a:fontRef idx="minor">
-            <a:schemeClr val="tx1"/>
-          </a:fontRef>
-        </p:style>
-      </p:cxnSp>
-      <p:sp>
-        <p:nvSpPr>
-          <p:cNvPr id="26" name="CuadroTexto 25">
-            <a:extLst>
-              <a:ext uri="{FF2B5EF4-FFF2-40B4-BE49-F238E27FC236}">
-                <a16:creationId xmlns:a16="http://schemas.microsoft.com/office/drawing/2014/main" id="{D1D54606-D117-4018-9BD6-D871D677ABC3}"/>
+      <p:sp>
+        <p:nvSpPr>
+          <p:cNvPr id="40" name="CuadroTexto 39">
+            <a:extLst>
+              <a:ext uri="{FF2B5EF4-FFF2-40B4-BE49-F238E27FC236}">
+                <a16:creationId xmlns:a16="http://schemas.microsoft.com/office/drawing/2014/main" id="{8E1DE1DA-6F6D-46DA-BE04-E93EE6C57D99}"/>
               </a:ext>
             </a:extLst>
           </p:cNvPr>
@@ -4884,8 +4898,8 @@
         </p:nvSpPr>
         <p:spPr>
           <a:xfrm>
-            <a:off x="7587919" y="1595945"/>
-            <a:ext cx="1376218" cy="369332"/>
+            <a:off x="6940311" y="1167631"/>
+            <a:ext cx="1376218" cy="338554"/>
           </a:xfrm>
           <a:prstGeom prst="rect">
             <a:avLst/>
@@ -4899,7 +4913,7 @@
           <a:lstStyle/>
           <a:p>
             <a:r>
-              <a:rPr lang="en-US" dirty="0">
+              <a:rPr lang="en-US" sz="1600" dirty="0">
                 <a:solidFill>
                   <a:schemeClr val="bg1"/>
                 </a:solidFill>
@@ -4909,10 +4923,49 @@
           </a:p>
         </p:txBody>
       </p:sp>
+      <p:sp>
+        <p:nvSpPr>
+          <p:cNvPr id="41" name="CuadroTexto 40">
+            <a:extLst>
+              <a:ext uri="{FF2B5EF4-FFF2-40B4-BE49-F238E27FC236}">
+                <a16:creationId xmlns:a16="http://schemas.microsoft.com/office/drawing/2014/main" id="{B847E517-99DC-48B5-9582-2F6DD0A5D356}"/>
+              </a:ext>
+            </a:extLst>
+          </p:cNvPr>
+          <p:cNvSpPr txBox="1"/>
+          <p:nvPr/>
+        </p:nvSpPr>
+        <p:spPr>
+          <a:xfrm>
+            <a:off x="6940311" y="2313489"/>
+            <a:ext cx="1376218" cy="338554"/>
+          </a:xfrm>
+          <a:prstGeom prst="rect">
+            <a:avLst/>
+          </a:prstGeom>
+          <a:noFill/>
+        </p:spPr>
+        <p:txBody>
+          <a:bodyPr wrap="square" rtlCol="0">
+            <a:spAutoFit/>
+          </a:bodyPr>
+          <a:lstStyle/>
+          <a:p>
+            <a:r>
+              <a:rPr lang="en-US" sz="1600" dirty="0">
+                <a:solidFill>
+                  <a:schemeClr val="bg1"/>
+                </a:solidFill>
+              </a:rPr>
+              <a:t>calls</a:t>
+            </a:r>
+          </a:p>
+        </p:txBody>
+      </p:sp>
     </p:spTree>
     <p:extLst>
       <p:ext uri="{BB962C8B-B14F-4D97-AF65-F5344CB8AC3E}">
-        <p14:creationId xmlns:p14="http://schemas.microsoft.com/office/powerpoint/2010/main" val="3510976558"/>
+        <p14:creationId xmlns:p14="http://schemas.microsoft.com/office/powerpoint/2010/main" val="3404256397"/>
       </p:ext>
     </p:extLst>
   </p:cSld>
@@ -4944,7 +4997,7 @@
           <p:cNvPr id="2" name="Título 1">
             <a:extLst>
               <a:ext uri="{FF2B5EF4-FFF2-40B4-BE49-F238E27FC236}">
-                <a16:creationId xmlns:a16="http://schemas.microsoft.com/office/drawing/2014/main" id="{76BD9A5A-574E-4A01-B4A1-C92D21C4F273}"/>
+                <a16:creationId xmlns:a16="http://schemas.microsoft.com/office/drawing/2014/main" id="{73A2909B-13B3-4614-9321-16AF10F4286A}"/>
               </a:ext>
             </a:extLst>
           </p:cNvPr>
@@ -4955,290 +5008,19 @@
             <p:ph type="title"/>
           </p:nvPr>
         </p:nvSpPr>
-        <p:spPr/>
+        <p:spPr>
+          <a:xfrm>
+            <a:off x="838200" y="2103437"/>
+            <a:ext cx="10515600" cy="1325563"/>
+          </a:xfrm>
+        </p:spPr>
         <p:txBody>
           <a:bodyPr/>
           <a:lstStyle/>
           <a:p>
             <a:r>
               <a:rPr lang="en-US" dirty="0"/>
-              <a:t>¿Por </a:t>
-            </a:r>
-            <a:r>
-              <a:rPr lang="en-US" dirty="0" err="1"/>
-              <a:t>qué</a:t>
-            </a:r>
-            <a:r>
-              <a:rPr lang="en-US" dirty="0"/>
-              <a:t> </a:t>
-            </a:r>
-            <a:r>
-              <a:rPr lang="en-US" dirty="0" err="1"/>
-              <a:t>aplicamos</a:t>
-            </a:r>
-            <a:r>
-              <a:rPr lang="en-US" dirty="0"/>
-              <a:t> </a:t>
-            </a:r>
-            <a:r>
-              <a:rPr lang="en-US" dirty="0" err="1"/>
-              <a:t>este</a:t>
-            </a:r>
-            <a:r>
-              <a:rPr lang="en-US" dirty="0"/>
-              <a:t> </a:t>
-            </a:r>
-            <a:r>
-              <a:rPr lang="en-US" dirty="0" err="1"/>
-              <a:t>patrón</a:t>
-            </a:r>
-            <a:r>
-              <a:rPr lang="en-US" dirty="0"/>
-              <a:t>?</a:t>
-            </a:r>
-          </a:p>
-        </p:txBody>
-      </p:sp>
-      <p:sp>
-        <p:nvSpPr>
-          <p:cNvPr id="3" name="Marcador de contenido 2">
-            <a:extLst>
-              <a:ext uri="{FF2B5EF4-FFF2-40B4-BE49-F238E27FC236}">
-                <a16:creationId xmlns:a16="http://schemas.microsoft.com/office/drawing/2014/main" id="{39BACE21-12A9-4ABB-9AA1-D3BFDA8198C9}"/>
-              </a:ext>
-            </a:extLst>
-          </p:cNvPr>
-          <p:cNvSpPr>
-            <a:spLocks noGrp="1"/>
-          </p:cNvSpPr>
-          <p:nvPr>
-            <p:ph idx="1"/>
-          </p:nvPr>
-        </p:nvSpPr>
-        <p:spPr/>
-        <p:txBody>
-          <a:bodyPr/>
-          <a:lstStyle/>
-          <a:p>
-            <a:pPr algn="just"/>
-            <a:r>
-              <a:rPr lang="en-US" dirty="0" err="1"/>
-              <a:t>Encapsulación</a:t>
-            </a:r>
-            <a:r>
-              <a:rPr lang="en-US" dirty="0"/>
-              <a:t>: El </a:t>
-            </a:r>
-            <a:r>
-              <a:rPr lang="en-US" dirty="0" err="1"/>
-              <a:t>cliente</a:t>
-            </a:r>
-            <a:r>
-              <a:rPr lang="en-US" dirty="0"/>
-              <a:t> no </a:t>
-            </a:r>
-            <a:r>
-              <a:rPr lang="en-US" dirty="0" err="1"/>
-              <a:t>conoce</a:t>
-            </a:r>
-            <a:r>
-              <a:rPr lang="en-US" dirty="0"/>
-              <a:t> </a:t>
-            </a:r>
-            <a:r>
-              <a:rPr lang="en-US" dirty="0" err="1"/>
-              <a:t>ni</a:t>
-            </a:r>
-            <a:r>
-              <a:rPr lang="en-US" dirty="0"/>
-              <a:t> </a:t>
-            </a:r>
-            <a:r>
-              <a:rPr lang="en-US" dirty="0" err="1"/>
-              <a:t>depende</a:t>
-            </a:r>
-            <a:r>
-              <a:rPr lang="en-US" dirty="0"/>
-              <a:t> de la </a:t>
-            </a:r>
-            <a:r>
-              <a:rPr lang="en-US" dirty="0" err="1"/>
-              <a:t>implementación</a:t>
-            </a:r>
-            <a:r>
-              <a:rPr lang="en-US" dirty="0"/>
-              <a:t> </a:t>
-            </a:r>
-            <a:r>
-              <a:rPr lang="en-US" dirty="0" err="1"/>
-              <a:t>interna</a:t>
-            </a:r>
-            <a:r>
-              <a:rPr lang="en-US" dirty="0"/>
-              <a:t> de </a:t>
-            </a:r>
-            <a:r>
-              <a:rPr lang="en-US" dirty="0" err="1"/>
-              <a:t>cada</a:t>
-            </a:r>
-            <a:r>
-              <a:rPr lang="en-US" dirty="0"/>
-              <a:t> </a:t>
-            </a:r>
-            <a:r>
-              <a:rPr lang="en-US" dirty="0" err="1"/>
-              <a:t>operación</a:t>
-            </a:r>
-            <a:r>
-              <a:rPr lang="en-US" dirty="0"/>
-              <a:t>.</a:t>
-            </a:r>
-          </a:p>
-          <a:p>
-            <a:pPr algn="just"/>
-            <a:r>
-              <a:rPr lang="en-US" dirty="0" err="1"/>
-              <a:t>Versatilidad</a:t>
-            </a:r>
-            <a:r>
-              <a:rPr lang="en-US" dirty="0"/>
-              <a:t>: Podemos </a:t>
-            </a:r>
-            <a:r>
-              <a:rPr lang="en-US" dirty="0" err="1"/>
-              <a:t>cambiar</a:t>
-            </a:r>
-            <a:r>
-              <a:rPr lang="en-US" dirty="0"/>
-              <a:t> los </a:t>
-            </a:r>
-            <a:r>
-              <a:rPr lang="en-US" dirty="0" err="1"/>
-              <a:t>subsistemas</a:t>
-            </a:r>
-            <a:r>
-              <a:rPr lang="en-US" dirty="0"/>
-              <a:t> o </a:t>
-            </a:r>
-            <a:r>
-              <a:rPr lang="en-US" dirty="0" err="1"/>
-              <a:t>módulos</a:t>
-            </a:r>
-            <a:r>
-              <a:rPr lang="en-US" dirty="0"/>
-              <a:t> </a:t>
-            </a:r>
-            <a:r>
-              <a:rPr lang="en-US" dirty="0" err="1"/>
-              <a:t>implicados</a:t>
-            </a:r>
-            <a:r>
-              <a:rPr lang="en-US" dirty="0"/>
-              <a:t> </a:t>
-            </a:r>
-            <a:r>
-              <a:rPr lang="en-US" dirty="0" err="1"/>
-              <a:t>en</a:t>
-            </a:r>
-            <a:r>
-              <a:rPr lang="en-US" dirty="0"/>
-              <a:t> </a:t>
-            </a:r>
-            <a:r>
-              <a:rPr lang="en-US" dirty="0" err="1"/>
-              <a:t>cada</a:t>
-            </a:r>
-            <a:r>
-              <a:rPr lang="en-US" dirty="0"/>
-              <a:t> </a:t>
-            </a:r>
-            <a:r>
-              <a:rPr lang="en-US" dirty="0" err="1"/>
-              <a:t>operación</a:t>
-            </a:r>
-            <a:r>
-              <a:rPr lang="en-US" dirty="0"/>
-              <a:t> sin romper la </a:t>
-            </a:r>
-            <a:r>
-              <a:rPr lang="en-US" dirty="0" err="1"/>
-              <a:t>compatibilidad</a:t>
-            </a:r>
-            <a:r>
-              <a:rPr lang="en-US" dirty="0"/>
-              <a:t> con el </a:t>
-            </a:r>
-            <a:r>
-              <a:rPr lang="en-US" dirty="0" err="1"/>
-              <a:t>cliente</a:t>
-            </a:r>
-            <a:r>
-              <a:rPr lang="en-US" dirty="0"/>
-              <a:t>. </a:t>
-            </a:r>
-            <a:r>
-              <a:rPr lang="en-US" dirty="0" err="1"/>
-              <a:t>Incluso</a:t>
-            </a:r>
-            <a:r>
-              <a:rPr lang="en-US" dirty="0"/>
-              <a:t> </a:t>
-            </a:r>
-            <a:r>
-              <a:rPr lang="en-US" dirty="0" err="1"/>
-              <a:t>podríamos</a:t>
-            </a:r>
-            <a:r>
-              <a:rPr lang="en-US" dirty="0"/>
-              <a:t> </a:t>
-            </a:r>
-            <a:r>
-              <a:rPr lang="en-US" dirty="0" err="1"/>
-              <a:t>cambiar</a:t>
-            </a:r>
-            <a:r>
-              <a:rPr lang="en-US" dirty="0"/>
-              <a:t> la </a:t>
-            </a:r>
-            <a:r>
-              <a:rPr lang="en-US" dirty="0" err="1"/>
-              <a:t>fachada</a:t>
-            </a:r>
-            <a:r>
-              <a:rPr lang="en-US" dirty="0"/>
-              <a:t> </a:t>
-            </a:r>
-            <a:r>
-              <a:rPr lang="en-US" dirty="0" err="1"/>
-              <a:t>siempre</a:t>
-            </a:r>
-            <a:r>
-              <a:rPr lang="en-US" dirty="0"/>
-              <a:t> que </a:t>
-            </a:r>
-            <a:r>
-              <a:rPr lang="en-US" dirty="0" err="1"/>
-              <a:t>cumpliera</a:t>
-            </a:r>
-            <a:r>
-              <a:rPr lang="en-US" dirty="0"/>
-              <a:t> la </a:t>
-            </a:r>
-            <a:r>
-              <a:rPr lang="en-US" dirty="0" err="1"/>
-              <a:t>misma</a:t>
-            </a:r>
-            <a:r>
-              <a:rPr lang="en-US" dirty="0"/>
-              <a:t> </a:t>
-            </a:r>
-            <a:r>
-              <a:rPr lang="en-US" dirty="0" err="1"/>
-              <a:t>interfaz</a:t>
-            </a:r>
-            <a:r>
-              <a:rPr lang="en-US" dirty="0"/>
-              <a:t>.</a:t>
+              <a:t>Structural Patterns</a:t>
             </a:r>
           </a:p>
         </p:txBody>
@@ -5246,7 +5028,7 @@
     </p:spTree>
     <p:extLst>
       <p:ext uri="{BB962C8B-B14F-4D97-AF65-F5344CB8AC3E}">
-        <p14:creationId xmlns:p14="http://schemas.microsoft.com/office/powerpoint/2010/main" val="1536784634"/>
+        <p14:creationId xmlns:p14="http://schemas.microsoft.com/office/powerpoint/2010/main" val="3577003569"/>
       </p:ext>
     </p:extLst>
   </p:cSld>
@@ -5257,6 +5039,93 @@
 </file>
 
 <file path=ppt/slides/slide15.xml><?xml version="1.0" encoding="utf-8"?>
+<p:sld xmlns:a="http://schemas.openxmlformats.org/drawingml/2006/main" xmlns:r="http://schemas.openxmlformats.org/officeDocument/2006/relationships" xmlns:p="http://schemas.openxmlformats.org/presentationml/2006/main">
+  <p:cSld>
+    <p:spTree>
+      <p:nvGrpSpPr>
+        <p:cNvPr id="1" name=""/>
+        <p:cNvGrpSpPr/>
+        <p:nvPr/>
+      </p:nvGrpSpPr>
+      <p:grpSpPr>
+        <a:xfrm>
+          <a:off x="0" y="0"/>
+          <a:ext cx="0" cy="0"/>
+          <a:chOff x="0" y="0"/>
+          <a:chExt cx="0" cy="0"/>
+        </a:xfrm>
+      </p:grpSpPr>
+      <p:sp>
+        <p:nvSpPr>
+          <p:cNvPr id="2" name="Título 1">
+            <a:extLst>
+              <a:ext uri="{FF2B5EF4-FFF2-40B4-BE49-F238E27FC236}">
+                <a16:creationId xmlns:a16="http://schemas.microsoft.com/office/drawing/2014/main" id="{51E579E3-4D4D-4391-A4DB-77F6C6DD84BE}"/>
+              </a:ext>
+            </a:extLst>
+          </p:cNvPr>
+          <p:cNvSpPr>
+            <a:spLocks noGrp="1"/>
+          </p:cNvSpPr>
+          <p:nvPr>
+            <p:ph type="title"/>
+          </p:nvPr>
+        </p:nvSpPr>
+        <p:spPr>
+          <a:xfrm>
+            <a:off x="900344" y="2766218"/>
+            <a:ext cx="10515600" cy="1325563"/>
+          </a:xfrm>
+        </p:spPr>
+        <p:txBody>
+          <a:bodyPr/>
+          <a:lstStyle/>
+          <a:p>
+            <a:r>
+              <a:rPr lang="es-ES" dirty="0" err="1">
+                <a:solidFill>
+                  <a:srgbClr val="000000"/>
+                </a:solidFill>
+                <a:latin typeface="Calibri" panose="020F0502020204030204" pitchFamily="34" charset="0"/>
+              </a:rPr>
+              <a:t>Facade</a:t>
+            </a:r>
+            <a:r>
+              <a:rPr lang="es-ES" dirty="0">
+                <a:solidFill>
+                  <a:srgbClr val="000000"/>
+                </a:solidFill>
+                <a:latin typeface="Calibri" panose="020F0502020204030204" pitchFamily="34" charset="0"/>
+              </a:rPr>
+              <a:t> </a:t>
+            </a:r>
+            <a:r>
+              <a:rPr lang="es-ES" dirty="0" err="1">
+                <a:solidFill>
+                  <a:srgbClr val="000000"/>
+                </a:solidFill>
+                <a:latin typeface="Calibri" panose="020F0502020204030204" pitchFamily="34" charset="0"/>
+              </a:rPr>
+              <a:t>pattern</a:t>
+            </a:r>
+            <a:endParaRPr lang="en-US" dirty="0"/>
+          </a:p>
+        </p:txBody>
+      </p:sp>
+    </p:spTree>
+    <p:extLst>
+      <p:ext uri="{BB962C8B-B14F-4D97-AF65-F5344CB8AC3E}">
+        <p14:creationId xmlns:p14="http://schemas.microsoft.com/office/powerpoint/2010/main" val="4060908076"/>
+      </p:ext>
+    </p:extLst>
+  </p:cSld>
+  <p:clrMapOvr>
+    <a:masterClrMapping/>
+  </p:clrMapOvr>
+</p:sld>
+</file>
+
+<file path=ppt/slides/slide16.xml><?xml version="1.0" encoding="utf-8"?>
 <p:sld xmlns:a="http://schemas.openxmlformats.org/drawingml/2006/main" xmlns:r="http://schemas.openxmlformats.org/officeDocument/2006/relationships" xmlns:p="http://schemas.openxmlformats.org/presentationml/2006/main">
   <p:cSld>
     <p:bg>
@@ -5281,321 +5150,26 @@
           <a:chExt cx="0" cy="0"/>
         </a:xfrm>
       </p:grpSpPr>
-      <p:sp>
-        <p:nvSpPr>
-          <p:cNvPr id="17" name="CuadroTexto 16">
-            <a:extLst>
-              <a:ext uri="{FF2B5EF4-FFF2-40B4-BE49-F238E27FC236}">
-                <a16:creationId xmlns:a16="http://schemas.microsoft.com/office/drawing/2014/main" id="{5C456F47-1C52-4FA5-A369-2F5203D67ABD}"/>
-              </a:ext>
-            </a:extLst>
-          </p:cNvPr>
-          <p:cNvSpPr txBox="1"/>
-          <p:nvPr/>
-        </p:nvSpPr>
-        <p:spPr>
-          <a:xfrm>
-            <a:off x="361700" y="215130"/>
-            <a:ext cx="3397994" cy="646331"/>
-          </a:xfrm>
-          <a:prstGeom prst="rect">
-            <a:avLst/>
-          </a:prstGeom>
-          <a:noFill/>
-        </p:spPr>
-        <p:txBody>
-          <a:bodyPr wrap="square" rtlCol="0">
-            <a:spAutoFit/>
-          </a:bodyPr>
-          <a:lstStyle/>
-          <a:p>
-            <a:r>
-              <a:rPr lang="en-US" sz="3600" dirty="0">
-                <a:solidFill>
-                  <a:srgbClr val="53A2D3"/>
-                </a:solidFill>
-              </a:rPr>
-              <a:t>Mundo real</a:t>
-            </a:r>
-          </a:p>
-        </p:txBody>
-      </p:sp>
-      <p:pic>
-        <p:nvPicPr>
-          <p:cNvPr id="7" name="Imagen 6">
-            <a:extLst>
-              <a:ext uri="{FF2B5EF4-FFF2-40B4-BE49-F238E27FC236}">
-                <a16:creationId xmlns:a16="http://schemas.microsoft.com/office/drawing/2014/main" id="{6B5ECB1A-A92D-46D4-9682-2248BD91ECA8}"/>
-              </a:ext>
-            </a:extLst>
-          </p:cNvPr>
-          <p:cNvPicPr>
-            <a:picLocks noChangeAspect="1"/>
-          </p:cNvPicPr>
-          <p:nvPr/>
-        </p:nvPicPr>
-        <p:blipFill>
-          <a:blip r:embed="rId2"/>
-          <a:stretch>
-            <a:fillRect/>
-          </a:stretch>
-        </p:blipFill>
-        <p:spPr>
-          <a:xfrm>
-            <a:off x="187819" y="5532582"/>
-            <a:ext cx="7143750" cy="923925"/>
-          </a:xfrm>
-          <a:prstGeom prst="rect">
-            <a:avLst/>
-          </a:prstGeom>
-          <a:effectLst>
-            <a:glow rad="25400">
-              <a:schemeClr val="bg1">
-                <a:alpha val="40000"/>
-              </a:schemeClr>
-            </a:glow>
-          </a:effectLst>
-        </p:spPr>
-      </p:pic>
-      <p:pic>
-        <p:nvPicPr>
-          <p:cNvPr id="8" name="Imagen 7">
-            <a:extLst>
-              <a:ext uri="{FF2B5EF4-FFF2-40B4-BE49-F238E27FC236}">
-                <a16:creationId xmlns:a16="http://schemas.microsoft.com/office/drawing/2014/main" id="{485C5F0C-7AD6-4DE3-9926-D9F267B388D9}"/>
-              </a:ext>
-            </a:extLst>
-          </p:cNvPr>
-          <p:cNvPicPr>
-            <a:picLocks noChangeAspect="1"/>
-          </p:cNvPicPr>
-          <p:nvPr/>
-        </p:nvPicPr>
-        <p:blipFill>
-          <a:blip r:embed="rId3"/>
-          <a:stretch>
-            <a:fillRect/>
-          </a:stretch>
-        </p:blipFill>
-        <p:spPr>
-          <a:xfrm>
-            <a:off x="284838" y="1612601"/>
-            <a:ext cx="6524625" cy="3305175"/>
-          </a:xfrm>
-          <a:prstGeom prst="rect">
-            <a:avLst/>
-          </a:prstGeom>
-        </p:spPr>
-      </p:pic>
-      <p:pic>
-        <p:nvPicPr>
-          <p:cNvPr id="11" name="Imagen 10">
-            <a:extLst>
-              <a:ext uri="{FF2B5EF4-FFF2-40B4-BE49-F238E27FC236}">
-                <a16:creationId xmlns:a16="http://schemas.microsoft.com/office/drawing/2014/main" id="{A16E7029-5441-49AB-A7B5-6206776246F1}"/>
-              </a:ext>
-            </a:extLst>
-          </p:cNvPr>
-          <p:cNvPicPr>
-            <a:picLocks noChangeAspect="1"/>
-          </p:cNvPicPr>
-          <p:nvPr/>
-        </p:nvPicPr>
-        <p:blipFill>
-          <a:blip r:embed="rId4"/>
-          <a:stretch>
-            <a:fillRect/>
-          </a:stretch>
-        </p:blipFill>
-        <p:spPr>
-          <a:xfrm>
-            <a:off x="284838" y="1228141"/>
-            <a:ext cx="7301926" cy="199370"/>
-          </a:xfrm>
-          <a:prstGeom prst="rect">
-            <a:avLst/>
-          </a:prstGeom>
-        </p:spPr>
-      </p:pic>
-      <p:pic>
-        <p:nvPicPr>
-          <p:cNvPr id="1026" name="Picture 2" descr="Resultado de imagen de logo npm transparent">
-            <a:extLst>
-              <a:ext uri="{FF2B5EF4-FFF2-40B4-BE49-F238E27FC236}">
-                <a16:creationId xmlns:a16="http://schemas.microsoft.com/office/drawing/2014/main" id="{F7D3756D-28EE-4EF9-8F51-70576B101ADA}"/>
-              </a:ext>
-            </a:extLst>
-          </p:cNvPr>
-          <p:cNvPicPr>
-            <a:picLocks noChangeAspect="1" noChangeArrowheads="1"/>
-          </p:cNvPicPr>
-          <p:nvPr/>
-        </p:nvPicPr>
-        <p:blipFill>
-          <a:blip r:embed="rId5">
-            <a:extLst>
-              <a:ext uri="{28A0092B-C50C-407E-A947-70E740481C1C}">
-                <a14:useLocalDpi xmlns:a14="http://schemas.microsoft.com/office/drawing/2010/main" val="0"/>
-              </a:ext>
-            </a:extLst>
-          </a:blip>
-          <a:srcRect/>
-          <a:stretch>
-            <a:fillRect/>
-          </a:stretch>
-        </p:blipFill>
-        <p:spPr bwMode="auto">
-          <a:xfrm>
-            <a:off x="9854119" y="1612601"/>
-            <a:ext cx="1488332" cy="581768"/>
-          </a:xfrm>
-          <a:prstGeom prst="rect">
-            <a:avLst/>
-          </a:prstGeom>
-          <a:noFill/>
-          <a:extLst>
-            <a:ext uri="{909E8E84-426E-40DD-AFC4-6F175D3DCCD1}">
-              <a14:hiddenFill xmlns:a14="http://schemas.microsoft.com/office/drawing/2010/main">
-                <a:solidFill>
-                  <a:srgbClr val="FFFFFF"/>
-                </a:solidFill>
-              </a14:hiddenFill>
-            </a:ext>
-          </a:extLst>
-        </p:spPr>
-      </p:pic>
-      <p:sp>
-        <p:nvSpPr>
-          <p:cNvPr id="26" name="CuadroTexto 25">
-            <a:extLst>
-              <a:ext uri="{FF2B5EF4-FFF2-40B4-BE49-F238E27FC236}">
-                <a16:creationId xmlns:a16="http://schemas.microsoft.com/office/drawing/2014/main" id="{972226EF-8B2E-4D84-8E4C-84DDF0123273}"/>
-              </a:ext>
-            </a:extLst>
-          </p:cNvPr>
-          <p:cNvSpPr txBox="1"/>
-          <p:nvPr/>
-        </p:nvSpPr>
-        <p:spPr>
-          <a:xfrm>
-            <a:off x="9505700" y="2320155"/>
-            <a:ext cx="3397994" cy="400110"/>
-          </a:xfrm>
-          <a:prstGeom prst="rect">
-            <a:avLst/>
-          </a:prstGeom>
-          <a:noFill/>
-        </p:spPr>
-        <p:txBody>
-          <a:bodyPr wrap="square" rtlCol="0">
-            <a:spAutoFit/>
-          </a:bodyPr>
-          <a:lstStyle/>
-          <a:p>
-            <a:r>
-              <a:rPr lang="en-US" sz="2000" dirty="0">
-                <a:solidFill>
-                  <a:srgbClr val="53A2D3"/>
-                </a:solidFill>
-              </a:rPr>
-              <a:t>ng2-tooltip-directive</a:t>
-            </a:r>
-          </a:p>
-        </p:txBody>
-      </p:sp>
-      <p:sp>
-        <p:nvSpPr>
-          <p:cNvPr id="12" name="CuadroTexto 11">
-            <a:extLst>
-              <a:ext uri="{FF2B5EF4-FFF2-40B4-BE49-F238E27FC236}">
-                <a16:creationId xmlns:a16="http://schemas.microsoft.com/office/drawing/2014/main" id="{4984E2BF-9736-48EF-99A3-6D7FCC5212CD}"/>
-              </a:ext>
-            </a:extLst>
-          </p:cNvPr>
-          <p:cNvSpPr txBox="1"/>
-          <p:nvPr/>
-        </p:nvSpPr>
-        <p:spPr>
-          <a:xfrm>
-            <a:off x="187819" y="1099226"/>
-            <a:ext cx="8148785" cy="3818550"/>
-          </a:xfrm>
-          <a:prstGeom prst="rect">
-            <a:avLst/>
-          </a:prstGeom>
-          <a:noFill/>
-          <a:ln>
-            <a:solidFill>
-              <a:schemeClr val="bg1"/>
-            </a:solidFill>
-          </a:ln>
-        </p:spPr>
-        <p:txBody>
-          <a:bodyPr wrap="square" rtlCol="0">
-            <a:spAutoFit/>
-          </a:bodyPr>
-          <a:lstStyle/>
-          <a:p>
-            <a:endParaRPr lang="en-US" dirty="0"/>
-          </a:p>
-        </p:txBody>
-      </p:sp>
-      <p:sp>
-        <p:nvSpPr>
-          <p:cNvPr id="13" name="CuadroTexto 12">
-            <a:extLst>
-              <a:ext uri="{FF2B5EF4-FFF2-40B4-BE49-F238E27FC236}">
-                <a16:creationId xmlns:a16="http://schemas.microsoft.com/office/drawing/2014/main" id="{1733F97F-1B01-4732-8962-ACD71ACB8E6E}"/>
-              </a:ext>
-            </a:extLst>
-          </p:cNvPr>
-          <p:cNvSpPr txBox="1"/>
-          <p:nvPr/>
-        </p:nvSpPr>
-        <p:spPr>
-          <a:xfrm>
-            <a:off x="9289790" y="1099226"/>
-            <a:ext cx="2616990" cy="2013626"/>
-          </a:xfrm>
-          <a:prstGeom prst="rect">
-            <a:avLst/>
-          </a:prstGeom>
-          <a:noFill/>
-          <a:ln>
-            <a:solidFill>
-              <a:schemeClr val="bg1"/>
-            </a:solidFill>
-          </a:ln>
-        </p:spPr>
-        <p:txBody>
-          <a:bodyPr wrap="square" rtlCol="0">
-            <a:spAutoFit/>
-          </a:bodyPr>
-          <a:lstStyle/>
-          <a:p>
-            <a:endParaRPr lang="en-US" dirty="0"/>
-          </a:p>
-        </p:txBody>
-      </p:sp>
       <p:cxnSp>
         <p:nvCxnSpPr>
-          <p:cNvPr id="28" name="Conector recto de flecha 27">
-            <a:extLst>
-              <a:ext uri="{FF2B5EF4-FFF2-40B4-BE49-F238E27FC236}">
-                <a16:creationId xmlns:a16="http://schemas.microsoft.com/office/drawing/2014/main" id="{18FB9522-FFDE-4F56-8C3D-450F4BFAB028}"/>
+          <p:cNvPr id="12" name="Conector recto de flecha 11">
+            <a:extLst>
+              <a:ext uri="{FF2B5EF4-FFF2-40B4-BE49-F238E27FC236}">
+                <a16:creationId xmlns:a16="http://schemas.microsoft.com/office/drawing/2014/main" id="{864C9DE1-4B25-4E8D-BACD-990C6B3F64E1}"/>
               </a:ext>
             </a:extLst>
           </p:cNvPr>
           <p:cNvCxnSpPr>
             <a:cxnSpLocks/>
-            <a:endCxn id="13" idx="1"/>
+            <a:stCxn id="6" idx="3"/>
+            <a:endCxn id="5" idx="1"/>
           </p:cNvCxnSpPr>
           <p:nvPr/>
         </p:nvCxnSpPr>
         <p:spPr>
           <a:xfrm>
-            <a:off x="8336604" y="2106039"/>
-            <a:ext cx="953186" cy="0"/>
+            <a:off x="3253682" y="2955333"/>
+            <a:ext cx="608928" cy="0"/>
           </a:xfrm>
           <a:prstGeom prst="straightConnector1">
             <a:avLst/>
@@ -5624,10 +5198,10 @@
       </p:cxnSp>
       <p:sp>
         <p:nvSpPr>
-          <p:cNvPr id="29" name="CuadroTexto 28">
-            <a:extLst>
-              <a:ext uri="{FF2B5EF4-FFF2-40B4-BE49-F238E27FC236}">
-                <a16:creationId xmlns:a16="http://schemas.microsoft.com/office/drawing/2014/main" id="{982B0BDA-8245-4D8E-BB1B-71C259DD536C}"/>
+          <p:cNvPr id="14" name="CuadroTexto 13">
+            <a:extLst>
+              <a:ext uri="{FF2B5EF4-FFF2-40B4-BE49-F238E27FC236}">
+                <a16:creationId xmlns:a16="http://schemas.microsoft.com/office/drawing/2014/main" id="{B8579608-CD71-4529-A8DF-5564C1172DAC}"/>
               </a:ext>
             </a:extLst>
           </p:cNvPr>
@@ -5636,46 +5210,7 @@
         </p:nvSpPr>
         <p:spPr>
           <a:xfrm>
-            <a:off x="97621" y="5155541"/>
-            <a:ext cx="1376218" cy="369332"/>
-          </a:xfrm>
-          <a:prstGeom prst="rect">
-            <a:avLst/>
-          </a:prstGeom>
-          <a:noFill/>
-        </p:spPr>
-        <p:txBody>
-          <a:bodyPr wrap="square" rtlCol="0">
-            <a:spAutoFit/>
-          </a:bodyPr>
-          <a:lstStyle/>
-          <a:p>
-            <a:r>
-              <a:rPr lang="en-US" dirty="0">
-                <a:solidFill>
-                  <a:schemeClr val="bg1"/>
-                </a:solidFill>
-              </a:rPr>
-              <a:t>Usage:</a:t>
-            </a:r>
-          </a:p>
-        </p:txBody>
-      </p:sp>
-      <p:sp>
-        <p:nvSpPr>
-          <p:cNvPr id="37" name="CuadroTexto 36">
-            <a:extLst>
-              <a:ext uri="{FF2B5EF4-FFF2-40B4-BE49-F238E27FC236}">
-                <a16:creationId xmlns:a16="http://schemas.microsoft.com/office/drawing/2014/main" id="{6E63413F-5101-430A-BCD4-8E659BABAA8D}"/>
-              </a:ext>
-            </a:extLst>
-          </p:cNvPr>
-          <p:cNvSpPr txBox="1"/>
-          <p:nvPr/>
-        </p:nvSpPr>
-        <p:spPr>
-          <a:xfrm>
-            <a:off x="8433623" y="1742902"/>
+            <a:off x="3253682" y="2583238"/>
             <a:ext cx="1376218" cy="369332"/>
           </a:xfrm>
           <a:prstGeom prst="rect">
@@ -5700,10 +5235,494 @@
           </a:p>
         </p:txBody>
       </p:sp>
+      <p:sp>
+        <p:nvSpPr>
+          <p:cNvPr id="31" name="CuadroTexto 30">
+            <a:extLst>
+              <a:ext uri="{FF2B5EF4-FFF2-40B4-BE49-F238E27FC236}">
+                <a16:creationId xmlns:a16="http://schemas.microsoft.com/office/drawing/2014/main" id="{FBF7026D-12F4-4541-8110-DE706094717A}"/>
+              </a:ext>
+            </a:extLst>
+          </p:cNvPr>
+          <p:cNvSpPr txBox="1"/>
+          <p:nvPr/>
+        </p:nvSpPr>
+        <p:spPr>
+          <a:xfrm>
+            <a:off x="484863" y="185392"/>
+            <a:ext cx="3397994" cy="646331"/>
+          </a:xfrm>
+          <a:prstGeom prst="rect">
+            <a:avLst/>
+          </a:prstGeom>
+          <a:noFill/>
+        </p:spPr>
+        <p:txBody>
+          <a:bodyPr wrap="square" rtlCol="0">
+            <a:spAutoFit/>
+          </a:bodyPr>
+          <a:lstStyle/>
+          <a:p>
+            <a:r>
+              <a:rPr lang="en-US" sz="3600" dirty="0" err="1">
+                <a:solidFill>
+                  <a:srgbClr val="53A2D3"/>
+                </a:solidFill>
+              </a:rPr>
+              <a:t>Teoría</a:t>
+            </a:r>
+            <a:endParaRPr lang="en-US" sz="3600" dirty="0">
+              <a:solidFill>
+                <a:srgbClr val="53A2D3"/>
+              </a:solidFill>
+            </a:endParaRPr>
+          </a:p>
+        </p:txBody>
+      </p:sp>
+      <p:pic>
+        <p:nvPicPr>
+          <p:cNvPr id="2" name="Imagen 1">
+            <a:extLst>
+              <a:ext uri="{FF2B5EF4-FFF2-40B4-BE49-F238E27FC236}">
+                <a16:creationId xmlns:a16="http://schemas.microsoft.com/office/drawing/2014/main" id="{3BC8EF47-888A-4EE4-9AE3-0325D360B9FB}"/>
+              </a:ext>
+            </a:extLst>
+          </p:cNvPr>
+          <p:cNvPicPr>
+            <a:picLocks noChangeAspect="1"/>
+          </p:cNvPicPr>
+          <p:nvPr/>
+        </p:nvPicPr>
+        <p:blipFill>
+          <a:blip r:embed="rId2"/>
+          <a:stretch>
+            <a:fillRect/>
+          </a:stretch>
+        </p:blipFill>
+        <p:spPr>
+          <a:xfrm>
+            <a:off x="8677274" y="880395"/>
+            <a:ext cx="3232951" cy="1008808"/>
+          </a:xfrm>
+          <a:prstGeom prst="rect">
+            <a:avLst/>
+          </a:prstGeom>
+          <a:effectLst>
+            <a:glow rad="25400">
+              <a:schemeClr val="bg1">
+                <a:alpha val="40000"/>
+              </a:schemeClr>
+            </a:glow>
+          </a:effectLst>
+        </p:spPr>
+      </p:pic>
+      <p:pic>
+        <p:nvPicPr>
+          <p:cNvPr id="3" name="Imagen 2">
+            <a:extLst>
+              <a:ext uri="{FF2B5EF4-FFF2-40B4-BE49-F238E27FC236}">
+                <a16:creationId xmlns:a16="http://schemas.microsoft.com/office/drawing/2014/main" id="{0D58A32E-D262-4166-8F3A-C6E88EE4DDEA}"/>
+              </a:ext>
+            </a:extLst>
+          </p:cNvPr>
+          <p:cNvPicPr>
+            <a:picLocks noChangeAspect="1"/>
+          </p:cNvPicPr>
+          <p:nvPr/>
+        </p:nvPicPr>
+        <p:blipFill>
+          <a:blip r:embed="rId3"/>
+          <a:stretch>
+            <a:fillRect/>
+          </a:stretch>
+        </p:blipFill>
+        <p:spPr>
+          <a:xfrm>
+            <a:off x="8629649" y="2450929"/>
+            <a:ext cx="3280576" cy="1003283"/>
+          </a:xfrm>
+          <a:prstGeom prst="rect">
+            <a:avLst/>
+          </a:prstGeom>
+          <a:effectLst>
+            <a:glow rad="25400">
+              <a:schemeClr val="bg1">
+                <a:alpha val="40000"/>
+              </a:schemeClr>
+            </a:glow>
+          </a:effectLst>
+        </p:spPr>
+      </p:pic>
+      <p:pic>
+        <p:nvPicPr>
+          <p:cNvPr id="4" name="Imagen 3">
+            <a:extLst>
+              <a:ext uri="{FF2B5EF4-FFF2-40B4-BE49-F238E27FC236}">
+                <a16:creationId xmlns:a16="http://schemas.microsoft.com/office/drawing/2014/main" id="{23EBA2EE-CDAC-4A82-8CAB-1A60B6C581B2}"/>
+              </a:ext>
+            </a:extLst>
+          </p:cNvPr>
+          <p:cNvPicPr>
+            <a:picLocks noChangeAspect="1"/>
+          </p:cNvPicPr>
+          <p:nvPr/>
+        </p:nvPicPr>
+        <p:blipFill>
+          <a:blip r:embed="rId4"/>
+          <a:stretch>
+            <a:fillRect/>
+          </a:stretch>
+        </p:blipFill>
+        <p:spPr>
+          <a:xfrm>
+            <a:off x="8629650" y="4036760"/>
+            <a:ext cx="3280576" cy="997742"/>
+          </a:xfrm>
+          <a:prstGeom prst="rect">
+            <a:avLst/>
+          </a:prstGeom>
+          <a:effectLst>
+            <a:glow rad="25400">
+              <a:schemeClr val="bg1">
+                <a:alpha val="40000"/>
+              </a:schemeClr>
+            </a:glow>
+          </a:effectLst>
+        </p:spPr>
+      </p:pic>
+      <p:pic>
+        <p:nvPicPr>
+          <p:cNvPr id="5" name="Imagen 4">
+            <a:extLst>
+              <a:ext uri="{FF2B5EF4-FFF2-40B4-BE49-F238E27FC236}">
+                <a16:creationId xmlns:a16="http://schemas.microsoft.com/office/drawing/2014/main" id="{6ED504B8-B7AE-459C-9B04-F4065A202477}"/>
+              </a:ext>
+            </a:extLst>
+          </p:cNvPr>
+          <p:cNvPicPr>
+            <a:picLocks noChangeAspect="1"/>
+          </p:cNvPicPr>
+          <p:nvPr/>
+        </p:nvPicPr>
+        <p:blipFill>
+          <a:blip r:embed="rId5"/>
+          <a:stretch>
+            <a:fillRect/>
+          </a:stretch>
+        </p:blipFill>
+        <p:spPr>
+          <a:xfrm>
+            <a:off x="3862610" y="1375035"/>
+            <a:ext cx="3359757" cy="3160596"/>
+          </a:xfrm>
+          <a:prstGeom prst="rect">
+            <a:avLst/>
+          </a:prstGeom>
+          <a:effectLst>
+            <a:glow rad="25400">
+              <a:schemeClr val="bg1">
+                <a:alpha val="40000"/>
+              </a:schemeClr>
+            </a:glow>
+          </a:effectLst>
+        </p:spPr>
+      </p:pic>
+      <p:pic>
+        <p:nvPicPr>
+          <p:cNvPr id="6" name="Imagen 5">
+            <a:extLst>
+              <a:ext uri="{FF2B5EF4-FFF2-40B4-BE49-F238E27FC236}">
+                <a16:creationId xmlns:a16="http://schemas.microsoft.com/office/drawing/2014/main" id="{F79878D0-D175-4A30-8E57-C04D2F7CE7CA}"/>
+              </a:ext>
+            </a:extLst>
+          </p:cNvPr>
+          <p:cNvPicPr>
+            <a:picLocks noChangeAspect="1"/>
+          </p:cNvPicPr>
+          <p:nvPr/>
+        </p:nvPicPr>
+        <p:blipFill>
+          <a:blip r:embed="rId6"/>
+          <a:stretch>
+            <a:fillRect/>
+          </a:stretch>
+        </p:blipFill>
+        <p:spPr>
+          <a:xfrm>
+            <a:off x="106457" y="2219840"/>
+            <a:ext cx="3147225" cy="1470986"/>
+          </a:xfrm>
+          <a:prstGeom prst="rect">
+            <a:avLst/>
+          </a:prstGeom>
+          <a:effectLst>
+            <a:glow rad="25400">
+              <a:schemeClr val="bg1">
+                <a:alpha val="40000"/>
+              </a:schemeClr>
+            </a:glow>
+          </a:effectLst>
+        </p:spPr>
+      </p:pic>
+      <p:cxnSp>
+        <p:nvCxnSpPr>
+          <p:cNvPr id="21" name="Conector recto de flecha 20">
+            <a:extLst>
+              <a:ext uri="{FF2B5EF4-FFF2-40B4-BE49-F238E27FC236}">
+                <a16:creationId xmlns:a16="http://schemas.microsoft.com/office/drawing/2014/main" id="{657B125F-F210-4C10-90D5-E2406540AF25}"/>
+              </a:ext>
+            </a:extLst>
+          </p:cNvPr>
+          <p:cNvCxnSpPr>
+            <a:cxnSpLocks/>
+            <a:stCxn id="5" idx="3"/>
+            <a:endCxn id="3" idx="1"/>
+          </p:cNvCxnSpPr>
+          <p:nvPr/>
+        </p:nvCxnSpPr>
+        <p:spPr>
+          <a:xfrm flipV="1">
+            <a:off x="7222367" y="2952571"/>
+            <a:ext cx="1407282" cy="2762"/>
+          </a:xfrm>
+          <a:prstGeom prst="straightConnector1">
+            <a:avLst/>
+          </a:prstGeom>
+          <a:ln w="12700">
+            <a:solidFill>
+              <a:schemeClr val="bg1"/>
+            </a:solidFill>
+            <a:tailEnd type="triangle"/>
+          </a:ln>
+        </p:spPr>
+        <p:style>
+          <a:lnRef idx="1">
+            <a:schemeClr val="accent1"/>
+          </a:lnRef>
+          <a:fillRef idx="0">
+            <a:schemeClr val="accent1"/>
+          </a:fillRef>
+          <a:effectRef idx="0">
+            <a:schemeClr val="accent1"/>
+          </a:effectRef>
+          <a:fontRef idx="minor">
+            <a:schemeClr val="tx1"/>
+          </a:fontRef>
+        </p:style>
+      </p:cxnSp>
+      <p:sp>
+        <p:nvSpPr>
+          <p:cNvPr id="22" name="CuadroTexto 21">
+            <a:extLst>
+              <a:ext uri="{FF2B5EF4-FFF2-40B4-BE49-F238E27FC236}">
+                <a16:creationId xmlns:a16="http://schemas.microsoft.com/office/drawing/2014/main" id="{64C9644A-8F54-4F7F-928B-4E1AB3ACFDD8}"/>
+              </a:ext>
+            </a:extLst>
+          </p:cNvPr>
+          <p:cNvSpPr txBox="1"/>
+          <p:nvPr/>
+        </p:nvSpPr>
+        <p:spPr>
+          <a:xfrm>
+            <a:off x="7587919" y="2583238"/>
+            <a:ext cx="1376218" cy="369332"/>
+          </a:xfrm>
+          <a:prstGeom prst="rect">
+            <a:avLst/>
+          </a:prstGeom>
+          <a:noFill/>
+        </p:spPr>
+        <p:txBody>
+          <a:bodyPr wrap="square" rtlCol="0">
+            <a:spAutoFit/>
+          </a:bodyPr>
+          <a:lstStyle/>
+          <a:p>
+            <a:r>
+              <a:rPr lang="en-US" dirty="0">
+                <a:solidFill>
+                  <a:schemeClr val="bg1"/>
+                </a:solidFill>
+              </a:rPr>
+              <a:t>calls</a:t>
+            </a:r>
+          </a:p>
+        </p:txBody>
+      </p:sp>
+      <p:cxnSp>
+        <p:nvCxnSpPr>
+          <p:cNvPr id="23" name="Conector recto de flecha 22">
+            <a:extLst>
+              <a:ext uri="{FF2B5EF4-FFF2-40B4-BE49-F238E27FC236}">
+                <a16:creationId xmlns:a16="http://schemas.microsoft.com/office/drawing/2014/main" id="{659FD9CC-0ED7-48DA-B353-E983B8B32E24}"/>
+              </a:ext>
+            </a:extLst>
+          </p:cNvPr>
+          <p:cNvCxnSpPr>
+            <a:cxnSpLocks/>
+            <a:stCxn id="5" idx="3"/>
+            <a:endCxn id="2" idx="1"/>
+          </p:cNvCxnSpPr>
+          <p:nvPr/>
+        </p:nvCxnSpPr>
+        <p:spPr>
+          <a:xfrm flipV="1">
+            <a:off x="7222367" y="1384799"/>
+            <a:ext cx="1454907" cy="1570534"/>
+          </a:xfrm>
+          <a:prstGeom prst="straightConnector1">
+            <a:avLst/>
+          </a:prstGeom>
+          <a:ln w="12700">
+            <a:solidFill>
+              <a:schemeClr val="bg1"/>
+            </a:solidFill>
+            <a:tailEnd type="triangle"/>
+          </a:ln>
+        </p:spPr>
+        <p:style>
+          <a:lnRef idx="1">
+            <a:schemeClr val="accent1"/>
+          </a:lnRef>
+          <a:fillRef idx="0">
+            <a:schemeClr val="accent1"/>
+          </a:fillRef>
+          <a:effectRef idx="0">
+            <a:schemeClr val="accent1"/>
+          </a:effectRef>
+          <a:fontRef idx="minor">
+            <a:schemeClr val="tx1"/>
+          </a:fontRef>
+        </p:style>
+      </p:cxnSp>
+      <p:sp>
+        <p:nvSpPr>
+          <p:cNvPr id="24" name="CuadroTexto 23">
+            <a:extLst>
+              <a:ext uri="{FF2B5EF4-FFF2-40B4-BE49-F238E27FC236}">
+                <a16:creationId xmlns:a16="http://schemas.microsoft.com/office/drawing/2014/main" id="{49EC6474-4E8B-4074-9043-8B456DE43AC5}"/>
+              </a:ext>
+            </a:extLst>
+          </p:cNvPr>
+          <p:cNvSpPr txBox="1"/>
+          <p:nvPr/>
+        </p:nvSpPr>
+        <p:spPr>
+          <a:xfrm>
+            <a:off x="7587919" y="3875029"/>
+            <a:ext cx="1376218" cy="369332"/>
+          </a:xfrm>
+          <a:prstGeom prst="rect">
+            <a:avLst/>
+          </a:prstGeom>
+          <a:noFill/>
+        </p:spPr>
+        <p:txBody>
+          <a:bodyPr wrap="square" rtlCol="0">
+            <a:spAutoFit/>
+          </a:bodyPr>
+          <a:lstStyle/>
+          <a:p>
+            <a:r>
+              <a:rPr lang="en-US" dirty="0">
+                <a:solidFill>
+                  <a:schemeClr val="bg1"/>
+                </a:solidFill>
+              </a:rPr>
+              <a:t>calls</a:t>
+            </a:r>
+          </a:p>
+        </p:txBody>
+      </p:sp>
+      <p:cxnSp>
+        <p:nvCxnSpPr>
+          <p:cNvPr id="25" name="Conector recto de flecha 24">
+            <a:extLst>
+              <a:ext uri="{FF2B5EF4-FFF2-40B4-BE49-F238E27FC236}">
+                <a16:creationId xmlns:a16="http://schemas.microsoft.com/office/drawing/2014/main" id="{3CC6DB77-8AFE-4568-96A0-4F1DD4F57789}"/>
+              </a:ext>
+            </a:extLst>
+          </p:cNvPr>
+          <p:cNvCxnSpPr>
+            <a:cxnSpLocks/>
+            <a:stCxn id="5" idx="3"/>
+            <a:endCxn id="4" idx="1"/>
+          </p:cNvCxnSpPr>
+          <p:nvPr/>
+        </p:nvCxnSpPr>
+        <p:spPr>
+          <a:xfrm>
+            <a:off x="7222367" y="2955333"/>
+            <a:ext cx="1407283" cy="1580298"/>
+          </a:xfrm>
+          <a:prstGeom prst="straightConnector1">
+            <a:avLst/>
+          </a:prstGeom>
+          <a:ln w="12700">
+            <a:solidFill>
+              <a:schemeClr val="bg1"/>
+            </a:solidFill>
+            <a:tailEnd type="triangle"/>
+          </a:ln>
+        </p:spPr>
+        <p:style>
+          <a:lnRef idx="1">
+            <a:schemeClr val="accent1"/>
+          </a:lnRef>
+          <a:fillRef idx="0">
+            <a:schemeClr val="accent1"/>
+          </a:fillRef>
+          <a:effectRef idx="0">
+            <a:schemeClr val="accent1"/>
+          </a:effectRef>
+          <a:fontRef idx="minor">
+            <a:schemeClr val="tx1"/>
+          </a:fontRef>
+        </p:style>
+      </p:cxnSp>
+      <p:sp>
+        <p:nvSpPr>
+          <p:cNvPr id="26" name="CuadroTexto 25">
+            <a:extLst>
+              <a:ext uri="{FF2B5EF4-FFF2-40B4-BE49-F238E27FC236}">
+                <a16:creationId xmlns:a16="http://schemas.microsoft.com/office/drawing/2014/main" id="{D1D54606-D117-4018-9BD6-D871D677ABC3}"/>
+              </a:ext>
+            </a:extLst>
+          </p:cNvPr>
+          <p:cNvSpPr txBox="1"/>
+          <p:nvPr/>
+        </p:nvSpPr>
+        <p:spPr>
+          <a:xfrm>
+            <a:off x="7587919" y="1595945"/>
+            <a:ext cx="1376218" cy="369332"/>
+          </a:xfrm>
+          <a:prstGeom prst="rect">
+            <a:avLst/>
+          </a:prstGeom>
+          <a:noFill/>
+        </p:spPr>
+        <p:txBody>
+          <a:bodyPr wrap="square" rtlCol="0">
+            <a:spAutoFit/>
+          </a:bodyPr>
+          <a:lstStyle/>
+          <a:p>
+            <a:r>
+              <a:rPr lang="en-US" dirty="0">
+                <a:solidFill>
+                  <a:schemeClr val="bg1"/>
+                </a:solidFill>
+              </a:rPr>
+              <a:t>calls</a:t>
+            </a:r>
+          </a:p>
+        </p:txBody>
+      </p:sp>
     </p:spTree>
     <p:extLst>
       <p:ext uri="{BB962C8B-B14F-4D97-AF65-F5344CB8AC3E}">
-        <p14:creationId xmlns:p14="http://schemas.microsoft.com/office/powerpoint/2010/main" val="458315806"/>
+        <p14:creationId xmlns:p14="http://schemas.microsoft.com/office/powerpoint/2010/main" val="3510976558"/>
       </p:ext>
     </p:extLst>
   </p:cSld>
@@ -5713,7 +5732,7 @@
 </p:sld>
 </file>
 
-<file path=ppt/slides/slide16.xml><?xml version="1.0" encoding="utf-8"?>
+<file path=ppt/slides/slide17.xml><?xml version="1.0" encoding="utf-8"?>
 <p:sld xmlns:a="http://schemas.openxmlformats.org/drawingml/2006/main" xmlns:r="http://schemas.openxmlformats.org/officeDocument/2006/relationships" xmlns:p="http://schemas.openxmlformats.org/presentationml/2006/main">
   <p:cSld>
     <p:spTree>
@@ -5735,7 +5754,7 @@
           <p:cNvPr id="2" name="Título 1">
             <a:extLst>
               <a:ext uri="{FF2B5EF4-FFF2-40B4-BE49-F238E27FC236}">
-                <a16:creationId xmlns:a16="http://schemas.microsoft.com/office/drawing/2014/main" id="{51E579E3-4D4D-4391-A4DB-77F6C6DD84BE}"/>
+                <a16:creationId xmlns:a16="http://schemas.microsoft.com/office/drawing/2014/main" id="{76BD9A5A-574E-4A01-B4A1-C92D21C4F273}"/>
               </a:ext>
             </a:extLst>
           </p:cNvPr>
@@ -5746,490 +5765,298 @@
             <p:ph type="title"/>
           </p:nvPr>
         </p:nvSpPr>
-        <p:spPr>
-          <a:xfrm>
-            <a:off x="900344" y="2766218"/>
-            <a:ext cx="10515600" cy="1325563"/>
-          </a:xfrm>
-        </p:spPr>
+        <p:spPr/>
         <p:txBody>
           <a:bodyPr/>
           <a:lstStyle/>
           <a:p>
             <a:r>
-              <a:rPr lang="es-ES" dirty="0" err="1">
-                <a:solidFill>
-                  <a:srgbClr val="000000"/>
-                </a:solidFill>
-                <a:latin typeface="Calibri" panose="020F0502020204030204" pitchFamily="34" charset="0"/>
-              </a:rPr>
-              <a:t>Flyweight</a:t>
-            </a:r>
-            <a:r>
-              <a:rPr lang="es-ES" dirty="0">
-                <a:solidFill>
-                  <a:srgbClr val="000000"/>
-                </a:solidFill>
-                <a:latin typeface="Calibri" panose="020F0502020204030204" pitchFamily="34" charset="0"/>
-              </a:rPr>
+              <a:rPr lang="en-US" dirty="0"/>
+              <a:t>¿Por </a:t>
+            </a:r>
+            <a:r>
+              <a:rPr lang="en-US" dirty="0" err="1"/>
+              <a:t>qué</a:t>
+            </a:r>
+            <a:r>
+              <a:rPr lang="en-US" dirty="0"/>
               <a:t> </a:t>
             </a:r>
             <a:r>
-              <a:rPr lang="es-ES" dirty="0" err="1">
-                <a:solidFill>
-                  <a:srgbClr val="000000"/>
-                </a:solidFill>
-                <a:latin typeface="Calibri" panose="020F0502020204030204" pitchFamily="34" charset="0"/>
-              </a:rPr>
-              <a:t>pattern</a:t>
-            </a:r>
-            <a:endParaRPr lang="en-US" dirty="0"/>
+              <a:rPr lang="en-US" dirty="0" err="1"/>
+              <a:t>aplicamos</a:t>
+            </a:r>
+            <a:r>
+              <a:rPr lang="en-US" dirty="0"/>
+              <a:t> </a:t>
+            </a:r>
+            <a:r>
+              <a:rPr lang="en-US" dirty="0" err="1"/>
+              <a:t>este</a:t>
+            </a:r>
+            <a:r>
+              <a:rPr lang="en-US" dirty="0"/>
+              <a:t> </a:t>
+            </a:r>
+            <a:r>
+              <a:rPr lang="en-US" dirty="0" err="1"/>
+              <a:t>patrón</a:t>
+            </a:r>
+            <a:r>
+              <a:rPr lang="en-US" dirty="0"/>
+              <a:t>?</a:t>
+            </a:r>
+          </a:p>
+        </p:txBody>
+      </p:sp>
+      <p:sp>
+        <p:nvSpPr>
+          <p:cNvPr id="3" name="Marcador de contenido 2">
+            <a:extLst>
+              <a:ext uri="{FF2B5EF4-FFF2-40B4-BE49-F238E27FC236}">
+                <a16:creationId xmlns:a16="http://schemas.microsoft.com/office/drawing/2014/main" id="{39BACE21-12A9-4ABB-9AA1-D3BFDA8198C9}"/>
+              </a:ext>
+            </a:extLst>
+          </p:cNvPr>
+          <p:cNvSpPr>
+            <a:spLocks noGrp="1"/>
+          </p:cNvSpPr>
+          <p:nvPr>
+            <p:ph idx="1"/>
+          </p:nvPr>
+        </p:nvSpPr>
+        <p:spPr/>
+        <p:txBody>
+          <a:bodyPr/>
+          <a:lstStyle/>
+          <a:p>
+            <a:pPr algn="just"/>
+            <a:r>
+              <a:rPr lang="en-US" dirty="0" err="1"/>
+              <a:t>Encapsulación</a:t>
+            </a:r>
+            <a:r>
+              <a:rPr lang="en-US" dirty="0"/>
+              <a:t>: El </a:t>
+            </a:r>
+            <a:r>
+              <a:rPr lang="en-US" dirty="0" err="1"/>
+              <a:t>cliente</a:t>
+            </a:r>
+            <a:r>
+              <a:rPr lang="en-US" dirty="0"/>
+              <a:t> no </a:t>
+            </a:r>
+            <a:r>
+              <a:rPr lang="en-US" dirty="0" err="1"/>
+              <a:t>conoce</a:t>
+            </a:r>
+            <a:r>
+              <a:rPr lang="en-US" dirty="0"/>
+              <a:t> </a:t>
+            </a:r>
+            <a:r>
+              <a:rPr lang="en-US" dirty="0" err="1"/>
+              <a:t>ni</a:t>
+            </a:r>
+            <a:r>
+              <a:rPr lang="en-US" dirty="0"/>
+              <a:t> </a:t>
+            </a:r>
+            <a:r>
+              <a:rPr lang="en-US" dirty="0" err="1"/>
+              <a:t>depende</a:t>
+            </a:r>
+            <a:r>
+              <a:rPr lang="en-US" dirty="0"/>
+              <a:t> de la </a:t>
+            </a:r>
+            <a:r>
+              <a:rPr lang="en-US" dirty="0" err="1"/>
+              <a:t>implementación</a:t>
+            </a:r>
+            <a:r>
+              <a:rPr lang="en-US" dirty="0"/>
+              <a:t> </a:t>
+            </a:r>
+            <a:r>
+              <a:rPr lang="en-US" dirty="0" err="1"/>
+              <a:t>interna</a:t>
+            </a:r>
+            <a:r>
+              <a:rPr lang="en-US" dirty="0"/>
+              <a:t> de </a:t>
+            </a:r>
+            <a:r>
+              <a:rPr lang="en-US" dirty="0" err="1"/>
+              <a:t>cada</a:t>
+            </a:r>
+            <a:r>
+              <a:rPr lang="en-US" dirty="0"/>
+              <a:t> </a:t>
+            </a:r>
+            <a:r>
+              <a:rPr lang="en-US" dirty="0" err="1"/>
+              <a:t>operación</a:t>
+            </a:r>
+            <a:r>
+              <a:rPr lang="en-US" dirty="0"/>
+              <a:t>.</a:t>
+            </a:r>
+          </a:p>
+          <a:p>
+            <a:pPr algn="just"/>
+            <a:r>
+              <a:rPr lang="en-US" dirty="0" err="1"/>
+              <a:t>Versatilidad</a:t>
+            </a:r>
+            <a:r>
+              <a:rPr lang="en-US" dirty="0"/>
+              <a:t>: Podemos </a:t>
+            </a:r>
+            <a:r>
+              <a:rPr lang="en-US" dirty="0" err="1"/>
+              <a:t>cambiar</a:t>
+            </a:r>
+            <a:r>
+              <a:rPr lang="en-US" dirty="0"/>
+              <a:t> los </a:t>
+            </a:r>
+            <a:r>
+              <a:rPr lang="en-US" dirty="0" err="1"/>
+              <a:t>subsistemas</a:t>
+            </a:r>
+            <a:r>
+              <a:rPr lang="en-US" dirty="0"/>
+              <a:t> o </a:t>
+            </a:r>
+            <a:r>
+              <a:rPr lang="en-US" dirty="0" err="1"/>
+              <a:t>módulos</a:t>
+            </a:r>
+            <a:r>
+              <a:rPr lang="en-US" dirty="0"/>
+              <a:t> </a:t>
+            </a:r>
+            <a:r>
+              <a:rPr lang="en-US" dirty="0" err="1"/>
+              <a:t>implicados</a:t>
+            </a:r>
+            <a:r>
+              <a:rPr lang="en-US" dirty="0"/>
+              <a:t> </a:t>
+            </a:r>
+            <a:r>
+              <a:rPr lang="en-US" dirty="0" err="1"/>
+              <a:t>en</a:t>
+            </a:r>
+            <a:r>
+              <a:rPr lang="en-US" dirty="0"/>
+              <a:t> </a:t>
+            </a:r>
+            <a:r>
+              <a:rPr lang="en-US" dirty="0" err="1"/>
+              <a:t>cada</a:t>
+            </a:r>
+            <a:r>
+              <a:rPr lang="en-US" dirty="0"/>
+              <a:t> </a:t>
+            </a:r>
+            <a:r>
+              <a:rPr lang="en-US" dirty="0" err="1"/>
+              <a:t>operación</a:t>
+            </a:r>
+            <a:r>
+              <a:rPr lang="en-US" dirty="0"/>
+              <a:t> sin romper la </a:t>
+            </a:r>
+            <a:r>
+              <a:rPr lang="en-US" dirty="0" err="1"/>
+              <a:t>compatibilidad</a:t>
+            </a:r>
+            <a:r>
+              <a:rPr lang="en-US" dirty="0"/>
+              <a:t> con el </a:t>
+            </a:r>
+            <a:r>
+              <a:rPr lang="en-US" dirty="0" err="1"/>
+              <a:t>cliente</a:t>
+            </a:r>
+            <a:r>
+              <a:rPr lang="en-US" dirty="0"/>
+              <a:t>. </a:t>
+            </a:r>
+            <a:r>
+              <a:rPr lang="en-US" dirty="0" err="1"/>
+              <a:t>Incluso</a:t>
+            </a:r>
+            <a:r>
+              <a:rPr lang="en-US" dirty="0"/>
+              <a:t> </a:t>
+            </a:r>
+            <a:r>
+              <a:rPr lang="en-US" dirty="0" err="1"/>
+              <a:t>podríamos</a:t>
+            </a:r>
+            <a:r>
+              <a:rPr lang="en-US" dirty="0"/>
+              <a:t> </a:t>
+            </a:r>
+            <a:r>
+              <a:rPr lang="en-US" dirty="0" err="1"/>
+              <a:t>cambiar</a:t>
+            </a:r>
+            <a:r>
+              <a:rPr lang="en-US" dirty="0"/>
+              <a:t> la </a:t>
+            </a:r>
+            <a:r>
+              <a:rPr lang="en-US" dirty="0" err="1"/>
+              <a:t>fachada</a:t>
+            </a:r>
+            <a:r>
+              <a:rPr lang="en-US" dirty="0"/>
+              <a:t> </a:t>
+            </a:r>
+            <a:r>
+              <a:rPr lang="en-US" dirty="0" err="1"/>
+              <a:t>siempre</a:t>
+            </a:r>
+            <a:r>
+              <a:rPr lang="en-US" dirty="0"/>
+              <a:t> que </a:t>
+            </a:r>
+            <a:r>
+              <a:rPr lang="en-US" dirty="0" err="1"/>
+              <a:t>cumpliera</a:t>
+            </a:r>
+            <a:r>
+              <a:rPr lang="en-US" dirty="0"/>
+              <a:t> la </a:t>
+            </a:r>
+            <a:r>
+              <a:rPr lang="en-US" dirty="0" err="1"/>
+              <a:t>misma</a:t>
+            </a:r>
+            <a:r>
+              <a:rPr lang="en-US" dirty="0"/>
+              <a:t> </a:t>
+            </a:r>
+            <a:r>
+              <a:rPr lang="en-US" dirty="0" err="1"/>
+              <a:t>interfaz</a:t>
+            </a:r>
+            <a:r>
+              <a:rPr lang="en-US" dirty="0"/>
+              <a:t>.</a:t>
+            </a:r>
           </a:p>
         </p:txBody>
       </p:sp>
     </p:spTree>
     <p:extLst>
       <p:ext uri="{BB962C8B-B14F-4D97-AF65-F5344CB8AC3E}">
-        <p14:creationId xmlns:p14="http://schemas.microsoft.com/office/powerpoint/2010/main" val="111627758"/>
-      </p:ext>
-    </p:extLst>
-  </p:cSld>
-  <p:clrMapOvr>
-    <a:masterClrMapping/>
-  </p:clrMapOvr>
-</p:sld>
-</file>
-
-<file path=ppt/slides/slide17.xml><?xml version="1.0" encoding="utf-8"?>
-<p:sld xmlns:a="http://schemas.openxmlformats.org/drawingml/2006/main" xmlns:r="http://schemas.openxmlformats.org/officeDocument/2006/relationships" xmlns:p="http://schemas.openxmlformats.org/presentationml/2006/main">
-  <p:cSld>
-    <p:bg>
-      <p:bgPr>
-        <a:solidFill>
-          <a:srgbClr val="1E1E1E"/>
-        </a:solidFill>
-        <a:effectLst/>
-      </p:bgPr>
-    </p:bg>
-    <p:spTree>
-      <p:nvGrpSpPr>
-        <p:cNvPr id="1" name=""/>
-        <p:cNvGrpSpPr/>
-        <p:nvPr/>
-      </p:nvGrpSpPr>
-      <p:grpSpPr>
-        <a:xfrm>
-          <a:off x="0" y="0"/>
-          <a:ext cx="0" cy="0"/>
-          <a:chOff x="0" y="0"/>
-          <a:chExt cx="0" cy="0"/>
-        </a:xfrm>
-      </p:grpSpPr>
-      <p:sp>
-        <p:nvSpPr>
-          <p:cNvPr id="31" name="CuadroTexto 30">
-            <a:extLst>
-              <a:ext uri="{FF2B5EF4-FFF2-40B4-BE49-F238E27FC236}">
-                <a16:creationId xmlns:a16="http://schemas.microsoft.com/office/drawing/2014/main" id="{FBF7026D-12F4-4541-8110-DE706094717A}"/>
-              </a:ext>
-            </a:extLst>
-          </p:cNvPr>
-          <p:cNvSpPr txBox="1"/>
-          <p:nvPr/>
-        </p:nvSpPr>
-        <p:spPr>
-          <a:xfrm>
-            <a:off x="484863" y="185392"/>
-            <a:ext cx="3397994" cy="646331"/>
-          </a:xfrm>
-          <a:prstGeom prst="rect">
-            <a:avLst/>
-          </a:prstGeom>
-          <a:noFill/>
-        </p:spPr>
-        <p:txBody>
-          <a:bodyPr wrap="square" rtlCol="0">
-            <a:spAutoFit/>
-          </a:bodyPr>
-          <a:lstStyle/>
-          <a:p>
-            <a:r>
-              <a:rPr lang="en-US" sz="3600" dirty="0" err="1">
-                <a:solidFill>
-                  <a:srgbClr val="53A2D3"/>
-                </a:solidFill>
-              </a:rPr>
-              <a:t>Teoría</a:t>
-            </a:r>
-            <a:endParaRPr lang="en-US" sz="3600" dirty="0">
-              <a:solidFill>
-                <a:srgbClr val="53A2D3"/>
-              </a:solidFill>
-            </a:endParaRPr>
-          </a:p>
-        </p:txBody>
-      </p:sp>
-      <p:pic>
-        <p:nvPicPr>
-          <p:cNvPr id="16" name="Imagen 15">
-            <a:extLst>
-              <a:ext uri="{FF2B5EF4-FFF2-40B4-BE49-F238E27FC236}">
-                <a16:creationId xmlns:a16="http://schemas.microsoft.com/office/drawing/2014/main" id="{8279B1F2-16FE-496F-83D6-D5898593528C}"/>
-              </a:ext>
-            </a:extLst>
-          </p:cNvPr>
-          <p:cNvPicPr>
-            <a:picLocks noChangeAspect="1"/>
-          </p:cNvPicPr>
-          <p:nvPr/>
-        </p:nvPicPr>
-        <p:blipFill>
-          <a:blip r:embed="rId2"/>
-          <a:stretch>
-            <a:fillRect/>
-          </a:stretch>
-        </p:blipFill>
-        <p:spPr>
-          <a:xfrm>
-            <a:off x="6773819" y="1330496"/>
-            <a:ext cx="5056334" cy="3368332"/>
-          </a:xfrm>
-          <a:prstGeom prst="rect">
-            <a:avLst/>
-          </a:prstGeom>
-          <a:effectLst>
-            <a:glow rad="25400">
-              <a:schemeClr val="bg1">
-                <a:alpha val="40000"/>
-              </a:schemeClr>
-            </a:glow>
-          </a:effectLst>
-        </p:spPr>
-      </p:pic>
-      <p:pic>
-        <p:nvPicPr>
-          <p:cNvPr id="17" name="Imagen 16">
-            <a:extLst>
-              <a:ext uri="{FF2B5EF4-FFF2-40B4-BE49-F238E27FC236}">
-                <a16:creationId xmlns:a16="http://schemas.microsoft.com/office/drawing/2014/main" id="{814408AF-29F6-49B7-8987-D380B75236D6}"/>
-              </a:ext>
-            </a:extLst>
-          </p:cNvPr>
-          <p:cNvPicPr>
-            <a:picLocks noChangeAspect="1"/>
-          </p:cNvPicPr>
-          <p:nvPr/>
-        </p:nvPicPr>
-        <p:blipFill>
-          <a:blip r:embed="rId3"/>
-          <a:stretch>
-            <a:fillRect/>
-          </a:stretch>
-        </p:blipFill>
-        <p:spPr>
-          <a:xfrm>
-            <a:off x="286608" y="2600325"/>
-            <a:ext cx="4410075" cy="828675"/>
-          </a:xfrm>
-          <a:prstGeom prst="rect">
-            <a:avLst/>
-          </a:prstGeom>
-          <a:effectLst>
-            <a:glow rad="25400">
-              <a:schemeClr val="bg1">
-                <a:alpha val="40000"/>
-              </a:schemeClr>
-            </a:glow>
-          </a:effectLst>
-        </p:spPr>
-      </p:pic>
-      <p:pic>
-        <p:nvPicPr>
-          <p:cNvPr id="18" name="Imagen 17">
-            <a:extLst>
-              <a:ext uri="{FF2B5EF4-FFF2-40B4-BE49-F238E27FC236}">
-                <a16:creationId xmlns:a16="http://schemas.microsoft.com/office/drawing/2014/main" id="{63B33F79-0635-479F-B1A9-CD9F7970F356}"/>
-              </a:ext>
-            </a:extLst>
-          </p:cNvPr>
-          <p:cNvPicPr>
-            <a:picLocks noChangeAspect="1"/>
-          </p:cNvPicPr>
-          <p:nvPr/>
-        </p:nvPicPr>
-        <p:blipFill>
-          <a:blip r:embed="rId4"/>
-          <a:stretch>
-            <a:fillRect/>
-          </a:stretch>
-        </p:blipFill>
-        <p:spPr>
-          <a:xfrm>
-            <a:off x="1034320" y="1197984"/>
-            <a:ext cx="2914650" cy="723900"/>
-          </a:xfrm>
-          <a:prstGeom prst="rect">
-            <a:avLst/>
-          </a:prstGeom>
-          <a:effectLst>
-            <a:glow rad="25400">
-              <a:schemeClr val="bg1">
-                <a:alpha val="40000"/>
-              </a:schemeClr>
-            </a:glow>
-          </a:effectLst>
-        </p:spPr>
-      </p:pic>
-      <p:pic>
-        <p:nvPicPr>
-          <p:cNvPr id="19" name="Imagen 18">
-            <a:extLst>
-              <a:ext uri="{FF2B5EF4-FFF2-40B4-BE49-F238E27FC236}">
-                <a16:creationId xmlns:a16="http://schemas.microsoft.com/office/drawing/2014/main" id="{9A539867-B6CE-43FE-94B2-B21383E97B22}"/>
-              </a:ext>
-            </a:extLst>
-          </p:cNvPr>
-          <p:cNvPicPr>
-            <a:picLocks noChangeAspect="1"/>
-          </p:cNvPicPr>
-          <p:nvPr/>
-        </p:nvPicPr>
-        <p:blipFill>
-          <a:blip r:embed="rId5"/>
-          <a:stretch>
-            <a:fillRect/>
-          </a:stretch>
-        </p:blipFill>
-        <p:spPr>
-          <a:xfrm>
-            <a:off x="286608" y="4512937"/>
-            <a:ext cx="5452844" cy="1886725"/>
-          </a:xfrm>
-          <a:prstGeom prst="rect">
-            <a:avLst/>
-          </a:prstGeom>
-          <a:effectLst>
-            <a:glow rad="25400">
-              <a:schemeClr val="bg1">
-                <a:alpha val="40000"/>
-              </a:schemeClr>
-            </a:glow>
-          </a:effectLst>
-        </p:spPr>
-      </p:pic>
-      <p:sp>
-        <p:nvSpPr>
-          <p:cNvPr id="20" name="CuadroTexto 19">
-            <a:extLst>
-              <a:ext uri="{FF2B5EF4-FFF2-40B4-BE49-F238E27FC236}">
-                <a16:creationId xmlns:a16="http://schemas.microsoft.com/office/drawing/2014/main" id="{BC515246-2D70-43C4-9490-C2DB84607B63}"/>
-              </a:ext>
-            </a:extLst>
-          </p:cNvPr>
-          <p:cNvSpPr txBox="1"/>
-          <p:nvPr/>
-        </p:nvSpPr>
-        <p:spPr>
-          <a:xfrm>
-            <a:off x="2491645" y="2103479"/>
-            <a:ext cx="1376218" cy="369332"/>
-          </a:xfrm>
-          <a:prstGeom prst="rect">
-            <a:avLst/>
-          </a:prstGeom>
-          <a:noFill/>
-        </p:spPr>
-        <p:txBody>
-          <a:bodyPr wrap="square" rtlCol="0">
-            <a:spAutoFit/>
-          </a:bodyPr>
-          <a:lstStyle/>
-          <a:p>
-            <a:r>
-              <a:rPr lang="en-US" dirty="0">
-                <a:solidFill>
-                  <a:schemeClr val="bg1"/>
-                </a:solidFill>
-              </a:rPr>
-              <a:t>implements</a:t>
-            </a:r>
-          </a:p>
-        </p:txBody>
-      </p:sp>
-      <p:cxnSp>
-        <p:nvCxnSpPr>
-          <p:cNvPr id="27" name="Conector recto de flecha 26">
-            <a:extLst>
-              <a:ext uri="{FF2B5EF4-FFF2-40B4-BE49-F238E27FC236}">
-                <a16:creationId xmlns:a16="http://schemas.microsoft.com/office/drawing/2014/main" id="{4B88947E-6AF8-4F12-A84D-22205FA18A23}"/>
-              </a:ext>
-            </a:extLst>
-          </p:cNvPr>
-          <p:cNvCxnSpPr>
-            <a:cxnSpLocks/>
-            <a:stCxn id="17" idx="0"/>
-            <a:endCxn id="18" idx="2"/>
-          </p:cNvCxnSpPr>
-          <p:nvPr/>
-        </p:nvCxnSpPr>
-        <p:spPr>
-          <a:xfrm flipH="1" flipV="1">
-            <a:off x="2491645" y="1921884"/>
-            <a:ext cx="1" cy="678441"/>
-          </a:xfrm>
-          <a:prstGeom prst="straightConnector1">
-            <a:avLst/>
-          </a:prstGeom>
-          <a:ln w="12700">
-            <a:solidFill>
-              <a:schemeClr val="bg1"/>
-            </a:solidFill>
-            <a:tailEnd type="triangle"/>
-          </a:ln>
-        </p:spPr>
-        <p:style>
-          <a:lnRef idx="1">
-            <a:schemeClr val="accent1"/>
-          </a:lnRef>
-          <a:fillRef idx="0">
-            <a:schemeClr val="accent1"/>
-          </a:fillRef>
-          <a:effectRef idx="0">
-            <a:schemeClr val="accent1"/>
-          </a:effectRef>
-          <a:fontRef idx="minor">
-            <a:schemeClr val="tx1"/>
-          </a:fontRef>
-        </p:style>
-      </p:cxnSp>
-      <p:sp>
-        <p:nvSpPr>
-          <p:cNvPr id="28" name="CuadroTexto 27">
-            <a:extLst>
-              <a:ext uri="{FF2B5EF4-FFF2-40B4-BE49-F238E27FC236}">
-                <a16:creationId xmlns:a16="http://schemas.microsoft.com/office/drawing/2014/main" id="{4B2613B0-1FC0-43F3-A529-95CB9D285597}"/>
-              </a:ext>
-            </a:extLst>
-          </p:cNvPr>
-          <p:cNvSpPr txBox="1"/>
-          <p:nvPr/>
-        </p:nvSpPr>
-        <p:spPr>
-          <a:xfrm>
-            <a:off x="175796" y="4107441"/>
-            <a:ext cx="1376218" cy="369332"/>
-          </a:xfrm>
-          <a:prstGeom prst="rect">
-            <a:avLst/>
-          </a:prstGeom>
-          <a:noFill/>
-        </p:spPr>
-        <p:txBody>
-          <a:bodyPr wrap="square" rtlCol="0">
-            <a:spAutoFit/>
-          </a:bodyPr>
-          <a:lstStyle/>
-          <a:p>
-            <a:r>
-              <a:rPr lang="en-US" dirty="0">
-                <a:solidFill>
-                  <a:schemeClr val="bg1"/>
-                </a:solidFill>
-              </a:rPr>
-              <a:t>Usage:</a:t>
-            </a:r>
-          </a:p>
-        </p:txBody>
-      </p:sp>
-      <p:sp>
-        <p:nvSpPr>
-          <p:cNvPr id="30" name="CuadroTexto 29">
-            <a:extLst>
-              <a:ext uri="{FF2B5EF4-FFF2-40B4-BE49-F238E27FC236}">
-                <a16:creationId xmlns:a16="http://schemas.microsoft.com/office/drawing/2014/main" id="{569BCF64-BAC8-4FD5-8908-9AD9B1AE6942}"/>
-              </a:ext>
-            </a:extLst>
-          </p:cNvPr>
-          <p:cNvSpPr txBox="1"/>
-          <p:nvPr/>
-        </p:nvSpPr>
-        <p:spPr>
-          <a:xfrm>
-            <a:off x="4852727" y="2639825"/>
-            <a:ext cx="1921092" cy="369332"/>
-          </a:xfrm>
-          <a:prstGeom prst="rect">
-            <a:avLst/>
-          </a:prstGeom>
-          <a:noFill/>
-        </p:spPr>
-        <p:txBody>
-          <a:bodyPr wrap="square" rtlCol="0">
-            <a:spAutoFit/>
-          </a:bodyPr>
-          <a:lstStyle/>
-          <a:p>
-            <a:r>
-              <a:rPr lang="en-US" dirty="0">
-                <a:solidFill>
-                  <a:schemeClr val="bg1"/>
-                </a:solidFill>
-              </a:rPr>
-              <a:t>creates and stores</a:t>
-            </a:r>
-          </a:p>
-        </p:txBody>
-      </p:sp>
-      <p:cxnSp>
-        <p:nvCxnSpPr>
-          <p:cNvPr id="32" name="Conector recto de flecha 31">
-            <a:extLst>
-              <a:ext uri="{FF2B5EF4-FFF2-40B4-BE49-F238E27FC236}">
-                <a16:creationId xmlns:a16="http://schemas.microsoft.com/office/drawing/2014/main" id="{B23CEE8A-B932-43D2-8D21-F8D9AA2A80A1}"/>
-              </a:ext>
-            </a:extLst>
-          </p:cNvPr>
-          <p:cNvCxnSpPr>
-            <a:cxnSpLocks/>
-            <a:stCxn id="16" idx="1"/>
-            <a:endCxn id="17" idx="3"/>
-          </p:cNvCxnSpPr>
-          <p:nvPr/>
-        </p:nvCxnSpPr>
-        <p:spPr>
-          <a:xfrm flipH="1">
-            <a:off x="4696683" y="3014662"/>
-            <a:ext cx="2077136" cy="1"/>
-          </a:xfrm>
-          <a:prstGeom prst="straightConnector1">
-            <a:avLst/>
-          </a:prstGeom>
-          <a:ln w="12700">
-            <a:solidFill>
-              <a:schemeClr val="bg1"/>
-            </a:solidFill>
-            <a:tailEnd type="triangle"/>
-          </a:ln>
-        </p:spPr>
-        <p:style>
-          <a:lnRef idx="1">
-            <a:schemeClr val="accent1"/>
-          </a:lnRef>
-          <a:fillRef idx="0">
-            <a:schemeClr val="accent1"/>
-          </a:fillRef>
-          <a:effectRef idx="0">
-            <a:schemeClr val="accent1"/>
-          </a:effectRef>
-          <a:fontRef idx="minor">
-            <a:schemeClr val="tx1"/>
-          </a:fontRef>
-        </p:style>
-      </p:cxnSp>
-    </p:spTree>
-    <p:extLst>
-      <p:ext uri="{BB962C8B-B14F-4D97-AF65-F5344CB8AC3E}">
-        <p14:creationId xmlns:p14="http://schemas.microsoft.com/office/powerpoint/2010/main" val="3474419071"/>
+        <p14:creationId xmlns:p14="http://schemas.microsoft.com/office/powerpoint/2010/main" val="1536784634"/>
       </p:ext>
     </p:extLst>
   </p:cSld>
@@ -6266,6 +6093,1076 @@
       </p:grpSpPr>
       <p:sp>
         <p:nvSpPr>
+          <p:cNvPr id="17" name="CuadroTexto 16">
+            <a:extLst>
+              <a:ext uri="{FF2B5EF4-FFF2-40B4-BE49-F238E27FC236}">
+                <a16:creationId xmlns:a16="http://schemas.microsoft.com/office/drawing/2014/main" id="{5C456F47-1C52-4FA5-A369-2F5203D67ABD}"/>
+              </a:ext>
+            </a:extLst>
+          </p:cNvPr>
+          <p:cNvSpPr txBox="1"/>
+          <p:nvPr/>
+        </p:nvSpPr>
+        <p:spPr>
+          <a:xfrm>
+            <a:off x="361700" y="215130"/>
+            <a:ext cx="3397994" cy="646331"/>
+          </a:xfrm>
+          <a:prstGeom prst="rect">
+            <a:avLst/>
+          </a:prstGeom>
+          <a:noFill/>
+        </p:spPr>
+        <p:txBody>
+          <a:bodyPr wrap="square" rtlCol="0">
+            <a:spAutoFit/>
+          </a:bodyPr>
+          <a:lstStyle/>
+          <a:p>
+            <a:r>
+              <a:rPr lang="en-US" sz="3600" dirty="0">
+                <a:solidFill>
+                  <a:srgbClr val="53A2D3"/>
+                </a:solidFill>
+              </a:rPr>
+              <a:t>Mundo real</a:t>
+            </a:r>
+          </a:p>
+        </p:txBody>
+      </p:sp>
+      <p:pic>
+        <p:nvPicPr>
+          <p:cNvPr id="7" name="Imagen 6">
+            <a:extLst>
+              <a:ext uri="{FF2B5EF4-FFF2-40B4-BE49-F238E27FC236}">
+                <a16:creationId xmlns:a16="http://schemas.microsoft.com/office/drawing/2014/main" id="{6B5ECB1A-A92D-46D4-9682-2248BD91ECA8}"/>
+              </a:ext>
+            </a:extLst>
+          </p:cNvPr>
+          <p:cNvPicPr>
+            <a:picLocks noChangeAspect="1"/>
+          </p:cNvPicPr>
+          <p:nvPr/>
+        </p:nvPicPr>
+        <p:blipFill>
+          <a:blip r:embed="rId2"/>
+          <a:stretch>
+            <a:fillRect/>
+          </a:stretch>
+        </p:blipFill>
+        <p:spPr>
+          <a:xfrm>
+            <a:off x="187819" y="5532582"/>
+            <a:ext cx="7143750" cy="923925"/>
+          </a:xfrm>
+          <a:prstGeom prst="rect">
+            <a:avLst/>
+          </a:prstGeom>
+          <a:effectLst>
+            <a:glow rad="25400">
+              <a:schemeClr val="bg1">
+                <a:alpha val="40000"/>
+              </a:schemeClr>
+            </a:glow>
+          </a:effectLst>
+        </p:spPr>
+      </p:pic>
+      <p:pic>
+        <p:nvPicPr>
+          <p:cNvPr id="8" name="Imagen 7">
+            <a:extLst>
+              <a:ext uri="{FF2B5EF4-FFF2-40B4-BE49-F238E27FC236}">
+                <a16:creationId xmlns:a16="http://schemas.microsoft.com/office/drawing/2014/main" id="{485C5F0C-7AD6-4DE3-9926-D9F267B388D9}"/>
+              </a:ext>
+            </a:extLst>
+          </p:cNvPr>
+          <p:cNvPicPr>
+            <a:picLocks noChangeAspect="1"/>
+          </p:cNvPicPr>
+          <p:nvPr/>
+        </p:nvPicPr>
+        <p:blipFill>
+          <a:blip r:embed="rId3"/>
+          <a:stretch>
+            <a:fillRect/>
+          </a:stretch>
+        </p:blipFill>
+        <p:spPr>
+          <a:xfrm>
+            <a:off x="284838" y="1612601"/>
+            <a:ext cx="6524625" cy="3305175"/>
+          </a:xfrm>
+          <a:prstGeom prst="rect">
+            <a:avLst/>
+          </a:prstGeom>
+        </p:spPr>
+      </p:pic>
+      <p:pic>
+        <p:nvPicPr>
+          <p:cNvPr id="11" name="Imagen 10">
+            <a:extLst>
+              <a:ext uri="{FF2B5EF4-FFF2-40B4-BE49-F238E27FC236}">
+                <a16:creationId xmlns:a16="http://schemas.microsoft.com/office/drawing/2014/main" id="{A16E7029-5441-49AB-A7B5-6206776246F1}"/>
+              </a:ext>
+            </a:extLst>
+          </p:cNvPr>
+          <p:cNvPicPr>
+            <a:picLocks noChangeAspect="1"/>
+          </p:cNvPicPr>
+          <p:nvPr/>
+        </p:nvPicPr>
+        <p:blipFill>
+          <a:blip r:embed="rId4"/>
+          <a:stretch>
+            <a:fillRect/>
+          </a:stretch>
+        </p:blipFill>
+        <p:spPr>
+          <a:xfrm>
+            <a:off x="284838" y="1228141"/>
+            <a:ext cx="7301926" cy="199370"/>
+          </a:xfrm>
+          <a:prstGeom prst="rect">
+            <a:avLst/>
+          </a:prstGeom>
+        </p:spPr>
+      </p:pic>
+      <p:pic>
+        <p:nvPicPr>
+          <p:cNvPr id="1026" name="Picture 2" descr="Resultado de imagen de logo npm transparent">
+            <a:extLst>
+              <a:ext uri="{FF2B5EF4-FFF2-40B4-BE49-F238E27FC236}">
+                <a16:creationId xmlns:a16="http://schemas.microsoft.com/office/drawing/2014/main" id="{F7D3756D-28EE-4EF9-8F51-70576B101ADA}"/>
+              </a:ext>
+            </a:extLst>
+          </p:cNvPr>
+          <p:cNvPicPr>
+            <a:picLocks noChangeAspect="1" noChangeArrowheads="1"/>
+          </p:cNvPicPr>
+          <p:nvPr/>
+        </p:nvPicPr>
+        <p:blipFill>
+          <a:blip r:embed="rId5">
+            <a:extLst>
+              <a:ext uri="{28A0092B-C50C-407E-A947-70E740481C1C}">
+                <a14:useLocalDpi xmlns:a14="http://schemas.microsoft.com/office/drawing/2010/main" val="0"/>
+              </a:ext>
+            </a:extLst>
+          </a:blip>
+          <a:srcRect/>
+          <a:stretch>
+            <a:fillRect/>
+          </a:stretch>
+        </p:blipFill>
+        <p:spPr bwMode="auto">
+          <a:xfrm>
+            <a:off x="9854119" y="1612601"/>
+            <a:ext cx="1488332" cy="581768"/>
+          </a:xfrm>
+          <a:prstGeom prst="rect">
+            <a:avLst/>
+          </a:prstGeom>
+          <a:noFill/>
+          <a:extLst>
+            <a:ext uri="{909E8E84-426E-40DD-AFC4-6F175D3DCCD1}">
+              <a14:hiddenFill xmlns:a14="http://schemas.microsoft.com/office/drawing/2010/main">
+                <a:solidFill>
+                  <a:srgbClr val="FFFFFF"/>
+                </a:solidFill>
+              </a14:hiddenFill>
+            </a:ext>
+          </a:extLst>
+        </p:spPr>
+      </p:pic>
+      <p:sp>
+        <p:nvSpPr>
+          <p:cNvPr id="26" name="CuadroTexto 25">
+            <a:extLst>
+              <a:ext uri="{FF2B5EF4-FFF2-40B4-BE49-F238E27FC236}">
+                <a16:creationId xmlns:a16="http://schemas.microsoft.com/office/drawing/2014/main" id="{972226EF-8B2E-4D84-8E4C-84DDF0123273}"/>
+              </a:ext>
+            </a:extLst>
+          </p:cNvPr>
+          <p:cNvSpPr txBox="1"/>
+          <p:nvPr/>
+        </p:nvSpPr>
+        <p:spPr>
+          <a:xfrm>
+            <a:off x="9505700" y="2320155"/>
+            <a:ext cx="3397994" cy="400110"/>
+          </a:xfrm>
+          <a:prstGeom prst="rect">
+            <a:avLst/>
+          </a:prstGeom>
+          <a:noFill/>
+        </p:spPr>
+        <p:txBody>
+          <a:bodyPr wrap="square" rtlCol="0">
+            <a:spAutoFit/>
+          </a:bodyPr>
+          <a:lstStyle/>
+          <a:p>
+            <a:r>
+              <a:rPr lang="en-US" sz="2000" dirty="0">
+                <a:solidFill>
+                  <a:srgbClr val="53A2D3"/>
+                </a:solidFill>
+              </a:rPr>
+              <a:t>ng2-tooltip-directive</a:t>
+            </a:r>
+          </a:p>
+        </p:txBody>
+      </p:sp>
+      <p:sp>
+        <p:nvSpPr>
+          <p:cNvPr id="12" name="CuadroTexto 11">
+            <a:extLst>
+              <a:ext uri="{FF2B5EF4-FFF2-40B4-BE49-F238E27FC236}">
+                <a16:creationId xmlns:a16="http://schemas.microsoft.com/office/drawing/2014/main" id="{4984E2BF-9736-48EF-99A3-6D7FCC5212CD}"/>
+              </a:ext>
+            </a:extLst>
+          </p:cNvPr>
+          <p:cNvSpPr txBox="1"/>
+          <p:nvPr/>
+        </p:nvSpPr>
+        <p:spPr>
+          <a:xfrm>
+            <a:off x="187819" y="1099226"/>
+            <a:ext cx="8148785" cy="3818550"/>
+          </a:xfrm>
+          <a:prstGeom prst="rect">
+            <a:avLst/>
+          </a:prstGeom>
+          <a:noFill/>
+          <a:ln>
+            <a:solidFill>
+              <a:schemeClr val="bg1"/>
+            </a:solidFill>
+          </a:ln>
+        </p:spPr>
+        <p:txBody>
+          <a:bodyPr wrap="square" rtlCol="0">
+            <a:spAutoFit/>
+          </a:bodyPr>
+          <a:lstStyle/>
+          <a:p>
+            <a:endParaRPr lang="en-US" dirty="0"/>
+          </a:p>
+        </p:txBody>
+      </p:sp>
+      <p:sp>
+        <p:nvSpPr>
+          <p:cNvPr id="13" name="CuadroTexto 12">
+            <a:extLst>
+              <a:ext uri="{FF2B5EF4-FFF2-40B4-BE49-F238E27FC236}">
+                <a16:creationId xmlns:a16="http://schemas.microsoft.com/office/drawing/2014/main" id="{1733F97F-1B01-4732-8962-ACD71ACB8E6E}"/>
+              </a:ext>
+            </a:extLst>
+          </p:cNvPr>
+          <p:cNvSpPr txBox="1"/>
+          <p:nvPr/>
+        </p:nvSpPr>
+        <p:spPr>
+          <a:xfrm>
+            <a:off x="9289790" y="1099226"/>
+            <a:ext cx="2616990" cy="2013626"/>
+          </a:xfrm>
+          <a:prstGeom prst="rect">
+            <a:avLst/>
+          </a:prstGeom>
+          <a:noFill/>
+          <a:ln>
+            <a:solidFill>
+              <a:schemeClr val="bg1"/>
+            </a:solidFill>
+          </a:ln>
+        </p:spPr>
+        <p:txBody>
+          <a:bodyPr wrap="square" rtlCol="0">
+            <a:spAutoFit/>
+          </a:bodyPr>
+          <a:lstStyle/>
+          <a:p>
+            <a:endParaRPr lang="en-US" dirty="0"/>
+          </a:p>
+        </p:txBody>
+      </p:sp>
+      <p:cxnSp>
+        <p:nvCxnSpPr>
+          <p:cNvPr id="28" name="Conector recto de flecha 27">
+            <a:extLst>
+              <a:ext uri="{FF2B5EF4-FFF2-40B4-BE49-F238E27FC236}">
+                <a16:creationId xmlns:a16="http://schemas.microsoft.com/office/drawing/2014/main" id="{18FB9522-FFDE-4F56-8C3D-450F4BFAB028}"/>
+              </a:ext>
+            </a:extLst>
+          </p:cNvPr>
+          <p:cNvCxnSpPr>
+            <a:cxnSpLocks/>
+            <a:endCxn id="13" idx="1"/>
+          </p:cNvCxnSpPr>
+          <p:nvPr/>
+        </p:nvCxnSpPr>
+        <p:spPr>
+          <a:xfrm>
+            <a:off x="8336604" y="2106039"/>
+            <a:ext cx="953186" cy="0"/>
+          </a:xfrm>
+          <a:prstGeom prst="straightConnector1">
+            <a:avLst/>
+          </a:prstGeom>
+          <a:ln w="12700">
+            <a:solidFill>
+              <a:schemeClr val="bg1"/>
+            </a:solidFill>
+            <a:tailEnd type="triangle"/>
+          </a:ln>
+        </p:spPr>
+        <p:style>
+          <a:lnRef idx="1">
+            <a:schemeClr val="accent1"/>
+          </a:lnRef>
+          <a:fillRef idx="0">
+            <a:schemeClr val="accent1"/>
+          </a:fillRef>
+          <a:effectRef idx="0">
+            <a:schemeClr val="accent1"/>
+          </a:effectRef>
+          <a:fontRef idx="minor">
+            <a:schemeClr val="tx1"/>
+          </a:fontRef>
+        </p:style>
+      </p:cxnSp>
+      <p:sp>
+        <p:nvSpPr>
+          <p:cNvPr id="29" name="CuadroTexto 28">
+            <a:extLst>
+              <a:ext uri="{FF2B5EF4-FFF2-40B4-BE49-F238E27FC236}">
+                <a16:creationId xmlns:a16="http://schemas.microsoft.com/office/drawing/2014/main" id="{982B0BDA-8245-4D8E-BB1B-71C259DD536C}"/>
+              </a:ext>
+            </a:extLst>
+          </p:cNvPr>
+          <p:cNvSpPr txBox="1"/>
+          <p:nvPr/>
+        </p:nvSpPr>
+        <p:spPr>
+          <a:xfrm>
+            <a:off x="97621" y="5155541"/>
+            <a:ext cx="1376218" cy="369332"/>
+          </a:xfrm>
+          <a:prstGeom prst="rect">
+            <a:avLst/>
+          </a:prstGeom>
+          <a:noFill/>
+        </p:spPr>
+        <p:txBody>
+          <a:bodyPr wrap="square" rtlCol="0">
+            <a:spAutoFit/>
+          </a:bodyPr>
+          <a:lstStyle/>
+          <a:p>
+            <a:r>
+              <a:rPr lang="en-US" dirty="0">
+                <a:solidFill>
+                  <a:schemeClr val="bg1"/>
+                </a:solidFill>
+              </a:rPr>
+              <a:t>Usage:</a:t>
+            </a:r>
+          </a:p>
+        </p:txBody>
+      </p:sp>
+      <p:sp>
+        <p:nvSpPr>
+          <p:cNvPr id="37" name="CuadroTexto 36">
+            <a:extLst>
+              <a:ext uri="{FF2B5EF4-FFF2-40B4-BE49-F238E27FC236}">
+                <a16:creationId xmlns:a16="http://schemas.microsoft.com/office/drawing/2014/main" id="{6E63413F-5101-430A-BCD4-8E659BABAA8D}"/>
+              </a:ext>
+            </a:extLst>
+          </p:cNvPr>
+          <p:cNvSpPr txBox="1"/>
+          <p:nvPr/>
+        </p:nvSpPr>
+        <p:spPr>
+          <a:xfrm>
+            <a:off x="8433623" y="1742902"/>
+            <a:ext cx="1376218" cy="369332"/>
+          </a:xfrm>
+          <a:prstGeom prst="rect">
+            <a:avLst/>
+          </a:prstGeom>
+          <a:noFill/>
+        </p:spPr>
+        <p:txBody>
+          <a:bodyPr wrap="square" rtlCol="0">
+            <a:spAutoFit/>
+          </a:bodyPr>
+          <a:lstStyle/>
+          <a:p>
+            <a:r>
+              <a:rPr lang="en-US" dirty="0">
+                <a:solidFill>
+                  <a:schemeClr val="bg1"/>
+                </a:solidFill>
+              </a:rPr>
+              <a:t>calls</a:t>
+            </a:r>
+          </a:p>
+        </p:txBody>
+      </p:sp>
+    </p:spTree>
+    <p:extLst>
+      <p:ext uri="{BB962C8B-B14F-4D97-AF65-F5344CB8AC3E}">
+        <p14:creationId xmlns:p14="http://schemas.microsoft.com/office/powerpoint/2010/main" val="458315806"/>
+      </p:ext>
+    </p:extLst>
+  </p:cSld>
+  <p:clrMapOvr>
+    <a:masterClrMapping/>
+  </p:clrMapOvr>
+</p:sld>
+</file>
+
+<file path=ppt/slides/slide19.xml><?xml version="1.0" encoding="utf-8"?>
+<p:sld xmlns:a="http://schemas.openxmlformats.org/drawingml/2006/main" xmlns:r="http://schemas.openxmlformats.org/officeDocument/2006/relationships" xmlns:p="http://schemas.openxmlformats.org/presentationml/2006/main">
+  <p:cSld>
+    <p:spTree>
+      <p:nvGrpSpPr>
+        <p:cNvPr id="1" name=""/>
+        <p:cNvGrpSpPr/>
+        <p:nvPr/>
+      </p:nvGrpSpPr>
+      <p:grpSpPr>
+        <a:xfrm>
+          <a:off x="0" y="0"/>
+          <a:ext cx="0" cy="0"/>
+          <a:chOff x="0" y="0"/>
+          <a:chExt cx="0" cy="0"/>
+        </a:xfrm>
+      </p:grpSpPr>
+      <p:sp>
+        <p:nvSpPr>
+          <p:cNvPr id="2" name="Título 1">
+            <a:extLst>
+              <a:ext uri="{FF2B5EF4-FFF2-40B4-BE49-F238E27FC236}">
+                <a16:creationId xmlns:a16="http://schemas.microsoft.com/office/drawing/2014/main" id="{51E579E3-4D4D-4391-A4DB-77F6C6DD84BE}"/>
+              </a:ext>
+            </a:extLst>
+          </p:cNvPr>
+          <p:cNvSpPr>
+            <a:spLocks noGrp="1"/>
+          </p:cNvSpPr>
+          <p:nvPr>
+            <p:ph type="title"/>
+          </p:nvPr>
+        </p:nvSpPr>
+        <p:spPr>
+          <a:xfrm>
+            <a:off x="900344" y="2766218"/>
+            <a:ext cx="10515600" cy="1325563"/>
+          </a:xfrm>
+        </p:spPr>
+        <p:txBody>
+          <a:bodyPr/>
+          <a:lstStyle/>
+          <a:p>
+            <a:r>
+              <a:rPr lang="es-ES" dirty="0" err="1">
+                <a:solidFill>
+                  <a:srgbClr val="000000"/>
+                </a:solidFill>
+                <a:latin typeface="Calibri" panose="020F0502020204030204" pitchFamily="34" charset="0"/>
+              </a:rPr>
+              <a:t>Flyweight</a:t>
+            </a:r>
+            <a:r>
+              <a:rPr lang="es-ES" dirty="0">
+                <a:solidFill>
+                  <a:srgbClr val="000000"/>
+                </a:solidFill>
+                <a:latin typeface="Calibri" panose="020F0502020204030204" pitchFamily="34" charset="0"/>
+              </a:rPr>
+              <a:t> </a:t>
+            </a:r>
+            <a:r>
+              <a:rPr lang="es-ES" dirty="0" err="1">
+                <a:solidFill>
+                  <a:srgbClr val="000000"/>
+                </a:solidFill>
+                <a:latin typeface="Calibri" panose="020F0502020204030204" pitchFamily="34" charset="0"/>
+              </a:rPr>
+              <a:t>pattern</a:t>
+            </a:r>
+            <a:endParaRPr lang="en-US" dirty="0"/>
+          </a:p>
+        </p:txBody>
+      </p:sp>
+    </p:spTree>
+    <p:extLst>
+      <p:ext uri="{BB962C8B-B14F-4D97-AF65-F5344CB8AC3E}">
+        <p14:creationId xmlns:p14="http://schemas.microsoft.com/office/powerpoint/2010/main" val="111627758"/>
+      </p:ext>
+    </p:extLst>
+  </p:cSld>
+  <p:clrMapOvr>
+    <a:masterClrMapping/>
+  </p:clrMapOvr>
+</p:sld>
+</file>
+
+<file path=ppt/slides/slide2.xml><?xml version="1.0" encoding="utf-8"?>
+<p:sld xmlns:a="http://schemas.openxmlformats.org/drawingml/2006/main" xmlns:r="http://schemas.openxmlformats.org/officeDocument/2006/relationships" xmlns:p="http://schemas.openxmlformats.org/presentationml/2006/main">
+  <p:cSld>
+    <p:spTree>
+      <p:nvGrpSpPr>
+        <p:cNvPr id="1" name=""/>
+        <p:cNvGrpSpPr/>
+        <p:nvPr/>
+      </p:nvGrpSpPr>
+      <p:grpSpPr>
+        <a:xfrm>
+          <a:off x="0" y="0"/>
+          <a:ext cx="0" cy="0"/>
+          <a:chOff x="0" y="0"/>
+          <a:chExt cx="0" cy="0"/>
+        </a:xfrm>
+      </p:grpSpPr>
+      <p:sp>
+        <p:nvSpPr>
+          <p:cNvPr id="2" name="Título 1">
+            <a:extLst>
+              <a:ext uri="{FF2B5EF4-FFF2-40B4-BE49-F238E27FC236}">
+                <a16:creationId xmlns:a16="http://schemas.microsoft.com/office/drawing/2014/main" id="{51E579E3-4D4D-4391-A4DB-77F6C6DD84BE}"/>
+              </a:ext>
+            </a:extLst>
+          </p:cNvPr>
+          <p:cNvSpPr>
+            <a:spLocks noGrp="1"/>
+          </p:cNvSpPr>
+          <p:nvPr>
+            <p:ph type="title"/>
+          </p:nvPr>
+        </p:nvSpPr>
+        <p:spPr>
+          <a:xfrm>
+            <a:off x="900344" y="2766218"/>
+            <a:ext cx="10515600" cy="1325563"/>
+          </a:xfrm>
+        </p:spPr>
+        <p:txBody>
+          <a:bodyPr/>
+          <a:lstStyle/>
+          <a:p>
+            <a:r>
+              <a:rPr lang="es-ES" dirty="0" err="1">
+                <a:solidFill>
+                  <a:srgbClr val="000000"/>
+                </a:solidFill>
+                <a:latin typeface="Calibri" panose="020F0502020204030204" pitchFamily="34" charset="0"/>
+              </a:rPr>
+              <a:t>Builder</a:t>
+            </a:r>
+            <a:r>
+              <a:rPr lang="es-ES" dirty="0">
+                <a:solidFill>
+                  <a:srgbClr val="000000"/>
+                </a:solidFill>
+                <a:latin typeface="Calibri" panose="020F0502020204030204" pitchFamily="34" charset="0"/>
+              </a:rPr>
+              <a:t> </a:t>
+            </a:r>
+            <a:r>
+              <a:rPr lang="es-ES" dirty="0" err="1">
+                <a:solidFill>
+                  <a:srgbClr val="000000"/>
+                </a:solidFill>
+                <a:latin typeface="Calibri" panose="020F0502020204030204" pitchFamily="34" charset="0"/>
+              </a:rPr>
+              <a:t>pattern</a:t>
+            </a:r>
+            <a:endParaRPr lang="en-US" dirty="0"/>
+          </a:p>
+        </p:txBody>
+      </p:sp>
+    </p:spTree>
+    <p:extLst>
+      <p:ext uri="{BB962C8B-B14F-4D97-AF65-F5344CB8AC3E}">
+        <p14:creationId xmlns:p14="http://schemas.microsoft.com/office/powerpoint/2010/main" val="692795186"/>
+      </p:ext>
+    </p:extLst>
+  </p:cSld>
+  <p:clrMapOvr>
+    <a:masterClrMapping/>
+  </p:clrMapOvr>
+</p:sld>
+</file>
+
+<file path=ppt/slides/slide20.xml><?xml version="1.0" encoding="utf-8"?>
+<p:sld xmlns:a="http://schemas.openxmlformats.org/drawingml/2006/main" xmlns:r="http://schemas.openxmlformats.org/officeDocument/2006/relationships" xmlns:p="http://schemas.openxmlformats.org/presentationml/2006/main">
+  <p:cSld>
+    <p:bg>
+      <p:bgPr>
+        <a:solidFill>
+          <a:srgbClr val="1E1E1E"/>
+        </a:solidFill>
+        <a:effectLst/>
+      </p:bgPr>
+    </p:bg>
+    <p:spTree>
+      <p:nvGrpSpPr>
+        <p:cNvPr id="1" name=""/>
+        <p:cNvGrpSpPr/>
+        <p:nvPr/>
+      </p:nvGrpSpPr>
+      <p:grpSpPr>
+        <a:xfrm>
+          <a:off x="0" y="0"/>
+          <a:ext cx="0" cy="0"/>
+          <a:chOff x="0" y="0"/>
+          <a:chExt cx="0" cy="0"/>
+        </a:xfrm>
+      </p:grpSpPr>
+      <p:sp>
+        <p:nvSpPr>
+          <p:cNvPr id="31" name="CuadroTexto 30">
+            <a:extLst>
+              <a:ext uri="{FF2B5EF4-FFF2-40B4-BE49-F238E27FC236}">
+                <a16:creationId xmlns:a16="http://schemas.microsoft.com/office/drawing/2014/main" id="{FBF7026D-12F4-4541-8110-DE706094717A}"/>
+              </a:ext>
+            </a:extLst>
+          </p:cNvPr>
+          <p:cNvSpPr txBox="1"/>
+          <p:nvPr/>
+        </p:nvSpPr>
+        <p:spPr>
+          <a:xfrm>
+            <a:off x="484863" y="185392"/>
+            <a:ext cx="3397994" cy="646331"/>
+          </a:xfrm>
+          <a:prstGeom prst="rect">
+            <a:avLst/>
+          </a:prstGeom>
+          <a:noFill/>
+        </p:spPr>
+        <p:txBody>
+          <a:bodyPr wrap="square" rtlCol="0">
+            <a:spAutoFit/>
+          </a:bodyPr>
+          <a:lstStyle/>
+          <a:p>
+            <a:r>
+              <a:rPr lang="en-US" sz="3600" dirty="0" err="1">
+                <a:solidFill>
+                  <a:srgbClr val="53A2D3"/>
+                </a:solidFill>
+              </a:rPr>
+              <a:t>Teoría</a:t>
+            </a:r>
+            <a:endParaRPr lang="en-US" sz="3600" dirty="0">
+              <a:solidFill>
+                <a:srgbClr val="53A2D3"/>
+              </a:solidFill>
+            </a:endParaRPr>
+          </a:p>
+        </p:txBody>
+      </p:sp>
+      <p:pic>
+        <p:nvPicPr>
+          <p:cNvPr id="16" name="Imagen 15">
+            <a:extLst>
+              <a:ext uri="{FF2B5EF4-FFF2-40B4-BE49-F238E27FC236}">
+                <a16:creationId xmlns:a16="http://schemas.microsoft.com/office/drawing/2014/main" id="{8279B1F2-16FE-496F-83D6-D5898593528C}"/>
+              </a:ext>
+            </a:extLst>
+          </p:cNvPr>
+          <p:cNvPicPr>
+            <a:picLocks noChangeAspect="1"/>
+          </p:cNvPicPr>
+          <p:nvPr/>
+        </p:nvPicPr>
+        <p:blipFill>
+          <a:blip r:embed="rId2"/>
+          <a:stretch>
+            <a:fillRect/>
+          </a:stretch>
+        </p:blipFill>
+        <p:spPr>
+          <a:xfrm>
+            <a:off x="6773819" y="1330496"/>
+            <a:ext cx="5056334" cy="3368332"/>
+          </a:xfrm>
+          <a:prstGeom prst="rect">
+            <a:avLst/>
+          </a:prstGeom>
+          <a:effectLst>
+            <a:glow rad="25400">
+              <a:schemeClr val="bg1">
+                <a:alpha val="40000"/>
+              </a:schemeClr>
+            </a:glow>
+          </a:effectLst>
+        </p:spPr>
+      </p:pic>
+      <p:pic>
+        <p:nvPicPr>
+          <p:cNvPr id="17" name="Imagen 16">
+            <a:extLst>
+              <a:ext uri="{FF2B5EF4-FFF2-40B4-BE49-F238E27FC236}">
+                <a16:creationId xmlns:a16="http://schemas.microsoft.com/office/drawing/2014/main" id="{814408AF-29F6-49B7-8987-D380B75236D6}"/>
+              </a:ext>
+            </a:extLst>
+          </p:cNvPr>
+          <p:cNvPicPr>
+            <a:picLocks noChangeAspect="1"/>
+          </p:cNvPicPr>
+          <p:nvPr/>
+        </p:nvPicPr>
+        <p:blipFill>
+          <a:blip r:embed="rId3"/>
+          <a:stretch>
+            <a:fillRect/>
+          </a:stretch>
+        </p:blipFill>
+        <p:spPr>
+          <a:xfrm>
+            <a:off x="286608" y="2600325"/>
+            <a:ext cx="4410075" cy="828675"/>
+          </a:xfrm>
+          <a:prstGeom prst="rect">
+            <a:avLst/>
+          </a:prstGeom>
+          <a:effectLst>
+            <a:glow rad="25400">
+              <a:schemeClr val="bg1">
+                <a:alpha val="40000"/>
+              </a:schemeClr>
+            </a:glow>
+          </a:effectLst>
+        </p:spPr>
+      </p:pic>
+      <p:pic>
+        <p:nvPicPr>
+          <p:cNvPr id="18" name="Imagen 17">
+            <a:extLst>
+              <a:ext uri="{FF2B5EF4-FFF2-40B4-BE49-F238E27FC236}">
+                <a16:creationId xmlns:a16="http://schemas.microsoft.com/office/drawing/2014/main" id="{63B33F79-0635-479F-B1A9-CD9F7970F356}"/>
+              </a:ext>
+            </a:extLst>
+          </p:cNvPr>
+          <p:cNvPicPr>
+            <a:picLocks noChangeAspect="1"/>
+          </p:cNvPicPr>
+          <p:nvPr/>
+        </p:nvPicPr>
+        <p:blipFill>
+          <a:blip r:embed="rId4"/>
+          <a:stretch>
+            <a:fillRect/>
+          </a:stretch>
+        </p:blipFill>
+        <p:spPr>
+          <a:xfrm>
+            <a:off x="1034320" y="1197984"/>
+            <a:ext cx="2914650" cy="723900"/>
+          </a:xfrm>
+          <a:prstGeom prst="rect">
+            <a:avLst/>
+          </a:prstGeom>
+          <a:effectLst>
+            <a:glow rad="25400">
+              <a:schemeClr val="bg1">
+                <a:alpha val="40000"/>
+              </a:schemeClr>
+            </a:glow>
+          </a:effectLst>
+        </p:spPr>
+      </p:pic>
+      <p:pic>
+        <p:nvPicPr>
+          <p:cNvPr id="19" name="Imagen 18">
+            <a:extLst>
+              <a:ext uri="{FF2B5EF4-FFF2-40B4-BE49-F238E27FC236}">
+                <a16:creationId xmlns:a16="http://schemas.microsoft.com/office/drawing/2014/main" id="{9A539867-B6CE-43FE-94B2-B21383E97B22}"/>
+              </a:ext>
+            </a:extLst>
+          </p:cNvPr>
+          <p:cNvPicPr>
+            <a:picLocks noChangeAspect="1"/>
+          </p:cNvPicPr>
+          <p:nvPr/>
+        </p:nvPicPr>
+        <p:blipFill>
+          <a:blip r:embed="rId5"/>
+          <a:stretch>
+            <a:fillRect/>
+          </a:stretch>
+        </p:blipFill>
+        <p:spPr>
+          <a:xfrm>
+            <a:off x="286608" y="4512937"/>
+            <a:ext cx="5452844" cy="1886725"/>
+          </a:xfrm>
+          <a:prstGeom prst="rect">
+            <a:avLst/>
+          </a:prstGeom>
+          <a:effectLst>
+            <a:glow rad="25400">
+              <a:schemeClr val="bg1">
+                <a:alpha val="40000"/>
+              </a:schemeClr>
+            </a:glow>
+          </a:effectLst>
+        </p:spPr>
+      </p:pic>
+      <p:sp>
+        <p:nvSpPr>
+          <p:cNvPr id="20" name="CuadroTexto 19">
+            <a:extLst>
+              <a:ext uri="{FF2B5EF4-FFF2-40B4-BE49-F238E27FC236}">
+                <a16:creationId xmlns:a16="http://schemas.microsoft.com/office/drawing/2014/main" id="{BC515246-2D70-43C4-9490-C2DB84607B63}"/>
+              </a:ext>
+            </a:extLst>
+          </p:cNvPr>
+          <p:cNvSpPr txBox="1"/>
+          <p:nvPr/>
+        </p:nvSpPr>
+        <p:spPr>
+          <a:xfrm>
+            <a:off x="2491645" y="2103479"/>
+            <a:ext cx="1376218" cy="369332"/>
+          </a:xfrm>
+          <a:prstGeom prst="rect">
+            <a:avLst/>
+          </a:prstGeom>
+          <a:noFill/>
+        </p:spPr>
+        <p:txBody>
+          <a:bodyPr wrap="square" rtlCol="0">
+            <a:spAutoFit/>
+          </a:bodyPr>
+          <a:lstStyle/>
+          <a:p>
+            <a:r>
+              <a:rPr lang="en-US" dirty="0">
+                <a:solidFill>
+                  <a:schemeClr val="bg1"/>
+                </a:solidFill>
+              </a:rPr>
+              <a:t>implements</a:t>
+            </a:r>
+          </a:p>
+        </p:txBody>
+      </p:sp>
+      <p:cxnSp>
+        <p:nvCxnSpPr>
+          <p:cNvPr id="27" name="Conector recto de flecha 26">
+            <a:extLst>
+              <a:ext uri="{FF2B5EF4-FFF2-40B4-BE49-F238E27FC236}">
+                <a16:creationId xmlns:a16="http://schemas.microsoft.com/office/drawing/2014/main" id="{4B88947E-6AF8-4F12-A84D-22205FA18A23}"/>
+              </a:ext>
+            </a:extLst>
+          </p:cNvPr>
+          <p:cNvCxnSpPr>
+            <a:cxnSpLocks/>
+            <a:stCxn id="17" idx="0"/>
+            <a:endCxn id="18" idx="2"/>
+          </p:cNvCxnSpPr>
+          <p:nvPr/>
+        </p:nvCxnSpPr>
+        <p:spPr>
+          <a:xfrm flipH="1" flipV="1">
+            <a:off x="2491645" y="1921884"/>
+            <a:ext cx="1" cy="678441"/>
+          </a:xfrm>
+          <a:prstGeom prst="straightConnector1">
+            <a:avLst/>
+          </a:prstGeom>
+          <a:ln w="12700">
+            <a:solidFill>
+              <a:schemeClr val="bg1"/>
+            </a:solidFill>
+            <a:tailEnd type="triangle"/>
+          </a:ln>
+        </p:spPr>
+        <p:style>
+          <a:lnRef idx="1">
+            <a:schemeClr val="accent1"/>
+          </a:lnRef>
+          <a:fillRef idx="0">
+            <a:schemeClr val="accent1"/>
+          </a:fillRef>
+          <a:effectRef idx="0">
+            <a:schemeClr val="accent1"/>
+          </a:effectRef>
+          <a:fontRef idx="minor">
+            <a:schemeClr val="tx1"/>
+          </a:fontRef>
+        </p:style>
+      </p:cxnSp>
+      <p:sp>
+        <p:nvSpPr>
+          <p:cNvPr id="28" name="CuadroTexto 27">
+            <a:extLst>
+              <a:ext uri="{FF2B5EF4-FFF2-40B4-BE49-F238E27FC236}">
+                <a16:creationId xmlns:a16="http://schemas.microsoft.com/office/drawing/2014/main" id="{4B2613B0-1FC0-43F3-A529-95CB9D285597}"/>
+              </a:ext>
+            </a:extLst>
+          </p:cNvPr>
+          <p:cNvSpPr txBox="1"/>
+          <p:nvPr/>
+        </p:nvSpPr>
+        <p:spPr>
+          <a:xfrm>
+            <a:off x="175796" y="4107441"/>
+            <a:ext cx="1376218" cy="369332"/>
+          </a:xfrm>
+          <a:prstGeom prst="rect">
+            <a:avLst/>
+          </a:prstGeom>
+          <a:noFill/>
+        </p:spPr>
+        <p:txBody>
+          <a:bodyPr wrap="square" rtlCol="0">
+            <a:spAutoFit/>
+          </a:bodyPr>
+          <a:lstStyle/>
+          <a:p>
+            <a:r>
+              <a:rPr lang="en-US" dirty="0">
+                <a:solidFill>
+                  <a:schemeClr val="bg1"/>
+                </a:solidFill>
+              </a:rPr>
+              <a:t>Usage:</a:t>
+            </a:r>
+          </a:p>
+        </p:txBody>
+      </p:sp>
+      <p:sp>
+        <p:nvSpPr>
+          <p:cNvPr id="30" name="CuadroTexto 29">
+            <a:extLst>
+              <a:ext uri="{FF2B5EF4-FFF2-40B4-BE49-F238E27FC236}">
+                <a16:creationId xmlns:a16="http://schemas.microsoft.com/office/drawing/2014/main" id="{569BCF64-BAC8-4FD5-8908-9AD9B1AE6942}"/>
+              </a:ext>
+            </a:extLst>
+          </p:cNvPr>
+          <p:cNvSpPr txBox="1"/>
+          <p:nvPr/>
+        </p:nvSpPr>
+        <p:spPr>
+          <a:xfrm>
+            <a:off x="4852727" y="2639825"/>
+            <a:ext cx="1921092" cy="369332"/>
+          </a:xfrm>
+          <a:prstGeom prst="rect">
+            <a:avLst/>
+          </a:prstGeom>
+          <a:noFill/>
+        </p:spPr>
+        <p:txBody>
+          <a:bodyPr wrap="square" rtlCol="0">
+            <a:spAutoFit/>
+          </a:bodyPr>
+          <a:lstStyle/>
+          <a:p>
+            <a:r>
+              <a:rPr lang="en-US" dirty="0">
+                <a:solidFill>
+                  <a:schemeClr val="bg1"/>
+                </a:solidFill>
+              </a:rPr>
+              <a:t>creates and stores</a:t>
+            </a:r>
+          </a:p>
+        </p:txBody>
+      </p:sp>
+      <p:cxnSp>
+        <p:nvCxnSpPr>
+          <p:cNvPr id="32" name="Conector recto de flecha 31">
+            <a:extLst>
+              <a:ext uri="{FF2B5EF4-FFF2-40B4-BE49-F238E27FC236}">
+                <a16:creationId xmlns:a16="http://schemas.microsoft.com/office/drawing/2014/main" id="{B23CEE8A-B932-43D2-8D21-F8D9AA2A80A1}"/>
+              </a:ext>
+            </a:extLst>
+          </p:cNvPr>
+          <p:cNvCxnSpPr>
+            <a:cxnSpLocks/>
+            <a:stCxn id="16" idx="1"/>
+            <a:endCxn id="17" idx="3"/>
+          </p:cNvCxnSpPr>
+          <p:nvPr/>
+        </p:nvCxnSpPr>
+        <p:spPr>
+          <a:xfrm flipH="1">
+            <a:off x="4696683" y="3014662"/>
+            <a:ext cx="2077136" cy="1"/>
+          </a:xfrm>
+          <a:prstGeom prst="straightConnector1">
+            <a:avLst/>
+          </a:prstGeom>
+          <a:ln w="12700">
+            <a:solidFill>
+              <a:schemeClr val="bg1"/>
+            </a:solidFill>
+            <a:tailEnd type="triangle"/>
+          </a:ln>
+        </p:spPr>
+        <p:style>
+          <a:lnRef idx="1">
+            <a:schemeClr val="accent1"/>
+          </a:lnRef>
+          <a:fillRef idx="0">
+            <a:schemeClr val="accent1"/>
+          </a:fillRef>
+          <a:effectRef idx="0">
+            <a:schemeClr val="accent1"/>
+          </a:effectRef>
+          <a:fontRef idx="minor">
+            <a:schemeClr val="tx1"/>
+          </a:fontRef>
+        </p:style>
+      </p:cxnSp>
+    </p:spTree>
+    <p:extLst>
+      <p:ext uri="{BB962C8B-B14F-4D97-AF65-F5344CB8AC3E}">
+        <p14:creationId xmlns:p14="http://schemas.microsoft.com/office/powerpoint/2010/main" val="3474419071"/>
+      </p:ext>
+    </p:extLst>
+  </p:cSld>
+  <p:clrMapOvr>
+    <a:masterClrMapping/>
+  </p:clrMapOvr>
+</p:sld>
+</file>
+
+<file path=ppt/slides/slide21.xml><?xml version="1.0" encoding="utf-8"?>
+<p:sld xmlns:a="http://schemas.openxmlformats.org/drawingml/2006/main" xmlns:r="http://schemas.openxmlformats.org/officeDocument/2006/relationships" xmlns:p="http://schemas.openxmlformats.org/presentationml/2006/main">
+  <p:cSld>
+    <p:bg>
+      <p:bgPr>
+        <a:solidFill>
+          <a:srgbClr val="1E1E1E"/>
+        </a:solidFill>
+        <a:effectLst/>
+      </p:bgPr>
+    </p:bg>
+    <p:spTree>
+      <p:nvGrpSpPr>
+        <p:cNvPr id="1" name=""/>
+        <p:cNvGrpSpPr/>
+        <p:nvPr/>
+      </p:nvGrpSpPr>
+      <p:grpSpPr>
+        <a:xfrm>
+          <a:off x="0" y="0"/>
+          <a:ext cx="0" cy="0"/>
+          <a:chOff x="0" y="0"/>
+          <a:chExt cx="0" cy="0"/>
+        </a:xfrm>
+      </p:grpSpPr>
+      <p:sp>
+        <p:nvSpPr>
           <p:cNvPr id="19" name="CuadroTexto 18">
             <a:extLst>
               <a:ext uri="{FF2B5EF4-FFF2-40B4-BE49-F238E27FC236}">
@@ -6857,7 +7754,7 @@
 </p:sld>
 </file>
 
-<file path=ppt/slides/slide19.xml><?xml version="1.0" encoding="utf-8"?>
+<file path=ppt/slides/slide22.xml><?xml version="1.0" encoding="utf-8"?>
 <p:sld xmlns:a="http://schemas.openxmlformats.org/drawingml/2006/main" xmlns:r="http://schemas.openxmlformats.org/officeDocument/2006/relationships" xmlns:p="http://schemas.openxmlformats.org/presentationml/2006/main">
   <p:cSld>
     <p:spTree>
@@ -6982,7 +7879,7 @@
 </p:sld>
 </file>
 
-<file path=ppt/slides/slide2.xml><?xml version="1.0" encoding="utf-8"?>
+<file path=ppt/slides/slide23.xml><?xml version="1.0" encoding="utf-8"?>
 <p:sld xmlns:a="http://schemas.openxmlformats.org/drawingml/2006/main" xmlns:r="http://schemas.openxmlformats.org/officeDocument/2006/relationships" xmlns:p="http://schemas.openxmlformats.org/presentationml/2006/main">
   <p:cSld>
     <p:spTree>
@@ -7004,7 +7901,7 @@
           <p:cNvPr id="2" name="Título 1">
             <a:extLst>
               <a:ext uri="{FF2B5EF4-FFF2-40B4-BE49-F238E27FC236}">
-                <a16:creationId xmlns:a16="http://schemas.microsoft.com/office/drawing/2014/main" id="{51E579E3-4D4D-4391-A4DB-77F6C6DD84BE}"/>
+                <a16:creationId xmlns:a16="http://schemas.microsoft.com/office/drawing/2014/main" id="{73A2909B-13B3-4614-9321-16AF10F4286A}"/>
               </a:ext>
             </a:extLst>
           </p:cNvPr>
@@ -7017,93 +7914,6 @@
         </p:nvSpPr>
         <p:spPr>
           <a:xfrm>
-            <a:off x="900344" y="2766218"/>
-            <a:ext cx="10515600" cy="1325563"/>
-          </a:xfrm>
-        </p:spPr>
-        <p:txBody>
-          <a:bodyPr/>
-          <a:lstStyle/>
-          <a:p>
-            <a:r>
-              <a:rPr lang="es-ES" dirty="0" err="1">
-                <a:solidFill>
-                  <a:srgbClr val="000000"/>
-                </a:solidFill>
-                <a:latin typeface="Calibri" panose="020F0502020204030204" pitchFamily="34" charset="0"/>
-              </a:rPr>
-              <a:t>Builder</a:t>
-            </a:r>
-            <a:r>
-              <a:rPr lang="es-ES" dirty="0">
-                <a:solidFill>
-                  <a:srgbClr val="000000"/>
-                </a:solidFill>
-                <a:latin typeface="Calibri" panose="020F0502020204030204" pitchFamily="34" charset="0"/>
-              </a:rPr>
-              <a:t> </a:t>
-            </a:r>
-            <a:r>
-              <a:rPr lang="es-ES" dirty="0" err="1">
-                <a:solidFill>
-                  <a:srgbClr val="000000"/>
-                </a:solidFill>
-                <a:latin typeface="Calibri" panose="020F0502020204030204" pitchFamily="34" charset="0"/>
-              </a:rPr>
-              <a:t>pattern</a:t>
-            </a:r>
-            <a:endParaRPr lang="en-US" dirty="0"/>
-          </a:p>
-        </p:txBody>
-      </p:sp>
-    </p:spTree>
-    <p:extLst>
-      <p:ext uri="{BB962C8B-B14F-4D97-AF65-F5344CB8AC3E}">
-        <p14:creationId xmlns:p14="http://schemas.microsoft.com/office/powerpoint/2010/main" val="692795186"/>
-      </p:ext>
-    </p:extLst>
-  </p:cSld>
-  <p:clrMapOvr>
-    <a:masterClrMapping/>
-  </p:clrMapOvr>
-</p:sld>
-</file>
-
-<file path=ppt/slides/slide20.xml><?xml version="1.0" encoding="utf-8"?>
-<p:sld xmlns:a="http://schemas.openxmlformats.org/drawingml/2006/main" xmlns:r="http://schemas.openxmlformats.org/officeDocument/2006/relationships" xmlns:p="http://schemas.openxmlformats.org/presentationml/2006/main">
-  <p:cSld>
-    <p:spTree>
-      <p:nvGrpSpPr>
-        <p:cNvPr id="1" name=""/>
-        <p:cNvGrpSpPr/>
-        <p:nvPr/>
-      </p:nvGrpSpPr>
-      <p:grpSpPr>
-        <a:xfrm>
-          <a:off x="0" y="0"/>
-          <a:ext cx="0" cy="0"/>
-          <a:chOff x="0" y="0"/>
-          <a:chExt cx="0" cy="0"/>
-        </a:xfrm>
-      </p:grpSpPr>
-      <p:sp>
-        <p:nvSpPr>
-          <p:cNvPr id="2" name="Título 1">
-            <a:extLst>
-              <a:ext uri="{FF2B5EF4-FFF2-40B4-BE49-F238E27FC236}">
-                <a16:creationId xmlns:a16="http://schemas.microsoft.com/office/drawing/2014/main" id="{73A2909B-13B3-4614-9321-16AF10F4286A}"/>
-              </a:ext>
-            </a:extLst>
-          </p:cNvPr>
-          <p:cNvSpPr>
-            <a:spLocks noGrp="1"/>
-          </p:cNvSpPr>
-          <p:nvPr>
-            <p:ph type="title"/>
-          </p:nvPr>
-        </p:nvSpPr>
-        <p:spPr>
-          <a:xfrm>
             <a:off x="838200" y="2103437"/>
             <a:ext cx="10515600" cy="1325563"/>
           </a:xfrm>
@@ -7123,1363 +7933,6 @@
     <p:extLst>
       <p:ext uri="{BB962C8B-B14F-4D97-AF65-F5344CB8AC3E}">
         <p14:creationId xmlns:p14="http://schemas.microsoft.com/office/powerpoint/2010/main" val="2740739163"/>
-      </p:ext>
-    </p:extLst>
-  </p:cSld>
-  <p:clrMapOvr>
-    <a:masterClrMapping/>
-  </p:clrMapOvr>
-</p:sld>
-</file>
-
-<file path=ppt/slides/slide21.xml><?xml version="1.0" encoding="utf-8"?>
-<p:sld xmlns:a="http://schemas.openxmlformats.org/drawingml/2006/main" xmlns:r="http://schemas.openxmlformats.org/officeDocument/2006/relationships" xmlns:p="http://schemas.openxmlformats.org/presentationml/2006/main">
-  <p:cSld>
-    <p:spTree>
-      <p:nvGrpSpPr>
-        <p:cNvPr id="1" name=""/>
-        <p:cNvGrpSpPr/>
-        <p:nvPr/>
-      </p:nvGrpSpPr>
-      <p:grpSpPr>
-        <a:xfrm>
-          <a:off x="0" y="0"/>
-          <a:ext cx="0" cy="0"/>
-          <a:chOff x="0" y="0"/>
-          <a:chExt cx="0" cy="0"/>
-        </a:xfrm>
-      </p:grpSpPr>
-      <p:sp>
-        <p:nvSpPr>
-          <p:cNvPr id="2" name="Título 1">
-            <a:extLst>
-              <a:ext uri="{FF2B5EF4-FFF2-40B4-BE49-F238E27FC236}">
-                <a16:creationId xmlns:a16="http://schemas.microsoft.com/office/drawing/2014/main" id="{51E579E3-4D4D-4391-A4DB-77F6C6DD84BE}"/>
-              </a:ext>
-            </a:extLst>
-          </p:cNvPr>
-          <p:cNvSpPr>
-            <a:spLocks noGrp="1"/>
-          </p:cNvSpPr>
-          <p:nvPr>
-            <p:ph type="title"/>
-          </p:nvPr>
-        </p:nvSpPr>
-        <p:spPr>
-          <a:xfrm>
-            <a:off x="900344" y="2766218"/>
-            <a:ext cx="10515600" cy="1325563"/>
-          </a:xfrm>
-        </p:spPr>
-        <p:txBody>
-          <a:bodyPr/>
-          <a:lstStyle/>
-          <a:p>
-            <a:r>
-              <a:rPr lang="es-ES" dirty="0" err="1">
-                <a:solidFill>
-                  <a:srgbClr val="000000"/>
-                </a:solidFill>
-                <a:latin typeface="Calibri" panose="020F0502020204030204" pitchFamily="34" charset="0"/>
-              </a:rPr>
-              <a:t>Strategy</a:t>
-            </a:r>
-            <a:r>
-              <a:rPr lang="es-ES" dirty="0">
-                <a:solidFill>
-                  <a:srgbClr val="000000"/>
-                </a:solidFill>
-                <a:latin typeface="Calibri" panose="020F0502020204030204" pitchFamily="34" charset="0"/>
-              </a:rPr>
-              <a:t> </a:t>
-            </a:r>
-            <a:r>
-              <a:rPr lang="es-ES" dirty="0" err="1">
-                <a:solidFill>
-                  <a:srgbClr val="000000"/>
-                </a:solidFill>
-                <a:latin typeface="Calibri" panose="020F0502020204030204" pitchFamily="34" charset="0"/>
-              </a:rPr>
-              <a:t>pattern</a:t>
-            </a:r>
-            <a:endParaRPr lang="en-US" dirty="0"/>
-          </a:p>
-        </p:txBody>
-      </p:sp>
-    </p:spTree>
-    <p:extLst>
-      <p:ext uri="{BB962C8B-B14F-4D97-AF65-F5344CB8AC3E}">
-        <p14:creationId xmlns:p14="http://schemas.microsoft.com/office/powerpoint/2010/main" val="1428411220"/>
-      </p:ext>
-    </p:extLst>
-  </p:cSld>
-  <p:clrMapOvr>
-    <a:masterClrMapping/>
-  </p:clrMapOvr>
-</p:sld>
-</file>
-
-<file path=ppt/slides/slide22.xml><?xml version="1.0" encoding="utf-8"?>
-<p:sld xmlns:a="http://schemas.openxmlformats.org/drawingml/2006/main" xmlns:r="http://schemas.openxmlformats.org/officeDocument/2006/relationships" xmlns:p="http://schemas.openxmlformats.org/presentationml/2006/main">
-  <p:cSld>
-    <p:bg>
-      <p:bgPr>
-        <a:solidFill>
-          <a:srgbClr val="1E1E1E"/>
-        </a:solidFill>
-        <a:effectLst/>
-      </p:bgPr>
-    </p:bg>
-    <p:spTree>
-      <p:nvGrpSpPr>
-        <p:cNvPr id="1" name=""/>
-        <p:cNvGrpSpPr/>
-        <p:nvPr/>
-      </p:nvGrpSpPr>
-      <p:grpSpPr>
-        <a:xfrm>
-          <a:off x="0" y="0"/>
-          <a:ext cx="0" cy="0"/>
-          <a:chOff x="0" y="0"/>
-          <a:chExt cx="0" cy="0"/>
-        </a:xfrm>
-      </p:grpSpPr>
-      <p:sp>
-        <p:nvSpPr>
-          <p:cNvPr id="31" name="CuadroTexto 30">
-            <a:extLst>
-              <a:ext uri="{FF2B5EF4-FFF2-40B4-BE49-F238E27FC236}">
-                <a16:creationId xmlns:a16="http://schemas.microsoft.com/office/drawing/2014/main" id="{FBF7026D-12F4-4541-8110-DE706094717A}"/>
-              </a:ext>
-            </a:extLst>
-          </p:cNvPr>
-          <p:cNvSpPr txBox="1"/>
-          <p:nvPr/>
-        </p:nvSpPr>
-        <p:spPr>
-          <a:xfrm>
-            <a:off x="484863" y="185392"/>
-            <a:ext cx="3397994" cy="646331"/>
-          </a:xfrm>
-          <a:prstGeom prst="rect">
-            <a:avLst/>
-          </a:prstGeom>
-          <a:noFill/>
-        </p:spPr>
-        <p:txBody>
-          <a:bodyPr wrap="square" rtlCol="0">
-            <a:spAutoFit/>
-          </a:bodyPr>
-          <a:lstStyle/>
-          <a:p>
-            <a:r>
-              <a:rPr lang="en-US" sz="3600" dirty="0" err="1">
-                <a:solidFill>
-                  <a:srgbClr val="53A2D3"/>
-                </a:solidFill>
-              </a:rPr>
-              <a:t>Teoría</a:t>
-            </a:r>
-            <a:endParaRPr lang="en-US" sz="3600" dirty="0">
-              <a:solidFill>
-                <a:srgbClr val="53A2D3"/>
-              </a:solidFill>
-            </a:endParaRPr>
-          </a:p>
-        </p:txBody>
-      </p:sp>
-      <p:pic>
-        <p:nvPicPr>
-          <p:cNvPr id="7" name="Imagen 6">
-            <a:extLst>
-              <a:ext uri="{FF2B5EF4-FFF2-40B4-BE49-F238E27FC236}">
-                <a16:creationId xmlns:a16="http://schemas.microsoft.com/office/drawing/2014/main" id="{63A3F3E7-77F9-4C2C-B74D-5C03E1CCF6E0}"/>
-              </a:ext>
-            </a:extLst>
-          </p:cNvPr>
-          <p:cNvPicPr>
-            <a:picLocks noChangeAspect="1"/>
-          </p:cNvPicPr>
-          <p:nvPr/>
-        </p:nvPicPr>
-        <p:blipFill>
-          <a:blip r:embed="rId2"/>
-          <a:stretch>
-            <a:fillRect/>
-          </a:stretch>
-        </p:blipFill>
-        <p:spPr>
-          <a:xfrm>
-            <a:off x="8176025" y="1101933"/>
-            <a:ext cx="3781425" cy="3429000"/>
-          </a:xfrm>
-          <a:prstGeom prst="rect">
-            <a:avLst/>
-          </a:prstGeom>
-          <a:effectLst>
-            <a:glow rad="25400">
-              <a:schemeClr val="bg1">
-                <a:alpha val="40000"/>
-              </a:schemeClr>
-            </a:glow>
-          </a:effectLst>
-        </p:spPr>
-      </p:pic>
-      <p:pic>
-        <p:nvPicPr>
-          <p:cNvPr id="13" name="Imagen 12">
-            <a:extLst>
-              <a:ext uri="{FF2B5EF4-FFF2-40B4-BE49-F238E27FC236}">
-                <a16:creationId xmlns:a16="http://schemas.microsoft.com/office/drawing/2014/main" id="{1226FC3B-E807-4859-AB7D-0829A64B5D4D}"/>
-              </a:ext>
-            </a:extLst>
-          </p:cNvPr>
-          <p:cNvPicPr>
-            <a:picLocks noChangeAspect="1"/>
-          </p:cNvPicPr>
-          <p:nvPr/>
-        </p:nvPicPr>
-        <p:blipFill>
-          <a:blip r:embed="rId3"/>
-          <a:stretch>
-            <a:fillRect/>
-          </a:stretch>
-        </p:blipFill>
-        <p:spPr>
-          <a:xfrm>
-            <a:off x="2293072" y="831723"/>
-            <a:ext cx="2819400" cy="762000"/>
-          </a:xfrm>
-          <a:prstGeom prst="rect">
-            <a:avLst/>
-          </a:prstGeom>
-          <a:effectLst>
-            <a:glow rad="25400">
-              <a:schemeClr val="bg1">
-                <a:alpha val="40000"/>
-              </a:schemeClr>
-            </a:glow>
-          </a:effectLst>
-        </p:spPr>
-      </p:pic>
-      <p:pic>
-        <p:nvPicPr>
-          <p:cNvPr id="15" name="Imagen 14">
-            <a:extLst>
-              <a:ext uri="{FF2B5EF4-FFF2-40B4-BE49-F238E27FC236}">
-                <a16:creationId xmlns:a16="http://schemas.microsoft.com/office/drawing/2014/main" id="{3030403C-23EF-4D34-B8B2-265C157FE1FE}"/>
-              </a:ext>
-            </a:extLst>
-          </p:cNvPr>
-          <p:cNvPicPr>
-            <a:picLocks noChangeAspect="1"/>
-          </p:cNvPicPr>
-          <p:nvPr/>
-        </p:nvPicPr>
-        <p:blipFill>
-          <a:blip r:embed="rId4"/>
-          <a:stretch>
-            <a:fillRect/>
-          </a:stretch>
-        </p:blipFill>
-        <p:spPr>
-          <a:xfrm>
-            <a:off x="3702772" y="2358548"/>
-            <a:ext cx="3216008" cy="915769"/>
-          </a:xfrm>
-          <a:prstGeom prst="rect">
-            <a:avLst/>
-          </a:prstGeom>
-          <a:effectLst>
-            <a:glow rad="25400">
-              <a:schemeClr val="bg1">
-                <a:alpha val="40000"/>
-              </a:schemeClr>
-            </a:glow>
-          </a:effectLst>
-        </p:spPr>
-      </p:pic>
-      <p:pic>
-        <p:nvPicPr>
-          <p:cNvPr id="16" name="Imagen 15">
-            <a:extLst>
-              <a:ext uri="{FF2B5EF4-FFF2-40B4-BE49-F238E27FC236}">
-                <a16:creationId xmlns:a16="http://schemas.microsoft.com/office/drawing/2014/main" id="{BF9224CC-F0AA-49F7-BFB1-D2130500CB02}"/>
-              </a:ext>
-            </a:extLst>
-          </p:cNvPr>
-          <p:cNvPicPr>
-            <a:picLocks noChangeAspect="1"/>
-          </p:cNvPicPr>
-          <p:nvPr/>
-        </p:nvPicPr>
-        <p:blipFill>
-          <a:blip r:embed="rId5"/>
-          <a:stretch>
-            <a:fillRect/>
-          </a:stretch>
-        </p:blipFill>
-        <p:spPr>
-          <a:xfrm>
-            <a:off x="234550" y="2358547"/>
-            <a:ext cx="3308585" cy="915769"/>
-          </a:xfrm>
-          <a:prstGeom prst="rect">
-            <a:avLst/>
-          </a:prstGeom>
-          <a:effectLst>
-            <a:glow rad="25400">
-              <a:schemeClr val="bg1">
-                <a:alpha val="40000"/>
-              </a:schemeClr>
-            </a:glow>
-          </a:effectLst>
-        </p:spPr>
-      </p:pic>
-      <p:pic>
-        <p:nvPicPr>
-          <p:cNvPr id="17" name="Imagen 16">
-            <a:extLst>
-              <a:ext uri="{FF2B5EF4-FFF2-40B4-BE49-F238E27FC236}">
-                <a16:creationId xmlns:a16="http://schemas.microsoft.com/office/drawing/2014/main" id="{F4BFD28B-3F89-4969-8017-2D353B4E8616}"/>
-              </a:ext>
-            </a:extLst>
-          </p:cNvPr>
-          <p:cNvPicPr>
-            <a:picLocks noChangeAspect="1"/>
-          </p:cNvPicPr>
-          <p:nvPr/>
-        </p:nvPicPr>
-        <p:blipFill>
-          <a:blip r:embed="rId6"/>
-          <a:stretch>
-            <a:fillRect/>
-          </a:stretch>
-        </p:blipFill>
-        <p:spPr>
-          <a:xfrm>
-            <a:off x="220430" y="4402312"/>
-            <a:ext cx="5695950" cy="2124075"/>
-          </a:xfrm>
-          <a:prstGeom prst="rect">
-            <a:avLst/>
-          </a:prstGeom>
-          <a:effectLst>
-            <a:glow rad="25400">
-              <a:schemeClr val="bg1">
-                <a:alpha val="40000"/>
-              </a:schemeClr>
-            </a:glow>
-          </a:effectLst>
-        </p:spPr>
-      </p:pic>
-      <p:sp>
-        <p:nvSpPr>
-          <p:cNvPr id="27" name="CuadroTexto 26">
-            <a:extLst>
-              <a:ext uri="{FF2B5EF4-FFF2-40B4-BE49-F238E27FC236}">
-                <a16:creationId xmlns:a16="http://schemas.microsoft.com/office/drawing/2014/main" id="{C80AB779-E6C3-449A-80EB-6690C83E798F}"/>
-              </a:ext>
-            </a:extLst>
-          </p:cNvPr>
-          <p:cNvSpPr txBox="1"/>
-          <p:nvPr/>
-        </p:nvSpPr>
-        <p:spPr>
-          <a:xfrm>
-            <a:off x="220430" y="4007356"/>
-            <a:ext cx="1376218" cy="369332"/>
-          </a:xfrm>
-          <a:prstGeom prst="rect">
-            <a:avLst/>
-          </a:prstGeom>
-          <a:noFill/>
-        </p:spPr>
-        <p:txBody>
-          <a:bodyPr wrap="square" rtlCol="0">
-            <a:spAutoFit/>
-          </a:bodyPr>
-          <a:lstStyle/>
-          <a:p>
-            <a:r>
-              <a:rPr lang="en-US" dirty="0">
-                <a:solidFill>
-                  <a:schemeClr val="bg1"/>
-                </a:solidFill>
-              </a:rPr>
-              <a:t>Usage:</a:t>
-            </a:r>
-          </a:p>
-        </p:txBody>
-      </p:sp>
-      <p:cxnSp>
-        <p:nvCxnSpPr>
-          <p:cNvPr id="28" name="Conector recto de flecha 27">
-            <a:extLst>
-              <a:ext uri="{FF2B5EF4-FFF2-40B4-BE49-F238E27FC236}">
-                <a16:creationId xmlns:a16="http://schemas.microsoft.com/office/drawing/2014/main" id="{3A1A54ED-7217-460A-A419-52A2A8C6E16D}"/>
-              </a:ext>
-            </a:extLst>
-          </p:cNvPr>
-          <p:cNvCxnSpPr>
-            <a:cxnSpLocks/>
-            <a:stCxn id="16" idx="0"/>
-            <a:endCxn id="13" idx="2"/>
-          </p:cNvCxnSpPr>
-          <p:nvPr/>
-        </p:nvCxnSpPr>
-        <p:spPr>
-          <a:xfrm flipV="1">
-            <a:off x="1888843" y="1593723"/>
-            <a:ext cx="1813929" cy="764824"/>
-          </a:xfrm>
-          <a:prstGeom prst="straightConnector1">
-            <a:avLst/>
-          </a:prstGeom>
-          <a:ln w="12700">
-            <a:solidFill>
-              <a:schemeClr val="bg1"/>
-            </a:solidFill>
-            <a:tailEnd type="triangle"/>
-          </a:ln>
-        </p:spPr>
-        <p:style>
-          <a:lnRef idx="1">
-            <a:schemeClr val="accent1"/>
-          </a:lnRef>
-          <a:fillRef idx="0">
-            <a:schemeClr val="accent1"/>
-          </a:fillRef>
-          <a:effectRef idx="0">
-            <a:schemeClr val="accent1"/>
-          </a:effectRef>
-          <a:fontRef idx="minor">
-            <a:schemeClr val="tx1"/>
-          </a:fontRef>
-        </p:style>
-      </p:cxnSp>
-      <p:sp>
-        <p:nvSpPr>
-          <p:cNvPr id="29" name="CuadroTexto 28">
-            <a:extLst>
-              <a:ext uri="{FF2B5EF4-FFF2-40B4-BE49-F238E27FC236}">
-                <a16:creationId xmlns:a16="http://schemas.microsoft.com/office/drawing/2014/main" id="{6C5D61F4-13D6-441D-8985-28E82A07ACD8}"/>
-              </a:ext>
-            </a:extLst>
-          </p:cNvPr>
-          <p:cNvSpPr txBox="1"/>
-          <p:nvPr/>
-        </p:nvSpPr>
-        <p:spPr>
-          <a:xfrm>
-            <a:off x="4738560" y="1747673"/>
-            <a:ext cx="1376218" cy="369332"/>
-          </a:xfrm>
-          <a:prstGeom prst="rect">
-            <a:avLst/>
-          </a:prstGeom>
-          <a:noFill/>
-        </p:spPr>
-        <p:txBody>
-          <a:bodyPr wrap="square" rtlCol="0">
-            <a:spAutoFit/>
-          </a:bodyPr>
-          <a:lstStyle/>
-          <a:p>
-            <a:r>
-              <a:rPr lang="en-US" dirty="0">
-                <a:solidFill>
-                  <a:schemeClr val="bg1"/>
-                </a:solidFill>
-              </a:rPr>
-              <a:t>implements</a:t>
-            </a:r>
-          </a:p>
-        </p:txBody>
-      </p:sp>
-      <p:cxnSp>
-        <p:nvCxnSpPr>
-          <p:cNvPr id="32" name="Conector recto de flecha 31">
-            <a:extLst>
-              <a:ext uri="{FF2B5EF4-FFF2-40B4-BE49-F238E27FC236}">
-                <a16:creationId xmlns:a16="http://schemas.microsoft.com/office/drawing/2014/main" id="{54BAFDE7-80A8-46D7-A8DA-73C79CC1DA06}"/>
-              </a:ext>
-            </a:extLst>
-          </p:cNvPr>
-          <p:cNvCxnSpPr>
-            <a:cxnSpLocks/>
-            <a:stCxn id="15" idx="0"/>
-            <a:endCxn id="13" idx="2"/>
-          </p:cNvCxnSpPr>
-          <p:nvPr/>
-        </p:nvCxnSpPr>
-        <p:spPr>
-          <a:xfrm flipH="1" flipV="1">
-            <a:off x="3702772" y="1593723"/>
-            <a:ext cx="1608004" cy="764825"/>
-          </a:xfrm>
-          <a:prstGeom prst="straightConnector1">
-            <a:avLst/>
-          </a:prstGeom>
-          <a:ln w="12700">
-            <a:solidFill>
-              <a:schemeClr val="bg1"/>
-            </a:solidFill>
-            <a:tailEnd type="triangle"/>
-          </a:ln>
-        </p:spPr>
-        <p:style>
-          <a:lnRef idx="1">
-            <a:schemeClr val="accent1"/>
-          </a:lnRef>
-          <a:fillRef idx="0">
-            <a:schemeClr val="accent1"/>
-          </a:fillRef>
-          <a:effectRef idx="0">
-            <a:schemeClr val="accent1"/>
-          </a:effectRef>
-          <a:fontRef idx="minor">
-            <a:schemeClr val="tx1"/>
-          </a:fontRef>
-        </p:style>
-      </p:cxnSp>
-      <p:sp>
-        <p:nvSpPr>
-          <p:cNvPr id="36" name="CuadroTexto 35">
-            <a:extLst>
-              <a:ext uri="{FF2B5EF4-FFF2-40B4-BE49-F238E27FC236}">
-                <a16:creationId xmlns:a16="http://schemas.microsoft.com/office/drawing/2014/main" id="{9584946C-1ABD-49B7-9E74-6778D71B8931}"/>
-              </a:ext>
-            </a:extLst>
-          </p:cNvPr>
-          <p:cNvSpPr txBox="1"/>
-          <p:nvPr/>
-        </p:nvSpPr>
-        <p:spPr>
-          <a:xfrm>
-            <a:off x="1249275" y="1747673"/>
-            <a:ext cx="1376218" cy="369332"/>
-          </a:xfrm>
-          <a:prstGeom prst="rect">
-            <a:avLst/>
-          </a:prstGeom>
-          <a:noFill/>
-        </p:spPr>
-        <p:txBody>
-          <a:bodyPr wrap="square" rtlCol="0">
-            <a:spAutoFit/>
-          </a:bodyPr>
-          <a:lstStyle/>
-          <a:p>
-            <a:r>
-              <a:rPr lang="en-US" dirty="0">
-                <a:solidFill>
-                  <a:schemeClr val="bg1"/>
-                </a:solidFill>
-              </a:rPr>
-              <a:t>implements</a:t>
-            </a:r>
-          </a:p>
-        </p:txBody>
-      </p:sp>
-      <p:cxnSp>
-        <p:nvCxnSpPr>
-          <p:cNvPr id="37" name="Conector recto de flecha 36">
-            <a:extLst>
-              <a:ext uri="{FF2B5EF4-FFF2-40B4-BE49-F238E27FC236}">
-                <a16:creationId xmlns:a16="http://schemas.microsoft.com/office/drawing/2014/main" id="{F33C09D8-47E5-497E-A508-0BB69A63CB87}"/>
-              </a:ext>
-            </a:extLst>
-          </p:cNvPr>
-          <p:cNvCxnSpPr>
-            <a:cxnSpLocks/>
-            <a:stCxn id="7" idx="1"/>
-            <a:endCxn id="15" idx="3"/>
-          </p:cNvCxnSpPr>
-          <p:nvPr/>
-        </p:nvCxnSpPr>
-        <p:spPr>
-          <a:xfrm flipH="1">
-            <a:off x="6918780" y="2816433"/>
-            <a:ext cx="1257245" cy="0"/>
-          </a:xfrm>
-          <a:prstGeom prst="straightConnector1">
-            <a:avLst/>
-          </a:prstGeom>
-          <a:ln w="12700">
-            <a:solidFill>
-              <a:schemeClr val="bg1"/>
-            </a:solidFill>
-            <a:tailEnd type="triangle"/>
-          </a:ln>
-        </p:spPr>
-        <p:style>
-          <a:lnRef idx="1">
-            <a:schemeClr val="accent1"/>
-          </a:lnRef>
-          <a:fillRef idx="0">
-            <a:schemeClr val="accent1"/>
-          </a:fillRef>
-          <a:effectRef idx="0">
-            <a:schemeClr val="accent1"/>
-          </a:effectRef>
-          <a:fontRef idx="minor">
-            <a:schemeClr val="tx1"/>
-          </a:fontRef>
-        </p:style>
-      </p:cxnSp>
-      <p:sp>
-        <p:nvSpPr>
-          <p:cNvPr id="43" name="CuadroTexto 42">
-            <a:extLst>
-              <a:ext uri="{FF2B5EF4-FFF2-40B4-BE49-F238E27FC236}">
-                <a16:creationId xmlns:a16="http://schemas.microsoft.com/office/drawing/2014/main" id="{9194DB71-63AB-401A-BE6D-85B024946DBE}"/>
-              </a:ext>
-            </a:extLst>
-          </p:cNvPr>
-          <p:cNvSpPr txBox="1"/>
-          <p:nvPr/>
-        </p:nvSpPr>
-        <p:spPr>
-          <a:xfrm>
-            <a:off x="7078417" y="2491377"/>
-            <a:ext cx="1376218" cy="369332"/>
-          </a:xfrm>
-          <a:prstGeom prst="rect">
-            <a:avLst/>
-          </a:prstGeom>
-          <a:noFill/>
-        </p:spPr>
-        <p:txBody>
-          <a:bodyPr wrap="square" rtlCol="0">
-            <a:spAutoFit/>
-          </a:bodyPr>
-          <a:lstStyle/>
-          <a:p>
-            <a:r>
-              <a:rPr lang="en-US" dirty="0">
-                <a:solidFill>
-                  <a:schemeClr val="bg1"/>
-                </a:solidFill>
-              </a:rPr>
-              <a:t>executes</a:t>
-            </a:r>
-          </a:p>
-        </p:txBody>
-      </p:sp>
-    </p:spTree>
-    <p:extLst>
-      <p:ext uri="{BB962C8B-B14F-4D97-AF65-F5344CB8AC3E}">
-        <p14:creationId xmlns:p14="http://schemas.microsoft.com/office/powerpoint/2010/main" val="4059487831"/>
-      </p:ext>
-    </p:extLst>
-  </p:cSld>
-  <p:clrMapOvr>
-    <a:masterClrMapping/>
-  </p:clrMapOvr>
-</p:sld>
-</file>
-
-<file path=ppt/slides/slide23.xml><?xml version="1.0" encoding="utf-8"?>
-<p:sld xmlns:a="http://schemas.openxmlformats.org/drawingml/2006/main" xmlns:r="http://schemas.openxmlformats.org/officeDocument/2006/relationships" xmlns:p="http://schemas.openxmlformats.org/presentationml/2006/main">
-  <p:cSld>
-    <p:bg>
-      <p:bgPr>
-        <a:solidFill>
-          <a:srgbClr val="1E1E1E"/>
-        </a:solidFill>
-        <a:effectLst/>
-      </p:bgPr>
-    </p:bg>
-    <p:spTree>
-      <p:nvGrpSpPr>
-        <p:cNvPr id="1" name=""/>
-        <p:cNvGrpSpPr/>
-        <p:nvPr/>
-      </p:nvGrpSpPr>
-      <p:grpSpPr>
-        <a:xfrm>
-          <a:off x="0" y="0"/>
-          <a:ext cx="0" cy="0"/>
-          <a:chOff x="0" y="0"/>
-          <a:chExt cx="0" cy="0"/>
-        </a:xfrm>
-      </p:grpSpPr>
-      <p:sp>
-        <p:nvSpPr>
-          <p:cNvPr id="19" name="CuadroTexto 18">
-            <a:extLst>
-              <a:ext uri="{FF2B5EF4-FFF2-40B4-BE49-F238E27FC236}">
-                <a16:creationId xmlns:a16="http://schemas.microsoft.com/office/drawing/2014/main" id="{A96312D1-C027-407A-96BD-2EF07177E281}"/>
-              </a:ext>
-            </a:extLst>
-          </p:cNvPr>
-          <p:cNvSpPr txBox="1"/>
-          <p:nvPr/>
-        </p:nvSpPr>
-        <p:spPr>
-          <a:xfrm>
-            <a:off x="277441" y="3087902"/>
-            <a:ext cx="5675684" cy="3609235"/>
-          </a:xfrm>
-          <a:prstGeom prst="rect">
-            <a:avLst/>
-          </a:prstGeom>
-          <a:noFill/>
-          <a:ln>
-            <a:solidFill>
-              <a:schemeClr val="bg1"/>
-            </a:solidFill>
-          </a:ln>
-        </p:spPr>
-        <p:txBody>
-          <a:bodyPr wrap="square" rtlCol="0">
-            <a:spAutoFit/>
-          </a:bodyPr>
-          <a:lstStyle/>
-          <a:p>
-            <a:endParaRPr lang="en-US" dirty="0"/>
-          </a:p>
-        </p:txBody>
-      </p:sp>
-      <p:pic>
-        <p:nvPicPr>
-          <p:cNvPr id="5" name="Imagen 4">
-            <a:extLst>
-              <a:ext uri="{FF2B5EF4-FFF2-40B4-BE49-F238E27FC236}">
-                <a16:creationId xmlns:a16="http://schemas.microsoft.com/office/drawing/2014/main" id="{1F28F35C-9F8B-4E76-86E9-350415B88C79}"/>
-              </a:ext>
-            </a:extLst>
-          </p:cNvPr>
-          <p:cNvPicPr>
-            <a:picLocks noChangeAspect="1"/>
-          </p:cNvPicPr>
-          <p:nvPr/>
-        </p:nvPicPr>
-        <p:blipFill>
-          <a:blip r:embed="rId2"/>
-          <a:stretch>
-            <a:fillRect/>
-          </a:stretch>
-        </p:blipFill>
-        <p:spPr>
-          <a:xfrm>
-            <a:off x="797883" y="1225868"/>
-            <a:ext cx="4287752" cy="969928"/>
-          </a:xfrm>
-          <a:prstGeom prst="rect">
-            <a:avLst/>
-          </a:prstGeom>
-          <a:effectLst>
-            <a:glow rad="25400">
-              <a:schemeClr val="bg1">
-                <a:alpha val="40000"/>
-              </a:schemeClr>
-            </a:glow>
-          </a:effectLst>
-        </p:spPr>
-      </p:pic>
-      <p:pic>
-        <p:nvPicPr>
-          <p:cNvPr id="3" name="Imagen 2">
-            <a:extLst>
-              <a:ext uri="{FF2B5EF4-FFF2-40B4-BE49-F238E27FC236}">
-                <a16:creationId xmlns:a16="http://schemas.microsoft.com/office/drawing/2014/main" id="{9C1B9B4B-60A9-4422-9C3A-3CD098F4505A}"/>
-              </a:ext>
-            </a:extLst>
-          </p:cNvPr>
-          <p:cNvPicPr>
-            <a:picLocks noChangeAspect="1"/>
-          </p:cNvPicPr>
-          <p:nvPr/>
-        </p:nvPicPr>
-        <p:blipFill>
-          <a:blip r:embed="rId3"/>
-          <a:stretch>
-            <a:fillRect/>
-          </a:stretch>
-        </p:blipFill>
-        <p:spPr>
-          <a:xfrm>
-            <a:off x="345048" y="3127409"/>
-            <a:ext cx="5253753" cy="488881"/>
-          </a:xfrm>
-          <a:prstGeom prst="rect">
-            <a:avLst/>
-          </a:prstGeom>
-          <a:effectLst>
-            <a:glow>
-              <a:schemeClr val="bg1">
-                <a:alpha val="40000"/>
-              </a:schemeClr>
-            </a:glow>
-          </a:effectLst>
-        </p:spPr>
-      </p:pic>
-      <p:pic>
-        <p:nvPicPr>
-          <p:cNvPr id="4" name="Imagen 3">
-            <a:extLst>
-              <a:ext uri="{FF2B5EF4-FFF2-40B4-BE49-F238E27FC236}">
-                <a16:creationId xmlns:a16="http://schemas.microsoft.com/office/drawing/2014/main" id="{C36C44D5-9D26-4140-9030-A25266CFEACE}"/>
-              </a:ext>
-            </a:extLst>
-          </p:cNvPr>
-          <p:cNvPicPr>
-            <a:picLocks noChangeAspect="1"/>
-          </p:cNvPicPr>
-          <p:nvPr/>
-        </p:nvPicPr>
-        <p:blipFill>
-          <a:blip r:embed="rId4"/>
-          <a:stretch>
-            <a:fillRect/>
-          </a:stretch>
-        </p:blipFill>
-        <p:spPr>
-          <a:xfrm>
-            <a:off x="1339827" y="1917666"/>
-            <a:ext cx="4516224" cy="971158"/>
-          </a:xfrm>
-          <a:prstGeom prst="rect">
-            <a:avLst/>
-          </a:prstGeom>
-          <a:effectLst>
-            <a:glow rad="25400">
-              <a:schemeClr val="bg1">
-                <a:alpha val="40000"/>
-              </a:schemeClr>
-            </a:glow>
-          </a:effectLst>
-        </p:spPr>
-      </p:pic>
-      <p:pic>
-        <p:nvPicPr>
-          <p:cNvPr id="9" name="Imagen 8">
-            <a:extLst>
-              <a:ext uri="{FF2B5EF4-FFF2-40B4-BE49-F238E27FC236}">
-                <a16:creationId xmlns:a16="http://schemas.microsoft.com/office/drawing/2014/main" id="{49F94EEA-BD17-488E-8959-1BDE76060086}"/>
-              </a:ext>
-            </a:extLst>
-          </p:cNvPr>
-          <p:cNvPicPr>
-            <a:picLocks noChangeAspect="1"/>
-          </p:cNvPicPr>
-          <p:nvPr/>
-        </p:nvPicPr>
-        <p:blipFill>
-          <a:blip r:embed="rId5"/>
-          <a:stretch>
-            <a:fillRect/>
-          </a:stretch>
-        </p:blipFill>
-        <p:spPr>
-          <a:xfrm>
-            <a:off x="1487759" y="160863"/>
-            <a:ext cx="2908000" cy="573633"/>
-          </a:xfrm>
-          <a:prstGeom prst="rect">
-            <a:avLst/>
-          </a:prstGeom>
-          <a:effectLst>
-            <a:glow rad="25400">
-              <a:schemeClr val="bg1">
-                <a:alpha val="40000"/>
-              </a:schemeClr>
-            </a:glow>
-          </a:effectLst>
-        </p:spPr>
-      </p:pic>
-      <p:pic>
-        <p:nvPicPr>
-          <p:cNvPr id="14" name="Imagen 13">
-            <a:extLst>
-              <a:ext uri="{FF2B5EF4-FFF2-40B4-BE49-F238E27FC236}">
-                <a16:creationId xmlns:a16="http://schemas.microsoft.com/office/drawing/2014/main" id="{E0E785AA-AFC8-4D14-8DD6-DA69DB1D5C3D}"/>
-              </a:ext>
-            </a:extLst>
-          </p:cNvPr>
-          <p:cNvPicPr>
-            <a:picLocks noChangeAspect="1"/>
-          </p:cNvPicPr>
-          <p:nvPr/>
-        </p:nvPicPr>
-        <p:blipFill>
-          <a:blip r:embed="rId6"/>
-          <a:stretch>
-            <a:fillRect/>
-          </a:stretch>
-        </p:blipFill>
-        <p:spPr>
-          <a:xfrm>
-            <a:off x="7235443" y="3087902"/>
-            <a:ext cx="4287753" cy="1843117"/>
-          </a:xfrm>
-          <a:prstGeom prst="rect">
-            <a:avLst/>
-          </a:prstGeom>
-          <a:effectLst>
-            <a:glow rad="25400">
-              <a:schemeClr val="bg1">
-                <a:alpha val="40000"/>
-              </a:schemeClr>
-            </a:glow>
-          </a:effectLst>
-        </p:spPr>
-      </p:pic>
-      <p:pic>
-        <p:nvPicPr>
-          <p:cNvPr id="16" name="Imagen 15">
-            <a:extLst>
-              <a:ext uri="{FF2B5EF4-FFF2-40B4-BE49-F238E27FC236}">
-                <a16:creationId xmlns:a16="http://schemas.microsoft.com/office/drawing/2014/main" id="{E2574B5B-77DE-464E-B6B5-321D05E8DDCF}"/>
-              </a:ext>
-            </a:extLst>
-          </p:cNvPr>
-          <p:cNvPicPr>
-            <a:picLocks noChangeAspect="1"/>
-          </p:cNvPicPr>
-          <p:nvPr/>
-        </p:nvPicPr>
-        <p:blipFill>
-          <a:blip r:embed="rId7"/>
-          <a:stretch>
-            <a:fillRect/>
-          </a:stretch>
-        </p:blipFill>
-        <p:spPr>
-          <a:xfrm>
-            <a:off x="6731370" y="165207"/>
-            <a:ext cx="5295901" cy="2445957"/>
-          </a:xfrm>
-          <a:prstGeom prst="rect">
-            <a:avLst/>
-          </a:prstGeom>
-          <a:effectLst>
-            <a:glow rad="25400">
-              <a:schemeClr val="bg1">
-                <a:alpha val="40000"/>
-              </a:schemeClr>
-            </a:glow>
-          </a:effectLst>
-        </p:spPr>
-      </p:pic>
-      <p:pic>
-        <p:nvPicPr>
-          <p:cNvPr id="18" name="Imagen 17">
-            <a:extLst>
-              <a:ext uri="{FF2B5EF4-FFF2-40B4-BE49-F238E27FC236}">
-                <a16:creationId xmlns:a16="http://schemas.microsoft.com/office/drawing/2014/main" id="{0B0AB996-6C12-4098-B73D-617DC9134067}"/>
-              </a:ext>
-            </a:extLst>
-          </p:cNvPr>
-          <p:cNvPicPr>
-            <a:picLocks noChangeAspect="1"/>
-          </p:cNvPicPr>
-          <p:nvPr/>
-        </p:nvPicPr>
-        <p:blipFill>
-          <a:blip r:embed="rId8"/>
-          <a:stretch>
-            <a:fillRect/>
-          </a:stretch>
-        </p:blipFill>
-        <p:spPr>
-          <a:xfrm>
-            <a:off x="345048" y="3655797"/>
-            <a:ext cx="5253754" cy="2780996"/>
-          </a:xfrm>
-          <a:prstGeom prst="rect">
-            <a:avLst/>
-          </a:prstGeom>
-        </p:spPr>
-      </p:pic>
-      <p:sp>
-        <p:nvSpPr>
-          <p:cNvPr id="25" name="CuadroTexto 24">
-            <a:extLst>
-              <a:ext uri="{FF2B5EF4-FFF2-40B4-BE49-F238E27FC236}">
-                <a16:creationId xmlns:a16="http://schemas.microsoft.com/office/drawing/2014/main" id="{B6FBF2F1-EAB1-495D-AD6F-27A42C4E8F45}"/>
-              </a:ext>
-            </a:extLst>
-          </p:cNvPr>
-          <p:cNvSpPr txBox="1"/>
-          <p:nvPr/>
-        </p:nvSpPr>
-        <p:spPr>
-          <a:xfrm>
-            <a:off x="2909830" y="820228"/>
-            <a:ext cx="1376218" cy="369332"/>
-          </a:xfrm>
-          <a:prstGeom prst="rect">
-            <a:avLst/>
-          </a:prstGeom>
-          <a:noFill/>
-        </p:spPr>
-        <p:txBody>
-          <a:bodyPr wrap="square" rtlCol="0">
-            <a:spAutoFit/>
-          </a:bodyPr>
-          <a:lstStyle/>
-          <a:p>
-            <a:r>
-              <a:rPr lang="en-US" dirty="0">
-                <a:solidFill>
-                  <a:schemeClr val="bg1"/>
-                </a:solidFill>
-              </a:rPr>
-              <a:t>implements</a:t>
-            </a:r>
-          </a:p>
-        </p:txBody>
-      </p:sp>
-      <p:cxnSp>
-        <p:nvCxnSpPr>
-          <p:cNvPr id="27" name="Conector recto de flecha 26">
-            <a:extLst>
-              <a:ext uri="{FF2B5EF4-FFF2-40B4-BE49-F238E27FC236}">
-                <a16:creationId xmlns:a16="http://schemas.microsoft.com/office/drawing/2014/main" id="{88EC44E3-2AD7-4D4C-9534-8FD067DCA220}"/>
-              </a:ext>
-            </a:extLst>
-          </p:cNvPr>
-          <p:cNvCxnSpPr>
-            <a:cxnSpLocks/>
-            <a:stCxn id="5" idx="0"/>
-            <a:endCxn id="9" idx="2"/>
-          </p:cNvCxnSpPr>
-          <p:nvPr/>
-        </p:nvCxnSpPr>
-        <p:spPr>
-          <a:xfrm flipV="1">
-            <a:off x="2941759" y="734496"/>
-            <a:ext cx="0" cy="491372"/>
-          </a:xfrm>
-          <a:prstGeom prst="straightConnector1">
-            <a:avLst/>
-          </a:prstGeom>
-          <a:ln w="12700">
-            <a:solidFill>
-              <a:schemeClr val="bg1"/>
-            </a:solidFill>
-            <a:tailEnd type="triangle"/>
-          </a:ln>
-        </p:spPr>
-        <p:style>
-          <a:lnRef idx="1">
-            <a:schemeClr val="accent1"/>
-          </a:lnRef>
-          <a:fillRef idx="0">
-            <a:schemeClr val="accent1"/>
-          </a:fillRef>
-          <a:effectRef idx="0">
-            <a:schemeClr val="accent1"/>
-          </a:effectRef>
-          <a:fontRef idx="minor">
-            <a:schemeClr val="tx1"/>
-          </a:fontRef>
-        </p:style>
-      </p:cxnSp>
-      <p:cxnSp>
-        <p:nvCxnSpPr>
-          <p:cNvPr id="34" name="Conector recto de flecha 33">
-            <a:extLst>
-              <a:ext uri="{FF2B5EF4-FFF2-40B4-BE49-F238E27FC236}">
-                <a16:creationId xmlns:a16="http://schemas.microsoft.com/office/drawing/2014/main" id="{77211730-336B-4475-92D1-978E8AE483D7}"/>
-              </a:ext>
-            </a:extLst>
-          </p:cNvPr>
-          <p:cNvCxnSpPr>
-            <a:cxnSpLocks/>
-            <a:stCxn id="16" idx="1"/>
-            <a:endCxn id="5" idx="3"/>
-          </p:cNvCxnSpPr>
-          <p:nvPr/>
-        </p:nvCxnSpPr>
-        <p:spPr>
-          <a:xfrm flipH="1">
-            <a:off x="5085635" y="1388186"/>
-            <a:ext cx="1645735" cy="322646"/>
-          </a:xfrm>
-          <a:prstGeom prst="straightConnector1">
-            <a:avLst/>
-          </a:prstGeom>
-          <a:ln w="12700">
-            <a:solidFill>
-              <a:schemeClr val="bg1"/>
-            </a:solidFill>
-            <a:tailEnd type="triangle"/>
-          </a:ln>
-        </p:spPr>
-        <p:style>
-          <a:lnRef idx="1">
-            <a:schemeClr val="accent1"/>
-          </a:lnRef>
-          <a:fillRef idx="0">
-            <a:schemeClr val="accent1"/>
-          </a:fillRef>
-          <a:effectRef idx="0">
-            <a:schemeClr val="accent1"/>
-          </a:effectRef>
-          <a:fontRef idx="minor">
-            <a:schemeClr val="tx1"/>
-          </a:fontRef>
-        </p:style>
-      </p:cxnSp>
-      <p:sp>
-        <p:nvSpPr>
-          <p:cNvPr id="35" name="CuadroTexto 34">
-            <a:extLst>
-              <a:ext uri="{FF2B5EF4-FFF2-40B4-BE49-F238E27FC236}">
-                <a16:creationId xmlns:a16="http://schemas.microsoft.com/office/drawing/2014/main" id="{C400614D-3218-4E37-9650-3A63BC3DE8EB}"/>
-              </a:ext>
-            </a:extLst>
-          </p:cNvPr>
-          <p:cNvSpPr txBox="1"/>
-          <p:nvPr/>
-        </p:nvSpPr>
-        <p:spPr>
-          <a:xfrm rot="20924205">
-            <a:off x="5469464" y="1159486"/>
-            <a:ext cx="1376218" cy="369332"/>
-          </a:xfrm>
-          <a:prstGeom prst="rect">
-            <a:avLst/>
-          </a:prstGeom>
-          <a:noFill/>
-        </p:spPr>
-        <p:txBody>
-          <a:bodyPr wrap="square" rtlCol="0">
-            <a:spAutoFit/>
-          </a:bodyPr>
-          <a:lstStyle/>
-          <a:p>
-            <a:r>
-              <a:rPr lang="en-US" dirty="0">
-                <a:solidFill>
-                  <a:schemeClr val="bg1"/>
-                </a:solidFill>
-              </a:rPr>
-              <a:t>executes</a:t>
-            </a:r>
-          </a:p>
-        </p:txBody>
-      </p:sp>
-      <p:cxnSp>
-        <p:nvCxnSpPr>
-          <p:cNvPr id="38" name="Conector recto de flecha 37">
-            <a:extLst>
-              <a:ext uri="{FF2B5EF4-FFF2-40B4-BE49-F238E27FC236}">
-                <a16:creationId xmlns:a16="http://schemas.microsoft.com/office/drawing/2014/main" id="{074459B3-FE79-42A2-9A9E-C03EC6F7E472}"/>
-              </a:ext>
-            </a:extLst>
-          </p:cNvPr>
-          <p:cNvCxnSpPr>
-            <a:cxnSpLocks/>
-            <a:stCxn id="16" idx="1"/>
-            <a:endCxn id="4" idx="3"/>
-          </p:cNvCxnSpPr>
-          <p:nvPr/>
-        </p:nvCxnSpPr>
-        <p:spPr>
-          <a:xfrm flipH="1">
-            <a:off x="5856051" y="1388186"/>
-            <a:ext cx="875319" cy="1015059"/>
-          </a:xfrm>
-          <a:prstGeom prst="straightConnector1">
-            <a:avLst/>
-          </a:prstGeom>
-          <a:ln w="12700">
-            <a:solidFill>
-              <a:schemeClr val="bg1"/>
-            </a:solidFill>
-            <a:tailEnd type="triangle"/>
-          </a:ln>
-        </p:spPr>
-        <p:style>
-          <a:lnRef idx="1">
-            <a:schemeClr val="accent1"/>
-          </a:lnRef>
-          <a:fillRef idx="0">
-            <a:schemeClr val="accent1"/>
-          </a:fillRef>
-          <a:effectRef idx="0">
-            <a:schemeClr val="accent1"/>
-          </a:effectRef>
-          <a:fontRef idx="minor">
-            <a:schemeClr val="tx1"/>
-          </a:fontRef>
-        </p:style>
-      </p:cxnSp>
-      <p:cxnSp>
-        <p:nvCxnSpPr>
-          <p:cNvPr id="48" name="Conector recto de flecha 47">
-            <a:extLst>
-              <a:ext uri="{FF2B5EF4-FFF2-40B4-BE49-F238E27FC236}">
-                <a16:creationId xmlns:a16="http://schemas.microsoft.com/office/drawing/2014/main" id="{CADF5784-5FC3-40D6-BB19-FC72C0D9D2F5}"/>
-              </a:ext>
-              <a:ext uri="{C183D7F6-B498-43B3-948B-1728B52AA6E4}">
-                <adec:decorative xmlns:adec="http://schemas.microsoft.com/office/drawing/2017/decorative" val="0"/>
-              </a:ext>
-            </a:extLst>
-          </p:cNvPr>
-          <p:cNvCxnSpPr>
-            <a:cxnSpLocks/>
-            <a:stCxn id="16" idx="2"/>
-            <a:endCxn id="14" idx="0"/>
-          </p:cNvCxnSpPr>
-          <p:nvPr/>
-        </p:nvCxnSpPr>
-        <p:spPr>
-          <a:xfrm flipH="1">
-            <a:off x="9379320" y="2611164"/>
-            <a:ext cx="1" cy="476738"/>
-          </a:xfrm>
-          <a:prstGeom prst="straightConnector1">
-            <a:avLst/>
-          </a:prstGeom>
-          <a:ln w="12700">
-            <a:solidFill>
-              <a:schemeClr val="bg1"/>
-            </a:solidFill>
-            <a:tailEnd type="triangle"/>
-          </a:ln>
-        </p:spPr>
-        <p:style>
-          <a:lnRef idx="1">
-            <a:schemeClr val="accent1"/>
-          </a:lnRef>
-          <a:fillRef idx="0">
-            <a:schemeClr val="accent1"/>
-          </a:fillRef>
-          <a:effectRef idx="0">
-            <a:schemeClr val="accent1"/>
-          </a:effectRef>
-          <a:fontRef idx="minor">
-            <a:schemeClr val="tx1"/>
-          </a:fontRef>
-        </p:style>
-      </p:cxnSp>
-      <p:sp>
-        <p:nvSpPr>
-          <p:cNvPr id="49" name="CuadroTexto 48">
-            <a:extLst>
-              <a:ext uri="{FF2B5EF4-FFF2-40B4-BE49-F238E27FC236}">
-                <a16:creationId xmlns:a16="http://schemas.microsoft.com/office/drawing/2014/main" id="{863B58CB-9D32-47A7-AAAD-1480E6429863}"/>
-              </a:ext>
-            </a:extLst>
-          </p:cNvPr>
-          <p:cNvSpPr txBox="1"/>
-          <p:nvPr/>
-        </p:nvSpPr>
-        <p:spPr>
-          <a:xfrm>
-            <a:off x="9379319" y="2641505"/>
-            <a:ext cx="1376218" cy="338554"/>
-          </a:xfrm>
-          <a:prstGeom prst="rect">
-            <a:avLst/>
-          </a:prstGeom>
-          <a:noFill/>
-        </p:spPr>
-        <p:txBody>
-          <a:bodyPr wrap="square" rtlCol="0">
-            <a:spAutoFit/>
-          </a:bodyPr>
-          <a:lstStyle/>
-          <a:p>
-            <a:r>
-              <a:rPr lang="en-US" sz="1600" dirty="0">
-                <a:solidFill>
-                  <a:schemeClr val="bg1"/>
-                </a:solidFill>
-              </a:rPr>
-              <a:t>gets</a:t>
-            </a:r>
-          </a:p>
-        </p:txBody>
-      </p:sp>
-      <p:sp>
-        <p:nvSpPr>
-          <p:cNvPr id="56" name="CuadroTexto 55">
-            <a:extLst>
-              <a:ext uri="{FF2B5EF4-FFF2-40B4-BE49-F238E27FC236}">
-                <a16:creationId xmlns:a16="http://schemas.microsoft.com/office/drawing/2014/main" id="{8E28305B-4A7C-463A-9539-BFD2B83DD84E}"/>
-              </a:ext>
-            </a:extLst>
-          </p:cNvPr>
-          <p:cNvSpPr txBox="1"/>
-          <p:nvPr/>
-        </p:nvSpPr>
-        <p:spPr>
-          <a:xfrm>
-            <a:off x="5216982" y="6358583"/>
-            <a:ext cx="1376218" cy="338554"/>
-          </a:xfrm>
-          <a:prstGeom prst="rect">
-            <a:avLst/>
-          </a:prstGeom>
-          <a:noFill/>
-        </p:spPr>
-        <p:txBody>
-          <a:bodyPr wrap="square" rtlCol="0">
-            <a:spAutoFit/>
-          </a:bodyPr>
-          <a:lstStyle/>
-          <a:p>
-            <a:r>
-              <a:rPr lang="en-US" sz="1600" dirty="0">
-                <a:solidFill>
-                  <a:schemeClr val="bg1"/>
-                </a:solidFill>
-              </a:rPr>
-              <a:t>Usage</a:t>
-            </a:r>
-          </a:p>
-        </p:txBody>
-      </p:sp>
-      <p:sp>
-        <p:nvSpPr>
-          <p:cNvPr id="57" name="CuadroTexto 56">
-            <a:extLst>
-              <a:ext uri="{FF2B5EF4-FFF2-40B4-BE49-F238E27FC236}">
-                <a16:creationId xmlns:a16="http://schemas.microsoft.com/office/drawing/2014/main" id="{74D0A3BB-A078-423C-B55A-B0DF40F77A9B}"/>
-              </a:ext>
-            </a:extLst>
-          </p:cNvPr>
-          <p:cNvSpPr txBox="1"/>
-          <p:nvPr/>
-        </p:nvSpPr>
-        <p:spPr>
-          <a:xfrm>
-            <a:off x="9483407" y="6035417"/>
-            <a:ext cx="3397994" cy="646331"/>
-          </a:xfrm>
-          <a:prstGeom prst="rect">
-            <a:avLst/>
-          </a:prstGeom>
-          <a:noFill/>
-        </p:spPr>
-        <p:txBody>
-          <a:bodyPr wrap="square" rtlCol="0">
-            <a:spAutoFit/>
-          </a:bodyPr>
-          <a:lstStyle/>
-          <a:p>
-            <a:r>
-              <a:rPr lang="en-US" sz="3600" dirty="0">
-                <a:solidFill>
-                  <a:srgbClr val="53A2D3"/>
-                </a:solidFill>
-              </a:rPr>
-              <a:t>Mundo real</a:t>
-            </a:r>
-          </a:p>
-        </p:txBody>
-      </p:sp>
-    </p:spTree>
-    <p:extLst>
-      <p:ext uri="{BB962C8B-B14F-4D97-AF65-F5344CB8AC3E}">
-        <p14:creationId xmlns:p14="http://schemas.microsoft.com/office/powerpoint/2010/main" val="2514131287"/>
       </p:ext>
     </p:extLst>
   </p:cSld>
@@ -8511,7 +7964,7 @@
           <p:cNvPr id="2" name="Título 1">
             <a:extLst>
               <a:ext uri="{FF2B5EF4-FFF2-40B4-BE49-F238E27FC236}">
-                <a16:creationId xmlns:a16="http://schemas.microsoft.com/office/drawing/2014/main" id="{73A2909B-13B3-4614-9321-16AF10F4286A}"/>
+                <a16:creationId xmlns:a16="http://schemas.microsoft.com/office/drawing/2014/main" id="{51E579E3-4D4D-4391-A4DB-77F6C6DD84BE}"/>
               </a:ext>
             </a:extLst>
           </p:cNvPr>
@@ -8524,7 +7977,7 @@
         </p:nvSpPr>
         <p:spPr>
           <a:xfrm>
-            <a:off x="838200" y="2103437"/>
+            <a:off x="900344" y="2766218"/>
             <a:ext cx="10515600" cy="1325563"/>
           </a:xfrm>
         </p:spPr>
@@ -8533,16 +7986,40 @@
           <a:lstStyle/>
           <a:p>
             <a:r>
-              <a:rPr lang="en-US" dirty="0"/>
-              <a:t>UI Patterns</a:t>
-            </a:r>
+              <a:rPr lang="es-ES" dirty="0" err="1">
+                <a:solidFill>
+                  <a:srgbClr val="000000"/>
+                </a:solidFill>
+                <a:latin typeface="Calibri" panose="020F0502020204030204" pitchFamily="34" charset="0"/>
+              </a:rPr>
+              <a:t>Strategy</a:t>
+            </a:r>
+            <a:r>
+              <a:rPr lang="es-ES" dirty="0">
+                <a:solidFill>
+                  <a:srgbClr val="000000"/>
+                </a:solidFill>
+                <a:latin typeface="Calibri" panose="020F0502020204030204" pitchFamily="34" charset="0"/>
+              </a:rPr>
+              <a:t> </a:t>
+            </a:r>
+            <a:r>
+              <a:rPr lang="es-ES" dirty="0" err="1">
+                <a:solidFill>
+                  <a:srgbClr val="000000"/>
+                </a:solidFill>
+                <a:latin typeface="Calibri" panose="020F0502020204030204" pitchFamily="34" charset="0"/>
+              </a:rPr>
+              <a:t>pattern</a:t>
+            </a:r>
+            <a:endParaRPr lang="en-US" dirty="0"/>
           </a:p>
         </p:txBody>
       </p:sp>
     </p:spTree>
     <p:extLst>
       <p:ext uri="{BB962C8B-B14F-4D97-AF65-F5344CB8AC3E}">
-        <p14:creationId xmlns:p14="http://schemas.microsoft.com/office/powerpoint/2010/main" val="2266296736"/>
+        <p14:creationId xmlns:p14="http://schemas.microsoft.com/office/powerpoint/2010/main" val="1428411220"/>
       </p:ext>
     </p:extLst>
   </p:cSld>
@@ -8555,6 +8032,14 @@
 <file path=ppt/slides/slide25.xml><?xml version="1.0" encoding="utf-8"?>
 <p:sld xmlns:a="http://schemas.openxmlformats.org/drawingml/2006/main" xmlns:r="http://schemas.openxmlformats.org/officeDocument/2006/relationships" xmlns:p="http://schemas.openxmlformats.org/presentationml/2006/main">
   <p:cSld>
+    <p:bg>
+      <p:bgPr>
+        <a:solidFill>
+          <a:srgbClr val="1E1E1E"/>
+        </a:solidFill>
+        <a:effectLst/>
+      </p:bgPr>
+    </p:bg>
     <p:spTree>
       <p:nvGrpSpPr>
         <p:cNvPr id="1" name=""/>
@@ -8571,74 +8056,531 @@
       </p:grpSpPr>
       <p:sp>
         <p:nvSpPr>
-          <p:cNvPr id="2" name="Título 1">
-            <a:extLst>
-              <a:ext uri="{FF2B5EF4-FFF2-40B4-BE49-F238E27FC236}">
-                <a16:creationId xmlns:a16="http://schemas.microsoft.com/office/drawing/2014/main" id="{51E579E3-4D4D-4391-A4DB-77F6C6DD84BE}"/>
-              </a:ext>
-            </a:extLst>
-          </p:cNvPr>
-          <p:cNvSpPr>
-            <a:spLocks noGrp="1"/>
-          </p:cNvSpPr>
-          <p:nvPr>
-            <p:ph type="title"/>
-          </p:nvPr>
-        </p:nvSpPr>
-        <p:spPr>
-          <a:xfrm>
-            <a:off x="900344" y="2766218"/>
-            <a:ext cx="10515600" cy="1325563"/>
-          </a:xfrm>
-        </p:spPr>
-        <p:txBody>
-          <a:bodyPr/>
-          <a:lstStyle/>
-          <a:p>
-            <a:r>
-              <a:rPr lang="es-ES" dirty="0">
+          <p:cNvPr id="31" name="CuadroTexto 30">
+            <a:extLst>
+              <a:ext uri="{FF2B5EF4-FFF2-40B4-BE49-F238E27FC236}">
+                <a16:creationId xmlns:a16="http://schemas.microsoft.com/office/drawing/2014/main" id="{FBF7026D-12F4-4541-8110-DE706094717A}"/>
+              </a:ext>
+            </a:extLst>
+          </p:cNvPr>
+          <p:cNvSpPr txBox="1"/>
+          <p:nvPr/>
+        </p:nvSpPr>
+        <p:spPr>
+          <a:xfrm>
+            <a:off x="484863" y="185392"/>
+            <a:ext cx="3397994" cy="646331"/>
+          </a:xfrm>
+          <a:prstGeom prst="rect">
+            <a:avLst/>
+          </a:prstGeom>
+          <a:noFill/>
+        </p:spPr>
+        <p:txBody>
+          <a:bodyPr wrap="square" rtlCol="0">
+            <a:spAutoFit/>
+          </a:bodyPr>
+          <a:lstStyle/>
+          <a:p>
+            <a:r>
+              <a:rPr lang="en-US" sz="3600" dirty="0" err="1">
                 <a:solidFill>
-                  <a:srgbClr val="000000"/>
+                  <a:srgbClr val="53A2D3"/>
                 </a:solidFill>
-                <a:latin typeface="Calibri" panose="020F0502020204030204" pitchFamily="34" charset="0"/>
               </a:rPr>
-              <a:t>Page-</a:t>
-            </a:r>
-            <a:r>
-              <a:rPr lang="es-ES" dirty="0" err="1">
+              <a:t>Teoría</a:t>
+            </a:r>
+            <a:endParaRPr lang="en-US" sz="3600" dirty="0">
+              <a:solidFill>
+                <a:srgbClr val="53A2D3"/>
+              </a:solidFill>
+            </a:endParaRPr>
+          </a:p>
+        </p:txBody>
+      </p:sp>
+      <p:pic>
+        <p:nvPicPr>
+          <p:cNvPr id="7" name="Imagen 6">
+            <a:extLst>
+              <a:ext uri="{FF2B5EF4-FFF2-40B4-BE49-F238E27FC236}">
+                <a16:creationId xmlns:a16="http://schemas.microsoft.com/office/drawing/2014/main" id="{63A3F3E7-77F9-4C2C-B74D-5C03E1CCF6E0}"/>
+              </a:ext>
+            </a:extLst>
+          </p:cNvPr>
+          <p:cNvPicPr>
+            <a:picLocks noChangeAspect="1"/>
+          </p:cNvPicPr>
+          <p:nvPr/>
+        </p:nvPicPr>
+        <p:blipFill>
+          <a:blip r:embed="rId2"/>
+          <a:stretch>
+            <a:fillRect/>
+          </a:stretch>
+        </p:blipFill>
+        <p:spPr>
+          <a:xfrm>
+            <a:off x="8176025" y="1101933"/>
+            <a:ext cx="3781425" cy="3429000"/>
+          </a:xfrm>
+          <a:prstGeom prst="rect">
+            <a:avLst/>
+          </a:prstGeom>
+          <a:effectLst>
+            <a:glow rad="25400">
+              <a:schemeClr val="bg1">
+                <a:alpha val="40000"/>
+              </a:schemeClr>
+            </a:glow>
+          </a:effectLst>
+        </p:spPr>
+      </p:pic>
+      <p:pic>
+        <p:nvPicPr>
+          <p:cNvPr id="13" name="Imagen 12">
+            <a:extLst>
+              <a:ext uri="{FF2B5EF4-FFF2-40B4-BE49-F238E27FC236}">
+                <a16:creationId xmlns:a16="http://schemas.microsoft.com/office/drawing/2014/main" id="{1226FC3B-E807-4859-AB7D-0829A64B5D4D}"/>
+              </a:ext>
+            </a:extLst>
+          </p:cNvPr>
+          <p:cNvPicPr>
+            <a:picLocks noChangeAspect="1"/>
+          </p:cNvPicPr>
+          <p:nvPr/>
+        </p:nvPicPr>
+        <p:blipFill>
+          <a:blip r:embed="rId3"/>
+          <a:stretch>
+            <a:fillRect/>
+          </a:stretch>
+        </p:blipFill>
+        <p:spPr>
+          <a:xfrm>
+            <a:off x="2293072" y="831723"/>
+            <a:ext cx="2819400" cy="762000"/>
+          </a:xfrm>
+          <a:prstGeom prst="rect">
+            <a:avLst/>
+          </a:prstGeom>
+          <a:effectLst>
+            <a:glow rad="25400">
+              <a:schemeClr val="bg1">
+                <a:alpha val="40000"/>
+              </a:schemeClr>
+            </a:glow>
+          </a:effectLst>
+        </p:spPr>
+      </p:pic>
+      <p:pic>
+        <p:nvPicPr>
+          <p:cNvPr id="15" name="Imagen 14">
+            <a:extLst>
+              <a:ext uri="{FF2B5EF4-FFF2-40B4-BE49-F238E27FC236}">
+                <a16:creationId xmlns:a16="http://schemas.microsoft.com/office/drawing/2014/main" id="{3030403C-23EF-4D34-B8B2-265C157FE1FE}"/>
+              </a:ext>
+            </a:extLst>
+          </p:cNvPr>
+          <p:cNvPicPr>
+            <a:picLocks noChangeAspect="1"/>
+          </p:cNvPicPr>
+          <p:nvPr/>
+        </p:nvPicPr>
+        <p:blipFill>
+          <a:blip r:embed="rId4"/>
+          <a:stretch>
+            <a:fillRect/>
+          </a:stretch>
+        </p:blipFill>
+        <p:spPr>
+          <a:xfrm>
+            <a:off x="3702772" y="2358548"/>
+            <a:ext cx="3216008" cy="915769"/>
+          </a:xfrm>
+          <a:prstGeom prst="rect">
+            <a:avLst/>
+          </a:prstGeom>
+          <a:effectLst>
+            <a:glow rad="25400">
+              <a:schemeClr val="bg1">
+                <a:alpha val="40000"/>
+              </a:schemeClr>
+            </a:glow>
+          </a:effectLst>
+        </p:spPr>
+      </p:pic>
+      <p:pic>
+        <p:nvPicPr>
+          <p:cNvPr id="16" name="Imagen 15">
+            <a:extLst>
+              <a:ext uri="{FF2B5EF4-FFF2-40B4-BE49-F238E27FC236}">
+                <a16:creationId xmlns:a16="http://schemas.microsoft.com/office/drawing/2014/main" id="{BF9224CC-F0AA-49F7-BFB1-D2130500CB02}"/>
+              </a:ext>
+            </a:extLst>
+          </p:cNvPr>
+          <p:cNvPicPr>
+            <a:picLocks noChangeAspect="1"/>
+          </p:cNvPicPr>
+          <p:nvPr/>
+        </p:nvPicPr>
+        <p:blipFill>
+          <a:blip r:embed="rId5"/>
+          <a:stretch>
+            <a:fillRect/>
+          </a:stretch>
+        </p:blipFill>
+        <p:spPr>
+          <a:xfrm>
+            <a:off x="234550" y="2358547"/>
+            <a:ext cx="3308585" cy="915769"/>
+          </a:xfrm>
+          <a:prstGeom prst="rect">
+            <a:avLst/>
+          </a:prstGeom>
+          <a:effectLst>
+            <a:glow rad="25400">
+              <a:schemeClr val="bg1">
+                <a:alpha val="40000"/>
+              </a:schemeClr>
+            </a:glow>
+          </a:effectLst>
+        </p:spPr>
+      </p:pic>
+      <p:pic>
+        <p:nvPicPr>
+          <p:cNvPr id="17" name="Imagen 16">
+            <a:extLst>
+              <a:ext uri="{FF2B5EF4-FFF2-40B4-BE49-F238E27FC236}">
+                <a16:creationId xmlns:a16="http://schemas.microsoft.com/office/drawing/2014/main" id="{F4BFD28B-3F89-4969-8017-2D353B4E8616}"/>
+              </a:ext>
+            </a:extLst>
+          </p:cNvPr>
+          <p:cNvPicPr>
+            <a:picLocks noChangeAspect="1"/>
+          </p:cNvPicPr>
+          <p:nvPr/>
+        </p:nvPicPr>
+        <p:blipFill>
+          <a:blip r:embed="rId6"/>
+          <a:stretch>
+            <a:fillRect/>
+          </a:stretch>
+        </p:blipFill>
+        <p:spPr>
+          <a:xfrm>
+            <a:off x="220430" y="4402312"/>
+            <a:ext cx="5695950" cy="2124075"/>
+          </a:xfrm>
+          <a:prstGeom prst="rect">
+            <a:avLst/>
+          </a:prstGeom>
+          <a:effectLst>
+            <a:glow rad="25400">
+              <a:schemeClr val="bg1">
+                <a:alpha val="40000"/>
+              </a:schemeClr>
+            </a:glow>
+          </a:effectLst>
+        </p:spPr>
+      </p:pic>
+      <p:sp>
+        <p:nvSpPr>
+          <p:cNvPr id="27" name="CuadroTexto 26">
+            <a:extLst>
+              <a:ext uri="{FF2B5EF4-FFF2-40B4-BE49-F238E27FC236}">
+                <a16:creationId xmlns:a16="http://schemas.microsoft.com/office/drawing/2014/main" id="{C80AB779-E6C3-449A-80EB-6690C83E798F}"/>
+              </a:ext>
+            </a:extLst>
+          </p:cNvPr>
+          <p:cNvSpPr txBox="1"/>
+          <p:nvPr/>
+        </p:nvSpPr>
+        <p:spPr>
+          <a:xfrm>
+            <a:off x="220430" y="4007356"/>
+            <a:ext cx="1376218" cy="369332"/>
+          </a:xfrm>
+          <a:prstGeom prst="rect">
+            <a:avLst/>
+          </a:prstGeom>
+          <a:noFill/>
+        </p:spPr>
+        <p:txBody>
+          <a:bodyPr wrap="square" rtlCol="0">
+            <a:spAutoFit/>
+          </a:bodyPr>
+          <a:lstStyle/>
+          <a:p>
+            <a:r>
+              <a:rPr lang="en-US" dirty="0">
                 <a:solidFill>
-                  <a:srgbClr val="000000"/>
+                  <a:schemeClr val="bg1"/>
                 </a:solidFill>
-                <a:latin typeface="Calibri" panose="020F0502020204030204" pitchFamily="34" charset="0"/>
               </a:rPr>
-              <a:t>Object</a:t>
-            </a:r>
-            <a:r>
-              <a:rPr lang="es-ES" dirty="0">
+              <a:t>Usage:</a:t>
+            </a:r>
+          </a:p>
+        </p:txBody>
+      </p:sp>
+      <p:cxnSp>
+        <p:nvCxnSpPr>
+          <p:cNvPr id="28" name="Conector recto de flecha 27">
+            <a:extLst>
+              <a:ext uri="{FF2B5EF4-FFF2-40B4-BE49-F238E27FC236}">
+                <a16:creationId xmlns:a16="http://schemas.microsoft.com/office/drawing/2014/main" id="{3A1A54ED-7217-460A-A419-52A2A8C6E16D}"/>
+              </a:ext>
+            </a:extLst>
+          </p:cNvPr>
+          <p:cNvCxnSpPr>
+            <a:cxnSpLocks/>
+            <a:stCxn id="16" idx="0"/>
+            <a:endCxn id="13" idx="2"/>
+          </p:cNvCxnSpPr>
+          <p:nvPr/>
+        </p:nvCxnSpPr>
+        <p:spPr>
+          <a:xfrm flipV="1">
+            <a:off x="1888843" y="1593723"/>
+            <a:ext cx="1813929" cy="764824"/>
+          </a:xfrm>
+          <a:prstGeom prst="straightConnector1">
+            <a:avLst/>
+          </a:prstGeom>
+          <a:ln w="12700">
+            <a:solidFill>
+              <a:schemeClr val="bg1"/>
+            </a:solidFill>
+            <a:tailEnd type="triangle"/>
+          </a:ln>
+        </p:spPr>
+        <p:style>
+          <a:lnRef idx="1">
+            <a:schemeClr val="accent1"/>
+          </a:lnRef>
+          <a:fillRef idx="0">
+            <a:schemeClr val="accent1"/>
+          </a:fillRef>
+          <a:effectRef idx="0">
+            <a:schemeClr val="accent1"/>
+          </a:effectRef>
+          <a:fontRef idx="minor">
+            <a:schemeClr val="tx1"/>
+          </a:fontRef>
+        </p:style>
+      </p:cxnSp>
+      <p:sp>
+        <p:nvSpPr>
+          <p:cNvPr id="29" name="CuadroTexto 28">
+            <a:extLst>
+              <a:ext uri="{FF2B5EF4-FFF2-40B4-BE49-F238E27FC236}">
+                <a16:creationId xmlns:a16="http://schemas.microsoft.com/office/drawing/2014/main" id="{6C5D61F4-13D6-441D-8985-28E82A07ACD8}"/>
+              </a:ext>
+            </a:extLst>
+          </p:cNvPr>
+          <p:cNvSpPr txBox="1"/>
+          <p:nvPr/>
+        </p:nvSpPr>
+        <p:spPr>
+          <a:xfrm>
+            <a:off x="4738560" y="1747673"/>
+            <a:ext cx="1376218" cy="369332"/>
+          </a:xfrm>
+          <a:prstGeom prst="rect">
+            <a:avLst/>
+          </a:prstGeom>
+          <a:noFill/>
+        </p:spPr>
+        <p:txBody>
+          <a:bodyPr wrap="square" rtlCol="0">
+            <a:spAutoFit/>
+          </a:bodyPr>
+          <a:lstStyle/>
+          <a:p>
+            <a:r>
+              <a:rPr lang="en-US" dirty="0">
                 <a:solidFill>
-                  <a:srgbClr val="000000"/>
+                  <a:schemeClr val="bg1"/>
                 </a:solidFill>
-                <a:latin typeface="Calibri" panose="020F0502020204030204" pitchFamily="34" charset="0"/>
               </a:rPr>
-              <a:t> </a:t>
-            </a:r>
-            <a:r>
-              <a:rPr lang="es-ES" dirty="0" err="1">
+              <a:t>implements</a:t>
+            </a:r>
+          </a:p>
+        </p:txBody>
+      </p:sp>
+      <p:cxnSp>
+        <p:nvCxnSpPr>
+          <p:cNvPr id="32" name="Conector recto de flecha 31">
+            <a:extLst>
+              <a:ext uri="{FF2B5EF4-FFF2-40B4-BE49-F238E27FC236}">
+                <a16:creationId xmlns:a16="http://schemas.microsoft.com/office/drawing/2014/main" id="{54BAFDE7-80A8-46D7-A8DA-73C79CC1DA06}"/>
+              </a:ext>
+            </a:extLst>
+          </p:cNvPr>
+          <p:cNvCxnSpPr>
+            <a:cxnSpLocks/>
+            <a:stCxn id="15" idx="0"/>
+            <a:endCxn id="13" idx="2"/>
+          </p:cNvCxnSpPr>
+          <p:nvPr/>
+        </p:nvCxnSpPr>
+        <p:spPr>
+          <a:xfrm flipH="1" flipV="1">
+            <a:off x="3702772" y="1593723"/>
+            <a:ext cx="1608004" cy="764825"/>
+          </a:xfrm>
+          <a:prstGeom prst="straightConnector1">
+            <a:avLst/>
+          </a:prstGeom>
+          <a:ln w="12700">
+            <a:solidFill>
+              <a:schemeClr val="bg1"/>
+            </a:solidFill>
+            <a:tailEnd type="triangle"/>
+          </a:ln>
+        </p:spPr>
+        <p:style>
+          <a:lnRef idx="1">
+            <a:schemeClr val="accent1"/>
+          </a:lnRef>
+          <a:fillRef idx="0">
+            <a:schemeClr val="accent1"/>
+          </a:fillRef>
+          <a:effectRef idx="0">
+            <a:schemeClr val="accent1"/>
+          </a:effectRef>
+          <a:fontRef idx="minor">
+            <a:schemeClr val="tx1"/>
+          </a:fontRef>
+        </p:style>
+      </p:cxnSp>
+      <p:sp>
+        <p:nvSpPr>
+          <p:cNvPr id="36" name="CuadroTexto 35">
+            <a:extLst>
+              <a:ext uri="{FF2B5EF4-FFF2-40B4-BE49-F238E27FC236}">
+                <a16:creationId xmlns:a16="http://schemas.microsoft.com/office/drawing/2014/main" id="{9584946C-1ABD-49B7-9E74-6778D71B8931}"/>
+              </a:ext>
+            </a:extLst>
+          </p:cNvPr>
+          <p:cNvSpPr txBox="1"/>
+          <p:nvPr/>
+        </p:nvSpPr>
+        <p:spPr>
+          <a:xfrm>
+            <a:off x="1249275" y="1747673"/>
+            <a:ext cx="1376218" cy="369332"/>
+          </a:xfrm>
+          <a:prstGeom prst="rect">
+            <a:avLst/>
+          </a:prstGeom>
+          <a:noFill/>
+        </p:spPr>
+        <p:txBody>
+          <a:bodyPr wrap="square" rtlCol="0">
+            <a:spAutoFit/>
+          </a:bodyPr>
+          <a:lstStyle/>
+          <a:p>
+            <a:r>
+              <a:rPr lang="en-US" dirty="0">
                 <a:solidFill>
-                  <a:srgbClr val="000000"/>
+                  <a:schemeClr val="bg1"/>
                 </a:solidFill>
-                <a:latin typeface="Calibri" panose="020F0502020204030204" pitchFamily="34" charset="0"/>
               </a:rPr>
-              <a:t>pattern</a:t>
-            </a:r>
-            <a:endParaRPr lang="en-US" dirty="0"/>
+              <a:t>implements</a:t>
+            </a:r>
+          </a:p>
+        </p:txBody>
+      </p:sp>
+      <p:cxnSp>
+        <p:nvCxnSpPr>
+          <p:cNvPr id="37" name="Conector recto de flecha 36">
+            <a:extLst>
+              <a:ext uri="{FF2B5EF4-FFF2-40B4-BE49-F238E27FC236}">
+                <a16:creationId xmlns:a16="http://schemas.microsoft.com/office/drawing/2014/main" id="{F33C09D8-47E5-497E-A508-0BB69A63CB87}"/>
+              </a:ext>
+            </a:extLst>
+          </p:cNvPr>
+          <p:cNvCxnSpPr>
+            <a:cxnSpLocks/>
+            <a:stCxn id="7" idx="1"/>
+            <a:endCxn id="15" idx="3"/>
+          </p:cNvCxnSpPr>
+          <p:nvPr/>
+        </p:nvCxnSpPr>
+        <p:spPr>
+          <a:xfrm flipH="1">
+            <a:off x="6918780" y="2816433"/>
+            <a:ext cx="1257245" cy="0"/>
+          </a:xfrm>
+          <a:prstGeom prst="straightConnector1">
+            <a:avLst/>
+          </a:prstGeom>
+          <a:ln w="12700">
+            <a:solidFill>
+              <a:schemeClr val="bg1"/>
+            </a:solidFill>
+            <a:tailEnd type="triangle"/>
+          </a:ln>
+        </p:spPr>
+        <p:style>
+          <a:lnRef idx="1">
+            <a:schemeClr val="accent1"/>
+          </a:lnRef>
+          <a:fillRef idx="0">
+            <a:schemeClr val="accent1"/>
+          </a:fillRef>
+          <a:effectRef idx="0">
+            <a:schemeClr val="accent1"/>
+          </a:effectRef>
+          <a:fontRef idx="minor">
+            <a:schemeClr val="tx1"/>
+          </a:fontRef>
+        </p:style>
+      </p:cxnSp>
+      <p:sp>
+        <p:nvSpPr>
+          <p:cNvPr id="43" name="CuadroTexto 42">
+            <a:extLst>
+              <a:ext uri="{FF2B5EF4-FFF2-40B4-BE49-F238E27FC236}">
+                <a16:creationId xmlns:a16="http://schemas.microsoft.com/office/drawing/2014/main" id="{9194DB71-63AB-401A-BE6D-85B024946DBE}"/>
+              </a:ext>
+            </a:extLst>
+          </p:cNvPr>
+          <p:cNvSpPr txBox="1"/>
+          <p:nvPr/>
+        </p:nvSpPr>
+        <p:spPr>
+          <a:xfrm>
+            <a:off x="7078417" y="2491377"/>
+            <a:ext cx="1376218" cy="369332"/>
+          </a:xfrm>
+          <a:prstGeom prst="rect">
+            <a:avLst/>
+          </a:prstGeom>
+          <a:noFill/>
+        </p:spPr>
+        <p:txBody>
+          <a:bodyPr wrap="square" rtlCol="0">
+            <a:spAutoFit/>
+          </a:bodyPr>
+          <a:lstStyle/>
+          <a:p>
+            <a:r>
+              <a:rPr lang="en-US" dirty="0">
+                <a:solidFill>
+                  <a:schemeClr val="bg1"/>
+                </a:solidFill>
+              </a:rPr>
+              <a:t>executes</a:t>
+            </a:r>
           </a:p>
         </p:txBody>
       </p:sp>
     </p:spTree>
     <p:extLst>
       <p:ext uri="{BB962C8B-B14F-4D97-AF65-F5344CB8AC3E}">
-        <p14:creationId xmlns:p14="http://schemas.microsoft.com/office/powerpoint/2010/main" val="2983471730"/>
+        <p14:creationId xmlns:p14="http://schemas.microsoft.com/office/powerpoint/2010/main" val="4059487831"/>
       </p:ext>
     </p:extLst>
   </p:cSld>
@@ -8675,10 +8617,10 @@
       </p:grpSpPr>
       <p:sp>
         <p:nvSpPr>
-          <p:cNvPr id="31" name="CuadroTexto 30">
-            <a:extLst>
-              <a:ext uri="{FF2B5EF4-FFF2-40B4-BE49-F238E27FC236}">
-                <a16:creationId xmlns:a16="http://schemas.microsoft.com/office/drawing/2014/main" id="{FBF7026D-12F4-4541-8110-DE706094717A}"/>
+          <p:cNvPr id="19" name="CuadroTexto 18">
+            <a:extLst>
+              <a:ext uri="{FF2B5EF4-FFF2-40B4-BE49-F238E27FC236}">
+                <a16:creationId xmlns:a16="http://schemas.microsoft.com/office/drawing/2014/main" id="{A96312D1-C027-407A-96BD-2EF07177E281}"/>
               </a:ext>
             </a:extLst>
           </p:cNvPr>
@@ -8687,13 +8629,18 @@
         </p:nvSpPr>
         <p:spPr>
           <a:xfrm>
-            <a:off x="484863" y="185392"/>
-            <a:ext cx="3397994" cy="646331"/>
+            <a:off x="277441" y="3087902"/>
+            <a:ext cx="5675684" cy="3609235"/>
           </a:xfrm>
           <a:prstGeom prst="rect">
             <a:avLst/>
           </a:prstGeom>
           <a:noFill/>
+          <a:ln>
+            <a:solidFill>
+              <a:schemeClr val="bg1"/>
+            </a:solidFill>
+          </a:ln>
         </p:spPr>
         <p:txBody>
           <a:bodyPr wrap="square" rtlCol="0">
@@ -8701,28 +8648,16 @@
           </a:bodyPr>
           <a:lstStyle/>
           <a:p>
-            <a:r>
-              <a:rPr lang="en-US" sz="3600" dirty="0" err="1">
-                <a:solidFill>
-                  <a:srgbClr val="53A2D3"/>
-                </a:solidFill>
-              </a:rPr>
-              <a:t>Teoría</a:t>
-            </a:r>
-            <a:endParaRPr lang="en-US" sz="3600" dirty="0">
-              <a:solidFill>
-                <a:srgbClr val="53A2D3"/>
-              </a:solidFill>
-            </a:endParaRPr>
+            <a:endParaRPr lang="en-US" dirty="0"/>
           </a:p>
         </p:txBody>
       </p:sp>
       <p:pic>
         <p:nvPicPr>
-          <p:cNvPr id="30" name="Imagen 29">
-            <a:extLst>
-              <a:ext uri="{FF2B5EF4-FFF2-40B4-BE49-F238E27FC236}">
-                <a16:creationId xmlns:a16="http://schemas.microsoft.com/office/drawing/2014/main" id="{11AA3BEE-0DB9-4E5E-97F9-46B38CC019A4}"/>
+          <p:cNvPr id="5" name="Imagen 4">
+            <a:extLst>
+              <a:ext uri="{FF2B5EF4-FFF2-40B4-BE49-F238E27FC236}">
+                <a16:creationId xmlns:a16="http://schemas.microsoft.com/office/drawing/2014/main" id="{1F28F35C-9F8B-4E76-86E9-350415B88C79}"/>
               </a:ext>
             </a:extLst>
           </p:cNvPr>
@@ -8739,8 +8674,8 @@
         </p:blipFill>
         <p:spPr>
           <a:xfrm>
-            <a:off x="320338" y="3308109"/>
-            <a:ext cx="4785360" cy="2990850"/>
+            <a:off x="797883" y="1225868"/>
+            <a:ext cx="4287752" cy="969928"/>
           </a:xfrm>
           <a:prstGeom prst="rect">
             <a:avLst/>
@@ -8756,10 +8691,10 @@
       </p:pic>
       <p:pic>
         <p:nvPicPr>
-          <p:cNvPr id="33" name="Imagen 32">
-            <a:extLst>
-              <a:ext uri="{FF2B5EF4-FFF2-40B4-BE49-F238E27FC236}">
-                <a16:creationId xmlns:a16="http://schemas.microsoft.com/office/drawing/2014/main" id="{27AF6DC8-BCC6-43A0-ACB8-8E24581FFF99}"/>
+          <p:cNvPr id="3" name="Imagen 2">
+            <a:extLst>
+              <a:ext uri="{FF2B5EF4-FFF2-40B4-BE49-F238E27FC236}">
+                <a16:creationId xmlns:a16="http://schemas.microsoft.com/office/drawing/2014/main" id="{9C1B9B4B-60A9-4422-9C3A-3CD098F4505A}"/>
               </a:ext>
             </a:extLst>
           </p:cNvPr>
@@ -8776,8 +8711,45 @@
         </p:blipFill>
         <p:spPr>
           <a:xfrm>
-            <a:off x="6221148" y="252067"/>
-            <a:ext cx="5485989" cy="2262533"/>
+            <a:off x="345048" y="3127409"/>
+            <a:ext cx="5253753" cy="488881"/>
+          </a:xfrm>
+          <a:prstGeom prst="rect">
+            <a:avLst/>
+          </a:prstGeom>
+          <a:effectLst>
+            <a:glow>
+              <a:schemeClr val="bg1">
+                <a:alpha val="40000"/>
+              </a:schemeClr>
+            </a:glow>
+          </a:effectLst>
+        </p:spPr>
+      </p:pic>
+      <p:pic>
+        <p:nvPicPr>
+          <p:cNvPr id="4" name="Imagen 3">
+            <a:extLst>
+              <a:ext uri="{FF2B5EF4-FFF2-40B4-BE49-F238E27FC236}">
+                <a16:creationId xmlns:a16="http://schemas.microsoft.com/office/drawing/2014/main" id="{C36C44D5-9D26-4140-9030-A25266CFEACE}"/>
+              </a:ext>
+            </a:extLst>
+          </p:cNvPr>
+          <p:cNvPicPr>
+            <a:picLocks noChangeAspect="1"/>
+          </p:cNvPicPr>
+          <p:nvPr/>
+        </p:nvPicPr>
+        <p:blipFill>
+          <a:blip r:embed="rId4"/>
+          <a:stretch>
+            <a:fillRect/>
+          </a:stretch>
+        </p:blipFill>
+        <p:spPr>
+          <a:xfrm>
+            <a:off x="1339827" y="1917666"/>
+            <a:ext cx="4516224" cy="971158"/>
           </a:xfrm>
           <a:prstGeom prst="rect">
             <a:avLst/>
@@ -8793,10 +8765,10 @@
       </p:pic>
       <p:pic>
         <p:nvPicPr>
-          <p:cNvPr id="2" name="Imagen 1">
-            <a:extLst>
-              <a:ext uri="{FF2B5EF4-FFF2-40B4-BE49-F238E27FC236}">
-                <a16:creationId xmlns:a16="http://schemas.microsoft.com/office/drawing/2014/main" id="{0D177CD9-B958-4BF5-9974-F66D391F7A44}"/>
+          <p:cNvPr id="9" name="Imagen 8">
+            <a:extLst>
+              <a:ext uri="{FF2B5EF4-FFF2-40B4-BE49-F238E27FC236}">
+                <a16:creationId xmlns:a16="http://schemas.microsoft.com/office/drawing/2014/main" id="{49F94EEA-BD17-488E-8959-1BDE76060086}"/>
               </a:ext>
             </a:extLst>
           </p:cNvPr>
@@ -8806,15 +8778,15 @@
           <p:nvPr/>
         </p:nvPicPr>
         <p:blipFill>
-          <a:blip r:embed="rId4"/>
+          <a:blip r:embed="rId5"/>
           <a:stretch>
             <a:fillRect/>
           </a:stretch>
         </p:blipFill>
         <p:spPr>
           <a:xfrm>
-            <a:off x="6221148" y="3124301"/>
-            <a:ext cx="5491163" cy="3358466"/>
+            <a:off x="1487759" y="160863"/>
+            <a:ext cx="2908000" cy="573633"/>
           </a:xfrm>
           <a:prstGeom prst="rect">
             <a:avLst/>
@@ -8828,26 +8800,169 @@
           </a:effectLst>
         </p:spPr>
       </p:pic>
+      <p:pic>
+        <p:nvPicPr>
+          <p:cNvPr id="14" name="Imagen 13">
+            <a:extLst>
+              <a:ext uri="{FF2B5EF4-FFF2-40B4-BE49-F238E27FC236}">
+                <a16:creationId xmlns:a16="http://schemas.microsoft.com/office/drawing/2014/main" id="{E0E785AA-AFC8-4D14-8DD6-DA69DB1D5C3D}"/>
+              </a:ext>
+            </a:extLst>
+          </p:cNvPr>
+          <p:cNvPicPr>
+            <a:picLocks noChangeAspect="1"/>
+          </p:cNvPicPr>
+          <p:nvPr/>
+        </p:nvPicPr>
+        <p:blipFill>
+          <a:blip r:embed="rId6"/>
+          <a:stretch>
+            <a:fillRect/>
+          </a:stretch>
+        </p:blipFill>
+        <p:spPr>
+          <a:xfrm>
+            <a:off x="7235443" y="3087902"/>
+            <a:ext cx="4287753" cy="1843117"/>
+          </a:xfrm>
+          <a:prstGeom prst="rect">
+            <a:avLst/>
+          </a:prstGeom>
+          <a:effectLst>
+            <a:glow rad="25400">
+              <a:schemeClr val="bg1">
+                <a:alpha val="40000"/>
+              </a:schemeClr>
+            </a:glow>
+          </a:effectLst>
+        </p:spPr>
+      </p:pic>
+      <p:pic>
+        <p:nvPicPr>
+          <p:cNvPr id="16" name="Imagen 15">
+            <a:extLst>
+              <a:ext uri="{FF2B5EF4-FFF2-40B4-BE49-F238E27FC236}">
+                <a16:creationId xmlns:a16="http://schemas.microsoft.com/office/drawing/2014/main" id="{E2574B5B-77DE-464E-B6B5-321D05E8DDCF}"/>
+              </a:ext>
+            </a:extLst>
+          </p:cNvPr>
+          <p:cNvPicPr>
+            <a:picLocks noChangeAspect="1"/>
+          </p:cNvPicPr>
+          <p:nvPr/>
+        </p:nvPicPr>
+        <p:blipFill>
+          <a:blip r:embed="rId7"/>
+          <a:stretch>
+            <a:fillRect/>
+          </a:stretch>
+        </p:blipFill>
+        <p:spPr>
+          <a:xfrm>
+            <a:off x="6731370" y="165207"/>
+            <a:ext cx="5295901" cy="2445957"/>
+          </a:xfrm>
+          <a:prstGeom prst="rect">
+            <a:avLst/>
+          </a:prstGeom>
+          <a:effectLst>
+            <a:glow rad="25400">
+              <a:schemeClr val="bg1">
+                <a:alpha val="40000"/>
+              </a:schemeClr>
+            </a:glow>
+          </a:effectLst>
+        </p:spPr>
+      </p:pic>
+      <p:pic>
+        <p:nvPicPr>
+          <p:cNvPr id="18" name="Imagen 17">
+            <a:extLst>
+              <a:ext uri="{FF2B5EF4-FFF2-40B4-BE49-F238E27FC236}">
+                <a16:creationId xmlns:a16="http://schemas.microsoft.com/office/drawing/2014/main" id="{0B0AB996-6C12-4098-B73D-617DC9134067}"/>
+              </a:ext>
+            </a:extLst>
+          </p:cNvPr>
+          <p:cNvPicPr>
+            <a:picLocks noChangeAspect="1"/>
+          </p:cNvPicPr>
+          <p:nvPr/>
+        </p:nvPicPr>
+        <p:blipFill>
+          <a:blip r:embed="rId8"/>
+          <a:stretch>
+            <a:fillRect/>
+          </a:stretch>
+        </p:blipFill>
+        <p:spPr>
+          <a:xfrm>
+            <a:off x="345048" y="3655797"/>
+            <a:ext cx="5253754" cy="2780996"/>
+          </a:xfrm>
+          <a:prstGeom prst="rect">
+            <a:avLst/>
+          </a:prstGeom>
+        </p:spPr>
+      </p:pic>
+      <p:sp>
+        <p:nvSpPr>
+          <p:cNvPr id="25" name="CuadroTexto 24">
+            <a:extLst>
+              <a:ext uri="{FF2B5EF4-FFF2-40B4-BE49-F238E27FC236}">
+                <a16:creationId xmlns:a16="http://schemas.microsoft.com/office/drawing/2014/main" id="{B6FBF2F1-EAB1-495D-AD6F-27A42C4E8F45}"/>
+              </a:ext>
+            </a:extLst>
+          </p:cNvPr>
+          <p:cNvSpPr txBox="1"/>
+          <p:nvPr/>
+        </p:nvSpPr>
+        <p:spPr>
+          <a:xfrm>
+            <a:off x="2909830" y="820228"/>
+            <a:ext cx="1376218" cy="369332"/>
+          </a:xfrm>
+          <a:prstGeom prst="rect">
+            <a:avLst/>
+          </a:prstGeom>
+          <a:noFill/>
+        </p:spPr>
+        <p:txBody>
+          <a:bodyPr wrap="square" rtlCol="0">
+            <a:spAutoFit/>
+          </a:bodyPr>
+          <a:lstStyle/>
+          <a:p>
+            <a:r>
+              <a:rPr lang="en-US" dirty="0">
+                <a:solidFill>
+                  <a:schemeClr val="bg1"/>
+                </a:solidFill>
+              </a:rPr>
+              <a:t>implements</a:t>
+            </a:r>
+          </a:p>
+        </p:txBody>
+      </p:sp>
       <p:cxnSp>
         <p:nvCxnSpPr>
-          <p:cNvPr id="34" name="Conector recto de flecha 33">
-            <a:extLst>
-              <a:ext uri="{FF2B5EF4-FFF2-40B4-BE49-F238E27FC236}">
-                <a16:creationId xmlns:a16="http://schemas.microsoft.com/office/drawing/2014/main" id="{FE5B11F8-9635-41F2-BA0B-CF1CE47617E6}"/>
+          <p:cNvPr id="27" name="Conector recto de flecha 26">
+            <a:extLst>
+              <a:ext uri="{FF2B5EF4-FFF2-40B4-BE49-F238E27FC236}">
+                <a16:creationId xmlns:a16="http://schemas.microsoft.com/office/drawing/2014/main" id="{88EC44E3-2AD7-4D4C-9534-8FD067DCA220}"/>
               </a:ext>
             </a:extLst>
           </p:cNvPr>
           <p:cNvCxnSpPr>
             <a:cxnSpLocks/>
-            <a:stCxn id="2" idx="0"/>
-            <a:endCxn id="33" idx="2"/>
+            <a:stCxn id="5" idx="0"/>
+            <a:endCxn id="9" idx="2"/>
           </p:cNvCxnSpPr>
           <p:nvPr/>
         </p:nvCxnSpPr>
         <p:spPr>
-          <a:xfrm flipH="1" flipV="1">
-            <a:off x="8964143" y="2514600"/>
-            <a:ext cx="2587" cy="609701"/>
+          <a:xfrm flipV="1">
+            <a:off x="2941759" y="734496"/>
+            <a:ext cx="0" cy="491372"/>
           </a:xfrm>
           <a:prstGeom prst="straightConnector1">
             <a:avLst/>
@@ -8856,7 +8971,6 @@
             <a:solidFill>
               <a:schemeClr val="bg1"/>
             </a:solidFill>
-            <a:headEnd type="triangle"/>
             <a:tailEnd type="triangle"/>
           </a:ln>
         </p:spPr>
@@ -8875,104 +8989,26 @@
           </a:fontRef>
         </p:style>
       </p:cxnSp>
-      <p:sp>
-        <p:nvSpPr>
-          <p:cNvPr id="38" name="CuadroTexto 37">
-            <a:extLst>
-              <a:ext uri="{FF2B5EF4-FFF2-40B4-BE49-F238E27FC236}">
-                <a16:creationId xmlns:a16="http://schemas.microsoft.com/office/drawing/2014/main" id="{E593275B-18D5-4ED5-B785-2CD80B46AC8E}"/>
-              </a:ext>
-            </a:extLst>
-          </p:cNvPr>
-          <p:cNvSpPr txBox="1"/>
-          <p:nvPr/>
-        </p:nvSpPr>
-        <p:spPr>
-          <a:xfrm>
-            <a:off x="8964141" y="2650173"/>
-            <a:ext cx="1758422" cy="338554"/>
-          </a:xfrm>
-          <a:prstGeom prst="rect">
-            <a:avLst/>
-          </a:prstGeom>
-          <a:noFill/>
-        </p:spPr>
-        <p:txBody>
-          <a:bodyPr wrap="square" rtlCol="0">
-            <a:spAutoFit/>
-          </a:bodyPr>
-          <a:lstStyle/>
-          <a:p>
-            <a:r>
-              <a:rPr lang="en-US" sz="1600" dirty="0">
-                <a:solidFill>
-                  <a:schemeClr val="bg1"/>
-                </a:solidFill>
-              </a:rPr>
-              <a:t>reads and interacts</a:t>
-            </a:r>
-          </a:p>
-        </p:txBody>
-      </p:sp>
-      <p:sp>
-        <p:nvSpPr>
-          <p:cNvPr id="39" name="CuadroTexto 38">
-            <a:extLst>
-              <a:ext uri="{FF2B5EF4-FFF2-40B4-BE49-F238E27FC236}">
-                <a16:creationId xmlns:a16="http://schemas.microsoft.com/office/drawing/2014/main" id="{E933C427-2012-4298-BAC7-CF5FE7311DE1}"/>
-              </a:ext>
-            </a:extLst>
-          </p:cNvPr>
-          <p:cNvSpPr txBox="1"/>
-          <p:nvPr/>
-        </p:nvSpPr>
-        <p:spPr>
-          <a:xfrm>
-            <a:off x="5282744" y="4434202"/>
-            <a:ext cx="1376218" cy="369332"/>
-          </a:xfrm>
-          <a:prstGeom prst="rect">
-            <a:avLst/>
-          </a:prstGeom>
-          <a:noFill/>
-        </p:spPr>
-        <p:txBody>
-          <a:bodyPr wrap="square" rtlCol="0">
-            <a:spAutoFit/>
-          </a:bodyPr>
-          <a:lstStyle/>
-          <a:p>
-            <a:r>
-              <a:rPr lang="en-US" dirty="0">
-                <a:solidFill>
-                  <a:schemeClr val="bg1"/>
-                </a:solidFill>
-              </a:rPr>
-              <a:t>calls</a:t>
-            </a:r>
-          </a:p>
-        </p:txBody>
-      </p:sp>
       <p:cxnSp>
         <p:nvCxnSpPr>
-          <p:cNvPr id="40" name="Conector recto de flecha 39">
-            <a:extLst>
-              <a:ext uri="{FF2B5EF4-FFF2-40B4-BE49-F238E27FC236}">
-                <a16:creationId xmlns:a16="http://schemas.microsoft.com/office/drawing/2014/main" id="{65ADA00B-B061-4BC6-8BEA-533E11C25C79}"/>
+          <p:cNvPr id="34" name="Conector recto de flecha 33">
+            <a:extLst>
+              <a:ext uri="{FF2B5EF4-FFF2-40B4-BE49-F238E27FC236}">
+                <a16:creationId xmlns:a16="http://schemas.microsoft.com/office/drawing/2014/main" id="{77211730-336B-4475-92D1-978E8AE483D7}"/>
               </a:ext>
             </a:extLst>
           </p:cNvPr>
           <p:cNvCxnSpPr>
             <a:cxnSpLocks/>
-            <a:stCxn id="30" idx="3"/>
-            <a:endCxn id="2" idx="1"/>
+            <a:stCxn id="16" idx="1"/>
+            <a:endCxn id="5" idx="3"/>
           </p:cNvCxnSpPr>
           <p:nvPr/>
         </p:nvCxnSpPr>
         <p:spPr>
-          <a:xfrm>
-            <a:off x="5105698" y="4803534"/>
-            <a:ext cx="1115450" cy="0"/>
+          <a:xfrm flipH="1">
+            <a:off x="5085635" y="1388186"/>
+            <a:ext cx="1645735" cy="322646"/>
           </a:xfrm>
           <a:prstGeom prst="straightConnector1">
             <a:avLst/>
@@ -8999,10 +9035,261 @@
           </a:fontRef>
         </p:style>
       </p:cxnSp>
+      <p:sp>
+        <p:nvSpPr>
+          <p:cNvPr id="35" name="CuadroTexto 34">
+            <a:extLst>
+              <a:ext uri="{FF2B5EF4-FFF2-40B4-BE49-F238E27FC236}">
+                <a16:creationId xmlns:a16="http://schemas.microsoft.com/office/drawing/2014/main" id="{C400614D-3218-4E37-9650-3A63BC3DE8EB}"/>
+              </a:ext>
+            </a:extLst>
+          </p:cNvPr>
+          <p:cNvSpPr txBox="1"/>
+          <p:nvPr/>
+        </p:nvSpPr>
+        <p:spPr>
+          <a:xfrm rot="20924205">
+            <a:off x="5469464" y="1159486"/>
+            <a:ext cx="1376218" cy="369332"/>
+          </a:xfrm>
+          <a:prstGeom prst="rect">
+            <a:avLst/>
+          </a:prstGeom>
+          <a:noFill/>
+        </p:spPr>
+        <p:txBody>
+          <a:bodyPr wrap="square" rtlCol="0">
+            <a:spAutoFit/>
+          </a:bodyPr>
+          <a:lstStyle/>
+          <a:p>
+            <a:r>
+              <a:rPr lang="en-US" dirty="0">
+                <a:solidFill>
+                  <a:schemeClr val="bg1"/>
+                </a:solidFill>
+              </a:rPr>
+              <a:t>executes</a:t>
+            </a:r>
+          </a:p>
+        </p:txBody>
+      </p:sp>
+      <p:cxnSp>
+        <p:nvCxnSpPr>
+          <p:cNvPr id="38" name="Conector recto de flecha 37">
+            <a:extLst>
+              <a:ext uri="{FF2B5EF4-FFF2-40B4-BE49-F238E27FC236}">
+                <a16:creationId xmlns:a16="http://schemas.microsoft.com/office/drawing/2014/main" id="{074459B3-FE79-42A2-9A9E-C03EC6F7E472}"/>
+              </a:ext>
+            </a:extLst>
+          </p:cNvPr>
+          <p:cNvCxnSpPr>
+            <a:cxnSpLocks/>
+            <a:stCxn id="16" idx="1"/>
+            <a:endCxn id="4" idx="3"/>
+          </p:cNvCxnSpPr>
+          <p:nvPr/>
+        </p:nvCxnSpPr>
+        <p:spPr>
+          <a:xfrm flipH="1">
+            <a:off x="5856051" y="1388186"/>
+            <a:ext cx="875319" cy="1015059"/>
+          </a:xfrm>
+          <a:prstGeom prst="straightConnector1">
+            <a:avLst/>
+          </a:prstGeom>
+          <a:ln w="12700">
+            <a:solidFill>
+              <a:schemeClr val="bg1"/>
+            </a:solidFill>
+            <a:tailEnd type="triangle"/>
+          </a:ln>
+        </p:spPr>
+        <p:style>
+          <a:lnRef idx="1">
+            <a:schemeClr val="accent1"/>
+          </a:lnRef>
+          <a:fillRef idx="0">
+            <a:schemeClr val="accent1"/>
+          </a:fillRef>
+          <a:effectRef idx="0">
+            <a:schemeClr val="accent1"/>
+          </a:effectRef>
+          <a:fontRef idx="minor">
+            <a:schemeClr val="tx1"/>
+          </a:fontRef>
+        </p:style>
+      </p:cxnSp>
+      <p:cxnSp>
+        <p:nvCxnSpPr>
+          <p:cNvPr id="48" name="Conector recto de flecha 47">
+            <a:extLst>
+              <a:ext uri="{FF2B5EF4-FFF2-40B4-BE49-F238E27FC236}">
+                <a16:creationId xmlns:a16="http://schemas.microsoft.com/office/drawing/2014/main" id="{CADF5784-5FC3-40D6-BB19-FC72C0D9D2F5}"/>
+              </a:ext>
+              <a:ext uri="{C183D7F6-B498-43B3-948B-1728B52AA6E4}">
+                <adec:decorative xmlns:adec="http://schemas.microsoft.com/office/drawing/2017/decorative" val="0"/>
+              </a:ext>
+            </a:extLst>
+          </p:cNvPr>
+          <p:cNvCxnSpPr>
+            <a:cxnSpLocks/>
+            <a:stCxn id="16" idx="2"/>
+            <a:endCxn id="14" idx="0"/>
+          </p:cNvCxnSpPr>
+          <p:nvPr/>
+        </p:nvCxnSpPr>
+        <p:spPr>
+          <a:xfrm flipH="1">
+            <a:off x="9379320" y="2611164"/>
+            <a:ext cx="1" cy="476738"/>
+          </a:xfrm>
+          <a:prstGeom prst="straightConnector1">
+            <a:avLst/>
+          </a:prstGeom>
+          <a:ln w="12700">
+            <a:solidFill>
+              <a:schemeClr val="bg1"/>
+            </a:solidFill>
+            <a:tailEnd type="triangle"/>
+          </a:ln>
+        </p:spPr>
+        <p:style>
+          <a:lnRef idx="1">
+            <a:schemeClr val="accent1"/>
+          </a:lnRef>
+          <a:fillRef idx="0">
+            <a:schemeClr val="accent1"/>
+          </a:fillRef>
+          <a:effectRef idx="0">
+            <a:schemeClr val="accent1"/>
+          </a:effectRef>
+          <a:fontRef idx="minor">
+            <a:schemeClr val="tx1"/>
+          </a:fontRef>
+        </p:style>
+      </p:cxnSp>
+      <p:sp>
+        <p:nvSpPr>
+          <p:cNvPr id="49" name="CuadroTexto 48">
+            <a:extLst>
+              <a:ext uri="{FF2B5EF4-FFF2-40B4-BE49-F238E27FC236}">
+                <a16:creationId xmlns:a16="http://schemas.microsoft.com/office/drawing/2014/main" id="{863B58CB-9D32-47A7-AAAD-1480E6429863}"/>
+              </a:ext>
+            </a:extLst>
+          </p:cNvPr>
+          <p:cNvSpPr txBox="1"/>
+          <p:nvPr/>
+        </p:nvSpPr>
+        <p:spPr>
+          <a:xfrm>
+            <a:off x="9379319" y="2641505"/>
+            <a:ext cx="1376218" cy="338554"/>
+          </a:xfrm>
+          <a:prstGeom prst="rect">
+            <a:avLst/>
+          </a:prstGeom>
+          <a:noFill/>
+        </p:spPr>
+        <p:txBody>
+          <a:bodyPr wrap="square" rtlCol="0">
+            <a:spAutoFit/>
+          </a:bodyPr>
+          <a:lstStyle/>
+          <a:p>
+            <a:r>
+              <a:rPr lang="en-US" sz="1600" dirty="0">
+                <a:solidFill>
+                  <a:schemeClr val="bg1"/>
+                </a:solidFill>
+              </a:rPr>
+              <a:t>gets</a:t>
+            </a:r>
+          </a:p>
+        </p:txBody>
+      </p:sp>
+      <p:sp>
+        <p:nvSpPr>
+          <p:cNvPr id="56" name="CuadroTexto 55">
+            <a:extLst>
+              <a:ext uri="{FF2B5EF4-FFF2-40B4-BE49-F238E27FC236}">
+                <a16:creationId xmlns:a16="http://schemas.microsoft.com/office/drawing/2014/main" id="{8E28305B-4A7C-463A-9539-BFD2B83DD84E}"/>
+              </a:ext>
+            </a:extLst>
+          </p:cNvPr>
+          <p:cNvSpPr txBox="1"/>
+          <p:nvPr/>
+        </p:nvSpPr>
+        <p:spPr>
+          <a:xfrm>
+            <a:off x="5216982" y="6358583"/>
+            <a:ext cx="1376218" cy="338554"/>
+          </a:xfrm>
+          <a:prstGeom prst="rect">
+            <a:avLst/>
+          </a:prstGeom>
+          <a:noFill/>
+        </p:spPr>
+        <p:txBody>
+          <a:bodyPr wrap="square" rtlCol="0">
+            <a:spAutoFit/>
+          </a:bodyPr>
+          <a:lstStyle/>
+          <a:p>
+            <a:r>
+              <a:rPr lang="en-US" sz="1600" dirty="0">
+                <a:solidFill>
+                  <a:schemeClr val="bg1"/>
+                </a:solidFill>
+              </a:rPr>
+              <a:t>Usage</a:t>
+            </a:r>
+          </a:p>
+        </p:txBody>
+      </p:sp>
+      <p:sp>
+        <p:nvSpPr>
+          <p:cNvPr id="57" name="CuadroTexto 56">
+            <a:extLst>
+              <a:ext uri="{FF2B5EF4-FFF2-40B4-BE49-F238E27FC236}">
+                <a16:creationId xmlns:a16="http://schemas.microsoft.com/office/drawing/2014/main" id="{74D0A3BB-A078-423C-B55A-B0DF40F77A9B}"/>
+              </a:ext>
+            </a:extLst>
+          </p:cNvPr>
+          <p:cNvSpPr txBox="1"/>
+          <p:nvPr/>
+        </p:nvSpPr>
+        <p:spPr>
+          <a:xfrm>
+            <a:off x="9483407" y="6035417"/>
+            <a:ext cx="3397994" cy="646331"/>
+          </a:xfrm>
+          <a:prstGeom prst="rect">
+            <a:avLst/>
+          </a:prstGeom>
+          <a:noFill/>
+        </p:spPr>
+        <p:txBody>
+          <a:bodyPr wrap="square" rtlCol="0">
+            <a:spAutoFit/>
+          </a:bodyPr>
+          <a:lstStyle/>
+          <a:p>
+            <a:r>
+              <a:rPr lang="en-US" sz="3600" dirty="0">
+                <a:solidFill>
+                  <a:srgbClr val="53A2D3"/>
+                </a:solidFill>
+              </a:rPr>
+              <a:t>Mundo real</a:t>
+            </a:r>
+          </a:p>
+        </p:txBody>
+      </p:sp>
     </p:spTree>
     <p:extLst>
       <p:ext uri="{BB962C8B-B14F-4D97-AF65-F5344CB8AC3E}">
-        <p14:creationId xmlns:p14="http://schemas.microsoft.com/office/powerpoint/2010/main" val="2070501123"/>
+        <p14:creationId xmlns:p14="http://schemas.microsoft.com/office/powerpoint/2010/main" val="2514131287"/>
       </p:ext>
     </p:extLst>
   </p:cSld>
@@ -9013,6 +9300,165 @@
 </file>
 
 <file path=ppt/slides/slide27.xml><?xml version="1.0" encoding="utf-8"?>
+<p:sld xmlns:a="http://schemas.openxmlformats.org/drawingml/2006/main" xmlns:r="http://schemas.openxmlformats.org/officeDocument/2006/relationships" xmlns:p="http://schemas.openxmlformats.org/presentationml/2006/main">
+  <p:cSld>
+    <p:spTree>
+      <p:nvGrpSpPr>
+        <p:cNvPr id="1" name=""/>
+        <p:cNvGrpSpPr/>
+        <p:nvPr/>
+      </p:nvGrpSpPr>
+      <p:grpSpPr>
+        <a:xfrm>
+          <a:off x="0" y="0"/>
+          <a:ext cx="0" cy="0"/>
+          <a:chOff x="0" y="0"/>
+          <a:chExt cx="0" cy="0"/>
+        </a:xfrm>
+      </p:grpSpPr>
+      <p:sp>
+        <p:nvSpPr>
+          <p:cNvPr id="2" name="Título 1">
+            <a:extLst>
+              <a:ext uri="{FF2B5EF4-FFF2-40B4-BE49-F238E27FC236}">
+                <a16:creationId xmlns:a16="http://schemas.microsoft.com/office/drawing/2014/main" id="{73A2909B-13B3-4614-9321-16AF10F4286A}"/>
+              </a:ext>
+            </a:extLst>
+          </p:cNvPr>
+          <p:cNvSpPr>
+            <a:spLocks noGrp="1"/>
+          </p:cNvSpPr>
+          <p:nvPr>
+            <p:ph type="title"/>
+          </p:nvPr>
+        </p:nvSpPr>
+        <p:spPr>
+          <a:xfrm>
+            <a:off x="838200" y="2103437"/>
+            <a:ext cx="10515600" cy="1325563"/>
+          </a:xfrm>
+        </p:spPr>
+        <p:txBody>
+          <a:bodyPr/>
+          <a:lstStyle/>
+          <a:p>
+            <a:r>
+              <a:rPr lang="en-US" dirty="0"/>
+              <a:t>UI Patterns</a:t>
+            </a:r>
+          </a:p>
+        </p:txBody>
+      </p:sp>
+    </p:spTree>
+    <p:extLst>
+      <p:ext uri="{BB962C8B-B14F-4D97-AF65-F5344CB8AC3E}">
+        <p14:creationId xmlns:p14="http://schemas.microsoft.com/office/powerpoint/2010/main" val="2266296736"/>
+      </p:ext>
+    </p:extLst>
+  </p:cSld>
+  <p:clrMapOvr>
+    <a:masterClrMapping/>
+  </p:clrMapOvr>
+</p:sld>
+</file>
+
+<file path=ppt/slides/slide28.xml><?xml version="1.0" encoding="utf-8"?>
+<p:sld xmlns:a="http://schemas.openxmlformats.org/drawingml/2006/main" xmlns:r="http://schemas.openxmlformats.org/officeDocument/2006/relationships" xmlns:p="http://schemas.openxmlformats.org/presentationml/2006/main">
+  <p:cSld>
+    <p:spTree>
+      <p:nvGrpSpPr>
+        <p:cNvPr id="1" name=""/>
+        <p:cNvGrpSpPr/>
+        <p:nvPr/>
+      </p:nvGrpSpPr>
+      <p:grpSpPr>
+        <a:xfrm>
+          <a:off x="0" y="0"/>
+          <a:ext cx="0" cy="0"/>
+          <a:chOff x="0" y="0"/>
+          <a:chExt cx="0" cy="0"/>
+        </a:xfrm>
+      </p:grpSpPr>
+      <p:sp>
+        <p:nvSpPr>
+          <p:cNvPr id="2" name="Título 1">
+            <a:extLst>
+              <a:ext uri="{FF2B5EF4-FFF2-40B4-BE49-F238E27FC236}">
+                <a16:creationId xmlns:a16="http://schemas.microsoft.com/office/drawing/2014/main" id="{51E579E3-4D4D-4391-A4DB-77F6C6DD84BE}"/>
+              </a:ext>
+            </a:extLst>
+          </p:cNvPr>
+          <p:cNvSpPr>
+            <a:spLocks noGrp="1"/>
+          </p:cNvSpPr>
+          <p:nvPr>
+            <p:ph type="title"/>
+          </p:nvPr>
+        </p:nvSpPr>
+        <p:spPr>
+          <a:xfrm>
+            <a:off x="900344" y="2766218"/>
+            <a:ext cx="10515600" cy="1325563"/>
+          </a:xfrm>
+        </p:spPr>
+        <p:txBody>
+          <a:bodyPr/>
+          <a:lstStyle/>
+          <a:p>
+            <a:r>
+              <a:rPr lang="es-ES" dirty="0">
+                <a:solidFill>
+                  <a:srgbClr val="000000"/>
+                </a:solidFill>
+                <a:latin typeface="Calibri" panose="020F0502020204030204" pitchFamily="34" charset="0"/>
+              </a:rPr>
+              <a:t>Page-</a:t>
+            </a:r>
+            <a:r>
+              <a:rPr lang="es-ES" dirty="0" err="1">
+                <a:solidFill>
+                  <a:srgbClr val="000000"/>
+                </a:solidFill>
+                <a:latin typeface="Calibri" panose="020F0502020204030204" pitchFamily="34" charset="0"/>
+              </a:rPr>
+              <a:t>Object</a:t>
+            </a:r>
+            <a:r>
+              <a:rPr lang="es-ES" dirty="0">
+                <a:solidFill>
+                  <a:srgbClr val="000000"/>
+                </a:solidFill>
+                <a:latin typeface="Calibri" panose="020F0502020204030204" pitchFamily="34" charset="0"/>
+              </a:rPr>
+              <a:t> </a:t>
+            </a:r>
+            <a:r>
+              <a:rPr lang="es-ES" dirty="0" err="1">
+                <a:solidFill>
+                  <a:srgbClr val="000000"/>
+                </a:solidFill>
+                <a:latin typeface="Calibri" panose="020F0502020204030204" pitchFamily="34" charset="0"/>
+              </a:rPr>
+              <a:t>pattern</a:t>
+            </a:r>
+            <a:endParaRPr lang="en-US" dirty="0"/>
+          </a:p>
+        </p:txBody>
+      </p:sp>
+    </p:spTree>
+    <p:extLst>
+      <p:ext uri="{BB962C8B-B14F-4D97-AF65-F5344CB8AC3E}">
+        <p14:creationId xmlns:p14="http://schemas.microsoft.com/office/powerpoint/2010/main" val="2983471730"/>
+      </p:ext>
+    </p:extLst>
+  </p:cSld>
+  <p:clrMapOvr>
+    <a:masterClrMapping/>
+  </p:clrMapOvr>
+</p:sld>
+</file>
+
+<file path=ppt/slides/slide29.xml><?xml version="1.0" encoding="utf-8"?>
 <p:sld xmlns:a="http://schemas.openxmlformats.org/drawingml/2006/main" xmlns:r="http://schemas.openxmlformats.org/officeDocument/2006/relationships" xmlns:p="http://schemas.openxmlformats.org/presentationml/2006/main">
   <p:cSld>
     <p:bg>
@@ -9037,12 +9483,56 @@
           <a:chExt cx="0" cy="0"/>
         </a:xfrm>
       </p:grpSpPr>
+      <p:sp>
+        <p:nvSpPr>
+          <p:cNvPr id="31" name="CuadroTexto 30">
+            <a:extLst>
+              <a:ext uri="{FF2B5EF4-FFF2-40B4-BE49-F238E27FC236}">
+                <a16:creationId xmlns:a16="http://schemas.microsoft.com/office/drawing/2014/main" id="{FBF7026D-12F4-4541-8110-DE706094717A}"/>
+              </a:ext>
+            </a:extLst>
+          </p:cNvPr>
+          <p:cNvSpPr txBox="1"/>
+          <p:nvPr/>
+        </p:nvSpPr>
+        <p:spPr>
+          <a:xfrm>
+            <a:off x="484863" y="185392"/>
+            <a:ext cx="3397994" cy="646331"/>
+          </a:xfrm>
+          <a:prstGeom prst="rect">
+            <a:avLst/>
+          </a:prstGeom>
+          <a:noFill/>
+        </p:spPr>
+        <p:txBody>
+          <a:bodyPr wrap="square" rtlCol="0">
+            <a:spAutoFit/>
+          </a:bodyPr>
+          <a:lstStyle/>
+          <a:p>
+            <a:r>
+              <a:rPr lang="en-US" sz="3600" dirty="0" err="1">
+                <a:solidFill>
+                  <a:srgbClr val="53A2D3"/>
+                </a:solidFill>
+              </a:rPr>
+              <a:t>Teoría</a:t>
+            </a:r>
+            <a:endParaRPr lang="en-US" sz="3600" dirty="0">
+              <a:solidFill>
+                <a:srgbClr val="53A2D3"/>
+              </a:solidFill>
+            </a:endParaRPr>
+          </a:p>
+        </p:txBody>
+      </p:sp>
       <p:pic>
         <p:nvPicPr>
-          <p:cNvPr id="7" name="Imagen 6">
-            <a:extLst>
-              <a:ext uri="{FF2B5EF4-FFF2-40B4-BE49-F238E27FC236}">
-                <a16:creationId xmlns:a16="http://schemas.microsoft.com/office/drawing/2014/main" id="{2CFE6195-EA83-4C47-A03F-329D229C5AB7}"/>
+          <p:cNvPr id="30" name="Imagen 29">
+            <a:extLst>
+              <a:ext uri="{FF2B5EF4-FFF2-40B4-BE49-F238E27FC236}">
+                <a16:creationId xmlns:a16="http://schemas.microsoft.com/office/drawing/2014/main" id="{11AA3BEE-0DB9-4E5E-97F9-46B38CC019A4}"/>
               </a:ext>
             </a:extLst>
           </p:cNvPr>
@@ -9059,8 +9549,8 @@
         </p:blipFill>
         <p:spPr>
           <a:xfrm>
-            <a:off x="207896" y="2087591"/>
-            <a:ext cx="5179886" cy="4335534"/>
+            <a:off x="320338" y="3308109"/>
+            <a:ext cx="4785360" cy="2990850"/>
           </a:xfrm>
           <a:prstGeom prst="rect">
             <a:avLst/>
@@ -9076,10 +9566,10 @@
       </p:pic>
       <p:pic>
         <p:nvPicPr>
-          <p:cNvPr id="11" name="Imagen 10">
-            <a:extLst>
-              <a:ext uri="{FF2B5EF4-FFF2-40B4-BE49-F238E27FC236}">
-                <a16:creationId xmlns:a16="http://schemas.microsoft.com/office/drawing/2014/main" id="{FACE3969-615E-4C45-B56D-19518D2A9CE0}"/>
+          <p:cNvPr id="33" name="Imagen 32">
+            <a:extLst>
+              <a:ext uri="{FF2B5EF4-FFF2-40B4-BE49-F238E27FC236}">
+                <a16:creationId xmlns:a16="http://schemas.microsoft.com/office/drawing/2014/main" id="{27AF6DC8-BCC6-43A0-ACB8-8E24581FFF99}"/>
               </a:ext>
             </a:extLst>
           </p:cNvPr>
@@ -9096,8 +9586,8 @@
         </p:blipFill>
         <p:spPr>
           <a:xfrm>
-            <a:off x="6151615" y="1849550"/>
-            <a:ext cx="5830965" cy="4823295"/>
+            <a:off x="6221148" y="252067"/>
+            <a:ext cx="5485989" cy="2262533"/>
           </a:xfrm>
           <a:prstGeom prst="rect">
             <a:avLst/>
@@ -9113,10 +9603,10 @@
       </p:pic>
       <p:pic>
         <p:nvPicPr>
-          <p:cNvPr id="13" name="Imagen 12">
-            <a:extLst>
-              <a:ext uri="{FF2B5EF4-FFF2-40B4-BE49-F238E27FC236}">
-                <a16:creationId xmlns:a16="http://schemas.microsoft.com/office/drawing/2014/main" id="{DB69B325-2AFF-4143-A6CE-6A622ECFDFA2}"/>
+          <p:cNvPr id="2" name="Imagen 1">
+            <a:extLst>
+              <a:ext uri="{FF2B5EF4-FFF2-40B4-BE49-F238E27FC236}">
+                <a16:creationId xmlns:a16="http://schemas.microsoft.com/office/drawing/2014/main" id="{0D177CD9-B958-4BF5-9974-F66D391F7A44}"/>
               </a:ext>
             </a:extLst>
           </p:cNvPr>
@@ -9133,8 +9623,8 @@
         </p:blipFill>
         <p:spPr>
           <a:xfrm>
-            <a:off x="6267604" y="433524"/>
-            <a:ext cx="5598986" cy="664286"/>
+            <a:off x="6221148" y="3124301"/>
+            <a:ext cx="5491163" cy="3358466"/>
           </a:xfrm>
           <a:prstGeom prst="rect">
             <a:avLst/>
@@ -9148,65 +9638,26 @@
           </a:effectLst>
         </p:spPr>
       </p:pic>
-      <p:sp>
-        <p:nvSpPr>
-          <p:cNvPr id="25" name="CuadroTexto 24">
-            <a:extLst>
-              <a:ext uri="{FF2B5EF4-FFF2-40B4-BE49-F238E27FC236}">
-                <a16:creationId xmlns:a16="http://schemas.microsoft.com/office/drawing/2014/main" id="{19C6170D-CFD8-49E4-816C-97EDFBA2B700}"/>
-              </a:ext>
-            </a:extLst>
-          </p:cNvPr>
-          <p:cNvSpPr txBox="1"/>
-          <p:nvPr/>
-        </p:nvSpPr>
-        <p:spPr>
-          <a:xfrm>
-            <a:off x="5407891" y="3891865"/>
-            <a:ext cx="1376218" cy="369332"/>
-          </a:xfrm>
-          <a:prstGeom prst="rect">
-            <a:avLst/>
-          </a:prstGeom>
-          <a:noFill/>
-        </p:spPr>
-        <p:txBody>
-          <a:bodyPr wrap="square" rtlCol="0">
-            <a:spAutoFit/>
-          </a:bodyPr>
-          <a:lstStyle/>
-          <a:p>
-            <a:r>
-              <a:rPr lang="en-US" dirty="0">
-                <a:solidFill>
-                  <a:schemeClr val="bg1"/>
-                </a:solidFill>
-              </a:rPr>
-              <a:t>calls</a:t>
-            </a:r>
-          </a:p>
-        </p:txBody>
-      </p:sp>
       <p:cxnSp>
         <p:nvCxnSpPr>
-          <p:cNvPr id="26" name="Conector recto de flecha 25">
-            <a:extLst>
-              <a:ext uri="{FF2B5EF4-FFF2-40B4-BE49-F238E27FC236}">
-                <a16:creationId xmlns:a16="http://schemas.microsoft.com/office/drawing/2014/main" id="{76AE51E0-8D6F-4932-8634-0B5B6F4E744C}"/>
+          <p:cNvPr id="34" name="Conector recto de flecha 33">
+            <a:extLst>
+              <a:ext uri="{FF2B5EF4-FFF2-40B4-BE49-F238E27FC236}">
+                <a16:creationId xmlns:a16="http://schemas.microsoft.com/office/drawing/2014/main" id="{FE5B11F8-9635-41F2-BA0B-CF1CE47617E6}"/>
               </a:ext>
             </a:extLst>
           </p:cNvPr>
           <p:cNvCxnSpPr>
             <a:cxnSpLocks/>
-            <a:stCxn id="7" idx="3"/>
-            <a:endCxn id="11" idx="1"/>
+            <a:stCxn id="2" idx="0"/>
+            <a:endCxn id="33" idx="2"/>
           </p:cNvCxnSpPr>
           <p:nvPr/>
         </p:nvCxnSpPr>
         <p:spPr>
-          <a:xfrm>
-            <a:off x="5387782" y="4255358"/>
-            <a:ext cx="763833" cy="5840"/>
+          <a:xfrm flipH="1" flipV="1">
+            <a:off x="8964143" y="2514600"/>
+            <a:ext cx="2587" cy="609701"/>
           </a:xfrm>
           <a:prstGeom prst="straightConnector1">
             <a:avLst/>
@@ -9215,6 +9666,7 @@
             <a:solidFill>
               <a:schemeClr val="bg1"/>
             </a:solidFill>
+            <a:headEnd type="triangle"/>
             <a:tailEnd type="triangle"/>
           </a:ln>
         </p:spPr>
@@ -9233,26 +9685,104 @@
           </a:fontRef>
         </p:style>
       </p:cxnSp>
+      <p:sp>
+        <p:nvSpPr>
+          <p:cNvPr id="38" name="CuadroTexto 37">
+            <a:extLst>
+              <a:ext uri="{FF2B5EF4-FFF2-40B4-BE49-F238E27FC236}">
+                <a16:creationId xmlns:a16="http://schemas.microsoft.com/office/drawing/2014/main" id="{E593275B-18D5-4ED5-B785-2CD80B46AC8E}"/>
+              </a:ext>
+            </a:extLst>
+          </p:cNvPr>
+          <p:cNvSpPr txBox="1"/>
+          <p:nvPr/>
+        </p:nvSpPr>
+        <p:spPr>
+          <a:xfrm>
+            <a:off x="8964141" y="2650173"/>
+            <a:ext cx="1758422" cy="338554"/>
+          </a:xfrm>
+          <a:prstGeom prst="rect">
+            <a:avLst/>
+          </a:prstGeom>
+          <a:noFill/>
+        </p:spPr>
+        <p:txBody>
+          <a:bodyPr wrap="square" rtlCol="0">
+            <a:spAutoFit/>
+          </a:bodyPr>
+          <a:lstStyle/>
+          <a:p>
+            <a:r>
+              <a:rPr lang="en-US" sz="1600" dirty="0">
+                <a:solidFill>
+                  <a:schemeClr val="bg1"/>
+                </a:solidFill>
+              </a:rPr>
+              <a:t>reads and interacts</a:t>
+            </a:r>
+          </a:p>
+        </p:txBody>
+      </p:sp>
+      <p:sp>
+        <p:nvSpPr>
+          <p:cNvPr id="39" name="CuadroTexto 38">
+            <a:extLst>
+              <a:ext uri="{FF2B5EF4-FFF2-40B4-BE49-F238E27FC236}">
+                <a16:creationId xmlns:a16="http://schemas.microsoft.com/office/drawing/2014/main" id="{E933C427-2012-4298-BAC7-CF5FE7311DE1}"/>
+              </a:ext>
+            </a:extLst>
+          </p:cNvPr>
+          <p:cNvSpPr txBox="1"/>
+          <p:nvPr/>
+        </p:nvSpPr>
+        <p:spPr>
+          <a:xfrm>
+            <a:off x="5282744" y="4434202"/>
+            <a:ext cx="1376218" cy="369332"/>
+          </a:xfrm>
+          <a:prstGeom prst="rect">
+            <a:avLst/>
+          </a:prstGeom>
+          <a:noFill/>
+        </p:spPr>
+        <p:txBody>
+          <a:bodyPr wrap="square" rtlCol="0">
+            <a:spAutoFit/>
+          </a:bodyPr>
+          <a:lstStyle/>
+          <a:p>
+            <a:r>
+              <a:rPr lang="en-US" dirty="0">
+                <a:solidFill>
+                  <a:schemeClr val="bg1"/>
+                </a:solidFill>
+              </a:rPr>
+              <a:t>calls</a:t>
+            </a:r>
+          </a:p>
+        </p:txBody>
+      </p:sp>
       <p:cxnSp>
         <p:nvCxnSpPr>
-          <p:cNvPr id="29" name="Conector recto de flecha 28">
-            <a:extLst>
-              <a:ext uri="{FF2B5EF4-FFF2-40B4-BE49-F238E27FC236}">
-                <a16:creationId xmlns:a16="http://schemas.microsoft.com/office/drawing/2014/main" id="{03CB87ED-D98B-4404-8865-52F51E0F0D1A}"/>
+          <p:cNvPr id="40" name="Conector recto de flecha 39">
+            <a:extLst>
+              <a:ext uri="{FF2B5EF4-FFF2-40B4-BE49-F238E27FC236}">
+                <a16:creationId xmlns:a16="http://schemas.microsoft.com/office/drawing/2014/main" id="{65ADA00B-B061-4BC6-8BEA-533E11C25C79}"/>
               </a:ext>
             </a:extLst>
           </p:cNvPr>
           <p:cNvCxnSpPr>
             <a:cxnSpLocks/>
-            <a:stCxn id="11" idx="0"/>
-            <a:endCxn id="13" idx="2"/>
+            <a:stCxn id="30" idx="3"/>
+            <a:endCxn id="2" idx="1"/>
           </p:cNvCxnSpPr>
           <p:nvPr/>
         </p:nvCxnSpPr>
         <p:spPr>
-          <a:xfrm flipH="1" flipV="1">
-            <a:off x="9067097" y="1097810"/>
-            <a:ext cx="1" cy="751740"/>
+          <a:xfrm>
+            <a:off x="5105698" y="4803534"/>
+            <a:ext cx="1115450" cy="0"/>
           </a:xfrm>
           <a:prstGeom prst="straightConnector1">
             <a:avLst/>
@@ -9261,7 +9791,6 @@
             <a:solidFill>
               <a:schemeClr val="bg1"/>
             </a:solidFill>
-            <a:headEnd type="triangle"/>
             <a:tailEnd type="triangle"/>
           </a:ln>
         </p:spPr>
@@ -9280,156 +9809,10 @@
           </a:fontRef>
         </p:style>
       </p:cxnSp>
-      <p:sp>
-        <p:nvSpPr>
-          <p:cNvPr id="30" name="CuadroTexto 29">
-            <a:extLst>
-              <a:ext uri="{FF2B5EF4-FFF2-40B4-BE49-F238E27FC236}">
-                <a16:creationId xmlns:a16="http://schemas.microsoft.com/office/drawing/2014/main" id="{97B5AC85-396E-4BE9-9E35-EC6CFF814F96}"/>
-              </a:ext>
-            </a:extLst>
-          </p:cNvPr>
-          <p:cNvSpPr txBox="1"/>
-          <p:nvPr/>
-        </p:nvSpPr>
-        <p:spPr>
-          <a:xfrm>
-            <a:off x="9067097" y="1304403"/>
-            <a:ext cx="1758422" cy="338554"/>
-          </a:xfrm>
-          <a:prstGeom prst="rect">
-            <a:avLst/>
-          </a:prstGeom>
-          <a:noFill/>
-        </p:spPr>
-        <p:txBody>
-          <a:bodyPr wrap="square" rtlCol="0">
-            <a:spAutoFit/>
-          </a:bodyPr>
-          <a:lstStyle/>
-          <a:p>
-            <a:r>
-              <a:rPr lang="en-US" sz="1600" dirty="0">
-                <a:solidFill>
-                  <a:schemeClr val="bg1"/>
-                </a:solidFill>
-              </a:rPr>
-              <a:t>reads and interacts</a:t>
-            </a:r>
-          </a:p>
-        </p:txBody>
-      </p:sp>
-      <p:sp>
-        <p:nvSpPr>
-          <p:cNvPr id="36" name="CuadroTexto 35">
-            <a:extLst>
-              <a:ext uri="{FF2B5EF4-FFF2-40B4-BE49-F238E27FC236}">
-                <a16:creationId xmlns:a16="http://schemas.microsoft.com/office/drawing/2014/main" id="{8D5F8848-69CC-474A-8B0C-8685958FFF9D}"/>
-              </a:ext>
-            </a:extLst>
-          </p:cNvPr>
-          <p:cNvSpPr txBox="1"/>
-          <p:nvPr/>
-        </p:nvSpPr>
-        <p:spPr>
-          <a:xfrm>
-            <a:off x="361700" y="215130"/>
-            <a:ext cx="3397994" cy="646331"/>
-          </a:xfrm>
-          <a:prstGeom prst="rect">
-            <a:avLst/>
-          </a:prstGeom>
-          <a:noFill/>
-        </p:spPr>
-        <p:txBody>
-          <a:bodyPr wrap="square" rtlCol="0">
-            <a:spAutoFit/>
-          </a:bodyPr>
-          <a:lstStyle/>
-          <a:p>
-            <a:r>
-              <a:rPr lang="en-US" sz="3600" dirty="0">
-                <a:solidFill>
-                  <a:srgbClr val="53A2D3"/>
-                </a:solidFill>
-              </a:rPr>
-              <a:t>Mundo real</a:t>
-            </a:r>
-          </a:p>
-        </p:txBody>
-      </p:sp>
     </p:spTree>
     <p:extLst>
       <p:ext uri="{BB962C8B-B14F-4D97-AF65-F5344CB8AC3E}">
-        <p14:creationId xmlns:p14="http://schemas.microsoft.com/office/powerpoint/2010/main" val="181309968"/>
-      </p:ext>
-    </p:extLst>
-  </p:cSld>
-  <p:clrMapOvr>
-    <a:masterClrMapping/>
-  </p:clrMapOvr>
-</p:sld>
-</file>
-
-<file path=ppt/slides/slide28.xml><?xml version="1.0" encoding="utf-8"?>
-<p:sld xmlns:a="http://schemas.openxmlformats.org/drawingml/2006/main" xmlns:r="http://schemas.openxmlformats.org/officeDocument/2006/relationships" xmlns:p="http://schemas.openxmlformats.org/presentationml/2006/main">
-  <p:cSld>
-    <p:bg>
-      <p:bgPr>
-        <a:solidFill>
-          <a:schemeClr val="bg1"/>
-        </a:solidFill>
-        <a:effectLst/>
-      </p:bgPr>
-    </p:bg>
-    <p:spTree>
-      <p:nvGrpSpPr>
-        <p:cNvPr id="1" name=""/>
-        <p:cNvGrpSpPr/>
-        <p:nvPr/>
-      </p:nvGrpSpPr>
-      <p:grpSpPr>
-        <a:xfrm>
-          <a:off x="0" y="0"/>
-          <a:ext cx="0" cy="0"/>
-          <a:chOff x="0" y="0"/>
-          <a:chExt cx="0" cy="0"/>
-        </a:xfrm>
-      </p:grpSpPr>
-      <p:pic>
-        <p:nvPicPr>
-          <p:cNvPr id="3" name="Imagen 2" descr="Captura de pantalla de un celular&#10;&#10;Descripción generada automáticamente">
-            <a:extLst>
-              <a:ext uri="{FF2B5EF4-FFF2-40B4-BE49-F238E27FC236}">
-                <a16:creationId xmlns:a16="http://schemas.microsoft.com/office/drawing/2014/main" id="{5A053BAB-5B07-4515-A730-99649EA7B7CC}"/>
-              </a:ext>
-            </a:extLst>
-          </p:cNvPr>
-          <p:cNvPicPr>
-            <a:picLocks noChangeAspect="1"/>
-          </p:cNvPicPr>
-          <p:nvPr/>
-        </p:nvPicPr>
-        <p:blipFill>
-          <a:blip r:embed="rId2"/>
-          <a:stretch>
-            <a:fillRect/>
-          </a:stretch>
-        </p:blipFill>
-        <p:spPr>
-          <a:xfrm>
-            <a:off x="840277" y="643467"/>
-            <a:ext cx="10511445" cy="5571066"/>
-          </a:xfrm>
-          <a:prstGeom prst="rect">
-            <a:avLst/>
-          </a:prstGeom>
-        </p:spPr>
-      </p:pic>
-    </p:spTree>
-    <p:extLst>
-      <p:ext uri="{BB962C8B-B14F-4D97-AF65-F5344CB8AC3E}">
-        <p14:creationId xmlns:p14="http://schemas.microsoft.com/office/powerpoint/2010/main" val="2266530384"/>
+        <p14:creationId xmlns:p14="http://schemas.microsoft.com/office/powerpoint/2010/main" val="2070501123"/>
       </p:ext>
     </p:extLst>
   </p:cSld>
@@ -9791,6 +10174,433 @@
     <p:extLst>
       <p:ext uri="{BB962C8B-B14F-4D97-AF65-F5344CB8AC3E}">
         <p14:creationId xmlns:p14="http://schemas.microsoft.com/office/powerpoint/2010/main" val="2424642454"/>
+      </p:ext>
+    </p:extLst>
+  </p:cSld>
+  <p:clrMapOvr>
+    <a:masterClrMapping/>
+  </p:clrMapOvr>
+</p:sld>
+</file>
+
+<file path=ppt/slides/slide30.xml><?xml version="1.0" encoding="utf-8"?>
+<p:sld xmlns:a="http://schemas.openxmlformats.org/drawingml/2006/main" xmlns:r="http://schemas.openxmlformats.org/officeDocument/2006/relationships" xmlns:p="http://schemas.openxmlformats.org/presentationml/2006/main">
+  <p:cSld>
+    <p:bg>
+      <p:bgPr>
+        <a:solidFill>
+          <a:srgbClr val="1E1E1E"/>
+        </a:solidFill>
+        <a:effectLst/>
+      </p:bgPr>
+    </p:bg>
+    <p:spTree>
+      <p:nvGrpSpPr>
+        <p:cNvPr id="1" name=""/>
+        <p:cNvGrpSpPr/>
+        <p:nvPr/>
+      </p:nvGrpSpPr>
+      <p:grpSpPr>
+        <a:xfrm>
+          <a:off x="0" y="0"/>
+          <a:ext cx="0" cy="0"/>
+          <a:chOff x="0" y="0"/>
+          <a:chExt cx="0" cy="0"/>
+        </a:xfrm>
+      </p:grpSpPr>
+      <p:pic>
+        <p:nvPicPr>
+          <p:cNvPr id="7" name="Imagen 6">
+            <a:extLst>
+              <a:ext uri="{FF2B5EF4-FFF2-40B4-BE49-F238E27FC236}">
+                <a16:creationId xmlns:a16="http://schemas.microsoft.com/office/drawing/2014/main" id="{2CFE6195-EA83-4C47-A03F-329D229C5AB7}"/>
+              </a:ext>
+            </a:extLst>
+          </p:cNvPr>
+          <p:cNvPicPr>
+            <a:picLocks noChangeAspect="1"/>
+          </p:cNvPicPr>
+          <p:nvPr/>
+        </p:nvPicPr>
+        <p:blipFill>
+          <a:blip r:embed="rId2"/>
+          <a:stretch>
+            <a:fillRect/>
+          </a:stretch>
+        </p:blipFill>
+        <p:spPr>
+          <a:xfrm>
+            <a:off x="207896" y="2087591"/>
+            <a:ext cx="5179886" cy="4335534"/>
+          </a:xfrm>
+          <a:prstGeom prst="rect">
+            <a:avLst/>
+          </a:prstGeom>
+          <a:effectLst>
+            <a:glow rad="25400">
+              <a:schemeClr val="bg1">
+                <a:alpha val="40000"/>
+              </a:schemeClr>
+            </a:glow>
+          </a:effectLst>
+        </p:spPr>
+      </p:pic>
+      <p:pic>
+        <p:nvPicPr>
+          <p:cNvPr id="11" name="Imagen 10">
+            <a:extLst>
+              <a:ext uri="{FF2B5EF4-FFF2-40B4-BE49-F238E27FC236}">
+                <a16:creationId xmlns:a16="http://schemas.microsoft.com/office/drawing/2014/main" id="{FACE3969-615E-4C45-B56D-19518D2A9CE0}"/>
+              </a:ext>
+            </a:extLst>
+          </p:cNvPr>
+          <p:cNvPicPr>
+            <a:picLocks noChangeAspect="1"/>
+          </p:cNvPicPr>
+          <p:nvPr/>
+        </p:nvPicPr>
+        <p:blipFill>
+          <a:blip r:embed="rId3"/>
+          <a:stretch>
+            <a:fillRect/>
+          </a:stretch>
+        </p:blipFill>
+        <p:spPr>
+          <a:xfrm>
+            <a:off x="6151615" y="1849550"/>
+            <a:ext cx="5830965" cy="4823295"/>
+          </a:xfrm>
+          <a:prstGeom prst="rect">
+            <a:avLst/>
+          </a:prstGeom>
+          <a:effectLst>
+            <a:glow rad="25400">
+              <a:schemeClr val="bg1">
+                <a:alpha val="40000"/>
+              </a:schemeClr>
+            </a:glow>
+          </a:effectLst>
+        </p:spPr>
+      </p:pic>
+      <p:pic>
+        <p:nvPicPr>
+          <p:cNvPr id="13" name="Imagen 12">
+            <a:extLst>
+              <a:ext uri="{FF2B5EF4-FFF2-40B4-BE49-F238E27FC236}">
+                <a16:creationId xmlns:a16="http://schemas.microsoft.com/office/drawing/2014/main" id="{DB69B325-2AFF-4143-A6CE-6A622ECFDFA2}"/>
+              </a:ext>
+            </a:extLst>
+          </p:cNvPr>
+          <p:cNvPicPr>
+            <a:picLocks noChangeAspect="1"/>
+          </p:cNvPicPr>
+          <p:nvPr/>
+        </p:nvPicPr>
+        <p:blipFill>
+          <a:blip r:embed="rId4"/>
+          <a:stretch>
+            <a:fillRect/>
+          </a:stretch>
+        </p:blipFill>
+        <p:spPr>
+          <a:xfrm>
+            <a:off x="6267604" y="433524"/>
+            <a:ext cx="5598986" cy="664286"/>
+          </a:xfrm>
+          <a:prstGeom prst="rect">
+            <a:avLst/>
+          </a:prstGeom>
+          <a:effectLst>
+            <a:glow rad="25400">
+              <a:schemeClr val="bg1">
+                <a:alpha val="40000"/>
+              </a:schemeClr>
+            </a:glow>
+          </a:effectLst>
+        </p:spPr>
+      </p:pic>
+      <p:sp>
+        <p:nvSpPr>
+          <p:cNvPr id="25" name="CuadroTexto 24">
+            <a:extLst>
+              <a:ext uri="{FF2B5EF4-FFF2-40B4-BE49-F238E27FC236}">
+                <a16:creationId xmlns:a16="http://schemas.microsoft.com/office/drawing/2014/main" id="{19C6170D-CFD8-49E4-816C-97EDFBA2B700}"/>
+              </a:ext>
+            </a:extLst>
+          </p:cNvPr>
+          <p:cNvSpPr txBox="1"/>
+          <p:nvPr/>
+        </p:nvSpPr>
+        <p:spPr>
+          <a:xfrm>
+            <a:off x="5407891" y="3891865"/>
+            <a:ext cx="1376218" cy="369332"/>
+          </a:xfrm>
+          <a:prstGeom prst="rect">
+            <a:avLst/>
+          </a:prstGeom>
+          <a:noFill/>
+        </p:spPr>
+        <p:txBody>
+          <a:bodyPr wrap="square" rtlCol="0">
+            <a:spAutoFit/>
+          </a:bodyPr>
+          <a:lstStyle/>
+          <a:p>
+            <a:r>
+              <a:rPr lang="en-US" dirty="0">
+                <a:solidFill>
+                  <a:schemeClr val="bg1"/>
+                </a:solidFill>
+              </a:rPr>
+              <a:t>calls</a:t>
+            </a:r>
+          </a:p>
+        </p:txBody>
+      </p:sp>
+      <p:cxnSp>
+        <p:nvCxnSpPr>
+          <p:cNvPr id="26" name="Conector recto de flecha 25">
+            <a:extLst>
+              <a:ext uri="{FF2B5EF4-FFF2-40B4-BE49-F238E27FC236}">
+                <a16:creationId xmlns:a16="http://schemas.microsoft.com/office/drawing/2014/main" id="{76AE51E0-8D6F-4932-8634-0B5B6F4E744C}"/>
+              </a:ext>
+            </a:extLst>
+          </p:cNvPr>
+          <p:cNvCxnSpPr>
+            <a:cxnSpLocks/>
+            <a:stCxn id="7" idx="3"/>
+            <a:endCxn id="11" idx="1"/>
+          </p:cNvCxnSpPr>
+          <p:nvPr/>
+        </p:nvCxnSpPr>
+        <p:spPr>
+          <a:xfrm>
+            <a:off x="5387782" y="4255358"/>
+            <a:ext cx="763833" cy="5840"/>
+          </a:xfrm>
+          <a:prstGeom prst="straightConnector1">
+            <a:avLst/>
+          </a:prstGeom>
+          <a:ln w="12700">
+            <a:solidFill>
+              <a:schemeClr val="bg1"/>
+            </a:solidFill>
+            <a:tailEnd type="triangle"/>
+          </a:ln>
+        </p:spPr>
+        <p:style>
+          <a:lnRef idx="1">
+            <a:schemeClr val="accent1"/>
+          </a:lnRef>
+          <a:fillRef idx="0">
+            <a:schemeClr val="accent1"/>
+          </a:fillRef>
+          <a:effectRef idx="0">
+            <a:schemeClr val="accent1"/>
+          </a:effectRef>
+          <a:fontRef idx="minor">
+            <a:schemeClr val="tx1"/>
+          </a:fontRef>
+        </p:style>
+      </p:cxnSp>
+      <p:cxnSp>
+        <p:nvCxnSpPr>
+          <p:cNvPr id="29" name="Conector recto de flecha 28">
+            <a:extLst>
+              <a:ext uri="{FF2B5EF4-FFF2-40B4-BE49-F238E27FC236}">
+                <a16:creationId xmlns:a16="http://schemas.microsoft.com/office/drawing/2014/main" id="{03CB87ED-D98B-4404-8865-52F51E0F0D1A}"/>
+              </a:ext>
+            </a:extLst>
+          </p:cNvPr>
+          <p:cNvCxnSpPr>
+            <a:cxnSpLocks/>
+            <a:stCxn id="11" idx="0"/>
+            <a:endCxn id="13" idx="2"/>
+          </p:cNvCxnSpPr>
+          <p:nvPr/>
+        </p:nvCxnSpPr>
+        <p:spPr>
+          <a:xfrm flipH="1" flipV="1">
+            <a:off x="9067097" y="1097810"/>
+            <a:ext cx="1" cy="751740"/>
+          </a:xfrm>
+          <a:prstGeom prst="straightConnector1">
+            <a:avLst/>
+          </a:prstGeom>
+          <a:ln w="12700">
+            <a:solidFill>
+              <a:schemeClr val="bg1"/>
+            </a:solidFill>
+            <a:headEnd type="triangle"/>
+            <a:tailEnd type="triangle"/>
+          </a:ln>
+        </p:spPr>
+        <p:style>
+          <a:lnRef idx="1">
+            <a:schemeClr val="accent1"/>
+          </a:lnRef>
+          <a:fillRef idx="0">
+            <a:schemeClr val="accent1"/>
+          </a:fillRef>
+          <a:effectRef idx="0">
+            <a:schemeClr val="accent1"/>
+          </a:effectRef>
+          <a:fontRef idx="minor">
+            <a:schemeClr val="tx1"/>
+          </a:fontRef>
+        </p:style>
+      </p:cxnSp>
+      <p:sp>
+        <p:nvSpPr>
+          <p:cNvPr id="30" name="CuadroTexto 29">
+            <a:extLst>
+              <a:ext uri="{FF2B5EF4-FFF2-40B4-BE49-F238E27FC236}">
+                <a16:creationId xmlns:a16="http://schemas.microsoft.com/office/drawing/2014/main" id="{97B5AC85-396E-4BE9-9E35-EC6CFF814F96}"/>
+              </a:ext>
+            </a:extLst>
+          </p:cNvPr>
+          <p:cNvSpPr txBox="1"/>
+          <p:nvPr/>
+        </p:nvSpPr>
+        <p:spPr>
+          <a:xfrm>
+            <a:off x="9067097" y="1304403"/>
+            <a:ext cx="1758422" cy="338554"/>
+          </a:xfrm>
+          <a:prstGeom prst="rect">
+            <a:avLst/>
+          </a:prstGeom>
+          <a:noFill/>
+        </p:spPr>
+        <p:txBody>
+          <a:bodyPr wrap="square" rtlCol="0">
+            <a:spAutoFit/>
+          </a:bodyPr>
+          <a:lstStyle/>
+          <a:p>
+            <a:r>
+              <a:rPr lang="en-US" sz="1600" dirty="0">
+                <a:solidFill>
+                  <a:schemeClr val="bg1"/>
+                </a:solidFill>
+              </a:rPr>
+              <a:t>reads and interacts</a:t>
+            </a:r>
+          </a:p>
+        </p:txBody>
+      </p:sp>
+      <p:sp>
+        <p:nvSpPr>
+          <p:cNvPr id="36" name="CuadroTexto 35">
+            <a:extLst>
+              <a:ext uri="{FF2B5EF4-FFF2-40B4-BE49-F238E27FC236}">
+                <a16:creationId xmlns:a16="http://schemas.microsoft.com/office/drawing/2014/main" id="{8D5F8848-69CC-474A-8B0C-8685958FFF9D}"/>
+              </a:ext>
+            </a:extLst>
+          </p:cNvPr>
+          <p:cNvSpPr txBox="1"/>
+          <p:nvPr/>
+        </p:nvSpPr>
+        <p:spPr>
+          <a:xfrm>
+            <a:off x="361700" y="215130"/>
+            <a:ext cx="3397994" cy="646331"/>
+          </a:xfrm>
+          <a:prstGeom prst="rect">
+            <a:avLst/>
+          </a:prstGeom>
+          <a:noFill/>
+        </p:spPr>
+        <p:txBody>
+          <a:bodyPr wrap="square" rtlCol="0">
+            <a:spAutoFit/>
+          </a:bodyPr>
+          <a:lstStyle/>
+          <a:p>
+            <a:r>
+              <a:rPr lang="en-US" sz="3600" dirty="0">
+                <a:solidFill>
+                  <a:srgbClr val="53A2D3"/>
+                </a:solidFill>
+              </a:rPr>
+              <a:t>Mundo real</a:t>
+            </a:r>
+          </a:p>
+        </p:txBody>
+      </p:sp>
+    </p:spTree>
+    <p:extLst>
+      <p:ext uri="{BB962C8B-B14F-4D97-AF65-F5344CB8AC3E}">
+        <p14:creationId xmlns:p14="http://schemas.microsoft.com/office/powerpoint/2010/main" val="181309968"/>
+      </p:ext>
+    </p:extLst>
+  </p:cSld>
+  <p:clrMapOvr>
+    <a:masterClrMapping/>
+  </p:clrMapOvr>
+</p:sld>
+</file>
+
+<file path=ppt/slides/slide31.xml><?xml version="1.0" encoding="utf-8"?>
+<p:sld xmlns:a="http://schemas.openxmlformats.org/drawingml/2006/main" xmlns:r="http://schemas.openxmlformats.org/officeDocument/2006/relationships" xmlns:p="http://schemas.openxmlformats.org/presentationml/2006/main">
+  <p:cSld>
+    <p:bg>
+      <p:bgPr>
+        <a:solidFill>
+          <a:schemeClr val="bg1"/>
+        </a:solidFill>
+        <a:effectLst/>
+      </p:bgPr>
+    </p:bg>
+    <p:spTree>
+      <p:nvGrpSpPr>
+        <p:cNvPr id="1" name=""/>
+        <p:cNvGrpSpPr/>
+        <p:nvPr/>
+      </p:nvGrpSpPr>
+      <p:grpSpPr>
+        <a:xfrm>
+          <a:off x="0" y="0"/>
+          <a:ext cx="0" cy="0"/>
+          <a:chOff x="0" y="0"/>
+          <a:chExt cx="0" cy="0"/>
+        </a:xfrm>
+      </p:grpSpPr>
+      <p:pic>
+        <p:nvPicPr>
+          <p:cNvPr id="3" name="Imagen 2" descr="Captura de pantalla de un celular&#10;&#10;Descripción generada automáticamente">
+            <a:extLst>
+              <a:ext uri="{FF2B5EF4-FFF2-40B4-BE49-F238E27FC236}">
+                <a16:creationId xmlns:a16="http://schemas.microsoft.com/office/drawing/2014/main" id="{5A053BAB-5B07-4515-A730-99649EA7B7CC}"/>
+              </a:ext>
+            </a:extLst>
+          </p:cNvPr>
+          <p:cNvPicPr>
+            <a:picLocks noChangeAspect="1"/>
+          </p:cNvPicPr>
+          <p:nvPr/>
+        </p:nvPicPr>
+        <p:blipFill>
+          <a:blip r:embed="rId2"/>
+          <a:stretch>
+            <a:fillRect/>
+          </a:stretch>
+        </p:blipFill>
+        <p:spPr>
+          <a:xfrm>
+            <a:off x="840277" y="643467"/>
+            <a:ext cx="10511445" cy="5571066"/>
+          </a:xfrm>
+          <a:prstGeom prst="rect">
+            <a:avLst/>
+          </a:prstGeom>
+        </p:spPr>
+      </p:pic>
+    </p:spTree>
+    <p:extLst>
+      <p:ext uri="{BB962C8B-B14F-4D97-AF65-F5344CB8AC3E}">
+        <p14:creationId xmlns:p14="http://schemas.microsoft.com/office/powerpoint/2010/main" val="2266530384"/>
       </p:ext>
     </p:extLst>
   </p:cSld>

--- a/slides/Patrones de diseño con Typescript en el mundo real.pptx
+++ b/slides/Patrones de diseño con Typescript en el mundo real.pptx
@@ -18,24 +18,27 @@
     <p:sldId id="288" r:id="rId12"/>
     <p:sldId id="289" r:id="rId13"/>
     <p:sldId id="290" r:id="rId14"/>
-    <p:sldId id="267" r:id="rId15"/>
-    <p:sldId id="269" r:id="rId16"/>
-    <p:sldId id="268" r:id="rId17"/>
-    <p:sldId id="270" r:id="rId18"/>
-    <p:sldId id="271" r:id="rId19"/>
-    <p:sldId id="281" r:id="rId20"/>
-    <p:sldId id="282" r:id="rId21"/>
-    <p:sldId id="283" r:id="rId22"/>
-    <p:sldId id="284" r:id="rId23"/>
-    <p:sldId id="272" r:id="rId24"/>
-    <p:sldId id="273" r:id="rId25"/>
-    <p:sldId id="274" r:id="rId26"/>
-    <p:sldId id="275" r:id="rId27"/>
-    <p:sldId id="276" r:id="rId28"/>
-    <p:sldId id="277" r:id="rId29"/>
-    <p:sldId id="278" r:id="rId30"/>
-    <p:sldId id="279" r:id="rId31"/>
-    <p:sldId id="280" r:id="rId32"/>
+    <p:sldId id="291" r:id="rId15"/>
+    <p:sldId id="292" r:id="rId16"/>
+    <p:sldId id="293" r:id="rId17"/>
+    <p:sldId id="267" r:id="rId18"/>
+    <p:sldId id="269" r:id="rId19"/>
+    <p:sldId id="268" r:id="rId20"/>
+    <p:sldId id="270" r:id="rId21"/>
+    <p:sldId id="271" r:id="rId22"/>
+    <p:sldId id="281" r:id="rId23"/>
+    <p:sldId id="282" r:id="rId24"/>
+    <p:sldId id="283" r:id="rId25"/>
+    <p:sldId id="284" r:id="rId26"/>
+    <p:sldId id="272" r:id="rId27"/>
+    <p:sldId id="273" r:id="rId28"/>
+    <p:sldId id="274" r:id="rId29"/>
+    <p:sldId id="275" r:id="rId30"/>
+    <p:sldId id="276" r:id="rId31"/>
+    <p:sldId id="277" r:id="rId32"/>
+    <p:sldId id="278" r:id="rId33"/>
+    <p:sldId id="279" r:id="rId34"/>
+    <p:sldId id="280" r:id="rId35"/>
   </p:sldIdLst>
   <p:sldSz cx="12192000" cy="6858000"/>
   <p:notesSz cx="6858000" cy="9144000"/>
@@ -4341,9 +4344,9 @@
           <p:nvPr/>
         </p:nvCxnSpPr>
         <p:spPr>
-          <a:xfrm flipV="1">
+          <a:xfrm>
             <a:off x="6811152" y="2274299"/>
-            <a:ext cx="1467684" cy="1"/>
+            <a:ext cx="1467684" cy="0"/>
           </a:xfrm>
           <a:prstGeom prst="straightConnector1">
             <a:avLst/>
@@ -4468,7 +4471,7 @@
         </p:blipFill>
         <p:spPr>
           <a:xfrm>
-            <a:off x="553227" y="1164637"/>
+            <a:off x="553227" y="1164636"/>
             <a:ext cx="6257925" cy="2219325"/>
           </a:xfrm>
           <a:prstGeom prst="rect">
@@ -4997,7 +5000,7 @@
           <p:cNvPr id="2" name="Título 1">
             <a:extLst>
               <a:ext uri="{FF2B5EF4-FFF2-40B4-BE49-F238E27FC236}">
-                <a16:creationId xmlns:a16="http://schemas.microsoft.com/office/drawing/2014/main" id="{73A2909B-13B3-4614-9321-16AF10F4286A}"/>
+                <a16:creationId xmlns:a16="http://schemas.microsoft.com/office/drawing/2014/main" id="{51E579E3-4D4D-4391-A4DB-77F6C6DD84BE}"/>
               </a:ext>
             </a:extLst>
           </p:cNvPr>
@@ -5010,7 +5013,7 @@
         </p:nvSpPr>
         <p:spPr>
           <a:xfrm>
-            <a:off x="838200" y="2103437"/>
+            <a:off x="900344" y="2766218"/>
             <a:ext cx="10515600" cy="1325563"/>
           </a:xfrm>
         </p:spPr>
@@ -5019,16 +5022,40 @@
           <a:lstStyle/>
           <a:p>
             <a:r>
-              <a:rPr lang="en-US" dirty="0"/>
-              <a:t>Structural Patterns</a:t>
-            </a:r>
+              <a:rPr lang="es-ES" dirty="0" err="1">
+                <a:solidFill>
+                  <a:srgbClr val="000000"/>
+                </a:solidFill>
+                <a:latin typeface="Calibri" panose="020F0502020204030204" pitchFamily="34" charset="0"/>
+              </a:rPr>
+              <a:t>Singleton</a:t>
+            </a:r>
+            <a:r>
+              <a:rPr lang="es-ES" dirty="0">
+                <a:solidFill>
+                  <a:srgbClr val="000000"/>
+                </a:solidFill>
+                <a:latin typeface="Calibri" panose="020F0502020204030204" pitchFamily="34" charset="0"/>
+              </a:rPr>
+              <a:t> </a:t>
+            </a:r>
+            <a:r>
+              <a:rPr lang="es-ES" dirty="0" err="1">
+                <a:solidFill>
+                  <a:srgbClr val="000000"/>
+                </a:solidFill>
+                <a:latin typeface="Calibri" panose="020F0502020204030204" pitchFamily="34" charset="0"/>
+              </a:rPr>
+              <a:t>pattern</a:t>
+            </a:r>
+            <a:endParaRPr lang="en-US" dirty="0"/>
           </a:p>
         </p:txBody>
       </p:sp>
     </p:spTree>
     <p:extLst>
       <p:ext uri="{BB962C8B-B14F-4D97-AF65-F5344CB8AC3E}">
-        <p14:creationId xmlns:p14="http://schemas.microsoft.com/office/powerpoint/2010/main" val="3577003569"/>
+        <p14:creationId xmlns:p14="http://schemas.microsoft.com/office/powerpoint/2010/main" val="3767635268"/>
       </p:ext>
     </p:extLst>
   </p:cSld>
@@ -5041,6 +5068,14 @@
 <file path=ppt/slides/slide15.xml><?xml version="1.0" encoding="utf-8"?>
 <p:sld xmlns:a="http://schemas.openxmlformats.org/drawingml/2006/main" xmlns:r="http://schemas.openxmlformats.org/officeDocument/2006/relationships" xmlns:p="http://schemas.openxmlformats.org/presentationml/2006/main">
   <p:cSld>
+    <p:bg>
+      <p:bgPr>
+        <a:solidFill>
+          <a:srgbClr val="1E1E1E"/>
+        </a:solidFill>
+        <a:effectLst/>
+      </p:bgPr>
+    </p:bg>
     <p:spTree>
       <p:nvGrpSpPr>
         <p:cNvPr id="1" name=""/>
@@ -5057,65 +5092,211 @@
       </p:grpSpPr>
       <p:sp>
         <p:nvSpPr>
-          <p:cNvPr id="2" name="Título 1">
-            <a:extLst>
-              <a:ext uri="{FF2B5EF4-FFF2-40B4-BE49-F238E27FC236}">
-                <a16:creationId xmlns:a16="http://schemas.microsoft.com/office/drawing/2014/main" id="{51E579E3-4D4D-4391-A4DB-77F6C6DD84BE}"/>
-              </a:ext>
-            </a:extLst>
-          </p:cNvPr>
-          <p:cNvSpPr>
-            <a:spLocks noGrp="1"/>
-          </p:cNvSpPr>
-          <p:nvPr>
-            <p:ph type="title"/>
-          </p:nvPr>
-        </p:nvSpPr>
-        <p:spPr>
-          <a:xfrm>
-            <a:off x="900344" y="2766218"/>
-            <a:ext cx="10515600" cy="1325563"/>
-          </a:xfrm>
-        </p:spPr>
-        <p:txBody>
-          <a:bodyPr/>
-          <a:lstStyle/>
-          <a:p>
-            <a:r>
-              <a:rPr lang="es-ES" dirty="0" err="1">
+          <p:cNvPr id="31" name="CuadroTexto 30">
+            <a:extLst>
+              <a:ext uri="{FF2B5EF4-FFF2-40B4-BE49-F238E27FC236}">
+                <a16:creationId xmlns:a16="http://schemas.microsoft.com/office/drawing/2014/main" id="{FBF7026D-12F4-4541-8110-DE706094717A}"/>
+              </a:ext>
+            </a:extLst>
+          </p:cNvPr>
+          <p:cNvSpPr txBox="1"/>
+          <p:nvPr/>
+        </p:nvSpPr>
+        <p:spPr>
+          <a:xfrm>
+            <a:off x="484863" y="185392"/>
+            <a:ext cx="3397994" cy="646331"/>
+          </a:xfrm>
+          <a:prstGeom prst="rect">
+            <a:avLst/>
+          </a:prstGeom>
+          <a:noFill/>
+        </p:spPr>
+        <p:txBody>
+          <a:bodyPr wrap="square" rtlCol="0">
+            <a:spAutoFit/>
+          </a:bodyPr>
+          <a:lstStyle/>
+          <a:p>
+            <a:r>
+              <a:rPr lang="en-US" sz="3600" dirty="0" err="1">
                 <a:solidFill>
-                  <a:srgbClr val="000000"/>
+                  <a:srgbClr val="53A2D3"/>
                 </a:solidFill>
-                <a:latin typeface="Calibri" panose="020F0502020204030204" pitchFamily="34" charset="0"/>
               </a:rPr>
-              <a:t>Facade</a:t>
-            </a:r>
-            <a:r>
-              <a:rPr lang="es-ES" dirty="0">
+              <a:t>Teoría</a:t>
+            </a:r>
+            <a:endParaRPr lang="en-US" sz="3600" dirty="0">
+              <a:solidFill>
+                <a:srgbClr val="53A2D3"/>
+              </a:solidFill>
+            </a:endParaRPr>
+          </a:p>
+        </p:txBody>
+      </p:sp>
+      <p:pic>
+        <p:nvPicPr>
+          <p:cNvPr id="9" name="Picture 1">
+            <a:extLst>
+              <a:ext uri="{FF2B5EF4-FFF2-40B4-BE49-F238E27FC236}">
+                <a16:creationId xmlns:a16="http://schemas.microsoft.com/office/drawing/2014/main" id="{FC0878FE-529A-4C76-B77B-DB7D7572F267}"/>
+              </a:ext>
+            </a:extLst>
+          </p:cNvPr>
+          <p:cNvPicPr>
+            <a:picLocks noChangeAspect="1"/>
+          </p:cNvPicPr>
+          <p:nvPr/>
+        </p:nvPicPr>
+        <p:blipFill>
+          <a:blip r:embed="rId2"/>
+          <a:stretch>
+            <a:fillRect/>
+          </a:stretch>
+        </p:blipFill>
+        <p:spPr>
+          <a:xfrm>
+            <a:off x="2348730" y="1745972"/>
+            <a:ext cx="5800725" cy="1895475"/>
+          </a:xfrm>
+          <a:prstGeom prst="rect">
+            <a:avLst/>
+          </a:prstGeom>
+          <a:effectLst>
+            <a:glow rad="25400">
+              <a:schemeClr val="bg1">
+                <a:alpha val="40000"/>
+              </a:schemeClr>
+            </a:glow>
+          </a:effectLst>
+        </p:spPr>
+      </p:pic>
+      <p:pic>
+        <p:nvPicPr>
+          <p:cNvPr id="10" name="Picture 4">
+            <a:extLst>
+              <a:ext uri="{FF2B5EF4-FFF2-40B4-BE49-F238E27FC236}">
+                <a16:creationId xmlns:a16="http://schemas.microsoft.com/office/drawing/2014/main" id="{D7B9BB14-CC44-4494-96F2-6E5D3B5E207A}"/>
+              </a:ext>
+            </a:extLst>
+          </p:cNvPr>
+          <p:cNvPicPr>
+            <a:picLocks noChangeAspect="1"/>
+          </p:cNvPicPr>
+          <p:nvPr/>
+        </p:nvPicPr>
+        <p:blipFill>
+          <a:blip r:embed="rId3"/>
+          <a:stretch>
+            <a:fillRect/>
+          </a:stretch>
+        </p:blipFill>
+        <p:spPr>
+          <a:xfrm>
+            <a:off x="3596504" y="4634105"/>
+            <a:ext cx="3305175" cy="333375"/>
+          </a:xfrm>
+          <a:prstGeom prst="rect">
+            <a:avLst/>
+          </a:prstGeom>
+          <a:effectLst>
+            <a:glow rad="25400">
+              <a:schemeClr val="bg1">
+                <a:alpha val="40000"/>
+              </a:schemeClr>
+            </a:glow>
+          </a:effectLst>
+        </p:spPr>
+      </p:pic>
+      <p:cxnSp>
+        <p:nvCxnSpPr>
+          <p:cNvPr id="11" name="Conector recto de flecha 10">
+            <a:extLst>
+              <a:ext uri="{FF2B5EF4-FFF2-40B4-BE49-F238E27FC236}">
+                <a16:creationId xmlns:a16="http://schemas.microsoft.com/office/drawing/2014/main" id="{3DBCEED0-9105-4E0A-A0A9-FDFF52934D70}"/>
+              </a:ext>
+            </a:extLst>
+          </p:cNvPr>
+          <p:cNvCxnSpPr>
+            <a:cxnSpLocks/>
+            <a:stCxn id="9" idx="2"/>
+            <a:endCxn id="10" idx="0"/>
+          </p:cNvCxnSpPr>
+          <p:nvPr/>
+        </p:nvCxnSpPr>
+        <p:spPr>
+          <a:xfrm flipH="1">
+            <a:off x="5249092" y="3641447"/>
+            <a:ext cx="1" cy="992658"/>
+          </a:xfrm>
+          <a:prstGeom prst="straightConnector1">
+            <a:avLst/>
+          </a:prstGeom>
+          <a:ln w="12700">
+            <a:solidFill>
+              <a:schemeClr val="bg1"/>
+            </a:solidFill>
+            <a:tailEnd type="triangle"/>
+          </a:ln>
+        </p:spPr>
+        <p:style>
+          <a:lnRef idx="1">
+            <a:schemeClr val="accent1"/>
+          </a:lnRef>
+          <a:fillRef idx="0">
+            <a:schemeClr val="accent1"/>
+          </a:fillRef>
+          <a:effectRef idx="0">
+            <a:schemeClr val="accent1"/>
+          </a:effectRef>
+          <a:fontRef idx="minor">
+            <a:schemeClr val="tx1"/>
+          </a:fontRef>
+        </p:style>
+      </p:cxnSp>
+      <p:sp>
+        <p:nvSpPr>
+          <p:cNvPr id="12" name="CuadroTexto 11">
+            <a:extLst>
+              <a:ext uri="{FF2B5EF4-FFF2-40B4-BE49-F238E27FC236}">
+                <a16:creationId xmlns:a16="http://schemas.microsoft.com/office/drawing/2014/main" id="{623433AF-8B14-43E1-B14F-FA695B0AAF61}"/>
+              </a:ext>
+            </a:extLst>
+          </p:cNvPr>
+          <p:cNvSpPr txBox="1"/>
+          <p:nvPr/>
+        </p:nvSpPr>
+        <p:spPr>
+          <a:xfrm>
+            <a:off x="5249091" y="3962176"/>
+            <a:ext cx="1376218" cy="338554"/>
+          </a:xfrm>
+          <a:prstGeom prst="rect">
+            <a:avLst/>
+          </a:prstGeom>
+          <a:noFill/>
+        </p:spPr>
+        <p:txBody>
+          <a:bodyPr wrap="square" rtlCol="0">
+            <a:spAutoFit/>
+          </a:bodyPr>
+          <a:lstStyle/>
+          <a:p>
+            <a:r>
+              <a:rPr lang="en-US" sz="1600" dirty="0">
                 <a:solidFill>
-                  <a:srgbClr val="000000"/>
+                  <a:schemeClr val="bg1"/>
                 </a:solidFill>
-                <a:latin typeface="Calibri" panose="020F0502020204030204" pitchFamily="34" charset="0"/>
               </a:rPr>
-              <a:t> </a:t>
-            </a:r>
-            <a:r>
-              <a:rPr lang="es-ES" dirty="0" err="1">
-                <a:solidFill>
-                  <a:srgbClr val="000000"/>
-                </a:solidFill>
-                <a:latin typeface="Calibri" panose="020F0502020204030204" pitchFamily="34" charset="0"/>
-              </a:rPr>
-              <a:t>pattern</a:t>
-            </a:r>
-            <a:endParaRPr lang="en-US" dirty="0"/>
+              <a:t>creates</a:t>
+            </a:r>
           </a:p>
         </p:txBody>
       </p:sp>
     </p:spTree>
     <p:extLst>
       <p:ext uri="{BB962C8B-B14F-4D97-AF65-F5344CB8AC3E}">
-        <p14:creationId xmlns:p14="http://schemas.microsoft.com/office/powerpoint/2010/main" val="4060908076"/>
+        <p14:creationId xmlns:p14="http://schemas.microsoft.com/office/powerpoint/2010/main" val="3361442728"/>
       </p:ext>
     </p:extLst>
   </p:cSld>
@@ -5150,26 +5331,100 @@
           <a:chExt cx="0" cy="0"/>
         </a:xfrm>
       </p:grpSpPr>
+      <p:pic>
+        <p:nvPicPr>
+          <p:cNvPr id="3" name="Imagen 2">
+            <a:extLst>
+              <a:ext uri="{FF2B5EF4-FFF2-40B4-BE49-F238E27FC236}">
+                <a16:creationId xmlns:a16="http://schemas.microsoft.com/office/drawing/2014/main" id="{B8E6A423-59DA-4468-A3B7-1CCD7F275280}"/>
+              </a:ext>
+            </a:extLst>
+          </p:cNvPr>
+          <p:cNvPicPr>
+            <a:picLocks noChangeAspect="1"/>
+          </p:cNvPicPr>
+          <p:nvPr/>
+        </p:nvPicPr>
+        <p:blipFill>
+          <a:blip r:embed="rId2"/>
+          <a:stretch>
+            <a:fillRect/>
+          </a:stretch>
+        </p:blipFill>
+        <p:spPr>
+          <a:xfrm>
+            <a:off x="5779013" y="116706"/>
+            <a:ext cx="6243688" cy="3698792"/>
+          </a:xfrm>
+          <a:prstGeom prst="rect">
+            <a:avLst/>
+          </a:prstGeom>
+          <a:effectLst>
+            <a:glow rad="25400">
+              <a:schemeClr val="bg1">
+                <a:alpha val="40000"/>
+              </a:schemeClr>
+            </a:glow>
+          </a:effectLst>
+        </p:spPr>
+      </p:pic>
+      <p:pic>
+        <p:nvPicPr>
+          <p:cNvPr id="7" name="Imagen 6">
+            <a:extLst>
+              <a:ext uri="{FF2B5EF4-FFF2-40B4-BE49-F238E27FC236}">
+                <a16:creationId xmlns:a16="http://schemas.microsoft.com/office/drawing/2014/main" id="{8151FFD8-03BC-400B-B608-58D3E5429683}"/>
+              </a:ext>
+            </a:extLst>
+          </p:cNvPr>
+          <p:cNvPicPr>
+            <a:picLocks noChangeAspect="1"/>
+          </p:cNvPicPr>
+          <p:nvPr/>
+        </p:nvPicPr>
+        <p:blipFill>
+          <a:blip r:embed="rId3"/>
+          <a:stretch>
+            <a:fillRect/>
+          </a:stretch>
+        </p:blipFill>
+        <p:spPr>
+          <a:xfrm>
+            <a:off x="5972375" y="4413004"/>
+            <a:ext cx="5856963" cy="2196361"/>
+          </a:xfrm>
+          <a:prstGeom prst="rect">
+            <a:avLst/>
+          </a:prstGeom>
+          <a:effectLst>
+            <a:glow rad="25400">
+              <a:schemeClr val="bg1">
+                <a:alpha val="40000"/>
+              </a:schemeClr>
+            </a:glow>
+          </a:effectLst>
+        </p:spPr>
+      </p:pic>
       <p:cxnSp>
         <p:nvCxnSpPr>
-          <p:cNvPr id="12" name="Conector recto de flecha 11">
-            <a:extLst>
-              <a:ext uri="{FF2B5EF4-FFF2-40B4-BE49-F238E27FC236}">
-                <a16:creationId xmlns:a16="http://schemas.microsoft.com/office/drawing/2014/main" id="{864C9DE1-4B25-4E8D-BACD-990C6B3F64E1}"/>
+          <p:cNvPr id="18" name="Conector recto de flecha 17">
+            <a:extLst>
+              <a:ext uri="{FF2B5EF4-FFF2-40B4-BE49-F238E27FC236}">
+                <a16:creationId xmlns:a16="http://schemas.microsoft.com/office/drawing/2014/main" id="{0BC62818-56BC-4525-A0CF-6E2F3171AE97}"/>
               </a:ext>
             </a:extLst>
           </p:cNvPr>
           <p:cNvCxnSpPr>
             <a:cxnSpLocks/>
-            <a:stCxn id="6" idx="3"/>
-            <a:endCxn id="5" idx="1"/>
+            <a:stCxn id="3" idx="2"/>
+            <a:endCxn id="7" idx="0"/>
           </p:cNvCxnSpPr>
           <p:nvPr/>
         </p:nvCxnSpPr>
         <p:spPr>
           <a:xfrm>
-            <a:off x="3253682" y="2955333"/>
-            <a:ext cx="608928" cy="0"/>
+            <a:off x="8900857" y="3815498"/>
+            <a:ext cx="0" cy="597506"/>
           </a:xfrm>
           <a:prstGeom prst="straightConnector1">
             <a:avLst/>
@@ -5198,10 +5453,10 @@
       </p:cxnSp>
       <p:sp>
         <p:nvSpPr>
-          <p:cNvPr id="14" name="CuadroTexto 13">
-            <a:extLst>
-              <a:ext uri="{FF2B5EF4-FFF2-40B4-BE49-F238E27FC236}">
-                <a16:creationId xmlns:a16="http://schemas.microsoft.com/office/drawing/2014/main" id="{B8579608-CD71-4529-A8DF-5564C1172DAC}"/>
+          <p:cNvPr id="19" name="CuadroTexto 18">
+            <a:extLst>
+              <a:ext uri="{FF2B5EF4-FFF2-40B4-BE49-F238E27FC236}">
+                <a16:creationId xmlns:a16="http://schemas.microsoft.com/office/drawing/2014/main" id="{CE1E3570-852C-46B7-AD5F-269E8F8D1BAA}"/>
               </a:ext>
             </a:extLst>
           </p:cNvPr>
@@ -5210,8 +5465,8 @@
         </p:nvSpPr>
         <p:spPr>
           <a:xfrm>
-            <a:off x="3253682" y="2583238"/>
-            <a:ext cx="1376218" cy="369332"/>
+            <a:off x="8900856" y="3944974"/>
+            <a:ext cx="1376218" cy="338554"/>
           </a:xfrm>
           <a:prstGeom prst="rect">
             <a:avLst/>
@@ -5225,22 +5480,22 @@
           <a:lstStyle/>
           <a:p>
             <a:r>
-              <a:rPr lang="en-US" dirty="0">
+              <a:rPr lang="en-US" sz="1600" dirty="0">
                 <a:solidFill>
                   <a:schemeClr val="bg1"/>
                 </a:solidFill>
               </a:rPr>
-              <a:t>calls</a:t>
-            </a:r>
-          </a:p>
-        </p:txBody>
-      </p:sp>
-      <p:sp>
-        <p:nvSpPr>
-          <p:cNvPr id="31" name="CuadroTexto 30">
-            <a:extLst>
-              <a:ext uri="{FF2B5EF4-FFF2-40B4-BE49-F238E27FC236}">
-                <a16:creationId xmlns:a16="http://schemas.microsoft.com/office/drawing/2014/main" id="{FBF7026D-12F4-4541-8110-DE706094717A}"/>
+              <a:t>creates</a:t>
+            </a:r>
+          </a:p>
+        </p:txBody>
+      </p:sp>
+      <p:sp>
+        <p:nvSpPr>
+          <p:cNvPr id="21" name="CuadroTexto 20">
+            <a:extLst>
+              <a:ext uri="{FF2B5EF4-FFF2-40B4-BE49-F238E27FC236}">
+                <a16:creationId xmlns:a16="http://schemas.microsoft.com/office/drawing/2014/main" id="{436C1152-E2D3-461F-B917-E4D15213958B}"/>
               </a:ext>
             </a:extLst>
           </p:cNvPr>
@@ -5249,8 +5504,8 @@
         </p:nvSpPr>
         <p:spPr>
           <a:xfrm>
-            <a:off x="484863" y="185392"/>
-            <a:ext cx="3397994" cy="646331"/>
+            <a:off x="188294" y="2495588"/>
+            <a:ext cx="1376218" cy="338554"/>
           </a:xfrm>
           <a:prstGeom prst="rect">
             <a:avLst/>
@@ -5264,27 +5519,61 @@
           <a:lstStyle/>
           <a:p>
             <a:r>
-              <a:rPr lang="en-US" sz="3600" dirty="0" err="1">
+              <a:rPr lang="en-US" sz="1600" dirty="0">
+                <a:solidFill>
+                  <a:schemeClr val="bg1"/>
+                </a:solidFill>
+              </a:rPr>
+              <a:t>Usage:</a:t>
+            </a:r>
+          </a:p>
+        </p:txBody>
+      </p:sp>
+      <p:sp>
+        <p:nvSpPr>
+          <p:cNvPr id="22" name="CuadroTexto 21">
+            <a:extLst>
+              <a:ext uri="{FF2B5EF4-FFF2-40B4-BE49-F238E27FC236}">
+                <a16:creationId xmlns:a16="http://schemas.microsoft.com/office/drawing/2014/main" id="{C9B1F5C4-0BBA-41F3-84BD-1322F509FDEF}"/>
+              </a:ext>
+            </a:extLst>
+          </p:cNvPr>
+          <p:cNvSpPr txBox="1"/>
+          <p:nvPr/>
+        </p:nvSpPr>
+        <p:spPr>
+          <a:xfrm>
+            <a:off x="361700" y="215130"/>
+            <a:ext cx="3397994" cy="646331"/>
+          </a:xfrm>
+          <a:prstGeom prst="rect">
+            <a:avLst/>
+          </a:prstGeom>
+          <a:noFill/>
+        </p:spPr>
+        <p:txBody>
+          <a:bodyPr wrap="square" rtlCol="0">
+            <a:spAutoFit/>
+          </a:bodyPr>
+          <a:lstStyle/>
+          <a:p>
+            <a:r>
+              <a:rPr lang="en-US" sz="3600" dirty="0">
                 <a:solidFill>
                   <a:srgbClr val="53A2D3"/>
                 </a:solidFill>
               </a:rPr>
-              <a:t>Teoría</a:t>
-            </a:r>
-            <a:endParaRPr lang="en-US" sz="3600" dirty="0">
-              <a:solidFill>
-                <a:srgbClr val="53A2D3"/>
-              </a:solidFill>
-            </a:endParaRPr>
+              <a:t>Mundo real</a:t>
+            </a:r>
           </a:p>
         </p:txBody>
       </p:sp>
       <p:pic>
         <p:nvPicPr>
-          <p:cNvPr id="2" name="Imagen 1">
-            <a:extLst>
-              <a:ext uri="{FF2B5EF4-FFF2-40B4-BE49-F238E27FC236}">
-                <a16:creationId xmlns:a16="http://schemas.microsoft.com/office/drawing/2014/main" id="{3BC8EF47-888A-4EE4-9AE3-0325D360B9FB}"/>
+          <p:cNvPr id="24" name="Imagen 23">
+            <a:extLst>
+              <a:ext uri="{FF2B5EF4-FFF2-40B4-BE49-F238E27FC236}">
+                <a16:creationId xmlns:a16="http://schemas.microsoft.com/office/drawing/2014/main" id="{5A01E2FC-404F-4BD7-B6FE-0CCCF14DFB2C}"/>
               </a:ext>
             </a:extLst>
           </p:cNvPr>
@@ -5294,15 +5583,15 @@
           <p:nvPr/>
         </p:nvPicPr>
         <p:blipFill>
-          <a:blip r:embed="rId2"/>
+          <a:blip r:embed="rId4"/>
           <a:stretch>
             <a:fillRect/>
           </a:stretch>
         </p:blipFill>
         <p:spPr>
           <a:xfrm>
-            <a:off x="8677274" y="880395"/>
-            <a:ext cx="3232951" cy="1008808"/>
+            <a:off x="188294" y="2946154"/>
+            <a:ext cx="5324475" cy="2933700"/>
           </a:xfrm>
           <a:prstGeom prst="rect">
             <a:avLst/>
@@ -5316,413 +5605,10 @@
           </a:effectLst>
         </p:spPr>
       </p:pic>
-      <p:pic>
-        <p:nvPicPr>
-          <p:cNvPr id="3" name="Imagen 2">
-            <a:extLst>
-              <a:ext uri="{FF2B5EF4-FFF2-40B4-BE49-F238E27FC236}">
-                <a16:creationId xmlns:a16="http://schemas.microsoft.com/office/drawing/2014/main" id="{0D58A32E-D262-4166-8F3A-C6E88EE4DDEA}"/>
-              </a:ext>
-            </a:extLst>
-          </p:cNvPr>
-          <p:cNvPicPr>
-            <a:picLocks noChangeAspect="1"/>
-          </p:cNvPicPr>
-          <p:nvPr/>
-        </p:nvPicPr>
-        <p:blipFill>
-          <a:blip r:embed="rId3"/>
-          <a:stretch>
-            <a:fillRect/>
-          </a:stretch>
-        </p:blipFill>
-        <p:spPr>
-          <a:xfrm>
-            <a:off x="8629649" y="2450929"/>
-            <a:ext cx="3280576" cy="1003283"/>
-          </a:xfrm>
-          <a:prstGeom prst="rect">
-            <a:avLst/>
-          </a:prstGeom>
-          <a:effectLst>
-            <a:glow rad="25400">
-              <a:schemeClr val="bg1">
-                <a:alpha val="40000"/>
-              </a:schemeClr>
-            </a:glow>
-          </a:effectLst>
-        </p:spPr>
-      </p:pic>
-      <p:pic>
-        <p:nvPicPr>
-          <p:cNvPr id="4" name="Imagen 3">
-            <a:extLst>
-              <a:ext uri="{FF2B5EF4-FFF2-40B4-BE49-F238E27FC236}">
-                <a16:creationId xmlns:a16="http://schemas.microsoft.com/office/drawing/2014/main" id="{23EBA2EE-CDAC-4A82-8CAB-1A60B6C581B2}"/>
-              </a:ext>
-            </a:extLst>
-          </p:cNvPr>
-          <p:cNvPicPr>
-            <a:picLocks noChangeAspect="1"/>
-          </p:cNvPicPr>
-          <p:nvPr/>
-        </p:nvPicPr>
-        <p:blipFill>
-          <a:blip r:embed="rId4"/>
-          <a:stretch>
-            <a:fillRect/>
-          </a:stretch>
-        </p:blipFill>
-        <p:spPr>
-          <a:xfrm>
-            <a:off x="8629650" y="4036760"/>
-            <a:ext cx="3280576" cy="997742"/>
-          </a:xfrm>
-          <a:prstGeom prst="rect">
-            <a:avLst/>
-          </a:prstGeom>
-          <a:effectLst>
-            <a:glow rad="25400">
-              <a:schemeClr val="bg1">
-                <a:alpha val="40000"/>
-              </a:schemeClr>
-            </a:glow>
-          </a:effectLst>
-        </p:spPr>
-      </p:pic>
-      <p:pic>
-        <p:nvPicPr>
-          <p:cNvPr id="5" name="Imagen 4">
-            <a:extLst>
-              <a:ext uri="{FF2B5EF4-FFF2-40B4-BE49-F238E27FC236}">
-                <a16:creationId xmlns:a16="http://schemas.microsoft.com/office/drawing/2014/main" id="{6ED504B8-B7AE-459C-9B04-F4065A202477}"/>
-              </a:ext>
-            </a:extLst>
-          </p:cNvPr>
-          <p:cNvPicPr>
-            <a:picLocks noChangeAspect="1"/>
-          </p:cNvPicPr>
-          <p:nvPr/>
-        </p:nvPicPr>
-        <p:blipFill>
-          <a:blip r:embed="rId5"/>
-          <a:stretch>
-            <a:fillRect/>
-          </a:stretch>
-        </p:blipFill>
-        <p:spPr>
-          <a:xfrm>
-            <a:off x="3862610" y="1375035"/>
-            <a:ext cx="3359757" cy="3160596"/>
-          </a:xfrm>
-          <a:prstGeom prst="rect">
-            <a:avLst/>
-          </a:prstGeom>
-          <a:effectLst>
-            <a:glow rad="25400">
-              <a:schemeClr val="bg1">
-                <a:alpha val="40000"/>
-              </a:schemeClr>
-            </a:glow>
-          </a:effectLst>
-        </p:spPr>
-      </p:pic>
-      <p:pic>
-        <p:nvPicPr>
-          <p:cNvPr id="6" name="Imagen 5">
-            <a:extLst>
-              <a:ext uri="{FF2B5EF4-FFF2-40B4-BE49-F238E27FC236}">
-                <a16:creationId xmlns:a16="http://schemas.microsoft.com/office/drawing/2014/main" id="{F79878D0-D175-4A30-8E57-C04D2F7CE7CA}"/>
-              </a:ext>
-            </a:extLst>
-          </p:cNvPr>
-          <p:cNvPicPr>
-            <a:picLocks noChangeAspect="1"/>
-          </p:cNvPicPr>
-          <p:nvPr/>
-        </p:nvPicPr>
-        <p:blipFill>
-          <a:blip r:embed="rId6"/>
-          <a:stretch>
-            <a:fillRect/>
-          </a:stretch>
-        </p:blipFill>
-        <p:spPr>
-          <a:xfrm>
-            <a:off x="106457" y="2219840"/>
-            <a:ext cx="3147225" cy="1470986"/>
-          </a:xfrm>
-          <a:prstGeom prst="rect">
-            <a:avLst/>
-          </a:prstGeom>
-          <a:effectLst>
-            <a:glow rad="25400">
-              <a:schemeClr val="bg1">
-                <a:alpha val="40000"/>
-              </a:schemeClr>
-            </a:glow>
-          </a:effectLst>
-        </p:spPr>
-      </p:pic>
-      <p:cxnSp>
-        <p:nvCxnSpPr>
-          <p:cNvPr id="21" name="Conector recto de flecha 20">
-            <a:extLst>
-              <a:ext uri="{FF2B5EF4-FFF2-40B4-BE49-F238E27FC236}">
-                <a16:creationId xmlns:a16="http://schemas.microsoft.com/office/drawing/2014/main" id="{657B125F-F210-4C10-90D5-E2406540AF25}"/>
-              </a:ext>
-            </a:extLst>
-          </p:cNvPr>
-          <p:cNvCxnSpPr>
-            <a:cxnSpLocks/>
-            <a:stCxn id="5" idx="3"/>
-            <a:endCxn id="3" idx="1"/>
-          </p:cNvCxnSpPr>
-          <p:nvPr/>
-        </p:nvCxnSpPr>
-        <p:spPr>
-          <a:xfrm flipV="1">
-            <a:off x="7222367" y="2952571"/>
-            <a:ext cx="1407282" cy="2762"/>
-          </a:xfrm>
-          <a:prstGeom prst="straightConnector1">
-            <a:avLst/>
-          </a:prstGeom>
-          <a:ln w="12700">
-            <a:solidFill>
-              <a:schemeClr val="bg1"/>
-            </a:solidFill>
-            <a:tailEnd type="triangle"/>
-          </a:ln>
-        </p:spPr>
-        <p:style>
-          <a:lnRef idx="1">
-            <a:schemeClr val="accent1"/>
-          </a:lnRef>
-          <a:fillRef idx="0">
-            <a:schemeClr val="accent1"/>
-          </a:fillRef>
-          <a:effectRef idx="0">
-            <a:schemeClr val="accent1"/>
-          </a:effectRef>
-          <a:fontRef idx="minor">
-            <a:schemeClr val="tx1"/>
-          </a:fontRef>
-        </p:style>
-      </p:cxnSp>
-      <p:sp>
-        <p:nvSpPr>
-          <p:cNvPr id="22" name="CuadroTexto 21">
-            <a:extLst>
-              <a:ext uri="{FF2B5EF4-FFF2-40B4-BE49-F238E27FC236}">
-                <a16:creationId xmlns:a16="http://schemas.microsoft.com/office/drawing/2014/main" id="{64C9644A-8F54-4F7F-928B-4E1AB3ACFDD8}"/>
-              </a:ext>
-            </a:extLst>
-          </p:cNvPr>
-          <p:cNvSpPr txBox="1"/>
-          <p:nvPr/>
-        </p:nvSpPr>
-        <p:spPr>
-          <a:xfrm>
-            <a:off x="7587919" y="2583238"/>
-            <a:ext cx="1376218" cy="369332"/>
-          </a:xfrm>
-          <a:prstGeom prst="rect">
-            <a:avLst/>
-          </a:prstGeom>
-          <a:noFill/>
-        </p:spPr>
-        <p:txBody>
-          <a:bodyPr wrap="square" rtlCol="0">
-            <a:spAutoFit/>
-          </a:bodyPr>
-          <a:lstStyle/>
-          <a:p>
-            <a:r>
-              <a:rPr lang="en-US" dirty="0">
-                <a:solidFill>
-                  <a:schemeClr val="bg1"/>
-                </a:solidFill>
-              </a:rPr>
-              <a:t>calls</a:t>
-            </a:r>
-          </a:p>
-        </p:txBody>
-      </p:sp>
-      <p:cxnSp>
-        <p:nvCxnSpPr>
-          <p:cNvPr id="23" name="Conector recto de flecha 22">
-            <a:extLst>
-              <a:ext uri="{FF2B5EF4-FFF2-40B4-BE49-F238E27FC236}">
-                <a16:creationId xmlns:a16="http://schemas.microsoft.com/office/drawing/2014/main" id="{659FD9CC-0ED7-48DA-B353-E983B8B32E24}"/>
-              </a:ext>
-            </a:extLst>
-          </p:cNvPr>
-          <p:cNvCxnSpPr>
-            <a:cxnSpLocks/>
-            <a:stCxn id="5" idx="3"/>
-            <a:endCxn id="2" idx="1"/>
-          </p:cNvCxnSpPr>
-          <p:nvPr/>
-        </p:nvCxnSpPr>
-        <p:spPr>
-          <a:xfrm flipV="1">
-            <a:off x="7222367" y="1384799"/>
-            <a:ext cx="1454907" cy="1570534"/>
-          </a:xfrm>
-          <a:prstGeom prst="straightConnector1">
-            <a:avLst/>
-          </a:prstGeom>
-          <a:ln w="12700">
-            <a:solidFill>
-              <a:schemeClr val="bg1"/>
-            </a:solidFill>
-            <a:tailEnd type="triangle"/>
-          </a:ln>
-        </p:spPr>
-        <p:style>
-          <a:lnRef idx="1">
-            <a:schemeClr val="accent1"/>
-          </a:lnRef>
-          <a:fillRef idx="0">
-            <a:schemeClr val="accent1"/>
-          </a:fillRef>
-          <a:effectRef idx="0">
-            <a:schemeClr val="accent1"/>
-          </a:effectRef>
-          <a:fontRef idx="minor">
-            <a:schemeClr val="tx1"/>
-          </a:fontRef>
-        </p:style>
-      </p:cxnSp>
-      <p:sp>
-        <p:nvSpPr>
-          <p:cNvPr id="24" name="CuadroTexto 23">
-            <a:extLst>
-              <a:ext uri="{FF2B5EF4-FFF2-40B4-BE49-F238E27FC236}">
-                <a16:creationId xmlns:a16="http://schemas.microsoft.com/office/drawing/2014/main" id="{49EC6474-4E8B-4074-9043-8B456DE43AC5}"/>
-              </a:ext>
-            </a:extLst>
-          </p:cNvPr>
-          <p:cNvSpPr txBox="1"/>
-          <p:nvPr/>
-        </p:nvSpPr>
-        <p:spPr>
-          <a:xfrm>
-            <a:off x="7587919" y="3875029"/>
-            <a:ext cx="1376218" cy="369332"/>
-          </a:xfrm>
-          <a:prstGeom prst="rect">
-            <a:avLst/>
-          </a:prstGeom>
-          <a:noFill/>
-        </p:spPr>
-        <p:txBody>
-          <a:bodyPr wrap="square" rtlCol="0">
-            <a:spAutoFit/>
-          </a:bodyPr>
-          <a:lstStyle/>
-          <a:p>
-            <a:r>
-              <a:rPr lang="en-US" dirty="0">
-                <a:solidFill>
-                  <a:schemeClr val="bg1"/>
-                </a:solidFill>
-              </a:rPr>
-              <a:t>calls</a:t>
-            </a:r>
-          </a:p>
-        </p:txBody>
-      </p:sp>
-      <p:cxnSp>
-        <p:nvCxnSpPr>
-          <p:cNvPr id="25" name="Conector recto de flecha 24">
-            <a:extLst>
-              <a:ext uri="{FF2B5EF4-FFF2-40B4-BE49-F238E27FC236}">
-                <a16:creationId xmlns:a16="http://schemas.microsoft.com/office/drawing/2014/main" id="{3CC6DB77-8AFE-4568-96A0-4F1DD4F57789}"/>
-              </a:ext>
-            </a:extLst>
-          </p:cNvPr>
-          <p:cNvCxnSpPr>
-            <a:cxnSpLocks/>
-            <a:stCxn id="5" idx="3"/>
-            <a:endCxn id="4" idx="1"/>
-          </p:cNvCxnSpPr>
-          <p:nvPr/>
-        </p:nvCxnSpPr>
-        <p:spPr>
-          <a:xfrm>
-            <a:off x="7222367" y="2955333"/>
-            <a:ext cx="1407283" cy="1580298"/>
-          </a:xfrm>
-          <a:prstGeom prst="straightConnector1">
-            <a:avLst/>
-          </a:prstGeom>
-          <a:ln w="12700">
-            <a:solidFill>
-              <a:schemeClr val="bg1"/>
-            </a:solidFill>
-            <a:tailEnd type="triangle"/>
-          </a:ln>
-        </p:spPr>
-        <p:style>
-          <a:lnRef idx="1">
-            <a:schemeClr val="accent1"/>
-          </a:lnRef>
-          <a:fillRef idx="0">
-            <a:schemeClr val="accent1"/>
-          </a:fillRef>
-          <a:effectRef idx="0">
-            <a:schemeClr val="accent1"/>
-          </a:effectRef>
-          <a:fontRef idx="minor">
-            <a:schemeClr val="tx1"/>
-          </a:fontRef>
-        </p:style>
-      </p:cxnSp>
-      <p:sp>
-        <p:nvSpPr>
-          <p:cNvPr id="26" name="CuadroTexto 25">
-            <a:extLst>
-              <a:ext uri="{FF2B5EF4-FFF2-40B4-BE49-F238E27FC236}">
-                <a16:creationId xmlns:a16="http://schemas.microsoft.com/office/drawing/2014/main" id="{D1D54606-D117-4018-9BD6-D871D677ABC3}"/>
-              </a:ext>
-            </a:extLst>
-          </p:cNvPr>
-          <p:cNvSpPr txBox="1"/>
-          <p:nvPr/>
-        </p:nvSpPr>
-        <p:spPr>
-          <a:xfrm>
-            <a:off x="7587919" y="1595945"/>
-            <a:ext cx="1376218" cy="369332"/>
-          </a:xfrm>
-          <a:prstGeom prst="rect">
-            <a:avLst/>
-          </a:prstGeom>
-          <a:noFill/>
-        </p:spPr>
-        <p:txBody>
-          <a:bodyPr wrap="square" rtlCol="0">
-            <a:spAutoFit/>
-          </a:bodyPr>
-          <a:lstStyle/>
-          <a:p>
-            <a:r>
-              <a:rPr lang="en-US" dirty="0">
-                <a:solidFill>
-                  <a:schemeClr val="bg1"/>
-                </a:solidFill>
-              </a:rPr>
-              <a:t>calls</a:t>
-            </a:r>
-          </a:p>
-        </p:txBody>
-      </p:sp>
     </p:spTree>
     <p:extLst>
       <p:ext uri="{BB962C8B-B14F-4D97-AF65-F5344CB8AC3E}">
-        <p14:creationId xmlns:p14="http://schemas.microsoft.com/office/powerpoint/2010/main" val="3510976558"/>
+        <p14:creationId xmlns:p14="http://schemas.microsoft.com/office/powerpoint/2010/main" val="2913760238"/>
       </p:ext>
     </p:extLst>
   </p:cSld>
@@ -5754,7 +5640,7 @@
           <p:cNvPr id="2" name="Título 1">
             <a:extLst>
               <a:ext uri="{FF2B5EF4-FFF2-40B4-BE49-F238E27FC236}">
-                <a16:creationId xmlns:a16="http://schemas.microsoft.com/office/drawing/2014/main" id="{76BD9A5A-574E-4A01-B4A1-C92D21C4F273}"/>
+                <a16:creationId xmlns:a16="http://schemas.microsoft.com/office/drawing/2014/main" id="{73A2909B-13B3-4614-9321-16AF10F4286A}"/>
               </a:ext>
             </a:extLst>
           </p:cNvPr>
@@ -5765,290 +5651,19 @@
             <p:ph type="title"/>
           </p:nvPr>
         </p:nvSpPr>
-        <p:spPr/>
+        <p:spPr>
+          <a:xfrm>
+            <a:off x="838200" y="2103437"/>
+            <a:ext cx="10515600" cy="1325563"/>
+          </a:xfrm>
+        </p:spPr>
         <p:txBody>
           <a:bodyPr/>
           <a:lstStyle/>
           <a:p>
             <a:r>
               <a:rPr lang="en-US" dirty="0"/>
-              <a:t>¿Por </a:t>
-            </a:r>
-            <a:r>
-              <a:rPr lang="en-US" dirty="0" err="1"/>
-              <a:t>qué</a:t>
-            </a:r>
-            <a:r>
-              <a:rPr lang="en-US" dirty="0"/>
-              <a:t> </a:t>
-            </a:r>
-            <a:r>
-              <a:rPr lang="en-US" dirty="0" err="1"/>
-              <a:t>aplicamos</a:t>
-            </a:r>
-            <a:r>
-              <a:rPr lang="en-US" dirty="0"/>
-              <a:t> </a:t>
-            </a:r>
-            <a:r>
-              <a:rPr lang="en-US" dirty="0" err="1"/>
-              <a:t>este</a:t>
-            </a:r>
-            <a:r>
-              <a:rPr lang="en-US" dirty="0"/>
-              <a:t> </a:t>
-            </a:r>
-            <a:r>
-              <a:rPr lang="en-US" dirty="0" err="1"/>
-              <a:t>patrón</a:t>
-            </a:r>
-            <a:r>
-              <a:rPr lang="en-US" dirty="0"/>
-              <a:t>?</a:t>
-            </a:r>
-          </a:p>
-        </p:txBody>
-      </p:sp>
-      <p:sp>
-        <p:nvSpPr>
-          <p:cNvPr id="3" name="Marcador de contenido 2">
-            <a:extLst>
-              <a:ext uri="{FF2B5EF4-FFF2-40B4-BE49-F238E27FC236}">
-                <a16:creationId xmlns:a16="http://schemas.microsoft.com/office/drawing/2014/main" id="{39BACE21-12A9-4ABB-9AA1-D3BFDA8198C9}"/>
-              </a:ext>
-            </a:extLst>
-          </p:cNvPr>
-          <p:cNvSpPr>
-            <a:spLocks noGrp="1"/>
-          </p:cNvSpPr>
-          <p:nvPr>
-            <p:ph idx="1"/>
-          </p:nvPr>
-        </p:nvSpPr>
-        <p:spPr/>
-        <p:txBody>
-          <a:bodyPr/>
-          <a:lstStyle/>
-          <a:p>
-            <a:pPr algn="just"/>
-            <a:r>
-              <a:rPr lang="en-US" dirty="0" err="1"/>
-              <a:t>Encapsulación</a:t>
-            </a:r>
-            <a:r>
-              <a:rPr lang="en-US" dirty="0"/>
-              <a:t>: El </a:t>
-            </a:r>
-            <a:r>
-              <a:rPr lang="en-US" dirty="0" err="1"/>
-              <a:t>cliente</a:t>
-            </a:r>
-            <a:r>
-              <a:rPr lang="en-US" dirty="0"/>
-              <a:t> no </a:t>
-            </a:r>
-            <a:r>
-              <a:rPr lang="en-US" dirty="0" err="1"/>
-              <a:t>conoce</a:t>
-            </a:r>
-            <a:r>
-              <a:rPr lang="en-US" dirty="0"/>
-              <a:t> </a:t>
-            </a:r>
-            <a:r>
-              <a:rPr lang="en-US" dirty="0" err="1"/>
-              <a:t>ni</a:t>
-            </a:r>
-            <a:r>
-              <a:rPr lang="en-US" dirty="0"/>
-              <a:t> </a:t>
-            </a:r>
-            <a:r>
-              <a:rPr lang="en-US" dirty="0" err="1"/>
-              <a:t>depende</a:t>
-            </a:r>
-            <a:r>
-              <a:rPr lang="en-US" dirty="0"/>
-              <a:t> de la </a:t>
-            </a:r>
-            <a:r>
-              <a:rPr lang="en-US" dirty="0" err="1"/>
-              <a:t>implementación</a:t>
-            </a:r>
-            <a:r>
-              <a:rPr lang="en-US" dirty="0"/>
-              <a:t> </a:t>
-            </a:r>
-            <a:r>
-              <a:rPr lang="en-US" dirty="0" err="1"/>
-              <a:t>interna</a:t>
-            </a:r>
-            <a:r>
-              <a:rPr lang="en-US" dirty="0"/>
-              <a:t> de </a:t>
-            </a:r>
-            <a:r>
-              <a:rPr lang="en-US" dirty="0" err="1"/>
-              <a:t>cada</a:t>
-            </a:r>
-            <a:r>
-              <a:rPr lang="en-US" dirty="0"/>
-              <a:t> </a:t>
-            </a:r>
-            <a:r>
-              <a:rPr lang="en-US" dirty="0" err="1"/>
-              <a:t>operación</a:t>
-            </a:r>
-            <a:r>
-              <a:rPr lang="en-US" dirty="0"/>
-              <a:t>.</a:t>
-            </a:r>
-          </a:p>
-          <a:p>
-            <a:pPr algn="just"/>
-            <a:r>
-              <a:rPr lang="en-US" dirty="0" err="1"/>
-              <a:t>Versatilidad</a:t>
-            </a:r>
-            <a:r>
-              <a:rPr lang="en-US" dirty="0"/>
-              <a:t>: Podemos </a:t>
-            </a:r>
-            <a:r>
-              <a:rPr lang="en-US" dirty="0" err="1"/>
-              <a:t>cambiar</a:t>
-            </a:r>
-            <a:r>
-              <a:rPr lang="en-US" dirty="0"/>
-              <a:t> los </a:t>
-            </a:r>
-            <a:r>
-              <a:rPr lang="en-US" dirty="0" err="1"/>
-              <a:t>subsistemas</a:t>
-            </a:r>
-            <a:r>
-              <a:rPr lang="en-US" dirty="0"/>
-              <a:t> o </a:t>
-            </a:r>
-            <a:r>
-              <a:rPr lang="en-US" dirty="0" err="1"/>
-              <a:t>módulos</a:t>
-            </a:r>
-            <a:r>
-              <a:rPr lang="en-US" dirty="0"/>
-              <a:t> </a:t>
-            </a:r>
-            <a:r>
-              <a:rPr lang="en-US" dirty="0" err="1"/>
-              <a:t>implicados</a:t>
-            </a:r>
-            <a:r>
-              <a:rPr lang="en-US" dirty="0"/>
-              <a:t> </a:t>
-            </a:r>
-            <a:r>
-              <a:rPr lang="en-US" dirty="0" err="1"/>
-              <a:t>en</a:t>
-            </a:r>
-            <a:r>
-              <a:rPr lang="en-US" dirty="0"/>
-              <a:t> </a:t>
-            </a:r>
-            <a:r>
-              <a:rPr lang="en-US" dirty="0" err="1"/>
-              <a:t>cada</a:t>
-            </a:r>
-            <a:r>
-              <a:rPr lang="en-US" dirty="0"/>
-              <a:t> </a:t>
-            </a:r>
-            <a:r>
-              <a:rPr lang="en-US" dirty="0" err="1"/>
-              <a:t>operación</a:t>
-            </a:r>
-            <a:r>
-              <a:rPr lang="en-US" dirty="0"/>
-              <a:t> sin romper la </a:t>
-            </a:r>
-            <a:r>
-              <a:rPr lang="en-US" dirty="0" err="1"/>
-              <a:t>compatibilidad</a:t>
-            </a:r>
-            <a:r>
-              <a:rPr lang="en-US" dirty="0"/>
-              <a:t> con el </a:t>
-            </a:r>
-            <a:r>
-              <a:rPr lang="en-US" dirty="0" err="1"/>
-              <a:t>cliente</a:t>
-            </a:r>
-            <a:r>
-              <a:rPr lang="en-US" dirty="0"/>
-              <a:t>. </a:t>
-            </a:r>
-            <a:r>
-              <a:rPr lang="en-US" dirty="0" err="1"/>
-              <a:t>Incluso</a:t>
-            </a:r>
-            <a:r>
-              <a:rPr lang="en-US" dirty="0"/>
-              <a:t> </a:t>
-            </a:r>
-            <a:r>
-              <a:rPr lang="en-US" dirty="0" err="1"/>
-              <a:t>podríamos</a:t>
-            </a:r>
-            <a:r>
-              <a:rPr lang="en-US" dirty="0"/>
-              <a:t> </a:t>
-            </a:r>
-            <a:r>
-              <a:rPr lang="en-US" dirty="0" err="1"/>
-              <a:t>cambiar</a:t>
-            </a:r>
-            <a:r>
-              <a:rPr lang="en-US" dirty="0"/>
-              <a:t> la </a:t>
-            </a:r>
-            <a:r>
-              <a:rPr lang="en-US" dirty="0" err="1"/>
-              <a:t>fachada</a:t>
-            </a:r>
-            <a:r>
-              <a:rPr lang="en-US" dirty="0"/>
-              <a:t> </a:t>
-            </a:r>
-            <a:r>
-              <a:rPr lang="en-US" dirty="0" err="1"/>
-              <a:t>siempre</a:t>
-            </a:r>
-            <a:r>
-              <a:rPr lang="en-US" dirty="0"/>
-              <a:t> que </a:t>
-            </a:r>
-            <a:r>
-              <a:rPr lang="en-US" dirty="0" err="1"/>
-              <a:t>cumpliera</a:t>
-            </a:r>
-            <a:r>
-              <a:rPr lang="en-US" dirty="0"/>
-              <a:t> la </a:t>
-            </a:r>
-            <a:r>
-              <a:rPr lang="en-US" dirty="0" err="1"/>
-              <a:t>misma</a:t>
-            </a:r>
-            <a:r>
-              <a:rPr lang="en-US" dirty="0"/>
-              <a:t> </a:t>
-            </a:r>
-            <a:r>
-              <a:rPr lang="en-US" dirty="0" err="1"/>
-              <a:t>interfaz</a:t>
-            </a:r>
-            <a:r>
-              <a:rPr lang="en-US" dirty="0"/>
-              <a:t>.</a:t>
+              <a:t>Structural Patterns</a:t>
             </a:r>
           </a:p>
         </p:txBody>
@@ -6056,7 +5671,7 @@
     </p:spTree>
     <p:extLst>
       <p:ext uri="{BB962C8B-B14F-4D97-AF65-F5344CB8AC3E}">
-        <p14:creationId xmlns:p14="http://schemas.microsoft.com/office/powerpoint/2010/main" val="1536784634"/>
+        <p14:creationId xmlns:p14="http://schemas.microsoft.com/office/powerpoint/2010/main" val="3577003569"/>
       </p:ext>
     </p:extLst>
   </p:cSld>
@@ -6067,6 +5682,93 @@
 </file>
 
 <file path=ppt/slides/slide18.xml><?xml version="1.0" encoding="utf-8"?>
+<p:sld xmlns:a="http://schemas.openxmlformats.org/drawingml/2006/main" xmlns:r="http://schemas.openxmlformats.org/officeDocument/2006/relationships" xmlns:p="http://schemas.openxmlformats.org/presentationml/2006/main">
+  <p:cSld>
+    <p:spTree>
+      <p:nvGrpSpPr>
+        <p:cNvPr id="1" name=""/>
+        <p:cNvGrpSpPr/>
+        <p:nvPr/>
+      </p:nvGrpSpPr>
+      <p:grpSpPr>
+        <a:xfrm>
+          <a:off x="0" y="0"/>
+          <a:ext cx="0" cy="0"/>
+          <a:chOff x="0" y="0"/>
+          <a:chExt cx="0" cy="0"/>
+        </a:xfrm>
+      </p:grpSpPr>
+      <p:sp>
+        <p:nvSpPr>
+          <p:cNvPr id="2" name="Título 1">
+            <a:extLst>
+              <a:ext uri="{FF2B5EF4-FFF2-40B4-BE49-F238E27FC236}">
+                <a16:creationId xmlns:a16="http://schemas.microsoft.com/office/drawing/2014/main" id="{51E579E3-4D4D-4391-A4DB-77F6C6DD84BE}"/>
+              </a:ext>
+            </a:extLst>
+          </p:cNvPr>
+          <p:cNvSpPr>
+            <a:spLocks noGrp="1"/>
+          </p:cNvSpPr>
+          <p:nvPr>
+            <p:ph type="title"/>
+          </p:nvPr>
+        </p:nvSpPr>
+        <p:spPr>
+          <a:xfrm>
+            <a:off x="900344" y="2766218"/>
+            <a:ext cx="10515600" cy="1325563"/>
+          </a:xfrm>
+        </p:spPr>
+        <p:txBody>
+          <a:bodyPr/>
+          <a:lstStyle/>
+          <a:p>
+            <a:r>
+              <a:rPr lang="es-ES" dirty="0" err="1">
+                <a:solidFill>
+                  <a:srgbClr val="000000"/>
+                </a:solidFill>
+                <a:latin typeface="Calibri" panose="020F0502020204030204" pitchFamily="34" charset="0"/>
+              </a:rPr>
+              <a:t>Facade</a:t>
+            </a:r>
+            <a:r>
+              <a:rPr lang="es-ES" dirty="0">
+                <a:solidFill>
+                  <a:srgbClr val="000000"/>
+                </a:solidFill>
+                <a:latin typeface="Calibri" panose="020F0502020204030204" pitchFamily="34" charset="0"/>
+              </a:rPr>
+              <a:t> </a:t>
+            </a:r>
+            <a:r>
+              <a:rPr lang="es-ES" dirty="0" err="1">
+                <a:solidFill>
+                  <a:srgbClr val="000000"/>
+                </a:solidFill>
+                <a:latin typeface="Calibri" panose="020F0502020204030204" pitchFamily="34" charset="0"/>
+              </a:rPr>
+              <a:t>pattern</a:t>
+            </a:r>
+            <a:endParaRPr lang="en-US" dirty="0"/>
+          </a:p>
+        </p:txBody>
+      </p:sp>
+    </p:spTree>
+    <p:extLst>
+      <p:ext uri="{BB962C8B-B14F-4D97-AF65-F5344CB8AC3E}">
+        <p14:creationId xmlns:p14="http://schemas.microsoft.com/office/powerpoint/2010/main" val="4060908076"/>
+      </p:ext>
+    </p:extLst>
+  </p:cSld>
+  <p:clrMapOvr>
+    <a:masterClrMapping/>
+  </p:clrMapOvr>
+</p:sld>
+</file>
+
+<file path=ppt/slides/slide19.xml><?xml version="1.0" encoding="utf-8"?>
 <p:sld xmlns:a="http://schemas.openxmlformats.org/drawingml/2006/main" xmlns:r="http://schemas.openxmlformats.org/officeDocument/2006/relationships" xmlns:p="http://schemas.openxmlformats.org/presentationml/2006/main">
   <p:cSld>
     <p:bg>
@@ -6091,321 +5793,26 @@
           <a:chExt cx="0" cy="0"/>
         </a:xfrm>
       </p:grpSpPr>
-      <p:sp>
-        <p:nvSpPr>
-          <p:cNvPr id="17" name="CuadroTexto 16">
-            <a:extLst>
-              <a:ext uri="{FF2B5EF4-FFF2-40B4-BE49-F238E27FC236}">
-                <a16:creationId xmlns:a16="http://schemas.microsoft.com/office/drawing/2014/main" id="{5C456F47-1C52-4FA5-A369-2F5203D67ABD}"/>
-              </a:ext>
-            </a:extLst>
-          </p:cNvPr>
-          <p:cNvSpPr txBox="1"/>
-          <p:nvPr/>
-        </p:nvSpPr>
-        <p:spPr>
-          <a:xfrm>
-            <a:off x="361700" y="215130"/>
-            <a:ext cx="3397994" cy="646331"/>
-          </a:xfrm>
-          <a:prstGeom prst="rect">
-            <a:avLst/>
-          </a:prstGeom>
-          <a:noFill/>
-        </p:spPr>
-        <p:txBody>
-          <a:bodyPr wrap="square" rtlCol="0">
-            <a:spAutoFit/>
-          </a:bodyPr>
-          <a:lstStyle/>
-          <a:p>
-            <a:r>
-              <a:rPr lang="en-US" sz="3600" dirty="0">
-                <a:solidFill>
-                  <a:srgbClr val="53A2D3"/>
-                </a:solidFill>
-              </a:rPr>
-              <a:t>Mundo real</a:t>
-            </a:r>
-          </a:p>
-        </p:txBody>
-      </p:sp>
-      <p:pic>
-        <p:nvPicPr>
-          <p:cNvPr id="7" name="Imagen 6">
-            <a:extLst>
-              <a:ext uri="{FF2B5EF4-FFF2-40B4-BE49-F238E27FC236}">
-                <a16:creationId xmlns:a16="http://schemas.microsoft.com/office/drawing/2014/main" id="{6B5ECB1A-A92D-46D4-9682-2248BD91ECA8}"/>
-              </a:ext>
-            </a:extLst>
-          </p:cNvPr>
-          <p:cNvPicPr>
-            <a:picLocks noChangeAspect="1"/>
-          </p:cNvPicPr>
-          <p:nvPr/>
-        </p:nvPicPr>
-        <p:blipFill>
-          <a:blip r:embed="rId2"/>
-          <a:stretch>
-            <a:fillRect/>
-          </a:stretch>
-        </p:blipFill>
-        <p:spPr>
-          <a:xfrm>
-            <a:off x="187819" y="5532582"/>
-            <a:ext cx="7143750" cy="923925"/>
-          </a:xfrm>
-          <a:prstGeom prst="rect">
-            <a:avLst/>
-          </a:prstGeom>
-          <a:effectLst>
-            <a:glow rad="25400">
-              <a:schemeClr val="bg1">
-                <a:alpha val="40000"/>
-              </a:schemeClr>
-            </a:glow>
-          </a:effectLst>
-        </p:spPr>
-      </p:pic>
-      <p:pic>
-        <p:nvPicPr>
-          <p:cNvPr id="8" name="Imagen 7">
-            <a:extLst>
-              <a:ext uri="{FF2B5EF4-FFF2-40B4-BE49-F238E27FC236}">
-                <a16:creationId xmlns:a16="http://schemas.microsoft.com/office/drawing/2014/main" id="{485C5F0C-7AD6-4DE3-9926-D9F267B388D9}"/>
-              </a:ext>
-            </a:extLst>
-          </p:cNvPr>
-          <p:cNvPicPr>
-            <a:picLocks noChangeAspect="1"/>
-          </p:cNvPicPr>
-          <p:nvPr/>
-        </p:nvPicPr>
-        <p:blipFill>
-          <a:blip r:embed="rId3"/>
-          <a:stretch>
-            <a:fillRect/>
-          </a:stretch>
-        </p:blipFill>
-        <p:spPr>
-          <a:xfrm>
-            <a:off x="284838" y="1612601"/>
-            <a:ext cx="6524625" cy="3305175"/>
-          </a:xfrm>
-          <a:prstGeom prst="rect">
-            <a:avLst/>
-          </a:prstGeom>
-        </p:spPr>
-      </p:pic>
-      <p:pic>
-        <p:nvPicPr>
-          <p:cNvPr id="11" name="Imagen 10">
-            <a:extLst>
-              <a:ext uri="{FF2B5EF4-FFF2-40B4-BE49-F238E27FC236}">
-                <a16:creationId xmlns:a16="http://schemas.microsoft.com/office/drawing/2014/main" id="{A16E7029-5441-49AB-A7B5-6206776246F1}"/>
-              </a:ext>
-            </a:extLst>
-          </p:cNvPr>
-          <p:cNvPicPr>
-            <a:picLocks noChangeAspect="1"/>
-          </p:cNvPicPr>
-          <p:nvPr/>
-        </p:nvPicPr>
-        <p:blipFill>
-          <a:blip r:embed="rId4"/>
-          <a:stretch>
-            <a:fillRect/>
-          </a:stretch>
-        </p:blipFill>
-        <p:spPr>
-          <a:xfrm>
-            <a:off x="284838" y="1228141"/>
-            <a:ext cx="7301926" cy="199370"/>
-          </a:xfrm>
-          <a:prstGeom prst="rect">
-            <a:avLst/>
-          </a:prstGeom>
-        </p:spPr>
-      </p:pic>
-      <p:pic>
-        <p:nvPicPr>
-          <p:cNvPr id="1026" name="Picture 2" descr="Resultado de imagen de logo npm transparent">
-            <a:extLst>
-              <a:ext uri="{FF2B5EF4-FFF2-40B4-BE49-F238E27FC236}">
-                <a16:creationId xmlns:a16="http://schemas.microsoft.com/office/drawing/2014/main" id="{F7D3756D-28EE-4EF9-8F51-70576B101ADA}"/>
-              </a:ext>
-            </a:extLst>
-          </p:cNvPr>
-          <p:cNvPicPr>
-            <a:picLocks noChangeAspect="1" noChangeArrowheads="1"/>
-          </p:cNvPicPr>
-          <p:nvPr/>
-        </p:nvPicPr>
-        <p:blipFill>
-          <a:blip r:embed="rId5">
-            <a:extLst>
-              <a:ext uri="{28A0092B-C50C-407E-A947-70E740481C1C}">
-                <a14:useLocalDpi xmlns:a14="http://schemas.microsoft.com/office/drawing/2010/main" val="0"/>
-              </a:ext>
-            </a:extLst>
-          </a:blip>
-          <a:srcRect/>
-          <a:stretch>
-            <a:fillRect/>
-          </a:stretch>
-        </p:blipFill>
-        <p:spPr bwMode="auto">
-          <a:xfrm>
-            <a:off x="9854119" y="1612601"/>
-            <a:ext cx="1488332" cy="581768"/>
-          </a:xfrm>
-          <a:prstGeom prst="rect">
-            <a:avLst/>
-          </a:prstGeom>
-          <a:noFill/>
-          <a:extLst>
-            <a:ext uri="{909E8E84-426E-40DD-AFC4-6F175D3DCCD1}">
-              <a14:hiddenFill xmlns:a14="http://schemas.microsoft.com/office/drawing/2010/main">
-                <a:solidFill>
-                  <a:srgbClr val="FFFFFF"/>
-                </a:solidFill>
-              </a14:hiddenFill>
-            </a:ext>
-          </a:extLst>
-        </p:spPr>
-      </p:pic>
-      <p:sp>
-        <p:nvSpPr>
-          <p:cNvPr id="26" name="CuadroTexto 25">
-            <a:extLst>
-              <a:ext uri="{FF2B5EF4-FFF2-40B4-BE49-F238E27FC236}">
-                <a16:creationId xmlns:a16="http://schemas.microsoft.com/office/drawing/2014/main" id="{972226EF-8B2E-4D84-8E4C-84DDF0123273}"/>
-              </a:ext>
-            </a:extLst>
-          </p:cNvPr>
-          <p:cNvSpPr txBox="1"/>
-          <p:nvPr/>
-        </p:nvSpPr>
-        <p:spPr>
-          <a:xfrm>
-            <a:off x="9505700" y="2320155"/>
-            <a:ext cx="3397994" cy="400110"/>
-          </a:xfrm>
-          <a:prstGeom prst="rect">
-            <a:avLst/>
-          </a:prstGeom>
-          <a:noFill/>
-        </p:spPr>
-        <p:txBody>
-          <a:bodyPr wrap="square" rtlCol="0">
-            <a:spAutoFit/>
-          </a:bodyPr>
-          <a:lstStyle/>
-          <a:p>
-            <a:r>
-              <a:rPr lang="en-US" sz="2000" dirty="0">
-                <a:solidFill>
-                  <a:srgbClr val="53A2D3"/>
-                </a:solidFill>
-              </a:rPr>
-              <a:t>ng2-tooltip-directive</a:t>
-            </a:r>
-          </a:p>
-        </p:txBody>
-      </p:sp>
-      <p:sp>
-        <p:nvSpPr>
-          <p:cNvPr id="12" name="CuadroTexto 11">
-            <a:extLst>
-              <a:ext uri="{FF2B5EF4-FFF2-40B4-BE49-F238E27FC236}">
-                <a16:creationId xmlns:a16="http://schemas.microsoft.com/office/drawing/2014/main" id="{4984E2BF-9736-48EF-99A3-6D7FCC5212CD}"/>
-              </a:ext>
-            </a:extLst>
-          </p:cNvPr>
-          <p:cNvSpPr txBox="1"/>
-          <p:nvPr/>
-        </p:nvSpPr>
-        <p:spPr>
-          <a:xfrm>
-            <a:off x="187819" y="1099226"/>
-            <a:ext cx="8148785" cy="3818550"/>
-          </a:xfrm>
-          <a:prstGeom prst="rect">
-            <a:avLst/>
-          </a:prstGeom>
-          <a:noFill/>
-          <a:ln>
-            <a:solidFill>
-              <a:schemeClr val="bg1"/>
-            </a:solidFill>
-          </a:ln>
-        </p:spPr>
-        <p:txBody>
-          <a:bodyPr wrap="square" rtlCol="0">
-            <a:spAutoFit/>
-          </a:bodyPr>
-          <a:lstStyle/>
-          <a:p>
-            <a:endParaRPr lang="en-US" dirty="0"/>
-          </a:p>
-        </p:txBody>
-      </p:sp>
-      <p:sp>
-        <p:nvSpPr>
-          <p:cNvPr id="13" name="CuadroTexto 12">
-            <a:extLst>
-              <a:ext uri="{FF2B5EF4-FFF2-40B4-BE49-F238E27FC236}">
-                <a16:creationId xmlns:a16="http://schemas.microsoft.com/office/drawing/2014/main" id="{1733F97F-1B01-4732-8962-ACD71ACB8E6E}"/>
-              </a:ext>
-            </a:extLst>
-          </p:cNvPr>
-          <p:cNvSpPr txBox="1"/>
-          <p:nvPr/>
-        </p:nvSpPr>
-        <p:spPr>
-          <a:xfrm>
-            <a:off x="9289790" y="1099226"/>
-            <a:ext cx="2616990" cy="2013626"/>
-          </a:xfrm>
-          <a:prstGeom prst="rect">
-            <a:avLst/>
-          </a:prstGeom>
-          <a:noFill/>
-          <a:ln>
-            <a:solidFill>
-              <a:schemeClr val="bg1"/>
-            </a:solidFill>
-          </a:ln>
-        </p:spPr>
-        <p:txBody>
-          <a:bodyPr wrap="square" rtlCol="0">
-            <a:spAutoFit/>
-          </a:bodyPr>
-          <a:lstStyle/>
-          <a:p>
-            <a:endParaRPr lang="en-US" dirty="0"/>
-          </a:p>
-        </p:txBody>
-      </p:sp>
       <p:cxnSp>
         <p:nvCxnSpPr>
-          <p:cNvPr id="28" name="Conector recto de flecha 27">
-            <a:extLst>
-              <a:ext uri="{FF2B5EF4-FFF2-40B4-BE49-F238E27FC236}">
-                <a16:creationId xmlns:a16="http://schemas.microsoft.com/office/drawing/2014/main" id="{18FB9522-FFDE-4F56-8C3D-450F4BFAB028}"/>
+          <p:cNvPr id="12" name="Conector recto de flecha 11">
+            <a:extLst>
+              <a:ext uri="{FF2B5EF4-FFF2-40B4-BE49-F238E27FC236}">
+                <a16:creationId xmlns:a16="http://schemas.microsoft.com/office/drawing/2014/main" id="{864C9DE1-4B25-4E8D-BACD-990C6B3F64E1}"/>
               </a:ext>
             </a:extLst>
           </p:cNvPr>
           <p:cNvCxnSpPr>
             <a:cxnSpLocks/>
-            <a:endCxn id="13" idx="1"/>
+            <a:stCxn id="6" idx="3"/>
+            <a:endCxn id="5" idx="1"/>
           </p:cNvCxnSpPr>
           <p:nvPr/>
         </p:nvCxnSpPr>
         <p:spPr>
           <a:xfrm>
-            <a:off x="8336604" y="2106039"/>
-            <a:ext cx="953186" cy="0"/>
+            <a:off x="3253682" y="2955333"/>
+            <a:ext cx="608928" cy="0"/>
           </a:xfrm>
           <a:prstGeom prst="straightConnector1">
             <a:avLst/>
@@ -6434,10 +5841,10 @@
       </p:cxnSp>
       <p:sp>
         <p:nvSpPr>
-          <p:cNvPr id="29" name="CuadroTexto 28">
-            <a:extLst>
-              <a:ext uri="{FF2B5EF4-FFF2-40B4-BE49-F238E27FC236}">
-                <a16:creationId xmlns:a16="http://schemas.microsoft.com/office/drawing/2014/main" id="{982B0BDA-8245-4D8E-BB1B-71C259DD536C}"/>
+          <p:cNvPr id="14" name="CuadroTexto 13">
+            <a:extLst>
+              <a:ext uri="{FF2B5EF4-FFF2-40B4-BE49-F238E27FC236}">
+                <a16:creationId xmlns:a16="http://schemas.microsoft.com/office/drawing/2014/main" id="{B8579608-CD71-4529-A8DF-5564C1172DAC}"/>
               </a:ext>
             </a:extLst>
           </p:cNvPr>
@@ -6446,46 +5853,7 @@
         </p:nvSpPr>
         <p:spPr>
           <a:xfrm>
-            <a:off x="97621" y="5155541"/>
-            <a:ext cx="1376218" cy="369332"/>
-          </a:xfrm>
-          <a:prstGeom prst="rect">
-            <a:avLst/>
-          </a:prstGeom>
-          <a:noFill/>
-        </p:spPr>
-        <p:txBody>
-          <a:bodyPr wrap="square" rtlCol="0">
-            <a:spAutoFit/>
-          </a:bodyPr>
-          <a:lstStyle/>
-          <a:p>
-            <a:r>
-              <a:rPr lang="en-US" dirty="0">
-                <a:solidFill>
-                  <a:schemeClr val="bg1"/>
-                </a:solidFill>
-              </a:rPr>
-              <a:t>Usage:</a:t>
-            </a:r>
-          </a:p>
-        </p:txBody>
-      </p:sp>
-      <p:sp>
-        <p:nvSpPr>
-          <p:cNvPr id="37" name="CuadroTexto 36">
-            <a:extLst>
-              <a:ext uri="{FF2B5EF4-FFF2-40B4-BE49-F238E27FC236}">
-                <a16:creationId xmlns:a16="http://schemas.microsoft.com/office/drawing/2014/main" id="{6E63413F-5101-430A-BCD4-8E659BABAA8D}"/>
-              </a:ext>
-            </a:extLst>
-          </p:cNvPr>
-          <p:cNvSpPr txBox="1"/>
-          <p:nvPr/>
-        </p:nvSpPr>
-        <p:spPr>
-          <a:xfrm>
-            <a:off x="8433623" y="1742902"/>
+            <a:off x="3253682" y="2583238"/>
             <a:ext cx="1376218" cy="369332"/>
           </a:xfrm>
           <a:prstGeom prst="rect">
@@ -6510,97 +5878,494 @@
           </a:p>
         </p:txBody>
       </p:sp>
+      <p:sp>
+        <p:nvSpPr>
+          <p:cNvPr id="31" name="CuadroTexto 30">
+            <a:extLst>
+              <a:ext uri="{FF2B5EF4-FFF2-40B4-BE49-F238E27FC236}">
+                <a16:creationId xmlns:a16="http://schemas.microsoft.com/office/drawing/2014/main" id="{FBF7026D-12F4-4541-8110-DE706094717A}"/>
+              </a:ext>
+            </a:extLst>
+          </p:cNvPr>
+          <p:cNvSpPr txBox="1"/>
+          <p:nvPr/>
+        </p:nvSpPr>
+        <p:spPr>
+          <a:xfrm>
+            <a:off x="484863" y="185392"/>
+            <a:ext cx="3397994" cy="646331"/>
+          </a:xfrm>
+          <a:prstGeom prst="rect">
+            <a:avLst/>
+          </a:prstGeom>
+          <a:noFill/>
+        </p:spPr>
+        <p:txBody>
+          <a:bodyPr wrap="square" rtlCol="0">
+            <a:spAutoFit/>
+          </a:bodyPr>
+          <a:lstStyle/>
+          <a:p>
+            <a:r>
+              <a:rPr lang="en-US" sz="3600" dirty="0" err="1">
+                <a:solidFill>
+                  <a:srgbClr val="53A2D3"/>
+                </a:solidFill>
+              </a:rPr>
+              <a:t>Teoría</a:t>
+            </a:r>
+            <a:endParaRPr lang="en-US" sz="3600" dirty="0">
+              <a:solidFill>
+                <a:srgbClr val="53A2D3"/>
+              </a:solidFill>
+            </a:endParaRPr>
+          </a:p>
+        </p:txBody>
+      </p:sp>
+      <p:pic>
+        <p:nvPicPr>
+          <p:cNvPr id="2" name="Imagen 1">
+            <a:extLst>
+              <a:ext uri="{FF2B5EF4-FFF2-40B4-BE49-F238E27FC236}">
+                <a16:creationId xmlns:a16="http://schemas.microsoft.com/office/drawing/2014/main" id="{3BC8EF47-888A-4EE4-9AE3-0325D360B9FB}"/>
+              </a:ext>
+            </a:extLst>
+          </p:cNvPr>
+          <p:cNvPicPr>
+            <a:picLocks noChangeAspect="1"/>
+          </p:cNvPicPr>
+          <p:nvPr/>
+        </p:nvPicPr>
+        <p:blipFill>
+          <a:blip r:embed="rId2"/>
+          <a:stretch>
+            <a:fillRect/>
+          </a:stretch>
+        </p:blipFill>
+        <p:spPr>
+          <a:xfrm>
+            <a:off x="8677274" y="880395"/>
+            <a:ext cx="3232951" cy="1008808"/>
+          </a:xfrm>
+          <a:prstGeom prst="rect">
+            <a:avLst/>
+          </a:prstGeom>
+          <a:effectLst>
+            <a:glow rad="25400">
+              <a:schemeClr val="bg1">
+                <a:alpha val="40000"/>
+              </a:schemeClr>
+            </a:glow>
+          </a:effectLst>
+        </p:spPr>
+      </p:pic>
+      <p:pic>
+        <p:nvPicPr>
+          <p:cNvPr id="3" name="Imagen 2">
+            <a:extLst>
+              <a:ext uri="{FF2B5EF4-FFF2-40B4-BE49-F238E27FC236}">
+                <a16:creationId xmlns:a16="http://schemas.microsoft.com/office/drawing/2014/main" id="{0D58A32E-D262-4166-8F3A-C6E88EE4DDEA}"/>
+              </a:ext>
+            </a:extLst>
+          </p:cNvPr>
+          <p:cNvPicPr>
+            <a:picLocks noChangeAspect="1"/>
+          </p:cNvPicPr>
+          <p:nvPr/>
+        </p:nvPicPr>
+        <p:blipFill>
+          <a:blip r:embed="rId3"/>
+          <a:stretch>
+            <a:fillRect/>
+          </a:stretch>
+        </p:blipFill>
+        <p:spPr>
+          <a:xfrm>
+            <a:off x="8629649" y="2450929"/>
+            <a:ext cx="3280576" cy="1003283"/>
+          </a:xfrm>
+          <a:prstGeom prst="rect">
+            <a:avLst/>
+          </a:prstGeom>
+          <a:effectLst>
+            <a:glow rad="25400">
+              <a:schemeClr val="bg1">
+                <a:alpha val="40000"/>
+              </a:schemeClr>
+            </a:glow>
+          </a:effectLst>
+        </p:spPr>
+      </p:pic>
+      <p:pic>
+        <p:nvPicPr>
+          <p:cNvPr id="4" name="Imagen 3">
+            <a:extLst>
+              <a:ext uri="{FF2B5EF4-FFF2-40B4-BE49-F238E27FC236}">
+                <a16:creationId xmlns:a16="http://schemas.microsoft.com/office/drawing/2014/main" id="{23EBA2EE-CDAC-4A82-8CAB-1A60B6C581B2}"/>
+              </a:ext>
+            </a:extLst>
+          </p:cNvPr>
+          <p:cNvPicPr>
+            <a:picLocks noChangeAspect="1"/>
+          </p:cNvPicPr>
+          <p:nvPr/>
+        </p:nvPicPr>
+        <p:blipFill>
+          <a:blip r:embed="rId4"/>
+          <a:stretch>
+            <a:fillRect/>
+          </a:stretch>
+        </p:blipFill>
+        <p:spPr>
+          <a:xfrm>
+            <a:off x="8629650" y="4036760"/>
+            <a:ext cx="3280576" cy="997742"/>
+          </a:xfrm>
+          <a:prstGeom prst="rect">
+            <a:avLst/>
+          </a:prstGeom>
+          <a:effectLst>
+            <a:glow rad="25400">
+              <a:schemeClr val="bg1">
+                <a:alpha val="40000"/>
+              </a:schemeClr>
+            </a:glow>
+          </a:effectLst>
+        </p:spPr>
+      </p:pic>
+      <p:pic>
+        <p:nvPicPr>
+          <p:cNvPr id="5" name="Imagen 4">
+            <a:extLst>
+              <a:ext uri="{FF2B5EF4-FFF2-40B4-BE49-F238E27FC236}">
+                <a16:creationId xmlns:a16="http://schemas.microsoft.com/office/drawing/2014/main" id="{6ED504B8-B7AE-459C-9B04-F4065A202477}"/>
+              </a:ext>
+            </a:extLst>
+          </p:cNvPr>
+          <p:cNvPicPr>
+            <a:picLocks noChangeAspect="1"/>
+          </p:cNvPicPr>
+          <p:nvPr/>
+        </p:nvPicPr>
+        <p:blipFill>
+          <a:blip r:embed="rId5"/>
+          <a:stretch>
+            <a:fillRect/>
+          </a:stretch>
+        </p:blipFill>
+        <p:spPr>
+          <a:xfrm>
+            <a:off x="3862610" y="1375035"/>
+            <a:ext cx="3359757" cy="3160596"/>
+          </a:xfrm>
+          <a:prstGeom prst="rect">
+            <a:avLst/>
+          </a:prstGeom>
+          <a:effectLst>
+            <a:glow rad="25400">
+              <a:schemeClr val="bg1">
+                <a:alpha val="40000"/>
+              </a:schemeClr>
+            </a:glow>
+          </a:effectLst>
+        </p:spPr>
+      </p:pic>
+      <p:pic>
+        <p:nvPicPr>
+          <p:cNvPr id="6" name="Imagen 5">
+            <a:extLst>
+              <a:ext uri="{FF2B5EF4-FFF2-40B4-BE49-F238E27FC236}">
+                <a16:creationId xmlns:a16="http://schemas.microsoft.com/office/drawing/2014/main" id="{F79878D0-D175-4A30-8E57-C04D2F7CE7CA}"/>
+              </a:ext>
+            </a:extLst>
+          </p:cNvPr>
+          <p:cNvPicPr>
+            <a:picLocks noChangeAspect="1"/>
+          </p:cNvPicPr>
+          <p:nvPr/>
+        </p:nvPicPr>
+        <p:blipFill>
+          <a:blip r:embed="rId6"/>
+          <a:stretch>
+            <a:fillRect/>
+          </a:stretch>
+        </p:blipFill>
+        <p:spPr>
+          <a:xfrm>
+            <a:off x="106457" y="2219840"/>
+            <a:ext cx="3147225" cy="1470986"/>
+          </a:xfrm>
+          <a:prstGeom prst="rect">
+            <a:avLst/>
+          </a:prstGeom>
+          <a:effectLst>
+            <a:glow rad="25400">
+              <a:schemeClr val="bg1">
+                <a:alpha val="40000"/>
+              </a:schemeClr>
+            </a:glow>
+          </a:effectLst>
+        </p:spPr>
+      </p:pic>
+      <p:cxnSp>
+        <p:nvCxnSpPr>
+          <p:cNvPr id="21" name="Conector recto de flecha 20">
+            <a:extLst>
+              <a:ext uri="{FF2B5EF4-FFF2-40B4-BE49-F238E27FC236}">
+                <a16:creationId xmlns:a16="http://schemas.microsoft.com/office/drawing/2014/main" id="{657B125F-F210-4C10-90D5-E2406540AF25}"/>
+              </a:ext>
+            </a:extLst>
+          </p:cNvPr>
+          <p:cNvCxnSpPr>
+            <a:cxnSpLocks/>
+            <a:stCxn id="5" idx="3"/>
+            <a:endCxn id="3" idx="1"/>
+          </p:cNvCxnSpPr>
+          <p:nvPr/>
+        </p:nvCxnSpPr>
+        <p:spPr>
+          <a:xfrm flipV="1">
+            <a:off x="7222367" y="2952571"/>
+            <a:ext cx="1407282" cy="2762"/>
+          </a:xfrm>
+          <a:prstGeom prst="straightConnector1">
+            <a:avLst/>
+          </a:prstGeom>
+          <a:ln w="12700">
+            <a:solidFill>
+              <a:schemeClr val="bg1"/>
+            </a:solidFill>
+            <a:tailEnd type="triangle"/>
+          </a:ln>
+        </p:spPr>
+        <p:style>
+          <a:lnRef idx="1">
+            <a:schemeClr val="accent1"/>
+          </a:lnRef>
+          <a:fillRef idx="0">
+            <a:schemeClr val="accent1"/>
+          </a:fillRef>
+          <a:effectRef idx="0">
+            <a:schemeClr val="accent1"/>
+          </a:effectRef>
+          <a:fontRef idx="minor">
+            <a:schemeClr val="tx1"/>
+          </a:fontRef>
+        </p:style>
+      </p:cxnSp>
+      <p:sp>
+        <p:nvSpPr>
+          <p:cNvPr id="22" name="CuadroTexto 21">
+            <a:extLst>
+              <a:ext uri="{FF2B5EF4-FFF2-40B4-BE49-F238E27FC236}">
+                <a16:creationId xmlns:a16="http://schemas.microsoft.com/office/drawing/2014/main" id="{64C9644A-8F54-4F7F-928B-4E1AB3ACFDD8}"/>
+              </a:ext>
+            </a:extLst>
+          </p:cNvPr>
+          <p:cNvSpPr txBox="1"/>
+          <p:nvPr/>
+        </p:nvSpPr>
+        <p:spPr>
+          <a:xfrm>
+            <a:off x="7587919" y="2583238"/>
+            <a:ext cx="1376218" cy="369332"/>
+          </a:xfrm>
+          <a:prstGeom prst="rect">
+            <a:avLst/>
+          </a:prstGeom>
+          <a:noFill/>
+        </p:spPr>
+        <p:txBody>
+          <a:bodyPr wrap="square" rtlCol="0">
+            <a:spAutoFit/>
+          </a:bodyPr>
+          <a:lstStyle/>
+          <a:p>
+            <a:r>
+              <a:rPr lang="en-US" dirty="0">
+                <a:solidFill>
+                  <a:schemeClr val="bg1"/>
+                </a:solidFill>
+              </a:rPr>
+              <a:t>calls</a:t>
+            </a:r>
+          </a:p>
+        </p:txBody>
+      </p:sp>
+      <p:cxnSp>
+        <p:nvCxnSpPr>
+          <p:cNvPr id="23" name="Conector recto de flecha 22">
+            <a:extLst>
+              <a:ext uri="{FF2B5EF4-FFF2-40B4-BE49-F238E27FC236}">
+                <a16:creationId xmlns:a16="http://schemas.microsoft.com/office/drawing/2014/main" id="{659FD9CC-0ED7-48DA-B353-E983B8B32E24}"/>
+              </a:ext>
+            </a:extLst>
+          </p:cNvPr>
+          <p:cNvCxnSpPr>
+            <a:cxnSpLocks/>
+            <a:stCxn id="5" idx="3"/>
+            <a:endCxn id="2" idx="1"/>
+          </p:cNvCxnSpPr>
+          <p:nvPr/>
+        </p:nvCxnSpPr>
+        <p:spPr>
+          <a:xfrm flipV="1">
+            <a:off x="7222367" y="1384799"/>
+            <a:ext cx="1454907" cy="1570534"/>
+          </a:xfrm>
+          <a:prstGeom prst="straightConnector1">
+            <a:avLst/>
+          </a:prstGeom>
+          <a:ln w="12700">
+            <a:solidFill>
+              <a:schemeClr val="bg1"/>
+            </a:solidFill>
+            <a:tailEnd type="triangle"/>
+          </a:ln>
+        </p:spPr>
+        <p:style>
+          <a:lnRef idx="1">
+            <a:schemeClr val="accent1"/>
+          </a:lnRef>
+          <a:fillRef idx="0">
+            <a:schemeClr val="accent1"/>
+          </a:fillRef>
+          <a:effectRef idx="0">
+            <a:schemeClr val="accent1"/>
+          </a:effectRef>
+          <a:fontRef idx="minor">
+            <a:schemeClr val="tx1"/>
+          </a:fontRef>
+        </p:style>
+      </p:cxnSp>
+      <p:sp>
+        <p:nvSpPr>
+          <p:cNvPr id="24" name="CuadroTexto 23">
+            <a:extLst>
+              <a:ext uri="{FF2B5EF4-FFF2-40B4-BE49-F238E27FC236}">
+                <a16:creationId xmlns:a16="http://schemas.microsoft.com/office/drawing/2014/main" id="{49EC6474-4E8B-4074-9043-8B456DE43AC5}"/>
+              </a:ext>
+            </a:extLst>
+          </p:cNvPr>
+          <p:cNvSpPr txBox="1"/>
+          <p:nvPr/>
+        </p:nvSpPr>
+        <p:spPr>
+          <a:xfrm>
+            <a:off x="7587919" y="3875029"/>
+            <a:ext cx="1376218" cy="369332"/>
+          </a:xfrm>
+          <a:prstGeom prst="rect">
+            <a:avLst/>
+          </a:prstGeom>
+          <a:noFill/>
+        </p:spPr>
+        <p:txBody>
+          <a:bodyPr wrap="square" rtlCol="0">
+            <a:spAutoFit/>
+          </a:bodyPr>
+          <a:lstStyle/>
+          <a:p>
+            <a:r>
+              <a:rPr lang="en-US" dirty="0">
+                <a:solidFill>
+                  <a:schemeClr val="bg1"/>
+                </a:solidFill>
+              </a:rPr>
+              <a:t>calls</a:t>
+            </a:r>
+          </a:p>
+        </p:txBody>
+      </p:sp>
+      <p:cxnSp>
+        <p:nvCxnSpPr>
+          <p:cNvPr id="25" name="Conector recto de flecha 24">
+            <a:extLst>
+              <a:ext uri="{FF2B5EF4-FFF2-40B4-BE49-F238E27FC236}">
+                <a16:creationId xmlns:a16="http://schemas.microsoft.com/office/drawing/2014/main" id="{3CC6DB77-8AFE-4568-96A0-4F1DD4F57789}"/>
+              </a:ext>
+            </a:extLst>
+          </p:cNvPr>
+          <p:cNvCxnSpPr>
+            <a:cxnSpLocks/>
+            <a:stCxn id="5" idx="3"/>
+            <a:endCxn id="4" idx="1"/>
+          </p:cNvCxnSpPr>
+          <p:nvPr/>
+        </p:nvCxnSpPr>
+        <p:spPr>
+          <a:xfrm>
+            <a:off x="7222367" y="2955333"/>
+            <a:ext cx="1407283" cy="1580298"/>
+          </a:xfrm>
+          <a:prstGeom prst="straightConnector1">
+            <a:avLst/>
+          </a:prstGeom>
+          <a:ln w="12700">
+            <a:solidFill>
+              <a:schemeClr val="bg1"/>
+            </a:solidFill>
+            <a:tailEnd type="triangle"/>
+          </a:ln>
+        </p:spPr>
+        <p:style>
+          <a:lnRef idx="1">
+            <a:schemeClr val="accent1"/>
+          </a:lnRef>
+          <a:fillRef idx="0">
+            <a:schemeClr val="accent1"/>
+          </a:fillRef>
+          <a:effectRef idx="0">
+            <a:schemeClr val="accent1"/>
+          </a:effectRef>
+          <a:fontRef idx="minor">
+            <a:schemeClr val="tx1"/>
+          </a:fontRef>
+        </p:style>
+      </p:cxnSp>
+      <p:sp>
+        <p:nvSpPr>
+          <p:cNvPr id="26" name="CuadroTexto 25">
+            <a:extLst>
+              <a:ext uri="{FF2B5EF4-FFF2-40B4-BE49-F238E27FC236}">
+                <a16:creationId xmlns:a16="http://schemas.microsoft.com/office/drawing/2014/main" id="{D1D54606-D117-4018-9BD6-D871D677ABC3}"/>
+              </a:ext>
+            </a:extLst>
+          </p:cNvPr>
+          <p:cNvSpPr txBox="1"/>
+          <p:nvPr/>
+        </p:nvSpPr>
+        <p:spPr>
+          <a:xfrm>
+            <a:off x="7587919" y="1595945"/>
+            <a:ext cx="1376218" cy="369332"/>
+          </a:xfrm>
+          <a:prstGeom prst="rect">
+            <a:avLst/>
+          </a:prstGeom>
+          <a:noFill/>
+        </p:spPr>
+        <p:txBody>
+          <a:bodyPr wrap="square" rtlCol="0">
+            <a:spAutoFit/>
+          </a:bodyPr>
+          <a:lstStyle/>
+          <a:p>
+            <a:r>
+              <a:rPr lang="en-US" dirty="0">
+                <a:solidFill>
+                  <a:schemeClr val="bg1"/>
+                </a:solidFill>
+              </a:rPr>
+              <a:t>calls</a:t>
+            </a:r>
+          </a:p>
+        </p:txBody>
+      </p:sp>
     </p:spTree>
     <p:extLst>
       <p:ext uri="{BB962C8B-B14F-4D97-AF65-F5344CB8AC3E}">
-        <p14:creationId xmlns:p14="http://schemas.microsoft.com/office/powerpoint/2010/main" val="458315806"/>
-      </p:ext>
-    </p:extLst>
-  </p:cSld>
-  <p:clrMapOvr>
-    <a:masterClrMapping/>
-  </p:clrMapOvr>
-</p:sld>
-</file>
-
-<file path=ppt/slides/slide19.xml><?xml version="1.0" encoding="utf-8"?>
-<p:sld xmlns:a="http://schemas.openxmlformats.org/drawingml/2006/main" xmlns:r="http://schemas.openxmlformats.org/officeDocument/2006/relationships" xmlns:p="http://schemas.openxmlformats.org/presentationml/2006/main">
-  <p:cSld>
-    <p:spTree>
-      <p:nvGrpSpPr>
-        <p:cNvPr id="1" name=""/>
-        <p:cNvGrpSpPr/>
-        <p:nvPr/>
-      </p:nvGrpSpPr>
-      <p:grpSpPr>
-        <a:xfrm>
-          <a:off x="0" y="0"/>
-          <a:ext cx="0" cy="0"/>
-          <a:chOff x="0" y="0"/>
-          <a:chExt cx="0" cy="0"/>
-        </a:xfrm>
-      </p:grpSpPr>
-      <p:sp>
-        <p:nvSpPr>
-          <p:cNvPr id="2" name="Título 1">
-            <a:extLst>
-              <a:ext uri="{FF2B5EF4-FFF2-40B4-BE49-F238E27FC236}">
-                <a16:creationId xmlns:a16="http://schemas.microsoft.com/office/drawing/2014/main" id="{51E579E3-4D4D-4391-A4DB-77F6C6DD84BE}"/>
-              </a:ext>
-            </a:extLst>
-          </p:cNvPr>
-          <p:cNvSpPr>
-            <a:spLocks noGrp="1"/>
-          </p:cNvSpPr>
-          <p:nvPr>
-            <p:ph type="title"/>
-          </p:nvPr>
-        </p:nvSpPr>
-        <p:spPr>
-          <a:xfrm>
-            <a:off x="900344" y="2766218"/>
-            <a:ext cx="10515600" cy="1325563"/>
-          </a:xfrm>
-        </p:spPr>
-        <p:txBody>
-          <a:bodyPr/>
-          <a:lstStyle/>
-          <a:p>
-            <a:r>
-              <a:rPr lang="es-ES" dirty="0" err="1">
-                <a:solidFill>
-                  <a:srgbClr val="000000"/>
-                </a:solidFill>
-                <a:latin typeface="Calibri" panose="020F0502020204030204" pitchFamily="34" charset="0"/>
-              </a:rPr>
-              <a:t>Flyweight</a:t>
-            </a:r>
-            <a:r>
-              <a:rPr lang="es-ES" dirty="0">
-                <a:solidFill>
-                  <a:srgbClr val="000000"/>
-                </a:solidFill>
-                <a:latin typeface="Calibri" panose="020F0502020204030204" pitchFamily="34" charset="0"/>
-              </a:rPr>
-              <a:t> </a:t>
-            </a:r>
-            <a:r>
-              <a:rPr lang="es-ES" dirty="0" err="1">
-                <a:solidFill>
-                  <a:srgbClr val="000000"/>
-                </a:solidFill>
-                <a:latin typeface="Calibri" panose="020F0502020204030204" pitchFamily="34" charset="0"/>
-              </a:rPr>
-              <a:t>pattern</a:t>
-            </a:r>
-            <a:endParaRPr lang="en-US" dirty="0"/>
-          </a:p>
-        </p:txBody>
-      </p:sp>
-    </p:spTree>
-    <p:extLst>
-      <p:ext uri="{BB962C8B-B14F-4D97-AF65-F5344CB8AC3E}">
-        <p14:creationId xmlns:p14="http://schemas.microsoft.com/office/powerpoint/2010/main" val="111627758"/>
+        <p14:creationId xmlns:p14="http://schemas.microsoft.com/office/powerpoint/2010/main" val="3510976558"/>
       </p:ext>
     </p:extLst>
   </p:cSld>
@@ -6700,14 +6465,6 @@
 <file path=ppt/slides/slide20.xml><?xml version="1.0" encoding="utf-8"?>
 <p:sld xmlns:a="http://schemas.openxmlformats.org/drawingml/2006/main" xmlns:r="http://schemas.openxmlformats.org/officeDocument/2006/relationships" xmlns:p="http://schemas.openxmlformats.org/presentationml/2006/main">
   <p:cSld>
-    <p:bg>
-      <p:bgPr>
-        <a:solidFill>
-          <a:srgbClr val="1E1E1E"/>
-        </a:solidFill>
-        <a:effectLst/>
-      </p:bgPr>
-    </p:bg>
     <p:spTree>
       <p:nvGrpSpPr>
         <p:cNvPr id="1" name=""/>
@@ -6724,409 +6481,312 @@
       </p:grpSpPr>
       <p:sp>
         <p:nvSpPr>
-          <p:cNvPr id="31" name="CuadroTexto 30">
-            <a:extLst>
-              <a:ext uri="{FF2B5EF4-FFF2-40B4-BE49-F238E27FC236}">
-                <a16:creationId xmlns:a16="http://schemas.microsoft.com/office/drawing/2014/main" id="{FBF7026D-12F4-4541-8110-DE706094717A}"/>
-              </a:ext>
-            </a:extLst>
-          </p:cNvPr>
-          <p:cNvSpPr txBox="1"/>
-          <p:nvPr/>
-        </p:nvSpPr>
-        <p:spPr>
-          <a:xfrm>
-            <a:off x="484863" y="185392"/>
-            <a:ext cx="3397994" cy="646331"/>
-          </a:xfrm>
-          <a:prstGeom prst="rect">
-            <a:avLst/>
-          </a:prstGeom>
-          <a:noFill/>
-        </p:spPr>
-        <p:txBody>
-          <a:bodyPr wrap="square" rtlCol="0">
-            <a:spAutoFit/>
-          </a:bodyPr>
-          <a:lstStyle/>
-          <a:p>
-            <a:r>
-              <a:rPr lang="en-US" sz="3600" dirty="0" err="1">
-                <a:solidFill>
-                  <a:srgbClr val="53A2D3"/>
-                </a:solidFill>
-              </a:rPr>
-              <a:t>Teoría</a:t>
-            </a:r>
-            <a:endParaRPr lang="en-US" sz="3600" dirty="0">
-              <a:solidFill>
-                <a:srgbClr val="53A2D3"/>
-              </a:solidFill>
-            </a:endParaRPr>
-          </a:p>
-        </p:txBody>
-      </p:sp>
-      <p:pic>
-        <p:nvPicPr>
-          <p:cNvPr id="16" name="Imagen 15">
-            <a:extLst>
-              <a:ext uri="{FF2B5EF4-FFF2-40B4-BE49-F238E27FC236}">
-                <a16:creationId xmlns:a16="http://schemas.microsoft.com/office/drawing/2014/main" id="{8279B1F2-16FE-496F-83D6-D5898593528C}"/>
-              </a:ext>
-            </a:extLst>
-          </p:cNvPr>
-          <p:cNvPicPr>
-            <a:picLocks noChangeAspect="1"/>
-          </p:cNvPicPr>
-          <p:nvPr/>
-        </p:nvPicPr>
-        <p:blipFill>
-          <a:blip r:embed="rId2"/>
-          <a:stretch>
-            <a:fillRect/>
-          </a:stretch>
-        </p:blipFill>
-        <p:spPr>
-          <a:xfrm>
-            <a:off x="6773819" y="1330496"/>
-            <a:ext cx="5056334" cy="3368332"/>
-          </a:xfrm>
-          <a:prstGeom prst="rect">
-            <a:avLst/>
-          </a:prstGeom>
-          <a:effectLst>
-            <a:glow rad="25400">
-              <a:schemeClr val="bg1">
-                <a:alpha val="40000"/>
-              </a:schemeClr>
-            </a:glow>
-          </a:effectLst>
-        </p:spPr>
-      </p:pic>
-      <p:pic>
-        <p:nvPicPr>
-          <p:cNvPr id="17" name="Imagen 16">
-            <a:extLst>
-              <a:ext uri="{FF2B5EF4-FFF2-40B4-BE49-F238E27FC236}">
-                <a16:creationId xmlns:a16="http://schemas.microsoft.com/office/drawing/2014/main" id="{814408AF-29F6-49B7-8987-D380B75236D6}"/>
-              </a:ext>
-            </a:extLst>
-          </p:cNvPr>
-          <p:cNvPicPr>
-            <a:picLocks noChangeAspect="1"/>
-          </p:cNvPicPr>
-          <p:nvPr/>
-        </p:nvPicPr>
-        <p:blipFill>
-          <a:blip r:embed="rId3"/>
-          <a:stretch>
-            <a:fillRect/>
-          </a:stretch>
-        </p:blipFill>
-        <p:spPr>
-          <a:xfrm>
-            <a:off x="286608" y="2600325"/>
-            <a:ext cx="4410075" cy="828675"/>
-          </a:xfrm>
-          <a:prstGeom prst="rect">
-            <a:avLst/>
-          </a:prstGeom>
-          <a:effectLst>
-            <a:glow rad="25400">
-              <a:schemeClr val="bg1">
-                <a:alpha val="40000"/>
-              </a:schemeClr>
-            </a:glow>
-          </a:effectLst>
-        </p:spPr>
-      </p:pic>
-      <p:pic>
-        <p:nvPicPr>
-          <p:cNvPr id="18" name="Imagen 17">
-            <a:extLst>
-              <a:ext uri="{FF2B5EF4-FFF2-40B4-BE49-F238E27FC236}">
-                <a16:creationId xmlns:a16="http://schemas.microsoft.com/office/drawing/2014/main" id="{63B33F79-0635-479F-B1A9-CD9F7970F356}"/>
-              </a:ext>
-            </a:extLst>
-          </p:cNvPr>
-          <p:cNvPicPr>
-            <a:picLocks noChangeAspect="1"/>
-          </p:cNvPicPr>
-          <p:nvPr/>
-        </p:nvPicPr>
-        <p:blipFill>
-          <a:blip r:embed="rId4"/>
-          <a:stretch>
-            <a:fillRect/>
-          </a:stretch>
-        </p:blipFill>
-        <p:spPr>
-          <a:xfrm>
-            <a:off x="1034320" y="1197984"/>
-            <a:ext cx="2914650" cy="723900"/>
-          </a:xfrm>
-          <a:prstGeom prst="rect">
-            <a:avLst/>
-          </a:prstGeom>
-          <a:effectLst>
-            <a:glow rad="25400">
-              <a:schemeClr val="bg1">
-                <a:alpha val="40000"/>
-              </a:schemeClr>
-            </a:glow>
-          </a:effectLst>
-        </p:spPr>
-      </p:pic>
-      <p:pic>
-        <p:nvPicPr>
-          <p:cNvPr id="19" name="Imagen 18">
-            <a:extLst>
-              <a:ext uri="{FF2B5EF4-FFF2-40B4-BE49-F238E27FC236}">
-                <a16:creationId xmlns:a16="http://schemas.microsoft.com/office/drawing/2014/main" id="{9A539867-B6CE-43FE-94B2-B21383E97B22}"/>
-              </a:ext>
-            </a:extLst>
-          </p:cNvPr>
-          <p:cNvPicPr>
-            <a:picLocks noChangeAspect="1"/>
-          </p:cNvPicPr>
-          <p:nvPr/>
-        </p:nvPicPr>
-        <p:blipFill>
-          <a:blip r:embed="rId5"/>
-          <a:stretch>
-            <a:fillRect/>
-          </a:stretch>
-        </p:blipFill>
-        <p:spPr>
-          <a:xfrm>
-            <a:off x="286608" y="4512937"/>
-            <a:ext cx="5452844" cy="1886725"/>
-          </a:xfrm>
-          <a:prstGeom prst="rect">
-            <a:avLst/>
-          </a:prstGeom>
-          <a:effectLst>
-            <a:glow rad="25400">
-              <a:schemeClr val="bg1">
-                <a:alpha val="40000"/>
-              </a:schemeClr>
-            </a:glow>
-          </a:effectLst>
-        </p:spPr>
-      </p:pic>
-      <p:sp>
-        <p:nvSpPr>
-          <p:cNvPr id="20" name="CuadroTexto 19">
-            <a:extLst>
-              <a:ext uri="{FF2B5EF4-FFF2-40B4-BE49-F238E27FC236}">
-                <a16:creationId xmlns:a16="http://schemas.microsoft.com/office/drawing/2014/main" id="{BC515246-2D70-43C4-9490-C2DB84607B63}"/>
-              </a:ext>
-            </a:extLst>
-          </p:cNvPr>
-          <p:cNvSpPr txBox="1"/>
-          <p:nvPr/>
-        </p:nvSpPr>
-        <p:spPr>
-          <a:xfrm>
-            <a:off x="2491645" y="2103479"/>
-            <a:ext cx="1376218" cy="369332"/>
-          </a:xfrm>
-          <a:prstGeom prst="rect">
-            <a:avLst/>
-          </a:prstGeom>
-          <a:noFill/>
-        </p:spPr>
-        <p:txBody>
-          <a:bodyPr wrap="square" rtlCol="0">
-            <a:spAutoFit/>
-          </a:bodyPr>
-          <a:lstStyle/>
-          <a:p>
-            <a:r>
-              <a:rPr lang="en-US" dirty="0">
-                <a:solidFill>
-                  <a:schemeClr val="bg1"/>
-                </a:solidFill>
-              </a:rPr>
-              <a:t>implements</a:t>
-            </a:r>
-          </a:p>
-        </p:txBody>
-      </p:sp>
-      <p:cxnSp>
-        <p:nvCxnSpPr>
-          <p:cNvPr id="27" name="Conector recto de flecha 26">
-            <a:extLst>
-              <a:ext uri="{FF2B5EF4-FFF2-40B4-BE49-F238E27FC236}">
-                <a16:creationId xmlns:a16="http://schemas.microsoft.com/office/drawing/2014/main" id="{4B88947E-6AF8-4F12-A84D-22205FA18A23}"/>
-              </a:ext>
-            </a:extLst>
-          </p:cNvPr>
-          <p:cNvCxnSpPr>
-            <a:cxnSpLocks/>
-            <a:stCxn id="17" idx="0"/>
-            <a:endCxn id="18" idx="2"/>
-          </p:cNvCxnSpPr>
-          <p:nvPr/>
-        </p:nvCxnSpPr>
-        <p:spPr>
-          <a:xfrm flipH="1" flipV="1">
-            <a:off x="2491645" y="1921884"/>
-            <a:ext cx="1" cy="678441"/>
-          </a:xfrm>
-          <a:prstGeom prst="straightConnector1">
-            <a:avLst/>
-          </a:prstGeom>
-          <a:ln w="12700">
-            <a:solidFill>
-              <a:schemeClr val="bg1"/>
-            </a:solidFill>
-            <a:tailEnd type="triangle"/>
-          </a:ln>
-        </p:spPr>
-        <p:style>
-          <a:lnRef idx="1">
-            <a:schemeClr val="accent1"/>
-          </a:lnRef>
-          <a:fillRef idx="0">
-            <a:schemeClr val="accent1"/>
-          </a:fillRef>
-          <a:effectRef idx="0">
-            <a:schemeClr val="accent1"/>
-          </a:effectRef>
-          <a:fontRef idx="minor">
-            <a:schemeClr val="tx1"/>
-          </a:fontRef>
-        </p:style>
-      </p:cxnSp>
-      <p:sp>
-        <p:nvSpPr>
-          <p:cNvPr id="28" name="CuadroTexto 27">
-            <a:extLst>
-              <a:ext uri="{FF2B5EF4-FFF2-40B4-BE49-F238E27FC236}">
-                <a16:creationId xmlns:a16="http://schemas.microsoft.com/office/drawing/2014/main" id="{4B2613B0-1FC0-43F3-A529-95CB9D285597}"/>
-              </a:ext>
-            </a:extLst>
-          </p:cNvPr>
-          <p:cNvSpPr txBox="1"/>
-          <p:nvPr/>
-        </p:nvSpPr>
-        <p:spPr>
-          <a:xfrm>
-            <a:off x="175796" y="4107441"/>
-            <a:ext cx="1376218" cy="369332"/>
-          </a:xfrm>
-          <a:prstGeom prst="rect">
-            <a:avLst/>
-          </a:prstGeom>
-          <a:noFill/>
-        </p:spPr>
-        <p:txBody>
-          <a:bodyPr wrap="square" rtlCol="0">
-            <a:spAutoFit/>
-          </a:bodyPr>
-          <a:lstStyle/>
-          <a:p>
-            <a:r>
-              <a:rPr lang="en-US" dirty="0">
-                <a:solidFill>
-                  <a:schemeClr val="bg1"/>
-                </a:solidFill>
-              </a:rPr>
-              <a:t>Usage:</a:t>
-            </a:r>
-          </a:p>
-        </p:txBody>
-      </p:sp>
-      <p:sp>
-        <p:nvSpPr>
-          <p:cNvPr id="30" name="CuadroTexto 29">
-            <a:extLst>
-              <a:ext uri="{FF2B5EF4-FFF2-40B4-BE49-F238E27FC236}">
-                <a16:creationId xmlns:a16="http://schemas.microsoft.com/office/drawing/2014/main" id="{569BCF64-BAC8-4FD5-8908-9AD9B1AE6942}"/>
-              </a:ext>
-            </a:extLst>
-          </p:cNvPr>
-          <p:cNvSpPr txBox="1"/>
-          <p:nvPr/>
-        </p:nvSpPr>
-        <p:spPr>
-          <a:xfrm>
-            <a:off x="4852727" y="2639825"/>
-            <a:ext cx="1921092" cy="369332"/>
-          </a:xfrm>
-          <a:prstGeom prst="rect">
-            <a:avLst/>
-          </a:prstGeom>
-          <a:noFill/>
-        </p:spPr>
-        <p:txBody>
-          <a:bodyPr wrap="square" rtlCol="0">
-            <a:spAutoFit/>
-          </a:bodyPr>
-          <a:lstStyle/>
-          <a:p>
-            <a:r>
-              <a:rPr lang="en-US" dirty="0">
-                <a:solidFill>
-                  <a:schemeClr val="bg1"/>
-                </a:solidFill>
-              </a:rPr>
-              <a:t>creates and stores</a:t>
-            </a:r>
-          </a:p>
-        </p:txBody>
-      </p:sp>
-      <p:cxnSp>
-        <p:nvCxnSpPr>
-          <p:cNvPr id="32" name="Conector recto de flecha 31">
-            <a:extLst>
-              <a:ext uri="{FF2B5EF4-FFF2-40B4-BE49-F238E27FC236}">
-                <a16:creationId xmlns:a16="http://schemas.microsoft.com/office/drawing/2014/main" id="{B23CEE8A-B932-43D2-8D21-F8D9AA2A80A1}"/>
-              </a:ext>
-            </a:extLst>
-          </p:cNvPr>
-          <p:cNvCxnSpPr>
-            <a:cxnSpLocks/>
-            <a:stCxn id="16" idx="1"/>
-            <a:endCxn id="17" idx="3"/>
-          </p:cNvCxnSpPr>
-          <p:nvPr/>
-        </p:nvCxnSpPr>
-        <p:spPr>
-          <a:xfrm flipH="1">
-            <a:off x="4696683" y="3014662"/>
-            <a:ext cx="2077136" cy="1"/>
-          </a:xfrm>
-          <a:prstGeom prst="straightConnector1">
-            <a:avLst/>
-          </a:prstGeom>
-          <a:ln w="12700">
-            <a:solidFill>
-              <a:schemeClr val="bg1"/>
-            </a:solidFill>
-            <a:tailEnd type="triangle"/>
-          </a:ln>
-        </p:spPr>
-        <p:style>
-          <a:lnRef idx="1">
-            <a:schemeClr val="accent1"/>
-          </a:lnRef>
-          <a:fillRef idx="0">
-            <a:schemeClr val="accent1"/>
-          </a:fillRef>
-          <a:effectRef idx="0">
-            <a:schemeClr val="accent1"/>
-          </a:effectRef>
-          <a:fontRef idx="minor">
-            <a:schemeClr val="tx1"/>
-          </a:fontRef>
-        </p:style>
-      </p:cxnSp>
+          <p:cNvPr id="2" name="Título 1">
+            <a:extLst>
+              <a:ext uri="{FF2B5EF4-FFF2-40B4-BE49-F238E27FC236}">
+                <a16:creationId xmlns:a16="http://schemas.microsoft.com/office/drawing/2014/main" id="{76BD9A5A-574E-4A01-B4A1-C92D21C4F273}"/>
+              </a:ext>
+            </a:extLst>
+          </p:cNvPr>
+          <p:cNvSpPr>
+            <a:spLocks noGrp="1"/>
+          </p:cNvSpPr>
+          <p:nvPr>
+            <p:ph type="title"/>
+          </p:nvPr>
+        </p:nvSpPr>
+        <p:spPr/>
+        <p:txBody>
+          <a:bodyPr/>
+          <a:lstStyle/>
+          <a:p>
+            <a:r>
+              <a:rPr lang="en-US" dirty="0"/>
+              <a:t>¿Por </a:t>
+            </a:r>
+            <a:r>
+              <a:rPr lang="en-US" dirty="0" err="1"/>
+              <a:t>qué</a:t>
+            </a:r>
+            <a:r>
+              <a:rPr lang="en-US" dirty="0"/>
+              <a:t> </a:t>
+            </a:r>
+            <a:r>
+              <a:rPr lang="en-US" dirty="0" err="1"/>
+              <a:t>aplicamos</a:t>
+            </a:r>
+            <a:r>
+              <a:rPr lang="en-US" dirty="0"/>
+              <a:t> </a:t>
+            </a:r>
+            <a:r>
+              <a:rPr lang="en-US" dirty="0" err="1"/>
+              <a:t>este</a:t>
+            </a:r>
+            <a:r>
+              <a:rPr lang="en-US" dirty="0"/>
+              <a:t> </a:t>
+            </a:r>
+            <a:r>
+              <a:rPr lang="en-US" dirty="0" err="1"/>
+              <a:t>patrón</a:t>
+            </a:r>
+            <a:r>
+              <a:rPr lang="en-US" dirty="0"/>
+              <a:t>?</a:t>
+            </a:r>
+          </a:p>
+        </p:txBody>
+      </p:sp>
+      <p:sp>
+        <p:nvSpPr>
+          <p:cNvPr id="3" name="Marcador de contenido 2">
+            <a:extLst>
+              <a:ext uri="{FF2B5EF4-FFF2-40B4-BE49-F238E27FC236}">
+                <a16:creationId xmlns:a16="http://schemas.microsoft.com/office/drawing/2014/main" id="{39BACE21-12A9-4ABB-9AA1-D3BFDA8198C9}"/>
+              </a:ext>
+            </a:extLst>
+          </p:cNvPr>
+          <p:cNvSpPr>
+            <a:spLocks noGrp="1"/>
+          </p:cNvSpPr>
+          <p:nvPr>
+            <p:ph idx="1"/>
+          </p:nvPr>
+        </p:nvSpPr>
+        <p:spPr/>
+        <p:txBody>
+          <a:bodyPr/>
+          <a:lstStyle/>
+          <a:p>
+            <a:pPr algn="just"/>
+            <a:r>
+              <a:rPr lang="en-US" dirty="0" err="1"/>
+              <a:t>Encapsulación</a:t>
+            </a:r>
+            <a:r>
+              <a:rPr lang="en-US" dirty="0"/>
+              <a:t>: El </a:t>
+            </a:r>
+            <a:r>
+              <a:rPr lang="en-US" dirty="0" err="1"/>
+              <a:t>cliente</a:t>
+            </a:r>
+            <a:r>
+              <a:rPr lang="en-US" dirty="0"/>
+              <a:t> no </a:t>
+            </a:r>
+            <a:r>
+              <a:rPr lang="en-US" dirty="0" err="1"/>
+              <a:t>conoce</a:t>
+            </a:r>
+            <a:r>
+              <a:rPr lang="en-US" dirty="0"/>
+              <a:t> </a:t>
+            </a:r>
+            <a:r>
+              <a:rPr lang="en-US" dirty="0" err="1"/>
+              <a:t>ni</a:t>
+            </a:r>
+            <a:r>
+              <a:rPr lang="en-US" dirty="0"/>
+              <a:t> </a:t>
+            </a:r>
+            <a:r>
+              <a:rPr lang="en-US" dirty="0" err="1"/>
+              <a:t>depende</a:t>
+            </a:r>
+            <a:r>
+              <a:rPr lang="en-US" dirty="0"/>
+              <a:t> de la </a:t>
+            </a:r>
+            <a:r>
+              <a:rPr lang="en-US" dirty="0" err="1"/>
+              <a:t>implementación</a:t>
+            </a:r>
+            <a:r>
+              <a:rPr lang="en-US" dirty="0"/>
+              <a:t> </a:t>
+            </a:r>
+            <a:r>
+              <a:rPr lang="en-US" dirty="0" err="1"/>
+              <a:t>interna</a:t>
+            </a:r>
+            <a:r>
+              <a:rPr lang="en-US" dirty="0"/>
+              <a:t> de </a:t>
+            </a:r>
+            <a:r>
+              <a:rPr lang="en-US" dirty="0" err="1"/>
+              <a:t>cada</a:t>
+            </a:r>
+            <a:r>
+              <a:rPr lang="en-US" dirty="0"/>
+              <a:t> </a:t>
+            </a:r>
+            <a:r>
+              <a:rPr lang="en-US" dirty="0" err="1"/>
+              <a:t>operación</a:t>
+            </a:r>
+            <a:r>
+              <a:rPr lang="en-US" dirty="0"/>
+              <a:t>.</a:t>
+            </a:r>
+          </a:p>
+          <a:p>
+            <a:pPr algn="just"/>
+            <a:r>
+              <a:rPr lang="en-US" dirty="0" err="1"/>
+              <a:t>Versatilidad</a:t>
+            </a:r>
+            <a:r>
+              <a:rPr lang="en-US" dirty="0"/>
+              <a:t>: Podemos </a:t>
+            </a:r>
+            <a:r>
+              <a:rPr lang="en-US" dirty="0" err="1"/>
+              <a:t>cambiar</a:t>
+            </a:r>
+            <a:r>
+              <a:rPr lang="en-US" dirty="0"/>
+              <a:t> los </a:t>
+            </a:r>
+            <a:r>
+              <a:rPr lang="en-US" dirty="0" err="1"/>
+              <a:t>subsistemas</a:t>
+            </a:r>
+            <a:r>
+              <a:rPr lang="en-US" dirty="0"/>
+              <a:t> o </a:t>
+            </a:r>
+            <a:r>
+              <a:rPr lang="en-US" dirty="0" err="1"/>
+              <a:t>módulos</a:t>
+            </a:r>
+            <a:r>
+              <a:rPr lang="en-US" dirty="0"/>
+              <a:t> </a:t>
+            </a:r>
+            <a:r>
+              <a:rPr lang="en-US" dirty="0" err="1"/>
+              <a:t>implicados</a:t>
+            </a:r>
+            <a:r>
+              <a:rPr lang="en-US" dirty="0"/>
+              <a:t> </a:t>
+            </a:r>
+            <a:r>
+              <a:rPr lang="en-US" dirty="0" err="1"/>
+              <a:t>en</a:t>
+            </a:r>
+            <a:r>
+              <a:rPr lang="en-US" dirty="0"/>
+              <a:t> </a:t>
+            </a:r>
+            <a:r>
+              <a:rPr lang="en-US" dirty="0" err="1"/>
+              <a:t>cada</a:t>
+            </a:r>
+            <a:r>
+              <a:rPr lang="en-US" dirty="0"/>
+              <a:t> </a:t>
+            </a:r>
+            <a:r>
+              <a:rPr lang="en-US" dirty="0" err="1"/>
+              <a:t>operación</a:t>
+            </a:r>
+            <a:r>
+              <a:rPr lang="en-US" dirty="0"/>
+              <a:t> sin romper la </a:t>
+            </a:r>
+            <a:r>
+              <a:rPr lang="en-US" dirty="0" err="1"/>
+              <a:t>compatibilidad</a:t>
+            </a:r>
+            <a:r>
+              <a:rPr lang="en-US" dirty="0"/>
+              <a:t> con el </a:t>
+            </a:r>
+            <a:r>
+              <a:rPr lang="en-US" dirty="0" err="1"/>
+              <a:t>cliente</a:t>
+            </a:r>
+            <a:r>
+              <a:rPr lang="en-US" dirty="0"/>
+              <a:t>. </a:t>
+            </a:r>
+            <a:r>
+              <a:rPr lang="en-US" dirty="0" err="1"/>
+              <a:t>Incluso</a:t>
+            </a:r>
+            <a:r>
+              <a:rPr lang="en-US" dirty="0"/>
+              <a:t> </a:t>
+            </a:r>
+            <a:r>
+              <a:rPr lang="en-US" dirty="0" err="1"/>
+              <a:t>podríamos</a:t>
+            </a:r>
+            <a:r>
+              <a:rPr lang="en-US" dirty="0"/>
+              <a:t> </a:t>
+            </a:r>
+            <a:r>
+              <a:rPr lang="en-US" dirty="0" err="1"/>
+              <a:t>cambiar</a:t>
+            </a:r>
+            <a:r>
+              <a:rPr lang="en-US" dirty="0"/>
+              <a:t> la </a:t>
+            </a:r>
+            <a:r>
+              <a:rPr lang="en-US" dirty="0" err="1"/>
+              <a:t>fachada</a:t>
+            </a:r>
+            <a:r>
+              <a:rPr lang="en-US" dirty="0"/>
+              <a:t> </a:t>
+            </a:r>
+            <a:r>
+              <a:rPr lang="en-US" dirty="0" err="1"/>
+              <a:t>siempre</a:t>
+            </a:r>
+            <a:r>
+              <a:rPr lang="en-US" dirty="0"/>
+              <a:t> que </a:t>
+            </a:r>
+            <a:r>
+              <a:rPr lang="en-US" dirty="0" err="1"/>
+              <a:t>cumpliera</a:t>
+            </a:r>
+            <a:r>
+              <a:rPr lang="en-US" dirty="0"/>
+              <a:t> la </a:t>
+            </a:r>
+            <a:r>
+              <a:rPr lang="en-US" dirty="0" err="1"/>
+              <a:t>misma</a:t>
+            </a:r>
+            <a:r>
+              <a:rPr lang="en-US" dirty="0"/>
+              <a:t> </a:t>
+            </a:r>
+            <a:r>
+              <a:rPr lang="en-US" dirty="0" err="1"/>
+              <a:t>interfaz</a:t>
+            </a:r>
+            <a:r>
+              <a:rPr lang="en-US" dirty="0"/>
+              <a:t>.</a:t>
+            </a:r>
+          </a:p>
+        </p:txBody>
+      </p:sp>
     </p:spTree>
     <p:extLst>
       <p:ext uri="{BB962C8B-B14F-4D97-AF65-F5344CB8AC3E}">
-        <p14:creationId xmlns:p14="http://schemas.microsoft.com/office/powerpoint/2010/main" val="3474419071"/>
+        <p14:creationId xmlns:p14="http://schemas.microsoft.com/office/powerpoint/2010/main" val="1536784634"/>
       </p:ext>
     </p:extLst>
   </p:cSld>
@@ -7163,6 +6823,989 @@
       </p:grpSpPr>
       <p:sp>
         <p:nvSpPr>
+          <p:cNvPr id="17" name="CuadroTexto 16">
+            <a:extLst>
+              <a:ext uri="{FF2B5EF4-FFF2-40B4-BE49-F238E27FC236}">
+                <a16:creationId xmlns:a16="http://schemas.microsoft.com/office/drawing/2014/main" id="{5C456F47-1C52-4FA5-A369-2F5203D67ABD}"/>
+              </a:ext>
+            </a:extLst>
+          </p:cNvPr>
+          <p:cNvSpPr txBox="1"/>
+          <p:nvPr/>
+        </p:nvSpPr>
+        <p:spPr>
+          <a:xfrm>
+            <a:off x="361700" y="215130"/>
+            <a:ext cx="3397994" cy="646331"/>
+          </a:xfrm>
+          <a:prstGeom prst="rect">
+            <a:avLst/>
+          </a:prstGeom>
+          <a:noFill/>
+        </p:spPr>
+        <p:txBody>
+          <a:bodyPr wrap="square" rtlCol="0">
+            <a:spAutoFit/>
+          </a:bodyPr>
+          <a:lstStyle/>
+          <a:p>
+            <a:r>
+              <a:rPr lang="en-US" sz="3600" dirty="0">
+                <a:solidFill>
+                  <a:srgbClr val="53A2D3"/>
+                </a:solidFill>
+              </a:rPr>
+              <a:t>Mundo real</a:t>
+            </a:r>
+          </a:p>
+        </p:txBody>
+      </p:sp>
+      <p:pic>
+        <p:nvPicPr>
+          <p:cNvPr id="7" name="Imagen 6">
+            <a:extLst>
+              <a:ext uri="{FF2B5EF4-FFF2-40B4-BE49-F238E27FC236}">
+                <a16:creationId xmlns:a16="http://schemas.microsoft.com/office/drawing/2014/main" id="{6B5ECB1A-A92D-46D4-9682-2248BD91ECA8}"/>
+              </a:ext>
+            </a:extLst>
+          </p:cNvPr>
+          <p:cNvPicPr>
+            <a:picLocks noChangeAspect="1"/>
+          </p:cNvPicPr>
+          <p:nvPr/>
+        </p:nvPicPr>
+        <p:blipFill>
+          <a:blip r:embed="rId2"/>
+          <a:stretch>
+            <a:fillRect/>
+          </a:stretch>
+        </p:blipFill>
+        <p:spPr>
+          <a:xfrm>
+            <a:off x="187819" y="5532582"/>
+            <a:ext cx="7143750" cy="923925"/>
+          </a:xfrm>
+          <a:prstGeom prst="rect">
+            <a:avLst/>
+          </a:prstGeom>
+          <a:effectLst>
+            <a:glow rad="25400">
+              <a:schemeClr val="bg1">
+                <a:alpha val="40000"/>
+              </a:schemeClr>
+            </a:glow>
+          </a:effectLst>
+        </p:spPr>
+      </p:pic>
+      <p:pic>
+        <p:nvPicPr>
+          <p:cNvPr id="8" name="Imagen 7">
+            <a:extLst>
+              <a:ext uri="{FF2B5EF4-FFF2-40B4-BE49-F238E27FC236}">
+                <a16:creationId xmlns:a16="http://schemas.microsoft.com/office/drawing/2014/main" id="{485C5F0C-7AD6-4DE3-9926-D9F267B388D9}"/>
+              </a:ext>
+            </a:extLst>
+          </p:cNvPr>
+          <p:cNvPicPr>
+            <a:picLocks noChangeAspect="1"/>
+          </p:cNvPicPr>
+          <p:nvPr/>
+        </p:nvPicPr>
+        <p:blipFill>
+          <a:blip r:embed="rId3"/>
+          <a:stretch>
+            <a:fillRect/>
+          </a:stretch>
+        </p:blipFill>
+        <p:spPr>
+          <a:xfrm>
+            <a:off x="284838" y="1612601"/>
+            <a:ext cx="6524625" cy="3305175"/>
+          </a:xfrm>
+          <a:prstGeom prst="rect">
+            <a:avLst/>
+          </a:prstGeom>
+        </p:spPr>
+      </p:pic>
+      <p:pic>
+        <p:nvPicPr>
+          <p:cNvPr id="11" name="Imagen 10">
+            <a:extLst>
+              <a:ext uri="{FF2B5EF4-FFF2-40B4-BE49-F238E27FC236}">
+                <a16:creationId xmlns:a16="http://schemas.microsoft.com/office/drawing/2014/main" id="{A16E7029-5441-49AB-A7B5-6206776246F1}"/>
+              </a:ext>
+            </a:extLst>
+          </p:cNvPr>
+          <p:cNvPicPr>
+            <a:picLocks noChangeAspect="1"/>
+          </p:cNvPicPr>
+          <p:nvPr/>
+        </p:nvPicPr>
+        <p:blipFill>
+          <a:blip r:embed="rId4"/>
+          <a:stretch>
+            <a:fillRect/>
+          </a:stretch>
+        </p:blipFill>
+        <p:spPr>
+          <a:xfrm>
+            <a:off x="284838" y="1228141"/>
+            <a:ext cx="7301926" cy="199370"/>
+          </a:xfrm>
+          <a:prstGeom prst="rect">
+            <a:avLst/>
+          </a:prstGeom>
+        </p:spPr>
+      </p:pic>
+      <p:pic>
+        <p:nvPicPr>
+          <p:cNvPr id="1026" name="Picture 2" descr="Resultado de imagen de logo npm transparent">
+            <a:extLst>
+              <a:ext uri="{FF2B5EF4-FFF2-40B4-BE49-F238E27FC236}">
+                <a16:creationId xmlns:a16="http://schemas.microsoft.com/office/drawing/2014/main" id="{F7D3756D-28EE-4EF9-8F51-70576B101ADA}"/>
+              </a:ext>
+            </a:extLst>
+          </p:cNvPr>
+          <p:cNvPicPr>
+            <a:picLocks noChangeAspect="1" noChangeArrowheads="1"/>
+          </p:cNvPicPr>
+          <p:nvPr/>
+        </p:nvPicPr>
+        <p:blipFill>
+          <a:blip r:embed="rId5">
+            <a:extLst>
+              <a:ext uri="{28A0092B-C50C-407E-A947-70E740481C1C}">
+                <a14:useLocalDpi xmlns:a14="http://schemas.microsoft.com/office/drawing/2010/main" val="0"/>
+              </a:ext>
+            </a:extLst>
+          </a:blip>
+          <a:srcRect/>
+          <a:stretch>
+            <a:fillRect/>
+          </a:stretch>
+        </p:blipFill>
+        <p:spPr bwMode="auto">
+          <a:xfrm>
+            <a:off x="9854119" y="1612601"/>
+            <a:ext cx="1488332" cy="581768"/>
+          </a:xfrm>
+          <a:prstGeom prst="rect">
+            <a:avLst/>
+          </a:prstGeom>
+          <a:noFill/>
+          <a:extLst>
+            <a:ext uri="{909E8E84-426E-40DD-AFC4-6F175D3DCCD1}">
+              <a14:hiddenFill xmlns:a14="http://schemas.microsoft.com/office/drawing/2010/main">
+                <a:solidFill>
+                  <a:srgbClr val="FFFFFF"/>
+                </a:solidFill>
+              </a14:hiddenFill>
+            </a:ext>
+          </a:extLst>
+        </p:spPr>
+      </p:pic>
+      <p:sp>
+        <p:nvSpPr>
+          <p:cNvPr id="26" name="CuadroTexto 25">
+            <a:extLst>
+              <a:ext uri="{FF2B5EF4-FFF2-40B4-BE49-F238E27FC236}">
+                <a16:creationId xmlns:a16="http://schemas.microsoft.com/office/drawing/2014/main" id="{972226EF-8B2E-4D84-8E4C-84DDF0123273}"/>
+              </a:ext>
+            </a:extLst>
+          </p:cNvPr>
+          <p:cNvSpPr txBox="1"/>
+          <p:nvPr/>
+        </p:nvSpPr>
+        <p:spPr>
+          <a:xfrm>
+            <a:off x="9505700" y="2320155"/>
+            <a:ext cx="3397994" cy="400110"/>
+          </a:xfrm>
+          <a:prstGeom prst="rect">
+            <a:avLst/>
+          </a:prstGeom>
+          <a:noFill/>
+        </p:spPr>
+        <p:txBody>
+          <a:bodyPr wrap="square" rtlCol="0">
+            <a:spAutoFit/>
+          </a:bodyPr>
+          <a:lstStyle/>
+          <a:p>
+            <a:r>
+              <a:rPr lang="en-US" sz="2000" dirty="0">
+                <a:solidFill>
+                  <a:srgbClr val="53A2D3"/>
+                </a:solidFill>
+              </a:rPr>
+              <a:t>ng2-tooltip-directive</a:t>
+            </a:r>
+          </a:p>
+        </p:txBody>
+      </p:sp>
+      <p:sp>
+        <p:nvSpPr>
+          <p:cNvPr id="12" name="CuadroTexto 11">
+            <a:extLst>
+              <a:ext uri="{FF2B5EF4-FFF2-40B4-BE49-F238E27FC236}">
+                <a16:creationId xmlns:a16="http://schemas.microsoft.com/office/drawing/2014/main" id="{4984E2BF-9736-48EF-99A3-6D7FCC5212CD}"/>
+              </a:ext>
+            </a:extLst>
+          </p:cNvPr>
+          <p:cNvSpPr txBox="1"/>
+          <p:nvPr/>
+        </p:nvSpPr>
+        <p:spPr>
+          <a:xfrm>
+            <a:off x="187819" y="1099226"/>
+            <a:ext cx="8148785" cy="3818550"/>
+          </a:xfrm>
+          <a:prstGeom prst="rect">
+            <a:avLst/>
+          </a:prstGeom>
+          <a:noFill/>
+          <a:ln>
+            <a:solidFill>
+              <a:schemeClr val="bg1"/>
+            </a:solidFill>
+          </a:ln>
+        </p:spPr>
+        <p:txBody>
+          <a:bodyPr wrap="square" rtlCol="0">
+            <a:spAutoFit/>
+          </a:bodyPr>
+          <a:lstStyle/>
+          <a:p>
+            <a:endParaRPr lang="en-US" dirty="0"/>
+          </a:p>
+        </p:txBody>
+      </p:sp>
+      <p:sp>
+        <p:nvSpPr>
+          <p:cNvPr id="13" name="CuadroTexto 12">
+            <a:extLst>
+              <a:ext uri="{FF2B5EF4-FFF2-40B4-BE49-F238E27FC236}">
+                <a16:creationId xmlns:a16="http://schemas.microsoft.com/office/drawing/2014/main" id="{1733F97F-1B01-4732-8962-ACD71ACB8E6E}"/>
+              </a:ext>
+            </a:extLst>
+          </p:cNvPr>
+          <p:cNvSpPr txBox="1"/>
+          <p:nvPr/>
+        </p:nvSpPr>
+        <p:spPr>
+          <a:xfrm>
+            <a:off x="9289790" y="1099226"/>
+            <a:ext cx="2616990" cy="2013626"/>
+          </a:xfrm>
+          <a:prstGeom prst="rect">
+            <a:avLst/>
+          </a:prstGeom>
+          <a:noFill/>
+          <a:ln>
+            <a:solidFill>
+              <a:schemeClr val="bg1"/>
+            </a:solidFill>
+          </a:ln>
+        </p:spPr>
+        <p:txBody>
+          <a:bodyPr wrap="square" rtlCol="0">
+            <a:spAutoFit/>
+          </a:bodyPr>
+          <a:lstStyle/>
+          <a:p>
+            <a:endParaRPr lang="en-US" dirty="0"/>
+          </a:p>
+        </p:txBody>
+      </p:sp>
+      <p:cxnSp>
+        <p:nvCxnSpPr>
+          <p:cNvPr id="28" name="Conector recto de flecha 27">
+            <a:extLst>
+              <a:ext uri="{FF2B5EF4-FFF2-40B4-BE49-F238E27FC236}">
+                <a16:creationId xmlns:a16="http://schemas.microsoft.com/office/drawing/2014/main" id="{18FB9522-FFDE-4F56-8C3D-450F4BFAB028}"/>
+              </a:ext>
+            </a:extLst>
+          </p:cNvPr>
+          <p:cNvCxnSpPr>
+            <a:cxnSpLocks/>
+            <a:endCxn id="13" idx="1"/>
+          </p:cNvCxnSpPr>
+          <p:nvPr/>
+        </p:nvCxnSpPr>
+        <p:spPr>
+          <a:xfrm>
+            <a:off x="8336604" y="2106039"/>
+            <a:ext cx="953186" cy="0"/>
+          </a:xfrm>
+          <a:prstGeom prst="straightConnector1">
+            <a:avLst/>
+          </a:prstGeom>
+          <a:ln w="12700">
+            <a:solidFill>
+              <a:schemeClr val="bg1"/>
+            </a:solidFill>
+            <a:tailEnd type="triangle"/>
+          </a:ln>
+        </p:spPr>
+        <p:style>
+          <a:lnRef idx="1">
+            <a:schemeClr val="accent1"/>
+          </a:lnRef>
+          <a:fillRef idx="0">
+            <a:schemeClr val="accent1"/>
+          </a:fillRef>
+          <a:effectRef idx="0">
+            <a:schemeClr val="accent1"/>
+          </a:effectRef>
+          <a:fontRef idx="minor">
+            <a:schemeClr val="tx1"/>
+          </a:fontRef>
+        </p:style>
+      </p:cxnSp>
+      <p:sp>
+        <p:nvSpPr>
+          <p:cNvPr id="29" name="CuadroTexto 28">
+            <a:extLst>
+              <a:ext uri="{FF2B5EF4-FFF2-40B4-BE49-F238E27FC236}">
+                <a16:creationId xmlns:a16="http://schemas.microsoft.com/office/drawing/2014/main" id="{982B0BDA-8245-4D8E-BB1B-71C259DD536C}"/>
+              </a:ext>
+            </a:extLst>
+          </p:cNvPr>
+          <p:cNvSpPr txBox="1"/>
+          <p:nvPr/>
+        </p:nvSpPr>
+        <p:spPr>
+          <a:xfrm>
+            <a:off x="97621" y="5155541"/>
+            <a:ext cx="1376218" cy="369332"/>
+          </a:xfrm>
+          <a:prstGeom prst="rect">
+            <a:avLst/>
+          </a:prstGeom>
+          <a:noFill/>
+        </p:spPr>
+        <p:txBody>
+          <a:bodyPr wrap="square" rtlCol="0">
+            <a:spAutoFit/>
+          </a:bodyPr>
+          <a:lstStyle/>
+          <a:p>
+            <a:r>
+              <a:rPr lang="en-US" dirty="0">
+                <a:solidFill>
+                  <a:schemeClr val="bg1"/>
+                </a:solidFill>
+              </a:rPr>
+              <a:t>Usage:</a:t>
+            </a:r>
+          </a:p>
+        </p:txBody>
+      </p:sp>
+      <p:sp>
+        <p:nvSpPr>
+          <p:cNvPr id="37" name="CuadroTexto 36">
+            <a:extLst>
+              <a:ext uri="{FF2B5EF4-FFF2-40B4-BE49-F238E27FC236}">
+                <a16:creationId xmlns:a16="http://schemas.microsoft.com/office/drawing/2014/main" id="{6E63413F-5101-430A-BCD4-8E659BABAA8D}"/>
+              </a:ext>
+            </a:extLst>
+          </p:cNvPr>
+          <p:cNvSpPr txBox="1"/>
+          <p:nvPr/>
+        </p:nvSpPr>
+        <p:spPr>
+          <a:xfrm>
+            <a:off x="8433623" y="1742902"/>
+            <a:ext cx="1376218" cy="369332"/>
+          </a:xfrm>
+          <a:prstGeom prst="rect">
+            <a:avLst/>
+          </a:prstGeom>
+          <a:noFill/>
+        </p:spPr>
+        <p:txBody>
+          <a:bodyPr wrap="square" rtlCol="0">
+            <a:spAutoFit/>
+          </a:bodyPr>
+          <a:lstStyle/>
+          <a:p>
+            <a:r>
+              <a:rPr lang="en-US" dirty="0">
+                <a:solidFill>
+                  <a:schemeClr val="bg1"/>
+                </a:solidFill>
+              </a:rPr>
+              <a:t>calls</a:t>
+            </a:r>
+          </a:p>
+        </p:txBody>
+      </p:sp>
+    </p:spTree>
+    <p:extLst>
+      <p:ext uri="{BB962C8B-B14F-4D97-AF65-F5344CB8AC3E}">
+        <p14:creationId xmlns:p14="http://schemas.microsoft.com/office/powerpoint/2010/main" val="458315806"/>
+      </p:ext>
+    </p:extLst>
+  </p:cSld>
+  <p:clrMapOvr>
+    <a:masterClrMapping/>
+  </p:clrMapOvr>
+</p:sld>
+</file>
+
+<file path=ppt/slides/slide22.xml><?xml version="1.0" encoding="utf-8"?>
+<p:sld xmlns:a="http://schemas.openxmlformats.org/drawingml/2006/main" xmlns:r="http://schemas.openxmlformats.org/officeDocument/2006/relationships" xmlns:p="http://schemas.openxmlformats.org/presentationml/2006/main">
+  <p:cSld>
+    <p:spTree>
+      <p:nvGrpSpPr>
+        <p:cNvPr id="1" name=""/>
+        <p:cNvGrpSpPr/>
+        <p:nvPr/>
+      </p:nvGrpSpPr>
+      <p:grpSpPr>
+        <a:xfrm>
+          <a:off x="0" y="0"/>
+          <a:ext cx="0" cy="0"/>
+          <a:chOff x="0" y="0"/>
+          <a:chExt cx="0" cy="0"/>
+        </a:xfrm>
+      </p:grpSpPr>
+      <p:sp>
+        <p:nvSpPr>
+          <p:cNvPr id="2" name="Título 1">
+            <a:extLst>
+              <a:ext uri="{FF2B5EF4-FFF2-40B4-BE49-F238E27FC236}">
+                <a16:creationId xmlns:a16="http://schemas.microsoft.com/office/drawing/2014/main" id="{51E579E3-4D4D-4391-A4DB-77F6C6DD84BE}"/>
+              </a:ext>
+            </a:extLst>
+          </p:cNvPr>
+          <p:cNvSpPr>
+            <a:spLocks noGrp="1"/>
+          </p:cNvSpPr>
+          <p:nvPr>
+            <p:ph type="title"/>
+          </p:nvPr>
+        </p:nvSpPr>
+        <p:spPr>
+          <a:xfrm>
+            <a:off x="900344" y="2766218"/>
+            <a:ext cx="10515600" cy="1325563"/>
+          </a:xfrm>
+        </p:spPr>
+        <p:txBody>
+          <a:bodyPr/>
+          <a:lstStyle/>
+          <a:p>
+            <a:r>
+              <a:rPr lang="es-ES" dirty="0" err="1">
+                <a:solidFill>
+                  <a:srgbClr val="000000"/>
+                </a:solidFill>
+                <a:latin typeface="Calibri" panose="020F0502020204030204" pitchFamily="34" charset="0"/>
+              </a:rPr>
+              <a:t>Flyweight</a:t>
+            </a:r>
+            <a:r>
+              <a:rPr lang="es-ES" dirty="0">
+                <a:solidFill>
+                  <a:srgbClr val="000000"/>
+                </a:solidFill>
+                <a:latin typeface="Calibri" panose="020F0502020204030204" pitchFamily="34" charset="0"/>
+              </a:rPr>
+              <a:t> </a:t>
+            </a:r>
+            <a:r>
+              <a:rPr lang="es-ES" dirty="0" err="1">
+                <a:solidFill>
+                  <a:srgbClr val="000000"/>
+                </a:solidFill>
+                <a:latin typeface="Calibri" panose="020F0502020204030204" pitchFamily="34" charset="0"/>
+              </a:rPr>
+              <a:t>pattern</a:t>
+            </a:r>
+            <a:endParaRPr lang="en-US" dirty="0"/>
+          </a:p>
+        </p:txBody>
+      </p:sp>
+    </p:spTree>
+    <p:extLst>
+      <p:ext uri="{BB962C8B-B14F-4D97-AF65-F5344CB8AC3E}">
+        <p14:creationId xmlns:p14="http://schemas.microsoft.com/office/powerpoint/2010/main" val="111627758"/>
+      </p:ext>
+    </p:extLst>
+  </p:cSld>
+  <p:clrMapOvr>
+    <a:masterClrMapping/>
+  </p:clrMapOvr>
+</p:sld>
+</file>
+
+<file path=ppt/slides/slide23.xml><?xml version="1.0" encoding="utf-8"?>
+<p:sld xmlns:a="http://schemas.openxmlformats.org/drawingml/2006/main" xmlns:r="http://schemas.openxmlformats.org/officeDocument/2006/relationships" xmlns:p="http://schemas.openxmlformats.org/presentationml/2006/main">
+  <p:cSld>
+    <p:bg>
+      <p:bgPr>
+        <a:solidFill>
+          <a:srgbClr val="1E1E1E"/>
+        </a:solidFill>
+        <a:effectLst/>
+      </p:bgPr>
+    </p:bg>
+    <p:spTree>
+      <p:nvGrpSpPr>
+        <p:cNvPr id="1" name=""/>
+        <p:cNvGrpSpPr/>
+        <p:nvPr/>
+      </p:nvGrpSpPr>
+      <p:grpSpPr>
+        <a:xfrm>
+          <a:off x="0" y="0"/>
+          <a:ext cx="0" cy="0"/>
+          <a:chOff x="0" y="0"/>
+          <a:chExt cx="0" cy="0"/>
+        </a:xfrm>
+      </p:grpSpPr>
+      <p:sp>
+        <p:nvSpPr>
+          <p:cNvPr id="31" name="CuadroTexto 30">
+            <a:extLst>
+              <a:ext uri="{FF2B5EF4-FFF2-40B4-BE49-F238E27FC236}">
+                <a16:creationId xmlns:a16="http://schemas.microsoft.com/office/drawing/2014/main" id="{FBF7026D-12F4-4541-8110-DE706094717A}"/>
+              </a:ext>
+            </a:extLst>
+          </p:cNvPr>
+          <p:cNvSpPr txBox="1"/>
+          <p:nvPr/>
+        </p:nvSpPr>
+        <p:spPr>
+          <a:xfrm>
+            <a:off x="484863" y="185392"/>
+            <a:ext cx="3397994" cy="646331"/>
+          </a:xfrm>
+          <a:prstGeom prst="rect">
+            <a:avLst/>
+          </a:prstGeom>
+          <a:noFill/>
+        </p:spPr>
+        <p:txBody>
+          <a:bodyPr wrap="square" rtlCol="0">
+            <a:spAutoFit/>
+          </a:bodyPr>
+          <a:lstStyle/>
+          <a:p>
+            <a:r>
+              <a:rPr lang="en-US" sz="3600" dirty="0" err="1">
+                <a:solidFill>
+                  <a:srgbClr val="53A2D3"/>
+                </a:solidFill>
+              </a:rPr>
+              <a:t>Teoría</a:t>
+            </a:r>
+            <a:endParaRPr lang="en-US" sz="3600" dirty="0">
+              <a:solidFill>
+                <a:srgbClr val="53A2D3"/>
+              </a:solidFill>
+            </a:endParaRPr>
+          </a:p>
+        </p:txBody>
+      </p:sp>
+      <p:pic>
+        <p:nvPicPr>
+          <p:cNvPr id="16" name="Imagen 15">
+            <a:extLst>
+              <a:ext uri="{FF2B5EF4-FFF2-40B4-BE49-F238E27FC236}">
+                <a16:creationId xmlns:a16="http://schemas.microsoft.com/office/drawing/2014/main" id="{8279B1F2-16FE-496F-83D6-D5898593528C}"/>
+              </a:ext>
+            </a:extLst>
+          </p:cNvPr>
+          <p:cNvPicPr>
+            <a:picLocks noChangeAspect="1"/>
+          </p:cNvPicPr>
+          <p:nvPr/>
+        </p:nvPicPr>
+        <p:blipFill>
+          <a:blip r:embed="rId2"/>
+          <a:stretch>
+            <a:fillRect/>
+          </a:stretch>
+        </p:blipFill>
+        <p:spPr>
+          <a:xfrm>
+            <a:off x="6773819" y="1330496"/>
+            <a:ext cx="5056334" cy="3368332"/>
+          </a:xfrm>
+          <a:prstGeom prst="rect">
+            <a:avLst/>
+          </a:prstGeom>
+          <a:effectLst>
+            <a:glow rad="25400">
+              <a:schemeClr val="bg1">
+                <a:alpha val="40000"/>
+              </a:schemeClr>
+            </a:glow>
+          </a:effectLst>
+        </p:spPr>
+      </p:pic>
+      <p:pic>
+        <p:nvPicPr>
+          <p:cNvPr id="17" name="Imagen 16">
+            <a:extLst>
+              <a:ext uri="{FF2B5EF4-FFF2-40B4-BE49-F238E27FC236}">
+                <a16:creationId xmlns:a16="http://schemas.microsoft.com/office/drawing/2014/main" id="{814408AF-29F6-49B7-8987-D380B75236D6}"/>
+              </a:ext>
+            </a:extLst>
+          </p:cNvPr>
+          <p:cNvPicPr>
+            <a:picLocks noChangeAspect="1"/>
+          </p:cNvPicPr>
+          <p:nvPr/>
+        </p:nvPicPr>
+        <p:blipFill>
+          <a:blip r:embed="rId3"/>
+          <a:stretch>
+            <a:fillRect/>
+          </a:stretch>
+        </p:blipFill>
+        <p:spPr>
+          <a:xfrm>
+            <a:off x="286608" y="2600325"/>
+            <a:ext cx="4410075" cy="828675"/>
+          </a:xfrm>
+          <a:prstGeom prst="rect">
+            <a:avLst/>
+          </a:prstGeom>
+          <a:effectLst>
+            <a:glow rad="25400">
+              <a:schemeClr val="bg1">
+                <a:alpha val="40000"/>
+              </a:schemeClr>
+            </a:glow>
+          </a:effectLst>
+        </p:spPr>
+      </p:pic>
+      <p:pic>
+        <p:nvPicPr>
+          <p:cNvPr id="18" name="Imagen 17">
+            <a:extLst>
+              <a:ext uri="{FF2B5EF4-FFF2-40B4-BE49-F238E27FC236}">
+                <a16:creationId xmlns:a16="http://schemas.microsoft.com/office/drawing/2014/main" id="{63B33F79-0635-479F-B1A9-CD9F7970F356}"/>
+              </a:ext>
+            </a:extLst>
+          </p:cNvPr>
+          <p:cNvPicPr>
+            <a:picLocks noChangeAspect="1"/>
+          </p:cNvPicPr>
+          <p:nvPr/>
+        </p:nvPicPr>
+        <p:blipFill>
+          <a:blip r:embed="rId4"/>
+          <a:stretch>
+            <a:fillRect/>
+          </a:stretch>
+        </p:blipFill>
+        <p:spPr>
+          <a:xfrm>
+            <a:off x="1034320" y="1197984"/>
+            <a:ext cx="2914650" cy="723900"/>
+          </a:xfrm>
+          <a:prstGeom prst="rect">
+            <a:avLst/>
+          </a:prstGeom>
+          <a:effectLst>
+            <a:glow rad="25400">
+              <a:schemeClr val="bg1">
+                <a:alpha val="40000"/>
+              </a:schemeClr>
+            </a:glow>
+          </a:effectLst>
+        </p:spPr>
+      </p:pic>
+      <p:pic>
+        <p:nvPicPr>
+          <p:cNvPr id="19" name="Imagen 18">
+            <a:extLst>
+              <a:ext uri="{FF2B5EF4-FFF2-40B4-BE49-F238E27FC236}">
+                <a16:creationId xmlns:a16="http://schemas.microsoft.com/office/drawing/2014/main" id="{9A539867-B6CE-43FE-94B2-B21383E97B22}"/>
+              </a:ext>
+            </a:extLst>
+          </p:cNvPr>
+          <p:cNvPicPr>
+            <a:picLocks noChangeAspect="1"/>
+          </p:cNvPicPr>
+          <p:nvPr/>
+        </p:nvPicPr>
+        <p:blipFill>
+          <a:blip r:embed="rId5"/>
+          <a:stretch>
+            <a:fillRect/>
+          </a:stretch>
+        </p:blipFill>
+        <p:spPr>
+          <a:xfrm>
+            <a:off x="286608" y="4512937"/>
+            <a:ext cx="5452844" cy="1886725"/>
+          </a:xfrm>
+          <a:prstGeom prst="rect">
+            <a:avLst/>
+          </a:prstGeom>
+          <a:effectLst>
+            <a:glow rad="25400">
+              <a:schemeClr val="bg1">
+                <a:alpha val="40000"/>
+              </a:schemeClr>
+            </a:glow>
+          </a:effectLst>
+        </p:spPr>
+      </p:pic>
+      <p:sp>
+        <p:nvSpPr>
+          <p:cNvPr id="20" name="CuadroTexto 19">
+            <a:extLst>
+              <a:ext uri="{FF2B5EF4-FFF2-40B4-BE49-F238E27FC236}">
+                <a16:creationId xmlns:a16="http://schemas.microsoft.com/office/drawing/2014/main" id="{BC515246-2D70-43C4-9490-C2DB84607B63}"/>
+              </a:ext>
+            </a:extLst>
+          </p:cNvPr>
+          <p:cNvSpPr txBox="1"/>
+          <p:nvPr/>
+        </p:nvSpPr>
+        <p:spPr>
+          <a:xfrm>
+            <a:off x="2491645" y="2103479"/>
+            <a:ext cx="1376218" cy="369332"/>
+          </a:xfrm>
+          <a:prstGeom prst="rect">
+            <a:avLst/>
+          </a:prstGeom>
+          <a:noFill/>
+        </p:spPr>
+        <p:txBody>
+          <a:bodyPr wrap="square" rtlCol="0">
+            <a:spAutoFit/>
+          </a:bodyPr>
+          <a:lstStyle/>
+          <a:p>
+            <a:r>
+              <a:rPr lang="en-US" dirty="0">
+                <a:solidFill>
+                  <a:schemeClr val="bg1"/>
+                </a:solidFill>
+              </a:rPr>
+              <a:t>implements</a:t>
+            </a:r>
+          </a:p>
+        </p:txBody>
+      </p:sp>
+      <p:cxnSp>
+        <p:nvCxnSpPr>
+          <p:cNvPr id="27" name="Conector recto de flecha 26">
+            <a:extLst>
+              <a:ext uri="{FF2B5EF4-FFF2-40B4-BE49-F238E27FC236}">
+                <a16:creationId xmlns:a16="http://schemas.microsoft.com/office/drawing/2014/main" id="{4B88947E-6AF8-4F12-A84D-22205FA18A23}"/>
+              </a:ext>
+            </a:extLst>
+          </p:cNvPr>
+          <p:cNvCxnSpPr>
+            <a:cxnSpLocks/>
+            <a:stCxn id="17" idx="0"/>
+            <a:endCxn id="18" idx="2"/>
+          </p:cNvCxnSpPr>
+          <p:nvPr/>
+        </p:nvCxnSpPr>
+        <p:spPr>
+          <a:xfrm flipH="1" flipV="1">
+            <a:off x="2491645" y="1921884"/>
+            <a:ext cx="1" cy="678441"/>
+          </a:xfrm>
+          <a:prstGeom prst="straightConnector1">
+            <a:avLst/>
+          </a:prstGeom>
+          <a:ln w="12700">
+            <a:solidFill>
+              <a:schemeClr val="bg1"/>
+            </a:solidFill>
+            <a:tailEnd type="triangle"/>
+          </a:ln>
+        </p:spPr>
+        <p:style>
+          <a:lnRef idx="1">
+            <a:schemeClr val="accent1"/>
+          </a:lnRef>
+          <a:fillRef idx="0">
+            <a:schemeClr val="accent1"/>
+          </a:fillRef>
+          <a:effectRef idx="0">
+            <a:schemeClr val="accent1"/>
+          </a:effectRef>
+          <a:fontRef idx="minor">
+            <a:schemeClr val="tx1"/>
+          </a:fontRef>
+        </p:style>
+      </p:cxnSp>
+      <p:sp>
+        <p:nvSpPr>
+          <p:cNvPr id="28" name="CuadroTexto 27">
+            <a:extLst>
+              <a:ext uri="{FF2B5EF4-FFF2-40B4-BE49-F238E27FC236}">
+                <a16:creationId xmlns:a16="http://schemas.microsoft.com/office/drawing/2014/main" id="{4B2613B0-1FC0-43F3-A529-95CB9D285597}"/>
+              </a:ext>
+            </a:extLst>
+          </p:cNvPr>
+          <p:cNvSpPr txBox="1"/>
+          <p:nvPr/>
+        </p:nvSpPr>
+        <p:spPr>
+          <a:xfrm>
+            <a:off x="175796" y="4107441"/>
+            <a:ext cx="1376218" cy="369332"/>
+          </a:xfrm>
+          <a:prstGeom prst="rect">
+            <a:avLst/>
+          </a:prstGeom>
+          <a:noFill/>
+        </p:spPr>
+        <p:txBody>
+          <a:bodyPr wrap="square" rtlCol="0">
+            <a:spAutoFit/>
+          </a:bodyPr>
+          <a:lstStyle/>
+          <a:p>
+            <a:r>
+              <a:rPr lang="en-US" dirty="0">
+                <a:solidFill>
+                  <a:schemeClr val="bg1"/>
+                </a:solidFill>
+              </a:rPr>
+              <a:t>Usage:</a:t>
+            </a:r>
+          </a:p>
+        </p:txBody>
+      </p:sp>
+      <p:sp>
+        <p:nvSpPr>
+          <p:cNvPr id="30" name="CuadroTexto 29">
+            <a:extLst>
+              <a:ext uri="{FF2B5EF4-FFF2-40B4-BE49-F238E27FC236}">
+                <a16:creationId xmlns:a16="http://schemas.microsoft.com/office/drawing/2014/main" id="{569BCF64-BAC8-4FD5-8908-9AD9B1AE6942}"/>
+              </a:ext>
+            </a:extLst>
+          </p:cNvPr>
+          <p:cNvSpPr txBox="1"/>
+          <p:nvPr/>
+        </p:nvSpPr>
+        <p:spPr>
+          <a:xfrm>
+            <a:off x="4852727" y="2639825"/>
+            <a:ext cx="1921092" cy="369332"/>
+          </a:xfrm>
+          <a:prstGeom prst="rect">
+            <a:avLst/>
+          </a:prstGeom>
+          <a:noFill/>
+        </p:spPr>
+        <p:txBody>
+          <a:bodyPr wrap="square" rtlCol="0">
+            <a:spAutoFit/>
+          </a:bodyPr>
+          <a:lstStyle/>
+          <a:p>
+            <a:r>
+              <a:rPr lang="en-US" dirty="0">
+                <a:solidFill>
+                  <a:schemeClr val="bg1"/>
+                </a:solidFill>
+              </a:rPr>
+              <a:t>creates and stores</a:t>
+            </a:r>
+          </a:p>
+        </p:txBody>
+      </p:sp>
+      <p:cxnSp>
+        <p:nvCxnSpPr>
+          <p:cNvPr id="32" name="Conector recto de flecha 31">
+            <a:extLst>
+              <a:ext uri="{FF2B5EF4-FFF2-40B4-BE49-F238E27FC236}">
+                <a16:creationId xmlns:a16="http://schemas.microsoft.com/office/drawing/2014/main" id="{B23CEE8A-B932-43D2-8D21-F8D9AA2A80A1}"/>
+              </a:ext>
+            </a:extLst>
+          </p:cNvPr>
+          <p:cNvCxnSpPr>
+            <a:cxnSpLocks/>
+            <a:stCxn id="16" idx="1"/>
+            <a:endCxn id="17" idx="3"/>
+          </p:cNvCxnSpPr>
+          <p:nvPr/>
+        </p:nvCxnSpPr>
+        <p:spPr>
+          <a:xfrm flipH="1">
+            <a:off x="4696683" y="3014662"/>
+            <a:ext cx="2077136" cy="1"/>
+          </a:xfrm>
+          <a:prstGeom prst="straightConnector1">
+            <a:avLst/>
+          </a:prstGeom>
+          <a:ln w="12700">
+            <a:solidFill>
+              <a:schemeClr val="bg1"/>
+            </a:solidFill>
+            <a:tailEnd type="triangle"/>
+          </a:ln>
+        </p:spPr>
+        <p:style>
+          <a:lnRef idx="1">
+            <a:schemeClr val="accent1"/>
+          </a:lnRef>
+          <a:fillRef idx="0">
+            <a:schemeClr val="accent1"/>
+          </a:fillRef>
+          <a:effectRef idx="0">
+            <a:schemeClr val="accent1"/>
+          </a:effectRef>
+          <a:fontRef idx="minor">
+            <a:schemeClr val="tx1"/>
+          </a:fontRef>
+        </p:style>
+      </p:cxnSp>
+    </p:spTree>
+    <p:extLst>
+      <p:ext uri="{BB962C8B-B14F-4D97-AF65-F5344CB8AC3E}">
+        <p14:creationId xmlns:p14="http://schemas.microsoft.com/office/powerpoint/2010/main" val="3474419071"/>
+      </p:ext>
+    </p:extLst>
+  </p:cSld>
+  <p:clrMapOvr>
+    <a:masterClrMapping/>
+  </p:clrMapOvr>
+</p:sld>
+</file>
+
+<file path=ppt/slides/slide24.xml><?xml version="1.0" encoding="utf-8"?>
+<p:sld xmlns:a="http://schemas.openxmlformats.org/drawingml/2006/main" xmlns:r="http://schemas.openxmlformats.org/officeDocument/2006/relationships" xmlns:p="http://schemas.openxmlformats.org/presentationml/2006/main">
+  <p:cSld>
+    <p:bg>
+      <p:bgPr>
+        <a:solidFill>
+          <a:srgbClr val="1E1E1E"/>
+        </a:solidFill>
+        <a:effectLst/>
+      </p:bgPr>
+    </p:bg>
+    <p:spTree>
+      <p:nvGrpSpPr>
+        <p:cNvPr id="1" name=""/>
+        <p:cNvGrpSpPr/>
+        <p:nvPr/>
+      </p:nvGrpSpPr>
+      <p:grpSpPr>
+        <a:xfrm>
+          <a:off x="0" y="0"/>
+          <a:ext cx="0" cy="0"/>
+          <a:chOff x="0" y="0"/>
+          <a:chExt cx="0" cy="0"/>
+        </a:xfrm>
+      </p:grpSpPr>
+      <p:sp>
+        <p:nvSpPr>
           <p:cNvPr id="19" name="CuadroTexto 18">
             <a:extLst>
               <a:ext uri="{FF2B5EF4-FFF2-40B4-BE49-F238E27FC236}">
@@ -7754,7 +8397,7 @@
 </p:sld>
 </file>
 
-<file path=ppt/slides/slide22.xml><?xml version="1.0" encoding="utf-8"?>
+<file path=ppt/slides/slide25.xml><?xml version="1.0" encoding="utf-8"?>
 <p:sld xmlns:a="http://schemas.openxmlformats.org/drawingml/2006/main" xmlns:r="http://schemas.openxmlformats.org/officeDocument/2006/relationships" xmlns:p="http://schemas.openxmlformats.org/presentationml/2006/main">
   <p:cSld>
     <p:spTree>
@@ -7879,7 +8522,7 @@
 </p:sld>
 </file>
 
-<file path=ppt/slides/slide23.xml><?xml version="1.0" encoding="utf-8"?>
+<file path=ppt/slides/slide26.xml><?xml version="1.0" encoding="utf-8"?>
 <p:sld xmlns:a="http://schemas.openxmlformats.org/drawingml/2006/main" xmlns:r="http://schemas.openxmlformats.org/officeDocument/2006/relationships" xmlns:p="http://schemas.openxmlformats.org/presentationml/2006/main">
   <p:cSld>
     <p:spTree>
@@ -7933,1363 +8576,6 @@
     <p:extLst>
       <p:ext uri="{BB962C8B-B14F-4D97-AF65-F5344CB8AC3E}">
         <p14:creationId xmlns:p14="http://schemas.microsoft.com/office/powerpoint/2010/main" val="2740739163"/>
-      </p:ext>
-    </p:extLst>
-  </p:cSld>
-  <p:clrMapOvr>
-    <a:masterClrMapping/>
-  </p:clrMapOvr>
-</p:sld>
-</file>
-
-<file path=ppt/slides/slide24.xml><?xml version="1.0" encoding="utf-8"?>
-<p:sld xmlns:a="http://schemas.openxmlformats.org/drawingml/2006/main" xmlns:r="http://schemas.openxmlformats.org/officeDocument/2006/relationships" xmlns:p="http://schemas.openxmlformats.org/presentationml/2006/main">
-  <p:cSld>
-    <p:spTree>
-      <p:nvGrpSpPr>
-        <p:cNvPr id="1" name=""/>
-        <p:cNvGrpSpPr/>
-        <p:nvPr/>
-      </p:nvGrpSpPr>
-      <p:grpSpPr>
-        <a:xfrm>
-          <a:off x="0" y="0"/>
-          <a:ext cx="0" cy="0"/>
-          <a:chOff x="0" y="0"/>
-          <a:chExt cx="0" cy="0"/>
-        </a:xfrm>
-      </p:grpSpPr>
-      <p:sp>
-        <p:nvSpPr>
-          <p:cNvPr id="2" name="Título 1">
-            <a:extLst>
-              <a:ext uri="{FF2B5EF4-FFF2-40B4-BE49-F238E27FC236}">
-                <a16:creationId xmlns:a16="http://schemas.microsoft.com/office/drawing/2014/main" id="{51E579E3-4D4D-4391-A4DB-77F6C6DD84BE}"/>
-              </a:ext>
-            </a:extLst>
-          </p:cNvPr>
-          <p:cNvSpPr>
-            <a:spLocks noGrp="1"/>
-          </p:cNvSpPr>
-          <p:nvPr>
-            <p:ph type="title"/>
-          </p:nvPr>
-        </p:nvSpPr>
-        <p:spPr>
-          <a:xfrm>
-            <a:off x="900344" y="2766218"/>
-            <a:ext cx="10515600" cy="1325563"/>
-          </a:xfrm>
-        </p:spPr>
-        <p:txBody>
-          <a:bodyPr/>
-          <a:lstStyle/>
-          <a:p>
-            <a:r>
-              <a:rPr lang="es-ES" dirty="0" err="1">
-                <a:solidFill>
-                  <a:srgbClr val="000000"/>
-                </a:solidFill>
-                <a:latin typeface="Calibri" panose="020F0502020204030204" pitchFamily="34" charset="0"/>
-              </a:rPr>
-              <a:t>Strategy</a:t>
-            </a:r>
-            <a:r>
-              <a:rPr lang="es-ES" dirty="0">
-                <a:solidFill>
-                  <a:srgbClr val="000000"/>
-                </a:solidFill>
-                <a:latin typeface="Calibri" panose="020F0502020204030204" pitchFamily="34" charset="0"/>
-              </a:rPr>
-              <a:t> </a:t>
-            </a:r>
-            <a:r>
-              <a:rPr lang="es-ES" dirty="0" err="1">
-                <a:solidFill>
-                  <a:srgbClr val="000000"/>
-                </a:solidFill>
-                <a:latin typeface="Calibri" panose="020F0502020204030204" pitchFamily="34" charset="0"/>
-              </a:rPr>
-              <a:t>pattern</a:t>
-            </a:r>
-            <a:endParaRPr lang="en-US" dirty="0"/>
-          </a:p>
-        </p:txBody>
-      </p:sp>
-    </p:spTree>
-    <p:extLst>
-      <p:ext uri="{BB962C8B-B14F-4D97-AF65-F5344CB8AC3E}">
-        <p14:creationId xmlns:p14="http://schemas.microsoft.com/office/powerpoint/2010/main" val="1428411220"/>
-      </p:ext>
-    </p:extLst>
-  </p:cSld>
-  <p:clrMapOvr>
-    <a:masterClrMapping/>
-  </p:clrMapOvr>
-</p:sld>
-</file>
-
-<file path=ppt/slides/slide25.xml><?xml version="1.0" encoding="utf-8"?>
-<p:sld xmlns:a="http://schemas.openxmlformats.org/drawingml/2006/main" xmlns:r="http://schemas.openxmlformats.org/officeDocument/2006/relationships" xmlns:p="http://schemas.openxmlformats.org/presentationml/2006/main">
-  <p:cSld>
-    <p:bg>
-      <p:bgPr>
-        <a:solidFill>
-          <a:srgbClr val="1E1E1E"/>
-        </a:solidFill>
-        <a:effectLst/>
-      </p:bgPr>
-    </p:bg>
-    <p:spTree>
-      <p:nvGrpSpPr>
-        <p:cNvPr id="1" name=""/>
-        <p:cNvGrpSpPr/>
-        <p:nvPr/>
-      </p:nvGrpSpPr>
-      <p:grpSpPr>
-        <a:xfrm>
-          <a:off x="0" y="0"/>
-          <a:ext cx="0" cy="0"/>
-          <a:chOff x="0" y="0"/>
-          <a:chExt cx="0" cy="0"/>
-        </a:xfrm>
-      </p:grpSpPr>
-      <p:sp>
-        <p:nvSpPr>
-          <p:cNvPr id="31" name="CuadroTexto 30">
-            <a:extLst>
-              <a:ext uri="{FF2B5EF4-FFF2-40B4-BE49-F238E27FC236}">
-                <a16:creationId xmlns:a16="http://schemas.microsoft.com/office/drawing/2014/main" id="{FBF7026D-12F4-4541-8110-DE706094717A}"/>
-              </a:ext>
-            </a:extLst>
-          </p:cNvPr>
-          <p:cNvSpPr txBox="1"/>
-          <p:nvPr/>
-        </p:nvSpPr>
-        <p:spPr>
-          <a:xfrm>
-            <a:off x="484863" y="185392"/>
-            <a:ext cx="3397994" cy="646331"/>
-          </a:xfrm>
-          <a:prstGeom prst="rect">
-            <a:avLst/>
-          </a:prstGeom>
-          <a:noFill/>
-        </p:spPr>
-        <p:txBody>
-          <a:bodyPr wrap="square" rtlCol="0">
-            <a:spAutoFit/>
-          </a:bodyPr>
-          <a:lstStyle/>
-          <a:p>
-            <a:r>
-              <a:rPr lang="en-US" sz="3600" dirty="0" err="1">
-                <a:solidFill>
-                  <a:srgbClr val="53A2D3"/>
-                </a:solidFill>
-              </a:rPr>
-              <a:t>Teoría</a:t>
-            </a:r>
-            <a:endParaRPr lang="en-US" sz="3600" dirty="0">
-              <a:solidFill>
-                <a:srgbClr val="53A2D3"/>
-              </a:solidFill>
-            </a:endParaRPr>
-          </a:p>
-        </p:txBody>
-      </p:sp>
-      <p:pic>
-        <p:nvPicPr>
-          <p:cNvPr id="7" name="Imagen 6">
-            <a:extLst>
-              <a:ext uri="{FF2B5EF4-FFF2-40B4-BE49-F238E27FC236}">
-                <a16:creationId xmlns:a16="http://schemas.microsoft.com/office/drawing/2014/main" id="{63A3F3E7-77F9-4C2C-B74D-5C03E1CCF6E0}"/>
-              </a:ext>
-            </a:extLst>
-          </p:cNvPr>
-          <p:cNvPicPr>
-            <a:picLocks noChangeAspect="1"/>
-          </p:cNvPicPr>
-          <p:nvPr/>
-        </p:nvPicPr>
-        <p:blipFill>
-          <a:blip r:embed="rId2"/>
-          <a:stretch>
-            <a:fillRect/>
-          </a:stretch>
-        </p:blipFill>
-        <p:spPr>
-          <a:xfrm>
-            <a:off x="8176025" y="1101933"/>
-            <a:ext cx="3781425" cy="3429000"/>
-          </a:xfrm>
-          <a:prstGeom prst="rect">
-            <a:avLst/>
-          </a:prstGeom>
-          <a:effectLst>
-            <a:glow rad="25400">
-              <a:schemeClr val="bg1">
-                <a:alpha val="40000"/>
-              </a:schemeClr>
-            </a:glow>
-          </a:effectLst>
-        </p:spPr>
-      </p:pic>
-      <p:pic>
-        <p:nvPicPr>
-          <p:cNvPr id="13" name="Imagen 12">
-            <a:extLst>
-              <a:ext uri="{FF2B5EF4-FFF2-40B4-BE49-F238E27FC236}">
-                <a16:creationId xmlns:a16="http://schemas.microsoft.com/office/drawing/2014/main" id="{1226FC3B-E807-4859-AB7D-0829A64B5D4D}"/>
-              </a:ext>
-            </a:extLst>
-          </p:cNvPr>
-          <p:cNvPicPr>
-            <a:picLocks noChangeAspect="1"/>
-          </p:cNvPicPr>
-          <p:nvPr/>
-        </p:nvPicPr>
-        <p:blipFill>
-          <a:blip r:embed="rId3"/>
-          <a:stretch>
-            <a:fillRect/>
-          </a:stretch>
-        </p:blipFill>
-        <p:spPr>
-          <a:xfrm>
-            <a:off x="2293072" y="831723"/>
-            <a:ext cx="2819400" cy="762000"/>
-          </a:xfrm>
-          <a:prstGeom prst="rect">
-            <a:avLst/>
-          </a:prstGeom>
-          <a:effectLst>
-            <a:glow rad="25400">
-              <a:schemeClr val="bg1">
-                <a:alpha val="40000"/>
-              </a:schemeClr>
-            </a:glow>
-          </a:effectLst>
-        </p:spPr>
-      </p:pic>
-      <p:pic>
-        <p:nvPicPr>
-          <p:cNvPr id="15" name="Imagen 14">
-            <a:extLst>
-              <a:ext uri="{FF2B5EF4-FFF2-40B4-BE49-F238E27FC236}">
-                <a16:creationId xmlns:a16="http://schemas.microsoft.com/office/drawing/2014/main" id="{3030403C-23EF-4D34-B8B2-265C157FE1FE}"/>
-              </a:ext>
-            </a:extLst>
-          </p:cNvPr>
-          <p:cNvPicPr>
-            <a:picLocks noChangeAspect="1"/>
-          </p:cNvPicPr>
-          <p:nvPr/>
-        </p:nvPicPr>
-        <p:blipFill>
-          <a:blip r:embed="rId4"/>
-          <a:stretch>
-            <a:fillRect/>
-          </a:stretch>
-        </p:blipFill>
-        <p:spPr>
-          <a:xfrm>
-            <a:off x="3702772" y="2358548"/>
-            <a:ext cx="3216008" cy="915769"/>
-          </a:xfrm>
-          <a:prstGeom prst="rect">
-            <a:avLst/>
-          </a:prstGeom>
-          <a:effectLst>
-            <a:glow rad="25400">
-              <a:schemeClr val="bg1">
-                <a:alpha val="40000"/>
-              </a:schemeClr>
-            </a:glow>
-          </a:effectLst>
-        </p:spPr>
-      </p:pic>
-      <p:pic>
-        <p:nvPicPr>
-          <p:cNvPr id="16" name="Imagen 15">
-            <a:extLst>
-              <a:ext uri="{FF2B5EF4-FFF2-40B4-BE49-F238E27FC236}">
-                <a16:creationId xmlns:a16="http://schemas.microsoft.com/office/drawing/2014/main" id="{BF9224CC-F0AA-49F7-BFB1-D2130500CB02}"/>
-              </a:ext>
-            </a:extLst>
-          </p:cNvPr>
-          <p:cNvPicPr>
-            <a:picLocks noChangeAspect="1"/>
-          </p:cNvPicPr>
-          <p:nvPr/>
-        </p:nvPicPr>
-        <p:blipFill>
-          <a:blip r:embed="rId5"/>
-          <a:stretch>
-            <a:fillRect/>
-          </a:stretch>
-        </p:blipFill>
-        <p:spPr>
-          <a:xfrm>
-            <a:off x="234550" y="2358547"/>
-            <a:ext cx="3308585" cy="915769"/>
-          </a:xfrm>
-          <a:prstGeom prst="rect">
-            <a:avLst/>
-          </a:prstGeom>
-          <a:effectLst>
-            <a:glow rad="25400">
-              <a:schemeClr val="bg1">
-                <a:alpha val="40000"/>
-              </a:schemeClr>
-            </a:glow>
-          </a:effectLst>
-        </p:spPr>
-      </p:pic>
-      <p:pic>
-        <p:nvPicPr>
-          <p:cNvPr id="17" name="Imagen 16">
-            <a:extLst>
-              <a:ext uri="{FF2B5EF4-FFF2-40B4-BE49-F238E27FC236}">
-                <a16:creationId xmlns:a16="http://schemas.microsoft.com/office/drawing/2014/main" id="{F4BFD28B-3F89-4969-8017-2D353B4E8616}"/>
-              </a:ext>
-            </a:extLst>
-          </p:cNvPr>
-          <p:cNvPicPr>
-            <a:picLocks noChangeAspect="1"/>
-          </p:cNvPicPr>
-          <p:nvPr/>
-        </p:nvPicPr>
-        <p:blipFill>
-          <a:blip r:embed="rId6"/>
-          <a:stretch>
-            <a:fillRect/>
-          </a:stretch>
-        </p:blipFill>
-        <p:spPr>
-          <a:xfrm>
-            <a:off x="220430" y="4402312"/>
-            <a:ext cx="5695950" cy="2124075"/>
-          </a:xfrm>
-          <a:prstGeom prst="rect">
-            <a:avLst/>
-          </a:prstGeom>
-          <a:effectLst>
-            <a:glow rad="25400">
-              <a:schemeClr val="bg1">
-                <a:alpha val="40000"/>
-              </a:schemeClr>
-            </a:glow>
-          </a:effectLst>
-        </p:spPr>
-      </p:pic>
-      <p:sp>
-        <p:nvSpPr>
-          <p:cNvPr id="27" name="CuadroTexto 26">
-            <a:extLst>
-              <a:ext uri="{FF2B5EF4-FFF2-40B4-BE49-F238E27FC236}">
-                <a16:creationId xmlns:a16="http://schemas.microsoft.com/office/drawing/2014/main" id="{C80AB779-E6C3-449A-80EB-6690C83E798F}"/>
-              </a:ext>
-            </a:extLst>
-          </p:cNvPr>
-          <p:cNvSpPr txBox="1"/>
-          <p:nvPr/>
-        </p:nvSpPr>
-        <p:spPr>
-          <a:xfrm>
-            <a:off x="220430" y="4007356"/>
-            <a:ext cx="1376218" cy="369332"/>
-          </a:xfrm>
-          <a:prstGeom prst="rect">
-            <a:avLst/>
-          </a:prstGeom>
-          <a:noFill/>
-        </p:spPr>
-        <p:txBody>
-          <a:bodyPr wrap="square" rtlCol="0">
-            <a:spAutoFit/>
-          </a:bodyPr>
-          <a:lstStyle/>
-          <a:p>
-            <a:r>
-              <a:rPr lang="en-US" dirty="0">
-                <a:solidFill>
-                  <a:schemeClr val="bg1"/>
-                </a:solidFill>
-              </a:rPr>
-              <a:t>Usage:</a:t>
-            </a:r>
-          </a:p>
-        </p:txBody>
-      </p:sp>
-      <p:cxnSp>
-        <p:nvCxnSpPr>
-          <p:cNvPr id="28" name="Conector recto de flecha 27">
-            <a:extLst>
-              <a:ext uri="{FF2B5EF4-FFF2-40B4-BE49-F238E27FC236}">
-                <a16:creationId xmlns:a16="http://schemas.microsoft.com/office/drawing/2014/main" id="{3A1A54ED-7217-460A-A419-52A2A8C6E16D}"/>
-              </a:ext>
-            </a:extLst>
-          </p:cNvPr>
-          <p:cNvCxnSpPr>
-            <a:cxnSpLocks/>
-            <a:stCxn id="16" idx="0"/>
-            <a:endCxn id="13" idx="2"/>
-          </p:cNvCxnSpPr>
-          <p:nvPr/>
-        </p:nvCxnSpPr>
-        <p:spPr>
-          <a:xfrm flipV="1">
-            <a:off x="1888843" y="1593723"/>
-            <a:ext cx="1813929" cy="764824"/>
-          </a:xfrm>
-          <a:prstGeom prst="straightConnector1">
-            <a:avLst/>
-          </a:prstGeom>
-          <a:ln w="12700">
-            <a:solidFill>
-              <a:schemeClr val="bg1"/>
-            </a:solidFill>
-            <a:tailEnd type="triangle"/>
-          </a:ln>
-        </p:spPr>
-        <p:style>
-          <a:lnRef idx="1">
-            <a:schemeClr val="accent1"/>
-          </a:lnRef>
-          <a:fillRef idx="0">
-            <a:schemeClr val="accent1"/>
-          </a:fillRef>
-          <a:effectRef idx="0">
-            <a:schemeClr val="accent1"/>
-          </a:effectRef>
-          <a:fontRef idx="minor">
-            <a:schemeClr val="tx1"/>
-          </a:fontRef>
-        </p:style>
-      </p:cxnSp>
-      <p:sp>
-        <p:nvSpPr>
-          <p:cNvPr id="29" name="CuadroTexto 28">
-            <a:extLst>
-              <a:ext uri="{FF2B5EF4-FFF2-40B4-BE49-F238E27FC236}">
-                <a16:creationId xmlns:a16="http://schemas.microsoft.com/office/drawing/2014/main" id="{6C5D61F4-13D6-441D-8985-28E82A07ACD8}"/>
-              </a:ext>
-            </a:extLst>
-          </p:cNvPr>
-          <p:cNvSpPr txBox="1"/>
-          <p:nvPr/>
-        </p:nvSpPr>
-        <p:spPr>
-          <a:xfrm>
-            <a:off x="4738560" y="1747673"/>
-            <a:ext cx="1376218" cy="369332"/>
-          </a:xfrm>
-          <a:prstGeom prst="rect">
-            <a:avLst/>
-          </a:prstGeom>
-          <a:noFill/>
-        </p:spPr>
-        <p:txBody>
-          <a:bodyPr wrap="square" rtlCol="0">
-            <a:spAutoFit/>
-          </a:bodyPr>
-          <a:lstStyle/>
-          <a:p>
-            <a:r>
-              <a:rPr lang="en-US" dirty="0">
-                <a:solidFill>
-                  <a:schemeClr val="bg1"/>
-                </a:solidFill>
-              </a:rPr>
-              <a:t>implements</a:t>
-            </a:r>
-          </a:p>
-        </p:txBody>
-      </p:sp>
-      <p:cxnSp>
-        <p:nvCxnSpPr>
-          <p:cNvPr id="32" name="Conector recto de flecha 31">
-            <a:extLst>
-              <a:ext uri="{FF2B5EF4-FFF2-40B4-BE49-F238E27FC236}">
-                <a16:creationId xmlns:a16="http://schemas.microsoft.com/office/drawing/2014/main" id="{54BAFDE7-80A8-46D7-A8DA-73C79CC1DA06}"/>
-              </a:ext>
-            </a:extLst>
-          </p:cNvPr>
-          <p:cNvCxnSpPr>
-            <a:cxnSpLocks/>
-            <a:stCxn id="15" idx="0"/>
-            <a:endCxn id="13" idx="2"/>
-          </p:cNvCxnSpPr>
-          <p:nvPr/>
-        </p:nvCxnSpPr>
-        <p:spPr>
-          <a:xfrm flipH="1" flipV="1">
-            <a:off x="3702772" y="1593723"/>
-            <a:ext cx="1608004" cy="764825"/>
-          </a:xfrm>
-          <a:prstGeom prst="straightConnector1">
-            <a:avLst/>
-          </a:prstGeom>
-          <a:ln w="12700">
-            <a:solidFill>
-              <a:schemeClr val="bg1"/>
-            </a:solidFill>
-            <a:tailEnd type="triangle"/>
-          </a:ln>
-        </p:spPr>
-        <p:style>
-          <a:lnRef idx="1">
-            <a:schemeClr val="accent1"/>
-          </a:lnRef>
-          <a:fillRef idx="0">
-            <a:schemeClr val="accent1"/>
-          </a:fillRef>
-          <a:effectRef idx="0">
-            <a:schemeClr val="accent1"/>
-          </a:effectRef>
-          <a:fontRef idx="minor">
-            <a:schemeClr val="tx1"/>
-          </a:fontRef>
-        </p:style>
-      </p:cxnSp>
-      <p:sp>
-        <p:nvSpPr>
-          <p:cNvPr id="36" name="CuadroTexto 35">
-            <a:extLst>
-              <a:ext uri="{FF2B5EF4-FFF2-40B4-BE49-F238E27FC236}">
-                <a16:creationId xmlns:a16="http://schemas.microsoft.com/office/drawing/2014/main" id="{9584946C-1ABD-49B7-9E74-6778D71B8931}"/>
-              </a:ext>
-            </a:extLst>
-          </p:cNvPr>
-          <p:cNvSpPr txBox="1"/>
-          <p:nvPr/>
-        </p:nvSpPr>
-        <p:spPr>
-          <a:xfrm>
-            <a:off x="1249275" y="1747673"/>
-            <a:ext cx="1376218" cy="369332"/>
-          </a:xfrm>
-          <a:prstGeom prst="rect">
-            <a:avLst/>
-          </a:prstGeom>
-          <a:noFill/>
-        </p:spPr>
-        <p:txBody>
-          <a:bodyPr wrap="square" rtlCol="0">
-            <a:spAutoFit/>
-          </a:bodyPr>
-          <a:lstStyle/>
-          <a:p>
-            <a:r>
-              <a:rPr lang="en-US" dirty="0">
-                <a:solidFill>
-                  <a:schemeClr val="bg1"/>
-                </a:solidFill>
-              </a:rPr>
-              <a:t>implements</a:t>
-            </a:r>
-          </a:p>
-        </p:txBody>
-      </p:sp>
-      <p:cxnSp>
-        <p:nvCxnSpPr>
-          <p:cNvPr id="37" name="Conector recto de flecha 36">
-            <a:extLst>
-              <a:ext uri="{FF2B5EF4-FFF2-40B4-BE49-F238E27FC236}">
-                <a16:creationId xmlns:a16="http://schemas.microsoft.com/office/drawing/2014/main" id="{F33C09D8-47E5-497E-A508-0BB69A63CB87}"/>
-              </a:ext>
-            </a:extLst>
-          </p:cNvPr>
-          <p:cNvCxnSpPr>
-            <a:cxnSpLocks/>
-            <a:stCxn id="7" idx="1"/>
-            <a:endCxn id="15" idx="3"/>
-          </p:cNvCxnSpPr>
-          <p:nvPr/>
-        </p:nvCxnSpPr>
-        <p:spPr>
-          <a:xfrm flipH="1">
-            <a:off x="6918780" y="2816433"/>
-            <a:ext cx="1257245" cy="0"/>
-          </a:xfrm>
-          <a:prstGeom prst="straightConnector1">
-            <a:avLst/>
-          </a:prstGeom>
-          <a:ln w="12700">
-            <a:solidFill>
-              <a:schemeClr val="bg1"/>
-            </a:solidFill>
-            <a:tailEnd type="triangle"/>
-          </a:ln>
-        </p:spPr>
-        <p:style>
-          <a:lnRef idx="1">
-            <a:schemeClr val="accent1"/>
-          </a:lnRef>
-          <a:fillRef idx="0">
-            <a:schemeClr val="accent1"/>
-          </a:fillRef>
-          <a:effectRef idx="0">
-            <a:schemeClr val="accent1"/>
-          </a:effectRef>
-          <a:fontRef idx="minor">
-            <a:schemeClr val="tx1"/>
-          </a:fontRef>
-        </p:style>
-      </p:cxnSp>
-      <p:sp>
-        <p:nvSpPr>
-          <p:cNvPr id="43" name="CuadroTexto 42">
-            <a:extLst>
-              <a:ext uri="{FF2B5EF4-FFF2-40B4-BE49-F238E27FC236}">
-                <a16:creationId xmlns:a16="http://schemas.microsoft.com/office/drawing/2014/main" id="{9194DB71-63AB-401A-BE6D-85B024946DBE}"/>
-              </a:ext>
-            </a:extLst>
-          </p:cNvPr>
-          <p:cNvSpPr txBox="1"/>
-          <p:nvPr/>
-        </p:nvSpPr>
-        <p:spPr>
-          <a:xfrm>
-            <a:off x="7078417" y="2491377"/>
-            <a:ext cx="1376218" cy="369332"/>
-          </a:xfrm>
-          <a:prstGeom prst="rect">
-            <a:avLst/>
-          </a:prstGeom>
-          <a:noFill/>
-        </p:spPr>
-        <p:txBody>
-          <a:bodyPr wrap="square" rtlCol="0">
-            <a:spAutoFit/>
-          </a:bodyPr>
-          <a:lstStyle/>
-          <a:p>
-            <a:r>
-              <a:rPr lang="en-US" dirty="0">
-                <a:solidFill>
-                  <a:schemeClr val="bg1"/>
-                </a:solidFill>
-              </a:rPr>
-              <a:t>executes</a:t>
-            </a:r>
-          </a:p>
-        </p:txBody>
-      </p:sp>
-    </p:spTree>
-    <p:extLst>
-      <p:ext uri="{BB962C8B-B14F-4D97-AF65-F5344CB8AC3E}">
-        <p14:creationId xmlns:p14="http://schemas.microsoft.com/office/powerpoint/2010/main" val="4059487831"/>
-      </p:ext>
-    </p:extLst>
-  </p:cSld>
-  <p:clrMapOvr>
-    <a:masterClrMapping/>
-  </p:clrMapOvr>
-</p:sld>
-</file>
-
-<file path=ppt/slides/slide26.xml><?xml version="1.0" encoding="utf-8"?>
-<p:sld xmlns:a="http://schemas.openxmlformats.org/drawingml/2006/main" xmlns:r="http://schemas.openxmlformats.org/officeDocument/2006/relationships" xmlns:p="http://schemas.openxmlformats.org/presentationml/2006/main">
-  <p:cSld>
-    <p:bg>
-      <p:bgPr>
-        <a:solidFill>
-          <a:srgbClr val="1E1E1E"/>
-        </a:solidFill>
-        <a:effectLst/>
-      </p:bgPr>
-    </p:bg>
-    <p:spTree>
-      <p:nvGrpSpPr>
-        <p:cNvPr id="1" name=""/>
-        <p:cNvGrpSpPr/>
-        <p:nvPr/>
-      </p:nvGrpSpPr>
-      <p:grpSpPr>
-        <a:xfrm>
-          <a:off x="0" y="0"/>
-          <a:ext cx="0" cy="0"/>
-          <a:chOff x="0" y="0"/>
-          <a:chExt cx="0" cy="0"/>
-        </a:xfrm>
-      </p:grpSpPr>
-      <p:sp>
-        <p:nvSpPr>
-          <p:cNvPr id="19" name="CuadroTexto 18">
-            <a:extLst>
-              <a:ext uri="{FF2B5EF4-FFF2-40B4-BE49-F238E27FC236}">
-                <a16:creationId xmlns:a16="http://schemas.microsoft.com/office/drawing/2014/main" id="{A96312D1-C027-407A-96BD-2EF07177E281}"/>
-              </a:ext>
-            </a:extLst>
-          </p:cNvPr>
-          <p:cNvSpPr txBox="1"/>
-          <p:nvPr/>
-        </p:nvSpPr>
-        <p:spPr>
-          <a:xfrm>
-            <a:off x="277441" y="3087902"/>
-            <a:ext cx="5675684" cy="3609235"/>
-          </a:xfrm>
-          <a:prstGeom prst="rect">
-            <a:avLst/>
-          </a:prstGeom>
-          <a:noFill/>
-          <a:ln>
-            <a:solidFill>
-              <a:schemeClr val="bg1"/>
-            </a:solidFill>
-          </a:ln>
-        </p:spPr>
-        <p:txBody>
-          <a:bodyPr wrap="square" rtlCol="0">
-            <a:spAutoFit/>
-          </a:bodyPr>
-          <a:lstStyle/>
-          <a:p>
-            <a:endParaRPr lang="en-US" dirty="0"/>
-          </a:p>
-        </p:txBody>
-      </p:sp>
-      <p:pic>
-        <p:nvPicPr>
-          <p:cNvPr id="5" name="Imagen 4">
-            <a:extLst>
-              <a:ext uri="{FF2B5EF4-FFF2-40B4-BE49-F238E27FC236}">
-                <a16:creationId xmlns:a16="http://schemas.microsoft.com/office/drawing/2014/main" id="{1F28F35C-9F8B-4E76-86E9-350415B88C79}"/>
-              </a:ext>
-            </a:extLst>
-          </p:cNvPr>
-          <p:cNvPicPr>
-            <a:picLocks noChangeAspect="1"/>
-          </p:cNvPicPr>
-          <p:nvPr/>
-        </p:nvPicPr>
-        <p:blipFill>
-          <a:blip r:embed="rId2"/>
-          <a:stretch>
-            <a:fillRect/>
-          </a:stretch>
-        </p:blipFill>
-        <p:spPr>
-          <a:xfrm>
-            <a:off x="797883" y="1225868"/>
-            <a:ext cx="4287752" cy="969928"/>
-          </a:xfrm>
-          <a:prstGeom prst="rect">
-            <a:avLst/>
-          </a:prstGeom>
-          <a:effectLst>
-            <a:glow rad="25400">
-              <a:schemeClr val="bg1">
-                <a:alpha val="40000"/>
-              </a:schemeClr>
-            </a:glow>
-          </a:effectLst>
-        </p:spPr>
-      </p:pic>
-      <p:pic>
-        <p:nvPicPr>
-          <p:cNvPr id="3" name="Imagen 2">
-            <a:extLst>
-              <a:ext uri="{FF2B5EF4-FFF2-40B4-BE49-F238E27FC236}">
-                <a16:creationId xmlns:a16="http://schemas.microsoft.com/office/drawing/2014/main" id="{9C1B9B4B-60A9-4422-9C3A-3CD098F4505A}"/>
-              </a:ext>
-            </a:extLst>
-          </p:cNvPr>
-          <p:cNvPicPr>
-            <a:picLocks noChangeAspect="1"/>
-          </p:cNvPicPr>
-          <p:nvPr/>
-        </p:nvPicPr>
-        <p:blipFill>
-          <a:blip r:embed="rId3"/>
-          <a:stretch>
-            <a:fillRect/>
-          </a:stretch>
-        </p:blipFill>
-        <p:spPr>
-          <a:xfrm>
-            <a:off x="345048" y="3127409"/>
-            <a:ext cx="5253753" cy="488881"/>
-          </a:xfrm>
-          <a:prstGeom prst="rect">
-            <a:avLst/>
-          </a:prstGeom>
-          <a:effectLst>
-            <a:glow>
-              <a:schemeClr val="bg1">
-                <a:alpha val="40000"/>
-              </a:schemeClr>
-            </a:glow>
-          </a:effectLst>
-        </p:spPr>
-      </p:pic>
-      <p:pic>
-        <p:nvPicPr>
-          <p:cNvPr id="4" name="Imagen 3">
-            <a:extLst>
-              <a:ext uri="{FF2B5EF4-FFF2-40B4-BE49-F238E27FC236}">
-                <a16:creationId xmlns:a16="http://schemas.microsoft.com/office/drawing/2014/main" id="{C36C44D5-9D26-4140-9030-A25266CFEACE}"/>
-              </a:ext>
-            </a:extLst>
-          </p:cNvPr>
-          <p:cNvPicPr>
-            <a:picLocks noChangeAspect="1"/>
-          </p:cNvPicPr>
-          <p:nvPr/>
-        </p:nvPicPr>
-        <p:blipFill>
-          <a:blip r:embed="rId4"/>
-          <a:stretch>
-            <a:fillRect/>
-          </a:stretch>
-        </p:blipFill>
-        <p:spPr>
-          <a:xfrm>
-            <a:off x="1339827" y="1917666"/>
-            <a:ext cx="4516224" cy="971158"/>
-          </a:xfrm>
-          <a:prstGeom prst="rect">
-            <a:avLst/>
-          </a:prstGeom>
-          <a:effectLst>
-            <a:glow rad="25400">
-              <a:schemeClr val="bg1">
-                <a:alpha val="40000"/>
-              </a:schemeClr>
-            </a:glow>
-          </a:effectLst>
-        </p:spPr>
-      </p:pic>
-      <p:pic>
-        <p:nvPicPr>
-          <p:cNvPr id="9" name="Imagen 8">
-            <a:extLst>
-              <a:ext uri="{FF2B5EF4-FFF2-40B4-BE49-F238E27FC236}">
-                <a16:creationId xmlns:a16="http://schemas.microsoft.com/office/drawing/2014/main" id="{49F94EEA-BD17-488E-8959-1BDE76060086}"/>
-              </a:ext>
-            </a:extLst>
-          </p:cNvPr>
-          <p:cNvPicPr>
-            <a:picLocks noChangeAspect="1"/>
-          </p:cNvPicPr>
-          <p:nvPr/>
-        </p:nvPicPr>
-        <p:blipFill>
-          <a:blip r:embed="rId5"/>
-          <a:stretch>
-            <a:fillRect/>
-          </a:stretch>
-        </p:blipFill>
-        <p:spPr>
-          <a:xfrm>
-            <a:off x="1487759" y="160863"/>
-            <a:ext cx="2908000" cy="573633"/>
-          </a:xfrm>
-          <a:prstGeom prst="rect">
-            <a:avLst/>
-          </a:prstGeom>
-          <a:effectLst>
-            <a:glow rad="25400">
-              <a:schemeClr val="bg1">
-                <a:alpha val="40000"/>
-              </a:schemeClr>
-            </a:glow>
-          </a:effectLst>
-        </p:spPr>
-      </p:pic>
-      <p:pic>
-        <p:nvPicPr>
-          <p:cNvPr id="14" name="Imagen 13">
-            <a:extLst>
-              <a:ext uri="{FF2B5EF4-FFF2-40B4-BE49-F238E27FC236}">
-                <a16:creationId xmlns:a16="http://schemas.microsoft.com/office/drawing/2014/main" id="{E0E785AA-AFC8-4D14-8DD6-DA69DB1D5C3D}"/>
-              </a:ext>
-            </a:extLst>
-          </p:cNvPr>
-          <p:cNvPicPr>
-            <a:picLocks noChangeAspect="1"/>
-          </p:cNvPicPr>
-          <p:nvPr/>
-        </p:nvPicPr>
-        <p:blipFill>
-          <a:blip r:embed="rId6"/>
-          <a:stretch>
-            <a:fillRect/>
-          </a:stretch>
-        </p:blipFill>
-        <p:spPr>
-          <a:xfrm>
-            <a:off x="7235443" y="3087902"/>
-            <a:ext cx="4287753" cy="1843117"/>
-          </a:xfrm>
-          <a:prstGeom prst="rect">
-            <a:avLst/>
-          </a:prstGeom>
-          <a:effectLst>
-            <a:glow rad="25400">
-              <a:schemeClr val="bg1">
-                <a:alpha val="40000"/>
-              </a:schemeClr>
-            </a:glow>
-          </a:effectLst>
-        </p:spPr>
-      </p:pic>
-      <p:pic>
-        <p:nvPicPr>
-          <p:cNvPr id="16" name="Imagen 15">
-            <a:extLst>
-              <a:ext uri="{FF2B5EF4-FFF2-40B4-BE49-F238E27FC236}">
-                <a16:creationId xmlns:a16="http://schemas.microsoft.com/office/drawing/2014/main" id="{E2574B5B-77DE-464E-B6B5-321D05E8DDCF}"/>
-              </a:ext>
-            </a:extLst>
-          </p:cNvPr>
-          <p:cNvPicPr>
-            <a:picLocks noChangeAspect="1"/>
-          </p:cNvPicPr>
-          <p:nvPr/>
-        </p:nvPicPr>
-        <p:blipFill>
-          <a:blip r:embed="rId7"/>
-          <a:stretch>
-            <a:fillRect/>
-          </a:stretch>
-        </p:blipFill>
-        <p:spPr>
-          <a:xfrm>
-            <a:off x="6731370" y="165207"/>
-            <a:ext cx="5295901" cy="2445957"/>
-          </a:xfrm>
-          <a:prstGeom prst="rect">
-            <a:avLst/>
-          </a:prstGeom>
-          <a:effectLst>
-            <a:glow rad="25400">
-              <a:schemeClr val="bg1">
-                <a:alpha val="40000"/>
-              </a:schemeClr>
-            </a:glow>
-          </a:effectLst>
-        </p:spPr>
-      </p:pic>
-      <p:pic>
-        <p:nvPicPr>
-          <p:cNvPr id="18" name="Imagen 17">
-            <a:extLst>
-              <a:ext uri="{FF2B5EF4-FFF2-40B4-BE49-F238E27FC236}">
-                <a16:creationId xmlns:a16="http://schemas.microsoft.com/office/drawing/2014/main" id="{0B0AB996-6C12-4098-B73D-617DC9134067}"/>
-              </a:ext>
-            </a:extLst>
-          </p:cNvPr>
-          <p:cNvPicPr>
-            <a:picLocks noChangeAspect="1"/>
-          </p:cNvPicPr>
-          <p:nvPr/>
-        </p:nvPicPr>
-        <p:blipFill>
-          <a:blip r:embed="rId8"/>
-          <a:stretch>
-            <a:fillRect/>
-          </a:stretch>
-        </p:blipFill>
-        <p:spPr>
-          <a:xfrm>
-            <a:off x="345048" y="3655797"/>
-            <a:ext cx="5253754" cy="2780996"/>
-          </a:xfrm>
-          <a:prstGeom prst="rect">
-            <a:avLst/>
-          </a:prstGeom>
-        </p:spPr>
-      </p:pic>
-      <p:sp>
-        <p:nvSpPr>
-          <p:cNvPr id="25" name="CuadroTexto 24">
-            <a:extLst>
-              <a:ext uri="{FF2B5EF4-FFF2-40B4-BE49-F238E27FC236}">
-                <a16:creationId xmlns:a16="http://schemas.microsoft.com/office/drawing/2014/main" id="{B6FBF2F1-EAB1-495D-AD6F-27A42C4E8F45}"/>
-              </a:ext>
-            </a:extLst>
-          </p:cNvPr>
-          <p:cNvSpPr txBox="1"/>
-          <p:nvPr/>
-        </p:nvSpPr>
-        <p:spPr>
-          <a:xfrm>
-            <a:off x="2909830" y="820228"/>
-            <a:ext cx="1376218" cy="369332"/>
-          </a:xfrm>
-          <a:prstGeom prst="rect">
-            <a:avLst/>
-          </a:prstGeom>
-          <a:noFill/>
-        </p:spPr>
-        <p:txBody>
-          <a:bodyPr wrap="square" rtlCol="0">
-            <a:spAutoFit/>
-          </a:bodyPr>
-          <a:lstStyle/>
-          <a:p>
-            <a:r>
-              <a:rPr lang="en-US" dirty="0">
-                <a:solidFill>
-                  <a:schemeClr val="bg1"/>
-                </a:solidFill>
-              </a:rPr>
-              <a:t>implements</a:t>
-            </a:r>
-          </a:p>
-        </p:txBody>
-      </p:sp>
-      <p:cxnSp>
-        <p:nvCxnSpPr>
-          <p:cNvPr id="27" name="Conector recto de flecha 26">
-            <a:extLst>
-              <a:ext uri="{FF2B5EF4-FFF2-40B4-BE49-F238E27FC236}">
-                <a16:creationId xmlns:a16="http://schemas.microsoft.com/office/drawing/2014/main" id="{88EC44E3-2AD7-4D4C-9534-8FD067DCA220}"/>
-              </a:ext>
-            </a:extLst>
-          </p:cNvPr>
-          <p:cNvCxnSpPr>
-            <a:cxnSpLocks/>
-            <a:stCxn id="5" idx="0"/>
-            <a:endCxn id="9" idx="2"/>
-          </p:cNvCxnSpPr>
-          <p:nvPr/>
-        </p:nvCxnSpPr>
-        <p:spPr>
-          <a:xfrm flipV="1">
-            <a:off x="2941759" y="734496"/>
-            <a:ext cx="0" cy="491372"/>
-          </a:xfrm>
-          <a:prstGeom prst="straightConnector1">
-            <a:avLst/>
-          </a:prstGeom>
-          <a:ln w="12700">
-            <a:solidFill>
-              <a:schemeClr val="bg1"/>
-            </a:solidFill>
-            <a:tailEnd type="triangle"/>
-          </a:ln>
-        </p:spPr>
-        <p:style>
-          <a:lnRef idx="1">
-            <a:schemeClr val="accent1"/>
-          </a:lnRef>
-          <a:fillRef idx="0">
-            <a:schemeClr val="accent1"/>
-          </a:fillRef>
-          <a:effectRef idx="0">
-            <a:schemeClr val="accent1"/>
-          </a:effectRef>
-          <a:fontRef idx="minor">
-            <a:schemeClr val="tx1"/>
-          </a:fontRef>
-        </p:style>
-      </p:cxnSp>
-      <p:cxnSp>
-        <p:nvCxnSpPr>
-          <p:cNvPr id="34" name="Conector recto de flecha 33">
-            <a:extLst>
-              <a:ext uri="{FF2B5EF4-FFF2-40B4-BE49-F238E27FC236}">
-                <a16:creationId xmlns:a16="http://schemas.microsoft.com/office/drawing/2014/main" id="{77211730-336B-4475-92D1-978E8AE483D7}"/>
-              </a:ext>
-            </a:extLst>
-          </p:cNvPr>
-          <p:cNvCxnSpPr>
-            <a:cxnSpLocks/>
-            <a:stCxn id="16" idx="1"/>
-            <a:endCxn id="5" idx="3"/>
-          </p:cNvCxnSpPr>
-          <p:nvPr/>
-        </p:nvCxnSpPr>
-        <p:spPr>
-          <a:xfrm flipH="1">
-            <a:off x="5085635" y="1388186"/>
-            <a:ext cx="1645735" cy="322646"/>
-          </a:xfrm>
-          <a:prstGeom prst="straightConnector1">
-            <a:avLst/>
-          </a:prstGeom>
-          <a:ln w="12700">
-            <a:solidFill>
-              <a:schemeClr val="bg1"/>
-            </a:solidFill>
-            <a:tailEnd type="triangle"/>
-          </a:ln>
-        </p:spPr>
-        <p:style>
-          <a:lnRef idx="1">
-            <a:schemeClr val="accent1"/>
-          </a:lnRef>
-          <a:fillRef idx="0">
-            <a:schemeClr val="accent1"/>
-          </a:fillRef>
-          <a:effectRef idx="0">
-            <a:schemeClr val="accent1"/>
-          </a:effectRef>
-          <a:fontRef idx="minor">
-            <a:schemeClr val="tx1"/>
-          </a:fontRef>
-        </p:style>
-      </p:cxnSp>
-      <p:sp>
-        <p:nvSpPr>
-          <p:cNvPr id="35" name="CuadroTexto 34">
-            <a:extLst>
-              <a:ext uri="{FF2B5EF4-FFF2-40B4-BE49-F238E27FC236}">
-                <a16:creationId xmlns:a16="http://schemas.microsoft.com/office/drawing/2014/main" id="{C400614D-3218-4E37-9650-3A63BC3DE8EB}"/>
-              </a:ext>
-            </a:extLst>
-          </p:cNvPr>
-          <p:cNvSpPr txBox="1"/>
-          <p:nvPr/>
-        </p:nvSpPr>
-        <p:spPr>
-          <a:xfrm rot="20924205">
-            <a:off x="5469464" y="1159486"/>
-            <a:ext cx="1376218" cy="369332"/>
-          </a:xfrm>
-          <a:prstGeom prst="rect">
-            <a:avLst/>
-          </a:prstGeom>
-          <a:noFill/>
-        </p:spPr>
-        <p:txBody>
-          <a:bodyPr wrap="square" rtlCol="0">
-            <a:spAutoFit/>
-          </a:bodyPr>
-          <a:lstStyle/>
-          <a:p>
-            <a:r>
-              <a:rPr lang="en-US" dirty="0">
-                <a:solidFill>
-                  <a:schemeClr val="bg1"/>
-                </a:solidFill>
-              </a:rPr>
-              <a:t>executes</a:t>
-            </a:r>
-          </a:p>
-        </p:txBody>
-      </p:sp>
-      <p:cxnSp>
-        <p:nvCxnSpPr>
-          <p:cNvPr id="38" name="Conector recto de flecha 37">
-            <a:extLst>
-              <a:ext uri="{FF2B5EF4-FFF2-40B4-BE49-F238E27FC236}">
-                <a16:creationId xmlns:a16="http://schemas.microsoft.com/office/drawing/2014/main" id="{074459B3-FE79-42A2-9A9E-C03EC6F7E472}"/>
-              </a:ext>
-            </a:extLst>
-          </p:cNvPr>
-          <p:cNvCxnSpPr>
-            <a:cxnSpLocks/>
-            <a:stCxn id="16" idx="1"/>
-            <a:endCxn id="4" idx="3"/>
-          </p:cNvCxnSpPr>
-          <p:nvPr/>
-        </p:nvCxnSpPr>
-        <p:spPr>
-          <a:xfrm flipH="1">
-            <a:off x="5856051" y="1388186"/>
-            <a:ext cx="875319" cy="1015059"/>
-          </a:xfrm>
-          <a:prstGeom prst="straightConnector1">
-            <a:avLst/>
-          </a:prstGeom>
-          <a:ln w="12700">
-            <a:solidFill>
-              <a:schemeClr val="bg1"/>
-            </a:solidFill>
-            <a:tailEnd type="triangle"/>
-          </a:ln>
-        </p:spPr>
-        <p:style>
-          <a:lnRef idx="1">
-            <a:schemeClr val="accent1"/>
-          </a:lnRef>
-          <a:fillRef idx="0">
-            <a:schemeClr val="accent1"/>
-          </a:fillRef>
-          <a:effectRef idx="0">
-            <a:schemeClr val="accent1"/>
-          </a:effectRef>
-          <a:fontRef idx="minor">
-            <a:schemeClr val="tx1"/>
-          </a:fontRef>
-        </p:style>
-      </p:cxnSp>
-      <p:cxnSp>
-        <p:nvCxnSpPr>
-          <p:cNvPr id="48" name="Conector recto de flecha 47">
-            <a:extLst>
-              <a:ext uri="{FF2B5EF4-FFF2-40B4-BE49-F238E27FC236}">
-                <a16:creationId xmlns:a16="http://schemas.microsoft.com/office/drawing/2014/main" id="{CADF5784-5FC3-40D6-BB19-FC72C0D9D2F5}"/>
-              </a:ext>
-              <a:ext uri="{C183D7F6-B498-43B3-948B-1728B52AA6E4}">
-                <adec:decorative xmlns:adec="http://schemas.microsoft.com/office/drawing/2017/decorative" val="0"/>
-              </a:ext>
-            </a:extLst>
-          </p:cNvPr>
-          <p:cNvCxnSpPr>
-            <a:cxnSpLocks/>
-            <a:stCxn id="16" idx="2"/>
-            <a:endCxn id="14" idx="0"/>
-          </p:cNvCxnSpPr>
-          <p:nvPr/>
-        </p:nvCxnSpPr>
-        <p:spPr>
-          <a:xfrm flipH="1">
-            <a:off x="9379320" y="2611164"/>
-            <a:ext cx="1" cy="476738"/>
-          </a:xfrm>
-          <a:prstGeom prst="straightConnector1">
-            <a:avLst/>
-          </a:prstGeom>
-          <a:ln w="12700">
-            <a:solidFill>
-              <a:schemeClr val="bg1"/>
-            </a:solidFill>
-            <a:tailEnd type="triangle"/>
-          </a:ln>
-        </p:spPr>
-        <p:style>
-          <a:lnRef idx="1">
-            <a:schemeClr val="accent1"/>
-          </a:lnRef>
-          <a:fillRef idx="0">
-            <a:schemeClr val="accent1"/>
-          </a:fillRef>
-          <a:effectRef idx="0">
-            <a:schemeClr val="accent1"/>
-          </a:effectRef>
-          <a:fontRef idx="minor">
-            <a:schemeClr val="tx1"/>
-          </a:fontRef>
-        </p:style>
-      </p:cxnSp>
-      <p:sp>
-        <p:nvSpPr>
-          <p:cNvPr id="49" name="CuadroTexto 48">
-            <a:extLst>
-              <a:ext uri="{FF2B5EF4-FFF2-40B4-BE49-F238E27FC236}">
-                <a16:creationId xmlns:a16="http://schemas.microsoft.com/office/drawing/2014/main" id="{863B58CB-9D32-47A7-AAAD-1480E6429863}"/>
-              </a:ext>
-            </a:extLst>
-          </p:cNvPr>
-          <p:cNvSpPr txBox="1"/>
-          <p:nvPr/>
-        </p:nvSpPr>
-        <p:spPr>
-          <a:xfrm>
-            <a:off x="9379319" y="2641505"/>
-            <a:ext cx="1376218" cy="338554"/>
-          </a:xfrm>
-          <a:prstGeom prst="rect">
-            <a:avLst/>
-          </a:prstGeom>
-          <a:noFill/>
-        </p:spPr>
-        <p:txBody>
-          <a:bodyPr wrap="square" rtlCol="0">
-            <a:spAutoFit/>
-          </a:bodyPr>
-          <a:lstStyle/>
-          <a:p>
-            <a:r>
-              <a:rPr lang="en-US" sz="1600" dirty="0">
-                <a:solidFill>
-                  <a:schemeClr val="bg1"/>
-                </a:solidFill>
-              </a:rPr>
-              <a:t>gets</a:t>
-            </a:r>
-          </a:p>
-        </p:txBody>
-      </p:sp>
-      <p:sp>
-        <p:nvSpPr>
-          <p:cNvPr id="56" name="CuadroTexto 55">
-            <a:extLst>
-              <a:ext uri="{FF2B5EF4-FFF2-40B4-BE49-F238E27FC236}">
-                <a16:creationId xmlns:a16="http://schemas.microsoft.com/office/drawing/2014/main" id="{8E28305B-4A7C-463A-9539-BFD2B83DD84E}"/>
-              </a:ext>
-            </a:extLst>
-          </p:cNvPr>
-          <p:cNvSpPr txBox="1"/>
-          <p:nvPr/>
-        </p:nvSpPr>
-        <p:spPr>
-          <a:xfrm>
-            <a:off x="5216982" y="6358583"/>
-            <a:ext cx="1376218" cy="338554"/>
-          </a:xfrm>
-          <a:prstGeom prst="rect">
-            <a:avLst/>
-          </a:prstGeom>
-          <a:noFill/>
-        </p:spPr>
-        <p:txBody>
-          <a:bodyPr wrap="square" rtlCol="0">
-            <a:spAutoFit/>
-          </a:bodyPr>
-          <a:lstStyle/>
-          <a:p>
-            <a:r>
-              <a:rPr lang="en-US" sz="1600" dirty="0">
-                <a:solidFill>
-                  <a:schemeClr val="bg1"/>
-                </a:solidFill>
-              </a:rPr>
-              <a:t>Usage</a:t>
-            </a:r>
-          </a:p>
-        </p:txBody>
-      </p:sp>
-      <p:sp>
-        <p:nvSpPr>
-          <p:cNvPr id="57" name="CuadroTexto 56">
-            <a:extLst>
-              <a:ext uri="{FF2B5EF4-FFF2-40B4-BE49-F238E27FC236}">
-                <a16:creationId xmlns:a16="http://schemas.microsoft.com/office/drawing/2014/main" id="{74D0A3BB-A078-423C-B55A-B0DF40F77A9B}"/>
-              </a:ext>
-            </a:extLst>
-          </p:cNvPr>
-          <p:cNvSpPr txBox="1"/>
-          <p:nvPr/>
-        </p:nvSpPr>
-        <p:spPr>
-          <a:xfrm>
-            <a:off x="9483407" y="6035417"/>
-            <a:ext cx="3397994" cy="646331"/>
-          </a:xfrm>
-          <a:prstGeom prst="rect">
-            <a:avLst/>
-          </a:prstGeom>
-          <a:noFill/>
-        </p:spPr>
-        <p:txBody>
-          <a:bodyPr wrap="square" rtlCol="0">
-            <a:spAutoFit/>
-          </a:bodyPr>
-          <a:lstStyle/>
-          <a:p>
-            <a:r>
-              <a:rPr lang="en-US" sz="3600" dirty="0">
-                <a:solidFill>
-                  <a:srgbClr val="53A2D3"/>
-                </a:solidFill>
-              </a:rPr>
-              <a:t>Mundo real</a:t>
-            </a:r>
-          </a:p>
-        </p:txBody>
-      </p:sp>
-    </p:spTree>
-    <p:extLst>
-      <p:ext uri="{BB962C8B-B14F-4D97-AF65-F5344CB8AC3E}">
-        <p14:creationId xmlns:p14="http://schemas.microsoft.com/office/powerpoint/2010/main" val="2514131287"/>
       </p:ext>
     </p:extLst>
   </p:cSld>
@@ -9321,7 +8607,7 @@
           <p:cNvPr id="2" name="Título 1">
             <a:extLst>
               <a:ext uri="{FF2B5EF4-FFF2-40B4-BE49-F238E27FC236}">
-                <a16:creationId xmlns:a16="http://schemas.microsoft.com/office/drawing/2014/main" id="{73A2909B-13B3-4614-9321-16AF10F4286A}"/>
+                <a16:creationId xmlns:a16="http://schemas.microsoft.com/office/drawing/2014/main" id="{51E579E3-4D4D-4391-A4DB-77F6C6DD84BE}"/>
               </a:ext>
             </a:extLst>
           </p:cNvPr>
@@ -9334,7 +8620,7 @@
         </p:nvSpPr>
         <p:spPr>
           <a:xfrm>
-            <a:off x="838200" y="2103437"/>
+            <a:off x="900344" y="2766218"/>
             <a:ext cx="10515600" cy="1325563"/>
           </a:xfrm>
         </p:spPr>
@@ -9343,16 +8629,40 @@
           <a:lstStyle/>
           <a:p>
             <a:r>
-              <a:rPr lang="en-US" dirty="0"/>
-              <a:t>UI Patterns</a:t>
-            </a:r>
+              <a:rPr lang="es-ES" dirty="0" err="1">
+                <a:solidFill>
+                  <a:srgbClr val="000000"/>
+                </a:solidFill>
+                <a:latin typeface="Calibri" panose="020F0502020204030204" pitchFamily="34" charset="0"/>
+              </a:rPr>
+              <a:t>Strategy</a:t>
+            </a:r>
+            <a:r>
+              <a:rPr lang="es-ES" dirty="0">
+                <a:solidFill>
+                  <a:srgbClr val="000000"/>
+                </a:solidFill>
+                <a:latin typeface="Calibri" panose="020F0502020204030204" pitchFamily="34" charset="0"/>
+              </a:rPr>
+              <a:t> </a:t>
+            </a:r>
+            <a:r>
+              <a:rPr lang="es-ES" dirty="0" err="1">
+                <a:solidFill>
+                  <a:srgbClr val="000000"/>
+                </a:solidFill>
+                <a:latin typeface="Calibri" panose="020F0502020204030204" pitchFamily="34" charset="0"/>
+              </a:rPr>
+              <a:t>pattern</a:t>
+            </a:r>
+            <a:endParaRPr lang="en-US" dirty="0"/>
           </a:p>
         </p:txBody>
       </p:sp>
     </p:spTree>
     <p:extLst>
       <p:ext uri="{BB962C8B-B14F-4D97-AF65-F5344CB8AC3E}">
-        <p14:creationId xmlns:p14="http://schemas.microsoft.com/office/powerpoint/2010/main" val="2266296736"/>
+        <p14:creationId xmlns:p14="http://schemas.microsoft.com/office/powerpoint/2010/main" val="1428411220"/>
       </p:ext>
     </p:extLst>
   </p:cSld>
@@ -9365,6 +8675,14 @@
 <file path=ppt/slides/slide28.xml><?xml version="1.0" encoding="utf-8"?>
 <p:sld xmlns:a="http://schemas.openxmlformats.org/drawingml/2006/main" xmlns:r="http://schemas.openxmlformats.org/officeDocument/2006/relationships" xmlns:p="http://schemas.openxmlformats.org/presentationml/2006/main">
   <p:cSld>
+    <p:bg>
+      <p:bgPr>
+        <a:solidFill>
+          <a:srgbClr val="1E1E1E"/>
+        </a:solidFill>
+        <a:effectLst/>
+      </p:bgPr>
+    </p:bg>
     <p:spTree>
       <p:nvGrpSpPr>
         <p:cNvPr id="1" name=""/>
@@ -9381,74 +8699,531 @@
       </p:grpSpPr>
       <p:sp>
         <p:nvSpPr>
-          <p:cNvPr id="2" name="Título 1">
-            <a:extLst>
-              <a:ext uri="{FF2B5EF4-FFF2-40B4-BE49-F238E27FC236}">
-                <a16:creationId xmlns:a16="http://schemas.microsoft.com/office/drawing/2014/main" id="{51E579E3-4D4D-4391-A4DB-77F6C6DD84BE}"/>
-              </a:ext>
-            </a:extLst>
-          </p:cNvPr>
-          <p:cNvSpPr>
-            <a:spLocks noGrp="1"/>
-          </p:cNvSpPr>
-          <p:nvPr>
-            <p:ph type="title"/>
-          </p:nvPr>
-        </p:nvSpPr>
-        <p:spPr>
-          <a:xfrm>
-            <a:off x="900344" y="2766218"/>
-            <a:ext cx="10515600" cy="1325563"/>
-          </a:xfrm>
-        </p:spPr>
-        <p:txBody>
-          <a:bodyPr/>
-          <a:lstStyle/>
-          <a:p>
-            <a:r>
-              <a:rPr lang="es-ES" dirty="0">
+          <p:cNvPr id="31" name="CuadroTexto 30">
+            <a:extLst>
+              <a:ext uri="{FF2B5EF4-FFF2-40B4-BE49-F238E27FC236}">
+                <a16:creationId xmlns:a16="http://schemas.microsoft.com/office/drawing/2014/main" id="{FBF7026D-12F4-4541-8110-DE706094717A}"/>
+              </a:ext>
+            </a:extLst>
+          </p:cNvPr>
+          <p:cNvSpPr txBox="1"/>
+          <p:nvPr/>
+        </p:nvSpPr>
+        <p:spPr>
+          <a:xfrm>
+            <a:off x="484863" y="185392"/>
+            <a:ext cx="3397994" cy="646331"/>
+          </a:xfrm>
+          <a:prstGeom prst="rect">
+            <a:avLst/>
+          </a:prstGeom>
+          <a:noFill/>
+        </p:spPr>
+        <p:txBody>
+          <a:bodyPr wrap="square" rtlCol="0">
+            <a:spAutoFit/>
+          </a:bodyPr>
+          <a:lstStyle/>
+          <a:p>
+            <a:r>
+              <a:rPr lang="en-US" sz="3600" dirty="0" err="1">
                 <a:solidFill>
-                  <a:srgbClr val="000000"/>
+                  <a:srgbClr val="53A2D3"/>
                 </a:solidFill>
-                <a:latin typeface="Calibri" panose="020F0502020204030204" pitchFamily="34" charset="0"/>
               </a:rPr>
-              <a:t>Page-</a:t>
-            </a:r>
-            <a:r>
-              <a:rPr lang="es-ES" dirty="0" err="1">
+              <a:t>Teoría</a:t>
+            </a:r>
+            <a:endParaRPr lang="en-US" sz="3600" dirty="0">
+              <a:solidFill>
+                <a:srgbClr val="53A2D3"/>
+              </a:solidFill>
+            </a:endParaRPr>
+          </a:p>
+        </p:txBody>
+      </p:sp>
+      <p:pic>
+        <p:nvPicPr>
+          <p:cNvPr id="7" name="Imagen 6">
+            <a:extLst>
+              <a:ext uri="{FF2B5EF4-FFF2-40B4-BE49-F238E27FC236}">
+                <a16:creationId xmlns:a16="http://schemas.microsoft.com/office/drawing/2014/main" id="{63A3F3E7-77F9-4C2C-B74D-5C03E1CCF6E0}"/>
+              </a:ext>
+            </a:extLst>
+          </p:cNvPr>
+          <p:cNvPicPr>
+            <a:picLocks noChangeAspect="1"/>
+          </p:cNvPicPr>
+          <p:nvPr/>
+        </p:nvPicPr>
+        <p:blipFill>
+          <a:blip r:embed="rId2"/>
+          <a:stretch>
+            <a:fillRect/>
+          </a:stretch>
+        </p:blipFill>
+        <p:spPr>
+          <a:xfrm>
+            <a:off x="8176025" y="1101933"/>
+            <a:ext cx="3781425" cy="3429000"/>
+          </a:xfrm>
+          <a:prstGeom prst="rect">
+            <a:avLst/>
+          </a:prstGeom>
+          <a:effectLst>
+            <a:glow rad="25400">
+              <a:schemeClr val="bg1">
+                <a:alpha val="40000"/>
+              </a:schemeClr>
+            </a:glow>
+          </a:effectLst>
+        </p:spPr>
+      </p:pic>
+      <p:pic>
+        <p:nvPicPr>
+          <p:cNvPr id="13" name="Imagen 12">
+            <a:extLst>
+              <a:ext uri="{FF2B5EF4-FFF2-40B4-BE49-F238E27FC236}">
+                <a16:creationId xmlns:a16="http://schemas.microsoft.com/office/drawing/2014/main" id="{1226FC3B-E807-4859-AB7D-0829A64B5D4D}"/>
+              </a:ext>
+            </a:extLst>
+          </p:cNvPr>
+          <p:cNvPicPr>
+            <a:picLocks noChangeAspect="1"/>
+          </p:cNvPicPr>
+          <p:nvPr/>
+        </p:nvPicPr>
+        <p:blipFill>
+          <a:blip r:embed="rId3"/>
+          <a:stretch>
+            <a:fillRect/>
+          </a:stretch>
+        </p:blipFill>
+        <p:spPr>
+          <a:xfrm>
+            <a:off x="2293072" y="831723"/>
+            <a:ext cx="2819400" cy="762000"/>
+          </a:xfrm>
+          <a:prstGeom prst="rect">
+            <a:avLst/>
+          </a:prstGeom>
+          <a:effectLst>
+            <a:glow rad="25400">
+              <a:schemeClr val="bg1">
+                <a:alpha val="40000"/>
+              </a:schemeClr>
+            </a:glow>
+          </a:effectLst>
+        </p:spPr>
+      </p:pic>
+      <p:pic>
+        <p:nvPicPr>
+          <p:cNvPr id="15" name="Imagen 14">
+            <a:extLst>
+              <a:ext uri="{FF2B5EF4-FFF2-40B4-BE49-F238E27FC236}">
+                <a16:creationId xmlns:a16="http://schemas.microsoft.com/office/drawing/2014/main" id="{3030403C-23EF-4D34-B8B2-265C157FE1FE}"/>
+              </a:ext>
+            </a:extLst>
+          </p:cNvPr>
+          <p:cNvPicPr>
+            <a:picLocks noChangeAspect="1"/>
+          </p:cNvPicPr>
+          <p:nvPr/>
+        </p:nvPicPr>
+        <p:blipFill>
+          <a:blip r:embed="rId4"/>
+          <a:stretch>
+            <a:fillRect/>
+          </a:stretch>
+        </p:blipFill>
+        <p:spPr>
+          <a:xfrm>
+            <a:off x="3702772" y="2358548"/>
+            <a:ext cx="3216008" cy="915769"/>
+          </a:xfrm>
+          <a:prstGeom prst="rect">
+            <a:avLst/>
+          </a:prstGeom>
+          <a:effectLst>
+            <a:glow rad="25400">
+              <a:schemeClr val="bg1">
+                <a:alpha val="40000"/>
+              </a:schemeClr>
+            </a:glow>
+          </a:effectLst>
+        </p:spPr>
+      </p:pic>
+      <p:pic>
+        <p:nvPicPr>
+          <p:cNvPr id="16" name="Imagen 15">
+            <a:extLst>
+              <a:ext uri="{FF2B5EF4-FFF2-40B4-BE49-F238E27FC236}">
+                <a16:creationId xmlns:a16="http://schemas.microsoft.com/office/drawing/2014/main" id="{BF9224CC-F0AA-49F7-BFB1-D2130500CB02}"/>
+              </a:ext>
+            </a:extLst>
+          </p:cNvPr>
+          <p:cNvPicPr>
+            <a:picLocks noChangeAspect="1"/>
+          </p:cNvPicPr>
+          <p:nvPr/>
+        </p:nvPicPr>
+        <p:blipFill>
+          <a:blip r:embed="rId5"/>
+          <a:stretch>
+            <a:fillRect/>
+          </a:stretch>
+        </p:blipFill>
+        <p:spPr>
+          <a:xfrm>
+            <a:off x="234550" y="2358547"/>
+            <a:ext cx="3308585" cy="915769"/>
+          </a:xfrm>
+          <a:prstGeom prst="rect">
+            <a:avLst/>
+          </a:prstGeom>
+          <a:effectLst>
+            <a:glow rad="25400">
+              <a:schemeClr val="bg1">
+                <a:alpha val="40000"/>
+              </a:schemeClr>
+            </a:glow>
+          </a:effectLst>
+        </p:spPr>
+      </p:pic>
+      <p:pic>
+        <p:nvPicPr>
+          <p:cNvPr id="17" name="Imagen 16">
+            <a:extLst>
+              <a:ext uri="{FF2B5EF4-FFF2-40B4-BE49-F238E27FC236}">
+                <a16:creationId xmlns:a16="http://schemas.microsoft.com/office/drawing/2014/main" id="{F4BFD28B-3F89-4969-8017-2D353B4E8616}"/>
+              </a:ext>
+            </a:extLst>
+          </p:cNvPr>
+          <p:cNvPicPr>
+            <a:picLocks noChangeAspect="1"/>
+          </p:cNvPicPr>
+          <p:nvPr/>
+        </p:nvPicPr>
+        <p:blipFill>
+          <a:blip r:embed="rId6"/>
+          <a:stretch>
+            <a:fillRect/>
+          </a:stretch>
+        </p:blipFill>
+        <p:spPr>
+          <a:xfrm>
+            <a:off x="220430" y="4402312"/>
+            <a:ext cx="5695950" cy="2124075"/>
+          </a:xfrm>
+          <a:prstGeom prst="rect">
+            <a:avLst/>
+          </a:prstGeom>
+          <a:effectLst>
+            <a:glow rad="25400">
+              <a:schemeClr val="bg1">
+                <a:alpha val="40000"/>
+              </a:schemeClr>
+            </a:glow>
+          </a:effectLst>
+        </p:spPr>
+      </p:pic>
+      <p:sp>
+        <p:nvSpPr>
+          <p:cNvPr id="27" name="CuadroTexto 26">
+            <a:extLst>
+              <a:ext uri="{FF2B5EF4-FFF2-40B4-BE49-F238E27FC236}">
+                <a16:creationId xmlns:a16="http://schemas.microsoft.com/office/drawing/2014/main" id="{C80AB779-E6C3-449A-80EB-6690C83E798F}"/>
+              </a:ext>
+            </a:extLst>
+          </p:cNvPr>
+          <p:cNvSpPr txBox="1"/>
+          <p:nvPr/>
+        </p:nvSpPr>
+        <p:spPr>
+          <a:xfrm>
+            <a:off x="220430" y="4007356"/>
+            <a:ext cx="1376218" cy="369332"/>
+          </a:xfrm>
+          <a:prstGeom prst="rect">
+            <a:avLst/>
+          </a:prstGeom>
+          <a:noFill/>
+        </p:spPr>
+        <p:txBody>
+          <a:bodyPr wrap="square" rtlCol="0">
+            <a:spAutoFit/>
+          </a:bodyPr>
+          <a:lstStyle/>
+          <a:p>
+            <a:r>
+              <a:rPr lang="en-US" dirty="0">
                 <a:solidFill>
-                  <a:srgbClr val="000000"/>
+                  <a:schemeClr val="bg1"/>
                 </a:solidFill>
-                <a:latin typeface="Calibri" panose="020F0502020204030204" pitchFamily="34" charset="0"/>
               </a:rPr>
-              <a:t>Object</a:t>
-            </a:r>
-            <a:r>
-              <a:rPr lang="es-ES" dirty="0">
+              <a:t>Usage:</a:t>
+            </a:r>
+          </a:p>
+        </p:txBody>
+      </p:sp>
+      <p:cxnSp>
+        <p:nvCxnSpPr>
+          <p:cNvPr id="28" name="Conector recto de flecha 27">
+            <a:extLst>
+              <a:ext uri="{FF2B5EF4-FFF2-40B4-BE49-F238E27FC236}">
+                <a16:creationId xmlns:a16="http://schemas.microsoft.com/office/drawing/2014/main" id="{3A1A54ED-7217-460A-A419-52A2A8C6E16D}"/>
+              </a:ext>
+            </a:extLst>
+          </p:cNvPr>
+          <p:cNvCxnSpPr>
+            <a:cxnSpLocks/>
+            <a:stCxn id="16" idx="0"/>
+            <a:endCxn id="13" idx="2"/>
+          </p:cNvCxnSpPr>
+          <p:nvPr/>
+        </p:nvCxnSpPr>
+        <p:spPr>
+          <a:xfrm flipV="1">
+            <a:off x="1888843" y="1593723"/>
+            <a:ext cx="1813929" cy="764824"/>
+          </a:xfrm>
+          <a:prstGeom prst="straightConnector1">
+            <a:avLst/>
+          </a:prstGeom>
+          <a:ln w="12700">
+            <a:solidFill>
+              <a:schemeClr val="bg1"/>
+            </a:solidFill>
+            <a:tailEnd type="triangle"/>
+          </a:ln>
+        </p:spPr>
+        <p:style>
+          <a:lnRef idx="1">
+            <a:schemeClr val="accent1"/>
+          </a:lnRef>
+          <a:fillRef idx="0">
+            <a:schemeClr val="accent1"/>
+          </a:fillRef>
+          <a:effectRef idx="0">
+            <a:schemeClr val="accent1"/>
+          </a:effectRef>
+          <a:fontRef idx="minor">
+            <a:schemeClr val="tx1"/>
+          </a:fontRef>
+        </p:style>
+      </p:cxnSp>
+      <p:sp>
+        <p:nvSpPr>
+          <p:cNvPr id="29" name="CuadroTexto 28">
+            <a:extLst>
+              <a:ext uri="{FF2B5EF4-FFF2-40B4-BE49-F238E27FC236}">
+                <a16:creationId xmlns:a16="http://schemas.microsoft.com/office/drawing/2014/main" id="{6C5D61F4-13D6-441D-8985-28E82A07ACD8}"/>
+              </a:ext>
+            </a:extLst>
+          </p:cNvPr>
+          <p:cNvSpPr txBox="1"/>
+          <p:nvPr/>
+        </p:nvSpPr>
+        <p:spPr>
+          <a:xfrm>
+            <a:off x="4738560" y="1747673"/>
+            <a:ext cx="1376218" cy="369332"/>
+          </a:xfrm>
+          <a:prstGeom prst="rect">
+            <a:avLst/>
+          </a:prstGeom>
+          <a:noFill/>
+        </p:spPr>
+        <p:txBody>
+          <a:bodyPr wrap="square" rtlCol="0">
+            <a:spAutoFit/>
+          </a:bodyPr>
+          <a:lstStyle/>
+          <a:p>
+            <a:r>
+              <a:rPr lang="en-US" dirty="0">
                 <a:solidFill>
-                  <a:srgbClr val="000000"/>
+                  <a:schemeClr val="bg1"/>
                 </a:solidFill>
-                <a:latin typeface="Calibri" panose="020F0502020204030204" pitchFamily="34" charset="0"/>
               </a:rPr>
-              <a:t> </a:t>
-            </a:r>
-            <a:r>
-              <a:rPr lang="es-ES" dirty="0" err="1">
+              <a:t>implements</a:t>
+            </a:r>
+          </a:p>
+        </p:txBody>
+      </p:sp>
+      <p:cxnSp>
+        <p:nvCxnSpPr>
+          <p:cNvPr id="32" name="Conector recto de flecha 31">
+            <a:extLst>
+              <a:ext uri="{FF2B5EF4-FFF2-40B4-BE49-F238E27FC236}">
+                <a16:creationId xmlns:a16="http://schemas.microsoft.com/office/drawing/2014/main" id="{54BAFDE7-80A8-46D7-A8DA-73C79CC1DA06}"/>
+              </a:ext>
+            </a:extLst>
+          </p:cNvPr>
+          <p:cNvCxnSpPr>
+            <a:cxnSpLocks/>
+            <a:stCxn id="15" idx="0"/>
+            <a:endCxn id="13" idx="2"/>
+          </p:cNvCxnSpPr>
+          <p:nvPr/>
+        </p:nvCxnSpPr>
+        <p:spPr>
+          <a:xfrm flipH="1" flipV="1">
+            <a:off x="3702772" y="1593723"/>
+            <a:ext cx="1608004" cy="764825"/>
+          </a:xfrm>
+          <a:prstGeom prst="straightConnector1">
+            <a:avLst/>
+          </a:prstGeom>
+          <a:ln w="12700">
+            <a:solidFill>
+              <a:schemeClr val="bg1"/>
+            </a:solidFill>
+            <a:tailEnd type="triangle"/>
+          </a:ln>
+        </p:spPr>
+        <p:style>
+          <a:lnRef idx="1">
+            <a:schemeClr val="accent1"/>
+          </a:lnRef>
+          <a:fillRef idx="0">
+            <a:schemeClr val="accent1"/>
+          </a:fillRef>
+          <a:effectRef idx="0">
+            <a:schemeClr val="accent1"/>
+          </a:effectRef>
+          <a:fontRef idx="minor">
+            <a:schemeClr val="tx1"/>
+          </a:fontRef>
+        </p:style>
+      </p:cxnSp>
+      <p:sp>
+        <p:nvSpPr>
+          <p:cNvPr id="36" name="CuadroTexto 35">
+            <a:extLst>
+              <a:ext uri="{FF2B5EF4-FFF2-40B4-BE49-F238E27FC236}">
+                <a16:creationId xmlns:a16="http://schemas.microsoft.com/office/drawing/2014/main" id="{9584946C-1ABD-49B7-9E74-6778D71B8931}"/>
+              </a:ext>
+            </a:extLst>
+          </p:cNvPr>
+          <p:cNvSpPr txBox="1"/>
+          <p:nvPr/>
+        </p:nvSpPr>
+        <p:spPr>
+          <a:xfrm>
+            <a:off x="1249275" y="1747673"/>
+            <a:ext cx="1376218" cy="369332"/>
+          </a:xfrm>
+          <a:prstGeom prst="rect">
+            <a:avLst/>
+          </a:prstGeom>
+          <a:noFill/>
+        </p:spPr>
+        <p:txBody>
+          <a:bodyPr wrap="square" rtlCol="0">
+            <a:spAutoFit/>
+          </a:bodyPr>
+          <a:lstStyle/>
+          <a:p>
+            <a:r>
+              <a:rPr lang="en-US" dirty="0">
                 <a:solidFill>
-                  <a:srgbClr val="000000"/>
+                  <a:schemeClr val="bg1"/>
                 </a:solidFill>
-                <a:latin typeface="Calibri" panose="020F0502020204030204" pitchFamily="34" charset="0"/>
               </a:rPr>
-              <a:t>pattern</a:t>
-            </a:r>
-            <a:endParaRPr lang="en-US" dirty="0"/>
+              <a:t>implements</a:t>
+            </a:r>
+          </a:p>
+        </p:txBody>
+      </p:sp>
+      <p:cxnSp>
+        <p:nvCxnSpPr>
+          <p:cNvPr id="37" name="Conector recto de flecha 36">
+            <a:extLst>
+              <a:ext uri="{FF2B5EF4-FFF2-40B4-BE49-F238E27FC236}">
+                <a16:creationId xmlns:a16="http://schemas.microsoft.com/office/drawing/2014/main" id="{F33C09D8-47E5-497E-A508-0BB69A63CB87}"/>
+              </a:ext>
+            </a:extLst>
+          </p:cNvPr>
+          <p:cNvCxnSpPr>
+            <a:cxnSpLocks/>
+            <a:stCxn id="7" idx="1"/>
+            <a:endCxn id="15" idx="3"/>
+          </p:cNvCxnSpPr>
+          <p:nvPr/>
+        </p:nvCxnSpPr>
+        <p:spPr>
+          <a:xfrm flipH="1">
+            <a:off x="6918780" y="2816433"/>
+            <a:ext cx="1257245" cy="0"/>
+          </a:xfrm>
+          <a:prstGeom prst="straightConnector1">
+            <a:avLst/>
+          </a:prstGeom>
+          <a:ln w="12700">
+            <a:solidFill>
+              <a:schemeClr val="bg1"/>
+            </a:solidFill>
+            <a:tailEnd type="triangle"/>
+          </a:ln>
+        </p:spPr>
+        <p:style>
+          <a:lnRef idx="1">
+            <a:schemeClr val="accent1"/>
+          </a:lnRef>
+          <a:fillRef idx="0">
+            <a:schemeClr val="accent1"/>
+          </a:fillRef>
+          <a:effectRef idx="0">
+            <a:schemeClr val="accent1"/>
+          </a:effectRef>
+          <a:fontRef idx="minor">
+            <a:schemeClr val="tx1"/>
+          </a:fontRef>
+        </p:style>
+      </p:cxnSp>
+      <p:sp>
+        <p:nvSpPr>
+          <p:cNvPr id="43" name="CuadroTexto 42">
+            <a:extLst>
+              <a:ext uri="{FF2B5EF4-FFF2-40B4-BE49-F238E27FC236}">
+                <a16:creationId xmlns:a16="http://schemas.microsoft.com/office/drawing/2014/main" id="{9194DB71-63AB-401A-BE6D-85B024946DBE}"/>
+              </a:ext>
+            </a:extLst>
+          </p:cNvPr>
+          <p:cNvSpPr txBox="1"/>
+          <p:nvPr/>
+        </p:nvSpPr>
+        <p:spPr>
+          <a:xfrm>
+            <a:off x="7078417" y="2491377"/>
+            <a:ext cx="1376218" cy="369332"/>
+          </a:xfrm>
+          <a:prstGeom prst="rect">
+            <a:avLst/>
+          </a:prstGeom>
+          <a:noFill/>
+        </p:spPr>
+        <p:txBody>
+          <a:bodyPr wrap="square" rtlCol="0">
+            <a:spAutoFit/>
+          </a:bodyPr>
+          <a:lstStyle/>
+          <a:p>
+            <a:r>
+              <a:rPr lang="en-US" dirty="0">
+                <a:solidFill>
+                  <a:schemeClr val="bg1"/>
+                </a:solidFill>
+              </a:rPr>
+              <a:t>executes</a:t>
+            </a:r>
           </a:p>
         </p:txBody>
       </p:sp>
     </p:spTree>
     <p:extLst>
       <p:ext uri="{BB962C8B-B14F-4D97-AF65-F5344CB8AC3E}">
-        <p14:creationId xmlns:p14="http://schemas.microsoft.com/office/powerpoint/2010/main" val="2983471730"/>
+        <p14:creationId xmlns:p14="http://schemas.microsoft.com/office/powerpoint/2010/main" val="4059487831"/>
       </p:ext>
     </p:extLst>
   </p:cSld>
@@ -9485,10 +9260,10 @@
       </p:grpSpPr>
       <p:sp>
         <p:nvSpPr>
-          <p:cNvPr id="31" name="CuadroTexto 30">
-            <a:extLst>
-              <a:ext uri="{FF2B5EF4-FFF2-40B4-BE49-F238E27FC236}">
-                <a16:creationId xmlns:a16="http://schemas.microsoft.com/office/drawing/2014/main" id="{FBF7026D-12F4-4541-8110-DE706094717A}"/>
+          <p:cNvPr id="19" name="CuadroTexto 18">
+            <a:extLst>
+              <a:ext uri="{FF2B5EF4-FFF2-40B4-BE49-F238E27FC236}">
+                <a16:creationId xmlns:a16="http://schemas.microsoft.com/office/drawing/2014/main" id="{A96312D1-C027-407A-96BD-2EF07177E281}"/>
               </a:ext>
             </a:extLst>
           </p:cNvPr>
@@ -9497,13 +9272,18 @@
         </p:nvSpPr>
         <p:spPr>
           <a:xfrm>
-            <a:off x="484863" y="185392"/>
-            <a:ext cx="3397994" cy="646331"/>
+            <a:off x="277441" y="3087902"/>
+            <a:ext cx="5675684" cy="3609235"/>
           </a:xfrm>
           <a:prstGeom prst="rect">
             <a:avLst/>
           </a:prstGeom>
           <a:noFill/>
+          <a:ln>
+            <a:solidFill>
+              <a:schemeClr val="bg1"/>
+            </a:solidFill>
+          </a:ln>
         </p:spPr>
         <p:txBody>
           <a:bodyPr wrap="square" rtlCol="0">
@@ -9511,28 +9291,16 @@
           </a:bodyPr>
           <a:lstStyle/>
           <a:p>
-            <a:r>
-              <a:rPr lang="en-US" sz="3600" dirty="0" err="1">
-                <a:solidFill>
-                  <a:srgbClr val="53A2D3"/>
-                </a:solidFill>
-              </a:rPr>
-              <a:t>Teoría</a:t>
-            </a:r>
-            <a:endParaRPr lang="en-US" sz="3600" dirty="0">
-              <a:solidFill>
-                <a:srgbClr val="53A2D3"/>
-              </a:solidFill>
-            </a:endParaRPr>
+            <a:endParaRPr lang="en-US" dirty="0"/>
           </a:p>
         </p:txBody>
       </p:sp>
       <p:pic>
         <p:nvPicPr>
-          <p:cNvPr id="30" name="Imagen 29">
-            <a:extLst>
-              <a:ext uri="{FF2B5EF4-FFF2-40B4-BE49-F238E27FC236}">
-                <a16:creationId xmlns:a16="http://schemas.microsoft.com/office/drawing/2014/main" id="{11AA3BEE-0DB9-4E5E-97F9-46B38CC019A4}"/>
+          <p:cNvPr id="5" name="Imagen 4">
+            <a:extLst>
+              <a:ext uri="{FF2B5EF4-FFF2-40B4-BE49-F238E27FC236}">
+                <a16:creationId xmlns:a16="http://schemas.microsoft.com/office/drawing/2014/main" id="{1F28F35C-9F8B-4E76-86E9-350415B88C79}"/>
               </a:ext>
             </a:extLst>
           </p:cNvPr>
@@ -9549,8 +9317,8 @@
         </p:blipFill>
         <p:spPr>
           <a:xfrm>
-            <a:off x="320338" y="3308109"/>
-            <a:ext cx="4785360" cy="2990850"/>
+            <a:off x="797883" y="1225868"/>
+            <a:ext cx="4287752" cy="969928"/>
           </a:xfrm>
           <a:prstGeom prst="rect">
             <a:avLst/>
@@ -9566,10 +9334,10 @@
       </p:pic>
       <p:pic>
         <p:nvPicPr>
-          <p:cNvPr id="33" name="Imagen 32">
-            <a:extLst>
-              <a:ext uri="{FF2B5EF4-FFF2-40B4-BE49-F238E27FC236}">
-                <a16:creationId xmlns:a16="http://schemas.microsoft.com/office/drawing/2014/main" id="{27AF6DC8-BCC6-43A0-ACB8-8E24581FFF99}"/>
+          <p:cNvPr id="3" name="Imagen 2">
+            <a:extLst>
+              <a:ext uri="{FF2B5EF4-FFF2-40B4-BE49-F238E27FC236}">
+                <a16:creationId xmlns:a16="http://schemas.microsoft.com/office/drawing/2014/main" id="{9C1B9B4B-60A9-4422-9C3A-3CD098F4505A}"/>
               </a:ext>
             </a:extLst>
           </p:cNvPr>
@@ -9586,8 +9354,45 @@
         </p:blipFill>
         <p:spPr>
           <a:xfrm>
-            <a:off x="6221148" y="252067"/>
-            <a:ext cx="5485989" cy="2262533"/>
+            <a:off x="345048" y="3127409"/>
+            <a:ext cx="5253753" cy="488881"/>
+          </a:xfrm>
+          <a:prstGeom prst="rect">
+            <a:avLst/>
+          </a:prstGeom>
+          <a:effectLst>
+            <a:glow>
+              <a:schemeClr val="bg1">
+                <a:alpha val="40000"/>
+              </a:schemeClr>
+            </a:glow>
+          </a:effectLst>
+        </p:spPr>
+      </p:pic>
+      <p:pic>
+        <p:nvPicPr>
+          <p:cNvPr id="4" name="Imagen 3">
+            <a:extLst>
+              <a:ext uri="{FF2B5EF4-FFF2-40B4-BE49-F238E27FC236}">
+                <a16:creationId xmlns:a16="http://schemas.microsoft.com/office/drawing/2014/main" id="{C36C44D5-9D26-4140-9030-A25266CFEACE}"/>
+              </a:ext>
+            </a:extLst>
+          </p:cNvPr>
+          <p:cNvPicPr>
+            <a:picLocks noChangeAspect="1"/>
+          </p:cNvPicPr>
+          <p:nvPr/>
+        </p:nvPicPr>
+        <p:blipFill>
+          <a:blip r:embed="rId4"/>
+          <a:stretch>
+            <a:fillRect/>
+          </a:stretch>
+        </p:blipFill>
+        <p:spPr>
+          <a:xfrm>
+            <a:off x="1339827" y="1917666"/>
+            <a:ext cx="4516224" cy="971158"/>
           </a:xfrm>
           <a:prstGeom prst="rect">
             <a:avLst/>
@@ -9603,10 +9408,10 @@
       </p:pic>
       <p:pic>
         <p:nvPicPr>
-          <p:cNvPr id="2" name="Imagen 1">
-            <a:extLst>
-              <a:ext uri="{FF2B5EF4-FFF2-40B4-BE49-F238E27FC236}">
-                <a16:creationId xmlns:a16="http://schemas.microsoft.com/office/drawing/2014/main" id="{0D177CD9-B958-4BF5-9974-F66D391F7A44}"/>
+          <p:cNvPr id="9" name="Imagen 8">
+            <a:extLst>
+              <a:ext uri="{FF2B5EF4-FFF2-40B4-BE49-F238E27FC236}">
+                <a16:creationId xmlns:a16="http://schemas.microsoft.com/office/drawing/2014/main" id="{49F94EEA-BD17-488E-8959-1BDE76060086}"/>
               </a:ext>
             </a:extLst>
           </p:cNvPr>
@@ -9616,15 +9421,15 @@
           <p:nvPr/>
         </p:nvPicPr>
         <p:blipFill>
-          <a:blip r:embed="rId4"/>
+          <a:blip r:embed="rId5"/>
           <a:stretch>
             <a:fillRect/>
           </a:stretch>
         </p:blipFill>
         <p:spPr>
           <a:xfrm>
-            <a:off x="6221148" y="3124301"/>
-            <a:ext cx="5491163" cy="3358466"/>
+            <a:off x="1487759" y="160863"/>
+            <a:ext cx="2908000" cy="573633"/>
           </a:xfrm>
           <a:prstGeom prst="rect">
             <a:avLst/>
@@ -9638,26 +9443,169 @@
           </a:effectLst>
         </p:spPr>
       </p:pic>
+      <p:pic>
+        <p:nvPicPr>
+          <p:cNvPr id="14" name="Imagen 13">
+            <a:extLst>
+              <a:ext uri="{FF2B5EF4-FFF2-40B4-BE49-F238E27FC236}">
+                <a16:creationId xmlns:a16="http://schemas.microsoft.com/office/drawing/2014/main" id="{E0E785AA-AFC8-4D14-8DD6-DA69DB1D5C3D}"/>
+              </a:ext>
+            </a:extLst>
+          </p:cNvPr>
+          <p:cNvPicPr>
+            <a:picLocks noChangeAspect="1"/>
+          </p:cNvPicPr>
+          <p:nvPr/>
+        </p:nvPicPr>
+        <p:blipFill>
+          <a:blip r:embed="rId6"/>
+          <a:stretch>
+            <a:fillRect/>
+          </a:stretch>
+        </p:blipFill>
+        <p:spPr>
+          <a:xfrm>
+            <a:off x="7235443" y="3087902"/>
+            <a:ext cx="4287753" cy="1843117"/>
+          </a:xfrm>
+          <a:prstGeom prst="rect">
+            <a:avLst/>
+          </a:prstGeom>
+          <a:effectLst>
+            <a:glow rad="25400">
+              <a:schemeClr val="bg1">
+                <a:alpha val="40000"/>
+              </a:schemeClr>
+            </a:glow>
+          </a:effectLst>
+        </p:spPr>
+      </p:pic>
+      <p:pic>
+        <p:nvPicPr>
+          <p:cNvPr id="16" name="Imagen 15">
+            <a:extLst>
+              <a:ext uri="{FF2B5EF4-FFF2-40B4-BE49-F238E27FC236}">
+                <a16:creationId xmlns:a16="http://schemas.microsoft.com/office/drawing/2014/main" id="{E2574B5B-77DE-464E-B6B5-321D05E8DDCF}"/>
+              </a:ext>
+            </a:extLst>
+          </p:cNvPr>
+          <p:cNvPicPr>
+            <a:picLocks noChangeAspect="1"/>
+          </p:cNvPicPr>
+          <p:nvPr/>
+        </p:nvPicPr>
+        <p:blipFill>
+          <a:blip r:embed="rId7"/>
+          <a:stretch>
+            <a:fillRect/>
+          </a:stretch>
+        </p:blipFill>
+        <p:spPr>
+          <a:xfrm>
+            <a:off x="6731370" y="165207"/>
+            <a:ext cx="5295901" cy="2445957"/>
+          </a:xfrm>
+          <a:prstGeom prst="rect">
+            <a:avLst/>
+          </a:prstGeom>
+          <a:effectLst>
+            <a:glow rad="25400">
+              <a:schemeClr val="bg1">
+                <a:alpha val="40000"/>
+              </a:schemeClr>
+            </a:glow>
+          </a:effectLst>
+        </p:spPr>
+      </p:pic>
+      <p:pic>
+        <p:nvPicPr>
+          <p:cNvPr id="18" name="Imagen 17">
+            <a:extLst>
+              <a:ext uri="{FF2B5EF4-FFF2-40B4-BE49-F238E27FC236}">
+                <a16:creationId xmlns:a16="http://schemas.microsoft.com/office/drawing/2014/main" id="{0B0AB996-6C12-4098-B73D-617DC9134067}"/>
+              </a:ext>
+            </a:extLst>
+          </p:cNvPr>
+          <p:cNvPicPr>
+            <a:picLocks noChangeAspect="1"/>
+          </p:cNvPicPr>
+          <p:nvPr/>
+        </p:nvPicPr>
+        <p:blipFill>
+          <a:blip r:embed="rId8"/>
+          <a:stretch>
+            <a:fillRect/>
+          </a:stretch>
+        </p:blipFill>
+        <p:spPr>
+          <a:xfrm>
+            <a:off x="345048" y="3655797"/>
+            <a:ext cx="5253754" cy="2780996"/>
+          </a:xfrm>
+          <a:prstGeom prst="rect">
+            <a:avLst/>
+          </a:prstGeom>
+        </p:spPr>
+      </p:pic>
+      <p:sp>
+        <p:nvSpPr>
+          <p:cNvPr id="25" name="CuadroTexto 24">
+            <a:extLst>
+              <a:ext uri="{FF2B5EF4-FFF2-40B4-BE49-F238E27FC236}">
+                <a16:creationId xmlns:a16="http://schemas.microsoft.com/office/drawing/2014/main" id="{B6FBF2F1-EAB1-495D-AD6F-27A42C4E8F45}"/>
+              </a:ext>
+            </a:extLst>
+          </p:cNvPr>
+          <p:cNvSpPr txBox="1"/>
+          <p:nvPr/>
+        </p:nvSpPr>
+        <p:spPr>
+          <a:xfrm>
+            <a:off x="2909830" y="820228"/>
+            <a:ext cx="1376218" cy="369332"/>
+          </a:xfrm>
+          <a:prstGeom prst="rect">
+            <a:avLst/>
+          </a:prstGeom>
+          <a:noFill/>
+        </p:spPr>
+        <p:txBody>
+          <a:bodyPr wrap="square" rtlCol="0">
+            <a:spAutoFit/>
+          </a:bodyPr>
+          <a:lstStyle/>
+          <a:p>
+            <a:r>
+              <a:rPr lang="en-US" dirty="0">
+                <a:solidFill>
+                  <a:schemeClr val="bg1"/>
+                </a:solidFill>
+              </a:rPr>
+              <a:t>implements</a:t>
+            </a:r>
+          </a:p>
+        </p:txBody>
+      </p:sp>
       <p:cxnSp>
         <p:nvCxnSpPr>
-          <p:cNvPr id="34" name="Conector recto de flecha 33">
-            <a:extLst>
-              <a:ext uri="{FF2B5EF4-FFF2-40B4-BE49-F238E27FC236}">
-                <a16:creationId xmlns:a16="http://schemas.microsoft.com/office/drawing/2014/main" id="{FE5B11F8-9635-41F2-BA0B-CF1CE47617E6}"/>
+          <p:cNvPr id="27" name="Conector recto de flecha 26">
+            <a:extLst>
+              <a:ext uri="{FF2B5EF4-FFF2-40B4-BE49-F238E27FC236}">
+                <a16:creationId xmlns:a16="http://schemas.microsoft.com/office/drawing/2014/main" id="{88EC44E3-2AD7-4D4C-9534-8FD067DCA220}"/>
               </a:ext>
             </a:extLst>
           </p:cNvPr>
           <p:cNvCxnSpPr>
             <a:cxnSpLocks/>
-            <a:stCxn id="2" idx="0"/>
-            <a:endCxn id="33" idx="2"/>
+            <a:stCxn id="5" idx="0"/>
+            <a:endCxn id="9" idx="2"/>
           </p:cNvCxnSpPr>
           <p:nvPr/>
         </p:nvCxnSpPr>
         <p:spPr>
-          <a:xfrm flipH="1" flipV="1">
-            <a:off x="8964143" y="2514600"/>
-            <a:ext cx="2587" cy="609701"/>
+          <a:xfrm flipV="1">
+            <a:off x="2941759" y="734496"/>
+            <a:ext cx="0" cy="491372"/>
           </a:xfrm>
           <a:prstGeom prst="straightConnector1">
             <a:avLst/>
@@ -9666,7 +9614,6 @@
             <a:solidFill>
               <a:schemeClr val="bg1"/>
             </a:solidFill>
-            <a:headEnd type="triangle"/>
             <a:tailEnd type="triangle"/>
           </a:ln>
         </p:spPr>
@@ -9685,104 +9632,26 @@
           </a:fontRef>
         </p:style>
       </p:cxnSp>
-      <p:sp>
-        <p:nvSpPr>
-          <p:cNvPr id="38" name="CuadroTexto 37">
-            <a:extLst>
-              <a:ext uri="{FF2B5EF4-FFF2-40B4-BE49-F238E27FC236}">
-                <a16:creationId xmlns:a16="http://schemas.microsoft.com/office/drawing/2014/main" id="{E593275B-18D5-4ED5-B785-2CD80B46AC8E}"/>
-              </a:ext>
-            </a:extLst>
-          </p:cNvPr>
-          <p:cNvSpPr txBox="1"/>
-          <p:nvPr/>
-        </p:nvSpPr>
-        <p:spPr>
-          <a:xfrm>
-            <a:off x="8964141" y="2650173"/>
-            <a:ext cx="1758422" cy="338554"/>
-          </a:xfrm>
-          <a:prstGeom prst="rect">
-            <a:avLst/>
-          </a:prstGeom>
-          <a:noFill/>
-        </p:spPr>
-        <p:txBody>
-          <a:bodyPr wrap="square" rtlCol="0">
-            <a:spAutoFit/>
-          </a:bodyPr>
-          <a:lstStyle/>
-          <a:p>
-            <a:r>
-              <a:rPr lang="en-US" sz="1600" dirty="0">
-                <a:solidFill>
-                  <a:schemeClr val="bg1"/>
-                </a:solidFill>
-              </a:rPr>
-              <a:t>reads and interacts</a:t>
-            </a:r>
-          </a:p>
-        </p:txBody>
-      </p:sp>
-      <p:sp>
-        <p:nvSpPr>
-          <p:cNvPr id="39" name="CuadroTexto 38">
-            <a:extLst>
-              <a:ext uri="{FF2B5EF4-FFF2-40B4-BE49-F238E27FC236}">
-                <a16:creationId xmlns:a16="http://schemas.microsoft.com/office/drawing/2014/main" id="{E933C427-2012-4298-BAC7-CF5FE7311DE1}"/>
-              </a:ext>
-            </a:extLst>
-          </p:cNvPr>
-          <p:cNvSpPr txBox="1"/>
-          <p:nvPr/>
-        </p:nvSpPr>
-        <p:spPr>
-          <a:xfrm>
-            <a:off x="5282744" y="4434202"/>
-            <a:ext cx="1376218" cy="369332"/>
-          </a:xfrm>
-          <a:prstGeom prst="rect">
-            <a:avLst/>
-          </a:prstGeom>
-          <a:noFill/>
-        </p:spPr>
-        <p:txBody>
-          <a:bodyPr wrap="square" rtlCol="0">
-            <a:spAutoFit/>
-          </a:bodyPr>
-          <a:lstStyle/>
-          <a:p>
-            <a:r>
-              <a:rPr lang="en-US" dirty="0">
-                <a:solidFill>
-                  <a:schemeClr val="bg1"/>
-                </a:solidFill>
-              </a:rPr>
-              <a:t>calls</a:t>
-            </a:r>
-          </a:p>
-        </p:txBody>
-      </p:sp>
       <p:cxnSp>
         <p:nvCxnSpPr>
-          <p:cNvPr id="40" name="Conector recto de flecha 39">
-            <a:extLst>
-              <a:ext uri="{FF2B5EF4-FFF2-40B4-BE49-F238E27FC236}">
-                <a16:creationId xmlns:a16="http://schemas.microsoft.com/office/drawing/2014/main" id="{65ADA00B-B061-4BC6-8BEA-533E11C25C79}"/>
+          <p:cNvPr id="34" name="Conector recto de flecha 33">
+            <a:extLst>
+              <a:ext uri="{FF2B5EF4-FFF2-40B4-BE49-F238E27FC236}">
+                <a16:creationId xmlns:a16="http://schemas.microsoft.com/office/drawing/2014/main" id="{77211730-336B-4475-92D1-978E8AE483D7}"/>
               </a:ext>
             </a:extLst>
           </p:cNvPr>
           <p:cNvCxnSpPr>
             <a:cxnSpLocks/>
-            <a:stCxn id="30" idx="3"/>
-            <a:endCxn id="2" idx="1"/>
+            <a:stCxn id="16" idx="1"/>
+            <a:endCxn id="5" idx="3"/>
           </p:cNvCxnSpPr>
           <p:nvPr/>
         </p:nvCxnSpPr>
         <p:spPr>
-          <a:xfrm>
-            <a:off x="5105698" y="4803534"/>
-            <a:ext cx="1115450" cy="0"/>
+          <a:xfrm flipH="1">
+            <a:off x="5085635" y="1388186"/>
+            <a:ext cx="1645735" cy="322646"/>
           </a:xfrm>
           <a:prstGeom prst="straightConnector1">
             <a:avLst/>
@@ -9809,10 +9678,261 @@
           </a:fontRef>
         </p:style>
       </p:cxnSp>
+      <p:sp>
+        <p:nvSpPr>
+          <p:cNvPr id="35" name="CuadroTexto 34">
+            <a:extLst>
+              <a:ext uri="{FF2B5EF4-FFF2-40B4-BE49-F238E27FC236}">
+                <a16:creationId xmlns:a16="http://schemas.microsoft.com/office/drawing/2014/main" id="{C400614D-3218-4E37-9650-3A63BC3DE8EB}"/>
+              </a:ext>
+            </a:extLst>
+          </p:cNvPr>
+          <p:cNvSpPr txBox="1"/>
+          <p:nvPr/>
+        </p:nvSpPr>
+        <p:spPr>
+          <a:xfrm rot="20924205">
+            <a:off x="5469464" y="1159486"/>
+            <a:ext cx="1376218" cy="369332"/>
+          </a:xfrm>
+          <a:prstGeom prst="rect">
+            <a:avLst/>
+          </a:prstGeom>
+          <a:noFill/>
+        </p:spPr>
+        <p:txBody>
+          <a:bodyPr wrap="square" rtlCol="0">
+            <a:spAutoFit/>
+          </a:bodyPr>
+          <a:lstStyle/>
+          <a:p>
+            <a:r>
+              <a:rPr lang="en-US" dirty="0">
+                <a:solidFill>
+                  <a:schemeClr val="bg1"/>
+                </a:solidFill>
+              </a:rPr>
+              <a:t>executes</a:t>
+            </a:r>
+          </a:p>
+        </p:txBody>
+      </p:sp>
+      <p:cxnSp>
+        <p:nvCxnSpPr>
+          <p:cNvPr id="38" name="Conector recto de flecha 37">
+            <a:extLst>
+              <a:ext uri="{FF2B5EF4-FFF2-40B4-BE49-F238E27FC236}">
+                <a16:creationId xmlns:a16="http://schemas.microsoft.com/office/drawing/2014/main" id="{074459B3-FE79-42A2-9A9E-C03EC6F7E472}"/>
+              </a:ext>
+            </a:extLst>
+          </p:cNvPr>
+          <p:cNvCxnSpPr>
+            <a:cxnSpLocks/>
+            <a:stCxn id="16" idx="1"/>
+            <a:endCxn id="4" idx="3"/>
+          </p:cNvCxnSpPr>
+          <p:nvPr/>
+        </p:nvCxnSpPr>
+        <p:spPr>
+          <a:xfrm flipH="1">
+            <a:off x="5856051" y="1388186"/>
+            <a:ext cx="875319" cy="1015059"/>
+          </a:xfrm>
+          <a:prstGeom prst="straightConnector1">
+            <a:avLst/>
+          </a:prstGeom>
+          <a:ln w="12700">
+            <a:solidFill>
+              <a:schemeClr val="bg1"/>
+            </a:solidFill>
+            <a:tailEnd type="triangle"/>
+          </a:ln>
+        </p:spPr>
+        <p:style>
+          <a:lnRef idx="1">
+            <a:schemeClr val="accent1"/>
+          </a:lnRef>
+          <a:fillRef idx="0">
+            <a:schemeClr val="accent1"/>
+          </a:fillRef>
+          <a:effectRef idx="0">
+            <a:schemeClr val="accent1"/>
+          </a:effectRef>
+          <a:fontRef idx="minor">
+            <a:schemeClr val="tx1"/>
+          </a:fontRef>
+        </p:style>
+      </p:cxnSp>
+      <p:cxnSp>
+        <p:nvCxnSpPr>
+          <p:cNvPr id="48" name="Conector recto de flecha 47">
+            <a:extLst>
+              <a:ext uri="{FF2B5EF4-FFF2-40B4-BE49-F238E27FC236}">
+                <a16:creationId xmlns:a16="http://schemas.microsoft.com/office/drawing/2014/main" id="{CADF5784-5FC3-40D6-BB19-FC72C0D9D2F5}"/>
+              </a:ext>
+              <a:ext uri="{C183D7F6-B498-43B3-948B-1728B52AA6E4}">
+                <adec:decorative xmlns:adec="http://schemas.microsoft.com/office/drawing/2017/decorative" val="0"/>
+              </a:ext>
+            </a:extLst>
+          </p:cNvPr>
+          <p:cNvCxnSpPr>
+            <a:cxnSpLocks/>
+            <a:stCxn id="16" idx="2"/>
+            <a:endCxn id="14" idx="0"/>
+          </p:cNvCxnSpPr>
+          <p:nvPr/>
+        </p:nvCxnSpPr>
+        <p:spPr>
+          <a:xfrm flipH="1">
+            <a:off x="9379320" y="2611164"/>
+            <a:ext cx="1" cy="476738"/>
+          </a:xfrm>
+          <a:prstGeom prst="straightConnector1">
+            <a:avLst/>
+          </a:prstGeom>
+          <a:ln w="12700">
+            <a:solidFill>
+              <a:schemeClr val="bg1"/>
+            </a:solidFill>
+            <a:tailEnd type="triangle"/>
+          </a:ln>
+        </p:spPr>
+        <p:style>
+          <a:lnRef idx="1">
+            <a:schemeClr val="accent1"/>
+          </a:lnRef>
+          <a:fillRef idx="0">
+            <a:schemeClr val="accent1"/>
+          </a:fillRef>
+          <a:effectRef idx="0">
+            <a:schemeClr val="accent1"/>
+          </a:effectRef>
+          <a:fontRef idx="minor">
+            <a:schemeClr val="tx1"/>
+          </a:fontRef>
+        </p:style>
+      </p:cxnSp>
+      <p:sp>
+        <p:nvSpPr>
+          <p:cNvPr id="49" name="CuadroTexto 48">
+            <a:extLst>
+              <a:ext uri="{FF2B5EF4-FFF2-40B4-BE49-F238E27FC236}">
+                <a16:creationId xmlns:a16="http://schemas.microsoft.com/office/drawing/2014/main" id="{863B58CB-9D32-47A7-AAAD-1480E6429863}"/>
+              </a:ext>
+            </a:extLst>
+          </p:cNvPr>
+          <p:cNvSpPr txBox="1"/>
+          <p:nvPr/>
+        </p:nvSpPr>
+        <p:spPr>
+          <a:xfrm>
+            <a:off x="9379319" y="2641505"/>
+            <a:ext cx="1376218" cy="338554"/>
+          </a:xfrm>
+          <a:prstGeom prst="rect">
+            <a:avLst/>
+          </a:prstGeom>
+          <a:noFill/>
+        </p:spPr>
+        <p:txBody>
+          <a:bodyPr wrap="square" rtlCol="0">
+            <a:spAutoFit/>
+          </a:bodyPr>
+          <a:lstStyle/>
+          <a:p>
+            <a:r>
+              <a:rPr lang="en-US" sz="1600" dirty="0">
+                <a:solidFill>
+                  <a:schemeClr val="bg1"/>
+                </a:solidFill>
+              </a:rPr>
+              <a:t>gets</a:t>
+            </a:r>
+          </a:p>
+        </p:txBody>
+      </p:sp>
+      <p:sp>
+        <p:nvSpPr>
+          <p:cNvPr id="56" name="CuadroTexto 55">
+            <a:extLst>
+              <a:ext uri="{FF2B5EF4-FFF2-40B4-BE49-F238E27FC236}">
+                <a16:creationId xmlns:a16="http://schemas.microsoft.com/office/drawing/2014/main" id="{8E28305B-4A7C-463A-9539-BFD2B83DD84E}"/>
+              </a:ext>
+            </a:extLst>
+          </p:cNvPr>
+          <p:cNvSpPr txBox="1"/>
+          <p:nvPr/>
+        </p:nvSpPr>
+        <p:spPr>
+          <a:xfrm>
+            <a:off x="5216982" y="6358583"/>
+            <a:ext cx="1376218" cy="338554"/>
+          </a:xfrm>
+          <a:prstGeom prst="rect">
+            <a:avLst/>
+          </a:prstGeom>
+          <a:noFill/>
+        </p:spPr>
+        <p:txBody>
+          <a:bodyPr wrap="square" rtlCol="0">
+            <a:spAutoFit/>
+          </a:bodyPr>
+          <a:lstStyle/>
+          <a:p>
+            <a:r>
+              <a:rPr lang="en-US" sz="1600" dirty="0">
+                <a:solidFill>
+                  <a:schemeClr val="bg1"/>
+                </a:solidFill>
+              </a:rPr>
+              <a:t>Usage</a:t>
+            </a:r>
+          </a:p>
+        </p:txBody>
+      </p:sp>
+      <p:sp>
+        <p:nvSpPr>
+          <p:cNvPr id="57" name="CuadroTexto 56">
+            <a:extLst>
+              <a:ext uri="{FF2B5EF4-FFF2-40B4-BE49-F238E27FC236}">
+                <a16:creationId xmlns:a16="http://schemas.microsoft.com/office/drawing/2014/main" id="{74D0A3BB-A078-423C-B55A-B0DF40F77A9B}"/>
+              </a:ext>
+            </a:extLst>
+          </p:cNvPr>
+          <p:cNvSpPr txBox="1"/>
+          <p:nvPr/>
+        </p:nvSpPr>
+        <p:spPr>
+          <a:xfrm>
+            <a:off x="9483407" y="6035417"/>
+            <a:ext cx="3397994" cy="646331"/>
+          </a:xfrm>
+          <a:prstGeom prst="rect">
+            <a:avLst/>
+          </a:prstGeom>
+          <a:noFill/>
+        </p:spPr>
+        <p:txBody>
+          <a:bodyPr wrap="square" rtlCol="0">
+            <a:spAutoFit/>
+          </a:bodyPr>
+          <a:lstStyle/>
+          <a:p>
+            <a:r>
+              <a:rPr lang="en-US" sz="3600" dirty="0">
+                <a:solidFill>
+                  <a:srgbClr val="53A2D3"/>
+                </a:solidFill>
+              </a:rPr>
+              <a:t>Mundo real</a:t>
+            </a:r>
+          </a:p>
+        </p:txBody>
+      </p:sp>
     </p:spTree>
     <p:extLst>
       <p:ext uri="{BB962C8B-B14F-4D97-AF65-F5344CB8AC3E}">
-        <p14:creationId xmlns:p14="http://schemas.microsoft.com/office/powerpoint/2010/main" val="2070501123"/>
+        <p14:creationId xmlns:p14="http://schemas.microsoft.com/office/powerpoint/2010/main" val="2514131287"/>
       </p:ext>
     </p:extLst>
   </p:cSld>
@@ -10186,6 +10306,529 @@
 <file path=ppt/slides/slide30.xml><?xml version="1.0" encoding="utf-8"?>
 <p:sld xmlns:a="http://schemas.openxmlformats.org/drawingml/2006/main" xmlns:r="http://schemas.openxmlformats.org/officeDocument/2006/relationships" xmlns:p="http://schemas.openxmlformats.org/presentationml/2006/main">
   <p:cSld>
+    <p:spTree>
+      <p:nvGrpSpPr>
+        <p:cNvPr id="1" name=""/>
+        <p:cNvGrpSpPr/>
+        <p:nvPr/>
+      </p:nvGrpSpPr>
+      <p:grpSpPr>
+        <a:xfrm>
+          <a:off x="0" y="0"/>
+          <a:ext cx="0" cy="0"/>
+          <a:chOff x="0" y="0"/>
+          <a:chExt cx="0" cy="0"/>
+        </a:xfrm>
+      </p:grpSpPr>
+      <p:sp>
+        <p:nvSpPr>
+          <p:cNvPr id="2" name="Título 1">
+            <a:extLst>
+              <a:ext uri="{FF2B5EF4-FFF2-40B4-BE49-F238E27FC236}">
+                <a16:creationId xmlns:a16="http://schemas.microsoft.com/office/drawing/2014/main" id="{73A2909B-13B3-4614-9321-16AF10F4286A}"/>
+              </a:ext>
+            </a:extLst>
+          </p:cNvPr>
+          <p:cNvSpPr>
+            <a:spLocks noGrp="1"/>
+          </p:cNvSpPr>
+          <p:nvPr>
+            <p:ph type="title"/>
+          </p:nvPr>
+        </p:nvSpPr>
+        <p:spPr>
+          <a:xfrm>
+            <a:off x="838200" y="2103437"/>
+            <a:ext cx="10515600" cy="1325563"/>
+          </a:xfrm>
+        </p:spPr>
+        <p:txBody>
+          <a:bodyPr/>
+          <a:lstStyle/>
+          <a:p>
+            <a:r>
+              <a:rPr lang="en-US" dirty="0"/>
+              <a:t>UI Patterns</a:t>
+            </a:r>
+          </a:p>
+        </p:txBody>
+      </p:sp>
+    </p:spTree>
+    <p:extLst>
+      <p:ext uri="{BB962C8B-B14F-4D97-AF65-F5344CB8AC3E}">
+        <p14:creationId xmlns:p14="http://schemas.microsoft.com/office/powerpoint/2010/main" val="2266296736"/>
+      </p:ext>
+    </p:extLst>
+  </p:cSld>
+  <p:clrMapOvr>
+    <a:masterClrMapping/>
+  </p:clrMapOvr>
+</p:sld>
+</file>
+
+<file path=ppt/slides/slide31.xml><?xml version="1.0" encoding="utf-8"?>
+<p:sld xmlns:a="http://schemas.openxmlformats.org/drawingml/2006/main" xmlns:r="http://schemas.openxmlformats.org/officeDocument/2006/relationships" xmlns:p="http://schemas.openxmlformats.org/presentationml/2006/main">
+  <p:cSld>
+    <p:spTree>
+      <p:nvGrpSpPr>
+        <p:cNvPr id="1" name=""/>
+        <p:cNvGrpSpPr/>
+        <p:nvPr/>
+      </p:nvGrpSpPr>
+      <p:grpSpPr>
+        <a:xfrm>
+          <a:off x="0" y="0"/>
+          <a:ext cx="0" cy="0"/>
+          <a:chOff x="0" y="0"/>
+          <a:chExt cx="0" cy="0"/>
+        </a:xfrm>
+      </p:grpSpPr>
+      <p:sp>
+        <p:nvSpPr>
+          <p:cNvPr id="2" name="Título 1">
+            <a:extLst>
+              <a:ext uri="{FF2B5EF4-FFF2-40B4-BE49-F238E27FC236}">
+                <a16:creationId xmlns:a16="http://schemas.microsoft.com/office/drawing/2014/main" id="{51E579E3-4D4D-4391-A4DB-77F6C6DD84BE}"/>
+              </a:ext>
+            </a:extLst>
+          </p:cNvPr>
+          <p:cNvSpPr>
+            <a:spLocks noGrp="1"/>
+          </p:cNvSpPr>
+          <p:nvPr>
+            <p:ph type="title"/>
+          </p:nvPr>
+        </p:nvSpPr>
+        <p:spPr>
+          <a:xfrm>
+            <a:off x="900344" y="2766218"/>
+            <a:ext cx="10515600" cy="1325563"/>
+          </a:xfrm>
+        </p:spPr>
+        <p:txBody>
+          <a:bodyPr/>
+          <a:lstStyle/>
+          <a:p>
+            <a:r>
+              <a:rPr lang="es-ES" dirty="0">
+                <a:solidFill>
+                  <a:srgbClr val="000000"/>
+                </a:solidFill>
+                <a:latin typeface="Calibri" panose="020F0502020204030204" pitchFamily="34" charset="0"/>
+              </a:rPr>
+              <a:t>Page-</a:t>
+            </a:r>
+            <a:r>
+              <a:rPr lang="es-ES" dirty="0" err="1">
+                <a:solidFill>
+                  <a:srgbClr val="000000"/>
+                </a:solidFill>
+                <a:latin typeface="Calibri" panose="020F0502020204030204" pitchFamily="34" charset="0"/>
+              </a:rPr>
+              <a:t>Object</a:t>
+            </a:r>
+            <a:r>
+              <a:rPr lang="es-ES" dirty="0">
+                <a:solidFill>
+                  <a:srgbClr val="000000"/>
+                </a:solidFill>
+                <a:latin typeface="Calibri" panose="020F0502020204030204" pitchFamily="34" charset="0"/>
+              </a:rPr>
+              <a:t> </a:t>
+            </a:r>
+            <a:r>
+              <a:rPr lang="es-ES" dirty="0" err="1">
+                <a:solidFill>
+                  <a:srgbClr val="000000"/>
+                </a:solidFill>
+                <a:latin typeface="Calibri" panose="020F0502020204030204" pitchFamily="34" charset="0"/>
+              </a:rPr>
+              <a:t>pattern</a:t>
+            </a:r>
+            <a:endParaRPr lang="en-US" dirty="0"/>
+          </a:p>
+        </p:txBody>
+      </p:sp>
+    </p:spTree>
+    <p:extLst>
+      <p:ext uri="{BB962C8B-B14F-4D97-AF65-F5344CB8AC3E}">
+        <p14:creationId xmlns:p14="http://schemas.microsoft.com/office/powerpoint/2010/main" val="2983471730"/>
+      </p:ext>
+    </p:extLst>
+  </p:cSld>
+  <p:clrMapOvr>
+    <a:masterClrMapping/>
+  </p:clrMapOvr>
+</p:sld>
+</file>
+
+<file path=ppt/slides/slide32.xml><?xml version="1.0" encoding="utf-8"?>
+<p:sld xmlns:a="http://schemas.openxmlformats.org/drawingml/2006/main" xmlns:r="http://schemas.openxmlformats.org/officeDocument/2006/relationships" xmlns:p="http://schemas.openxmlformats.org/presentationml/2006/main">
+  <p:cSld>
+    <p:bg>
+      <p:bgPr>
+        <a:solidFill>
+          <a:srgbClr val="1E1E1E"/>
+        </a:solidFill>
+        <a:effectLst/>
+      </p:bgPr>
+    </p:bg>
+    <p:spTree>
+      <p:nvGrpSpPr>
+        <p:cNvPr id="1" name=""/>
+        <p:cNvGrpSpPr/>
+        <p:nvPr/>
+      </p:nvGrpSpPr>
+      <p:grpSpPr>
+        <a:xfrm>
+          <a:off x="0" y="0"/>
+          <a:ext cx="0" cy="0"/>
+          <a:chOff x="0" y="0"/>
+          <a:chExt cx="0" cy="0"/>
+        </a:xfrm>
+      </p:grpSpPr>
+      <p:sp>
+        <p:nvSpPr>
+          <p:cNvPr id="31" name="CuadroTexto 30">
+            <a:extLst>
+              <a:ext uri="{FF2B5EF4-FFF2-40B4-BE49-F238E27FC236}">
+                <a16:creationId xmlns:a16="http://schemas.microsoft.com/office/drawing/2014/main" id="{FBF7026D-12F4-4541-8110-DE706094717A}"/>
+              </a:ext>
+            </a:extLst>
+          </p:cNvPr>
+          <p:cNvSpPr txBox="1"/>
+          <p:nvPr/>
+        </p:nvSpPr>
+        <p:spPr>
+          <a:xfrm>
+            <a:off x="484863" y="185392"/>
+            <a:ext cx="3397994" cy="646331"/>
+          </a:xfrm>
+          <a:prstGeom prst="rect">
+            <a:avLst/>
+          </a:prstGeom>
+          <a:noFill/>
+        </p:spPr>
+        <p:txBody>
+          <a:bodyPr wrap="square" rtlCol="0">
+            <a:spAutoFit/>
+          </a:bodyPr>
+          <a:lstStyle/>
+          <a:p>
+            <a:r>
+              <a:rPr lang="en-US" sz="3600" dirty="0" err="1">
+                <a:solidFill>
+                  <a:srgbClr val="53A2D3"/>
+                </a:solidFill>
+              </a:rPr>
+              <a:t>Teoría</a:t>
+            </a:r>
+            <a:endParaRPr lang="en-US" sz="3600" dirty="0">
+              <a:solidFill>
+                <a:srgbClr val="53A2D3"/>
+              </a:solidFill>
+            </a:endParaRPr>
+          </a:p>
+        </p:txBody>
+      </p:sp>
+      <p:pic>
+        <p:nvPicPr>
+          <p:cNvPr id="30" name="Imagen 29">
+            <a:extLst>
+              <a:ext uri="{FF2B5EF4-FFF2-40B4-BE49-F238E27FC236}">
+                <a16:creationId xmlns:a16="http://schemas.microsoft.com/office/drawing/2014/main" id="{11AA3BEE-0DB9-4E5E-97F9-46B38CC019A4}"/>
+              </a:ext>
+            </a:extLst>
+          </p:cNvPr>
+          <p:cNvPicPr>
+            <a:picLocks noChangeAspect="1"/>
+          </p:cNvPicPr>
+          <p:nvPr/>
+        </p:nvPicPr>
+        <p:blipFill>
+          <a:blip r:embed="rId2"/>
+          <a:stretch>
+            <a:fillRect/>
+          </a:stretch>
+        </p:blipFill>
+        <p:spPr>
+          <a:xfrm>
+            <a:off x="320338" y="3308109"/>
+            <a:ext cx="4785360" cy="2990850"/>
+          </a:xfrm>
+          <a:prstGeom prst="rect">
+            <a:avLst/>
+          </a:prstGeom>
+          <a:effectLst>
+            <a:glow rad="25400">
+              <a:schemeClr val="bg1">
+                <a:alpha val="40000"/>
+              </a:schemeClr>
+            </a:glow>
+          </a:effectLst>
+        </p:spPr>
+      </p:pic>
+      <p:pic>
+        <p:nvPicPr>
+          <p:cNvPr id="33" name="Imagen 32">
+            <a:extLst>
+              <a:ext uri="{FF2B5EF4-FFF2-40B4-BE49-F238E27FC236}">
+                <a16:creationId xmlns:a16="http://schemas.microsoft.com/office/drawing/2014/main" id="{27AF6DC8-BCC6-43A0-ACB8-8E24581FFF99}"/>
+              </a:ext>
+            </a:extLst>
+          </p:cNvPr>
+          <p:cNvPicPr>
+            <a:picLocks noChangeAspect="1"/>
+          </p:cNvPicPr>
+          <p:nvPr/>
+        </p:nvPicPr>
+        <p:blipFill>
+          <a:blip r:embed="rId3"/>
+          <a:stretch>
+            <a:fillRect/>
+          </a:stretch>
+        </p:blipFill>
+        <p:spPr>
+          <a:xfrm>
+            <a:off x="6221148" y="252067"/>
+            <a:ext cx="5485989" cy="2262533"/>
+          </a:xfrm>
+          <a:prstGeom prst="rect">
+            <a:avLst/>
+          </a:prstGeom>
+          <a:effectLst>
+            <a:glow rad="25400">
+              <a:schemeClr val="bg1">
+                <a:alpha val="40000"/>
+              </a:schemeClr>
+            </a:glow>
+          </a:effectLst>
+        </p:spPr>
+      </p:pic>
+      <p:pic>
+        <p:nvPicPr>
+          <p:cNvPr id="2" name="Imagen 1">
+            <a:extLst>
+              <a:ext uri="{FF2B5EF4-FFF2-40B4-BE49-F238E27FC236}">
+                <a16:creationId xmlns:a16="http://schemas.microsoft.com/office/drawing/2014/main" id="{0D177CD9-B958-4BF5-9974-F66D391F7A44}"/>
+              </a:ext>
+            </a:extLst>
+          </p:cNvPr>
+          <p:cNvPicPr>
+            <a:picLocks noChangeAspect="1"/>
+          </p:cNvPicPr>
+          <p:nvPr/>
+        </p:nvPicPr>
+        <p:blipFill>
+          <a:blip r:embed="rId4"/>
+          <a:stretch>
+            <a:fillRect/>
+          </a:stretch>
+        </p:blipFill>
+        <p:spPr>
+          <a:xfrm>
+            <a:off x="6221148" y="3124301"/>
+            <a:ext cx="5491163" cy="3358466"/>
+          </a:xfrm>
+          <a:prstGeom prst="rect">
+            <a:avLst/>
+          </a:prstGeom>
+          <a:effectLst>
+            <a:glow rad="25400">
+              <a:schemeClr val="bg1">
+                <a:alpha val="40000"/>
+              </a:schemeClr>
+            </a:glow>
+          </a:effectLst>
+        </p:spPr>
+      </p:pic>
+      <p:cxnSp>
+        <p:nvCxnSpPr>
+          <p:cNvPr id="34" name="Conector recto de flecha 33">
+            <a:extLst>
+              <a:ext uri="{FF2B5EF4-FFF2-40B4-BE49-F238E27FC236}">
+                <a16:creationId xmlns:a16="http://schemas.microsoft.com/office/drawing/2014/main" id="{FE5B11F8-9635-41F2-BA0B-CF1CE47617E6}"/>
+              </a:ext>
+            </a:extLst>
+          </p:cNvPr>
+          <p:cNvCxnSpPr>
+            <a:cxnSpLocks/>
+            <a:stCxn id="2" idx="0"/>
+            <a:endCxn id="33" idx="2"/>
+          </p:cNvCxnSpPr>
+          <p:nvPr/>
+        </p:nvCxnSpPr>
+        <p:spPr>
+          <a:xfrm flipH="1" flipV="1">
+            <a:off x="8964143" y="2514600"/>
+            <a:ext cx="2587" cy="609701"/>
+          </a:xfrm>
+          <a:prstGeom prst="straightConnector1">
+            <a:avLst/>
+          </a:prstGeom>
+          <a:ln w="12700">
+            <a:solidFill>
+              <a:schemeClr val="bg1"/>
+            </a:solidFill>
+            <a:headEnd type="triangle"/>
+            <a:tailEnd type="triangle"/>
+          </a:ln>
+        </p:spPr>
+        <p:style>
+          <a:lnRef idx="1">
+            <a:schemeClr val="accent1"/>
+          </a:lnRef>
+          <a:fillRef idx="0">
+            <a:schemeClr val="accent1"/>
+          </a:fillRef>
+          <a:effectRef idx="0">
+            <a:schemeClr val="accent1"/>
+          </a:effectRef>
+          <a:fontRef idx="minor">
+            <a:schemeClr val="tx1"/>
+          </a:fontRef>
+        </p:style>
+      </p:cxnSp>
+      <p:sp>
+        <p:nvSpPr>
+          <p:cNvPr id="38" name="CuadroTexto 37">
+            <a:extLst>
+              <a:ext uri="{FF2B5EF4-FFF2-40B4-BE49-F238E27FC236}">
+                <a16:creationId xmlns:a16="http://schemas.microsoft.com/office/drawing/2014/main" id="{E593275B-18D5-4ED5-B785-2CD80B46AC8E}"/>
+              </a:ext>
+            </a:extLst>
+          </p:cNvPr>
+          <p:cNvSpPr txBox="1"/>
+          <p:nvPr/>
+        </p:nvSpPr>
+        <p:spPr>
+          <a:xfrm>
+            <a:off x="8964141" y="2650173"/>
+            <a:ext cx="1758422" cy="338554"/>
+          </a:xfrm>
+          <a:prstGeom prst="rect">
+            <a:avLst/>
+          </a:prstGeom>
+          <a:noFill/>
+        </p:spPr>
+        <p:txBody>
+          <a:bodyPr wrap="square" rtlCol="0">
+            <a:spAutoFit/>
+          </a:bodyPr>
+          <a:lstStyle/>
+          <a:p>
+            <a:r>
+              <a:rPr lang="en-US" sz="1600" dirty="0">
+                <a:solidFill>
+                  <a:schemeClr val="bg1"/>
+                </a:solidFill>
+              </a:rPr>
+              <a:t>reads and interacts</a:t>
+            </a:r>
+          </a:p>
+        </p:txBody>
+      </p:sp>
+      <p:sp>
+        <p:nvSpPr>
+          <p:cNvPr id="39" name="CuadroTexto 38">
+            <a:extLst>
+              <a:ext uri="{FF2B5EF4-FFF2-40B4-BE49-F238E27FC236}">
+                <a16:creationId xmlns:a16="http://schemas.microsoft.com/office/drawing/2014/main" id="{E933C427-2012-4298-BAC7-CF5FE7311DE1}"/>
+              </a:ext>
+            </a:extLst>
+          </p:cNvPr>
+          <p:cNvSpPr txBox="1"/>
+          <p:nvPr/>
+        </p:nvSpPr>
+        <p:spPr>
+          <a:xfrm>
+            <a:off x="5282744" y="4434202"/>
+            <a:ext cx="1376218" cy="369332"/>
+          </a:xfrm>
+          <a:prstGeom prst="rect">
+            <a:avLst/>
+          </a:prstGeom>
+          <a:noFill/>
+        </p:spPr>
+        <p:txBody>
+          <a:bodyPr wrap="square" rtlCol="0">
+            <a:spAutoFit/>
+          </a:bodyPr>
+          <a:lstStyle/>
+          <a:p>
+            <a:r>
+              <a:rPr lang="en-US" dirty="0">
+                <a:solidFill>
+                  <a:schemeClr val="bg1"/>
+                </a:solidFill>
+              </a:rPr>
+              <a:t>calls</a:t>
+            </a:r>
+          </a:p>
+        </p:txBody>
+      </p:sp>
+      <p:cxnSp>
+        <p:nvCxnSpPr>
+          <p:cNvPr id="40" name="Conector recto de flecha 39">
+            <a:extLst>
+              <a:ext uri="{FF2B5EF4-FFF2-40B4-BE49-F238E27FC236}">
+                <a16:creationId xmlns:a16="http://schemas.microsoft.com/office/drawing/2014/main" id="{65ADA00B-B061-4BC6-8BEA-533E11C25C79}"/>
+              </a:ext>
+            </a:extLst>
+          </p:cNvPr>
+          <p:cNvCxnSpPr>
+            <a:cxnSpLocks/>
+            <a:stCxn id="30" idx="3"/>
+            <a:endCxn id="2" idx="1"/>
+          </p:cNvCxnSpPr>
+          <p:nvPr/>
+        </p:nvCxnSpPr>
+        <p:spPr>
+          <a:xfrm>
+            <a:off x="5105698" y="4803534"/>
+            <a:ext cx="1115450" cy="0"/>
+          </a:xfrm>
+          <a:prstGeom prst="straightConnector1">
+            <a:avLst/>
+          </a:prstGeom>
+          <a:ln w="12700">
+            <a:solidFill>
+              <a:schemeClr val="bg1"/>
+            </a:solidFill>
+            <a:tailEnd type="triangle"/>
+          </a:ln>
+        </p:spPr>
+        <p:style>
+          <a:lnRef idx="1">
+            <a:schemeClr val="accent1"/>
+          </a:lnRef>
+          <a:fillRef idx="0">
+            <a:schemeClr val="accent1"/>
+          </a:fillRef>
+          <a:effectRef idx="0">
+            <a:schemeClr val="accent1"/>
+          </a:effectRef>
+          <a:fontRef idx="minor">
+            <a:schemeClr val="tx1"/>
+          </a:fontRef>
+        </p:style>
+      </p:cxnSp>
+    </p:spTree>
+    <p:extLst>
+      <p:ext uri="{BB962C8B-B14F-4D97-AF65-F5344CB8AC3E}">
+        <p14:creationId xmlns:p14="http://schemas.microsoft.com/office/powerpoint/2010/main" val="2070501123"/>
+      </p:ext>
+    </p:extLst>
+  </p:cSld>
+  <p:clrMapOvr>
+    <a:masterClrMapping/>
+  </p:clrMapOvr>
+</p:sld>
+</file>
+
+<file path=ppt/slides/slide33.xml><?xml version="1.0" encoding="utf-8"?>
+<p:sld xmlns:a="http://schemas.openxmlformats.org/drawingml/2006/main" xmlns:r="http://schemas.openxmlformats.org/officeDocument/2006/relationships" xmlns:p="http://schemas.openxmlformats.org/presentationml/2006/main">
+  <p:cSld>
     <p:bg>
       <p:bgPr>
         <a:solidFill>
@@ -10542,7 +11185,7 @@
 </p:sld>
 </file>
 
-<file path=ppt/slides/slide31.xml><?xml version="1.0" encoding="utf-8"?>
+<file path=ppt/slides/slide34.xml><?xml version="1.0" encoding="utf-8"?>
 <p:sld xmlns:a="http://schemas.openxmlformats.org/drawingml/2006/main" xmlns:r="http://schemas.openxmlformats.org/officeDocument/2006/relationships" xmlns:p="http://schemas.openxmlformats.org/presentationml/2006/main">
   <p:cSld>
     <p:bg>

--- a/slides/Patrones de diseño con Typescript en el mundo real.pptx
+++ b/slides/Patrones de diseño con Typescript en el mundo real.pptx
@@ -30,15 +30,18 @@
     <p:sldId id="282" r:id="rId24"/>
     <p:sldId id="283" r:id="rId25"/>
     <p:sldId id="284" r:id="rId26"/>
-    <p:sldId id="272" r:id="rId27"/>
-    <p:sldId id="273" r:id="rId28"/>
-    <p:sldId id="274" r:id="rId29"/>
-    <p:sldId id="275" r:id="rId30"/>
-    <p:sldId id="276" r:id="rId31"/>
-    <p:sldId id="277" r:id="rId32"/>
-    <p:sldId id="278" r:id="rId33"/>
-    <p:sldId id="279" r:id="rId34"/>
-    <p:sldId id="280" r:id="rId35"/>
+    <p:sldId id="294" r:id="rId27"/>
+    <p:sldId id="295" r:id="rId28"/>
+    <p:sldId id="296" r:id="rId29"/>
+    <p:sldId id="272" r:id="rId30"/>
+    <p:sldId id="273" r:id="rId31"/>
+    <p:sldId id="274" r:id="rId32"/>
+    <p:sldId id="275" r:id="rId33"/>
+    <p:sldId id="276" r:id="rId34"/>
+    <p:sldId id="277" r:id="rId35"/>
+    <p:sldId id="278" r:id="rId36"/>
+    <p:sldId id="279" r:id="rId37"/>
+    <p:sldId id="280" r:id="rId38"/>
   </p:sldIdLst>
   <p:sldSz cx="12192000" cy="6858000"/>
   <p:notesSz cx="6858000" cy="9144000"/>
@@ -294,7 +297,7 @@
           <a:p>
             <a:fld id="{0985B797-0E29-4660-9B0F-1C71CA65525C}" type="datetimeFigureOut">
               <a:rPr lang="en-US" smtClean="0"/>
-              <a:t>10/28/2019</a:t>
+              <a:t>10/29/2019</a:t>
             </a:fld>
             <a:endParaRPr lang="en-US"/>
           </a:p>
@@ -494,7 +497,7 @@
           <a:p>
             <a:fld id="{0985B797-0E29-4660-9B0F-1C71CA65525C}" type="datetimeFigureOut">
               <a:rPr lang="en-US" smtClean="0"/>
-              <a:t>10/28/2019</a:t>
+              <a:t>10/29/2019</a:t>
             </a:fld>
             <a:endParaRPr lang="en-US"/>
           </a:p>
@@ -704,7 +707,7 @@
           <a:p>
             <a:fld id="{0985B797-0E29-4660-9B0F-1C71CA65525C}" type="datetimeFigureOut">
               <a:rPr lang="en-US" smtClean="0"/>
-              <a:t>10/28/2019</a:t>
+              <a:t>10/29/2019</a:t>
             </a:fld>
             <a:endParaRPr lang="en-US"/>
           </a:p>
@@ -904,7 +907,7 @@
           <a:p>
             <a:fld id="{0985B797-0E29-4660-9B0F-1C71CA65525C}" type="datetimeFigureOut">
               <a:rPr lang="en-US" smtClean="0"/>
-              <a:t>10/28/2019</a:t>
+              <a:t>10/29/2019</a:t>
             </a:fld>
             <a:endParaRPr lang="en-US"/>
           </a:p>
@@ -1180,7 +1183,7 @@
           <a:p>
             <a:fld id="{0985B797-0E29-4660-9B0F-1C71CA65525C}" type="datetimeFigureOut">
               <a:rPr lang="en-US" smtClean="0"/>
-              <a:t>10/28/2019</a:t>
+              <a:t>10/29/2019</a:t>
             </a:fld>
             <a:endParaRPr lang="en-US"/>
           </a:p>
@@ -1448,7 +1451,7 @@
           <a:p>
             <a:fld id="{0985B797-0E29-4660-9B0F-1C71CA65525C}" type="datetimeFigureOut">
               <a:rPr lang="en-US" smtClean="0"/>
-              <a:t>10/28/2019</a:t>
+              <a:t>10/29/2019</a:t>
             </a:fld>
             <a:endParaRPr lang="en-US"/>
           </a:p>
@@ -1863,7 +1866,7 @@
           <a:p>
             <a:fld id="{0985B797-0E29-4660-9B0F-1C71CA65525C}" type="datetimeFigureOut">
               <a:rPr lang="en-US" smtClean="0"/>
-              <a:t>10/28/2019</a:t>
+              <a:t>10/29/2019</a:t>
             </a:fld>
             <a:endParaRPr lang="en-US"/>
           </a:p>
@@ -2005,7 +2008,7 @@
           <a:p>
             <a:fld id="{0985B797-0E29-4660-9B0F-1C71CA65525C}" type="datetimeFigureOut">
               <a:rPr lang="en-US" smtClean="0"/>
-              <a:t>10/28/2019</a:t>
+              <a:t>10/29/2019</a:t>
             </a:fld>
             <a:endParaRPr lang="en-US"/>
           </a:p>
@@ -2118,7 +2121,7 @@
           <a:p>
             <a:fld id="{0985B797-0E29-4660-9B0F-1C71CA65525C}" type="datetimeFigureOut">
               <a:rPr lang="en-US" smtClean="0"/>
-              <a:t>10/28/2019</a:t>
+              <a:t>10/29/2019</a:t>
             </a:fld>
             <a:endParaRPr lang="en-US"/>
           </a:p>
@@ -2431,7 +2434,7 @@
           <a:p>
             <a:fld id="{0985B797-0E29-4660-9B0F-1C71CA65525C}" type="datetimeFigureOut">
               <a:rPr lang="en-US" smtClean="0"/>
-              <a:t>10/28/2019</a:t>
+              <a:t>10/29/2019</a:t>
             </a:fld>
             <a:endParaRPr lang="en-US"/>
           </a:p>
@@ -2720,7 +2723,7 @@
           <a:p>
             <a:fld id="{0985B797-0E29-4660-9B0F-1C71CA65525C}" type="datetimeFigureOut">
               <a:rPr lang="en-US" smtClean="0"/>
-              <a:t>10/28/2019</a:t>
+              <a:t>10/29/2019</a:t>
             </a:fld>
             <a:endParaRPr lang="en-US"/>
           </a:p>
@@ -2963,7 +2966,7 @@
           <a:p>
             <a:fld id="{0985B797-0E29-4660-9B0F-1C71CA65525C}" type="datetimeFigureOut">
               <a:rPr lang="en-US" smtClean="0"/>
-              <a:t>10/28/2019</a:t>
+              <a:t>10/29/2019</a:t>
             </a:fld>
             <a:endParaRPr lang="en-US"/>
           </a:p>
@@ -8544,7 +8547,7 @@
           <p:cNvPr id="2" name="Título 1">
             <a:extLst>
               <a:ext uri="{FF2B5EF4-FFF2-40B4-BE49-F238E27FC236}">
-                <a16:creationId xmlns:a16="http://schemas.microsoft.com/office/drawing/2014/main" id="{73A2909B-13B3-4614-9321-16AF10F4286A}"/>
+                <a16:creationId xmlns:a16="http://schemas.microsoft.com/office/drawing/2014/main" id="{51E579E3-4D4D-4391-A4DB-77F6C6DD84BE}"/>
               </a:ext>
             </a:extLst>
           </p:cNvPr>
@@ -8557,7 +8560,7 @@
         </p:nvSpPr>
         <p:spPr>
           <a:xfrm>
-            <a:off x="838200" y="2103437"/>
+            <a:off x="900344" y="2766218"/>
             <a:ext cx="10515600" cy="1325563"/>
           </a:xfrm>
         </p:spPr>
@@ -8566,16 +8569,31 @@
           <a:lstStyle/>
           <a:p>
             <a:r>
-              <a:rPr lang="en-US" dirty="0"/>
-              <a:t>Behavioral Patterns</a:t>
-            </a:r>
+              <a:rPr lang="es-ES" dirty="0">
+                <a:solidFill>
+                  <a:srgbClr val="000000"/>
+                </a:solidFill>
+                <a:latin typeface="Calibri" panose="020F0502020204030204" pitchFamily="34" charset="0"/>
+              </a:rPr>
+              <a:t>Composite </a:t>
+            </a:r>
+            <a:r>
+              <a:rPr lang="es-ES" dirty="0" err="1">
+                <a:solidFill>
+                  <a:srgbClr val="000000"/>
+                </a:solidFill>
+                <a:latin typeface="Calibri" panose="020F0502020204030204" pitchFamily="34" charset="0"/>
+              </a:rPr>
+              <a:t>pattern</a:t>
+            </a:r>
+            <a:endParaRPr lang="en-US" dirty="0"/>
           </a:p>
         </p:txBody>
       </p:sp>
     </p:spTree>
     <p:extLst>
       <p:ext uri="{BB962C8B-B14F-4D97-AF65-F5344CB8AC3E}">
-        <p14:creationId xmlns:p14="http://schemas.microsoft.com/office/powerpoint/2010/main" val="2740739163"/>
+        <p14:creationId xmlns:p14="http://schemas.microsoft.com/office/powerpoint/2010/main" val="1027218548"/>
       </p:ext>
     </p:extLst>
   </p:cSld>
@@ -8588,6 +8606,14 @@
 <file path=ppt/slides/slide27.xml><?xml version="1.0" encoding="utf-8"?>
 <p:sld xmlns:a="http://schemas.openxmlformats.org/drawingml/2006/main" xmlns:r="http://schemas.openxmlformats.org/officeDocument/2006/relationships" xmlns:p="http://schemas.openxmlformats.org/presentationml/2006/main">
   <p:cSld>
+    <p:bg>
+      <p:bgPr>
+        <a:solidFill>
+          <a:srgbClr val="1E1E1E"/>
+        </a:solidFill>
+        <a:effectLst/>
+      </p:bgPr>
+    </p:bg>
     <p:spTree>
       <p:nvGrpSpPr>
         <p:cNvPr id="1" name=""/>
@@ -8604,65 +8630,333 @@
       </p:grpSpPr>
       <p:sp>
         <p:nvSpPr>
-          <p:cNvPr id="2" name="Título 1">
-            <a:extLst>
-              <a:ext uri="{FF2B5EF4-FFF2-40B4-BE49-F238E27FC236}">
-                <a16:creationId xmlns:a16="http://schemas.microsoft.com/office/drawing/2014/main" id="{51E579E3-4D4D-4391-A4DB-77F6C6DD84BE}"/>
-              </a:ext>
-            </a:extLst>
-          </p:cNvPr>
-          <p:cNvSpPr>
-            <a:spLocks noGrp="1"/>
-          </p:cNvSpPr>
-          <p:nvPr>
-            <p:ph type="title"/>
-          </p:nvPr>
-        </p:nvSpPr>
-        <p:spPr>
-          <a:xfrm>
-            <a:off x="900344" y="2766218"/>
-            <a:ext cx="10515600" cy="1325563"/>
-          </a:xfrm>
-        </p:spPr>
-        <p:txBody>
-          <a:bodyPr/>
+          <p:cNvPr id="31" name="CuadroTexto 30">
+            <a:extLst>
+              <a:ext uri="{FF2B5EF4-FFF2-40B4-BE49-F238E27FC236}">
+                <a16:creationId xmlns:a16="http://schemas.microsoft.com/office/drawing/2014/main" id="{FBF7026D-12F4-4541-8110-DE706094717A}"/>
+              </a:ext>
+            </a:extLst>
+          </p:cNvPr>
+          <p:cNvSpPr txBox="1"/>
+          <p:nvPr/>
+        </p:nvSpPr>
+        <p:spPr>
+          <a:xfrm>
+            <a:off x="484863" y="185392"/>
+            <a:ext cx="3397994" cy="646331"/>
+          </a:xfrm>
+          <a:prstGeom prst="rect">
+            <a:avLst/>
+          </a:prstGeom>
+          <a:noFill/>
+        </p:spPr>
+        <p:txBody>
+          <a:bodyPr wrap="square" rtlCol="0">
+            <a:spAutoFit/>
+          </a:bodyPr>
           <a:lstStyle/>
           <a:p>
             <a:r>
-              <a:rPr lang="es-ES" dirty="0" err="1">
+              <a:rPr lang="en-US" sz="3600" dirty="0" err="1">
                 <a:solidFill>
-                  <a:srgbClr val="000000"/>
+                  <a:srgbClr val="53A2D3"/>
                 </a:solidFill>
-                <a:latin typeface="Calibri" panose="020F0502020204030204" pitchFamily="34" charset="0"/>
               </a:rPr>
-              <a:t>Strategy</a:t>
-            </a:r>
-            <a:r>
-              <a:rPr lang="es-ES" dirty="0">
+              <a:t>Teoría</a:t>
+            </a:r>
+            <a:endParaRPr lang="en-US" sz="3600" dirty="0">
+              <a:solidFill>
+                <a:srgbClr val="53A2D3"/>
+              </a:solidFill>
+            </a:endParaRPr>
+          </a:p>
+        </p:txBody>
+      </p:sp>
+      <p:pic>
+        <p:nvPicPr>
+          <p:cNvPr id="12" name="Imagen 11">
+            <a:extLst>
+              <a:ext uri="{FF2B5EF4-FFF2-40B4-BE49-F238E27FC236}">
+                <a16:creationId xmlns:a16="http://schemas.microsoft.com/office/drawing/2014/main" id="{5ABA2C36-5721-476F-84D6-8ECC242B1A63}"/>
+              </a:ext>
+            </a:extLst>
+          </p:cNvPr>
+          <p:cNvPicPr>
+            <a:picLocks noChangeAspect="1"/>
+          </p:cNvPicPr>
+          <p:nvPr/>
+        </p:nvPicPr>
+        <p:blipFill>
+          <a:blip r:embed="rId2"/>
+          <a:stretch>
+            <a:fillRect/>
+          </a:stretch>
+        </p:blipFill>
+        <p:spPr>
+          <a:xfrm>
+            <a:off x="5480021" y="1972583"/>
+            <a:ext cx="2628900" cy="781050"/>
+          </a:xfrm>
+          <a:prstGeom prst="rect">
+            <a:avLst/>
+          </a:prstGeom>
+          <a:effectLst>
+            <a:glow rad="25400">
+              <a:schemeClr val="bg1">
+                <a:alpha val="40000"/>
+              </a:schemeClr>
+            </a:glow>
+          </a:effectLst>
+        </p:spPr>
+      </p:pic>
+      <p:pic>
+        <p:nvPicPr>
+          <p:cNvPr id="13" name="Imagen 12">
+            <a:extLst>
+              <a:ext uri="{FF2B5EF4-FFF2-40B4-BE49-F238E27FC236}">
+                <a16:creationId xmlns:a16="http://schemas.microsoft.com/office/drawing/2014/main" id="{2F733C75-FAFA-42B9-A265-98E98EC432CF}"/>
+              </a:ext>
+            </a:extLst>
+          </p:cNvPr>
+          <p:cNvPicPr>
+            <a:picLocks noChangeAspect="1"/>
+          </p:cNvPicPr>
+          <p:nvPr/>
+        </p:nvPicPr>
+        <p:blipFill>
+          <a:blip r:embed="rId3"/>
+          <a:stretch>
+            <a:fillRect/>
+          </a:stretch>
+        </p:blipFill>
+        <p:spPr>
+          <a:xfrm>
+            <a:off x="2044363" y="3820173"/>
+            <a:ext cx="2933700" cy="781050"/>
+          </a:xfrm>
+          <a:prstGeom prst="rect">
+            <a:avLst/>
+          </a:prstGeom>
+          <a:effectLst>
+            <a:glow rad="25400">
+              <a:schemeClr val="bg1">
+                <a:alpha val="40000"/>
+              </a:schemeClr>
+            </a:glow>
+          </a:effectLst>
+        </p:spPr>
+      </p:pic>
+      <p:pic>
+        <p:nvPicPr>
+          <p:cNvPr id="14" name="Imagen 13">
+            <a:extLst>
+              <a:ext uri="{FF2B5EF4-FFF2-40B4-BE49-F238E27FC236}">
+                <a16:creationId xmlns:a16="http://schemas.microsoft.com/office/drawing/2014/main" id="{9A970F6D-AF24-49E7-B1E0-0ADE827A5DDF}"/>
+              </a:ext>
+            </a:extLst>
+          </p:cNvPr>
+          <p:cNvPicPr>
+            <a:picLocks noChangeAspect="1"/>
+          </p:cNvPicPr>
+          <p:nvPr/>
+        </p:nvPicPr>
+        <p:blipFill>
+          <a:blip r:embed="rId4"/>
+          <a:stretch>
+            <a:fillRect/>
+          </a:stretch>
+        </p:blipFill>
+        <p:spPr>
+          <a:xfrm>
+            <a:off x="7186569" y="3820173"/>
+            <a:ext cx="3886200" cy="1781175"/>
+          </a:xfrm>
+          <a:prstGeom prst="rect">
+            <a:avLst/>
+          </a:prstGeom>
+          <a:effectLst>
+            <a:glow rad="25400">
+              <a:schemeClr val="bg1">
+                <a:alpha val="40000"/>
+              </a:schemeClr>
+            </a:glow>
+          </a:effectLst>
+        </p:spPr>
+      </p:pic>
+      <p:sp>
+        <p:nvSpPr>
+          <p:cNvPr id="15" name="CuadroTexto 14">
+            <a:extLst>
+              <a:ext uri="{FF2B5EF4-FFF2-40B4-BE49-F238E27FC236}">
+                <a16:creationId xmlns:a16="http://schemas.microsoft.com/office/drawing/2014/main" id="{72E41F47-CF74-4A19-B3A1-84DB47D10F56}"/>
+              </a:ext>
+            </a:extLst>
+          </p:cNvPr>
+          <p:cNvSpPr txBox="1"/>
+          <p:nvPr/>
+        </p:nvSpPr>
+        <p:spPr>
+          <a:xfrm>
+            <a:off x="3821940" y="3060316"/>
+            <a:ext cx="1376218" cy="369332"/>
+          </a:xfrm>
+          <a:prstGeom prst="rect">
+            <a:avLst/>
+          </a:prstGeom>
+          <a:noFill/>
+        </p:spPr>
+        <p:txBody>
+          <a:bodyPr wrap="square" rtlCol="0">
+            <a:spAutoFit/>
+          </a:bodyPr>
+          <a:lstStyle/>
+          <a:p>
+            <a:r>
+              <a:rPr lang="en-US" dirty="0">
                 <a:solidFill>
-                  <a:srgbClr val="000000"/>
+                  <a:schemeClr val="bg1"/>
                 </a:solidFill>
-                <a:latin typeface="Calibri" panose="020F0502020204030204" pitchFamily="34" charset="0"/>
               </a:rPr>
-              <a:t> </a:t>
-            </a:r>
-            <a:r>
-              <a:rPr lang="es-ES" dirty="0" err="1">
+              <a:t>extends</a:t>
+            </a:r>
+          </a:p>
+        </p:txBody>
+      </p:sp>
+      <p:cxnSp>
+        <p:nvCxnSpPr>
+          <p:cNvPr id="21" name="Conector recto de flecha 20">
+            <a:extLst>
+              <a:ext uri="{FF2B5EF4-FFF2-40B4-BE49-F238E27FC236}">
+                <a16:creationId xmlns:a16="http://schemas.microsoft.com/office/drawing/2014/main" id="{087DE56A-FC5C-4BAB-8DEC-03B5DD06952E}"/>
+              </a:ext>
+            </a:extLst>
+          </p:cNvPr>
+          <p:cNvCxnSpPr>
+            <a:cxnSpLocks/>
+            <a:stCxn id="13" idx="0"/>
+            <a:endCxn id="12" idx="2"/>
+          </p:cNvCxnSpPr>
+          <p:nvPr/>
+        </p:nvCxnSpPr>
+        <p:spPr>
+          <a:xfrm flipV="1">
+            <a:off x="3511213" y="2753633"/>
+            <a:ext cx="3283258" cy="1066540"/>
+          </a:xfrm>
+          <a:prstGeom prst="straightConnector1">
+            <a:avLst/>
+          </a:prstGeom>
+          <a:ln w="12700">
+            <a:solidFill>
+              <a:schemeClr val="bg1"/>
+            </a:solidFill>
+            <a:tailEnd type="triangle"/>
+          </a:ln>
+        </p:spPr>
+        <p:style>
+          <a:lnRef idx="1">
+            <a:schemeClr val="accent1"/>
+          </a:lnRef>
+          <a:fillRef idx="0">
+            <a:schemeClr val="accent1"/>
+          </a:fillRef>
+          <a:effectRef idx="0">
+            <a:schemeClr val="accent1"/>
+          </a:effectRef>
+          <a:fontRef idx="minor">
+            <a:schemeClr val="tx1"/>
+          </a:fontRef>
+        </p:style>
+      </p:cxnSp>
+      <p:cxnSp>
+        <p:nvCxnSpPr>
+          <p:cNvPr id="22" name="Conector recto de flecha 21">
+            <a:extLst>
+              <a:ext uri="{FF2B5EF4-FFF2-40B4-BE49-F238E27FC236}">
+                <a16:creationId xmlns:a16="http://schemas.microsoft.com/office/drawing/2014/main" id="{CA1AE1B5-94BE-480E-A6B5-65FB0F23AE48}"/>
+              </a:ext>
+            </a:extLst>
+          </p:cNvPr>
+          <p:cNvCxnSpPr>
+            <a:cxnSpLocks/>
+            <a:stCxn id="14" idx="0"/>
+            <a:endCxn id="12" idx="2"/>
+          </p:cNvCxnSpPr>
+          <p:nvPr/>
+        </p:nvCxnSpPr>
+        <p:spPr>
+          <a:xfrm flipH="1" flipV="1">
+            <a:off x="6794471" y="2753633"/>
+            <a:ext cx="2335198" cy="1066540"/>
+          </a:xfrm>
+          <a:prstGeom prst="straightConnector1">
+            <a:avLst/>
+          </a:prstGeom>
+          <a:ln w="12700">
+            <a:solidFill>
+              <a:schemeClr val="bg1"/>
+            </a:solidFill>
+            <a:tailEnd type="triangle"/>
+          </a:ln>
+        </p:spPr>
+        <p:style>
+          <a:lnRef idx="1">
+            <a:schemeClr val="accent1"/>
+          </a:lnRef>
+          <a:fillRef idx="0">
+            <a:schemeClr val="accent1"/>
+          </a:fillRef>
+          <a:effectRef idx="0">
+            <a:schemeClr val="accent1"/>
+          </a:effectRef>
+          <a:fontRef idx="minor">
+            <a:schemeClr val="tx1"/>
+          </a:fontRef>
+        </p:style>
+      </p:cxnSp>
+      <p:sp>
+        <p:nvSpPr>
+          <p:cNvPr id="23" name="CuadroTexto 22">
+            <a:extLst>
+              <a:ext uri="{FF2B5EF4-FFF2-40B4-BE49-F238E27FC236}">
+                <a16:creationId xmlns:a16="http://schemas.microsoft.com/office/drawing/2014/main" id="{6CDD2803-166E-4689-A86A-FD15DB27CDDC}"/>
+              </a:ext>
+            </a:extLst>
+          </p:cNvPr>
+          <p:cNvSpPr txBox="1"/>
+          <p:nvPr/>
+        </p:nvSpPr>
+        <p:spPr>
+          <a:xfrm>
+            <a:off x="8261321" y="3060316"/>
+            <a:ext cx="1376218" cy="369332"/>
+          </a:xfrm>
+          <a:prstGeom prst="rect">
+            <a:avLst/>
+          </a:prstGeom>
+          <a:noFill/>
+        </p:spPr>
+        <p:txBody>
+          <a:bodyPr wrap="square" rtlCol="0">
+            <a:spAutoFit/>
+          </a:bodyPr>
+          <a:lstStyle/>
+          <a:p>
+            <a:r>
+              <a:rPr lang="en-US" dirty="0">
                 <a:solidFill>
-                  <a:srgbClr val="000000"/>
+                  <a:schemeClr val="bg1"/>
                 </a:solidFill>
-                <a:latin typeface="Calibri" panose="020F0502020204030204" pitchFamily="34" charset="0"/>
               </a:rPr>
-              <a:t>pattern</a:t>
-            </a:r>
-            <a:endParaRPr lang="en-US" dirty="0"/>
+              <a:t>extends</a:t>
+            </a:r>
           </a:p>
         </p:txBody>
       </p:sp>
     </p:spTree>
     <p:extLst>
       <p:ext uri="{BB962C8B-B14F-4D97-AF65-F5344CB8AC3E}">
-        <p14:creationId xmlns:p14="http://schemas.microsoft.com/office/powerpoint/2010/main" val="1428411220"/>
+        <p14:creationId xmlns:p14="http://schemas.microsoft.com/office/powerpoint/2010/main" val="1138979078"/>
       </p:ext>
     </p:extLst>
   </p:cSld>
@@ -8699,10 +8993,10 @@
       </p:grpSpPr>
       <p:sp>
         <p:nvSpPr>
-          <p:cNvPr id="31" name="CuadroTexto 30">
-            <a:extLst>
-              <a:ext uri="{FF2B5EF4-FFF2-40B4-BE49-F238E27FC236}">
-                <a16:creationId xmlns:a16="http://schemas.microsoft.com/office/drawing/2014/main" id="{FBF7026D-12F4-4541-8110-DE706094717A}"/>
+          <p:cNvPr id="30" name="CuadroTexto 29">
+            <a:extLst>
+              <a:ext uri="{FF2B5EF4-FFF2-40B4-BE49-F238E27FC236}">
+                <a16:creationId xmlns:a16="http://schemas.microsoft.com/office/drawing/2014/main" id="{4917B2AD-77E2-4C81-8AC2-15DF890E6A6F}"/>
               </a:ext>
             </a:extLst>
           </p:cNvPr>
@@ -8711,7 +9005,7 @@
         </p:nvSpPr>
         <p:spPr>
           <a:xfrm>
-            <a:off x="484863" y="185392"/>
+            <a:off x="9386817" y="5902658"/>
             <a:ext cx="3397994" cy="646331"/>
           </a:xfrm>
           <a:prstGeom prst="rect">
@@ -8726,27 +9020,22 @@
           <a:lstStyle/>
           <a:p>
             <a:r>
-              <a:rPr lang="en-US" sz="3600" dirty="0" err="1">
+              <a:rPr lang="en-US" sz="3600" dirty="0">
                 <a:solidFill>
                   <a:srgbClr val="53A2D3"/>
                 </a:solidFill>
               </a:rPr>
-              <a:t>Teoría</a:t>
-            </a:r>
-            <a:endParaRPr lang="en-US" sz="3600" dirty="0">
-              <a:solidFill>
-                <a:srgbClr val="53A2D3"/>
-              </a:solidFill>
-            </a:endParaRPr>
+              <a:t>Mundo real</a:t>
+            </a:r>
           </a:p>
         </p:txBody>
       </p:sp>
       <p:pic>
         <p:nvPicPr>
-          <p:cNvPr id="7" name="Imagen 6">
-            <a:extLst>
-              <a:ext uri="{FF2B5EF4-FFF2-40B4-BE49-F238E27FC236}">
-                <a16:creationId xmlns:a16="http://schemas.microsoft.com/office/drawing/2014/main" id="{63A3F3E7-77F9-4C2C-B74D-5C03E1CCF6E0}"/>
+          <p:cNvPr id="2" name="Imagen 1">
+            <a:extLst>
+              <a:ext uri="{FF2B5EF4-FFF2-40B4-BE49-F238E27FC236}">
+                <a16:creationId xmlns:a16="http://schemas.microsoft.com/office/drawing/2014/main" id="{0CB27E34-779D-4015-B2C8-263D8DB8A2D9}"/>
               </a:ext>
             </a:extLst>
           </p:cNvPr>
@@ -8763,8 +9052,8 @@
         </p:blipFill>
         <p:spPr>
           <a:xfrm>
-            <a:off x="8176025" y="1101933"/>
-            <a:ext cx="3781425" cy="3429000"/>
+            <a:off x="224739" y="5250230"/>
+            <a:ext cx="5912771" cy="1298759"/>
           </a:xfrm>
           <a:prstGeom prst="rect">
             <a:avLst/>
@@ -8780,10 +9069,10 @@
       </p:pic>
       <p:pic>
         <p:nvPicPr>
-          <p:cNvPr id="13" name="Imagen 12">
-            <a:extLst>
-              <a:ext uri="{FF2B5EF4-FFF2-40B4-BE49-F238E27FC236}">
-                <a16:creationId xmlns:a16="http://schemas.microsoft.com/office/drawing/2014/main" id="{1226FC3B-E807-4859-AB7D-0829A64B5D4D}"/>
+          <p:cNvPr id="3" name="Imagen 2">
+            <a:extLst>
+              <a:ext uri="{FF2B5EF4-FFF2-40B4-BE49-F238E27FC236}">
+                <a16:creationId xmlns:a16="http://schemas.microsoft.com/office/drawing/2014/main" id="{4655360E-A676-4BC9-B729-0F4B5877049F}"/>
               </a:ext>
             </a:extLst>
           </p:cNvPr>
@@ -8800,8 +9089,8 @@
         </p:blipFill>
         <p:spPr>
           <a:xfrm>
-            <a:off x="2293072" y="831723"/>
-            <a:ext cx="2819400" cy="762000"/>
+            <a:off x="3034562" y="2634321"/>
+            <a:ext cx="5382514" cy="1589357"/>
           </a:xfrm>
           <a:prstGeom prst="rect">
             <a:avLst/>
@@ -8817,10 +9106,10 @@
       </p:pic>
       <p:pic>
         <p:nvPicPr>
-          <p:cNvPr id="15" name="Imagen 14">
-            <a:extLst>
-              <a:ext uri="{FF2B5EF4-FFF2-40B4-BE49-F238E27FC236}">
-                <a16:creationId xmlns:a16="http://schemas.microsoft.com/office/drawing/2014/main" id="{3030403C-23EF-4D34-B8B2-265C157FE1FE}"/>
+          <p:cNvPr id="5" name="Imagen 4">
+            <a:extLst>
+              <a:ext uri="{FF2B5EF4-FFF2-40B4-BE49-F238E27FC236}">
+                <a16:creationId xmlns:a16="http://schemas.microsoft.com/office/drawing/2014/main" id="{B58102FB-F597-4F52-81A8-5181DB645A96}"/>
               </a:ext>
             </a:extLst>
           </p:cNvPr>
@@ -8837,8 +9126,8 @@
         </p:blipFill>
         <p:spPr>
           <a:xfrm>
-            <a:off x="3702772" y="2358548"/>
-            <a:ext cx="3216008" cy="915769"/>
+            <a:off x="8771046" y="718403"/>
+            <a:ext cx="3109405" cy="1820352"/>
           </a:xfrm>
           <a:prstGeom prst="rect">
             <a:avLst/>
@@ -8854,10 +9143,10 @@
       </p:pic>
       <p:pic>
         <p:nvPicPr>
-          <p:cNvPr id="16" name="Imagen 15">
-            <a:extLst>
-              <a:ext uri="{FF2B5EF4-FFF2-40B4-BE49-F238E27FC236}">
-                <a16:creationId xmlns:a16="http://schemas.microsoft.com/office/drawing/2014/main" id="{BF9224CC-F0AA-49F7-BFB1-D2130500CB02}"/>
+          <p:cNvPr id="7" name="Imagen 6">
+            <a:extLst>
+              <a:ext uri="{FF2B5EF4-FFF2-40B4-BE49-F238E27FC236}">
+                <a16:creationId xmlns:a16="http://schemas.microsoft.com/office/drawing/2014/main" id="{3522A48C-7E51-4643-B031-849B4C7C97A3}"/>
               </a:ext>
             </a:extLst>
           </p:cNvPr>
@@ -8874,8 +9163,8 @@
         </p:blipFill>
         <p:spPr>
           <a:xfrm>
-            <a:off x="234550" y="2358547"/>
-            <a:ext cx="3308585" cy="915769"/>
+            <a:off x="151850" y="702231"/>
+            <a:ext cx="2988052" cy="1694836"/>
           </a:xfrm>
           <a:prstGeom prst="rect">
             <a:avLst/>
@@ -8891,10 +9180,10 @@
       </p:pic>
       <p:pic>
         <p:nvPicPr>
-          <p:cNvPr id="17" name="Imagen 16">
-            <a:extLst>
-              <a:ext uri="{FF2B5EF4-FFF2-40B4-BE49-F238E27FC236}">
-                <a16:creationId xmlns:a16="http://schemas.microsoft.com/office/drawing/2014/main" id="{F4BFD28B-3F89-4969-8017-2D353B4E8616}"/>
+          <p:cNvPr id="8" name="Imagen 7">
+            <a:extLst>
+              <a:ext uri="{FF2B5EF4-FFF2-40B4-BE49-F238E27FC236}">
+                <a16:creationId xmlns:a16="http://schemas.microsoft.com/office/drawing/2014/main" id="{FA890044-F7A3-4770-A4B7-B629E5CE06EC}"/>
               </a:ext>
             </a:extLst>
           </p:cNvPr>
@@ -8911,8 +9200,8 @@
         </p:blipFill>
         <p:spPr>
           <a:xfrm>
-            <a:off x="220430" y="4402312"/>
-            <a:ext cx="5695950" cy="2124075"/>
+            <a:off x="4573294" y="698965"/>
+            <a:ext cx="2305050" cy="552450"/>
           </a:xfrm>
           <a:prstGeom prst="rect">
             <a:avLst/>
@@ -8928,10 +9217,10 @@
       </p:pic>
       <p:sp>
         <p:nvSpPr>
-          <p:cNvPr id="27" name="CuadroTexto 26">
-            <a:extLst>
-              <a:ext uri="{FF2B5EF4-FFF2-40B4-BE49-F238E27FC236}">
-                <a16:creationId xmlns:a16="http://schemas.microsoft.com/office/drawing/2014/main" id="{C80AB779-E6C3-449A-80EB-6690C83E798F}"/>
+          <p:cNvPr id="24" name="CuadroTexto 23">
+            <a:extLst>
+              <a:ext uri="{FF2B5EF4-FFF2-40B4-BE49-F238E27FC236}">
+                <a16:creationId xmlns:a16="http://schemas.microsoft.com/office/drawing/2014/main" id="{710243A7-BB87-4FD4-9D48-158670E0A366}"/>
               </a:ext>
             </a:extLst>
           </p:cNvPr>
@@ -8940,7 +9229,7 @@
         </p:nvSpPr>
         <p:spPr>
           <a:xfrm>
-            <a:off x="220430" y="4007356"/>
+            <a:off x="151850" y="4859688"/>
             <a:ext cx="1376218" cy="369332"/>
           </a:xfrm>
           <a:prstGeom prst="rect">
@@ -8970,642 +9259,21 @@
           <p:cNvPr id="28" name="Conector recto de flecha 27">
             <a:extLst>
               <a:ext uri="{FF2B5EF4-FFF2-40B4-BE49-F238E27FC236}">
-                <a16:creationId xmlns:a16="http://schemas.microsoft.com/office/drawing/2014/main" id="{3A1A54ED-7217-460A-A419-52A2A8C6E16D}"/>
+                <a16:creationId xmlns:a16="http://schemas.microsoft.com/office/drawing/2014/main" id="{7330E2A1-158E-4DE8-BD6F-A51085099425}"/>
               </a:ext>
             </a:extLst>
           </p:cNvPr>
           <p:cNvCxnSpPr>
             <a:cxnSpLocks/>
-            <a:stCxn id="16" idx="0"/>
-            <a:endCxn id="13" idx="2"/>
+            <a:stCxn id="3" idx="0"/>
+            <a:endCxn id="8" idx="2"/>
           </p:cNvCxnSpPr>
           <p:nvPr/>
         </p:nvCxnSpPr>
         <p:spPr>
           <a:xfrm flipV="1">
-            <a:off x="1888843" y="1593723"/>
-            <a:ext cx="1813929" cy="764824"/>
-          </a:xfrm>
-          <a:prstGeom prst="straightConnector1">
-            <a:avLst/>
-          </a:prstGeom>
-          <a:ln w="12700">
-            <a:solidFill>
-              <a:schemeClr val="bg1"/>
-            </a:solidFill>
-            <a:tailEnd type="triangle"/>
-          </a:ln>
-        </p:spPr>
-        <p:style>
-          <a:lnRef idx="1">
-            <a:schemeClr val="accent1"/>
-          </a:lnRef>
-          <a:fillRef idx="0">
-            <a:schemeClr val="accent1"/>
-          </a:fillRef>
-          <a:effectRef idx="0">
-            <a:schemeClr val="accent1"/>
-          </a:effectRef>
-          <a:fontRef idx="minor">
-            <a:schemeClr val="tx1"/>
-          </a:fontRef>
-        </p:style>
-      </p:cxnSp>
-      <p:sp>
-        <p:nvSpPr>
-          <p:cNvPr id="29" name="CuadroTexto 28">
-            <a:extLst>
-              <a:ext uri="{FF2B5EF4-FFF2-40B4-BE49-F238E27FC236}">
-                <a16:creationId xmlns:a16="http://schemas.microsoft.com/office/drawing/2014/main" id="{6C5D61F4-13D6-441D-8985-28E82A07ACD8}"/>
-              </a:ext>
-            </a:extLst>
-          </p:cNvPr>
-          <p:cNvSpPr txBox="1"/>
-          <p:nvPr/>
-        </p:nvSpPr>
-        <p:spPr>
-          <a:xfrm>
-            <a:off x="4738560" y="1747673"/>
-            <a:ext cx="1376218" cy="369332"/>
-          </a:xfrm>
-          <a:prstGeom prst="rect">
-            <a:avLst/>
-          </a:prstGeom>
-          <a:noFill/>
-        </p:spPr>
-        <p:txBody>
-          <a:bodyPr wrap="square" rtlCol="0">
-            <a:spAutoFit/>
-          </a:bodyPr>
-          <a:lstStyle/>
-          <a:p>
-            <a:r>
-              <a:rPr lang="en-US" dirty="0">
-                <a:solidFill>
-                  <a:schemeClr val="bg1"/>
-                </a:solidFill>
-              </a:rPr>
-              <a:t>implements</a:t>
-            </a:r>
-          </a:p>
-        </p:txBody>
-      </p:sp>
-      <p:cxnSp>
-        <p:nvCxnSpPr>
-          <p:cNvPr id="32" name="Conector recto de flecha 31">
-            <a:extLst>
-              <a:ext uri="{FF2B5EF4-FFF2-40B4-BE49-F238E27FC236}">
-                <a16:creationId xmlns:a16="http://schemas.microsoft.com/office/drawing/2014/main" id="{54BAFDE7-80A8-46D7-A8DA-73C79CC1DA06}"/>
-              </a:ext>
-            </a:extLst>
-          </p:cNvPr>
-          <p:cNvCxnSpPr>
-            <a:cxnSpLocks/>
-            <a:stCxn id="15" idx="0"/>
-            <a:endCxn id="13" idx="2"/>
-          </p:cNvCxnSpPr>
-          <p:nvPr/>
-        </p:nvCxnSpPr>
-        <p:spPr>
-          <a:xfrm flipH="1" flipV="1">
-            <a:off x="3702772" y="1593723"/>
-            <a:ext cx="1608004" cy="764825"/>
-          </a:xfrm>
-          <a:prstGeom prst="straightConnector1">
-            <a:avLst/>
-          </a:prstGeom>
-          <a:ln w="12700">
-            <a:solidFill>
-              <a:schemeClr val="bg1"/>
-            </a:solidFill>
-            <a:tailEnd type="triangle"/>
-          </a:ln>
-        </p:spPr>
-        <p:style>
-          <a:lnRef idx="1">
-            <a:schemeClr val="accent1"/>
-          </a:lnRef>
-          <a:fillRef idx="0">
-            <a:schemeClr val="accent1"/>
-          </a:fillRef>
-          <a:effectRef idx="0">
-            <a:schemeClr val="accent1"/>
-          </a:effectRef>
-          <a:fontRef idx="minor">
-            <a:schemeClr val="tx1"/>
-          </a:fontRef>
-        </p:style>
-      </p:cxnSp>
-      <p:sp>
-        <p:nvSpPr>
-          <p:cNvPr id="36" name="CuadroTexto 35">
-            <a:extLst>
-              <a:ext uri="{FF2B5EF4-FFF2-40B4-BE49-F238E27FC236}">
-                <a16:creationId xmlns:a16="http://schemas.microsoft.com/office/drawing/2014/main" id="{9584946C-1ABD-49B7-9E74-6778D71B8931}"/>
-              </a:ext>
-            </a:extLst>
-          </p:cNvPr>
-          <p:cNvSpPr txBox="1"/>
-          <p:nvPr/>
-        </p:nvSpPr>
-        <p:spPr>
-          <a:xfrm>
-            <a:off x="1249275" y="1747673"/>
-            <a:ext cx="1376218" cy="369332"/>
-          </a:xfrm>
-          <a:prstGeom prst="rect">
-            <a:avLst/>
-          </a:prstGeom>
-          <a:noFill/>
-        </p:spPr>
-        <p:txBody>
-          <a:bodyPr wrap="square" rtlCol="0">
-            <a:spAutoFit/>
-          </a:bodyPr>
-          <a:lstStyle/>
-          <a:p>
-            <a:r>
-              <a:rPr lang="en-US" dirty="0">
-                <a:solidFill>
-                  <a:schemeClr val="bg1"/>
-                </a:solidFill>
-              </a:rPr>
-              <a:t>implements</a:t>
-            </a:r>
-          </a:p>
-        </p:txBody>
-      </p:sp>
-      <p:cxnSp>
-        <p:nvCxnSpPr>
-          <p:cNvPr id="37" name="Conector recto de flecha 36">
-            <a:extLst>
-              <a:ext uri="{FF2B5EF4-FFF2-40B4-BE49-F238E27FC236}">
-                <a16:creationId xmlns:a16="http://schemas.microsoft.com/office/drawing/2014/main" id="{F33C09D8-47E5-497E-A508-0BB69A63CB87}"/>
-              </a:ext>
-            </a:extLst>
-          </p:cNvPr>
-          <p:cNvCxnSpPr>
-            <a:cxnSpLocks/>
-            <a:stCxn id="7" idx="1"/>
-            <a:endCxn id="15" idx="3"/>
-          </p:cNvCxnSpPr>
-          <p:nvPr/>
-        </p:nvCxnSpPr>
-        <p:spPr>
-          <a:xfrm flipH="1">
-            <a:off x="6918780" y="2816433"/>
-            <a:ext cx="1257245" cy="0"/>
-          </a:xfrm>
-          <a:prstGeom prst="straightConnector1">
-            <a:avLst/>
-          </a:prstGeom>
-          <a:ln w="12700">
-            <a:solidFill>
-              <a:schemeClr val="bg1"/>
-            </a:solidFill>
-            <a:tailEnd type="triangle"/>
-          </a:ln>
-        </p:spPr>
-        <p:style>
-          <a:lnRef idx="1">
-            <a:schemeClr val="accent1"/>
-          </a:lnRef>
-          <a:fillRef idx="0">
-            <a:schemeClr val="accent1"/>
-          </a:fillRef>
-          <a:effectRef idx="0">
-            <a:schemeClr val="accent1"/>
-          </a:effectRef>
-          <a:fontRef idx="minor">
-            <a:schemeClr val="tx1"/>
-          </a:fontRef>
-        </p:style>
-      </p:cxnSp>
-      <p:sp>
-        <p:nvSpPr>
-          <p:cNvPr id="43" name="CuadroTexto 42">
-            <a:extLst>
-              <a:ext uri="{FF2B5EF4-FFF2-40B4-BE49-F238E27FC236}">
-                <a16:creationId xmlns:a16="http://schemas.microsoft.com/office/drawing/2014/main" id="{9194DB71-63AB-401A-BE6D-85B024946DBE}"/>
-              </a:ext>
-            </a:extLst>
-          </p:cNvPr>
-          <p:cNvSpPr txBox="1"/>
-          <p:nvPr/>
-        </p:nvSpPr>
-        <p:spPr>
-          <a:xfrm>
-            <a:off x="7078417" y="2491377"/>
-            <a:ext cx="1376218" cy="369332"/>
-          </a:xfrm>
-          <a:prstGeom prst="rect">
-            <a:avLst/>
-          </a:prstGeom>
-          <a:noFill/>
-        </p:spPr>
-        <p:txBody>
-          <a:bodyPr wrap="square" rtlCol="0">
-            <a:spAutoFit/>
-          </a:bodyPr>
-          <a:lstStyle/>
-          <a:p>
-            <a:r>
-              <a:rPr lang="en-US" dirty="0">
-                <a:solidFill>
-                  <a:schemeClr val="bg1"/>
-                </a:solidFill>
-              </a:rPr>
-              <a:t>executes</a:t>
-            </a:r>
-          </a:p>
-        </p:txBody>
-      </p:sp>
-    </p:spTree>
-    <p:extLst>
-      <p:ext uri="{BB962C8B-B14F-4D97-AF65-F5344CB8AC3E}">
-        <p14:creationId xmlns:p14="http://schemas.microsoft.com/office/powerpoint/2010/main" val="4059487831"/>
-      </p:ext>
-    </p:extLst>
-  </p:cSld>
-  <p:clrMapOvr>
-    <a:masterClrMapping/>
-  </p:clrMapOvr>
-</p:sld>
-</file>
-
-<file path=ppt/slides/slide29.xml><?xml version="1.0" encoding="utf-8"?>
-<p:sld xmlns:a="http://schemas.openxmlformats.org/drawingml/2006/main" xmlns:r="http://schemas.openxmlformats.org/officeDocument/2006/relationships" xmlns:p="http://schemas.openxmlformats.org/presentationml/2006/main">
-  <p:cSld>
-    <p:bg>
-      <p:bgPr>
-        <a:solidFill>
-          <a:srgbClr val="1E1E1E"/>
-        </a:solidFill>
-        <a:effectLst/>
-      </p:bgPr>
-    </p:bg>
-    <p:spTree>
-      <p:nvGrpSpPr>
-        <p:cNvPr id="1" name=""/>
-        <p:cNvGrpSpPr/>
-        <p:nvPr/>
-      </p:nvGrpSpPr>
-      <p:grpSpPr>
-        <a:xfrm>
-          <a:off x="0" y="0"/>
-          <a:ext cx="0" cy="0"/>
-          <a:chOff x="0" y="0"/>
-          <a:chExt cx="0" cy="0"/>
-        </a:xfrm>
-      </p:grpSpPr>
-      <p:sp>
-        <p:nvSpPr>
-          <p:cNvPr id="19" name="CuadroTexto 18">
-            <a:extLst>
-              <a:ext uri="{FF2B5EF4-FFF2-40B4-BE49-F238E27FC236}">
-                <a16:creationId xmlns:a16="http://schemas.microsoft.com/office/drawing/2014/main" id="{A96312D1-C027-407A-96BD-2EF07177E281}"/>
-              </a:ext>
-            </a:extLst>
-          </p:cNvPr>
-          <p:cNvSpPr txBox="1"/>
-          <p:nvPr/>
-        </p:nvSpPr>
-        <p:spPr>
-          <a:xfrm>
-            <a:off x="277441" y="3087902"/>
-            <a:ext cx="5675684" cy="3609235"/>
-          </a:xfrm>
-          <a:prstGeom prst="rect">
-            <a:avLst/>
-          </a:prstGeom>
-          <a:noFill/>
-          <a:ln>
-            <a:solidFill>
-              <a:schemeClr val="bg1"/>
-            </a:solidFill>
-          </a:ln>
-        </p:spPr>
-        <p:txBody>
-          <a:bodyPr wrap="square" rtlCol="0">
-            <a:spAutoFit/>
-          </a:bodyPr>
-          <a:lstStyle/>
-          <a:p>
-            <a:endParaRPr lang="en-US" dirty="0"/>
-          </a:p>
-        </p:txBody>
-      </p:sp>
-      <p:pic>
-        <p:nvPicPr>
-          <p:cNvPr id="5" name="Imagen 4">
-            <a:extLst>
-              <a:ext uri="{FF2B5EF4-FFF2-40B4-BE49-F238E27FC236}">
-                <a16:creationId xmlns:a16="http://schemas.microsoft.com/office/drawing/2014/main" id="{1F28F35C-9F8B-4E76-86E9-350415B88C79}"/>
-              </a:ext>
-            </a:extLst>
-          </p:cNvPr>
-          <p:cNvPicPr>
-            <a:picLocks noChangeAspect="1"/>
-          </p:cNvPicPr>
-          <p:nvPr/>
-        </p:nvPicPr>
-        <p:blipFill>
-          <a:blip r:embed="rId2"/>
-          <a:stretch>
-            <a:fillRect/>
-          </a:stretch>
-        </p:blipFill>
-        <p:spPr>
-          <a:xfrm>
-            <a:off x="797883" y="1225868"/>
-            <a:ext cx="4287752" cy="969928"/>
-          </a:xfrm>
-          <a:prstGeom prst="rect">
-            <a:avLst/>
-          </a:prstGeom>
-          <a:effectLst>
-            <a:glow rad="25400">
-              <a:schemeClr val="bg1">
-                <a:alpha val="40000"/>
-              </a:schemeClr>
-            </a:glow>
-          </a:effectLst>
-        </p:spPr>
-      </p:pic>
-      <p:pic>
-        <p:nvPicPr>
-          <p:cNvPr id="3" name="Imagen 2">
-            <a:extLst>
-              <a:ext uri="{FF2B5EF4-FFF2-40B4-BE49-F238E27FC236}">
-                <a16:creationId xmlns:a16="http://schemas.microsoft.com/office/drawing/2014/main" id="{9C1B9B4B-60A9-4422-9C3A-3CD098F4505A}"/>
-              </a:ext>
-            </a:extLst>
-          </p:cNvPr>
-          <p:cNvPicPr>
-            <a:picLocks noChangeAspect="1"/>
-          </p:cNvPicPr>
-          <p:nvPr/>
-        </p:nvPicPr>
-        <p:blipFill>
-          <a:blip r:embed="rId3"/>
-          <a:stretch>
-            <a:fillRect/>
-          </a:stretch>
-        </p:blipFill>
-        <p:spPr>
-          <a:xfrm>
-            <a:off x="345048" y="3127409"/>
-            <a:ext cx="5253753" cy="488881"/>
-          </a:xfrm>
-          <a:prstGeom prst="rect">
-            <a:avLst/>
-          </a:prstGeom>
-          <a:effectLst>
-            <a:glow>
-              <a:schemeClr val="bg1">
-                <a:alpha val="40000"/>
-              </a:schemeClr>
-            </a:glow>
-          </a:effectLst>
-        </p:spPr>
-      </p:pic>
-      <p:pic>
-        <p:nvPicPr>
-          <p:cNvPr id="4" name="Imagen 3">
-            <a:extLst>
-              <a:ext uri="{FF2B5EF4-FFF2-40B4-BE49-F238E27FC236}">
-                <a16:creationId xmlns:a16="http://schemas.microsoft.com/office/drawing/2014/main" id="{C36C44D5-9D26-4140-9030-A25266CFEACE}"/>
-              </a:ext>
-            </a:extLst>
-          </p:cNvPr>
-          <p:cNvPicPr>
-            <a:picLocks noChangeAspect="1"/>
-          </p:cNvPicPr>
-          <p:nvPr/>
-        </p:nvPicPr>
-        <p:blipFill>
-          <a:blip r:embed="rId4"/>
-          <a:stretch>
-            <a:fillRect/>
-          </a:stretch>
-        </p:blipFill>
-        <p:spPr>
-          <a:xfrm>
-            <a:off x="1339827" y="1917666"/>
-            <a:ext cx="4516224" cy="971158"/>
-          </a:xfrm>
-          <a:prstGeom prst="rect">
-            <a:avLst/>
-          </a:prstGeom>
-          <a:effectLst>
-            <a:glow rad="25400">
-              <a:schemeClr val="bg1">
-                <a:alpha val="40000"/>
-              </a:schemeClr>
-            </a:glow>
-          </a:effectLst>
-        </p:spPr>
-      </p:pic>
-      <p:pic>
-        <p:nvPicPr>
-          <p:cNvPr id="9" name="Imagen 8">
-            <a:extLst>
-              <a:ext uri="{FF2B5EF4-FFF2-40B4-BE49-F238E27FC236}">
-                <a16:creationId xmlns:a16="http://schemas.microsoft.com/office/drawing/2014/main" id="{49F94EEA-BD17-488E-8959-1BDE76060086}"/>
-              </a:ext>
-            </a:extLst>
-          </p:cNvPr>
-          <p:cNvPicPr>
-            <a:picLocks noChangeAspect="1"/>
-          </p:cNvPicPr>
-          <p:nvPr/>
-        </p:nvPicPr>
-        <p:blipFill>
-          <a:blip r:embed="rId5"/>
-          <a:stretch>
-            <a:fillRect/>
-          </a:stretch>
-        </p:blipFill>
-        <p:spPr>
-          <a:xfrm>
-            <a:off x="1487759" y="160863"/>
-            <a:ext cx="2908000" cy="573633"/>
-          </a:xfrm>
-          <a:prstGeom prst="rect">
-            <a:avLst/>
-          </a:prstGeom>
-          <a:effectLst>
-            <a:glow rad="25400">
-              <a:schemeClr val="bg1">
-                <a:alpha val="40000"/>
-              </a:schemeClr>
-            </a:glow>
-          </a:effectLst>
-        </p:spPr>
-      </p:pic>
-      <p:pic>
-        <p:nvPicPr>
-          <p:cNvPr id="14" name="Imagen 13">
-            <a:extLst>
-              <a:ext uri="{FF2B5EF4-FFF2-40B4-BE49-F238E27FC236}">
-                <a16:creationId xmlns:a16="http://schemas.microsoft.com/office/drawing/2014/main" id="{E0E785AA-AFC8-4D14-8DD6-DA69DB1D5C3D}"/>
-              </a:ext>
-            </a:extLst>
-          </p:cNvPr>
-          <p:cNvPicPr>
-            <a:picLocks noChangeAspect="1"/>
-          </p:cNvPicPr>
-          <p:nvPr/>
-        </p:nvPicPr>
-        <p:blipFill>
-          <a:blip r:embed="rId6"/>
-          <a:stretch>
-            <a:fillRect/>
-          </a:stretch>
-        </p:blipFill>
-        <p:spPr>
-          <a:xfrm>
-            <a:off x="7235443" y="3087902"/>
-            <a:ext cx="4287753" cy="1843117"/>
-          </a:xfrm>
-          <a:prstGeom prst="rect">
-            <a:avLst/>
-          </a:prstGeom>
-          <a:effectLst>
-            <a:glow rad="25400">
-              <a:schemeClr val="bg1">
-                <a:alpha val="40000"/>
-              </a:schemeClr>
-            </a:glow>
-          </a:effectLst>
-        </p:spPr>
-      </p:pic>
-      <p:pic>
-        <p:nvPicPr>
-          <p:cNvPr id="16" name="Imagen 15">
-            <a:extLst>
-              <a:ext uri="{FF2B5EF4-FFF2-40B4-BE49-F238E27FC236}">
-                <a16:creationId xmlns:a16="http://schemas.microsoft.com/office/drawing/2014/main" id="{E2574B5B-77DE-464E-B6B5-321D05E8DDCF}"/>
-              </a:ext>
-            </a:extLst>
-          </p:cNvPr>
-          <p:cNvPicPr>
-            <a:picLocks noChangeAspect="1"/>
-          </p:cNvPicPr>
-          <p:nvPr/>
-        </p:nvPicPr>
-        <p:blipFill>
-          <a:blip r:embed="rId7"/>
-          <a:stretch>
-            <a:fillRect/>
-          </a:stretch>
-        </p:blipFill>
-        <p:spPr>
-          <a:xfrm>
-            <a:off x="6731370" y="165207"/>
-            <a:ext cx="5295901" cy="2445957"/>
-          </a:xfrm>
-          <a:prstGeom prst="rect">
-            <a:avLst/>
-          </a:prstGeom>
-          <a:effectLst>
-            <a:glow rad="25400">
-              <a:schemeClr val="bg1">
-                <a:alpha val="40000"/>
-              </a:schemeClr>
-            </a:glow>
-          </a:effectLst>
-        </p:spPr>
-      </p:pic>
-      <p:pic>
-        <p:nvPicPr>
-          <p:cNvPr id="18" name="Imagen 17">
-            <a:extLst>
-              <a:ext uri="{FF2B5EF4-FFF2-40B4-BE49-F238E27FC236}">
-                <a16:creationId xmlns:a16="http://schemas.microsoft.com/office/drawing/2014/main" id="{0B0AB996-6C12-4098-B73D-617DC9134067}"/>
-              </a:ext>
-            </a:extLst>
-          </p:cNvPr>
-          <p:cNvPicPr>
-            <a:picLocks noChangeAspect="1"/>
-          </p:cNvPicPr>
-          <p:nvPr/>
-        </p:nvPicPr>
-        <p:blipFill>
-          <a:blip r:embed="rId8"/>
-          <a:stretch>
-            <a:fillRect/>
-          </a:stretch>
-        </p:blipFill>
-        <p:spPr>
-          <a:xfrm>
-            <a:off x="345048" y="3655797"/>
-            <a:ext cx="5253754" cy="2780996"/>
-          </a:xfrm>
-          <a:prstGeom prst="rect">
-            <a:avLst/>
-          </a:prstGeom>
-        </p:spPr>
-      </p:pic>
-      <p:sp>
-        <p:nvSpPr>
-          <p:cNvPr id="25" name="CuadroTexto 24">
-            <a:extLst>
-              <a:ext uri="{FF2B5EF4-FFF2-40B4-BE49-F238E27FC236}">
-                <a16:creationId xmlns:a16="http://schemas.microsoft.com/office/drawing/2014/main" id="{B6FBF2F1-EAB1-495D-AD6F-27A42C4E8F45}"/>
-              </a:ext>
-            </a:extLst>
-          </p:cNvPr>
-          <p:cNvSpPr txBox="1"/>
-          <p:nvPr/>
-        </p:nvSpPr>
-        <p:spPr>
-          <a:xfrm>
-            <a:off x="2909830" y="820228"/>
-            <a:ext cx="1376218" cy="369332"/>
-          </a:xfrm>
-          <a:prstGeom prst="rect">
-            <a:avLst/>
-          </a:prstGeom>
-          <a:noFill/>
-        </p:spPr>
-        <p:txBody>
-          <a:bodyPr wrap="square" rtlCol="0">
-            <a:spAutoFit/>
-          </a:bodyPr>
-          <a:lstStyle/>
-          <a:p>
-            <a:r>
-              <a:rPr lang="en-US" dirty="0">
-                <a:solidFill>
-                  <a:schemeClr val="bg1"/>
-                </a:solidFill>
-              </a:rPr>
-              <a:t>implements</a:t>
-            </a:r>
-          </a:p>
-        </p:txBody>
-      </p:sp>
-      <p:cxnSp>
-        <p:nvCxnSpPr>
-          <p:cNvPr id="27" name="Conector recto de flecha 26">
-            <a:extLst>
-              <a:ext uri="{FF2B5EF4-FFF2-40B4-BE49-F238E27FC236}">
-                <a16:creationId xmlns:a16="http://schemas.microsoft.com/office/drawing/2014/main" id="{88EC44E3-2AD7-4D4C-9534-8FD067DCA220}"/>
-              </a:ext>
-            </a:extLst>
-          </p:cNvPr>
-          <p:cNvCxnSpPr>
-            <a:cxnSpLocks/>
-            <a:stCxn id="5" idx="0"/>
-            <a:endCxn id="9" idx="2"/>
-          </p:cNvCxnSpPr>
-          <p:nvPr/>
-        </p:nvCxnSpPr>
-        <p:spPr>
-          <a:xfrm flipV="1">
-            <a:off x="2941759" y="734496"/>
-            <a:ext cx="0" cy="491372"/>
+            <a:off x="5725819" y="1251415"/>
+            <a:ext cx="0" cy="1382906"/>
           </a:xfrm>
           <a:prstGeom prst="straightConnector1">
             <a:avLst/>
@@ -9634,109 +9302,24 @@
       </p:cxnSp>
       <p:cxnSp>
         <p:nvCxnSpPr>
-          <p:cNvPr id="34" name="Conector recto de flecha 33">
-            <a:extLst>
-              <a:ext uri="{FF2B5EF4-FFF2-40B4-BE49-F238E27FC236}">
-                <a16:creationId xmlns:a16="http://schemas.microsoft.com/office/drawing/2014/main" id="{77211730-336B-4475-92D1-978E8AE483D7}"/>
+          <p:cNvPr id="43" name="Conector recto de flecha 42">
+            <a:extLst>
+              <a:ext uri="{FF2B5EF4-FFF2-40B4-BE49-F238E27FC236}">
+                <a16:creationId xmlns:a16="http://schemas.microsoft.com/office/drawing/2014/main" id="{07FEB980-C523-4748-A62D-C1B7A082AA45}"/>
               </a:ext>
             </a:extLst>
           </p:cNvPr>
           <p:cNvCxnSpPr>
             <a:cxnSpLocks/>
-            <a:stCxn id="16" idx="1"/>
-            <a:endCxn id="5" idx="3"/>
+            <a:stCxn id="5" idx="1"/>
+            <a:endCxn id="8" idx="3"/>
           </p:cNvCxnSpPr>
           <p:nvPr/>
         </p:nvCxnSpPr>
         <p:spPr>
-          <a:xfrm flipH="1">
-            <a:off x="5085635" y="1388186"/>
-            <a:ext cx="1645735" cy="322646"/>
-          </a:xfrm>
-          <a:prstGeom prst="straightConnector1">
-            <a:avLst/>
-          </a:prstGeom>
-          <a:ln w="12700">
-            <a:solidFill>
-              <a:schemeClr val="bg1"/>
-            </a:solidFill>
-            <a:tailEnd type="triangle"/>
-          </a:ln>
-        </p:spPr>
-        <p:style>
-          <a:lnRef idx="1">
-            <a:schemeClr val="accent1"/>
-          </a:lnRef>
-          <a:fillRef idx="0">
-            <a:schemeClr val="accent1"/>
-          </a:fillRef>
-          <a:effectRef idx="0">
-            <a:schemeClr val="accent1"/>
-          </a:effectRef>
-          <a:fontRef idx="minor">
-            <a:schemeClr val="tx1"/>
-          </a:fontRef>
-        </p:style>
-      </p:cxnSp>
-      <p:sp>
-        <p:nvSpPr>
-          <p:cNvPr id="35" name="CuadroTexto 34">
-            <a:extLst>
-              <a:ext uri="{FF2B5EF4-FFF2-40B4-BE49-F238E27FC236}">
-                <a16:creationId xmlns:a16="http://schemas.microsoft.com/office/drawing/2014/main" id="{C400614D-3218-4E37-9650-3A63BC3DE8EB}"/>
-              </a:ext>
-            </a:extLst>
-          </p:cNvPr>
-          <p:cNvSpPr txBox="1"/>
-          <p:nvPr/>
-        </p:nvSpPr>
-        <p:spPr>
-          <a:xfrm rot="20924205">
-            <a:off x="5469464" y="1159486"/>
-            <a:ext cx="1376218" cy="369332"/>
-          </a:xfrm>
-          <a:prstGeom prst="rect">
-            <a:avLst/>
-          </a:prstGeom>
-          <a:noFill/>
-        </p:spPr>
-        <p:txBody>
-          <a:bodyPr wrap="square" rtlCol="0">
-            <a:spAutoFit/>
-          </a:bodyPr>
-          <a:lstStyle/>
-          <a:p>
-            <a:r>
-              <a:rPr lang="en-US" dirty="0">
-                <a:solidFill>
-                  <a:schemeClr val="bg1"/>
-                </a:solidFill>
-              </a:rPr>
-              <a:t>executes</a:t>
-            </a:r>
-          </a:p>
-        </p:txBody>
-      </p:sp>
-      <p:cxnSp>
-        <p:nvCxnSpPr>
-          <p:cNvPr id="38" name="Conector recto de flecha 37">
-            <a:extLst>
-              <a:ext uri="{FF2B5EF4-FFF2-40B4-BE49-F238E27FC236}">
-                <a16:creationId xmlns:a16="http://schemas.microsoft.com/office/drawing/2014/main" id="{074459B3-FE79-42A2-9A9E-C03EC6F7E472}"/>
-              </a:ext>
-            </a:extLst>
-          </p:cNvPr>
-          <p:cNvCxnSpPr>
-            <a:cxnSpLocks/>
-            <a:stCxn id="16" idx="1"/>
-            <a:endCxn id="4" idx="3"/>
-          </p:cNvCxnSpPr>
-          <p:nvPr/>
-        </p:nvCxnSpPr>
-        <p:spPr>
-          <a:xfrm flipH="1">
-            <a:off x="5856051" y="1388186"/>
-            <a:ext cx="875319" cy="1015059"/>
+          <a:xfrm flipH="1" flipV="1">
+            <a:off x="6878344" y="975190"/>
+            <a:ext cx="1892702" cy="653389"/>
           </a:xfrm>
           <a:prstGeom prst="straightConnector1">
             <a:avLst/>
@@ -9765,27 +9348,24 @@
       </p:cxnSp>
       <p:cxnSp>
         <p:nvCxnSpPr>
-          <p:cNvPr id="48" name="Conector recto de flecha 47">
-            <a:extLst>
-              <a:ext uri="{FF2B5EF4-FFF2-40B4-BE49-F238E27FC236}">
-                <a16:creationId xmlns:a16="http://schemas.microsoft.com/office/drawing/2014/main" id="{CADF5784-5FC3-40D6-BB19-FC72C0D9D2F5}"/>
-              </a:ext>
-              <a:ext uri="{C183D7F6-B498-43B3-948B-1728B52AA6E4}">
-                <adec:decorative xmlns:adec="http://schemas.microsoft.com/office/drawing/2017/decorative" val="0"/>
+          <p:cNvPr id="162" name="Conector recto de flecha 161">
+            <a:extLst>
+              <a:ext uri="{FF2B5EF4-FFF2-40B4-BE49-F238E27FC236}">
+                <a16:creationId xmlns:a16="http://schemas.microsoft.com/office/drawing/2014/main" id="{B95F6977-1907-4E6A-8176-F69AF4D53E5F}"/>
               </a:ext>
             </a:extLst>
           </p:cNvPr>
           <p:cNvCxnSpPr>
             <a:cxnSpLocks/>
-            <a:stCxn id="16" idx="2"/>
-            <a:endCxn id="14" idx="0"/>
+            <a:stCxn id="3" idx="3"/>
+            <a:endCxn id="5" idx="2"/>
           </p:cNvCxnSpPr>
           <p:nvPr/>
         </p:nvCxnSpPr>
         <p:spPr>
-          <a:xfrm flipH="1">
-            <a:off x="9379320" y="2611164"/>
-            <a:ext cx="1" cy="476738"/>
+          <a:xfrm flipV="1">
+            <a:off x="8417076" y="2538755"/>
+            <a:ext cx="1908673" cy="890245"/>
           </a:xfrm>
           <a:prstGeom prst="straightConnector1">
             <a:avLst/>
@@ -9812,12 +9392,104 @@
           </a:fontRef>
         </p:style>
       </p:cxnSp>
-      <p:sp>
-        <p:nvSpPr>
-          <p:cNvPr id="49" name="CuadroTexto 48">
-            <a:extLst>
-              <a:ext uri="{FF2B5EF4-FFF2-40B4-BE49-F238E27FC236}">
-                <a16:creationId xmlns:a16="http://schemas.microsoft.com/office/drawing/2014/main" id="{863B58CB-9D32-47A7-AAAD-1480E6429863}"/>
+      <p:cxnSp>
+        <p:nvCxnSpPr>
+          <p:cNvPr id="176" name="Conector recto de flecha 175">
+            <a:extLst>
+              <a:ext uri="{FF2B5EF4-FFF2-40B4-BE49-F238E27FC236}">
+                <a16:creationId xmlns:a16="http://schemas.microsoft.com/office/drawing/2014/main" id="{AFCE5FFE-1B64-43CD-8E3A-3296539FCAD9}"/>
+              </a:ext>
+            </a:extLst>
+          </p:cNvPr>
+          <p:cNvCxnSpPr>
+            <a:cxnSpLocks/>
+            <a:stCxn id="7" idx="3"/>
+            <a:endCxn id="8" idx="1"/>
+          </p:cNvCxnSpPr>
+          <p:nvPr/>
+        </p:nvCxnSpPr>
+        <p:spPr>
+          <a:xfrm flipV="1">
+            <a:off x="3139902" y="975190"/>
+            <a:ext cx="1433392" cy="574459"/>
+          </a:xfrm>
+          <a:prstGeom prst="straightConnector1">
+            <a:avLst/>
+          </a:prstGeom>
+          <a:ln w="12700">
+            <a:solidFill>
+              <a:schemeClr val="bg1"/>
+            </a:solidFill>
+            <a:tailEnd type="triangle"/>
+          </a:ln>
+        </p:spPr>
+        <p:style>
+          <a:lnRef idx="1">
+            <a:schemeClr val="accent1"/>
+          </a:lnRef>
+          <a:fillRef idx="0">
+            <a:schemeClr val="accent1"/>
+          </a:fillRef>
+          <a:effectRef idx="0">
+            <a:schemeClr val="accent1"/>
+          </a:effectRef>
+          <a:fontRef idx="minor">
+            <a:schemeClr val="tx1"/>
+          </a:fontRef>
+        </p:style>
+      </p:cxnSp>
+      <p:cxnSp>
+        <p:nvCxnSpPr>
+          <p:cNvPr id="179" name="Conector recto de flecha 178">
+            <a:extLst>
+              <a:ext uri="{FF2B5EF4-FFF2-40B4-BE49-F238E27FC236}">
+                <a16:creationId xmlns:a16="http://schemas.microsoft.com/office/drawing/2014/main" id="{FA82766E-F61C-472F-8700-4070FB4C5A65}"/>
+              </a:ext>
+            </a:extLst>
+          </p:cNvPr>
+          <p:cNvCxnSpPr>
+            <a:cxnSpLocks/>
+            <a:stCxn id="3" idx="1"/>
+            <a:endCxn id="7" idx="2"/>
+          </p:cNvCxnSpPr>
+          <p:nvPr/>
+        </p:nvCxnSpPr>
+        <p:spPr>
+          <a:xfrm flipH="1" flipV="1">
+            <a:off x="1645876" y="2397067"/>
+            <a:ext cx="1388686" cy="1031933"/>
+          </a:xfrm>
+          <a:prstGeom prst="straightConnector1">
+            <a:avLst/>
+          </a:prstGeom>
+          <a:ln w="12700">
+            <a:solidFill>
+              <a:schemeClr val="bg1"/>
+            </a:solidFill>
+            <a:tailEnd type="triangle"/>
+          </a:ln>
+        </p:spPr>
+        <p:style>
+          <a:lnRef idx="1">
+            <a:schemeClr val="accent1"/>
+          </a:lnRef>
+          <a:fillRef idx="0">
+            <a:schemeClr val="accent1"/>
+          </a:fillRef>
+          <a:effectRef idx="0">
+            <a:schemeClr val="accent1"/>
+          </a:effectRef>
+          <a:fontRef idx="minor">
+            <a:schemeClr val="tx1"/>
+          </a:fontRef>
+        </p:style>
+      </p:cxnSp>
+      <p:sp>
+        <p:nvSpPr>
+          <p:cNvPr id="191" name="CuadroTexto 190">
+            <a:extLst>
+              <a:ext uri="{FF2B5EF4-FFF2-40B4-BE49-F238E27FC236}">
+                <a16:creationId xmlns:a16="http://schemas.microsoft.com/office/drawing/2014/main" id="{34AC6AAC-D345-48EF-9BC7-4F225DECEE21}"/>
               </a:ext>
             </a:extLst>
           </p:cNvPr>
@@ -9826,8 +9498,8 @@
         </p:nvSpPr>
         <p:spPr>
           <a:xfrm>
-            <a:off x="9379319" y="2641505"/>
-            <a:ext cx="1376218" cy="338554"/>
+            <a:off x="1789501" y="2890814"/>
+            <a:ext cx="1376218" cy="369332"/>
           </a:xfrm>
           <a:prstGeom prst="rect">
             <a:avLst/>
@@ -9841,22 +9513,22 @@
           <a:lstStyle/>
           <a:p>
             <a:r>
-              <a:rPr lang="en-US" sz="1600" dirty="0">
+              <a:rPr lang="en-US" dirty="0">
                 <a:solidFill>
                   <a:schemeClr val="bg1"/>
                 </a:solidFill>
               </a:rPr>
-              <a:t>gets</a:t>
-            </a:r>
-          </a:p>
-        </p:txBody>
-      </p:sp>
-      <p:sp>
-        <p:nvSpPr>
-          <p:cNvPr id="56" name="CuadroTexto 55">
-            <a:extLst>
-              <a:ext uri="{FF2B5EF4-FFF2-40B4-BE49-F238E27FC236}">
-                <a16:creationId xmlns:a16="http://schemas.microsoft.com/office/drawing/2014/main" id="{8E28305B-4A7C-463A-9539-BFD2B83DD84E}"/>
+              <a:t>has</a:t>
+            </a:r>
+          </a:p>
+        </p:txBody>
+      </p:sp>
+      <p:sp>
+        <p:nvSpPr>
+          <p:cNvPr id="192" name="CuadroTexto 191">
+            <a:extLst>
+              <a:ext uri="{FF2B5EF4-FFF2-40B4-BE49-F238E27FC236}">
+                <a16:creationId xmlns:a16="http://schemas.microsoft.com/office/drawing/2014/main" id="{A356E96B-9010-4AA4-857A-2369E499C424}"/>
               </a:ext>
             </a:extLst>
           </p:cNvPr>
@@ -9865,8 +9537,8 @@
         </p:nvSpPr>
         <p:spPr>
           <a:xfrm>
-            <a:off x="5216982" y="6358583"/>
-            <a:ext cx="1376218" cy="338554"/>
+            <a:off x="9293677" y="2983877"/>
+            <a:ext cx="1376218" cy="369332"/>
           </a:xfrm>
           <a:prstGeom prst="rect">
             <a:avLst/>
@@ -9880,22 +9552,22 @@
           <a:lstStyle/>
           <a:p>
             <a:r>
-              <a:rPr lang="en-US" sz="1600" dirty="0">
+              <a:rPr lang="en-US" dirty="0">
                 <a:solidFill>
                   <a:schemeClr val="bg1"/>
                 </a:solidFill>
               </a:rPr>
-              <a:t>Usage</a:t>
-            </a:r>
-          </a:p>
-        </p:txBody>
-      </p:sp>
-      <p:sp>
-        <p:nvSpPr>
-          <p:cNvPr id="57" name="CuadroTexto 56">
-            <a:extLst>
-              <a:ext uri="{FF2B5EF4-FFF2-40B4-BE49-F238E27FC236}">
-                <a16:creationId xmlns:a16="http://schemas.microsoft.com/office/drawing/2014/main" id="{74D0A3BB-A078-423C-B55A-B0DF40F77A9B}"/>
+              <a:t>has</a:t>
+            </a:r>
+          </a:p>
+        </p:txBody>
+      </p:sp>
+      <p:sp>
+        <p:nvSpPr>
+          <p:cNvPr id="193" name="CuadroTexto 192">
+            <a:extLst>
+              <a:ext uri="{FF2B5EF4-FFF2-40B4-BE49-F238E27FC236}">
+                <a16:creationId xmlns:a16="http://schemas.microsoft.com/office/drawing/2014/main" id="{244D9F04-E60B-42BE-AD6A-6D19E6F496F4}"/>
               </a:ext>
             </a:extLst>
           </p:cNvPr>
@@ -9903,9 +9575,9 @@
           <p:nvPr/>
         </p:nvSpPr>
         <p:spPr>
-          <a:xfrm>
-            <a:off x="9483407" y="6035417"/>
-            <a:ext cx="3397994" cy="646331"/>
+          <a:xfrm rot="20386670">
+            <a:off x="3175659" y="919131"/>
+            <a:ext cx="1376218" cy="369332"/>
           </a:xfrm>
           <a:prstGeom prst="rect">
             <a:avLst/>
@@ -9919,12 +9591,90 @@
           <a:lstStyle/>
           <a:p>
             <a:r>
-              <a:rPr lang="en-US" sz="3600" dirty="0">
+              <a:rPr lang="en-US" dirty="0">
                 <a:solidFill>
-                  <a:srgbClr val="53A2D3"/>
+                  <a:schemeClr val="bg1"/>
                 </a:solidFill>
               </a:rPr>
-              <a:t>Mundo real</a:t>
+              <a:t>implements</a:t>
+            </a:r>
+          </a:p>
+        </p:txBody>
+      </p:sp>
+      <p:sp>
+        <p:nvSpPr>
+          <p:cNvPr id="194" name="CuadroTexto 193">
+            <a:extLst>
+              <a:ext uri="{FF2B5EF4-FFF2-40B4-BE49-F238E27FC236}">
+                <a16:creationId xmlns:a16="http://schemas.microsoft.com/office/drawing/2014/main" id="{8798A2D4-DBC0-4B72-92AD-370AA4749F8A}"/>
+              </a:ext>
+            </a:extLst>
+          </p:cNvPr>
+          <p:cNvSpPr txBox="1"/>
+          <p:nvPr/>
+        </p:nvSpPr>
+        <p:spPr>
+          <a:xfrm>
+            <a:off x="5725819" y="1790480"/>
+            <a:ext cx="1376218" cy="369332"/>
+          </a:xfrm>
+          <a:prstGeom prst="rect">
+            <a:avLst/>
+          </a:prstGeom>
+          <a:noFill/>
+        </p:spPr>
+        <p:txBody>
+          <a:bodyPr wrap="square" rtlCol="0">
+            <a:spAutoFit/>
+          </a:bodyPr>
+          <a:lstStyle/>
+          <a:p>
+            <a:r>
+              <a:rPr lang="en-US" dirty="0">
+                <a:solidFill>
+                  <a:schemeClr val="bg1"/>
+                </a:solidFill>
+              </a:rPr>
+              <a:t>implements</a:t>
+            </a:r>
+          </a:p>
+        </p:txBody>
+      </p:sp>
+      <p:sp>
+        <p:nvSpPr>
+          <p:cNvPr id="195" name="CuadroTexto 194">
+            <a:extLst>
+              <a:ext uri="{FF2B5EF4-FFF2-40B4-BE49-F238E27FC236}">
+                <a16:creationId xmlns:a16="http://schemas.microsoft.com/office/drawing/2014/main" id="{B0F23A47-DBFE-4E48-98A6-5F003B84E0D8}"/>
+              </a:ext>
+            </a:extLst>
+          </p:cNvPr>
+          <p:cNvSpPr txBox="1"/>
+          <p:nvPr/>
+        </p:nvSpPr>
+        <p:spPr>
+          <a:xfrm rot="1108942">
+            <a:off x="7292845" y="978894"/>
+            <a:ext cx="1376218" cy="369332"/>
+          </a:xfrm>
+          <a:prstGeom prst="rect">
+            <a:avLst/>
+          </a:prstGeom>
+          <a:noFill/>
+        </p:spPr>
+        <p:txBody>
+          <a:bodyPr wrap="square" rtlCol="0">
+            <a:spAutoFit/>
+          </a:bodyPr>
+          <a:lstStyle/>
+          <a:p>
+            <a:r>
+              <a:rPr lang="en-US" dirty="0">
+                <a:solidFill>
+                  <a:schemeClr val="bg1"/>
+                </a:solidFill>
+              </a:rPr>
+              <a:t>implements</a:t>
             </a:r>
           </a:p>
         </p:txBody>
@@ -9932,7 +9682,70 @@
     </p:spTree>
     <p:extLst>
       <p:ext uri="{BB962C8B-B14F-4D97-AF65-F5344CB8AC3E}">
-        <p14:creationId xmlns:p14="http://schemas.microsoft.com/office/powerpoint/2010/main" val="2514131287"/>
+        <p14:creationId xmlns:p14="http://schemas.microsoft.com/office/powerpoint/2010/main" val="231040652"/>
+      </p:ext>
+    </p:extLst>
+  </p:cSld>
+  <p:clrMapOvr>
+    <a:masterClrMapping/>
+  </p:clrMapOvr>
+</p:sld>
+</file>
+
+<file path=ppt/slides/slide29.xml><?xml version="1.0" encoding="utf-8"?>
+<p:sld xmlns:a="http://schemas.openxmlformats.org/drawingml/2006/main" xmlns:r="http://schemas.openxmlformats.org/officeDocument/2006/relationships" xmlns:p="http://schemas.openxmlformats.org/presentationml/2006/main">
+  <p:cSld>
+    <p:spTree>
+      <p:nvGrpSpPr>
+        <p:cNvPr id="1" name=""/>
+        <p:cNvGrpSpPr/>
+        <p:nvPr/>
+      </p:nvGrpSpPr>
+      <p:grpSpPr>
+        <a:xfrm>
+          <a:off x="0" y="0"/>
+          <a:ext cx="0" cy="0"/>
+          <a:chOff x="0" y="0"/>
+          <a:chExt cx="0" cy="0"/>
+        </a:xfrm>
+      </p:grpSpPr>
+      <p:sp>
+        <p:nvSpPr>
+          <p:cNvPr id="2" name="Título 1">
+            <a:extLst>
+              <a:ext uri="{FF2B5EF4-FFF2-40B4-BE49-F238E27FC236}">
+                <a16:creationId xmlns:a16="http://schemas.microsoft.com/office/drawing/2014/main" id="{73A2909B-13B3-4614-9321-16AF10F4286A}"/>
+              </a:ext>
+            </a:extLst>
+          </p:cNvPr>
+          <p:cNvSpPr>
+            <a:spLocks noGrp="1"/>
+          </p:cNvSpPr>
+          <p:nvPr>
+            <p:ph type="title"/>
+          </p:nvPr>
+        </p:nvSpPr>
+        <p:spPr>
+          <a:xfrm>
+            <a:off x="838200" y="2103437"/>
+            <a:ext cx="10515600" cy="1325563"/>
+          </a:xfrm>
+        </p:spPr>
+        <p:txBody>
+          <a:bodyPr/>
+          <a:lstStyle/>
+          <a:p>
+            <a:r>
+              <a:rPr lang="en-US" dirty="0"/>
+              <a:t>Behavioral Patterns</a:t>
+            </a:r>
+          </a:p>
+        </p:txBody>
+      </p:sp>
+    </p:spTree>
+    <p:extLst>
+      <p:ext uri="{BB962C8B-B14F-4D97-AF65-F5344CB8AC3E}">
+        <p14:creationId xmlns:p14="http://schemas.microsoft.com/office/powerpoint/2010/main" val="2740739163"/>
       </p:ext>
     </p:extLst>
   </p:cSld>
@@ -10325,7 +10138,7 @@
           <p:cNvPr id="2" name="Título 1">
             <a:extLst>
               <a:ext uri="{FF2B5EF4-FFF2-40B4-BE49-F238E27FC236}">
-                <a16:creationId xmlns:a16="http://schemas.microsoft.com/office/drawing/2014/main" id="{73A2909B-13B3-4614-9321-16AF10F4286A}"/>
+                <a16:creationId xmlns:a16="http://schemas.microsoft.com/office/drawing/2014/main" id="{51E579E3-4D4D-4391-A4DB-77F6C6DD84BE}"/>
               </a:ext>
             </a:extLst>
           </p:cNvPr>
@@ -10338,7 +10151,7 @@
         </p:nvSpPr>
         <p:spPr>
           <a:xfrm>
-            <a:off x="838200" y="2103437"/>
+            <a:off x="900344" y="2766218"/>
             <a:ext cx="10515600" cy="1325563"/>
           </a:xfrm>
         </p:spPr>
@@ -10347,16 +10160,40 @@
           <a:lstStyle/>
           <a:p>
             <a:r>
-              <a:rPr lang="en-US" dirty="0"/>
-              <a:t>UI Patterns</a:t>
-            </a:r>
+              <a:rPr lang="es-ES" dirty="0" err="1">
+                <a:solidFill>
+                  <a:srgbClr val="000000"/>
+                </a:solidFill>
+                <a:latin typeface="Calibri" panose="020F0502020204030204" pitchFamily="34" charset="0"/>
+              </a:rPr>
+              <a:t>Strategy</a:t>
+            </a:r>
+            <a:r>
+              <a:rPr lang="es-ES" dirty="0">
+                <a:solidFill>
+                  <a:srgbClr val="000000"/>
+                </a:solidFill>
+                <a:latin typeface="Calibri" panose="020F0502020204030204" pitchFamily="34" charset="0"/>
+              </a:rPr>
+              <a:t> </a:t>
+            </a:r>
+            <a:r>
+              <a:rPr lang="es-ES" dirty="0" err="1">
+                <a:solidFill>
+                  <a:srgbClr val="000000"/>
+                </a:solidFill>
+                <a:latin typeface="Calibri" panose="020F0502020204030204" pitchFamily="34" charset="0"/>
+              </a:rPr>
+              <a:t>pattern</a:t>
+            </a:r>
+            <a:endParaRPr lang="en-US" dirty="0"/>
           </a:p>
         </p:txBody>
       </p:sp>
     </p:spTree>
     <p:extLst>
       <p:ext uri="{BB962C8B-B14F-4D97-AF65-F5344CB8AC3E}">
-        <p14:creationId xmlns:p14="http://schemas.microsoft.com/office/powerpoint/2010/main" val="2266296736"/>
+        <p14:creationId xmlns:p14="http://schemas.microsoft.com/office/powerpoint/2010/main" val="1428411220"/>
       </p:ext>
     </p:extLst>
   </p:cSld>
@@ -10369,6 +10206,14 @@
 <file path=ppt/slides/slide31.xml><?xml version="1.0" encoding="utf-8"?>
 <p:sld xmlns:a="http://schemas.openxmlformats.org/drawingml/2006/main" xmlns:r="http://schemas.openxmlformats.org/officeDocument/2006/relationships" xmlns:p="http://schemas.openxmlformats.org/presentationml/2006/main">
   <p:cSld>
+    <p:bg>
+      <p:bgPr>
+        <a:solidFill>
+          <a:srgbClr val="1E1E1E"/>
+        </a:solidFill>
+        <a:effectLst/>
+      </p:bgPr>
+    </p:bg>
     <p:spTree>
       <p:nvGrpSpPr>
         <p:cNvPr id="1" name=""/>
@@ -10385,74 +10230,531 @@
       </p:grpSpPr>
       <p:sp>
         <p:nvSpPr>
-          <p:cNvPr id="2" name="Título 1">
-            <a:extLst>
-              <a:ext uri="{FF2B5EF4-FFF2-40B4-BE49-F238E27FC236}">
-                <a16:creationId xmlns:a16="http://schemas.microsoft.com/office/drawing/2014/main" id="{51E579E3-4D4D-4391-A4DB-77F6C6DD84BE}"/>
-              </a:ext>
-            </a:extLst>
-          </p:cNvPr>
-          <p:cNvSpPr>
-            <a:spLocks noGrp="1"/>
-          </p:cNvSpPr>
-          <p:nvPr>
-            <p:ph type="title"/>
-          </p:nvPr>
-        </p:nvSpPr>
-        <p:spPr>
-          <a:xfrm>
-            <a:off x="900344" y="2766218"/>
-            <a:ext cx="10515600" cy="1325563"/>
-          </a:xfrm>
-        </p:spPr>
-        <p:txBody>
-          <a:bodyPr/>
+          <p:cNvPr id="31" name="CuadroTexto 30">
+            <a:extLst>
+              <a:ext uri="{FF2B5EF4-FFF2-40B4-BE49-F238E27FC236}">
+                <a16:creationId xmlns:a16="http://schemas.microsoft.com/office/drawing/2014/main" id="{FBF7026D-12F4-4541-8110-DE706094717A}"/>
+              </a:ext>
+            </a:extLst>
+          </p:cNvPr>
+          <p:cNvSpPr txBox="1"/>
+          <p:nvPr/>
+        </p:nvSpPr>
+        <p:spPr>
+          <a:xfrm>
+            <a:off x="484863" y="185392"/>
+            <a:ext cx="3397994" cy="646331"/>
+          </a:xfrm>
+          <a:prstGeom prst="rect">
+            <a:avLst/>
+          </a:prstGeom>
+          <a:noFill/>
+        </p:spPr>
+        <p:txBody>
+          <a:bodyPr wrap="square" rtlCol="0">
+            <a:spAutoFit/>
+          </a:bodyPr>
           <a:lstStyle/>
           <a:p>
             <a:r>
-              <a:rPr lang="es-ES" dirty="0">
+              <a:rPr lang="en-US" sz="3600" dirty="0" err="1">
                 <a:solidFill>
-                  <a:srgbClr val="000000"/>
+                  <a:srgbClr val="53A2D3"/>
                 </a:solidFill>
-                <a:latin typeface="Calibri" panose="020F0502020204030204" pitchFamily="34" charset="0"/>
               </a:rPr>
-              <a:t>Page-</a:t>
-            </a:r>
-            <a:r>
-              <a:rPr lang="es-ES" dirty="0" err="1">
+              <a:t>Teoría</a:t>
+            </a:r>
+            <a:endParaRPr lang="en-US" sz="3600" dirty="0">
+              <a:solidFill>
+                <a:srgbClr val="53A2D3"/>
+              </a:solidFill>
+            </a:endParaRPr>
+          </a:p>
+        </p:txBody>
+      </p:sp>
+      <p:pic>
+        <p:nvPicPr>
+          <p:cNvPr id="7" name="Imagen 6">
+            <a:extLst>
+              <a:ext uri="{FF2B5EF4-FFF2-40B4-BE49-F238E27FC236}">
+                <a16:creationId xmlns:a16="http://schemas.microsoft.com/office/drawing/2014/main" id="{63A3F3E7-77F9-4C2C-B74D-5C03E1CCF6E0}"/>
+              </a:ext>
+            </a:extLst>
+          </p:cNvPr>
+          <p:cNvPicPr>
+            <a:picLocks noChangeAspect="1"/>
+          </p:cNvPicPr>
+          <p:nvPr/>
+        </p:nvPicPr>
+        <p:blipFill>
+          <a:blip r:embed="rId2"/>
+          <a:stretch>
+            <a:fillRect/>
+          </a:stretch>
+        </p:blipFill>
+        <p:spPr>
+          <a:xfrm>
+            <a:off x="8176025" y="1101933"/>
+            <a:ext cx="3781425" cy="3429000"/>
+          </a:xfrm>
+          <a:prstGeom prst="rect">
+            <a:avLst/>
+          </a:prstGeom>
+          <a:effectLst>
+            <a:glow rad="25400">
+              <a:schemeClr val="bg1">
+                <a:alpha val="40000"/>
+              </a:schemeClr>
+            </a:glow>
+          </a:effectLst>
+        </p:spPr>
+      </p:pic>
+      <p:pic>
+        <p:nvPicPr>
+          <p:cNvPr id="13" name="Imagen 12">
+            <a:extLst>
+              <a:ext uri="{FF2B5EF4-FFF2-40B4-BE49-F238E27FC236}">
+                <a16:creationId xmlns:a16="http://schemas.microsoft.com/office/drawing/2014/main" id="{1226FC3B-E807-4859-AB7D-0829A64B5D4D}"/>
+              </a:ext>
+            </a:extLst>
+          </p:cNvPr>
+          <p:cNvPicPr>
+            <a:picLocks noChangeAspect="1"/>
+          </p:cNvPicPr>
+          <p:nvPr/>
+        </p:nvPicPr>
+        <p:blipFill>
+          <a:blip r:embed="rId3"/>
+          <a:stretch>
+            <a:fillRect/>
+          </a:stretch>
+        </p:blipFill>
+        <p:spPr>
+          <a:xfrm>
+            <a:off x="2293072" y="831723"/>
+            <a:ext cx="2819400" cy="762000"/>
+          </a:xfrm>
+          <a:prstGeom prst="rect">
+            <a:avLst/>
+          </a:prstGeom>
+          <a:effectLst>
+            <a:glow rad="25400">
+              <a:schemeClr val="bg1">
+                <a:alpha val="40000"/>
+              </a:schemeClr>
+            </a:glow>
+          </a:effectLst>
+        </p:spPr>
+      </p:pic>
+      <p:pic>
+        <p:nvPicPr>
+          <p:cNvPr id="15" name="Imagen 14">
+            <a:extLst>
+              <a:ext uri="{FF2B5EF4-FFF2-40B4-BE49-F238E27FC236}">
+                <a16:creationId xmlns:a16="http://schemas.microsoft.com/office/drawing/2014/main" id="{3030403C-23EF-4D34-B8B2-265C157FE1FE}"/>
+              </a:ext>
+            </a:extLst>
+          </p:cNvPr>
+          <p:cNvPicPr>
+            <a:picLocks noChangeAspect="1"/>
+          </p:cNvPicPr>
+          <p:nvPr/>
+        </p:nvPicPr>
+        <p:blipFill>
+          <a:blip r:embed="rId4"/>
+          <a:stretch>
+            <a:fillRect/>
+          </a:stretch>
+        </p:blipFill>
+        <p:spPr>
+          <a:xfrm>
+            <a:off x="3702772" y="2358548"/>
+            <a:ext cx="3216008" cy="915769"/>
+          </a:xfrm>
+          <a:prstGeom prst="rect">
+            <a:avLst/>
+          </a:prstGeom>
+          <a:effectLst>
+            <a:glow rad="25400">
+              <a:schemeClr val="bg1">
+                <a:alpha val="40000"/>
+              </a:schemeClr>
+            </a:glow>
+          </a:effectLst>
+        </p:spPr>
+      </p:pic>
+      <p:pic>
+        <p:nvPicPr>
+          <p:cNvPr id="16" name="Imagen 15">
+            <a:extLst>
+              <a:ext uri="{FF2B5EF4-FFF2-40B4-BE49-F238E27FC236}">
+                <a16:creationId xmlns:a16="http://schemas.microsoft.com/office/drawing/2014/main" id="{BF9224CC-F0AA-49F7-BFB1-D2130500CB02}"/>
+              </a:ext>
+            </a:extLst>
+          </p:cNvPr>
+          <p:cNvPicPr>
+            <a:picLocks noChangeAspect="1"/>
+          </p:cNvPicPr>
+          <p:nvPr/>
+        </p:nvPicPr>
+        <p:blipFill>
+          <a:blip r:embed="rId5"/>
+          <a:stretch>
+            <a:fillRect/>
+          </a:stretch>
+        </p:blipFill>
+        <p:spPr>
+          <a:xfrm>
+            <a:off x="234550" y="2358547"/>
+            <a:ext cx="3308585" cy="915769"/>
+          </a:xfrm>
+          <a:prstGeom prst="rect">
+            <a:avLst/>
+          </a:prstGeom>
+          <a:effectLst>
+            <a:glow rad="25400">
+              <a:schemeClr val="bg1">
+                <a:alpha val="40000"/>
+              </a:schemeClr>
+            </a:glow>
+          </a:effectLst>
+        </p:spPr>
+      </p:pic>
+      <p:pic>
+        <p:nvPicPr>
+          <p:cNvPr id="17" name="Imagen 16">
+            <a:extLst>
+              <a:ext uri="{FF2B5EF4-FFF2-40B4-BE49-F238E27FC236}">
+                <a16:creationId xmlns:a16="http://schemas.microsoft.com/office/drawing/2014/main" id="{F4BFD28B-3F89-4969-8017-2D353B4E8616}"/>
+              </a:ext>
+            </a:extLst>
+          </p:cNvPr>
+          <p:cNvPicPr>
+            <a:picLocks noChangeAspect="1"/>
+          </p:cNvPicPr>
+          <p:nvPr/>
+        </p:nvPicPr>
+        <p:blipFill>
+          <a:blip r:embed="rId6"/>
+          <a:stretch>
+            <a:fillRect/>
+          </a:stretch>
+        </p:blipFill>
+        <p:spPr>
+          <a:xfrm>
+            <a:off x="220430" y="4402312"/>
+            <a:ext cx="5695950" cy="2124075"/>
+          </a:xfrm>
+          <a:prstGeom prst="rect">
+            <a:avLst/>
+          </a:prstGeom>
+          <a:effectLst>
+            <a:glow rad="25400">
+              <a:schemeClr val="bg1">
+                <a:alpha val="40000"/>
+              </a:schemeClr>
+            </a:glow>
+          </a:effectLst>
+        </p:spPr>
+      </p:pic>
+      <p:sp>
+        <p:nvSpPr>
+          <p:cNvPr id="27" name="CuadroTexto 26">
+            <a:extLst>
+              <a:ext uri="{FF2B5EF4-FFF2-40B4-BE49-F238E27FC236}">
+                <a16:creationId xmlns:a16="http://schemas.microsoft.com/office/drawing/2014/main" id="{C80AB779-E6C3-449A-80EB-6690C83E798F}"/>
+              </a:ext>
+            </a:extLst>
+          </p:cNvPr>
+          <p:cNvSpPr txBox="1"/>
+          <p:nvPr/>
+        </p:nvSpPr>
+        <p:spPr>
+          <a:xfrm>
+            <a:off x="220430" y="4007356"/>
+            <a:ext cx="1376218" cy="369332"/>
+          </a:xfrm>
+          <a:prstGeom prst="rect">
+            <a:avLst/>
+          </a:prstGeom>
+          <a:noFill/>
+        </p:spPr>
+        <p:txBody>
+          <a:bodyPr wrap="square" rtlCol="0">
+            <a:spAutoFit/>
+          </a:bodyPr>
+          <a:lstStyle/>
+          <a:p>
+            <a:r>
+              <a:rPr lang="en-US" dirty="0">
                 <a:solidFill>
-                  <a:srgbClr val="000000"/>
+                  <a:schemeClr val="bg1"/>
                 </a:solidFill>
-                <a:latin typeface="Calibri" panose="020F0502020204030204" pitchFamily="34" charset="0"/>
               </a:rPr>
-              <a:t>Object</a:t>
-            </a:r>
-            <a:r>
-              <a:rPr lang="es-ES" dirty="0">
+              <a:t>Usage:</a:t>
+            </a:r>
+          </a:p>
+        </p:txBody>
+      </p:sp>
+      <p:cxnSp>
+        <p:nvCxnSpPr>
+          <p:cNvPr id="28" name="Conector recto de flecha 27">
+            <a:extLst>
+              <a:ext uri="{FF2B5EF4-FFF2-40B4-BE49-F238E27FC236}">
+                <a16:creationId xmlns:a16="http://schemas.microsoft.com/office/drawing/2014/main" id="{3A1A54ED-7217-460A-A419-52A2A8C6E16D}"/>
+              </a:ext>
+            </a:extLst>
+          </p:cNvPr>
+          <p:cNvCxnSpPr>
+            <a:cxnSpLocks/>
+            <a:stCxn id="16" idx="0"/>
+            <a:endCxn id="13" idx="2"/>
+          </p:cNvCxnSpPr>
+          <p:nvPr/>
+        </p:nvCxnSpPr>
+        <p:spPr>
+          <a:xfrm flipV="1">
+            <a:off x="1888843" y="1593723"/>
+            <a:ext cx="1813929" cy="764824"/>
+          </a:xfrm>
+          <a:prstGeom prst="straightConnector1">
+            <a:avLst/>
+          </a:prstGeom>
+          <a:ln w="12700">
+            <a:solidFill>
+              <a:schemeClr val="bg1"/>
+            </a:solidFill>
+            <a:tailEnd type="triangle"/>
+          </a:ln>
+        </p:spPr>
+        <p:style>
+          <a:lnRef idx="1">
+            <a:schemeClr val="accent1"/>
+          </a:lnRef>
+          <a:fillRef idx="0">
+            <a:schemeClr val="accent1"/>
+          </a:fillRef>
+          <a:effectRef idx="0">
+            <a:schemeClr val="accent1"/>
+          </a:effectRef>
+          <a:fontRef idx="minor">
+            <a:schemeClr val="tx1"/>
+          </a:fontRef>
+        </p:style>
+      </p:cxnSp>
+      <p:sp>
+        <p:nvSpPr>
+          <p:cNvPr id="29" name="CuadroTexto 28">
+            <a:extLst>
+              <a:ext uri="{FF2B5EF4-FFF2-40B4-BE49-F238E27FC236}">
+                <a16:creationId xmlns:a16="http://schemas.microsoft.com/office/drawing/2014/main" id="{6C5D61F4-13D6-441D-8985-28E82A07ACD8}"/>
+              </a:ext>
+            </a:extLst>
+          </p:cNvPr>
+          <p:cNvSpPr txBox="1"/>
+          <p:nvPr/>
+        </p:nvSpPr>
+        <p:spPr>
+          <a:xfrm>
+            <a:off x="4738560" y="1747673"/>
+            <a:ext cx="1376218" cy="369332"/>
+          </a:xfrm>
+          <a:prstGeom prst="rect">
+            <a:avLst/>
+          </a:prstGeom>
+          <a:noFill/>
+        </p:spPr>
+        <p:txBody>
+          <a:bodyPr wrap="square" rtlCol="0">
+            <a:spAutoFit/>
+          </a:bodyPr>
+          <a:lstStyle/>
+          <a:p>
+            <a:r>
+              <a:rPr lang="en-US" dirty="0">
                 <a:solidFill>
-                  <a:srgbClr val="000000"/>
+                  <a:schemeClr val="bg1"/>
                 </a:solidFill>
-                <a:latin typeface="Calibri" panose="020F0502020204030204" pitchFamily="34" charset="0"/>
               </a:rPr>
-              <a:t> </a:t>
-            </a:r>
-            <a:r>
-              <a:rPr lang="es-ES" dirty="0" err="1">
+              <a:t>implements</a:t>
+            </a:r>
+          </a:p>
+        </p:txBody>
+      </p:sp>
+      <p:cxnSp>
+        <p:nvCxnSpPr>
+          <p:cNvPr id="32" name="Conector recto de flecha 31">
+            <a:extLst>
+              <a:ext uri="{FF2B5EF4-FFF2-40B4-BE49-F238E27FC236}">
+                <a16:creationId xmlns:a16="http://schemas.microsoft.com/office/drawing/2014/main" id="{54BAFDE7-80A8-46D7-A8DA-73C79CC1DA06}"/>
+              </a:ext>
+            </a:extLst>
+          </p:cNvPr>
+          <p:cNvCxnSpPr>
+            <a:cxnSpLocks/>
+            <a:stCxn id="15" idx="0"/>
+            <a:endCxn id="13" idx="2"/>
+          </p:cNvCxnSpPr>
+          <p:nvPr/>
+        </p:nvCxnSpPr>
+        <p:spPr>
+          <a:xfrm flipH="1" flipV="1">
+            <a:off x="3702772" y="1593723"/>
+            <a:ext cx="1608004" cy="764825"/>
+          </a:xfrm>
+          <a:prstGeom prst="straightConnector1">
+            <a:avLst/>
+          </a:prstGeom>
+          <a:ln w="12700">
+            <a:solidFill>
+              <a:schemeClr val="bg1"/>
+            </a:solidFill>
+            <a:tailEnd type="triangle"/>
+          </a:ln>
+        </p:spPr>
+        <p:style>
+          <a:lnRef idx="1">
+            <a:schemeClr val="accent1"/>
+          </a:lnRef>
+          <a:fillRef idx="0">
+            <a:schemeClr val="accent1"/>
+          </a:fillRef>
+          <a:effectRef idx="0">
+            <a:schemeClr val="accent1"/>
+          </a:effectRef>
+          <a:fontRef idx="minor">
+            <a:schemeClr val="tx1"/>
+          </a:fontRef>
+        </p:style>
+      </p:cxnSp>
+      <p:sp>
+        <p:nvSpPr>
+          <p:cNvPr id="36" name="CuadroTexto 35">
+            <a:extLst>
+              <a:ext uri="{FF2B5EF4-FFF2-40B4-BE49-F238E27FC236}">
+                <a16:creationId xmlns:a16="http://schemas.microsoft.com/office/drawing/2014/main" id="{9584946C-1ABD-49B7-9E74-6778D71B8931}"/>
+              </a:ext>
+            </a:extLst>
+          </p:cNvPr>
+          <p:cNvSpPr txBox="1"/>
+          <p:nvPr/>
+        </p:nvSpPr>
+        <p:spPr>
+          <a:xfrm>
+            <a:off x="1249275" y="1747673"/>
+            <a:ext cx="1376218" cy="369332"/>
+          </a:xfrm>
+          <a:prstGeom prst="rect">
+            <a:avLst/>
+          </a:prstGeom>
+          <a:noFill/>
+        </p:spPr>
+        <p:txBody>
+          <a:bodyPr wrap="square" rtlCol="0">
+            <a:spAutoFit/>
+          </a:bodyPr>
+          <a:lstStyle/>
+          <a:p>
+            <a:r>
+              <a:rPr lang="en-US" dirty="0">
                 <a:solidFill>
-                  <a:srgbClr val="000000"/>
+                  <a:schemeClr val="bg1"/>
                 </a:solidFill>
-                <a:latin typeface="Calibri" panose="020F0502020204030204" pitchFamily="34" charset="0"/>
               </a:rPr>
-              <a:t>pattern</a:t>
-            </a:r>
-            <a:endParaRPr lang="en-US" dirty="0"/>
+              <a:t>implements</a:t>
+            </a:r>
+          </a:p>
+        </p:txBody>
+      </p:sp>
+      <p:cxnSp>
+        <p:nvCxnSpPr>
+          <p:cNvPr id="37" name="Conector recto de flecha 36">
+            <a:extLst>
+              <a:ext uri="{FF2B5EF4-FFF2-40B4-BE49-F238E27FC236}">
+                <a16:creationId xmlns:a16="http://schemas.microsoft.com/office/drawing/2014/main" id="{F33C09D8-47E5-497E-A508-0BB69A63CB87}"/>
+              </a:ext>
+            </a:extLst>
+          </p:cNvPr>
+          <p:cNvCxnSpPr>
+            <a:cxnSpLocks/>
+            <a:stCxn id="7" idx="1"/>
+            <a:endCxn id="15" idx="3"/>
+          </p:cNvCxnSpPr>
+          <p:nvPr/>
+        </p:nvCxnSpPr>
+        <p:spPr>
+          <a:xfrm flipH="1">
+            <a:off x="6918780" y="2816433"/>
+            <a:ext cx="1257245" cy="0"/>
+          </a:xfrm>
+          <a:prstGeom prst="straightConnector1">
+            <a:avLst/>
+          </a:prstGeom>
+          <a:ln w="12700">
+            <a:solidFill>
+              <a:schemeClr val="bg1"/>
+            </a:solidFill>
+            <a:tailEnd type="triangle"/>
+          </a:ln>
+        </p:spPr>
+        <p:style>
+          <a:lnRef idx="1">
+            <a:schemeClr val="accent1"/>
+          </a:lnRef>
+          <a:fillRef idx="0">
+            <a:schemeClr val="accent1"/>
+          </a:fillRef>
+          <a:effectRef idx="0">
+            <a:schemeClr val="accent1"/>
+          </a:effectRef>
+          <a:fontRef idx="minor">
+            <a:schemeClr val="tx1"/>
+          </a:fontRef>
+        </p:style>
+      </p:cxnSp>
+      <p:sp>
+        <p:nvSpPr>
+          <p:cNvPr id="43" name="CuadroTexto 42">
+            <a:extLst>
+              <a:ext uri="{FF2B5EF4-FFF2-40B4-BE49-F238E27FC236}">
+                <a16:creationId xmlns:a16="http://schemas.microsoft.com/office/drawing/2014/main" id="{9194DB71-63AB-401A-BE6D-85B024946DBE}"/>
+              </a:ext>
+            </a:extLst>
+          </p:cNvPr>
+          <p:cNvSpPr txBox="1"/>
+          <p:nvPr/>
+        </p:nvSpPr>
+        <p:spPr>
+          <a:xfrm>
+            <a:off x="7078417" y="2491377"/>
+            <a:ext cx="1376218" cy="369332"/>
+          </a:xfrm>
+          <a:prstGeom prst="rect">
+            <a:avLst/>
+          </a:prstGeom>
+          <a:noFill/>
+        </p:spPr>
+        <p:txBody>
+          <a:bodyPr wrap="square" rtlCol="0">
+            <a:spAutoFit/>
+          </a:bodyPr>
+          <a:lstStyle/>
+          <a:p>
+            <a:r>
+              <a:rPr lang="en-US" dirty="0">
+                <a:solidFill>
+                  <a:schemeClr val="bg1"/>
+                </a:solidFill>
+              </a:rPr>
+              <a:t>executes</a:t>
+            </a:r>
           </a:p>
         </p:txBody>
       </p:sp>
     </p:spTree>
     <p:extLst>
       <p:ext uri="{BB962C8B-B14F-4D97-AF65-F5344CB8AC3E}">
-        <p14:creationId xmlns:p14="http://schemas.microsoft.com/office/powerpoint/2010/main" val="2983471730"/>
+        <p14:creationId xmlns:p14="http://schemas.microsoft.com/office/powerpoint/2010/main" val="4059487831"/>
       </p:ext>
     </p:extLst>
   </p:cSld>
@@ -10489,6 +10791,874 @@
       </p:grpSpPr>
       <p:sp>
         <p:nvSpPr>
+          <p:cNvPr id="19" name="CuadroTexto 18">
+            <a:extLst>
+              <a:ext uri="{FF2B5EF4-FFF2-40B4-BE49-F238E27FC236}">
+                <a16:creationId xmlns:a16="http://schemas.microsoft.com/office/drawing/2014/main" id="{A96312D1-C027-407A-96BD-2EF07177E281}"/>
+              </a:ext>
+            </a:extLst>
+          </p:cNvPr>
+          <p:cNvSpPr txBox="1"/>
+          <p:nvPr/>
+        </p:nvSpPr>
+        <p:spPr>
+          <a:xfrm>
+            <a:off x="277441" y="3087902"/>
+            <a:ext cx="5675684" cy="3609235"/>
+          </a:xfrm>
+          <a:prstGeom prst="rect">
+            <a:avLst/>
+          </a:prstGeom>
+          <a:noFill/>
+          <a:ln>
+            <a:solidFill>
+              <a:schemeClr val="bg1"/>
+            </a:solidFill>
+          </a:ln>
+        </p:spPr>
+        <p:txBody>
+          <a:bodyPr wrap="square" rtlCol="0">
+            <a:spAutoFit/>
+          </a:bodyPr>
+          <a:lstStyle/>
+          <a:p>
+            <a:endParaRPr lang="en-US" dirty="0"/>
+          </a:p>
+        </p:txBody>
+      </p:sp>
+      <p:pic>
+        <p:nvPicPr>
+          <p:cNvPr id="5" name="Imagen 4">
+            <a:extLst>
+              <a:ext uri="{FF2B5EF4-FFF2-40B4-BE49-F238E27FC236}">
+                <a16:creationId xmlns:a16="http://schemas.microsoft.com/office/drawing/2014/main" id="{1F28F35C-9F8B-4E76-86E9-350415B88C79}"/>
+              </a:ext>
+            </a:extLst>
+          </p:cNvPr>
+          <p:cNvPicPr>
+            <a:picLocks noChangeAspect="1"/>
+          </p:cNvPicPr>
+          <p:nvPr/>
+        </p:nvPicPr>
+        <p:blipFill>
+          <a:blip r:embed="rId2"/>
+          <a:stretch>
+            <a:fillRect/>
+          </a:stretch>
+        </p:blipFill>
+        <p:spPr>
+          <a:xfrm>
+            <a:off x="797883" y="1225868"/>
+            <a:ext cx="4287752" cy="969928"/>
+          </a:xfrm>
+          <a:prstGeom prst="rect">
+            <a:avLst/>
+          </a:prstGeom>
+          <a:effectLst>
+            <a:glow rad="25400">
+              <a:schemeClr val="bg1">
+                <a:alpha val="40000"/>
+              </a:schemeClr>
+            </a:glow>
+          </a:effectLst>
+        </p:spPr>
+      </p:pic>
+      <p:pic>
+        <p:nvPicPr>
+          <p:cNvPr id="3" name="Imagen 2">
+            <a:extLst>
+              <a:ext uri="{FF2B5EF4-FFF2-40B4-BE49-F238E27FC236}">
+                <a16:creationId xmlns:a16="http://schemas.microsoft.com/office/drawing/2014/main" id="{9C1B9B4B-60A9-4422-9C3A-3CD098F4505A}"/>
+              </a:ext>
+            </a:extLst>
+          </p:cNvPr>
+          <p:cNvPicPr>
+            <a:picLocks noChangeAspect="1"/>
+          </p:cNvPicPr>
+          <p:nvPr/>
+        </p:nvPicPr>
+        <p:blipFill>
+          <a:blip r:embed="rId3"/>
+          <a:stretch>
+            <a:fillRect/>
+          </a:stretch>
+        </p:blipFill>
+        <p:spPr>
+          <a:xfrm>
+            <a:off x="345048" y="3127409"/>
+            <a:ext cx="5253753" cy="488881"/>
+          </a:xfrm>
+          <a:prstGeom prst="rect">
+            <a:avLst/>
+          </a:prstGeom>
+          <a:effectLst>
+            <a:glow>
+              <a:schemeClr val="bg1">
+                <a:alpha val="40000"/>
+              </a:schemeClr>
+            </a:glow>
+          </a:effectLst>
+        </p:spPr>
+      </p:pic>
+      <p:pic>
+        <p:nvPicPr>
+          <p:cNvPr id="4" name="Imagen 3">
+            <a:extLst>
+              <a:ext uri="{FF2B5EF4-FFF2-40B4-BE49-F238E27FC236}">
+                <a16:creationId xmlns:a16="http://schemas.microsoft.com/office/drawing/2014/main" id="{C36C44D5-9D26-4140-9030-A25266CFEACE}"/>
+              </a:ext>
+            </a:extLst>
+          </p:cNvPr>
+          <p:cNvPicPr>
+            <a:picLocks noChangeAspect="1"/>
+          </p:cNvPicPr>
+          <p:nvPr/>
+        </p:nvPicPr>
+        <p:blipFill>
+          <a:blip r:embed="rId4"/>
+          <a:stretch>
+            <a:fillRect/>
+          </a:stretch>
+        </p:blipFill>
+        <p:spPr>
+          <a:xfrm>
+            <a:off x="1339827" y="1917666"/>
+            <a:ext cx="4516224" cy="971158"/>
+          </a:xfrm>
+          <a:prstGeom prst="rect">
+            <a:avLst/>
+          </a:prstGeom>
+          <a:effectLst>
+            <a:glow rad="25400">
+              <a:schemeClr val="bg1">
+                <a:alpha val="40000"/>
+              </a:schemeClr>
+            </a:glow>
+          </a:effectLst>
+        </p:spPr>
+      </p:pic>
+      <p:pic>
+        <p:nvPicPr>
+          <p:cNvPr id="9" name="Imagen 8">
+            <a:extLst>
+              <a:ext uri="{FF2B5EF4-FFF2-40B4-BE49-F238E27FC236}">
+                <a16:creationId xmlns:a16="http://schemas.microsoft.com/office/drawing/2014/main" id="{49F94EEA-BD17-488E-8959-1BDE76060086}"/>
+              </a:ext>
+            </a:extLst>
+          </p:cNvPr>
+          <p:cNvPicPr>
+            <a:picLocks noChangeAspect="1"/>
+          </p:cNvPicPr>
+          <p:nvPr/>
+        </p:nvPicPr>
+        <p:blipFill>
+          <a:blip r:embed="rId5"/>
+          <a:stretch>
+            <a:fillRect/>
+          </a:stretch>
+        </p:blipFill>
+        <p:spPr>
+          <a:xfrm>
+            <a:off x="1487759" y="160863"/>
+            <a:ext cx="2908000" cy="573633"/>
+          </a:xfrm>
+          <a:prstGeom prst="rect">
+            <a:avLst/>
+          </a:prstGeom>
+          <a:effectLst>
+            <a:glow rad="25400">
+              <a:schemeClr val="bg1">
+                <a:alpha val="40000"/>
+              </a:schemeClr>
+            </a:glow>
+          </a:effectLst>
+        </p:spPr>
+      </p:pic>
+      <p:pic>
+        <p:nvPicPr>
+          <p:cNvPr id="14" name="Imagen 13">
+            <a:extLst>
+              <a:ext uri="{FF2B5EF4-FFF2-40B4-BE49-F238E27FC236}">
+                <a16:creationId xmlns:a16="http://schemas.microsoft.com/office/drawing/2014/main" id="{E0E785AA-AFC8-4D14-8DD6-DA69DB1D5C3D}"/>
+              </a:ext>
+            </a:extLst>
+          </p:cNvPr>
+          <p:cNvPicPr>
+            <a:picLocks noChangeAspect="1"/>
+          </p:cNvPicPr>
+          <p:nvPr/>
+        </p:nvPicPr>
+        <p:blipFill>
+          <a:blip r:embed="rId6"/>
+          <a:stretch>
+            <a:fillRect/>
+          </a:stretch>
+        </p:blipFill>
+        <p:spPr>
+          <a:xfrm>
+            <a:off x="7235443" y="3087902"/>
+            <a:ext cx="4287753" cy="1843117"/>
+          </a:xfrm>
+          <a:prstGeom prst="rect">
+            <a:avLst/>
+          </a:prstGeom>
+          <a:effectLst>
+            <a:glow rad="25400">
+              <a:schemeClr val="bg1">
+                <a:alpha val="40000"/>
+              </a:schemeClr>
+            </a:glow>
+          </a:effectLst>
+        </p:spPr>
+      </p:pic>
+      <p:pic>
+        <p:nvPicPr>
+          <p:cNvPr id="16" name="Imagen 15">
+            <a:extLst>
+              <a:ext uri="{FF2B5EF4-FFF2-40B4-BE49-F238E27FC236}">
+                <a16:creationId xmlns:a16="http://schemas.microsoft.com/office/drawing/2014/main" id="{E2574B5B-77DE-464E-B6B5-321D05E8DDCF}"/>
+              </a:ext>
+            </a:extLst>
+          </p:cNvPr>
+          <p:cNvPicPr>
+            <a:picLocks noChangeAspect="1"/>
+          </p:cNvPicPr>
+          <p:nvPr/>
+        </p:nvPicPr>
+        <p:blipFill>
+          <a:blip r:embed="rId7"/>
+          <a:stretch>
+            <a:fillRect/>
+          </a:stretch>
+        </p:blipFill>
+        <p:spPr>
+          <a:xfrm>
+            <a:off x="6731370" y="165207"/>
+            <a:ext cx="5295901" cy="2445957"/>
+          </a:xfrm>
+          <a:prstGeom prst="rect">
+            <a:avLst/>
+          </a:prstGeom>
+          <a:effectLst>
+            <a:glow rad="25400">
+              <a:schemeClr val="bg1">
+                <a:alpha val="40000"/>
+              </a:schemeClr>
+            </a:glow>
+          </a:effectLst>
+        </p:spPr>
+      </p:pic>
+      <p:pic>
+        <p:nvPicPr>
+          <p:cNvPr id="18" name="Imagen 17">
+            <a:extLst>
+              <a:ext uri="{FF2B5EF4-FFF2-40B4-BE49-F238E27FC236}">
+                <a16:creationId xmlns:a16="http://schemas.microsoft.com/office/drawing/2014/main" id="{0B0AB996-6C12-4098-B73D-617DC9134067}"/>
+              </a:ext>
+            </a:extLst>
+          </p:cNvPr>
+          <p:cNvPicPr>
+            <a:picLocks noChangeAspect="1"/>
+          </p:cNvPicPr>
+          <p:nvPr/>
+        </p:nvPicPr>
+        <p:blipFill>
+          <a:blip r:embed="rId8"/>
+          <a:stretch>
+            <a:fillRect/>
+          </a:stretch>
+        </p:blipFill>
+        <p:spPr>
+          <a:xfrm>
+            <a:off x="345048" y="3655797"/>
+            <a:ext cx="5253754" cy="2780996"/>
+          </a:xfrm>
+          <a:prstGeom prst="rect">
+            <a:avLst/>
+          </a:prstGeom>
+        </p:spPr>
+      </p:pic>
+      <p:sp>
+        <p:nvSpPr>
+          <p:cNvPr id="25" name="CuadroTexto 24">
+            <a:extLst>
+              <a:ext uri="{FF2B5EF4-FFF2-40B4-BE49-F238E27FC236}">
+                <a16:creationId xmlns:a16="http://schemas.microsoft.com/office/drawing/2014/main" id="{B6FBF2F1-EAB1-495D-AD6F-27A42C4E8F45}"/>
+              </a:ext>
+            </a:extLst>
+          </p:cNvPr>
+          <p:cNvSpPr txBox="1"/>
+          <p:nvPr/>
+        </p:nvSpPr>
+        <p:spPr>
+          <a:xfrm>
+            <a:off x="2909830" y="820228"/>
+            <a:ext cx="1376218" cy="369332"/>
+          </a:xfrm>
+          <a:prstGeom prst="rect">
+            <a:avLst/>
+          </a:prstGeom>
+          <a:noFill/>
+        </p:spPr>
+        <p:txBody>
+          <a:bodyPr wrap="square" rtlCol="0">
+            <a:spAutoFit/>
+          </a:bodyPr>
+          <a:lstStyle/>
+          <a:p>
+            <a:r>
+              <a:rPr lang="en-US" dirty="0">
+                <a:solidFill>
+                  <a:schemeClr val="bg1"/>
+                </a:solidFill>
+              </a:rPr>
+              <a:t>implements</a:t>
+            </a:r>
+          </a:p>
+        </p:txBody>
+      </p:sp>
+      <p:cxnSp>
+        <p:nvCxnSpPr>
+          <p:cNvPr id="27" name="Conector recto de flecha 26">
+            <a:extLst>
+              <a:ext uri="{FF2B5EF4-FFF2-40B4-BE49-F238E27FC236}">
+                <a16:creationId xmlns:a16="http://schemas.microsoft.com/office/drawing/2014/main" id="{88EC44E3-2AD7-4D4C-9534-8FD067DCA220}"/>
+              </a:ext>
+            </a:extLst>
+          </p:cNvPr>
+          <p:cNvCxnSpPr>
+            <a:cxnSpLocks/>
+            <a:stCxn id="5" idx="0"/>
+            <a:endCxn id="9" idx="2"/>
+          </p:cNvCxnSpPr>
+          <p:nvPr/>
+        </p:nvCxnSpPr>
+        <p:spPr>
+          <a:xfrm flipV="1">
+            <a:off x="2941759" y="734496"/>
+            <a:ext cx="0" cy="491372"/>
+          </a:xfrm>
+          <a:prstGeom prst="straightConnector1">
+            <a:avLst/>
+          </a:prstGeom>
+          <a:ln w="12700">
+            <a:solidFill>
+              <a:schemeClr val="bg1"/>
+            </a:solidFill>
+            <a:tailEnd type="triangle"/>
+          </a:ln>
+        </p:spPr>
+        <p:style>
+          <a:lnRef idx="1">
+            <a:schemeClr val="accent1"/>
+          </a:lnRef>
+          <a:fillRef idx="0">
+            <a:schemeClr val="accent1"/>
+          </a:fillRef>
+          <a:effectRef idx="0">
+            <a:schemeClr val="accent1"/>
+          </a:effectRef>
+          <a:fontRef idx="minor">
+            <a:schemeClr val="tx1"/>
+          </a:fontRef>
+        </p:style>
+      </p:cxnSp>
+      <p:cxnSp>
+        <p:nvCxnSpPr>
+          <p:cNvPr id="34" name="Conector recto de flecha 33">
+            <a:extLst>
+              <a:ext uri="{FF2B5EF4-FFF2-40B4-BE49-F238E27FC236}">
+                <a16:creationId xmlns:a16="http://schemas.microsoft.com/office/drawing/2014/main" id="{77211730-336B-4475-92D1-978E8AE483D7}"/>
+              </a:ext>
+            </a:extLst>
+          </p:cNvPr>
+          <p:cNvCxnSpPr>
+            <a:cxnSpLocks/>
+            <a:stCxn id="16" idx="1"/>
+            <a:endCxn id="5" idx="3"/>
+          </p:cNvCxnSpPr>
+          <p:nvPr/>
+        </p:nvCxnSpPr>
+        <p:spPr>
+          <a:xfrm flipH="1">
+            <a:off x="5085635" y="1388186"/>
+            <a:ext cx="1645735" cy="322646"/>
+          </a:xfrm>
+          <a:prstGeom prst="straightConnector1">
+            <a:avLst/>
+          </a:prstGeom>
+          <a:ln w="12700">
+            <a:solidFill>
+              <a:schemeClr val="bg1"/>
+            </a:solidFill>
+            <a:tailEnd type="triangle"/>
+          </a:ln>
+        </p:spPr>
+        <p:style>
+          <a:lnRef idx="1">
+            <a:schemeClr val="accent1"/>
+          </a:lnRef>
+          <a:fillRef idx="0">
+            <a:schemeClr val="accent1"/>
+          </a:fillRef>
+          <a:effectRef idx="0">
+            <a:schemeClr val="accent1"/>
+          </a:effectRef>
+          <a:fontRef idx="minor">
+            <a:schemeClr val="tx1"/>
+          </a:fontRef>
+        </p:style>
+      </p:cxnSp>
+      <p:sp>
+        <p:nvSpPr>
+          <p:cNvPr id="35" name="CuadroTexto 34">
+            <a:extLst>
+              <a:ext uri="{FF2B5EF4-FFF2-40B4-BE49-F238E27FC236}">
+                <a16:creationId xmlns:a16="http://schemas.microsoft.com/office/drawing/2014/main" id="{C400614D-3218-4E37-9650-3A63BC3DE8EB}"/>
+              </a:ext>
+            </a:extLst>
+          </p:cNvPr>
+          <p:cNvSpPr txBox="1"/>
+          <p:nvPr/>
+        </p:nvSpPr>
+        <p:spPr>
+          <a:xfrm rot="20924205">
+            <a:off x="5469464" y="1159486"/>
+            <a:ext cx="1376218" cy="369332"/>
+          </a:xfrm>
+          <a:prstGeom prst="rect">
+            <a:avLst/>
+          </a:prstGeom>
+          <a:noFill/>
+        </p:spPr>
+        <p:txBody>
+          <a:bodyPr wrap="square" rtlCol="0">
+            <a:spAutoFit/>
+          </a:bodyPr>
+          <a:lstStyle/>
+          <a:p>
+            <a:r>
+              <a:rPr lang="en-US" dirty="0">
+                <a:solidFill>
+                  <a:schemeClr val="bg1"/>
+                </a:solidFill>
+              </a:rPr>
+              <a:t>executes</a:t>
+            </a:r>
+          </a:p>
+        </p:txBody>
+      </p:sp>
+      <p:cxnSp>
+        <p:nvCxnSpPr>
+          <p:cNvPr id="38" name="Conector recto de flecha 37">
+            <a:extLst>
+              <a:ext uri="{FF2B5EF4-FFF2-40B4-BE49-F238E27FC236}">
+                <a16:creationId xmlns:a16="http://schemas.microsoft.com/office/drawing/2014/main" id="{074459B3-FE79-42A2-9A9E-C03EC6F7E472}"/>
+              </a:ext>
+            </a:extLst>
+          </p:cNvPr>
+          <p:cNvCxnSpPr>
+            <a:cxnSpLocks/>
+            <a:stCxn id="16" idx="1"/>
+            <a:endCxn id="4" idx="3"/>
+          </p:cNvCxnSpPr>
+          <p:nvPr/>
+        </p:nvCxnSpPr>
+        <p:spPr>
+          <a:xfrm flipH="1">
+            <a:off x="5856051" y="1388186"/>
+            <a:ext cx="875319" cy="1015059"/>
+          </a:xfrm>
+          <a:prstGeom prst="straightConnector1">
+            <a:avLst/>
+          </a:prstGeom>
+          <a:ln w="12700">
+            <a:solidFill>
+              <a:schemeClr val="bg1"/>
+            </a:solidFill>
+            <a:tailEnd type="triangle"/>
+          </a:ln>
+        </p:spPr>
+        <p:style>
+          <a:lnRef idx="1">
+            <a:schemeClr val="accent1"/>
+          </a:lnRef>
+          <a:fillRef idx="0">
+            <a:schemeClr val="accent1"/>
+          </a:fillRef>
+          <a:effectRef idx="0">
+            <a:schemeClr val="accent1"/>
+          </a:effectRef>
+          <a:fontRef idx="minor">
+            <a:schemeClr val="tx1"/>
+          </a:fontRef>
+        </p:style>
+      </p:cxnSp>
+      <p:cxnSp>
+        <p:nvCxnSpPr>
+          <p:cNvPr id="48" name="Conector recto de flecha 47">
+            <a:extLst>
+              <a:ext uri="{FF2B5EF4-FFF2-40B4-BE49-F238E27FC236}">
+                <a16:creationId xmlns:a16="http://schemas.microsoft.com/office/drawing/2014/main" id="{CADF5784-5FC3-40D6-BB19-FC72C0D9D2F5}"/>
+              </a:ext>
+              <a:ext uri="{C183D7F6-B498-43B3-948B-1728B52AA6E4}">
+                <adec:decorative xmlns:adec="http://schemas.microsoft.com/office/drawing/2017/decorative" val="0"/>
+              </a:ext>
+            </a:extLst>
+          </p:cNvPr>
+          <p:cNvCxnSpPr>
+            <a:cxnSpLocks/>
+            <a:stCxn id="16" idx="2"/>
+            <a:endCxn id="14" idx="0"/>
+          </p:cNvCxnSpPr>
+          <p:nvPr/>
+        </p:nvCxnSpPr>
+        <p:spPr>
+          <a:xfrm flipH="1">
+            <a:off x="9379320" y="2611164"/>
+            <a:ext cx="1" cy="476738"/>
+          </a:xfrm>
+          <a:prstGeom prst="straightConnector1">
+            <a:avLst/>
+          </a:prstGeom>
+          <a:ln w="12700">
+            <a:solidFill>
+              <a:schemeClr val="bg1"/>
+            </a:solidFill>
+            <a:tailEnd type="triangle"/>
+          </a:ln>
+        </p:spPr>
+        <p:style>
+          <a:lnRef idx="1">
+            <a:schemeClr val="accent1"/>
+          </a:lnRef>
+          <a:fillRef idx="0">
+            <a:schemeClr val="accent1"/>
+          </a:fillRef>
+          <a:effectRef idx="0">
+            <a:schemeClr val="accent1"/>
+          </a:effectRef>
+          <a:fontRef idx="minor">
+            <a:schemeClr val="tx1"/>
+          </a:fontRef>
+        </p:style>
+      </p:cxnSp>
+      <p:sp>
+        <p:nvSpPr>
+          <p:cNvPr id="49" name="CuadroTexto 48">
+            <a:extLst>
+              <a:ext uri="{FF2B5EF4-FFF2-40B4-BE49-F238E27FC236}">
+                <a16:creationId xmlns:a16="http://schemas.microsoft.com/office/drawing/2014/main" id="{863B58CB-9D32-47A7-AAAD-1480E6429863}"/>
+              </a:ext>
+            </a:extLst>
+          </p:cNvPr>
+          <p:cNvSpPr txBox="1"/>
+          <p:nvPr/>
+        </p:nvSpPr>
+        <p:spPr>
+          <a:xfrm>
+            <a:off x="9379319" y="2641505"/>
+            <a:ext cx="1376218" cy="338554"/>
+          </a:xfrm>
+          <a:prstGeom prst="rect">
+            <a:avLst/>
+          </a:prstGeom>
+          <a:noFill/>
+        </p:spPr>
+        <p:txBody>
+          <a:bodyPr wrap="square" rtlCol="0">
+            <a:spAutoFit/>
+          </a:bodyPr>
+          <a:lstStyle/>
+          <a:p>
+            <a:r>
+              <a:rPr lang="en-US" sz="1600" dirty="0">
+                <a:solidFill>
+                  <a:schemeClr val="bg1"/>
+                </a:solidFill>
+              </a:rPr>
+              <a:t>gets</a:t>
+            </a:r>
+          </a:p>
+        </p:txBody>
+      </p:sp>
+      <p:sp>
+        <p:nvSpPr>
+          <p:cNvPr id="56" name="CuadroTexto 55">
+            <a:extLst>
+              <a:ext uri="{FF2B5EF4-FFF2-40B4-BE49-F238E27FC236}">
+                <a16:creationId xmlns:a16="http://schemas.microsoft.com/office/drawing/2014/main" id="{8E28305B-4A7C-463A-9539-BFD2B83DD84E}"/>
+              </a:ext>
+            </a:extLst>
+          </p:cNvPr>
+          <p:cNvSpPr txBox="1"/>
+          <p:nvPr/>
+        </p:nvSpPr>
+        <p:spPr>
+          <a:xfrm>
+            <a:off x="5216982" y="6358583"/>
+            <a:ext cx="1376218" cy="338554"/>
+          </a:xfrm>
+          <a:prstGeom prst="rect">
+            <a:avLst/>
+          </a:prstGeom>
+          <a:noFill/>
+        </p:spPr>
+        <p:txBody>
+          <a:bodyPr wrap="square" rtlCol="0">
+            <a:spAutoFit/>
+          </a:bodyPr>
+          <a:lstStyle/>
+          <a:p>
+            <a:r>
+              <a:rPr lang="en-US" sz="1600" dirty="0">
+                <a:solidFill>
+                  <a:schemeClr val="bg1"/>
+                </a:solidFill>
+              </a:rPr>
+              <a:t>Usage</a:t>
+            </a:r>
+          </a:p>
+        </p:txBody>
+      </p:sp>
+      <p:sp>
+        <p:nvSpPr>
+          <p:cNvPr id="57" name="CuadroTexto 56">
+            <a:extLst>
+              <a:ext uri="{FF2B5EF4-FFF2-40B4-BE49-F238E27FC236}">
+                <a16:creationId xmlns:a16="http://schemas.microsoft.com/office/drawing/2014/main" id="{74D0A3BB-A078-423C-B55A-B0DF40F77A9B}"/>
+              </a:ext>
+            </a:extLst>
+          </p:cNvPr>
+          <p:cNvSpPr txBox="1"/>
+          <p:nvPr/>
+        </p:nvSpPr>
+        <p:spPr>
+          <a:xfrm>
+            <a:off x="9483407" y="6035417"/>
+            <a:ext cx="3397994" cy="646331"/>
+          </a:xfrm>
+          <a:prstGeom prst="rect">
+            <a:avLst/>
+          </a:prstGeom>
+          <a:noFill/>
+        </p:spPr>
+        <p:txBody>
+          <a:bodyPr wrap="square" rtlCol="0">
+            <a:spAutoFit/>
+          </a:bodyPr>
+          <a:lstStyle/>
+          <a:p>
+            <a:r>
+              <a:rPr lang="en-US" sz="3600" dirty="0">
+                <a:solidFill>
+                  <a:srgbClr val="53A2D3"/>
+                </a:solidFill>
+              </a:rPr>
+              <a:t>Mundo real</a:t>
+            </a:r>
+          </a:p>
+        </p:txBody>
+      </p:sp>
+    </p:spTree>
+    <p:extLst>
+      <p:ext uri="{BB962C8B-B14F-4D97-AF65-F5344CB8AC3E}">
+        <p14:creationId xmlns:p14="http://schemas.microsoft.com/office/powerpoint/2010/main" val="2514131287"/>
+      </p:ext>
+    </p:extLst>
+  </p:cSld>
+  <p:clrMapOvr>
+    <a:masterClrMapping/>
+  </p:clrMapOvr>
+</p:sld>
+</file>
+
+<file path=ppt/slides/slide33.xml><?xml version="1.0" encoding="utf-8"?>
+<p:sld xmlns:a="http://schemas.openxmlformats.org/drawingml/2006/main" xmlns:r="http://schemas.openxmlformats.org/officeDocument/2006/relationships" xmlns:p="http://schemas.openxmlformats.org/presentationml/2006/main">
+  <p:cSld>
+    <p:spTree>
+      <p:nvGrpSpPr>
+        <p:cNvPr id="1" name=""/>
+        <p:cNvGrpSpPr/>
+        <p:nvPr/>
+      </p:nvGrpSpPr>
+      <p:grpSpPr>
+        <a:xfrm>
+          <a:off x="0" y="0"/>
+          <a:ext cx="0" cy="0"/>
+          <a:chOff x="0" y="0"/>
+          <a:chExt cx="0" cy="0"/>
+        </a:xfrm>
+      </p:grpSpPr>
+      <p:sp>
+        <p:nvSpPr>
+          <p:cNvPr id="2" name="Título 1">
+            <a:extLst>
+              <a:ext uri="{FF2B5EF4-FFF2-40B4-BE49-F238E27FC236}">
+                <a16:creationId xmlns:a16="http://schemas.microsoft.com/office/drawing/2014/main" id="{73A2909B-13B3-4614-9321-16AF10F4286A}"/>
+              </a:ext>
+            </a:extLst>
+          </p:cNvPr>
+          <p:cNvSpPr>
+            <a:spLocks noGrp="1"/>
+          </p:cNvSpPr>
+          <p:nvPr>
+            <p:ph type="title"/>
+          </p:nvPr>
+        </p:nvSpPr>
+        <p:spPr>
+          <a:xfrm>
+            <a:off x="838200" y="2103437"/>
+            <a:ext cx="10515600" cy="1325563"/>
+          </a:xfrm>
+        </p:spPr>
+        <p:txBody>
+          <a:bodyPr/>
+          <a:lstStyle/>
+          <a:p>
+            <a:r>
+              <a:rPr lang="en-US" dirty="0"/>
+              <a:t>UI Patterns</a:t>
+            </a:r>
+          </a:p>
+        </p:txBody>
+      </p:sp>
+    </p:spTree>
+    <p:extLst>
+      <p:ext uri="{BB962C8B-B14F-4D97-AF65-F5344CB8AC3E}">
+        <p14:creationId xmlns:p14="http://schemas.microsoft.com/office/powerpoint/2010/main" val="2266296736"/>
+      </p:ext>
+    </p:extLst>
+  </p:cSld>
+  <p:clrMapOvr>
+    <a:masterClrMapping/>
+  </p:clrMapOvr>
+</p:sld>
+</file>
+
+<file path=ppt/slides/slide34.xml><?xml version="1.0" encoding="utf-8"?>
+<p:sld xmlns:a="http://schemas.openxmlformats.org/drawingml/2006/main" xmlns:r="http://schemas.openxmlformats.org/officeDocument/2006/relationships" xmlns:p="http://schemas.openxmlformats.org/presentationml/2006/main">
+  <p:cSld>
+    <p:spTree>
+      <p:nvGrpSpPr>
+        <p:cNvPr id="1" name=""/>
+        <p:cNvGrpSpPr/>
+        <p:nvPr/>
+      </p:nvGrpSpPr>
+      <p:grpSpPr>
+        <a:xfrm>
+          <a:off x="0" y="0"/>
+          <a:ext cx="0" cy="0"/>
+          <a:chOff x="0" y="0"/>
+          <a:chExt cx="0" cy="0"/>
+        </a:xfrm>
+      </p:grpSpPr>
+      <p:sp>
+        <p:nvSpPr>
+          <p:cNvPr id="2" name="Título 1">
+            <a:extLst>
+              <a:ext uri="{FF2B5EF4-FFF2-40B4-BE49-F238E27FC236}">
+                <a16:creationId xmlns:a16="http://schemas.microsoft.com/office/drawing/2014/main" id="{51E579E3-4D4D-4391-A4DB-77F6C6DD84BE}"/>
+              </a:ext>
+            </a:extLst>
+          </p:cNvPr>
+          <p:cNvSpPr>
+            <a:spLocks noGrp="1"/>
+          </p:cNvSpPr>
+          <p:nvPr>
+            <p:ph type="title"/>
+          </p:nvPr>
+        </p:nvSpPr>
+        <p:spPr>
+          <a:xfrm>
+            <a:off x="900344" y="2766218"/>
+            <a:ext cx="10515600" cy="1325563"/>
+          </a:xfrm>
+        </p:spPr>
+        <p:txBody>
+          <a:bodyPr/>
+          <a:lstStyle/>
+          <a:p>
+            <a:r>
+              <a:rPr lang="es-ES" dirty="0">
+                <a:solidFill>
+                  <a:srgbClr val="000000"/>
+                </a:solidFill>
+                <a:latin typeface="Calibri" panose="020F0502020204030204" pitchFamily="34" charset="0"/>
+              </a:rPr>
+              <a:t>Page-</a:t>
+            </a:r>
+            <a:r>
+              <a:rPr lang="es-ES" dirty="0" err="1">
+                <a:solidFill>
+                  <a:srgbClr val="000000"/>
+                </a:solidFill>
+                <a:latin typeface="Calibri" panose="020F0502020204030204" pitchFamily="34" charset="0"/>
+              </a:rPr>
+              <a:t>Object</a:t>
+            </a:r>
+            <a:r>
+              <a:rPr lang="es-ES" dirty="0">
+                <a:solidFill>
+                  <a:srgbClr val="000000"/>
+                </a:solidFill>
+                <a:latin typeface="Calibri" panose="020F0502020204030204" pitchFamily="34" charset="0"/>
+              </a:rPr>
+              <a:t> </a:t>
+            </a:r>
+            <a:r>
+              <a:rPr lang="es-ES" dirty="0" err="1">
+                <a:solidFill>
+                  <a:srgbClr val="000000"/>
+                </a:solidFill>
+                <a:latin typeface="Calibri" panose="020F0502020204030204" pitchFamily="34" charset="0"/>
+              </a:rPr>
+              <a:t>pattern</a:t>
+            </a:r>
+            <a:endParaRPr lang="en-US" dirty="0"/>
+          </a:p>
+        </p:txBody>
+      </p:sp>
+    </p:spTree>
+    <p:extLst>
+      <p:ext uri="{BB962C8B-B14F-4D97-AF65-F5344CB8AC3E}">
+        <p14:creationId xmlns:p14="http://schemas.microsoft.com/office/powerpoint/2010/main" val="2983471730"/>
+      </p:ext>
+    </p:extLst>
+  </p:cSld>
+  <p:clrMapOvr>
+    <a:masterClrMapping/>
+  </p:clrMapOvr>
+</p:sld>
+</file>
+
+<file path=ppt/slides/slide35.xml><?xml version="1.0" encoding="utf-8"?>
+<p:sld xmlns:a="http://schemas.openxmlformats.org/drawingml/2006/main" xmlns:r="http://schemas.openxmlformats.org/officeDocument/2006/relationships" xmlns:p="http://schemas.openxmlformats.org/presentationml/2006/main">
+  <p:cSld>
+    <p:bg>
+      <p:bgPr>
+        <a:solidFill>
+          <a:srgbClr val="1E1E1E"/>
+        </a:solidFill>
+        <a:effectLst/>
+      </p:bgPr>
+    </p:bg>
+    <p:spTree>
+      <p:nvGrpSpPr>
+        <p:cNvPr id="1" name=""/>
+        <p:cNvGrpSpPr/>
+        <p:nvPr/>
+      </p:nvGrpSpPr>
+      <p:grpSpPr>
+        <a:xfrm>
+          <a:off x="0" y="0"/>
+          <a:ext cx="0" cy="0"/>
+          <a:chOff x="0" y="0"/>
+          <a:chExt cx="0" cy="0"/>
+        </a:xfrm>
+      </p:grpSpPr>
+      <p:sp>
+        <p:nvSpPr>
           <p:cNvPr id="31" name="CuadroTexto 30">
             <a:extLst>
               <a:ext uri="{FF2B5EF4-FFF2-40B4-BE49-F238E27FC236}">
@@ -10826,7 +11996,7 @@
 </p:sld>
 </file>
 
-<file path=ppt/slides/slide33.xml><?xml version="1.0" encoding="utf-8"?>
+<file path=ppt/slides/slide36.xml><?xml version="1.0" encoding="utf-8"?>
 <p:sld xmlns:a="http://schemas.openxmlformats.org/drawingml/2006/main" xmlns:r="http://schemas.openxmlformats.org/officeDocument/2006/relationships" xmlns:p="http://schemas.openxmlformats.org/presentationml/2006/main">
   <p:cSld>
     <p:bg>
@@ -11185,7 +12355,7 @@
 </p:sld>
 </file>
 
-<file path=ppt/slides/slide34.xml><?xml version="1.0" encoding="utf-8"?>
+<file path=ppt/slides/slide37.xml><?xml version="1.0" encoding="utf-8"?>
 <p:sld xmlns:a="http://schemas.openxmlformats.org/drawingml/2006/main" xmlns:r="http://schemas.openxmlformats.org/officeDocument/2006/relationships" xmlns:p="http://schemas.openxmlformats.org/presentationml/2006/main">
   <p:cSld>
     <p:bg>

--- a/slides/Patrones de diseño con Typescript en el mundo real.pptx
+++ b/slides/Patrones de diseño con Typescript en el mundo real.pptx
@@ -38,10 +38,13 @@
     <p:sldId id="274" r:id="rId32"/>
     <p:sldId id="275" r:id="rId33"/>
     <p:sldId id="276" r:id="rId34"/>
-    <p:sldId id="277" r:id="rId35"/>
-    <p:sldId id="278" r:id="rId36"/>
-    <p:sldId id="279" r:id="rId37"/>
-    <p:sldId id="280" r:id="rId38"/>
+    <p:sldId id="297" r:id="rId35"/>
+    <p:sldId id="298" r:id="rId36"/>
+    <p:sldId id="299" r:id="rId37"/>
+    <p:sldId id="277" r:id="rId38"/>
+    <p:sldId id="278" r:id="rId39"/>
+    <p:sldId id="279" r:id="rId40"/>
+    <p:sldId id="280" r:id="rId41"/>
   </p:sldIdLst>
   <p:sldSz cx="12192000" cy="6858000"/>
   <p:notesSz cx="6858000" cy="9144000"/>
@@ -11580,13 +11583,22 @@
           <a:lstStyle/>
           <a:p>
             <a:r>
+              <a:rPr lang="es-ES" dirty="0" err="1">
+                <a:solidFill>
+                  <a:srgbClr val="000000"/>
+                </a:solidFill>
+                <a:latin typeface="Calibri" panose="020F0502020204030204" pitchFamily="34" charset="0"/>
+              </a:rPr>
+              <a:t>Model</a:t>
+            </a:r>
+            <a:r>
               <a:rPr lang="es-ES" dirty="0">
                 <a:solidFill>
                   <a:srgbClr val="000000"/>
                 </a:solidFill>
                 <a:latin typeface="Calibri" panose="020F0502020204030204" pitchFamily="34" charset="0"/>
               </a:rPr>
-              <a:t>Page-</a:t>
+              <a:t> View </a:t>
             </a:r>
             <a:r>
               <a:rPr lang="es-ES" dirty="0" err="1">
@@ -11595,7 +11607,7 @@
                 </a:solidFill>
                 <a:latin typeface="Calibri" panose="020F0502020204030204" pitchFamily="34" charset="0"/>
               </a:rPr>
-              <a:t>Object</a:t>
+              <a:t>ViewModel</a:t>
             </a:r>
             <a:r>
               <a:rPr lang="es-ES" dirty="0">
@@ -11604,7 +11616,7 @@
                 </a:solidFill>
                 <a:latin typeface="Calibri" panose="020F0502020204030204" pitchFamily="34" charset="0"/>
               </a:rPr>
-              <a:t> </a:t>
+              <a:t> (MVVM) </a:t>
             </a:r>
             <a:r>
               <a:rPr lang="es-ES" dirty="0" err="1">
@@ -11622,7 +11634,7 @@
     </p:spTree>
     <p:extLst>
       <p:ext uri="{BB962C8B-B14F-4D97-AF65-F5344CB8AC3E}">
-        <p14:creationId xmlns:p14="http://schemas.microsoft.com/office/powerpoint/2010/main" val="2983471730"/>
+        <p14:creationId xmlns:p14="http://schemas.microsoft.com/office/powerpoint/2010/main" val="478699278"/>
       </p:ext>
     </p:extLst>
   </p:cSld>
@@ -11703,10 +11715,10 @@
       </p:sp>
       <p:pic>
         <p:nvPicPr>
-          <p:cNvPr id="30" name="Imagen 29">
-            <a:extLst>
-              <a:ext uri="{FF2B5EF4-FFF2-40B4-BE49-F238E27FC236}">
-                <a16:creationId xmlns:a16="http://schemas.microsoft.com/office/drawing/2014/main" id="{11AA3BEE-0DB9-4E5E-97F9-46B38CC019A4}"/>
+          <p:cNvPr id="18" name="Imagen 17">
+            <a:extLst>
+              <a:ext uri="{FF2B5EF4-FFF2-40B4-BE49-F238E27FC236}">
+                <a16:creationId xmlns:a16="http://schemas.microsoft.com/office/drawing/2014/main" id="{7100EEAD-5007-4563-B3A6-F4D7A44A81B0}"/>
               </a:ext>
             </a:extLst>
           </p:cNvPr>
@@ -11723,8 +11735,8 @@
         </p:blipFill>
         <p:spPr>
           <a:xfrm>
-            <a:off x="320338" y="3308109"/>
-            <a:ext cx="4785360" cy="2990850"/>
+            <a:off x="6439688" y="431999"/>
+            <a:ext cx="5124450" cy="1543050"/>
           </a:xfrm>
           <a:prstGeom prst="rect">
             <a:avLst/>
@@ -11740,10 +11752,10 @@
       </p:pic>
       <p:pic>
         <p:nvPicPr>
-          <p:cNvPr id="33" name="Imagen 32">
-            <a:extLst>
-              <a:ext uri="{FF2B5EF4-FFF2-40B4-BE49-F238E27FC236}">
-                <a16:creationId xmlns:a16="http://schemas.microsoft.com/office/drawing/2014/main" id="{27AF6DC8-BCC6-43A0-ACB8-8E24581FFF99}"/>
+          <p:cNvPr id="19" name="Imagen 18">
+            <a:extLst>
+              <a:ext uri="{FF2B5EF4-FFF2-40B4-BE49-F238E27FC236}">
+                <a16:creationId xmlns:a16="http://schemas.microsoft.com/office/drawing/2014/main" id="{AD0CDA8F-35A5-48B4-9D35-466C095B6E83}"/>
               </a:ext>
             </a:extLst>
           </p:cNvPr>
@@ -11760,8 +11772,8 @@
         </p:blipFill>
         <p:spPr>
           <a:xfrm>
-            <a:off x="6221148" y="252067"/>
-            <a:ext cx="5485989" cy="2262533"/>
+            <a:off x="2464109" y="3141771"/>
+            <a:ext cx="6286500" cy="3343275"/>
           </a:xfrm>
           <a:prstGeom prst="rect">
             <a:avLst/>
@@ -11777,10 +11789,10 @@
       </p:pic>
       <p:pic>
         <p:nvPicPr>
-          <p:cNvPr id="2" name="Imagen 1">
-            <a:extLst>
-              <a:ext uri="{FF2B5EF4-FFF2-40B4-BE49-F238E27FC236}">
-                <a16:creationId xmlns:a16="http://schemas.microsoft.com/office/drawing/2014/main" id="{0D177CD9-B958-4BF5-9974-F66D391F7A44}"/>
+          <p:cNvPr id="20" name="Imagen 19">
+            <a:extLst>
+              <a:ext uri="{FF2B5EF4-FFF2-40B4-BE49-F238E27FC236}">
+                <a16:creationId xmlns:a16="http://schemas.microsoft.com/office/drawing/2014/main" id="{0CB9DBB1-A444-47E7-8C56-084B56BC9929}"/>
               </a:ext>
             </a:extLst>
           </p:cNvPr>
@@ -11797,8 +11809,8 @@
         </p:blipFill>
         <p:spPr>
           <a:xfrm>
-            <a:off x="6221148" y="3124301"/>
-            <a:ext cx="5491163" cy="3358466"/>
+            <a:off x="1170789" y="1365448"/>
+            <a:ext cx="2019300" cy="1219200"/>
           </a:xfrm>
           <a:prstGeom prst="rect">
             <a:avLst/>
@@ -11814,24 +11826,24 @@
       </p:pic>
       <p:cxnSp>
         <p:nvCxnSpPr>
-          <p:cNvPr id="34" name="Conector recto de flecha 33">
-            <a:extLst>
-              <a:ext uri="{FF2B5EF4-FFF2-40B4-BE49-F238E27FC236}">
-                <a16:creationId xmlns:a16="http://schemas.microsoft.com/office/drawing/2014/main" id="{FE5B11F8-9635-41F2-BA0B-CF1CE47617E6}"/>
+          <p:cNvPr id="21" name="Conector recto de flecha 20">
+            <a:extLst>
+              <a:ext uri="{FF2B5EF4-FFF2-40B4-BE49-F238E27FC236}">
+                <a16:creationId xmlns:a16="http://schemas.microsoft.com/office/drawing/2014/main" id="{6081FD7E-32DF-4951-9784-B2FFCABB9DBB}"/>
               </a:ext>
             </a:extLst>
           </p:cNvPr>
           <p:cNvCxnSpPr>
             <a:cxnSpLocks/>
-            <a:stCxn id="2" idx="0"/>
-            <a:endCxn id="33" idx="2"/>
+            <a:stCxn id="19" idx="0"/>
+            <a:endCxn id="20" idx="3"/>
           </p:cNvCxnSpPr>
           <p:nvPr/>
         </p:nvCxnSpPr>
         <p:spPr>
           <a:xfrm flipH="1" flipV="1">
-            <a:off x="8964143" y="2514600"/>
-            <a:ext cx="2587" cy="609701"/>
+            <a:off x="3190089" y="1975048"/>
+            <a:ext cx="2417270" cy="1166723"/>
           </a:xfrm>
           <a:prstGeom prst="straightConnector1">
             <a:avLst/>
@@ -11840,7 +11852,6 @@
             <a:solidFill>
               <a:schemeClr val="bg1"/>
             </a:solidFill>
-            <a:headEnd type="triangle"/>
             <a:tailEnd type="triangle"/>
           </a:ln>
         </p:spPr>
@@ -11861,10 +11872,10 @@
       </p:cxnSp>
       <p:sp>
         <p:nvSpPr>
-          <p:cNvPr id="38" name="CuadroTexto 37">
-            <a:extLst>
-              <a:ext uri="{FF2B5EF4-FFF2-40B4-BE49-F238E27FC236}">
-                <a16:creationId xmlns:a16="http://schemas.microsoft.com/office/drawing/2014/main" id="{E593275B-18D5-4ED5-B785-2CD80B46AC8E}"/>
+          <p:cNvPr id="22" name="CuadroTexto 21">
+            <a:extLst>
+              <a:ext uri="{FF2B5EF4-FFF2-40B4-BE49-F238E27FC236}">
+                <a16:creationId xmlns:a16="http://schemas.microsoft.com/office/drawing/2014/main" id="{C441E18B-5085-4218-841B-6CBDE9D09AA2}"/>
               </a:ext>
             </a:extLst>
           </p:cNvPr>
@@ -11872,9 +11883,9 @@
           <p:nvPr/>
         </p:nvSpPr>
         <p:spPr>
-          <a:xfrm>
-            <a:off x="8964141" y="2650173"/>
-            <a:ext cx="1758422" cy="338554"/>
+          <a:xfrm rot="1518848">
+            <a:off x="3913144" y="2251538"/>
+            <a:ext cx="1376218" cy="369332"/>
           </a:xfrm>
           <a:prstGeom prst="rect">
             <a:avLst/>
@@ -11888,22 +11899,68 @@
           <a:lstStyle/>
           <a:p>
             <a:r>
-              <a:rPr lang="en-US" sz="1600" dirty="0">
+              <a:rPr lang="en-US" dirty="0">
                 <a:solidFill>
                   <a:schemeClr val="bg1"/>
                 </a:solidFill>
               </a:rPr>
-              <a:t>reads and interacts</a:t>
-            </a:r>
-          </a:p>
-        </p:txBody>
-      </p:sp>
-      <p:sp>
-        <p:nvSpPr>
-          <p:cNvPr id="39" name="CuadroTexto 38">
-            <a:extLst>
-              <a:ext uri="{FF2B5EF4-FFF2-40B4-BE49-F238E27FC236}">
-                <a16:creationId xmlns:a16="http://schemas.microsoft.com/office/drawing/2014/main" id="{E933C427-2012-4298-BAC7-CF5FE7311DE1}"/>
+              <a:t>contains</a:t>
+            </a:r>
+          </a:p>
+        </p:txBody>
+      </p:sp>
+      <p:cxnSp>
+        <p:nvCxnSpPr>
+          <p:cNvPr id="23" name="Conector recto de flecha 22">
+            <a:extLst>
+              <a:ext uri="{FF2B5EF4-FFF2-40B4-BE49-F238E27FC236}">
+                <a16:creationId xmlns:a16="http://schemas.microsoft.com/office/drawing/2014/main" id="{574D6455-8697-43A6-AD09-A3DEB8692CB8}"/>
+              </a:ext>
+            </a:extLst>
+          </p:cNvPr>
+          <p:cNvCxnSpPr>
+            <a:cxnSpLocks/>
+            <a:endCxn id="18" idx="2"/>
+          </p:cNvCxnSpPr>
+          <p:nvPr/>
+        </p:nvCxnSpPr>
+        <p:spPr>
+          <a:xfrm flipV="1">
+            <a:off x="7123569" y="1975049"/>
+            <a:ext cx="1878344" cy="1166723"/>
+          </a:xfrm>
+          <a:prstGeom prst="straightConnector1">
+            <a:avLst/>
+          </a:prstGeom>
+          <a:ln w="12700">
+            <a:solidFill>
+              <a:schemeClr val="bg1"/>
+            </a:solidFill>
+            <a:headEnd type="none"/>
+            <a:tailEnd type="triangle"/>
+          </a:ln>
+        </p:spPr>
+        <p:style>
+          <a:lnRef idx="1">
+            <a:schemeClr val="accent1"/>
+          </a:lnRef>
+          <a:fillRef idx="0">
+            <a:schemeClr val="accent1"/>
+          </a:fillRef>
+          <a:effectRef idx="0">
+            <a:schemeClr val="accent1"/>
+          </a:effectRef>
+          <a:fontRef idx="minor">
+            <a:schemeClr val="tx1"/>
+          </a:fontRef>
+        </p:style>
+      </p:cxnSp>
+      <p:sp>
+        <p:nvSpPr>
+          <p:cNvPr id="25" name="CuadroTexto 24">
+            <a:extLst>
+              <a:ext uri="{FF2B5EF4-FFF2-40B4-BE49-F238E27FC236}">
+                <a16:creationId xmlns:a16="http://schemas.microsoft.com/office/drawing/2014/main" id="{02F6BD05-4155-4839-8166-B0525AEC5FB7}"/>
               </a:ext>
             </a:extLst>
           </p:cNvPr>
@@ -11911,8 +11968,92 @@
           <p:nvPr/>
         </p:nvSpPr>
         <p:spPr>
-          <a:xfrm>
-            <a:off x="5282744" y="4434202"/>
+          <a:xfrm rot="19684380">
+            <a:off x="7321205" y="2156818"/>
+            <a:ext cx="1376218" cy="369332"/>
+          </a:xfrm>
+          <a:prstGeom prst="rect">
+            <a:avLst/>
+          </a:prstGeom>
+          <a:noFill/>
+        </p:spPr>
+        <p:txBody>
+          <a:bodyPr wrap="square" rtlCol="0">
+            <a:spAutoFit/>
+          </a:bodyPr>
+          <a:lstStyle/>
+          <a:p>
+            <a:r>
+              <a:rPr lang="en-US" dirty="0">
+                <a:solidFill>
+                  <a:schemeClr val="bg1"/>
+                </a:solidFill>
+              </a:rPr>
+              <a:t>shows</a:t>
+            </a:r>
+          </a:p>
+        </p:txBody>
+      </p:sp>
+      <p:cxnSp>
+        <p:nvCxnSpPr>
+          <p:cNvPr id="26" name="Conector recto de flecha 25">
+            <a:extLst>
+              <a:ext uri="{FF2B5EF4-FFF2-40B4-BE49-F238E27FC236}">
+                <a16:creationId xmlns:a16="http://schemas.microsoft.com/office/drawing/2014/main" id="{EAF687F8-0C6A-4F5F-8D35-524D606EF8AA}"/>
+              </a:ext>
+            </a:extLst>
+          </p:cNvPr>
+          <p:cNvCxnSpPr>
+            <a:cxnSpLocks/>
+          </p:cNvCxnSpPr>
+          <p:nvPr/>
+        </p:nvCxnSpPr>
+        <p:spPr>
+          <a:xfrm flipV="1">
+            <a:off x="8009314" y="2005806"/>
+            <a:ext cx="1676480" cy="1100717"/>
+          </a:xfrm>
+          <a:prstGeom prst="straightConnector1">
+            <a:avLst/>
+          </a:prstGeom>
+          <a:ln w="12700">
+            <a:solidFill>
+              <a:schemeClr val="bg1"/>
+            </a:solidFill>
+            <a:headEnd type="triangle"/>
+            <a:tailEnd type="none"/>
+          </a:ln>
+        </p:spPr>
+        <p:style>
+          <a:lnRef idx="1">
+            <a:schemeClr val="accent1"/>
+          </a:lnRef>
+          <a:fillRef idx="0">
+            <a:schemeClr val="accent1"/>
+          </a:fillRef>
+          <a:effectRef idx="0">
+            <a:schemeClr val="accent1"/>
+          </a:effectRef>
+          <a:fontRef idx="minor">
+            <a:schemeClr val="tx1"/>
+          </a:fontRef>
+        </p:style>
+      </p:cxnSp>
+      <p:sp>
+        <p:nvSpPr>
+          <p:cNvPr id="30" name="CuadroTexto 29">
+            <a:extLst>
+              <a:ext uri="{FF2B5EF4-FFF2-40B4-BE49-F238E27FC236}">
+                <a16:creationId xmlns:a16="http://schemas.microsoft.com/office/drawing/2014/main" id="{1A6D4CFD-9757-4884-8C01-C19D63E26B51}"/>
+              </a:ext>
+            </a:extLst>
+          </p:cNvPr>
+          <p:cNvSpPr txBox="1"/>
+          <p:nvPr/>
+        </p:nvSpPr>
+        <p:spPr>
+          <a:xfrm rot="19684380">
+            <a:off x="8602317" y="2280255"/>
             <a:ext cx="1376218" cy="369332"/>
           </a:xfrm>
           <a:prstGeom prst="rect">
@@ -11937,56 +12078,10 @@
           </a:p>
         </p:txBody>
       </p:sp>
-      <p:cxnSp>
-        <p:nvCxnSpPr>
-          <p:cNvPr id="40" name="Conector recto de flecha 39">
-            <a:extLst>
-              <a:ext uri="{FF2B5EF4-FFF2-40B4-BE49-F238E27FC236}">
-                <a16:creationId xmlns:a16="http://schemas.microsoft.com/office/drawing/2014/main" id="{65ADA00B-B061-4BC6-8BEA-533E11C25C79}"/>
-              </a:ext>
-            </a:extLst>
-          </p:cNvPr>
-          <p:cNvCxnSpPr>
-            <a:cxnSpLocks/>
-            <a:stCxn id="30" idx="3"/>
-            <a:endCxn id="2" idx="1"/>
-          </p:cNvCxnSpPr>
-          <p:nvPr/>
-        </p:nvCxnSpPr>
-        <p:spPr>
-          <a:xfrm>
-            <a:off x="5105698" y="4803534"/>
-            <a:ext cx="1115450" cy="0"/>
-          </a:xfrm>
-          <a:prstGeom prst="straightConnector1">
-            <a:avLst/>
-          </a:prstGeom>
-          <a:ln w="12700">
-            <a:solidFill>
-              <a:schemeClr val="bg1"/>
-            </a:solidFill>
-            <a:tailEnd type="triangle"/>
-          </a:ln>
-        </p:spPr>
-        <p:style>
-          <a:lnRef idx="1">
-            <a:schemeClr val="accent1"/>
-          </a:lnRef>
-          <a:fillRef idx="0">
-            <a:schemeClr val="accent1"/>
-          </a:fillRef>
-          <a:effectRef idx="0">
-            <a:schemeClr val="accent1"/>
-          </a:effectRef>
-          <a:fontRef idx="minor">
-            <a:schemeClr val="tx1"/>
-          </a:fontRef>
-        </p:style>
-      </p:cxnSp>
     </p:spTree>
     <p:extLst>
       <p:ext uri="{BB962C8B-B14F-4D97-AF65-F5344CB8AC3E}">
-        <p14:creationId xmlns:p14="http://schemas.microsoft.com/office/powerpoint/2010/main" val="2070501123"/>
+        <p14:creationId xmlns:p14="http://schemas.microsoft.com/office/powerpoint/2010/main" val="4248247360"/>
       </p:ext>
     </p:extLst>
   </p:cSld>
@@ -12021,12 +12116,51 @@
           <a:chExt cx="0" cy="0"/>
         </a:xfrm>
       </p:grpSpPr>
+      <p:sp>
+        <p:nvSpPr>
+          <p:cNvPr id="22" name="CuadroTexto 21">
+            <a:extLst>
+              <a:ext uri="{FF2B5EF4-FFF2-40B4-BE49-F238E27FC236}">
+                <a16:creationId xmlns:a16="http://schemas.microsoft.com/office/drawing/2014/main" id="{C9B1F5C4-0BBA-41F3-84BD-1322F509FDEF}"/>
+              </a:ext>
+            </a:extLst>
+          </p:cNvPr>
+          <p:cNvSpPr txBox="1"/>
+          <p:nvPr/>
+        </p:nvSpPr>
+        <p:spPr>
+          <a:xfrm>
+            <a:off x="361700" y="215130"/>
+            <a:ext cx="3397994" cy="646331"/>
+          </a:xfrm>
+          <a:prstGeom prst="rect">
+            <a:avLst/>
+          </a:prstGeom>
+          <a:noFill/>
+        </p:spPr>
+        <p:txBody>
+          <a:bodyPr wrap="square" rtlCol="0">
+            <a:spAutoFit/>
+          </a:bodyPr>
+          <a:lstStyle/>
+          <a:p>
+            <a:r>
+              <a:rPr lang="en-US" sz="3600" dirty="0">
+                <a:solidFill>
+                  <a:srgbClr val="53A2D3"/>
+                </a:solidFill>
+              </a:rPr>
+              <a:t>Mundo real</a:t>
+            </a:r>
+          </a:p>
+        </p:txBody>
+      </p:sp>
       <p:pic>
         <p:nvPicPr>
-          <p:cNvPr id="7" name="Imagen 6">
-            <a:extLst>
-              <a:ext uri="{FF2B5EF4-FFF2-40B4-BE49-F238E27FC236}">
-                <a16:creationId xmlns:a16="http://schemas.microsoft.com/office/drawing/2014/main" id="{2CFE6195-EA83-4C47-A03F-329D229C5AB7}"/>
+          <p:cNvPr id="2" name="Imagen 1">
+            <a:extLst>
+              <a:ext uri="{FF2B5EF4-FFF2-40B4-BE49-F238E27FC236}">
+                <a16:creationId xmlns:a16="http://schemas.microsoft.com/office/drawing/2014/main" id="{266AD09E-F426-4396-A0E1-5B83C2152B2D}"/>
               </a:ext>
             </a:extLst>
           </p:cNvPr>
@@ -12043,8 +12177,8 @@
         </p:blipFill>
         <p:spPr>
           <a:xfrm>
-            <a:off x="207896" y="2087591"/>
-            <a:ext cx="5179886" cy="4335534"/>
+            <a:off x="447615" y="3745599"/>
+            <a:ext cx="6915150" cy="1819275"/>
           </a:xfrm>
           <a:prstGeom prst="rect">
             <a:avLst/>
@@ -12060,10 +12194,10 @@
       </p:pic>
       <p:pic>
         <p:nvPicPr>
-          <p:cNvPr id="11" name="Imagen 10">
-            <a:extLst>
-              <a:ext uri="{FF2B5EF4-FFF2-40B4-BE49-F238E27FC236}">
-                <a16:creationId xmlns:a16="http://schemas.microsoft.com/office/drawing/2014/main" id="{FACE3969-615E-4C45-B56D-19518D2A9CE0}"/>
+          <p:cNvPr id="4" name="Imagen 3">
+            <a:extLst>
+              <a:ext uri="{FF2B5EF4-FFF2-40B4-BE49-F238E27FC236}">
+                <a16:creationId xmlns:a16="http://schemas.microsoft.com/office/drawing/2014/main" id="{C3393B52-AD30-488F-8F05-22AB5631AF56}"/>
               </a:ext>
             </a:extLst>
           </p:cNvPr>
@@ -12080,8 +12214,8 @@
         </p:blipFill>
         <p:spPr>
           <a:xfrm>
-            <a:off x="6151615" y="1849550"/>
-            <a:ext cx="5830965" cy="4823295"/>
+            <a:off x="6769477" y="277666"/>
+            <a:ext cx="5133975" cy="790575"/>
           </a:xfrm>
           <a:prstGeom prst="rect">
             <a:avLst/>
@@ -12097,10 +12231,10 @@
       </p:pic>
       <p:pic>
         <p:nvPicPr>
-          <p:cNvPr id="13" name="Imagen 12">
-            <a:extLst>
-              <a:ext uri="{FF2B5EF4-FFF2-40B4-BE49-F238E27FC236}">
-                <a16:creationId xmlns:a16="http://schemas.microsoft.com/office/drawing/2014/main" id="{DB69B325-2AFF-4143-A6CE-6A622ECFDFA2}"/>
+          <p:cNvPr id="5" name="Imagen 4">
+            <a:extLst>
+              <a:ext uri="{FF2B5EF4-FFF2-40B4-BE49-F238E27FC236}">
+                <a16:creationId xmlns:a16="http://schemas.microsoft.com/office/drawing/2014/main" id="{08049953-0398-413A-A6EA-4797B7B45252}"/>
               </a:ext>
             </a:extLst>
           </p:cNvPr>
@@ -12117,8 +12251,8 @@
         </p:blipFill>
         <p:spPr>
           <a:xfrm>
-            <a:off x="6267604" y="433524"/>
-            <a:ext cx="5598986" cy="664286"/>
+            <a:off x="7944340" y="2054161"/>
+            <a:ext cx="3959112" cy="4529995"/>
           </a:xfrm>
           <a:prstGeom prst="rect">
             <a:avLst/>
@@ -12132,12 +12266,262 @@
           </a:effectLst>
         </p:spPr>
       </p:pic>
+      <p:pic>
+        <p:nvPicPr>
+          <p:cNvPr id="6" name="Imagen 5">
+            <a:extLst>
+              <a:ext uri="{FF2B5EF4-FFF2-40B4-BE49-F238E27FC236}">
+                <a16:creationId xmlns:a16="http://schemas.microsoft.com/office/drawing/2014/main" id="{5E4E6AF9-10D1-4B97-95E8-1CC8F2393DB4}"/>
+              </a:ext>
+            </a:extLst>
+          </p:cNvPr>
+          <p:cNvPicPr>
+            <a:picLocks noChangeAspect="1"/>
+          </p:cNvPicPr>
+          <p:nvPr/>
+        </p:nvPicPr>
+        <p:blipFill>
+          <a:blip r:embed="rId5"/>
+          <a:stretch>
+            <a:fillRect/>
+          </a:stretch>
+        </p:blipFill>
+        <p:spPr>
+          <a:xfrm>
+            <a:off x="447615" y="1543615"/>
+            <a:ext cx="5057073" cy="1493782"/>
+          </a:xfrm>
+          <a:prstGeom prst="rect">
+            <a:avLst/>
+          </a:prstGeom>
+          <a:effectLst>
+            <a:glow rad="25400">
+              <a:schemeClr val="bg1">
+                <a:alpha val="40000"/>
+              </a:schemeClr>
+            </a:glow>
+          </a:effectLst>
+        </p:spPr>
+      </p:pic>
+      <p:cxnSp>
+        <p:nvCxnSpPr>
+          <p:cNvPr id="13" name="Conector recto de flecha 12">
+            <a:extLst>
+              <a:ext uri="{FF2B5EF4-FFF2-40B4-BE49-F238E27FC236}">
+                <a16:creationId xmlns:a16="http://schemas.microsoft.com/office/drawing/2014/main" id="{3FEF1901-0773-4F55-AA20-B58A56F18BD1}"/>
+              </a:ext>
+            </a:extLst>
+          </p:cNvPr>
+          <p:cNvCxnSpPr>
+            <a:cxnSpLocks/>
+            <a:endCxn id="6" idx="3"/>
+          </p:cNvCxnSpPr>
+          <p:nvPr/>
+        </p:nvCxnSpPr>
+        <p:spPr>
+          <a:xfrm flipH="1" flipV="1">
+            <a:off x="5504688" y="2290506"/>
+            <a:ext cx="2439654" cy="96080"/>
+          </a:xfrm>
+          <a:prstGeom prst="straightConnector1">
+            <a:avLst/>
+          </a:prstGeom>
+          <a:ln w="12700">
+            <a:solidFill>
+              <a:schemeClr val="bg1"/>
+            </a:solidFill>
+            <a:tailEnd type="triangle"/>
+          </a:ln>
+        </p:spPr>
+        <p:style>
+          <a:lnRef idx="1">
+            <a:schemeClr val="accent1"/>
+          </a:lnRef>
+          <a:fillRef idx="0">
+            <a:schemeClr val="accent1"/>
+          </a:fillRef>
+          <a:effectRef idx="0">
+            <a:schemeClr val="accent1"/>
+          </a:effectRef>
+          <a:fontRef idx="minor">
+            <a:schemeClr val="tx1"/>
+          </a:fontRef>
+        </p:style>
+      </p:cxnSp>
+      <p:sp>
+        <p:nvSpPr>
+          <p:cNvPr id="14" name="CuadroTexto 13">
+            <a:extLst>
+              <a:ext uri="{FF2B5EF4-FFF2-40B4-BE49-F238E27FC236}">
+                <a16:creationId xmlns:a16="http://schemas.microsoft.com/office/drawing/2014/main" id="{9B0DA9C3-988A-48A6-AE67-460CB9540473}"/>
+              </a:ext>
+            </a:extLst>
+          </p:cNvPr>
+          <p:cNvSpPr txBox="1"/>
+          <p:nvPr/>
+        </p:nvSpPr>
+        <p:spPr>
+          <a:xfrm rot="212874">
+            <a:off x="6267226" y="1926985"/>
+            <a:ext cx="1376218" cy="369332"/>
+          </a:xfrm>
+          <a:prstGeom prst="rect">
+            <a:avLst/>
+          </a:prstGeom>
+          <a:noFill/>
+        </p:spPr>
+        <p:txBody>
+          <a:bodyPr wrap="square" rtlCol="0">
+            <a:spAutoFit/>
+          </a:bodyPr>
+          <a:lstStyle/>
+          <a:p>
+            <a:r>
+              <a:rPr lang="en-US" dirty="0">
+                <a:solidFill>
+                  <a:schemeClr val="bg1"/>
+                </a:solidFill>
+              </a:rPr>
+              <a:t>contains</a:t>
+            </a:r>
+          </a:p>
+        </p:txBody>
+      </p:sp>
+      <p:cxnSp>
+        <p:nvCxnSpPr>
+          <p:cNvPr id="17" name="Conector recto de flecha 16">
+            <a:extLst>
+              <a:ext uri="{FF2B5EF4-FFF2-40B4-BE49-F238E27FC236}">
+                <a16:creationId xmlns:a16="http://schemas.microsoft.com/office/drawing/2014/main" id="{E7C6FCCA-4E6E-4BC4-95D7-B96C0906C0C3}"/>
+              </a:ext>
+            </a:extLst>
+          </p:cNvPr>
+          <p:cNvCxnSpPr>
+            <a:cxnSpLocks/>
+          </p:cNvCxnSpPr>
+          <p:nvPr/>
+        </p:nvCxnSpPr>
+        <p:spPr>
+          <a:xfrm flipH="1">
+            <a:off x="6181344" y="3301878"/>
+            <a:ext cx="1762997" cy="417673"/>
+          </a:xfrm>
+          <a:prstGeom prst="straightConnector1">
+            <a:avLst/>
+          </a:prstGeom>
+          <a:ln w="12700">
+            <a:solidFill>
+              <a:schemeClr val="bg1"/>
+            </a:solidFill>
+            <a:tailEnd type="triangle"/>
+          </a:ln>
+        </p:spPr>
+        <p:style>
+          <a:lnRef idx="1">
+            <a:schemeClr val="accent1"/>
+          </a:lnRef>
+          <a:fillRef idx="0">
+            <a:schemeClr val="accent1"/>
+          </a:fillRef>
+          <a:effectRef idx="0">
+            <a:schemeClr val="accent1"/>
+          </a:effectRef>
+          <a:fontRef idx="minor">
+            <a:schemeClr val="tx1"/>
+          </a:fontRef>
+        </p:style>
+      </p:cxnSp>
+      <p:sp>
+        <p:nvSpPr>
+          <p:cNvPr id="20" name="CuadroTexto 19">
+            <a:extLst>
+              <a:ext uri="{FF2B5EF4-FFF2-40B4-BE49-F238E27FC236}">
+                <a16:creationId xmlns:a16="http://schemas.microsoft.com/office/drawing/2014/main" id="{B67A2F72-0395-49BC-999E-DBDDA14360B9}"/>
+              </a:ext>
+            </a:extLst>
+          </p:cNvPr>
+          <p:cNvSpPr txBox="1"/>
+          <p:nvPr/>
+        </p:nvSpPr>
+        <p:spPr>
+          <a:xfrm rot="20864610">
+            <a:off x="6748034" y="2999513"/>
+            <a:ext cx="1376218" cy="369332"/>
+          </a:xfrm>
+          <a:prstGeom prst="rect">
+            <a:avLst/>
+          </a:prstGeom>
+          <a:noFill/>
+        </p:spPr>
+        <p:txBody>
+          <a:bodyPr wrap="square" rtlCol="0">
+            <a:spAutoFit/>
+          </a:bodyPr>
+          <a:lstStyle/>
+          <a:p>
+            <a:r>
+              <a:rPr lang="en-US" dirty="0">
+                <a:solidFill>
+                  <a:schemeClr val="bg1"/>
+                </a:solidFill>
+              </a:rPr>
+              <a:t>gets</a:t>
+            </a:r>
+          </a:p>
+        </p:txBody>
+      </p:sp>
+      <p:cxnSp>
+        <p:nvCxnSpPr>
+          <p:cNvPr id="23" name="Conector recto de flecha 22">
+            <a:extLst>
+              <a:ext uri="{FF2B5EF4-FFF2-40B4-BE49-F238E27FC236}">
+                <a16:creationId xmlns:a16="http://schemas.microsoft.com/office/drawing/2014/main" id="{34AE3A4C-C027-4534-B21C-6462C9EB6F54}"/>
+              </a:ext>
+            </a:extLst>
+          </p:cNvPr>
+          <p:cNvCxnSpPr>
+            <a:cxnSpLocks/>
+            <a:stCxn id="5" idx="0"/>
+            <a:endCxn id="4" idx="2"/>
+          </p:cNvCxnSpPr>
+          <p:nvPr/>
+        </p:nvCxnSpPr>
+        <p:spPr>
+          <a:xfrm flipH="1" flipV="1">
+            <a:off x="9336465" y="1068241"/>
+            <a:ext cx="587431" cy="985920"/>
+          </a:xfrm>
+          <a:prstGeom prst="straightConnector1">
+            <a:avLst/>
+          </a:prstGeom>
+          <a:ln w="12700">
+            <a:solidFill>
+              <a:schemeClr val="bg1"/>
+            </a:solidFill>
+            <a:tailEnd type="triangle"/>
+          </a:ln>
+        </p:spPr>
+        <p:style>
+          <a:lnRef idx="1">
+            <a:schemeClr val="accent1"/>
+          </a:lnRef>
+          <a:fillRef idx="0">
+            <a:schemeClr val="accent1"/>
+          </a:fillRef>
+          <a:effectRef idx="0">
+            <a:schemeClr val="accent1"/>
+          </a:effectRef>
+          <a:fontRef idx="minor">
+            <a:schemeClr val="tx1"/>
+          </a:fontRef>
+        </p:style>
+      </p:cxnSp>
       <p:sp>
         <p:nvSpPr>
           <p:cNvPr id="25" name="CuadroTexto 24">
             <a:extLst>
               <a:ext uri="{FF2B5EF4-FFF2-40B4-BE49-F238E27FC236}">
-                <a16:creationId xmlns:a16="http://schemas.microsoft.com/office/drawing/2014/main" id="{19C6170D-CFD8-49E4-816C-97EDFBA2B700}"/>
+                <a16:creationId xmlns:a16="http://schemas.microsoft.com/office/drawing/2014/main" id="{BB1FF878-5C4C-466C-9FC5-A1BAA31AA318}"/>
               </a:ext>
             </a:extLst>
           </p:cNvPr>
@@ -12146,7 +12530,91 @@
         </p:nvSpPr>
         <p:spPr>
           <a:xfrm>
-            <a:off x="5407891" y="3891865"/>
+            <a:off x="8541822" y="1376535"/>
+            <a:ext cx="1376218" cy="369332"/>
+          </a:xfrm>
+          <a:prstGeom prst="rect">
+            <a:avLst/>
+          </a:prstGeom>
+          <a:noFill/>
+        </p:spPr>
+        <p:txBody>
+          <a:bodyPr wrap="square" rtlCol="0">
+            <a:spAutoFit/>
+          </a:bodyPr>
+          <a:lstStyle/>
+          <a:p>
+            <a:r>
+              <a:rPr lang="en-US" dirty="0">
+                <a:solidFill>
+                  <a:schemeClr val="bg1"/>
+                </a:solidFill>
+              </a:rPr>
+              <a:t>shows</a:t>
+            </a:r>
+          </a:p>
+        </p:txBody>
+      </p:sp>
+      <p:cxnSp>
+        <p:nvCxnSpPr>
+          <p:cNvPr id="26" name="Conector recto de flecha 25">
+            <a:extLst>
+              <a:ext uri="{FF2B5EF4-FFF2-40B4-BE49-F238E27FC236}">
+                <a16:creationId xmlns:a16="http://schemas.microsoft.com/office/drawing/2014/main" id="{81001ED0-1228-4F08-BAA6-AC852D419646}"/>
+              </a:ext>
+            </a:extLst>
+          </p:cNvPr>
+          <p:cNvCxnSpPr>
+            <a:cxnSpLocks/>
+          </p:cNvCxnSpPr>
+          <p:nvPr/>
+        </p:nvCxnSpPr>
+        <p:spPr>
+          <a:xfrm flipH="1" flipV="1">
+            <a:off x="9918040" y="1068241"/>
+            <a:ext cx="587431" cy="985920"/>
+          </a:xfrm>
+          <a:prstGeom prst="straightConnector1">
+            <a:avLst/>
+          </a:prstGeom>
+          <a:ln w="12700">
+            <a:solidFill>
+              <a:schemeClr val="bg1"/>
+            </a:solidFill>
+            <a:headEnd type="triangle"/>
+            <a:tailEnd type="none"/>
+          </a:ln>
+        </p:spPr>
+        <p:style>
+          <a:lnRef idx="1">
+            <a:schemeClr val="accent1"/>
+          </a:lnRef>
+          <a:fillRef idx="0">
+            <a:schemeClr val="accent1"/>
+          </a:fillRef>
+          <a:effectRef idx="0">
+            <a:schemeClr val="accent1"/>
+          </a:effectRef>
+          <a:fontRef idx="minor">
+            <a:schemeClr val="tx1"/>
+          </a:fontRef>
+        </p:style>
+      </p:cxnSp>
+      <p:sp>
+        <p:nvSpPr>
+          <p:cNvPr id="27" name="CuadroTexto 26">
+            <a:extLst>
+              <a:ext uri="{FF2B5EF4-FFF2-40B4-BE49-F238E27FC236}">
+                <a16:creationId xmlns:a16="http://schemas.microsoft.com/office/drawing/2014/main" id="{DB051C0C-8A08-4ABE-A33C-3AEEF757C89F}"/>
+              </a:ext>
+            </a:extLst>
+          </p:cNvPr>
+          <p:cNvSpPr txBox="1"/>
+          <p:nvPr/>
+        </p:nvSpPr>
+        <p:spPr>
+          <a:xfrm>
+            <a:off x="10336109" y="1376535"/>
             <a:ext cx="1376218" cy="369332"/>
           </a:xfrm>
           <a:prstGeom prst="rect">
@@ -12171,181 +12639,10 @@
           </a:p>
         </p:txBody>
       </p:sp>
-      <p:cxnSp>
-        <p:nvCxnSpPr>
-          <p:cNvPr id="26" name="Conector recto de flecha 25">
-            <a:extLst>
-              <a:ext uri="{FF2B5EF4-FFF2-40B4-BE49-F238E27FC236}">
-                <a16:creationId xmlns:a16="http://schemas.microsoft.com/office/drawing/2014/main" id="{76AE51E0-8D6F-4932-8634-0B5B6F4E744C}"/>
-              </a:ext>
-            </a:extLst>
-          </p:cNvPr>
-          <p:cNvCxnSpPr>
-            <a:cxnSpLocks/>
-            <a:stCxn id="7" idx="3"/>
-            <a:endCxn id="11" idx="1"/>
-          </p:cNvCxnSpPr>
-          <p:nvPr/>
-        </p:nvCxnSpPr>
-        <p:spPr>
-          <a:xfrm>
-            <a:off x="5387782" y="4255358"/>
-            <a:ext cx="763833" cy="5840"/>
-          </a:xfrm>
-          <a:prstGeom prst="straightConnector1">
-            <a:avLst/>
-          </a:prstGeom>
-          <a:ln w="12700">
-            <a:solidFill>
-              <a:schemeClr val="bg1"/>
-            </a:solidFill>
-            <a:tailEnd type="triangle"/>
-          </a:ln>
-        </p:spPr>
-        <p:style>
-          <a:lnRef idx="1">
-            <a:schemeClr val="accent1"/>
-          </a:lnRef>
-          <a:fillRef idx="0">
-            <a:schemeClr val="accent1"/>
-          </a:fillRef>
-          <a:effectRef idx="0">
-            <a:schemeClr val="accent1"/>
-          </a:effectRef>
-          <a:fontRef idx="minor">
-            <a:schemeClr val="tx1"/>
-          </a:fontRef>
-        </p:style>
-      </p:cxnSp>
-      <p:cxnSp>
-        <p:nvCxnSpPr>
-          <p:cNvPr id="29" name="Conector recto de flecha 28">
-            <a:extLst>
-              <a:ext uri="{FF2B5EF4-FFF2-40B4-BE49-F238E27FC236}">
-                <a16:creationId xmlns:a16="http://schemas.microsoft.com/office/drawing/2014/main" id="{03CB87ED-D98B-4404-8865-52F51E0F0D1A}"/>
-              </a:ext>
-            </a:extLst>
-          </p:cNvPr>
-          <p:cNvCxnSpPr>
-            <a:cxnSpLocks/>
-            <a:stCxn id="11" idx="0"/>
-            <a:endCxn id="13" idx="2"/>
-          </p:cNvCxnSpPr>
-          <p:nvPr/>
-        </p:nvCxnSpPr>
-        <p:spPr>
-          <a:xfrm flipH="1" flipV="1">
-            <a:off x="9067097" y="1097810"/>
-            <a:ext cx="1" cy="751740"/>
-          </a:xfrm>
-          <a:prstGeom prst="straightConnector1">
-            <a:avLst/>
-          </a:prstGeom>
-          <a:ln w="12700">
-            <a:solidFill>
-              <a:schemeClr val="bg1"/>
-            </a:solidFill>
-            <a:headEnd type="triangle"/>
-            <a:tailEnd type="triangle"/>
-          </a:ln>
-        </p:spPr>
-        <p:style>
-          <a:lnRef idx="1">
-            <a:schemeClr val="accent1"/>
-          </a:lnRef>
-          <a:fillRef idx="0">
-            <a:schemeClr val="accent1"/>
-          </a:fillRef>
-          <a:effectRef idx="0">
-            <a:schemeClr val="accent1"/>
-          </a:effectRef>
-          <a:fontRef idx="minor">
-            <a:schemeClr val="tx1"/>
-          </a:fontRef>
-        </p:style>
-      </p:cxnSp>
-      <p:sp>
-        <p:nvSpPr>
-          <p:cNvPr id="30" name="CuadroTexto 29">
-            <a:extLst>
-              <a:ext uri="{FF2B5EF4-FFF2-40B4-BE49-F238E27FC236}">
-                <a16:creationId xmlns:a16="http://schemas.microsoft.com/office/drawing/2014/main" id="{97B5AC85-396E-4BE9-9E35-EC6CFF814F96}"/>
-              </a:ext>
-            </a:extLst>
-          </p:cNvPr>
-          <p:cNvSpPr txBox="1"/>
-          <p:nvPr/>
-        </p:nvSpPr>
-        <p:spPr>
-          <a:xfrm>
-            <a:off x="9067097" y="1304403"/>
-            <a:ext cx="1758422" cy="338554"/>
-          </a:xfrm>
-          <a:prstGeom prst="rect">
-            <a:avLst/>
-          </a:prstGeom>
-          <a:noFill/>
-        </p:spPr>
-        <p:txBody>
-          <a:bodyPr wrap="square" rtlCol="0">
-            <a:spAutoFit/>
-          </a:bodyPr>
-          <a:lstStyle/>
-          <a:p>
-            <a:r>
-              <a:rPr lang="en-US" sz="1600" dirty="0">
-                <a:solidFill>
-                  <a:schemeClr val="bg1"/>
-                </a:solidFill>
-              </a:rPr>
-              <a:t>reads and interacts</a:t>
-            </a:r>
-          </a:p>
-        </p:txBody>
-      </p:sp>
-      <p:sp>
-        <p:nvSpPr>
-          <p:cNvPr id="36" name="CuadroTexto 35">
-            <a:extLst>
-              <a:ext uri="{FF2B5EF4-FFF2-40B4-BE49-F238E27FC236}">
-                <a16:creationId xmlns:a16="http://schemas.microsoft.com/office/drawing/2014/main" id="{8D5F8848-69CC-474A-8B0C-8685958FFF9D}"/>
-              </a:ext>
-            </a:extLst>
-          </p:cNvPr>
-          <p:cNvSpPr txBox="1"/>
-          <p:nvPr/>
-        </p:nvSpPr>
-        <p:spPr>
-          <a:xfrm>
-            <a:off x="361700" y="215130"/>
-            <a:ext cx="3397994" cy="646331"/>
-          </a:xfrm>
-          <a:prstGeom prst="rect">
-            <a:avLst/>
-          </a:prstGeom>
-          <a:noFill/>
-        </p:spPr>
-        <p:txBody>
-          <a:bodyPr wrap="square" rtlCol="0">
-            <a:spAutoFit/>
-          </a:bodyPr>
-          <a:lstStyle/>
-          <a:p>
-            <a:r>
-              <a:rPr lang="en-US" sz="3600" dirty="0">
-                <a:solidFill>
-                  <a:srgbClr val="53A2D3"/>
-                </a:solidFill>
-              </a:rPr>
-              <a:t>Mundo real</a:t>
-            </a:r>
-          </a:p>
-        </p:txBody>
-      </p:sp>
     </p:spTree>
     <p:extLst>
       <p:ext uri="{BB962C8B-B14F-4D97-AF65-F5344CB8AC3E}">
-        <p14:creationId xmlns:p14="http://schemas.microsoft.com/office/powerpoint/2010/main" val="181309968"/>
+        <p14:creationId xmlns:p14="http://schemas.microsoft.com/office/powerpoint/2010/main" val="416514896"/>
       </p:ext>
     </p:extLst>
   </p:cSld>
@@ -12358,10 +12655,470 @@
 <file path=ppt/slides/slide37.xml><?xml version="1.0" encoding="utf-8"?>
 <p:sld xmlns:a="http://schemas.openxmlformats.org/drawingml/2006/main" xmlns:r="http://schemas.openxmlformats.org/officeDocument/2006/relationships" xmlns:p="http://schemas.openxmlformats.org/presentationml/2006/main">
   <p:cSld>
+    <p:spTree>
+      <p:nvGrpSpPr>
+        <p:cNvPr id="1" name=""/>
+        <p:cNvGrpSpPr/>
+        <p:nvPr/>
+      </p:nvGrpSpPr>
+      <p:grpSpPr>
+        <a:xfrm>
+          <a:off x="0" y="0"/>
+          <a:ext cx="0" cy="0"/>
+          <a:chOff x="0" y="0"/>
+          <a:chExt cx="0" cy="0"/>
+        </a:xfrm>
+      </p:grpSpPr>
+      <p:sp>
+        <p:nvSpPr>
+          <p:cNvPr id="2" name="Título 1">
+            <a:extLst>
+              <a:ext uri="{FF2B5EF4-FFF2-40B4-BE49-F238E27FC236}">
+                <a16:creationId xmlns:a16="http://schemas.microsoft.com/office/drawing/2014/main" id="{51E579E3-4D4D-4391-A4DB-77F6C6DD84BE}"/>
+              </a:ext>
+            </a:extLst>
+          </p:cNvPr>
+          <p:cNvSpPr>
+            <a:spLocks noGrp="1"/>
+          </p:cNvSpPr>
+          <p:nvPr>
+            <p:ph type="title"/>
+          </p:nvPr>
+        </p:nvSpPr>
+        <p:spPr>
+          <a:xfrm>
+            <a:off x="900344" y="2766218"/>
+            <a:ext cx="10515600" cy="1325563"/>
+          </a:xfrm>
+        </p:spPr>
+        <p:txBody>
+          <a:bodyPr/>
+          <a:lstStyle/>
+          <a:p>
+            <a:r>
+              <a:rPr lang="es-ES" dirty="0">
+                <a:solidFill>
+                  <a:srgbClr val="000000"/>
+                </a:solidFill>
+                <a:latin typeface="Calibri" panose="020F0502020204030204" pitchFamily="34" charset="0"/>
+              </a:rPr>
+              <a:t>Page-</a:t>
+            </a:r>
+            <a:r>
+              <a:rPr lang="es-ES" dirty="0" err="1">
+                <a:solidFill>
+                  <a:srgbClr val="000000"/>
+                </a:solidFill>
+                <a:latin typeface="Calibri" panose="020F0502020204030204" pitchFamily="34" charset="0"/>
+              </a:rPr>
+              <a:t>Object</a:t>
+            </a:r>
+            <a:r>
+              <a:rPr lang="es-ES" dirty="0">
+                <a:solidFill>
+                  <a:srgbClr val="000000"/>
+                </a:solidFill>
+                <a:latin typeface="Calibri" panose="020F0502020204030204" pitchFamily="34" charset="0"/>
+              </a:rPr>
+              <a:t> </a:t>
+            </a:r>
+            <a:r>
+              <a:rPr lang="es-ES" dirty="0" err="1">
+                <a:solidFill>
+                  <a:srgbClr val="000000"/>
+                </a:solidFill>
+                <a:latin typeface="Calibri" panose="020F0502020204030204" pitchFamily="34" charset="0"/>
+              </a:rPr>
+              <a:t>pattern</a:t>
+            </a:r>
+            <a:endParaRPr lang="en-US" dirty="0"/>
+          </a:p>
+        </p:txBody>
+      </p:sp>
+    </p:spTree>
+    <p:extLst>
+      <p:ext uri="{BB962C8B-B14F-4D97-AF65-F5344CB8AC3E}">
+        <p14:creationId xmlns:p14="http://schemas.microsoft.com/office/powerpoint/2010/main" val="2983471730"/>
+      </p:ext>
+    </p:extLst>
+  </p:cSld>
+  <p:clrMapOvr>
+    <a:masterClrMapping/>
+  </p:clrMapOvr>
+</p:sld>
+</file>
+
+<file path=ppt/slides/slide38.xml><?xml version="1.0" encoding="utf-8"?>
+<p:sld xmlns:a="http://schemas.openxmlformats.org/drawingml/2006/main" xmlns:r="http://schemas.openxmlformats.org/officeDocument/2006/relationships" xmlns:p="http://schemas.openxmlformats.org/presentationml/2006/main">
+  <p:cSld>
     <p:bg>
       <p:bgPr>
         <a:solidFill>
-          <a:schemeClr val="bg1"/>
+          <a:srgbClr val="1E1E1E"/>
+        </a:solidFill>
+        <a:effectLst/>
+      </p:bgPr>
+    </p:bg>
+    <p:spTree>
+      <p:nvGrpSpPr>
+        <p:cNvPr id="1" name=""/>
+        <p:cNvGrpSpPr/>
+        <p:nvPr/>
+      </p:nvGrpSpPr>
+      <p:grpSpPr>
+        <a:xfrm>
+          <a:off x="0" y="0"/>
+          <a:ext cx="0" cy="0"/>
+          <a:chOff x="0" y="0"/>
+          <a:chExt cx="0" cy="0"/>
+        </a:xfrm>
+      </p:grpSpPr>
+      <p:sp>
+        <p:nvSpPr>
+          <p:cNvPr id="31" name="CuadroTexto 30">
+            <a:extLst>
+              <a:ext uri="{FF2B5EF4-FFF2-40B4-BE49-F238E27FC236}">
+                <a16:creationId xmlns:a16="http://schemas.microsoft.com/office/drawing/2014/main" id="{FBF7026D-12F4-4541-8110-DE706094717A}"/>
+              </a:ext>
+            </a:extLst>
+          </p:cNvPr>
+          <p:cNvSpPr txBox="1"/>
+          <p:nvPr/>
+        </p:nvSpPr>
+        <p:spPr>
+          <a:xfrm>
+            <a:off x="484863" y="185392"/>
+            <a:ext cx="3397994" cy="646331"/>
+          </a:xfrm>
+          <a:prstGeom prst="rect">
+            <a:avLst/>
+          </a:prstGeom>
+          <a:noFill/>
+        </p:spPr>
+        <p:txBody>
+          <a:bodyPr wrap="square" rtlCol="0">
+            <a:spAutoFit/>
+          </a:bodyPr>
+          <a:lstStyle/>
+          <a:p>
+            <a:r>
+              <a:rPr lang="en-US" sz="3600" dirty="0" err="1">
+                <a:solidFill>
+                  <a:srgbClr val="53A2D3"/>
+                </a:solidFill>
+              </a:rPr>
+              <a:t>Teoría</a:t>
+            </a:r>
+            <a:endParaRPr lang="en-US" sz="3600" dirty="0">
+              <a:solidFill>
+                <a:srgbClr val="53A2D3"/>
+              </a:solidFill>
+            </a:endParaRPr>
+          </a:p>
+        </p:txBody>
+      </p:sp>
+      <p:pic>
+        <p:nvPicPr>
+          <p:cNvPr id="30" name="Imagen 29">
+            <a:extLst>
+              <a:ext uri="{FF2B5EF4-FFF2-40B4-BE49-F238E27FC236}">
+                <a16:creationId xmlns:a16="http://schemas.microsoft.com/office/drawing/2014/main" id="{11AA3BEE-0DB9-4E5E-97F9-46B38CC019A4}"/>
+              </a:ext>
+            </a:extLst>
+          </p:cNvPr>
+          <p:cNvPicPr>
+            <a:picLocks noChangeAspect="1"/>
+          </p:cNvPicPr>
+          <p:nvPr/>
+        </p:nvPicPr>
+        <p:blipFill>
+          <a:blip r:embed="rId2"/>
+          <a:stretch>
+            <a:fillRect/>
+          </a:stretch>
+        </p:blipFill>
+        <p:spPr>
+          <a:xfrm>
+            <a:off x="320338" y="3308109"/>
+            <a:ext cx="4785360" cy="2990850"/>
+          </a:xfrm>
+          <a:prstGeom prst="rect">
+            <a:avLst/>
+          </a:prstGeom>
+          <a:effectLst>
+            <a:glow rad="25400">
+              <a:schemeClr val="bg1">
+                <a:alpha val="40000"/>
+              </a:schemeClr>
+            </a:glow>
+          </a:effectLst>
+        </p:spPr>
+      </p:pic>
+      <p:pic>
+        <p:nvPicPr>
+          <p:cNvPr id="33" name="Imagen 32">
+            <a:extLst>
+              <a:ext uri="{FF2B5EF4-FFF2-40B4-BE49-F238E27FC236}">
+                <a16:creationId xmlns:a16="http://schemas.microsoft.com/office/drawing/2014/main" id="{27AF6DC8-BCC6-43A0-ACB8-8E24581FFF99}"/>
+              </a:ext>
+            </a:extLst>
+          </p:cNvPr>
+          <p:cNvPicPr>
+            <a:picLocks noChangeAspect="1"/>
+          </p:cNvPicPr>
+          <p:nvPr/>
+        </p:nvPicPr>
+        <p:blipFill>
+          <a:blip r:embed="rId3"/>
+          <a:stretch>
+            <a:fillRect/>
+          </a:stretch>
+        </p:blipFill>
+        <p:spPr>
+          <a:xfrm>
+            <a:off x="6221148" y="252067"/>
+            <a:ext cx="5485989" cy="2262533"/>
+          </a:xfrm>
+          <a:prstGeom prst="rect">
+            <a:avLst/>
+          </a:prstGeom>
+          <a:effectLst>
+            <a:glow rad="25400">
+              <a:schemeClr val="bg1">
+                <a:alpha val="40000"/>
+              </a:schemeClr>
+            </a:glow>
+          </a:effectLst>
+        </p:spPr>
+      </p:pic>
+      <p:pic>
+        <p:nvPicPr>
+          <p:cNvPr id="2" name="Imagen 1">
+            <a:extLst>
+              <a:ext uri="{FF2B5EF4-FFF2-40B4-BE49-F238E27FC236}">
+                <a16:creationId xmlns:a16="http://schemas.microsoft.com/office/drawing/2014/main" id="{0D177CD9-B958-4BF5-9974-F66D391F7A44}"/>
+              </a:ext>
+            </a:extLst>
+          </p:cNvPr>
+          <p:cNvPicPr>
+            <a:picLocks noChangeAspect="1"/>
+          </p:cNvPicPr>
+          <p:nvPr/>
+        </p:nvPicPr>
+        <p:blipFill>
+          <a:blip r:embed="rId4"/>
+          <a:stretch>
+            <a:fillRect/>
+          </a:stretch>
+        </p:blipFill>
+        <p:spPr>
+          <a:xfrm>
+            <a:off x="6221148" y="3124301"/>
+            <a:ext cx="5491163" cy="3358466"/>
+          </a:xfrm>
+          <a:prstGeom prst="rect">
+            <a:avLst/>
+          </a:prstGeom>
+          <a:effectLst>
+            <a:glow rad="25400">
+              <a:schemeClr val="bg1">
+                <a:alpha val="40000"/>
+              </a:schemeClr>
+            </a:glow>
+          </a:effectLst>
+        </p:spPr>
+      </p:pic>
+      <p:cxnSp>
+        <p:nvCxnSpPr>
+          <p:cNvPr id="34" name="Conector recto de flecha 33">
+            <a:extLst>
+              <a:ext uri="{FF2B5EF4-FFF2-40B4-BE49-F238E27FC236}">
+                <a16:creationId xmlns:a16="http://schemas.microsoft.com/office/drawing/2014/main" id="{FE5B11F8-9635-41F2-BA0B-CF1CE47617E6}"/>
+              </a:ext>
+            </a:extLst>
+          </p:cNvPr>
+          <p:cNvCxnSpPr>
+            <a:cxnSpLocks/>
+            <a:stCxn id="2" idx="0"/>
+            <a:endCxn id="33" idx="2"/>
+          </p:cNvCxnSpPr>
+          <p:nvPr/>
+        </p:nvCxnSpPr>
+        <p:spPr>
+          <a:xfrm flipH="1" flipV="1">
+            <a:off x="8964143" y="2514600"/>
+            <a:ext cx="2587" cy="609701"/>
+          </a:xfrm>
+          <a:prstGeom prst="straightConnector1">
+            <a:avLst/>
+          </a:prstGeom>
+          <a:ln w="12700">
+            <a:solidFill>
+              <a:schemeClr val="bg1"/>
+            </a:solidFill>
+            <a:headEnd type="triangle"/>
+            <a:tailEnd type="triangle"/>
+          </a:ln>
+        </p:spPr>
+        <p:style>
+          <a:lnRef idx="1">
+            <a:schemeClr val="accent1"/>
+          </a:lnRef>
+          <a:fillRef idx="0">
+            <a:schemeClr val="accent1"/>
+          </a:fillRef>
+          <a:effectRef idx="0">
+            <a:schemeClr val="accent1"/>
+          </a:effectRef>
+          <a:fontRef idx="minor">
+            <a:schemeClr val="tx1"/>
+          </a:fontRef>
+        </p:style>
+      </p:cxnSp>
+      <p:sp>
+        <p:nvSpPr>
+          <p:cNvPr id="38" name="CuadroTexto 37">
+            <a:extLst>
+              <a:ext uri="{FF2B5EF4-FFF2-40B4-BE49-F238E27FC236}">
+                <a16:creationId xmlns:a16="http://schemas.microsoft.com/office/drawing/2014/main" id="{E593275B-18D5-4ED5-B785-2CD80B46AC8E}"/>
+              </a:ext>
+            </a:extLst>
+          </p:cNvPr>
+          <p:cNvSpPr txBox="1"/>
+          <p:nvPr/>
+        </p:nvSpPr>
+        <p:spPr>
+          <a:xfrm>
+            <a:off x="8964141" y="2650173"/>
+            <a:ext cx="1758422" cy="338554"/>
+          </a:xfrm>
+          <a:prstGeom prst="rect">
+            <a:avLst/>
+          </a:prstGeom>
+          <a:noFill/>
+        </p:spPr>
+        <p:txBody>
+          <a:bodyPr wrap="square" rtlCol="0">
+            <a:spAutoFit/>
+          </a:bodyPr>
+          <a:lstStyle/>
+          <a:p>
+            <a:r>
+              <a:rPr lang="en-US" sz="1600" dirty="0">
+                <a:solidFill>
+                  <a:schemeClr val="bg1"/>
+                </a:solidFill>
+              </a:rPr>
+              <a:t>reads and interacts</a:t>
+            </a:r>
+          </a:p>
+        </p:txBody>
+      </p:sp>
+      <p:sp>
+        <p:nvSpPr>
+          <p:cNvPr id="39" name="CuadroTexto 38">
+            <a:extLst>
+              <a:ext uri="{FF2B5EF4-FFF2-40B4-BE49-F238E27FC236}">
+                <a16:creationId xmlns:a16="http://schemas.microsoft.com/office/drawing/2014/main" id="{E933C427-2012-4298-BAC7-CF5FE7311DE1}"/>
+              </a:ext>
+            </a:extLst>
+          </p:cNvPr>
+          <p:cNvSpPr txBox="1"/>
+          <p:nvPr/>
+        </p:nvSpPr>
+        <p:spPr>
+          <a:xfrm>
+            <a:off x="5282744" y="4434202"/>
+            <a:ext cx="1376218" cy="369332"/>
+          </a:xfrm>
+          <a:prstGeom prst="rect">
+            <a:avLst/>
+          </a:prstGeom>
+          <a:noFill/>
+        </p:spPr>
+        <p:txBody>
+          <a:bodyPr wrap="square" rtlCol="0">
+            <a:spAutoFit/>
+          </a:bodyPr>
+          <a:lstStyle/>
+          <a:p>
+            <a:r>
+              <a:rPr lang="en-US" dirty="0">
+                <a:solidFill>
+                  <a:schemeClr val="bg1"/>
+                </a:solidFill>
+              </a:rPr>
+              <a:t>calls</a:t>
+            </a:r>
+          </a:p>
+        </p:txBody>
+      </p:sp>
+      <p:cxnSp>
+        <p:nvCxnSpPr>
+          <p:cNvPr id="40" name="Conector recto de flecha 39">
+            <a:extLst>
+              <a:ext uri="{FF2B5EF4-FFF2-40B4-BE49-F238E27FC236}">
+                <a16:creationId xmlns:a16="http://schemas.microsoft.com/office/drawing/2014/main" id="{65ADA00B-B061-4BC6-8BEA-533E11C25C79}"/>
+              </a:ext>
+            </a:extLst>
+          </p:cNvPr>
+          <p:cNvCxnSpPr>
+            <a:cxnSpLocks/>
+            <a:stCxn id="30" idx="3"/>
+            <a:endCxn id="2" idx="1"/>
+          </p:cNvCxnSpPr>
+          <p:nvPr/>
+        </p:nvCxnSpPr>
+        <p:spPr>
+          <a:xfrm>
+            <a:off x="5105698" y="4803534"/>
+            <a:ext cx="1115450" cy="0"/>
+          </a:xfrm>
+          <a:prstGeom prst="straightConnector1">
+            <a:avLst/>
+          </a:prstGeom>
+          <a:ln w="12700">
+            <a:solidFill>
+              <a:schemeClr val="bg1"/>
+            </a:solidFill>
+            <a:tailEnd type="triangle"/>
+          </a:ln>
+        </p:spPr>
+        <p:style>
+          <a:lnRef idx="1">
+            <a:schemeClr val="accent1"/>
+          </a:lnRef>
+          <a:fillRef idx="0">
+            <a:schemeClr val="accent1"/>
+          </a:fillRef>
+          <a:effectRef idx="0">
+            <a:schemeClr val="accent1"/>
+          </a:effectRef>
+          <a:fontRef idx="minor">
+            <a:schemeClr val="tx1"/>
+          </a:fontRef>
+        </p:style>
+      </p:cxnSp>
+    </p:spTree>
+    <p:extLst>
+      <p:ext uri="{BB962C8B-B14F-4D97-AF65-F5344CB8AC3E}">
+        <p14:creationId xmlns:p14="http://schemas.microsoft.com/office/powerpoint/2010/main" val="2070501123"/>
+      </p:ext>
+    </p:extLst>
+  </p:cSld>
+  <p:clrMapOvr>
+    <a:masterClrMapping/>
+  </p:clrMapOvr>
+</p:sld>
+</file>
+
+<file path=ppt/slides/slide39.xml><?xml version="1.0" encoding="utf-8"?>
+<p:sld xmlns:a="http://schemas.openxmlformats.org/drawingml/2006/main" xmlns:r="http://schemas.openxmlformats.org/officeDocument/2006/relationships" xmlns:p="http://schemas.openxmlformats.org/presentationml/2006/main">
+  <p:cSld>
+    <p:bg>
+      <p:bgPr>
+        <a:solidFill>
+          <a:srgbClr val="1E1E1E"/>
         </a:solidFill>
         <a:effectLst/>
       </p:bgPr>
@@ -12382,10 +13139,10 @@
       </p:grpSpPr>
       <p:pic>
         <p:nvPicPr>
-          <p:cNvPr id="3" name="Imagen 2" descr="Captura de pantalla de un celular&#10;&#10;Descripción generada automáticamente">
-            <a:extLst>
-              <a:ext uri="{FF2B5EF4-FFF2-40B4-BE49-F238E27FC236}">
-                <a16:creationId xmlns:a16="http://schemas.microsoft.com/office/drawing/2014/main" id="{5A053BAB-5B07-4515-A730-99649EA7B7CC}"/>
+          <p:cNvPr id="7" name="Imagen 6">
+            <a:extLst>
+              <a:ext uri="{FF2B5EF4-FFF2-40B4-BE49-F238E27FC236}">
+                <a16:creationId xmlns:a16="http://schemas.microsoft.com/office/drawing/2014/main" id="{2CFE6195-EA83-4C47-A03F-329D229C5AB7}"/>
               </a:ext>
             </a:extLst>
           </p:cNvPr>
@@ -12402,18 +13159,309 @@
         </p:blipFill>
         <p:spPr>
           <a:xfrm>
-            <a:off x="840277" y="643467"/>
-            <a:ext cx="10511445" cy="5571066"/>
-          </a:xfrm>
-          <a:prstGeom prst="rect">
-            <a:avLst/>
-          </a:prstGeom>
+            <a:off x="207896" y="2087591"/>
+            <a:ext cx="5179886" cy="4335534"/>
+          </a:xfrm>
+          <a:prstGeom prst="rect">
+            <a:avLst/>
+          </a:prstGeom>
+          <a:effectLst>
+            <a:glow rad="25400">
+              <a:schemeClr val="bg1">
+                <a:alpha val="40000"/>
+              </a:schemeClr>
+            </a:glow>
+          </a:effectLst>
         </p:spPr>
       </p:pic>
+      <p:pic>
+        <p:nvPicPr>
+          <p:cNvPr id="11" name="Imagen 10">
+            <a:extLst>
+              <a:ext uri="{FF2B5EF4-FFF2-40B4-BE49-F238E27FC236}">
+                <a16:creationId xmlns:a16="http://schemas.microsoft.com/office/drawing/2014/main" id="{FACE3969-615E-4C45-B56D-19518D2A9CE0}"/>
+              </a:ext>
+            </a:extLst>
+          </p:cNvPr>
+          <p:cNvPicPr>
+            <a:picLocks noChangeAspect="1"/>
+          </p:cNvPicPr>
+          <p:nvPr/>
+        </p:nvPicPr>
+        <p:blipFill>
+          <a:blip r:embed="rId3"/>
+          <a:stretch>
+            <a:fillRect/>
+          </a:stretch>
+        </p:blipFill>
+        <p:spPr>
+          <a:xfrm>
+            <a:off x="6151615" y="1849550"/>
+            <a:ext cx="5830965" cy="4823295"/>
+          </a:xfrm>
+          <a:prstGeom prst="rect">
+            <a:avLst/>
+          </a:prstGeom>
+          <a:effectLst>
+            <a:glow rad="25400">
+              <a:schemeClr val="bg1">
+                <a:alpha val="40000"/>
+              </a:schemeClr>
+            </a:glow>
+          </a:effectLst>
+        </p:spPr>
+      </p:pic>
+      <p:pic>
+        <p:nvPicPr>
+          <p:cNvPr id="13" name="Imagen 12">
+            <a:extLst>
+              <a:ext uri="{FF2B5EF4-FFF2-40B4-BE49-F238E27FC236}">
+                <a16:creationId xmlns:a16="http://schemas.microsoft.com/office/drawing/2014/main" id="{DB69B325-2AFF-4143-A6CE-6A622ECFDFA2}"/>
+              </a:ext>
+            </a:extLst>
+          </p:cNvPr>
+          <p:cNvPicPr>
+            <a:picLocks noChangeAspect="1"/>
+          </p:cNvPicPr>
+          <p:nvPr/>
+        </p:nvPicPr>
+        <p:blipFill>
+          <a:blip r:embed="rId4"/>
+          <a:stretch>
+            <a:fillRect/>
+          </a:stretch>
+        </p:blipFill>
+        <p:spPr>
+          <a:xfrm>
+            <a:off x="6267604" y="433524"/>
+            <a:ext cx="5598986" cy="664286"/>
+          </a:xfrm>
+          <a:prstGeom prst="rect">
+            <a:avLst/>
+          </a:prstGeom>
+          <a:effectLst>
+            <a:glow rad="25400">
+              <a:schemeClr val="bg1">
+                <a:alpha val="40000"/>
+              </a:schemeClr>
+            </a:glow>
+          </a:effectLst>
+        </p:spPr>
+      </p:pic>
+      <p:sp>
+        <p:nvSpPr>
+          <p:cNvPr id="25" name="CuadroTexto 24">
+            <a:extLst>
+              <a:ext uri="{FF2B5EF4-FFF2-40B4-BE49-F238E27FC236}">
+                <a16:creationId xmlns:a16="http://schemas.microsoft.com/office/drawing/2014/main" id="{19C6170D-CFD8-49E4-816C-97EDFBA2B700}"/>
+              </a:ext>
+            </a:extLst>
+          </p:cNvPr>
+          <p:cNvSpPr txBox="1"/>
+          <p:nvPr/>
+        </p:nvSpPr>
+        <p:spPr>
+          <a:xfrm>
+            <a:off x="5407891" y="3891865"/>
+            <a:ext cx="1376218" cy="369332"/>
+          </a:xfrm>
+          <a:prstGeom prst="rect">
+            <a:avLst/>
+          </a:prstGeom>
+          <a:noFill/>
+        </p:spPr>
+        <p:txBody>
+          <a:bodyPr wrap="square" rtlCol="0">
+            <a:spAutoFit/>
+          </a:bodyPr>
+          <a:lstStyle/>
+          <a:p>
+            <a:r>
+              <a:rPr lang="en-US" dirty="0">
+                <a:solidFill>
+                  <a:schemeClr val="bg1"/>
+                </a:solidFill>
+              </a:rPr>
+              <a:t>calls</a:t>
+            </a:r>
+          </a:p>
+        </p:txBody>
+      </p:sp>
+      <p:cxnSp>
+        <p:nvCxnSpPr>
+          <p:cNvPr id="26" name="Conector recto de flecha 25">
+            <a:extLst>
+              <a:ext uri="{FF2B5EF4-FFF2-40B4-BE49-F238E27FC236}">
+                <a16:creationId xmlns:a16="http://schemas.microsoft.com/office/drawing/2014/main" id="{76AE51E0-8D6F-4932-8634-0B5B6F4E744C}"/>
+              </a:ext>
+            </a:extLst>
+          </p:cNvPr>
+          <p:cNvCxnSpPr>
+            <a:cxnSpLocks/>
+            <a:stCxn id="7" idx="3"/>
+            <a:endCxn id="11" idx="1"/>
+          </p:cNvCxnSpPr>
+          <p:nvPr/>
+        </p:nvCxnSpPr>
+        <p:spPr>
+          <a:xfrm>
+            <a:off x="5387782" y="4255358"/>
+            <a:ext cx="763833" cy="5840"/>
+          </a:xfrm>
+          <a:prstGeom prst="straightConnector1">
+            <a:avLst/>
+          </a:prstGeom>
+          <a:ln w="12700">
+            <a:solidFill>
+              <a:schemeClr val="bg1"/>
+            </a:solidFill>
+            <a:tailEnd type="triangle"/>
+          </a:ln>
+        </p:spPr>
+        <p:style>
+          <a:lnRef idx="1">
+            <a:schemeClr val="accent1"/>
+          </a:lnRef>
+          <a:fillRef idx="0">
+            <a:schemeClr val="accent1"/>
+          </a:fillRef>
+          <a:effectRef idx="0">
+            <a:schemeClr val="accent1"/>
+          </a:effectRef>
+          <a:fontRef idx="minor">
+            <a:schemeClr val="tx1"/>
+          </a:fontRef>
+        </p:style>
+      </p:cxnSp>
+      <p:cxnSp>
+        <p:nvCxnSpPr>
+          <p:cNvPr id="29" name="Conector recto de flecha 28">
+            <a:extLst>
+              <a:ext uri="{FF2B5EF4-FFF2-40B4-BE49-F238E27FC236}">
+                <a16:creationId xmlns:a16="http://schemas.microsoft.com/office/drawing/2014/main" id="{03CB87ED-D98B-4404-8865-52F51E0F0D1A}"/>
+              </a:ext>
+            </a:extLst>
+          </p:cNvPr>
+          <p:cNvCxnSpPr>
+            <a:cxnSpLocks/>
+            <a:stCxn id="11" idx="0"/>
+            <a:endCxn id="13" idx="2"/>
+          </p:cNvCxnSpPr>
+          <p:nvPr/>
+        </p:nvCxnSpPr>
+        <p:spPr>
+          <a:xfrm flipH="1" flipV="1">
+            <a:off x="9067097" y="1097810"/>
+            <a:ext cx="1" cy="751740"/>
+          </a:xfrm>
+          <a:prstGeom prst="straightConnector1">
+            <a:avLst/>
+          </a:prstGeom>
+          <a:ln w="12700">
+            <a:solidFill>
+              <a:schemeClr val="bg1"/>
+            </a:solidFill>
+            <a:headEnd type="triangle"/>
+            <a:tailEnd type="triangle"/>
+          </a:ln>
+        </p:spPr>
+        <p:style>
+          <a:lnRef idx="1">
+            <a:schemeClr val="accent1"/>
+          </a:lnRef>
+          <a:fillRef idx="0">
+            <a:schemeClr val="accent1"/>
+          </a:fillRef>
+          <a:effectRef idx="0">
+            <a:schemeClr val="accent1"/>
+          </a:effectRef>
+          <a:fontRef idx="minor">
+            <a:schemeClr val="tx1"/>
+          </a:fontRef>
+        </p:style>
+      </p:cxnSp>
+      <p:sp>
+        <p:nvSpPr>
+          <p:cNvPr id="30" name="CuadroTexto 29">
+            <a:extLst>
+              <a:ext uri="{FF2B5EF4-FFF2-40B4-BE49-F238E27FC236}">
+                <a16:creationId xmlns:a16="http://schemas.microsoft.com/office/drawing/2014/main" id="{97B5AC85-396E-4BE9-9E35-EC6CFF814F96}"/>
+              </a:ext>
+            </a:extLst>
+          </p:cNvPr>
+          <p:cNvSpPr txBox="1"/>
+          <p:nvPr/>
+        </p:nvSpPr>
+        <p:spPr>
+          <a:xfrm>
+            <a:off x="9067097" y="1304403"/>
+            <a:ext cx="1758422" cy="338554"/>
+          </a:xfrm>
+          <a:prstGeom prst="rect">
+            <a:avLst/>
+          </a:prstGeom>
+          <a:noFill/>
+        </p:spPr>
+        <p:txBody>
+          <a:bodyPr wrap="square" rtlCol="0">
+            <a:spAutoFit/>
+          </a:bodyPr>
+          <a:lstStyle/>
+          <a:p>
+            <a:r>
+              <a:rPr lang="en-US" sz="1600" dirty="0">
+                <a:solidFill>
+                  <a:schemeClr val="bg1"/>
+                </a:solidFill>
+              </a:rPr>
+              <a:t>reads and interacts</a:t>
+            </a:r>
+          </a:p>
+        </p:txBody>
+      </p:sp>
+      <p:sp>
+        <p:nvSpPr>
+          <p:cNvPr id="36" name="CuadroTexto 35">
+            <a:extLst>
+              <a:ext uri="{FF2B5EF4-FFF2-40B4-BE49-F238E27FC236}">
+                <a16:creationId xmlns:a16="http://schemas.microsoft.com/office/drawing/2014/main" id="{8D5F8848-69CC-474A-8B0C-8685958FFF9D}"/>
+              </a:ext>
+            </a:extLst>
+          </p:cNvPr>
+          <p:cNvSpPr txBox="1"/>
+          <p:nvPr/>
+        </p:nvSpPr>
+        <p:spPr>
+          <a:xfrm>
+            <a:off x="361700" y="215130"/>
+            <a:ext cx="3397994" cy="646331"/>
+          </a:xfrm>
+          <a:prstGeom prst="rect">
+            <a:avLst/>
+          </a:prstGeom>
+          <a:noFill/>
+        </p:spPr>
+        <p:txBody>
+          <a:bodyPr wrap="square" rtlCol="0">
+            <a:spAutoFit/>
+          </a:bodyPr>
+          <a:lstStyle/>
+          <a:p>
+            <a:r>
+              <a:rPr lang="en-US" sz="3600" dirty="0">
+                <a:solidFill>
+                  <a:srgbClr val="53A2D3"/>
+                </a:solidFill>
+              </a:rPr>
+              <a:t>Mundo real</a:t>
+            </a:r>
+          </a:p>
+        </p:txBody>
+      </p:sp>
     </p:spTree>
     <p:extLst>
       <p:ext uri="{BB962C8B-B14F-4D97-AF65-F5344CB8AC3E}">
-        <p14:creationId xmlns:p14="http://schemas.microsoft.com/office/powerpoint/2010/main" val="2266530384"/>
+        <p14:creationId xmlns:p14="http://schemas.microsoft.com/office/powerpoint/2010/main" val="181309968"/>
       </p:ext>
     </p:extLst>
   </p:cSld>
@@ -12770,6 +13818,74 @@
     <p:extLst>
       <p:ext uri="{BB962C8B-B14F-4D97-AF65-F5344CB8AC3E}">
         <p14:creationId xmlns:p14="http://schemas.microsoft.com/office/powerpoint/2010/main" val="4145431675"/>
+      </p:ext>
+    </p:extLst>
+  </p:cSld>
+  <p:clrMapOvr>
+    <a:masterClrMapping/>
+  </p:clrMapOvr>
+</p:sld>
+</file>
+
+<file path=ppt/slides/slide40.xml><?xml version="1.0" encoding="utf-8"?>
+<p:sld xmlns:a="http://schemas.openxmlformats.org/drawingml/2006/main" xmlns:r="http://schemas.openxmlformats.org/officeDocument/2006/relationships" xmlns:p="http://schemas.openxmlformats.org/presentationml/2006/main">
+  <p:cSld>
+    <p:bg>
+      <p:bgPr>
+        <a:solidFill>
+          <a:schemeClr val="bg1"/>
+        </a:solidFill>
+        <a:effectLst/>
+      </p:bgPr>
+    </p:bg>
+    <p:spTree>
+      <p:nvGrpSpPr>
+        <p:cNvPr id="1" name=""/>
+        <p:cNvGrpSpPr/>
+        <p:nvPr/>
+      </p:nvGrpSpPr>
+      <p:grpSpPr>
+        <a:xfrm>
+          <a:off x="0" y="0"/>
+          <a:ext cx="0" cy="0"/>
+          <a:chOff x="0" y="0"/>
+          <a:chExt cx="0" cy="0"/>
+        </a:xfrm>
+      </p:grpSpPr>
+      <p:pic>
+        <p:nvPicPr>
+          <p:cNvPr id="3" name="Imagen 2" descr="Captura de pantalla de un celular&#10;&#10;Descripción generada automáticamente">
+            <a:extLst>
+              <a:ext uri="{FF2B5EF4-FFF2-40B4-BE49-F238E27FC236}">
+                <a16:creationId xmlns:a16="http://schemas.microsoft.com/office/drawing/2014/main" id="{5A053BAB-5B07-4515-A730-99649EA7B7CC}"/>
+              </a:ext>
+            </a:extLst>
+          </p:cNvPr>
+          <p:cNvPicPr>
+            <a:picLocks noChangeAspect="1"/>
+          </p:cNvPicPr>
+          <p:nvPr/>
+        </p:nvPicPr>
+        <p:blipFill>
+          <a:blip r:embed="rId2"/>
+          <a:stretch>
+            <a:fillRect/>
+          </a:stretch>
+        </p:blipFill>
+        <p:spPr>
+          <a:xfrm>
+            <a:off x="840277" y="643467"/>
+            <a:ext cx="10511445" cy="5571066"/>
+          </a:xfrm>
+          <a:prstGeom prst="rect">
+            <a:avLst/>
+          </a:prstGeom>
+        </p:spPr>
+      </p:pic>
+    </p:spTree>
+    <p:extLst>
+      <p:ext uri="{BB962C8B-B14F-4D97-AF65-F5344CB8AC3E}">
+        <p14:creationId xmlns:p14="http://schemas.microsoft.com/office/powerpoint/2010/main" val="2266530384"/>
       </p:ext>
     </p:extLst>
   </p:cSld>

--- a/slides/Patrones de diseño con Typescript en el mundo real.pptx
+++ b/slides/Patrones de diseño con Typescript en el mundo real.pptx
@@ -300,7 +300,7 @@
           <a:p>
             <a:fld id="{0985B797-0E29-4660-9B0F-1C71CA65525C}" type="datetimeFigureOut">
               <a:rPr lang="en-US" smtClean="0"/>
-              <a:t>10/29/2019</a:t>
+              <a:t>10/30/2019</a:t>
             </a:fld>
             <a:endParaRPr lang="en-US"/>
           </a:p>
@@ -500,7 +500,7 @@
           <a:p>
             <a:fld id="{0985B797-0E29-4660-9B0F-1C71CA65525C}" type="datetimeFigureOut">
               <a:rPr lang="en-US" smtClean="0"/>
-              <a:t>10/29/2019</a:t>
+              <a:t>10/30/2019</a:t>
             </a:fld>
             <a:endParaRPr lang="en-US"/>
           </a:p>
@@ -710,7 +710,7 @@
           <a:p>
             <a:fld id="{0985B797-0E29-4660-9B0F-1C71CA65525C}" type="datetimeFigureOut">
               <a:rPr lang="en-US" smtClean="0"/>
-              <a:t>10/29/2019</a:t>
+              <a:t>10/30/2019</a:t>
             </a:fld>
             <a:endParaRPr lang="en-US"/>
           </a:p>
@@ -910,7 +910,7 @@
           <a:p>
             <a:fld id="{0985B797-0E29-4660-9B0F-1C71CA65525C}" type="datetimeFigureOut">
               <a:rPr lang="en-US" smtClean="0"/>
-              <a:t>10/29/2019</a:t>
+              <a:t>10/30/2019</a:t>
             </a:fld>
             <a:endParaRPr lang="en-US"/>
           </a:p>
@@ -1186,7 +1186,7 @@
           <a:p>
             <a:fld id="{0985B797-0E29-4660-9B0F-1C71CA65525C}" type="datetimeFigureOut">
               <a:rPr lang="en-US" smtClean="0"/>
-              <a:t>10/29/2019</a:t>
+              <a:t>10/30/2019</a:t>
             </a:fld>
             <a:endParaRPr lang="en-US"/>
           </a:p>
@@ -1454,7 +1454,7 @@
           <a:p>
             <a:fld id="{0985B797-0E29-4660-9B0F-1C71CA65525C}" type="datetimeFigureOut">
               <a:rPr lang="en-US" smtClean="0"/>
-              <a:t>10/29/2019</a:t>
+              <a:t>10/30/2019</a:t>
             </a:fld>
             <a:endParaRPr lang="en-US"/>
           </a:p>
@@ -1869,7 +1869,7 @@
           <a:p>
             <a:fld id="{0985B797-0E29-4660-9B0F-1C71CA65525C}" type="datetimeFigureOut">
               <a:rPr lang="en-US" smtClean="0"/>
-              <a:t>10/29/2019</a:t>
+              <a:t>10/30/2019</a:t>
             </a:fld>
             <a:endParaRPr lang="en-US"/>
           </a:p>
@@ -2011,7 +2011,7 @@
           <a:p>
             <a:fld id="{0985B797-0E29-4660-9B0F-1C71CA65525C}" type="datetimeFigureOut">
               <a:rPr lang="en-US" smtClean="0"/>
-              <a:t>10/29/2019</a:t>
+              <a:t>10/30/2019</a:t>
             </a:fld>
             <a:endParaRPr lang="en-US"/>
           </a:p>
@@ -2124,7 +2124,7 @@
           <a:p>
             <a:fld id="{0985B797-0E29-4660-9B0F-1C71CA65525C}" type="datetimeFigureOut">
               <a:rPr lang="en-US" smtClean="0"/>
-              <a:t>10/29/2019</a:t>
+              <a:t>10/30/2019</a:t>
             </a:fld>
             <a:endParaRPr lang="en-US"/>
           </a:p>
@@ -2437,7 +2437,7 @@
           <a:p>
             <a:fld id="{0985B797-0E29-4660-9B0F-1C71CA65525C}" type="datetimeFigureOut">
               <a:rPr lang="en-US" smtClean="0"/>
-              <a:t>10/29/2019</a:t>
+              <a:t>10/30/2019</a:t>
             </a:fld>
             <a:endParaRPr lang="en-US"/>
           </a:p>
@@ -2726,7 +2726,7 @@
           <a:p>
             <a:fld id="{0985B797-0E29-4660-9B0F-1C71CA65525C}" type="datetimeFigureOut">
               <a:rPr lang="en-US" smtClean="0"/>
-              <a:t>10/29/2019</a:t>
+              <a:t>10/30/2019</a:t>
             </a:fld>
             <a:endParaRPr lang="en-US"/>
           </a:p>
@@ -2969,7 +2969,7 @@
           <a:p>
             <a:fld id="{0985B797-0E29-4660-9B0F-1C71CA65525C}" type="datetimeFigureOut">
               <a:rPr lang="en-US" smtClean="0"/>
-              <a:t>10/29/2019</a:t>
+              <a:t>10/30/2019</a:t>
             </a:fld>
             <a:endParaRPr lang="en-US"/>
           </a:p>
@@ -11715,10 +11715,10 @@
       </p:sp>
       <p:pic>
         <p:nvPicPr>
-          <p:cNvPr id="18" name="Imagen 17">
-            <a:extLst>
-              <a:ext uri="{FF2B5EF4-FFF2-40B4-BE49-F238E27FC236}">
-                <a16:creationId xmlns:a16="http://schemas.microsoft.com/office/drawing/2014/main" id="{7100EEAD-5007-4563-B3A6-F4D7A44A81B0}"/>
+          <p:cNvPr id="19" name="Imagen 18">
+            <a:extLst>
+              <a:ext uri="{FF2B5EF4-FFF2-40B4-BE49-F238E27FC236}">
+                <a16:creationId xmlns:a16="http://schemas.microsoft.com/office/drawing/2014/main" id="{AD0CDA8F-35A5-48B4-9D35-466C095B6E83}"/>
               </a:ext>
             </a:extLst>
           </p:cNvPr>
@@ -11735,8 +11735,8 @@
         </p:blipFill>
         <p:spPr>
           <a:xfrm>
-            <a:off x="6439688" y="431999"/>
-            <a:ext cx="5124450" cy="1543050"/>
+            <a:off x="2464109" y="3141771"/>
+            <a:ext cx="6286500" cy="3343275"/>
           </a:xfrm>
           <a:prstGeom prst="rect">
             <a:avLst/>
@@ -11752,10 +11752,10 @@
       </p:pic>
       <p:pic>
         <p:nvPicPr>
-          <p:cNvPr id="19" name="Imagen 18">
-            <a:extLst>
-              <a:ext uri="{FF2B5EF4-FFF2-40B4-BE49-F238E27FC236}">
-                <a16:creationId xmlns:a16="http://schemas.microsoft.com/office/drawing/2014/main" id="{AD0CDA8F-35A5-48B4-9D35-466C095B6E83}"/>
+          <p:cNvPr id="20" name="Imagen 19">
+            <a:extLst>
+              <a:ext uri="{FF2B5EF4-FFF2-40B4-BE49-F238E27FC236}">
+                <a16:creationId xmlns:a16="http://schemas.microsoft.com/office/drawing/2014/main" id="{0CB9DBB1-A444-47E7-8C56-084B56BC9929}"/>
               </a:ext>
             </a:extLst>
           </p:cNvPr>
@@ -11772,8 +11772,8 @@
         </p:blipFill>
         <p:spPr>
           <a:xfrm>
-            <a:off x="2464109" y="3141771"/>
-            <a:ext cx="6286500" cy="3343275"/>
+            <a:off x="1170789" y="1365448"/>
+            <a:ext cx="2019300" cy="1219200"/>
           </a:xfrm>
           <a:prstGeom prst="rect">
             <a:avLst/>
@@ -11787,12 +11787,265 @@
           </a:effectLst>
         </p:spPr>
       </p:pic>
+      <p:cxnSp>
+        <p:nvCxnSpPr>
+          <p:cNvPr id="21" name="Conector recto de flecha 20">
+            <a:extLst>
+              <a:ext uri="{FF2B5EF4-FFF2-40B4-BE49-F238E27FC236}">
+                <a16:creationId xmlns:a16="http://schemas.microsoft.com/office/drawing/2014/main" id="{6081FD7E-32DF-4951-9784-B2FFCABB9DBB}"/>
+              </a:ext>
+            </a:extLst>
+          </p:cNvPr>
+          <p:cNvCxnSpPr>
+            <a:cxnSpLocks/>
+            <a:stCxn id="19" idx="0"/>
+            <a:endCxn id="20" idx="3"/>
+          </p:cNvCxnSpPr>
+          <p:nvPr/>
+        </p:nvCxnSpPr>
+        <p:spPr>
+          <a:xfrm flipH="1" flipV="1">
+            <a:off x="3190089" y="1975048"/>
+            <a:ext cx="2417270" cy="1166723"/>
+          </a:xfrm>
+          <a:prstGeom prst="straightConnector1">
+            <a:avLst/>
+          </a:prstGeom>
+          <a:ln w="12700">
+            <a:solidFill>
+              <a:schemeClr val="bg1"/>
+            </a:solidFill>
+            <a:tailEnd type="triangle"/>
+          </a:ln>
+        </p:spPr>
+        <p:style>
+          <a:lnRef idx="1">
+            <a:schemeClr val="accent1"/>
+          </a:lnRef>
+          <a:fillRef idx="0">
+            <a:schemeClr val="accent1"/>
+          </a:fillRef>
+          <a:effectRef idx="0">
+            <a:schemeClr val="accent1"/>
+          </a:effectRef>
+          <a:fontRef idx="minor">
+            <a:schemeClr val="tx1"/>
+          </a:fontRef>
+        </p:style>
+      </p:cxnSp>
+      <p:sp>
+        <p:nvSpPr>
+          <p:cNvPr id="22" name="CuadroTexto 21">
+            <a:extLst>
+              <a:ext uri="{FF2B5EF4-FFF2-40B4-BE49-F238E27FC236}">
+                <a16:creationId xmlns:a16="http://schemas.microsoft.com/office/drawing/2014/main" id="{C441E18B-5085-4218-841B-6CBDE9D09AA2}"/>
+              </a:ext>
+            </a:extLst>
+          </p:cNvPr>
+          <p:cNvSpPr txBox="1"/>
+          <p:nvPr/>
+        </p:nvSpPr>
+        <p:spPr>
+          <a:xfrm rot="1518848">
+            <a:off x="3913144" y="2251538"/>
+            <a:ext cx="1376218" cy="369332"/>
+          </a:xfrm>
+          <a:prstGeom prst="rect">
+            <a:avLst/>
+          </a:prstGeom>
+          <a:noFill/>
+        </p:spPr>
+        <p:txBody>
+          <a:bodyPr wrap="square" rtlCol="0">
+            <a:spAutoFit/>
+          </a:bodyPr>
+          <a:lstStyle/>
+          <a:p>
+            <a:r>
+              <a:rPr lang="en-US" dirty="0">
+                <a:solidFill>
+                  <a:schemeClr val="bg1"/>
+                </a:solidFill>
+              </a:rPr>
+              <a:t>contains</a:t>
+            </a:r>
+          </a:p>
+        </p:txBody>
+      </p:sp>
+      <p:cxnSp>
+        <p:nvCxnSpPr>
+          <p:cNvPr id="23" name="Conector recto de flecha 22">
+            <a:extLst>
+              <a:ext uri="{FF2B5EF4-FFF2-40B4-BE49-F238E27FC236}">
+                <a16:creationId xmlns:a16="http://schemas.microsoft.com/office/drawing/2014/main" id="{574D6455-8697-43A6-AD09-A3DEB8692CB8}"/>
+              </a:ext>
+            </a:extLst>
+          </p:cNvPr>
+          <p:cNvCxnSpPr>
+            <a:cxnSpLocks/>
+          </p:cNvCxnSpPr>
+          <p:nvPr/>
+        </p:nvCxnSpPr>
+        <p:spPr>
+          <a:xfrm flipV="1">
+            <a:off x="7123569" y="1975049"/>
+            <a:ext cx="1878344" cy="1166723"/>
+          </a:xfrm>
+          <a:prstGeom prst="straightConnector1">
+            <a:avLst/>
+          </a:prstGeom>
+          <a:ln w="12700">
+            <a:solidFill>
+              <a:schemeClr val="bg1"/>
+            </a:solidFill>
+            <a:headEnd type="none"/>
+            <a:tailEnd type="triangle"/>
+          </a:ln>
+        </p:spPr>
+        <p:style>
+          <a:lnRef idx="1">
+            <a:schemeClr val="accent1"/>
+          </a:lnRef>
+          <a:fillRef idx="0">
+            <a:schemeClr val="accent1"/>
+          </a:fillRef>
+          <a:effectRef idx="0">
+            <a:schemeClr val="accent1"/>
+          </a:effectRef>
+          <a:fontRef idx="minor">
+            <a:schemeClr val="tx1"/>
+          </a:fontRef>
+        </p:style>
+      </p:cxnSp>
+      <p:sp>
+        <p:nvSpPr>
+          <p:cNvPr id="25" name="CuadroTexto 24">
+            <a:extLst>
+              <a:ext uri="{FF2B5EF4-FFF2-40B4-BE49-F238E27FC236}">
+                <a16:creationId xmlns:a16="http://schemas.microsoft.com/office/drawing/2014/main" id="{02F6BD05-4155-4839-8166-B0525AEC5FB7}"/>
+              </a:ext>
+            </a:extLst>
+          </p:cNvPr>
+          <p:cNvSpPr txBox="1"/>
+          <p:nvPr/>
+        </p:nvSpPr>
+        <p:spPr>
+          <a:xfrm rot="19684380">
+            <a:off x="7321205" y="2156818"/>
+            <a:ext cx="1376218" cy="369332"/>
+          </a:xfrm>
+          <a:prstGeom prst="rect">
+            <a:avLst/>
+          </a:prstGeom>
+          <a:noFill/>
+        </p:spPr>
+        <p:txBody>
+          <a:bodyPr wrap="square" rtlCol="0">
+            <a:spAutoFit/>
+          </a:bodyPr>
+          <a:lstStyle/>
+          <a:p>
+            <a:r>
+              <a:rPr lang="en-US" dirty="0">
+                <a:solidFill>
+                  <a:schemeClr val="bg1"/>
+                </a:solidFill>
+              </a:rPr>
+              <a:t>shows</a:t>
+            </a:r>
+          </a:p>
+        </p:txBody>
+      </p:sp>
+      <p:cxnSp>
+        <p:nvCxnSpPr>
+          <p:cNvPr id="26" name="Conector recto de flecha 25">
+            <a:extLst>
+              <a:ext uri="{FF2B5EF4-FFF2-40B4-BE49-F238E27FC236}">
+                <a16:creationId xmlns:a16="http://schemas.microsoft.com/office/drawing/2014/main" id="{EAF687F8-0C6A-4F5F-8D35-524D606EF8AA}"/>
+              </a:ext>
+            </a:extLst>
+          </p:cNvPr>
+          <p:cNvCxnSpPr>
+            <a:cxnSpLocks/>
+          </p:cNvCxnSpPr>
+          <p:nvPr/>
+        </p:nvCxnSpPr>
+        <p:spPr>
+          <a:xfrm flipV="1">
+            <a:off x="8009314" y="1944088"/>
+            <a:ext cx="1803404" cy="1162436"/>
+          </a:xfrm>
+          <a:prstGeom prst="straightConnector1">
+            <a:avLst/>
+          </a:prstGeom>
+          <a:ln w="12700">
+            <a:solidFill>
+              <a:schemeClr val="bg1"/>
+            </a:solidFill>
+            <a:headEnd type="triangle"/>
+            <a:tailEnd type="none"/>
+          </a:ln>
+        </p:spPr>
+        <p:style>
+          <a:lnRef idx="1">
+            <a:schemeClr val="accent1"/>
+          </a:lnRef>
+          <a:fillRef idx="0">
+            <a:schemeClr val="accent1"/>
+          </a:fillRef>
+          <a:effectRef idx="0">
+            <a:schemeClr val="accent1"/>
+          </a:effectRef>
+          <a:fontRef idx="minor">
+            <a:schemeClr val="tx1"/>
+          </a:fontRef>
+        </p:style>
+      </p:cxnSp>
+      <p:sp>
+        <p:nvSpPr>
+          <p:cNvPr id="30" name="CuadroTexto 29">
+            <a:extLst>
+              <a:ext uri="{FF2B5EF4-FFF2-40B4-BE49-F238E27FC236}">
+                <a16:creationId xmlns:a16="http://schemas.microsoft.com/office/drawing/2014/main" id="{1A6D4CFD-9757-4884-8C01-C19D63E26B51}"/>
+              </a:ext>
+            </a:extLst>
+          </p:cNvPr>
+          <p:cNvSpPr txBox="1"/>
+          <p:nvPr/>
+        </p:nvSpPr>
+        <p:spPr>
+          <a:xfrm rot="19684380">
+            <a:off x="8602317" y="2280255"/>
+            <a:ext cx="1376218" cy="369332"/>
+          </a:xfrm>
+          <a:prstGeom prst="rect">
+            <a:avLst/>
+          </a:prstGeom>
+          <a:noFill/>
+        </p:spPr>
+        <p:txBody>
+          <a:bodyPr wrap="square" rtlCol="0">
+            <a:spAutoFit/>
+          </a:bodyPr>
+          <a:lstStyle/>
+          <a:p>
+            <a:r>
+              <a:rPr lang="en-US" dirty="0">
+                <a:solidFill>
+                  <a:schemeClr val="bg1"/>
+                </a:solidFill>
+              </a:rPr>
+              <a:t>calls</a:t>
+            </a:r>
+          </a:p>
+        </p:txBody>
+      </p:sp>
       <p:pic>
         <p:nvPicPr>
-          <p:cNvPr id="20" name="Imagen 19">
-            <a:extLst>
-              <a:ext uri="{FF2B5EF4-FFF2-40B4-BE49-F238E27FC236}">
-                <a16:creationId xmlns:a16="http://schemas.microsoft.com/office/drawing/2014/main" id="{0CB9DBB1-A444-47E7-8C56-084B56BC9929}"/>
+          <p:cNvPr id="4" name="Imagen 3">
+            <a:extLst>
+              <a:ext uri="{FF2B5EF4-FFF2-40B4-BE49-F238E27FC236}">
+                <a16:creationId xmlns:a16="http://schemas.microsoft.com/office/drawing/2014/main" id="{9BF0D330-2B6A-4399-AD67-B9065E442DE6}"/>
               </a:ext>
             </a:extLst>
           </p:cNvPr>
@@ -11809,8 +12062,8 @@
         </p:blipFill>
         <p:spPr>
           <a:xfrm>
-            <a:off x="1170789" y="1365448"/>
-            <a:ext cx="2019300" cy="1219200"/>
+            <a:off x="7357891" y="1201138"/>
+            <a:ext cx="3971925" cy="742950"/>
           </a:xfrm>
           <a:prstGeom prst="rect">
             <a:avLst/>
@@ -11824,260 +12077,6 @@
           </a:effectLst>
         </p:spPr>
       </p:pic>
-      <p:cxnSp>
-        <p:nvCxnSpPr>
-          <p:cNvPr id="21" name="Conector recto de flecha 20">
-            <a:extLst>
-              <a:ext uri="{FF2B5EF4-FFF2-40B4-BE49-F238E27FC236}">
-                <a16:creationId xmlns:a16="http://schemas.microsoft.com/office/drawing/2014/main" id="{6081FD7E-32DF-4951-9784-B2FFCABB9DBB}"/>
-              </a:ext>
-            </a:extLst>
-          </p:cNvPr>
-          <p:cNvCxnSpPr>
-            <a:cxnSpLocks/>
-            <a:stCxn id="19" idx="0"/>
-            <a:endCxn id="20" idx="3"/>
-          </p:cNvCxnSpPr>
-          <p:nvPr/>
-        </p:nvCxnSpPr>
-        <p:spPr>
-          <a:xfrm flipH="1" flipV="1">
-            <a:off x="3190089" y="1975048"/>
-            <a:ext cx="2417270" cy="1166723"/>
-          </a:xfrm>
-          <a:prstGeom prst="straightConnector1">
-            <a:avLst/>
-          </a:prstGeom>
-          <a:ln w="12700">
-            <a:solidFill>
-              <a:schemeClr val="bg1"/>
-            </a:solidFill>
-            <a:tailEnd type="triangle"/>
-          </a:ln>
-        </p:spPr>
-        <p:style>
-          <a:lnRef idx="1">
-            <a:schemeClr val="accent1"/>
-          </a:lnRef>
-          <a:fillRef idx="0">
-            <a:schemeClr val="accent1"/>
-          </a:fillRef>
-          <a:effectRef idx="0">
-            <a:schemeClr val="accent1"/>
-          </a:effectRef>
-          <a:fontRef idx="minor">
-            <a:schemeClr val="tx1"/>
-          </a:fontRef>
-        </p:style>
-      </p:cxnSp>
-      <p:sp>
-        <p:nvSpPr>
-          <p:cNvPr id="22" name="CuadroTexto 21">
-            <a:extLst>
-              <a:ext uri="{FF2B5EF4-FFF2-40B4-BE49-F238E27FC236}">
-                <a16:creationId xmlns:a16="http://schemas.microsoft.com/office/drawing/2014/main" id="{C441E18B-5085-4218-841B-6CBDE9D09AA2}"/>
-              </a:ext>
-            </a:extLst>
-          </p:cNvPr>
-          <p:cNvSpPr txBox="1"/>
-          <p:nvPr/>
-        </p:nvSpPr>
-        <p:spPr>
-          <a:xfrm rot="1518848">
-            <a:off x="3913144" y="2251538"/>
-            <a:ext cx="1376218" cy="369332"/>
-          </a:xfrm>
-          <a:prstGeom prst="rect">
-            <a:avLst/>
-          </a:prstGeom>
-          <a:noFill/>
-        </p:spPr>
-        <p:txBody>
-          <a:bodyPr wrap="square" rtlCol="0">
-            <a:spAutoFit/>
-          </a:bodyPr>
-          <a:lstStyle/>
-          <a:p>
-            <a:r>
-              <a:rPr lang="en-US" dirty="0">
-                <a:solidFill>
-                  <a:schemeClr val="bg1"/>
-                </a:solidFill>
-              </a:rPr>
-              <a:t>contains</a:t>
-            </a:r>
-          </a:p>
-        </p:txBody>
-      </p:sp>
-      <p:cxnSp>
-        <p:nvCxnSpPr>
-          <p:cNvPr id="23" name="Conector recto de flecha 22">
-            <a:extLst>
-              <a:ext uri="{FF2B5EF4-FFF2-40B4-BE49-F238E27FC236}">
-                <a16:creationId xmlns:a16="http://schemas.microsoft.com/office/drawing/2014/main" id="{574D6455-8697-43A6-AD09-A3DEB8692CB8}"/>
-              </a:ext>
-            </a:extLst>
-          </p:cNvPr>
-          <p:cNvCxnSpPr>
-            <a:cxnSpLocks/>
-            <a:endCxn id="18" idx="2"/>
-          </p:cNvCxnSpPr>
-          <p:nvPr/>
-        </p:nvCxnSpPr>
-        <p:spPr>
-          <a:xfrm flipV="1">
-            <a:off x="7123569" y="1975049"/>
-            <a:ext cx="1878344" cy="1166723"/>
-          </a:xfrm>
-          <a:prstGeom prst="straightConnector1">
-            <a:avLst/>
-          </a:prstGeom>
-          <a:ln w="12700">
-            <a:solidFill>
-              <a:schemeClr val="bg1"/>
-            </a:solidFill>
-            <a:headEnd type="none"/>
-            <a:tailEnd type="triangle"/>
-          </a:ln>
-        </p:spPr>
-        <p:style>
-          <a:lnRef idx="1">
-            <a:schemeClr val="accent1"/>
-          </a:lnRef>
-          <a:fillRef idx="0">
-            <a:schemeClr val="accent1"/>
-          </a:fillRef>
-          <a:effectRef idx="0">
-            <a:schemeClr val="accent1"/>
-          </a:effectRef>
-          <a:fontRef idx="minor">
-            <a:schemeClr val="tx1"/>
-          </a:fontRef>
-        </p:style>
-      </p:cxnSp>
-      <p:sp>
-        <p:nvSpPr>
-          <p:cNvPr id="25" name="CuadroTexto 24">
-            <a:extLst>
-              <a:ext uri="{FF2B5EF4-FFF2-40B4-BE49-F238E27FC236}">
-                <a16:creationId xmlns:a16="http://schemas.microsoft.com/office/drawing/2014/main" id="{02F6BD05-4155-4839-8166-B0525AEC5FB7}"/>
-              </a:ext>
-            </a:extLst>
-          </p:cNvPr>
-          <p:cNvSpPr txBox="1"/>
-          <p:nvPr/>
-        </p:nvSpPr>
-        <p:spPr>
-          <a:xfrm rot="19684380">
-            <a:off x="7321205" y="2156818"/>
-            <a:ext cx="1376218" cy="369332"/>
-          </a:xfrm>
-          <a:prstGeom prst="rect">
-            <a:avLst/>
-          </a:prstGeom>
-          <a:noFill/>
-        </p:spPr>
-        <p:txBody>
-          <a:bodyPr wrap="square" rtlCol="0">
-            <a:spAutoFit/>
-          </a:bodyPr>
-          <a:lstStyle/>
-          <a:p>
-            <a:r>
-              <a:rPr lang="en-US" dirty="0">
-                <a:solidFill>
-                  <a:schemeClr val="bg1"/>
-                </a:solidFill>
-              </a:rPr>
-              <a:t>shows</a:t>
-            </a:r>
-          </a:p>
-        </p:txBody>
-      </p:sp>
-      <p:cxnSp>
-        <p:nvCxnSpPr>
-          <p:cNvPr id="26" name="Conector recto de flecha 25">
-            <a:extLst>
-              <a:ext uri="{FF2B5EF4-FFF2-40B4-BE49-F238E27FC236}">
-                <a16:creationId xmlns:a16="http://schemas.microsoft.com/office/drawing/2014/main" id="{EAF687F8-0C6A-4F5F-8D35-524D606EF8AA}"/>
-              </a:ext>
-            </a:extLst>
-          </p:cNvPr>
-          <p:cNvCxnSpPr>
-            <a:cxnSpLocks/>
-          </p:cNvCxnSpPr>
-          <p:nvPr/>
-        </p:nvCxnSpPr>
-        <p:spPr>
-          <a:xfrm flipV="1">
-            <a:off x="8009314" y="2005806"/>
-            <a:ext cx="1676480" cy="1100717"/>
-          </a:xfrm>
-          <a:prstGeom prst="straightConnector1">
-            <a:avLst/>
-          </a:prstGeom>
-          <a:ln w="12700">
-            <a:solidFill>
-              <a:schemeClr val="bg1"/>
-            </a:solidFill>
-            <a:headEnd type="triangle"/>
-            <a:tailEnd type="none"/>
-          </a:ln>
-        </p:spPr>
-        <p:style>
-          <a:lnRef idx="1">
-            <a:schemeClr val="accent1"/>
-          </a:lnRef>
-          <a:fillRef idx="0">
-            <a:schemeClr val="accent1"/>
-          </a:fillRef>
-          <a:effectRef idx="0">
-            <a:schemeClr val="accent1"/>
-          </a:effectRef>
-          <a:fontRef idx="minor">
-            <a:schemeClr val="tx1"/>
-          </a:fontRef>
-        </p:style>
-      </p:cxnSp>
-      <p:sp>
-        <p:nvSpPr>
-          <p:cNvPr id="30" name="CuadroTexto 29">
-            <a:extLst>
-              <a:ext uri="{FF2B5EF4-FFF2-40B4-BE49-F238E27FC236}">
-                <a16:creationId xmlns:a16="http://schemas.microsoft.com/office/drawing/2014/main" id="{1A6D4CFD-9757-4884-8C01-C19D63E26B51}"/>
-              </a:ext>
-            </a:extLst>
-          </p:cNvPr>
-          <p:cNvSpPr txBox="1"/>
-          <p:nvPr/>
-        </p:nvSpPr>
-        <p:spPr>
-          <a:xfrm rot="19684380">
-            <a:off x="8602317" y="2280255"/>
-            <a:ext cx="1376218" cy="369332"/>
-          </a:xfrm>
-          <a:prstGeom prst="rect">
-            <a:avLst/>
-          </a:prstGeom>
-          <a:noFill/>
-        </p:spPr>
-        <p:txBody>
-          <a:bodyPr wrap="square" rtlCol="0">
-            <a:spAutoFit/>
-          </a:bodyPr>
-          <a:lstStyle/>
-          <a:p>
-            <a:r>
-              <a:rPr lang="en-US" dirty="0">
-                <a:solidFill>
-                  <a:schemeClr val="bg1"/>
-                </a:solidFill>
-              </a:rPr>
-              <a:t>calls</a:t>
-            </a:r>
-          </a:p>
-        </p:txBody>
-      </p:sp>
     </p:spTree>
     <p:extLst>
       <p:ext uri="{BB962C8B-B14F-4D97-AF65-F5344CB8AC3E}">
@@ -12155,12 +12154,265 @@
           </a:p>
         </p:txBody>
       </p:sp>
+      <p:cxnSp>
+        <p:nvCxnSpPr>
+          <p:cNvPr id="13" name="Conector recto de flecha 12">
+            <a:extLst>
+              <a:ext uri="{FF2B5EF4-FFF2-40B4-BE49-F238E27FC236}">
+                <a16:creationId xmlns:a16="http://schemas.microsoft.com/office/drawing/2014/main" id="{3FEF1901-0773-4F55-AA20-B58A56F18BD1}"/>
+              </a:ext>
+            </a:extLst>
+          </p:cNvPr>
+          <p:cNvCxnSpPr>
+            <a:cxnSpLocks/>
+            <a:stCxn id="10" idx="1"/>
+            <a:endCxn id="8" idx="3"/>
+          </p:cNvCxnSpPr>
+          <p:nvPr/>
+        </p:nvCxnSpPr>
+        <p:spPr>
+          <a:xfrm flipH="1">
+            <a:off x="5122993" y="4304236"/>
+            <a:ext cx="2014643" cy="0"/>
+          </a:xfrm>
+          <a:prstGeom prst="straightConnector1">
+            <a:avLst/>
+          </a:prstGeom>
+          <a:ln w="12700">
+            <a:solidFill>
+              <a:schemeClr val="bg1"/>
+            </a:solidFill>
+            <a:tailEnd type="triangle"/>
+          </a:ln>
+        </p:spPr>
+        <p:style>
+          <a:lnRef idx="1">
+            <a:schemeClr val="accent1"/>
+          </a:lnRef>
+          <a:fillRef idx="0">
+            <a:schemeClr val="accent1"/>
+          </a:fillRef>
+          <a:effectRef idx="0">
+            <a:schemeClr val="accent1"/>
+          </a:effectRef>
+          <a:fontRef idx="minor">
+            <a:schemeClr val="tx1"/>
+          </a:fontRef>
+        </p:style>
+      </p:cxnSp>
+      <p:sp>
+        <p:nvSpPr>
+          <p:cNvPr id="14" name="CuadroTexto 13">
+            <a:extLst>
+              <a:ext uri="{FF2B5EF4-FFF2-40B4-BE49-F238E27FC236}">
+                <a16:creationId xmlns:a16="http://schemas.microsoft.com/office/drawing/2014/main" id="{9B0DA9C3-988A-48A6-AE67-460CB9540473}"/>
+              </a:ext>
+            </a:extLst>
+          </p:cNvPr>
+          <p:cNvSpPr txBox="1"/>
+          <p:nvPr/>
+        </p:nvSpPr>
+        <p:spPr>
+          <a:xfrm>
+            <a:off x="5609059" y="3996717"/>
+            <a:ext cx="1376218" cy="369332"/>
+          </a:xfrm>
+          <a:prstGeom prst="rect">
+            <a:avLst/>
+          </a:prstGeom>
+          <a:noFill/>
+        </p:spPr>
+        <p:txBody>
+          <a:bodyPr wrap="square" rtlCol="0">
+            <a:spAutoFit/>
+          </a:bodyPr>
+          <a:lstStyle/>
+          <a:p>
+            <a:r>
+              <a:rPr lang="en-US" dirty="0">
+                <a:solidFill>
+                  <a:schemeClr val="bg1"/>
+                </a:solidFill>
+              </a:rPr>
+              <a:t>contains</a:t>
+            </a:r>
+          </a:p>
+        </p:txBody>
+      </p:sp>
+      <p:cxnSp>
+        <p:nvCxnSpPr>
+          <p:cNvPr id="23" name="Conector recto de flecha 22">
+            <a:extLst>
+              <a:ext uri="{FF2B5EF4-FFF2-40B4-BE49-F238E27FC236}">
+                <a16:creationId xmlns:a16="http://schemas.microsoft.com/office/drawing/2014/main" id="{34AE3A4C-C027-4534-B21C-6462C9EB6F54}"/>
+              </a:ext>
+            </a:extLst>
+          </p:cNvPr>
+          <p:cNvCxnSpPr>
+            <a:cxnSpLocks/>
+            <a:endCxn id="7" idx="2"/>
+          </p:cNvCxnSpPr>
+          <p:nvPr/>
+        </p:nvCxnSpPr>
+        <p:spPr>
+          <a:xfrm flipH="1" flipV="1">
+            <a:off x="7933721" y="1089348"/>
+            <a:ext cx="588266" cy="841185"/>
+          </a:xfrm>
+          <a:prstGeom prst="straightConnector1">
+            <a:avLst/>
+          </a:prstGeom>
+          <a:ln w="12700">
+            <a:solidFill>
+              <a:schemeClr val="bg1"/>
+            </a:solidFill>
+            <a:tailEnd type="triangle"/>
+          </a:ln>
+        </p:spPr>
+        <p:style>
+          <a:lnRef idx="1">
+            <a:schemeClr val="accent1"/>
+          </a:lnRef>
+          <a:fillRef idx="0">
+            <a:schemeClr val="accent1"/>
+          </a:fillRef>
+          <a:effectRef idx="0">
+            <a:schemeClr val="accent1"/>
+          </a:effectRef>
+          <a:fontRef idx="minor">
+            <a:schemeClr val="tx1"/>
+          </a:fontRef>
+        </p:style>
+      </p:cxnSp>
+      <p:sp>
+        <p:nvSpPr>
+          <p:cNvPr id="25" name="CuadroTexto 24">
+            <a:extLst>
+              <a:ext uri="{FF2B5EF4-FFF2-40B4-BE49-F238E27FC236}">
+                <a16:creationId xmlns:a16="http://schemas.microsoft.com/office/drawing/2014/main" id="{BB1FF878-5C4C-466C-9FC5-A1BAA31AA318}"/>
+              </a:ext>
+            </a:extLst>
+          </p:cNvPr>
+          <p:cNvSpPr txBox="1"/>
+          <p:nvPr/>
+        </p:nvSpPr>
+        <p:spPr>
+          <a:xfrm>
+            <a:off x="7360795" y="1325274"/>
+            <a:ext cx="1376218" cy="369332"/>
+          </a:xfrm>
+          <a:prstGeom prst="rect">
+            <a:avLst/>
+          </a:prstGeom>
+          <a:noFill/>
+        </p:spPr>
+        <p:txBody>
+          <a:bodyPr wrap="square" rtlCol="0">
+            <a:spAutoFit/>
+          </a:bodyPr>
+          <a:lstStyle/>
+          <a:p>
+            <a:r>
+              <a:rPr lang="en-US" dirty="0">
+                <a:solidFill>
+                  <a:schemeClr val="bg1"/>
+                </a:solidFill>
+              </a:rPr>
+              <a:t>shows</a:t>
+            </a:r>
+          </a:p>
+        </p:txBody>
+      </p:sp>
+      <p:cxnSp>
+        <p:nvCxnSpPr>
+          <p:cNvPr id="26" name="Conector recto de flecha 25">
+            <a:extLst>
+              <a:ext uri="{FF2B5EF4-FFF2-40B4-BE49-F238E27FC236}">
+                <a16:creationId xmlns:a16="http://schemas.microsoft.com/office/drawing/2014/main" id="{81001ED0-1228-4F08-BAA6-AC852D419646}"/>
+              </a:ext>
+            </a:extLst>
+          </p:cNvPr>
+          <p:cNvCxnSpPr>
+            <a:cxnSpLocks/>
+          </p:cNvCxnSpPr>
+          <p:nvPr/>
+        </p:nvCxnSpPr>
+        <p:spPr>
+          <a:xfrm flipH="1" flipV="1">
+            <a:off x="8547902" y="1090420"/>
+            <a:ext cx="587430" cy="840113"/>
+          </a:xfrm>
+          <a:prstGeom prst="straightConnector1">
+            <a:avLst/>
+          </a:prstGeom>
+          <a:ln w="12700">
+            <a:solidFill>
+              <a:schemeClr val="bg1"/>
+            </a:solidFill>
+            <a:headEnd type="triangle"/>
+            <a:tailEnd type="none"/>
+          </a:ln>
+        </p:spPr>
+        <p:style>
+          <a:lnRef idx="1">
+            <a:schemeClr val="accent1"/>
+          </a:lnRef>
+          <a:fillRef idx="0">
+            <a:schemeClr val="accent1"/>
+          </a:fillRef>
+          <a:effectRef idx="0">
+            <a:schemeClr val="accent1"/>
+          </a:effectRef>
+          <a:fontRef idx="minor">
+            <a:schemeClr val="tx1"/>
+          </a:fontRef>
+        </p:style>
+      </p:cxnSp>
+      <p:sp>
+        <p:nvSpPr>
+          <p:cNvPr id="27" name="CuadroTexto 26">
+            <a:extLst>
+              <a:ext uri="{FF2B5EF4-FFF2-40B4-BE49-F238E27FC236}">
+                <a16:creationId xmlns:a16="http://schemas.microsoft.com/office/drawing/2014/main" id="{DB051C0C-8A08-4ABE-A33C-3AEEF757C89F}"/>
+              </a:ext>
+            </a:extLst>
+          </p:cNvPr>
+          <p:cNvSpPr txBox="1"/>
+          <p:nvPr/>
+        </p:nvSpPr>
+        <p:spPr>
+          <a:xfrm>
+            <a:off x="8946221" y="1325274"/>
+            <a:ext cx="1376218" cy="369332"/>
+          </a:xfrm>
+          <a:prstGeom prst="rect">
+            <a:avLst/>
+          </a:prstGeom>
+          <a:noFill/>
+        </p:spPr>
+        <p:txBody>
+          <a:bodyPr wrap="square" rtlCol="0">
+            <a:spAutoFit/>
+          </a:bodyPr>
+          <a:lstStyle/>
+          <a:p>
+            <a:r>
+              <a:rPr lang="en-US" dirty="0">
+                <a:solidFill>
+                  <a:schemeClr val="bg1"/>
+                </a:solidFill>
+              </a:rPr>
+              <a:t>calls</a:t>
+            </a:r>
+          </a:p>
+        </p:txBody>
+      </p:sp>
       <p:pic>
         <p:nvPicPr>
-          <p:cNvPr id="2" name="Imagen 1">
-            <a:extLst>
-              <a:ext uri="{FF2B5EF4-FFF2-40B4-BE49-F238E27FC236}">
-                <a16:creationId xmlns:a16="http://schemas.microsoft.com/office/drawing/2014/main" id="{266AD09E-F426-4396-A0E1-5B83C2152B2D}"/>
+          <p:cNvPr id="7" name="Imagen 6">
+            <a:extLst>
+              <a:ext uri="{FF2B5EF4-FFF2-40B4-BE49-F238E27FC236}">
+                <a16:creationId xmlns:a16="http://schemas.microsoft.com/office/drawing/2014/main" id="{6093698F-10F2-4A23-AAAF-32CC685B484B}"/>
               </a:ext>
             </a:extLst>
           </p:cNvPr>
@@ -12177,8 +12429,8 @@
         </p:blipFill>
         <p:spPr>
           <a:xfrm>
-            <a:off x="447615" y="3745599"/>
-            <a:ext cx="6915150" cy="1819275"/>
+            <a:off x="5361971" y="374973"/>
+            <a:ext cx="5143500" cy="714375"/>
           </a:xfrm>
           <a:prstGeom prst="rect">
             <a:avLst/>
@@ -12194,10 +12446,10 @@
       </p:pic>
       <p:pic>
         <p:nvPicPr>
-          <p:cNvPr id="4" name="Imagen 3">
-            <a:extLst>
-              <a:ext uri="{FF2B5EF4-FFF2-40B4-BE49-F238E27FC236}">
-                <a16:creationId xmlns:a16="http://schemas.microsoft.com/office/drawing/2014/main" id="{C3393B52-AD30-488F-8F05-22AB5631AF56}"/>
+          <p:cNvPr id="8" name="Imagen 7">
+            <a:extLst>
+              <a:ext uri="{FF2B5EF4-FFF2-40B4-BE49-F238E27FC236}">
+                <a16:creationId xmlns:a16="http://schemas.microsoft.com/office/drawing/2014/main" id="{90553F9F-F089-4AC7-88B2-FAEE12B0CBEF}"/>
               </a:ext>
             </a:extLst>
           </p:cNvPr>
@@ -12214,8 +12466,8 @@
         </p:blipFill>
         <p:spPr>
           <a:xfrm>
-            <a:off x="6769477" y="277666"/>
-            <a:ext cx="5133975" cy="790575"/>
+            <a:off x="361700" y="3395989"/>
+            <a:ext cx="4761293" cy="1816493"/>
           </a:xfrm>
           <a:prstGeom prst="rect">
             <a:avLst/>
@@ -12231,10 +12483,10 @@
       </p:pic>
       <p:pic>
         <p:nvPicPr>
-          <p:cNvPr id="5" name="Imagen 4">
-            <a:extLst>
-              <a:ext uri="{FF2B5EF4-FFF2-40B4-BE49-F238E27FC236}">
-                <a16:creationId xmlns:a16="http://schemas.microsoft.com/office/drawing/2014/main" id="{08049953-0398-413A-A6EA-4797B7B45252}"/>
+          <p:cNvPr id="10" name="Imagen 9">
+            <a:extLst>
+              <a:ext uri="{FF2B5EF4-FFF2-40B4-BE49-F238E27FC236}">
+                <a16:creationId xmlns:a16="http://schemas.microsoft.com/office/drawing/2014/main" id="{44E765E2-07D6-4F0B-A066-D1C68161C31A}"/>
               </a:ext>
             </a:extLst>
           </p:cNvPr>
@@ -12251,8 +12503,8 @@
         </p:blipFill>
         <p:spPr>
           <a:xfrm>
-            <a:off x="7944340" y="2054161"/>
-            <a:ext cx="3959112" cy="4529995"/>
+            <a:off x="7137636" y="1930533"/>
+            <a:ext cx="4711778" cy="4747406"/>
           </a:xfrm>
           <a:prstGeom prst="rect">
             <a:avLst/>
@@ -12266,379 +12518,6 @@
           </a:effectLst>
         </p:spPr>
       </p:pic>
-      <p:pic>
-        <p:nvPicPr>
-          <p:cNvPr id="6" name="Imagen 5">
-            <a:extLst>
-              <a:ext uri="{FF2B5EF4-FFF2-40B4-BE49-F238E27FC236}">
-                <a16:creationId xmlns:a16="http://schemas.microsoft.com/office/drawing/2014/main" id="{5E4E6AF9-10D1-4B97-95E8-1CC8F2393DB4}"/>
-              </a:ext>
-            </a:extLst>
-          </p:cNvPr>
-          <p:cNvPicPr>
-            <a:picLocks noChangeAspect="1"/>
-          </p:cNvPicPr>
-          <p:nvPr/>
-        </p:nvPicPr>
-        <p:blipFill>
-          <a:blip r:embed="rId5"/>
-          <a:stretch>
-            <a:fillRect/>
-          </a:stretch>
-        </p:blipFill>
-        <p:spPr>
-          <a:xfrm>
-            <a:off x="447615" y="1543615"/>
-            <a:ext cx="5057073" cy="1493782"/>
-          </a:xfrm>
-          <a:prstGeom prst="rect">
-            <a:avLst/>
-          </a:prstGeom>
-          <a:effectLst>
-            <a:glow rad="25400">
-              <a:schemeClr val="bg1">
-                <a:alpha val="40000"/>
-              </a:schemeClr>
-            </a:glow>
-          </a:effectLst>
-        </p:spPr>
-      </p:pic>
-      <p:cxnSp>
-        <p:nvCxnSpPr>
-          <p:cNvPr id="13" name="Conector recto de flecha 12">
-            <a:extLst>
-              <a:ext uri="{FF2B5EF4-FFF2-40B4-BE49-F238E27FC236}">
-                <a16:creationId xmlns:a16="http://schemas.microsoft.com/office/drawing/2014/main" id="{3FEF1901-0773-4F55-AA20-B58A56F18BD1}"/>
-              </a:ext>
-            </a:extLst>
-          </p:cNvPr>
-          <p:cNvCxnSpPr>
-            <a:cxnSpLocks/>
-            <a:endCxn id="6" idx="3"/>
-          </p:cNvCxnSpPr>
-          <p:nvPr/>
-        </p:nvCxnSpPr>
-        <p:spPr>
-          <a:xfrm flipH="1" flipV="1">
-            <a:off x="5504688" y="2290506"/>
-            <a:ext cx="2439654" cy="96080"/>
-          </a:xfrm>
-          <a:prstGeom prst="straightConnector1">
-            <a:avLst/>
-          </a:prstGeom>
-          <a:ln w="12700">
-            <a:solidFill>
-              <a:schemeClr val="bg1"/>
-            </a:solidFill>
-            <a:tailEnd type="triangle"/>
-          </a:ln>
-        </p:spPr>
-        <p:style>
-          <a:lnRef idx="1">
-            <a:schemeClr val="accent1"/>
-          </a:lnRef>
-          <a:fillRef idx="0">
-            <a:schemeClr val="accent1"/>
-          </a:fillRef>
-          <a:effectRef idx="0">
-            <a:schemeClr val="accent1"/>
-          </a:effectRef>
-          <a:fontRef idx="minor">
-            <a:schemeClr val="tx1"/>
-          </a:fontRef>
-        </p:style>
-      </p:cxnSp>
-      <p:sp>
-        <p:nvSpPr>
-          <p:cNvPr id="14" name="CuadroTexto 13">
-            <a:extLst>
-              <a:ext uri="{FF2B5EF4-FFF2-40B4-BE49-F238E27FC236}">
-                <a16:creationId xmlns:a16="http://schemas.microsoft.com/office/drawing/2014/main" id="{9B0DA9C3-988A-48A6-AE67-460CB9540473}"/>
-              </a:ext>
-            </a:extLst>
-          </p:cNvPr>
-          <p:cNvSpPr txBox="1"/>
-          <p:nvPr/>
-        </p:nvSpPr>
-        <p:spPr>
-          <a:xfrm rot="212874">
-            <a:off x="6267226" y="1926985"/>
-            <a:ext cx="1376218" cy="369332"/>
-          </a:xfrm>
-          <a:prstGeom prst="rect">
-            <a:avLst/>
-          </a:prstGeom>
-          <a:noFill/>
-        </p:spPr>
-        <p:txBody>
-          <a:bodyPr wrap="square" rtlCol="0">
-            <a:spAutoFit/>
-          </a:bodyPr>
-          <a:lstStyle/>
-          <a:p>
-            <a:r>
-              <a:rPr lang="en-US" dirty="0">
-                <a:solidFill>
-                  <a:schemeClr val="bg1"/>
-                </a:solidFill>
-              </a:rPr>
-              <a:t>contains</a:t>
-            </a:r>
-          </a:p>
-        </p:txBody>
-      </p:sp>
-      <p:cxnSp>
-        <p:nvCxnSpPr>
-          <p:cNvPr id="17" name="Conector recto de flecha 16">
-            <a:extLst>
-              <a:ext uri="{FF2B5EF4-FFF2-40B4-BE49-F238E27FC236}">
-                <a16:creationId xmlns:a16="http://schemas.microsoft.com/office/drawing/2014/main" id="{E7C6FCCA-4E6E-4BC4-95D7-B96C0906C0C3}"/>
-              </a:ext>
-            </a:extLst>
-          </p:cNvPr>
-          <p:cNvCxnSpPr>
-            <a:cxnSpLocks/>
-          </p:cNvCxnSpPr>
-          <p:nvPr/>
-        </p:nvCxnSpPr>
-        <p:spPr>
-          <a:xfrm flipH="1">
-            <a:off x="6181344" y="3301878"/>
-            <a:ext cx="1762997" cy="417673"/>
-          </a:xfrm>
-          <a:prstGeom prst="straightConnector1">
-            <a:avLst/>
-          </a:prstGeom>
-          <a:ln w="12700">
-            <a:solidFill>
-              <a:schemeClr val="bg1"/>
-            </a:solidFill>
-            <a:tailEnd type="triangle"/>
-          </a:ln>
-        </p:spPr>
-        <p:style>
-          <a:lnRef idx="1">
-            <a:schemeClr val="accent1"/>
-          </a:lnRef>
-          <a:fillRef idx="0">
-            <a:schemeClr val="accent1"/>
-          </a:fillRef>
-          <a:effectRef idx="0">
-            <a:schemeClr val="accent1"/>
-          </a:effectRef>
-          <a:fontRef idx="minor">
-            <a:schemeClr val="tx1"/>
-          </a:fontRef>
-        </p:style>
-      </p:cxnSp>
-      <p:sp>
-        <p:nvSpPr>
-          <p:cNvPr id="20" name="CuadroTexto 19">
-            <a:extLst>
-              <a:ext uri="{FF2B5EF4-FFF2-40B4-BE49-F238E27FC236}">
-                <a16:creationId xmlns:a16="http://schemas.microsoft.com/office/drawing/2014/main" id="{B67A2F72-0395-49BC-999E-DBDDA14360B9}"/>
-              </a:ext>
-            </a:extLst>
-          </p:cNvPr>
-          <p:cNvSpPr txBox="1"/>
-          <p:nvPr/>
-        </p:nvSpPr>
-        <p:spPr>
-          <a:xfrm rot="20864610">
-            <a:off x="6748034" y="2999513"/>
-            <a:ext cx="1376218" cy="369332"/>
-          </a:xfrm>
-          <a:prstGeom prst="rect">
-            <a:avLst/>
-          </a:prstGeom>
-          <a:noFill/>
-        </p:spPr>
-        <p:txBody>
-          <a:bodyPr wrap="square" rtlCol="0">
-            <a:spAutoFit/>
-          </a:bodyPr>
-          <a:lstStyle/>
-          <a:p>
-            <a:r>
-              <a:rPr lang="en-US" dirty="0">
-                <a:solidFill>
-                  <a:schemeClr val="bg1"/>
-                </a:solidFill>
-              </a:rPr>
-              <a:t>gets</a:t>
-            </a:r>
-          </a:p>
-        </p:txBody>
-      </p:sp>
-      <p:cxnSp>
-        <p:nvCxnSpPr>
-          <p:cNvPr id="23" name="Conector recto de flecha 22">
-            <a:extLst>
-              <a:ext uri="{FF2B5EF4-FFF2-40B4-BE49-F238E27FC236}">
-                <a16:creationId xmlns:a16="http://schemas.microsoft.com/office/drawing/2014/main" id="{34AE3A4C-C027-4534-B21C-6462C9EB6F54}"/>
-              </a:ext>
-            </a:extLst>
-          </p:cNvPr>
-          <p:cNvCxnSpPr>
-            <a:cxnSpLocks/>
-            <a:stCxn id="5" idx="0"/>
-            <a:endCxn id="4" idx="2"/>
-          </p:cNvCxnSpPr>
-          <p:nvPr/>
-        </p:nvCxnSpPr>
-        <p:spPr>
-          <a:xfrm flipH="1" flipV="1">
-            <a:off x="9336465" y="1068241"/>
-            <a:ext cx="587431" cy="985920"/>
-          </a:xfrm>
-          <a:prstGeom prst="straightConnector1">
-            <a:avLst/>
-          </a:prstGeom>
-          <a:ln w="12700">
-            <a:solidFill>
-              <a:schemeClr val="bg1"/>
-            </a:solidFill>
-            <a:tailEnd type="triangle"/>
-          </a:ln>
-        </p:spPr>
-        <p:style>
-          <a:lnRef idx="1">
-            <a:schemeClr val="accent1"/>
-          </a:lnRef>
-          <a:fillRef idx="0">
-            <a:schemeClr val="accent1"/>
-          </a:fillRef>
-          <a:effectRef idx="0">
-            <a:schemeClr val="accent1"/>
-          </a:effectRef>
-          <a:fontRef idx="minor">
-            <a:schemeClr val="tx1"/>
-          </a:fontRef>
-        </p:style>
-      </p:cxnSp>
-      <p:sp>
-        <p:nvSpPr>
-          <p:cNvPr id="25" name="CuadroTexto 24">
-            <a:extLst>
-              <a:ext uri="{FF2B5EF4-FFF2-40B4-BE49-F238E27FC236}">
-                <a16:creationId xmlns:a16="http://schemas.microsoft.com/office/drawing/2014/main" id="{BB1FF878-5C4C-466C-9FC5-A1BAA31AA318}"/>
-              </a:ext>
-            </a:extLst>
-          </p:cNvPr>
-          <p:cNvSpPr txBox="1"/>
-          <p:nvPr/>
-        </p:nvSpPr>
-        <p:spPr>
-          <a:xfrm>
-            <a:off x="8541822" y="1376535"/>
-            <a:ext cx="1376218" cy="369332"/>
-          </a:xfrm>
-          <a:prstGeom prst="rect">
-            <a:avLst/>
-          </a:prstGeom>
-          <a:noFill/>
-        </p:spPr>
-        <p:txBody>
-          <a:bodyPr wrap="square" rtlCol="0">
-            <a:spAutoFit/>
-          </a:bodyPr>
-          <a:lstStyle/>
-          <a:p>
-            <a:r>
-              <a:rPr lang="en-US" dirty="0">
-                <a:solidFill>
-                  <a:schemeClr val="bg1"/>
-                </a:solidFill>
-              </a:rPr>
-              <a:t>shows</a:t>
-            </a:r>
-          </a:p>
-        </p:txBody>
-      </p:sp>
-      <p:cxnSp>
-        <p:nvCxnSpPr>
-          <p:cNvPr id="26" name="Conector recto de flecha 25">
-            <a:extLst>
-              <a:ext uri="{FF2B5EF4-FFF2-40B4-BE49-F238E27FC236}">
-                <a16:creationId xmlns:a16="http://schemas.microsoft.com/office/drawing/2014/main" id="{81001ED0-1228-4F08-BAA6-AC852D419646}"/>
-              </a:ext>
-            </a:extLst>
-          </p:cNvPr>
-          <p:cNvCxnSpPr>
-            <a:cxnSpLocks/>
-          </p:cNvCxnSpPr>
-          <p:nvPr/>
-        </p:nvCxnSpPr>
-        <p:spPr>
-          <a:xfrm flipH="1" flipV="1">
-            <a:off x="9918040" y="1068241"/>
-            <a:ext cx="587431" cy="985920"/>
-          </a:xfrm>
-          <a:prstGeom prst="straightConnector1">
-            <a:avLst/>
-          </a:prstGeom>
-          <a:ln w="12700">
-            <a:solidFill>
-              <a:schemeClr val="bg1"/>
-            </a:solidFill>
-            <a:headEnd type="triangle"/>
-            <a:tailEnd type="none"/>
-          </a:ln>
-        </p:spPr>
-        <p:style>
-          <a:lnRef idx="1">
-            <a:schemeClr val="accent1"/>
-          </a:lnRef>
-          <a:fillRef idx="0">
-            <a:schemeClr val="accent1"/>
-          </a:fillRef>
-          <a:effectRef idx="0">
-            <a:schemeClr val="accent1"/>
-          </a:effectRef>
-          <a:fontRef idx="minor">
-            <a:schemeClr val="tx1"/>
-          </a:fontRef>
-        </p:style>
-      </p:cxnSp>
-      <p:sp>
-        <p:nvSpPr>
-          <p:cNvPr id="27" name="CuadroTexto 26">
-            <a:extLst>
-              <a:ext uri="{FF2B5EF4-FFF2-40B4-BE49-F238E27FC236}">
-                <a16:creationId xmlns:a16="http://schemas.microsoft.com/office/drawing/2014/main" id="{DB051C0C-8A08-4ABE-A33C-3AEEF757C89F}"/>
-              </a:ext>
-            </a:extLst>
-          </p:cNvPr>
-          <p:cNvSpPr txBox="1"/>
-          <p:nvPr/>
-        </p:nvSpPr>
-        <p:spPr>
-          <a:xfrm>
-            <a:off x="10336109" y="1376535"/>
-            <a:ext cx="1376218" cy="369332"/>
-          </a:xfrm>
-          <a:prstGeom prst="rect">
-            <a:avLst/>
-          </a:prstGeom>
-          <a:noFill/>
-        </p:spPr>
-        <p:txBody>
-          <a:bodyPr wrap="square" rtlCol="0">
-            <a:spAutoFit/>
-          </a:bodyPr>
-          <a:lstStyle/>
-          <a:p>
-            <a:r>
-              <a:rPr lang="en-US" dirty="0">
-                <a:solidFill>
-                  <a:schemeClr val="bg1"/>
-                </a:solidFill>
-              </a:rPr>
-              <a:t>calls</a:t>
-            </a:r>
-          </a:p>
-        </p:txBody>
-      </p:sp>
     </p:spTree>
     <p:extLst>
       <p:ext uri="{BB962C8B-B14F-4D97-AF65-F5344CB8AC3E}">

--- a/slides/Patrones de diseño con Typescript en el mundo real.pptx
+++ b/slides/Patrones de diseño con Typescript en el mundo real.pptx
@@ -34,17 +34,23 @@
     <p:sldId id="295" r:id="rId28"/>
     <p:sldId id="296" r:id="rId29"/>
     <p:sldId id="272" r:id="rId30"/>
-    <p:sldId id="273" r:id="rId31"/>
+    <p:sldId id="300" r:id="rId31"/>
     <p:sldId id="274" r:id="rId32"/>
     <p:sldId id="275" r:id="rId33"/>
-    <p:sldId id="276" r:id="rId34"/>
-    <p:sldId id="297" r:id="rId35"/>
-    <p:sldId id="298" r:id="rId36"/>
-    <p:sldId id="299" r:id="rId37"/>
-    <p:sldId id="277" r:id="rId38"/>
-    <p:sldId id="278" r:id="rId39"/>
-    <p:sldId id="279" r:id="rId40"/>
-    <p:sldId id="280" r:id="rId41"/>
+    <p:sldId id="302" r:id="rId34"/>
+    <p:sldId id="303" r:id="rId35"/>
+    <p:sldId id="301" r:id="rId36"/>
+    <p:sldId id="305" r:id="rId37"/>
+    <p:sldId id="273" r:id="rId38"/>
+    <p:sldId id="304" r:id="rId39"/>
+    <p:sldId id="276" r:id="rId40"/>
+    <p:sldId id="297" r:id="rId41"/>
+    <p:sldId id="298" r:id="rId42"/>
+    <p:sldId id="299" r:id="rId43"/>
+    <p:sldId id="277" r:id="rId44"/>
+    <p:sldId id="278" r:id="rId45"/>
+    <p:sldId id="279" r:id="rId46"/>
+    <p:sldId id="280" r:id="rId47"/>
   </p:sldIdLst>
   <p:sldSz cx="12192000" cy="6858000"/>
   <p:notesSz cx="6858000" cy="9144000"/>
@@ -10196,7 +10202,7 @@
     </p:spTree>
     <p:extLst>
       <p:ext uri="{BB962C8B-B14F-4D97-AF65-F5344CB8AC3E}">
-        <p14:creationId xmlns:p14="http://schemas.microsoft.com/office/powerpoint/2010/main" val="1428411220"/>
+        <p14:creationId xmlns:p14="http://schemas.microsoft.com/office/powerpoint/2010/main" val="588457192"/>
       </p:ext>
     </p:extLst>
   </p:cSld>
@@ -11498,7 +11504,7 @@
           <p:cNvPr id="2" name="Título 1">
             <a:extLst>
               <a:ext uri="{FF2B5EF4-FFF2-40B4-BE49-F238E27FC236}">
-                <a16:creationId xmlns:a16="http://schemas.microsoft.com/office/drawing/2014/main" id="{73A2909B-13B3-4614-9321-16AF10F4286A}"/>
+                <a16:creationId xmlns:a16="http://schemas.microsoft.com/office/drawing/2014/main" id="{51E579E3-4D4D-4391-A4DB-77F6C6DD84BE}"/>
               </a:ext>
             </a:extLst>
           </p:cNvPr>
@@ -11511,7 +11517,7 @@
         </p:nvSpPr>
         <p:spPr>
           <a:xfrm>
-            <a:off x="838200" y="2103437"/>
+            <a:off x="900344" y="2766218"/>
             <a:ext cx="10515600" cy="1325563"/>
           </a:xfrm>
         </p:spPr>
@@ -11520,16 +11526,40 @@
           <a:lstStyle/>
           <a:p>
             <a:r>
-              <a:rPr lang="en-US" dirty="0"/>
-              <a:t>UI Patterns</a:t>
-            </a:r>
+              <a:rPr lang="es-ES" dirty="0" err="1">
+                <a:solidFill>
+                  <a:srgbClr val="000000"/>
+                </a:solidFill>
+                <a:latin typeface="Calibri" panose="020F0502020204030204" pitchFamily="34" charset="0"/>
+              </a:rPr>
+              <a:t>Observer</a:t>
+            </a:r>
+            <a:r>
+              <a:rPr lang="es-ES" dirty="0">
+                <a:solidFill>
+                  <a:srgbClr val="000000"/>
+                </a:solidFill>
+                <a:latin typeface="Calibri" panose="020F0502020204030204" pitchFamily="34" charset="0"/>
+              </a:rPr>
+              <a:t> </a:t>
+            </a:r>
+            <a:r>
+              <a:rPr lang="es-ES" dirty="0" err="1">
+                <a:solidFill>
+                  <a:srgbClr val="000000"/>
+                </a:solidFill>
+                <a:latin typeface="Calibri" panose="020F0502020204030204" pitchFamily="34" charset="0"/>
+              </a:rPr>
+              <a:t>pattern</a:t>
+            </a:r>
+            <a:endParaRPr lang="en-US" dirty="0"/>
           </a:p>
         </p:txBody>
       </p:sp>
     </p:spTree>
     <p:extLst>
       <p:ext uri="{BB962C8B-B14F-4D97-AF65-F5344CB8AC3E}">
-        <p14:creationId xmlns:p14="http://schemas.microsoft.com/office/powerpoint/2010/main" val="2266296736"/>
+        <p14:creationId xmlns:p14="http://schemas.microsoft.com/office/powerpoint/2010/main" val="4018794760"/>
       </p:ext>
     </p:extLst>
   </p:cSld>
@@ -11540,111 +11570,6 @@
 </file>
 
 <file path=ppt/slides/slide34.xml><?xml version="1.0" encoding="utf-8"?>
-<p:sld xmlns:a="http://schemas.openxmlformats.org/drawingml/2006/main" xmlns:r="http://schemas.openxmlformats.org/officeDocument/2006/relationships" xmlns:p="http://schemas.openxmlformats.org/presentationml/2006/main">
-  <p:cSld>
-    <p:spTree>
-      <p:nvGrpSpPr>
-        <p:cNvPr id="1" name=""/>
-        <p:cNvGrpSpPr/>
-        <p:nvPr/>
-      </p:nvGrpSpPr>
-      <p:grpSpPr>
-        <a:xfrm>
-          <a:off x="0" y="0"/>
-          <a:ext cx="0" cy="0"/>
-          <a:chOff x="0" y="0"/>
-          <a:chExt cx="0" cy="0"/>
-        </a:xfrm>
-      </p:grpSpPr>
-      <p:sp>
-        <p:nvSpPr>
-          <p:cNvPr id="2" name="Título 1">
-            <a:extLst>
-              <a:ext uri="{FF2B5EF4-FFF2-40B4-BE49-F238E27FC236}">
-                <a16:creationId xmlns:a16="http://schemas.microsoft.com/office/drawing/2014/main" id="{51E579E3-4D4D-4391-A4DB-77F6C6DD84BE}"/>
-              </a:ext>
-            </a:extLst>
-          </p:cNvPr>
-          <p:cNvSpPr>
-            <a:spLocks noGrp="1"/>
-          </p:cNvSpPr>
-          <p:nvPr>
-            <p:ph type="title"/>
-          </p:nvPr>
-        </p:nvSpPr>
-        <p:spPr>
-          <a:xfrm>
-            <a:off x="900344" y="2766218"/>
-            <a:ext cx="10515600" cy="1325563"/>
-          </a:xfrm>
-        </p:spPr>
-        <p:txBody>
-          <a:bodyPr/>
-          <a:lstStyle/>
-          <a:p>
-            <a:r>
-              <a:rPr lang="es-ES" dirty="0" err="1">
-                <a:solidFill>
-                  <a:srgbClr val="000000"/>
-                </a:solidFill>
-                <a:latin typeface="Calibri" panose="020F0502020204030204" pitchFamily="34" charset="0"/>
-              </a:rPr>
-              <a:t>Model</a:t>
-            </a:r>
-            <a:r>
-              <a:rPr lang="es-ES" dirty="0">
-                <a:solidFill>
-                  <a:srgbClr val="000000"/>
-                </a:solidFill>
-                <a:latin typeface="Calibri" panose="020F0502020204030204" pitchFamily="34" charset="0"/>
-              </a:rPr>
-              <a:t> View </a:t>
-            </a:r>
-            <a:r>
-              <a:rPr lang="es-ES" dirty="0" err="1">
-                <a:solidFill>
-                  <a:srgbClr val="000000"/>
-                </a:solidFill>
-                <a:latin typeface="Calibri" panose="020F0502020204030204" pitchFamily="34" charset="0"/>
-              </a:rPr>
-              <a:t>ViewModel</a:t>
-            </a:r>
-            <a:r>
-              <a:rPr lang="es-ES" dirty="0">
-                <a:solidFill>
-                  <a:srgbClr val="000000"/>
-                </a:solidFill>
-                <a:latin typeface="Calibri" panose="020F0502020204030204" pitchFamily="34" charset="0"/>
-              </a:rPr>
-              <a:t> (MVVM) </a:t>
-            </a:r>
-            <a:r>
-              <a:rPr lang="es-ES" dirty="0" err="1">
-                <a:solidFill>
-                  <a:srgbClr val="000000"/>
-                </a:solidFill>
-                <a:latin typeface="Calibri" panose="020F0502020204030204" pitchFamily="34" charset="0"/>
-              </a:rPr>
-              <a:t>pattern</a:t>
-            </a:r>
-            <a:endParaRPr lang="en-US" dirty="0"/>
-          </a:p>
-        </p:txBody>
-      </p:sp>
-    </p:spTree>
-    <p:extLst>
-      <p:ext uri="{BB962C8B-B14F-4D97-AF65-F5344CB8AC3E}">
-        <p14:creationId xmlns:p14="http://schemas.microsoft.com/office/powerpoint/2010/main" val="478699278"/>
-      </p:ext>
-    </p:extLst>
-  </p:cSld>
-  <p:clrMapOvr>
-    <a:masterClrMapping/>
-  </p:clrMapOvr>
-</p:sld>
-</file>
-
-<file path=ppt/slides/slide35.xml><?xml version="1.0" encoding="utf-8"?>
 <p:sld xmlns:a="http://schemas.openxmlformats.org/drawingml/2006/main" xmlns:r="http://schemas.openxmlformats.org/officeDocument/2006/relationships" xmlns:p="http://schemas.openxmlformats.org/presentationml/2006/main">
   <p:cSld>
     <p:bg>
@@ -11715,10 +11640,10 @@
       </p:sp>
       <p:pic>
         <p:nvPicPr>
-          <p:cNvPr id="19" name="Imagen 18">
-            <a:extLst>
-              <a:ext uri="{FF2B5EF4-FFF2-40B4-BE49-F238E27FC236}">
-                <a16:creationId xmlns:a16="http://schemas.microsoft.com/office/drawing/2014/main" id="{AD0CDA8F-35A5-48B4-9D35-466C095B6E83}"/>
+          <p:cNvPr id="18" name="Imagen 17">
+            <a:extLst>
+              <a:ext uri="{FF2B5EF4-FFF2-40B4-BE49-F238E27FC236}">
+                <a16:creationId xmlns:a16="http://schemas.microsoft.com/office/drawing/2014/main" id="{D5594BA5-75F8-45CB-9C25-B87DC4714B5B}"/>
               </a:ext>
             </a:extLst>
           </p:cNvPr>
@@ -11735,8 +11660,8 @@
         </p:blipFill>
         <p:spPr>
           <a:xfrm>
-            <a:off x="2464109" y="3141771"/>
-            <a:ext cx="6286500" cy="3343275"/>
+            <a:off x="7088669" y="203073"/>
+            <a:ext cx="4095750" cy="1257300"/>
           </a:xfrm>
           <a:prstGeom prst="rect">
             <a:avLst/>
@@ -11752,10 +11677,10 @@
       </p:pic>
       <p:pic>
         <p:nvPicPr>
-          <p:cNvPr id="20" name="Imagen 19">
-            <a:extLst>
-              <a:ext uri="{FF2B5EF4-FFF2-40B4-BE49-F238E27FC236}">
-                <a16:creationId xmlns:a16="http://schemas.microsoft.com/office/drawing/2014/main" id="{0CB9DBB1-A444-47E7-8C56-084B56BC9929}"/>
+          <p:cNvPr id="19" name="Imagen 18">
+            <a:extLst>
+              <a:ext uri="{FF2B5EF4-FFF2-40B4-BE49-F238E27FC236}">
+                <a16:creationId xmlns:a16="http://schemas.microsoft.com/office/drawing/2014/main" id="{8442DA08-07A8-4592-A067-A54B78B12D5B}"/>
               </a:ext>
             </a:extLst>
           </p:cNvPr>
@@ -11772,8 +11697,8 @@
         </p:blipFill>
         <p:spPr>
           <a:xfrm>
-            <a:off x="1170789" y="1365448"/>
-            <a:ext cx="2019300" cy="1219200"/>
+            <a:off x="6418690" y="1974407"/>
+            <a:ext cx="5435708" cy="3231078"/>
           </a:xfrm>
           <a:prstGeom prst="rect">
             <a:avLst/>
@@ -11787,265 +11712,12 @@
           </a:effectLst>
         </p:spPr>
       </p:pic>
-      <p:cxnSp>
-        <p:nvCxnSpPr>
-          <p:cNvPr id="21" name="Conector recto de flecha 20">
-            <a:extLst>
-              <a:ext uri="{FF2B5EF4-FFF2-40B4-BE49-F238E27FC236}">
-                <a16:creationId xmlns:a16="http://schemas.microsoft.com/office/drawing/2014/main" id="{6081FD7E-32DF-4951-9784-B2FFCABB9DBB}"/>
-              </a:ext>
-            </a:extLst>
-          </p:cNvPr>
-          <p:cNvCxnSpPr>
-            <a:cxnSpLocks/>
-            <a:stCxn id="19" idx="0"/>
-            <a:endCxn id="20" idx="3"/>
-          </p:cNvCxnSpPr>
-          <p:nvPr/>
-        </p:nvCxnSpPr>
-        <p:spPr>
-          <a:xfrm flipH="1" flipV="1">
-            <a:off x="3190089" y="1975048"/>
-            <a:ext cx="2417270" cy="1166723"/>
-          </a:xfrm>
-          <a:prstGeom prst="straightConnector1">
-            <a:avLst/>
-          </a:prstGeom>
-          <a:ln w="12700">
-            <a:solidFill>
-              <a:schemeClr val="bg1"/>
-            </a:solidFill>
-            <a:tailEnd type="triangle"/>
-          </a:ln>
-        </p:spPr>
-        <p:style>
-          <a:lnRef idx="1">
-            <a:schemeClr val="accent1"/>
-          </a:lnRef>
-          <a:fillRef idx="0">
-            <a:schemeClr val="accent1"/>
-          </a:fillRef>
-          <a:effectRef idx="0">
-            <a:schemeClr val="accent1"/>
-          </a:effectRef>
-          <a:fontRef idx="minor">
-            <a:schemeClr val="tx1"/>
-          </a:fontRef>
-        </p:style>
-      </p:cxnSp>
-      <p:sp>
-        <p:nvSpPr>
-          <p:cNvPr id="22" name="CuadroTexto 21">
-            <a:extLst>
-              <a:ext uri="{FF2B5EF4-FFF2-40B4-BE49-F238E27FC236}">
-                <a16:creationId xmlns:a16="http://schemas.microsoft.com/office/drawing/2014/main" id="{C441E18B-5085-4218-841B-6CBDE9D09AA2}"/>
-              </a:ext>
-            </a:extLst>
-          </p:cNvPr>
-          <p:cNvSpPr txBox="1"/>
-          <p:nvPr/>
-        </p:nvSpPr>
-        <p:spPr>
-          <a:xfrm rot="1518848">
-            <a:off x="3913144" y="2251538"/>
-            <a:ext cx="1376218" cy="369332"/>
-          </a:xfrm>
-          <a:prstGeom prst="rect">
-            <a:avLst/>
-          </a:prstGeom>
-          <a:noFill/>
-        </p:spPr>
-        <p:txBody>
-          <a:bodyPr wrap="square" rtlCol="0">
-            <a:spAutoFit/>
-          </a:bodyPr>
-          <a:lstStyle/>
-          <a:p>
-            <a:r>
-              <a:rPr lang="en-US" dirty="0">
-                <a:solidFill>
-                  <a:schemeClr val="bg1"/>
-                </a:solidFill>
-              </a:rPr>
-              <a:t>contains</a:t>
-            </a:r>
-          </a:p>
-        </p:txBody>
-      </p:sp>
-      <p:cxnSp>
-        <p:nvCxnSpPr>
-          <p:cNvPr id="23" name="Conector recto de flecha 22">
-            <a:extLst>
-              <a:ext uri="{FF2B5EF4-FFF2-40B4-BE49-F238E27FC236}">
-                <a16:creationId xmlns:a16="http://schemas.microsoft.com/office/drawing/2014/main" id="{574D6455-8697-43A6-AD09-A3DEB8692CB8}"/>
-              </a:ext>
-            </a:extLst>
-          </p:cNvPr>
-          <p:cNvCxnSpPr>
-            <a:cxnSpLocks/>
-          </p:cNvCxnSpPr>
-          <p:nvPr/>
-        </p:nvCxnSpPr>
-        <p:spPr>
-          <a:xfrm flipV="1">
-            <a:off x="7123569" y="1975049"/>
-            <a:ext cx="1878344" cy="1166723"/>
-          </a:xfrm>
-          <a:prstGeom prst="straightConnector1">
-            <a:avLst/>
-          </a:prstGeom>
-          <a:ln w="12700">
-            <a:solidFill>
-              <a:schemeClr val="bg1"/>
-            </a:solidFill>
-            <a:headEnd type="none"/>
-            <a:tailEnd type="triangle"/>
-          </a:ln>
-        </p:spPr>
-        <p:style>
-          <a:lnRef idx="1">
-            <a:schemeClr val="accent1"/>
-          </a:lnRef>
-          <a:fillRef idx="0">
-            <a:schemeClr val="accent1"/>
-          </a:fillRef>
-          <a:effectRef idx="0">
-            <a:schemeClr val="accent1"/>
-          </a:effectRef>
-          <a:fontRef idx="minor">
-            <a:schemeClr val="tx1"/>
-          </a:fontRef>
-        </p:style>
-      </p:cxnSp>
-      <p:sp>
-        <p:nvSpPr>
-          <p:cNvPr id="25" name="CuadroTexto 24">
-            <a:extLst>
-              <a:ext uri="{FF2B5EF4-FFF2-40B4-BE49-F238E27FC236}">
-                <a16:creationId xmlns:a16="http://schemas.microsoft.com/office/drawing/2014/main" id="{02F6BD05-4155-4839-8166-B0525AEC5FB7}"/>
-              </a:ext>
-            </a:extLst>
-          </p:cNvPr>
-          <p:cNvSpPr txBox="1"/>
-          <p:nvPr/>
-        </p:nvSpPr>
-        <p:spPr>
-          <a:xfrm rot="19684380">
-            <a:off x="7321205" y="2156818"/>
-            <a:ext cx="1376218" cy="369332"/>
-          </a:xfrm>
-          <a:prstGeom prst="rect">
-            <a:avLst/>
-          </a:prstGeom>
-          <a:noFill/>
-        </p:spPr>
-        <p:txBody>
-          <a:bodyPr wrap="square" rtlCol="0">
-            <a:spAutoFit/>
-          </a:bodyPr>
-          <a:lstStyle/>
-          <a:p>
-            <a:r>
-              <a:rPr lang="en-US" dirty="0">
-                <a:solidFill>
-                  <a:schemeClr val="bg1"/>
-                </a:solidFill>
-              </a:rPr>
-              <a:t>shows</a:t>
-            </a:r>
-          </a:p>
-        </p:txBody>
-      </p:sp>
-      <p:cxnSp>
-        <p:nvCxnSpPr>
-          <p:cNvPr id="26" name="Conector recto de flecha 25">
-            <a:extLst>
-              <a:ext uri="{FF2B5EF4-FFF2-40B4-BE49-F238E27FC236}">
-                <a16:creationId xmlns:a16="http://schemas.microsoft.com/office/drawing/2014/main" id="{EAF687F8-0C6A-4F5F-8D35-524D606EF8AA}"/>
-              </a:ext>
-            </a:extLst>
-          </p:cNvPr>
-          <p:cNvCxnSpPr>
-            <a:cxnSpLocks/>
-          </p:cNvCxnSpPr>
-          <p:nvPr/>
-        </p:nvCxnSpPr>
-        <p:spPr>
-          <a:xfrm flipV="1">
-            <a:off x="8009314" y="1944088"/>
-            <a:ext cx="1803404" cy="1162436"/>
-          </a:xfrm>
-          <a:prstGeom prst="straightConnector1">
-            <a:avLst/>
-          </a:prstGeom>
-          <a:ln w="12700">
-            <a:solidFill>
-              <a:schemeClr val="bg1"/>
-            </a:solidFill>
-            <a:headEnd type="triangle"/>
-            <a:tailEnd type="none"/>
-          </a:ln>
-        </p:spPr>
-        <p:style>
-          <a:lnRef idx="1">
-            <a:schemeClr val="accent1"/>
-          </a:lnRef>
-          <a:fillRef idx="0">
-            <a:schemeClr val="accent1"/>
-          </a:fillRef>
-          <a:effectRef idx="0">
-            <a:schemeClr val="accent1"/>
-          </a:effectRef>
-          <a:fontRef idx="minor">
-            <a:schemeClr val="tx1"/>
-          </a:fontRef>
-        </p:style>
-      </p:cxnSp>
-      <p:sp>
-        <p:nvSpPr>
-          <p:cNvPr id="30" name="CuadroTexto 29">
-            <a:extLst>
-              <a:ext uri="{FF2B5EF4-FFF2-40B4-BE49-F238E27FC236}">
-                <a16:creationId xmlns:a16="http://schemas.microsoft.com/office/drawing/2014/main" id="{1A6D4CFD-9757-4884-8C01-C19D63E26B51}"/>
-              </a:ext>
-            </a:extLst>
-          </p:cNvPr>
-          <p:cNvSpPr txBox="1"/>
-          <p:nvPr/>
-        </p:nvSpPr>
-        <p:spPr>
-          <a:xfrm rot="19684380">
-            <a:off x="8602317" y="2280255"/>
-            <a:ext cx="1376218" cy="369332"/>
-          </a:xfrm>
-          <a:prstGeom prst="rect">
-            <a:avLst/>
-          </a:prstGeom>
-          <a:noFill/>
-        </p:spPr>
-        <p:txBody>
-          <a:bodyPr wrap="square" rtlCol="0">
-            <a:spAutoFit/>
-          </a:bodyPr>
-          <a:lstStyle/>
-          <a:p>
-            <a:r>
-              <a:rPr lang="en-US" dirty="0">
-                <a:solidFill>
-                  <a:schemeClr val="bg1"/>
-                </a:solidFill>
-              </a:rPr>
-              <a:t>calls</a:t>
-            </a:r>
-          </a:p>
-        </p:txBody>
-      </p:sp>
       <p:pic>
         <p:nvPicPr>
-          <p:cNvPr id="4" name="Imagen 3">
-            <a:extLst>
-              <a:ext uri="{FF2B5EF4-FFF2-40B4-BE49-F238E27FC236}">
-                <a16:creationId xmlns:a16="http://schemas.microsoft.com/office/drawing/2014/main" id="{9BF0D330-2B6A-4399-AD67-B9065E442DE6}"/>
+          <p:cNvPr id="20" name="Imagen 19">
+            <a:extLst>
+              <a:ext uri="{FF2B5EF4-FFF2-40B4-BE49-F238E27FC236}">
+                <a16:creationId xmlns:a16="http://schemas.microsoft.com/office/drawing/2014/main" id="{9F21517B-AFE6-4534-8D48-19A845A99EDD}"/>
               </a:ext>
             </a:extLst>
           </p:cNvPr>
@@ -12062,8 +11734,8 @@
         </p:blipFill>
         <p:spPr>
           <a:xfrm>
-            <a:off x="7357891" y="1201138"/>
-            <a:ext cx="3971925" cy="742950"/>
+            <a:off x="1342490" y="1107257"/>
+            <a:ext cx="2133600" cy="666750"/>
           </a:xfrm>
           <a:prstGeom prst="rect">
             <a:avLst/>
@@ -12077,10 +11749,456 @@
           </a:effectLst>
         </p:spPr>
       </p:pic>
+      <p:pic>
+        <p:nvPicPr>
+          <p:cNvPr id="21" name="Imagen 20">
+            <a:extLst>
+              <a:ext uri="{FF2B5EF4-FFF2-40B4-BE49-F238E27FC236}">
+                <a16:creationId xmlns:a16="http://schemas.microsoft.com/office/drawing/2014/main" id="{F8E0B413-700B-43D0-B251-DAC03E8FAA31}"/>
+              </a:ext>
+            </a:extLst>
+          </p:cNvPr>
+          <p:cNvPicPr>
+            <a:picLocks noChangeAspect="1"/>
+          </p:cNvPicPr>
+          <p:nvPr/>
+        </p:nvPicPr>
+        <p:blipFill>
+          <a:blip r:embed="rId5"/>
+          <a:stretch>
+            <a:fillRect/>
+          </a:stretch>
+        </p:blipFill>
+        <p:spPr>
+          <a:xfrm>
+            <a:off x="337602" y="2486471"/>
+            <a:ext cx="4143375" cy="733425"/>
+          </a:xfrm>
+          <a:prstGeom prst="rect">
+            <a:avLst/>
+          </a:prstGeom>
+          <a:effectLst>
+            <a:glow rad="25400">
+              <a:schemeClr val="bg1">
+                <a:alpha val="40000"/>
+              </a:schemeClr>
+            </a:glow>
+          </a:effectLst>
+        </p:spPr>
+      </p:pic>
+      <p:pic>
+        <p:nvPicPr>
+          <p:cNvPr id="22" name="Imagen 21">
+            <a:extLst>
+              <a:ext uri="{FF2B5EF4-FFF2-40B4-BE49-F238E27FC236}">
+                <a16:creationId xmlns:a16="http://schemas.microsoft.com/office/drawing/2014/main" id="{565A2473-D34E-4925-A700-B70C80DB591C}"/>
+              </a:ext>
+            </a:extLst>
+          </p:cNvPr>
+          <p:cNvPicPr>
+            <a:picLocks noChangeAspect="1"/>
+          </p:cNvPicPr>
+          <p:nvPr/>
+        </p:nvPicPr>
+        <p:blipFill>
+          <a:blip r:embed="rId6"/>
+          <a:stretch>
+            <a:fillRect/>
+          </a:stretch>
+        </p:blipFill>
+        <p:spPr>
+          <a:xfrm>
+            <a:off x="216906" y="4000500"/>
+            <a:ext cx="4384768" cy="2672108"/>
+          </a:xfrm>
+          <a:prstGeom prst="rect">
+            <a:avLst/>
+          </a:prstGeom>
+          <a:effectLst>
+            <a:glow rad="25400">
+              <a:schemeClr val="bg1">
+                <a:alpha val="40000"/>
+              </a:schemeClr>
+            </a:glow>
+          </a:effectLst>
+        </p:spPr>
+      </p:pic>
+      <p:cxnSp>
+        <p:nvCxnSpPr>
+          <p:cNvPr id="23" name="Conector recto de flecha 22">
+            <a:extLst>
+              <a:ext uri="{FF2B5EF4-FFF2-40B4-BE49-F238E27FC236}">
+                <a16:creationId xmlns:a16="http://schemas.microsoft.com/office/drawing/2014/main" id="{288086D6-AC90-4253-9770-B09D2DF51D7B}"/>
+              </a:ext>
+            </a:extLst>
+          </p:cNvPr>
+          <p:cNvCxnSpPr>
+            <a:cxnSpLocks/>
+            <a:stCxn id="21" idx="0"/>
+            <a:endCxn id="20" idx="2"/>
+          </p:cNvCxnSpPr>
+          <p:nvPr/>
+        </p:nvCxnSpPr>
+        <p:spPr>
+          <a:xfrm flipV="1">
+            <a:off x="2409290" y="1774007"/>
+            <a:ext cx="0" cy="712464"/>
+          </a:xfrm>
+          <a:prstGeom prst="straightConnector1">
+            <a:avLst/>
+          </a:prstGeom>
+          <a:ln w="12700">
+            <a:solidFill>
+              <a:schemeClr val="bg1"/>
+            </a:solidFill>
+            <a:tailEnd type="triangle"/>
+          </a:ln>
+        </p:spPr>
+        <p:style>
+          <a:lnRef idx="1">
+            <a:schemeClr val="accent1"/>
+          </a:lnRef>
+          <a:fillRef idx="0">
+            <a:schemeClr val="accent1"/>
+          </a:fillRef>
+          <a:effectRef idx="0">
+            <a:schemeClr val="accent1"/>
+          </a:effectRef>
+          <a:fontRef idx="minor">
+            <a:schemeClr val="tx1"/>
+          </a:fontRef>
+        </p:style>
+      </p:cxnSp>
+      <p:cxnSp>
+        <p:nvCxnSpPr>
+          <p:cNvPr id="25" name="Conector recto de flecha 24">
+            <a:extLst>
+              <a:ext uri="{FF2B5EF4-FFF2-40B4-BE49-F238E27FC236}">
+                <a16:creationId xmlns:a16="http://schemas.microsoft.com/office/drawing/2014/main" id="{DCDBD17B-E640-4BC7-A2C1-1B181AB12B17}"/>
+              </a:ext>
+            </a:extLst>
+          </p:cNvPr>
+          <p:cNvCxnSpPr>
+            <a:cxnSpLocks/>
+            <a:stCxn id="19" idx="0"/>
+            <a:endCxn id="18" idx="2"/>
+          </p:cNvCxnSpPr>
+          <p:nvPr/>
+        </p:nvCxnSpPr>
+        <p:spPr>
+          <a:xfrm flipV="1">
+            <a:off x="9136544" y="1460373"/>
+            <a:ext cx="0" cy="514034"/>
+          </a:xfrm>
+          <a:prstGeom prst="straightConnector1">
+            <a:avLst/>
+          </a:prstGeom>
+          <a:ln w="12700">
+            <a:solidFill>
+              <a:schemeClr val="bg1"/>
+            </a:solidFill>
+            <a:tailEnd type="triangle"/>
+          </a:ln>
+        </p:spPr>
+        <p:style>
+          <a:lnRef idx="1">
+            <a:schemeClr val="accent1"/>
+          </a:lnRef>
+          <a:fillRef idx="0">
+            <a:schemeClr val="accent1"/>
+          </a:fillRef>
+          <a:effectRef idx="0">
+            <a:schemeClr val="accent1"/>
+          </a:effectRef>
+          <a:fontRef idx="minor">
+            <a:schemeClr val="tx1"/>
+          </a:fontRef>
+        </p:style>
+      </p:cxnSp>
+      <p:sp>
+        <p:nvSpPr>
+          <p:cNvPr id="40" name="CuadroTexto 39">
+            <a:extLst>
+              <a:ext uri="{FF2B5EF4-FFF2-40B4-BE49-F238E27FC236}">
+                <a16:creationId xmlns:a16="http://schemas.microsoft.com/office/drawing/2014/main" id="{03B08572-A362-4A23-ACE4-11F9311FFFFF}"/>
+              </a:ext>
+            </a:extLst>
+          </p:cNvPr>
+          <p:cNvSpPr txBox="1"/>
+          <p:nvPr/>
+        </p:nvSpPr>
+        <p:spPr>
+          <a:xfrm>
+            <a:off x="2409289" y="1956053"/>
+            <a:ext cx="1376218" cy="369332"/>
+          </a:xfrm>
+          <a:prstGeom prst="rect">
+            <a:avLst/>
+          </a:prstGeom>
+          <a:noFill/>
+        </p:spPr>
+        <p:txBody>
+          <a:bodyPr wrap="square" rtlCol="0">
+            <a:spAutoFit/>
+          </a:bodyPr>
+          <a:lstStyle/>
+          <a:p>
+            <a:r>
+              <a:rPr lang="en-US" dirty="0">
+                <a:solidFill>
+                  <a:schemeClr val="bg1"/>
+                </a:solidFill>
+              </a:rPr>
+              <a:t>implements</a:t>
+            </a:r>
+          </a:p>
+        </p:txBody>
+      </p:sp>
+      <p:sp>
+        <p:nvSpPr>
+          <p:cNvPr id="41" name="CuadroTexto 40">
+            <a:extLst>
+              <a:ext uri="{FF2B5EF4-FFF2-40B4-BE49-F238E27FC236}">
+                <a16:creationId xmlns:a16="http://schemas.microsoft.com/office/drawing/2014/main" id="{0E583B83-0817-44C5-8EEC-76AB33E83EC7}"/>
+              </a:ext>
+            </a:extLst>
+          </p:cNvPr>
+          <p:cNvSpPr txBox="1"/>
+          <p:nvPr/>
+        </p:nvSpPr>
+        <p:spPr>
+          <a:xfrm>
+            <a:off x="9136544" y="1532724"/>
+            <a:ext cx="1376218" cy="369332"/>
+          </a:xfrm>
+          <a:prstGeom prst="rect">
+            <a:avLst/>
+          </a:prstGeom>
+          <a:noFill/>
+        </p:spPr>
+        <p:txBody>
+          <a:bodyPr wrap="square" rtlCol="0">
+            <a:spAutoFit/>
+          </a:bodyPr>
+          <a:lstStyle/>
+          <a:p>
+            <a:r>
+              <a:rPr lang="en-US" dirty="0">
+                <a:solidFill>
+                  <a:schemeClr val="bg1"/>
+                </a:solidFill>
+              </a:rPr>
+              <a:t>implements</a:t>
+            </a:r>
+          </a:p>
+        </p:txBody>
+      </p:sp>
+      <p:cxnSp>
+        <p:nvCxnSpPr>
+          <p:cNvPr id="42" name="Conector recto de flecha 41">
+            <a:extLst>
+              <a:ext uri="{FF2B5EF4-FFF2-40B4-BE49-F238E27FC236}">
+                <a16:creationId xmlns:a16="http://schemas.microsoft.com/office/drawing/2014/main" id="{634564FE-B809-4BE0-9962-E12A1E1C3AD7}"/>
+              </a:ext>
+            </a:extLst>
+          </p:cNvPr>
+          <p:cNvCxnSpPr>
+            <a:cxnSpLocks/>
+            <a:stCxn id="19" idx="1"/>
+            <a:endCxn id="21" idx="3"/>
+          </p:cNvCxnSpPr>
+          <p:nvPr/>
+        </p:nvCxnSpPr>
+        <p:spPr>
+          <a:xfrm flipH="1" flipV="1">
+            <a:off x="4480977" y="2853184"/>
+            <a:ext cx="1937713" cy="736762"/>
+          </a:xfrm>
+          <a:prstGeom prst="straightConnector1">
+            <a:avLst/>
+          </a:prstGeom>
+          <a:ln w="12700">
+            <a:solidFill>
+              <a:schemeClr val="bg1"/>
+            </a:solidFill>
+            <a:tailEnd type="triangle"/>
+          </a:ln>
+        </p:spPr>
+        <p:style>
+          <a:lnRef idx="1">
+            <a:schemeClr val="accent1"/>
+          </a:lnRef>
+          <a:fillRef idx="0">
+            <a:schemeClr val="accent1"/>
+          </a:fillRef>
+          <a:effectRef idx="0">
+            <a:schemeClr val="accent1"/>
+          </a:effectRef>
+          <a:fontRef idx="minor">
+            <a:schemeClr val="tx1"/>
+          </a:fontRef>
+        </p:style>
+      </p:cxnSp>
+      <p:sp>
+        <p:nvSpPr>
+          <p:cNvPr id="45" name="CuadroTexto 44">
+            <a:extLst>
+              <a:ext uri="{FF2B5EF4-FFF2-40B4-BE49-F238E27FC236}">
+                <a16:creationId xmlns:a16="http://schemas.microsoft.com/office/drawing/2014/main" id="{490A1768-8CAE-4B4D-B7E6-7F5B4660D0B3}"/>
+              </a:ext>
+            </a:extLst>
+          </p:cNvPr>
+          <p:cNvSpPr txBox="1"/>
+          <p:nvPr/>
+        </p:nvSpPr>
+        <p:spPr>
+          <a:xfrm>
+            <a:off x="5250025" y="2785109"/>
+            <a:ext cx="1376218" cy="369332"/>
+          </a:xfrm>
+          <a:prstGeom prst="rect">
+            <a:avLst/>
+          </a:prstGeom>
+          <a:noFill/>
+        </p:spPr>
+        <p:txBody>
+          <a:bodyPr wrap="square" rtlCol="0">
+            <a:spAutoFit/>
+          </a:bodyPr>
+          <a:lstStyle/>
+          <a:p>
+            <a:r>
+              <a:rPr lang="en-US" dirty="0">
+                <a:solidFill>
+                  <a:schemeClr val="bg1"/>
+                </a:solidFill>
+              </a:rPr>
+              <a:t>notifies</a:t>
+            </a:r>
+          </a:p>
+        </p:txBody>
+      </p:sp>
+      <p:sp>
+        <p:nvSpPr>
+          <p:cNvPr id="46" name="CuadroTexto 45">
+            <a:extLst>
+              <a:ext uri="{FF2B5EF4-FFF2-40B4-BE49-F238E27FC236}">
+                <a16:creationId xmlns:a16="http://schemas.microsoft.com/office/drawing/2014/main" id="{65742C75-7357-47DB-8042-C59E3670D417}"/>
+              </a:ext>
+            </a:extLst>
+          </p:cNvPr>
+          <p:cNvSpPr txBox="1"/>
+          <p:nvPr/>
+        </p:nvSpPr>
+        <p:spPr>
+          <a:xfrm>
+            <a:off x="216508" y="3585703"/>
+            <a:ext cx="1376218" cy="369332"/>
+          </a:xfrm>
+          <a:prstGeom prst="rect">
+            <a:avLst/>
+          </a:prstGeom>
+          <a:noFill/>
+        </p:spPr>
+        <p:txBody>
+          <a:bodyPr wrap="square" rtlCol="0">
+            <a:spAutoFit/>
+          </a:bodyPr>
+          <a:lstStyle/>
+          <a:p>
+            <a:r>
+              <a:rPr lang="en-US" dirty="0">
+                <a:solidFill>
+                  <a:schemeClr val="bg1"/>
+                </a:solidFill>
+              </a:rPr>
+              <a:t>Usage:</a:t>
+            </a:r>
+          </a:p>
+        </p:txBody>
+      </p:sp>
     </p:spTree>
     <p:extLst>
       <p:ext uri="{BB962C8B-B14F-4D97-AF65-F5344CB8AC3E}">
-        <p14:creationId xmlns:p14="http://schemas.microsoft.com/office/powerpoint/2010/main" val="4248247360"/>
+        <p14:creationId xmlns:p14="http://schemas.microsoft.com/office/powerpoint/2010/main" val="338856597"/>
+      </p:ext>
+    </p:extLst>
+  </p:cSld>
+  <p:clrMapOvr>
+    <a:masterClrMapping/>
+  </p:clrMapOvr>
+</p:sld>
+</file>
+
+<file path=ppt/slides/slide35.xml><?xml version="1.0" encoding="utf-8"?>
+<p:sld xmlns:a="http://schemas.openxmlformats.org/drawingml/2006/main" xmlns:r="http://schemas.openxmlformats.org/officeDocument/2006/relationships" xmlns:p="http://schemas.openxmlformats.org/presentationml/2006/main">
+  <p:cSld>
+    <p:spTree>
+      <p:nvGrpSpPr>
+        <p:cNvPr id="1" name=""/>
+        <p:cNvGrpSpPr/>
+        <p:nvPr/>
+      </p:nvGrpSpPr>
+      <p:grpSpPr>
+        <a:xfrm>
+          <a:off x="0" y="0"/>
+          <a:ext cx="0" cy="0"/>
+          <a:chOff x="0" y="0"/>
+          <a:chExt cx="0" cy="0"/>
+        </a:xfrm>
+      </p:grpSpPr>
+      <p:sp>
+        <p:nvSpPr>
+          <p:cNvPr id="2" name="Título 1">
+            <a:extLst>
+              <a:ext uri="{FF2B5EF4-FFF2-40B4-BE49-F238E27FC236}">
+                <a16:creationId xmlns:a16="http://schemas.microsoft.com/office/drawing/2014/main" id="{51E579E3-4D4D-4391-A4DB-77F6C6DD84BE}"/>
+              </a:ext>
+            </a:extLst>
+          </p:cNvPr>
+          <p:cNvSpPr>
+            <a:spLocks noGrp="1"/>
+          </p:cNvSpPr>
+          <p:nvPr>
+            <p:ph type="title"/>
+          </p:nvPr>
+        </p:nvSpPr>
+        <p:spPr>
+          <a:xfrm>
+            <a:off x="900344" y="2766218"/>
+            <a:ext cx="10515600" cy="1325563"/>
+          </a:xfrm>
+        </p:spPr>
+        <p:txBody>
+          <a:bodyPr/>
+          <a:lstStyle/>
+          <a:p>
+            <a:r>
+              <a:rPr lang="es-ES" dirty="0">
+                <a:solidFill>
+                  <a:srgbClr val="000000"/>
+                </a:solidFill>
+                <a:latin typeface="Calibri" panose="020F0502020204030204" pitchFamily="34" charset="0"/>
+              </a:rPr>
+              <a:t>Mediator </a:t>
+            </a:r>
+            <a:r>
+              <a:rPr lang="es-ES" dirty="0" err="1">
+                <a:solidFill>
+                  <a:srgbClr val="000000"/>
+                </a:solidFill>
+                <a:latin typeface="Calibri" panose="020F0502020204030204" pitchFamily="34" charset="0"/>
+              </a:rPr>
+              <a:t>pattern</a:t>
+            </a:r>
+            <a:endParaRPr lang="en-US" dirty="0"/>
+          </a:p>
+        </p:txBody>
+      </p:sp>
+    </p:spTree>
+    <p:extLst>
+      <p:ext uri="{BB962C8B-B14F-4D97-AF65-F5344CB8AC3E}">
+        <p14:creationId xmlns:p14="http://schemas.microsoft.com/office/powerpoint/2010/main" val="1434885801"/>
       </p:ext>
     </p:extLst>
   </p:cSld>
@@ -12117,10 +12235,10 @@
       </p:grpSpPr>
       <p:sp>
         <p:nvSpPr>
-          <p:cNvPr id="22" name="CuadroTexto 21">
-            <a:extLst>
-              <a:ext uri="{FF2B5EF4-FFF2-40B4-BE49-F238E27FC236}">
-                <a16:creationId xmlns:a16="http://schemas.microsoft.com/office/drawing/2014/main" id="{C9B1F5C4-0BBA-41F3-84BD-1322F509FDEF}"/>
+          <p:cNvPr id="31" name="CuadroTexto 30">
+            <a:extLst>
+              <a:ext uri="{FF2B5EF4-FFF2-40B4-BE49-F238E27FC236}">
+                <a16:creationId xmlns:a16="http://schemas.microsoft.com/office/drawing/2014/main" id="{FBF7026D-12F4-4541-8110-DE706094717A}"/>
               </a:ext>
             </a:extLst>
           </p:cNvPr>
@@ -12129,7 +12247,7 @@
         </p:nvSpPr>
         <p:spPr>
           <a:xfrm>
-            <a:off x="361700" y="215130"/>
+            <a:off x="484863" y="185392"/>
             <a:ext cx="3397994" cy="646331"/>
           </a:xfrm>
           <a:prstGeom prst="rect">
@@ -12144,275 +12262,27 @@
           <a:lstStyle/>
           <a:p>
             <a:r>
-              <a:rPr lang="en-US" sz="3600" dirty="0">
+              <a:rPr lang="en-US" sz="3600" dirty="0" err="1">
                 <a:solidFill>
                   <a:srgbClr val="53A2D3"/>
                 </a:solidFill>
               </a:rPr>
-              <a:t>Mundo real</a:t>
-            </a:r>
-          </a:p>
-        </p:txBody>
-      </p:sp>
-      <p:cxnSp>
-        <p:nvCxnSpPr>
-          <p:cNvPr id="13" name="Conector recto de flecha 12">
-            <a:extLst>
-              <a:ext uri="{FF2B5EF4-FFF2-40B4-BE49-F238E27FC236}">
-                <a16:creationId xmlns:a16="http://schemas.microsoft.com/office/drawing/2014/main" id="{3FEF1901-0773-4F55-AA20-B58A56F18BD1}"/>
-              </a:ext>
-            </a:extLst>
-          </p:cNvPr>
-          <p:cNvCxnSpPr>
-            <a:cxnSpLocks/>
-            <a:stCxn id="10" idx="1"/>
-            <a:endCxn id="8" idx="3"/>
-          </p:cNvCxnSpPr>
-          <p:nvPr/>
-        </p:nvCxnSpPr>
-        <p:spPr>
-          <a:xfrm flipH="1">
-            <a:off x="5122993" y="4304236"/>
-            <a:ext cx="2014643" cy="0"/>
-          </a:xfrm>
-          <a:prstGeom prst="straightConnector1">
-            <a:avLst/>
-          </a:prstGeom>
-          <a:ln w="12700">
-            <a:solidFill>
-              <a:schemeClr val="bg1"/>
-            </a:solidFill>
-            <a:tailEnd type="triangle"/>
-          </a:ln>
-        </p:spPr>
-        <p:style>
-          <a:lnRef idx="1">
-            <a:schemeClr val="accent1"/>
-          </a:lnRef>
-          <a:fillRef idx="0">
-            <a:schemeClr val="accent1"/>
-          </a:fillRef>
-          <a:effectRef idx="0">
-            <a:schemeClr val="accent1"/>
-          </a:effectRef>
-          <a:fontRef idx="minor">
-            <a:schemeClr val="tx1"/>
-          </a:fontRef>
-        </p:style>
-      </p:cxnSp>
-      <p:sp>
-        <p:nvSpPr>
-          <p:cNvPr id="14" name="CuadroTexto 13">
-            <a:extLst>
-              <a:ext uri="{FF2B5EF4-FFF2-40B4-BE49-F238E27FC236}">
-                <a16:creationId xmlns:a16="http://schemas.microsoft.com/office/drawing/2014/main" id="{9B0DA9C3-988A-48A6-AE67-460CB9540473}"/>
-              </a:ext>
-            </a:extLst>
-          </p:cNvPr>
-          <p:cNvSpPr txBox="1"/>
-          <p:nvPr/>
-        </p:nvSpPr>
-        <p:spPr>
-          <a:xfrm>
-            <a:off x="5609059" y="3996717"/>
-            <a:ext cx="1376218" cy="369332"/>
-          </a:xfrm>
-          <a:prstGeom prst="rect">
-            <a:avLst/>
-          </a:prstGeom>
-          <a:noFill/>
-        </p:spPr>
-        <p:txBody>
-          <a:bodyPr wrap="square" rtlCol="0">
-            <a:spAutoFit/>
-          </a:bodyPr>
-          <a:lstStyle/>
-          <a:p>
-            <a:r>
-              <a:rPr lang="en-US" dirty="0">
-                <a:solidFill>
-                  <a:schemeClr val="bg1"/>
-                </a:solidFill>
-              </a:rPr>
-              <a:t>contains</a:t>
-            </a:r>
-          </a:p>
-        </p:txBody>
-      </p:sp>
-      <p:cxnSp>
-        <p:nvCxnSpPr>
-          <p:cNvPr id="23" name="Conector recto de flecha 22">
-            <a:extLst>
-              <a:ext uri="{FF2B5EF4-FFF2-40B4-BE49-F238E27FC236}">
-                <a16:creationId xmlns:a16="http://schemas.microsoft.com/office/drawing/2014/main" id="{34AE3A4C-C027-4534-B21C-6462C9EB6F54}"/>
-              </a:ext>
-            </a:extLst>
-          </p:cNvPr>
-          <p:cNvCxnSpPr>
-            <a:cxnSpLocks/>
-            <a:endCxn id="7" idx="2"/>
-          </p:cNvCxnSpPr>
-          <p:nvPr/>
-        </p:nvCxnSpPr>
-        <p:spPr>
-          <a:xfrm flipH="1" flipV="1">
-            <a:off x="7933721" y="1089348"/>
-            <a:ext cx="588266" cy="841185"/>
-          </a:xfrm>
-          <a:prstGeom prst="straightConnector1">
-            <a:avLst/>
-          </a:prstGeom>
-          <a:ln w="12700">
-            <a:solidFill>
-              <a:schemeClr val="bg1"/>
-            </a:solidFill>
-            <a:tailEnd type="triangle"/>
-          </a:ln>
-        </p:spPr>
-        <p:style>
-          <a:lnRef idx="1">
-            <a:schemeClr val="accent1"/>
-          </a:lnRef>
-          <a:fillRef idx="0">
-            <a:schemeClr val="accent1"/>
-          </a:fillRef>
-          <a:effectRef idx="0">
-            <a:schemeClr val="accent1"/>
-          </a:effectRef>
-          <a:fontRef idx="minor">
-            <a:schemeClr val="tx1"/>
-          </a:fontRef>
-        </p:style>
-      </p:cxnSp>
-      <p:sp>
-        <p:nvSpPr>
-          <p:cNvPr id="25" name="CuadroTexto 24">
-            <a:extLst>
-              <a:ext uri="{FF2B5EF4-FFF2-40B4-BE49-F238E27FC236}">
-                <a16:creationId xmlns:a16="http://schemas.microsoft.com/office/drawing/2014/main" id="{BB1FF878-5C4C-466C-9FC5-A1BAA31AA318}"/>
-              </a:ext>
-            </a:extLst>
-          </p:cNvPr>
-          <p:cNvSpPr txBox="1"/>
-          <p:nvPr/>
-        </p:nvSpPr>
-        <p:spPr>
-          <a:xfrm>
-            <a:off x="7360795" y="1325274"/>
-            <a:ext cx="1376218" cy="369332"/>
-          </a:xfrm>
-          <a:prstGeom prst="rect">
-            <a:avLst/>
-          </a:prstGeom>
-          <a:noFill/>
-        </p:spPr>
-        <p:txBody>
-          <a:bodyPr wrap="square" rtlCol="0">
-            <a:spAutoFit/>
-          </a:bodyPr>
-          <a:lstStyle/>
-          <a:p>
-            <a:r>
-              <a:rPr lang="en-US" dirty="0">
-                <a:solidFill>
-                  <a:schemeClr val="bg1"/>
-                </a:solidFill>
-              </a:rPr>
-              <a:t>shows</a:t>
-            </a:r>
-          </a:p>
-        </p:txBody>
-      </p:sp>
-      <p:cxnSp>
-        <p:nvCxnSpPr>
-          <p:cNvPr id="26" name="Conector recto de flecha 25">
-            <a:extLst>
-              <a:ext uri="{FF2B5EF4-FFF2-40B4-BE49-F238E27FC236}">
-                <a16:creationId xmlns:a16="http://schemas.microsoft.com/office/drawing/2014/main" id="{81001ED0-1228-4F08-BAA6-AC852D419646}"/>
-              </a:ext>
-            </a:extLst>
-          </p:cNvPr>
-          <p:cNvCxnSpPr>
-            <a:cxnSpLocks/>
-          </p:cNvCxnSpPr>
-          <p:nvPr/>
-        </p:nvCxnSpPr>
-        <p:spPr>
-          <a:xfrm flipH="1" flipV="1">
-            <a:off x="8547902" y="1090420"/>
-            <a:ext cx="587430" cy="840113"/>
-          </a:xfrm>
-          <a:prstGeom prst="straightConnector1">
-            <a:avLst/>
-          </a:prstGeom>
-          <a:ln w="12700">
-            <a:solidFill>
-              <a:schemeClr val="bg1"/>
-            </a:solidFill>
-            <a:headEnd type="triangle"/>
-            <a:tailEnd type="none"/>
-          </a:ln>
-        </p:spPr>
-        <p:style>
-          <a:lnRef idx="1">
-            <a:schemeClr val="accent1"/>
-          </a:lnRef>
-          <a:fillRef idx="0">
-            <a:schemeClr val="accent1"/>
-          </a:fillRef>
-          <a:effectRef idx="0">
-            <a:schemeClr val="accent1"/>
-          </a:effectRef>
-          <a:fontRef idx="minor">
-            <a:schemeClr val="tx1"/>
-          </a:fontRef>
-        </p:style>
-      </p:cxnSp>
-      <p:sp>
-        <p:nvSpPr>
-          <p:cNvPr id="27" name="CuadroTexto 26">
-            <a:extLst>
-              <a:ext uri="{FF2B5EF4-FFF2-40B4-BE49-F238E27FC236}">
-                <a16:creationId xmlns:a16="http://schemas.microsoft.com/office/drawing/2014/main" id="{DB051C0C-8A08-4ABE-A33C-3AEEF757C89F}"/>
-              </a:ext>
-            </a:extLst>
-          </p:cNvPr>
-          <p:cNvSpPr txBox="1"/>
-          <p:nvPr/>
-        </p:nvSpPr>
-        <p:spPr>
-          <a:xfrm>
-            <a:off x="8946221" y="1325274"/>
-            <a:ext cx="1376218" cy="369332"/>
-          </a:xfrm>
-          <a:prstGeom prst="rect">
-            <a:avLst/>
-          </a:prstGeom>
-          <a:noFill/>
-        </p:spPr>
-        <p:txBody>
-          <a:bodyPr wrap="square" rtlCol="0">
-            <a:spAutoFit/>
-          </a:bodyPr>
-          <a:lstStyle/>
-          <a:p>
-            <a:r>
-              <a:rPr lang="en-US" dirty="0">
-                <a:solidFill>
-                  <a:schemeClr val="bg1"/>
-                </a:solidFill>
-              </a:rPr>
-              <a:t>calls</a:t>
-            </a:r>
+              <a:t>Teoría</a:t>
+            </a:r>
+            <a:endParaRPr lang="en-US" sz="3600" dirty="0">
+              <a:solidFill>
+                <a:srgbClr val="53A2D3"/>
+              </a:solidFill>
+            </a:endParaRPr>
           </a:p>
         </p:txBody>
       </p:sp>
       <p:pic>
         <p:nvPicPr>
-          <p:cNvPr id="7" name="Imagen 6">
-            <a:extLst>
-              <a:ext uri="{FF2B5EF4-FFF2-40B4-BE49-F238E27FC236}">
-                <a16:creationId xmlns:a16="http://schemas.microsoft.com/office/drawing/2014/main" id="{6093698F-10F2-4A23-AAAF-32CC685B484B}"/>
+          <p:cNvPr id="12" name="Imagen 11">
+            <a:extLst>
+              <a:ext uri="{FF2B5EF4-FFF2-40B4-BE49-F238E27FC236}">
+                <a16:creationId xmlns:a16="http://schemas.microsoft.com/office/drawing/2014/main" id="{87D5173E-68ED-4CB9-B8B3-C75B37E09E34}"/>
               </a:ext>
             </a:extLst>
           </p:cNvPr>
@@ -12429,8 +12299,8 @@
         </p:blipFill>
         <p:spPr>
           <a:xfrm>
-            <a:off x="5361971" y="374973"/>
-            <a:ext cx="5143500" cy="714375"/>
+            <a:off x="5835620" y="667304"/>
+            <a:ext cx="2390775" cy="781050"/>
           </a:xfrm>
           <a:prstGeom prst="rect">
             <a:avLst/>
@@ -12446,10 +12316,10 @@
       </p:pic>
       <p:pic>
         <p:nvPicPr>
-          <p:cNvPr id="8" name="Imagen 7">
-            <a:extLst>
-              <a:ext uri="{FF2B5EF4-FFF2-40B4-BE49-F238E27FC236}">
-                <a16:creationId xmlns:a16="http://schemas.microsoft.com/office/drawing/2014/main" id="{90553F9F-F089-4AC7-88B2-FAEE12B0CBEF}"/>
+          <p:cNvPr id="13" name="Imagen 12">
+            <a:extLst>
+              <a:ext uri="{FF2B5EF4-FFF2-40B4-BE49-F238E27FC236}">
+                <a16:creationId xmlns:a16="http://schemas.microsoft.com/office/drawing/2014/main" id="{2D898126-78B1-40B7-90C4-890AD38DBB13}"/>
               </a:ext>
             </a:extLst>
           </p:cNvPr>
@@ -12466,8 +12336,8 @@
         </p:blipFill>
         <p:spPr>
           <a:xfrm>
-            <a:off x="361700" y="3395989"/>
-            <a:ext cx="4761293" cy="1816493"/>
+            <a:off x="2399700" y="2587021"/>
+            <a:ext cx="3781425" cy="771525"/>
           </a:xfrm>
           <a:prstGeom prst="rect">
             <a:avLst/>
@@ -12483,10 +12353,10 @@
       </p:pic>
       <p:pic>
         <p:nvPicPr>
-          <p:cNvPr id="10" name="Imagen 9">
-            <a:extLst>
-              <a:ext uri="{FF2B5EF4-FFF2-40B4-BE49-F238E27FC236}">
-                <a16:creationId xmlns:a16="http://schemas.microsoft.com/office/drawing/2014/main" id="{44E765E2-07D6-4F0B-A066-D1C68161C31A}"/>
+          <p:cNvPr id="14" name="Imagen 13">
+            <a:extLst>
+              <a:ext uri="{FF2B5EF4-FFF2-40B4-BE49-F238E27FC236}">
+                <a16:creationId xmlns:a16="http://schemas.microsoft.com/office/drawing/2014/main" id="{19B1A354-69C0-4961-9141-CF909426F6A3}"/>
               </a:ext>
             </a:extLst>
           </p:cNvPr>
@@ -12503,8 +12373,8 @@
         </p:blipFill>
         <p:spPr>
           <a:xfrm>
-            <a:off x="7137636" y="1930533"/>
-            <a:ext cx="4711778" cy="4747406"/>
+            <a:off x="7726302" y="2587021"/>
+            <a:ext cx="3848100" cy="752475"/>
           </a:xfrm>
           <a:prstGeom prst="rect">
             <a:avLst/>
@@ -12518,10 +12388,387 @@
           </a:effectLst>
         </p:spPr>
       </p:pic>
+      <p:pic>
+        <p:nvPicPr>
+          <p:cNvPr id="18" name="Imagen 17">
+            <a:extLst>
+              <a:ext uri="{FF2B5EF4-FFF2-40B4-BE49-F238E27FC236}">
+                <a16:creationId xmlns:a16="http://schemas.microsoft.com/office/drawing/2014/main" id="{5F2AC9E6-F6D3-4139-B8D4-1705BBDADF6E}"/>
+              </a:ext>
+            </a:extLst>
+          </p:cNvPr>
+          <p:cNvPicPr>
+            <a:picLocks noChangeAspect="1"/>
+          </p:cNvPicPr>
+          <p:nvPr/>
+        </p:nvPicPr>
+        <p:blipFill>
+          <a:blip r:embed="rId5"/>
+          <a:stretch>
+            <a:fillRect/>
+          </a:stretch>
+        </p:blipFill>
+        <p:spPr>
+          <a:xfrm>
+            <a:off x="5264121" y="4091971"/>
+            <a:ext cx="3533775" cy="2238375"/>
+          </a:xfrm>
+          <a:prstGeom prst="rect">
+            <a:avLst/>
+          </a:prstGeom>
+          <a:effectLst>
+            <a:glow rad="25400">
+              <a:schemeClr val="bg1">
+                <a:alpha val="40000"/>
+              </a:schemeClr>
+            </a:glow>
+          </a:effectLst>
+        </p:spPr>
+      </p:pic>
+      <p:cxnSp>
+        <p:nvCxnSpPr>
+          <p:cNvPr id="19" name="Conector recto de flecha 18">
+            <a:extLst>
+              <a:ext uri="{FF2B5EF4-FFF2-40B4-BE49-F238E27FC236}">
+                <a16:creationId xmlns:a16="http://schemas.microsoft.com/office/drawing/2014/main" id="{72E477A2-BA93-4B59-BE4C-D41FF49C2E84}"/>
+              </a:ext>
+            </a:extLst>
+          </p:cNvPr>
+          <p:cNvCxnSpPr>
+            <a:cxnSpLocks/>
+            <a:stCxn id="13" idx="0"/>
+            <a:endCxn id="12" idx="2"/>
+          </p:cNvCxnSpPr>
+          <p:nvPr/>
+        </p:nvCxnSpPr>
+        <p:spPr>
+          <a:xfrm flipV="1">
+            <a:off x="4290413" y="1448354"/>
+            <a:ext cx="2740595" cy="1138667"/>
+          </a:xfrm>
+          <a:prstGeom prst="straightConnector1">
+            <a:avLst/>
+          </a:prstGeom>
+          <a:ln w="12700">
+            <a:solidFill>
+              <a:schemeClr val="bg1"/>
+            </a:solidFill>
+            <a:tailEnd type="triangle"/>
+          </a:ln>
+        </p:spPr>
+        <p:style>
+          <a:lnRef idx="1">
+            <a:schemeClr val="accent1"/>
+          </a:lnRef>
+          <a:fillRef idx="0">
+            <a:schemeClr val="accent1"/>
+          </a:fillRef>
+          <a:effectRef idx="0">
+            <a:schemeClr val="accent1"/>
+          </a:effectRef>
+          <a:fontRef idx="minor">
+            <a:schemeClr val="tx1"/>
+          </a:fontRef>
+        </p:style>
+      </p:cxnSp>
+      <p:sp>
+        <p:nvSpPr>
+          <p:cNvPr id="20" name="CuadroTexto 19">
+            <a:extLst>
+              <a:ext uri="{FF2B5EF4-FFF2-40B4-BE49-F238E27FC236}">
+                <a16:creationId xmlns:a16="http://schemas.microsoft.com/office/drawing/2014/main" id="{9FC2B105-3330-4FDE-8278-ED11223BBBD0}"/>
+              </a:ext>
+            </a:extLst>
+          </p:cNvPr>
+          <p:cNvSpPr txBox="1"/>
+          <p:nvPr/>
+        </p:nvSpPr>
+        <p:spPr>
+          <a:xfrm>
+            <a:off x="4230899" y="1673890"/>
+            <a:ext cx="1376218" cy="369332"/>
+          </a:xfrm>
+          <a:prstGeom prst="rect">
+            <a:avLst/>
+          </a:prstGeom>
+          <a:noFill/>
+        </p:spPr>
+        <p:txBody>
+          <a:bodyPr wrap="square" rtlCol="0">
+            <a:spAutoFit/>
+          </a:bodyPr>
+          <a:lstStyle/>
+          <a:p>
+            <a:r>
+              <a:rPr lang="en-US" dirty="0">
+                <a:solidFill>
+                  <a:schemeClr val="bg1"/>
+                </a:solidFill>
+              </a:rPr>
+              <a:t>implements</a:t>
+            </a:r>
+          </a:p>
+        </p:txBody>
+      </p:sp>
+      <p:cxnSp>
+        <p:nvCxnSpPr>
+          <p:cNvPr id="21" name="Conector recto de flecha 20">
+            <a:extLst>
+              <a:ext uri="{FF2B5EF4-FFF2-40B4-BE49-F238E27FC236}">
+                <a16:creationId xmlns:a16="http://schemas.microsoft.com/office/drawing/2014/main" id="{065A241B-FACE-44E7-A47B-B6B595135389}"/>
+              </a:ext>
+            </a:extLst>
+          </p:cNvPr>
+          <p:cNvCxnSpPr>
+            <a:cxnSpLocks/>
+            <a:stCxn id="14" idx="0"/>
+            <a:endCxn id="12" idx="2"/>
+          </p:cNvCxnSpPr>
+          <p:nvPr/>
+        </p:nvCxnSpPr>
+        <p:spPr>
+          <a:xfrm flipH="1" flipV="1">
+            <a:off x="7031008" y="1448354"/>
+            <a:ext cx="2619344" cy="1138667"/>
+          </a:xfrm>
+          <a:prstGeom prst="straightConnector1">
+            <a:avLst/>
+          </a:prstGeom>
+          <a:ln w="12700">
+            <a:solidFill>
+              <a:schemeClr val="bg1"/>
+            </a:solidFill>
+            <a:tailEnd type="triangle"/>
+          </a:ln>
+        </p:spPr>
+        <p:style>
+          <a:lnRef idx="1">
+            <a:schemeClr val="accent1"/>
+          </a:lnRef>
+          <a:fillRef idx="0">
+            <a:schemeClr val="accent1"/>
+          </a:fillRef>
+          <a:effectRef idx="0">
+            <a:schemeClr val="accent1"/>
+          </a:effectRef>
+          <a:fontRef idx="minor">
+            <a:schemeClr val="tx1"/>
+          </a:fontRef>
+        </p:style>
+      </p:cxnSp>
+      <p:sp>
+        <p:nvSpPr>
+          <p:cNvPr id="23" name="CuadroTexto 22">
+            <a:extLst>
+              <a:ext uri="{FF2B5EF4-FFF2-40B4-BE49-F238E27FC236}">
+                <a16:creationId xmlns:a16="http://schemas.microsoft.com/office/drawing/2014/main" id="{0F191663-A16A-4BC0-8120-6ACAD429A1D0}"/>
+              </a:ext>
+            </a:extLst>
+          </p:cNvPr>
+          <p:cNvSpPr txBox="1"/>
+          <p:nvPr/>
+        </p:nvSpPr>
+        <p:spPr>
+          <a:xfrm>
+            <a:off x="8454899" y="1649880"/>
+            <a:ext cx="1376218" cy="369332"/>
+          </a:xfrm>
+          <a:prstGeom prst="rect">
+            <a:avLst/>
+          </a:prstGeom>
+          <a:noFill/>
+        </p:spPr>
+        <p:txBody>
+          <a:bodyPr wrap="square" rtlCol="0">
+            <a:spAutoFit/>
+          </a:bodyPr>
+          <a:lstStyle/>
+          <a:p>
+            <a:r>
+              <a:rPr lang="en-US" dirty="0">
+                <a:solidFill>
+                  <a:schemeClr val="bg1"/>
+                </a:solidFill>
+              </a:rPr>
+              <a:t>implements</a:t>
+            </a:r>
+          </a:p>
+        </p:txBody>
+      </p:sp>
+      <p:cxnSp>
+        <p:nvCxnSpPr>
+          <p:cNvPr id="30" name="Conector recto de flecha 29">
+            <a:extLst>
+              <a:ext uri="{FF2B5EF4-FFF2-40B4-BE49-F238E27FC236}">
+                <a16:creationId xmlns:a16="http://schemas.microsoft.com/office/drawing/2014/main" id="{210F4F8A-303F-47CA-BF47-DC7C1FC9C5B1}"/>
+              </a:ext>
+            </a:extLst>
+          </p:cNvPr>
+          <p:cNvCxnSpPr>
+            <a:cxnSpLocks/>
+            <a:stCxn id="18" idx="1"/>
+            <a:endCxn id="13" idx="2"/>
+          </p:cNvCxnSpPr>
+          <p:nvPr/>
+        </p:nvCxnSpPr>
+        <p:spPr>
+          <a:xfrm flipH="1" flipV="1">
+            <a:off x="4290413" y="3358546"/>
+            <a:ext cx="973708" cy="1852613"/>
+          </a:xfrm>
+          <a:prstGeom prst="straightConnector1">
+            <a:avLst/>
+          </a:prstGeom>
+          <a:ln w="12700">
+            <a:solidFill>
+              <a:schemeClr val="bg1"/>
+            </a:solidFill>
+            <a:tailEnd type="triangle"/>
+          </a:ln>
+        </p:spPr>
+        <p:style>
+          <a:lnRef idx="1">
+            <a:schemeClr val="accent1"/>
+          </a:lnRef>
+          <a:fillRef idx="0">
+            <a:schemeClr val="accent1"/>
+          </a:fillRef>
+          <a:effectRef idx="0">
+            <a:schemeClr val="accent1"/>
+          </a:effectRef>
+          <a:fontRef idx="minor">
+            <a:schemeClr val="tx1"/>
+          </a:fontRef>
+        </p:style>
+      </p:cxnSp>
+      <p:sp>
+        <p:nvSpPr>
+          <p:cNvPr id="32" name="CuadroTexto 31">
+            <a:extLst>
+              <a:ext uri="{FF2B5EF4-FFF2-40B4-BE49-F238E27FC236}">
+                <a16:creationId xmlns:a16="http://schemas.microsoft.com/office/drawing/2014/main" id="{B40902AC-EBE4-47D2-84C7-52C946113453}"/>
+              </a:ext>
+            </a:extLst>
+          </p:cNvPr>
+          <p:cNvSpPr txBox="1"/>
+          <p:nvPr/>
+        </p:nvSpPr>
+        <p:spPr>
+          <a:xfrm>
+            <a:off x="3971819" y="3902345"/>
+            <a:ext cx="1376218" cy="369332"/>
+          </a:xfrm>
+          <a:prstGeom prst="rect">
+            <a:avLst/>
+          </a:prstGeom>
+          <a:noFill/>
+        </p:spPr>
+        <p:txBody>
+          <a:bodyPr wrap="square" rtlCol="0">
+            <a:spAutoFit/>
+          </a:bodyPr>
+          <a:lstStyle/>
+          <a:p>
+            <a:r>
+              <a:rPr lang="en-US" dirty="0">
+                <a:solidFill>
+                  <a:schemeClr val="bg1"/>
+                </a:solidFill>
+              </a:rPr>
+              <a:t>calls</a:t>
+            </a:r>
+          </a:p>
+        </p:txBody>
+      </p:sp>
+      <p:cxnSp>
+        <p:nvCxnSpPr>
+          <p:cNvPr id="33" name="Conector recto de flecha 32">
+            <a:extLst>
+              <a:ext uri="{FF2B5EF4-FFF2-40B4-BE49-F238E27FC236}">
+                <a16:creationId xmlns:a16="http://schemas.microsoft.com/office/drawing/2014/main" id="{709BB2E5-D414-41A5-A5C5-D936BBF42CEB}"/>
+              </a:ext>
+            </a:extLst>
+          </p:cNvPr>
+          <p:cNvCxnSpPr>
+            <a:cxnSpLocks/>
+            <a:stCxn id="18" idx="3"/>
+            <a:endCxn id="14" idx="2"/>
+          </p:cNvCxnSpPr>
+          <p:nvPr/>
+        </p:nvCxnSpPr>
+        <p:spPr>
+          <a:xfrm flipV="1">
+            <a:off x="8797896" y="3339496"/>
+            <a:ext cx="852456" cy="1871663"/>
+          </a:xfrm>
+          <a:prstGeom prst="straightConnector1">
+            <a:avLst/>
+          </a:prstGeom>
+          <a:ln w="12700">
+            <a:solidFill>
+              <a:schemeClr val="bg1"/>
+            </a:solidFill>
+            <a:tailEnd type="triangle"/>
+          </a:ln>
+        </p:spPr>
+        <p:style>
+          <a:lnRef idx="1">
+            <a:schemeClr val="accent1"/>
+          </a:lnRef>
+          <a:fillRef idx="0">
+            <a:schemeClr val="accent1"/>
+          </a:fillRef>
+          <a:effectRef idx="0">
+            <a:schemeClr val="accent1"/>
+          </a:effectRef>
+          <a:fontRef idx="minor">
+            <a:schemeClr val="tx1"/>
+          </a:fontRef>
+        </p:style>
+      </p:cxnSp>
+      <p:sp>
+        <p:nvSpPr>
+          <p:cNvPr id="35" name="CuadroTexto 34">
+            <a:extLst>
+              <a:ext uri="{FF2B5EF4-FFF2-40B4-BE49-F238E27FC236}">
+                <a16:creationId xmlns:a16="http://schemas.microsoft.com/office/drawing/2014/main" id="{45C8BD20-2C1F-4506-A664-D56156685A84}"/>
+              </a:ext>
+            </a:extLst>
+          </p:cNvPr>
+          <p:cNvSpPr txBox="1"/>
+          <p:nvPr/>
+        </p:nvSpPr>
+        <p:spPr>
+          <a:xfrm>
+            <a:off x="9345728" y="3902345"/>
+            <a:ext cx="1376218" cy="369332"/>
+          </a:xfrm>
+          <a:prstGeom prst="rect">
+            <a:avLst/>
+          </a:prstGeom>
+          <a:noFill/>
+        </p:spPr>
+        <p:txBody>
+          <a:bodyPr wrap="square" rtlCol="0">
+            <a:spAutoFit/>
+          </a:bodyPr>
+          <a:lstStyle/>
+          <a:p>
+            <a:r>
+              <a:rPr lang="en-US" dirty="0">
+                <a:solidFill>
+                  <a:schemeClr val="bg1"/>
+                </a:solidFill>
+              </a:rPr>
+              <a:t>calls</a:t>
+            </a:r>
+          </a:p>
+        </p:txBody>
+      </p:sp>
     </p:spTree>
     <p:extLst>
       <p:ext uri="{BB962C8B-B14F-4D97-AF65-F5344CB8AC3E}">
-        <p14:creationId xmlns:p14="http://schemas.microsoft.com/office/powerpoint/2010/main" val="416514896"/>
+        <p14:creationId xmlns:p14="http://schemas.microsoft.com/office/powerpoint/2010/main" val="3412169173"/>
       </p:ext>
     </p:extLst>
   </p:cSld>
@@ -12581,25 +12828,7 @@
                 </a:solidFill>
                 <a:latin typeface="Calibri" panose="020F0502020204030204" pitchFamily="34" charset="0"/>
               </a:rPr>
-              <a:t>Page-</a:t>
-            </a:r>
-            <a:r>
-              <a:rPr lang="es-ES" dirty="0" err="1">
-                <a:solidFill>
-                  <a:srgbClr val="000000"/>
-                </a:solidFill>
-                <a:latin typeface="Calibri" panose="020F0502020204030204" pitchFamily="34" charset="0"/>
-              </a:rPr>
-              <a:t>Object</a:t>
-            </a:r>
-            <a:r>
-              <a:rPr lang="es-ES" dirty="0">
-                <a:solidFill>
-                  <a:srgbClr val="000000"/>
-                </a:solidFill>
-                <a:latin typeface="Calibri" panose="020F0502020204030204" pitchFamily="34" charset="0"/>
-              </a:rPr>
-              <a:t> </a:t>
+              <a:t>Memento </a:t>
             </a:r>
             <a:r>
               <a:rPr lang="es-ES" dirty="0" err="1">
@@ -12617,7 +12846,7 @@
     </p:spTree>
     <p:extLst>
       <p:ext uri="{BB962C8B-B14F-4D97-AF65-F5344CB8AC3E}">
-        <p14:creationId xmlns:p14="http://schemas.microsoft.com/office/powerpoint/2010/main" val="2983471730"/>
+        <p14:creationId xmlns:p14="http://schemas.microsoft.com/office/powerpoint/2010/main" val="1428411220"/>
       </p:ext>
     </p:extLst>
   </p:cSld>
@@ -12698,10 +12927,10 @@
       </p:sp>
       <p:pic>
         <p:nvPicPr>
-          <p:cNvPr id="30" name="Imagen 29">
-            <a:extLst>
-              <a:ext uri="{FF2B5EF4-FFF2-40B4-BE49-F238E27FC236}">
-                <a16:creationId xmlns:a16="http://schemas.microsoft.com/office/drawing/2014/main" id="{11AA3BEE-0DB9-4E5E-97F9-46B38CC019A4}"/>
+          <p:cNvPr id="15" name="Imagen 14">
+            <a:extLst>
+              <a:ext uri="{FF2B5EF4-FFF2-40B4-BE49-F238E27FC236}">
+                <a16:creationId xmlns:a16="http://schemas.microsoft.com/office/drawing/2014/main" id="{38392C8C-FACC-4ECF-A7BA-DF180B59D5A3}"/>
               </a:ext>
             </a:extLst>
           </p:cNvPr>
@@ -12718,8 +12947,8 @@
         </p:blipFill>
         <p:spPr>
           <a:xfrm>
-            <a:off x="320338" y="3308109"/>
-            <a:ext cx="4785360" cy="2990850"/>
+            <a:off x="484863" y="956187"/>
+            <a:ext cx="4095750" cy="1628775"/>
           </a:xfrm>
           <a:prstGeom prst="rect">
             <a:avLst/>
@@ -12735,10 +12964,10 @@
       </p:pic>
       <p:pic>
         <p:nvPicPr>
-          <p:cNvPr id="33" name="Imagen 32">
-            <a:extLst>
-              <a:ext uri="{FF2B5EF4-FFF2-40B4-BE49-F238E27FC236}">
-                <a16:creationId xmlns:a16="http://schemas.microsoft.com/office/drawing/2014/main" id="{27AF6DC8-BCC6-43A0-ACB8-8E24581FFF99}"/>
+          <p:cNvPr id="16" name="Imagen 15">
+            <a:extLst>
+              <a:ext uri="{FF2B5EF4-FFF2-40B4-BE49-F238E27FC236}">
+                <a16:creationId xmlns:a16="http://schemas.microsoft.com/office/drawing/2014/main" id="{AA8452B2-EBF7-458F-BA16-E5BADC9F2DA4}"/>
               </a:ext>
             </a:extLst>
           </p:cNvPr>
@@ -12755,8 +12984,8 @@
         </p:blipFill>
         <p:spPr>
           <a:xfrm>
-            <a:off x="6221148" y="252067"/>
-            <a:ext cx="5485989" cy="2262533"/>
+            <a:off x="7423636" y="3099314"/>
+            <a:ext cx="4000500" cy="3476625"/>
           </a:xfrm>
           <a:prstGeom prst="rect">
             <a:avLst/>
@@ -12772,10 +13001,10 @@
       </p:pic>
       <p:pic>
         <p:nvPicPr>
-          <p:cNvPr id="2" name="Imagen 1">
-            <a:extLst>
-              <a:ext uri="{FF2B5EF4-FFF2-40B4-BE49-F238E27FC236}">
-                <a16:creationId xmlns:a16="http://schemas.microsoft.com/office/drawing/2014/main" id="{0D177CD9-B958-4BF5-9974-F66D391F7A44}"/>
+          <p:cNvPr id="17" name="Imagen 16">
+            <a:extLst>
+              <a:ext uri="{FF2B5EF4-FFF2-40B4-BE49-F238E27FC236}">
+                <a16:creationId xmlns:a16="http://schemas.microsoft.com/office/drawing/2014/main" id="{9F32DCE4-69A0-4BDD-A651-B579636C549E}"/>
               </a:ext>
             </a:extLst>
           </p:cNvPr>
@@ -12792,8 +13021,8 @@
         </p:blipFill>
         <p:spPr>
           <a:xfrm>
-            <a:off x="6221148" y="3124301"/>
-            <a:ext cx="5491163" cy="3358466"/>
+            <a:off x="6315456" y="1249799"/>
+            <a:ext cx="5685453" cy="1041550"/>
           </a:xfrm>
           <a:prstGeom prst="rect">
             <a:avLst/>
@@ -12807,26 +13036,63 @@
           </a:effectLst>
         </p:spPr>
       </p:pic>
+      <p:pic>
+        <p:nvPicPr>
+          <p:cNvPr id="2" name="Imagen 1">
+            <a:extLst>
+              <a:ext uri="{FF2B5EF4-FFF2-40B4-BE49-F238E27FC236}">
+                <a16:creationId xmlns:a16="http://schemas.microsoft.com/office/drawing/2014/main" id="{695C7165-BD4A-4AB9-976B-E680B2026739}"/>
+              </a:ext>
+            </a:extLst>
+          </p:cNvPr>
+          <p:cNvPicPr>
+            <a:picLocks noChangeAspect="1"/>
+          </p:cNvPicPr>
+          <p:nvPr/>
+        </p:nvPicPr>
+        <p:blipFill>
+          <a:blip r:embed="rId5"/>
+          <a:stretch>
+            <a:fillRect/>
+          </a:stretch>
+        </p:blipFill>
+        <p:spPr>
+          <a:xfrm>
+            <a:off x="484863" y="3671852"/>
+            <a:ext cx="4772025" cy="2781300"/>
+          </a:xfrm>
+          <a:prstGeom prst="rect">
+            <a:avLst/>
+          </a:prstGeom>
+          <a:effectLst>
+            <a:glow rad="25400">
+              <a:schemeClr val="bg1">
+                <a:alpha val="40000"/>
+              </a:schemeClr>
+            </a:glow>
+          </a:effectLst>
+        </p:spPr>
+      </p:pic>
       <p:cxnSp>
         <p:nvCxnSpPr>
-          <p:cNvPr id="34" name="Conector recto de flecha 33">
-            <a:extLst>
-              <a:ext uri="{FF2B5EF4-FFF2-40B4-BE49-F238E27FC236}">
-                <a16:creationId xmlns:a16="http://schemas.microsoft.com/office/drawing/2014/main" id="{FE5B11F8-9635-41F2-BA0B-CF1CE47617E6}"/>
+          <p:cNvPr id="24" name="Conector recto de flecha 23">
+            <a:extLst>
+              <a:ext uri="{FF2B5EF4-FFF2-40B4-BE49-F238E27FC236}">
+                <a16:creationId xmlns:a16="http://schemas.microsoft.com/office/drawing/2014/main" id="{85E8031D-5340-4D95-87F4-D6286DA74AB3}"/>
               </a:ext>
             </a:extLst>
           </p:cNvPr>
           <p:cNvCxnSpPr>
             <a:cxnSpLocks/>
-            <a:stCxn id="2" idx="0"/>
-            <a:endCxn id="33" idx="2"/>
+            <a:stCxn id="17" idx="1"/>
+            <a:endCxn id="15" idx="3"/>
           </p:cNvCxnSpPr>
           <p:nvPr/>
         </p:nvCxnSpPr>
         <p:spPr>
-          <a:xfrm flipH="1" flipV="1">
-            <a:off x="8964143" y="2514600"/>
-            <a:ext cx="2587" cy="609701"/>
+          <a:xfrm flipH="1">
+            <a:off x="4580613" y="1770574"/>
+            <a:ext cx="1734843" cy="1"/>
           </a:xfrm>
           <a:prstGeom prst="straightConnector1">
             <a:avLst/>
@@ -12835,7 +13101,6 @@
             <a:solidFill>
               <a:schemeClr val="bg1"/>
             </a:solidFill>
-            <a:headEnd type="triangle"/>
             <a:tailEnd type="triangle"/>
           </a:ln>
         </p:spPr>
@@ -12856,10 +13121,10 @@
       </p:cxnSp>
       <p:sp>
         <p:nvSpPr>
-          <p:cNvPr id="38" name="CuadroTexto 37">
-            <a:extLst>
-              <a:ext uri="{FF2B5EF4-FFF2-40B4-BE49-F238E27FC236}">
-                <a16:creationId xmlns:a16="http://schemas.microsoft.com/office/drawing/2014/main" id="{E593275B-18D5-4ED5-B785-2CD80B46AC8E}"/>
+          <p:cNvPr id="26" name="CuadroTexto 25">
+            <a:extLst>
+              <a:ext uri="{FF2B5EF4-FFF2-40B4-BE49-F238E27FC236}">
+                <a16:creationId xmlns:a16="http://schemas.microsoft.com/office/drawing/2014/main" id="{4575F0BB-CAC2-4D70-93A4-8FF455B10CD7}"/>
               </a:ext>
             </a:extLst>
           </p:cNvPr>
@@ -12868,46 +13133,7 @@
         </p:nvSpPr>
         <p:spPr>
           <a:xfrm>
-            <a:off x="8964141" y="2650173"/>
-            <a:ext cx="1758422" cy="338554"/>
-          </a:xfrm>
-          <a:prstGeom prst="rect">
-            <a:avLst/>
-          </a:prstGeom>
-          <a:noFill/>
-        </p:spPr>
-        <p:txBody>
-          <a:bodyPr wrap="square" rtlCol="0">
-            <a:spAutoFit/>
-          </a:bodyPr>
-          <a:lstStyle/>
-          <a:p>
-            <a:r>
-              <a:rPr lang="en-US" sz="1600" dirty="0">
-                <a:solidFill>
-                  <a:schemeClr val="bg1"/>
-                </a:solidFill>
-              </a:rPr>
-              <a:t>reads and interacts</a:t>
-            </a:r>
-          </a:p>
-        </p:txBody>
-      </p:sp>
-      <p:sp>
-        <p:nvSpPr>
-          <p:cNvPr id="39" name="CuadroTexto 38">
-            <a:extLst>
-              <a:ext uri="{FF2B5EF4-FFF2-40B4-BE49-F238E27FC236}">
-                <a16:creationId xmlns:a16="http://schemas.microsoft.com/office/drawing/2014/main" id="{E933C427-2012-4298-BAC7-CF5FE7311DE1}"/>
-              </a:ext>
-            </a:extLst>
-          </p:cNvPr>
-          <p:cNvSpPr txBox="1"/>
-          <p:nvPr/>
-        </p:nvSpPr>
-        <p:spPr>
-          <a:xfrm>
-            <a:off x="5282744" y="4434202"/>
+            <a:off x="4865976" y="1401242"/>
             <a:ext cx="1376218" cy="369332"/>
           </a:xfrm>
           <a:prstGeom prst="rect">
@@ -12927,31 +13153,69 @@
                   <a:schemeClr val="bg1"/>
                 </a:solidFill>
               </a:rPr>
-              <a:t>calls</a:t>
+              <a:t>remembers</a:t>
+            </a:r>
+          </a:p>
+        </p:txBody>
+      </p:sp>
+      <p:sp>
+        <p:nvSpPr>
+          <p:cNvPr id="27" name="CuadroTexto 26">
+            <a:extLst>
+              <a:ext uri="{FF2B5EF4-FFF2-40B4-BE49-F238E27FC236}">
+                <a16:creationId xmlns:a16="http://schemas.microsoft.com/office/drawing/2014/main" id="{21C15358-5602-4ECC-98DC-20B5066F4BFC}"/>
+              </a:ext>
+            </a:extLst>
+          </p:cNvPr>
+          <p:cNvSpPr txBox="1"/>
+          <p:nvPr/>
+        </p:nvSpPr>
+        <p:spPr>
+          <a:xfrm>
+            <a:off x="484863" y="3244334"/>
+            <a:ext cx="1376218" cy="369332"/>
+          </a:xfrm>
+          <a:prstGeom prst="rect">
+            <a:avLst/>
+          </a:prstGeom>
+          <a:noFill/>
+        </p:spPr>
+        <p:txBody>
+          <a:bodyPr wrap="square" rtlCol="0">
+            <a:spAutoFit/>
+          </a:bodyPr>
+          <a:lstStyle/>
+          <a:p>
+            <a:r>
+              <a:rPr lang="en-US" dirty="0">
+                <a:solidFill>
+                  <a:schemeClr val="bg1"/>
+                </a:solidFill>
+              </a:rPr>
+              <a:t>Usage:</a:t>
             </a:r>
           </a:p>
         </p:txBody>
       </p:sp>
       <p:cxnSp>
         <p:nvCxnSpPr>
-          <p:cNvPr id="40" name="Conector recto de flecha 39">
-            <a:extLst>
-              <a:ext uri="{FF2B5EF4-FFF2-40B4-BE49-F238E27FC236}">
-                <a16:creationId xmlns:a16="http://schemas.microsoft.com/office/drawing/2014/main" id="{65ADA00B-B061-4BC6-8BEA-533E11C25C79}"/>
+          <p:cNvPr id="28" name="Conector recto de flecha 27">
+            <a:extLst>
+              <a:ext uri="{FF2B5EF4-FFF2-40B4-BE49-F238E27FC236}">
+                <a16:creationId xmlns:a16="http://schemas.microsoft.com/office/drawing/2014/main" id="{A044E2DC-53A8-4398-92E6-2E09B55658CE}"/>
               </a:ext>
             </a:extLst>
           </p:cNvPr>
           <p:cNvCxnSpPr>
             <a:cxnSpLocks/>
-            <a:stCxn id="30" idx="3"/>
-            <a:endCxn id="2" idx="1"/>
+            <a:stCxn id="16" idx="1"/>
           </p:cNvCxnSpPr>
           <p:nvPr/>
         </p:nvCxnSpPr>
         <p:spPr>
-          <a:xfrm>
-            <a:off x="5105698" y="4803534"/>
-            <a:ext cx="1115450" cy="0"/>
+          <a:xfrm flipH="1" flipV="1">
+            <a:off x="4580614" y="2584963"/>
+            <a:ext cx="2843022" cy="2252664"/>
           </a:xfrm>
           <a:prstGeom prst="straightConnector1">
             <a:avLst/>
@@ -12978,10 +13242,49 @@
           </a:fontRef>
         </p:style>
       </p:cxnSp>
+      <p:sp>
+        <p:nvSpPr>
+          <p:cNvPr id="29" name="CuadroTexto 28">
+            <a:extLst>
+              <a:ext uri="{FF2B5EF4-FFF2-40B4-BE49-F238E27FC236}">
+                <a16:creationId xmlns:a16="http://schemas.microsoft.com/office/drawing/2014/main" id="{C5F385E5-F519-4AB5-A7BA-D080107A5515}"/>
+              </a:ext>
+            </a:extLst>
+          </p:cNvPr>
+          <p:cNvSpPr txBox="1"/>
+          <p:nvPr/>
+        </p:nvSpPr>
+        <p:spPr>
+          <a:xfrm>
+            <a:off x="5775318" y="2921168"/>
+            <a:ext cx="1628369" cy="646331"/>
+          </a:xfrm>
+          <a:prstGeom prst="rect">
+            <a:avLst/>
+          </a:prstGeom>
+          <a:noFill/>
+        </p:spPr>
+        <p:txBody>
+          <a:bodyPr wrap="square" rtlCol="0">
+            <a:spAutoFit/>
+          </a:bodyPr>
+          <a:lstStyle/>
+          <a:p>
+            <a:r>
+              <a:rPr lang="en-US" dirty="0">
+                <a:solidFill>
+                  <a:schemeClr val="bg1"/>
+                </a:solidFill>
+              </a:rPr>
+              <a:t>creates and restores</a:t>
+            </a:r>
+          </a:p>
+        </p:txBody>
+      </p:sp>
     </p:spTree>
     <p:extLst>
       <p:ext uri="{BB962C8B-B14F-4D97-AF65-F5344CB8AC3E}">
-        <p14:creationId xmlns:p14="http://schemas.microsoft.com/office/powerpoint/2010/main" val="2070501123"/>
+        <p14:creationId xmlns:p14="http://schemas.microsoft.com/office/powerpoint/2010/main" val="3966714351"/>
       </p:ext>
     </p:extLst>
   </p:cSld>
@@ -12994,14 +13297,6 @@
 <file path=ppt/slides/slide39.xml><?xml version="1.0" encoding="utf-8"?>
 <p:sld xmlns:a="http://schemas.openxmlformats.org/drawingml/2006/main" xmlns:r="http://schemas.openxmlformats.org/officeDocument/2006/relationships" xmlns:p="http://schemas.openxmlformats.org/presentationml/2006/main">
   <p:cSld>
-    <p:bg>
-      <p:bgPr>
-        <a:solidFill>
-          <a:srgbClr val="1E1E1E"/>
-        </a:solidFill>
-        <a:effectLst/>
-      </p:bgPr>
-    </p:bg>
     <p:spTree>
       <p:nvGrpSpPr>
         <p:cNvPr id="1" name=""/>
@@ -13016,323 +13311,35 @@
           <a:chExt cx="0" cy="0"/>
         </a:xfrm>
       </p:grpSpPr>
-      <p:pic>
-        <p:nvPicPr>
-          <p:cNvPr id="7" name="Imagen 6">
-            <a:extLst>
-              <a:ext uri="{FF2B5EF4-FFF2-40B4-BE49-F238E27FC236}">
-                <a16:creationId xmlns:a16="http://schemas.microsoft.com/office/drawing/2014/main" id="{2CFE6195-EA83-4C47-A03F-329D229C5AB7}"/>
-              </a:ext>
-            </a:extLst>
-          </p:cNvPr>
-          <p:cNvPicPr>
-            <a:picLocks noChangeAspect="1"/>
-          </p:cNvPicPr>
-          <p:nvPr/>
-        </p:nvPicPr>
-        <p:blipFill>
-          <a:blip r:embed="rId2"/>
-          <a:stretch>
-            <a:fillRect/>
-          </a:stretch>
-        </p:blipFill>
-        <p:spPr>
-          <a:xfrm>
-            <a:off x="207896" y="2087591"/>
-            <a:ext cx="5179886" cy="4335534"/>
-          </a:xfrm>
-          <a:prstGeom prst="rect">
-            <a:avLst/>
-          </a:prstGeom>
-          <a:effectLst>
-            <a:glow rad="25400">
-              <a:schemeClr val="bg1">
-                <a:alpha val="40000"/>
-              </a:schemeClr>
-            </a:glow>
-          </a:effectLst>
-        </p:spPr>
-      </p:pic>
-      <p:pic>
-        <p:nvPicPr>
-          <p:cNvPr id="11" name="Imagen 10">
-            <a:extLst>
-              <a:ext uri="{FF2B5EF4-FFF2-40B4-BE49-F238E27FC236}">
-                <a16:creationId xmlns:a16="http://schemas.microsoft.com/office/drawing/2014/main" id="{FACE3969-615E-4C45-B56D-19518D2A9CE0}"/>
-              </a:ext>
-            </a:extLst>
-          </p:cNvPr>
-          <p:cNvPicPr>
-            <a:picLocks noChangeAspect="1"/>
-          </p:cNvPicPr>
-          <p:nvPr/>
-        </p:nvPicPr>
-        <p:blipFill>
-          <a:blip r:embed="rId3"/>
-          <a:stretch>
-            <a:fillRect/>
-          </a:stretch>
-        </p:blipFill>
-        <p:spPr>
-          <a:xfrm>
-            <a:off x="6151615" y="1849550"/>
-            <a:ext cx="5830965" cy="4823295"/>
-          </a:xfrm>
-          <a:prstGeom prst="rect">
-            <a:avLst/>
-          </a:prstGeom>
-          <a:effectLst>
-            <a:glow rad="25400">
-              <a:schemeClr val="bg1">
-                <a:alpha val="40000"/>
-              </a:schemeClr>
-            </a:glow>
-          </a:effectLst>
-        </p:spPr>
-      </p:pic>
-      <p:pic>
-        <p:nvPicPr>
-          <p:cNvPr id="13" name="Imagen 12">
-            <a:extLst>
-              <a:ext uri="{FF2B5EF4-FFF2-40B4-BE49-F238E27FC236}">
-                <a16:creationId xmlns:a16="http://schemas.microsoft.com/office/drawing/2014/main" id="{DB69B325-2AFF-4143-A6CE-6A622ECFDFA2}"/>
-              </a:ext>
-            </a:extLst>
-          </p:cNvPr>
-          <p:cNvPicPr>
-            <a:picLocks noChangeAspect="1"/>
-          </p:cNvPicPr>
-          <p:nvPr/>
-        </p:nvPicPr>
-        <p:blipFill>
-          <a:blip r:embed="rId4"/>
-          <a:stretch>
-            <a:fillRect/>
-          </a:stretch>
-        </p:blipFill>
-        <p:spPr>
-          <a:xfrm>
-            <a:off x="6267604" y="433524"/>
-            <a:ext cx="5598986" cy="664286"/>
-          </a:xfrm>
-          <a:prstGeom prst="rect">
-            <a:avLst/>
-          </a:prstGeom>
-          <a:effectLst>
-            <a:glow rad="25400">
-              <a:schemeClr val="bg1">
-                <a:alpha val="40000"/>
-              </a:schemeClr>
-            </a:glow>
-          </a:effectLst>
-        </p:spPr>
-      </p:pic>
-      <p:sp>
-        <p:nvSpPr>
-          <p:cNvPr id="25" name="CuadroTexto 24">
-            <a:extLst>
-              <a:ext uri="{FF2B5EF4-FFF2-40B4-BE49-F238E27FC236}">
-                <a16:creationId xmlns:a16="http://schemas.microsoft.com/office/drawing/2014/main" id="{19C6170D-CFD8-49E4-816C-97EDFBA2B700}"/>
-              </a:ext>
-            </a:extLst>
-          </p:cNvPr>
-          <p:cNvSpPr txBox="1"/>
-          <p:nvPr/>
-        </p:nvSpPr>
-        <p:spPr>
-          <a:xfrm>
-            <a:off x="5407891" y="3891865"/>
-            <a:ext cx="1376218" cy="369332"/>
-          </a:xfrm>
-          <a:prstGeom prst="rect">
-            <a:avLst/>
-          </a:prstGeom>
-          <a:noFill/>
-        </p:spPr>
-        <p:txBody>
-          <a:bodyPr wrap="square" rtlCol="0">
-            <a:spAutoFit/>
-          </a:bodyPr>
+      <p:sp>
+        <p:nvSpPr>
+          <p:cNvPr id="2" name="Título 1">
+            <a:extLst>
+              <a:ext uri="{FF2B5EF4-FFF2-40B4-BE49-F238E27FC236}">
+                <a16:creationId xmlns:a16="http://schemas.microsoft.com/office/drawing/2014/main" id="{73A2909B-13B3-4614-9321-16AF10F4286A}"/>
+              </a:ext>
+            </a:extLst>
+          </p:cNvPr>
+          <p:cNvSpPr>
+            <a:spLocks noGrp="1"/>
+          </p:cNvSpPr>
+          <p:nvPr>
+            <p:ph type="title"/>
+          </p:nvPr>
+        </p:nvSpPr>
+        <p:spPr>
+          <a:xfrm>
+            <a:off x="838200" y="2103437"/>
+            <a:ext cx="10515600" cy="1325563"/>
+          </a:xfrm>
+        </p:spPr>
+        <p:txBody>
+          <a:bodyPr/>
           <a:lstStyle/>
           <a:p>
             <a:r>
-              <a:rPr lang="en-US" dirty="0">
-                <a:solidFill>
-                  <a:schemeClr val="bg1"/>
-                </a:solidFill>
-              </a:rPr>
-              <a:t>calls</a:t>
-            </a:r>
-          </a:p>
-        </p:txBody>
-      </p:sp>
-      <p:cxnSp>
-        <p:nvCxnSpPr>
-          <p:cNvPr id="26" name="Conector recto de flecha 25">
-            <a:extLst>
-              <a:ext uri="{FF2B5EF4-FFF2-40B4-BE49-F238E27FC236}">
-                <a16:creationId xmlns:a16="http://schemas.microsoft.com/office/drawing/2014/main" id="{76AE51E0-8D6F-4932-8634-0B5B6F4E744C}"/>
-              </a:ext>
-            </a:extLst>
-          </p:cNvPr>
-          <p:cNvCxnSpPr>
-            <a:cxnSpLocks/>
-            <a:stCxn id="7" idx="3"/>
-            <a:endCxn id="11" idx="1"/>
-          </p:cNvCxnSpPr>
-          <p:nvPr/>
-        </p:nvCxnSpPr>
-        <p:spPr>
-          <a:xfrm>
-            <a:off x="5387782" y="4255358"/>
-            <a:ext cx="763833" cy="5840"/>
-          </a:xfrm>
-          <a:prstGeom prst="straightConnector1">
-            <a:avLst/>
-          </a:prstGeom>
-          <a:ln w="12700">
-            <a:solidFill>
-              <a:schemeClr val="bg1"/>
-            </a:solidFill>
-            <a:tailEnd type="triangle"/>
-          </a:ln>
-        </p:spPr>
-        <p:style>
-          <a:lnRef idx="1">
-            <a:schemeClr val="accent1"/>
-          </a:lnRef>
-          <a:fillRef idx="0">
-            <a:schemeClr val="accent1"/>
-          </a:fillRef>
-          <a:effectRef idx="0">
-            <a:schemeClr val="accent1"/>
-          </a:effectRef>
-          <a:fontRef idx="minor">
-            <a:schemeClr val="tx1"/>
-          </a:fontRef>
-        </p:style>
-      </p:cxnSp>
-      <p:cxnSp>
-        <p:nvCxnSpPr>
-          <p:cNvPr id="29" name="Conector recto de flecha 28">
-            <a:extLst>
-              <a:ext uri="{FF2B5EF4-FFF2-40B4-BE49-F238E27FC236}">
-                <a16:creationId xmlns:a16="http://schemas.microsoft.com/office/drawing/2014/main" id="{03CB87ED-D98B-4404-8865-52F51E0F0D1A}"/>
-              </a:ext>
-            </a:extLst>
-          </p:cNvPr>
-          <p:cNvCxnSpPr>
-            <a:cxnSpLocks/>
-            <a:stCxn id="11" idx="0"/>
-            <a:endCxn id="13" idx="2"/>
-          </p:cNvCxnSpPr>
-          <p:nvPr/>
-        </p:nvCxnSpPr>
-        <p:spPr>
-          <a:xfrm flipH="1" flipV="1">
-            <a:off x="9067097" y="1097810"/>
-            <a:ext cx="1" cy="751740"/>
-          </a:xfrm>
-          <a:prstGeom prst="straightConnector1">
-            <a:avLst/>
-          </a:prstGeom>
-          <a:ln w="12700">
-            <a:solidFill>
-              <a:schemeClr val="bg1"/>
-            </a:solidFill>
-            <a:headEnd type="triangle"/>
-            <a:tailEnd type="triangle"/>
-          </a:ln>
-        </p:spPr>
-        <p:style>
-          <a:lnRef idx="1">
-            <a:schemeClr val="accent1"/>
-          </a:lnRef>
-          <a:fillRef idx="0">
-            <a:schemeClr val="accent1"/>
-          </a:fillRef>
-          <a:effectRef idx="0">
-            <a:schemeClr val="accent1"/>
-          </a:effectRef>
-          <a:fontRef idx="minor">
-            <a:schemeClr val="tx1"/>
-          </a:fontRef>
-        </p:style>
-      </p:cxnSp>
-      <p:sp>
-        <p:nvSpPr>
-          <p:cNvPr id="30" name="CuadroTexto 29">
-            <a:extLst>
-              <a:ext uri="{FF2B5EF4-FFF2-40B4-BE49-F238E27FC236}">
-                <a16:creationId xmlns:a16="http://schemas.microsoft.com/office/drawing/2014/main" id="{97B5AC85-396E-4BE9-9E35-EC6CFF814F96}"/>
-              </a:ext>
-            </a:extLst>
-          </p:cNvPr>
-          <p:cNvSpPr txBox="1"/>
-          <p:nvPr/>
-        </p:nvSpPr>
-        <p:spPr>
-          <a:xfrm>
-            <a:off x="9067097" y="1304403"/>
-            <a:ext cx="1758422" cy="338554"/>
-          </a:xfrm>
-          <a:prstGeom prst="rect">
-            <a:avLst/>
-          </a:prstGeom>
-          <a:noFill/>
-        </p:spPr>
-        <p:txBody>
-          <a:bodyPr wrap="square" rtlCol="0">
-            <a:spAutoFit/>
-          </a:bodyPr>
-          <a:lstStyle/>
-          <a:p>
-            <a:r>
-              <a:rPr lang="en-US" sz="1600" dirty="0">
-                <a:solidFill>
-                  <a:schemeClr val="bg1"/>
-                </a:solidFill>
-              </a:rPr>
-              <a:t>reads and interacts</a:t>
-            </a:r>
-          </a:p>
-        </p:txBody>
-      </p:sp>
-      <p:sp>
-        <p:nvSpPr>
-          <p:cNvPr id="36" name="CuadroTexto 35">
-            <a:extLst>
-              <a:ext uri="{FF2B5EF4-FFF2-40B4-BE49-F238E27FC236}">
-                <a16:creationId xmlns:a16="http://schemas.microsoft.com/office/drawing/2014/main" id="{8D5F8848-69CC-474A-8B0C-8685958FFF9D}"/>
-              </a:ext>
-            </a:extLst>
-          </p:cNvPr>
-          <p:cNvSpPr txBox="1"/>
-          <p:nvPr/>
-        </p:nvSpPr>
-        <p:spPr>
-          <a:xfrm>
-            <a:off x="361700" y="215130"/>
-            <a:ext cx="3397994" cy="646331"/>
-          </a:xfrm>
-          <a:prstGeom prst="rect">
-            <a:avLst/>
-          </a:prstGeom>
-          <a:noFill/>
-        </p:spPr>
-        <p:txBody>
-          <a:bodyPr wrap="square" rtlCol="0">
-            <a:spAutoFit/>
-          </a:bodyPr>
-          <a:lstStyle/>
-          <a:p>
-            <a:r>
-              <a:rPr lang="en-US" sz="3600" dirty="0">
-                <a:solidFill>
-                  <a:srgbClr val="53A2D3"/>
-                </a:solidFill>
-              </a:rPr>
-              <a:t>Mundo real</a:t>
+              <a:rPr lang="en-US" dirty="0"/>
+              <a:t>UI Patterns</a:t>
             </a:r>
           </a:p>
         </p:txBody>
@@ -13340,7 +13347,7 @@
     </p:spTree>
     <p:extLst>
       <p:ext uri="{BB962C8B-B14F-4D97-AF65-F5344CB8AC3E}">
-        <p14:creationId xmlns:p14="http://schemas.microsoft.com/office/powerpoint/2010/main" val="181309968"/>
+        <p14:creationId xmlns:p14="http://schemas.microsoft.com/office/powerpoint/2010/main" val="2266296736"/>
       </p:ext>
     </p:extLst>
   </p:cSld>
@@ -13707,6 +13714,1817 @@
 </file>
 
 <file path=ppt/slides/slide40.xml><?xml version="1.0" encoding="utf-8"?>
+<p:sld xmlns:a="http://schemas.openxmlformats.org/drawingml/2006/main" xmlns:r="http://schemas.openxmlformats.org/officeDocument/2006/relationships" xmlns:p="http://schemas.openxmlformats.org/presentationml/2006/main">
+  <p:cSld>
+    <p:spTree>
+      <p:nvGrpSpPr>
+        <p:cNvPr id="1" name=""/>
+        <p:cNvGrpSpPr/>
+        <p:nvPr/>
+      </p:nvGrpSpPr>
+      <p:grpSpPr>
+        <a:xfrm>
+          <a:off x="0" y="0"/>
+          <a:ext cx="0" cy="0"/>
+          <a:chOff x="0" y="0"/>
+          <a:chExt cx="0" cy="0"/>
+        </a:xfrm>
+      </p:grpSpPr>
+      <p:sp>
+        <p:nvSpPr>
+          <p:cNvPr id="2" name="Título 1">
+            <a:extLst>
+              <a:ext uri="{FF2B5EF4-FFF2-40B4-BE49-F238E27FC236}">
+                <a16:creationId xmlns:a16="http://schemas.microsoft.com/office/drawing/2014/main" id="{51E579E3-4D4D-4391-A4DB-77F6C6DD84BE}"/>
+              </a:ext>
+            </a:extLst>
+          </p:cNvPr>
+          <p:cNvSpPr>
+            <a:spLocks noGrp="1"/>
+          </p:cNvSpPr>
+          <p:nvPr>
+            <p:ph type="title"/>
+          </p:nvPr>
+        </p:nvSpPr>
+        <p:spPr>
+          <a:xfrm>
+            <a:off x="900344" y="2766218"/>
+            <a:ext cx="10515600" cy="1325563"/>
+          </a:xfrm>
+        </p:spPr>
+        <p:txBody>
+          <a:bodyPr/>
+          <a:lstStyle/>
+          <a:p>
+            <a:r>
+              <a:rPr lang="es-ES" dirty="0" err="1">
+                <a:solidFill>
+                  <a:srgbClr val="000000"/>
+                </a:solidFill>
+                <a:latin typeface="Calibri" panose="020F0502020204030204" pitchFamily="34" charset="0"/>
+              </a:rPr>
+              <a:t>Model</a:t>
+            </a:r>
+            <a:r>
+              <a:rPr lang="es-ES" dirty="0">
+                <a:solidFill>
+                  <a:srgbClr val="000000"/>
+                </a:solidFill>
+                <a:latin typeface="Calibri" panose="020F0502020204030204" pitchFamily="34" charset="0"/>
+              </a:rPr>
+              <a:t> View </a:t>
+            </a:r>
+            <a:r>
+              <a:rPr lang="es-ES" dirty="0" err="1">
+                <a:solidFill>
+                  <a:srgbClr val="000000"/>
+                </a:solidFill>
+                <a:latin typeface="Calibri" panose="020F0502020204030204" pitchFamily="34" charset="0"/>
+              </a:rPr>
+              <a:t>ViewModel</a:t>
+            </a:r>
+            <a:r>
+              <a:rPr lang="es-ES" dirty="0">
+                <a:solidFill>
+                  <a:srgbClr val="000000"/>
+                </a:solidFill>
+                <a:latin typeface="Calibri" panose="020F0502020204030204" pitchFamily="34" charset="0"/>
+              </a:rPr>
+              <a:t> (MVVM) </a:t>
+            </a:r>
+            <a:r>
+              <a:rPr lang="es-ES" dirty="0" err="1">
+                <a:solidFill>
+                  <a:srgbClr val="000000"/>
+                </a:solidFill>
+                <a:latin typeface="Calibri" panose="020F0502020204030204" pitchFamily="34" charset="0"/>
+              </a:rPr>
+              <a:t>pattern</a:t>
+            </a:r>
+            <a:endParaRPr lang="en-US" dirty="0"/>
+          </a:p>
+        </p:txBody>
+      </p:sp>
+    </p:spTree>
+    <p:extLst>
+      <p:ext uri="{BB962C8B-B14F-4D97-AF65-F5344CB8AC3E}">
+        <p14:creationId xmlns:p14="http://schemas.microsoft.com/office/powerpoint/2010/main" val="478699278"/>
+      </p:ext>
+    </p:extLst>
+  </p:cSld>
+  <p:clrMapOvr>
+    <a:masterClrMapping/>
+  </p:clrMapOvr>
+</p:sld>
+</file>
+
+<file path=ppt/slides/slide41.xml><?xml version="1.0" encoding="utf-8"?>
+<p:sld xmlns:a="http://schemas.openxmlformats.org/drawingml/2006/main" xmlns:r="http://schemas.openxmlformats.org/officeDocument/2006/relationships" xmlns:p="http://schemas.openxmlformats.org/presentationml/2006/main">
+  <p:cSld>
+    <p:bg>
+      <p:bgPr>
+        <a:solidFill>
+          <a:srgbClr val="1E1E1E"/>
+        </a:solidFill>
+        <a:effectLst/>
+      </p:bgPr>
+    </p:bg>
+    <p:spTree>
+      <p:nvGrpSpPr>
+        <p:cNvPr id="1" name=""/>
+        <p:cNvGrpSpPr/>
+        <p:nvPr/>
+      </p:nvGrpSpPr>
+      <p:grpSpPr>
+        <a:xfrm>
+          <a:off x="0" y="0"/>
+          <a:ext cx="0" cy="0"/>
+          <a:chOff x="0" y="0"/>
+          <a:chExt cx="0" cy="0"/>
+        </a:xfrm>
+      </p:grpSpPr>
+      <p:sp>
+        <p:nvSpPr>
+          <p:cNvPr id="31" name="CuadroTexto 30">
+            <a:extLst>
+              <a:ext uri="{FF2B5EF4-FFF2-40B4-BE49-F238E27FC236}">
+                <a16:creationId xmlns:a16="http://schemas.microsoft.com/office/drawing/2014/main" id="{FBF7026D-12F4-4541-8110-DE706094717A}"/>
+              </a:ext>
+            </a:extLst>
+          </p:cNvPr>
+          <p:cNvSpPr txBox="1"/>
+          <p:nvPr/>
+        </p:nvSpPr>
+        <p:spPr>
+          <a:xfrm>
+            <a:off x="484863" y="185392"/>
+            <a:ext cx="3397994" cy="646331"/>
+          </a:xfrm>
+          <a:prstGeom prst="rect">
+            <a:avLst/>
+          </a:prstGeom>
+          <a:noFill/>
+        </p:spPr>
+        <p:txBody>
+          <a:bodyPr wrap="square" rtlCol="0">
+            <a:spAutoFit/>
+          </a:bodyPr>
+          <a:lstStyle/>
+          <a:p>
+            <a:r>
+              <a:rPr lang="en-US" sz="3600" dirty="0" err="1">
+                <a:solidFill>
+                  <a:srgbClr val="53A2D3"/>
+                </a:solidFill>
+              </a:rPr>
+              <a:t>Teoría</a:t>
+            </a:r>
+            <a:endParaRPr lang="en-US" sz="3600" dirty="0">
+              <a:solidFill>
+                <a:srgbClr val="53A2D3"/>
+              </a:solidFill>
+            </a:endParaRPr>
+          </a:p>
+        </p:txBody>
+      </p:sp>
+      <p:pic>
+        <p:nvPicPr>
+          <p:cNvPr id="19" name="Imagen 18">
+            <a:extLst>
+              <a:ext uri="{FF2B5EF4-FFF2-40B4-BE49-F238E27FC236}">
+                <a16:creationId xmlns:a16="http://schemas.microsoft.com/office/drawing/2014/main" id="{AD0CDA8F-35A5-48B4-9D35-466C095B6E83}"/>
+              </a:ext>
+            </a:extLst>
+          </p:cNvPr>
+          <p:cNvPicPr>
+            <a:picLocks noChangeAspect="1"/>
+          </p:cNvPicPr>
+          <p:nvPr/>
+        </p:nvPicPr>
+        <p:blipFill>
+          <a:blip r:embed="rId2"/>
+          <a:stretch>
+            <a:fillRect/>
+          </a:stretch>
+        </p:blipFill>
+        <p:spPr>
+          <a:xfrm>
+            <a:off x="2464109" y="3141771"/>
+            <a:ext cx="6286500" cy="3343275"/>
+          </a:xfrm>
+          <a:prstGeom prst="rect">
+            <a:avLst/>
+          </a:prstGeom>
+          <a:effectLst>
+            <a:glow rad="25400">
+              <a:schemeClr val="bg1">
+                <a:alpha val="40000"/>
+              </a:schemeClr>
+            </a:glow>
+          </a:effectLst>
+        </p:spPr>
+      </p:pic>
+      <p:pic>
+        <p:nvPicPr>
+          <p:cNvPr id="20" name="Imagen 19">
+            <a:extLst>
+              <a:ext uri="{FF2B5EF4-FFF2-40B4-BE49-F238E27FC236}">
+                <a16:creationId xmlns:a16="http://schemas.microsoft.com/office/drawing/2014/main" id="{0CB9DBB1-A444-47E7-8C56-084B56BC9929}"/>
+              </a:ext>
+            </a:extLst>
+          </p:cNvPr>
+          <p:cNvPicPr>
+            <a:picLocks noChangeAspect="1"/>
+          </p:cNvPicPr>
+          <p:nvPr/>
+        </p:nvPicPr>
+        <p:blipFill>
+          <a:blip r:embed="rId3"/>
+          <a:stretch>
+            <a:fillRect/>
+          </a:stretch>
+        </p:blipFill>
+        <p:spPr>
+          <a:xfrm>
+            <a:off x="1170789" y="1365448"/>
+            <a:ext cx="2019300" cy="1219200"/>
+          </a:xfrm>
+          <a:prstGeom prst="rect">
+            <a:avLst/>
+          </a:prstGeom>
+          <a:effectLst>
+            <a:glow rad="25400">
+              <a:schemeClr val="bg1">
+                <a:alpha val="40000"/>
+              </a:schemeClr>
+            </a:glow>
+          </a:effectLst>
+        </p:spPr>
+      </p:pic>
+      <p:cxnSp>
+        <p:nvCxnSpPr>
+          <p:cNvPr id="21" name="Conector recto de flecha 20">
+            <a:extLst>
+              <a:ext uri="{FF2B5EF4-FFF2-40B4-BE49-F238E27FC236}">
+                <a16:creationId xmlns:a16="http://schemas.microsoft.com/office/drawing/2014/main" id="{6081FD7E-32DF-4951-9784-B2FFCABB9DBB}"/>
+              </a:ext>
+            </a:extLst>
+          </p:cNvPr>
+          <p:cNvCxnSpPr>
+            <a:cxnSpLocks/>
+            <a:stCxn id="19" idx="0"/>
+            <a:endCxn id="20" idx="3"/>
+          </p:cNvCxnSpPr>
+          <p:nvPr/>
+        </p:nvCxnSpPr>
+        <p:spPr>
+          <a:xfrm flipH="1" flipV="1">
+            <a:off x="3190089" y="1975048"/>
+            <a:ext cx="2417270" cy="1166723"/>
+          </a:xfrm>
+          <a:prstGeom prst="straightConnector1">
+            <a:avLst/>
+          </a:prstGeom>
+          <a:ln w="12700">
+            <a:solidFill>
+              <a:schemeClr val="bg1"/>
+            </a:solidFill>
+            <a:tailEnd type="triangle"/>
+          </a:ln>
+        </p:spPr>
+        <p:style>
+          <a:lnRef idx="1">
+            <a:schemeClr val="accent1"/>
+          </a:lnRef>
+          <a:fillRef idx="0">
+            <a:schemeClr val="accent1"/>
+          </a:fillRef>
+          <a:effectRef idx="0">
+            <a:schemeClr val="accent1"/>
+          </a:effectRef>
+          <a:fontRef idx="minor">
+            <a:schemeClr val="tx1"/>
+          </a:fontRef>
+        </p:style>
+      </p:cxnSp>
+      <p:sp>
+        <p:nvSpPr>
+          <p:cNvPr id="22" name="CuadroTexto 21">
+            <a:extLst>
+              <a:ext uri="{FF2B5EF4-FFF2-40B4-BE49-F238E27FC236}">
+                <a16:creationId xmlns:a16="http://schemas.microsoft.com/office/drawing/2014/main" id="{C441E18B-5085-4218-841B-6CBDE9D09AA2}"/>
+              </a:ext>
+            </a:extLst>
+          </p:cNvPr>
+          <p:cNvSpPr txBox="1"/>
+          <p:nvPr/>
+        </p:nvSpPr>
+        <p:spPr>
+          <a:xfrm rot="1518848">
+            <a:off x="3913144" y="2251538"/>
+            <a:ext cx="1376218" cy="369332"/>
+          </a:xfrm>
+          <a:prstGeom prst="rect">
+            <a:avLst/>
+          </a:prstGeom>
+          <a:noFill/>
+        </p:spPr>
+        <p:txBody>
+          <a:bodyPr wrap="square" rtlCol="0">
+            <a:spAutoFit/>
+          </a:bodyPr>
+          <a:lstStyle/>
+          <a:p>
+            <a:r>
+              <a:rPr lang="en-US" dirty="0">
+                <a:solidFill>
+                  <a:schemeClr val="bg1"/>
+                </a:solidFill>
+              </a:rPr>
+              <a:t>contains</a:t>
+            </a:r>
+          </a:p>
+        </p:txBody>
+      </p:sp>
+      <p:cxnSp>
+        <p:nvCxnSpPr>
+          <p:cNvPr id="23" name="Conector recto de flecha 22">
+            <a:extLst>
+              <a:ext uri="{FF2B5EF4-FFF2-40B4-BE49-F238E27FC236}">
+                <a16:creationId xmlns:a16="http://schemas.microsoft.com/office/drawing/2014/main" id="{574D6455-8697-43A6-AD09-A3DEB8692CB8}"/>
+              </a:ext>
+            </a:extLst>
+          </p:cNvPr>
+          <p:cNvCxnSpPr>
+            <a:cxnSpLocks/>
+          </p:cNvCxnSpPr>
+          <p:nvPr/>
+        </p:nvCxnSpPr>
+        <p:spPr>
+          <a:xfrm flipV="1">
+            <a:off x="7123569" y="1975049"/>
+            <a:ext cx="1878344" cy="1166723"/>
+          </a:xfrm>
+          <a:prstGeom prst="straightConnector1">
+            <a:avLst/>
+          </a:prstGeom>
+          <a:ln w="12700">
+            <a:solidFill>
+              <a:schemeClr val="bg1"/>
+            </a:solidFill>
+            <a:headEnd type="none"/>
+            <a:tailEnd type="triangle"/>
+          </a:ln>
+        </p:spPr>
+        <p:style>
+          <a:lnRef idx="1">
+            <a:schemeClr val="accent1"/>
+          </a:lnRef>
+          <a:fillRef idx="0">
+            <a:schemeClr val="accent1"/>
+          </a:fillRef>
+          <a:effectRef idx="0">
+            <a:schemeClr val="accent1"/>
+          </a:effectRef>
+          <a:fontRef idx="minor">
+            <a:schemeClr val="tx1"/>
+          </a:fontRef>
+        </p:style>
+      </p:cxnSp>
+      <p:sp>
+        <p:nvSpPr>
+          <p:cNvPr id="25" name="CuadroTexto 24">
+            <a:extLst>
+              <a:ext uri="{FF2B5EF4-FFF2-40B4-BE49-F238E27FC236}">
+                <a16:creationId xmlns:a16="http://schemas.microsoft.com/office/drawing/2014/main" id="{02F6BD05-4155-4839-8166-B0525AEC5FB7}"/>
+              </a:ext>
+            </a:extLst>
+          </p:cNvPr>
+          <p:cNvSpPr txBox="1"/>
+          <p:nvPr/>
+        </p:nvSpPr>
+        <p:spPr>
+          <a:xfrm rot="19684380">
+            <a:off x="7321205" y="2156818"/>
+            <a:ext cx="1376218" cy="369332"/>
+          </a:xfrm>
+          <a:prstGeom prst="rect">
+            <a:avLst/>
+          </a:prstGeom>
+          <a:noFill/>
+        </p:spPr>
+        <p:txBody>
+          <a:bodyPr wrap="square" rtlCol="0">
+            <a:spAutoFit/>
+          </a:bodyPr>
+          <a:lstStyle/>
+          <a:p>
+            <a:r>
+              <a:rPr lang="en-US" dirty="0">
+                <a:solidFill>
+                  <a:schemeClr val="bg1"/>
+                </a:solidFill>
+              </a:rPr>
+              <a:t>shows</a:t>
+            </a:r>
+          </a:p>
+        </p:txBody>
+      </p:sp>
+      <p:cxnSp>
+        <p:nvCxnSpPr>
+          <p:cNvPr id="26" name="Conector recto de flecha 25">
+            <a:extLst>
+              <a:ext uri="{FF2B5EF4-FFF2-40B4-BE49-F238E27FC236}">
+                <a16:creationId xmlns:a16="http://schemas.microsoft.com/office/drawing/2014/main" id="{EAF687F8-0C6A-4F5F-8D35-524D606EF8AA}"/>
+              </a:ext>
+            </a:extLst>
+          </p:cNvPr>
+          <p:cNvCxnSpPr>
+            <a:cxnSpLocks/>
+          </p:cNvCxnSpPr>
+          <p:nvPr/>
+        </p:nvCxnSpPr>
+        <p:spPr>
+          <a:xfrm flipV="1">
+            <a:off x="8009314" y="1944088"/>
+            <a:ext cx="1803404" cy="1162436"/>
+          </a:xfrm>
+          <a:prstGeom prst="straightConnector1">
+            <a:avLst/>
+          </a:prstGeom>
+          <a:ln w="12700">
+            <a:solidFill>
+              <a:schemeClr val="bg1"/>
+            </a:solidFill>
+            <a:headEnd type="triangle"/>
+            <a:tailEnd type="none"/>
+          </a:ln>
+        </p:spPr>
+        <p:style>
+          <a:lnRef idx="1">
+            <a:schemeClr val="accent1"/>
+          </a:lnRef>
+          <a:fillRef idx="0">
+            <a:schemeClr val="accent1"/>
+          </a:fillRef>
+          <a:effectRef idx="0">
+            <a:schemeClr val="accent1"/>
+          </a:effectRef>
+          <a:fontRef idx="minor">
+            <a:schemeClr val="tx1"/>
+          </a:fontRef>
+        </p:style>
+      </p:cxnSp>
+      <p:sp>
+        <p:nvSpPr>
+          <p:cNvPr id="30" name="CuadroTexto 29">
+            <a:extLst>
+              <a:ext uri="{FF2B5EF4-FFF2-40B4-BE49-F238E27FC236}">
+                <a16:creationId xmlns:a16="http://schemas.microsoft.com/office/drawing/2014/main" id="{1A6D4CFD-9757-4884-8C01-C19D63E26B51}"/>
+              </a:ext>
+            </a:extLst>
+          </p:cNvPr>
+          <p:cNvSpPr txBox="1"/>
+          <p:nvPr/>
+        </p:nvSpPr>
+        <p:spPr>
+          <a:xfrm rot="19684380">
+            <a:off x="8602317" y="2280255"/>
+            <a:ext cx="1376218" cy="369332"/>
+          </a:xfrm>
+          <a:prstGeom prst="rect">
+            <a:avLst/>
+          </a:prstGeom>
+          <a:noFill/>
+        </p:spPr>
+        <p:txBody>
+          <a:bodyPr wrap="square" rtlCol="0">
+            <a:spAutoFit/>
+          </a:bodyPr>
+          <a:lstStyle/>
+          <a:p>
+            <a:r>
+              <a:rPr lang="en-US" dirty="0">
+                <a:solidFill>
+                  <a:schemeClr val="bg1"/>
+                </a:solidFill>
+              </a:rPr>
+              <a:t>calls</a:t>
+            </a:r>
+          </a:p>
+        </p:txBody>
+      </p:sp>
+      <p:pic>
+        <p:nvPicPr>
+          <p:cNvPr id="4" name="Imagen 3">
+            <a:extLst>
+              <a:ext uri="{FF2B5EF4-FFF2-40B4-BE49-F238E27FC236}">
+                <a16:creationId xmlns:a16="http://schemas.microsoft.com/office/drawing/2014/main" id="{9BF0D330-2B6A-4399-AD67-B9065E442DE6}"/>
+              </a:ext>
+            </a:extLst>
+          </p:cNvPr>
+          <p:cNvPicPr>
+            <a:picLocks noChangeAspect="1"/>
+          </p:cNvPicPr>
+          <p:nvPr/>
+        </p:nvPicPr>
+        <p:blipFill>
+          <a:blip r:embed="rId4"/>
+          <a:stretch>
+            <a:fillRect/>
+          </a:stretch>
+        </p:blipFill>
+        <p:spPr>
+          <a:xfrm>
+            <a:off x="7357891" y="1201138"/>
+            <a:ext cx="3971925" cy="742950"/>
+          </a:xfrm>
+          <a:prstGeom prst="rect">
+            <a:avLst/>
+          </a:prstGeom>
+          <a:effectLst>
+            <a:glow rad="25400">
+              <a:schemeClr val="bg1">
+                <a:alpha val="40000"/>
+              </a:schemeClr>
+            </a:glow>
+          </a:effectLst>
+        </p:spPr>
+      </p:pic>
+    </p:spTree>
+    <p:extLst>
+      <p:ext uri="{BB962C8B-B14F-4D97-AF65-F5344CB8AC3E}">
+        <p14:creationId xmlns:p14="http://schemas.microsoft.com/office/powerpoint/2010/main" val="4248247360"/>
+      </p:ext>
+    </p:extLst>
+  </p:cSld>
+  <p:clrMapOvr>
+    <a:masterClrMapping/>
+  </p:clrMapOvr>
+</p:sld>
+</file>
+
+<file path=ppt/slides/slide42.xml><?xml version="1.0" encoding="utf-8"?>
+<p:sld xmlns:a="http://schemas.openxmlformats.org/drawingml/2006/main" xmlns:r="http://schemas.openxmlformats.org/officeDocument/2006/relationships" xmlns:p="http://schemas.openxmlformats.org/presentationml/2006/main">
+  <p:cSld>
+    <p:bg>
+      <p:bgPr>
+        <a:solidFill>
+          <a:srgbClr val="1E1E1E"/>
+        </a:solidFill>
+        <a:effectLst/>
+      </p:bgPr>
+    </p:bg>
+    <p:spTree>
+      <p:nvGrpSpPr>
+        <p:cNvPr id="1" name=""/>
+        <p:cNvGrpSpPr/>
+        <p:nvPr/>
+      </p:nvGrpSpPr>
+      <p:grpSpPr>
+        <a:xfrm>
+          <a:off x="0" y="0"/>
+          <a:ext cx="0" cy="0"/>
+          <a:chOff x="0" y="0"/>
+          <a:chExt cx="0" cy="0"/>
+        </a:xfrm>
+      </p:grpSpPr>
+      <p:sp>
+        <p:nvSpPr>
+          <p:cNvPr id="22" name="CuadroTexto 21">
+            <a:extLst>
+              <a:ext uri="{FF2B5EF4-FFF2-40B4-BE49-F238E27FC236}">
+                <a16:creationId xmlns:a16="http://schemas.microsoft.com/office/drawing/2014/main" id="{C9B1F5C4-0BBA-41F3-84BD-1322F509FDEF}"/>
+              </a:ext>
+            </a:extLst>
+          </p:cNvPr>
+          <p:cNvSpPr txBox="1"/>
+          <p:nvPr/>
+        </p:nvSpPr>
+        <p:spPr>
+          <a:xfrm>
+            <a:off x="361700" y="215130"/>
+            <a:ext cx="3397994" cy="646331"/>
+          </a:xfrm>
+          <a:prstGeom prst="rect">
+            <a:avLst/>
+          </a:prstGeom>
+          <a:noFill/>
+        </p:spPr>
+        <p:txBody>
+          <a:bodyPr wrap="square" rtlCol="0">
+            <a:spAutoFit/>
+          </a:bodyPr>
+          <a:lstStyle/>
+          <a:p>
+            <a:r>
+              <a:rPr lang="en-US" sz="3600" dirty="0">
+                <a:solidFill>
+                  <a:srgbClr val="53A2D3"/>
+                </a:solidFill>
+              </a:rPr>
+              <a:t>Mundo real</a:t>
+            </a:r>
+          </a:p>
+        </p:txBody>
+      </p:sp>
+      <p:cxnSp>
+        <p:nvCxnSpPr>
+          <p:cNvPr id="13" name="Conector recto de flecha 12">
+            <a:extLst>
+              <a:ext uri="{FF2B5EF4-FFF2-40B4-BE49-F238E27FC236}">
+                <a16:creationId xmlns:a16="http://schemas.microsoft.com/office/drawing/2014/main" id="{3FEF1901-0773-4F55-AA20-B58A56F18BD1}"/>
+              </a:ext>
+            </a:extLst>
+          </p:cNvPr>
+          <p:cNvCxnSpPr>
+            <a:cxnSpLocks/>
+            <a:stCxn id="10" idx="1"/>
+            <a:endCxn id="8" idx="3"/>
+          </p:cNvCxnSpPr>
+          <p:nvPr/>
+        </p:nvCxnSpPr>
+        <p:spPr>
+          <a:xfrm flipH="1">
+            <a:off x="5122993" y="4304236"/>
+            <a:ext cx="2014643" cy="0"/>
+          </a:xfrm>
+          <a:prstGeom prst="straightConnector1">
+            <a:avLst/>
+          </a:prstGeom>
+          <a:ln w="12700">
+            <a:solidFill>
+              <a:schemeClr val="bg1"/>
+            </a:solidFill>
+            <a:tailEnd type="triangle"/>
+          </a:ln>
+        </p:spPr>
+        <p:style>
+          <a:lnRef idx="1">
+            <a:schemeClr val="accent1"/>
+          </a:lnRef>
+          <a:fillRef idx="0">
+            <a:schemeClr val="accent1"/>
+          </a:fillRef>
+          <a:effectRef idx="0">
+            <a:schemeClr val="accent1"/>
+          </a:effectRef>
+          <a:fontRef idx="minor">
+            <a:schemeClr val="tx1"/>
+          </a:fontRef>
+        </p:style>
+      </p:cxnSp>
+      <p:sp>
+        <p:nvSpPr>
+          <p:cNvPr id="14" name="CuadroTexto 13">
+            <a:extLst>
+              <a:ext uri="{FF2B5EF4-FFF2-40B4-BE49-F238E27FC236}">
+                <a16:creationId xmlns:a16="http://schemas.microsoft.com/office/drawing/2014/main" id="{9B0DA9C3-988A-48A6-AE67-460CB9540473}"/>
+              </a:ext>
+            </a:extLst>
+          </p:cNvPr>
+          <p:cNvSpPr txBox="1"/>
+          <p:nvPr/>
+        </p:nvSpPr>
+        <p:spPr>
+          <a:xfrm>
+            <a:off x="5609059" y="3996717"/>
+            <a:ext cx="1376218" cy="369332"/>
+          </a:xfrm>
+          <a:prstGeom prst="rect">
+            <a:avLst/>
+          </a:prstGeom>
+          <a:noFill/>
+        </p:spPr>
+        <p:txBody>
+          <a:bodyPr wrap="square" rtlCol="0">
+            <a:spAutoFit/>
+          </a:bodyPr>
+          <a:lstStyle/>
+          <a:p>
+            <a:r>
+              <a:rPr lang="en-US" dirty="0">
+                <a:solidFill>
+                  <a:schemeClr val="bg1"/>
+                </a:solidFill>
+              </a:rPr>
+              <a:t>contains</a:t>
+            </a:r>
+          </a:p>
+        </p:txBody>
+      </p:sp>
+      <p:cxnSp>
+        <p:nvCxnSpPr>
+          <p:cNvPr id="23" name="Conector recto de flecha 22">
+            <a:extLst>
+              <a:ext uri="{FF2B5EF4-FFF2-40B4-BE49-F238E27FC236}">
+                <a16:creationId xmlns:a16="http://schemas.microsoft.com/office/drawing/2014/main" id="{34AE3A4C-C027-4534-B21C-6462C9EB6F54}"/>
+              </a:ext>
+            </a:extLst>
+          </p:cNvPr>
+          <p:cNvCxnSpPr>
+            <a:cxnSpLocks/>
+            <a:endCxn id="7" idx="2"/>
+          </p:cNvCxnSpPr>
+          <p:nvPr/>
+        </p:nvCxnSpPr>
+        <p:spPr>
+          <a:xfrm flipH="1" flipV="1">
+            <a:off x="7933721" y="1089348"/>
+            <a:ext cx="588266" cy="841185"/>
+          </a:xfrm>
+          <a:prstGeom prst="straightConnector1">
+            <a:avLst/>
+          </a:prstGeom>
+          <a:ln w="12700">
+            <a:solidFill>
+              <a:schemeClr val="bg1"/>
+            </a:solidFill>
+            <a:tailEnd type="triangle"/>
+          </a:ln>
+        </p:spPr>
+        <p:style>
+          <a:lnRef idx="1">
+            <a:schemeClr val="accent1"/>
+          </a:lnRef>
+          <a:fillRef idx="0">
+            <a:schemeClr val="accent1"/>
+          </a:fillRef>
+          <a:effectRef idx="0">
+            <a:schemeClr val="accent1"/>
+          </a:effectRef>
+          <a:fontRef idx="minor">
+            <a:schemeClr val="tx1"/>
+          </a:fontRef>
+        </p:style>
+      </p:cxnSp>
+      <p:sp>
+        <p:nvSpPr>
+          <p:cNvPr id="25" name="CuadroTexto 24">
+            <a:extLst>
+              <a:ext uri="{FF2B5EF4-FFF2-40B4-BE49-F238E27FC236}">
+                <a16:creationId xmlns:a16="http://schemas.microsoft.com/office/drawing/2014/main" id="{BB1FF878-5C4C-466C-9FC5-A1BAA31AA318}"/>
+              </a:ext>
+            </a:extLst>
+          </p:cNvPr>
+          <p:cNvSpPr txBox="1"/>
+          <p:nvPr/>
+        </p:nvSpPr>
+        <p:spPr>
+          <a:xfrm>
+            <a:off x="7360795" y="1325274"/>
+            <a:ext cx="1376218" cy="369332"/>
+          </a:xfrm>
+          <a:prstGeom prst="rect">
+            <a:avLst/>
+          </a:prstGeom>
+          <a:noFill/>
+        </p:spPr>
+        <p:txBody>
+          <a:bodyPr wrap="square" rtlCol="0">
+            <a:spAutoFit/>
+          </a:bodyPr>
+          <a:lstStyle/>
+          <a:p>
+            <a:r>
+              <a:rPr lang="en-US" dirty="0">
+                <a:solidFill>
+                  <a:schemeClr val="bg1"/>
+                </a:solidFill>
+              </a:rPr>
+              <a:t>shows</a:t>
+            </a:r>
+          </a:p>
+        </p:txBody>
+      </p:sp>
+      <p:cxnSp>
+        <p:nvCxnSpPr>
+          <p:cNvPr id="26" name="Conector recto de flecha 25">
+            <a:extLst>
+              <a:ext uri="{FF2B5EF4-FFF2-40B4-BE49-F238E27FC236}">
+                <a16:creationId xmlns:a16="http://schemas.microsoft.com/office/drawing/2014/main" id="{81001ED0-1228-4F08-BAA6-AC852D419646}"/>
+              </a:ext>
+            </a:extLst>
+          </p:cNvPr>
+          <p:cNvCxnSpPr>
+            <a:cxnSpLocks/>
+          </p:cNvCxnSpPr>
+          <p:nvPr/>
+        </p:nvCxnSpPr>
+        <p:spPr>
+          <a:xfrm flipH="1" flipV="1">
+            <a:off x="8547902" y="1090420"/>
+            <a:ext cx="587430" cy="840113"/>
+          </a:xfrm>
+          <a:prstGeom prst="straightConnector1">
+            <a:avLst/>
+          </a:prstGeom>
+          <a:ln w="12700">
+            <a:solidFill>
+              <a:schemeClr val="bg1"/>
+            </a:solidFill>
+            <a:headEnd type="triangle"/>
+            <a:tailEnd type="none"/>
+          </a:ln>
+        </p:spPr>
+        <p:style>
+          <a:lnRef idx="1">
+            <a:schemeClr val="accent1"/>
+          </a:lnRef>
+          <a:fillRef idx="0">
+            <a:schemeClr val="accent1"/>
+          </a:fillRef>
+          <a:effectRef idx="0">
+            <a:schemeClr val="accent1"/>
+          </a:effectRef>
+          <a:fontRef idx="minor">
+            <a:schemeClr val="tx1"/>
+          </a:fontRef>
+        </p:style>
+      </p:cxnSp>
+      <p:sp>
+        <p:nvSpPr>
+          <p:cNvPr id="27" name="CuadroTexto 26">
+            <a:extLst>
+              <a:ext uri="{FF2B5EF4-FFF2-40B4-BE49-F238E27FC236}">
+                <a16:creationId xmlns:a16="http://schemas.microsoft.com/office/drawing/2014/main" id="{DB051C0C-8A08-4ABE-A33C-3AEEF757C89F}"/>
+              </a:ext>
+            </a:extLst>
+          </p:cNvPr>
+          <p:cNvSpPr txBox="1"/>
+          <p:nvPr/>
+        </p:nvSpPr>
+        <p:spPr>
+          <a:xfrm>
+            <a:off x="8946221" y="1325274"/>
+            <a:ext cx="1376218" cy="369332"/>
+          </a:xfrm>
+          <a:prstGeom prst="rect">
+            <a:avLst/>
+          </a:prstGeom>
+          <a:noFill/>
+        </p:spPr>
+        <p:txBody>
+          <a:bodyPr wrap="square" rtlCol="0">
+            <a:spAutoFit/>
+          </a:bodyPr>
+          <a:lstStyle/>
+          <a:p>
+            <a:r>
+              <a:rPr lang="en-US" dirty="0">
+                <a:solidFill>
+                  <a:schemeClr val="bg1"/>
+                </a:solidFill>
+              </a:rPr>
+              <a:t>calls</a:t>
+            </a:r>
+          </a:p>
+        </p:txBody>
+      </p:sp>
+      <p:pic>
+        <p:nvPicPr>
+          <p:cNvPr id="7" name="Imagen 6">
+            <a:extLst>
+              <a:ext uri="{FF2B5EF4-FFF2-40B4-BE49-F238E27FC236}">
+                <a16:creationId xmlns:a16="http://schemas.microsoft.com/office/drawing/2014/main" id="{6093698F-10F2-4A23-AAAF-32CC685B484B}"/>
+              </a:ext>
+            </a:extLst>
+          </p:cNvPr>
+          <p:cNvPicPr>
+            <a:picLocks noChangeAspect="1"/>
+          </p:cNvPicPr>
+          <p:nvPr/>
+        </p:nvPicPr>
+        <p:blipFill>
+          <a:blip r:embed="rId2"/>
+          <a:stretch>
+            <a:fillRect/>
+          </a:stretch>
+        </p:blipFill>
+        <p:spPr>
+          <a:xfrm>
+            <a:off x="5361971" y="374973"/>
+            <a:ext cx="5143500" cy="714375"/>
+          </a:xfrm>
+          <a:prstGeom prst="rect">
+            <a:avLst/>
+          </a:prstGeom>
+          <a:effectLst>
+            <a:glow rad="25400">
+              <a:schemeClr val="bg1">
+                <a:alpha val="40000"/>
+              </a:schemeClr>
+            </a:glow>
+          </a:effectLst>
+        </p:spPr>
+      </p:pic>
+      <p:pic>
+        <p:nvPicPr>
+          <p:cNvPr id="8" name="Imagen 7">
+            <a:extLst>
+              <a:ext uri="{FF2B5EF4-FFF2-40B4-BE49-F238E27FC236}">
+                <a16:creationId xmlns:a16="http://schemas.microsoft.com/office/drawing/2014/main" id="{90553F9F-F089-4AC7-88B2-FAEE12B0CBEF}"/>
+              </a:ext>
+            </a:extLst>
+          </p:cNvPr>
+          <p:cNvPicPr>
+            <a:picLocks noChangeAspect="1"/>
+          </p:cNvPicPr>
+          <p:nvPr/>
+        </p:nvPicPr>
+        <p:blipFill>
+          <a:blip r:embed="rId3"/>
+          <a:stretch>
+            <a:fillRect/>
+          </a:stretch>
+        </p:blipFill>
+        <p:spPr>
+          <a:xfrm>
+            <a:off x="361700" y="3395989"/>
+            <a:ext cx="4761293" cy="1816493"/>
+          </a:xfrm>
+          <a:prstGeom prst="rect">
+            <a:avLst/>
+          </a:prstGeom>
+          <a:effectLst>
+            <a:glow rad="25400">
+              <a:schemeClr val="bg1">
+                <a:alpha val="40000"/>
+              </a:schemeClr>
+            </a:glow>
+          </a:effectLst>
+        </p:spPr>
+      </p:pic>
+      <p:pic>
+        <p:nvPicPr>
+          <p:cNvPr id="10" name="Imagen 9">
+            <a:extLst>
+              <a:ext uri="{FF2B5EF4-FFF2-40B4-BE49-F238E27FC236}">
+                <a16:creationId xmlns:a16="http://schemas.microsoft.com/office/drawing/2014/main" id="{44E765E2-07D6-4F0B-A066-D1C68161C31A}"/>
+              </a:ext>
+            </a:extLst>
+          </p:cNvPr>
+          <p:cNvPicPr>
+            <a:picLocks noChangeAspect="1"/>
+          </p:cNvPicPr>
+          <p:nvPr/>
+        </p:nvPicPr>
+        <p:blipFill>
+          <a:blip r:embed="rId4"/>
+          <a:stretch>
+            <a:fillRect/>
+          </a:stretch>
+        </p:blipFill>
+        <p:spPr>
+          <a:xfrm>
+            <a:off x="7137636" y="1930533"/>
+            <a:ext cx="4711778" cy="4747406"/>
+          </a:xfrm>
+          <a:prstGeom prst="rect">
+            <a:avLst/>
+          </a:prstGeom>
+          <a:effectLst>
+            <a:glow rad="25400">
+              <a:schemeClr val="bg1">
+                <a:alpha val="40000"/>
+              </a:schemeClr>
+            </a:glow>
+          </a:effectLst>
+        </p:spPr>
+      </p:pic>
+    </p:spTree>
+    <p:extLst>
+      <p:ext uri="{BB962C8B-B14F-4D97-AF65-F5344CB8AC3E}">
+        <p14:creationId xmlns:p14="http://schemas.microsoft.com/office/powerpoint/2010/main" val="416514896"/>
+      </p:ext>
+    </p:extLst>
+  </p:cSld>
+  <p:clrMapOvr>
+    <a:masterClrMapping/>
+  </p:clrMapOvr>
+</p:sld>
+</file>
+
+<file path=ppt/slides/slide43.xml><?xml version="1.0" encoding="utf-8"?>
+<p:sld xmlns:a="http://schemas.openxmlformats.org/drawingml/2006/main" xmlns:r="http://schemas.openxmlformats.org/officeDocument/2006/relationships" xmlns:p="http://schemas.openxmlformats.org/presentationml/2006/main">
+  <p:cSld>
+    <p:spTree>
+      <p:nvGrpSpPr>
+        <p:cNvPr id="1" name=""/>
+        <p:cNvGrpSpPr/>
+        <p:nvPr/>
+      </p:nvGrpSpPr>
+      <p:grpSpPr>
+        <a:xfrm>
+          <a:off x="0" y="0"/>
+          <a:ext cx="0" cy="0"/>
+          <a:chOff x="0" y="0"/>
+          <a:chExt cx="0" cy="0"/>
+        </a:xfrm>
+      </p:grpSpPr>
+      <p:sp>
+        <p:nvSpPr>
+          <p:cNvPr id="2" name="Título 1">
+            <a:extLst>
+              <a:ext uri="{FF2B5EF4-FFF2-40B4-BE49-F238E27FC236}">
+                <a16:creationId xmlns:a16="http://schemas.microsoft.com/office/drawing/2014/main" id="{51E579E3-4D4D-4391-A4DB-77F6C6DD84BE}"/>
+              </a:ext>
+            </a:extLst>
+          </p:cNvPr>
+          <p:cNvSpPr>
+            <a:spLocks noGrp="1"/>
+          </p:cNvSpPr>
+          <p:nvPr>
+            <p:ph type="title"/>
+          </p:nvPr>
+        </p:nvSpPr>
+        <p:spPr>
+          <a:xfrm>
+            <a:off x="900344" y="2766218"/>
+            <a:ext cx="10515600" cy="1325563"/>
+          </a:xfrm>
+        </p:spPr>
+        <p:txBody>
+          <a:bodyPr/>
+          <a:lstStyle/>
+          <a:p>
+            <a:r>
+              <a:rPr lang="es-ES" dirty="0">
+                <a:solidFill>
+                  <a:srgbClr val="000000"/>
+                </a:solidFill>
+                <a:latin typeface="Calibri" panose="020F0502020204030204" pitchFamily="34" charset="0"/>
+              </a:rPr>
+              <a:t>Page-</a:t>
+            </a:r>
+            <a:r>
+              <a:rPr lang="es-ES" dirty="0" err="1">
+                <a:solidFill>
+                  <a:srgbClr val="000000"/>
+                </a:solidFill>
+                <a:latin typeface="Calibri" panose="020F0502020204030204" pitchFamily="34" charset="0"/>
+              </a:rPr>
+              <a:t>Object</a:t>
+            </a:r>
+            <a:r>
+              <a:rPr lang="es-ES" dirty="0">
+                <a:solidFill>
+                  <a:srgbClr val="000000"/>
+                </a:solidFill>
+                <a:latin typeface="Calibri" panose="020F0502020204030204" pitchFamily="34" charset="0"/>
+              </a:rPr>
+              <a:t> </a:t>
+            </a:r>
+            <a:r>
+              <a:rPr lang="es-ES" dirty="0" err="1">
+                <a:solidFill>
+                  <a:srgbClr val="000000"/>
+                </a:solidFill>
+                <a:latin typeface="Calibri" panose="020F0502020204030204" pitchFamily="34" charset="0"/>
+              </a:rPr>
+              <a:t>pattern</a:t>
+            </a:r>
+            <a:endParaRPr lang="en-US" dirty="0"/>
+          </a:p>
+        </p:txBody>
+      </p:sp>
+    </p:spTree>
+    <p:extLst>
+      <p:ext uri="{BB962C8B-B14F-4D97-AF65-F5344CB8AC3E}">
+        <p14:creationId xmlns:p14="http://schemas.microsoft.com/office/powerpoint/2010/main" val="2983471730"/>
+      </p:ext>
+    </p:extLst>
+  </p:cSld>
+  <p:clrMapOvr>
+    <a:masterClrMapping/>
+  </p:clrMapOvr>
+</p:sld>
+</file>
+
+<file path=ppt/slides/slide44.xml><?xml version="1.0" encoding="utf-8"?>
+<p:sld xmlns:a="http://schemas.openxmlformats.org/drawingml/2006/main" xmlns:r="http://schemas.openxmlformats.org/officeDocument/2006/relationships" xmlns:p="http://schemas.openxmlformats.org/presentationml/2006/main">
+  <p:cSld>
+    <p:bg>
+      <p:bgPr>
+        <a:solidFill>
+          <a:srgbClr val="1E1E1E"/>
+        </a:solidFill>
+        <a:effectLst/>
+      </p:bgPr>
+    </p:bg>
+    <p:spTree>
+      <p:nvGrpSpPr>
+        <p:cNvPr id="1" name=""/>
+        <p:cNvGrpSpPr/>
+        <p:nvPr/>
+      </p:nvGrpSpPr>
+      <p:grpSpPr>
+        <a:xfrm>
+          <a:off x="0" y="0"/>
+          <a:ext cx="0" cy="0"/>
+          <a:chOff x="0" y="0"/>
+          <a:chExt cx="0" cy="0"/>
+        </a:xfrm>
+      </p:grpSpPr>
+      <p:sp>
+        <p:nvSpPr>
+          <p:cNvPr id="31" name="CuadroTexto 30">
+            <a:extLst>
+              <a:ext uri="{FF2B5EF4-FFF2-40B4-BE49-F238E27FC236}">
+                <a16:creationId xmlns:a16="http://schemas.microsoft.com/office/drawing/2014/main" id="{FBF7026D-12F4-4541-8110-DE706094717A}"/>
+              </a:ext>
+            </a:extLst>
+          </p:cNvPr>
+          <p:cNvSpPr txBox="1"/>
+          <p:nvPr/>
+        </p:nvSpPr>
+        <p:spPr>
+          <a:xfrm>
+            <a:off x="484863" y="185392"/>
+            <a:ext cx="3397994" cy="646331"/>
+          </a:xfrm>
+          <a:prstGeom prst="rect">
+            <a:avLst/>
+          </a:prstGeom>
+          <a:noFill/>
+        </p:spPr>
+        <p:txBody>
+          <a:bodyPr wrap="square" rtlCol="0">
+            <a:spAutoFit/>
+          </a:bodyPr>
+          <a:lstStyle/>
+          <a:p>
+            <a:r>
+              <a:rPr lang="en-US" sz="3600" dirty="0" err="1">
+                <a:solidFill>
+                  <a:srgbClr val="53A2D3"/>
+                </a:solidFill>
+              </a:rPr>
+              <a:t>Teoría</a:t>
+            </a:r>
+            <a:endParaRPr lang="en-US" sz="3600" dirty="0">
+              <a:solidFill>
+                <a:srgbClr val="53A2D3"/>
+              </a:solidFill>
+            </a:endParaRPr>
+          </a:p>
+        </p:txBody>
+      </p:sp>
+      <p:pic>
+        <p:nvPicPr>
+          <p:cNvPr id="30" name="Imagen 29">
+            <a:extLst>
+              <a:ext uri="{FF2B5EF4-FFF2-40B4-BE49-F238E27FC236}">
+                <a16:creationId xmlns:a16="http://schemas.microsoft.com/office/drawing/2014/main" id="{11AA3BEE-0DB9-4E5E-97F9-46B38CC019A4}"/>
+              </a:ext>
+            </a:extLst>
+          </p:cNvPr>
+          <p:cNvPicPr>
+            <a:picLocks noChangeAspect="1"/>
+          </p:cNvPicPr>
+          <p:nvPr/>
+        </p:nvPicPr>
+        <p:blipFill>
+          <a:blip r:embed="rId2"/>
+          <a:stretch>
+            <a:fillRect/>
+          </a:stretch>
+        </p:blipFill>
+        <p:spPr>
+          <a:xfrm>
+            <a:off x="320338" y="3308109"/>
+            <a:ext cx="4785360" cy="2990850"/>
+          </a:xfrm>
+          <a:prstGeom prst="rect">
+            <a:avLst/>
+          </a:prstGeom>
+          <a:effectLst>
+            <a:glow rad="25400">
+              <a:schemeClr val="bg1">
+                <a:alpha val="40000"/>
+              </a:schemeClr>
+            </a:glow>
+          </a:effectLst>
+        </p:spPr>
+      </p:pic>
+      <p:pic>
+        <p:nvPicPr>
+          <p:cNvPr id="33" name="Imagen 32">
+            <a:extLst>
+              <a:ext uri="{FF2B5EF4-FFF2-40B4-BE49-F238E27FC236}">
+                <a16:creationId xmlns:a16="http://schemas.microsoft.com/office/drawing/2014/main" id="{27AF6DC8-BCC6-43A0-ACB8-8E24581FFF99}"/>
+              </a:ext>
+            </a:extLst>
+          </p:cNvPr>
+          <p:cNvPicPr>
+            <a:picLocks noChangeAspect="1"/>
+          </p:cNvPicPr>
+          <p:nvPr/>
+        </p:nvPicPr>
+        <p:blipFill>
+          <a:blip r:embed="rId3"/>
+          <a:stretch>
+            <a:fillRect/>
+          </a:stretch>
+        </p:blipFill>
+        <p:spPr>
+          <a:xfrm>
+            <a:off x="6221148" y="252067"/>
+            <a:ext cx="5485989" cy="2262533"/>
+          </a:xfrm>
+          <a:prstGeom prst="rect">
+            <a:avLst/>
+          </a:prstGeom>
+          <a:effectLst>
+            <a:glow rad="25400">
+              <a:schemeClr val="bg1">
+                <a:alpha val="40000"/>
+              </a:schemeClr>
+            </a:glow>
+          </a:effectLst>
+        </p:spPr>
+      </p:pic>
+      <p:pic>
+        <p:nvPicPr>
+          <p:cNvPr id="2" name="Imagen 1">
+            <a:extLst>
+              <a:ext uri="{FF2B5EF4-FFF2-40B4-BE49-F238E27FC236}">
+                <a16:creationId xmlns:a16="http://schemas.microsoft.com/office/drawing/2014/main" id="{0D177CD9-B958-4BF5-9974-F66D391F7A44}"/>
+              </a:ext>
+            </a:extLst>
+          </p:cNvPr>
+          <p:cNvPicPr>
+            <a:picLocks noChangeAspect="1"/>
+          </p:cNvPicPr>
+          <p:nvPr/>
+        </p:nvPicPr>
+        <p:blipFill>
+          <a:blip r:embed="rId4"/>
+          <a:stretch>
+            <a:fillRect/>
+          </a:stretch>
+        </p:blipFill>
+        <p:spPr>
+          <a:xfrm>
+            <a:off x="6221148" y="3124301"/>
+            <a:ext cx="5491163" cy="3358466"/>
+          </a:xfrm>
+          <a:prstGeom prst="rect">
+            <a:avLst/>
+          </a:prstGeom>
+          <a:effectLst>
+            <a:glow rad="25400">
+              <a:schemeClr val="bg1">
+                <a:alpha val="40000"/>
+              </a:schemeClr>
+            </a:glow>
+          </a:effectLst>
+        </p:spPr>
+      </p:pic>
+      <p:cxnSp>
+        <p:nvCxnSpPr>
+          <p:cNvPr id="34" name="Conector recto de flecha 33">
+            <a:extLst>
+              <a:ext uri="{FF2B5EF4-FFF2-40B4-BE49-F238E27FC236}">
+                <a16:creationId xmlns:a16="http://schemas.microsoft.com/office/drawing/2014/main" id="{FE5B11F8-9635-41F2-BA0B-CF1CE47617E6}"/>
+              </a:ext>
+            </a:extLst>
+          </p:cNvPr>
+          <p:cNvCxnSpPr>
+            <a:cxnSpLocks/>
+            <a:stCxn id="2" idx="0"/>
+            <a:endCxn id="33" idx="2"/>
+          </p:cNvCxnSpPr>
+          <p:nvPr/>
+        </p:nvCxnSpPr>
+        <p:spPr>
+          <a:xfrm flipH="1" flipV="1">
+            <a:off x="8964143" y="2514600"/>
+            <a:ext cx="2587" cy="609701"/>
+          </a:xfrm>
+          <a:prstGeom prst="straightConnector1">
+            <a:avLst/>
+          </a:prstGeom>
+          <a:ln w="12700">
+            <a:solidFill>
+              <a:schemeClr val="bg1"/>
+            </a:solidFill>
+            <a:headEnd type="triangle"/>
+            <a:tailEnd type="triangle"/>
+          </a:ln>
+        </p:spPr>
+        <p:style>
+          <a:lnRef idx="1">
+            <a:schemeClr val="accent1"/>
+          </a:lnRef>
+          <a:fillRef idx="0">
+            <a:schemeClr val="accent1"/>
+          </a:fillRef>
+          <a:effectRef idx="0">
+            <a:schemeClr val="accent1"/>
+          </a:effectRef>
+          <a:fontRef idx="minor">
+            <a:schemeClr val="tx1"/>
+          </a:fontRef>
+        </p:style>
+      </p:cxnSp>
+      <p:sp>
+        <p:nvSpPr>
+          <p:cNvPr id="38" name="CuadroTexto 37">
+            <a:extLst>
+              <a:ext uri="{FF2B5EF4-FFF2-40B4-BE49-F238E27FC236}">
+                <a16:creationId xmlns:a16="http://schemas.microsoft.com/office/drawing/2014/main" id="{E593275B-18D5-4ED5-B785-2CD80B46AC8E}"/>
+              </a:ext>
+            </a:extLst>
+          </p:cNvPr>
+          <p:cNvSpPr txBox="1"/>
+          <p:nvPr/>
+        </p:nvSpPr>
+        <p:spPr>
+          <a:xfrm>
+            <a:off x="8964141" y="2650173"/>
+            <a:ext cx="1758422" cy="338554"/>
+          </a:xfrm>
+          <a:prstGeom prst="rect">
+            <a:avLst/>
+          </a:prstGeom>
+          <a:noFill/>
+        </p:spPr>
+        <p:txBody>
+          <a:bodyPr wrap="square" rtlCol="0">
+            <a:spAutoFit/>
+          </a:bodyPr>
+          <a:lstStyle/>
+          <a:p>
+            <a:r>
+              <a:rPr lang="en-US" sz="1600" dirty="0">
+                <a:solidFill>
+                  <a:schemeClr val="bg1"/>
+                </a:solidFill>
+              </a:rPr>
+              <a:t>reads and interacts</a:t>
+            </a:r>
+          </a:p>
+        </p:txBody>
+      </p:sp>
+      <p:sp>
+        <p:nvSpPr>
+          <p:cNvPr id="39" name="CuadroTexto 38">
+            <a:extLst>
+              <a:ext uri="{FF2B5EF4-FFF2-40B4-BE49-F238E27FC236}">
+                <a16:creationId xmlns:a16="http://schemas.microsoft.com/office/drawing/2014/main" id="{E933C427-2012-4298-BAC7-CF5FE7311DE1}"/>
+              </a:ext>
+            </a:extLst>
+          </p:cNvPr>
+          <p:cNvSpPr txBox="1"/>
+          <p:nvPr/>
+        </p:nvSpPr>
+        <p:spPr>
+          <a:xfrm>
+            <a:off x="5282744" y="4434202"/>
+            <a:ext cx="1376218" cy="369332"/>
+          </a:xfrm>
+          <a:prstGeom prst="rect">
+            <a:avLst/>
+          </a:prstGeom>
+          <a:noFill/>
+        </p:spPr>
+        <p:txBody>
+          <a:bodyPr wrap="square" rtlCol="0">
+            <a:spAutoFit/>
+          </a:bodyPr>
+          <a:lstStyle/>
+          <a:p>
+            <a:r>
+              <a:rPr lang="en-US" dirty="0">
+                <a:solidFill>
+                  <a:schemeClr val="bg1"/>
+                </a:solidFill>
+              </a:rPr>
+              <a:t>calls</a:t>
+            </a:r>
+          </a:p>
+        </p:txBody>
+      </p:sp>
+      <p:cxnSp>
+        <p:nvCxnSpPr>
+          <p:cNvPr id="40" name="Conector recto de flecha 39">
+            <a:extLst>
+              <a:ext uri="{FF2B5EF4-FFF2-40B4-BE49-F238E27FC236}">
+                <a16:creationId xmlns:a16="http://schemas.microsoft.com/office/drawing/2014/main" id="{65ADA00B-B061-4BC6-8BEA-533E11C25C79}"/>
+              </a:ext>
+            </a:extLst>
+          </p:cNvPr>
+          <p:cNvCxnSpPr>
+            <a:cxnSpLocks/>
+            <a:stCxn id="30" idx="3"/>
+            <a:endCxn id="2" idx="1"/>
+          </p:cNvCxnSpPr>
+          <p:nvPr/>
+        </p:nvCxnSpPr>
+        <p:spPr>
+          <a:xfrm>
+            <a:off x="5105698" y="4803534"/>
+            <a:ext cx="1115450" cy="0"/>
+          </a:xfrm>
+          <a:prstGeom prst="straightConnector1">
+            <a:avLst/>
+          </a:prstGeom>
+          <a:ln w="12700">
+            <a:solidFill>
+              <a:schemeClr val="bg1"/>
+            </a:solidFill>
+            <a:tailEnd type="triangle"/>
+          </a:ln>
+        </p:spPr>
+        <p:style>
+          <a:lnRef idx="1">
+            <a:schemeClr val="accent1"/>
+          </a:lnRef>
+          <a:fillRef idx="0">
+            <a:schemeClr val="accent1"/>
+          </a:fillRef>
+          <a:effectRef idx="0">
+            <a:schemeClr val="accent1"/>
+          </a:effectRef>
+          <a:fontRef idx="minor">
+            <a:schemeClr val="tx1"/>
+          </a:fontRef>
+        </p:style>
+      </p:cxnSp>
+    </p:spTree>
+    <p:extLst>
+      <p:ext uri="{BB962C8B-B14F-4D97-AF65-F5344CB8AC3E}">
+        <p14:creationId xmlns:p14="http://schemas.microsoft.com/office/powerpoint/2010/main" val="2070501123"/>
+      </p:ext>
+    </p:extLst>
+  </p:cSld>
+  <p:clrMapOvr>
+    <a:masterClrMapping/>
+  </p:clrMapOvr>
+</p:sld>
+</file>
+
+<file path=ppt/slides/slide45.xml><?xml version="1.0" encoding="utf-8"?>
+<p:sld xmlns:a="http://schemas.openxmlformats.org/drawingml/2006/main" xmlns:r="http://schemas.openxmlformats.org/officeDocument/2006/relationships" xmlns:p="http://schemas.openxmlformats.org/presentationml/2006/main">
+  <p:cSld>
+    <p:bg>
+      <p:bgPr>
+        <a:solidFill>
+          <a:srgbClr val="1E1E1E"/>
+        </a:solidFill>
+        <a:effectLst/>
+      </p:bgPr>
+    </p:bg>
+    <p:spTree>
+      <p:nvGrpSpPr>
+        <p:cNvPr id="1" name=""/>
+        <p:cNvGrpSpPr/>
+        <p:nvPr/>
+      </p:nvGrpSpPr>
+      <p:grpSpPr>
+        <a:xfrm>
+          <a:off x="0" y="0"/>
+          <a:ext cx="0" cy="0"/>
+          <a:chOff x="0" y="0"/>
+          <a:chExt cx="0" cy="0"/>
+        </a:xfrm>
+      </p:grpSpPr>
+      <p:pic>
+        <p:nvPicPr>
+          <p:cNvPr id="7" name="Imagen 6">
+            <a:extLst>
+              <a:ext uri="{FF2B5EF4-FFF2-40B4-BE49-F238E27FC236}">
+                <a16:creationId xmlns:a16="http://schemas.microsoft.com/office/drawing/2014/main" id="{2CFE6195-EA83-4C47-A03F-329D229C5AB7}"/>
+              </a:ext>
+            </a:extLst>
+          </p:cNvPr>
+          <p:cNvPicPr>
+            <a:picLocks noChangeAspect="1"/>
+          </p:cNvPicPr>
+          <p:nvPr/>
+        </p:nvPicPr>
+        <p:blipFill>
+          <a:blip r:embed="rId2"/>
+          <a:stretch>
+            <a:fillRect/>
+          </a:stretch>
+        </p:blipFill>
+        <p:spPr>
+          <a:xfrm>
+            <a:off x="207896" y="2087591"/>
+            <a:ext cx="5179886" cy="4335534"/>
+          </a:xfrm>
+          <a:prstGeom prst="rect">
+            <a:avLst/>
+          </a:prstGeom>
+          <a:effectLst>
+            <a:glow rad="25400">
+              <a:schemeClr val="bg1">
+                <a:alpha val="40000"/>
+              </a:schemeClr>
+            </a:glow>
+          </a:effectLst>
+        </p:spPr>
+      </p:pic>
+      <p:pic>
+        <p:nvPicPr>
+          <p:cNvPr id="11" name="Imagen 10">
+            <a:extLst>
+              <a:ext uri="{FF2B5EF4-FFF2-40B4-BE49-F238E27FC236}">
+                <a16:creationId xmlns:a16="http://schemas.microsoft.com/office/drawing/2014/main" id="{FACE3969-615E-4C45-B56D-19518D2A9CE0}"/>
+              </a:ext>
+            </a:extLst>
+          </p:cNvPr>
+          <p:cNvPicPr>
+            <a:picLocks noChangeAspect="1"/>
+          </p:cNvPicPr>
+          <p:nvPr/>
+        </p:nvPicPr>
+        <p:blipFill>
+          <a:blip r:embed="rId3"/>
+          <a:stretch>
+            <a:fillRect/>
+          </a:stretch>
+        </p:blipFill>
+        <p:spPr>
+          <a:xfrm>
+            <a:off x="6151615" y="1849550"/>
+            <a:ext cx="5830965" cy="4823295"/>
+          </a:xfrm>
+          <a:prstGeom prst="rect">
+            <a:avLst/>
+          </a:prstGeom>
+          <a:effectLst>
+            <a:glow rad="25400">
+              <a:schemeClr val="bg1">
+                <a:alpha val="40000"/>
+              </a:schemeClr>
+            </a:glow>
+          </a:effectLst>
+        </p:spPr>
+      </p:pic>
+      <p:pic>
+        <p:nvPicPr>
+          <p:cNvPr id="13" name="Imagen 12">
+            <a:extLst>
+              <a:ext uri="{FF2B5EF4-FFF2-40B4-BE49-F238E27FC236}">
+                <a16:creationId xmlns:a16="http://schemas.microsoft.com/office/drawing/2014/main" id="{DB69B325-2AFF-4143-A6CE-6A622ECFDFA2}"/>
+              </a:ext>
+            </a:extLst>
+          </p:cNvPr>
+          <p:cNvPicPr>
+            <a:picLocks noChangeAspect="1"/>
+          </p:cNvPicPr>
+          <p:nvPr/>
+        </p:nvPicPr>
+        <p:blipFill>
+          <a:blip r:embed="rId4"/>
+          <a:stretch>
+            <a:fillRect/>
+          </a:stretch>
+        </p:blipFill>
+        <p:spPr>
+          <a:xfrm>
+            <a:off x="6267604" y="433524"/>
+            <a:ext cx="5598986" cy="664286"/>
+          </a:xfrm>
+          <a:prstGeom prst="rect">
+            <a:avLst/>
+          </a:prstGeom>
+          <a:effectLst>
+            <a:glow rad="25400">
+              <a:schemeClr val="bg1">
+                <a:alpha val="40000"/>
+              </a:schemeClr>
+            </a:glow>
+          </a:effectLst>
+        </p:spPr>
+      </p:pic>
+      <p:sp>
+        <p:nvSpPr>
+          <p:cNvPr id="25" name="CuadroTexto 24">
+            <a:extLst>
+              <a:ext uri="{FF2B5EF4-FFF2-40B4-BE49-F238E27FC236}">
+                <a16:creationId xmlns:a16="http://schemas.microsoft.com/office/drawing/2014/main" id="{19C6170D-CFD8-49E4-816C-97EDFBA2B700}"/>
+              </a:ext>
+            </a:extLst>
+          </p:cNvPr>
+          <p:cNvSpPr txBox="1"/>
+          <p:nvPr/>
+        </p:nvSpPr>
+        <p:spPr>
+          <a:xfrm>
+            <a:off x="5407891" y="3891865"/>
+            <a:ext cx="1376218" cy="369332"/>
+          </a:xfrm>
+          <a:prstGeom prst="rect">
+            <a:avLst/>
+          </a:prstGeom>
+          <a:noFill/>
+        </p:spPr>
+        <p:txBody>
+          <a:bodyPr wrap="square" rtlCol="0">
+            <a:spAutoFit/>
+          </a:bodyPr>
+          <a:lstStyle/>
+          <a:p>
+            <a:r>
+              <a:rPr lang="en-US" dirty="0">
+                <a:solidFill>
+                  <a:schemeClr val="bg1"/>
+                </a:solidFill>
+              </a:rPr>
+              <a:t>calls</a:t>
+            </a:r>
+          </a:p>
+        </p:txBody>
+      </p:sp>
+      <p:cxnSp>
+        <p:nvCxnSpPr>
+          <p:cNvPr id="26" name="Conector recto de flecha 25">
+            <a:extLst>
+              <a:ext uri="{FF2B5EF4-FFF2-40B4-BE49-F238E27FC236}">
+                <a16:creationId xmlns:a16="http://schemas.microsoft.com/office/drawing/2014/main" id="{76AE51E0-8D6F-4932-8634-0B5B6F4E744C}"/>
+              </a:ext>
+            </a:extLst>
+          </p:cNvPr>
+          <p:cNvCxnSpPr>
+            <a:cxnSpLocks/>
+            <a:stCxn id="7" idx="3"/>
+            <a:endCxn id="11" idx="1"/>
+          </p:cNvCxnSpPr>
+          <p:nvPr/>
+        </p:nvCxnSpPr>
+        <p:spPr>
+          <a:xfrm>
+            <a:off x="5387782" y="4255358"/>
+            <a:ext cx="763833" cy="5840"/>
+          </a:xfrm>
+          <a:prstGeom prst="straightConnector1">
+            <a:avLst/>
+          </a:prstGeom>
+          <a:ln w="12700">
+            <a:solidFill>
+              <a:schemeClr val="bg1"/>
+            </a:solidFill>
+            <a:tailEnd type="triangle"/>
+          </a:ln>
+        </p:spPr>
+        <p:style>
+          <a:lnRef idx="1">
+            <a:schemeClr val="accent1"/>
+          </a:lnRef>
+          <a:fillRef idx="0">
+            <a:schemeClr val="accent1"/>
+          </a:fillRef>
+          <a:effectRef idx="0">
+            <a:schemeClr val="accent1"/>
+          </a:effectRef>
+          <a:fontRef idx="minor">
+            <a:schemeClr val="tx1"/>
+          </a:fontRef>
+        </p:style>
+      </p:cxnSp>
+      <p:cxnSp>
+        <p:nvCxnSpPr>
+          <p:cNvPr id="29" name="Conector recto de flecha 28">
+            <a:extLst>
+              <a:ext uri="{FF2B5EF4-FFF2-40B4-BE49-F238E27FC236}">
+                <a16:creationId xmlns:a16="http://schemas.microsoft.com/office/drawing/2014/main" id="{03CB87ED-D98B-4404-8865-52F51E0F0D1A}"/>
+              </a:ext>
+            </a:extLst>
+          </p:cNvPr>
+          <p:cNvCxnSpPr>
+            <a:cxnSpLocks/>
+            <a:stCxn id="11" idx="0"/>
+            <a:endCxn id="13" idx="2"/>
+          </p:cNvCxnSpPr>
+          <p:nvPr/>
+        </p:nvCxnSpPr>
+        <p:spPr>
+          <a:xfrm flipH="1" flipV="1">
+            <a:off x="9067097" y="1097810"/>
+            <a:ext cx="1" cy="751740"/>
+          </a:xfrm>
+          <a:prstGeom prst="straightConnector1">
+            <a:avLst/>
+          </a:prstGeom>
+          <a:ln w="12700">
+            <a:solidFill>
+              <a:schemeClr val="bg1"/>
+            </a:solidFill>
+            <a:headEnd type="triangle"/>
+            <a:tailEnd type="triangle"/>
+          </a:ln>
+        </p:spPr>
+        <p:style>
+          <a:lnRef idx="1">
+            <a:schemeClr val="accent1"/>
+          </a:lnRef>
+          <a:fillRef idx="0">
+            <a:schemeClr val="accent1"/>
+          </a:fillRef>
+          <a:effectRef idx="0">
+            <a:schemeClr val="accent1"/>
+          </a:effectRef>
+          <a:fontRef idx="minor">
+            <a:schemeClr val="tx1"/>
+          </a:fontRef>
+        </p:style>
+      </p:cxnSp>
+      <p:sp>
+        <p:nvSpPr>
+          <p:cNvPr id="30" name="CuadroTexto 29">
+            <a:extLst>
+              <a:ext uri="{FF2B5EF4-FFF2-40B4-BE49-F238E27FC236}">
+                <a16:creationId xmlns:a16="http://schemas.microsoft.com/office/drawing/2014/main" id="{97B5AC85-396E-4BE9-9E35-EC6CFF814F96}"/>
+              </a:ext>
+            </a:extLst>
+          </p:cNvPr>
+          <p:cNvSpPr txBox="1"/>
+          <p:nvPr/>
+        </p:nvSpPr>
+        <p:spPr>
+          <a:xfrm>
+            <a:off x="9067097" y="1304403"/>
+            <a:ext cx="1758422" cy="338554"/>
+          </a:xfrm>
+          <a:prstGeom prst="rect">
+            <a:avLst/>
+          </a:prstGeom>
+          <a:noFill/>
+        </p:spPr>
+        <p:txBody>
+          <a:bodyPr wrap="square" rtlCol="0">
+            <a:spAutoFit/>
+          </a:bodyPr>
+          <a:lstStyle/>
+          <a:p>
+            <a:r>
+              <a:rPr lang="en-US" sz="1600" dirty="0">
+                <a:solidFill>
+                  <a:schemeClr val="bg1"/>
+                </a:solidFill>
+              </a:rPr>
+              <a:t>reads and interacts</a:t>
+            </a:r>
+          </a:p>
+        </p:txBody>
+      </p:sp>
+      <p:sp>
+        <p:nvSpPr>
+          <p:cNvPr id="36" name="CuadroTexto 35">
+            <a:extLst>
+              <a:ext uri="{FF2B5EF4-FFF2-40B4-BE49-F238E27FC236}">
+                <a16:creationId xmlns:a16="http://schemas.microsoft.com/office/drawing/2014/main" id="{8D5F8848-69CC-474A-8B0C-8685958FFF9D}"/>
+              </a:ext>
+            </a:extLst>
+          </p:cNvPr>
+          <p:cNvSpPr txBox="1"/>
+          <p:nvPr/>
+        </p:nvSpPr>
+        <p:spPr>
+          <a:xfrm>
+            <a:off x="361700" y="215130"/>
+            <a:ext cx="3397994" cy="646331"/>
+          </a:xfrm>
+          <a:prstGeom prst="rect">
+            <a:avLst/>
+          </a:prstGeom>
+          <a:noFill/>
+        </p:spPr>
+        <p:txBody>
+          <a:bodyPr wrap="square" rtlCol="0">
+            <a:spAutoFit/>
+          </a:bodyPr>
+          <a:lstStyle/>
+          <a:p>
+            <a:r>
+              <a:rPr lang="en-US" sz="3600" dirty="0">
+                <a:solidFill>
+                  <a:srgbClr val="53A2D3"/>
+                </a:solidFill>
+              </a:rPr>
+              <a:t>Mundo real</a:t>
+            </a:r>
+          </a:p>
+        </p:txBody>
+      </p:sp>
+    </p:spTree>
+    <p:extLst>
+      <p:ext uri="{BB962C8B-B14F-4D97-AF65-F5344CB8AC3E}">
+        <p14:creationId xmlns:p14="http://schemas.microsoft.com/office/powerpoint/2010/main" val="181309968"/>
+      </p:ext>
+    </p:extLst>
+  </p:cSld>
+  <p:clrMapOvr>
+    <a:masterClrMapping/>
+  </p:clrMapOvr>
+</p:sld>
+</file>
+
+<file path=ppt/slides/slide46.xml><?xml version="1.0" encoding="utf-8"?>
 <p:sld xmlns:a="http://schemas.openxmlformats.org/drawingml/2006/main" xmlns:r="http://schemas.openxmlformats.org/officeDocument/2006/relationships" xmlns:p="http://schemas.openxmlformats.org/presentationml/2006/main">
   <p:cSld>
     <p:bg>

--- a/slides/Patrones de diseño con Typescript en el mundo real.pptx
+++ b/slides/Patrones de diseño con Typescript en el mundo real.pptx
@@ -39,18 +39,21 @@
     <p:sldId id="275" r:id="rId33"/>
     <p:sldId id="302" r:id="rId34"/>
     <p:sldId id="303" r:id="rId35"/>
-    <p:sldId id="301" r:id="rId36"/>
-    <p:sldId id="305" r:id="rId37"/>
-    <p:sldId id="273" r:id="rId38"/>
-    <p:sldId id="304" r:id="rId39"/>
-    <p:sldId id="276" r:id="rId40"/>
-    <p:sldId id="297" r:id="rId41"/>
-    <p:sldId id="298" r:id="rId42"/>
-    <p:sldId id="299" r:id="rId43"/>
-    <p:sldId id="277" r:id="rId44"/>
-    <p:sldId id="278" r:id="rId45"/>
-    <p:sldId id="279" r:id="rId46"/>
-    <p:sldId id="280" r:id="rId47"/>
+    <p:sldId id="306" r:id="rId36"/>
+    <p:sldId id="301" r:id="rId37"/>
+    <p:sldId id="305" r:id="rId38"/>
+    <p:sldId id="307" r:id="rId39"/>
+    <p:sldId id="273" r:id="rId40"/>
+    <p:sldId id="304" r:id="rId41"/>
+    <p:sldId id="308" r:id="rId42"/>
+    <p:sldId id="276" r:id="rId43"/>
+    <p:sldId id="297" r:id="rId44"/>
+    <p:sldId id="298" r:id="rId45"/>
+    <p:sldId id="299" r:id="rId46"/>
+    <p:sldId id="277" r:id="rId47"/>
+    <p:sldId id="278" r:id="rId48"/>
+    <p:sldId id="279" r:id="rId49"/>
+    <p:sldId id="280" r:id="rId50"/>
   </p:sldIdLst>
   <p:sldSz cx="12192000" cy="6858000"/>
   <p:notesSz cx="6858000" cy="9144000"/>
@@ -12117,6 +12120,89 @@
           </a:p>
         </p:txBody>
       </p:sp>
+      <p:cxnSp>
+        <p:nvCxnSpPr>
+          <p:cNvPr id="15" name="Conector recto de flecha 14">
+            <a:extLst>
+              <a:ext uri="{FF2B5EF4-FFF2-40B4-BE49-F238E27FC236}">
+                <a16:creationId xmlns:a16="http://schemas.microsoft.com/office/drawing/2014/main" id="{B66D64CE-EE35-4FEE-95BD-469E2FB1A632}"/>
+              </a:ext>
+            </a:extLst>
+          </p:cNvPr>
+          <p:cNvCxnSpPr>
+            <a:cxnSpLocks/>
+          </p:cNvCxnSpPr>
+          <p:nvPr/>
+        </p:nvCxnSpPr>
+        <p:spPr>
+          <a:xfrm flipV="1">
+            <a:off x="4601674" y="4198324"/>
+            <a:ext cx="1769501" cy="684394"/>
+          </a:xfrm>
+          <a:prstGeom prst="straightConnector1">
+            <a:avLst/>
+          </a:prstGeom>
+          <a:ln w="12700">
+            <a:solidFill>
+              <a:schemeClr val="bg1"/>
+            </a:solidFill>
+            <a:tailEnd type="triangle"/>
+          </a:ln>
+        </p:spPr>
+        <p:style>
+          <a:lnRef idx="1">
+            <a:schemeClr val="accent1"/>
+          </a:lnRef>
+          <a:fillRef idx="0">
+            <a:schemeClr val="accent1"/>
+          </a:fillRef>
+          <a:effectRef idx="0">
+            <a:schemeClr val="accent1"/>
+          </a:effectRef>
+          <a:fontRef idx="minor">
+            <a:schemeClr val="tx1"/>
+          </a:fontRef>
+        </p:style>
+      </p:cxnSp>
+      <p:sp>
+        <p:nvSpPr>
+          <p:cNvPr id="16" name="CuadroTexto 15">
+            <a:extLst>
+              <a:ext uri="{FF2B5EF4-FFF2-40B4-BE49-F238E27FC236}">
+                <a16:creationId xmlns:a16="http://schemas.microsoft.com/office/drawing/2014/main" id="{AB6FEB93-DD09-40EE-94E5-76358D20216A}"/>
+              </a:ext>
+            </a:extLst>
+          </p:cNvPr>
+          <p:cNvSpPr txBox="1"/>
+          <p:nvPr/>
+        </p:nvSpPr>
+        <p:spPr>
+          <a:xfrm>
+            <a:off x="4798315" y="4115559"/>
+            <a:ext cx="1376218" cy="369332"/>
+          </a:xfrm>
+          <a:prstGeom prst="rect">
+            <a:avLst/>
+          </a:prstGeom>
+          <a:noFill/>
+        </p:spPr>
+        <p:txBody>
+          <a:bodyPr wrap="square" rtlCol="0">
+            <a:spAutoFit/>
+          </a:bodyPr>
+          <a:lstStyle/>
+          <a:p>
+            <a:r>
+              <a:rPr lang="en-US" dirty="0">
+                <a:solidFill>
+                  <a:schemeClr val="bg1"/>
+                </a:solidFill>
+              </a:rPr>
+              <a:t>registers</a:t>
+            </a:r>
+          </a:p>
+        </p:txBody>
+      </p:sp>
     </p:spTree>
     <p:extLst>
       <p:ext uri="{BB962C8B-B14F-4D97-AF65-F5344CB8AC3E}">
@@ -12131,84 +12217,6 @@
 </file>
 
 <file path=ppt/slides/slide35.xml><?xml version="1.0" encoding="utf-8"?>
-<p:sld xmlns:a="http://schemas.openxmlformats.org/drawingml/2006/main" xmlns:r="http://schemas.openxmlformats.org/officeDocument/2006/relationships" xmlns:p="http://schemas.openxmlformats.org/presentationml/2006/main">
-  <p:cSld>
-    <p:spTree>
-      <p:nvGrpSpPr>
-        <p:cNvPr id="1" name=""/>
-        <p:cNvGrpSpPr/>
-        <p:nvPr/>
-      </p:nvGrpSpPr>
-      <p:grpSpPr>
-        <a:xfrm>
-          <a:off x="0" y="0"/>
-          <a:ext cx="0" cy="0"/>
-          <a:chOff x="0" y="0"/>
-          <a:chExt cx="0" cy="0"/>
-        </a:xfrm>
-      </p:grpSpPr>
-      <p:sp>
-        <p:nvSpPr>
-          <p:cNvPr id="2" name="Título 1">
-            <a:extLst>
-              <a:ext uri="{FF2B5EF4-FFF2-40B4-BE49-F238E27FC236}">
-                <a16:creationId xmlns:a16="http://schemas.microsoft.com/office/drawing/2014/main" id="{51E579E3-4D4D-4391-A4DB-77F6C6DD84BE}"/>
-              </a:ext>
-            </a:extLst>
-          </p:cNvPr>
-          <p:cNvSpPr>
-            <a:spLocks noGrp="1"/>
-          </p:cNvSpPr>
-          <p:nvPr>
-            <p:ph type="title"/>
-          </p:nvPr>
-        </p:nvSpPr>
-        <p:spPr>
-          <a:xfrm>
-            <a:off x="900344" y="2766218"/>
-            <a:ext cx="10515600" cy="1325563"/>
-          </a:xfrm>
-        </p:spPr>
-        <p:txBody>
-          <a:bodyPr/>
-          <a:lstStyle/>
-          <a:p>
-            <a:r>
-              <a:rPr lang="es-ES" dirty="0">
-                <a:solidFill>
-                  <a:srgbClr val="000000"/>
-                </a:solidFill>
-                <a:latin typeface="Calibri" panose="020F0502020204030204" pitchFamily="34" charset="0"/>
-              </a:rPr>
-              <a:t>Mediator </a:t>
-            </a:r>
-            <a:r>
-              <a:rPr lang="es-ES" dirty="0" err="1">
-                <a:solidFill>
-                  <a:srgbClr val="000000"/>
-                </a:solidFill>
-                <a:latin typeface="Calibri" panose="020F0502020204030204" pitchFamily="34" charset="0"/>
-              </a:rPr>
-              <a:t>pattern</a:t>
-            </a:r>
-            <a:endParaRPr lang="en-US" dirty="0"/>
-          </a:p>
-        </p:txBody>
-      </p:sp>
-    </p:spTree>
-    <p:extLst>
-      <p:ext uri="{BB962C8B-B14F-4D97-AF65-F5344CB8AC3E}">
-        <p14:creationId xmlns:p14="http://schemas.microsoft.com/office/powerpoint/2010/main" val="1434885801"/>
-      </p:ext>
-    </p:extLst>
-  </p:cSld>
-  <p:clrMapOvr>
-    <a:masterClrMapping/>
-  </p:clrMapOvr>
-</p:sld>
-</file>
-
-<file path=ppt/slides/slide36.xml><?xml version="1.0" encoding="utf-8"?>
 <p:sld xmlns:a="http://schemas.openxmlformats.org/drawingml/2006/main" xmlns:r="http://schemas.openxmlformats.org/officeDocument/2006/relationships" xmlns:p="http://schemas.openxmlformats.org/presentationml/2006/main">
   <p:cSld>
     <p:bg>
@@ -12235,10 +12243,10 @@
       </p:grpSpPr>
       <p:sp>
         <p:nvSpPr>
-          <p:cNvPr id="31" name="CuadroTexto 30">
-            <a:extLst>
-              <a:ext uri="{FF2B5EF4-FFF2-40B4-BE49-F238E27FC236}">
-                <a16:creationId xmlns:a16="http://schemas.microsoft.com/office/drawing/2014/main" id="{FBF7026D-12F4-4541-8110-DE706094717A}"/>
+          <p:cNvPr id="16" name="CuadroTexto 15">
+            <a:extLst>
+              <a:ext uri="{FF2B5EF4-FFF2-40B4-BE49-F238E27FC236}">
+                <a16:creationId xmlns:a16="http://schemas.microsoft.com/office/drawing/2014/main" id="{52B36514-C5CC-4C7E-9A8C-1C49F3343E56}"/>
               </a:ext>
             </a:extLst>
           </p:cNvPr>
@@ -12247,13 +12255,18 @@
         </p:nvSpPr>
         <p:spPr>
           <a:xfrm>
-            <a:off x="484863" y="185392"/>
-            <a:ext cx="3397994" cy="646331"/>
+            <a:off x="399355" y="1028418"/>
+            <a:ext cx="3554644" cy="1552358"/>
           </a:xfrm>
           <a:prstGeom prst="rect">
             <a:avLst/>
           </a:prstGeom>
           <a:noFill/>
+          <a:ln>
+            <a:solidFill>
+              <a:schemeClr val="bg1"/>
+            </a:solidFill>
+          </a:ln>
         </p:spPr>
         <p:txBody>
           <a:bodyPr wrap="square" rtlCol="0">
@@ -12261,28 +12274,16 @@
           </a:bodyPr>
           <a:lstStyle/>
           <a:p>
-            <a:r>
-              <a:rPr lang="en-US" sz="3600" dirty="0" err="1">
-                <a:solidFill>
-                  <a:srgbClr val="53A2D3"/>
-                </a:solidFill>
-              </a:rPr>
-              <a:t>Teoría</a:t>
-            </a:r>
-            <a:endParaRPr lang="en-US" sz="3600" dirty="0">
-              <a:solidFill>
-                <a:srgbClr val="53A2D3"/>
-              </a:solidFill>
-            </a:endParaRPr>
+            <a:endParaRPr lang="en-US" dirty="0"/>
           </a:p>
         </p:txBody>
       </p:sp>
       <p:pic>
         <p:nvPicPr>
-          <p:cNvPr id="12" name="Imagen 11">
-            <a:extLst>
-              <a:ext uri="{FF2B5EF4-FFF2-40B4-BE49-F238E27FC236}">
-                <a16:creationId xmlns:a16="http://schemas.microsoft.com/office/drawing/2014/main" id="{87D5173E-68ED-4CB9-B8B3-C75B37E09E34}"/>
+          <p:cNvPr id="4" name="Imagen 3">
+            <a:extLst>
+              <a:ext uri="{FF2B5EF4-FFF2-40B4-BE49-F238E27FC236}">
+                <a16:creationId xmlns:a16="http://schemas.microsoft.com/office/drawing/2014/main" id="{507A5C97-7C2A-4E60-9BEC-0EFA80EA9506}"/>
               </a:ext>
             </a:extLst>
           </p:cNvPr>
@@ -12299,8 +12300,8 @@
         </p:blipFill>
         <p:spPr>
           <a:xfrm>
-            <a:off x="5835620" y="667304"/>
-            <a:ext cx="2390775" cy="781050"/>
+            <a:off x="6318250" y="325565"/>
+            <a:ext cx="5133975" cy="714375"/>
           </a:xfrm>
           <a:prstGeom prst="rect">
             <a:avLst/>
@@ -12316,10 +12317,86 @@
       </p:pic>
       <p:pic>
         <p:nvPicPr>
-          <p:cNvPr id="13" name="Imagen 12">
-            <a:extLst>
-              <a:ext uri="{FF2B5EF4-FFF2-40B4-BE49-F238E27FC236}">
-                <a16:creationId xmlns:a16="http://schemas.microsoft.com/office/drawing/2014/main" id="{2D898126-78B1-40B7-90C4-890AD38DBB13}"/>
+          <p:cNvPr id="15" name="Imagen 14">
+            <a:extLst>
+              <a:ext uri="{FF2B5EF4-FFF2-40B4-BE49-F238E27FC236}">
+                <a16:creationId xmlns:a16="http://schemas.microsoft.com/office/drawing/2014/main" id="{C5DA9C15-C4AC-4654-BF88-17897BA42B95}"/>
+              </a:ext>
+            </a:extLst>
+          </p:cNvPr>
+          <p:cNvPicPr>
+            <a:picLocks noChangeAspect="1"/>
+          </p:cNvPicPr>
+          <p:nvPr/>
+        </p:nvPicPr>
+        <p:blipFill>
+          <a:blip r:embed="rId2"/>
+          <a:stretch>
+            <a:fillRect/>
+          </a:stretch>
+        </p:blipFill>
+        <p:spPr>
+          <a:xfrm>
+            <a:off x="6498147" y="511303"/>
+            <a:ext cx="5133975" cy="714375"/>
+          </a:xfrm>
+          <a:prstGeom prst="rect">
+            <a:avLst/>
+          </a:prstGeom>
+          <a:effectLst>
+            <a:glow rad="25400">
+              <a:schemeClr val="bg1">
+                <a:alpha val="40000"/>
+              </a:schemeClr>
+            </a:glow>
+          </a:effectLst>
+        </p:spPr>
+      </p:pic>
+      <p:sp>
+        <p:nvSpPr>
+          <p:cNvPr id="22" name="CuadroTexto 21">
+            <a:extLst>
+              <a:ext uri="{FF2B5EF4-FFF2-40B4-BE49-F238E27FC236}">
+                <a16:creationId xmlns:a16="http://schemas.microsoft.com/office/drawing/2014/main" id="{C9B1F5C4-0BBA-41F3-84BD-1322F509FDEF}"/>
+              </a:ext>
+            </a:extLst>
+          </p:cNvPr>
+          <p:cNvSpPr txBox="1"/>
+          <p:nvPr/>
+        </p:nvSpPr>
+        <p:spPr>
+          <a:xfrm>
+            <a:off x="361700" y="215130"/>
+            <a:ext cx="3397994" cy="646331"/>
+          </a:xfrm>
+          <a:prstGeom prst="rect">
+            <a:avLst/>
+          </a:prstGeom>
+          <a:noFill/>
+        </p:spPr>
+        <p:txBody>
+          <a:bodyPr wrap="square" rtlCol="0">
+            <a:spAutoFit/>
+          </a:bodyPr>
+          <a:lstStyle/>
+          <a:p>
+            <a:r>
+              <a:rPr lang="en-US" sz="3600" dirty="0">
+                <a:solidFill>
+                  <a:srgbClr val="53A2D3"/>
+                </a:solidFill>
+              </a:rPr>
+              <a:t>Mundo real</a:t>
+            </a:r>
+          </a:p>
+        </p:txBody>
+      </p:sp>
+      <p:pic>
+        <p:nvPicPr>
+          <p:cNvPr id="3" name="Imagen 2">
+            <a:extLst>
+              <a:ext uri="{FF2B5EF4-FFF2-40B4-BE49-F238E27FC236}">
+                <a16:creationId xmlns:a16="http://schemas.microsoft.com/office/drawing/2014/main" id="{D9DD123F-C19E-44D9-B022-9089568B17D7}"/>
               </a:ext>
             </a:extLst>
           </p:cNvPr>
@@ -12336,8 +12413,8 @@
         </p:blipFill>
         <p:spPr>
           <a:xfrm>
-            <a:off x="2399700" y="2587021"/>
-            <a:ext cx="3781425" cy="771525"/>
+            <a:off x="6325817" y="1411416"/>
+            <a:ext cx="5067300" cy="5057775"/>
           </a:xfrm>
           <a:prstGeom prst="rect">
             <a:avLst/>
@@ -12353,10 +12430,10 @@
       </p:pic>
       <p:pic>
         <p:nvPicPr>
-          <p:cNvPr id="14" name="Imagen 13">
-            <a:extLst>
-              <a:ext uri="{FF2B5EF4-FFF2-40B4-BE49-F238E27FC236}">
-                <a16:creationId xmlns:a16="http://schemas.microsoft.com/office/drawing/2014/main" id="{19B1A354-69C0-4961-9141-CF909426F6A3}"/>
+          <p:cNvPr id="5" name="Imagen 4">
+            <a:extLst>
+              <a:ext uri="{FF2B5EF4-FFF2-40B4-BE49-F238E27FC236}">
+                <a16:creationId xmlns:a16="http://schemas.microsoft.com/office/drawing/2014/main" id="{EB744E82-D948-4875-A246-F878A7B790D5}"/>
               </a:ext>
             </a:extLst>
           </p:cNvPr>
@@ -12373,8 +12450,8 @@
         </p:blipFill>
         <p:spPr>
           <a:xfrm>
-            <a:off x="7726302" y="2587021"/>
-            <a:ext cx="3848100" cy="752475"/>
+            <a:off x="6625993" y="1607604"/>
+            <a:ext cx="5048250" cy="5067300"/>
           </a:xfrm>
           <a:prstGeom prst="rect">
             <a:avLst/>
@@ -12390,10 +12467,10 @@
       </p:pic>
       <p:pic>
         <p:nvPicPr>
-          <p:cNvPr id="18" name="Imagen 17">
-            <a:extLst>
-              <a:ext uri="{FF2B5EF4-FFF2-40B4-BE49-F238E27FC236}">
-                <a16:creationId xmlns:a16="http://schemas.microsoft.com/office/drawing/2014/main" id="{5F2AC9E6-F6D3-4139-B8D4-1705BBDADF6E}"/>
+          <p:cNvPr id="6" name="Imagen 5">
+            <a:extLst>
+              <a:ext uri="{FF2B5EF4-FFF2-40B4-BE49-F238E27FC236}">
+                <a16:creationId xmlns:a16="http://schemas.microsoft.com/office/drawing/2014/main" id="{EE479CFC-C4B1-4F55-9A94-97D904358D59}"/>
               </a:ext>
             </a:extLst>
           </p:cNvPr>
@@ -12410,8 +12487,68 @@
         </p:blipFill>
         <p:spPr>
           <a:xfrm>
-            <a:off x="5264121" y="4091971"/>
-            <a:ext cx="3533775" cy="2238375"/>
+            <a:off x="466940" y="1102195"/>
+            <a:ext cx="1752600" cy="371475"/>
+          </a:xfrm>
+          <a:prstGeom prst="rect">
+            <a:avLst/>
+          </a:prstGeom>
+        </p:spPr>
+      </p:pic>
+      <p:pic>
+        <p:nvPicPr>
+          <p:cNvPr id="11" name="Imagen 10">
+            <a:extLst>
+              <a:ext uri="{FF2B5EF4-FFF2-40B4-BE49-F238E27FC236}">
+                <a16:creationId xmlns:a16="http://schemas.microsoft.com/office/drawing/2014/main" id="{DBF4310A-D170-47FD-BF61-98E8F6CCA73D}"/>
+              </a:ext>
+            </a:extLst>
+          </p:cNvPr>
+          <p:cNvPicPr>
+            <a:picLocks noChangeAspect="1"/>
+          </p:cNvPicPr>
+          <p:nvPr/>
+        </p:nvPicPr>
+        <p:blipFill>
+          <a:blip r:embed="rId6"/>
+          <a:stretch>
+            <a:fillRect/>
+          </a:stretch>
+        </p:blipFill>
+        <p:spPr>
+          <a:xfrm>
+            <a:off x="466940" y="1603035"/>
+            <a:ext cx="3419475" cy="914400"/>
+          </a:xfrm>
+          <a:prstGeom prst="rect">
+            <a:avLst/>
+          </a:prstGeom>
+        </p:spPr>
+      </p:pic>
+      <p:pic>
+        <p:nvPicPr>
+          <p:cNvPr id="12" name="Imagen 11">
+            <a:extLst>
+              <a:ext uri="{FF2B5EF4-FFF2-40B4-BE49-F238E27FC236}">
+                <a16:creationId xmlns:a16="http://schemas.microsoft.com/office/drawing/2014/main" id="{9C1444D3-B1A0-4A69-AE04-013DA1DE29B0}"/>
+              </a:ext>
+            </a:extLst>
+          </p:cNvPr>
+          <p:cNvPicPr>
+            <a:picLocks noChangeAspect="1"/>
+          </p:cNvPicPr>
+          <p:nvPr/>
+        </p:nvPicPr>
+        <p:blipFill>
+          <a:blip r:embed="rId7"/>
+          <a:stretch>
+            <a:fillRect/>
+          </a:stretch>
+        </p:blipFill>
+        <p:spPr>
+          <a:xfrm>
+            <a:off x="399355" y="2887271"/>
+            <a:ext cx="3698722" cy="3581920"/>
           </a:xfrm>
           <a:prstGeom prst="rect">
             <a:avLst/>
@@ -12425,26 +12562,64 @@
           </a:effectLst>
         </p:spPr>
       </p:pic>
+      <p:sp>
+        <p:nvSpPr>
+          <p:cNvPr id="24" name="CuadroTexto 23">
+            <a:extLst>
+              <a:ext uri="{FF2B5EF4-FFF2-40B4-BE49-F238E27FC236}">
+                <a16:creationId xmlns:a16="http://schemas.microsoft.com/office/drawing/2014/main" id="{C4685C5D-5D71-4493-99E0-63C9E4756DFB}"/>
+              </a:ext>
+            </a:extLst>
+          </p:cNvPr>
+          <p:cNvSpPr txBox="1"/>
+          <p:nvPr/>
+        </p:nvSpPr>
+        <p:spPr>
+          <a:xfrm>
+            <a:off x="4451799" y="3570971"/>
+            <a:ext cx="1376218" cy="369332"/>
+          </a:xfrm>
+          <a:prstGeom prst="rect">
+            <a:avLst/>
+          </a:prstGeom>
+          <a:noFill/>
+        </p:spPr>
+        <p:txBody>
+          <a:bodyPr wrap="square" rtlCol="0">
+            <a:spAutoFit/>
+          </a:bodyPr>
+          <a:lstStyle/>
+          <a:p>
+            <a:r>
+              <a:rPr lang="en-US" dirty="0">
+                <a:solidFill>
+                  <a:schemeClr val="bg1"/>
+                </a:solidFill>
+              </a:rPr>
+              <a:t>notifies</a:t>
+            </a:r>
+          </a:p>
+        </p:txBody>
+      </p:sp>
       <p:cxnSp>
         <p:nvCxnSpPr>
-          <p:cNvPr id="19" name="Conector recto de flecha 18">
-            <a:extLst>
-              <a:ext uri="{FF2B5EF4-FFF2-40B4-BE49-F238E27FC236}">
-                <a16:creationId xmlns:a16="http://schemas.microsoft.com/office/drawing/2014/main" id="{72E477A2-BA93-4B59-BE4C-D41FF49C2E84}"/>
+          <p:cNvPr id="28" name="Conector recto de flecha 27">
+            <a:extLst>
+              <a:ext uri="{FF2B5EF4-FFF2-40B4-BE49-F238E27FC236}">
+                <a16:creationId xmlns:a16="http://schemas.microsoft.com/office/drawing/2014/main" id="{1CFD9F69-C9C2-4D7E-A0C0-9C4C47186F47}"/>
               </a:ext>
             </a:extLst>
           </p:cNvPr>
           <p:cNvCxnSpPr>
             <a:cxnSpLocks/>
-            <a:stCxn id="13" idx="0"/>
-            <a:endCxn id="12" idx="2"/>
+            <a:stCxn id="12" idx="3"/>
           </p:cNvCxnSpPr>
           <p:nvPr/>
         </p:nvCxnSpPr>
         <p:spPr>
           <a:xfrm flipV="1">
-            <a:off x="4290413" y="1448354"/>
-            <a:ext cx="2740595" cy="1138667"/>
+            <a:off x="4098077" y="3231472"/>
+            <a:ext cx="2189533" cy="1446759"/>
           </a:xfrm>
           <a:prstGeom prst="straightConnector1">
             <a:avLst/>
@@ -12473,10 +12648,10 @@
       </p:cxnSp>
       <p:sp>
         <p:nvSpPr>
-          <p:cNvPr id="20" name="CuadroTexto 19">
-            <a:extLst>
-              <a:ext uri="{FF2B5EF4-FFF2-40B4-BE49-F238E27FC236}">
-                <a16:creationId xmlns:a16="http://schemas.microsoft.com/office/drawing/2014/main" id="{9FC2B105-3330-4FDE-8278-ED11223BBBD0}"/>
+          <p:cNvPr id="29" name="CuadroTexto 28">
+            <a:extLst>
+              <a:ext uri="{FF2B5EF4-FFF2-40B4-BE49-F238E27FC236}">
+                <a16:creationId xmlns:a16="http://schemas.microsoft.com/office/drawing/2014/main" id="{8ABFD652-925C-499C-9079-BBF36DCD54D4}"/>
               </a:ext>
             </a:extLst>
           </p:cNvPr>
@@ -12485,8 +12660,8 @@
         </p:nvSpPr>
         <p:spPr>
           <a:xfrm>
-            <a:off x="4230899" y="1673890"/>
-            <a:ext cx="1376218" cy="369332"/>
+            <a:off x="4949599" y="4437005"/>
+            <a:ext cx="1376218" cy="646331"/>
           </a:xfrm>
           <a:prstGeom prst="rect">
             <a:avLst/>
@@ -12505,31 +12680,29 @@
                   <a:schemeClr val="bg1"/>
                 </a:solidFill>
               </a:rPr>
-              <a:t>implements</a:t>
+              <a:t>registers and updates</a:t>
             </a:r>
           </a:p>
         </p:txBody>
       </p:sp>
       <p:cxnSp>
         <p:nvCxnSpPr>
-          <p:cNvPr id="21" name="Conector recto de flecha 20">
-            <a:extLst>
-              <a:ext uri="{FF2B5EF4-FFF2-40B4-BE49-F238E27FC236}">
-                <a16:creationId xmlns:a16="http://schemas.microsoft.com/office/drawing/2014/main" id="{065A241B-FACE-44E7-A47B-B6B595135389}"/>
+          <p:cNvPr id="30" name="Conector recto de flecha 29">
+            <a:extLst>
+              <a:ext uri="{FF2B5EF4-FFF2-40B4-BE49-F238E27FC236}">
+                <a16:creationId xmlns:a16="http://schemas.microsoft.com/office/drawing/2014/main" id="{543F38BD-9C86-4711-AF7C-609B4CDB309A}"/>
               </a:ext>
             </a:extLst>
           </p:cNvPr>
           <p:cNvCxnSpPr>
             <a:cxnSpLocks/>
-            <a:stCxn id="14" idx="0"/>
-            <a:endCxn id="12" idx="2"/>
           </p:cNvCxnSpPr>
           <p:nvPr/>
         </p:nvCxnSpPr>
         <p:spPr>
-          <a:xfrm flipH="1" flipV="1">
-            <a:off x="7031008" y="1448354"/>
-            <a:ext cx="2619344" cy="1138667"/>
+          <a:xfrm flipH="1">
+            <a:off x="4098077" y="3526910"/>
+            <a:ext cx="2227740" cy="1495522"/>
           </a:xfrm>
           <a:prstGeom prst="straightConnector1">
             <a:avLst/>
@@ -12556,219 +12729,10 @@
           </a:fontRef>
         </p:style>
       </p:cxnSp>
-      <p:sp>
-        <p:nvSpPr>
-          <p:cNvPr id="23" name="CuadroTexto 22">
-            <a:extLst>
-              <a:ext uri="{FF2B5EF4-FFF2-40B4-BE49-F238E27FC236}">
-                <a16:creationId xmlns:a16="http://schemas.microsoft.com/office/drawing/2014/main" id="{0F191663-A16A-4BC0-8120-6ACAD429A1D0}"/>
-              </a:ext>
-            </a:extLst>
-          </p:cNvPr>
-          <p:cNvSpPr txBox="1"/>
-          <p:nvPr/>
-        </p:nvSpPr>
-        <p:spPr>
-          <a:xfrm>
-            <a:off x="8454899" y="1649880"/>
-            <a:ext cx="1376218" cy="369332"/>
-          </a:xfrm>
-          <a:prstGeom prst="rect">
-            <a:avLst/>
-          </a:prstGeom>
-          <a:noFill/>
-        </p:spPr>
-        <p:txBody>
-          <a:bodyPr wrap="square" rtlCol="0">
-            <a:spAutoFit/>
-          </a:bodyPr>
-          <a:lstStyle/>
-          <a:p>
-            <a:r>
-              <a:rPr lang="en-US" dirty="0">
-                <a:solidFill>
-                  <a:schemeClr val="bg1"/>
-                </a:solidFill>
-              </a:rPr>
-              <a:t>implements</a:t>
-            </a:r>
-          </a:p>
-        </p:txBody>
-      </p:sp>
-      <p:cxnSp>
-        <p:nvCxnSpPr>
-          <p:cNvPr id="30" name="Conector recto de flecha 29">
-            <a:extLst>
-              <a:ext uri="{FF2B5EF4-FFF2-40B4-BE49-F238E27FC236}">
-                <a16:creationId xmlns:a16="http://schemas.microsoft.com/office/drawing/2014/main" id="{210F4F8A-303F-47CA-BF47-DC7C1FC9C5B1}"/>
-              </a:ext>
-            </a:extLst>
-          </p:cNvPr>
-          <p:cNvCxnSpPr>
-            <a:cxnSpLocks/>
-            <a:stCxn id="18" idx="1"/>
-            <a:endCxn id="13" idx="2"/>
-          </p:cNvCxnSpPr>
-          <p:nvPr/>
-        </p:nvCxnSpPr>
-        <p:spPr>
-          <a:xfrm flipH="1" flipV="1">
-            <a:off x="4290413" y="3358546"/>
-            <a:ext cx="973708" cy="1852613"/>
-          </a:xfrm>
-          <a:prstGeom prst="straightConnector1">
-            <a:avLst/>
-          </a:prstGeom>
-          <a:ln w="12700">
-            <a:solidFill>
-              <a:schemeClr val="bg1"/>
-            </a:solidFill>
-            <a:tailEnd type="triangle"/>
-          </a:ln>
-        </p:spPr>
-        <p:style>
-          <a:lnRef idx="1">
-            <a:schemeClr val="accent1"/>
-          </a:lnRef>
-          <a:fillRef idx="0">
-            <a:schemeClr val="accent1"/>
-          </a:fillRef>
-          <a:effectRef idx="0">
-            <a:schemeClr val="accent1"/>
-          </a:effectRef>
-          <a:fontRef idx="minor">
-            <a:schemeClr val="tx1"/>
-          </a:fontRef>
-        </p:style>
-      </p:cxnSp>
-      <p:sp>
-        <p:nvSpPr>
-          <p:cNvPr id="32" name="CuadroTexto 31">
-            <a:extLst>
-              <a:ext uri="{FF2B5EF4-FFF2-40B4-BE49-F238E27FC236}">
-                <a16:creationId xmlns:a16="http://schemas.microsoft.com/office/drawing/2014/main" id="{B40902AC-EBE4-47D2-84C7-52C946113453}"/>
-              </a:ext>
-            </a:extLst>
-          </p:cNvPr>
-          <p:cNvSpPr txBox="1"/>
-          <p:nvPr/>
-        </p:nvSpPr>
-        <p:spPr>
-          <a:xfrm>
-            <a:off x="3971819" y="3902345"/>
-            <a:ext cx="1376218" cy="369332"/>
-          </a:xfrm>
-          <a:prstGeom prst="rect">
-            <a:avLst/>
-          </a:prstGeom>
-          <a:noFill/>
-        </p:spPr>
-        <p:txBody>
-          <a:bodyPr wrap="square" rtlCol="0">
-            <a:spAutoFit/>
-          </a:bodyPr>
-          <a:lstStyle/>
-          <a:p>
-            <a:r>
-              <a:rPr lang="en-US" dirty="0">
-                <a:solidFill>
-                  <a:schemeClr val="bg1"/>
-                </a:solidFill>
-              </a:rPr>
-              <a:t>calls</a:t>
-            </a:r>
-          </a:p>
-        </p:txBody>
-      </p:sp>
-      <p:cxnSp>
-        <p:nvCxnSpPr>
-          <p:cNvPr id="33" name="Conector recto de flecha 32">
-            <a:extLst>
-              <a:ext uri="{FF2B5EF4-FFF2-40B4-BE49-F238E27FC236}">
-                <a16:creationId xmlns:a16="http://schemas.microsoft.com/office/drawing/2014/main" id="{709BB2E5-D414-41A5-A5C5-D936BBF42CEB}"/>
-              </a:ext>
-            </a:extLst>
-          </p:cNvPr>
-          <p:cNvCxnSpPr>
-            <a:cxnSpLocks/>
-            <a:stCxn id="18" idx="3"/>
-            <a:endCxn id="14" idx="2"/>
-          </p:cNvCxnSpPr>
-          <p:nvPr/>
-        </p:nvCxnSpPr>
-        <p:spPr>
-          <a:xfrm flipV="1">
-            <a:off x="8797896" y="3339496"/>
-            <a:ext cx="852456" cy="1871663"/>
-          </a:xfrm>
-          <a:prstGeom prst="straightConnector1">
-            <a:avLst/>
-          </a:prstGeom>
-          <a:ln w="12700">
-            <a:solidFill>
-              <a:schemeClr val="bg1"/>
-            </a:solidFill>
-            <a:tailEnd type="triangle"/>
-          </a:ln>
-        </p:spPr>
-        <p:style>
-          <a:lnRef idx="1">
-            <a:schemeClr val="accent1"/>
-          </a:lnRef>
-          <a:fillRef idx="0">
-            <a:schemeClr val="accent1"/>
-          </a:fillRef>
-          <a:effectRef idx="0">
-            <a:schemeClr val="accent1"/>
-          </a:effectRef>
-          <a:fontRef idx="minor">
-            <a:schemeClr val="tx1"/>
-          </a:fontRef>
-        </p:style>
-      </p:cxnSp>
-      <p:sp>
-        <p:nvSpPr>
-          <p:cNvPr id="35" name="CuadroTexto 34">
-            <a:extLst>
-              <a:ext uri="{FF2B5EF4-FFF2-40B4-BE49-F238E27FC236}">
-                <a16:creationId xmlns:a16="http://schemas.microsoft.com/office/drawing/2014/main" id="{45C8BD20-2C1F-4506-A664-D56156685A84}"/>
-              </a:ext>
-            </a:extLst>
-          </p:cNvPr>
-          <p:cNvSpPr txBox="1"/>
-          <p:nvPr/>
-        </p:nvSpPr>
-        <p:spPr>
-          <a:xfrm>
-            <a:off x="9345728" y="3902345"/>
-            <a:ext cx="1376218" cy="369332"/>
-          </a:xfrm>
-          <a:prstGeom prst="rect">
-            <a:avLst/>
-          </a:prstGeom>
-          <a:noFill/>
-        </p:spPr>
-        <p:txBody>
-          <a:bodyPr wrap="square" rtlCol="0">
-            <a:spAutoFit/>
-          </a:bodyPr>
-          <a:lstStyle/>
-          <a:p>
-            <a:r>
-              <a:rPr lang="en-US" dirty="0">
-                <a:solidFill>
-                  <a:schemeClr val="bg1"/>
-                </a:solidFill>
-              </a:rPr>
-              <a:t>calls</a:t>
-            </a:r>
-          </a:p>
-        </p:txBody>
-      </p:sp>
     </p:spTree>
     <p:extLst>
       <p:ext uri="{BB962C8B-B14F-4D97-AF65-F5344CB8AC3E}">
-        <p14:creationId xmlns:p14="http://schemas.microsoft.com/office/powerpoint/2010/main" val="3412169173"/>
+        <p14:creationId xmlns:p14="http://schemas.microsoft.com/office/powerpoint/2010/main" val="939926774"/>
       </p:ext>
     </p:extLst>
   </p:cSld>
@@ -12778,7 +12742,7 @@
 </p:sld>
 </file>
 
-<file path=ppt/slides/slide37.xml><?xml version="1.0" encoding="utf-8"?>
+<file path=ppt/slides/slide36.xml><?xml version="1.0" encoding="utf-8"?>
 <p:sld xmlns:a="http://schemas.openxmlformats.org/drawingml/2006/main" xmlns:r="http://schemas.openxmlformats.org/officeDocument/2006/relationships" xmlns:p="http://schemas.openxmlformats.org/presentationml/2006/main">
   <p:cSld>
     <p:spTree>
@@ -12828,7 +12792,7 @@
                 </a:solidFill>
                 <a:latin typeface="Calibri" panose="020F0502020204030204" pitchFamily="34" charset="0"/>
               </a:rPr>
-              <a:t>Memento </a:t>
+              <a:t>Mediator </a:t>
             </a:r>
             <a:r>
               <a:rPr lang="es-ES" dirty="0" err="1">
@@ -12846,7 +12810,577 @@
     </p:spTree>
     <p:extLst>
       <p:ext uri="{BB962C8B-B14F-4D97-AF65-F5344CB8AC3E}">
-        <p14:creationId xmlns:p14="http://schemas.microsoft.com/office/powerpoint/2010/main" val="1428411220"/>
+        <p14:creationId xmlns:p14="http://schemas.microsoft.com/office/powerpoint/2010/main" val="1434885801"/>
+      </p:ext>
+    </p:extLst>
+  </p:cSld>
+  <p:clrMapOvr>
+    <a:masterClrMapping/>
+  </p:clrMapOvr>
+</p:sld>
+</file>
+
+<file path=ppt/slides/slide37.xml><?xml version="1.0" encoding="utf-8"?>
+<p:sld xmlns:a="http://schemas.openxmlformats.org/drawingml/2006/main" xmlns:r="http://schemas.openxmlformats.org/officeDocument/2006/relationships" xmlns:p="http://schemas.openxmlformats.org/presentationml/2006/main">
+  <p:cSld>
+    <p:bg>
+      <p:bgPr>
+        <a:solidFill>
+          <a:srgbClr val="1E1E1E"/>
+        </a:solidFill>
+        <a:effectLst/>
+      </p:bgPr>
+    </p:bg>
+    <p:spTree>
+      <p:nvGrpSpPr>
+        <p:cNvPr id="1" name=""/>
+        <p:cNvGrpSpPr/>
+        <p:nvPr/>
+      </p:nvGrpSpPr>
+      <p:grpSpPr>
+        <a:xfrm>
+          <a:off x="0" y="0"/>
+          <a:ext cx="0" cy="0"/>
+          <a:chOff x="0" y="0"/>
+          <a:chExt cx="0" cy="0"/>
+        </a:xfrm>
+      </p:grpSpPr>
+      <p:sp>
+        <p:nvSpPr>
+          <p:cNvPr id="31" name="CuadroTexto 30">
+            <a:extLst>
+              <a:ext uri="{FF2B5EF4-FFF2-40B4-BE49-F238E27FC236}">
+                <a16:creationId xmlns:a16="http://schemas.microsoft.com/office/drawing/2014/main" id="{FBF7026D-12F4-4541-8110-DE706094717A}"/>
+              </a:ext>
+            </a:extLst>
+          </p:cNvPr>
+          <p:cNvSpPr txBox="1"/>
+          <p:nvPr/>
+        </p:nvSpPr>
+        <p:spPr>
+          <a:xfrm>
+            <a:off x="484863" y="185392"/>
+            <a:ext cx="3397994" cy="646331"/>
+          </a:xfrm>
+          <a:prstGeom prst="rect">
+            <a:avLst/>
+          </a:prstGeom>
+          <a:noFill/>
+        </p:spPr>
+        <p:txBody>
+          <a:bodyPr wrap="square" rtlCol="0">
+            <a:spAutoFit/>
+          </a:bodyPr>
+          <a:lstStyle/>
+          <a:p>
+            <a:r>
+              <a:rPr lang="en-US" sz="3600" dirty="0" err="1">
+                <a:solidFill>
+                  <a:srgbClr val="53A2D3"/>
+                </a:solidFill>
+              </a:rPr>
+              <a:t>Teoría</a:t>
+            </a:r>
+            <a:endParaRPr lang="en-US" sz="3600" dirty="0">
+              <a:solidFill>
+                <a:srgbClr val="53A2D3"/>
+              </a:solidFill>
+            </a:endParaRPr>
+          </a:p>
+        </p:txBody>
+      </p:sp>
+      <p:pic>
+        <p:nvPicPr>
+          <p:cNvPr id="12" name="Imagen 11">
+            <a:extLst>
+              <a:ext uri="{FF2B5EF4-FFF2-40B4-BE49-F238E27FC236}">
+                <a16:creationId xmlns:a16="http://schemas.microsoft.com/office/drawing/2014/main" id="{87D5173E-68ED-4CB9-B8B3-C75B37E09E34}"/>
+              </a:ext>
+            </a:extLst>
+          </p:cNvPr>
+          <p:cNvPicPr>
+            <a:picLocks noChangeAspect="1"/>
+          </p:cNvPicPr>
+          <p:nvPr/>
+        </p:nvPicPr>
+        <p:blipFill>
+          <a:blip r:embed="rId2"/>
+          <a:stretch>
+            <a:fillRect/>
+          </a:stretch>
+        </p:blipFill>
+        <p:spPr>
+          <a:xfrm>
+            <a:off x="5835620" y="667304"/>
+            <a:ext cx="2390775" cy="781050"/>
+          </a:xfrm>
+          <a:prstGeom prst="rect">
+            <a:avLst/>
+          </a:prstGeom>
+          <a:effectLst>
+            <a:glow rad="25400">
+              <a:schemeClr val="bg1">
+                <a:alpha val="40000"/>
+              </a:schemeClr>
+            </a:glow>
+          </a:effectLst>
+        </p:spPr>
+      </p:pic>
+      <p:pic>
+        <p:nvPicPr>
+          <p:cNvPr id="13" name="Imagen 12">
+            <a:extLst>
+              <a:ext uri="{FF2B5EF4-FFF2-40B4-BE49-F238E27FC236}">
+                <a16:creationId xmlns:a16="http://schemas.microsoft.com/office/drawing/2014/main" id="{2D898126-78B1-40B7-90C4-890AD38DBB13}"/>
+              </a:ext>
+            </a:extLst>
+          </p:cNvPr>
+          <p:cNvPicPr>
+            <a:picLocks noChangeAspect="1"/>
+          </p:cNvPicPr>
+          <p:nvPr/>
+        </p:nvPicPr>
+        <p:blipFill>
+          <a:blip r:embed="rId3"/>
+          <a:stretch>
+            <a:fillRect/>
+          </a:stretch>
+        </p:blipFill>
+        <p:spPr>
+          <a:xfrm>
+            <a:off x="2399700" y="2587021"/>
+            <a:ext cx="3781425" cy="771525"/>
+          </a:xfrm>
+          <a:prstGeom prst="rect">
+            <a:avLst/>
+          </a:prstGeom>
+          <a:effectLst>
+            <a:glow rad="25400">
+              <a:schemeClr val="bg1">
+                <a:alpha val="40000"/>
+              </a:schemeClr>
+            </a:glow>
+          </a:effectLst>
+        </p:spPr>
+      </p:pic>
+      <p:pic>
+        <p:nvPicPr>
+          <p:cNvPr id="14" name="Imagen 13">
+            <a:extLst>
+              <a:ext uri="{FF2B5EF4-FFF2-40B4-BE49-F238E27FC236}">
+                <a16:creationId xmlns:a16="http://schemas.microsoft.com/office/drawing/2014/main" id="{19B1A354-69C0-4961-9141-CF909426F6A3}"/>
+              </a:ext>
+            </a:extLst>
+          </p:cNvPr>
+          <p:cNvPicPr>
+            <a:picLocks noChangeAspect="1"/>
+          </p:cNvPicPr>
+          <p:nvPr/>
+        </p:nvPicPr>
+        <p:blipFill>
+          <a:blip r:embed="rId4"/>
+          <a:stretch>
+            <a:fillRect/>
+          </a:stretch>
+        </p:blipFill>
+        <p:spPr>
+          <a:xfrm>
+            <a:off x="7726302" y="2587021"/>
+            <a:ext cx="3848100" cy="752475"/>
+          </a:xfrm>
+          <a:prstGeom prst="rect">
+            <a:avLst/>
+          </a:prstGeom>
+          <a:effectLst>
+            <a:glow rad="25400">
+              <a:schemeClr val="bg1">
+                <a:alpha val="40000"/>
+              </a:schemeClr>
+            </a:glow>
+          </a:effectLst>
+        </p:spPr>
+      </p:pic>
+      <p:pic>
+        <p:nvPicPr>
+          <p:cNvPr id="18" name="Imagen 17">
+            <a:extLst>
+              <a:ext uri="{FF2B5EF4-FFF2-40B4-BE49-F238E27FC236}">
+                <a16:creationId xmlns:a16="http://schemas.microsoft.com/office/drawing/2014/main" id="{5F2AC9E6-F6D3-4139-B8D4-1705BBDADF6E}"/>
+              </a:ext>
+            </a:extLst>
+          </p:cNvPr>
+          <p:cNvPicPr>
+            <a:picLocks noChangeAspect="1"/>
+          </p:cNvPicPr>
+          <p:nvPr/>
+        </p:nvPicPr>
+        <p:blipFill>
+          <a:blip r:embed="rId5"/>
+          <a:stretch>
+            <a:fillRect/>
+          </a:stretch>
+        </p:blipFill>
+        <p:spPr>
+          <a:xfrm>
+            <a:off x="5264121" y="4091971"/>
+            <a:ext cx="3533775" cy="2238375"/>
+          </a:xfrm>
+          <a:prstGeom prst="rect">
+            <a:avLst/>
+          </a:prstGeom>
+          <a:effectLst>
+            <a:glow rad="25400">
+              <a:schemeClr val="bg1">
+                <a:alpha val="40000"/>
+              </a:schemeClr>
+            </a:glow>
+          </a:effectLst>
+        </p:spPr>
+      </p:pic>
+      <p:cxnSp>
+        <p:nvCxnSpPr>
+          <p:cNvPr id="19" name="Conector recto de flecha 18">
+            <a:extLst>
+              <a:ext uri="{FF2B5EF4-FFF2-40B4-BE49-F238E27FC236}">
+                <a16:creationId xmlns:a16="http://schemas.microsoft.com/office/drawing/2014/main" id="{72E477A2-BA93-4B59-BE4C-D41FF49C2E84}"/>
+              </a:ext>
+            </a:extLst>
+          </p:cNvPr>
+          <p:cNvCxnSpPr>
+            <a:cxnSpLocks/>
+            <a:stCxn id="13" idx="0"/>
+            <a:endCxn id="12" idx="2"/>
+          </p:cNvCxnSpPr>
+          <p:nvPr/>
+        </p:nvCxnSpPr>
+        <p:spPr>
+          <a:xfrm flipV="1">
+            <a:off x="4290413" y="1448354"/>
+            <a:ext cx="2740595" cy="1138667"/>
+          </a:xfrm>
+          <a:prstGeom prst="straightConnector1">
+            <a:avLst/>
+          </a:prstGeom>
+          <a:ln w="12700">
+            <a:solidFill>
+              <a:schemeClr val="bg1"/>
+            </a:solidFill>
+            <a:tailEnd type="triangle"/>
+          </a:ln>
+        </p:spPr>
+        <p:style>
+          <a:lnRef idx="1">
+            <a:schemeClr val="accent1"/>
+          </a:lnRef>
+          <a:fillRef idx="0">
+            <a:schemeClr val="accent1"/>
+          </a:fillRef>
+          <a:effectRef idx="0">
+            <a:schemeClr val="accent1"/>
+          </a:effectRef>
+          <a:fontRef idx="minor">
+            <a:schemeClr val="tx1"/>
+          </a:fontRef>
+        </p:style>
+      </p:cxnSp>
+      <p:sp>
+        <p:nvSpPr>
+          <p:cNvPr id="20" name="CuadroTexto 19">
+            <a:extLst>
+              <a:ext uri="{FF2B5EF4-FFF2-40B4-BE49-F238E27FC236}">
+                <a16:creationId xmlns:a16="http://schemas.microsoft.com/office/drawing/2014/main" id="{9FC2B105-3330-4FDE-8278-ED11223BBBD0}"/>
+              </a:ext>
+            </a:extLst>
+          </p:cNvPr>
+          <p:cNvSpPr txBox="1"/>
+          <p:nvPr/>
+        </p:nvSpPr>
+        <p:spPr>
+          <a:xfrm>
+            <a:off x="4230899" y="1673890"/>
+            <a:ext cx="1376218" cy="369332"/>
+          </a:xfrm>
+          <a:prstGeom prst="rect">
+            <a:avLst/>
+          </a:prstGeom>
+          <a:noFill/>
+        </p:spPr>
+        <p:txBody>
+          <a:bodyPr wrap="square" rtlCol="0">
+            <a:spAutoFit/>
+          </a:bodyPr>
+          <a:lstStyle/>
+          <a:p>
+            <a:r>
+              <a:rPr lang="en-US" dirty="0">
+                <a:solidFill>
+                  <a:schemeClr val="bg1"/>
+                </a:solidFill>
+              </a:rPr>
+              <a:t>implements</a:t>
+            </a:r>
+          </a:p>
+        </p:txBody>
+      </p:sp>
+      <p:cxnSp>
+        <p:nvCxnSpPr>
+          <p:cNvPr id="21" name="Conector recto de flecha 20">
+            <a:extLst>
+              <a:ext uri="{FF2B5EF4-FFF2-40B4-BE49-F238E27FC236}">
+                <a16:creationId xmlns:a16="http://schemas.microsoft.com/office/drawing/2014/main" id="{065A241B-FACE-44E7-A47B-B6B595135389}"/>
+              </a:ext>
+            </a:extLst>
+          </p:cNvPr>
+          <p:cNvCxnSpPr>
+            <a:cxnSpLocks/>
+            <a:stCxn id="14" idx="0"/>
+            <a:endCxn id="12" idx="2"/>
+          </p:cNvCxnSpPr>
+          <p:nvPr/>
+        </p:nvCxnSpPr>
+        <p:spPr>
+          <a:xfrm flipH="1" flipV="1">
+            <a:off x="7031008" y="1448354"/>
+            <a:ext cx="2619344" cy="1138667"/>
+          </a:xfrm>
+          <a:prstGeom prst="straightConnector1">
+            <a:avLst/>
+          </a:prstGeom>
+          <a:ln w="12700">
+            <a:solidFill>
+              <a:schemeClr val="bg1"/>
+            </a:solidFill>
+            <a:tailEnd type="triangle"/>
+          </a:ln>
+        </p:spPr>
+        <p:style>
+          <a:lnRef idx="1">
+            <a:schemeClr val="accent1"/>
+          </a:lnRef>
+          <a:fillRef idx="0">
+            <a:schemeClr val="accent1"/>
+          </a:fillRef>
+          <a:effectRef idx="0">
+            <a:schemeClr val="accent1"/>
+          </a:effectRef>
+          <a:fontRef idx="minor">
+            <a:schemeClr val="tx1"/>
+          </a:fontRef>
+        </p:style>
+      </p:cxnSp>
+      <p:sp>
+        <p:nvSpPr>
+          <p:cNvPr id="23" name="CuadroTexto 22">
+            <a:extLst>
+              <a:ext uri="{FF2B5EF4-FFF2-40B4-BE49-F238E27FC236}">
+                <a16:creationId xmlns:a16="http://schemas.microsoft.com/office/drawing/2014/main" id="{0F191663-A16A-4BC0-8120-6ACAD429A1D0}"/>
+              </a:ext>
+            </a:extLst>
+          </p:cNvPr>
+          <p:cNvSpPr txBox="1"/>
+          <p:nvPr/>
+        </p:nvSpPr>
+        <p:spPr>
+          <a:xfrm>
+            <a:off x="8454899" y="1649880"/>
+            <a:ext cx="1376218" cy="369332"/>
+          </a:xfrm>
+          <a:prstGeom prst="rect">
+            <a:avLst/>
+          </a:prstGeom>
+          <a:noFill/>
+        </p:spPr>
+        <p:txBody>
+          <a:bodyPr wrap="square" rtlCol="0">
+            <a:spAutoFit/>
+          </a:bodyPr>
+          <a:lstStyle/>
+          <a:p>
+            <a:r>
+              <a:rPr lang="en-US" dirty="0">
+                <a:solidFill>
+                  <a:schemeClr val="bg1"/>
+                </a:solidFill>
+              </a:rPr>
+              <a:t>implements</a:t>
+            </a:r>
+          </a:p>
+        </p:txBody>
+      </p:sp>
+      <p:cxnSp>
+        <p:nvCxnSpPr>
+          <p:cNvPr id="30" name="Conector recto de flecha 29">
+            <a:extLst>
+              <a:ext uri="{FF2B5EF4-FFF2-40B4-BE49-F238E27FC236}">
+                <a16:creationId xmlns:a16="http://schemas.microsoft.com/office/drawing/2014/main" id="{210F4F8A-303F-47CA-BF47-DC7C1FC9C5B1}"/>
+              </a:ext>
+            </a:extLst>
+          </p:cNvPr>
+          <p:cNvCxnSpPr>
+            <a:cxnSpLocks/>
+            <a:stCxn id="18" idx="1"/>
+            <a:endCxn id="13" idx="2"/>
+          </p:cNvCxnSpPr>
+          <p:nvPr/>
+        </p:nvCxnSpPr>
+        <p:spPr>
+          <a:xfrm flipH="1" flipV="1">
+            <a:off x="4290413" y="3358546"/>
+            <a:ext cx="973708" cy="1852613"/>
+          </a:xfrm>
+          <a:prstGeom prst="straightConnector1">
+            <a:avLst/>
+          </a:prstGeom>
+          <a:ln w="12700">
+            <a:solidFill>
+              <a:schemeClr val="bg1"/>
+            </a:solidFill>
+            <a:tailEnd type="triangle"/>
+          </a:ln>
+        </p:spPr>
+        <p:style>
+          <a:lnRef idx="1">
+            <a:schemeClr val="accent1"/>
+          </a:lnRef>
+          <a:fillRef idx="0">
+            <a:schemeClr val="accent1"/>
+          </a:fillRef>
+          <a:effectRef idx="0">
+            <a:schemeClr val="accent1"/>
+          </a:effectRef>
+          <a:fontRef idx="minor">
+            <a:schemeClr val="tx1"/>
+          </a:fontRef>
+        </p:style>
+      </p:cxnSp>
+      <p:sp>
+        <p:nvSpPr>
+          <p:cNvPr id="32" name="CuadroTexto 31">
+            <a:extLst>
+              <a:ext uri="{FF2B5EF4-FFF2-40B4-BE49-F238E27FC236}">
+                <a16:creationId xmlns:a16="http://schemas.microsoft.com/office/drawing/2014/main" id="{B40902AC-EBE4-47D2-84C7-52C946113453}"/>
+              </a:ext>
+            </a:extLst>
+          </p:cNvPr>
+          <p:cNvSpPr txBox="1"/>
+          <p:nvPr/>
+        </p:nvSpPr>
+        <p:spPr>
+          <a:xfrm>
+            <a:off x="3971819" y="3902345"/>
+            <a:ext cx="1376218" cy="369332"/>
+          </a:xfrm>
+          <a:prstGeom prst="rect">
+            <a:avLst/>
+          </a:prstGeom>
+          <a:noFill/>
+        </p:spPr>
+        <p:txBody>
+          <a:bodyPr wrap="square" rtlCol="0">
+            <a:spAutoFit/>
+          </a:bodyPr>
+          <a:lstStyle/>
+          <a:p>
+            <a:r>
+              <a:rPr lang="en-US" dirty="0">
+                <a:solidFill>
+                  <a:schemeClr val="bg1"/>
+                </a:solidFill>
+              </a:rPr>
+              <a:t>calls</a:t>
+            </a:r>
+          </a:p>
+        </p:txBody>
+      </p:sp>
+      <p:cxnSp>
+        <p:nvCxnSpPr>
+          <p:cNvPr id="33" name="Conector recto de flecha 32">
+            <a:extLst>
+              <a:ext uri="{FF2B5EF4-FFF2-40B4-BE49-F238E27FC236}">
+                <a16:creationId xmlns:a16="http://schemas.microsoft.com/office/drawing/2014/main" id="{709BB2E5-D414-41A5-A5C5-D936BBF42CEB}"/>
+              </a:ext>
+            </a:extLst>
+          </p:cNvPr>
+          <p:cNvCxnSpPr>
+            <a:cxnSpLocks/>
+            <a:stCxn id="18" idx="3"/>
+            <a:endCxn id="14" idx="2"/>
+          </p:cNvCxnSpPr>
+          <p:nvPr/>
+        </p:nvCxnSpPr>
+        <p:spPr>
+          <a:xfrm flipV="1">
+            <a:off x="8797896" y="3339496"/>
+            <a:ext cx="852456" cy="1871663"/>
+          </a:xfrm>
+          <a:prstGeom prst="straightConnector1">
+            <a:avLst/>
+          </a:prstGeom>
+          <a:ln w="12700">
+            <a:solidFill>
+              <a:schemeClr val="bg1"/>
+            </a:solidFill>
+            <a:tailEnd type="triangle"/>
+          </a:ln>
+        </p:spPr>
+        <p:style>
+          <a:lnRef idx="1">
+            <a:schemeClr val="accent1"/>
+          </a:lnRef>
+          <a:fillRef idx="0">
+            <a:schemeClr val="accent1"/>
+          </a:fillRef>
+          <a:effectRef idx="0">
+            <a:schemeClr val="accent1"/>
+          </a:effectRef>
+          <a:fontRef idx="minor">
+            <a:schemeClr val="tx1"/>
+          </a:fontRef>
+        </p:style>
+      </p:cxnSp>
+      <p:sp>
+        <p:nvSpPr>
+          <p:cNvPr id="35" name="CuadroTexto 34">
+            <a:extLst>
+              <a:ext uri="{FF2B5EF4-FFF2-40B4-BE49-F238E27FC236}">
+                <a16:creationId xmlns:a16="http://schemas.microsoft.com/office/drawing/2014/main" id="{45C8BD20-2C1F-4506-A664-D56156685A84}"/>
+              </a:ext>
+            </a:extLst>
+          </p:cNvPr>
+          <p:cNvSpPr txBox="1"/>
+          <p:nvPr/>
+        </p:nvSpPr>
+        <p:spPr>
+          <a:xfrm>
+            <a:off x="9345728" y="3902345"/>
+            <a:ext cx="1376218" cy="369332"/>
+          </a:xfrm>
+          <a:prstGeom prst="rect">
+            <a:avLst/>
+          </a:prstGeom>
+          <a:noFill/>
+        </p:spPr>
+        <p:txBody>
+          <a:bodyPr wrap="square" rtlCol="0">
+            <a:spAutoFit/>
+          </a:bodyPr>
+          <a:lstStyle/>
+          <a:p>
+            <a:r>
+              <a:rPr lang="en-US" dirty="0">
+                <a:solidFill>
+                  <a:schemeClr val="bg1"/>
+                </a:solidFill>
+              </a:rPr>
+              <a:t>calls</a:t>
+            </a:r>
+          </a:p>
+        </p:txBody>
+      </p:sp>
+    </p:spTree>
+    <p:extLst>
+      <p:ext uri="{BB962C8B-B14F-4D97-AF65-F5344CB8AC3E}">
+        <p14:creationId xmlns:p14="http://schemas.microsoft.com/office/powerpoint/2010/main" val="3412169173"/>
       </p:ext>
     </p:extLst>
   </p:cSld>
@@ -12881,56 +13415,12 @@
           <a:chExt cx="0" cy="0"/>
         </a:xfrm>
       </p:grpSpPr>
-      <p:sp>
-        <p:nvSpPr>
-          <p:cNvPr id="31" name="CuadroTexto 30">
-            <a:extLst>
-              <a:ext uri="{FF2B5EF4-FFF2-40B4-BE49-F238E27FC236}">
-                <a16:creationId xmlns:a16="http://schemas.microsoft.com/office/drawing/2014/main" id="{FBF7026D-12F4-4541-8110-DE706094717A}"/>
-              </a:ext>
-            </a:extLst>
-          </p:cNvPr>
-          <p:cNvSpPr txBox="1"/>
-          <p:nvPr/>
-        </p:nvSpPr>
-        <p:spPr>
-          <a:xfrm>
-            <a:off x="484863" y="185392"/>
-            <a:ext cx="3397994" cy="646331"/>
-          </a:xfrm>
-          <a:prstGeom prst="rect">
-            <a:avLst/>
-          </a:prstGeom>
-          <a:noFill/>
-        </p:spPr>
-        <p:txBody>
-          <a:bodyPr wrap="square" rtlCol="0">
-            <a:spAutoFit/>
-          </a:bodyPr>
-          <a:lstStyle/>
-          <a:p>
-            <a:r>
-              <a:rPr lang="en-US" sz="3600" dirty="0" err="1">
-                <a:solidFill>
-                  <a:srgbClr val="53A2D3"/>
-                </a:solidFill>
-              </a:rPr>
-              <a:t>Teoría</a:t>
-            </a:r>
-            <a:endParaRPr lang="en-US" sz="3600" dirty="0">
-              <a:solidFill>
-                <a:srgbClr val="53A2D3"/>
-              </a:solidFill>
-            </a:endParaRPr>
-          </a:p>
-        </p:txBody>
-      </p:sp>
       <p:pic>
         <p:nvPicPr>
-          <p:cNvPr id="15" name="Imagen 14">
-            <a:extLst>
-              <a:ext uri="{FF2B5EF4-FFF2-40B4-BE49-F238E27FC236}">
-                <a16:creationId xmlns:a16="http://schemas.microsoft.com/office/drawing/2014/main" id="{38392C8C-FACC-4ECF-A7BA-DF180B59D5A3}"/>
+          <p:cNvPr id="3" name="Imagen 2">
+            <a:extLst>
+              <a:ext uri="{FF2B5EF4-FFF2-40B4-BE49-F238E27FC236}">
+                <a16:creationId xmlns:a16="http://schemas.microsoft.com/office/drawing/2014/main" id="{D9DD123F-C19E-44D9-B022-9089568B17D7}"/>
               </a:ext>
             </a:extLst>
           </p:cNvPr>
@@ -12947,8 +13437,8 @@
         </p:blipFill>
         <p:spPr>
           <a:xfrm>
-            <a:off x="484863" y="956187"/>
-            <a:ext cx="4095750" cy="1628775"/>
+            <a:off x="5579781" y="206946"/>
+            <a:ext cx="3333860" cy="3327593"/>
           </a:xfrm>
           <a:prstGeom prst="rect">
             <a:avLst/>
@@ -12964,10 +13454,10 @@
       </p:pic>
       <p:pic>
         <p:nvPicPr>
-          <p:cNvPr id="16" name="Imagen 15">
-            <a:extLst>
-              <a:ext uri="{FF2B5EF4-FFF2-40B4-BE49-F238E27FC236}">
-                <a16:creationId xmlns:a16="http://schemas.microsoft.com/office/drawing/2014/main" id="{AA8452B2-EBF7-458F-BA16-E5BADC9F2DA4}"/>
+          <p:cNvPr id="5" name="Imagen 4">
+            <a:extLst>
+              <a:ext uri="{FF2B5EF4-FFF2-40B4-BE49-F238E27FC236}">
+                <a16:creationId xmlns:a16="http://schemas.microsoft.com/office/drawing/2014/main" id="{EB744E82-D948-4875-A246-F878A7B790D5}"/>
               </a:ext>
             </a:extLst>
           </p:cNvPr>
@@ -12984,8 +13474,8 @@
         </p:blipFill>
         <p:spPr>
           <a:xfrm>
-            <a:off x="7423636" y="3099314"/>
-            <a:ext cx="4000500" cy="3476625"/>
+            <a:off x="7913392" y="3005011"/>
+            <a:ext cx="3333859" cy="3346440"/>
           </a:xfrm>
           <a:prstGeom prst="rect">
             <a:avLst/>
@@ -12999,12 +13489,88 @@
           </a:effectLst>
         </p:spPr>
       </p:pic>
+      <p:sp>
+        <p:nvSpPr>
+          <p:cNvPr id="16" name="CuadroTexto 15">
+            <a:extLst>
+              <a:ext uri="{FF2B5EF4-FFF2-40B4-BE49-F238E27FC236}">
+                <a16:creationId xmlns:a16="http://schemas.microsoft.com/office/drawing/2014/main" id="{52B36514-C5CC-4C7E-9A8C-1C49F3343E56}"/>
+              </a:ext>
+            </a:extLst>
+          </p:cNvPr>
+          <p:cNvSpPr txBox="1"/>
+          <p:nvPr/>
+        </p:nvSpPr>
+        <p:spPr>
+          <a:xfrm>
+            <a:off x="399355" y="1028418"/>
+            <a:ext cx="3554644" cy="1552358"/>
+          </a:xfrm>
+          <a:prstGeom prst="rect">
+            <a:avLst/>
+          </a:prstGeom>
+          <a:noFill/>
+          <a:ln>
+            <a:solidFill>
+              <a:schemeClr val="bg1"/>
+            </a:solidFill>
+          </a:ln>
+        </p:spPr>
+        <p:txBody>
+          <a:bodyPr wrap="square" rtlCol="0">
+            <a:spAutoFit/>
+          </a:bodyPr>
+          <a:lstStyle/>
+          <a:p>
+            <a:endParaRPr lang="en-US" dirty="0"/>
+          </a:p>
+        </p:txBody>
+      </p:sp>
+      <p:sp>
+        <p:nvSpPr>
+          <p:cNvPr id="22" name="CuadroTexto 21">
+            <a:extLst>
+              <a:ext uri="{FF2B5EF4-FFF2-40B4-BE49-F238E27FC236}">
+                <a16:creationId xmlns:a16="http://schemas.microsoft.com/office/drawing/2014/main" id="{C9B1F5C4-0BBA-41F3-84BD-1322F509FDEF}"/>
+              </a:ext>
+            </a:extLst>
+          </p:cNvPr>
+          <p:cNvSpPr txBox="1"/>
+          <p:nvPr/>
+        </p:nvSpPr>
+        <p:spPr>
+          <a:xfrm>
+            <a:off x="361700" y="215130"/>
+            <a:ext cx="3397994" cy="646331"/>
+          </a:xfrm>
+          <a:prstGeom prst="rect">
+            <a:avLst/>
+          </a:prstGeom>
+          <a:noFill/>
+        </p:spPr>
+        <p:txBody>
+          <a:bodyPr wrap="square" rtlCol="0">
+            <a:spAutoFit/>
+          </a:bodyPr>
+          <a:lstStyle/>
+          <a:p>
+            <a:r>
+              <a:rPr lang="en-US" sz="3600" dirty="0">
+                <a:solidFill>
+                  <a:srgbClr val="53A2D3"/>
+                </a:solidFill>
+              </a:rPr>
+              <a:t>Mundo real</a:t>
+            </a:r>
+          </a:p>
+        </p:txBody>
+      </p:sp>
       <p:pic>
         <p:nvPicPr>
-          <p:cNvPr id="17" name="Imagen 16">
-            <a:extLst>
-              <a:ext uri="{FF2B5EF4-FFF2-40B4-BE49-F238E27FC236}">
-                <a16:creationId xmlns:a16="http://schemas.microsoft.com/office/drawing/2014/main" id="{9F32DCE4-69A0-4BDD-A651-B579636C549E}"/>
+          <p:cNvPr id="6" name="Imagen 5">
+            <a:extLst>
+              <a:ext uri="{FF2B5EF4-FFF2-40B4-BE49-F238E27FC236}">
+                <a16:creationId xmlns:a16="http://schemas.microsoft.com/office/drawing/2014/main" id="{EE479CFC-C4B1-4F55-9A94-97D904358D59}"/>
               </a:ext>
             </a:extLst>
           </p:cNvPr>
@@ -13021,8 +13587,68 @@
         </p:blipFill>
         <p:spPr>
           <a:xfrm>
-            <a:off x="6315456" y="1249799"/>
-            <a:ext cx="5685453" cy="1041550"/>
+            <a:off x="466940" y="1102195"/>
+            <a:ext cx="1752600" cy="371475"/>
+          </a:xfrm>
+          <a:prstGeom prst="rect">
+            <a:avLst/>
+          </a:prstGeom>
+        </p:spPr>
+      </p:pic>
+      <p:pic>
+        <p:nvPicPr>
+          <p:cNvPr id="11" name="Imagen 10">
+            <a:extLst>
+              <a:ext uri="{FF2B5EF4-FFF2-40B4-BE49-F238E27FC236}">
+                <a16:creationId xmlns:a16="http://schemas.microsoft.com/office/drawing/2014/main" id="{DBF4310A-D170-47FD-BF61-98E8F6CCA73D}"/>
+              </a:ext>
+            </a:extLst>
+          </p:cNvPr>
+          <p:cNvPicPr>
+            <a:picLocks noChangeAspect="1"/>
+          </p:cNvPicPr>
+          <p:nvPr/>
+        </p:nvPicPr>
+        <p:blipFill>
+          <a:blip r:embed="rId5"/>
+          <a:stretch>
+            <a:fillRect/>
+          </a:stretch>
+        </p:blipFill>
+        <p:spPr>
+          <a:xfrm>
+            <a:off x="466940" y="1603035"/>
+            <a:ext cx="3419475" cy="914400"/>
+          </a:xfrm>
+          <a:prstGeom prst="rect">
+            <a:avLst/>
+          </a:prstGeom>
+        </p:spPr>
+      </p:pic>
+      <p:pic>
+        <p:nvPicPr>
+          <p:cNvPr id="12" name="Imagen 11">
+            <a:extLst>
+              <a:ext uri="{FF2B5EF4-FFF2-40B4-BE49-F238E27FC236}">
+                <a16:creationId xmlns:a16="http://schemas.microsoft.com/office/drawing/2014/main" id="{9C1444D3-B1A0-4A69-AE04-013DA1DE29B0}"/>
+              </a:ext>
+            </a:extLst>
+          </p:cNvPr>
+          <p:cNvPicPr>
+            <a:picLocks noChangeAspect="1"/>
+          </p:cNvPicPr>
+          <p:nvPr/>
+        </p:nvPicPr>
+        <p:blipFill>
+          <a:blip r:embed="rId6"/>
+          <a:stretch>
+            <a:fillRect/>
+          </a:stretch>
+        </p:blipFill>
+        <p:spPr>
+          <a:xfrm>
+            <a:off x="399355" y="2887271"/>
+            <a:ext cx="3698722" cy="3581920"/>
           </a:xfrm>
           <a:prstGeom prst="rect">
             <a:avLst/>
@@ -13036,63 +13662,64 @@
           </a:effectLst>
         </p:spPr>
       </p:pic>
-      <p:pic>
-        <p:nvPicPr>
-          <p:cNvPr id="2" name="Imagen 1">
-            <a:extLst>
-              <a:ext uri="{FF2B5EF4-FFF2-40B4-BE49-F238E27FC236}">
-                <a16:creationId xmlns:a16="http://schemas.microsoft.com/office/drawing/2014/main" id="{695C7165-BD4A-4AB9-976B-E680B2026739}"/>
-              </a:ext>
-            </a:extLst>
-          </p:cNvPr>
-          <p:cNvPicPr>
-            <a:picLocks noChangeAspect="1"/>
-          </p:cNvPicPr>
-          <p:nvPr/>
-        </p:nvPicPr>
-        <p:blipFill>
-          <a:blip r:embed="rId5"/>
-          <a:stretch>
-            <a:fillRect/>
-          </a:stretch>
-        </p:blipFill>
-        <p:spPr>
-          <a:xfrm>
-            <a:off x="484863" y="3671852"/>
-            <a:ext cx="4772025" cy="2781300"/>
-          </a:xfrm>
-          <a:prstGeom prst="rect">
-            <a:avLst/>
-          </a:prstGeom>
-          <a:effectLst>
-            <a:glow rad="25400">
-              <a:schemeClr val="bg1">
-                <a:alpha val="40000"/>
-              </a:schemeClr>
-            </a:glow>
-          </a:effectLst>
-        </p:spPr>
-      </p:pic>
+      <p:sp>
+        <p:nvSpPr>
+          <p:cNvPr id="24" name="CuadroTexto 23">
+            <a:extLst>
+              <a:ext uri="{FF2B5EF4-FFF2-40B4-BE49-F238E27FC236}">
+                <a16:creationId xmlns:a16="http://schemas.microsoft.com/office/drawing/2014/main" id="{C4685C5D-5D71-4493-99E0-63C9E4756DFB}"/>
+              </a:ext>
+            </a:extLst>
+          </p:cNvPr>
+          <p:cNvSpPr txBox="1"/>
+          <p:nvPr/>
+        </p:nvSpPr>
+        <p:spPr>
+          <a:xfrm>
+            <a:off x="4259488" y="3812475"/>
+            <a:ext cx="1376218" cy="369332"/>
+          </a:xfrm>
+          <a:prstGeom prst="rect">
+            <a:avLst/>
+          </a:prstGeom>
+          <a:noFill/>
+        </p:spPr>
+        <p:txBody>
+          <a:bodyPr wrap="square" rtlCol="0">
+            <a:spAutoFit/>
+          </a:bodyPr>
+          <a:lstStyle/>
+          <a:p>
+            <a:r>
+              <a:rPr lang="en-US" dirty="0">
+                <a:solidFill>
+                  <a:schemeClr val="bg1"/>
+                </a:solidFill>
+              </a:rPr>
+              <a:t>calls</a:t>
+            </a:r>
+          </a:p>
+        </p:txBody>
+      </p:sp>
       <p:cxnSp>
         <p:nvCxnSpPr>
-          <p:cNvPr id="24" name="Conector recto de flecha 23">
-            <a:extLst>
-              <a:ext uri="{FF2B5EF4-FFF2-40B4-BE49-F238E27FC236}">
-                <a16:creationId xmlns:a16="http://schemas.microsoft.com/office/drawing/2014/main" id="{85E8031D-5340-4D95-87F4-D6286DA74AB3}"/>
+          <p:cNvPr id="28" name="Conector recto de flecha 27">
+            <a:extLst>
+              <a:ext uri="{FF2B5EF4-FFF2-40B4-BE49-F238E27FC236}">
+                <a16:creationId xmlns:a16="http://schemas.microsoft.com/office/drawing/2014/main" id="{1CFD9F69-C9C2-4D7E-A0C0-9C4C47186F47}"/>
               </a:ext>
             </a:extLst>
           </p:cNvPr>
           <p:cNvCxnSpPr>
             <a:cxnSpLocks/>
-            <a:stCxn id="17" idx="1"/>
-            <a:endCxn id="15" idx="3"/>
+            <a:stCxn id="12" idx="3"/>
           </p:cNvCxnSpPr>
           <p:nvPr/>
         </p:nvCxnSpPr>
         <p:spPr>
-          <a:xfrm flipH="1">
-            <a:off x="4580613" y="1770574"/>
-            <a:ext cx="1734843" cy="1"/>
+          <a:xfrm flipV="1">
+            <a:off x="4098077" y="3534539"/>
+            <a:ext cx="1699041" cy="1143692"/>
           </a:xfrm>
           <a:prstGeom prst="straightConnector1">
             <a:avLst/>
@@ -13119,103 +13746,26 @@
           </a:fontRef>
         </p:style>
       </p:cxnSp>
-      <p:sp>
-        <p:nvSpPr>
-          <p:cNvPr id="26" name="CuadroTexto 25">
-            <a:extLst>
-              <a:ext uri="{FF2B5EF4-FFF2-40B4-BE49-F238E27FC236}">
-                <a16:creationId xmlns:a16="http://schemas.microsoft.com/office/drawing/2014/main" id="{4575F0BB-CAC2-4D70-93A4-8FF455B10CD7}"/>
-              </a:ext>
-            </a:extLst>
-          </p:cNvPr>
-          <p:cNvSpPr txBox="1"/>
-          <p:nvPr/>
-        </p:nvSpPr>
-        <p:spPr>
-          <a:xfrm>
-            <a:off x="4865976" y="1401242"/>
-            <a:ext cx="1376218" cy="369332"/>
-          </a:xfrm>
-          <a:prstGeom prst="rect">
-            <a:avLst/>
-          </a:prstGeom>
-          <a:noFill/>
-        </p:spPr>
-        <p:txBody>
-          <a:bodyPr wrap="square" rtlCol="0">
-            <a:spAutoFit/>
-          </a:bodyPr>
-          <a:lstStyle/>
-          <a:p>
-            <a:r>
-              <a:rPr lang="en-US" dirty="0">
-                <a:solidFill>
-                  <a:schemeClr val="bg1"/>
-                </a:solidFill>
-              </a:rPr>
-              <a:t>remembers</a:t>
-            </a:r>
-          </a:p>
-        </p:txBody>
-      </p:sp>
-      <p:sp>
-        <p:nvSpPr>
-          <p:cNvPr id="27" name="CuadroTexto 26">
-            <a:extLst>
-              <a:ext uri="{FF2B5EF4-FFF2-40B4-BE49-F238E27FC236}">
-                <a16:creationId xmlns:a16="http://schemas.microsoft.com/office/drawing/2014/main" id="{21C15358-5602-4ECC-98DC-20B5066F4BFC}"/>
-              </a:ext>
-            </a:extLst>
-          </p:cNvPr>
-          <p:cNvSpPr txBox="1"/>
-          <p:nvPr/>
-        </p:nvSpPr>
-        <p:spPr>
-          <a:xfrm>
-            <a:off x="484863" y="3244334"/>
-            <a:ext cx="1376218" cy="369332"/>
-          </a:xfrm>
-          <a:prstGeom prst="rect">
-            <a:avLst/>
-          </a:prstGeom>
-          <a:noFill/>
-        </p:spPr>
-        <p:txBody>
-          <a:bodyPr wrap="square" rtlCol="0">
-            <a:spAutoFit/>
-          </a:bodyPr>
-          <a:lstStyle/>
-          <a:p>
-            <a:r>
-              <a:rPr lang="en-US" dirty="0">
-                <a:solidFill>
-                  <a:schemeClr val="bg1"/>
-                </a:solidFill>
-              </a:rPr>
-              <a:t>Usage:</a:t>
-            </a:r>
-          </a:p>
-        </p:txBody>
-      </p:sp>
       <p:cxnSp>
         <p:nvCxnSpPr>
-          <p:cNvPr id="28" name="Conector recto de flecha 27">
-            <a:extLst>
-              <a:ext uri="{FF2B5EF4-FFF2-40B4-BE49-F238E27FC236}">
-                <a16:creationId xmlns:a16="http://schemas.microsoft.com/office/drawing/2014/main" id="{A044E2DC-53A8-4398-92E6-2E09B55658CE}"/>
+          <p:cNvPr id="30" name="Conector recto de flecha 29">
+            <a:extLst>
+              <a:ext uri="{FF2B5EF4-FFF2-40B4-BE49-F238E27FC236}">
+                <a16:creationId xmlns:a16="http://schemas.microsoft.com/office/drawing/2014/main" id="{543F38BD-9C86-4711-AF7C-609B4CDB309A}"/>
               </a:ext>
             </a:extLst>
           </p:cNvPr>
           <p:cNvCxnSpPr>
             <a:cxnSpLocks/>
-            <a:stCxn id="16" idx="1"/>
+            <a:stCxn id="12" idx="3"/>
+            <a:endCxn id="5" idx="1"/>
           </p:cNvCxnSpPr>
           <p:nvPr/>
         </p:nvCxnSpPr>
         <p:spPr>
-          <a:xfrm flipH="1" flipV="1">
-            <a:off x="4580614" y="2584963"/>
-            <a:ext cx="2843022" cy="2252664"/>
+          <a:xfrm>
+            <a:off x="4098077" y="4678231"/>
+            <a:ext cx="3815315" cy="0"/>
           </a:xfrm>
           <a:prstGeom prst="straightConnector1">
             <a:avLst/>
@@ -13244,10 +13794,10 @@
       </p:cxnSp>
       <p:sp>
         <p:nvSpPr>
-          <p:cNvPr id="29" name="CuadroTexto 28">
-            <a:extLst>
-              <a:ext uri="{FF2B5EF4-FFF2-40B4-BE49-F238E27FC236}">
-                <a16:creationId xmlns:a16="http://schemas.microsoft.com/office/drawing/2014/main" id="{C5F385E5-F519-4AB5-A7BA-D080107A5515}"/>
+          <p:cNvPr id="17" name="CuadroTexto 16">
+            <a:extLst>
+              <a:ext uri="{FF2B5EF4-FFF2-40B4-BE49-F238E27FC236}">
+                <a16:creationId xmlns:a16="http://schemas.microsoft.com/office/drawing/2014/main" id="{952DC123-1AF0-4E7C-8747-F7958CD441F1}"/>
               </a:ext>
             </a:extLst>
           </p:cNvPr>
@@ -13256,8 +13806,8 @@
         </p:nvSpPr>
         <p:spPr>
           <a:xfrm>
-            <a:off x="5775318" y="2921168"/>
-            <a:ext cx="1628369" cy="646331"/>
+            <a:off x="5723859" y="4308900"/>
+            <a:ext cx="1376218" cy="369332"/>
           </a:xfrm>
           <a:prstGeom prst="rect">
             <a:avLst/>
@@ -13276,7 +13826,173 @@
                   <a:schemeClr val="bg1"/>
                 </a:solidFill>
               </a:rPr>
-              <a:t>creates and restores</a:t>
+              <a:t>calls</a:t>
+            </a:r>
+          </a:p>
+        </p:txBody>
+      </p:sp>
+      <p:cxnSp>
+        <p:nvCxnSpPr>
+          <p:cNvPr id="19" name="Conector recto de flecha 18">
+            <a:extLst>
+              <a:ext uri="{FF2B5EF4-FFF2-40B4-BE49-F238E27FC236}">
+                <a16:creationId xmlns:a16="http://schemas.microsoft.com/office/drawing/2014/main" id="{2C168030-C932-4383-8DF3-FC1032A63C1C}"/>
+              </a:ext>
+            </a:extLst>
+          </p:cNvPr>
+          <p:cNvCxnSpPr>
+            <a:cxnSpLocks/>
+          </p:cNvCxnSpPr>
+          <p:nvPr/>
+        </p:nvCxnSpPr>
+        <p:spPr>
+          <a:xfrm flipH="1">
+            <a:off x="4098077" y="2432482"/>
+            <a:ext cx="1481704" cy="996518"/>
+          </a:xfrm>
+          <a:prstGeom prst="straightConnector1">
+            <a:avLst/>
+          </a:prstGeom>
+          <a:ln w="12700">
+            <a:solidFill>
+              <a:schemeClr val="bg1"/>
+            </a:solidFill>
+            <a:tailEnd type="triangle"/>
+          </a:ln>
+        </p:spPr>
+        <p:style>
+          <a:lnRef idx="1">
+            <a:schemeClr val="accent1"/>
+          </a:lnRef>
+          <a:fillRef idx="0">
+            <a:schemeClr val="accent1"/>
+          </a:fillRef>
+          <a:effectRef idx="0">
+            <a:schemeClr val="accent1"/>
+          </a:effectRef>
+          <a:fontRef idx="minor">
+            <a:schemeClr val="tx1"/>
+          </a:fontRef>
+        </p:style>
+      </p:cxnSp>
+      <p:cxnSp>
+        <p:nvCxnSpPr>
+          <p:cNvPr id="23" name="Conector recto de flecha 22">
+            <a:extLst>
+              <a:ext uri="{FF2B5EF4-FFF2-40B4-BE49-F238E27FC236}">
+                <a16:creationId xmlns:a16="http://schemas.microsoft.com/office/drawing/2014/main" id="{CE2CC327-AF6B-4539-8ED5-5B311AA0B946}"/>
+              </a:ext>
+            </a:extLst>
+          </p:cNvPr>
+          <p:cNvCxnSpPr>
+            <a:cxnSpLocks/>
+          </p:cNvCxnSpPr>
+          <p:nvPr/>
+        </p:nvCxnSpPr>
+        <p:spPr>
+          <a:xfrm flipH="1">
+            <a:off x="4098077" y="5921406"/>
+            <a:ext cx="3815315" cy="0"/>
+          </a:xfrm>
+          <a:prstGeom prst="straightConnector1">
+            <a:avLst/>
+          </a:prstGeom>
+          <a:ln w="12700">
+            <a:solidFill>
+              <a:schemeClr val="bg1"/>
+            </a:solidFill>
+            <a:tailEnd type="triangle"/>
+          </a:ln>
+        </p:spPr>
+        <p:style>
+          <a:lnRef idx="1">
+            <a:schemeClr val="accent1"/>
+          </a:lnRef>
+          <a:fillRef idx="0">
+            <a:schemeClr val="accent1"/>
+          </a:fillRef>
+          <a:effectRef idx="0">
+            <a:schemeClr val="accent1"/>
+          </a:effectRef>
+          <a:fontRef idx="minor">
+            <a:schemeClr val="tx1"/>
+          </a:fontRef>
+        </p:style>
+      </p:cxnSp>
+      <p:sp>
+        <p:nvSpPr>
+          <p:cNvPr id="25" name="CuadroTexto 24">
+            <a:extLst>
+              <a:ext uri="{FF2B5EF4-FFF2-40B4-BE49-F238E27FC236}">
+                <a16:creationId xmlns:a16="http://schemas.microsoft.com/office/drawing/2014/main" id="{179EDFE6-1F4F-46BB-9D0C-63097BA10428}"/>
+              </a:ext>
+            </a:extLst>
+          </p:cNvPr>
+          <p:cNvSpPr txBox="1"/>
+          <p:nvPr/>
+        </p:nvSpPr>
+        <p:spPr>
+          <a:xfrm>
+            <a:off x="5442408" y="5552073"/>
+            <a:ext cx="1376218" cy="369332"/>
+          </a:xfrm>
+          <a:prstGeom prst="rect">
+            <a:avLst/>
+          </a:prstGeom>
+          <a:noFill/>
+        </p:spPr>
+        <p:txBody>
+          <a:bodyPr wrap="square" rtlCol="0">
+            <a:spAutoFit/>
+          </a:bodyPr>
+          <a:lstStyle/>
+          <a:p>
+            <a:r>
+              <a:rPr lang="en-US" dirty="0">
+                <a:solidFill>
+                  <a:schemeClr val="bg1"/>
+                </a:solidFill>
+              </a:rPr>
+              <a:t>updates</a:t>
+            </a:r>
+          </a:p>
+        </p:txBody>
+      </p:sp>
+      <p:sp>
+        <p:nvSpPr>
+          <p:cNvPr id="26" name="CuadroTexto 25">
+            <a:extLst>
+              <a:ext uri="{FF2B5EF4-FFF2-40B4-BE49-F238E27FC236}">
+                <a16:creationId xmlns:a16="http://schemas.microsoft.com/office/drawing/2014/main" id="{3F2F88B4-1B37-4D0D-BAF5-85700DDAF956}"/>
+              </a:ext>
+            </a:extLst>
+          </p:cNvPr>
+          <p:cNvSpPr txBox="1"/>
+          <p:nvPr/>
+        </p:nvSpPr>
+        <p:spPr>
+          <a:xfrm>
+            <a:off x="4330284" y="2408695"/>
+            <a:ext cx="1376218" cy="369332"/>
+          </a:xfrm>
+          <a:prstGeom prst="rect">
+            <a:avLst/>
+          </a:prstGeom>
+          <a:noFill/>
+        </p:spPr>
+        <p:txBody>
+          <a:bodyPr wrap="square" rtlCol="0">
+            <a:spAutoFit/>
+          </a:bodyPr>
+          <a:lstStyle/>
+          <a:p>
+            <a:r>
+              <a:rPr lang="en-US" dirty="0">
+                <a:solidFill>
+                  <a:schemeClr val="bg1"/>
+                </a:solidFill>
+              </a:rPr>
+              <a:t>updates</a:t>
             </a:r>
           </a:p>
         </p:txBody>
@@ -13284,7 +14000,7 @@
     </p:spTree>
     <p:extLst>
       <p:ext uri="{BB962C8B-B14F-4D97-AF65-F5344CB8AC3E}">
-        <p14:creationId xmlns:p14="http://schemas.microsoft.com/office/powerpoint/2010/main" val="3966714351"/>
+        <p14:creationId xmlns:p14="http://schemas.microsoft.com/office/powerpoint/2010/main" val="1335854317"/>
       </p:ext>
     </p:extLst>
   </p:cSld>
@@ -13316,7 +14032,7 @@
           <p:cNvPr id="2" name="Título 1">
             <a:extLst>
               <a:ext uri="{FF2B5EF4-FFF2-40B4-BE49-F238E27FC236}">
-                <a16:creationId xmlns:a16="http://schemas.microsoft.com/office/drawing/2014/main" id="{73A2909B-13B3-4614-9321-16AF10F4286A}"/>
+                <a16:creationId xmlns:a16="http://schemas.microsoft.com/office/drawing/2014/main" id="{51E579E3-4D4D-4391-A4DB-77F6C6DD84BE}"/>
               </a:ext>
             </a:extLst>
           </p:cNvPr>
@@ -13329,7 +14045,7 @@
         </p:nvSpPr>
         <p:spPr>
           <a:xfrm>
-            <a:off x="838200" y="2103437"/>
+            <a:off x="900344" y="2766218"/>
             <a:ext cx="10515600" cy="1325563"/>
           </a:xfrm>
         </p:spPr>
@@ -13338,16 +14054,31 @@
           <a:lstStyle/>
           <a:p>
             <a:r>
-              <a:rPr lang="en-US" dirty="0"/>
-              <a:t>UI Patterns</a:t>
-            </a:r>
+              <a:rPr lang="es-ES" dirty="0">
+                <a:solidFill>
+                  <a:srgbClr val="000000"/>
+                </a:solidFill>
+                <a:latin typeface="Calibri" panose="020F0502020204030204" pitchFamily="34" charset="0"/>
+              </a:rPr>
+              <a:t>Memento </a:t>
+            </a:r>
+            <a:r>
+              <a:rPr lang="es-ES" dirty="0" err="1">
+                <a:solidFill>
+                  <a:srgbClr val="000000"/>
+                </a:solidFill>
+                <a:latin typeface="Calibri" panose="020F0502020204030204" pitchFamily="34" charset="0"/>
+              </a:rPr>
+              <a:t>pattern</a:t>
+            </a:r>
+            <a:endParaRPr lang="en-US" dirty="0"/>
           </a:p>
         </p:txBody>
       </p:sp>
     </p:spTree>
     <p:extLst>
       <p:ext uri="{BB962C8B-B14F-4D97-AF65-F5344CB8AC3E}">
-        <p14:creationId xmlns:p14="http://schemas.microsoft.com/office/powerpoint/2010/main" val="2266296736"/>
+        <p14:creationId xmlns:p14="http://schemas.microsoft.com/office/powerpoint/2010/main" val="1428411220"/>
       </p:ext>
     </p:extLst>
   </p:cSld>
@@ -13716,6 +14447,14 @@
 <file path=ppt/slides/slide40.xml><?xml version="1.0" encoding="utf-8"?>
 <p:sld xmlns:a="http://schemas.openxmlformats.org/drawingml/2006/main" xmlns:r="http://schemas.openxmlformats.org/officeDocument/2006/relationships" xmlns:p="http://schemas.openxmlformats.org/presentationml/2006/main">
   <p:cSld>
+    <p:bg>
+      <p:bgPr>
+        <a:solidFill>
+          <a:srgbClr val="1E1E1E"/>
+        </a:solidFill>
+        <a:effectLst/>
+      </p:bgPr>
+    </p:bg>
     <p:spTree>
       <p:nvGrpSpPr>
         <p:cNvPr id="1" name=""/>
@@ -13732,83 +14471,408 @@
       </p:grpSpPr>
       <p:sp>
         <p:nvSpPr>
-          <p:cNvPr id="2" name="Título 1">
-            <a:extLst>
-              <a:ext uri="{FF2B5EF4-FFF2-40B4-BE49-F238E27FC236}">
-                <a16:creationId xmlns:a16="http://schemas.microsoft.com/office/drawing/2014/main" id="{51E579E3-4D4D-4391-A4DB-77F6C6DD84BE}"/>
-              </a:ext>
-            </a:extLst>
-          </p:cNvPr>
-          <p:cNvSpPr>
-            <a:spLocks noGrp="1"/>
-          </p:cNvSpPr>
-          <p:nvPr>
-            <p:ph type="title"/>
-          </p:nvPr>
-        </p:nvSpPr>
-        <p:spPr>
-          <a:xfrm>
-            <a:off x="900344" y="2766218"/>
-            <a:ext cx="10515600" cy="1325563"/>
-          </a:xfrm>
-        </p:spPr>
-        <p:txBody>
-          <a:bodyPr/>
+          <p:cNvPr id="31" name="CuadroTexto 30">
+            <a:extLst>
+              <a:ext uri="{FF2B5EF4-FFF2-40B4-BE49-F238E27FC236}">
+                <a16:creationId xmlns:a16="http://schemas.microsoft.com/office/drawing/2014/main" id="{FBF7026D-12F4-4541-8110-DE706094717A}"/>
+              </a:ext>
+            </a:extLst>
+          </p:cNvPr>
+          <p:cNvSpPr txBox="1"/>
+          <p:nvPr/>
+        </p:nvSpPr>
+        <p:spPr>
+          <a:xfrm>
+            <a:off x="484863" y="185392"/>
+            <a:ext cx="3397994" cy="646331"/>
+          </a:xfrm>
+          <a:prstGeom prst="rect">
+            <a:avLst/>
+          </a:prstGeom>
+          <a:noFill/>
+        </p:spPr>
+        <p:txBody>
+          <a:bodyPr wrap="square" rtlCol="0">
+            <a:spAutoFit/>
+          </a:bodyPr>
           <a:lstStyle/>
           <a:p>
             <a:r>
-              <a:rPr lang="es-ES" dirty="0" err="1">
+              <a:rPr lang="en-US" sz="3600" dirty="0" err="1">
                 <a:solidFill>
-                  <a:srgbClr val="000000"/>
+                  <a:srgbClr val="53A2D3"/>
                 </a:solidFill>
-                <a:latin typeface="Calibri" panose="020F0502020204030204" pitchFamily="34" charset="0"/>
               </a:rPr>
-              <a:t>Model</a:t>
-            </a:r>
-            <a:r>
-              <a:rPr lang="es-ES" dirty="0">
+              <a:t>Teoría</a:t>
+            </a:r>
+            <a:endParaRPr lang="en-US" sz="3600" dirty="0">
+              <a:solidFill>
+                <a:srgbClr val="53A2D3"/>
+              </a:solidFill>
+            </a:endParaRPr>
+          </a:p>
+        </p:txBody>
+      </p:sp>
+      <p:pic>
+        <p:nvPicPr>
+          <p:cNvPr id="15" name="Imagen 14">
+            <a:extLst>
+              <a:ext uri="{FF2B5EF4-FFF2-40B4-BE49-F238E27FC236}">
+                <a16:creationId xmlns:a16="http://schemas.microsoft.com/office/drawing/2014/main" id="{38392C8C-FACC-4ECF-A7BA-DF180B59D5A3}"/>
+              </a:ext>
+            </a:extLst>
+          </p:cNvPr>
+          <p:cNvPicPr>
+            <a:picLocks noChangeAspect="1"/>
+          </p:cNvPicPr>
+          <p:nvPr/>
+        </p:nvPicPr>
+        <p:blipFill>
+          <a:blip r:embed="rId2"/>
+          <a:stretch>
+            <a:fillRect/>
+          </a:stretch>
+        </p:blipFill>
+        <p:spPr>
+          <a:xfrm>
+            <a:off x="484863" y="956187"/>
+            <a:ext cx="4095750" cy="1628775"/>
+          </a:xfrm>
+          <a:prstGeom prst="rect">
+            <a:avLst/>
+          </a:prstGeom>
+          <a:effectLst>
+            <a:glow rad="25400">
+              <a:schemeClr val="bg1">
+                <a:alpha val="40000"/>
+              </a:schemeClr>
+            </a:glow>
+          </a:effectLst>
+        </p:spPr>
+      </p:pic>
+      <p:pic>
+        <p:nvPicPr>
+          <p:cNvPr id="16" name="Imagen 15">
+            <a:extLst>
+              <a:ext uri="{FF2B5EF4-FFF2-40B4-BE49-F238E27FC236}">
+                <a16:creationId xmlns:a16="http://schemas.microsoft.com/office/drawing/2014/main" id="{AA8452B2-EBF7-458F-BA16-E5BADC9F2DA4}"/>
+              </a:ext>
+            </a:extLst>
+          </p:cNvPr>
+          <p:cNvPicPr>
+            <a:picLocks noChangeAspect="1"/>
+          </p:cNvPicPr>
+          <p:nvPr/>
+        </p:nvPicPr>
+        <p:blipFill>
+          <a:blip r:embed="rId3"/>
+          <a:stretch>
+            <a:fillRect/>
+          </a:stretch>
+        </p:blipFill>
+        <p:spPr>
+          <a:xfrm>
+            <a:off x="7423636" y="3099314"/>
+            <a:ext cx="4000500" cy="3476625"/>
+          </a:xfrm>
+          <a:prstGeom prst="rect">
+            <a:avLst/>
+          </a:prstGeom>
+          <a:effectLst>
+            <a:glow rad="25400">
+              <a:schemeClr val="bg1">
+                <a:alpha val="40000"/>
+              </a:schemeClr>
+            </a:glow>
+          </a:effectLst>
+        </p:spPr>
+      </p:pic>
+      <p:pic>
+        <p:nvPicPr>
+          <p:cNvPr id="17" name="Imagen 16">
+            <a:extLst>
+              <a:ext uri="{FF2B5EF4-FFF2-40B4-BE49-F238E27FC236}">
+                <a16:creationId xmlns:a16="http://schemas.microsoft.com/office/drawing/2014/main" id="{9F32DCE4-69A0-4BDD-A651-B579636C549E}"/>
+              </a:ext>
+            </a:extLst>
+          </p:cNvPr>
+          <p:cNvPicPr>
+            <a:picLocks noChangeAspect="1"/>
+          </p:cNvPicPr>
+          <p:nvPr/>
+        </p:nvPicPr>
+        <p:blipFill>
+          <a:blip r:embed="rId4"/>
+          <a:stretch>
+            <a:fillRect/>
+          </a:stretch>
+        </p:blipFill>
+        <p:spPr>
+          <a:xfrm>
+            <a:off x="6315456" y="1249799"/>
+            <a:ext cx="5685453" cy="1041550"/>
+          </a:xfrm>
+          <a:prstGeom prst="rect">
+            <a:avLst/>
+          </a:prstGeom>
+          <a:effectLst>
+            <a:glow rad="25400">
+              <a:schemeClr val="bg1">
+                <a:alpha val="40000"/>
+              </a:schemeClr>
+            </a:glow>
+          </a:effectLst>
+        </p:spPr>
+      </p:pic>
+      <p:pic>
+        <p:nvPicPr>
+          <p:cNvPr id="2" name="Imagen 1">
+            <a:extLst>
+              <a:ext uri="{FF2B5EF4-FFF2-40B4-BE49-F238E27FC236}">
+                <a16:creationId xmlns:a16="http://schemas.microsoft.com/office/drawing/2014/main" id="{695C7165-BD4A-4AB9-976B-E680B2026739}"/>
+              </a:ext>
+            </a:extLst>
+          </p:cNvPr>
+          <p:cNvPicPr>
+            <a:picLocks noChangeAspect="1"/>
+          </p:cNvPicPr>
+          <p:nvPr/>
+        </p:nvPicPr>
+        <p:blipFill>
+          <a:blip r:embed="rId5"/>
+          <a:stretch>
+            <a:fillRect/>
+          </a:stretch>
+        </p:blipFill>
+        <p:spPr>
+          <a:xfrm>
+            <a:off x="484863" y="3671852"/>
+            <a:ext cx="4772025" cy="2781300"/>
+          </a:xfrm>
+          <a:prstGeom prst="rect">
+            <a:avLst/>
+          </a:prstGeom>
+          <a:effectLst>
+            <a:glow rad="25400">
+              <a:schemeClr val="bg1">
+                <a:alpha val="40000"/>
+              </a:schemeClr>
+            </a:glow>
+          </a:effectLst>
+        </p:spPr>
+      </p:pic>
+      <p:cxnSp>
+        <p:nvCxnSpPr>
+          <p:cNvPr id="24" name="Conector recto de flecha 23">
+            <a:extLst>
+              <a:ext uri="{FF2B5EF4-FFF2-40B4-BE49-F238E27FC236}">
+                <a16:creationId xmlns:a16="http://schemas.microsoft.com/office/drawing/2014/main" id="{85E8031D-5340-4D95-87F4-D6286DA74AB3}"/>
+              </a:ext>
+            </a:extLst>
+          </p:cNvPr>
+          <p:cNvCxnSpPr>
+            <a:cxnSpLocks/>
+            <a:stCxn id="17" idx="1"/>
+            <a:endCxn id="15" idx="3"/>
+          </p:cNvCxnSpPr>
+          <p:nvPr/>
+        </p:nvCxnSpPr>
+        <p:spPr>
+          <a:xfrm flipH="1">
+            <a:off x="4580613" y="1770574"/>
+            <a:ext cx="1734843" cy="1"/>
+          </a:xfrm>
+          <a:prstGeom prst="straightConnector1">
+            <a:avLst/>
+          </a:prstGeom>
+          <a:ln w="12700">
+            <a:solidFill>
+              <a:schemeClr val="bg1"/>
+            </a:solidFill>
+            <a:tailEnd type="triangle"/>
+          </a:ln>
+        </p:spPr>
+        <p:style>
+          <a:lnRef idx="1">
+            <a:schemeClr val="accent1"/>
+          </a:lnRef>
+          <a:fillRef idx="0">
+            <a:schemeClr val="accent1"/>
+          </a:fillRef>
+          <a:effectRef idx="0">
+            <a:schemeClr val="accent1"/>
+          </a:effectRef>
+          <a:fontRef idx="minor">
+            <a:schemeClr val="tx1"/>
+          </a:fontRef>
+        </p:style>
+      </p:cxnSp>
+      <p:sp>
+        <p:nvSpPr>
+          <p:cNvPr id="26" name="CuadroTexto 25">
+            <a:extLst>
+              <a:ext uri="{FF2B5EF4-FFF2-40B4-BE49-F238E27FC236}">
+                <a16:creationId xmlns:a16="http://schemas.microsoft.com/office/drawing/2014/main" id="{4575F0BB-CAC2-4D70-93A4-8FF455B10CD7}"/>
+              </a:ext>
+            </a:extLst>
+          </p:cNvPr>
+          <p:cNvSpPr txBox="1"/>
+          <p:nvPr/>
+        </p:nvSpPr>
+        <p:spPr>
+          <a:xfrm>
+            <a:off x="4865976" y="1401242"/>
+            <a:ext cx="1376218" cy="369332"/>
+          </a:xfrm>
+          <a:prstGeom prst="rect">
+            <a:avLst/>
+          </a:prstGeom>
+          <a:noFill/>
+        </p:spPr>
+        <p:txBody>
+          <a:bodyPr wrap="square" rtlCol="0">
+            <a:spAutoFit/>
+          </a:bodyPr>
+          <a:lstStyle/>
+          <a:p>
+            <a:r>
+              <a:rPr lang="en-US" dirty="0">
                 <a:solidFill>
-                  <a:srgbClr val="000000"/>
+                  <a:schemeClr val="bg1"/>
                 </a:solidFill>
-                <a:latin typeface="Calibri" panose="020F0502020204030204" pitchFamily="34" charset="0"/>
               </a:rPr>
-              <a:t> View </a:t>
-            </a:r>
-            <a:r>
-              <a:rPr lang="es-ES" dirty="0" err="1">
+              <a:t>remembers</a:t>
+            </a:r>
+          </a:p>
+        </p:txBody>
+      </p:sp>
+      <p:sp>
+        <p:nvSpPr>
+          <p:cNvPr id="27" name="CuadroTexto 26">
+            <a:extLst>
+              <a:ext uri="{FF2B5EF4-FFF2-40B4-BE49-F238E27FC236}">
+                <a16:creationId xmlns:a16="http://schemas.microsoft.com/office/drawing/2014/main" id="{21C15358-5602-4ECC-98DC-20B5066F4BFC}"/>
+              </a:ext>
+            </a:extLst>
+          </p:cNvPr>
+          <p:cNvSpPr txBox="1"/>
+          <p:nvPr/>
+        </p:nvSpPr>
+        <p:spPr>
+          <a:xfrm>
+            <a:off x="484863" y="3244334"/>
+            <a:ext cx="1376218" cy="369332"/>
+          </a:xfrm>
+          <a:prstGeom prst="rect">
+            <a:avLst/>
+          </a:prstGeom>
+          <a:noFill/>
+        </p:spPr>
+        <p:txBody>
+          <a:bodyPr wrap="square" rtlCol="0">
+            <a:spAutoFit/>
+          </a:bodyPr>
+          <a:lstStyle/>
+          <a:p>
+            <a:r>
+              <a:rPr lang="en-US" dirty="0">
                 <a:solidFill>
-                  <a:srgbClr val="000000"/>
+                  <a:schemeClr val="bg1"/>
                 </a:solidFill>
-                <a:latin typeface="Calibri" panose="020F0502020204030204" pitchFamily="34" charset="0"/>
               </a:rPr>
-              <a:t>ViewModel</a:t>
-            </a:r>
-            <a:r>
-              <a:rPr lang="es-ES" dirty="0">
+              <a:t>Usage:</a:t>
+            </a:r>
+          </a:p>
+        </p:txBody>
+      </p:sp>
+      <p:cxnSp>
+        <p:nvCxnSpPr>
+          <p:cNvPr id="28" name="Conector recto de flecha 27">
+            <a:extLst>
+              <a:ext uri="{FF2B5EF4-FFF2-40B4-BE49-F238E27FC236}">
+                <a16:creationId xmlns:a16="http://schemas.microsoft.com/office/drawing/2014/main" id="{A044E2DC-53A8-4398-92E6-2E09B55658CE}"/>
+              </a:ext>
+            </a:extLst>
+          </p:cNvPr>
+          <p:cNvCxnSpPr>
+            <a:cxnSpLocks/>
+            <a:stCxn id="16" idx="1"/>
+          </p:cNvCxnSpPr>
+          <p:nvPr/>
+        </p:nvCxnSpPr>
+        <p:spPr>
+          <a:xfrm flipH="1" flipV="1">
+            <a:off x="4580614" y="2584963"/>
+            <a:ext cx="2843022" cy="2252664"/>
+          </a:xfrm>
+          <a:prstGeom prst="straightConnector1">
+            <a:avLst/>
+          </a:prstGeom>
+          <a:ln w="12700">
+            <a:solidFill>
+              <a:schemeClr val="bg1"/>
+            </a:solidFill>
+            <a:tailEnd type="triangle"/>
+          </a:ln>
+        </p:spPr>
+        <p:style>
+          <a:lnRef idx="1">
+            <a:schemeClr val="accent1"/>
+          </a:lnRef>
+          <a:fillRef idx="0">
+            <a:schemeClr val="accent1"/>
+          </a:fillRef>
+          <a:effectRef idx="0">
+            <a:schemeClr val="accent1"/>
+          </a:effectRef>
+          <a:fontRef idx="minor">
+            <a:schemeClr val="tx1"/>
+          </a:fontRef>
+        </p:style>
+      </p:cxnSp>
+      <p:sp>
+        <p:nvSpPr>
+          <p:cNvPr id="29" name="CuadroTexto 28">
+            <a:extLst>
+              <a:ext uri="{FF2B5EF4-FFF2-40B4-BE49-F238E27FC236}">
+                <a16:creationId xmlns:a16="http://schemas.microsoft.com/office/drawing/2014/main" id="{C5F385E5-F519-4AB5-A7BA-D080107A5515}"/>
+              </a:ext>
+            </a:extLst>
+          </p:cNvPr>
+          <p:cNvSpPr txBox="1"/>
+          <p:nvPr/>
+        </p:nvSpPr>
+        <p:spPr>
+          <a:xfrm>
+            <a:off x="5775318" y="2921168"/>
+            <a:ext cx="1628369" cy="646331"/>
+          </a:xfrm>
+          <a:prstGeom prst="rect">
+            <a:avLst/>
+          </a:prstGeom>
+          <a:noFill/>
+        </p:spPr>
+        <p:txBody>
+          <a:bodyPr wrap="square" rtlCol="0">
+            <a:spAutoFit/>
+          </a:bodyPr>
+          <a:lstStyle/>
+          <a:p>
+            <a:r>
+              <a:rPr lang="en-US" dirty="0">
                 <a:solidFill>
-                  <a:srgbClr val="000000"/>
+                  <a:schemeClr val="bg1"/>
                 </a:solidFill>
-                <a:latin typeface="Calibri" panose="020F0502020204030204" pitchFamily="34" charset="0"/>
               </a:rPr>
-              <a:t> (MVVM) </a:t>
-            </a:r>
-            <a:r>
-              <a:rPr lang="es-ES" dirty="0" err="1">
-                <a:solidFill>
-                  <a:srgbClr val="000000"/>
-                </a:solidFill>
-                <a:latin typeface="Calibri" panose="020F0502020204030204" pitchFamily="34" charset="0"/>
-              </a:rPr>
-              <a:t>pattern</a:t>
-            </a:r>
-            <a:endParaRPr lang="en-US" dirty="0"/>
+              <a:t>creates and restores</a:t>
+            </a:r>
           </a:p>
         </p:txBody>
       </p:sp>
     </p:spTree>
     <p:extLst>
       <p:ext uri="{BB962C8B-B14F-4D97-AF65-F5344CB8AC3E}">
-        <p14:creationId xmlns:p14="http://schemas.microsoft.com/office/powerpoint/2010/main" val="478699278"/>
+        <p14:creationId xmlns:p14="http://schemas.microsoft.com/office/powerpoint/2010/main" val="3966714351"/>
       </p:ext>
     </p:extLst>
   </p:cSld>
@@ -13843,56 +14907,12 @@
           <a:chExt cx="0" cy="0"/>
         </a:xfrm>
       </p:grpSpPr>
-      <p:sp>
-        <p:nvSpPr>
-          <p:cNvPr id="31" name="CuadroTexto 30">
-            <a:extLst>
-              <a:ext uri="{FF2B5EF4-FFF2-40B4-BE49-F238E27FC236}">
-                <a16:creationId xmlns:a16="http://schemas.microsoft.com/office/drawing/2014/main" id="{FBF7026D-12F4-4541-8110-DE706094717A}"/>
-              </a:ext>
-            </a:extLst>
-          </p:cNvPr>
-          <p:cNvSpPr txBox="1"/>
-          <p:nvPr/>
-        </p:nvSpPr>
-        <p:spPr>
-          <a:xfrm>
-            <a:off x="484863" y="185392"/>
-            <a:ext cx="3397994" cy="646331"/>
-          </a:xfrm>
-          <a:prstGeom prst="rect">
-            <a:avLst/>
-          </a:prstGeom>
-          <a:noFill/>
-        </p:spPr>
-        <p:txBody>
-          <a:bodyPr wrap="square" rtlCol="0">
-            <a:spAutoFit/>
-          </a:bodyPr>
-          <a:lstStyle/>
-          <a:p>
-            <a:r>
-              <a:rPr lang="en-US" sz="3600" dirty="0" err="1">
-                <a:solidFill>
-                  <a:srgbClr val="53A2D3"/>
-                </a:solidFill>
-              </a:rPr>
-              <a:t>Teoría</a:t>
-            </a:r>
-            <a:endParaRPr lang="en-US" sz="3600" dirty="0">
-              <a:solidFill>
-                <a:srgbClr val="53A2D3"/>
-              </a:solidFill>
-            </a:endParaRPr>
-          </a:p>
-        </p:txBody>
-      </p:sp>
       <p:pic>
         <p:nvPicPr>
-          <p:cNvPr id="19" name="Imagen 18">
-            <a:extLst>
-              <a:ext uri="{FF2B5EF4-FFF2-40B4-BE49-F238E27FC236}">
-                <a16:creationId xmlns:a16="http://schemas.microsoft.com/office/drawing/2014/main" id="{AD0CDA8F-35A5-48B4-9D35-466C095B6E83}"/>
+          <p:cNvPr id="3" name="Imagen 2">
+            <a:extLst>
+              <a:ext uri="{FF2B5EF4-FFF2-40B4-BE49-F238E27FC236}">
+                <a16:creationId xmlns:a16="http://schemas.microsoft.com/office/drawing/2014/main" id="{D9DD123F-C19E-44D9-B022-9089568B17D7}"/>
               </a:ext>
             </a:extLst>
           </p:cNvPr>
@@ -13909,8 +14929,8 @@
         </p:blipFill>
         <p:spPr>
           <a:xfrm>
-            <a:off x="2464109" y="3141771"/>
-            <a:ext cx="6286500" cy="3343275"/>
+            <a:off x="4586283" y="432112"/>
+            <a:ext cx="3333860" cy="3327593"/>
           </a:xfrm>
           <a:prstGeom prst="rect">
             <a:avLst/>
@@ -13926,10 +14946,10 @@
       </p:pic>
       <p:pic>
         <p:nvPicPr>
-          <p:cNvPr id="20" name="Imagen 19">
-            <a:extLst>
-              <a:ext uri="{FF2B5EF4-FFF2-40B4-BE49-F238E27FC236}">
-                <a16:creationId xmlns:a16="http://schemas.microsoft.com/office/drawing/2014/main" id="{0CB9DBB1-A444-47E7-8C56-084B56BC9929}"/>
+          <p:cNvPr id="5" name="Imagen 4">
+            <a:extLst>
+              <a:ext uri="{FF2B5EF4-FFF2-40B4-BE49-F238E27FC236}">
+                <a16:creationId xmlns:a16="http://schemas.microsoft.com/office/drawing/2014/main" id="{EB744E82-D948-4875-A246-F878A7B790D5}"/>
               </a:ext>
             </a:extLst>
           </p:cNvPr>
@@ -13946,8 +14966,8 @@
         </p:blipFill>
         <p:spPr>
           <a:xfrm>
-            <a:off x="1170789" y="1365448"/>
-            <a:ext cx="2019300" cy="1219200"/>
+            <a:off x="662118" y="3244539"/>
+            <a:ext cx="3333859" cy="3346440"/>
           </a:xfrm>
           <a:prstGeom prst="rect">
             <a:avLst/>
@@ -13961,73 +14981,32 @@
           </a:effectLst>
         </p:spPr>
       </p:pic>
-      <p:cxnSp>
-        <p:nvCxnSpPr>
-          <p:cNvPr id="21" name="Conector recto de flecha 20">
-            <a:extLst>
-              <a:ext uri="{FF2B5EF4-FFF2-40B4-BE49-F238E27FC236}">
-                <a16:creationId xmlns:a16="http://schemas.microsoft.com/office/drawing/2014/main" id="{6081FD7E-32DF-4951-9784-B2FFCABB9DBB}"/>
-              </a:ext>
-            </a:extLst>
-          </p:cNvPr>
-          <p:cNvCxnSpPr>
-            <a:cxnSpLocks/>
-            <a:stCxn id="19" idx="0"/>
-            <a:endCxn id="20" idx="3"/>
-          </p:cNvCxnSpPr>
-          <p:nvPr/>
-        </p:nvCxnSpPr>
-        <p:spPr>
-          <a:xfrm flipH="1" flipV="1">
-            <a:off x="3190089" y="1975048"/>
-            <a:ext cx="2417270" cy="1166723"/>
-          </a:xfrm>
-          <a:prstGeom prst="straightConnector1">
-            <a:avLst/>
-          </a:prstGeom>
-          <a:ln w="12700">
+      <p:sp>
+        <p:nvSpPr>
+          <p:cNvPr id="16" name="CuadroTexto 15">
+            <a:extLst>
+              <a:ext uri="{FF2B5EF4-FFF2-40B4-BE49-F238E27FC236}">
+                <a16:creationId xmlns:a16="http://schemas.microsoft.com/office/drawing/2014/main" id="{52B36514-C5CC-4C7E-9A8C-1C49F3343E56}"/>
+              </a:ext>
+            </a:extLst>
+          </p:cNvPr>
+          <p:cNvSpPr txBox="1"/>
+          <p:nvPr/>
+        </p:nvSpPr>
+        <p:spPr>
+          <a:xfrm>
+            <a:off x="399355" y="1028418"/>
+            <a:ext cx="3554644" cy="1552358"/>
+          </a:xfrm>
+          <a:prstGeom prst="rect">
+            <a:avLst/>
+          </a:prstGeom>
+          <a:noFill/>
+          <a:ln>
             <a:solidFill>
               <a:schemeClr val="bg1"/>
             </a:solidFill>
-            <a:tailEnd type="triangle"/>
           </a:ln>
-        </p:spPr>
-        <p:style>
-          <a:lnRef idx="1">
-            <a:schemeClr val="accent1"/>
-          </a:lnRef>
-          <a:fillRef idx="0">
-            <a:schemeClr val="accent1"/>
-          </a:fillRef>
-          <a:effectRef idx="0">
-            <a:schemeClr val="accent1"/>
-          </a:effectRef>
-          <a:fontRef idx="minor">
-            <a:schemeClr val="tx1"/>
-          </a:fontRef>
-        </p:style>
-      </p:cxnSp>
-      <p:sp>
-        <p:nvSpPr>
-          <p:cNvPr id="22" name="CuadroTexto 21">
-            <a:extLst>
-              <a:ext uri="{FF2B5EF4-FFF2-40B4-BE49-F238E27FC236}">
-                <a16:creationId xmlns:a16="http://schemas.microsoft.com/office/drawing/2014/main" id="{C441E18B-5085-4218-841B-6CBDE9D09AA2}"/>
-              </a:ext>
-            </a:extLst>
-          </p:cNvPr>
-          <p:cNvSpPr txBox="1"/>
-          <p:nvPr/>
-        </p:nvSpPr>
-        <p:spPr>
-          <a:xfrm rot="1518848">
-            <a:off x="3913144" y="2251538"/>
-            <a:ext cx="1376218" cy="369332"/>
-          </a:xfrm>
-          <a:prstGeom prst="rect">
-            <a:avLst/>
-          </a:prstGeom>
-          <a:noFill/>
         </p:spPr>
         <p:txBody>
           <a:bodyPr wrap="square" rtlCol="0">
@@ -14035,68 +15014,16 @@
           </a:bodyPr>
           <a:lstStyle/>
           <a:p>
-            <a:r>
-              <a:rPr lang="en-US" dirty="0">
-                <a:solidFill>
-                  <a:schemeClr val="bg1"/>
-                </a:solidFill>
-              </a:rPr>
-              <a:t>contains</a:t>
-            </a:r>
-          </a:p>
-        </p:txBody>
-      </p:sp>
-      <p:cxnSp>
-        <p:nvCxnSpPr>
-          <p:cNvPr id="23" name="Conector recto de flecha 22">
-            <a:extLst>
-              <a:ext uri="{FF2B5EF4-FFF2-40B4-BE49-F238E27FC236}">
-                <a16:creationId xmlns:a16="http://schemas.microsoft.com/office/drawing/2014/main" id="{574D6455-8697-43A6-AD09-A3DEB8692CB8}"/>
-              </a:ext>
-            </a:extLst>
-          </p:cNvPr>
-          <p:cNvCxnSpPr>
-            <a:cxnSpLocks/>
-          </p:cNvCxnSpPr>
-          <p:nvPr/>
-        </p:nvCxnSpPr>
-        <p:spPr>
-          <a:xfrm flipV="1">
-            <a:off x="7123569" y="1975049"/>
-            <a:ext cx="1878344" cy="1166723"/>
-          </a:xfrm>
-          <a:prstGeom prst="straightConnector1">
-            <a:avLst/>
-          </a:prstGeom>
-          <a:ln w="12700">
-            <a:solidFill>
-              <a:schemeClr val="bg1"/>
-            </a:solidFill>
-            <a:headEnd type="none"/>
-            <a:tailEnd type="triangle"/>
-          </a:ln>
-        </p:spPr>
-        <p:style>
-          <a:lnRef idx="1">
-            <a:schemeClr val="accent1"/>
-          </a:lnRef>
-          <a:fillRef idx="0">
-            <a:schemeClr val="accent1"/>
-          </a:fillRef>
-          <a:effectRef idx="0">
-            <a:schemeClr val="accent1"/>
-          </a:effectRef>
-          <a:fontRef idx="minor">
-            <a:schemeClr val="tx1"/>
-          </a:fontRef>
-        </p:style>
-      </p:cxnSp>
-      <p:sp>
-        <p:nvSpPr>
-          <p:cNvPr id="25" name="CuadroTexto 24">
-            <a:extLst>
-              <a:ext uri="{FF2B5EF4-FFF2-40B4-BE49-F238E27FC236}">
-                <a16:creationId xmlns:a16="http://schemas.microsoft.com/office/drawing/2014/main" id="{02F6BD05-4155-4839-8166-B0525AEC5FB7}"/>
+            <a:endParaRPr lang="en-US" dirty="0"/>
+          </a:p>
+        </p:txBody>
+      </p:sp>
+      <p:sp>
+        <p:nvSpPr>
+          <p:cNvPr id="22" name="CuadroTexto 21">
+            <a:extLst>
+              <a:ext uri="{FF2B5EF4-FFF2-40B4-BE49-F238E27FC236}">
+                <a16:creationId xmlns:a16="http://schemas.microsoft.com/office/drawing/2014/main" id="{C9B1F5C4-0BBA-41F3-84BD-1322F509FDEF}"/>
               </a:ext>
             </a:extLst>
           </p:cNvPr>
@@ -14104,9 +15031,9 @@
           <p:nvPr/>
         </p:nvSpPr>
         <p:spPr>
-          <a:xfrm rot="19684380">
-            <a:off x="7321205" y="2156818"/>
-            <a:ext cx="1376218" cy="369332"/>
+          <a:xfrm>
+            <a:off x="361700" y="215130"/>
+            <a:ext cx="3397994" cy="646331"/>
           </a:xfrm>
           <a:prstGeom prst="rect">
             <a:avLst/>
@@ -14120,106 +15047,22 @@
           <a:lstStyle/>
           <a:p>
             <a:r>
-              <a:rPr lang="en-US" dirty="0">
+              <a:rPr lang="en-US" sz="3600" dirty="0">
                 <a:solidFill>
-                  <a:schemeClr val="bg1"/>
+                  <a:srgbClr val="53A2D3"/>
                 </a:solidFill>
               </a:rPr>
-              <a:t>shows</a:t>
-            </a:r>
-          </a:p>
-        </p:txBody>
-      </p:sp>
-      <p:cxnSp>
-        <p:nvCxnSpPr>
-          <p:cNvPr id="26" name="Conector recto de flecha 25">
-            <a:extLst>
-              <a:ext uri="{FF2B5EF4-FFF2-40B4-BE49-F238E27FC236}">
-                <a16:creationId xmlns:a16="http://schemas.microsoft.com/office/drawing/2014/main" id="{EAF687F8-0C6A-4F5F-8D35-524D606EF8AA}"/>
-              </a:ext>
-            </a:extLst>
-          </p:cNvPr>
-          <p:cNvCxnSpPr>
-            <a:cxnSpLocks/>
-          </p:cNvCxnSpPr>
-          <p:nvPr/>
-        </p:nvCxnSpPr>
-        <p:spPr>
-          <a:xfrm flipV="1">
-            <a:off x="8009314" y="1944088"/>
-            <a:ext cx="1803404" cy="1162436"/>
-          </a:xfrm>
-          <a:prstGeom prst="straightConnector1">
-            <a:avLst/>
-          </a:prstGeom>
-          <a:ln w="12700">
-            <a:solidFill>
-              <a:schemeClr val="bg1"/>
-            </a:solidFill>
-            <a:headEnd type="triangle"/>
-            <a:tailEnd type="none"/>
-          </a:ln>
-        </p:spPr>
-        <p:style>
-          <a:lnRef idx="1">
-            <a:schemeClr val="accent1"/>
-          </a:lnRef>
-          <a:fillRef idx="0">
-            <a:schemeClr val="accent1"/>
-          </a:fillRef>
-          <a:effectRef idx="0">
-            <a:schemeClr val="accent1"/>
-          </a:effectRef>
-          <a:fontRef idx="minor">
-            <a:schemeClr val="tx1"/>
-          </a:fontRef>
-        </p:style>
-      </p:cxnSp>
-      <p:sp>
-        <p:nvSpPr>
-          <p:cNvPr id="30" name="CuadroTexto 29">
-            <a:extLst>
-              <a:ext uri="{FF2B5EF4-FFF2-40B4-BE49-F238E27FC236}">
-                <a16:creationId xmlns:a16="http://schemas.microsoft.com/office/drawing/2014/main" id="{1A6D4CFD-9757-4884-8C01-C19D63E26B51}"/>
-              </a:ext>
-            </a:extLst>
-          </p:cNvPr>
-          <p:cNvSpPr txBox="1"/>
-          <p:nvPr/>
-        </p:nvSpPr>
-        <p:spPr>
-          <a:xfrm rot="19684380">
-            <a:off x="8602317" y="2280255"/>
-            <a:ext cx="1376218" cy="369332"/>
-          </a:xfrm>
-          <a:prstGeom prst="rect">
-            <a:avLst/>
-          </a:prstGeom>
-          <a:noFill/>
-        </p:spPr>
-        <p:txBody>
-          <a:bodyPr wrap="square" rtlCol="0">
-            <a:spAutoFit/>
-          </a:bodyPr>
-          <a:lstStyle/>
-          <a:p>
-            <a:r>
-              <a:rPr lang="en-US" dirty="0">
-                <a:solidFill>
-                  <a:schemeClr val="bg1"/>
-                </a:solidFill>
-              </a:rPr>
-              <a:t>calls</a:t>
+              <a:t>Mundo real</a:t>
             </a:r>
           </a:p>
         </p:txBody>
       </p:sp>
       <p:pic>
         <p:nvPicPr>
-          <p:cNvPr id="4" name="Imagen 3">
-            <a:extLst>
-              <a:ext uri="{FF2B5EF4-FFF2-40B4-BE49-F238E27FC236}">
-                <a16:creationId xmlns:a16="http://schemas.microsoft.com/office/drawing/2014/main" id="{9BF0D330-2B6A-4399-AD67-B9065E442DE6}"/>
+          <p:cNvPr id="6" name="Imagen 5">
+            <a:extLst>
+              <a:ext uri="{FF2B5EF4-FFF2-40B4-BE49-F238E27FC236}">
+                <a16:creationId xmlns:a16="http://schemas.microsoft.com/office/drawing/2014/main" id="{EE479CFC-C4B1-4F55-9A94-97D904358D59}"/>
               </a:ext>
             </a:extLst>
           </p:cNvPr>
@@ -14236,8 +15079,235 @@
         </p:blipFill>
         <p:spPr>
           <a:xfrm>
-            <a:off x="7357891" y="1201138"/>
-            <a:ext cx="3971925" cy="742950"/>
+            <a:off x="466940" y="1102195"/>
+            <a:ext cx="1752600" cy="371475"/>
+          </a:xfrm>
+          <a:prstGeom prst="rect">
+            <a:avLst/>
+          </a:prstGeom>
+        </p:spPr>
+      </p:pic>
+      <p:pic>
+        <p:nvPicPr>
+          <p:cNvPr id="11" name="Imagen 10">
+            <a:extLst>
+              <a:ext uri="{FF2B5EF4-FFF2-40B4-BE49-F238E27FC236}">
+                <a16:creationId xmlns:a16="http://schemas.microsoft.com/office/drawing/2014/main" id="{DBF4310A-D170-47FD-BF61-98E8F6CCA73D}"/>
+              </a:ext>
+            </a:extLst>
+          </p:cNvPr>
+          <p:cNvPicPr>
+            <a:picLocks noChangeAspect="1"/>
+          </p:cNvPicPr>
+          <p:nvPr/>
+        </p:nvPicPr>
+        <p:blipFill>
+          <a:blip r:embed="rId5"/>
+          <a:stretch>
+            <a:fillRect/>
+          </a:stretch>
+        </p:blipFill>
+        <p:spPr>
+          <a:xfrm>
+            <a:off x="466940" y="1603035"/>
+            <a:ext cx="3419475" cy="914400"/>
+          </a:xfrm>
+          <a:prstGeom prst="rect">
+            <a:avLst/>
+          </a:prstGeom>
+        </p:spPr>
+      </p:pic>
+      <p:cxnSp>
+        <p:nvCxnSpPr>
+          <p:cNvPr id="19" name="Conector recto de flecha 18">
+            <a:extLst>
+              <a:ext uri="{FF2B5EF4-FFF2-40B4-BE49-F238E27FC236}">
+                <a16:creationId xmlns:a16="http://schemas.microsoft.com/office/drawing/2014/main" id="{2C168030-C932-4383-8DF3-FC1032A63C1C}"/>
+              </a:ext>
+            </a:extLst>
+          </p:cNvPr>
+          <p:cNvCxnSpPr>
+            <a:cxnSpLocks/>
+            <a:endCxn id="2" idx="0"/>
+          </p:cNvCxnSpPr>
+          <p:nvPr/>
+        </p:nvCxnSpPr>
+        <p:spPr>
+          <a:xfrm>
+            <a:off x="7920143" y="936594"/>
+            <a:ext cx="2256592" cy="832808"/>
+          </a:xfrm>
+          <a:prstGeom prst="straightConnector1">
+            <a:avLst/>
+          </a:prstGeom>
+          <a:ln w="12700">
+            <a:solidFill>
+              <a:schemeClr val="bg1"/>
+            </a:solidFill>
+            <a:tailEnd type="triangle"/>
+          </a:ln>
+        </p:spPr>
+        <p:style>
+          <a:lnRef idx="1">
+            <a:schemeClr val="accent1"/>
+          </a:lnRef>
+          <a:fillRef idx="0">
+            <a:schemeClr val="accent1"/>
+          </a:fillRef>
+          <a:effectRef idx="0">
+            <a:schemeClr val="accent1"/>
+          </a:effectRef>
+          <a:fontRef idx="minor">
+            <a:schemeClr val="tx1"/>
+          </a:fontRef>
+        </p:style>
+      </p:cxnSp>
+      <p:cxnSp>
+        <p:nvCxnSpPr>
+          <p:cNvPr id="23" name="Conector recto de flecha 22">
+            <a:extLst>
+              <a:ext uri="{FF2B5EF4-FFF2-40B4-BE49-F238E27FC236}">
+                <a16:creationId xmlns:a16="http://schemas.microsoft.com/office/drawing/2014/main" id="{CE2CC327-AF6B-4539-8ED5-5B311AA0B946}"/>
+              </a:ext>
+            </a:extLst>
+          </p:cNvPr>
+          <p:cNvCxnSpPr>
+            <a:cxnSpLocks/>
+          </p:cNvCxnSpPr>
+          <p:nvPr/>
+        </p:nvCxnSpPr>
+        <p:spPr>
+          <a:xfrm>
+            <a:off x="3995977" y="5921405"/>
+            <a:ext cx="4383206" cy="0"/>
+          </a:xfrm>
+          <a:prstGeom prst="straightConnector1">
+            <a:avLst/>
+          </a:prstGeom>
+          <a:ln w="12700">
+            <a:solidFill>
+              <a:schemeClr val="bg1"/>
+            </a:solidFill>
+            <a:tailEnd type="triangle"/>
+          </a:ln>
+        </p:spPr>
+        <p:style>
+          <a:lnRef idx="1">
+            <a:schemeClr val="accent1"/>
+          </a:lnRef>
+          <a:fillRef idx="0">
+            <a:schemeClr val="accent1"/>
+          </a:fillRef>
+          <a:effectRef idx="0">
+            <a:schemeClr val="accent1"/>
+          </a:effectRef>
+          <a:fontRef idx="minor">
+            <a:schemeClr val="tx1"/>
+          </a:fontRef>
+        </p:style>
+      </p:cxnSp>
+      <p:sp>
+        <p:nvSpPr>
+          <p:cNvPr id="25" name="CuadroTexto 24">
+            <a:extLst>
+              <a:ext uri="{FF2B5EF4-FFF2-40B4-BE49-F238E27FC236}">
+                <a16:creationId xmlns:a16="http://schemas.microsoft.com/office/drawing/2014/main" id="{179EDFE6-1F4F-46BB-9D0C-63097BA10428}"/>
+              </a:ext>
+            </a:extLst>
+          </p:cNvPr>
+          <p:cNvSpPr txBox="1"/>
+          <p:nvPr/>
+        </p:nvSpPr>
+        <p:spPr>
+          <a:xfrm>
+            <a:off x="5442408" y="5552073"/>
+            <a:ext cx="1376218" cy="369332"/>
+          </a:xfrm>
+          <a:prstGeom prst="rect">
+            <a:avLst/>
+          </a:prstGeom>
+          <a:noFill/>
+        </p:spPr>
+        <p:txBody>
+          <a:bodyPr wrap="square" rtlCol="0">
+            <a:spAutoFit/>
+          </a:bodyPr>
+          <a:lstStyle/>
+          <a:p>
+            <a:r>
+              <a:rPr lang="en-US" dirty="0">
+                <a:solidFill>
+                  <a:schemeClr val="bg1"/>
+                </a:solidFill>
+              </a:rPr>
+              <a:t>updates</a:t>
+            </a:r>
+          </a:p>
+        </p:txBody>
+      </p:sp>
+      <p:sp>
+        <p:nvSpPr>
+          <p:cNvPr id="26" name="CuadroTexto 25">
+            <a:extLst>
+              <a:ext uri="{FF2B5EF4-FFF2-40B4-BE49-F238E27FC236}">
+                <a16:creationId xmlns:a16="http://schemas.microsoft.com/office/drawing/2014/main" id="{3F2F88B4-1B37-4D0D-BAF5-85700DDAF956}"/>
+              </a:ext>
+            </a:extLst>
+          </p:cNvPr>
+          <p:cNvSpPr txBox="1"/>
+          <p:nvPr/>
+        </p:nvSpPr>
+        <p:spPr>
+          <a:xfrm>
+            <a:off x="8719212" y="861461"/>
+            <a:ext cx="1376218" cy="369332"/>
+          </a:xfrm>
+          <a:prstGeom prst="rect">
+            <a:avLst/>
+          </a:prstGeom>
+          <a:noFill/>
+        </p:spPr>
+        <p:txBody>
+          <a:bodyPr wrap="square" rtlCol="0">
+            <a:spAutoFit/>
+          </a:bodyPr>
+          <a:lstStyle/>
+          <a:p>
+            <a:r>
+              <a:rPr lang="en-US" dirty="0">
+                <a:solidFill>
+                  <a:schemeClr val="bg1"/>
+                </a:solidFill>
+              </a:rPr>
+              <a:t>updates</a:t>
+            </a:r>
+          </a:p>
+        </p:txBody>
+      </p:sp>
+      <p:pic>
+        <p:nvPicPr>
+          <p:cNvPr id="2" name="Imagen 1">
+            <a:extLst>
+              <a:ext uri="{FF2B5EF4-FFF2-40B4-BE49-F238E27FC236}">
+                <a16:creationId xmlns:a16="http://schemas.microsoft.com/office/drawing/2014/main" id="{A4F304E9-C7A4-4298-BD89-EF44FFD1F140}"/>
+              </a:ext>
+            </a:extLst>
+          </p:cNvPr>
+          <p:cNvPicPr>
+            <a:picLocks noChangeAspect="1"/>
+          </p:cNvPicPr>
+          <p:nvPr/>
+        </p:nvPicPr>
+        <p:blipFill>
+          <a:blip r:embed="rId6"/>
+          <a:stretch>
+            <a:fillRect/>
+          </a:stretch>
+        </p:blipFill>
+        <p:spPr>
+          <a:xfrm>
+            <a:off x="8379183" y="1769402"/>
+            <a:ext cx="3595103" cy="4821577"/>
           </a:xfrm>
           <a:prstGeom prst="rect">
             <a:avLst/>
@@ -14251,10 +15321,84 @@
           </a:effectLst>
         </p:spPr>
       </p:pic>
+      <p:sp>
+        <p:nvSpPr>
+          <p:cNvPr id="18" name="CuadroTexto 17">
+            <a:extLst>
+              <a:ext uri="{FF2B5EF4-FFF2-40B4-BE49-F238E27FC236}">
+                <a16:creationId xmlns:a16="http://schemas.microsoft.com/office/drawing/2014/main" id="{1AB9DDE9-CD0A-41C9-8369-600AB3DEA5E0}"/>
+              </a:ext>
+            </a:extLst>
+          </p:cNvPr>
+          <p:cNvSpPr txBox="1"/>
+          <p:nvPr/>
+        </p:nvSpPr>
+        <p:spPr>
+          <a:xfrm>
+            <a:off x="8581757" y="2048241"/>
+            <a:ext cx="1712560" cy="160629"/>
+          </a:xfrm>
+          <a:prstGeom prst="rect">
+            <a:avLst/>
+          </a:prstGeom>
+          <a:noFill/>
+          <a:ln>
+            <a:solidFill>
+              <a:schemeClr val="bg1"/>
+            </a:solidFill>
+          </a:ln>
+        </p:spPr>
+        <p:txBody>
+          <a:bodyPr wrap="square" rtlCol="0">
+            <a:spAutoFit/>
+          </a:bodyPr>
+          <a:lstStyle/>
+          <a:p>
+            <a:endParaRPr lang="en-US" dirty="0"/>
+          </a:p>
+        </p:txBody>
+      </p:sp>
+      <p:sp>
+        <p:nvSpPr>
+          <p:cNvPr id="20" name="CuadroTexto 19">
+            <a:extLst>
+              <a:ext uri="{FF2B5EF4-FFF2-40B4-BE49-F238E27FC236}">
+                <a16:creationId xmlns:a16="http://schemas.microsoft.com/office/drawing/2014/main" id="{375785D1-0C47-42DC-8BB6-B464282C0E5C}"/>
+              </a:ext>
+            </a:extLst>
+          </p:cNvPr>
+          <p:cNvSpPr txBox="1"/>
+          <p:nvPr/>
+        </p:nvSpPr>
+        <p:spPr>
+          <a:xfrm>
+            <a:off x="9041448" y="4081425"/>
+            <a:ext cx="1813656" cy="160629"/>
+          </a:xfrm>
+          <a:prstGeom prst="rect">
+            <a:avLst/>
+          </a:prstGeom>
+          <a:noFill/>
+          <a:ln>
+            <a:solidFill>
+              <a:schemeClr val="bg1"/>
+            </a:solidFill>
+          </a:ln>
+        </p:spPr>
+        <p:txBody>
+          <a:bodyPr wrap="square" rtlCol="0">
+            <a:spAutoFit/>
+          </a:bodyPr>
+          <a:lstStyle/>
+          <a:p>
+            <a:endParaRPr lang="en-US" dirty="0"/>
+          </a:p>
+        </p:txBody>
+      </p:sp>
     </p:spTree>
     <p:extLst>
       <p:ext uri="{BB962C8B-B14F-4D97-AF65-F5344CB8AC3E}">
-        <p14:creationId xmlns:p14="http://schemas.microsoft.com/office/powerpoint/2010/main" val="4248247360"/>
+        <p14:creationId xmlns:p14="http://schemas.microsoft.com/office/powerpoint/2010/main" val="2434961939"/>
       </p:ext>
     </p:extLst>
   </p:cSld>
@@ -14267,14 +15411,6 @@
 <file path=ppt/slides/slide42.xml><?xml version="1.0" encoding="utf-8"?>
 <p:sld xmlns:a="http://schemas.openxmlformats.org/drawingml/2006/main" xmlns:r="http://schemas.openxmlformats.org/officeDocument/2006/relationships" xmlns:p="http://schemas.openxmlformats.org/presentationml/2006/main">
   <p:cSld>
-    <p:bg>
-      <p:bgPr>
-        <a:solidFill>
-          <a:srgbClr val="1E1E1E"/>
-        </a:solidFill>
-        <a:effectLst/>
-      </p:bgPr>
-    </p:bg>
     <p:spTree>
       <p:nvGrpSpPr>
         <p:cNvPr id="1" name=""/>
@@ -14291,411 +15427,41 @@
       </p:grpSpPr>
       <p:sp>
         <p:nvSpPr>
-          <p:cNvPr id="22" name="CuadroTexto 21">
-            <a:extLst>
-              <a:ext uri="{FF2B5EF4-FFF2-40B4-BE49-F238E27FC236}">
-                <a16:creationId xmlns:a16="http://schemas.microsoft.com/office/drawing/2014/main" id="{C9B1F5C4-0BBA-41F3-84BD-1322F509FDEF}"/>
-              </a:ext>
-            </a:extLst>
-          </p:cNvPr>
-          <p:cNvSpPr txBox="1"/>
-          <p:nvPr/>
-        </p:nvSpPr>
-        <p:spPr>
-          <a:xfrm>
-            <a:off x="361700" y="215130"/>
-            <a:ext cx="3397994" cy="646331"/>
-          </a:xfrm>
-          <a:prstGeom prst="rect">
-            <a:avLst/>
-          </a:prstGeom>
-          <a:noFill/>
-        </p:spPr>
-        <p:txBody>
-          <a:bodyPr wrap="square" rtlCol="0">
-            <a:spAutoFit/>
-          </a:bodyPr>
+          <p:cNvPr id="2" name="Título 1">
+            <a:extLst>
+              <a:ext uri="{FF2B5EF4-FFF2-40B4-BE49-F238E27FC236}">
+                <a16:creationId xmlns:a16="http://schemas.microsoft.com/office/drawing/2014/main" id="{73A2909B-13B3-4614-9321-16AF10F4286A}"/>
+              </a:ext>
+            </a:extLst>
+          </p:cNvPr>
+          <p:cNvSpPr>
+            <a:spLocks noGrp="1"/>
+          </p:cNvSpPr>
+          <p:nvPr>
+            <p:ph type="title"/>
+          </p:nvPr>
+        </p:nvSpPr>
+        <p:spPr>
+          <a:xfrm>
+            <a:off x="838200" y="2103437"/>
+            <a:ext cx="10515600" cy="1325563"/>
+          </a:xfrm>
+        </p:spPr>
+        <p:txBody>
+          <a:bodyPr/>
           <a:lstStyle/>
           <a:p>
             <a:r>
-              <a:rPr lang="en-US" sz="3600" dirty="0">
-                <a:solidFill>
-                  <a:srgbClr val="53A2D3"/>
-                </a:solidFill>
-              </a:rPr>
-              <a:t>Mundo real</a:t>
-            </a:r>
-          </a:p>
-        </p:txBody>
-      </p:sp>
-      <p:cxnSp>
-        <p:nvCxnSpPr>
-          <p:cNvPr id="13" name="Conector recto de flecha 12">
-            <a:extLst>
-              <a:ext uri="{FF2B5EF4-FFF2-40B4-BE49-F238E27FC236}">
-                <a16:creationId xmlns:a16="http://schemas.microsoft.com/office/drawing/2014/main" id="{3FEF1901-0773-4F55-AA20-B58A56F18BD1}"/>
-              </a:ext>
-            </a:extLst>
-          </p:cNvPr>
-          <p:cNvCxnSpPr>
-            <a:cxnSpLocks/>
-            <a:stCxn id="10" idx="1"/>
-            <a:endCxn id="8" idx="3"/>
-          </p:cNvCxnSpPr>
-          <p:nvPr/>
-        </p:nvCxnSpPr>
-        <p:spPr>
-          <a:xfrm flipH="1">
-            <a:off x="5122993" y="4304236"/>
-            <a:ext cx="2014643" cy="0"/>
-          </a:xfrm>
-          <a:prstGeom prst="straightConnector1">
-            <a:avLst/>
-          </a:prstGeom>
-          <a:ln w="12700">
-            <a:solidFill>
-              <a:schemeClr val="bg1"/>
-            </a:solidFill>
-            <a:tailEnd type="triangle"/>
-          </a:ln>
-        </p:spPr>
-        <p:style>
-          <a:lnRef idx="1">
-            <a:schemeClr val="accent1"/>
-          </a:lnRef>
-          <a:fillRef idx="0">
-            <a:schemeClr val="accent1"/>
-          </a:fillRef>
-          <a:effectRef idx="0">
-            <a:schemeClr val="accent1"/>
-          </a:effectRef>
-          <a:fontRef idx="minor">
-            <a:schemeClr val="tx1"/>
-          </a:fontRef>
-        </p:style>
-      </p:cxnSp>
-      <p:sp>
-        <p:nvSpPr>
-          <p:cNvPr id="14" name="CuadroTexto 13">
-            <a:extLst>
-              <a:ext uri="{FF2B5EF4-FFF2-40B4-BE49-F238E27FC236}">
-                <a16:creationId xmlns:a16="http://schemas.microsoft.com/office/drawing/2014/main" id="{9B0DA9C3-988A-48A6-AE67-460CB9540473}"/>
-              </a:ext>
-            </a:extLst>
-          </p:cNvPr>
-          <p:cNvSpPr txBox="1"/>
-          <p:nvPr/>
-        </p:nvSpPr>
-        <p:spPr>
-          <a:xfrm>
-            <a:off x="5609059" y="3996717"/>
-            <a:ext cx="1376218" cy="369332"/>
-          </a:xfrm>
-          <a:prstGeom prst="rect">
-            <a:avLst/>
-          </a:prstGeom>
-          <a:noFill/>
-        </p:spPr>
-        <p:txBody>
-          <a:bodyPr wrap="square" rtlCol="0">
-            <a:spAutoFit/>
-          </a:bodyPr>
-          <a:lstStyle/>
-          <a:p>
-            <a:r>
-              <a:rPr lang="en-US" dirty="0">
-                <a:solidFill>
-                  <a:schemeClr val="bg1"/>
-                </a:solidFill>
-              </a:rPr>
-              <a:t>contains</a:t>
-            </a:r>
-          </a:p>
-        </p:txBody>
-      </p:sp>
-      <p:cxnSp>
-        <p:nvCxnSpPr>
-          <p:cNvPr id="23" name="Conector recto de flecha 22">
-            <a:extLst>
-              <a:ext uri="{FF2B5EF4-FFF2-40B4-BE49-F238E27FC236}">
-                <a16:creationId xmlns:a16="http://schemas.microsoft.com/office/drawing/2014/main" id="{34AE3A4C-C027-4534-B21C-6462C9EB6F54}"/>
-              </a:ext>
-            </a:extLst>
-          </p:cNvPr>
-          <p:cNvCxnSpPr>
-            <a:cxnSpLocks/>
-            <a:endCxn id="7" idx="2"/>
-          </p:cNvCxnSpPr>
-          <p:nvPr/>
-        </p:nvCxnSpPr>
-        <p:spPr>
-          <a:xfrm flipH="1" flipV="1">
-            <a:off x="7933721" y="1089348"/>
-            <a:ext cx="588266" cy="841185"/>
-          </a:xfrm>
-          <a:prstGeom prst="straightConnector1">
-            <a:avLst/>
-          </a:prstGeom>
-          <a:ln w="12700">
-            <a:solidFill>
-              <a:schemeClr val="bg1"/>
-            </a:solidFill>
-            <a:tailEnd type="triangle"/>
-          </a:ln>
-        </p:spPr>
-        <p:style>
-          <a:lnRef idx="1">
-            <a:schemeClr val="accent1"/>
-          </a:lnRef>
-          <a:fillRef idx="0">
-            <a:schemeClr val="accent1"/>
-          </a:fillRef>
-          <a:effectRef idx="0">
-            <a:schemeClr val="accent1"/>
-          </a:effectRef>
-          <a:fontRef idx="minor">
-            <a:schemeClr val="tx1"/>
-          </a:fontRef>
-        </p:style>
-      </p:cxnSp>
-      <p:sp>
-        <p:nvSpPr>
-          <p:cNvPr id="25" name="CuadroTexto 24">
-            <a:extLst>
-              <a:ext uri="{FF2B5EF4-FFF2-40B4-BE49-F238E27FC236}">
-                <a16:creationId xmlns:a16="http://schemas.microsoft.com/office/drawing/2014/main" id="{BB1FF878-5C4C-466C-9FC5-A1BAA31AA318}"/>
-              </a:ext>
-            </a:extLst>
-          </p:cNvPr>
-          <p:cNvSpPr txBox="1"/>
-          <p:nvPr/>
-        </p:nvSpPr>
-        <p:spPr>
-          <a:xfrm>
-            <a:off x="7360795" y="1325274"/>
-            <a:ext cx="1376218" cy="369332"/>
-          </a:xfrm>
-          <a:prstGeom prst="rect">
-            <a:avLst/>
-          </a:prstGeom>
-          <a:noFill/>
-        </p:spPr>
-        <p:txBody>
-          <a:bodyPr wrap="square" rtlCol="0">
-            <a:spAutoFit/>
-          </a:bodyPr>
-          <a:lstStyle/>
-          <a:p>
-            <a:r>
-              <a:rPr lang="en-US" dirty="0">
-                <a:solidFill>
-                  <a:schemeClr val="bg1"/>
-                </a:solidFill>
-              </a:rPr>
-              <a:t>shows</a:t>
-            </a:r>
-          </a:p>
-        </p:txBody>
-      </p:sp>
-      <p:cxnSp>
-        <p:nvCxnSpPr>
-          <p:cNvPr id="26" name="Conector recto de flecha 25">
-            <a:extLst>
-              <a:ext uri="{FF2B5EF4-FFF2-40B4-BE49-F238E27FC236}">
-                <a16:creationId xmlns:a16="http://schemas.microsoft.com/office/drawing/2014/main" id="{81001ED0-1228-4F08-BAA6-AC852D419646}"/>
-              </a:ext>
-            </a:extLst>
-          </p:cNvPr>
-          <p:cNvCxnSpPr>
-            <a:cxnSpLocks/>
-          </p:cNvCxnSpPr>
-          <p:nvPr/>
-        </p:nvCxnSpPr>
-        <p:spPr>
-          <a:xfrm flipH="1" flipV="1">
-            <a:off x="8547902" y="1090420"/>
-            <a:ext cx="587430" cy="840113"/>
-          </a:xfrm>
-          <a:prstGeom prst="straightConnector1">
-            <a:avLst/>
-          </a:prstGeom>
-          <a:ln w="12700">
-            <a:solidFill>
-              <a:schemeClr val="bg1"/>
-            </a:solidFill>
-            <a:headEnd type="triangle"/>
-            <a:tailEnd type="none"/>
-          </a:ln>
-        </p:spPr>
-        <p:style>
-          <a:lnRef idx="1">
-            <a:schemeClr val="accent1"/>
-          </a:lnRef>
-          <a:fillRef idx="0">
-            <a:schemeClr val="accent1"/>
-          </a:fillRef>
-          <a:effectRef idx="0">
-            <a:schemeClr val="accent1"/>
-          </a:effectRef>
-          <a:fontRef idx="minor">
-            <a:schemeClr val="tx1"/>
-          </a:fontRef>
-        </p:style>
-      </p:cxnSp>
-      <p:sp>
-        <p:nvSpPr>
-          <p:cNvPr id="27" name="CuadroTexto 26">
-            <a:extLst>
-              <a:ext uri="{FF2B5EF4-FFF2-40B4-BE49-F238E27FC236}">
-                <a16:creationId xmlns:a16="http://schemas.microsoft.com/office/drawing/2014/main" id="{DB051C0C-8A08-4ABE-A33C-3AEEF757C89F}"/>
-              </a:ext>
-            </a:extLst>
-          </p:cNvPr>
-          <p:cNvSpPr txBox="1"/>
-          <p:nvPr/>
-        </p:nvSpPr>
-        <p:spPr>
-          <a:xfrm>
-            <a:off x="8946221" y="1325274"/>
-            <a:ext cx="1376218" cy="369332"/>
-          </a:xfrm>
-          <a:prstGeom prst="rect">
-            <a:avLst/>
-          </a:prstGeom>
-          <a:noFill/>
-        </p:spPr>
-        <p:txBody>
-          <a:bodyPr wrap="square" rtlCol="0">
-            <a:spAutoFit/>
-          </a:bodyPr>
-          <a:lstStyle/>
-          <a:p>
-            <a:r>
-              <a:rPr lang="en-US" dirty="0">
-                <a:solidFill>
-                  <a:schemeClr val="bg1"/>
-                </a:solidFill>
-              </a:rPr>
-              <a:t>calls</a:t>
-            </a:r>
-          </a:p>
-        </p:txBody>
-      </p:sp>
-      <p:pic>
-        <p:nvPicPr>
-          <p:cNvPr id="7" name="Imagen 6">
-            <a:extLst>
-              <a:ext uri="{FF2B5EF4-FFF2-40B4-BE49-F238E27FC236}">
-                <a16:creationId xmlns:a16="http://schemas.microsoft.com/office/drawing/2014/main" id="{6093698F-10F2-4A23-AAAF-32CC685B484B}"/>
-              </a:ext>
-            </a:extLst>
-          </p:cNvPr>
-          <p:cNvPicPr>
-            <a:picLocks noChangeAspect="1"/>
-          </p:cNvPicPr>
-          <p:nvPr/>
-        </p:nvPicPr>
-        <p:blipFill>
-          <a:blip r:embed="rId2"/>
-          <a:stretch>
-            <a:fillRect/>
-          </a:stretch>
-        </p:blipFill>
-        <p:spPr>
-          <a:xfrm>
-            <a:off x="5361971" y="374973"/>
-            <a:ext cx="5143500" cy="714375"/>
-          </a:xfrm>
-          <a:prstGeom prst="rect">
-            <a:avLst/>
-          </a:prstGeom>
-          <a:effectLst>
-            <a:glow rad="25400">
-              <a:schemeClr val="bg1">
-                <a:alpha val="40000"/>
-              </a:schemeClr>
-            </a:glow>
-          </a:effectLst>
-        </p:spPr>
-      </p:pic>
-      <p:pic>
-        <p:nvPicPr>
-          <p:cNvPr id="8" name="Imagen 7">
-            <a:extLst>
-              <a:ext uri="{FF2B5EF4-FFF2-40B4-BE49-F238E27FC236}">
-                <a16:creationId xmlns:a16="http://schemas.microsoft.com/office/drawing/2014/main" id="{90553F9F-F089-4AC7-88B2-FAEE12B0CBEF}"/>
-              </a:ext>
-            </a:extLst>
-          </p:cNvPr>
-          <p:cNvPicPr>
-            <a:picLocks noChangeAspect="1"/>
-          </p:cNvPicPr>
-          <p:nvPr/>
-        </p:nvPicPr>
-        <p:blipFill>
-          <a:blip r:embed="rId3"/>
-          <a:stretch>
-            <a:fillRect/>
-          </a:stretch>
-        </p:blipFill>
-        <p:spPr>
-          <a:xfrm>
-            <a:off x="361700" y="3395989"/>
-            <a:ext cx="4761293" cy="1816493"/>
-          </a:xfrm>
-          <a:prstGeom prst="rect">
-            <a:avLst/>
-          </a:prstGeom>
-          <a:effectLst>
-            <a:glow rad="25400">
-              <a:schemeClr val="bg1">
-                <a:alpha val="40000"/>
-              </a:schemeClr>
-            </a:glow>
-          </a:effectLst>
-        </p:spPr>
-      </p:pic>
-      <p:pic>
-        <p:nvPicPr>
-          <p:cNvPr id="10" name="Imagen 9">
-            <a:extLst>
-              <a:ext uri="{FF2B5EF4-FFF2-40B4-BE49-F238E27FC236}">
-                <a16:creationId xmlns:a16="http://schemas.microsoft.com/office/drawing/2014/main" id="{44E765E2-07D6-4F0B-A066-D1C68161C31A}"/>
-              </a:ext>
-            </a:extLst>
-          </p:cNvPr>
-          <p:cNvPicPr>
-            <a:picLocks noChangeAspect="1"/>
-          </p:cNvPicPr>
-          <p:nvPr/>
-        </p:nvPicPr>
-        <p:blipFill>
-          <a:blip r:embed="rId4"/>
-          <a:stretch>
-            <a:fillRect/>
-          </a:stretch>
-        </p:blipFill>
-        <p:spPr>
-          <a:xfrm>
-            <a:off x="7137636" y="1930533"/>
-            <a:ext cx="4711778" cy="4747406"/>
-          </a:xfrm>
-          <a:prstGeom prst="rect">
-            <a:avLst/>
-          </a:prstGeom>
-          <a:effectLst>
-            <a:glow rad="25400">
-              <a:schemeClr val="bg1">
-                <a:alpha val="40000"/>
-              </a:schemeClr>
-            </a:glow>
-          </a:effectLst>
-        </p:spPr>
-      </p:pic>
+              <a:rPr lang="en-US" dirty="0"/>
+              <a:t>UI Patterns</a:t>
+            </a:r>
+          </a:p>
+        </p:txBody>
+      </p:sp>
     </p:spTree>
     <p:extLst>
       <p:ext uri="{BB962C8B-B14F-4D97-AF65-F5344CB8AC3E}">
-        <p14:creationId xmlns:p14="http://schemas.microsoft.com/office/powerpoint/2010/main" val="416514896"/>
+        <p14:creationId xmlns:p14="http://schemas.microsoft.com/office/powerpoint/2010/main" val="2266296736"/>
       </p:ext>
     </p:extLst>
   </p:cSld>
@@ -14749,13 +15515,22 @@
           <a:lstStyle/>
           <a:p>
             <a:r>
+              <a:rPr lang="es-ES" dirty="0" err="1">
+                <a:solidFill>
+                  <a:srgbClr val="000000"/>
+                </a:solidFill>
+                <a:latin typeface="Calibri" panose="020F0502020204030204" pitchFamily="34" charset="0"/>
+              </a:rPr>
+              <a:t>Model</a:t>
+            </a:r>
+            <a:r>
               <a:rPr lang="es-ES" dirty="0">
                 <a:solidFill>
                   <a:srgbClr val="000000"/>
                 </a:solidFill>
                 <a:latin typeface="Calibri" panose="020F0502020204030204" pitchFamily="34" charset="0"/>
               </a:rPr>
-              <a:t>Page-</a:t>
+              <a:t> View </a:t>
             </a:r>
             <a:r>
               <a:rPr lang="es-ES" dirty="0" err="1">
@@ -14764,7 +15539,7 @@
                 </a:solidFill>
                 <a:latin typeface="Calibri" panose="020F0502020204030204" pitchFamily="34" charset="0"/>
               </a:rPr>
-              <a:t>Object</a:t>
+              <a:t>ViewModel</a:t>
             </a:r>
             <a:r>
               <a:rPr lang="es-ES" dirty="0">
@@ -14773,7 +15548,7 @@
                 </a:solidFill>
                 <a:latin typeface="Calibri" panose="020F0502020204030204" pitchFamily="34" charset="0"/>
               </a:rPr>
-              <a:t> </a:t>
+              <a:t> (MVVM) </a:t>
             </a:r>
             <a:r>
               <a:rPr lang="es-ES" dirty="0" err="1">
@@ -14791,7 +15566,7 @@
     </p:spTree>
     <p:extLst>
       <p:ext uri="{BB962C8B-B14F-4D97-AF65-F5344CB8AC3E}">
-        <p14:creationId xmlns:p14="http://schemas.microsoft.com/office/powerpoint/2010/main" val="2983471730"/>
+        <p14:creationId xmlns:p14="http://schemas.microsoft.com/office/powerpoint/2010/main" val="478699278"/>
       </p:ext>
     </p:extLst>
   </p:cSld>
@@ -14872,10 +15647,10 @@
       </p:sp>
       <p:pic>
         <p:nvPicPr>
-          <p:cNvPr id="30" name="Imagen 29">
-            <a:extLst>
-              <a:ext uri="{FF2B5EF4-FFF2-40B4-BE49-F238E27FC236}">
-                <a16:creationId xmlns:a16="http://schemas.microsoft.com/office/drawing/2014/main" id="{11AA3BEE-0DB9-4E5E-97F9-46B38CC019A4}"/>
+          <p:cNvPr id="19" name="Imagen 18">
+            <a:extLst>
+              <a:ext uri="{FF2B5EF4-FFF2-40B4-BE49-F238E27FC236}">
+                <a16:creationId xmlns:a16="http://schemas.microsoft.com/office/drawing/2014/main" id="{AD0CDA8F-35A5-48B4-9D35-466C095B6E83}"/>
               </a:ext>
             </a:extLst>
           </p:cNvPr>
@@ -14892,8 +15667,8 @@
         </p:blipFill>
         <p:spPr>
           <a:xfrm>
-            <a:off x="320338" y="3308109"/>
-            <a:ext cx="4785360" cy="2990850"/>
+            <a:off x="2464109" y="3141771"/>
+            <a:ext cx="6286500" cy="3343275"/>
           </a:xfrm>
           <a:prstGeom prst="rect">
             <a:avLst/>
@@ -14909,10 +15684,10 @@
       </p:pic>
       <p:pic>
         <p:nvPicPr>
-          <p:cNvPr id="33" name="Imagen 32">
-            <a:extLst>
-              <a:ext uri="{FF2B5EF4-FFF2-40B4-BE49-F238E27FC236}">
-                <a16:creationId xmlns:a16="http://schemas.microsoft.com/office/drawing/2014/main" id="{27AF6DC8-BCC6-43A0-ACB8-8E24581FFF99}"/>
+          <p:cNvPr id="20" name="Imagen 19">
+            <a:extLst>
+              <a:ext uri="{FF2B5EF4-FFF2-40B4-BE49-F238E27FC236}">
+                <a16:creationId xmlns:a16="http://schemas.microsoft.com/office/drawing/2014/main" id="{0CB9DBB1-A444-47E7-8C56-084B56BC9929}"/>
               </a:ext>
             </a:extLst>
           </p:cNvPr>
@@ -14929,8 +15704,8 @@
         </p:blipFill>
         <p:spPr>
           <a:xfrm>
-            <a:off x="6221148" y="252067"/>
-            <a:ext cx="5485989" cy="2262533"/>
+            <a:off x="1170789" y="1365448"/>
+            <a:ext cx="2019300" cy="1219200"/>
           </a:xfrm>
           <a:prstGeom prst="rect">
             <a:avLst/>
@@ -14944,12 +15719,265 @@
           </a:effectLst>
         </p:spPr>
       </p:pic>
+      <p:cxnSp>
+        <p:nvCxnSpPr>
+          <p:cNvPr id="21" name="Conector recto de flecha 20">
+            <a:extLst>
+              <a:ext uri="{FF2B5EF4-FFF2-40B4-BE49-F238E27FC236}">
+                <a16:creationId xmlns:a16="http://schemas.microsoft.com/office/drawing/2014/main" id="{6081FD7E-32DF-4951-9784-B2FFCABB9DBB}"/>
+              </a:ext>
+            </a:extLst>
+          </p:cNvPr>
+          <p:cNvCxnSpPr>
+            <a:cxnSpLocks/>
+            <a:stCxn id="19" idx="0"/>
+            <a:endCxn id="20" idx="3"/>
+          </p:cNvCxnSpPr>
+          <p:nvPr/>
+        </p:nvCxnSpPr>
+        <p:spPr>
+          <a:xfrm flipH="1" flipV="1">
+            <a:off x="3190089" y="1975048"/>
+            <a:ext cx="2417270" cy="1166723"/>
+          </a:xfrm>
+          <a:prstGeom prst="straightConnector1">
+            <a:avLst/>
+          </a:prstGeom>
+          <a:ln w="12700">
+            <a:solidFill>
+              <a:schemeClr val="bg1"/>
+            </a:solidFill>
+            <a:tailEnd type="triangle"/>
+          </a:ln>
+        </p:spPr>
+        <p:style>
+          <a:lnRef idx="1">
+            <a:schemeClr val="accent1"/>
+          </a:lnRef>
+          <a:fillRef idx="0">
+            <a:schemeClr val="accent1"/>
+          </a:fillRef>
+          <a:effectRef idx="0">
+            <a:schemeClr val="accent1"/>
+          </a:effectRef>
+          <a:fontRef idx="minor">
+            <a:schemeClr val="tx1"/>
+          </a:fontRef>
+        </p:style>
+      </p:cxnSp>
+      <p:sp>
+        <p:nvSpPr>
+          <p:cNvPr id="22" name="CuadroTexto 21">
+            <a:extLst>
+              <a:ext uri="{FF2B5EF4-FFF2-40B4-BE49-F238E27FC236}">
+                <a16:creationId xmlns:a16="http://schemas.microsoft.com/office/drawing/2014/main" id="{C441E18B-5085-4218-841B-6CBDE9D09AA2}"/>
+              </a:ext>
+            </a:extLst>
+          </p:cNvPr>
+          <p:cNvSpPr txBox="1"/>
+          <p:nvPr/>
+        </p:nvSpPr>
+        <p:spPr>
+          <a:xfrm rot="1518848">
+            <a:off x="3913144" y="2251538"/>
+            <a:ext cx="1376218" cy="369332"/>
+          </a:xfrm>
+          <a:prstGeom prst="rect">
+            <a:avLst/>
+          </a:prstGeom>
+          <a:noFill/>
+        </p:spPr>
+        <p:txBody>
+          <a:bodyPr wrap="square" rtlCol="0">
+            <a:spAutoFit/>
+          </a:bodyPr>
+          <a:lstStyle/>
+          <a:p>
+            <a:r>
+              <a:rPr lang="en-US" dirty="0">
+                <a:solidFill>
+                  <a:schemeClr val="bg1"/>
+                </a:solidFill>
+              </a:rPr>
+              <a:t>contains</a:t>
+            </a:r>
+          </a:p>
+        </p:txBody>
+      </p:sp>
+      <p:cxnSp>
+        <p:nvCxnSpPr>
+          <p:cNvPr id="23" name="Conector recto de flecha 22">
+            <a:extLst>
+              <a:ext uri="{FF2B5EF4-FFF2-40B4-BE49-F238E27FC236}">
+                <a16:creationId xmlns:a16="http://schemas.microsoft.com/office/drawing/2014/main" id="{574D6455-8697-43A6-AD09-A3DEB8692CB8}"/>
+              </a:ext>
+            </a:extLst>
+          </p:cNvPr>
+          <p:cNvCxnSpPr>
+            <a:cxnSpLocks/>
+          </p:cNvCxnSpPr>
+          <p:nvPr/>
+        </p:nvCxnSpPr>
+        <p:spPr>
+          <a:xfrm flipV="1">
+            <a:off x="7123569" y="1975049"/>
+            <a:ext cx="1878344" cy="1166723"/>
+          </a:xfrm>
+          <a:prstGeom prst="straightConnector1">
+            <a:avLst/>
+          </a:prstGeom>
+          <a:ln w="12700">
+            <a:solidFill>
+              <a:schemeClr val="bg1"/>
+            </a:solidFill>
+            <a:headEnd type="none"/>
+            <a:tailEnd type="triangle"/>
+          </a:ln>
+        </p:spPr>
+        <p:style>
+          <a:lnRef idx="1">
+            <a:schemeClr val="accent1"/>
+          </a:lnRef>
+          <a:fillRef idx="0">
+            <a:schemeClr val="accent1"/>
+          </a:fillRef>
+          <a:effectRef idx="0">
+            <a:schemeClr val="accent1"/>
+          </a:effectRef>
+          <a:fontRef idx="minor">
+            <a:schemeClr val="tx1"/>
+          </a:fontRef>
+        </p:style>
+      </p:cxnSp>
+      <p:sp>
+        <p:nvSpPr>
+          <p:cNvPr id="25" name="CuadroTexto 24">
+            <a:extLst>
+              <a:ext uri="{FF2B5EF4-FFF2-40B4-BE49-F238E27FC236}">
+                <a16:creationId xmlns:a16="http://schemas.microsoft.com/office/drawing/2014/main" id="{02F6BD05-4155-4839-8166-B0525AEC5FB7}"/>
+              </a:ext>
+            </a:extLst>
+          </p:cNvPr>
+          <p:cNvSpPr txBox="1"/>
+          <p:nvPr/>
+        </p:nvSpPr>
+        <p:spPr>
+          <a:xfrm rot="19684380">
+            <a:off x="7321205" y="2156818"/>
+            <a:ext cx="1376218" cy="369332"/>
+          </a:xfrm>
+          <a:prstGeom prst="rect">
+            <a:avLst/>
+          </a:prstGeom>
+          <a:noFill/>
+        </p:spPr>
+        <p:txBody>
+          <a:bodyPr wrap="square" rtlCol="0">
+            <a:spAutoFit/>
+          </a:bodyPr>
+          <a:lstStyle/>
+          <a:p>
+            <a:r>
+              <a:rPr lang="en-US" dirty="0">
+                <a:solidFill>
+                  <a:schemeClr val="bg1"/>
+                </a:solidFill>
+              </a:rPr>
+              <a:t>shows</a:t>
+            </a:r>
+          </a:p>
+        </p:txBody>
+      </p:sp>
+      <p:cxnSp>
+        <p:nvCxnSpPr>
+          <p:cNvPr id="26" name="Conector recto de flecha 25">
+            <a:extLst>
+              <a:ext uri="{FF2B5EF4-FFF2-40B4-BE49-F238E27FC236}">
+                <a16:creationId xmlns:a16="http://schemas.microsoft.com/office/drawing/2014/main" id="{EAF687F8-0C6A-4F5F-8D35-524D606EF8AA}"/>
+              </a:ext>
+            </a:extLst>
+          </p:cNvPr>
+          <p:cNvCxnSpPr>
+            <a:cxnSpLocks/>
+          </p:cNvCxnSpPr>
+          <p:nvPr/>
+        </p:nvCxnSpPr>
+        <p:spPr>
+          <a:xfrm flipV="1">
+            <a:off x="8009314" y="1944088"/>
+            <a:ext cx="1803404" cy="1162436"/>
+          </a:xfrm>
+          <a:prstGeom prst="straightConnector1">
+            <a:avLst/>
+          </a:prstGeom>
+          <a:ln w="12700">
+            <a:solidFill>
+              <a:schemeClr val="bg1"/>
+            </a:solidFill>
+            <a:headEnd type="triangle"/>
+            <a:tailEnd type="none"/>
+          </a:ln>
+        </p:spPr>
+        <p:style>
+          <a:lnRef idx="1">
+            <a:schemeClr val="accent1"/>
+          </a:lnRef>
+          <a:fillRef idx="0">
+            <a:schemeClr val="accent1"/>
+          </a:fillRef>
+          <a:effectRef idx="0">
+            <a:schemeClr val="accent1"/>
+          </a:effectRef>
+          <a:fontRef idx="minor">
+            <a:schemeClr val="tx1"/>
+          </a:fontRef>
+        </p:style>
+      </p:cxnSp>
+      <p:sp>
+        <p:nvSpPr>
+          <p:cNvPr id="30" name="CuadroTexto 29">
+            <a:extLst>
+              <a:ext uri="{FF2B5EF4-FFF2-40B4-BE49-F238E27FC236}">
+                <a16:creationId xmlns:a16="http://schemas.microsoft.com/office/drawing/2014/main" id="{1A6D4CFD-9757-4884-8C01-C19D63E26B51}"/>
+              </a:ext>
+            </a:extLst>
+          </p:cNvPr>
+          <p:cNvSpPr txBox="1"/>
+          <p:nvPr/>
+        </p:nvSpPr>
+        <p:spPr>
+          <a:xfrm rot="19684380">
+            <a:off x="8602317" y="2280255"/>
+            <a:ext cx="1376218" cy="369332"/>
+          </a:xfrm>
+          <a:prstGeom prst="rect">
+            <a:avLst/>
+          </a:prstGeom>
+          <a:noFill/>
+        </p:spPr>
+        <p:txBody>
+          <a:bodyPr wrap="square" rtlCol="0">
+            <a:spAutoFit/>
+          </a:bodyPr>
+          <a:lstStyle/>
+          <a:p>
+            <a:r>
+              <a:rPr lang="en-US" dirty="0">
+                <a:solidFill>
+                  <a:schemeClr val="bg1"/>
+                </a:solidFill>
+              </a:rPr>
+              <a:t>calls</a:t>
+            </a:r>
+          </a:p>
+        </p:txBody>
+      </p:sp>
       <p:pic>
         <p:nvPicPr>
-          <p:cNvPr id="2" name="Imagen 1">
-            <a:extLst>
-              <a:ext uri="{FF2B5EF4-FFF2-40B4-BE49-F238E27FC236}">
-                <a16:creationId xmlns:a16="http://schemas.microsoft.com/office/drawing/2014/main" id="{0D177CD9-B958-4BF5-9974-F66D391F7A44}"/>
+          <p:cNvPr id="4" name="Imagen 3">
+            <a:extLst>
+              <a:ext uri="{FF2B5EF4-FFF2-40B4-BE49-F238E27FC236}">
+                <a16:creationId xmlns:a16="http://schemas.microsoft.com/office/drawing/2014/main" id="{9BF0D330-2B6A-4399-AD67-B9065E442DE6}"/>
               </a:ext>
             </a:extLst>
           </p:cNvPr>
@@ -14966,8 +15994,8 @@
         </p:blipFill>
         <p:spPr>
           <a:xfrm>
-            <a:off x="6221148" y="3124301"/>
-            <a:ext cx="5491163" cy="3358466"/>
+            <a:off x="7357891" y="1201138"/>
+            <a:ext cx="3971925" cy="742950"/>
           </a:xfrm>
           <a:prstGeom prst="rect">
             <a:avLst/>
@@ -14981,181 +16009,10 @@
           </a:effectLst>
         </p:spPr>
       </p:pic>
-      <p:cxnSp>
-        <p:nvCxnSpPr>
-          <p:cNvPr id="34" name="Conector recto de flecha 33">
-            <a:extLst>
-              <a:ext uri="{FF2B5EF4-FFF2-40B4-BE49-F238E27FC236}">
-                <a16:creationId xmlns:a16="http://schemas.microsoft.com/office/drawing/2014/main" id="{FE5B11F8-9635-41F2-BA0B-CF1CE47617E6}"/>
-              </a:ext>
-            </a:extLst>
-          </p:cNvPr>
-          <p:cNvCxnSpPr>
-            <a:cxnSpLocks/>
-            <a:stCxn id="2" idx="0"/>
-            <a:endCxn id="33" idx="2"/>
-          </p:cNvCxnSpPr>
-          <p:nvPr/>
-        </p:nvCxnSpPr>
-        <p:spPr>
-          <a:xfrm flipH="1" flipV="1">
-            <a:off x="8964143" y="2514600"/>
-            <a:ext cx="2587" cy="609701"/>
-          </a:xfrm>
-          <a:prstGeom prst="straightConnector1">
-            <a:avLst/>
-          </a:prstGeom>
-          <a:ln w="12700">
-            <a:solidFill>
-              <a:schemeClr val="bg1"/>
-            </a:solidFill>
-            <a:headEnd type="triangle"/>
-            <a:tailEnd type="triangle"/>
-          </a:ln>
-        </p:spPr>
-        <p:style>
-          <a:lnRef idx="1">
-            <a:schemeClr val="accent1"/>
-          </a:lnRef>
-          <a:fillRef idx="0">
-            <a:schemeClr val="accent1"/>
-          </a:fillRef>
-          <a:effectRef idx="0">
-            <a:schemeClr val="accent1"/>
-          </a:effectRef>
-          <a:fontRef idx="minor">
-            <a:schemeClr val="tx1"/>
-          </a:fontRef>
-        </p:style>
-      </p:cxnSp>
-      <p:sp>
-        <p:nvSpPr>
-          <p:cNvPr id="38" name="CuadroTexto 37">
-            <a:extLst>
-              <a:ext uri="{FF2B5EF4-FFF2-40B4-BE49-F238E27FC236}">
-                <a16:creationId xmlns:a16="http://schemas.microsoft.com/office/drawing/2014/main" id="{E593275B-18D5-4ED5-B785-2CD80B46AC8E}"/>
-              </a:ext>
-            </a:extLst>
-          </p:cNvPr>
-          <p:cNvSpPr txBox="1"/>
-          <p:nvPr/>
-        </p:nvSpPr>
-        <p:spPr>
-          <a:xfrm>
-            <a:off x="8964141" y="2650173"/>
-            <a:ext cx="1758422" cy="338554"/>
-          </a:xfrm>
-          <a:prstGeom prst="rect">
-            <a:avLst/>
-          </a:prstGeom>
-          <a:noFill/>
-        </p:spPr>
-        <p:txBody>
-          <a:bodyPr wrap="square" rtlCol="0">
-            <a:spAutoFit/>
-          </a:bodyPr>
-          <a:lstStyle/>
-          <a:p>
-            <a:r>
-              <a:rPr lang="en-US" sz="1600" dirty="0">
-                <a:solidFill>
-                  <a:schemeClr val="bg1"/>
-                </a:solidFill>
-              </a:rPr>
-              <a:t>reads and interacts</a:t>
-            </a:r>
-          </a:p>
-        </p:txBody>
-      </p:sp>
-      <p:sp>
-        <p:nvSpPr>
-          <p:cNvPr id="39" name="CuadroTexto 38">
-            <a:extLst>
-              <a:ext uri="{FF2B5EF4-FFF2-40B4-BE49-F238E27FC236}">
-                <a16:creationId xmlns:a16="http://schemas.microsoft.com/office/drawing/2014/main" id="{E933C427-2012-4298-BAC7-CF5FE7311DE1}"/>
-              </a:ext>
-            </a:extLst>
-          </p:cNvPr>
-          <p:cNvSpPr txBox="1"/>
-          <p:nvPr/>
-        </p:nvSpPr>
-        <p:spPr>
-          <a:xfrm>
-            <a:off x="5282744" y="4434202"/>
-            <a:ext cx="1376218" cy="369332"/>
-          </a:xfrm>
-          <a:prstGeom prst="rect">
-            <a:avLst/>
-          </a:prstGeom>
-          <a:noFill/>
-        </p:spPr>
-        <p:txBody>
-          <a:bodyPr wrap="square" rtlCol="0">
-            <a:spAutoFit/>
-          </a:bodyPr>
-          <a:lstStyle/>
-          <a:p>
-            <a:r>
-              <a:rPr lang="en-US" dirty="0">
-                <a:solidFill>
-                  <a:schemeClr val="bg1"/>
-                </a:solidFill>
-              </a:rPr>
-              <a:t>calls</a:t>
-            </a:r>
-          </a:p>
-        </p:txBody>
-      </p:sp>
-      <p:cxnSp>
-        <p:nvCxnSpPr>
-          <p:cNvPr id="40" name="Conector recto de flecha 39">
-            <a:extLst>
-              <a:ext uri="{FF2B5EF4-FFF2-40B4-BE49-F238E27FC236}">
-                <a16:creationId xmlns:a16="http://schemas.microsoft.com/office/drawing/2014/main" id="{65ADA00B-B061-4BC6-8BEA-533E11C25C79}"/>
-              </a:ext>
-            </a:extLst>
-          </p:cNvPr>
-          <p:cNvCxnSpPr>
-            <a:cxnSpLocks/>
-            <a:stCxn id="30" idx="3"/>
-            <a:endCxn id="2" idx="1"/>
-          </p:cNvCxnSpPr>
-          <p:nvPr/>
-        </p:nvCxnSpPr>
-        <p:spPr>
-          <a:xfrm>
-            <a:off x="5105698" y="4803534"/>
-            <a:ext cx="1115450" cy="0"/>
-          </a:xfrm>
-          <a:prstGeom prst="straightConnector1">
-            <a:avLst/>
-          </a:prstGeom>
-          <a:ln w="12700">
-            <a:solidFill>
-              <a:schemeClr val="bg1"/>
-            </a:solidFill>
-            <a:tailEnd type="triangle"/>
-          </a:ln>
-        </p:spPr>
-        <p:style>
-          <a:lnRef idx="1">
-            <a:schemeClr val="accent1"/>
-          </a:lnRef>
-          <a:fillRef idx="0">
-            <a:schemeClr val="accent1"/>
-          </a:fillRef>
-          <a:effectRef idx="0">
-            <a:schemeClr val="accent1"/>
-          </a:effectRef>
-          <a:fontRef idx="minor">
-            <a:schemeClr val="tx1"/>
-          </a:fontRef>
-        </p:style>
-      </p:cxnSp>
     </p:spTree>
     <p:extLst>
       <p:ext uri="{BB962C8B-B14F-4D97-AF65-F5344CB8AC3E}">
-        <p14:creationId xmlns:p14="http://schemas.microsoft.com/office/powerpoint/2010/main" val="2070501123"/>
+        <p14:creationId xmlns:p14="http://schemas.microsoft.com/office/powerpoint/2010/main" val="4248247360"/>
       </p:ext>
     </p:extLst>
   </p:cSld>
@@ -15190,6 +16047,907 @@
           <a:chExt cx="0" cy="0"/>
         </a:xfrm>
       </p:grpSpPr>
+      <p:sp>
+        <p:nvSpPr>
+          <p:cNvPr id="22" name="CuadroTexto 21">
+            <a:extLst>
+              <a:ext uri="{FF2B5EF4-FFF2-40B4-BE49-F238E27FC236}">
+                <a16:creationId xmlns:a16="http://schemas.microsoft.com/office/drawing/2014/main" id="{C9B1F5C4-0BBA-41F3-84BD-1322F509FDEF}"/>
+              </a:ext>
+            </a:extLst>
+          </p:cNvPr>
+          <p:cNvSpPr txBox="1"/>
+          <p:nvPr/>
+        </p:nvSpPr>
+        <p:spPr>
+          <a:xfrm>
+            <a:off x="361700" y="215130"/>
+            <a:ext cx="3397994" cy="646331"/>
+          </a:xfrm>
+          <a:prstGeom prst="rect">
+            <a:avLst/>
+          </a:prstGeom>
+          <a:noFill/>
+        </p:spPr>
+        <p:txBody>
+          <a:bodyPr wrap="square" rtlCol="0">
+            <a:spAutoFit/>
+          </a:bodyPr>
+          <a:lstStyle/>
+          <a:p>
+            <a:r>
+              <a:rPr lang="en-US" sz="3600" dirty="0">
+                <a:solidFill>
+                  <a:srgbClr val="53A2D3"/>
+                </a:solidFill>
+              </a:rPr>
+              <a:t>Mundo real</a:t>
+            </a:r>
+          </a:p>
+        </p:txBody>
+      </p:sp>
+      <p:cxnSp>
+        <p:nvCxnSpPr>
+          <p:cNvPr id="13" name="Conector recto de flecha 12">
+            <a:extLst>
+              <a:ext uri="{FF2B5EF4-FFF2-40B4-BE49-F238E27FC236}">
+                <a16:creationId xmlns:a16="http://schemas.microsoft.com/office/drawing/2014/main" id="{3FEF1901-0773-4F55-AA20-B58A56F18BD1}"/>
+              </a:ext>
+            </a:extLst>
+          </p:cNvPr>
+          <p:cNvCxnSpPr>
+            <a:cxnSpLocks/>
+            <a:stCxn id="10" idx="1"/>
+            <a:endCxn id="8" idx="3"/>
+          </p:cNvCxnSpPr>
+          <p:nvPr/>
+        </p:nvCxnSpPr>
+        <p:spPr>
+          <a:xfrm flipH="1">
+            <a:off x="5122993" y="4304236"/>
+            <a:ext cx="2014643" cy="0"/>
+          </a:xfrm>
+          <a:prstGeom prst="straightConnector1">
+            <a:avLst/>
+          </a:prstGeom>
+          <a:ln w="12700">
+            <a:solidFill>
+              <a:schemeClr val="bg1"/>
+            </a:solidFill>
+            <a:tailEnd type="triangle"/>
+          </a:ln>
+        </p:spPr>
+        <p:style>
+          <a:lnRef idx="1">
+            <a:schemeClr val="accent1"/>
+          </a:lnRef>
+          <a:fillRef idx="0">
+            <a:schemeClr val="accent1"/>
+          </a:fillRef>
+          <a:effectRef idx="0">
+            <a:schemeClr val="accent1"/>
+          </a:effectRef>
+          <a:fontRef idx="minor">
+            <a:schemeClr val="tx1"/>
+          </a:fontRef>
+        </p:style>
+      </p:cxnSp>
+      <p:sp>
+        <p:nvSpPr>
+          <p:cNvPr id="14" name="CuadroTexto 13">
+            <a:extLst>
+              <a:ext uri="{FF2B5EF4-FFF2-40B4-BE49-F238E27FC236}">
+                <a16:creationId xmlns:a16="http://schemas.microsoft.com/office/drawing/2014/main" id="{9B0DA9C3-988A-48A6-AE67-460CB9540473}"/>
+              </a:ext>
+            </a:extLst>
+          </p:cNvPr>
+          <p:cNvSpPr txBox="1"/>
+          <p:nvPr/>
+        </p:nvSpPr>
+        <p:spPr>
+          <a:xfrm>
+            <a:off x="5609059" y="3996717"/>
+            <a:ext cx="1376218" cy="369332"/>
+          </a:xfrm>
+          <a:prstGeom prst="rect">
+            <a:avLst/>
+          </a:prstGeom>
+          <a:noFill/>
+        </p:spPr>
+        <p:txBody>
+          <a:bodyPr wrap="square" rtlCol="0">
+            <a:spAutoFit/>
+          </a:bodyPr>
+          <a:lstStyle/>
+          <a:p>
+            <a:r>
+              <a:rPr lang="en-US" dirty="0">
+                <a:solidFill>
+                  <a:schemeClr val="bg1"/>
+                </a:solidFill>
+              </a:rPr>
+              <a:t>contains</a:t>
+            </a:r>
+          </a:p>
+        </p:txBody>
+      </p:sp>
+      <p:cxnSp>
+        <p:nvCxnSpPr>
+          <p:cNvPr id="23" name="Conector recto de flecha 22">
+            <a:extLst>
+              <a:ext uri="{FF2B5EF4-FFF2-40B4-BE49-F238E27FC236}">
+                <a16:creationId xmlns:a16="http://schemas.microsoft.com/office/drawing/2014/main" id="{34AE3A4C-C027-4534-B21C-6462C9EB6F54}"/>
+              </a:ext>
+            </a:extLst>
+          </p:cNvPr>
+          <p:cNvCxnSpPr>
+            <a:cxnSpLocks/>
+            <a:endCxn id="7" idx="2"/>
+          </p:cNvCxnSpPr>
+          <p:nvPr/>
+        </p:nvCxnSpPr>
+        <p:spPr>
+          <a:xfrm flipH="1" flipV="1">
+            <a:off x="7933721" y="1089348"/>
+            <a:ext cx="588266" cy="841185"/>
+          </a:xfrm>
+          <a:prstGeom prst="straightConnector1">
+            <a:avLst/>
+          </a:prstGeom>
+          <a:ln w="12700">
+            <a:solidFill>
+              <a:schemeClr val="bg1"/>
+            </a:solidFill>
+            <a:tailEnd type="triangle"/>
+          </a:ln>
+        </p:spPr>
+        <p:style>
+          <a:lnRef idx="1">
+            <a:schemeClr val="accent1"/>
+          </a:lnRef>
+          <a:fillRef idx="0">
+            <a:schemeClr val="accent1"/>
+          </a:fillRef>
+          <a:effectRef idx="0">
+            <a:schemeClr val="accent1"/>
+          </a:effectRef>
+          <a:fontRef idx="minor">
+            <a:schemeClr val="tx1"/>
+          </a:fontRef>
+        </p:style>
+      </p:cxnSp>
+      <p:sp>
+        <p:nvSpPr>
+          <p:cNvPr id="25" name="CuadroTexto 24">
+            <a:extLst>
+              <a:ext uri="{FF2B5EF4-FFF2-40B4-BE49-F238E27FC236}">
+                <a16:creationId xmlns:a16="http://schemas.microsoft.com/office/drawing/2014/main" id="{BB1FF878-5C4C-466C-9FC5-A1BAA31AA318}"/>
+              </a:ext>
+            </a:extLst>
+          </p:cNvPr>
+          <p:cNvSpPr txBox="1"/>
+          <p:nvPr/>
+        </p:nvSpPr>
+        <p:spPr>
+          <a:xfrm>
+            <a:off x="7360795" y="1325274"/>
+            <a:ext cx="1376218" cy="369332"/>
+          </a:xfrm>
+          <a:prstGeom prst="rect">
+            <a:avLst/>
+          </a:prstGeom>
+          <a:noFill/>
+        </p:spPr>
+        <p:txBody>
+          <a:bodyPr wrap="square" rtlCol="0">
+            <a:spAutoFit/>
+          </a:bodyPr>
+          <a:lstStyle/>
+          <a:p>
+            <a:r>
+              <a:rPr lang="en-US" dirty="0">
+                <a:solidFill>
+                  <a:schemeClr val="bg1"/>
+                </a:solidFill>
+              </a:rPr>
+              <a:t>shows</a:t>
+            </a:r>
+          </a:p>
+        </p:txBody>
+      </p:sp>
+      <p:cxnSp>
+        <p:nvCxnSpPr>
+          <p:cNvPr id="26" name="Conector recto de flecha 25">
+            <a:extLst>
+              <a:ext uri="{FF2B5EF4-FFF2-40B4-BE49-F238E27FC236}">
+                <a16:creationId xmlns:a16="http://schemas.microsoft.com/office/drawing/2014/main" id="{81001ED0-1228-4F08-BAA6-AC852D419646}"/>
+              </a:ext>
+            </a:extLst>
+          </p:cNvPr>
+          <p:cNvCxnSpPr>
+            <a:cxnSpLocks/>
+          </p:cNvCxnSpPr>
+          <p:nvPr/>
+        </p:nvCxnSpPr>
+        <p:spPr>
+          <a:xfrm flipH="1" flipV="1">
+            <a:off x="8547902" y="1090420"/>
+            <a:ext cx="587430" cy="840113"/>
+          </a:xfrm>
+          <a:prstGeom prst="straightConnector1">
+            <a:avLst/>
+          </a:prstGeom>
+          <a:ln w="12700">
+            <a:solidFill>
+              <a:schemeClr val="bg1"/>
+            </a:solidFill>
+            <a:headEnd type="triangle"/>
+            <a:tailEnd type="none"/>
+          </a:ln>
+        </p:spPr>
+        <p:style>
+          <a:lnRef idx="1">
+            <a:schemeClr val="accent1"/>
+          </a:lnRef>
+          <a:fillRef idx="0">
+            <a:schemeClr val="accent1"/>
+          </a:fillRef>
+          <a:effectRef idx="0">
+            <a:schemeClr val="accent1"/>
+          </a:effectRef>
+          <a:fontRef idx="minor">
+            <a:schemeClr val="tx1"/>
+          </a:fontRef>
+        </p:style>
+      </p:cxnSp>
+      <p:sp>
+        <p:nvSpPr>
+          <p:cNvPr id="27" name="CuadroTexto 26">
+            <a:extLst>
+              <a:ext uri="{FF2B5EF4-FFF2-40B4-BE49-F238E27FC236}">
+                <a16:creationId xmlns:a16="http://schemas.microsoft.com/office/drawing/2014/main" id="{DB051C0C-8A08-4ABE-A33C-3AEEF757C89F}"/>
+              </a:ext>
+            </a:extLst>
+          </p:cNvPr>
+          <p:cNvSpPr txBox="1"/>
+          <p:nvPr/>
+        </p:nvSpPr>
+        <p:spPr>
+          <a:xfrm>
+            <a:off x="8946221" y="1325274"/>
+            <a:ext cx="1376218" cy="369332"/>
+          </a:xfrm>
+          <a:prstGeom prst="rect">
+            <a:avLst/>
+          </a:prstGeom>
+          <a:noFill/>
+        </p:spPr>
+        <p:txBody>
+          <a:bodyPr wrap="square" rtlCol="0">
+            <a:spAutoFit/>
+          </a:bodyPr>
+          <a:lstStyle/>
+          <a:p>
+            <a:r>
+              <a:rPr lang="en-US" dirty="0">
+                <a:solidFill>
+                  <a:schemeClr val="bg1"/>
+                </a:solidFill>
+              </a:rPr>
+              <a:t>calls</a:t>
+            </a:r>
+          </a:p>
+        </p:txBody>
+      </p:sp>
+      <p:pic>
+        <p:nvPicPr>
+          <p:cNvPr id="7" name="Imagen 6">
+            <a:extLst>
+              <a:ext uri="{FF2B5EF4-FFF2-40B4-BE49-F238E27FC236}">
+                <a16:creationId xmlns:a16="http://schemas.microsoft.com/office/drawing/2014/main" id="{6093698F-10F2-4A23-AAAF-32CC685B484B}"/>
+              </a:ext>
+            </a:extLst>
+          </p:cNvPr>
+          <p:cNvPicPr>
+            <a:picLocks noChangeAspect="1"/>
+          </p:cNvPicPr>
+          <p:nvPr/>
+        </p:nvPicPr>
+        <p:blipFill>
+          <a:blip r:embed="rId2"/>
+          <a:stretch>
+            <a:fillRect/>
+          </a:stretch>
+        </p:blipFill>
+        <p:spPr>
+          <a:xfrm>
+            <a:off x="5361971" y="374973"/>
+            <a:ext cx="5143500" cy="714375"/>
+          </a:xfrm>
+          <a:prstGeom prst="rect">
+            <a:avLst/>
+          </a:prstGeom>
+          <a:effectLst>
+            <a:glow rad="25400">
+              <a:schemeClr val="bg1">
+                <a:alpha val="40000"/>
+              </a:schemeClr>
+            </a:glow>
+          </a:effectLst>
+        </p:spPr>
+      </p:pic>
+      <p:pic>
+        <p:nvPicPr>
+          <p:cNvPr id="8" name="Imagen 7">
+            <a:extLst>
+              <a:ext uri="{FF2B5EF4-FFF2-40B4-BE49-F238E27FC236}">
+                <a16:creationId xmlns:a16="http://schemas.microsoft.com/office/drawing/2014/main" id="{90553F9F-F089-4AC7-88B2-FAEE12B0CBEF}"/>
+              </a:ext>
+            </a:extLst>
+          </p:cNvPr>
+          <p:cNvPicPr>
+            <a:picLocks noChangeAspect="1"/>
+          </p:cNvPicPr>
+          <p:nvPr/>
+        </p:nvPicPr>
+        <p:blipFill>
+          <a:blip r:embed="rId3"/>
+          <a:stretch>
+            <a:fillRect/>
+          </a:stretch>
+        </p:blipFill>
+        <p:spPr>
+          <a:xfrm>
+            <a:off x="361700" y="3395989"/>
+            <a:ext cx="4761293" cy="1816493"/>
+          </a:xfrm>
+          <a:prstGeom prst="rect">
+            <a:avLst/>
+          </a:prstGeom>
+          <a:effectLst>
+            <a:glow rad="25400">
+              <a:schemeClr val="bg1">
+                <a:alpha val="40000"/>
+              </a:schemeClr>
+            </a:glow>
+          </a:effectLst>
+        </p:spPr>
+      </p:pic>
+      <p:pic>
+        <p:nvPicPr>
+          <p:cNvPr id="10" name="Imagen 9">
+            <a:extLst>
+              <a:ext uri="{FF2B5EF4-FFF2-40B4-BE49-F238E27FC236}">
+                <a16:creationId xmlns:a16="http://schemas.microsoft.com/office/drawing/2014/main" id="{44E765E2-07D6-4F0B-A066-D1C68161C31A}"/>
+              </a:ext>
+            </a:extLst>
+          </p:cNvPr>
+          <p:cNvPicPr>
+            <a:picLocks noChangeAspect="1"/>
+          </p:cNvPicPr>
+          <p:nvPr/>
+        </p:nvPicPr>
+        <p:blipFill>
+          <a:blip r:embed="rId4"/>
+          <a:stretch>
+            <a:fillRect/>
+          </a:stretch>
+        </p:blipFill>
+        <p:spPr>
+          <a:xfrm>
+            <a:off x="7137636" y="1930533"/>
+            <a:ext cx="4711778" cy="4747406"/>
+          </a:xfrm>
+          <a:prstGeom prst="rect">
+            <a:avLst/>
+          </a:prstGeom>
+          <a:effectLst>
+            <a:glow rad="25400">
+              <a:schemeClr val="bg1">
+                <a:alpha val="40000"/>
+              </a:schemeClr>
+            </a:glow>
+          </a:effectLst>
+        </p:spPr>
+      </p:pic>
+    </p:spTree>
+    <p:extLst>
+      <p:ext uri="{BB962C8B-B14F-4D97-AF65-F5344CB8AC3E}">
+        <p14:creationId xmlns:p14="http://schemas.microsoft.com/office/powerpoint/2010/main" val="416514896"/>
+      </p:ext>
+    </p:extLst>
+  </p:cSld>
+  <p:clrMapOvr>
+    <a:masterClrMapping/>
+  </p:clrMapOvr>
+</p:sld>
+</file>
+
+<file path=ppt/slides/slide46.xml><?xml version="1.0" encoding="utf-8"?>
+<p:sld xmlns:a="http://schemas.openxmlformats.org/drawingml/2006/main" xmlns:r="http://schemas.openxmlformats.org/officeDocument/2006/relationships" xmlns:p="http://schemas.openxmlformats.org/presentationml/2006/main">
+  <p:cSld>
+    <p:spTree>
+      <p:nvGrpSpPr>
+        <p:cNvPr id="1" name=""/>
+        <p:cNvGrpSpPr/>
+        <p:nvPr/>
+      </p:nvGrpSpPr>
+      <p:grpSpPr>
+        <a:xfrm>
+          <a:off x="0" y="0"/>
+          <a:ext cx="0" cy="0"/>
+          <a:chOff x="0" y="0"/>
+          <a:chExt cx="0" cy="0"/>
+        </a:xfrm>
+      </p:grpSpPr>
+      <p:sp>
+        <p:nvSpPr>
+          <p:cNvPr id="2" name="Título 1">
+            <a:extLst>
+              <a:ext uri="{FF2B5EF4-FFF2-40B4-BE49-F238E27FC236}">
+                <a16:creationId xmlns:a16="http://schemas.microsoft.com/office/drawing/2014/main" id="{51E579E3-4D4D-4391-A4DB-77F6C6DD84BE}"/>
+              </a:ext>
+            </a:extLst>
+          </p:cNvPr>
+          <p:cNvSpPr>
+            <a:spLocks noGrp="1"/>
+          </p:cNvSpPr>
+          <p:nvPr>
+            <p:ph type="title"/>
+          </p:nvPr>
+        </p:nvSpPr>
+        <p:spPr>
+          <a:xfrm>
+            <a:off x="900344" y="2766218"/>
+            <a:ext cx="10515600" cy="1325563"/>
+          </a:xfrm>
+        </p:spPr>
+        <p:txBody>
+          <a:bodyPr/>
+          <a:lstStyle/>
+          <a:p>
+            <a:r>
+              <a:rPr lang="es-ES" dirty="0">
+                <a:solidFill>
+                  <a:srgbClr val="000000"/>
+                </a:solidFill>
+                <a:latin typeface="Calibri" panose="020F0502020204030204" pitchFamily="34" charset="0"/>
+              </a:rPr>
+              <a:t>Page-</a:t>
+            </a:r>
+            <a:r>
+              <a:rPr lang="es-ES" dirty="0" err="1">
+                <a:solidFill>
+                  <a:srgbClr val="000000"/>
+                </a:solidFill>
+                <a:latin typeface="Calibri" panose="020F0502020204030204" pitchFamily="34" charset="0"/>
+              </a:rPr>
+              <a:t>Object</a:t>
+            </a:r>
+            <a:r>
+              <a:rPr lang="es-ES" dirty="0">
+                <a:solidFill>
+                  <a:srgbClr val="000000"/>
+                </a:solidFill>
+                <a:latin typeface="Calibri" panose="020F0502020204030204" pitchFamily="34" charset="0"/>
+              </a:rPr>
+              <a:t> </a:t>
+            </a:r>
+            <a:r>
+              <a:rPr lang="es-ES" dirty="0" err="1">
+                <a:solidFill>
+                  <a:srgbClr val="000000"/>
+                </a:solidFill>
+                <a:latin typeface="Calibri" panose="020F0502020204030204" pitchFamily="34" charset="0"/>
+              </a:rPr>
+              <a:t>pattern</a:t>
+            </a:r>
+            <a:endParaRPr lang="en-US" dirty="0"/>
+          </a:p>
+        </p:txBody>
+      </p:sp>
+    </p:spTree>
+    <p:extLst>
+      <p:ext uri="{BB962C8B-B14F-4D97-AF65-F5344CB8AC3E}">
+        <p14:creationId xmlns:p14="http://schemas.microsoft.com/office/powerpoint/2010/main" val="2983471730"/>
+      </p:ext>
+    </p:extLst>
+  </p:cSld>
+  <p:clrMapOvr>
+    <a:masterClrMapping/>
+  </p:clrMapOvr>
+</p:sld>
+</file>
+
+<file path=ppt/slides/slide47.xml><?xml version="1.0" encoding="utf-8"?>
+<p:sld xmlns:a="http://schemas.openxmlformats.org/drawingml/2006/main" xmlns:r="http://schemas.openxmlformats.org/officeDocument/2006/relationships" xmlns:p="http://schemas.openxmlformats.org/presentationml/2006/main">
+  <p:cSld>
+    <p:bg>
+      <p:bgPr>
+        <a:solidFill>
+          <a:srgbClr val="1E1E1E"/>
+        </a:solidFill>
+        <a:effectLst/>
+      </p:bgPr>
+    </p:bg>
+    <p:spTree>
+      <p:nvGrpSpPr>
+        <p:cNvPr id="1" name=""/>
+        <p:cNvGrpSpPr/>
+        <p:nvPr/>
+      </p:nvGrpSpPr>
+      <p:grpSpPr>
+        <a:xfrm>
+          <a:off x="0" y="0"/>
+          <a:ext cx="0" cy="0"/>
+          <a:chOff x="0" y="0"/>
+          <a:chExt cx="0" cy="0"/>
+        </a:xfrm>
+      </p:grpSpPr>
+      <p:sp>
+        <p:nvSpPr>
+          <p:cNvPr id="31" name="CuadroTexto 30">
+            <a:extLst>
+              <a:ext uri="{FF2B5EF4-FFF2-40B4-BE49-F238E27FC236}">
+                <a16:creationId xmlns:a16="http://schemas.microsoft.com/office/drawing/2014/main" id="{FBF7026D-12F4-4541-8110-DE706094717A}"/>
+              </a:ext>
+            </a:extLst>
+          </p:cNvPr>
+          <p:cNvSpPr txBox="1"/>
+          <p:nvPr/>
+        </p:nvSpPr>
+        <p:spPr>
+          <a:xfrm>
+            <a:off x="484863" y="185392"/>
+            <a:ext cx="3397994" cy="646331"/>
+          </a:xfrm>
+          <a:prstGeom prst="rect">
+            <a:avLst/>
+          </a:prstGeom>
+          <a:noFill/>
+        </p:spPr>
+        <p:txBody>
+          <a:bodyPr wrap="square" rtlCol="0">
+            <a:spAutoFit/>
+          </a:bodyPr>
+          <a:lstStyle/>
+          <a:p>
+            <a:r>
+              <a:rPr lang="en-US" sz="3600" dirty="0" err="1">
+                <a:solidFill>
+                  <a:srgbClr val="53A2D3"/>
+                </a:solidFill>
+              </a:rPr>
+              <a:t>Teoría</a:t>
+            </a:r>
+            <a:endParaRPr lang="en-US" sz="3600" dirty="0">
+              <a:solidFill>
+                <a:srgbClr val="53A2D3"/>
+              </a:solidFill>
+            </a:endParaRPr>
+          </a:p>
+        </p:txBody>
+      </p:sp>
+      <p:pic>
+        <p:nvPicPr>
+          <p:cNvPr id="30" name="Imagen 29">
+            <a:extLst>
+              <a:ext uri="{FF2B5EF4-FFF2-40B4-BE49-F238E27FC236}">
+                <a16:creationId xmlns:a16="http://schemas.microsoft.com/office/drawing/2014/main" id="{11AA3BEE-0DB9-4E5E-97F9-46B38CC019A4}"/>
+              </a:ext>
+            </a:extLst>
+          </p:cNvPr>
+          <p:cNvPicPr>
+            <a:picLocks noChangeAspect="1"/>
+          </p:cNvPicPr>
+          <p:nvPr/>
+        </p:nvPicPr>
+        <p:blipFill>
+          <a:blip r:embed="rId2"/>
+          <a:stretch>
+            <a:fillRect/>
+          </a:stretch>
+        </p:blipFill>
+        <p:spPr>
+          <a:xfrm>
+            <a:off x="320338" y="3308109"/>
+            <a:ext cx="4785360" cy="2990850"/>
+          </a:xfrm>
+          <a:prstGeom prst="rect">
+            <a:avLst/>
+          </a:prstGeom>
+          <a:effectLst>
+            <a:glow rad="25400">
+              <a:schemeClr val="bg1">
+                <a:alpha val="40000"/>
+              </a:schemeClr>
+            </a:glow>
+          </a:effectLst>
+        </p:spPr>
+      </p:pic>
+      <p:pic>
+        <p:nvPicPr>
+          <p:cNvPr id="33" name="Imagen 32">
+            <a:extLst>
+              <a:ext uri="{FF2B5EF4-FFF2-40B4-BE49-F238E27FC236}">
+                <a16:creationId xmlns:a16="http://schemas.microsoft.com/office/drawing/2014/main" id="{27AF6DC8-BCC6-43A0-ACB8-8E24581FFF99}"/>
+              </a:ext>
+            </a:extLst>
+          </p:cNvPr>
+          <p:cNvPicPr>
+            <a:picLocks noChangeAspect="1"/>
+          </p:cNvPicPr>
+          <p:nvPr/>
+        </p:nvPicPr>
+        <p:blipFill>
+          <a:blip r:embed="rId3"/>
+          <a:stretch>
+            <a:fillRect/>
+          </a:stretch>
+        </p:blipFill>
+        <p:spPr>
+          <a:xfrm>
+            <a:off x="6221148" y="252067"/>
+            <a:ext cx="5485989" cy="2262533"/>
+          </a:xfrm>
+          <a:prstGeom prst="rect">
+            <a:avLst/>
+          </a:prstGeom>
+          <a:effectLst>
+            <a:glow rad="25400">
+              <a:schemeClr val="bg1">
+                <a:alpha val="40000"/>
+              </a:schemeClr>
+            </a:glow>
+          </a:effectLst>
+        </p:spPr>
+      </p:pic>
+      <p:pic>
+        <p:nvPicPr>
+          <p:cNvPr id="2" name="Imagen 1">
+            <a:extLst>
+              <a:ext uri="{FF2B5EF4-FFF2-40B4-BE49-F238E27FC236}">
+                <a16:creationId xmlns:a16="http://schemas.microsoft.com/office/drawing/2014/main" id="{0D177CD9-B958-4BF5-9974-F66D391F7A44}"/>
+              </a:ext>
+            </a:extLst>
+          </p:cNvPr>
+          <p:cNvPicPr>
+            <a:picLocks noChangeAspect="1"/>
+          </p:cNvPicPr>
+          <p:nvPr/>
+        </p:nvPicPr>
+        <p:blipFill>
+          <a:blip r:embed="rId4"/>
+          <a:stretch>
+            <a:fillRect/>
+          </a:stretch>
+        </p:blipFill>
+        <p:spPr>
+          <a:xfrm>
+            <a:off x="6221148" y="3124301"/>
+            <a:ext cx="5491163" cy="3358466"/>
+          </a:xfrm>
+          <a:prstGeom prst="rect">
+            <a:avLst/>
+          </a:prstGeom>
+          <a:effectLst>
+            <a:glow rad="25400">
+              <a:schemeClr val="bg1">
+                <a:alpha val="40000"/>
+              </a:schemeClr>
+            </a:glow>
+          </a:effectLst>
+        </p:spPr>
+      </p:pic>
+      <p:cxnSp>
+        <p:nvCxnSpPr>
+          <p:cNvPr id="34" name="Conector recto de flecha 33">
+            <a:extLst>
+              <a:ext uri="{FF2B5EF4-FFF2-40B4-BE49-F238E27FC236}">
+                <a16:creationId xmlns:a16="http://schemas.microsoft.com/office/drawing/2014/main" id="{FE5B11F8-9635-41F2-BA0B-CF1CE47617E6}"/>
+              </a:ext>
+            </a:extLst>
+          </p:cNvPr>
+          <p:cNvCxnSpPr>
+            <a:cxnSpLocks/>
+            <a:stCxn id="2" idx="0"/>
+            <a:endCxn id="33" idx="2"/>
+          </p:cNvCxnSpPr>
+          <p:nvPr/>
+        </p:nvCxnSpPr>
+        <p:spPr>
+          <a:xfrm flipH="1" flipV="1">
+            <a:off x="8964143" y="2514600"/>
+            <a:ext cx="2587" cy="609701"/>
+          </a:xfrm>
+          <a:prstGeom prst="straightConnector1">
+            <a:avLst/>
+          </a:prstGeom>
+          <a:ln w="12700">
+            <a:solidFill>
+              <a:schemeClr val="bg1"/>
+            </a:solidFill>
+            <a:headEnd type="triangle"/>
+            <a:tailEnd type="triangle"/>
+          </a:ln>
+        </p:spPr>
+        <p:style>
+          <a:lnRef idx="1">
+            <a:schemeClr val="accent1"/>
+          </a:lnRef>
+          <a:fillRef idx="0">
+            <a:schemeClr val="accent1"/>
+          </a:fillRef>
+          <a:effectRef idx="0">
+            <a:schemeClr val="accent1"/>
+          </a:effectRef>
+          <a:fontRef idx="minor">
+            <a:schemeClr val="tx1"/>
+          </a:fontRef>
+        </p:style>
+      </p:cxnSp>
+      <p:sp>
+        <p:nvSpPr>
+          <p:cNvPr id="38" name="CuadroTexto 37">
+            <a:extLst>
+              <a:ext uri="{FF2B5EF4-FFF2-40B4-BE49-F238E27FC236}">
+                <a16:creationId xmlns:a16="http://schemas.microsoft.com/office/drawing/2014/main" id="{E593275B-18D5-4ED5-B785-2CD80B46AC8E}"/>
+              </a:ext>
+            </a:extLst>
+          </p:cNvPr>
+          <p:cNvSpPr txBox="1"/>
+          <p:nvPr/>
+        </p:nvSpPr>
+        <p:spPr>
+          <a:xfrm>
+            <a:off x="8964141" y="2650173"/>
+            <a:ext cx="1758422" cy="338554"/>
+          </a:xfrm>
+          <a:prstGeom prst="rect">
+            <a:avLst/>
+          </a:prstGeom>
+          <a:noFill/>
+        </p:spPr>
+        <p:txBody>
+          <a:bodyPr wrap="square" rtlCol="0">
+            <a:spAutoFit/>
+          </a:bodyPr>
+          <a:lstStyle/>
+          <a:p>
+            <a:r>
+              <a:rPr lang="en-US" sz="1600" dirty="0">
+                <a:solidFill>
+                  <a:schemeClr val="bg1"/>
+                </a:solidFill>
+              </a:rPr>
+              <a:t>reads and interacts</a:t>
+            </a:r>
+          </a:p>
+        </p:txBody>
+      </p:sp>
+      <p:sp>
+        <p:nvSpPr>
+          <p:cNvPr id="39" name="CuadroTexto 38">
+            <a:extLst>
+              <a:ext uri="{FF2B5EF4-FFF2-40B4-BE49-F238E27FC236}">
+                <a16:creationId xmlns:a16="http://schemas.microsoft.com/office/drawing/2014/main" id="{E933C427-2012-4298-BAC7-CF5FE7311DE1}"/>
+              </a:ext>
+            </a:extLst>
+          </p:cNvPr>
+          <p:cNvSpPr txBox="1"/>
+          <p:nvPr/>
+        </p:nvSpPr>
+        <p:spPr>
+          <a:xfrm>
+            <a:off x="5282744" y="4434202"/>
+            <a:ext cx="1376218" cy="369332"/>
+          </a:xfrm>
+          <a:prstGeom prst="rect">
+            <a:avLst/>
+          </a:prstGeom>
+          <a:noFill/>
+        </p:spPr>
+        <p:txBody>
+          <a:bodyPr wrap="square" rtlCol="0">
+            <a:spAutoFit/>
+          </a:bodyPr>
+          <a:lstStyle/>
+          <a:p>
+            <a:r>
+              <a:rPr lang="en-US" dirty="0">
+                <a:solidFill>
+                  <a:schemeClr val="bg1"/>
+                </a:solidFill>
+              </a:rPr>
+              <a:t>calls</a:t>
+            </a:r>
+          </a:p>
+        </p:txBody>
+      </p:sp>
+      <p:cxnSp>
+        <p:nvCxnSpPr>
+          <p:cNvPr id="40" name="Conector recto de flecha 39">
+            <a:extLst>
+              <a:ext uri="{FF2B5EF4-FFF2-40B4-BE49-F238E27FC236}">
+                <a16:creationId xmlns:a16="http://schemas.microsoft.com/office/drawing/2014/main" id="{65ADA00B-B061-4BC6-8BEA-533E11C25C79}"/>
+              </a:ext>
+            </a:extLst>
+          </p:cNvPr>
+          <p:cNvCxnSpPr>
+            <a:cxnSpLocks/>
+            <a:stCxn id="30" idx="3"/>
+            <a:endCxn id="2" idx="1"/>
+          </p:cNvCxnSpPr>
+          <p:nvPr/>
+        </p:nvCxnSpPr>
+        <p:spPr>
+          <a:xfrm>
+            <a:off x="5105698" y="4803534"/>
+            <a:ext cx="1115450" cy="0"/>
+          </a:xfrm>
+          <a:prstGeom prst="straightConnector1">
+            <a:avLst/>
+          </a:prstGeom>
+          <a:ln w="12700">
+            <a:solidFill>
+              <a:schemeClr val="bg1"/>
+            </a:solidFill>
+            <a:tailEnd type="triangle"/>
+          </a:ln>
+        </p:spPr>
+        <p:style>
+          <a:lnRef idx="1">
+            <a:schemeClr val="accent1"/>
+          </a:lnRef>
+          <a:fillRef idx="0">
+            <a:schemeClr val="accent1"/>
+          </a:fillRef>
+          <a:effectRef idx="0">
+            <a:schemeClr val="accent1"/>
+          </a:effectRef>
+          <a:fontRef idx="minor">
+            <a:schemeClr val="tx1"/>
+          </a:fontRef>
+        </p:style>
+      </p:cxnSp>
+    </p:spTree>
+    <p:extLst>
+      <p:ext uri="{BB962C8B-B14F-4D97-AF65-F5344CB8AC3E}">
+        <p14:creationId xmlns:p14="http://schemas.microsoft.com/office/powerpoint/2010/main" val="2070501123"/>
+      </p:ext>
+    </p:extLst>
+  </p:cSld>
+  <p:clrMapOvr>
+    <a:masterClrMapping/>
+  </p:clrMapOvr>
+</p:sld>
+</file>
+
+<file path=ppt/slides/slide48.xml><?xml version="1.0" encoding="utf-8"?>
+<p:sld xmlns:a="http://schemas.openxmlformats.org/drawingml/2006/main" xmlns:r="http://schemas.openxmlformats.org/officeDocument/2006/relationships" xmlns:p="http://schemas.openxmlformats.org/presentationml/2006/main">
+  <p:cSld>
+    <p:bg>
+      <p:bgPr>
+        <a:solidFill>
+          <a:srgbClr val="1E1E1E"/>
+        </a:solidFill>
+        <a:effectLst/>
+      </p:bgPr>
+    </p:bg>
+    <p:spTree>
+      <p:nvGrpSpPr>
+        <p:cNvPr id="1" name=""/>
+        <p:cNvGrpSpPr/>
+        <p:nvPr/>
+      </p:nvGrpSpPr>
+      <p:grpSpPr>
+        <a:xfrm>
+          <a:off x="0" y="0"/>
+          <a:ext cx="0" cy="0"/>
+          <a:chOff x="0" y="0"/>
+          <a:chExt cx="0" cy="0"/>
+        </a:xfrm>
+      </p:grpSpPr>
       <p:pic>
         <p:nvPicPr>
           <p:cNvPr id="7" name="Imagen 6">
@@ -15524,7 +17282,7 @@
 </p:sld>
 </file>
 
-<file path=ppt/slides/slide46.xml><?xml version="1.0" encoding="utf-8"?>
+<file path=ppt/slides/slide49.xml><?xml version="1.0" encoding="utf-8"?>
 <p:sld xmlns:a="http://schemas.openxmlformats.org/drawingml/2006/main" xmlns:r="http://schemas.openxmlformats.org/officeDocument/2006/relationships" xmlns:p="http://schemas.openxmlformats.org/presentationml/2006/main">
   <p:cSld>
     <p:bg>

--- a/slides/Patrones de diseño con Typescript en el mundo real.pptx
+++ b/slides/Patrones de diseño con Typescript en el mundo real.pptx
@@ -11,12 +11,12 @@
     <p:sldId id="311" r:id="rId2"/>
     <p:sldId id="312" r:id="rId3"/>
     <p:sldId id="315" r:id="rId4"/>
-    <p:sldId id="286" r:id="rId5"/>
-    <p:sldId id="287" r:id="rId6"/>
-    <p:sldId id="262" r:id="rId7"/>
-    <p:sldId id="261" r:id="rId8"/>
-    <p:sldId id="264" r:id="rId9"/>
-    <p:sldId id="265" r:id="rId10"/>
+    <p:sldId id="262" r:id="rId5"/>
+    <p:sldId id="261" r:id="rId6"/>
+    <p:sldId id="264" r:id="rId7"/>
+    <p:sldId id="265" r:id="rId8"/>
+    <p:sldId id="286" r:id="rId9"/>
+    <p:sldId id="287" r:id="rId10"/>
     <p:sldId id="289" r:id="rId11"/>
     <p:sldId id="290" r:id="rId12"/>
     <p:sldId id="292" r:id="rId13"/>
@@ -293,38 +293,37 @@
           <a:p>
             <a:pPr lvl="0"/>
             <a:r>
-              <a:rPr lang="es-ES" smtClean="0"/>
+              <a:rPr lang="es-ES"/>
               <a:t>Editar el estilo de texto del patrón</a:t>
             </a:r>
           </a:p>
           <a:p>
             <a:pPr lvl="1"/>
             <a:r>
-              <a:rPr lang="es-ES" smtClean="0"/>
+              <a:rPr lang="es-ES"/>
               <a:t>Segundo nivel</a:t>
             </a:r>
           </a:p>
           <a:p>
             <a:pPr lvl="2"/>
             <a:r>
-              <a:rPr lang="es-ES" smtClean="0"/>
+              <a:rPr lang="es-ES"/>
               <a:t>Tercer nivel</a:t>
             </a:r>
           </a:p>
           <a:p>
             <a:pPr lvl="3"/>
             <a:r>
-              <a:rPr lang="es-ES" smtClean="0"/>
+              <a:rPr lang="es-ES"/>
               <a:t>Cuarto nivel</a:t>
             </a:r>
           </a:p>
           <a:p>
             <a:pPr lvl="4"/>
             <a:r>
-              <a:rPr lang="es-ES" smtClean="0"/>
+              <a:rPr lang="es-ES"/>
               <a:t>Quinto nivel</a:t>
             </a:r>
-            <a:endParaRPr lang="es-ES"/>
           </a:p>
         </p:txBody>
       </p:sp>
@@ -542,293 +541,302 @@
           <a:lstStyle/>
           <a:p>
             <a:r>
-              <a:rPr lang="en-US" dirty="0" smtClean="0"/>
+              <a:rPr lang="en-US" dirty="0"/>
               <a:t>¿</a:t>
             </a:r>
             <a:r>
-              <a:rPr lang="en-US" dirty="0" err="1" smtClean="0"/>
+              <a:rPr lang="en-US" dirty="0" err="1"/>
               <a:t>Por</a:t>
             </a:r>
             <a:r>
-              <a:rPr lang="en-US" dirty="0" smtClean="0"/>
+              <a:rPr lang="en-US" dirty="0"/>
               <a:t> </a:t>
             </a:r>
             <a:r>
-              <a:rPr lang="en-US" dirty="0" err="1" smtClean="0"/>
+              <a:rPr lang="en-US" dirty="0" err="1"/>
               <a:t>qué</a:t>
             </a:r>
             <a:r>
-              <a:rPr lang="en-US" dirty="0" smtClean="0"/>
+              <a:rPr lang="en-US" dirty="0"/>
               <a:t> </a:t>
             </a:r>
             <a:r>
-              <a:rPr lang="en-US" dirty="0" err="1" smtClean="0"/>
+              <a:rPr lang="en-US" dirty="0" err="1"/>
               <a:t>aplicamos</a:t>
             </a:r>
             <a:r>
-              <a:rPr lang="en-US" dirty="0" smtClean="0"/>
+              <a:rPr lang="en-US" dirty="0"/>
               <a:t> </a:t>
             </a:r>
             <a:r>
-              <a:rPr lang="en-US" dirty="0" err="1" smtClean="0"/>
+              <a:rPr lang="en-US" dirty="0" err="1"/>
               <a:t>este</a:t>
             </a:r>
             <a:r>
-              <a:rPr lang="en-US" dirty="0" smtClean="0"/>
+              <a:rPr lang="en-US" dirty="0"/>
               <a:t> </a:t>
             </a:r>
             <a:r>
-              <a:rPr lang="en-US" dirty="0" err="1" smtClean="0"/>
+              <a:rPr lang="en-US" dirty="0" err="1"/>
               <a:t>patrón</a:t>
             </a:r>
             <a:r>
-              <a:rPr lang="en-US" dirty="0" smtClean="0"/>
+              <a:rPr lang="en-US" dirty="0"/>
               <a:t>?</a:t>
             </a:r>
           </a:p>
           <a:p>
-            <a:pPr algn="just"/>
-            <a:r>
-              <a:rPr lang="en-US" b="1" dirty="0" err="1" smtClean="0"/>
+            <a:pPr marL="171450" indent="-171450" algn="just">
+              <a:buFont typeface="Arial" panose="020B0604020202020204" pitchFamily="34" charset="0"/>
+              <a:buChar char="•"/>
+            </a:pPr>
+            <a:r>
+              <a:rPr lang="en-US" b="1" dirty="0" err="1"/>
               <a:t>Encapsulación</a:t>
             </a:r>
             <a:r>
-              <a:rPr lang="en-US" dirty="0" smtClean="0"/>
+              <a:rPr lang="en-US" dirty="0"/>
               <a:t>: El </a:t>
             </a:r>
             <a:r>
-              <a:rPr lang="en-US" dirty="0" err="1" smtClean="0"/>
+              <a:rPr lang="en-US" dirty="0" err="1"/>
               <a:t>cliente</a:t>
             </a:r>
             <a:r>
-              <a:rPr lang="en-US" dirty="0" smtClean="0"/>
+              <a:rPr lang="en-US" dirty="0"/>
               <a:t> no </a:t>
             </a:r>
             <a:r>
-              <a:rPr lang="en-US" dirty="0" err="1" smtClean="0"/>
+              <a:rPr lang="en-US" dirty="0" err="1"/>
               <a:t>conoce</a:t>
             </a:r>
             <a:r>
-              <a:rPr lang="en-US" dirty="0" smtClean="0"/>
+              <a:rPr lang="en-US" dirty="0"/>
               <a:t> </a:t>
             </a:r>
             <a:r>
-              <a:rPr lang="en-US" dirty="0" err="1" smtClean="0"/>
+              <a:rPr lang="en-US" dirty="0" err="1"/>
               <a:t>ni</a:t>
             </a:r>
             <a:r>
-              <a:rPr lang="en-US" dirty="0" smtClean="0"/>
+              <a:rPr lang="en-US" dirty="0"/>
               <a:t> </a:t>
             </a:r>
             <a:r>
-              <a:rPr lang="en-US" dirty="0" err="1" smtClean="0"/>
+              <a:rPr lang="en-US" dirty="0" err="1"/>
               <a:t>depende</a:t>
             </a:r>
             <a:r>
-              <a:rPr lang="en-US" dirty="0" smtClean="0"/>
+              <a:rPr lang="en-US" dirty="0"/>
               <a:t> de la </a:t>
             </a:r>
             <a:r>
-              <a:rPr lang="en-US" dirty="0" err="1" smtClean="0"/>
+              <a:rPr lang="en-US" dirty="0" err="1"/>
               <a:t>lógica</a:t>
             </a:r>
             <a:r>
-              <a:rPr lang="en-US" dirty="0" smtClean="0"/>
+              <a:rPr lang="en-US" dirty="0"/>
               <a:t> de </a:t>
             </a:r>
             <a:r>
-              <a:rPr lang="en-US" dirty="0" err="1" smtClean="0"/>
+              <a:rPr lang="en-US" dirty="0" err="1"/>
               <a:t>creación</a:t>
             </a:r>
             <a:r>
-              <a:rPr lang="en-US" dirty="0" smtClean="0"/>
-              <a:t> de </a:t>
-            </a:r>
-            <a:r>
-              <a:rPr lang="en-US" dirty="0" err="1" smtClean="0"/>
-              <a:t>los</a:t>
-            </a:r>
-            <a:r>
-              <a:rPr lang="en-US" dirty="0" smtClean="0"/>
+              <a:rPr lang="en-US" dirty="0"/>
+              <a:t> de los </a:t>
+            </a:r>
+            <a:r>
+              <a:rPr lang="en-US" dirty="0" err="1"/>
+              <a:t>objetos</a:t>
+            </a:r>
+            <a:r>
+              <a:rPr lang="en-US" dirty="0"/>
+              <a:t>. </a:t>
+            </a:r>
+            <a:r>
+              <a:rPr lang="en-US" dirty="0" err="1"/>
+              <a:t>Esta</a:t>
+            </a:r>
+            <a:r>
+              <a:rPr lang="en-US" dirty="0"/>
               <a:t> </a:t>
             </a:r>
             <a:r>
-              <a:rPr lang="en-US" dirty="0" err="1" smtClean="0"/>
-              <a:t>objetos</a:t>
-            </a:r>
-            <a:r>
-              <a:rPr lang="en-US" dirty="0" smtClean="0"/>
+              <a:rPr lang="en-US" dirty="0" err="1"/>
+              <a:t>creación</a:t>
+            </a:r>
+            <a:r>
+              <a:rPr lang="en-US" dirty="0"/>
+              <a:t> se </a:t>
+            </a:r>
+            <a:r>
+              <a:rPr lang="en-US" dirty="0" err="1"/>
+              <a:t>delega</a:t>
+            </a:r>
+            <a:r>
+              <a:rPr lang="en-US" dirty="0"/>
+              <a:t> a las </a:t>
+            </a:r>
+            <a:r>
+              <a:rPr lang="en-US" dirty="0" err="1"/>
+              <a:t>subclases</a:t>
+            </a:r>
+            <a:r>
+              <a:rPr lang="en-US" dirty="0"/>
+              <a:t> (</a:t>
+            </a:r>
+            <a:r>
+              <a:rPr lang="en-US" dirty="0" err="1"/>
+              <a:t>ConcreteCreators</a:t>
+            </a:r>
+            <a:r>
+              <a:rPr lang="en-US" dirty="0"/>
+              <a:t>).</a:t>
+            </a:r>
+          </a:p>
+          <a:p>
+            <a:pPr marL="171450" indent="-171450" algn="just">
+              <a:buFont typeface="Arial" panose="020B0604020202020204" pitchFamily="34" charset="0"/>
+              <a:buChar char="•"/>
+            </a:pPr>
+            <a:r>
+              <a:rPr lang="en-US" b="1" dirty="0" err="1"/>
+              <a:t>Extensibilidad</a:t>
+            </a:r>
+            <a:r>
+              <a:rPr lang="en-US" dirty="0"/>
+              <a:t>: </a:t>
+            </a:r>
+            <a:r>
+              <a:rPr lang="en-US" dirty="0" err="1"/>
+              <a:t>Siguiendo</a:t>
+            </a:r>
+            <a:r>
+              <a:rPr lang="en-US" dirty="0"/>
+              <a:t> el principio de open-close, </a:t>
+            </a:r>
+            <a:r>
+              <a:rPr lang="en-US" dirty="0" err="1"/>
+              <a:t>podemos</a:t>
+            </a:r>
+            <a:r>
+              <a:rPr lang="en-US" dirty="0"/>
+              <a:t> </a:t>
+            </a:r>
+            <a:r>
+              <a:rPr lang="en-US" dirty="0" err="1"/>
+              <a:t>añadir</a:t>
+            </a:r>
+            <a:r>
+              <a:rPr lang="en-US" dirty="0"/>
+              <a:t> un nuevo </a:t>
+            </a:r>
+            <a:r>
+              <a:rPr lang="en-US" dirty="0" err="1"/>
+              <a:t>ConcreteProduct</a:t>
+            </a:r>
+            <a:r>
+              <a:rPr lang="en-US" dirty="0"/>
+              <a:t> con solo </a:t>
+            </a:r>
+            <a:r>
+              <a:rPr lang="en-US" dirty="0" err="1"/>
+              <a:t>cumplir</a:t>
+            </a:r>
+            <a:r>
+              <a:rPr lang="en-US" dirty="0"/>
+              <a:t> la </a:t>
+            </a:r>
+            <a:r>
+              <a:rPr lang="en-US" dirty="0" err="1"/>
+              <a:t>interfaz</a:t>
+            </a:r>
+            <a:r>
+              <a:rPr lang="en-US" dirty="0"/>
+              <a:t>, sin </a:t>
+            </a:r>
+            <a:r>
+              <a:rPr lang="en-US" dirty="0" err="1"/>
+              <a:t>tener</a:t>
+            </a:r>
+            <a:r>
+              <a:rPr lang="en-US" dirty="0"/>
+              <a:t> que </a:t>
+            </a:r>
+            <a:r>
+              <a:rPr lang="en-US" dirty="0" err="1"/>
+              <a:t>modificar</a:t>
+            </a:r>
+            <a:r>
+              <a:rPr lang="en-US" dirty="0"/>
+              <a:t> los </a:t>
+            </a:r>
+            <a:r>
+              <a:rPr lang="en-US" dirty="0" err="1"/>
+              <a:t>productos</a:t>
+            </a:r>
+            <a:r>
+              <a:rPr lang="en-US" dirty="0"/>
+              <a:t> </a:t>
+            </a:r>
+            <a:r>
+              <a:rPr lang="en-US" dirty="0" err="1"/>
+              <a:t>existentes</a:t>
+            </a:r>
+            <a:r>
+              <a:rPr lang="en-US" dirty="0"/>
               <a:t>.</a:t>
             </a:r>
           </a:p>
           <a:p>
-            <a:pPr algn="just"/>
-            <a:r>
-              <a:rPr lang="en-US" b="1" dirty="0" err="1" smtClean="0"/>
-              <a:t>Extensibilidad</a:t>
-            </a:r>
-            <a:r>
-              <a:rPr lang="en-US" dirty="0" smtClean="0"/>
-              <a:t>: </a:t>
-            </a:r>
-            <a:r>
-              <a:rPr lang="en-US" dirty="0" err="1" smtClean="0"/>
-              <a:t>Siguiendo</a:t>
-            </a:r>
-            <a:r>
-              <a:rPr lang="en-US" dirty="0" smtClean="0"/>
-              <a:t> el principio de open-close, </a:t>
-            </a:r>
-            <a:r>
-              <a:rPr lang="en-US" dirty="0" err="1" smtClean="0"/>
-              <a:t>podemos</a:t>
-            </a:r>
-            <a:r>
-              <a:rPr lang="en-US" dirty="0" smtClean="0"/>
+            <a:pPr marL="171450" indent="-171450" algn="just">
+              <a:buFont typeface="Arial" panose="020B0604020202020204" pitchFamily="34" charset="0"/>
+              <a:buChar char="•"/>
+            </a:pPr>
+            <a:r>
+              <a:rPr lang="en-US" b="1" dirty="0" err="1"/>
+              <a:t>Versatilidad</a:t>
+            </a:r>
+            <a:r>
+              <a:rPr lang="en-US" dirty="0"/>
+              <a:t>: Podemos </a:t>
+            </a:r>
+            <a:r>
+              <a:rPr lang="en-US" dirty="0" err="1"/>
+              <a:t>intercambiar</a:t>
+            </a:r>
+            <a:r>
+              <a:rPr lang="en-US" dirty="0"/>
               <a:t> </a:t>
             </a:r>
             <a:r>
-              <a:rPr lang="en-US" dirty="0" err="1" smtClean="0"/>
-              <a:t>añadir</a:t>
-            </a:r>
-            <a:r>
-              <a:rPr lang="en-US" dirty="0" smtClean="0"/>
+              <a:rPr lang="en-US" dirty="0" err="1"/>
+              <a:t>facilmente</a:t>
+            </a:r>
+            <a:r>
+              <a:rPr lang="en-US" dirty="0"/>
               <a:t> un </a:t>
             </a:r>
             <a:r>
-              <a:rPr lang="en-US" dirty="0" err="1" smtClean="0"/>
-              <a:t>nuevo</a:t>
-            </a:r>
-            <a:r>
-              <a:rPr lang="en-US" dirty="0" smtClean="0"/>
-              <a:t> </a:t>
-            </a:r>
-            <a:r>
-              <a:rPr lang="en-US" dirty="0" err="1" smtClean="0"/>
-              <a:t>ConcreteProduct</a:t>
-            </a:r>
-            <a:r>
-              <a:rPr lang="en-US" dirty="0" smtClean="0"/>
-              <a:t> con solo </a:t>
-            </a:r>
-            <a:r>
-              <a:rPr lang="en-US" dirty="0" err="1" smtClean="0"/>
-              <a:t>cumplir</a:t>
-            </a:r>
-            <a:r>
-              <a:rPr lang="en-US" dirty="0" smtClean="0"/>
-              <a:t> la </a:t>
-            </a:r>
-            <a:r>
-              <a:rPr lang="en-US" dirty="0" err="1" smtClean="0"/>
-              <a:t>interfaz</a:t>
-            </a:r>
-            <a:r>
-              <a:rPr lang="en-US" dirty="0" smtClean="0"/>
-              <a:t>, sin </a:t>
-            </a:r>
-            <a:r>
-              <a:rPr lang="en-US" dirty="0" err="1" smtClean="0"/>
-              <a:t>tener</a:t>
-            </a:r>
-            <a:r>
-              <a:rPr lang="en-US" dirty="0" smtClean="0"/>
-              <a:t> que </a:t>
-            </a:r>
-            <a:r>
-              <a:rPr lang="en-US" dirty="0" err="1" smtClean="0"/>
-              <a:t>modificar</a:t>
-            </a:r>
-            <a:r>
-              <a:rPr lang="en-US" dirty="0" smtClean="0"/>
-              <a:t> </a:t>
-            </a:r>
-            <a:r>
-              <a:rPr lang="en-US" dirty="0" err="1" smtClean="0"/>
-              <a:t>los</a:t>
-            </a:r>
-            <a:r>
-              <a:rPr lang="en-US" dirty="0" smtClean="0"/>
-              <a:t> </a:t>
-            </a:r>
-            <a:r>
-              <a:rPr lang="en-US" dirty="0" err="1" smtClean="0"/>
-              <a:t>productos</a:t>
-            </a:r>
-            <a:r>
-              <a:rPr lang="en-US" dirty="0" smtClean="0"/>
-              <a:t> </a:t>
-            </a:r>
-            <a:r>
-              <a:rPr lang="en-US" dirty="0" err="1" smtClean="0"/>
-              <a:t>existentes</a:t>
-            </a:r>
-            <a:r>
-              <a:rPr lang="en-US" dirty="0" smtClean="0"/>
+              <a:rPr lang="en-US" dirty="0" err="1"/>
+              <a:t>ConcreteCreator</a:t>
+            </a:r>
+            <a:r>
+              <a:rPr lang="en-US" dirty="0"/>
+              <a:t> por </a:t>
+            </a:r>
+            <a:r>
+              <a:rPr lang="en-US" dirty="0" err="1"/>
+              <a:t>otro</a:t>
+            </a:r>
+            <a:r>
+              <a:rPr lang="en-US" dirty="0"/>
               <a:t>.</a:t>
             </a:r>
           </a:p>
           <a:p>
-            <a:pPr algn="just"/>
-            <a:r>
-              <a:rPr lang="en-US" b="1" dirty="0" err="1" smtClean="0"/>
-              <a:t>Versatilidad</a:t>
-            </a:r>
-            <a:r>
-              <a:rPr lang="en-US" dirty="0" smtClean="0"/>
-              <a:t>: </a:t>
-            </a:r>
-            <a:r>
-              <a:rPr lang="en-US" dirty="0" err="1" smtClean="0"/>
-              <a:t>Podemos</a:t>
-            </a:r>
-            <a:r>
-              <a:rPr lang="en-US" dirty="0" smtClean="0"/>
-              <a:t> </a:t>
-            </a:r>
-            <a:r>
-              <a:rPr lang="en-US" dirty="0" err="1" smtClean="0"/>
-              <a:t>intercambiar</a:t>
-            </a:r>
-            <a:r>
-              <a:rPr lang="en-US" dirty="0" smtClean="0"/>
-              <a:t> </a:t>
-            </a:r>
-            <a:r>
-              <a:rPr lang="en-US" dirty="0" err="1" smtClean="0"/>
-              <a:t>facilmente</a:t>
-            </a:r>
-            <a:r>
-              <a:rPr lang="en-US" dirty="0" smtClean="0"/>
-              <a:t> un </a:t>
-            </a:r>
-            <a:r>
-              <a:rPr lang="en-US" dirty="0" err="1" smtClean="0"/>
-              <a:t>ConcreteCreator</a:t>
-            </a:r>
-            <a:r>
-              <a:rPr lang="en-US" dirty="0" smtClean="0"/>
-              <a:t> </a:t>
-            </a:r>
-            <a:r>
-              <a:rPr lang="en-US" dirty="0" err="1" smtClean="0"/>
-              <a:t>por</a:t>
-            </a:r>
-            <a:r>
-              <a:rPr lang="en-US" dirty="0" smtClean="0"/>
-              <a:t> </a:t>
-            </a:r>
-            <a:r>
-              <a:rPr lang="en-US" dirty="0" err="1" smtClean="0"/>
-              <a:t>otro</a:t>
-            </a:r>
-            <a:r>
-              <a:rPr lang="en-US" dirty="0" smtClean="0"/>
-              <a:t>.</a:t>
-            </a:r>
-          </a:p>
-          <a:p>
-            <a:endParaRPr lang="en-US" dirty="0" smtClean="0"/>
+            <a:endParaRPr lang="en-US" dirty="0"/>
           </a:p>
           <a:p>
             <a:endParaRPr lang="es-ES" dirty="0"/>
@@ -852,7 +860,7 @@
           <a:p>
             <a:fld id="{2B3ED2FB-06D2-4C46-8CA7-06D76B104F73}" type="slidenum">
               <a:rPr lang="es-ES" smtClean="0"/>
-              <a:t>6</a:t>
+              <a:t>4</a:t>
             </a:fld>
             <a:endParaRPr lang="es-ES"/>
           </a:p>
@@ -862,6 +870,1192 @@
     <p:extLst>
       <p:ext uri="{BB962C8B-B14F-4D97-AF65-F5344CB8AC3E}">
         <p14:creationId xmlns:p14="http://schemas.microsoft.com/office/powerpoint/2010/main" val="2696761439"/>
+      </p:ext>
+    </p:extLst>
+  </p:cSld>
+  <p:clrMapOvr>
+    <a:masterClrMapping/>
+  </p:clrMapOvr>
+</p:notes>
+</file>
+
+<file path=ppt/notesSlides/notesSlide10.xml><?xml version="1.0" encoding="utf-8"?>
+<p:notes xmlns:a="http://schemas.openxmlformats.org/drawingml/2006/main" xmlns:r="http://schemas.openxmlformats.org/officeDocument/2006/relationships" xmlns:p="http://schemas.openxmlformats.org/presentationml/2006/main">
+  <p:cSld>
+    <p:spTree>
+      <p:nvGrpSpPr>
+        <p:cNvPr id="1" name=""/>
+        <p:cNvGrpSpPr/>
+        <p:nvPr/>
+      </p:nvGrpSpPr>
+      <p:grpSpPr>
+        <a:xfrm>
+          <a:off x="0" y="0"/>
+          <a:ext cx="0" cy="0"/>
+          <a:chOff x="0" y="0"/>
+          <a:chExt cx="0" cy="0"/>
+        </a:xfrm>
+      </p:grpSpPr>
+      <p:sp>
+        <p:nvSpPr>
+          <p:cNvPr id="2" name="Marcador de imagen de diapositiva 1"/>
+          <p:cNvSpPr>
+            <a:spLocks noGrp="1" noRot="1" noChangeAspect="1"/>
+          </p:cNvSpPr>
+          <p:nvPr>
+            <p:ph type="sldImg"/>
+          </p:nvPr>
+        </p:nvSpPr>
+        <p:spPr/>
+      </p:sp>
+      <p:sp>
+        <p:nvSpPr>
+          <p:cNvPr id="3" name="Marcador de notas 2"/>
+          <p:cNvSpPr>
+            <a:spLocks noGrp="1"/>
+          </p:cNvSpPr>
+          <p:nvPr>
+            <p:ph type="body" idx="1"/>
+          </p:nvPr>
+        </p:nvSpPr>
+        <p:spPr/>
+        <p:txBody>
+          <a:bodyPr/>
+          <a:lstStyle/>
+          <a:p>
+            <a:pPr marL="0" marR="0" lvl="0" indent="0" algn="l" defTabSz="914400" rtl="0" eaLnBrk="1" fontAlgn="auto" latinLnBrk="0" hangingPunct="1">
+              <a:lnSpc>
+                <a:spcPct val="100000"/>
+              </a:lnSpc>
+              <a:spcBef>
+                <a:spcPts val="0"/>
+              </a:spcBef>
+              <a:spcAft>
+                <a:spcPts val="0"/>
+              </a:spcAft>
+              <a:buClrTx/>
+              <a:buSzTx/>
+              <a:buFontTx/>
+              <a:buNone/>
+              <a:tabLst/>
+              <a:defRPr/>
+            </a:pPr>
+            <a:r>
+              <a:rPr lang="es-ES" dirty="0">
+                <a:solidFill>
+                  <a:srgbClr val="000000"/>
+                </a:solidFill>
+                <a:latin typeface="Calibri" panose="020F0502020204030204" pitchFamily="34" charset="0"/>
+              </a:rPr>
+              <a:t> </a:t>
+            </a:r>
+            <a:r>
+              <a:rPr lang="en-US" dirty="0"/>
+              <a:t>¿Por </a:t>
+            </a:r>
+            <a:r>
+              <a:rPr lang="en-US" dirty="0" err="1"/>
+              <a:t>qué</a:t>
+            </a:r>
+            <a:r>
+              <a:rPr lang="en-US" dirty="0"/>
+              <a:t> </a:t>
+            </a:r>
+            <a:r>
+              <a:rPr lang="en-US" dirty="0" err="1"/>
+              <a:t>aplicamos</a:t>
+            </a:r>
+            <a:r>
+              <a:rPr lang="en-US" dirty="0"/>
+              <a:t> </a:t>
+            </a:r>
+            <a:r>
+              <a:rPr lang="en-US" dirty="0" err="1"/>
+              <a:t>este</a:t>
+            </a:r>
+            <a:r>
+              <a:rPr lang="en-US" dirty="0"/>
+              <a:t> </a:t>
+            </a:r>
+            <a:r>
+              <a:rPr lang="en-US" dirty="0" err="1"/>
+              <a:t>patrón</a:t>
+            </a:r>
+            <a:r>
+              <a:rPr lang="en-US" dirty="0"/>
+              <a:t>?</a:t>
+            </a:r>
+          </a:p>
+          <a:p>
+            <a:pPr marL="171450" indent="-171450">
+              <a:buFont typeface="Arial" panose="020B0604020202020204" pitchFamily="34" charset="0"/>
+              <a:buChar char="•"/>
+            </a:pPr>
+            <a:r>
+              <a:rPr lang="en-US" dirty="0" err="1"/>
+              <a:t>Desacoplamos</a:t>
+            </a:r>
+            <a:r>
+              <a:rPr lang="en-US" dirty="0"/>
+              <a:t> </a:t>
+            </a:r>
+            <a:r>
+              <a:rPr lang="en-US" dirty="0" err="1"/>
+              <a:t>totalmente</a:t>
+            </a:r>
+            <a:r>
+              <a:rPr lang="en-US" dirty="0"/>
+              <a:t> los </a:t>
+            </a:r>
+            <a:r>
+              <a:rPr lang="en-US" dirty="0" err="1"/>
+              <a:t>objetos</a:t>
+            </a:r>
+            <a:r>
+              <a:rPr lang="en-US" dirty="0"/>
+              <a:t>, los observers no </a:t>
+            </a:r>
+            <a:r>
+              <a:rPr lang="en-US" dirty="0" err="1"/>
+              <a:t>saben</a:t>
+            </a:r>
+            <a:r>
+              <a:rPr lang="en-US" dirty="0"/>
+              <a:t> nada de los subjects u observables.</a:t>
+            </a:r>
+          </a:p>
+          <a:p>
+            <a:pPr marL="171450" indent="-171450">
+              <a:buFont typeface="Arial" panose="020B0604020202020204" pitchFamily="34" charset="0"/>
+              <a:buChar char="•"/>
+            </a:pPr>
+            <a:r>
+              <a:rPr lang="en-US" dirty="0"/>
+              <a:t>No </a:t>
+            </a:r>
+            <a:r>
+              <a:rPr lang="en-US" dirty="0" err="1"/>
+              <a:t>estamos</a:t>
+            </a:r>
+            <a:r>
+              <a:rPr lang="en-US" dirty="0"/>
+              <a:t> </a:t>
+            </a:r>
+            <a:r>
+              <a:rPr lang="en-US" dirty="0" err="1"/>
+              <a:t>atados</a:t>
+            </a:r>
+            <a:r>
+              <a:rPr lang="en-US" dirty="0"/>
+              <a:t> a un </a:t>
+            </a:r>
+            <a:r>
+              <a:rPr lang="en-US" dirty="0" err="1"/>
+              <a:t>orden</a:t>
+            </a:r>
+            <a:r>
+              <a:rPr lang="en-US" dirty="0"/>
+              <a:t> </a:t>
+            </a:r>
+            <a:r>
+              <a:rPr lang="en-US" dirty="0" err="1"/>
+              <a:t>concreto</a:t>
+            </a:r>
+            <a:r>
+              <a:rPr lang="en-US" dirty="0"/>
+              <a:t> de </a:t>
+            </a:r>
+            <a:r>
+              <a:rPr lang="en-US" dirty="0" err="1"/>
+              <a:t>notificación</a:t>
+            </a:r>
+            <a:r>
+              <a:rPr lang="en-US" dirty="0"/>
+              <a:t> a </a:t>
+            </a:r>
+            <a:r>
+              <a:rPr lang="en-US" dirty="0" err="1"/>
+              <a:t>nuestros</a:t>
+            </a:r>
+            <a:r>
+              <a:rPr lang="en-US" dirty="0"/>
+              <a:t> observers.</a:t>
+            </a:r>
+          </a:p>
+          <a:p>
+            <a:endParaRPr lang="en-US" dirty="0"/>
+          </a:p>
+        </p:txBody>
+      </p:sp>
+      <p:sp>
+        <p:nvSpPr>
+          <p:cNvPr id="4" name="Marcador de número de diapositiva 3"/>
+          <p:cNvSpPr>
+            <a:spLocks noGrp="1"/>
+          </p:cNvSpPr>
+          <p:nvPr>
+            <p:ph type="sldNum" sz="quarter" idx="5"/>
+          </p:nvPr>
+        </p:nvSpPr>
+        <p:spPr/>
+        <p:txBody>
+          <a:bodyPr/>
+          <a:lstStyle/>
+          <a:p>
+            <a:fld id="{2B3ED2FB-06D2-4C46-8CA7-06D76B104F73}" type="slidenum">
+              <a:rPr lang="es-ES" smtClean="0"/>
+              <a:t>22</a:t>
+            </a:fld>
+            <a:endParaRPr lang="es-ES"/>
+          </a:p>
+        </p:txBody>
+      </p:sp>
+    </p:spTree>
+    <p:extLst>
+      <p:ext uri="{BB962C8B-B14F-4D97-AF65-F5344CB8AC3E}">
+        <p14:creationId xmlns:p14="http://schemas.microsoft.com/office/powerpoint/2010/main" val="2253403217"/>
+      </p:ext>
+    </p:extLst>
+  </p:cSld>
+  <p:clrMapOvr>
+    <a:masterClrMapping/>
+  </p:clrMapOvr>
+</p:notes>
+</file>
+
+<file path=ppt/notesSlides/notesSlide11.xml><?xml version="1.0" encoding="utf-8"?>
+<p:notes xmlns:a="http://schemas.openxmlformats.org/drawingml/2006/main" xmlns:r="http://schemas.openxmlformats.org/officeDocument/2006/relationships" xmlns:p="http://schemas.openxmlformats.org/presentationml/2006/main">
+  <p:cSld>
+    <p:spTree>
+      <p:nvGrpSpPr>
+        <p:cNvPr id="1" name=""/>
+        <p:cNvGrpSpPr/>
+        <p:nvPr/>
+      </p:nvGrpSpPr>
+      <p:grpSpPr>
+        <a:xfrm>
+          <a:off x="0" y="0"/>
+          <a:ext cx="0" cy="0"/>
+          <a:chOff x="0" y="0"/>
+          <a:chExt cx="0" cy="0"/>
+        </a:xfrm>
+      </p:grpSpPr>
+      <p:sp>
+        <p:nvSpPr>
+          <p:cNvPr id="2" name="Marcador de imagen de diapositiva 1"/>
+          <p:cNvSpPr>
+            <a:spLocks noGrp="1" noRot="1" noChangeAspect="1"/>
+          </p:cNvSpPr>
+          <p:nvPr>
+            <p:ph type="sldImg"/>
+          </p:nvPr>
+        </p:nvSpPr>
+        <p:spPr/>
+      </p:sp>
+      <p:sp>
+        <p:nvSpPr>
+          <p:cNvPr id="3" name="Marcador de notas 2"/>
+          <p:cNvSpPr>
+            <a:spLocks noGrp="1"/>
+          </p:cNvSpPr>
+          <p:nvPr>
+            <p:ph type="body" idx="1"/>
+          </p:nvPr>
+        </p:nvSpPr>
+        <p:spPr/>
+        <p:txBody>
+          <a:bodyPr/>
+          <a:lstStyle/>
+          <a:p>
+            <a:pPr marL="0" marR="0" lvl="0" indent="0" algn="l" defTabSz="914400" rtl="0" eaLnBrk="1" fontAlgn="auto" latinLnBrk="0" hangingPunct="1">
+              <a:lnSpc>
+                <a:spcPct val="100000"/>
+              </a:lnSpc>
+              <a:spcBef>
+                <a:spcPts val="0"/>
+              </a:spcBef>
+              <a:spcAft>
+                <a:spcPts val="0"/>
+              </a:spcAft>
+              <a:buClrTx/>
+              <a:buSzTx/>
+              <a:buFontTx/>
+              <a:buNone/>
+              <a:tabLst/>
+              <a:defRPr/>
+            </a:pPr>
+            <a:r>
+              <a:rPr lang="es-ES" dirty="0">
+                <a:solidFill>
+                  <a:srgbClr val="000000"/>
+                </a:solidFill>
+                <a:latin typeface="Calibri" panose="020F0502020204030204" pitchFamily="34" charset="0"/>
+              </a:rPr>
+              <a:t> </a:t>
+            </a:r>
+            <a:r>
+              <a:rPr lang="en-US" dirty="0"/>
+              <a:t>¿Por </a:t>
+            </a:r>
+            <a:r>
+              <a:rPr lang="en-US" dirty="0" err="1"/>
+              <a:t>qué</a:t>
+            </a:r>
+            <a:r>
+              <a:rPr lang="en-US" dirty="0"/>
+              <a:t> </a:t>
+            </a:r>
+            <a:r>
+              <a:rPr lang="en-US" dirty="0" err="1"/>
+              <a:t>aplicamos</a:t>
+            </a:r>
+            <a:r>
+              <a:rPr lang="en-US" dirty="0"/>
+              <a:t> </a:t>
+            </a:r>
+            <a:r>
+              <a:rPr lang="en-US" dirty="0" err="1"/>
+              <a:t>este</a:t>
+            </a:r>
+            <a:r>
+              <a:rPr lang="en-US" dirty="0"/>
+              <a:t> </a:t>
+            </a:r>
+            <a:r>
+              <a:rPr lang="en-US" dirty="0" err="1"/>
+              <a:t>patrón</a:t>
+            </a:r>
+            <a:r>
+              <a:rPr lang="en-US" dirty="0"/>
+              <a:t>?</a:t>
+            </a:r>
+          </a:p>
+          <a:p>
+            <a:pPr marL="171450" indent="-171450">
+              <a:buFont typeface="Arial" panose="020B0604020202020204" pitchFamily="34" charset="0"/>
+              <a:buChar char="•"/>
+            </a:pPr>
+            <a:r>
+              <a:rPr lang="en-US" dirty="0"/>
+              <a:t>Reduce los </a:t>
+            </a:r>
+            <a:r>
+              <a:rPr lang="en-US" dirty="0" err="1"/>
+              <a:t>acoplamientos</a:t>
+            </a:r>
+            <a:r>
+              <a:rPr lang="en-US" dirty="0"/>
+              <a:t> entre </a:t>
+            </a:r>
+            <a:r>
+              <a:rPr lang="en-US" dirty="0" err="1"/>
+              <a:t>objetos</a:t>
+            </a:r>
+            <a:r>
+              <a:rPr lang="en-US" dirty="0"/>
+              <a:t>.</a:t>
+            </a:r>
+          </a:p>
+          <a:p>
+            <a:pPr marL="171450" indent="-171450">
+              <a:buFont typeface="Arial" panose="020B0604020202020204" pitchFamily="34" charset="0"/>
+              <a:buChar char="•"/>
+            </a:pPr>
+            <a:r>
+              <a:rPr lang="en-US" dirty="0" err="1"/>
+              <a:t>Centraliza</a:t>
+            </a:r>
+            <a:r>
+              <a:rPr lang="en-US" dirty="0"/>
+              <a:t> la </a:t>
+            </a:r>
+            <a:r>
+              <a:rPr lang="en-US" dirty="0" err="1"/>
+              <a:t>logica</a:t>
+            </a:r>
+            <a:r>
+              <a:rPr lang="en-US" dirty="0"/>
+              <a:t> del </a:t>
+            </a:r>
+            <a:r>
+              <a:rPr lang="en-US" dirty="0" err="1"/>
+              <a:t>sistema</a:t>
+            </a:r>
+            <a:r>
+              <a:rPr lang="en-US" dirty="0"/>
+              <a:t>, </a:t>
+            </a:r>
+            <a:r>
+              <a:rPr lang="en-US" dirty="0" err="1"/>
+              <a:t>haciendolo</a:t>
+            </a:r>
+            <a:r>
+              <a:rPr lang="en-US" dirty="0"/>
+              <a:t> </a:t>
+            </a:r>
+            <a:r>
+              <a:rPr lang="en-US" dirty="0" err="1"/>
+              <a:t>más</a:t>
+            </a:r>
+            <a:r>
+              <a:rPr lang="en-US" dirty="0"/>
+              <a:t> </a:t>
+            </a:r>
+            <a:r>
+              <a:rPr lang="en-US" dirty="0" err="1"/>
+              <a:t>mantenible</a:t>
+            </a:r>
+            <a:r>
+              <a:rPr lang="en-US" dirty="0"/>
+              <a:t>.</a:t>
+            </a:r>
+          </a:p>
+          <a:p>
+            <a:pPr marL="171450" indent="-171450">
+              <a:buFont typeface="Arial" panose="020B0604020202020204" pitchFamily="34" charset="0"/>
+              <a:buChar char="•"/>
+            </a:pPr>
+            <a:r>
+              <a:rPr lang="en-US" dirty="0" err="1"/>
+              <a:t>Simpifica</a:t>
+            </a:r>
+            <a:r>
+              <a:rPr lang="en-US" dirty="0"/>
+              <a:t> y reduce las </a:t>
+            </a:r>
+            <a:r>
+              <a:rPr lang="en-US" dirty="0" err="1"/>
+              <a:t>acciones</a:t>
+            </a:r>
+            <a:r>
+              <a:rPr lang="en-US" dirty="0"/>
+              <a:t> y los </a:t>
+            </a:r>
+            <a:r>
+              <a:rPr lang="en-US" dirty="0" err="1"/>
+              <a:t>mensajes</a:t>
+            </a:r>
+            <a:r>
+              <a:rPr lang="en-US" dirty="0"/>
+              <a:t> </a:t>
+            </a:r>
+            <a:r>
+              <a:rPr lang="en-US" dirty="0" err="1"/>
+              <a:t>enviados</a:t>
+            </a:r>
+            <a:r>
+              <a:rPr lang="en-US" dirty="0"/>
+              <a:t> entre </a:t>
+            </a:r>
+            <a:r>
+              <a:rPr lang="en-US" dirty="0" err="1"/>
+              <a:t>objetos</a:t>
+            </a:r>
+            <a:r>
+              <a:rPr lang="en-US" dirty="0"/>
+              <a:t>.</a:t>
+            </a:r>
+          </a:p>
+        </p:txBody>
+      </p:sp>
+      <p:sp>
+        <p:nvSpPr>
+          <p:cNvPr id="4" name="Marcador de número de diapositiva 3"/>
+          <p:cNvSpPr>
+            <a:spLocks noGrp="1"/>
+          </p:cNvSpPr>
+          <p:nvPr>
+            <p:ph type="sldNum" sz="quarter" idx="5"/>
+          </p:nvPr>
+        </p:nvSpPr>
+        <p:spPr/>
+        <p:txBody>
+          <a:bodyPr/>
+          <a:lstStyle/>
+          <a:p>
+            <a:fld id="{2B3ED2FB-06D2-4C46-8CA7-06D76B104F73}" type="slidenum">
+              <a:rPr lang="es-ES" smtClean="0"/>
+              <a:t>24</a:t>
+            </a:fld>
+            <a:endParaRPr lang="es-ES"/>
+          </a:p>
+        </p:txBody>
+      </p:sp>
+    </p:spTree>
+    <p:extLst>
+      <p:ext uri="{BB962C8B-B14F-4D97-AF65-F5344CB8AC3E}">
+        <p14:creationId xmlns:p14="http://schemas.microsoft.com/office/powerpoint/2010/main" val="2133625813"/>
+      </p:ext>
+    </p:extLst>
+  </p:cSld>
+  <p:clrMapOvr>
+    <a:masterClrMapping/>
+  </p:clrMapOvr>
+</p:notes>
+</file>
+
+<file path=ppt/notesSlides/notesSlide12.xml><?xml version="1.0" encoding="utf-8"?>
+<p:notes xmlns:a="http://schemas.openxmlformats.org/drawingml/2006/main" xmlns:r="http://schemas.openxmlformats.org/officeDocument/2006/relationships" xmlns:p="http://schemas.openxmlformats.org/presentationml/2006/main">
+  <p:cSld>
+    <p:spTree>
+      <p:nvGrpSpPr>
+        <p:cNvPr id="1" name=""/>
+        <p:cNvGrpSpPr/>
+        <p:nvPr/>
+      </p:nvGrpSpPr>
+      <p:grpSpPr>
+        <a:xfrm>
+          <a:off x="0" y="0"/>
+          <a:ext cx="0" cy="0"/>
+          <a:chOff x="0" y="0"/>
+          <a:chExt cx="0" cy="0"/>
+        </a:xfrm>
+      </p:grpSpPr>
+      <p:sp>
+        <p:nvSpPr>
+          <p:cNvPr id="2" name="Marcador de imagen de diapositiva 1"/>
+          <p:cNvSpPr>
+            <a:spLocks noGrp="1" noRot="1" noChangeAspect="1"/>
+          </p:cNvSpPr>
+          <p:nvPr>
+            <p:ph type="sldImg"/>
+          </p:nvPr>
+        </p:nvSpPr>
+        <p:spPr/>
+      </p:sp>
+      <p:sp>
+        <p:nvSpPr>
+          <p:cNvPr id="3" name="Marcador de notas 2"/>
+          <p:cNvSpPr>
+            <a:spLocks noGrp="1"/>
+          </p:cNvSpPr>
+          <p:nvPr>
+            <p:ph type="body" idx="1"/>
+          </p:nvPr>
+        </p:nvSpPr>
+        <p:spPr/>
+        <p:txBody>
+          <a:bodyPr/>
+          <a:lstStyle/>
+          <a:p>
+            <a:pPr marL="0" marR="0" lvl="0" indent="0" algn="l" defTabSz="914400" rtl="0" eaLnBrk="1" fontAlgn="auto" latinLnBrk="0" hangingPunct="1">
+              <a:lnSpc>
+                <a:spcPct val="100000"/>
+              </a:lnSpc>
+              <a:spcBef>
+                <a:spcPts val="0"/>
+              </a:spcBef>
+              <a:spcAft>
+                <a:spcPts val="0"/>
+              </a:spcAft>
+              <a:buClrTx/>
+              <a:buSzTx/>
+              <a:buFontTx/>
+              <a:buNone/>
+              <a:tabLst/>
+              <a:defRPr/>
+            </a:pPr>
+            <a:r>
+              <a:rPr lang="es-ES" dirty="0">
+                <a:solidFill>
+                  <a:srgbClr val="000000"/>
+                </a:solidFill>
+                <a:latin typeface="Calibri" panose="020F0502020204030204" pitchFamily="34" charset="0"/>
+              </a:rPr>
+              <a:t> </a:t>
+            </a:r>
+            <a:r>
+              <a:rPr lang="en-US" dirty="0"/>
+              <a:t>¿Por </a:t>
+            </a:r>
+            <a:r>
+              <a:rPr lang="en-US" dirty="0" err="1"/>
+              <a:t>qué</a:t>
+            </a:r>
+            <a:r>
+              <a:rPr lang="en-US" dirty="0"/>
+              <a:t> </a:t>
+            </a:r>
+            <a:r>
+              <a:rPr lang="en-US" dirty="0" err="1"/>
+              <a:t>aplicamos</a:t>
+            </a:r>
+            <a:r>
+              <a:rPr lang="en-US" dirty="0"/>
+              <a:t> </a:t>
+            </a:r>
+            <a:r>
+              <a:rPr lang="en-US" dirty="0" err="1"/>
+              <a:t>este</a:t>
+            </a:r>
+            <a:r>
+              <a:rPr lang="en-US" dirty="0"/>
+              <a:t> </a:t>
+            </a:r>
+            <a:r>
+              <a:rPr lang="en-US" dirty="0" err="1"/>
+              <a:t>patrón</a:t>
+            </a:r>
+            <a:r>
+              <a:rPr lang="en-US" dirty="0"/>
+              <a:t>?</a:t>
+            </a:r>
+          </a:p>
+          <a:p>
+            <a:pPr marL="171450" indent="-171450">
+              <a:buFont typeface="Arial" panose="020B0604020202020204" pitchFamily="34" charset="0"/>
+              <a:buChar char="•"/>
+            </a:pPr>
+            <a:r>
+              <a:rPr lang="es-ES" dirty="0"/>
+              <a:t>Mantenemos el estado interno del objeto encapsulado y oculto a sus consumidores.</a:t>
+            </a:r>
+          </a:p>
+          <a:p>
+            <a:pPr marL="171450" indent="-171450">
+              <a:buFont typeface="Arial" panose="020B0604020202020204" pitchFamily="34" charset="0"/>
+              <a:buChar char="•"/>
+            </a:pPr>
+            <a:r>
+              <a:rPr lang="es-ES" dirty="0"/>
+              <a:t>Obtenemos la capacidad de restaurar o evaluar un estado anterior.</a:t>
+            </a:r>
+          </a:p>
+          <a:p>
+            <a:endParaRPr lang="en-US" dirty="0"/>
+          </a:p>
+        </p:txBody>
+      </p:sp>
+      <p:sp>
+        <p:nvSpPr>
+          <p:cNvPr id="4" name="Marcador de número de diapositiva 3"/>
+          <p:cNvSpPr>
+            <a:spLocks noGrp="1"/>
+          </p:cNvSpPr>
+          <p:nvPr>
+            <p:ph type="sldNum" sz="quarter" idx="5"/>
+          </p:nvPr>
+        </p:nvSpPr>
+        <p:spPr/>
+        <p:txBody>
+          <a:bodyPr/>
+          <a:lstStyle/>
+          <a:p>
+            <a:fld id="{2B3ED2FB-06D2-4C46-8CA7-06D76B104F73}" type="slidenum">
+              <a:rPr lang="es-ES" smtClean="0"/>
+              <a:t>26</a:t>
+            </a:fld>
+            <a:endParaRPr lang="es-ES"/>
+          </a:p>
+        </p:txBody>
+      </p:sp>
+    </p:spTree>
+    <p:extLst>
+      <p:ext uri="{BB962C8B-B14F-4D97-AF65-F5344CB8AC3E}">
+        <p14:creationId xmlns:p14="http://schemas.microsoft.com/office/powerpoint/2010/main" val="572857079"/>
+      </p:ext>
+    </p:extLst>
+  </p:cSld>
+  <p:clrMapOvr>
+    <a:masterClrMapping/>
+  </p:clrMapOvr>
+</p:notes>
+</file>
+
+<file path=ppt/notesSlides/notesSlide13.xml><?xml version="1.0" encoding="utf-8"?>
+<p:notes xmlns:a="http://schemas.openxmlformats.org/drawingml/2006/main" xmlns:r="http://schemas.openxmlformats.org/officeDocument/2006/relationships" xmlns:p="http://schemas.openxmlformats.org/presentationml/2006/main">
+  <p:cSld>
+    <p:spTree>
+      <p:nvGrpSpPr>
+        <p:cNvPr id="1" name=""/>
+        <p:cNvGrpSpPr/>
+        <p:nvPr/>
+      </p:nvGrpSpPr>
+      <p:grpSpPr>
+        <a:xfrm>
+          <a:off x="0" y="0"/>
+          <a:ext cx="0" cy="0"/>
+          <a:chOff x="0" y="0"/>
+          <a:chExt cx="0" cy="0"/>
+        </a:xfrm>
+      </p:grpSpPr>
+      <p:sp>
+        <p:nvSpPr>
+          <p:cNvPr id="2" name="Marcador de imagen de diapositiva 1"/>
+          <p:cNvSpPr>
+            <a:spLocks noGrp="1" noRot="1" noChangeAspect="1"/>
+          </p:cNvSpPr>
+          <p:nvPr>
+            <p:ph type="sldImg"/>
+          </p:nvPr>
+        </p:nvSpPr>
+        <p:spPr/>
+      </p:sp>
+      <p:sp>
+        <p:nvSpPr>
+          <p:cNvPr id="3" name="Marcador de notas 2"/>
+          <p:cNvSpPr>
+            <a:spLocks noGrp="1"/>
+          </p:cNvSpPr>
+          <p:nvPr>
+            <p:ph type="body" idx="1"/>
+          </p:nvPr>
+        </p:nvSpPr>
+        <p:spPr/>
+        <p:txBody>
+          <a:bodyPr/>
+          <a:lstStyle/>
+          <a:p>
+            <a:pPr marL="0" marR="0" lvl="0" indent="0" algn="l" defTabSz="914400" rtl="0" eaLnBrk="1" fontAlgn="auto" latinLnBrk="0" hangingPunct="1">
+              <a:lnSpc>
+                <a:spcPct val="100000"/>
+              </a:lnSpc>
+              <a:spcBef>
+                <a:spcPts val="0"/>
+              </a:spcBef>
+              <a:spcAft>
+                <a:spcPts val="0"/>
+              </a:spcAft>
+              <a:buClrTx/>
+              <a:buSzTx/>
+              <a:buFontTx/>
+              <a:buNone/>
+              <a:tabLst/>
+              <a:defRPr/>
+            </a:pPr>
+            <a:r>
+              <a:rPr lang="es-ES" dirty="0">
+                <a:solidFill>
+                  <a:srgbClr val="000000"/>
+                </a:solidFill>
+                <a:latin typeface="Calibri" panose="020F0502020204030204" pitchFamily="34" charset="0"/>
+              </a:rPr>
+              <a:t> </a:t>
+            </a:r>
+            <a:r>
+              <a:rPr lang="en-US" dirty="0"/>
+              <a:t>¿Por </a:t>
+            </a:r>
+            <a:r>
+              <a:rPr lang="en-US" dirty="0" err="1"/>
+              <a:t>qué</a:t>
+            </a:r>
+            <a:r>
+              <a:rPr lang="en-US" dirty="0"/>
+              <a:t> </a:t>
+            </a:r>
+            <a:r>
+              <a:rPr lang="en-US" dirty="0" err="1"/>
+              <a:t>aplicamos</a:t>
+            </a:r>
+            <a:r>
+              <a:rPr lang="en-US" dirty="0"/>
+              <a:t> </a:t>
+            </a:r>
+            <a:r>
+              <a:rPr lang="en-US" dirty="0" err="1"/>
+              <a:t>este</a:t>
+            </a:r>
+            <a:r>
+              <a:rPr lang="en-US" dirty="0"/>
+              <a:t> </a:t>
+            </a:r>
+            <a:r>
+              <a:rPr lang="en-US" dirty="0" err="1"/>
+              <a:t>patrón</a:t>
+            </a:r>
+            <a:r>
+              <a:rPr lang="en-US" dirty="0"/>
+              <a:t>?</a:t>
+            </a:r>
+          </a:p>
+          <a:p>
+            <a:pPr marL="171450" indent="-171450">
+              <a:buFont typeface="Arial" panose="020B0604020202020204" pitchFamily="34" charset="0"/>
+              <a:buChar char="•"/>
+            </a:pPr>
+            <a:r>
+              <a:rPr lang="es-ES" dirty="0"/>
+              <a:t>Permite desacoplar la interfaz (View) del modelo (datos) y de la lógica/negocio (</a:t>
+            </a:r>
+            <a:r>
+              <a:rPr lang="es-ES" dirty="0" err="1"/>
+              <a:t>ViewModel</a:t>
+            </a:r>
+            <a:r>
+              <a:rPr lang="es-ES" dirty="0"/>
+              <a:t>).</a:t>
+            </a:r>
+          </a:p>
+          <a:p>
+            <a:pPr marL="171450" indent="-171450">
+              <a:buFont typeface="Arial" panose="020B0604020202020204" pitchFamily="34" charset="0"/>
+              <a:buChar char="•"/>
+            </a:pPr>
+            <a:r>
+              <a:rPr lang="es-ES" dirty="0"/>
+              <a:t>De esta forma, un diseñador puede trabajar en la interfaz sin depender en la mayoría de las ocasiones del desarrollador.</a:t>
+            </a:r>
+          </a:p>
+          <a:p>
+            <a:pPr marL="171450" indent="-171450">
+              <a:buFont typeface="Arial" panose="020B0604020202020204" pitchFamily="34" charset="0"/>
+              <a:buChar char="•"/>
+            </a:pPr>
+            <a:r>
+              <a:rPr lang="es-ES" dirty="0"/>
+              <a:t>Reduciendo este acoplamiento, también evitamos por ejemplo que cambios en el modelo afecten directamente a la interfaz.</a:t>
+            </a:r>
+          </a:p>
+          <a:p>
+            <a:pPr marL="171450" indent="-171450">
+              <a:buFont typeface="Arial" panose="020B0604020202020204" pitchFamily="34" charset="0"/>
+              <a:buChar char="•"/>
+            </a:pPr>
+            <a:r>
+              <a:rPr lang="es-ES" dirty="0"/>
+              <a:t>Podemos cambiar una interfaz por otra o un </a:t>
+            </a:r>
+            <a:r>
+              <a:rPr lang="es-ES" dirty="0" err="1"/>
+              <a:t>ViewModel</a:t>
+            </a:r>
+            <a:r>
+              <a:rPr lang="es-ES" dirty="0"/>
+              <a:t> por otro sin afectar al resto de componentes.</a:t>
+            </a:r>
+            <a:endParaRPr lang="en-US" dirty="0"/>
+          </a:p>
+        </p:txBody>
+      </p:sp>
+      <p:sp>
+        <p:nvSpPr>
+          <p:cNvPr id="4" name="Marcador de número de diapositiva 3"/>
+          <p:cNvSpPr>
+            <a:spLocks noGrp="1"/>
+          </p:cNvSpPr>
+          <p:nvPr>
+            <p:ph type="sldNum" sz="quarter" idx="5"/>
+          </p:nvPr>
+        </p:nvSpPr>
+        <p:spPr/>
+        <p:txBody>
+          <a:bodyPr/>
+          <a:lstStyle/>
+          <a:p>
+            <a:fld id="{2B3ED2FB-06D2-4C46-8CA7-06D76B104F73}" type="slidenum">
+              <a:rPr lang="es-ES" smtClean="0"/>
+              <a:t>28</a:t>
+            </a:fld>
+            <a:endParaRPr lang="es-ES"/>
+          </a:p>
+        </p:txBody>
+      </p:sp>
+    </p:spTree>
+    <p:extLst>
+      <p:ext uri="{BB962C8B-B14F-4D97-AF65-F5344CB8AC3E}">
+        <p14:creationId xmlns:p14="http://schemas.microsoft.com/office/powerpoint/2010/main" val="2201656396"/>
+      </p:ext>
+    </p:extLst>
+  </p:cSld>
+  <p:clrMapOvr>
+    <a:masterClrMapping/>
+  </p:clrMapOvr>
+</p:notes>
+</file>
+
+<file path=ppt/notesSlides/notesSlide14.xml><?xml version="1.0" encoding="utf-8"?>
+<p:notes xmlns:a="http://schemas.openxmlformats.org/drawingml/2006/main" xmlns:r="http://schemas.openxmlformats.org/officeDocument/2006/relationships" xmlns:p="http://schemas.openxmlformats.org/presentationml/2006/main">
+  <p:cSld>
+    <p:spTree>
+      <p:nvGrpSpPr>
+        <p:cNvPr id="1" name=""/>
+        <p:cNvGrpSpPr/>
+        <p:nvPr/>
+      </p:nvGrpSpPr>
+      <p:grpSpPr>
+        <a:xfrm>
+          <a:off x="0" y="0"/>
+          <a:ext cx="0" cy="0"/>
+          <a:chOff x="0" y="0"/>
+          <a:chExt cx="0" cy="0"/>
+        </a:xfrm>
+      </p:grpSpPr>
+      <p:sp>
+        <p:nvSpPr>
+          <p:cNvPr id="2" name="Marcador de imagen de diapositiva 1"/>
+          <p:cNvSpPr>
+            <a:spLocks noGrp="1" noRot="1" noChangeAspect="1"/>
+          </p:cNvSpPr>
+          <p:nvPr>
+            <p:ph type="sldImg"/>
+          </p:nvPr>
+        </p:nvSpPr>
+        <p:spPr/>
+      </p:sp>
+      <p:sp>
+        <p:nvSpPr>
+          <p:cNvPr id="3" name="Marcador de notas 2"/>
+          <p:cNvSpPr>
+            <a:spLocks noGrp="1"/>
+          </p:cNvSpPr>
+          <p:nvPr>
+            <p:ph type="body" idx="1"/>
+          </p:nvPr>
+        </p:nvSpPr>
+        <p:spPr/>
+        <p:txBody>
+          <a:bodyPr/>
+          <a:lstStyle/>
+          <a:p>
+            <a:pPr marL="0" marR="0" lvl="0" indent="0" algn="l" defTabSz="914400" rtl="0" eaLnBrk="1" fontAlgn="auto" latinLnBrk="0" hangingPunct="1">
+              <a:lnSpc>
+                <a:spcPct val="100000"/>
+              </a:lnSpc>
+              <a:spcBef>
+                <a:spcPts val="0"/>
+              </a:spcBef>
+              <a:spcAft>
+                <a:spcPts val="0"/>
+              </a:spcAft>
+              <a:buClrTx/>
+              <a:buSzTx/>
+              <a:buFontTx/>
+              <a:buNone/>
+              <a:tabLst/>
+              <a:defRPr/>
+            </a:pPr>
+            <a:r>
+              <a:rPr lang="es-ES" dirty="0">
+                <a:solidFill>
+                  <a:srgbClr val="000000"/>
+                </a:solidFill>
+                <a:latin typeface="Calibri" panose="020F0502020204030204" pitchFamily="34" charset="0"/>
+              </a:rPr>
+              <a:t> </a:t>
+            </a:r>
+            <a:r>
+              <a:rPr lang="en-US" dirty="0"/>
+              <a:t>¿Por </a:t>
+            </a:r>
+            <a:r>
+              <a:rPr lang="en-US" dirty="0" err="1"/>
+              <a:t>qué</a:t>
+            </a:r>
+            <a:r>
+              <a:rPr lang="en-US" dirty="0"/>
+              <a:t> </a:t>
+            </a:r>
+            <a:r>
+              <a:rPr lang="en-US" dirty="0" err="1"/>
+              <a:t>aplicamos</a:t>
+            </a:r>
+            <a:r>
+              <a:rPr lang="en-US" dirty="0"/>
+              <a:t> </a:t>
+            </a:r>
+            <a:r>
+              <a:rPr lang="en-US" dirty="0" err="1"/>
+              <a:t>este</a:t>
+            </a:r>
+            <a:r>
+              <a:rPr lang="en-US" dirty="0"/>
+              <a:t> </a:t>
+            </a:r>
+            <a:r>
+              <a:rPr lang="en-US" dirty="0" err="1"/>
+              <a:t>patrón</a:t>
+            </a:r>
+            <a:r>
+              <a:rPr lang="en-US" dirty="0"/>
+              <a:t>?</a:t>
+            </a:r>
+          </a:p>
+          <a:p>
+            <a:pPr marL="171450" indent="-171450">
+              <a:buFont typeface="Arial" panose="020B0604020202020204" pitchFamily="34" charset="0"/>
+              <a:buChar char="•"/>
+            </a:pPr>
+            <a:r>
+              <a:rPr lang="en-US" dirty="0" err="1"/>
+              <a:t>Reducimos</a:t>
+            </a:r>
+            <a:r>
+              <a:rPr lang="en-US" dirty="0"/>
+              <a:t> el </a:t>
+            </a:r>
+            <a:r>
+              <a:rPr lang="en-US" dirty="0" err="1"/>
+              <a:t>acoplamiento</a:t>
+            </a:r>
+            <a:r>
+              <a:rPr lang="en-US" dirty="0"/>
+              <a:t> de los tests con la </a:t>
+            </a:r>
+            <a:r>
+              <a:rPr lang="en-US" dirty="0" err="1"/>
+              <a:t>interfaz</a:t>
+            </a:r>
+            <a:r>
+              <a:rPr lang="en-US" dirty="0"/>
+              <a:t>. Si </a:t>
+            </a:r>
+            <a:r>
+              <a:rPr lang="en-US" dirty="0" err="1"/>
+              <a:t>cambiáramos</a:t>
+            </a:r>
+            <a:r>
+              <a:rPr lang="en-US" dirty="0"/>
+              <a:t> la </a:t>
+            </a:r>
+            <a:r>
+              <a:rPr lang="en-US" dirty="0" err="1"/>
+              <a:t>interfaz</a:t>
+            </a:r>
+            <a:r>
+              <a:rPr lang="en-US" dirty="0"/>
+              <a:t>, </a:t>
+            </a:r>
+            <a:r>
+              <a:rPr lang="en-US" dirty="0" err="1"/>
+              <a:t>podríamos</a:t>
+            </a:r>
+            <a:r>
+              <a:rPr lang="en-US" dirty="0"/>
+              <a:t> </a:t>
+            </a:r>
+            <a:r>
+              <a:rPr lang="en-US" dirty="0" err="1"/>
+              <a:t>mantener</a:t>
+            </a:r>
+            <a:r>
+              <a:rPr lang="en-US" dirty="0"/>
+              <a:t> los </a:t>
+            </a:r>
+            <a:r>
+              <a:rPr lang="en-US" dirty="0" err="1"/>
+              <a:t>mismos</a:t>
+            </a:r>
+            <a:r>
+              <a:rPr lang="en-US" dirty="0"/>
+              <a:t> tests y solo </a:t>
+            </a:r>
+            <a:r>
+              <a:rPr lang="en-US" dirty="0" err="1"/>
+              <a:t>adaptar</a:t>
+            </a:r>
+            <a:r>
+              <a:rPr lang="en-US" dirty="0"/>
+              <a:t> la forma </a:t>
+            </a:r>
+            <a:r>
+              <a:rPr lang="en-US" dirty="0" err="1"/>
+              <a:t>en</a:t>
+            </a:r>
+            <a:r>
+              <a:rPr lang="en-US" dirty="0"/>
+              <a:t> que el page-object lee o </a:t>
+            </a:r>
+            <a:r>
+              <a:rPr lang="en-US" dirty="0" err="1"/>
+              <a:t>interactua</a:t>
+            </a:r>
+            <a:r>
+              <a:rPr lang="en-US" dirty="0"/>
+              <a:t> con los </a:t>
+            </a:r>
+            <a:r>
+              <a:rPr lang="en-US" dirty="0" err="1"/>
+              <a:t>elementos</a:t>
+            </a:r>
+            <a:r>
+              <a:rPr lang="en-US" dirty="0"/>
+              <a:t> de la </a:t>
+            </a:r>
+            <a:r>
+              <a:rPr lang="en-US" dirty="0" err="1"/>
+              <a:t>interfaz</a:t>
+            </a:r>
+            <a:r>
+              <a:rPr lang="en-US" dirty="0"/>
+              <a:t>.</a:t>
+            </a:r>
+          </a:p>
+          <a:p>
+            <a:pPr marL="171450" indent="-171450">
+              <a:buFont typeface="Arial" panose="020B0604020202020204" pitchFamily="34" charset="0"/>
+              <a:buChar char="•"/>
+            </a:pPr>
+            <a:r>
+              <a:rPr lang="en-US" dirty="0" err="1"/>
+              <a:t>Obtenemos</a:t>
+            </a:r>
+            <a:r>
+              <a:rPr lang="en-US" dirty="0"/>
+              <a:t> un </a:t>
+            </a:r>
+            <a:r>
+              <a:rPr lang="en-US" dirty="0" err="1"/>
+              <a:t>código</a:t>
+            </a:r>
+            <a:r>
+              <a:rPr lang="en-US" dirty="0"/>
+              <a:t> </a:t>
+            </a:r>
+            <a:r>
+              <a:rPr lang="en-US" dirty="0" err="1"/>
+              <a:t>mucho</a:t>
+            </a:r>
+            <a:r>
+              <a:rPr lang="en-US" dirty="0"/>
+              <a:t> </a:t>
+            </a:r>
+            <a:r>
+              <a:rPr lang="en-US" dirty="0" err="1"/>
+              <a:t>más</a:t>
+            </a:r>
+            <a:r>
+              <a:rPr lang="en-US" dirty="0"/>
+              <a:t> legible y </a:t>
+            </a:r>
+            <a:r>
+              <a:rPr lang="en-US" dirty="0" err="1"/>
+              <a:t>mantenible</a:t>
+            </a:r>
+            <a:r>
+              <a:rPr lang="en-US" dirty="0"/>
+              <a:t>.</a:t>
+            </a:r>
+          </a:p>
+        </p:txBody>
+      </p:sp>
+      <p:sp>
+        <p:nvSpPr>
+          <p:cNvPr id="4" name="Marcador de número de diapositiva 3"/>
+          <p:cNvSpPr>
+            <a:spLocks noGrp="1"/>
+          </p:cNvSpPr>
+          <p:nvPr>
+            <p:ph type="sldNum" sz="quarter" idx="5"/>
+          </p:nvPr>
+        </p:nvSpPr>
+        <p:spPr/>
+        <p:txBody>
+          <a:bodyPr/>
+          <a:lstStyle/>
+          <a:p>
+            <a:fld id="{2B3ED2FB-06D2-4C46-8CA7-06D76B104F73}" type="slidenum">
+              <a:rPr lang="es-ES" smtClean="0"/>
+              <a:t>30</a:t>
+            </a:fld>
+            <a:endParaRPr lang="es-ES"/>
+          </a:p>
+        </p:txBody>
+      </p:sp>
+    </p:spTree>
+    <p:extLst>
+      <p:ext uri="{BB962C8B-B14F-4D97-AF65-F5344CB8AC3E}">
+        <p14:creationId xmlns:p14="http://schemas.microsoft.com/office/powerpoint/2010/main" val="3928314940"/>
       </p:ext>
     </p:extLst>
   </p:cSld>
@@ -916,290 +2110,231 @@
           <a:lstStyle/>
           <a:p>
             <a:r>
-              <a:rPr lang="en-US" dirty="0" smtClean="0"/>
-              <a:t>¿</a:t>
-            </a:r>
-            <a:r>
-              <a:rPr lang="en-US" dirty="0" err="1" smtClean="0"/>
-              <a:t>Por</a:t>
-            </a:r>
-            <a:r>
-              <a:rPr lang="en-US" dirty="0" smtClean="0"/>
+              <a:rPr lang="en-US" dirty="0"/>
+              <a:t>¿Por </a:t>
+            </a:r>
+            <a:r>
+              <a:rPr lang="en-US" dirty="0" err="1"/>
+              <a:t>qué</a:t>
+            </a:r>
+            <a:r>
+              <a:rPr lang="en-US" dirty="0"/>
               <a:t> </a:t>
             </a:r>
             <a:r>
-              <a:rPr lang="en-US" dirty="0" err="1" smtClean="0"/>
-              <a:t>qué</a:t>
-            </a:r>
-            <a:r>
-              <a:rPr lang="en-US" dirty="0" smtClean="0"/>
+              <a:rPr lang="en-US" dirty="0" err="1"/>
+              <a:t>aplicamos</a:t>
+            </a:r>
+            <a:r>
+              <a:rPr lang="en-US" dirty="0"/>
               <a:t> </a:t>
             </a:r>
             <a:r>
-              <a:rPr lang="en-US" dirty="0" err="1" smtClean="0"/>
-              <a:t>aplicamos</a:t>
-            </a:r>
-            <a:r>
-              <a:rPr lang="en-US" dirty="0" smtClean="0"/>
+              <a:rPr lang="en-US" dirty="0" err="1"/>
+              <a:t>este</a:t>
+            </a:r>
+            <a:r>
+              <a:rPr lang="en-US" dirty="0"/>
               <a:t> </a:t>
             </a:r>
             <a:r>
-              <a:rPr lang="en-US" dirty="0" err="1" smtClean="0"/>
-              <a:t>este</a:t>
-            </a:r>
-            <a:r>
-              <a:rPr lang="en-US" dirty="0" smtClean="0"/>
+              <a:rPr lang="en-US" dirty="0" err="1"/>
+              <a:t>patrón</a:t>
+            </a:r>
+            <a:r>
+              <a:rPr lang="en-US" dirty="0"/>
+              <a:t>?</a:t>
+            </a:r>
+          </a:p>
+          <a:p>
+            <a:pPr marL="171450" indent="-171450" algn="just">
+              <a:buFont typeface="Arial" panose="020B0604020202020204" pitchFamily="34" charset="0"/>
+              <a:buChar char="•"/>
+            </a:pPr>
+            <a:r>
+              <a:rPr lang="en-US" b="0" dirty="0" err="1"/>
+              <a:t>Encapsula</a:t>
+            </a:r>
+            <a:r>
+              <a:rPr lang="en-US" b="0" dirty="0"/>
+              <a:t> el </a:t>
+            </a:r>
+            <a:r>
+              <a:rPr lang="en-US" b="0" dirty="0" err="1"/>
+              <a:t>proceso</a:t>
+            </a:r>
+            <a:r>
+              <a:rPr lang="en-US" b="0" dirty="0"/>
+              <a:t> de </a:t>
+            </a:r>
+            <a:r>
+              <a:rPr lang="en-US" b="0" dirty="0" err="1"/>
+              <a:t>creación</a:t>
+            </a:r>
+            <a:r>
+              <a:rPr lang="en-US" b="0" dirty="0"/>
+              <a:t> de </a:t>
+            </a:r>
+            <a:r>
+              <a:rPr lang="en-US" b="0" dirty="0" err="1"/>
+              <a:t>objetos</a:t>
+            </a:r>
+            <a:r>
+              <a:rPr lang="en-US" b="0" dirty="0"/>
               <a:t> </a:t>
             </a:r>
             <a:r>
-              <a:rPr lang="en-US" dirty="0" err="1" smtClean="0"/>
-              <a:t>patrón</a:t>
-            </a:r>
-            <a:r>
-              <a:rPr lang="en-US" dirty="0" smtClean="0"/>
-              <a:t>?</a:t>
-            </a:r>
-          </a:p>
-          <a:p>
-            <a:pPr algn="just"/>
-            <a:r>
-              <a:rPr lang="en-US" b="1" dirty="0" err="1" smtClean="0"/>
-              <a:t>Encapsulación</a:t>
-            </a:r>
-            <a:r>
-              <a:rPr lang="en-US" dirty="0" smtClean="0"/>
-              <a:t>: El </a:t>
-            </a:r>
-            <a:r>
-              <a:rPr lang="en-US" dirty="0" err="1" smtClean="0"/>
-              <a:t>cliente</a:t>
-            </a:r>
-            <a:r>
-              <a:rPr lang="en-US" dirty="0" smtClean="0"/>
-              <a:t> no </a:t>
-            </a:r>
-            <a:r>
-              <a:rPr lang="en-US" dirty="0" err="1" smtClean="0"/>
-              <a:t>conoce</a:t>
-            </a:r>
-            <a:r>
-              <a:rPr lang="en-US" dirty="0" smtClean="0"/>
+              <a:rPr lang="en-US" b="0" dirty="0" err="1"/>
+              <a:t>complejos</a:t>
+            </a:r>
+            <a:r>
+              <a:rPr lang="en-US" b="0" dirty="0"/>
+              <a:t>, </a:t>
+            </a:r>
+            <a:r>
+              <a:rPr lang="en-US" b="0" dirty="0" err="1"/>
+              <a:t>reduciendo</a:t>
+            </a:r>
+            <a:r>
+              <a:rPr lang="en-US" b="0" dirty="0"/>
+              <a:t> el </a:t>
+            </a:r>
+            <a:r>
+              <a:rPr lang="en-US" b="0" dirty="0" err="1"/>
+              <a:t>acoplamiento</a:t>
+            </a:r>
+            <a:r>
+              <a:rPr lang="en-US" b="0" dirty="0"/>
+              <a:t>.</a:t>
+            </a:r>
+          </a:p>
+          <a:p>
+            <a:pPr marL="171450" indent="-171450" algn="just">
+              <a:buFont typeface="Arial" panose="020B0604020202020204" pitchFamily="34" charset="0"/>
+              <a:buChar char="•"/>
+            </a:pPr>
+            <a:r>
+              <a:rPr lang="en-US" b="0" dirty="0" err="1"/>
+              <a:t>Permite</a:t>
+            </a:r>
+            <a:r>
+              <a:rPr lang="en-US" b="0" dirty="0"/>
               <a:t> </a:t>
             </a:r>
             <a:r>
-              <a:rPr lang="en-US" dirty="0" err="1" smtClean="0"/>
-              <a:t>ni</a:t>
-            </a:r>
-            <a:r>
-              <a:rPr lang="en-US" dirty="0" smtClean="0"/>
+              <a:rPr lang="en-US" b="0" dirty="0" err="1"/>
+              <a:t>construir</a:t>
+            </a:r>
+            <a:r>
+              <a:rPr lang="en-US" b="0" dirty="0"/>
+              <a:t> los </a:t>
+            </a:r>
+            <a:r>
+              <a:rPr lang="en-US" b="0" dirty="0" err="1"/>
+              <a:t>objetos</a:t>
+            </a:r>
+            <a:r>
+              <a:rPr lang="en-US" b="0" dirty="0"/>
               <a:t> </a:t>
             </a:r>
             <a:r>
-              <a:rPr lang="en-US" dirty="0" err="1" smtClean="0"/>
-              <a:t>depende</a:t>
-            </a:r>
-            <a:r>
-              <a:rPr lang="en-US" dirty="0" smtClean="0"/>
-              <a:t> de la </a:t>
-            </a:r>
-            <a:r>
-              <a:rPr lang="en-US" dirty="0" err="1" smtClean="0"/>
-              <a:t>implementación</a:t>
-            </a:r>
-            <a:r>
-              <a:rPr lang="en-US" dirty="0" smtClean="0"/>
+              <a:rPr lang="en-US" b="0" dirty="0" err="1"/>
+              <a:t>en</a:t>
+            </a:r>
+            <a:r>
+              <a:rPr lang="en-US" b="0" dirty="0"/>
               <a:t> </a:t>
             </a:r>
             <a:r>
-              <a:rPr lang="en-US" dirty="0" err="1" smtClean="0"/>
-              <a:t>interna</a:t>
-            </a:r>
-            <a:r>
-              <a:rPr lang="en-US" dirty="0" smtClean="0"/>
-              <a:t> de </a:t>
-            </a:r>
-            <a:r>
-              <a:rPr lang="en-US" dirty="0" err="1" smtClean="0"/>
-              <a:t>cada</a:t>
-            </a:r>
-            <a:r>
-              <a:rPr lang="en-US" dirty="0" smtClean="0"/>
+              <a:rPr lang="en-US" b="0" dirty="0" err="1"/>
+              <a:t>distintos</a:t>
+            </a:r>
+            <a:r>
+              <a:rPr lang="en-US" b="0" dirty="0"/>
               <a:t> </a:t>
             </a:r>
             <a:r>
-              <a:rPr lang="en-US" dirty="0" err="1" smtClean="0"/>
-              <a:t>operación</a:t>
-            </a:r>
-            <a:r>
-              <a:rPr lang="en-US" dirty="0" smtClean="0"/>
+              <a:rPr lang="en-US" b="0" dirty="0" err="1"/>
+              <a:t>pasos</a:t>
+            </a:r>
+            <a:r>
+              <a:rPr lang="en-US" b="0" dirty="0"/>
+              <a:t> (al </a:t>
+            </a:r>
+            <a:r>
+              <a:rPr lang="en-US" b="0" dirty="0" err="1"/>
+              <a:t>contrario</a:t>
+            </a:r>
+            <a:r>
+              <a:rPr lang="en-US" b="0" dirty="0"/>
+              <a:t> que Factory method).</a:t>
+            </a:r>
+          </a:p>
+          <a:p>
+            <a:pPr marL="171450" indent="-171450" algn="just">
+              <a:buFont typeface="Arial" panose="020B0604020202020204" pitchFamily="34" charset="0"/>
+              <a:buChar char="•"/>
+            </a:pPr>
+            <a:r>
+              <a:rPr lang="en-US" b="0" dirty="0"/>
+              <a:t>Se </a:t>
+            </a:r>
+            <a:r>
+              <a:rPr lang="en-US" b="0" dirty="0" err="1"/>
+              <a:t>puede</a:t>
+            </a:r>
+            <a:r>
+              <a:rPr lang="en-US" b="0" dirty="0"/>
+              <a:t> </a:t>
+            </a:r>
+            <a:r>
+              <a:rPr lang="en-US" b="0" dirty="0" err="1"/>
+              <a:t>reutilizar</a:t>
+            </a:r>
+            <a:r>
+              <a:rPr lang="en-US" b="0" dirty="0"/>
+              <a:t> el </a:t>
+            </a:r>
+            <a:r>
+              <a:rPr lang="en-US" b="0" dirty="0" err="1"/>
+              <a:t>mismo</a:t>
+            </a:r>
+            <a:r>
+              <a:rPr lang="en-US" b="0" dirty="0"/>
+              <a:t> builder </a:t>
+            </a:r>
+            <a:r>
+              <a:rPr lang="en-US" b="0" dirty="0" err="1"/>
+              <a:t>en</a:t>
+            </a:r>
+            <a:r>
+              <a:rPr lang="en-US" b="0" dirty="0"/>
+              <a:t> </a:t>
+            </a:r>
+            <a:r>
+              <a:rPr lang="en-US" b="0" dirty="0" err="1"/>
+              <a:t>distintos</a:t>
+            </a:r>
+            <a:r>
+              <a:rPr lang="en-US" b="0" dirty="0"/>
+              <a:t> </a:t>
+            </a:r>
+            <a:r>
+              <a:rPr lang="en-US" b="0" dirty="0" err="1"/>
+              <a:t>directores</a:t>
+            </a:r>
+            <a:r>
+              <a:rPr lang="en-US" b="0" dirty="0"/>
+              <a:t> o </a:t>
+            </a:r>
+            <a:r>
+              <a:rPr lang="en-US" b="0" dirty="0" err="1"/>
+              <a:t>clientes</a:t>
+            </a:r>
+            <a:r>
+              <a:rPr lang="en-US" b="0" dirty="0"/>
               <a:t>.</a:t>
             </a:r>
-          </a:p>
-          <a:p>
-            <a:pPr algn="just"/>
-            <a:r>
-              <a:rPr lang="en-US" b="1" dirty="0" err="1" smtClean="0"/>
-              <a:t>Versatilidad</a:t>
-            </a:r>
-            <a:r>
-              <a:rPr lang="en-US" dirty="0" smtClean="0"/>
-              <a:t>: </a:t>
-            </a:r>
-            <a:r>
-              <a:rPr lang="en-US" dirty="0" err="1" smtClean="0"/>
-              <a:t>Podemos</a:t>
-            </a:r>
-            <a:r>
-              <a:rPr lang="en-US" dirty="0" smtClean="0"/>
-              <a:t> </a:t>
-            </a:r>
-            <a:r>
-              <a:rPr lang="en-US" dirty="0" err="1" smtClean="0"/>
-              <a:t>cambiar</a:t>
-            </a:r>
-            <a:r>
-              <a:rPr lang="en-US" dirty="0" smtClean="0"/>
-              <a:t> </a:t>
-            </a:r>
-            <a:r>
-              <a:rPr lang="en-US" dirty="0" err="1" smtClean="0"/>
-              <a:t>los</a:t>
-            </a:r>
-            <a:r>
-              <a:rPr lang="en-US" dirty="0" smtClean="0"/>
-              <a:t> </a:t>
-            </a:r>
-            <a:r>
-              <a:rPr lang="en-US" dirty="0" err="1" smtClean="0"/>
-              <a:t>subsistemas</a:t>
-            </a:r>
-            <a:r>
-              <a:rPr lang="en-US" dirty="0" smtClean="0"/>
-              <a:t> o </a:t>
-            </a:r>
-            <a:r>
-              <a:rPr lang="en-US" dirty="0" err="1" smtClean="0"/>
-              <a:t>módulos</a:t>
-            </a:r>
-            <a:r>
-              <a:rPr lang="en-US" dirty="0" smtClean="0"/>
-              <a:t> </a:t>
-            </a:r>
-            <a:r>
-              <a:rPr lang="en-US" dirty="0" err="1" smtClean="0"/>
-              <a:t>implicados</a:t>
-            </a:r>
-            <a:r>
-              <a:rPr lang="en-US" dirty="0" smtClean="0"/>
-              <a:t> </a:t>
-            </a:r>
-            <a:r>
-              <a:rPr lang="en-US" dirty="0" err="1" smtClean="0"/>
-              <a:t>en</a:t>
-            </a:r>
-            <a:r>
-              <a:rPr lang="en-US" dirty="0" smtClean="0"/>
-              <a:t> </a:t>
-            </a:r>
-            <a:r>
-              <a:rPr lang="en-US" dirty="0" err="1" smtClean="0"/>
-              <a:t>cada</a:t>
-            </a:r>
-            <a:r>
-              <a:rPr lang="en-US" dirty="0" smtClean="0"/>
-              <a:t> </a:t>
-            </a:r>
-            <a:r>
-              <a:rPr lang="en-US" dirty="0" err="1" smtClean="0"/>
-              <a:t>operación</a:t>
-            </a:r>
-            <a:r>
-              <a:rPr lang="en-US" dirty="0" smtClean="0"/>
-              <a:t> sin romper la </a:t>
-            </a:r>
-            <a:r>
-              <a:rPr lang="en-US" dirty="0" err="1" smtClean="0"/>
-              <a:t>compatibilidad</a:t>
-            </a:r>
-            <a:r>
-              <a:rPr lang="en-US" dirty="0" smtClean="0"/>
-              <a:t> con el </a:t>
-            </a:r>
-            <a:r>
-              <a:rPr lang="en-US" dirty="0" err="1" smtClean="0"/>
-              <a:t>cliente</a:t>
-            </a:r>
-            <a:r>
-              <a:rPr lang="en-US" dirty="0" smtClean="0"/>
-              <a:t>. </a:t>
-            </a:r>
-            <a:r>
-              <a:rPr lang="en-US" dirty="0" err="1" smtClean="0"/>
-              <a:t>Incluso</a:t>
-            </a:r>
-            <a:r>
-              <a:rPr lang="en-US" dirty="0" smtClean="0"/>
-              <a:t> </a:t>
-            </a:r>
-            <a:r>
-              <a:rPr lang="en-US" dirty="0" err="1" smtClean="0"/>
-              <a:t>podríamos</a:t>
-            </a:r>
-            <a:r>
-              <a:rPr lang="en-US" dirty="0" smtClean="0"/>
-              <a:t> </a:t>
-            </a:r>
-            <a:r>
-              <a:rPr lang="en-US" dirty="0" err="1" smtClean="0"/>
-              <a:t>cambiar</a:t>
-            </a:r>
-            <a:r>
-              <a:rPr lang="en-US" dirty="0" smtClean="0"/>
-              <a:t> la </a:t>
-            </a:r>
-            <a:r>
-              <a:rPr lang="en-US" dirty="0" err="1" smtClean="0"/>
-              <a:t>fachada</a:t>
-            </a:r>
-            <a:r>
-              <a:rPr lang="en-US" dirty="0" smtClean="0"/>
-              <a:t> </a:t>
-            </a:r>
-            <a:r>
-              <a:rPr lang="en-US" dirty="0" err="1" smtClean="0"/>
-              <a:t>siempre</a:t>
-            </a:r>
-            <a:r>
-              <a:rPr lang="en-US" dirty="0" smtClean="0"/>
-              <a:t> que </a:t>
-            </a:r>
-            <a:r>
-              <a:rPr lang="en-US" dirty="0" err="1" smtClean="0"/>
-              <a:t>cumpliera</a:t>
-            </a:r>
-            <a:r>
-              <a:rPr lang="en-US" dirty="0" smtClean="0"/>
-              <a:t> la </a:t>
-            </a:r>
-            <a:r>
-              <a:rPr lang="en-US" dirty="0" err="1" smtClean="0"/>
-              <a:t>misma</a:t>
-            </a:r>
-            <a:r>
-              <a:rPr lang="en-US" dirty="0" smtClean="0"/>
-              <a:t> </a:t>
-            </a:r>
-            <a:r>
-              <a:rPr lang="en-US" dirty="0" err="1" smtClean="0"/>
-              <a:t>interfaz</a:t>
-            </a:r>
-            <a:r>
-              <a:rPr lang="en-US" dirty="0" smtClean="0"/>
-              <a:t>.</a:t>
-            </a:r>
-          </a:p>
-          <a:p>
-            <a:endParaRPr lang="es-ES" dirty="0"/>
           </a:p>
         </p:txBody>
       </p:sp>
@@ -1210,7 +2345,7 @@
             <a:spLocks noGrp="1"/>
           </p:cNvSpPr>
           <p:nvPr>
-            <p:ph type="sldNum" sz="quarter" idx="10"/>
+            <p:ph type="sldNum" sz="quarter" idx="5"/>
           </p:nvPr>
         </p:nvSpPr>
         <p:spPr/>
@@ -1220,7 +2355,7 @@
           <a:p>
             <a:fld id="{2B3ED2FB-06D2-4C46-8CA7-06D76B104F73}" type="slidenum">
               <a:rPr lang="es-ES" smtClean="0"/>
-              <a:t>14</a:t>
+              <a:t>8</a:t>
             </a:fld>
             <a:endParaRPr lang="es-ES"/>
           </a:p>
@@ -1229,7 +2364,7 @@
     </p:spTree>
     <p:extLst>
       <p:ext uri="{BB962C8B-B14F-4D97-AF65-F5344CB8AC3E}">
-        <p14:creationId xmlns:p14="http://schemas.microsoft.com/office/powerpoint/2010/main" val="2475033887"/>
+        <p14:creationId xmlns:p14="http://schemas.microsoft.com/office/powerpoint/2010/main" val="274608206"/>
       </p:ext>
     </p:extLst>
   </p:cSld>
@@ -1283,16 +2418,415 @@
           <a:bodyPr/>
           <a:lstStyle/>
           <a:p>
-            <a:r>
-              <a:rPr lang="es-ES" dirty="0" smtClean="0">
-                <a:solidFill>
-                  <a:srgbClr val="000000"/>
-                </a:solidFill>
-                <a:latin typeface="Calibri" panose="020F0502020204030204" pitchFamily="34" charset="0"/>
-              </a:rPr>
+            <a:pPr marL="0" marR="0" lvl="0" indent="0" algn="l" defTabSz="914400" rtl="0" eaLnBrk="1" fontAlgn="auto" latinLnBrk="0" hangingPunct="1">
+              <a:lnSpc>
+                <a:spcPct val="100000"/>
+              </a:lnSpc>
+              <a:spcBef>
+                <a:spcPts val="0"/>
+              </a:spcBef>
+              <a:spcAft>
+                <a:spcPts val="0"/>
+              </a:spcAft>
+              <a:buClrTx/>
+              <a:buSzTx/>
+              <a:buFontTx/>
+              <a:buNone/>
+              <a:tabLst/>
+              <a:defRPr/>
+            </a:pPr>
+            <a:r>
+              <a:rPr lang="en-US" dirty="0"/>
+              <a:t>¿Por </a:t>
+            </a:r>
+            <a:r>
+              <a:rPr lang="en-US" dirty="0" err="1"/>
+              <a:t>qué</a:t>
+            </a:r>
+            <a:r>
+              <a:rPr lang="en-US" dirty="0"/>
               <a:t> </a:t>
             </a:r>
-            <a:endParaRPr lang="es-ES" dirty="0"/>
+            <a:r>
+              <a:rPr lang="en-US" dirty="0" err="1"/>
+              <a:t>aplicamos</a:t>
+            </a:r>
+            <a:r>
+              <a:rPr lang="en-US" dirty="0"/>
+              <a:t> </a:t>
+            </a:r>
+            <a:r>
+              <a:rPr lang="en-US" dirty="0" err="1"/>
+              <a:t>este</a:t>
+            </a:r>
+            <a:r>
+              <a:rPr lang="en-US" dirty="0"/>
+              <a:t> </a:t>
+            </a:r>
+            <a:r>
+              <a:rPr lang="en-US" dirty="0" err="1"/>
+              <a:t>patrón</a:t>
+            </a:r>
+            <a:r>
+              <a:rPr lang="en-US" dirty="0"/>
+              <a:t>?</a:t>
+            </a:r>
+          </a:p>
+          <a:p>
+            <a:pPr marL="171450" indent="-171450">
+              <a:buFont typeface="Arial" panose="020B0604020202020204" pitchFamily="34" charset="0"/>
+              <a:buChar char="•"/>
+            </a:pPr>
+            <a:r>
+              <a:rPr lang="en-US" dirty="0" err="1"/>
+              <a:t>Permite</a:t>
+            </a:r>
+            <a:r>
+              <a:rPr lang="en-US" dirty="0"/>
+              <a:t> </a:t>
+            </a:r>
+            <a:r>
+              <a:rPr lang="en-US" dirty="0" err="1"/>
+              <a:t>crear</a:t>
+            </a:r>
+            <a:r>
+              <a:rPr lang="en-US" dirty="0"/>
+              <a:t> </a:t>
+            </a:r>
+            <a:r>
+              <a:rPr lang="en-US" dirty="0" err="1"/>
+              <a:t>objetos</a:t>
+            </a:r>
+            <a:r>
+              <a:rPr lang="en-US" dirty="0"/>
+              <a:t> de forma </a:t>
+            </a:r>
+            <a:r>
+              <a:rPr lang="en-US" dirty="0" err="1"/>
+              <a:t>dinámica</a:t>
+            </a:r>
+            <a:r>
+              <a:rPr lang="en-US" dirty="0"/>
+              <a:t>, a </a:t>
+            </a:r>
+            <a:r>
+              <a:rPr lang="en-US" dirty="0" err="1"/>
+              <a:t>pesar</a:t>
+            </a:r>
+            <a:r>
+              <a:rPr lang="en-US" dirty="0"/>
+              <a:t> de no saber </a:t>
+            </a:r>
+            <a:r>
+              <a:rPr lang="en-US" dirty="0" err="1"/>
+              <a:t>su</a:t>
+            </a:r>
+            <a:r>
+              <a:rPr lang="en-US" dirty="0"/>
+              <a:t> </a:t>
+            </a:r>
+            <a:r>
+              <a:rPr lang="en-US" dirty="0" err="1"/>
+              <a:t>tipo</a:t>
+            </a:r>
+            <a:r>
+              <a:rPr lang="en-US" dirty="0"/>
+              <a:t> </a:t>
+            </a:r>
+            <a:r>
+              <a:rPr lang="en-US" dirty="0" err="1"/>
+              <a:t>concreto</a:t>
+            </a:r>
+            <a:r>
+              <a:rPr lang="en-US" dirty="0"/>
+              <a:t>. </a:t>
+            </a:r>
+          </a:p>
+          <a:p>
+            <a:pPr marL="171450" indent="-171450">
+              <a:buFont typeface="Arial" panose="020B0604020202020204" pitchFamily="34" charset="0"/>
+              <a:buChar char="•"/>
+            </a:pPr>
+            <a:r>
+              <a:rPr lang="en-US" dirty="0" err="1"/>
+              <a:t>Desde</a:t>
+            </a:r>
+            <a:r>
+              <a:rPr lang="en-US" dirty="0"/>
+              <a:t> el </a:t>
+            </a:r>
+            <a:r>
+              <a:rPr lang="en-US" dirty="0" err="1"/>
+              <a:t>cliente</a:t>
+            </a:r>
+            <a:r>
+              <a:rPr lang="en-US" dirty="0"/>
+              <a:t> </a:t>
+            </a:r>
+            <a:r>
+              <a:rPr lang="en-US" dirty="0" err="1"/>
+              <a:t>sólo</a:t>
+            </a:r>
+            <a:r>
+              <a:rPr lang="en-US" dirty="0"/>
+              <a:t> se </a:t>
+            </a:r>
+            <a:r>
+              <a:rPr lang="en-US" dirty="0" err="1"/>
+              <a:t>conocen</a:t>
+            </a:r>
+            <a:r>
+              <a:rPr lang="en-US" dirty="0"/>
+              <a:t> los </a:t>
+            </a:r>
+            <a:r>
+              <a:rPr lang="en-US" dirty="0" err="1"/>
+              <a:t>métodos</a:t>
+            </a:r>
+            <a:r>
+              <a:rPr lang="en-US" dirty="0"/>
+              <a:t> </a:t>
+            </a:r>
+            <a:r>
+              <a:rPr lang="en-US" dirty="0" err="1"/>
+              <a:t>públicos</a:t>
+            </a:r>
+            <a:r>
+              <a:rPr lang="en-US" dirty="0"/>
+              <a:t> de la </a:t>
+            </a:r>
+            <a:r>
+              <a:rPr lang="en-US" dirty="0" err="1"/>
+              <a:t>interfaz</a:t>
+            </a:r>
+            <a:r>
+              <a:rPr lang="en-US" dirty="0"/>
+              <a:t>, del </a:t>
+            </a:r>
+            <a:r>
+              <a:rPr lang="en-US" dirty="0" err="1"/>
+              <a:t>prototipo</a:t>
+            </a:r>
+            <a:r>
+              <a:rPr lang="en-US" dirty="0"/>
+              <a:t>. Por </a:t>
+            </a:r>
+            <a:r>
+              <a:rPr lang="en-US" dirty="0" err="1"/>
+              <a:t>ejemplo</a:t>
+            </a:r>
+            <a:r>
+              <a:rPr lang="en-US" dirty="0"/>
+              <a:t> </a:t>
+            </a:r>
+            <a:r>
+              <a:rPr lang="en-US" dirty="0" err="1"/>
+              <a:t>su</a:t>
+            </a:r>
+            <a:r>
+              <a:rPr lang="en-US" dirty="0"/>
+              <a:t> </a:t>
+            </a:r>
+            <a:r>
+              <a:rPr lang="en-US" dirty="0" err="1"/>
+              <a:t>habilidad</a:t>
+            </a:r>
+            <a:r>
+              <a:rPr lang="en-US" dirty="0"/>
+              <a:t> de </a:t>
+            </a:r>
+            <a:r>
+              <a:rPr lang="en-US" dirty="0" err="1"/>
+              <a:t>copiarse</a:t>
+            </a:r>
+            <a:r>
+              <a:rPr lang="en-US" dirty="0"/>
+              <a:t>/</a:t>
+            </a:r>
+            <a:r>
+              <a:rPr lang="en-US" dirty="0" err="1"/>
+              <a:t>clonarse</a:t>
+            </a:r>
+            <a:r>
+              <a:rPr lang="en-US" dirty="0"/>
+              <a:t>.</a:t>
+            </a:r>
+          </a:p>
+          <a:p>
+            <a:pPr marL="171450" indent="-171450">
+              <a:buFont typeface="Arial" panose="020B0604020202020204" pitchFamily="34" charset="0"/>
+              <a:buChar char="•"/>
+            </a:pPr>
+            <a:r>
+              <a:rPr lang="en-US" dirty="0" err="1"/>
+              <a:t>Permite</a:t>
+            </a:r>
+            <a:r>
+              <a:rPr lang="en-US" dirty="0"/>
+              <a:t> </a:t>
+            </a:r>
+            <a:r>
+              <a:rPr lang="en-US" dirty="0" err="1"/>
+              <a:t>crear</a:t>
+            </a:r>
+            <a:r>
+              <a:rPr lang="en-US" dirty="0"/>
+              <a:t> </a:t>
+            </a:r>
+            <a:r>
+              <a:rPr lang="en-US" dirty="0" err="1"/>
+              <a:t>objetos</a:t>
+            </a:r>
+            <a:r>
+              <a:rPr lang="en-US" dirty="0"/>
+              <a:t> de una forma </a:t>
+            </a:r>
+            <a:r>
+              <a:rPr lang="en-US" dirty="0" err="1"/>
+              <a:t>eficiente</a:t>
+            </a:r>
+            <a:r>
+              <a:rPr lang="en-US" dirty="0"/>
+              <a:t> </a:t>
+            </a:r>
+            <a:r>
+              <a:rPr lang="en-US" dirty="0" err="1"/>
+              <a:t>mediante</a:t>
+            </a:r>
+            <a:r>
+              <a:rPr lang="en-US" dirty="0"/>
+              <a:t> </a:t>
+            </a:r>
+            <a:r>
+              <a:rPr lang="en-US" dirty="0" err="1"/>
+              <a:t>copia</a:t>
+            </a:r>
+            <a:r>
+              <a:rPr lang="en-US" dirty="0"/>
+              <a:t>, </a:t>
+            </a:r>
+            <a:r>
+              <a:rPr lang="en-US" dirty="0" err="1"/>
+              <a:t>cuando</a:t>
+            </a:r>
+            <a:r>
+              <a:rPr lang="en-US" dirty="0"/>
+              <a:t> por </a:t>
+            </a:r>
+            <a:r>
+              <a:rPr lang="en-US" dirty="0" err="1"/>
+              <a:t>ejemplo</a:t>
+            </a:r>
+            <a:r>
+              <a:rPr lang="en-US" dirty="0"/>
+              <a:t> </a:t>
+            </a:r>
+            <a:r>
+              <a:rPr lang="en-US" dirty="0" err="1"/>
+              <a:t>tenemos</a:t>
+            </a:r>
+            <a:r>
+              <a:rPr lang="en-US" dirty="0"/>
+              <a:t> una </a:t>
+            </a:r>
+            <a:r>
+              <a:rPr lang="en-US" dirty="0" err="1"/>
+              <a:t>jerarquía</a:t>
+            </a:r>
+            <a:r>
+              <a:rPr lang="en-US" dirty="0"/>
+              <a:t> </a:t>
+            </a:r>
+            <a:r>
+              <a:rPr lang="en-US" dirty="0" err="1"/>
+              <a:t>compleja</a:t>
+            </a:r>
+            <a:r>
+              <a:rPr lang="en-US" dirty="0"/>
+              <a:t> de </a:t>
+            </a:r>
+            <a:r>
+              <a:rPr lang="en-US" dirty="0" err="1"/>
+              <a:t>clases</a:t>
+            </a:r>
+            <a:r>
+              <a:rPr lang="en-US" dirty="0"/>
+              <a:t>.</a:t>
+            </a:r>
+          </a:p>
+          <a:p>
+            <a:pPr marL="171450" indent="-171450">
+              <a:buFont typeface="Arial" panose="020B0604020202020204" pitchFamily="34" charset="0"/>
+              <a:buChar char="•"/>
+            </a:pPr>
+            <a:r>
+              <a:rPr lang="en-US" dirty="0"/>
+              <a:t>No </a:t>
+            </a:r>
+            <a:r>
+              <a:rPr lang="en-US" dirty="0" err="1"/>
+              <a:t>deberíamos</a:t>
+            </a:r>
+            <a:r>
+              <a:rPr lang="en-US" dirty="0"/>
+              <a:t> </a:t>
+            </a:r>
+            <a:r>
+              <a:rPr lang="en-US" dirty="0" err="1"/>
+              <a:t>aplicar</a:t>
+            </a:r>
+            <a:r>
+              <a:rPr lang="en-US" dirty="0"/>
+              <a:t> </a:t>
+            </a:r>
+            <a:r>
+              <a:rPr lang="en-US" dirty="0" err="1"/>
+              <a:t>este</a:t>
+            </a:r>
+            <a:r>
+              <a:rPr lang="en-US" dirty="0"/>
+              <a:t> </a:t>
+            </a:r>
+            <a:r>
+              <a:rPr lang="en-US" dirty="0" err="1"/>
+              <a:t>patrón</a:t>
+            </a:r>
+            <a:r>
+              <a:rPr lang="en-US" dirty="0"/>
+              <a:t> </a:t>
+            </a:r>
+            <a:r>
+              <a:rPr lang="en-US" dirty="0" err="1"/>
+              <a:t>cuando</a:t>
+            </a:r>
+            <a:r>
+              <a:rPr lang="en-US" dirty="0"/>
+              <a:t> </a:t>
+            </a:r>
+            <a:r>
+              <a:rPr lang="en-US" dirty="0" err="1"/>
+              <a:t>esta</a:t>
+            </a:r>
+            <a:r>
+              <a:rPr lang="en-US" dirty="0"/>
+              <a:t> </a:t>
+            </a:r>
+            <a:r>
+              <a:rPr lang="en-US" dirty="0" err="1"/>
+              <a:t>copia</a:t>
+            </a:r>
+            <a:r>
+              <a:rPr lang="en-US" dirty="0"/>
+              <a:t> no es </a:t>
+            </a:r>
+            <a:r>
+              <a:rPr lang="en-US" dirty="0" err="1"/>
+              <a:t>eficiente</a:t>
+            </a:r>
+            <a:r>
+              <a:rPr lang="en-US" dirty="0"/>
+              <a:t>.</a:t>
+            </a:r>
           </a:p>
         </p:txBody>
       </p:sp>
@@ -1303,7 +2837,7 @@
             <a:spLocks noGrp="1"/>
           </p:cNvSpPr>
           <p:nvPr>
-            <p:ph type="sldNum" sz="quarter" idx="10"/>
+            <p:ph type="sldNum" sz="quarter" idx="5"/>
           </p:nvPr>
         </p:nvSpPr>
         <p:spPr/>
@@ -1313,7 +2847,7 @@
           <a:p>
             <a:fld id="{2B3ED2FB-06D2-4C46-8CA7-06D76B104F73}" type="slidenum">
               <a:rPr lang="es-ES" smtClean="0"/>
-              <a:t>16</a:t>
+              <a:t>10</a:t>
             </a:fld>
             <a:endParaRPr lang="es-ES"/>
           </a:p>
@@ -1322,7 +2856,7 @@
     </p:spTree>
     <p:extLst>
       <p:ext uri="{BB962C8B-B14F-4D97-AF65-F5344CB8AC3E}">
-        <p14:creationId xmlns:p14="http://schemas.microsoft.com/office/powerpoint/2010/main" val="3985643024"/>
+        <p14:creationId xmlns:p14="http://schemas.microsoft.com/office/powerpoint/2010/main" val="1573389157"/>
       </p:ext>
     </p:extLst>
   </p:cSld>
@@ -1376,7 +2910,362 @@
           <a:bodyPr/>
           <a:lstStyle/>
           <a:p>
-            <a:endParaRPr lang="es-ES" dirty="0"/>
+            <a:pPr marL="0" marR="0" lvl="0" indent="0" algn="l" defTabSz="914400" rtl="0" eaLnBrk="1" fontAlgn="auto" latinLnBrk="0" hangingPunct="1">
+              <a:lnSpc>
+                <a:spcPct val="100000"/>
+              </a:lnSpc>
+              <a:spcBef>
+                <a:spcPts val="0"/>
+              </a:spcBef>
+              <a:spcAft>
+                <a:spcPts val="0"/>
+              </a:spcAft>
+              <a:buClrTx/>
+              <a:buSzTx/>
+              <a:buFontTx/>
+              <a:buNone/>
+              <a:tabLst/>
+              <a:defRPr/>
+            </a:pPr>
+            <a:r>
+              <a:rPr lang="en-US" dirty="0"/>
+              <a:t>¿Por </a:t>
+            </a:r>
+            <a:r>
+              <a:rPr lang="en-US" dirty="0" err="1"/>
+              <a:t>qué</a:t>
+            </a:r>
+            <a:r>
+              <a:rPr lang="en-US" dirty="0"/>
+              <a:t> </a:t>
+            </a:r>
+            <a:r>
+              <a:rPr lang="en-US" dirty="0" err="1"/>
+              <a:t>aplicamos</a:t>
+            </a:r>
+            <a:r>
+              <a:rPr lang="en-US" dirty="0"/>
+              <a:t> </a:t>
+            </a:r>
+            <a:r>
+              <a:rPr lang="en-US" dirty="0" err="1"/>
+              <a:t>este</a:t>
+            </a:r>
+            <a:r>
+              <a:rPr lang="en-US" dirty="0"/>
+              <a:t> </a:t>
+            </a:r>
+            <a:r>
+              <a:rPr lang="en-US" dirty="0" err="1"/>
+              <a:t>patrón</a:t>
+            </a:r>
+            <a:r>
+              <a:rPr lang="en-US" dirty="0"/>
+              <a:t>?</a:t>
+            </a:r>
+          </a:p>
+          <a:p>
+            <a:pPr marL="171450" indent="-171450">
+              <a:buFont typeface="Arial" panose="020B0604020202020204" pitchFamily="34" charset="0"/>
+              <a:buChar char="•"/>
+            </a:pPr>
+            <a:r>
+              <a:rPr lang="en-US" dirty="0" err="1"/>
+              <a:t>Permite</a:t>
+            </a:r>
+            <a:r>
+              <a:rPr lang="en-US" dirty="0"/>
+              <a:t> </a:t>
+            </a:r>
+            <a:r>
+              <a:rPr lang="en-US" dirty="0" err="1"/>
+              <a:t>crear</a:t>
+            </a:r>
+            <a:r>
+              <a:rPr lang="en-US" dirty="0"/>
+              <a:t> una </a:t>
+            </a:r>
+            <a:r>
+              <a:rPr lang="en-US" dirty="0" err="1"/>
+              <a:t>única</a:t>
+            </a:r>
+            <a:r>
+              <a:rPr lang="en-US" dirty="0"/>
+              <a:t> </a:t>
+            </a:r>
+            <a:r>
+              <a:rPr lang="en-US" dirty="0" err="1"/>
+              <a:t>instancia</a:t>
+            </a:r>
+            <a:r>
+              <a:rPr lang="en-US" dirty="0"/>
+              <a:t> de un </a:t>
+            </a:r>
+            <a:r>
+              <a:rPr lang="en-US" dirty="0" err="1"/>
+              <a:t>determinado</a:t>
+            </a:r>
+            <a:r>
+              <a:rPr lang="en-US" dirty="0"/>
+              <a:t> </a:t>
+            </a:r>
+            <a:r>
+              <a:rPr lang="en-US" dirty="0" err="1"/>
+              <a:t>objeto</a:t>
+            </a:r>
+            <a:r>
+              <a:rPr lang="en-US" dirty="0"/>
+              <a:t>.</a:t>
+            </a:r>
+          </a:p>
+          <a:p>
+            <a:pPr marL="171450" indent="-171450">
+              <a:buFont typeface="Arial" panose="020B0604020202020204" pitchFamily="34" charset="0"/>
+              <a:buChar char="•"/>
+            </a:pPr>
+            <a:r>
+              <a:rPr lang="en-US" dirty="0" err="1"/>
+              <a:t>Conseguimos</a:t>
+            </a:r>
+            <a:r>
+              <a:rPr lang="en-US" dirty="0"/>
+              <a:t> un punto </a:t>
+            </a:r>
+            <a:r>
+              <a:rPr lang="en-US" dirty="0" err="1"/>
+              <a:t>común</a:t>
+            </a:r>
+            <a:r>
+              <a:rPr lang="en-US" dirty="0"/>
+              <a:t> </a:t>
+            </a:r>
+            <a:r>
+              <a:rPr lang="en-US" dirty="0" err="1"/>
+              <a:t>centralizado</a:t>
+            </a:r>
+            <a:r>
+              <a:rPr lang="en-US" dirty="0"/>
+              <a:t>, </a:t>
+            </a:r>
+            <a:r>
+              <a:rPr lang="en-US" dirty="0" err="1"/>
+              <a:t>pudiendo</a:t>
+            </a:r>
+            <a:r>
+              <a:rPr lang="en-US" dirty="0"/>
+              <a:t> acceder a </a:t>
+            </a:r>
+            <a:r>
+              <a:rPr lang="en-US" dirty="0" err="1"/>
+              <a:t>él</a:t>
+            </a:r>
+            <a:r>
+              <a:rPr lang="en-US" dirty="0"/>
+              <a:t> </a:t>
+            </a:r>
+            <a:r>
+              <a:rPr lang="en-US" dirty="0" err="1"/>
+              <a:t>desde</a:t>
+            </a:r>
+            <a:r>
+              <a:rPr lang="en-US" dirty="0"/>
+              <a:t> </a:t>
+            </a:r>
+            <a:r>
+              <a:rPr lang="en-US" dirty="0" err="1"/>
+              <a:t>distintos</a:t>
+            </a:r>
+            <a:r>
+              <a:rPr lang="en-US" dirty="0"/>
+              <a:t> puntos de </a:t>
+            </a:r>
+            <a:r>
+              <a:rPr lang="en-US" dirty="0" err="1"/>
+              <a:t>nuestro</a:t>
+            </a:r>
+            <a:r>
+              <a:rPr lang="en-US" dirty="0"/>
+              <a:t> </a:t>
+            </a:r>
+            <a:r>
+              <a:rPr lang="en-US" dirty="0" err="1"/>
+              <a:t>sistema</a:t>
+            </a:r>
+            <a:r>
+              <a:rPr lang="en-US" dirty="0"/>
+              <a:t>.</a:t>
+            </a:r>
+          </a:p>
+          <a:p>
+            <a:pPr marL="171450" indent="-171450">
+              <a:buFont typeface="Arial" panose="020B0604020202020204" pitchFamily="34" charset="0"/>
+              <a:buChar char="•"/>
+            </a:pPr>
+            <a:r>
+              <a:rPr lang="en-US" dirty="0" err="1"/>
+              <a:t>Ahorramos</a:t>
+            </a:r>
+            <a:r>
+              <a:rPr lang="en-US" dirty="0"/>
+              <a:t> </a:t>
+            </a:r>
+            <a:r>
+              <a:rPr lang="en-US" dirty="0" err="1"/>
+              <a:t>instancias</a:t>
+            </a:r>
+            <a:r>
+              <a:rPr lang="en-US" dirty="0"/>
+              <a:t> </a:t>
+            </a:r>
+            <a:r>
+              <a:rPr lang="en-US" dirty="0" err="1"/>
+              <a:t>innecesarias</a:t>
+            </a:r>
+            <a:r>
+              <a:rPr lang="en-US" dirty="0"/>
+              <a:t>.</a:t>
+            </a:r>
+          </a:p>
+          <a:p>
+            <a:pPr marL="171450" indent="-171450">
+              <a:buFont typeface="Arial" panose="020B0604020202020204" pitchFamily="34" charset="0"/>
+              <a:buChar char="•"/>
+            </a:pPr>
+            <a:r>
+              <a:rPr lang="en-US" dirty="0" err="1"/>
+              <a:t>Debemos</a:t>
+            </a:r>
+            <a:r>
+              <a:rPr lang="en-US" dirty="0"/>
+              <a:t> </a:t>
+            </a:r>
+            <a:r>
+              <a:rPr lang="en-US" dirty="0" err="1"/>
+              <a:t>tener</a:t>
+            </a:r>
+            <a:r>
+              <a:rPr lang="en-US" dirty="0"/>
+              <a:t> </a:t>
+            </a:r>
+            <a:r>
+              <a:rPr lang="en-US" dirty="0" err="1"/>
+              <a:t>cuidado</a:t>
+            </a:r>
+            <a:r>
+              <a:rPr lang="en-US" dirty="0"/>
+              <a:t> al </a:t>
+            </a:r>
+            <a:r>
+              <a:rPr lang="en-US" dirty="0" err="1"/>
+              <a:t>usar</a:t>
+            </a:r>
+            <a:r>
+              <a:rPr lang="en-US" dirty="0"/>
+              <a:t> un singleton, </a:t>
+            </a:r>
+            <a:r>
+              <a:rPr lang="en-US" dirty="0" err="1"/>
+              <a:t>si</a:t>
+            </a:r>
+            <a:r>
+              <a:rPr lang="en-US" dirty="0"/>
+              <a:t> se </a:t>
+            </a:r>
+            <a:r>
+              <a:rPr lang="en-US" dirty="0" err="1"/>
+              <a:t>modifica</a:t>
+            </a:r>
+            <a:r>
+              <a:rPr lang="en-US" dirty="0"/>
+              <a:t> </a:t>
+            </a:r>
+            <a:r>
+              <a:rPr lang="en-US" dirty="0" err="1"/>
+              <a:t>desde</a:t>
+            </a:r>
+            <a:r>
+              <a:rPr lang="en-US" dirty="0"/>
+              <a:t> </a:t>
+            </a:r>
+            <a:r>
+              <a:rPr lang="en-US" dirty="0" err="1"/>
+              <a:t>distintas</a:t>
+            </a:r>
+            <a:r>
+              <a:rPr lang="en-US" dirty="0"/>
+              <a:t> </a:t>
+            </a:r>
+            <a:r>
+              <a:rPr lang="en-US" dirty="0" err="1"/>
+              <a:t>partes</a:t>
+            </a:r>
+            <a:r>
+              <a:rPr lang="en-US" dirty="0"/>
+              <a:t> del </a:t>
+            </a:r>
+            <a:r>
+              <a:rPr lang="en-US" dirty="0" err="1"/>
+              <a:t>sistema</a:t>
+            </a:r>
+            <a:r>
+              <a:rPr lang="en-US" dirty="0"/>
+              <a:t> sin </a:t>
+            </a:r>
+            <a:r>
+              <a:rPr lang="en-US" dirty="0" err="1"/>
+              <a:t>orden</a:t>
+            </a:r>
+            <a:r>
+              <a:rPr lang="en-US" dirty="0"/>
+              <a:t> </a:t>
+            </a:r>
+            <a:r>
+              <a:rPr lang="en-US" dirty="0" err="1"/>
+              <a:t>establecido</a:t>
+            </a:r>
+            <a:r>
+              <a:rPr lang="en-US" dirty="0"/>
+              <a:t>, </a:t>
+            </a:r>
+            <a:r>
+              <a:rPr lang="en-US" dirty="0" err="1"/>
+              <a:t>obtendremos</a:t>
+            </a:r>
+            <a:r>
+              <a:rPr lang="en-US" dirty="0"/>
+              <a:t> </a:t>
+            </a:r>
+            <a:r>
+              <a:rPr lang="en-US" dirty="0" err="1"/>
+              <a:t>valores</a:t>
+            </a:r>
+            <a:r>
+              <a:rPr lang="en-US" dirty="0"/>
+              <a:t> y </a:t>
+            </a:r>
+            <a:r>
+              <a:rPr lang="en-US" dirty="0" err="1"/>
+              <a:t>resultados</a:t>
+            </a:r>
+            <a:r>
+              <a:rPr lang="en-US" dirty="0"/>
+              <a:t> no </a:t>
+            </a:r>
+            <a:r>
+              <a:rPr lang="en-US" dirty="0" err="1"/>
+              <a:t>esperados</a:t>
+            </a:r>
+            <a:r>
+              <a:rPr lang="en-US" dirty="0"/>
+              <a:t>.</a:t>
+            </a:r>
+          </a:p>
+          <a:p>
+            <a:pPr marL="171450" indent="-171450">
+              <a:buFont typeface="Arial" panose="020B0604020202020204" pitchFamily="34" charset="0"/>
+              <a:buChar char="•"/>
+            </a:pPr>
+            <a:endParaRPr lang="en-US" dirty="0"/>
           </a:p>
         </p:txBody>
       </p:sp>
@@ -1387,7 +3276,7 @@
             <a:spLocks noGrp="1"/>
           </p:cNvSpPr>
           <p:nvPr>
-            <p:ph type="sldNum" sz="quarter" idx="10"/>
+            <p:ph type="sldNum" sz="quarter" idx="5"/>
           </p:nvPr>
         </p:nvSpPr>
         <p:spPr/>
@@ -1397,7 +3286,7 @@
           <a:p>
             <a:fld id="{2B3ED2FB-06D2-4C46-8CA7-06D76B104F73}" type="slidenum">
               <a:rPr lang="es-ES" smtClean="0"/>
-              <a:t>17</a:t>
+              <a:t>12</a:t>
             </a:fld>
             <a:endParaRPr lang="es-ES"/>
           </a:p>
@@ -1406,7 +3295,7 @@
     </p:spTree>
     <p:extLst>
       <p:ext uri="{BB962C8B-B14F-4D97-AF65-F5344CB8AC3E}">
-        <p14:creationId xmlns:p14="http://schemas.microsoft.com/office/powerpoint/2010/main" val="255830125"/>
+        <p14:creationId xmlns:p14="http://schemas.microsoft.com/office/powerpoint/2010/main" val="1088319192"/>
       </p:ext>
     </p:extLst>
   </p:cSld>
@@ -1460,7 +3349,889 @@
           <a:bodyPr/>
           <a:lstStyle/>
           <a:p>
+            <a:r>
+              <a:rPr lang="en-US" dirty="0"/>
+              <a:t>¿</a:t>
+            </a:r>
+            <a:r>
+              <a:rPr lang="en-US" dirty="0" err="1"/>
+              <a:t>Por</a:t>
+            </a:r>
+            <a:r>
+              <a:rPr lang="en-US" dirty="0"/>
+              <a:t> </a:t>
+            </a:r>
+            <a:r>
+              <a:rPr lang="en-US" dirty="0" err="1"/>
+              <a:t>qué</a:t>
+            </a:r>
+            <a:r>
+              <a:rPr lang="en-US" dirty="0"/>
+              <a:t> </a:t>
+            </a:r>
+            <a:r>
+              <a:rPr lang="en-US" dirty="0" err="1"/>
+              <a:t>aplicamos</a:t>
+            </a:r>
+            <a:r>
+              <a:rPr lang="en-US" dirty="0"/>
+              <a:t> </a:t>
+            </a:r>
+            <a:r>
+              <a:rPr lang="en-US" dirty="0" err="1"/>
+              <a:t>este</a:t>
+            </a:r>
+            <a:r>
+              <a:rPr lang="en-US" dirty="0"/>
+              <a:t> </a:t>
+            </a:r>
+            <a:r>
+              <a:rPr lang="en-US" dirty="0" err="1"/>
+              <a:t>patrón</a:t>
+            </a:r>
+            <a:r>
+              <a:rPr lang="en-US" dirty="0"/>
+              <a:t>?</a:t>
+            </a:r>
+          </a:p>
+          <a:p>
+            <a:pPr marL="171450" indent="-171450" algn="just">
+              <a:buFont typeface="Arial" panose="020B0604020202020204" pitchFamily="34" charset="0"/>
+              <a:buChar char="•"/>
+            </a:pPr>
+            <a:r>
+              <a:rPr lang="en-US" b="1" dirty="0" err="1"/>
+              <a:t>Encapsulación</a:t>
+            </a:r>
+            <a:r>
+              <a:rPr lang="en-US" dirty="0"/>
+              <a:t>: El </a:t>
+            </a:r>
+            <a:r>
+              <a:rPr lang="en-US" dirty="0" err="1"/>
+              <a:t>cliente</a:t>
+            </a:r>
+            <a:r>
+              <a:rPr lang="en-US" dirty="0"/>
+              <a:t> no </a:t>
+            </a:r>
+            <a:r>
+              <a:rPr lang="en-US" dirty="0" err="1"/>
+              <a:t>conoce</a:t>
+            </a:r>
+            <a:r>
+              <a:rPr lang="en-US" dirty="0"/>
+              <a:t> </a:t>
+            </a:r>
+            <a:r>
+              <a:rPr lang="en-US" dirty="0" err="1"/>
+              <a:t>ni</a:t>
+            </a:r>
+            <a:r>
+              <a:rPr lang="en-US" dirty="0"/>
+              <a:t> </a:t>
+            </a:r>
+            <a:r>
+              <a:rPr lang="en-US" dirty="0" err="1"/>
+              <a:t>depende</a:t>
+            </a:r>
+            <a:r>
+              <a:rPr lang="en-US" dirty="0"/>
+              <a:t> de la </a:t>
+            </a:r>
+            <a:r>
+              <a:rPr lang="en-US" dirty="0" err="1"/>
+              <a:t>implementación</a:t>
+            </a:r>
+            <a:r>
+              <a:rPr lang="en-US" dirty="0"/>
+              <a:t> </a:t>
+            </a:r>
+            <a:r>
+              <a:rPr lang="en-US" dirty="0" err="1"/>
+              <a:t>interna</a:t>
+            </a:r>
+            <a:r>
+              <a:rPr lang="en-US" dirty="0"/>
+              <a:t> de </a:t>
+            </a:r>
+            <a:r>
+              <a:rPr lang="en-US" dirty="0" err="1"/>
+              <a:t>cada</a:t>
+            </a:r>
+            <a:r>
+              <a:rPr lang="en-US" dirty="0"/>
+              <a:t> </a:t>
+            </a:r>
+            <a:r>
+              <a:rPr lang="en-US" dirty="0" err="1"/>
+              <a:t>operación</a:t>
+            </a:r>
+            <a:r>
+              <a:rPr lang="en-US" dirty="0"/>
+              <a:t>.</a:t>
+            </a:r>
+          </a:p>
+          <a:p>
+            <a:pPr marL="171450" indent="-171450" algn="just">
+              <a:buFont typeface="Arial" panose="020B0604020202020204" pitchFamily="34" charset="0"/>
+              <a:buChar char="•"/>
+            </a:pPr>
+            <a:r>
+              <a:rPr lang="en-US" b="1" dirty="0" err="1"/>
+              <a:t>Versatilidad</a:t>
+            </a:r>
+            <a:r>
+              <a:rPr lang="en-US" dirty="0"/>
+              <a:t>: </a:t>
+            </a:r>
+            <a:r>
+              <a:rPr lang="en-US" dirty="0" err="1"/>
+              <a:t>Podemos</a:t>
+            </a:r>
+            <a:r>
+              <a:rPr lang="en-US" dirty="0"/>
+              <a:t> </a:t>
+            </a:r>
+            <a:r>
+              <a:rPr lang="en-US" dirty="0" err="1"/>
+              <a:t>cambiar</a:t>
+            </a:r>
+            <a:r>
+              <a:rPr lang="en-US" dirty="0"/>
+              <a:t> </a:t>
+            </a:r>
+            <a:r>
+              <a:rPr lang="en-US" dirty="0" err="1"/>
+              <a:t>los</a:t>
+            </a:r>
+            <a:r>
+              <a:rPr lang="en-US" dirty="0"/>
+              <a:t> </a:t>
+            </a:r>
+            <a:r>
+              <a:rPr lang="en-US" dirty="0" err="1"/>
+              <a:t>subsistemas</a:t>
+            </a:r>
+            <a:r>
+              <a:rPr lang="en-US" dirty="0"/>
+              <a:t> o </a:t>
+            </a:r>
+            <a:r>
+              <a:rPr lang="en-US" dirty="0" err="1"/>
+              <a:t>módulos</a:t>
+            </a:r>
+            <a:r>
+              <a:rPr lang="en-US" dirty="0"/>
+              <a:t> </a:t>
+            </a:r>
+            <a:r>
+              <a:rPr lang="en-US" dirty="0" err="1"/>
+              <a:t>implicados</a:t>
+            </a:r>
+            <a:r>
+              <a:rPr lang="en-US" dirty="0"/>
+              <a:t> </a:t>
+            </a:r>
+            <a:r>
+              <a:rPr lang="en-US" dirty="0" err="1"/>
+              <a:t>en</a:t>
+            </a:r>
+            <a:r>
+              <a:rPr lang="en-US" dirty="0"/>
+              <a:t> </a:t>
+            </a:r>
+            <a:r>
+              <a:rPr lang="en-US" dirty="0" err="1"/>
+              <a:t>cada</a:t>
+            </a:r>
+            <a:r>
+              <a:rPr lang="en-US" dirty="0"/>
+              <a:t> </a:t>
+            </a:r>
+            <a:r>
+              <a:rPr lang="en-US" dirty="0" err="1"/>
+              <a:t>operación</a:t>
+            </a:r>
+            <a:r>
+              <a:rPr lang="en-US" dirty="0"/>
+              <a:t> sin romper la </a:t>
+            </a:r>
+            <a:r>
+              <a:rPr lang="en-US" dirty="0" err="1"/>
+              <a:t>compatibilidad</a:t>
+            </a:r>
+            <a:r>
+              <a:rPr lang="en-US" dirty="0"/>
+              <a:t> con el </a:t>
+            </a:r>
+            <a:r>
+              <a:rPr lang="en-US" dirty="0" err="1"/>
+              <a:t>cliente</a:t>
+            </a:r>
+            <a:r>
+              <a:rPr lang="en-US" dirty="0"/>
+              <a:t>. </a:t>
+            </a:r>
+            <a:r>
+              <a:rPr lang="en-US" dirty="0" err="1"/>
+              <a:t>Incluso</a:t>
+            </a:r>
+            <a:r>
+              <a:rPr lang="en-US" dirty="0"/>
+              <a:t> </a:t>
+            </a:r>
+            <a:r>
+              <a:rPr lang="en-US" dirty="0" err="1"/>
+              <a:t>podríamos</a:t>
+            </a:r>
+            <a:r>
+              <a:rPr lang="en-US" dirty="0"/>
+              <a:t> </a:t>
+            </a:r>
+            <a:r>
+              <a:rPr lang="en-US" dirty="0" err="1"/>
+              <a:t>cambiar</a:t>
+            </a:r>
+            <a:r>
+              <a:rPr lang="en-US" dirty="0"/>
+              <a:t> la </a:t>
+            </a:r>
+            <a:r>
+              <a:rPr lang="en-US" dirty="0" err="1"/>
+              <a:t>fachada</a:t>
+            </a:r>
+            <a:r>
+              <a:rPr lang="en-US" dirty="0"/>
+              <a:t> </a:t>
+            </a:r>
+            <a:r>
+              <a:rPr lang="en-US" dirty="0" err="1"/>
+              <a:t>siempre</a:t>
+            </a:r>
+            <a:r>
+              <a:rPr lang="en-US" dirty="0"/>
+              <a:t> que </a:t>
+            </a:r>
+            <a:r>
+              <a:rPr lang="en-US" dirty="0" err="1"/>
+              <a:t>cumpliera</a:t>
+            </a:r>
+            <a:r>
+              <a:rPr lang="en-US" dirty="0"/>
+              <a:t> la </a:t>
+            </a:r>
+            <a:r>
+              <a:rPr lang="en-US" dirty="0" err="1"/>
+              <a:t>misma</a:t>
+            </a:r>
+            <a:r>
+              <a:rPr lang="en-US" dirty="0"/>
+              <a:t> </a:t>
+            </a:r>
+            <a:r>
+              <a:rPr lang="en-US" dirty="0" err="1"/>
+              <a:t>interfaz</a:t>
+            </a:r>
+            <a:r>
+              <a:rPr lang="en-US" dirty="0"/>
+              <a:t>.</a:t>
+            </a:r>
+          </a:p>
+          <a:p>
             <a:endParaRPr lang="es-ES" dirty="0"/>
+          </a:p>
+        </p:txBody>
+      </p:sp>
+      <p:sp>
+        <p:nvSpPr>
+          <p:cNvPr id="4" name="Marcador de número de diapositiva 3"/>
+          <p:cNvSpPr>
+            <a:spLocks noGrp="1"/>
+          </p:cNvSpPr>
+          <p:nvPr>
+            <p:ph type="sldNum" sz="quarter" idx="10"/>
+          </p:nvPr>
+        </p:nvSpPr>
+        <p:spPr/>
+        <p:txBody>
+          <a:bodyPr/>
+          <a:lstStyle/>
+          <a:p>
+            <a:fld id="{2B3ED2FB-06D2-4C46-8CA7-06D76B104F73}" type="slidenum">
+              <a:rPr lang="es-ES" smtClean="0"/>
+              <a:t>14</a:t>
+            </a:fld>
+            <a:endParaRPr lang="es-ES"/>
+          </a:p>
+        </p:txBody>
+      </p:sp>
+    </p:spTree>
+    <p:extLst>
+      <p:ext uri="{BB962C8B-B14F-4D97-AF65-F5344CB8AC3E}">
+        <p14:creationId xmlns:p14="http://schemas.microsoft.com/office/powerpoint/2010/main" val="2475033887"/>
+      </p:ext>
+    </p:extLst>
+  </p:cSld>
+  <p:clrMapOvr>
+    <a:masterClrMapping/>
+  </p:clrMapOvr>
+</p:notes>
+</file>
+
+<file path=ppt/notesSlides/notesSlide6.xml><?xml version="1.0" encoding="utf-8"?>
+<p:notes xmlns:a="http://schemas.openxmlformats.org/drawingml/2006/main" xmlns:r="http://schemas.openxmlformats.org/officeDocument/2006/relationships" xmlns:p="http://schemas.openxmlformats.org/presentationml/2006/main">
+  <p:cSld>
+    <p:spTree>
+      <p:nvGrpSpPr>
+        <p:cNvPr id="1" name=""/>
+        <p:cNvGrpSpPr/>
+        <p:nvPr/>
+      </p:nvGrpSpPr>
+      <p:grpSpPr>
+        <a:xfrm>
+          <a:off x="0" y="0"/>
+          <a:ext cx="0" cy="0"/>
+          <a:chOff x="0" y="0"/>
+          <a:chExt cx="0" cy="0"/>
+        </a:xfrm>
+      </p:grpSpPr>
+      <p:sp>
+        <p:nvSpPr>
+          <p:cNvPr id="2" name="Marcador de imagen de diapositiva 1"/>
+          <p:cNvSpPr>
+            <a:spLocks noGrp="1" noRot="1" noChangeAspect="1"/>
+          </p:cNvSpPr>
+          <p:nvPr>
+            <p:ph type="sldImg"/>
+          </p:nvPr>
+        </p:nvSpPr>
+        <p:spPr/>
+      </p:sp>
+      <p:sp>
+        <p:nvSpPr>
+          <p:cNvPr id="3" name="Marcador de notas 2"/>
+          <p:cNvSpPr>
+            <a:spLocks noGrp="1"/>
+          </p:cNvSpPr>
+          <p:nvPr>
+            <p:ph type="body" idx="1"/>
+          </p:nvPr>
+        </p:nvSpPr>
+        <p:spPr/>
+        <p:txBody>
+          <a:bodyPr/>
+          <a:lstStyle/>
+          <a:p>
+            <a:pPr marL="0" marR="0" lvl="0" indent="0" algn="l" defTabSz="914400" rtl="0" eaLnBrk="1" fontAlgn="auto" latinLnBrk="0" hangingPunct="1">
+              <a:lnSpc>
+                <a:spcPct val="100000"/>
+              </a:lnSpc>
+              <a:spcBef>
+                <a:spcPts val="0"/>
+              </a:spcBef>
+              <a:spcAft>
+                <a:spcPts val="0"/>
+              </a:spcAft>
+              <a:buClrTx/>
+              <a:buSzTx/>
+              <a:buFontTx/>
+              <a:buNone/>
+              <a:tabLst/>
+              <a:defRPr/>
+            </a:pPr>
+            <a:r>
+              <a:rPr lang="es-ES" dirty="0">
+                <a:solidFill>
+                  <a:srgbClr val="000000"/>
+                </a:solidFill>
+                <a:latin typeface="Calibri" panose="020F0502020204030204" pitchFamily="34" charset="0"/>
+              </a:rPr>
+              <a:t> </a:t>
+            </a:r>
+            <a:r>
+              <a:rPr lang="en-US" dirty="0"/>
+              <a:t>¿Por </a:t>
+            </a:r>
+            <a:r>
+              <a:rPr lang="en-US" dirty="0" err="1"/>
+              <a:t>qué</a:t>
+            </a:r>
+            <a:r>
+              <a:rPr lang="en-US" dirty="0"/>
+              <a:t> </a:t>
+            </a:r>
+            <a:r>
+              <a:rPr lang="en-US" dirty="0" err="1"/>
+              <a:t>aplicamos</a:t>
+            </a:r>
+            <a:r>
+              <a:rPr lang="en-US" dirty="0"/>
+              <a:t> </a:t>
+            </a:r>
+            <a:r>
+              <a:rPr lang="en-US" dirty="0" err="1"/>
+              <a:t>este</a:t>
+            </a:r>
+            <a:r>
+              <a:rPr lang="en-US" dirty="0"/>
+              <a:t> </a:t>
+            </a:r>
+            <a:r>
+              <a:rPr lang="en-US" dirty="0" err="1"/>
+              <a:t>patrón</a:t>
+            </a:r>
+            <a:r>
+              <a:rPr lang="en-US" dirty="0"/>
+              <a:t>?</a:t>
+            </a:r>
+          </a:p>
+          <a:p>
+            <a:pPr marL="171450" indent="-171450">
+              <a:buFont typeface="Arial" panose="020B0604020202020204" pitchFamily="34" charset="0"/>
+              <a:buChar char="•"/>
+            </a:pPr>
+            <a:r>
+              <a:rPr lang="es-ES" dirty="0"/>
+              <a:t>Reduce el número de instancias, ahorrando memoria y mejorando el rendimiento en consecuencia.</a:t>
+            </a:r>
+          </a:p>
+          <a:p>
+            <a:pPr marL="171450" indent="-171450">
+              <a:buFont typeface="Arial" panose="020B0604020202020204" pitchFamily="34" charset="0"/>
+              <a:buChar char="•"/>
+            </a:pPr>
+            <a:r>
+              <a:rPr lang="es-ES" dirty="0"/>
+              <a:t>Centralizamos el estado de múltiples objetos virtuales.</a:t>
+            </a:r>
+          </a:p>
+        </p:txBody>
+      </p:sp>
+      <p:sp>
+        <p:nvSpPr>
+          <p:cNvPr id="4" name="Marcador de número de diapositiva 3"/>
+          <p:cNvSpPr>
+            <a:spLocks noGrp="1"/>
+          </p:cNvSpPr>
+          <p:nvPr>
+            <p:ph type="sldNum" sz="quarter" idx="10"/>
+          </p:nvPr>
+        </p:nvSpPr>
+        <p:spPr/>
+        <p:txBody>
+          <a:bodyPr/>
+          <a:lstStyle/>
+          <a:p>
+            <a:fld id="{2B3ED2FB-06D2-4C46-8CA7-06D76B104F73}" type="slidenum">
+              <a:rPr lang="es-ES" smtClean="0"/>
+              <a:t>16</a:t>
+            </a:fld>
+            <a:endParaRPr lang="es-ES"/>
+          </a:p>
+        </p:txBody>
+      </p:sp>
+    </p:spTree>
+    <p:extLst>
+      <p:ext uri="{BB962C8B-B14F-4D97-AF65-F5344CB8AC3E}">
+        <p14:creationId xmlns:p14="http://schemas.microsoft.com/office/powerpoint/2010/main" val="3985643024"/>
+      </p:ext>
+    </p:extLst>
+  </p:cSld>
+  <p:clrMapOvr>
+    <a:masterClrMapping/>
+  </p:clrMapOvr>
+</p:notes>
+</file>
+
+<file path=ppt/notesSlides/notesSlide7.xml><?xml version="1.0" encoding="utf-8"?>
+<p:notes xmlns:a="http://schemas.openxmlformats.org/drawingml/2006/main" xmlns:r="http://schemas.openxmlformats.org/officeDocument/2006/relationships" xmlns:p="http://schemas.openxmlformats.org/presentationml/2006/main">
+  <p:cSld>
+    <p:spTree>
+      <p:nvGrpSpPr>
+        <p:cNvPr id="1" name=""/>
+        <p:cNvGrpSpPr/>
+        <p:nvPr/>
+      </p:nvGrpSpPr>
+      <p:grpSpPr>
+        <a:xfrm>
+          <a:off x="0" y="0"/>
+          <a:ext cx="0" cy="0"/>
+          <a:chOff x="0" y="0"/>
+          <a:chExt cx="0" cy="0"/>
+        </a:xfrm>
+      </p:grpSpPr>
+      <p:sp>
+        <p:nvSpPr>
+          <p:cNvPr id="2" name="Marcador de imagen de diapositiva 1"/>
+          <p:cNvSpPr>
+            <a:spLocks noGrp="1" noRot="1" noChangeAspect="1"/>
+          </p:cNvSpPr>
+          <p:nvPr>
+            <p:ph type="sldImg"/>
+          </p:nvPr>
+        </p:nvSpPr>
+        <p:spPr/>
+      </p:sp>
+      <p:sp>
+        <p:nvSpPr>
+          <p:cNvPr id="3" name="Marcador de notas 2"/>
+          <p:cNvSpPr>
+            <a:spLocks noGrp="1"/>
+          </p:cNvSpPr>
+          <p:nvPr>
+            <p:ph type="body" idx="1"/>
+          </p:nvPr>
+        </p:nvSpPr>
+        <p:spPr/>
+        <p:txBody>
+          <a:bodyPr/>
+          <a:lstStyle/>
+          <a:p>
+            <a:endParaRPr lang="es-ES" dirty="0"/>
+          </a:p>
+        </p:txBody>
+      </p:sp>
+      <p:sp>
+        <p:nvSpPr>
+          <p:cNvPr id="4" name="Marcador de número de diapositiva 3"/>
+          <p:cNvSpPr>
+            <a:spLocks noGrp="1"/>
+          </p:cNvSpPr>
+          <p:nvPr>
+            <p:ph type="sldNum" sz="quarter" idx="10"/>
+          </p:nvPr>
+        </p:nvSpPr>
+        <p:spPr/>
+        <p:txBody>
+          <a:bodyPr/>
+          <a:lstStyle/>
+          <a:p>
+            <a:fld id="{2B3ED2FB-06D2-4C46-8CA7-06D76B104F73}" type="slidenum">
+              <a:rPr lang="es-ES" smtClean="0"/>
+              <a:t>17</a:t>
+            </a:fld>
+            <a:endParaRPr lang="es-ES"/>
+          </a:p>
+        </p:txBody>
+      </p:sp>
+    </p:spTree>
+    <p:extLst>
+      <p:ext uri="{BB962C8B-B14F-4D97-AF65-F5344CB8AC3E}">
+        <p14:creationId xmlns:p14="http://schemas.microsoft.com/office/powerpoint/2010/main" val="255830125"/>
+      </p:ext>
+    </p:extLst>
+  </p:cSld>
+  <p:clrMapOvr>
+    <a:masterClrMapping/>
+  </p:clrMapOvr>
+</p:notes>
+</file>
+
+<file path=ppt/notesSlides/notesSlide8.xml><?xml version="1.0" encoding="utf-8"?>
+<p:notes xmlns:a="http://schemas.openxmlformats.org/drawingml/2006/main" xmlns:r="http://schemas.openxmlformats.org/officeDocument/2006/relationships" xmlns:p="http://schemas.openxmlformats.org/presentationml/2006/main">
+  <p:cSld>
+    <p:spTree>
+      <p:nvGrpSpPr>
+        <p:cNvPr id="1" name=""/>
+        <p:cNvGrpSpPr/>
+        <p:nvPr/>
+      </p:nvGrpSpPr>
+      <p:grpSpPr>
+        <a:xfrm>
+          <a:off x="0" y="0"/>
+          <a:ext cx="0" cy="0"/>
+          <a:chOff x="0" y="0"/>
+          <a:chExt cx="0" cy="0"/>
+        </a:xfrm>
+      </p:grpSpPr>
+      <p:sp>
+        <p:nvSpPr>
+          <p:cNvPr id="2" name="Marcador de imagen de diapositiva 1"/>
+          <p:cNvSpPr>
+            <a:spLocks noGrp="1" noRot="1" noChangeAspect="1"/>
+          </p:cNvSpPr>
+          <p:nvPr>
+            <p:ph type="sldImg"/>
+          </p:nvPr>
+        </p:nvSpPr>
+        <p:spPr/>
+      </p:sp>
+      <p:sp>
+        <p:nvSpPr>
+          <p:cNvPr id="3" name="Marcador de notas 2"/>
+          <p:cNvSpPr>
+            <a:spLocks noGrp="1"/>
+          </p:cNvSpPr>
+          <p:nvPr>
+            <p:ph type="body" idx="1"/>
+          </p:nvPr>
+        </p:nvSpPr>
+        <p:spPr/>
+        <p:txBody>
+          <a:bodyPr/>
+          <a:lstStyle/>
+          <a:p>
+            <a:pPr marL="0" marR="0" lvl="0" indent="0" algn="l" defTabSz="914400" rtl="0" eaLnBrk="1" fontAlgn="auto" latinLnBrk="0" hangingPunct="1">
+              <a:lnSpc>
+                <a:spcPct val="100000"/>
+              </a:lnSpc>
+              <a:spcBef>
+                <a:spcPts val="0"/>
+              </a:spcBef>
+              <a:spcAft>
+                <a:spcPts val="0"/>
+              </a:spcAft>
+              <a:buClrTx/>
+              <a:buSzTx/>
+              <a:buFontTx/>
+              <a:buNone/>
+              <a:tabLst/>
+              <a:defRPr/>
+            </a:pPr>
+            <a:r>
+              <a:rPr lang="es-ES" dirty="0">
+                <a:solidFill>
+                  <a:srgbClr val="000000"/>
+                </a:solidFill>
+                <a:latin typeface="Calibri" panose="020F0502020204030204" pitchFamily="34" charset="0"/>
+              </a:rPr>
+              <a:t> </a:t>
+            </a:r>
+            <a:r>
+              <a:rPr lang="en-US" dirty="0"/>
+              <a:t>¿Por </a:t>
+            </a:r>
+            <a:r>
+              <a:rPr lang="en-US" dirty="0" err="1"/>
+              <a:t>qué</a:t>
+            </a:r>
+            <a:r>
+              <a:rPr lang="en-US" dirty="0"/>
+              <a:t> </a:t>
+            </a:r>
+            <a:r>
+              <a:rPr lang="en-US" dirty="0" err="1"/>
+              <a:t>aplicamos</a:t>
+            </a:r>
+            <a:r>
+              <a:rPr lang="en-US" dirty="0"/>
+              <a:t> </a:t>
+            </a:r>
+            <a:r>
+              <a:rPr lang="en-US" dirty="0" err="1"/>
+              <a:t>este</a:t>
+            </a:r>
+            <a:r>
+              <a:rPr lang="en-US" dirty="0"/>
+              <a:t> </a:t>
+            </a:r>
+            <a:r>
+              <a:rPr lang="en-US" dirty="0" err="1"/>
+              <a:t>patrón</a:t>
+            </a:r>
+            <a:r>
+              <a:rPr lang="en-US" dirty="0"/>
+              <a:t>?</a:t>
+            </a:r>
+          </a:p>
+          <a:p>
+            <a:pPr marL="171450" indent="-171450">
+              <a:buFont typeface="Arial" panose="020B0604020202020204" pitchFamily="34" charset="0"/>
+              <a:buChar char="•"/>
+            </a:pPr>
+            <a:r>
+              <a:rPr lang="es-ES" dirty="0"/>
+              <a:t>Permite al cliente utilizar objectos individuales o compuestos de forma uniforme, mediante la interfaz o clase abstracta que deben implementar.</a:t>
+            </a:r>
+          </a:p>
+          <a:p>
+            <a:pPr marL="171450" indent="-171450">
+              <a:buFont typeface="Arial" panose="020B0604020202020204" pitchFamily="34" charset="0"/>
+              <a:buChar char="•"/>
+            </a:pPr>
+            <a:r>
+              <a:rPr lang="es-ES" dirty="0"/>
+              <a:t>Nos evita tener que crear otra abstracción más que represente un conjunto de objetos individuales.</a:t>
+            </a:r>
+          </a:p>
+          <a:p>
+            <a:endParaRPr lang="en-US" dirty="0"/>
+          </a:p>
+        </p:txBody>
+      </p:sp>
+      <p:sp>
+        <p:nvSpPr>
+          <p:cNvPr id="4" name="Marcador de número de diapositiva 3"/>
+          <p:cNvSpPr>
+            <a:spLocks noGrp="1"/>
+          </p:cNvSpPr>
+          <p:nvPr>
+            <p:ph type="sldNum" sz="quarter" idx="5"/>
+          </p:nvPr>
+        </p:nvSpPr>
+        <p:spPr/>
+        <p:txBody>
+          <a:bodyPr/>
+          <a:lstStyle/>
+          <a:p>
+            <a:fld id="{2B3ED2FB-06D2-4C46-8CA7-06D76B104F73}" type="slidenum">
+              <a:rPr lang="es-ES" smtClean="0"/>
+              <a:t>18</a:t>
+            </a:fld>
+            <a:endParaRPr lang="es-ES"/>
+          </a:p>
+        </p:txBody>
+      </p:sp>
+    </p:spTree>
+    <p:extLst>
+      <p:ext uri="{BB962C8B-B14F-4D97-AF65-F5344CB8AC3E}">
+        <p14:creationId xmlns:p14="http://schemas.microsoft.com/office/powerpoint/2010/main" val="662185867"/>
+      </p:ext>
+    </p:extLst>
+  </p:cSld>
+  <p:clrMapOvr>
+    <a:masterClrMapping/>
+  </p:clrMapOvr>
+</p:notes>
+</file>
+
+<file path=ppt/notesSlides/notesSlide9.xml><?xml version="1.0" encoding="utf-8"?>
+<p:notes xmlns:a="http://schemas.openxmlformats.org/drawingml/2006/main" xmlns:r="http://schemas.openxmlformats.org/officeDocument/2006/relationships" xmlns:p="http://schemas.openxmlformats.org/presentationml/2006/main">
+  <p:cSld>
+    <p:spTree>
+      <p:nvGrpSpPr>
+        <p:cNvPr id="1" name=""/>
+        <p:cNvGrpSpPr/>
+        <p:nvPr/>
+      </p:nvGrpSpPr>
+      <p:grpSpPr>
+        <a:xfrm>
+          <a:off x="0" y="0"/>
+          <a:ext cx="0" cy="0"/>
+          <a:chOff x="0" y="0"/>
+          <a:chExt cx="0" cy="0"/>
+        </a:xfrm>
+      </p:grpSpPr>
+      <p:sp>
+        <p:nvSpPr>
+          <p:cNvPr id="2" name="Marcador de imagen de diapositiva 1"/>
+          <p:cNvSpPr>
+            <a:spLocks noGrp="1" noRot="1" noChangeAspect="1"/>
+          </p:cNvSpPr>
+          <p:nvPr>
+            <p:ph type="sldImg"/>
+          </p:nvPr>
+        </p:nvSpPr>
+        <p:spPr/>
+      </p:sp>
+      <p:sp>
+        <p:nvSpPr>
+          <p:cNvPr id="3" name="Marcador de notas 2"/>
+          <p:cNvSpPr>
+            <a:spLocks noGrp="1"/>
+          </p:cNvSpPr>
+          <p:nvPr>
+            <p:ph type="body" idx="1"/>
+          </p:nvPr>
+        </p:nvSpPr>
+        <p:spPr/>
+        <p:txBody>
+          <a:bodyPr/>
+          <a:lstStyle/>
+          <a:p>
+            <a:pPr marL="0" marR="0" lvl="0" indent="0" algn="l" defTabSz="914400" rtl="0" eaLnBrk="1" fontAlgn="auto" latinLnBrk="0" hangingPunct="1">
+              <a:lnSpc>
+                <a:spcPct val="100000"/>
+              </a:lnSpc>
+              <a:spcBef>
+                <a:spcPts val="0"/>
+              </a:spcBef>
+              <a:spcAft>
+                <a:spcPts val="0"/>
+              </a:spcAft>
+              <a:buClrTx/>
+              <a:buSzTx/>
+              <a:buFontTx/>
+              <a:buNone/>
+              <a:tabLst/>
+              <a:defRPr/>
+            </a:pPr>
+            <a:r>
+              <a:rPr lang="es-ES" dirty="0">
+                <a:solidFill>
+                  <a:srgbClr val="000000"/>
+                </a:solidFill>
+                <a:latin typeface="Calibri" panose="020F0502020204030204" pitchFamily="34" charset="0"/>
+              </a:rPr>
+              <a:t> </a:t>
+            </a:r>
+            <a:r>
+              <a:rPr lang="en-US" dirty="0"/>
+              <a:t>¿Por </a:t>
+            </a:r>
+            <a:r>
+              <a:rPr lang="en-US" dirty="0" err="1"/>
+              <a:t>qué</a:t>
+            </a:r>
+            <a:r>
+              <a:rPr lang="en-US" dirty="0"/>
+              <a:t> </a:t>
+            </a:r>
+            <a:r>
+              <a:rPr lang="en-US" dirty="0" err="1"/>
+              <a:t>aplicamos</a:t>
+            </a:r>
+            <a:r>
+              <a:rPr lang="en-US" dirty="0"/>
+              <a:t> </a:t>
+            </a:r>
+            <a:r>
+              <a:rPr lang="en-US" dirty="0" err="1"/>
+              <a:t>este</a:t>
+            </a:r>
+            <a:r>
+              <a:rPr lang="en-US" dirty="0"/>
+              <a:t> </a:t>
+            </a:r>
+            <a:r>
+              <a:rPr lang="en-US" dirty="0" err="1"/>
+              <a:t>patrón</a:t>
+            </a:r>
+            <a:r>
+              <a:rPr lang="en-US" dirty="0"/>
+              <a:t>?</a:t>
+            </a:r>
+          </a:p>
+          <a:p>
+            <a:pPr marL="171450" indent="-171450">
+              <a:buFont typeface="Arial" panose="020B0604020202020204" pitchFamily="34" charset="0"/>
+              <a:buChar char="•"/>
+            </a:pPr>
+            <a:r>
+              <a:rPr lang="es-ES" dirty="0"/>
+              <a:t>Se delega la implementación interna del comportamiento a las subclases de las distintas estrategias.</a:t>
+            </a:r>
+          </a:p>
+          <a:p>
+            <a:pPr marL="171450" indent="-171450">
+              <a:buFont typeface="Arial" panose="020B0604020202020204" pitchFamily="34" charset="0"/>
+              <a:buChar char="•"/>
+            </a:pPr>
+            <a:r>
+              <a:rPr lang="es-ES" dirty="0"/>
+              <a:t>Podemos variar esta estrategia o comportamiento de forma dinámica.</a:t>
+            </a:r>
+          </a:p>
+          <a:p>
+            <a:pPr marL="171450" indent="-171450">
+              <a:buFont typeface="Arial" panose="020B0604020202020204" pitchFamily="34" charset="0"/>
+              <a:buChar char="•"/>
+            </a:pPr>
+            <a:r>
+              <a:rPr lang="es-ES" dirty="0"/>
+              <a:t>Debemos tener en cuenta que el cliente debe conocer las estrategias existentes y deberemos crear tantos objetos como estrategias queramos utilizar.</a:t>
+            </a:r>
           </a:p>
         </p:txBody>
       </p:sp>
@@ -4767,7 +7538,7 @@
           <a:p>
             <a:pPr algn="l"/>
             <a:r>
-              <a:rPr lang="es-ES" sz="7200" b="1" dirty="0" smtClean="0">
+              <a:rPr lang="es-ES" sz="7200" b="1" dirty="0">
                 <a:solidFill>
                   <a:schemeClr val="bg1"/>
                 </a:solidFill>
@@ -4775,7 +7546,7 @@
               <a:t>Patrones de diseño con </a:t>
             </a:r>
             <a:r>
-              <a:rPr lang="es-ES" sz="7200" b="1" dirty="0" err="1" smtClean="0">
+              <a:rPr lang="es-ES" sz="7200" b="1" dirty="0" err="1">
                 <a:solidFill>
                   <a:schemeClr val="bg1"/>
                 </a:solidFill>
@@ -4783,18 +7554,13 @@
               <a:t>typescript</a:t>
             </a:r>
             <a:r>
-              <a:rPr lang="es-ES" sz="7200" b="1" dirty="0" smtClean="0">
+              <a:rPr lang="es-ES" sz="7200" b="1" dirty="0">
                 <a:solidFill>
                   <a:schemeClr val="bg1"/>
                 </a:solidFill>
               </a:rPr>
               <a:t> en el mundo real</a:t>
             </a:r>
-            <a:endParaRPr lang="es-ES" sz="7200" b="1" dirty="0">
-              <a:solidFill>
-                <a:schemeClr val="bg1"/>
-              </a:solidFill>
-            </a:endParaRPr>
           </a:p>
         </p:txBody>
       </p:sp>
@@ -4819,7 +7585,7 @@
                 <a14:useLocalDpi xmlns:a14="http://schemas.microsoft.com/office/drawing/2010/main" val="0"/>
               </a:ext>
               <a:ext uri="{96DAC541-7B7A-43D3-8B79-37D633B846F1}">
-                <asvg:svgBlip xmlns:asvg="http://schemas.microsoft.com/office/drawing/2016/SVG/main" xmlns="" r:embed="rId3"/>
+                <asvg:svgBlip xmlns:asvg="http://schemas.microsoft.com/office/drawing/2016/SVG/main" r:embed="rId3"/>
               </a:ext>
             </a:extLst>
           </a:blip>
@@ -5039,11 +7805,7 @@
             </a:r>
             <a:r>
               <a:rPr lang="es-ES" sz="2400" b="0" dirty="0"/>
-              <a:t> &amp; </a:t>
-            </a:r>
-            <a:r>
-              <a:rPr lang="es-ES" sz="2400" b="0" dirty="0" smtClean="0"/>
-              <a:t>@</a:t>
+              <a:t> &amp; @</a:t>
             </a:r>
             <a:r>
               <a:rPr lang="es-ES" sz="2400" b="0" dirty="0" err="1"/>
@@ -5063,13 +7825,6 @@
   <p:clrMapOvr>
     <a:masterClrMapping/>
   </p:clrMapOvr>
-  <p:timing>
-    <p:tnLst>
-      <p:par>
-        <p:cTn id="1" dur="indefinite" restart="never" nodeType="tmRoot"/>
-      </p:par>
-    </p:tnLst>
-  </p:timing>
 </p:sld>
 </file>
 
@@ -5198,7 +7953,7 @@
           <p:nvPr/>
         </p:nvPicPr>
         <p:blipFill>
-          <a:blip r:embed="rId2"/>
+          <a:blip r:embed="rId3"/>
           <a:stretch>
             <a:fillRect/>
           </a:stretch>
@@ -5235,7 +7990,7 @@
           <p:nvPr/>
         </p:nvPicPr>
         <p:blipFill>
-          <a:blip r:embed="rId3"/>
+          <a:blip r:embed="rId4"/>
           <a:stretch>
             <a:fillRect/>
           </a:stretch>
@@ -5272,7 +8027,7 @@
           <p:nvPr/>
         </p:nvPicPr>
         <p:blipFill>
-          <a:blip r:embed="rId4"/>
+          <a:blip r:embed="rId5"/>
           <a:stretch>
             <a:fillRect/>
           </a:stretch>
@@ -5362,7 +8117,7 @@
           <a:lstStyle/>
           <a:p>
             <a:r>
-              <a:rPr lang="en-US" sz="3600" dirty="0" err="1" smtClean="0">
+              <a:rPr lang="en-US" sz="3600" dirty="0" err="1">
                 <a:solidFill>
                   <a:srgbClr val="49C593"/>
                 </a:solidFill>
@@ -5403,7 +8158,7 @@
           <a:lstStyle/>
           <a:p>
             <a:r>
-              <a:rPr lang="es-ES" sz="4400" dirty="0" err="1" smtClean="0">
+              <a:rPr lang="es-ES" sz="4400" dirty="0" err="1">
                 <a:solidFill>
                   <a:schemeClr val="bg1"/>
                 </a:solidFill>
@@ -5431,7 +8186,7 @@
           <p:nvPr/>
         </p:nvPicPr>
         <p:blipFill>
-          <a:blip r:embed="rId5" cstate="hqprint">
+          <a:blip r:embed="rId6" cstate="hqprint">
             <a:extLst>
               <a:ext uri="{28A0092B-C50C-407E-A947-70E740481C1C}">
                 <a14:useLocalDpi xmlns:a14="http://schemas.microsoft.com/office/drawing/2010/main" val="0"/>
@@ -5462,13 +8217,6 @@
   <p:clrMapOvr>
     <a:masterClrMapping/>
   </p:clrMapOvr>
-  <p:timing>
-    <p:tnLst>
-      <p:par>
-        <p:cTn id="1" dur="indefinite" restart="never" nodeType="tmRoot"/>
-      </p:par>
-    </p:tnLst>
-  </p:timing>
 </p:sld>
 </file>
 
@@ -5852,7 +8600,7 @@
           <a:lstStyle/>
           <a:p>
             <a:r>
-              <a:rPr lang="en-US" sz="3600" dirty="0" err="1" smtClean="0">
+              <a:rPr lang="en-US" sz="3600" dirty="0" err="1">
                 <a:solidFill>
                   <a:srgbClr val="53A2D3"/>
                 </a:solidFill>
@@ -5893,7 +8641,7 @@
           <a:lstStyle/>
           <a:p>
             <a:r>
-              <a:rPr lang="es-ES" sz="4400" dirty="0" err="1" smtClean="0">
+              <a:rPr lang="es-ES" sz="4400" dirty="0" err="1">
                 <a:solidFill>
                   <a:schemeClr val="bg1"/>
                 </a:solidFill>
@@ -5952,13 +8700,6 @@
   <p:clrMapOvr>
     <a:masterClrMapping/>
   </p:clrMapOvr>
-  <p:timing>
-    <p:tnLst>
-      <p:par>
-        <p:cTn id="1" dur="indefinite" restart="never" nodeType="tmRoot"/>
-      </p:par>
-    </p:tnLst>
-  </p:timing>
 </p:sld>
 </file>
 
@@ -6002,7 +8743,7 @@
           <p:nvPr/>
         </p:nvPicPr>
         <p:blipFill>
-          <a:blip r:embed="rId2"/>
+          <a:blip r:embed="rId3"/>
           <a:stretch>
             <a:fillRect/>
           </a:stretch>
@@ -6039,7 +8780,7 @@
           <p:nvPr/>
         </p:nvPicPr>
         <p:blipFill>
-          <a:blip r:embed="rId3"/>
+          <a:blip r:embed="rId4"/>
           <a:stretch>
             <a:fillRect/>
           </a:stretch>
@@ -6175,7 +8916,7 @@
           <a:lstStyle/>
           <a:p>
             <a:r>
-              <a:rPr lang="en-US" sz="3600" dirty="0" err="1" smtClean="0">
+              <a:rPr lang="en-US" sz="3600" dirty="0" err="1">
                 <a:solidFill>
                   <a:srgbClr val="49C593"/>
                 </a:solidFill>
@@ -6216,7 +8957,7 @@
           <a:lstStyle/>
           <a:p>
             <a:r>
-              <a:rPr lang="es-ES" sz="4400" dirty="0" err="1" smtClean="0">
+              <a:rPr lang="es-ES" sz="4400" dirty="0" err="1">
                 <a:solidFill>
                   <a:schemeClr val="bg1"/>
                 </a:solidFill>
@@ -6244,7 +8985,7 @@
           <p:nvPr/>
         </p:nvPicPr>
         <p:blipFill>
-          <a:blip r:embed="rId4" cstate="hqprint">
+          <a:blip r:embed="rId5" cstate="hqprint">
             <a:extLst>
               <a:ext uri="{28A0092B-C50C-407E-A947-70E740481C1C}">
                 <a14:useLocalDpi xmlns:a14="http://schemas.microsoft.com/office/drawing/2010/main" val="0"/>
@@ -6275,13 +9016,6 @@
   <p:clrMapOvr>
     <a:masterClrMapping/>
   </p:clrMapOvr>
-  <p:timing>
-    <p:tnLst>
-      <p:par>
-        <p:cTn id="1" dur="indefinite" restart="never" nodeType="tmRoot"/>
-      </p:par>
-    </p:tnLst>
-  </p:timing>
 </p:sld>
 </file>
 
@@ -6574,7 +9308,7 @@
           <a:lstStyle/>
           <a:p>
             <a:r>
-              <a:rPr lang="en-US" sz="3600" dirty="0" err="1" smtClean="0">
+              <a:rPr lang="en-US" sz="3600" dirty="0" err="1">
                 <a:solidFill>
                   <a:srgbClr val="53A2D3"/>
                 </a:solidFill>
@@ -6615,7 +9349,7 @@
           <a:lstStyle/>
           <a:p>
             <a:r>
-              <a:rPr lang="es-ES" sz="4400" dirty="0" err="1" smtClean="0">
+              <a:rPr lang="es-ES" sz="4400" dirty="0" err="1">
                 <a:solidFill>
                   <a:schemeClr val="bg1"/>
                 </a:solidFill>
@@ -6674,13 +9408,6 @@
   <p:clrMapOvr>
     <a:masterClrMapping/>
   </p:clrMapOvr>
-  <p:timing>
-    <p:tnLst>
-      <p:par>
-        <p:cTn id="1" dur="indefinite" restart="never" nodeType="tmRoot"/>
-      </p:par>
-    </p:tnLst>
-  </p:timing>
 </p:sld>
 </file>
 
@@ -7263,7 +9990,7 @@
           <a:lstStyle/>
           <a:p>
             <a:r>
-              <a:rPr lang="en-US" sz="3600" dirty="0" err="1" smtClean="0">
+              <a:rPr lang="en-US" sz="3600" dirty="0" err="1">
                 <a:solidFill>
                   <a:srgbClr val="49C593"/>
                 </a:solidFill>
@@ -7304,7 +10031,7 @@
           <a:lstStyle/>
           <a:p>
             <a:r>
-              <a:rPr lang="es-ES" sz="4400" dirty="0" err="1" smtClean="0">
+              <a:rPr lang="es-ES" sz="4400" dirty="0" err="1">
                 <a:solidFill>
                   <a:schemeClr val="bg1"/>
                 </a:solidFill>
@@ -7363,13 +10090,6 @@
   <p:clrMapOvr>
     <a:masterClrMapping/>
   </p:clrMapOvr>
-  <p:timing>
-    <p:tnLst>
-      <p:par>
-        <p:cTn id="1" dur="indefinite" restart="never" nodeType="tmRoot"/>
-      </p:par>
-    </p:tnLst>
-  </p:timing>
 </p:sld>
 </file>
 
@@ -7806,7 +10526,7 @@
           <a:lstStyle/>
           <a:p>
             <a:r>
-              <a:rPr lang="en-US" sz="3600" dirty="0" err="1" smtClean="0">
+              <a:rPr lang="en-US" sz="3600" dirty="0" err="1">
                 <a:solidFill>
                   <a:srgbClr val="53A2D3"/>
                 </a:solidFill>
@@ -7847,7 +10567,7 @@
           <a:lstStyle/>
           <a:p>
             <a:r>
-              <a:rPr lang="es-ES" sz="4400" dirty="0" err="1" smtClean="0">
+              <a:rPr lang="es-ES" sz="4400" dirty="0" err="1">
                 <a:solidFill>
                   <a:schemeClr val="bg1"/>
                 </a:solidFill>
@@ -7906,13 +10626,6 @@
   <p:clrMapOvr>
     <a:masterClrMapping/>
   </p:clrMapOvr>
-  <p:timing>
-    <p:tnLst>
-      <p:par>
-        <p:cTn id="1" dur="indefinite" restart="never" nodeType="tmRoot"/>
-      </p:par>
-    </p:tnLst>
-  </p:timing>
 </p:sld>
 </file>
 
@@ -8320,7 +11033,7 @@
           <a:lstStyle/>
           <a:p>
             <a:r>
-              <a:rPr lang="es-ES" sz="4400" dirty="0" err="1" smtClean="0">
+              <a:rPr lang="es-ES" sz="4400" dirty="0" err="1">
                 <a:solidFill>
                   <a:schemeClr val="bg1"/>
                 </a:solidFill>
@@ -8368,7 +11081,7 @@
           <a:lstStyle/>
           <a:p>
             <a:r>
-              <a:rPr lang="en-US" sz="3600" dirty="0" err="1" smtClean="0">
+              <a:rPr lang="en-US" sz="3600" dirty="0" err="1">
                 <a:solidFill>
                   <a:srgbClr val="49C593"/>
                 </a:solidFill>
@@ -8427,13 +11140,6 @@
   <p:clrMapOvr>
     <a:masterClrMapping/>
   </p:clrMapOvr>
-  <p:timing>
-    <p:tnLst>
-      <p:par>
-        <p:cTn id="1" dur="indefinite" restart="never" nodeType="tmRoot"/>
-      </p:par>
-    </p:tnLst>
-  </p:timing>
 </p:sld>
 </file>
 
@@ -9032,7 +11738,7 @@
           <a:lstStyle/>
           <a:p>
             <a:r>
-              <a:rPr lang="en-US" sz="3600" dirty="0" err="1" smtClean="0">
+              <a:rPr lang="en-US" sz="3600" dirty="0" err="1">
                 <a:solidFill>
                   <a:srgbClr val="53A2D3"/>
                 </a:solidFill>
@@ -9073,7 +11779,7 @@
           <a:lstStyle/>
           <a:p>
             <a:r>
-              <a:rPr lang="es-ES" sz="4400" dirty="0" err="1" smtClean="0">
+              <a:rPr lang="es-ES" sz="4400" dirty="0" err="1">
                 <a:solidFill>
                   <a:schemeClr val="bg1"/>
                 </a:solidFill>
@@ -9132,13 +11838,6 @@
   <p:clrMapOvr>
     <a:masterClrMapping/>
   </p:clrMapOvr>
-  <p:timing>
-    <p:tnLst>
-      <p:par>
-        <p:cTn id="1" dur="indefinite" restart="never" nodeType="tmRoot"/>
-      </p:par>
-    </p:tnLst>
-  </p:timing>
 </p:sld>
 </file>
 
@@ -9182,7 +11881,7 @@
           <p:nvPr/>
         </p:nvPicPr>
         <p:blipFill>
-          <a:blip r:embed="rId2"/>
+          <a:blip r:embed="rId3"/>
           <a:stretch>
             <a:fillRect/>
           </a:stretch>
@@ -9219,7 +11918,7 @@
           <p:nvPr/>
         </p:nvPicPr>
         <p:blipFill>
-          <a:blip r:embed="rId3"/>
+          <a:blip r:embed="rId4"/>
           <a:stretch>
             <a:fillRect/>
           </a:stretch>
@@ -9256,7 +11955,7 @@
           <p:nvPr/>
         </p:nvPicPr>
         <p:blipFill>
-          <a:blip r:embed="rId4"/>
+          <a:blip r:embed="rId5"/>
           <a:stretch>
             <a:fillRect/>
           </a:stretch>
@@ -9470,7 +12169,7 @@
           <a:lstStyle/>
           <a:p>
             <a:r>
-              <a:rPr lang="es-ES" sz="4400" dirty="0" err="1" smtClean="0">
+              <a:rPr lang="es-ES" sz="4400" dirty="0" err="1">
                 <a:solidFill>
                   <a:schemeClr val="bg1"/>
                 </a:solidFill>
@@ -9518,7 +12217,7 @@
           <a:lstStyle/>
           <a:p>
             <a:r>
-              <a:rPr lang="en-US" sz="3600" dirty="0" err="1" smtClean="0">
+              <a:rPr lang="en-US" sz="3600" dirty="0" err="1">
                 <a:solidFill>
                   <a:srgbClr val="49C593"/>
                 </a:solidFill>
@@ -9546,7 +12245,7 @@
           <p:nvPr/>
         </p:nvPicPr>
         <p:blipFill>
-          <a:blip r:embed="rId5" cstate="hqprint">
+          <a:blip r:embed="rId6" cstate="hqprint">
             <a:extLst>
               <a:ext uri="{28A0092B-C50C-407E-A947-70E740481C1C}">
                 <a14:useLocalDpi xmlns:a14="http://schemas.microsoft.com/office/drawing/2010/main" val="0"/>
@@ -9577,13 +12276,6 @@
   <p:clrMapOvr>
     <a:masterClrMapping/>
   </p:clrMapOvr>
-  <p:timing>
-    <p:tnLst>
-      <p:par>
-        <p:cTn id="1" dur="indefinite" restart="never" nodeType="tmRoot"/>
-      </p:par>
-    </p:tnLst>
-  </p:timing>
 </p:sld>
 </file>
 
@@ -10290,7 +12982,7 @@
           <a:lstStyle/>
           <a:p>
             <a:r>
-              <a:rPr lang="en-US" sz="3600" dirty="0" err="1" smtClean="0">
+              <a:rPr lang="en-US" sz="3600" dirty="0" err="1">
                 <a:solidFill>
                   <a:srgbClr val="53A2D3"/>
                 </a:solidFill>
@@ -10390,13 +13082,6 @@
   <p:clrMapOvr>
     <a:masterClrMapping/>
   </p:clrMapOvr>
-  <p:timing>
-    <p:tnLst>
-      <p:par>
-        <p:cTn id="1" dur="indefinite" restart="never" nodeType="tmRoot"/>
-      </p:par>
-    </p:tnLst>
-  </p:timing>
 </p:sld>
 </file>
 
@@ -10901,11 +13586,7 @@
           <a:p>
             <a:r>
               <a:rPr lang="es-ES" sz="4000" dirty="0"/>
-              <a:t>Carlos </a:t>
-            </a:r>
-            <a:r>
-              <a:rPr lang="es-ES" sz="4000" dirty="0" smtClean="0"/>
-              <a:t>Bastos</a:t>
+              <a:t>Carlos Bastos</a:t>
             </a:r>
             <a:endParaRPr lang="es-ES" sz="5400" dirty="0"/>
           </a:p>
@@ -11151,7 +13832,7 @@
           </a:lstStyle>
           <a:p>
             <a:r>
-              <a:rPr lang="es-ES" sz="3200" dirty="0" smtClean="0">
+              <a:rPr lang="es-ES" sz="3200" dirty="0">
                 <a:solidFill>
                   <a:schemeClr val="tx1"/>
                 </a:solidFill>
@@ -11159,7 +13840,7 @@
               <a:t>@</a:t>
             </a:r>
             <a:r>
-              <a:rPr lang="es-ES" sz="3200" dirty="0" err="1" smtClean="0">
+              <a:rPr lang="es-ES" sz="3200" dirty="0" err="1">
                 <a:solidFill>
                   <a:schemeClr val="tx1"/>
                 </a:solidFill>
@@ -11367,12 +14048,8 @@
           </a:lstStyle>
           <a:p>
             <a:r>
-              <a:rPr lang="es-ES" sz="4000" dirty="0" smtClean="0"/>
-              <a:t>Iván</a:t>
-            </a:r>
-            <a:r>
-              <a:rPr lang="es-ES" sz="4000" dirty="0" smtClean="0"/>
-              <a:t> Reinoso</a:t>
+              <a:rPr lang="es-ES" sz="4000" dirty="0"/>
+              <a:t>Iván Reinoso</a:t>
             </a:r>
             <a:endParaRPr lang="es-ES" sz="5400" dirty="0"/>
           </a:p>
@@ -11435,13 +14112,6 @@
   <p:clrMapOvr>
     <a:masterClrMapping/>
   </p:clrMapOvr>
-  <p:timing>
-    <p:tnLst>
-      <p:par>
-        <p:cTn id="1" dur="indefinite" restart="never" nodeType="tmRoot"/>
-      </p:par>
-    </p:tnLst>
-  </p:timing>
 </p:sld>
 </file>
 
@@ -11971,7 +14641,7 @@
           <a:lstStyle/>
           <a:p>
             <a:r>
-              <a:rPr lang="es-ES" sz="4400" dirty="0" err="1" smtClean="0">
+              <a:rPr lang="es-ES" sz="4400" dirty="0" err="1">
                 <a:solidFill>
                   <a:schemeClr val="bg1"/>
                 </a:solidFill>
@@ -12019,7 +14689,7 @@
           <a:lstStyle/>
           <a:p>
             <a:r>
-              <a:rPr lang="en-US" sz="3600" dirty="0" err="1" smtClean="0">
+              <a:rPr lang="en-US" sz="3600" dirty="0" err="1">
                 <a:solidFill>
                   <a:srgbClr val="49C593"/>
                 </a:solidFill>
@@ -12078,13 +14748,6 @@
   <p:clrMapOvr>
     <a:masterClrMapping/>
   </p:clrMapOvr>
-  <p:timing>
-    <p:tnLst>
-      <p:par>
-        <p:cTn id="1" dur="indefinite" restart="never" nodeType="tmRoot"/>
-      </p:par>
-    </p:tnLst>
-  </p:timing>
 </p:sld>
 </file>
 
@@ -12625,7 +15288,7 @@
                 <a16:creationId xmlns:a16="http://schemas.microsoft.com/office/drawing/2014/main" id="{CADF5784-5FC3-40D6-BB19-FC72C0D9D2F5}"/>
               </a:ext>
               <a:ext uri="{C183D7F6-B498-43B3-948B-1728B52AA6E4}">
-                <adec:decorative xmlns:adec="http://schemas.microsoft.com/office/drawing/2017/decorative" xmlns="" val="0"/>
+                <adec:decorative xmlns:adec="http://schemas.microsoft.com/office/drawing/2017/decorative" val="0"/>
               </a:ext>
             </a:extLst>
           </p:cNvPr>
@@ -12734,18 +15397,13 @@
           <a:lstStyle/>
           <a:p>
             <a:r>
-              <a:rPr lang="en-US" sz="1600" dirty="0" smtClean="0">
+              <a:rPr lang="en-US" sz="1600" dirty="0">
                 <a:solidFill>
                   <a:schemeClr val="bg1"/>
                 </a:solidFill>
               </a:rPr>
               <a:t>Usage</a:t>
             </a:r>
-            <a:endParaRPr lang="en-US" sz="1600" dirty="0">
-              <a:solidFill>
-                <a:schemeClr val="bg1"/>
-              </a:solidFill>
-            </a:endParaRPr>
           </a:p>
         </p:txBody>
       </p:sp>
@@ -12771,7 +15429,7 @@
           <a:lstStyle/>
           <a:p>
             <a:r>
-              <a:rPr lang="es-ES" sz="4400" dirty="0" err="1" smtClean="0">
+              <a:rPr lang="es-ES" sz="4400" dirty="0" err="1">
                 <a:solidFill>
                   <a:schemeClr val="bg1"/>
                 </a:solidFill>
@@ -12819,7 +15477,7 @@
           <a:lstStyle/>
           <a:p>
             <a:r>
-              <a:rPr lang="en-US" sz="3600" dirty="0" err="1" smtClean="0">
+              <a:rPr lang="en-US" sz="3600" dirty="0" err="1">
                 <a:solidFill>
                   <a:srgbClr val="53A2D3"/>
                 </a:solidFill>
@@ -12878,13 +15536,6 @@
   <p:clrMapOvr>
     <a:masterClrMapping/>
   </p:clrMapOvr>
-  <p:timing>
-    <p:tnLst>
-      <p:par>
-        <p:cTn id="1" dur="indefinite" restart="never" nodeType="tmRoot"/>
-      </p:par>
-    </p:tnLst>
-  </p:timing>
 </p:sld>
 </file>
 
@@ -12928,7 +15579,7 @@
           <p:nvPr/>
         </p:nvPicPr>
         <p:blipFill>
-          <a:blip r:embed="rId2"/>
+          <a:blip r:embed="rId3"/>
           <a:stretch>
             <a:fillRect/>
           </a:stretch>
@@ -12965,7 +15616,7 @@
           <p:nvPr/>
         </p:nvPicPr>
         <p:blipFill>
-          <a:blip r:embed="rId3"/>
+          <a:blip r:embed="rId4"/>
           <a:stretch>
             <a:fillRect/>
           </a:stretch>
@@ -13002,7 +15653,7 @@
           <p:nvPr/>
         </p:nvPicPr>
         <p:blipFill>
-          <a:blip r:embed="rId4"/>
+          <a:blip r:embed="rId5"/>
           <a:stretch>
             <a:fillRect/>
           </a:stretch>
@@ -13039,7 +15690,7 @@
           <p:nvPr/>
         </p:nvPicPr>
         <p:blipFill>
-          <a:blip r:embed="rId5"/>
+          <a:blip r:embed="rId6"/>
           <a:stretch>
             <a:fillRect/>
           </a:stretch>
@@ -13076,7 +15727,7 @@
           <p:nvPr/>
         </p:nvPicPr>
         <p:blipFill>
-          <a:blip r:embed="rId6"/>
+          <a:blip r:embed="rId7"/>
           <a:stretch>
             <a:fillRect/>
           </a:stretch>
@@ -13497,7 +16148,7 @@
           <a:lstStyle/>
           <a:p>
             <a:r>
-              <a:rPr lang="es-ES" sz="4400" dirty="0" err="1" smtClean="0">
+              <a:rPr lang="es-ES" sz="4400" dirty="0" err="1">
                 <a:solidFill>
                   <a:schemeClr val="bg1"/>
                 </a:solidFill>
@@ -13545,7 +16196,7 @@
           <a:lstStyle/>
           <a:p>
             <a:r>
-              <a:rPr lang="en-US" sz="3600" dirty="0" err="1" smtClean="0">
+              <a:rPr lang="en-US" sz="3600" dirty="0" err="1">
                 <a:solidFill>
                   <a:srgbClr val="49C593"/>
                 </a:solidFill>
@@ -13573,7 +16224,7 @@
           <p:nvPr/>
         </p:nvPicPr>
         <p:blipFill>
-          <a:blip r:embed="rId7">
+          <a:blip r:embed="rId8">
             <a:extLst>
               <a:ext uri="{28A0092B-C50C-407E-A947-70E740481C1C}">
                 <a14:useLocalDpi xmlns:a14="http://schemas.microsoft.com/office/drawing/2010/main" val="0"/>
@@ -13604,13 +16255,6 @@
   <p:clrMapOvr>
     <a:masterClrMapping/>
   </p:clrMapOvr>
-  <p:timing>
-    <p:tnLst>
-      <p:par>
-        <p:cTn id="1" dur="indefinite" restart="never" nodeType="tmRoot"/>
-      </p:par>
-    </p:tnLst>
-  </p:timing>
 </p:sld>
 </file>
 
@@ -14110,7 +16754,7 @@
           <a:lstStyle/>
           <a:p>
             <a:r>
-              <a:rPr lang="es-ES" sz="4400" dirty="0" err="1" smtClean="0">
+              <a:rPr lang="es-ES" sz="4400" dirty="0" err="1">
                 <a:solidFill>
                   <a:schemeClr val="bg1"/>
                 </a:solidFill>
@@ -14158,7 +16802,7 @@
           <a:lstStyle/>
           <a:p>
             <a:r>
-              <a:rPr lang="en-US" sz="3600" dirty="0" err="1" smtClean="0">
+              <a:rPr lang="en-US" sz="3600" dirty="0" err="1">
                 <a:solidFill>
                   <a:srgbClr val="53A2D3"/>
                 </a:solidFill>
@@ -14217,13 +16861,6 @@
   <p:clrMapOvr>
     <a:masterClrMapping/>
   </p:clrMapOvr>
-  <p:timing>
-    <p:tnLst>
-      <p:par>
-        <p:cTn id="1" dur="indefinite" restart="never" nodeType="tmRoot"/>
-      </p:par>
-    </p:tnLst>
-  </p:timing>
 </p:sld>
 </file>
 
@@ -14267,7 +16904,7 @@
           <p:nvPr/>
         </p:nvPicPr>
         <p:blipFill>
-          <a:blip r:embed="rId2"/>
+          <a:blip r:embed="rId3"/>
           <a:stretch>
             <a:fillRect/>
           </a:stretch>
@@ -14304,7 +16941,7 @@
           <p:nvPr/>
         </p:nvPicPr>
         <p:blipFill>
-          <a:blip r:embed="rId3"/>
+          <a:blip r:embed="rId4"/>
           <a:stretch>
             <a:fillRect/>
           </a:stretch>
@@ -14341,7 +16978,7 @@
           <p:nvPr/>
         </p:nvPicPr>
         <p:blipFill>
-          <a:blip r:embed="rId4"/>
+          <a:blip r:embed="rId5"/>
           <a:stretch>
             <a:fillRect/>
           </a:stretch>
@@ -14378,7 +17015,7 @@
           <p:nvPr/>
         </p:nvPicPr>
         <p:blipFill>
-          <a:blip r:embed="rId5"/>
+          <a:blip r:embed="rId6"/>
           <a:stretch>
             <a:fillRect/>
           </a:stretch>
@@ -14762,7 +17399,7 @@
           <a:lstStyle/>
           <a:p>
             <a:r>
-              <a:rPr lang="es-ES" sz="4400" dirty="0" smtClean="0">
+              <a:rPr lang="es-ES" sz="4400" dirty="0">
                 <a:solidFill>
                   <a:schemeClr val="bg1"/>
                 </a:solidFill>
@@ -14771,13 +17408,6 @@
               </a:rPr>
               <a:t>Mediator</a:t>
             </a:r>
-            <a:endParaRPr lang="es-ES" sz="4400" dirty="0">
-              <a:solidFill>
-                <a:schemeClr val="bg1"/>
-              </a:solidFill>
-              <a:latin typeface="Segoe UI" panose="020B0502040204020203" pitchFamily="34" charset="0"/>
-              <a:cs typeface="Segoe UI" panose="020B0502040204020203" pitchFamily="34" charset="0"/>
-            </a:endParaRPr>
           </a:p>
         </p:txBody>
       </p:sp>
@@ -14810,7 +17440,7 @@
           <a:lstStyle/>
           <a:p>
             <a:r>
-              <a:rPr lang="en-US" sz="3600" dirty="0" err="1" smtClean="0">
+              <a:rPr lang="en-US" sz="3600" dirty="0" err="1">
                 <a:solidFill>
                   <a:srgbClr val="49C593"/>
                 </a:solidFill>
@@ -14838,7 +17468,7 @@
           <p:nvPr/>
         </p:nvPicPr>
         <p:blipFill>
-          <a:blip r:embed="rId6">
+          <a:blip r:embed="rId7">
             <a:extLst>
               <a:ext uri="{28A0092B-C50C-407E-A947-70E740481C1C}">
                 <a14:useLocalDpi xmlns:a14="http://schemas.microsoft.com/office/drawing/2010/main" val="0"/>
@@ -14869,13 +17499,6 @@
   <p:clrMapOvr>
     <a:masterClrMapping/>
   </p:clrMapOvr>
-  <p:timing>
-    <p:tnLst>
-      <p:par>
-        <p:cTn id="1" dur="indefinite" restart="never" nodeType="tmRoot"/>
-      </p:par>
-    </p:tnLst>
-  </p:timing>
 </p:sld>
 </file>
 
@@ -15469,7 +18092,7 @@
           <a:lstStyle/>
           <a:p>
             <a:r>
-              <a:rPr lang="es-ES" sz="4400" dirty="0" smtClean="0">
+              <a:rPr lang="es-ES" sz="4400" dirty="0">
                 <a:solidFill>
                   <a:schemeClr val="bg1"/>
                 </a:solidFill>
@@ -15478,13 +18101,6 @@
               </a:rPr>
               <a:t>Mediator</a:t>
             </a:r>
-            <a:endParaRPr lang="es-ES" sz="4400" dirty="0">
-              <a:solidFill>
-                <a:schemeClr val="bg1"/>
-              </a:solidFill>
-              <a:latin typeface="Segoe UI" panose="020B0502040204020203" pitchFamily="34" charset="0"/>
-              <a:cs typeface="Segoe UI" panose="020B0502040204020203" pitchFamily="34" charset="0"/>
-            </a:endParaRPr>
           </a:p>
         </p:txBody>
       </p:sp>
@@ -15517,7 +18133,7 @@
           <a:lstStyle/>
           <a:p>
             <a:r>
-              <a:rPr lang="en-US" sz="3600" dirty="0" err="1" smtClean="0">
+              <a:rPr lang="en-US" sz="3600" dirty="0" err="1">
                 <a:solidFill>
                   <a:srgbClr val="53A2D3"/>
                 </a:solidFill>
@@ -15576,13 +18192,6 @@
   <p:clrMapOvr>
     <a:masterClrMapping/>
   </p:clrMapOvr>
-  <p:timing>
-    <p:tnLst>
-      <p:par>
-        <p:cTn id="1" dur="indefinite" restart="never" nodeType="tmRoot"/>
-      </p:par>
-    </p:tnLst>
-  </p:timing>
 </p:sld>
 </file>
 
@@ -15626,7 +18235,7 @@
           <p:nvPr/>
         </p:nvPicPr>
         <p:blipFill>
-          <a:blip r:embed="rId2"/>
+          <a:blip r:embed="rId3"/>
           <a:stretch>
             <a:fillRect/>
           </a:stretch>
@@ -15663,7 +18272,7 @@
           <p:nvPr/>
         </p:nvPicPr>
         <p:blipFill>
-          <a:blip r:embed="rId3"/>
+          <a:blip r:embed="rId4"/>
           <a:stretch>
             <a:fillRect/>
           </a:stretch>
@@ -15700,7 +18309,7 @@
           <p:nvPr/>
         </p:nvPicPr>
         <p:blipFill>
-          <a:blip r:embed="rId4"/>
+          <a:blip r:embed="rId5"/>
           <a:stretch>
             <a:fillRect/>
           </a:stretch>
@@ -15737,7 +18346,7 @@
           <p:nvPr/>
         </p:nvPicPr>
         <p:blipFill>
-          <a:blip r:embed="rId5"/>
+          <a:blip r:embed="rId6"/>
           <a:stretch>
             <a:fillRect/>
           </a:stretch>
@@ -15987,7 +18596,7 @@
           <a:lstStyle/>
           <a:p>
             <a:r>
-              <a:rPr lang="es-ES" sz="4400" dirty="0" smtClean="0">
+              <a:rPr lang="es-ES" sz="4400" dirty="0">
                 <a:solidFill>
                   <a:schemeClr val="bg1"/>
                 </a:solidFill>
@@ -15996,13 +18605,6 @@
               </a:rPr>
               <a:t>Memento</a:t>
             </a:r>
-            <a:endParaRPr lang="es-ES" sz="4400" dirty="0">
-              <a:solidFill>
-                <a:schemeClr val="bg1"/>
-              </a:solidFill>
-              <a:latin typeface="Segoe UI" panose="020B0502040204020203" pitchFamily="34" charset="0"/>
-              <a:cs typeface="Segoe UI" panose="020B0502040204020203" pitchFamily="34" charset="0"/>
-            </a:endParaRPr>
           </a:p>
         </p:txBody>
       </p:sp>
@@ -16035,7 +18637,7 @@
           <a:lstStyle/>
           <a:p>
             <a:r>
-              <a:rPr lang="en-US" sz="3600" dirty="0" err="1" smtClean="0">
+              <a:rPr lang="en-US" sz="3600" dirty="0" err="1">
                 <a:solidFill>
                   <a:srgbClr val="49C593"/>
                 </a:solidFill>
@@ -16063,7 +18665,7 @@
           <p:nvPr/>
         </p:nvPicPr>
         <p:blipFill>
-          <a:blip r:embed="rId6">
+          <a:blip r:embed="rId7">
             <a:extLst>
               <a:ext uri="{28A0092B-C50C-407E-A947-70E740481C1C}">
                 <a14:useLocalDpi xmlns:a14="http://schemas.microsoft.com/office/drawing/2010/main" val="0"/>
@@ -16094,13 +18696,6 @@
   <p:clrMapOvr>
     <a:masterClrMapping/>
   </p:clrMapOvr>
-  <p:timing>
-    <p:tnLst>
-      <p:par>
-        <p:cTn id="1" dur="indefinite" restart="never" nodeType="tmRoot"/>
-      </p:par>
-    </p:tnLst>
-  </p:timing>
 </p:sld>
 </file>
 
@@ -16603,7 +19198,7 @@
           <a:lstStyle/>
           <a:p>
             <a:r>
-              <a:rPr lang="es-ES" sz="4400" dirty="0" smtClean="0">
+              <a:rPr lang="es-ES" sz="4400" dirty="0">
                 <a:solidFill>
                   <a:schemeClr val="bg1"/>
                 </a:solidFill>
@@ -16612,13 +19207,6 @@
               </a:rPr>
               <a:t>Memento</a:t>
             </a:r>
-            <a:endParaRPr lang="es-ES" sz="4400" dirty="0">
-              <a:solidFill>
-                <a:schemeClr val="bg1"/>
-              </a:solidFill>
-              <a:latin typeface="Segoe UI" panose="020B0502040204020203" pitchFamily="34" charset="0"/>
-              <a:cs typeface="Segoe UI" panose="020B0502040204020203" pitchFamily="34" charset="0"/>
-            </a:endParaRPr>
           </a:p>
         </p:txBody>
       </p:sp>
@@ -16651,7 +19239,7 @@
           <a:lstStyle/>
           <a:p>
             <a:r>
-              <a:rPr lang="en-US" sz="3600" dirty="0" err="1" smtClean="0">
+              <a:rPr lang="en-US" sz="3600" dirty="0" err="1">
                 <a:solidFill>
                   <a:srgbClr val="53A2D3"/>
                 </a:solidFill>
@@ -16710,13 +19298,6 @@
   <p:clrMapOvr>
     <a:masterClrMapping/>
   </p:clrMapOvr>
-  <p:timing>
-    <p:tnLst>
-      <p:par>
-        <p:cTn id="1" dur="indefinite" restart="never" nodeType="tmRoot"/>
-      </p:par>
-    </p:tnLst>
-  </p:timing>
 </p:sld>
 </file>
 
@@ -16760,7 +19341,7 @@
           <p:nvPr/>
         </p:nvPicPr>
         <p:blipFill>
-          <a:blip r:embed="rId2"/>
+          <a:blip r:embed="rId3"/>
           <a:stretch>
             <a:fillRect/>
           </a:stretch>
@@ -16797,7 +19378,7 @@
           <p:nvPr/>
         </p:nvPicPr>
         <p:blipFill>
-          <a:blip r:embed="rId3"/>
+          <a:blip r:embed="rId4"/>
           <a:stretch>
             <a:fillRect/>
           </a:stretch>
@@ -17086,7 +19667,7 @@
           <p:nvPr/>
         </p:nvPicPr>
         <p:blipFill>
-          <a:blip r:embed="rId4"/>
+          <a:blip r:embed="rId5"/>
           <a:stretch>
             <a:fillRect/>
           </a:stretch>
@@ -17130,7 +19711,7 @@
           <a:lstStyle/>
           <a:p>
             <a:r>
-              <a:rPr lang="es-ES" sz="4400" dirty="0" err="1" smtClean="0">
+              <a:rPr lang="es-ES" sz="4400" dirty="0" err="1">
                 <a:solidFill>
                   <a:schemeClr val="bg1"/>
                 </a:solidFill>
@@ -17140,7 +19721,7 @@
               <a:t>Model</a:t>
             </a:r>
             <a:r>
-              <a:rPr lang="es-ES" sz="4400" dirty="0" smtClean="0">
+              <a:rPr lang="es-ES" sz="4400" dirty="0">
                 <a:solidFill>
                   <a:schemeClr val="bg1"/>
                 </a:solidFill>
@@ -17150,7 +19731,7 @@
               <a:t> View </a:t>
             </a:r>
             <a:r>
-              <a:rPr lang="es-ES" sz="4400" dirty="0" err="1" smtClean="0">
+              <a:rPr lang="es-ES" sz="4400" dirty="0" err="1">
                 <a:solidFill>
                   <a:schemeClr val="bg1"/>
                 </a:solidFill>
@@ -17198,7 +19779,7 @@
           <a:lstStyle/>
           <a:p>
             <a:r>
-              <a:rPr lang="en-US" sz="3600" dirty="0" err="1" smtClean="0">
+              <a:rPr lang="en-US" sz="3600" dirty="0" err="1">
                 <a:solidFill>
                   <a:srgbClr val="49C593"/>
                 </a:solidFill>
@@ -17227,13 +19808,6 @@
   <p:clrMapOvr>
     <a:masterClrMapping/>
   </p:clrMapOvr>
-  <p:timing>
-    <p:tnLst>
-      <p:par>
-        <p:cTn id="1" dur="indefinite" restart="never" nodeType="tmRoot"/>
-      </p:par>
-    </p:tnLst>
-  </p:timing>
 </p:sld>
 </file>
 
@@ -17646,7 +20220,7 @@
           <a:lstStyle/>
           <a:p>
             <a:r>
-              <a:rPr lang="es-ES" sz="4400" dirty="0" err="1" smtClean="0">
+              <a:rPr lang="es-ES" sz="4400" dirty="0" err="1">
                 <a:solidFill>
                   <a:schemeClr val="bg1"/>
                 </a:solidFill>
@@ -17656,7 +20230,7 @@
               <a:t>Model</a:t>
             </a:r>
             <a:r>
-              <a:rPr lang="es-ES" sz="4400" dirty="0" smtClean="0">
+              <a:rPr lang="es-ES" sz="4400" dirty="0">
                 <a:solidFill>
                   <a:schemeClr val="bg1"/>
                 </a:solidFill>
@@ -17666,7 +20240,7 @@
               <a:t> View </a:t>
             </a:r>
             <a:r>
-              <a:rPr lang="es-ES" sz="4400" dirty="0" err="1" smtClean="0">
+              <a:rPr lang="es-ES" sz="4400" dirty="0" err="1">
                 <a:solidFill>
                   <a:schemeClr val="bg1"/>
                 </a:solidFill>
@@ -17714,7 +20288,7 @@
           <a:lstStyle/>
           <a:p>
             <a:r>
-              <a:rPr lang="en-US" sz="3600" dirty="0" err="1" smtClean="0">
+              <a:rPr lang="en-US" sz="3600" dirty="0" err="1">
                 <a:solidFill>
                   <a:srgbClr val="53A2D3"/>
                 </a:solidFill>
@@ -17743,13 +20317,6 @@
   <p:clrMapOvr>
     <a:masterClrMapping/>
   </p:clrMapOvr>
-  <p:timing>
-    <p:tnLst>
-      <p:par>
-        <p:cTn id="1" dur="indefinite" restart="never" nodeType="tmRoot"/>
-      </p:par>
-    </p:tnLst>
-  </p:timing>
 </p:sld>
 </file>
 
@@ -17789,10 +20356,9 @@
           <a:p>
             <a:pPr algn="ctr"/>
             <a:r>
-              <a:rPr lang="es-ES" sz="6000" b="1" dirty="0" smtClean="0"/>
+              <a:rPr lang="es-ES" sz="6000" b="1" dirty="0"/>
               <a:t>¿Qué es un patrón?</a:t>
             </a:r>
-            <a:endParaRPr lang="es-ES" sz="6000" b="1" dirty="0"/>
           </a:p>
         </p:txBody>
       </p:sp>
@@ -17820,7 +20386,7 @@
               <a:buNone/>
             </a:pPr>
             <a:r>
-              <a:rPr lang="es-ES" dirty="0" smtClean="0"/>
+              <a:rPr lang="es-ES" dirty="0"/>
               <a:t>A)</a:t>
             </a:r>
           </a:p>
@@ -18018,13 +20584,8 @@
             </a:pPr>
             <a:r>
               <a:rPr lang="es-ES" dirty="0"/>
-              <a:t>B</a:t>
-            </a:r>
-            <a:r>
-              <a:rPr lang="es-ES" dirty="0" smtClean="0"/>
-              <a:t>)</a:t>
-            </a:r>
-            <a:endParaRPr lang="es-ES" dirty="0" smtClean="0"/>
+              <a:t>B)</a:t>
+            </a:r>
           </a:p>
         </p:txBody>
       </p:sp>
@@ -18219,10 +20780,9 @@
               <a:buNone/>
             </a:pPr>
             <a:r>
-              <a:rPr lang="es-ES" dirty="0" smtClean="0"/>
+              <a:rPr lang="es-ES" dirty="0"/>
               <a:t>C)</a:t>
             </a:r>
-            <a:endParaRPr lang="es-ES" dirty="0" smtClean="0"/>
           </a:p>
         </p:txBody>
       </p:sp>
@@ -18738,7 +21298,7 @@
           <p:nvPr/>
         </p:nvPicPr>
         <p:blipFill>
-          <a:blip r:embed="rId2"/>
+          <a:blip r:embed="rId3"/>
           <a:stretch>
             <a:fillRect/>
           </a:stretch>
@@ -18775,7 +21335,7 @@
           <p:nvPr/>
         </p:nvPicPr>
         <p:blipFill>
-          <a:blip r:embed="rId3"/>
+          <a:blip r:embed="rId4"/>
           <a:stretch>
             <a:fillRect/>
           </a:stretch>
@@ -18812,7 +21372,7 @@
           <p:nvPr/>
         </p:nvPicPr>
         <p:blipFill>
-          <a:blip r:embed="rId4"/>
+          <a:blip r:embed="rId5"/>
           <a:stretch>
             <a:fillRect/>
           </a:stretch>
@@ -19027,7 +21587,7 @@
           <a:lstStyle/>
           <a:p>
             <a:r>
-              <a:rPr lang="es-ES" sz="4400" dirty="0" smtClean="0">
+              <a:rPr lang="es-ES" sz="4400" dirty="0">
                 <a:solidFill>
                   <a:schemeClr val="bg1"/>
                 </a:solidFill>
@@ -19037,7 +21597,7 @@
               <a:t>Page-</a:t>
             </a:r>
             <a:r>
-              <a:rPr lang="es-ES" sz="4400" dirty="0" err="1" smtClean="0">
+              <a:rPr lang="es-ES" sz="4400" dirty="0" err="1">
                 <a:solidFill>
                   <a:schemeClr val="bg1"/>
                 </a:solidFill>
@@ -19085,7 +21645,7 @@
           <a:lstStyle/>
           <a:p>
             <a:r>
-              <a:rPr lang="en-US" sz="3600" dirty="0" err="1" smtClean="0">
+              <a:rPr lang="en-US" sz="3600" dirty="0" err="1">
                 <a:solidFill>
                   <a:srgbClr val="49C593"/>
                 </a:solidFill>
@@ -19114,13 +21674,6 @@
   <p:clrMapOvr>
     <a:masterClrMapping/>
   </p:clrMapOvr>
-  <p:timing>
-    <p:tnLst>
-      <p:par>
-        <p:cTn id="1" dur="indefinite" restart="never" nodeType="tmRoot"/>
-      </p:par>
-    </p:tnLst>
-  </p:timing>
 </p:sld>
 </file>
 
@@ -19453,7 +22006,7 @@
           <a:lstStyle/>
           <a:p>
             <a:r>
-              <a:rPr lang="es-ES" sz="4400" dirty="0" smtClean="0">
+              <a:rPr lang="es-ES" sz="4400" dirty="0">
                 <a:solidFill>
                   <a:schemeClr val="bg1"/>
                 </a:solidFill>
@@ -19463,7 +22016,7 @@
               <a:t>Page-</a:t>
             </a:r>
             <a:r>
-              <a:rPr lang="es-ES" sz="4400" dirty="0" err="1" smtClean="0">
+              <a:rPr lang="es-ES" sz="4400" dirty="0" err="1">
                 <a:solidFill>
                   <a:schemeClr val="bg1"/>
                 </a:solidFill>
@@ -19511,7 +22064,7 @@
           <a:lstStyle/>
           <a:p>
             <a:r>
-              <a:rPr lang="en-US" sz="3600" dirty="0" err="1" smtClean="0">
+              <a:rPr lang="en-US" sz="3600" dirty="0" err="1">
                 <a:solidFill>
                   <a:srgbClr val="53A2D3"/>
                 </a:solidFill>
@@ -19540,13 +22093,6 @@
   <p:clrMapOvr>
     <a:masterClrMapping/>
   </p:clrMapOvr>
-  <p:timing>
-    <p:tnLst>
-      <p:par>
-        <p:cTn id="1" dur="indefinite" restart="never" nodeType="tmRoot"/>
-      </p:par>
-    </p:tnLst>
-  </p:timing>
 </p:sld>
 </file>
 
@@ -19777,13 +22323,6 @@
   <p:clrMapOvr>
     <a:masterClrMapping/>
   </p:clrMapOvr>
-  <p:timing>
-    <p:tnLst>
-      <p:par>
-        <p:cTn id="1" dur="indefinite" restart="never" nodeType="tmRoot"/>
-      </p:par>
-    </p:tnLst>
-  </p:timing>
 </p:sld>
 </file>
 
@@ -20073,7 +22612,7 @@
                 <a14:useLocalDpi xmlns:a14="http://schemas.microsoft.com/office/drawing/2010/main" val="0"/>
               </a:ext>
               <a:ext uri="{96DAC541-7B7A-43D3-8B79-37D633B846F1}">
-                <asvg:svgBlip xmlns:asvg="http://schemas.microsoft.com/office/drawing/2016/SVG/main" xmlns="" r:embed="rId3"/>
+                <asvg:svgBlip xmlns:asvg="http://schemas.microsoft.com/office/drawing/2016/SVG/main" r:embed="rId3"/>
               </a:ext>
             </a:extLst>
           </a:blip>
@@ -20293,11 +22832,7 @@
             </a:r>
             <a:r>
               <a:rPr lang="es-ES" sz="3200" dirty="0"/>
-              <a:t> &amp; </a:t>
-            </a:r>
-            <a:r>
-              <a:rPr lang="es-ES" sz="3200" dirty="0" smtClean="0"/>
-              <a:t>@</a:t>
+              <a:t> &amp; @</a:t>
             </a:r>
             <a:r>
               <a:rPr lang="es-ES" sz="3200" dirty="0" err="1"/>
@@ -20345,136 +22880,26 @@
           <a:chExt cx="0" cy="0"/>
         </a:xfrm>
       </p:grpSpPr>
-      <p:pic>
-        <p:nvPicPr>
-          <p:cNvPr id="20" name="Picture 1">
-            <a:extLst>
-              <a:ext uri="{FF2B5EF4-FFF2-40B4-BE49-F238E27FC236}">
-                <a16:creationId xmlns:a16="http://schemas.microsoft.com/office/drawing/2014/main" id="{21C31B19-DF57-47E9-B406-10EE64C30F01}"/>
-              </a:ext>
-            </a:extLst>
-          </p:cNvPr>
-          <p:cNvPicPr>
-            <a:picLocks noChangeAspect="1"/>
-          </p:cNvPicPr>
-          <p:nvPr/>
-        </p:nvPicPr>
-        <p:blipFill>
-          <a:blip r:embed="rId2"/>
-          <a:stretch>
-            <a:fillRect/>
-          </a:stretch>
-        </p:blipFill>
-        <p:spPr>
-          <a:xfrm>
-            <a:off x="7325870" y="4316209"/>
-            <a:ext cx="2076450" cy="952500"/>
-          </a:xfrm>
-          <a:prstGeom prst="rect">
-            <a:avLst/>
-          </a:prstGeom>
-          <a:effectLst>
-            <a:glow rad="25400">
-              <a:schemeClr val="bg1">
-                <a:alpha val="40000"/>
-              </a:schemeClr>
-            </a:glow>
-          </a:effectLst>
-        </p:spPr>
-      </p:pic>
-      <p:pic>
-        <p:nvPicPr>
-          <p:cNvPr id="21" name="Picture 3">
-            <a:extLst>
-              <a:ext uri="{FF2B5EF4-FFF2-40B4-BE49-F238E27FC236}">
-                <a16:creationId xmlns:a16="http://schemas.microsoft.com/office/drawing/2014/main" id="{C37A88D5-1F0D-4B15-838A-366A421E4DA8}"/>
-              </a:ext>
-            </a:extLst>
-          </p:cNvPr>
-          <p:cNvPicPr>
-            <a:picLocks noChangeAspect="1"/>
-          </p:cNvPicPr>
-          <p:nvPr/>
-        </p:nvPicPr>
-        <p:blipFill>
-          <a:blip r:embed="rId3"/>
-          <a:stretch>
-            <a:fillRect/>
-          </a:stretch>
-        </p:blipFill>
-        <p:spPr>
-          <a:xfrm>
-            <a:off x="7325870" y="1330861"/>
-            <a:ext cx="4229100" cy="2028825"/>
-          </a:xfrm>
-          <a:prstGeom prst="rect">
-            <a:avLst/>
-          </a:prstGeom>
-          <a:effectLst>
-            <a:glow rad="25400">
-              <a:schemeClr val="bg1">
-                <a:alpha val="40000"/>
-              </a:schemeClr>
-            </a:glow>
-          </a:effectLst>
-        </p:spPr>
-      </p:pic>
-      <p:pic>
-        <p:nvPicPr>
-          <p:cNvPr id="22" name="Picture 2">
-            <a:extLst>
-              <a:ext uri="{FF2B5EF4-FFF2-40B4-BE49-F238E27FC236}">
-                <a16:creationId xmlns:a16="http://schemas.microsoft.com/office/drawing/2014/main" id="{FBE4BB2D-7556-44BB-B948-E32900459FB9}"/>
-              </a:ext>
-            </a:extLst>
-          </p:cNvPr>
-          <p:cNvPicPr>
-            <a:picLocks noChangeAspect="1"/>
-          </p:cNvPicPr>
-          <p:nvPr/>
-        </p:nvPicPr>
-        <p:blipFill>
-          <a:blip r:embed="rId4"/>
-          <a:stretch>
-            <a:fillRect/>
-          </a:stretch>
-        </p:blipFill>
-        <p:spPr>
-          <a:xfrm>
-            <a:off x="484863" y="1330861"/>
-            <a:ext cx="5172075" cy="4572000"/>
-          </a:xfrm>
-          <a:prstGeom prst="rect">
-            <a:avLst/>
-          </a:prstGeom>
-          <a:effectLst>
-            <a:glow rad="25400">
-              <a:schemeClr val="bg1">
-                <a:alpha val="40000"/>
-              </a:schemeClr>
-            </a:glow>
-          </a:effectLst>
-        </p:spPr>
-      </p:pic>
       <p:cxnSp>
         <p:nvCxnSpPr>
-          <p:cNvPr id="23" name="Conector recto de flecha 22">
-            <a:extLst>
-              <a:ext uri="{FF2B5EF4-FFF2-40B4-BE49-F238E27FC236}">
-                <a16:creationId xmlns:a16="http://schemas.microsoft.com/office/drawing/2014/main" id="{2626C732-DAD1-471D-A6EA-9618A7C15298}"/>
+          <p:cNvPr id="7" name="Conector recto de flecha 6">
+            <a:extLst>
+              <a:ext uri="{FF2B5EF4-FFF2-40B4-BE49-F238E27FC236}">
+                <a16:creationId xmlns:a16="http://schemas.microsoft.com/office/drawing/2014/main" id="{CACB2080-F611-4C38-875E-FD4937B2074C}"/>
               </a:ext>
             </a:extLst>
           </p:cNvPr>
           <p:cNvCxnSpPr>
             <a:cxnSpLocks/>
-            <a:stCxn id="21" idx="1"/>
+            <a:stCxn id="19" idx="0"/>
+            <a:endCxn id="18" idx="2"/>
           </p:cNvCxnSpPr>
           <p:nvPr/>
         </p:nvCxnSpPr>
         <p:spPr>
-          <a:xfrm flipH="1" flipV="1">
-            <a:off x="5656938" y="2345273"/>
-            <a:ext cx="1668932" cy="1"/>
+          <a:xfrm flipV="1">
+            <a:off x="3083910" y="2685609"/>
+            <a:ext cx="1" cy="1570516"/>
           </a:xfrm>
           <a:prstGeom prst="straightConnector1">
             <a:avLst/>
@@ -20501,64 +22926,29 @@
           </a:fontRef>
         </p:style>
       </p:cxnSp>
-      <p:sp>
-        <p:nvSpPr>
-          <p:cNvPr id="24" name="CuadroTexto 23">
-            <a:extLst>
-              <a:ext uri="{FF2B5EF4-FFF2-40B4-BE49-F238E27FC236}">
-                <a16:creationId xmlns:a16="http://schemas.microsoft.com/office/drawing/2014/main" id="{62EF3058-36A7-476C-AD00-1173F8635F6C}"/>
-              </a:ext>
-            </a:extLst>
-          </p:cNvPr>
-          <p:cNvSpPr txBox="1"/>
-          <p:nvPr/>
-        </p:nvSpPr>
-        <p:spPr>
-          <a:xfrm>
-            <a:off x="6002310" y="1975941"/>
-            <a:ext cx="1376218" cy="369332"/>
-          </a:xfrm>
-          <a:prstGeom prst="rect">
-            <a:avLst/>
-          </a:prstGeom>
-          <a:noFill/>
-        </p:spPr>
-        <p:txBody>
-          <a:bodyPr wrap="square" rtlCol="0">
-            <a:spAutoFit/>
-          </a:bodyPr>
-          <a:lstStyle/>
-          <a:p>
-            <a:r>
-              <a:rPr lang="en-US" dirty="0">
-                <a:solidFill>
-                  <a:schemeClr val="bg1"/>
-                </a:solidFill>
-              </a:rPr>
-              <a:t>creates</a:t>
-            </a:r>
-          </a:p>
-        </p:txBody>
-      </p:sp>
       <p:cxnSp>
         <p:nvCxnSpPr>
-          <p:cNvPr id="25" name="Conector recto de flecha 24">
-            <a:extLst>
-              <a:ext uri="{FF2B5EF4-FFF2-40B4-BE49-F238E27FC236}">
-                <a16:creationId xmlns:a16="http://schemas.microsoft.com/office/drawing/2014/main" id="{C79F1991-9441-4ED0-8807-803B127A617B}"/>
+          <p:cNvPr id="10" name="Conector recto de flecha 9">
+            <a:extLst>
+              <a:ext uri="{FF2B5EF4-FFF2-40B4-BE49-F238E27FC236}">
+                <a16:creationId xmlns:a16="http://schemas.microsoft.com/office/drawing/2014/main" id="{8E8142DB-1054-415D-AC96-53835950BB91}"/>
+              </a:ext>
+              <a:ext uri="{C183D7F6-B498-43B3-948B-1728B52AA6E4}">
+                <adec:decorative xmlns:adec="http://schemas.microsoft.com/office/drawing/2017/decorative" val="0"/>
               </a:ext>
             </a:extLst>
           </p:cNvPr>
           <p:cNvCxnSpPr>
             <a:cxnSpLocks/>
-            <a:endCxn id="20" idx="1"/>
+            <a:stCxn id="17" idx="0"/>
+            <a:endCxn id="16" idx="2"/>
           </p:cNvCxnSpPr>
           <p:nvPr/>
         </p:nvCxnSpPr>
         <p:spPr>
-          <a:xfrm>
-            <a:off x="5656938" y="4792459"/>
-            <a:ext cx="1668932" cy="0"/>
+          <a:xfrm flipH="1" flipV="1">
+            <a:off x="8872306" y="2733234"/>
+            <a:ext cx="1" cy="1260954"/>
           </a:xfrm>
           <a:prstGeom prst="straightConnector1">
             <a:avLst/>
@@ -20585,12 +22975,58 @@
           </a:fontRef>
         </p:style>
       </p:cxnSp>
-      <p:sp>
-        <p:nvSpPr>
-          <p:cNvPr id="26" name="CuadroTexto 25">
-            <a:extLst>
-              <a:ext uri="{FF2B5EF4-FFF2-40B4-BE49-F238E27FC236}">
-                <a16:creationId xmlns:a16="http://schemas.microsoft.com/office/drawing/2014/main" id="{5A92FB26-6235-4D88-8F20-EE99AAB9B3AA}"/>
+      <p:cxnSp>
+        <p:nvCxnSpPr>
+          <p:cNvPr id="12" name="Conector recto de flecha 11">
+            <a:extLst>
+              <a:ext uri="{FF2B5EF4-FFF2-40B4-BE49-F238E27FC236}">
+                <a16:creationId xmlns:a16="http://schemas.microsoft.com/office/drawing/2014/main" id="{864C9DE1-4B25-4E8D-BACD-990C6B3F64E1}"/>
+              </a:ext>
+            </a:extLst>
+          </p:cNvPr>
+          <p:cNvCxnSpPr>
+            <a:cxnSpLocks/>
+            <a:stCxn id="17" idx="1"/>
+            <a:endCxn id="19" idx="3"/>
+          </p:cNvCxnSpPr>
+          <p:nvPr/>
+        </p:nvCxnSpPr>
+        <p:spPr>
+          <a:xfrm flipH="1" flipV="1">
+            <a:off x="5412772" y="4665700"/>
+            <a:ext cx="1178297" cy="1"/>
+          </a:xfrm>
+          <a:prstGeom prst="straightConnector1">
+            <a:avLst/>
+          </a:prstGeom>
+          <a:ln w="12700">
+            <a:solidFill>
+              <a:schemeClr val="bg1"/>
+            </a:solidFill>
+            <a:tailEnd type="triangle"/>
+          </a:ln>
+        </p:spPr>
+        <p:style>
+          <a:lnRef idx="1">
+            <a:schemeClr val="accent1"/>
+          </a:lnRef>
+          <a:fillRef idx="0">
+            <a:schemeClr val="accent1"/>
+          </a:fillRef>
+          <a:effectRef idx="0">
+            <a:schemeClr val="accent1"/>
+          </a:effectRef>
+          <a:fontRef idx="minor">
+            <a:schemeClr val="tx1"/>
+          </a:fontRef>
+        </p:style>
+      </p:cxnSp>
+      <p:sp>
+        <p:nvSpPr>
+          <p:cNvPr id="13" name="CuadroTexto 12">
+            <a:extLst>
+              <a:ext uri="{FF2B5EF4-FFF2-40B4-BE49-F238E27FC236}">
+                <a16:creationId xmlns:a16="http://schemas.microsoft.com/office/drawing/2014/main" id="{E787060D-FE99-441B-A857-E421157059B2}"/>
               </a:ext>
             </a:extLst>
           </p:cNvPr>
@@ -20599,7 +23035,7 @@
         </p:nvSpPr>
         <p:spPr>
           <a:xfrm>
-            <a:off x="6002310" y="4446608"/>
+            <a:off x="8872305" y="3099732"/>
             <a:ext cx="1376218" cy="369332"/>
           </a:xfrm>
           <a:prstGeom prst="rect">
@@ -20619,17 +23055,17 @@
                   <a:schemeClr val="bg1"/>
                 </a:solidFill>
               </a:rPr>
-              <a:t>returns</a:t>
+              <a:t>implements</a:t>
             </a:r>
           </a:p>
         </p:txBody>
       </p:sp>
       <p:sp>
         <p:nvSpPr>
-          <p:cNvPr id="12" name="CuadroTexto 11">
-            <a:extLst>
-              <a:ext uri="{FF2B5EF4-FFF2-40B4-BE49-F238E27FC236}">
-                <a16:creationId xmlns:a16="http://schemas.microsoft.com/office/drawing/2014/main" id="{8D5F8848-69CC-474A-8B0C-8685958FFF9D}"/>
+          <p:cNvPr id="14" name="CuadroTexto 13">
+            <a:extLst>
+              <a:ext uri="{FF2B5EF4-FFF2-40B4-BE49-F238E27FC236}">
+                <a16:creationId xmlns:a16="http://schemas.microsoft.com/office/drawing/2014/main" id="{B8579608-CD71-4529-A8DF-5564C1172DAC}"/>
               </a:ext>
             </a:extLst>
           </p:cNvPr>
@@ -20638,8 +23074,8 @@
         </p:nvSpPr>
         <p:spPr>
           <a:xfrm>
-            <a:off x="2347000" y="474401"/>
-            <a:ext cx="1447800" cy="646331"/>
+            <a:off x="5553973" y="4256125"/>
+            <a:ext cx="1376218" cy="369332"/>
           </a:xfrm>
           <a:prstGeom prst="rect">
             <a:avLst/>
@@ -20653,7 +23089,233 @@
           <a:lstStyle/>
           <a:p>
             <a:r>
-              <a:rPr lang="en-US" sz="3600" dirty="0" err="1" smtClean="0">
+              <a:rPr lang="en-US" dirty="0">
+                <a:solidFill>
+                  <a:schemeClr val="bg1"/>
+                </a:solidFill>
+              </a:rPr>
+              <a:t>creates</a:t>
+            </a:r>
+          </a:p>
+        </p:txBody>
+      </p:sp>
+      <p:sp>
+        <p:nvSpPr>
+          <p:cNvPr id="15" name="CuadroTexto 14">
+            <a:extLst>
+              <a:ext uri="{FF2B5EF4-FFF2-40B4-BE49-F238E27FC236}">
+                <a16:creationId xmlns:a16="http://schemas.microsoft.com/office/drawing/2014/main" id="{BC9DC069-9617-4C0E-A5AB-D76C202F9CF6}"/>
+              </a:ext>
+            </a:extLst>
+          </p:cNvPr>
+          <p:cNvSpPr txBox="1"/>
+          <p:nvPr/>
+        </p:nvSpPr>
+        <p:spPr>
+          <a:xfrm>
+            <a:off x="3083910" y="3099732"/>
+            <a:ext cx="1376218" cy="369332"/>
+          </a:xfrm>
+          <a:prstGeom prst="rect">
+            <a:avLst/>
+          </a:prstGeom>
+          <a:noFill/>
+        </p:spPr>
+        <p:txBody>
+          <a:bodyPr wrap="square" rtlCol="0">
+            <a:spAutoFit/>
+          </a:bodyPr>
+          <a:lstStyle/>
+          <a:p>
+            <a:r>
+              <a:rPr lang="en-US" dirty="0">
+                <a:solidFill>
+                  <a:schemeClr val="bg1"/>
+                </a:solidFill>
+              </a:rPr>
+              <a:t>implements</a:t>
+            </a:r>
+          </a:p>
+        </p:txBody>
+      </p:sp>
+      <p:pic>
+        <p:nvPicPr>
+          <p:cNvPr id="16" name="Picture 20">
+            <a:extLst>
+              <a:ext uri="{FF2B5EF4-FFF2-40B4-BE49-F238E27FC236}">
+                <a16:creationId xmlns:a16="http://schemas.microsoft.com/office/drawing/2014/main" id="{20F5CF87-6066-42DF-A37A-0ED8E41AEC7B}"/>
+              </a:ext>
+            </a:extLst>
+          </p:cNvPr>
+          <p:cNvPicPr>
+            <a:picLocks noChangeAspect="1"/>
+          </p:cNvPicPr>
+          <p:nvPr/>
+        </p:nvPicPr>
+        <p:blipFill>
+          <a:blip r:embed="rId3"/>
+          <a:stretch>
+            <a:fillRect/>
+          </a:stretch>
+        </p:blipFill>
+        <p:spPr>
+          <a:xfrm>
+            <a:off x="7391168" y="1875984"/>
+            <a:ext cx="2962275" cy="857250"/>
+          </a:xfrm>
+          <a:prstGeom prst="rect">
+            <a:avLst/>
+          </a:prstGeom>
+          <a:effectLst>
+            <a:glow rad="25400">
+              <a:schemeClr val="bg1">
+                <a:alpha val="40000"/>
+              </a:schemeClr>
+            </a:glow>
+          </a:effectLst>
+        </p:spPr>
+      </p:pic>
+      <p:pic>
+        <p:nvPicPr>
+          <p:cNvPr id="17" name="Picture 23">
+            <a:extLst>
+              <a:ext uri="{FF2B5EF4-FFF2-40B4-BE49-F238E27FC236}">
+                <a16:creationId xmlns:a16="http://schemas.microsoft.com/office/drawing/2014/main" id="{9CF8FE69-6A1E-4815-8271-299035F12114}"/>
+              </a:ext>
+            </a:extLst>
+          </p:cNvPr>
+          <p:cNvPicPr>
+            <a:picLocks noChangeAspect="1"/>
+          </p:cNvPicPr>
+          <p:nvPr/>
+        </p:nvPicPr>
+        <p:blipFill>
+          <a:blip r:embed="rId4"/>
+          <a:stretch>
+            <a:fillRect/>
+          </a:stretch>
+        </p:blipFill>
+        <p:spPr>
+          <a:xfrm>
+            <a:off x="6591069" y="3994188"/>
+            <a:ext cx="4562475" cy="1343025"/>
+          </a:xfrm>
+          <a:prstGeom prst="rect">
+            <a:avLst/>
+          </a:prstGeom>
+          <a:effectLst>
+            <a:glow rad="25400">
+              <a:schemeClr val="bg1">
+                <a:alpha val="40000"/>
+              </a:schemeClr>
+            </a:glow>
+          </a:effectLst>
+        </p:spPr>
+      </p:pic>
+      <p:pic>
+        <p:nvPicPr>
+          <p:cNvPr id="18" name="Picture 5">
+            <a:extLst>
+              <a:ext uri="{FF2B5EF4-FFF2-40B4-BE49-F238E27FC236}">
+                <a16:creationId xmlns:a16="http://schemas.microsoft.com/office/drawing/2014/main" id="{150E2F75-1749-462D-9A46-C31B36E47638}"/>
+              </a:ext>
+            </a:extLst>
+          </p:cNvPr>
+          <p:cNvPicPr>
+            <a:picLocks noChangeAspect="1"/>
+          </p:cNvPicPr>
+          <p:nvPr/>
+        </p:nvPicPr>
+        <p:blipFill>
+          <a:blip r:embed="rId5"/>
+          <a:stretch>
+            <a:fillRect/>
+          </a:stretch>
+        </p:blipFill>
+        <p:spPr>
+          <a:xfrm>
+            <a:off x="1931386" y="1875984"/>
+            <a:ext cx="2305050" cy="809625"/>
+          </a:xfrm>
+          <a:prstGeom prst="rect">
+            <a:avLst/>
+          </a:prstGeom>
+          <a:effectLst>
+            <a:glow rad="25400">
+              <a:schemeClr val="bg1">
+                <a:alpha val="40000"/>
+              </a:schemeClr>
+            </a:glow>
+          </a:effectLst>
+        </p:spPr>
+      </p:pic>
+      <p:pic>
+        <p:nvPicPr>
+          <p:cNvPr id="19" name="Picture 6">
+            <a:extLst>
+              <a:ext uri="{FF2B5EF4-FFF2-40B4-BE49-F238E27FC236}">
+                <a16:creationId xmlns:a16="http://schemas.microsoft.com/office/drawing/2014/main" id="{D9CE24AE-88DE-4FC9-8D09-9B4FDF793F56}"/>
+              </a:ext>
+            </a:extLst>
+          </p:cNvPr>
+          <p:cNvPicPr>
+            <a:picLocks noChangeAspect="1"/>
+          </p:cNvPicPr>
+          <p:nvPr/>
+        </p:nvPicPr>
+        <p:blipFill>
+          <a:blip r:embed="rId6"/>
+          <a:stretch>
+            <a:fillRect/>
+          </a:stretch>
+        </p:blipFill>
+        <p:spPr>
+          <a:xfrm>
+            <a:off x="755047" y="4256125"/>
+            <a:ext cx="4657725" cy="819150"/>
+          </a:xfrm>
+          <a:prstGeom prst="rect">
+            <a:avLst/>
+          </a:prstGeom>
+          <a:effectLst>
+            <a:glow rad="25400">
+              <a:schemeClr val="bg1">
+                <a:alpha val="40000"/>
+              </a:schemeClr>
+            </a:glow>
+          </a:effectLst>
+        </p:spPr>
+      </p:pic>
+      <p:sp>
+        <p:nvSpPr>
+          <p:cNvPr id="24" name="CuadroTexto 23">
+            <a:extLst>
+              <a:ext uri="{FF2B5EF4-FFF2-40B4-BE49-F238E27FC236}">
+                <a16:creationId xmlns:a16="http://schemas.microsoft.com/office/drawing/2014/main" id="{8D5F8848-69CC-474A-8B0C-8685958FFF9D}"/>
+              </a:ext>
+            </a:extLst>
+          </p:cNvPr>
+          <p:cNvSpPr txBox="1"/>
+          <p:nvPr/>
+        </p:nvSpPr>
+        <p:spPr>
+          <a:xfrm>
+            <a:off x="4495996" y="447480"/>
+            <a:ext cx="1447800" cy="646331"/>
+          </a:xfrm>
+          <a:prstGeom prst="rect">
+            <a:avLst/>
+          </a:prstGeom>
+          <a:noFill/>
+        </p:spPr>
+        <p:txBody>
+          <a:bodyPr wrap="square" rtlCol="0">
+            <a:spAutoFit/>
+          </a:bodyPr>
+          <a:lstStyle/>
+          <a:p>
+            <a:r>
+              <a:rPr lang="en-US" sz="3600" dirty="0" err="1">
                 <a:solidFill>
                   <a:srgbClr val="49C593"/>
                 </a:solidFill>
@@ -20674,14 +23336,14 @@
       </p:sp>
       <p:sp>
         <p:nvSpPr>
-          <p:cNvPr id="3" name="Rectángulo 2"/>
+          <p:cNvPr id="25" name="Rectángulo 24"/>
           <p:cNvSpPr/>
           <p:nvPr/>
         </p:nvSpPr>
         <p:spPr>
           <a:xfrm>
             <a:off x="484863" y="351291"/>
-            <a:ext cx="1922321" cy="769441"/>
+            <a:ext cx="4101187" cy="769441"/>
           </a:xfrm>
           <a:prstGeom prst="rect">
             <a:avLst/>
@@ -20694,14 +23356,24 @@
           <a:lstStyle/>
           <a:p>
             <a:r>
-              <a:rPr lang="es-ES" sz="4400" dirty="0" err="1" smtClean="0">
+              <a:rPr lang="es-ES" sz="4400" dirty="0">
                 <a:solidFill>
                   <a:schemeClr val="bg1"/>
                 </a:solidFill>
                 <a:latin typeface="Segoe UI" panose="020B0502040204020203" pitchFamily="34" charset="0"/>
                 <a:cs typeface="Segoe UI" panose="020B0502040204020203" pitchFamily="34" charset="0"/>
               </a:rPr>
-              <a:t>Builder</a:t>
+              <a:t>Factory </a:t>
+            </a:r>
+            <a:r>
+              <a:rPr lang="es-ES" sz="4400" dirty="0" err="1">
+                <a:solidFill>
+                  <a:schemeClr val="bg1"/>
+                </a:solidFill>
+                <a:latin typeface="Segoe UI" panose="020B0502040204020203" pitchFamily="34" charset="0"/>
+                <a:cs typeface="Segoe UI" panose="020B0502040204020203" pitchFamily="34" charset="0"/>
+              </a:rPr>
+              <a:t>method</a:t>
             </a:r>
             <a:endParaRPr lang="es-ES" sz="4400" dirty="0">
               <a:solidFill>
@@ -20715,14 +23387,14 @@
       </p:sp>
       <p:pic>
         <p:nvPicPr>
-          <p:cNvPr id="5" name="Imagen 4"/>
+          <p:cNvPr id="27" name="Imagen 26"/>
           <p:cNvPicPr>
             <a:picLocks noChangeAspect="1"/>
           </p:cNvPicPr>
           <p:nvPr/>
         </p:nvPicPr>
         <p:blipFill>
-          <a:blip r:embed="rId5" cstate="hqprint">
+          <a:blip r:embed="rId7" cstate="hqprint">
             <a:extLst>
               <a:ext uri="{28A0092B-C50C-407E-A947-70E740481C1C}">
                 <a14:useLocalDpi xmlns:a14="http://schemas.microsoft.com/office/drawing/2010/main" val="0"/>
@@ -20746,20 +23418,13 @@
     </p:spTree>
     <p:extLst>
       <p:ext uri="{BB962C8B-B14F-4D97-AF65-F5344CB8AC3E}">
-        <p14:creationId xmlns:p14="http://schemas.microsoft.com/office/powerpoint/2010/main" val="2424642454"/>
+        <p14:creationId xmlns:p14="http://schemas.microsoft.com/office/powerpoint/2010/main" val="309898805"/>
       </p:ext>
     </p:extLst>
   </p:cSld>
   <p:clrMapOvr>
     <a:masterClrMapping/>
   </p:clrMapOvr>
-  <p:timing>
-    <p:tnLst>
-      <p:par>
-        <p:cTn id="1" dur="indefinite" restart="never" nodeType="tmRoot"/>
-      </p:par>
-    </p:tnLst>
-  </p:timing>
 </p:sld>
 </file>
 
@@ -20790,10 +23455,10 @@
       </p:grpSpPr>
       <p:pic>
         <p:nvPicPr>
-          <p:cNvPr id="18" name="Picture 8">
-            <a:extLst>
-              <a:ext uri="{FF2B5EF4-FFF2-40B4-BE49-F238E27FC236}">
-                <a16:creationId xmlns:a16="http://schemas.microsoft.com/office/drawing/2014/main" id="{7E816B38-4865-4B86-A84B-54838FA5E23D}"/>
+          <p:cNvPr id="2" name="Imagen 1">
+            <a:extLst>
+              <a:ext uri="{FF2B5EF4-FFF2-40B4-BE49-F238E27FC236}">
+                <a16:creationId xmlns:a16="http://schemas.microsoft.com/office/drawing/2014/main" id="{82E656D6-8014-4393-A7E4-C7118B275146}"/>
               </a:ext>
             </a:extLst>
           </p:cNvPr>
@@ -20810,8 +23475,8 @@
         </p:blipFill>
         <p:spPr>
           <a:xfrm>
-            <a:off x="7987656" y="1387734"/>
-            <a:ext cx="2784000" cy="1258600"/>
+            <a:off x="1599030" y="1663033"/>
+            <a:ext cx="2266950" cy="619125"/>
           </a:xfrm>
           <a:prstGeom prst="rect">
             <a:avLst/>
@@ -20827,10 +23492,10 @@
       </p:pic>
       <p:pic>
         <p:nvPicPr>
-          <p:cNvPr id="19" name="Picture 7">
-            <a:extLst>
-              <a:ext uri="{FF2B5EF4-FFF2-40B4-BE49-F238E27FC236}">
-                <a16:creationId xmlns:a16="http://schemas.microsoft.com/office/drawing/2014/main" id="{A8E7E7BA-44A2-47A3-998F-6292EF064665}"/>
+          <p:cNvPr id="4" name="Imagen 3">
+            <a:extLst>
+              <a:ext uri="{FF2B5EF4-FFF2-40B4-BE49-F238E27FC236}">
+                <a16:creationId xmlns:a16="http://schemas.microsoft.com/office/drawing/2014/main" id="{4BCD6FE4-DA5B-4B42-A6CA-80CFC2C1632C}"/>
               </a:ext>
             </a:extLst>
           </p:cNvPr>
@@ -20847,8 +23512,46 @@
         </p:blipFill>
         <p:spPr>
           <a:xfrm>
-            <a:off x="6678817" y="2823638"/>
-            <a:ext cx="4916769" cy="2779258"/>
+            <a:off x="717968" y="3350327"/>
+            <a:ext cx="4029075" cy="971550"/>
+          </a:xfrm>
+          <a:prstGeom prst="rect">
+            <a:avLst/>
+          </a:prstGeom>
+          <a:effectLst>
+            <a:glow rad="25400">
+              <a:schemeClr val="bg1">
+                <a:alpha val="40000"/>
+              </a:schemeClr>
+            </a:glow>
+            <a:softEdge rad="0"/>
+          </a:effectLst>
+        </p:spPr>
+      </p:pic>
+      <p:pic>
+        <p:nvPicPr>
+          <p:cNvPr id="5" name="Imagen 4">
+            <a:extLst>
+              <a:ext uri="{FF2B5EF4-FFF2-40B4-BE49-F238E27FC236}">
+                <a16:creationId xmlns:a16="http://schemas.microsoft.com/office/drawing/2014/main" id="{F82BC3F5-B939-4CD2-AA5D-C961BCEE68CA}"/>
+              </a:ext>
+            </a:extLst>
+          </p:cNvPr>
+          <p:cNvPicPr>
+            <a:picLocks noChangeAspect="1"/>
+          </p:cNvPicPr>
+          <p:nvPr/>
+        </p:nvPicPr>
+        <p:blipFill>
+          <a:blip r:embed="rId4"/>
+          <a:stretch>
+            <a:fillRect/>
+          </a:stretch>
+        </p:blipFill>
+        <p:spPr>
+          <a:xfrm>
+            <a:off x="6832963" y="1039514"/>
+            <a:ext cx="3333750" cy="1304925"/>
           </a:xfrm>
           <a:prstGeom prst="rect">
             <a:avLst/>
@@ -20864,10 +23567,10 @@
       </p:pic>
       <p:pic>
         <p:nvPicPr>
-          <p:cNvPr id="21" name="Picture 6">
-            <a:extLst>
-              <a:ext uri="{FF2B5EF4-FFF2-40B4-BE49-F238E27FC236}">
-                <a16:creationId xmlns:a16="http://schemas.microsoft.com/office/drawing/2014/main" id="{0AB08EB7-1698-4787-B163-79AC1FB33D40}"/>
+          <p:cNvPr id="3" name="Imagen 2">
+            <a:extLst>
+              <a:ext uri="{FF2B5EF4-FFF2-40B4-BE49-F238E27FC236}">
+                <a16:creationId xmlns:a16="http://schemas.microsoft.com/office/drawing/2014/main" id="{4400D3A2-6F03-43A7-8561-5BA0E4EC4E72}"/>
               </a:ext>
             </a:extLst>
           </p:cNvPr>
@@ -20877,15 +23580,15 @@
           <p:nvPr/>
         </p:nvPicPr>
         <p:blipFill>
-          <a:blip r:embed="rId4"/>
+          <a:blip r:embed="rId5"/>
           <a:stretch>
             <a:fillRect/>
           </a:stretch>
         </p:blipFill>
         <p:spPr>
           <a:xfrm>
-            <a:off x="473524" y="1387734"/>
-            <a:ext cx="5241088" cy="4082532"/>
+            <a:off x="8581929" y="3156900"/>
+            <a:ext cx="2771775" cy="1390650"/>
           </a:xfrm>
           <a:prstGeom prst="rect">
             <a:avLst/>
@@ -20899,25 +23602,99 @@
           </a:effectLst>
         </p:spPr>
       </p:pic>
+      <p:pic>
+        <p:nvPicPr>
+          <p:cNvPr id="9" name="Imagen 8">
+            <a:extLst>
+              <a:ext uri="{FF2B5EF4-FFF2-40B4-BE49-F238E27FC236}">
+                <a16:creationId xmlns:a16="http://schemas.microsoft.com/office/drawing/2014/main" id="{BB73BF90-97D7-4C41-B7DE-BB6F7E427B20}"/>
+              </a:ext>
+            </a:extLst>
+          </p:cNvPr>
+          <p:cNvPicPr>
+            <a:picLocks noChangeAspect="1"/>
+          </p:cNvPicPr>
+          <p:nvPr/>
+        </p:nvPicPr>
+        <p:blipFill>
+          <a:blip r:embed="rId6"/>
+          <a:stretch>
+            <a:fillRect/>
+          </a:stretch>
+        </p:blipFill>
+        <p:spPr>
+          <a:xfrm>
+            <a:off x="5715593" y="3156900"/>
+            <a:ext cx="2743200" cy="1371600"/>
+          </a:xfrm>
+          <a:prstGeom prst="rect">
+            <a:avLst/>
+          </a:prstGeom>
+          <a:effectLst>
+            <a:glow rad="25400">
+              <a:schemeClr val="bg1">
+                <a:alpha val="40000"/>
+              </a:schemeClr>
+            </a:glow>
+          </a:effectLst>
+        </p:spPr>
+      </p:pic>
+      <p:pic>
+        <p:nvPicPr>
+          <p:cNvPr id="10" name="Imagen 9">
+            <a:extLst>
+              <a:ext uri="{FF2B5EF4-FFF2-40B4-BE49-F238E27FC236}">
+                <a16:creationId xmlns:a16="http://schemas.microsoft.com/office/drawing/2014/main" id="{753BA75E-AFB4-43C7-93C5-DBBA2CC5CFE2}"/>
+              </a:ext>
+            </a:extLst>
+          </p:cNvPr>
+          <p:cNvPicPr>
+            <a:picLocks noChangeAspect="1"/>
+          </p:cNvPicPr>
+          <p:nvPr/>
+        </p:nvPicPr>
+        <p:blipFill>
+          <a:blip r:embed="rId7"/>
+          <a:stretch>
+            <a:fillRect/>
+          </a:stretch>
+        </p:blipFill>
+        <p:spPr>
+          <a:xfrm>
+            <a:off x="2468561" y="5135271"/>
+            <a:ext cx="7162800" cy="1076325"/>
+          </a:xfrm>
+          <a:prstGeom prst="rect">
+            <a:avLst/>
+          </a:prstGeom>
+          <a:effectLst>
+            <a:glow rad="25400">
+              <a:schemeClr val="bg1">
+                <a:alpha val="40000"/>
+              </a:schemeClr>
+            </a:glow>
+          </a:effectLst>
+        </p:spPr>
+      </p:pic>
       <p:cxnSp>
         <p:nvCxnSpPr>
-          <p:cNvPr id="23" name="Conector recto de flecha 22">
-            <a:extLst>
-              <a:ext uri="{FF2B5EF4-FFF2-40B4-BE49-F238E27FC236}">
-                <a16:creationId xmlns:a16="http://schemas.microsoft.com/office/drawing/2014/main" id="{7E7EEA6A-D2CE-4B10-9A82-B648226F0F6E}"/>
+          <p:cNvPr id="14" name="Conector recto de flecha 13">
+            <a:extLst>
+              <a:ext uri="{FF2B5EF4-FFF2-40B4-BE49-F238E27FC236}">
+                <a16:creationId xmlns:a16="http://schemas.microsoft.com/office/drawing/2014/main" id="{BBE9E990-FC3E-41C9-B43C-3EFC0962AB9D}"/>
               </a:ext>
             </a:extLst>
           </p:cNvPr>
           <p:cNvCxnSpPr>
-            <a:cxnSpLocks/>
-            <a:stCxn id="18" idx="1"/>
+            <a:stCxn id="4" idx="0"/>
+            <a:endCxn id="2" idx="2"/>
           </p:cNvCxnSpPr>
           <p:nvPr/>
         </p:nvCxnSpPr>
         <p:spPr>
-          <a:xfrm flipH="1">
-            <a:off x="5714612" y="2017034"/>
-            <a:ext cx="2273044" cy="0"/>
+          <a:xfrm flipH="1" flipV="1">
+            <a:off x="2732505" y="2282158"/>
+            <a:ext cx="1" cy="1068169"/>
           </a:xfrm>
           <a:prstGeom prst="straightConnector1">
             <a:avLst/>
@@ -20944,64 +23721,25 @@
           </a:fontRef>
         </p:style>
       </p:cxnSp>
-      <p:sp>
-        <p:nvSpPr>
-          <p:cNvPr id="25" name="CuadroTexto 24">
-            <a:extLst>
-              <a:ext uri="{FF2B5EF4-FFF2-40B4-BE49-F238E27FC236}">
-                <a16:creationId xmlns:a16="http://schemas.microsoft.com/office/drawing/2014/main" id="{4D91A72F-443C-40A4-8D7A-1D59FB30C006}"/>
-              </a:ext>
-            </a:extLst>
-          </p:cNvPr>
-          <p:cNvSpPr txBox="1"/>
-          <p:nvPr/>
-        </p:nvSpPr>
-        <p:spPr>
-          <a:xfrm>
-            <a:off x="6361926" y="1647702"/>
-            <a:ext cx="1376218" cy="369332"/>
-          </a:xfrm>
-          <a:prstGeom prst="rect">
-            <a:avLst/>
-          </a:prstGeom>
-          <a:noFill/>
-        </p:spPr>
-        <p:txBody>
-          <a:bodyPr wrap="square" rtlCol="0">
-            <a:spAutoFit/>
-          </a:bodyPr>
-          <a:lstStyle/>
-          <a:p>
-            <a:r>
-              <a:rPr lang="en-US" dirty="0">
-                <a:solidFill>
-                  <a:schemeClr val="bg1"/>
-                </a:solidFill>
-              </a:rPr>
-              <a:t>creates</a:t>
-            </a:r>
-          </a:p>
-        </p:txBody>
-      </p:sp>
       <p:cxnSp>
         <p:nvCxnSpPr>
-          <p:cNvPr id="26" name="Conector recto de flecha 25">
-            <a:extLst>
-              <a:ext uri="{FF2B5EF4-FFF2-40B4-BE49-F238E27FC236}">
-                <a16:creationId xmlns:a16="http://schemas.microsoft.com/office/drawing/2014/main" id="{EBC8A51A-87AD-44B5-ACEB-DAD460CAE27D}"/>
+          <p:cNvPr id="20" name="Conector recto de flecha 19">
+            <a:extLst>
+              <a:ext uri="{FF2B5EF4-FFF2-40B4-BE49-F238E27FC236}">
+                <a16:creationId xmlns:a16="http://schemas.microsoft.com/office/drawing/2014/main" id="{9B15C56A-0FE9-4CBC-B44D-29503B41A061}"/>
               </a:ext>
             </a:extLst>
           </p:cNvPr>
           <p:cNvCxnSpPr>
-            <a:cxnSpLocks/>
-            <a:endCxn id="19" idx="1"/>
+            <a:stCxn id="9" idx="0"/>
+            <a:endCxn id="5" idx="2"/>
           </p:cNvCxnSpPr>
           <p:nvPr/>
         </p:nvCxnSpPr>
         <p:spPr>
           <a:xfrm flipV="1">
-            <a:off x="5763491" y="4213267"/>
-            <a:ext cx="915326" cy="5442"/>
+            <a:off x="7087193" y="2344439"/>
+            <a:ext cx="1412645" cy="812461"/>
           </a:xfrm>
           <a:prstGeom prst="straightConnector1">
             <a:avLst/>
@@ -21028,12 +23766,102 @@
           </a:fontRef>
         </p:style>
       </p:cxnSp>
-      <p:sp>
-        <p:nvSpPr>
-          <p:cNvPr id="27" name="CuadroTexto 26">
-            <a:extLst>
-              <a:ext uri="{FF2B5EF4-FFF2-40B4-BE49-F238E27FC236}">
-                <a16:creationId xmlns:a16="http://schemas.microsoft.com/office/drawing/2014/main" id="{5091A3F0-2F6A-4C2E-8E53-EA7B331E99A5}"/>
+      <p:cxnSp>
+        <p:nvCxnSpPr>
+          <p:cNvPr id="22" name="Conector recto de flecha 21">
+            <a:extLst>
+              <a:ext uri="{FF2B5EF4-FFF2-40B4-BE49-F238E27FC236}">
+                <a16:creationId xmlns:a16="http://schemas.microsoft.com/office/drawing/2014/main" id="{18DD3FA9-DF3D-4D01-9C2B-4C794196CD33}"/>
+              </a:ext>
+            </a:extLst>
+          </p:cNvPr>
+          <p:cNvCxnSpPr>
+            <a:stCxn id="3" idx="0"/>
+            <a:endCxn id="5" idx="2"/>
+          </p:cNvCxnSpPr>
+          <p:nvPr/>
+        </p:nvCxnSpPr>
+        <p:spPr>
+          <a:xfrm flipH="1" flipV="1">
+            <a:off x="8499838" y="2344439"/>
+            <a:ext cx="1467979" cy="812461"/>
+          </a:xfrm>
+          <a:prstGeom prst="straightConnector1">
+            <a:avLst/>
+          </a:prstGeom>
+          <a:ln w="12700">
+            <a:solidFill>
+              <a:schemeClr val="bg1"/>
+            </a:solidFill>
+            <a:tailEnd type="triangle"/>
+          </a:ln>
+        </p:spPr>
+        <p:style>
+          <a:lnRef idx="1">
+            <a:schemeClr val="accent1"/>
+          </a:lnRef>
+          <a:fillRef idx="0">
+            <a:schemeClr val="accent1"/>
+          </a:fillRef>
+          <a:effectRef idx="0">
+            <a:schemeClr val="accent1"/>
+          </a:effectRef>
+          <a:fontRef idx="minor">
+            <a:schemeClr val="tx1"/>
+          </a:fontRef>
+        </p:style>
+      </p:cxnSp>
+      <p:cxnSp>
+        <p:nvCxnSpPr>
+          <p:cNvPr id="24" name="Conector recto de flecha 23">
+            <a:extLst>
+              <a:ext uri="{FF2B5EF4-FFF2-40B4-BE49-F238E27FC236}">
+                <a16:creationId xmlns:a16="http://schemas.microsoft.com/office/drawing/2014/main" id="{E5FDCDA5-D881-447C-B1BE-4FBD7E901A48}"/>
+              </a:ext>
+            </a:extLst>
+          </p:cNvPr>
+          <p:cNvCxnSpPr>
+            <a:stCxn id="9" idx="1"/>
+            <a:endCxn id="4" idx="3"/>
+          </p:cNvCxnSpPr>
+          <p:nvPr/>
+        </p:nvCxnSpPr>
+        <p:spPr>
+          <a:xfrm flipH="1" flipV="1">
+            <a:off x="4747043" y="3836102"/>
+            <a:ext cx="968550" cy="6598"/>
+          </a:xfrm>
+          <a:prstGeom prst="straightConnector1">
+            <a:avLst/>
+          </a:prstGeom>
+          <a:ln w="12700">
+            <a:solidFill>
+              <a:schemeClr val="bg1"/>
+            </a:solidFill>
+            <a:tailEnd type="triangle"/>
+          </a:ln>
+        </p:spPr>
+        <p:style>
+          <a:lnRef idx="1">
+            <a:schemeClr val="accent1"/>
+          </a:lnRef>
+          <a:fillRef idx="0">
+            <a:schemeClr val="accent1"/>
+          </a:fillRef>
+          <a:effectRef idx="0">
+            <a:schemeClr val="accent1"/>
+          </a:effectRef>
+          <a:fontRef idx="minor">
+            <a:schemeClr val="tx1"/>
+          </a:fontRef>
+        </p:style>
+      </p:cxnSp>
+      <p:sp>
+        <p:nvSpPr>
+          <p:cNvPr id="32" name="CuadroTexto 31">
+            <a:extLst>
+              <a:ext uri="{FF2B5EF4-FFF2-40B4-BE49-F238E27FC236}">
+                <a16:creationId xmlns:a16="http://schemas.microsoft.com/office/drawing/2014/main" id="{40F2DF41-A2B9-4A87-A4B5-9EBF59CA34CA}"/>
               </a:ext>
             </a:extLst>
           </p:cNvPr>
@@ -21042,7 +23870,7 @@
         </p:nvSpPr>
         <p:spPr>
           <a:xfrm>
-            <a:off x="5763491" y="4235533"/>
+            <a:off x="9320753" y="2485766"/>
             <a:ext cx="1376218" cy="369332"/>
           </a:xfrm>
           <a:prstGeom prst="rect">
@@ -21062,17 +23890,17 @@
                   <a:schemeClr val="bg1"/>
                 </a:solidFill>
               </a:rPr>
-              <a:t>returns</a:t>
+              <a:t>extends</a:t>
             </a:r>
           </a:p>
         </p:txBody>
       </p:sp>
       <p:sp>
         <p:nvSpPr>
-          <p:cNvPr id="12" name="CuadroTexto 11">
-            <a:extLst>
-              <a:ext uri="{FF2B5EF4-FFF2-40B4-BE49-F238E27FC236}">
-                <a16:creationId xmlns:a16="http://schemas.microsoft.com/office/drawing/2014/main" id="{8D5F8848-69CC-474A-8B0C-8685958FFF9D}"/>
+          <p:cNvPr id="33" name="CuadroTexto 32">
+            <a:extLst>
+              <a:ext uri="{FF2B5EF4-FFF2-40B4-BE49-F238E27FC236}">
+                <a16:creationId xmlns:a16="http://schemas.microsoft.com/office/drawing/2014/main" id="{97668815-0728-4759-9556-057F414F3B45}"/>
               </a:ext>
             </a:extLst>
           </p:cNvPr>
@@ -21081,8 +23909,8 @@
         </p:nvSpPr>
         <p:spPr>
           <a:xfrm>
-            <a:off x="2365497" y="442977"/>
-            <a:ext cx="3397994" cy="646331"/>
+            <a:off x="6832963" y="2490822"/>
+            <a:ext cx="1376218" cy="369332"/>
           </a:xfrm>
           <a:prstGeom prst="rect">
             <a:avLst/>
@@ -21096,7 +23924,163 @@
           <a:lstStyle/>
           <a:p>
             <a:r>
-              <a:rPr lang="en-US" sz="3600" dirty="0" err="1" smtClean="0">
+              <a:rPr lang="en-US" dirty="0">
+                <a:solidFill>
+                  <a:schemeClr val="bg1"/>
+                </a:solidFill>
+              </a:rPr>
+              <a:t>extends</a:t>
+            </a:r>
+          </a:p>
+        </p:txBody>
+      </p:sp>
+      <p:sp>
+        <p:nvSpPr>
+          <p:cNvPr id="34" name="CuadroTexto 33">
+            <a:extLst>
+              <a:ext uri="{FF2B5EF4-FFF2-40B4-BE49-F238E27FC236}">
+                <a16:creationId xmlns:a16="http://schemas.microsoft.com/office/drawing/2014/main" id="{AF390347-4FE9-4637-ADC2-2F883038674D}"/>
+              </a:ext>
+            </a:extLst>
+          </p:cNvPr>
+          <p:cNvSpPr txBox="1"/>
+          <p:nvPr/>
+        </p:nvSpPr>
+        <p:spPr>
+          <a:xfrm>
+            <a:off x="2782076" y="2589214"/>
+            <a:ext cx="1376218" cy="369332"/>
+          </a:xfrm>
+          <a:prstGeom prst="rect">
+            <a:avLst/>
+          </a:prstGeom>
+          <a:noFill/>
+        </p:spPr>
+        <p:txBody>
+          <a:bodyPr wrap="square" rtlCol="0">
+            <a:spAutoFit/>
+          </a:bodyPr>
+          <a:lstStyle/>
+          <a:p>
+            <a:r>
+              <a:rPr lang="en-US" dirty="0">
+                <a:solidFill>
+                  <a:schemeClr val="bg1"/>
+                </a:solidFill>
+              </a:rPr>
+              <a:t>implements</a:t>
+            </a:r>
+          </a:p>
+        </p:txBody>
+      </p:sp>
+      <p:sp>
+        <p:nvSpPr>
+          <p:cNvPr id="35" name="CuadroTexto 34">
+            <a:extLst>
+              <a:ext uri="{FF2B5EF4-FFF2-40B4-BE49-F238E27FC236}">
+                <a16:creationId xmlns:a16="http://schemas.microsoft.com/office/drawing/2014/main" id="{BE50640E-D77B-4741-921C-C1EB9BC55B03}"/>
+              </a:ext>
+            </a:extLst>
+          </p:cNvPr>
+          <p:cNvSpPr txBox="1"/>
+          <p:nvPr/>
+        </p:nvSpPr>
+        <p:spPr>
+          <a:xfrm>
+            <a:off x="2413855" y="4765939"/>
+            <a:ext cx="935768" cy="369332"/>
+          </a:xfrm>
+          <a:prstGeom prst="rect">
+            <a:avLst/>
+          </a:prstGeom>
+          <a:noFill/>
+        </p:spPr>
+        <p:txBody>
+          <a:bodyPr wrap="square" rtlCol="0">
+            <a:spAutoFit/>
+          </a:bodyPr>
+          <a:lstStyle/>
+          <a:p>
+            <a:r>
+              <a:rPr lang="en-US" dirty="0">
+                <a:solidFill>
+                  <a:schemeClr val="bg1"/>
+                </a:solidFill>
+              </a:rPr>
+              <a:t>Usage:</a:t>
+            </a:r>
+          </a:p>
+        </p:txBody>
+      </p:sp>
+      <p:sp>
+        <p:nvSpPr>
+          <p:cNvPr id="38" name="CuadroTexto 37">
+            <a:extLst>
+              <a:ext uri="{FF2B5EF4-FFF2-40B4-BE49-F238E27FC236}">
+                <a16:creationId xmlns:a16="http://schemas.microsoft.com/office/drawing/2014/main" id="{59ACC0EC-E019-4E05-89A5-7D9CEFC1BBA2}"/>
+              </a:ext>
+            </a:extLst>
+          </p:cNvPr>
+          <p:cNvSpPr txBox="1"/>
+          <p:nvPr/>
+        </p:nvSpPr>
+        <p:spPr>
+          <a:xfrm>
+            <a:off x="4829134" y="3408549"/>
+            <a:ext cx="1376218" cy="369332"/>
+          </a:xfrm>
+          <a:prstGeom prst="rect">
+            <a:avLst/>
+          </a:prstGeom>
+          <a:noFill/>
+        </p:spPr>
+        <p:txBody>
+          <a:bodyPr wrap="square" rtlCol="0">
+            <a:spAutoFit/>
+          </a:bodyPr>
+          <a:lstStyle/>
+          <a:p>
+            <a:r>
+              <a:rPr lang="en-US" dirty="0">
+                <a:solidFill>
+                  <a:schemeClr val="bg1"/>
+                </a:solidFill>
+              </a:rPr>
+              <a:t>creates</a:t>
+            </a:r>
+          </a:p>
+        </p:txBody>
+      </p:sp>
+      <p:sp>
+        <p:nvSpPr>
+          <p:cNvPr id="18" name="CuadroTexto 17">
+            <a:extLst>
+              <a:ext uri="{FF2B5EF4-FFF2-40B4-BE49-F238E27FC236}">
+                <a16:creationId xmlns:a16="http://schemas.microsoft.com/office/drawing/2014/main" id="{8D5F8848-69CC-474A-8B0C-8685958FFF9D}"/>
+              </a:ext>
+            </a:extLst>
+          </p:cNvPr>
+          <p:cNvSpPr txBox="1"/>
+          <p:nvPr/>
+        </p:nvSpPr>
+        <p:spPr>
+          <a:xfrm>
+            <a:off x="4541886" y="468734"/>
+            <a:ext cx="3397994" cy="646331"/>
+          </a:xfrm>
+          <a:prstGeom prst="rect">
+            <a:avLst/>
+          </a:prstGeom>
+          <a:noFill/>
+        </p:spPr>
+        <p:txBody>
+          <a:bodyPr wrap="square" rtlCol="0">
+            <a:spAutoFit/>
+          </a:bodyPr>
+          <a:lstStyle/>
+          <a:p>
+            <a:r>
+              <a:rPr lang="en-US" sz="3600" dirty="0" err="1">
                 <a:solidFill>
                   <a:srgbClr val="53A2D3"/>
                 </a:solidFill>
@@ -21117,14 +24101,14 @@
       </p:sp>
       <p:sp>
         <p:nvSpPr>
-          <p:cNvPr id="15" name="Rectángulo 14"/>
+          <p:cNvPr id="21" name="Rectángulo 20"/>
           <p:cNvSpPr/>
           <p:nvPr/>
         </p:nvSpPr>
         <p:spPr>
           <a:xfrm>
             <a:off x="484863" y="351291"/>
-            <a:ext cx="1922321" cy="769441"/>
+            <a:ext cx="4101187" cy="769441"/>
           </a:xfrm>
           <a:prstGeom prst="rect">
             <a:avLst/>
@@ -21137,14 +24121,24 @@
           <a:lstStyle/>
           <a:p>
             <a:r>
-              <a:rPr lang="es-ES" sz="4400" dirty="0" err="1" smtClean="0">
+              <a:rPr lang="es-ES" sz="4400" dirty="0">
                 <a:solidFill>
                   <a:schemeClr val="bg1"/>
                 </a:solidFill>
                 <a:latin typeface="Segoe UI" panose="020B0502040204020203" pitchFamily="34" charset="0"/>
                 <a:cs typeface="Segoe UI" panose="020B0502040204020203" pitchFamily="34" charset="0"/>
               </a:rPr>
-              <a:t>Builder</a:t>
+              <a:t>Factory </a:t>
+            </a:r>
+            <a:r>
+              <a:rPr lang="es-ES" sz="4400" dirty="0" err="1">
+                <a:solidFill>
+                  <a:schemeClr val="bg1"/>
+                </a:solidFill>
+                <a:latin typeface="Segoe UI" panose="020B0502040204020203" pitchFamily="34" charset="0"/>
+                <a:cs typeface="Segoe UI" panose="020B0502040204020203" pitchFamily="34" charset="0"/>
+              </a:rPr>
+              <a:t>method</a:t>
             </a:r>
             <a:endParaRPr lang="es-ES" sz="4400" dirty="0">
               <a:solidFill>
@@ -21158,14 +24152,14 @@
       </p:sp>
       <p:pic>
         <p:nvPicPr>
-          <p:cNvPr id="20" name="Imagen 19"/>
+          <p:cNvPr id="25" name="Imagen 24"/>
           <p:cNvPicPr>
             <a:picLocks noChangeAspect="1"/>
           </p:cNvPicPr>
           <p:nvPr/>
         </p:nvPicPr>
         <p:blipFill>
-          <a:blip r:embed="rId5" cstate="hqprint">
+          <a:blip r:embed="rId8" cstate="hqprint">
             <a:extLst>
               <a:ext uri="{28A0092B-C50C-407E-A947-70E740481C1C}">
                 <a14:useLocalDpi xmlns:a14="http://schemas.microsoft.com/office/drawing/2010/main" val="0"/>
@@ -21189,20 +24183,13 @@
     </p:spTree>
     <p:extLst>
       <p:ext uri="{BB962C8B-B14F-4D97-AF65-F5344CB8AC3E}">
-        <p14:creationId xmlns:p14="http://schemas.microsoft.com/office/powerpoint/2010/main" val="4145431675"/>
+        <p14:creationId xmlns:p14="http://schemas.microsoft.com/office/powerpoint/2010/main" val="1822608010"/>
       </p:ext>
     </p:extLst>
   </p:cSld>
   <p:clrMapOvr>
     <a:masterClrMapping/>
   </p:clrMapOvr>
-  <p:timing>
-    <p:tnLst>
-      <p:par>
-        <p:cTn id="1" dur="indefinite" restart="never" nodeType="tmRoot"/>
-      </p:par>
-    </p:tnLst>
-  </p:timing>
 </p:sld>
 </file>
 
@@ -21242,15 +24229,15 @@
           </p:cNvPr>
           <p:cNvCxnSpPr>
             <a:cxnSpLocks/>
-            <a:stCxn id="19" idx="0"/>
-            <a:endCxn id="18" idx="2"/>
+            <a:stCxn id="23" idx="0"/>
+            <a:endCxn id="22" idx="2"/>
           </p:cNvCxnSpPr>
           <p:nvPr/>
         </p:nvCxnSpPr>
         <p:spPr>
           <a:xfrm flipV="1">
-            <a:off x="3083910" y="2685609"/>
-            <a:ext cx="1" cy="1570516"/>
+            <a:off x="3104463" y="2511743"/>
+            <a:ext cx="0" cy="774652"/>
           </a:xfrm>
           <a:prstGeom prst="straightConnector1">
             <a:avLst/>
@@ -21285,21 +24272,21 @@
                 <a16:creationId xmlns:a16="http://schemas.microsoft.com/office/drawing/2014/main" id="{8E8142DB-1054-415D-AC96-53835950BB91}"/>
               </a:ext>
               <a:ext uri="{C183D7F6-B498-43B3-948B-1728B52AA6E4}">
-                <adec:decorative xmlns:adec="http://schemas.microsoft.com/office/drawing/2017/decorative" xmlns="" val="0"/>
+                <adec:decorative xmlns:adec="http://schemas.microsoft.com/office/drawing/2017/decorative" val="0"/>
               </a:ext>
             </a:extLst>
           </p:cNvPr>
           <p:cNvCxnSpPr>
             <a:cxnSpLocks/>
-            <a:stCxn id="17" idx="0"/>
-            <a:endCxn id="16" idx="2"/>
+            <a:stCxn id="21" idx="0"/>
+            <a:endCxn id="20" idx="2"/>
           </p:cNvCxnSpPr>
           <p:nvPr/>
         </p:nvCxnSpPr>
         <p:spPr>
-          <a:xfrm flipH="1" flipV="1">
-            <a:off x="8872306" y="2733234"/>
-            <a:ext cx="1" cy="1260954"/>
+          <a:xfrm flipV="1">
+            <a:off x="8442821" y="2300813"/>
+            <a:ext cx="0" cy="826454"/>
           </a:xfrm>
           <a:prstGeom prst="straightConnector1">
             <a:avLst/>
@@ -21337,15 +24324,15 @@
           </p:cNvPr>
           <p:cNvCxnSpPr>
             <a:cxnSpLocks/>
-            <a:stCxn id="17" idx="1"/>
-            <a:endCxn id="19" idx="3"/>
+            <a:stCxn id="21" idx="1"/>
+            <a:endCxn id="23" idx="3"/>
           </p:cNvCxnSpPr>
           <p:nvPr/>
         </p:nvCxnSpPr>
         <p:spPr>
-          <a:xfrm flipH="1" flipV="1">
-            <a:off x="5412772" y="4665700"/>
-            <a:ext cx="1178297" cy="1"/>
+          <a:xfrm flipH="1">
+            <a:off x="5161982" y="4584592"/>
+            <a:ext cx="771001" cy="0"/>
           </a:xfrm>
           <a:prstGeom prst="straightConnector1">
             <a:avLst/>
@@ -21386,7 +24373,7 @@
         </p:nvSpPr>
         <p:spPr>
           <a:xfrm>
-            <a:off x="8872305" y="3099732"/>
+            <a:off x="8522073" y="2512716"/>
             <a:ext cx="1376218" cy="369332"/>
           </a:xfrm>
           <a:prstGeom prst="rect">
@@ -21425,7 +24412,7 @@
         </p:nvSpPr>
         <p:spPr>
           <a:xfrm>
-            <a:off x="5553973" y="4256125"/>
+            <a:off x="5155837" y="4215260"/>
             <a:ext cx="1376218" cy="369332"/>
           </a:xfrm>
           <a:prstGeom prst="rect">
@@ -21464,7 +24451,7 @@
         </p:nvSpPr>
         <p:spPr>
           <a:xfrm>
-            <a:off x="3083910" y="3099732"/>
+            <a:off x="3142505" y="2697382"/>
             <a:ext cx="1376218" cy="369332"/>
           </a:xfrm>
           <a:prstGeom prst="rect">
@@ -21491,10 +24478,47 @@
       </p:sp>
       <p:pic>
         <p:nvPicPr>
-          <p:cNvPr id="16" name="Picture 20">
-            <a:extLst>
-              <a:ext uri="{FF2B5EF4-FFF2-40B4-BE49-F238E27FC236}">
-                <a16:creationId xmlns:a16="http://schemas.microsoft.com/office/drawing/2014/main" id="{20F5CF87-6066-42DF-A37A-0ED8E41AEC7B}"/>
+          <p:cNvPr id="20" name="Picture 1">
+            <a:extLst>
+              <a:ext uri="{FF2B5EF4-FFF2-40B4-BE49-F238E27FC236}">
+                <a16:creationId xmlns:a16="http://schemas.microsoft.com/office/drawing/2014/main" id="{BDCA5F6F-7F18-496C-80F9-C4AD8853DA6D}"/>
+              </a:ext>
+            </a:extLst>
+          </p:cNvPr>
+          <p:cNvPicPr>
+            <a:picLocks noChangeAspect="1"/>
+          </p:cNvPicPr>
+          <p:nvPr/>
+        </p:nvPicPr>
+        <p:blipFill>
+          <a:blip r:embed="rId2"/>
+          <a:stretch>
+            <a:fillRect/>
+          </a:stretch>
+        </p:blipFill>
+        <p:spPr>
+          <a:xfrm>
+            <a:off x="6118721" y="1481663"/>
+            <a:ext cx="4648200" cy="819150"/>
+          </a:xfrm>
+          <a:prstGeom prst="rect">
+            <a:avLst/>
+          </a:prstGeom>
+          <a:effectLst>
+            <a:glow rad="25400">
+              <a:schemeClr val="bg1">
+                <a:alpha val="40000"/>
+              </a:schemeClr>
+            </a:glow>
+          </a:effectLst>
+        </p:spPr>
+      </p:pic>
+      <p:pic>
+        <p:nvPicPr>
+          <p:cNvPr id="21" name="Picture 9">
+            <a:extLst>
+              <a:ext uri="{FF2B5EF4-FFF2-40B4-BE49-F238E27FC236}">
+                <a16:creationId xmlns:a16="http://schemas.microsoft.com/office/drawing/2014/main" id="{04241BB1-EA6D-46FC-BB47-A95340EEBBE0}"/>
               </a:ext>
             </a:extLst>
           </p:cNvPr>
@@ -21511,8 +24535,8 @@
         </p:blipFill>
         <p:spPr>
           <a:xfrm>
-            <a:off x="7391168" y="1875984"/>
-            <a:ext cx="2962275" cy="857250"/>
+            <a:off x="5932983" y="3127267"/>
+            <a:ext cx="5019675" cy="2914650"/>
           </a:xfrm>
           <a:prstGeom prst="rect">
             <a:avLst/>
@@ -21528,10 +24552,10 @@
       </p:pic>
       <p:pic>
         <p:nvPicPr>
-          <p:cNvPr id="17" name="Picture 23">
-            <a:extLst>
-              <a:ext uri="{FF2B5EF4-FFF2-40B4-BE49-F238E27FC236}">
-                <a16:creationId xmlns:a16="http://schemas.microsoft.com/office/drawing/2014/main" id="{9CF8FE69-6A1E-4815-8271-299035F12114}"/>
+          <p:cNvPr id="22" name="Picture 5">
+            <a:extLst>
+              <a:ext uri="{FF2B5EF4-FFF2-40B4-BE49-F238E27FC236}">
+                <a16:creationId xmlns:a16="http://schemas.microsoft.com/office/drawing/2014/main" id="{291618EF-9E9B-418B-92B1-1BC24730A0AC}"/>
               </a:ext>
             </a:extLst>
           </p:cNvPr>
@@ -21548,8 +24572,8 @@
         </p:blipFill>
         <p:spPr>
           <a:xfrm>
-            <a:off x="6591069" y="3994188"/>
-            <a:ext cx="4562475" cy="1343025"/>
+            <a:off x="1951938" y="1702118"/>
+            <a:ext cx="2305050" cy="809625"/>
           </a:xfrm>
           <a:prstGeom prst="rect">
             <a:avLst/>
@@ -21565,10 +24589,10 @@
       </p:pic>
       <p:pic>
         <p:nvPicPr>
-          <p:cNvPr id="18" name="Picture 5">
-            <a:extLst>
-              <a:ext uri="{FF2B5EF4-FFF2-40B4-BE49-F238E27FC236}">
-                <a16:creationId xmlns:a16="http://schemas.microsoft.com/office/drawing/2014/main" id="{150E2F75-1749-462D-9A46-C31B36E47638}"/>
+          <p:cNvPr id="23" name="Picture 12">
+            <a:extLst>
+              <a:ext uri="{FF2B5EF4-FFF2-40B4-BE49-F238E27FC236}">
+                <a16:creationId xmlns:a16="http://schemas.microsoft.com/office/drawing/2014/main" id="{2AB2827F-1BFF-4AD5-BE46-91F694BB0C1D}"/>
               </a:ext>
             </a:extLst>
           </p:cNvPr>
@@ -21585,8 +24609,8 @@
         </p:blipFill>
         <p:spPr>
           <a:xfrm>
-            <a:off x="1931386" y="1875984"/>
-            <a:ext cx="2305050" cy="809625"/>
+            <a:off x="1046944" y="3286395"/>
+            <a:ext cx="4115038" cy="2596393"/>
           </a:xfrm>
           <a:prstGeom prst="rect">
             <a:avLst/>
@@ -21600,46 +24624,9 @@
           </a:effectLst>
         </p:spPr>
       </p:pic>
-      <p:pic>
-        <p:nvPicPr>
-          <p:cNvPr id="19" name="Picture 6">
-            <a:extLst>
-              <a:ext uri="{FF2B5EF4-FFF2-40B4-BE49-F238E27FC236}">
-                <a16:creationId xmlns:a16="http://schemas.microsoft.com/office/drawing/2014/main" id="{D9CE24AE-88DE-4FC9-8D09-9B4FDF793F56}"/>
-              </a:ext>
-            </a:extLst>
-          </p:cNvPr>
-          <p:cNvPicPr>
-            <a:picLocks noChangeAspect="1"/>
-          </p:cNvPicPr>
-          <p:nvPr/>
-        </p:nvPicPr>
-        <p:blipFill>
-          <a:blip r:embed="rId6"/>
-          <a:stretch>
-            <a:fillRect/>
-          </a:stretch>
-        </p:blipFill>
-        <p:spPr>
-          <a:xfrm>
-            <a:off x="755047" y="4256125"/>
-            <a:ext cx="4657725" cy="819150"/>
-          </a:xfrm>
-          <a:prstGeom prst="rect">
-            <a:avLst/>
-          </a:prstGeom>
-          <a:effectLst>
-            <a:glow rad="25400">
-              <a:schemeClr val="bg1">
-                <a:alpha val="40000"/>
-              </a:schemeClr>
-            </a:glow>
-          </a:effectLst>
-        </p:spPr>
-      </p:pic>
-      <p:sp>
-        <p:nvSpPr>
-          <p:cNvPr id="24" name="CuadroTexto 23">
+      <p:sp>
+        <p:nvSpPr>
+          <p:cNvPr id="18" name="CuadroTexto 17">
             <a:extLst>
               <a:ext uri="{FF2B5EF4-FFF2-40B4-BE49-F238E27FC236}">
                 <a16:creationId xmlns:a16="http://schemas.microsoft.com/office/drawing/2014/main" id="{8D5F8848-69CC-474A-8B0C-8685958FFF9D}"/>
@@ -21651,7 +24638,7 @@
         </p:nvSpPr>
         <p:spPr>
           <a:xfrm>
-            <a:off x="4495996" y="447480"/>
+            <a:off x="8042758" y="459544"/>
             <a:ext cx="1447800" cy="646331"/>
           </a:xfrm>
           <a:prstGeom prst="rect">
@@ -21666,7 +24653,7 @@
           <a:lstStyle/>
           <a:p>
             <a:r>
-              <a:rPr lang="en-US" sz="3600" dirty="0" err="1" smtClean="0">
+              <a:rPr lang="en-US" sz="3600" dirty="0" err="1">
                 <a:solidFill>
                   <a:srgbClr val="49C593"/>
                 </a:solidFill>
@@ -21687,27 +24674,27 @@
       </p:sp>
       <p:sp>
         <p:nvSpPr>
-          <p:cNvPr id="25" name="Rectángulo 24"/>
+          <p:cNvPr id="19" name="Rectángulo 18"/>
           <p:cNvSpPr/>
           <p:nvPr/>
         </p:nvSpPr>
         <p:spPr>
           <a:xfrm>
             <a:off x="484863" y="351291"/>
-            <a:ext cx="4101187" cy="769441"/>
+            <a:ext cx="7904064" cy="769441"/>
           </a:xfrm>
           <a:prstGeom prst="rect">
             <a:avLst/>
           </a:prstGeom>
         </p:spPr>
         <p:txBody>
-          <a:bodyPr wrap="none">
+          <a:bodyPr wrap="square">
             <a:spAutoFit/>
           </a:bodyPr>
           <a:lstStyle/>
           <a:p>
             <a:r>
-              <a:rPr lang="es-ES" sz="4400" dirty="0" smtClean="0">
+              <a:rPr lang="es-ES" sz="4400" dirty="0">
                 <a:solidFill>
                   <a:schemeClr val="bg1"/>
                 </a:solidFill>
@@ -21717,7 +24704,7 @@
               <a:t>Factory </a:t>
             </a:r>
             <a:r>
-              <a:rPr lang="es-ES" sz="4400" dirty="0" err="1" smtClean="0">
+              <a:rPr lang="es-ES" sz="4400" dirty="0" err="1">
                 <a:solidFill>
                   <a:schemeClr val="bg1"/>
                 </a:solidFill>
@@ -21726,26 +24713,69 @@
               </a:rPr>
               <a:t>method</a:t>
             </a:r>
-            <a:endParaRPr lang="es-ES" sz="4400" dirty="0">
-              <a:solidFill>
-                <a:schemeClr val="bg1"/>
-              </a:solidFill>
-              <a:latin typeface="Segoe UI" panose="020B0502040204020203" pitchFamily="34" charset="0"/>
-              <a:cs typeface="Segoe UI" panose="020B0502040204020203" pitchFamily="34" charset="0"/>
-            </a:endParaRPr>
+            <a:r>
+              <a:rPr lang="es-ES" sz="4400" dirty="0">
+                <a:solidFill>
+                  <a:schemeClr val="bg1"/>
+                </a:solidFill>
+                <a:latin typeface="Segoe UI" panose="020B0502040204020203" pitchFamily="34" charset="0"/>
+                <a:cs typeface="Segoe UI" panose="020B0502040204020203" pitchFamily="34" charset="0"/>
+              </a:rPr>
+              <a:t> (</a:t>
+            </a:r>
+            <a:r>
+              <a:rPr lang="es-ES" sz="4400" dirty="0" err="1">
+                <a:solidFill>
+                  <a:schemeClr val="bg1"/>
+                </a:solidFill>
+                <a:latin typeface="Segoe UI" panose="020B0502040204020203" pitchFamily="34" charset="0"/>
+                <a:cs typeface="Segoe UI" panose="020B0502040204020203" pitchFamily="34" charset="0"/>
+              </a:rPr>
+              <a:t>with</a:t>
+            </a:r>
+            <a:r>
+              <a:rPr lang="es-ES" sz="4400" dirty="0">
+                <a:solidFill>
+                  <a:schemeClr val="bg1"/>
+                </a:solidFill>
+                <a:latin typeface="Segoe UI" panose="020B0502040204020203" pitchFamily="34" charset="0"/>
+                <a:cs typeface="Segoe UI" panose="020B0502040204020203" pitchFamily="34" charset="0"/>
+              </a:rPr>
+              <a:t> </a:t>
+            </a:r>
+            <a:r>
+              <a:rPr lang="es-ES" sz="4400" dirty="0" err="1">
+                <a:solidFill>
+                  <a:schemeClr val="bg1"/>
+                </a:solidFill>
+                <a:latin typeface="Segoe UI" panose="020B0502040204020203" pitchFamily="34" charset="0"/>
+                <a:cs typeface="Segoe UI" panose="020B0502040204020203" pitchFamily="34" charset="0"/>
+              </a:rPr>
+              <a:t>params</a:t>
+            </a:r>
+            <a:r>
+              <a:rPr lang="es-ES" sz="4400" dirty="0">
+                <a:solidFill>
+                  <a:schemeClr val="bg1"/>
+                </a:solidFill>
+                <a:latin typeface="Segoe UI" panose="020B0502040204020203" pitchFamily="34" charset="0"/>
+                <a:cs typeface="Segoe UI" panose="020B0502040204020203" pitchFamily="34" charset="0"/>
+              </a:rPr>
+              <a:t>)</a:t>
+            </a:r>
           </a:p>
         </p:txBody>
       </p:sp>
       <p:pic>
         <p:nvPicPr>
-          <p:cNvPr id="27" name="Imagen 26"/>
+          <p:cNvPr id="25" name="Imagen 24"/>
           <p:cNvPicPr>
             <a:picLocks noChangeAspect="1"/>
           </p:cNvPicPr>
           <p:nvPr/>
         </p:nvPicPr>
         <p:blipFill>
-          <a:blip r:embed="rId7" cstate="hqprint">
+          <a:blip r:embed="rId6" cstate="hqprint">
             <a:extLst>
               <a:ext uri="{28A0092B-C50C-407E-A947-70E740481C1C}">
                 <a14:useLocalDpi xmlns:a14="http://schemas.microsoft.com/office/drawing/2010/main" val="0"/>
@@ -21769,20 +24799,13 @@
     </p:spTree>
     <p:extLst>
       <p:ext uri="{BB962C8B-B14F-4D97-AF65-F5344CB8AC3E}">
-        <p14:creationId xmlns:p14="http://schemas.microsoft.com/office/powerpoint/2010/main" val="309898805"/>
+        <p14:creationId xmlns:p14="http://schemas.microsoft.com/office/powerpoint/2010/main" val="2067568303"/>
       </p:ext>
     </p:extLst>
   </p:cSld>
   <p:clrMapOvr>
     <a:masterClrMapping/>
   </p:clrMapOvr>
-  <p:timing>
-    <p:tnLst>
-      <p:par>
-        <p:cTn id="1" dur="indefinite" restart="never" nodeType="tmRoot"/>
-      </p:par>
-    </p:tnLst>
-  </p:timing>
 </p:sld>
 </file>
 
@@ -21811,12 +24834,108 @@
           <a:chExt cx="0" cy="0"/>
         </a:xfrm>
       </p:grpSpPr>
+      <p:sp>
+        <p:nvSpPr>
+          <p:cNvPr id="59" name="CuadroTexto 58">
+            <a:extLst>
+              <a:ext uri="{FF2B5EF4-FFF2-40B4-BE49-F238E27FC236}">
+                <a16:creationId xmlns:a16="http://schemas.microsoft.com/office/drawing/2014/main" id="{4C81365D-BA99-4D51-A6D9-EB87A8B13E78}"/>
+              </a:ext>
+            </a:extLst>
+          </p:cNvPr>
+          <p:cNvSpPr txBox="1"/>
+          <p:nvPr/>
+        </p:nvSpPr>
+        <p:spPr>
+          <a:xfrm>
+            <a:off x="223163" y="4092548"/>
+            <a:ext cx="5647017" cy="2489732"/>
+          </a:xfrm>
+          <a:prstGeom prst="rect">
+            <a:avLst/>
+          </a:prstGeom>
+          <a:noFill/>
+          <a:ln w="0">
+            <a:solidFill>
+              <a:schemeClr val="bg1"/>
+            </a:solidFill>
+          </a:ln>
+          <a:effectLst>
+            <a:glow>
+              <a:schemeClr val="bg1">
+                <a:alpha val="40000"/>
+              </a:schemeClr>
+            </a:glow>
+          </a:effectLst>
+        </p:spPr>
+        <p:txBody>
+          <a:bodyPr wrap="square" rtlCol="0">
+            <a:spAutoFit/>
+          </a:bodyPr>
+          <a:lstStyle/>
+          <a:p>
+            <a:endParaRPr lang="en-US" dirty="0">
+              <a:solidFill>
+                <a:schemeClr val="bg1"/>
+              </a:solidFill>
+            </a:endParaRPr>
+          </a:p>
+        </p:txBody>
+      </p:sp>
+      <p:sp>
+        <p:nvSpPr>
+          <p:cNvPr id="18" name="CuadroTexto 17">
+            <a:extLst>
+              <a:ext uri="{FF2B5EF4-FFF2-40B4-BE49-F238E27FC236}">
+                <a16:creationId xmlns:a16="http://schemas.microsoft.com/office/drawing/2014/main" id="{B39B8261-0BA7-4BC5-89F6-FAA9B3688524}"/>
+              </a:ext>
+            </a:extLst>
+          </p:cNvPr>
+          <p:cNvSpPr txBox="1"/>
+          <p:nvPr/>
+        </p:nvSpPr>
+        <p:spPr>
+          <a:xfrm>
+            <a:off x="134486" y="1301802"/>
+            <a:ext cx="5489651" cy="2227112"/>
+          </a:xfrm>
+          <a:prstGeom prst="rect">
+            <a:avLst/>
+          </a:prstGeom>
+          <a:noFill/>
+          <a:ln w="0">
+            <a:solidFill>
+              <a:schemeClr val="bg1"/>
+            </a:solidFill>
+          </a:ln>
+          <a:effectLst>
+            <a:glow>
+              <a:schemeClr val="bg1">
+                <a:alpha val="40000"/>
+              </a:schemeClr>
+            </a:glow>
+          </a:effectLst>
+        </p:spPr>
+        <p:txBody>
+          <a:bodyPr wrap="square" rtlCol="0">
+            <a:spAutoFit/>
+          </a:bodyPr>
+          <a:lstStyle/>
+          <a:p>
+            <a:endParaRPr lang="en-US" dirty="0">
+              <a:solidFill>
+                <a:schemeClr val="bg1"/>
+              </a:solidFill>
+            </a:endParaRPr>
+          </a:p>
+        </p:txBody>
+      </p:sp>
       <p:pic>
         <p:nvPicPr>
-          <p:cNvPr id="2" name="Imagen 1">
-            <a:extLst>
-              <a:ext uri="{FF2B5EF4-FFF2-40B4-BE49-F238E27FC236}">
-                <a16:creationId xmlns:a16="http://schemas.microsoft.com/office/drawing/2014/main" id="{82E656D6-8014-4393-A7E4-C7118B275146}"/>
+          <p:cNvPr id="6" name="Imagen 5">
+            <a:extLst>
+              <a:ext uri="{FF2B5EF4-FFF2-40B4-BE49-F238E27FC236}">
+                <a16:creationId xmlns:a16="http://schemas.microsoft.com/office/drawing/2014/main" id="{7FB57C20-E605-409C-BD47-72273570642B}"/>
               </a:ext>
             </a:extLst>
           </p:cNvPr>
@@ -21833,8 +24952,8 @@
         </p:blipFill>
         <p:spPr>
           <a:xfrm>
-            <a:off x="1599030" y="1663033"/>
-            <a:ext cx="2266950" cy="619125"/>
+            <a:off x="9392496" y="1093360"/>
+            <a:ext cx="2618469" cy="646331"/>
           </a:xfrm>
           <a:prstGeom prst="rect">
             <a:avLst/>
@@ -21850,10 +24969,10 @@
       </p:pic>
       <p:pic>
         <p:nvPicPr>
-          <p:cNvPr id="4" name="Imagen 3">
-            <a:extLst>
-              <a:ext uri="{FF2B5EF4-FFF2-40B4-BE49-F238E27FC236}">
-                <a16:creationId xmlns:a16="http://schemas.microsoft.com/office/drawing/2014/main" id="{4BCD6FE4-DA5B-4B42-A6CA-80CFC2C1632C}"/>
+          <p:cNvPr id="13" name="Imagen 12">
+            <a:extLst>
+              <a:ext uri="{FF2B5EF4-FFF2-40B4-BE49-F238E27FC236}">
+                <a16:creationId xmlns:a16="http://schemas.microsoft.com/office/drawing/2014/main" id="{96980A7C-6F1D-416F-9CC3-367F9B2EC5D2}"/>
               </a:ext>
             </a:extLst>
           </p:cNvPr>
@@ -21870,46 +24989,8 @@
         </p:blipFill>
         <p:spPr>
           <a:xfrm>
-            <a:off x="717968" y="3350327"/>
-            <a:ext cx="4029075" cy="971550"/>
-          </a:xfrm>
-          <a:prstGeom prst="rect">
-            <a:avLst/>
-          </a:prstGeom>
-          <a:effectLst>
-            <a:glow rad="25400">
-              <a:schemeClr val="bg1">
-                <a:alpha val="40000"/>
-              </a:schemeClr>
-            </a:glow>
-            <a:softEdge rad="0"/>
-          </a:effectLst>
-        </p:spPr>
-      </p:pic>
-      <p:pic>
-        <p:nvPicPr>
-          <p:cNvPr id="5" name="Imagen 4">
-            <a:extLst>
-              <a:ext uri="{FF2B5EF4-FFF2-40B4-BE49-F238E27FC236}">
-                <a16:creationId xmlns:a16="http://schemas.microsoft.com/office/drawing/2014/main" id="{F82BC3F5-B939-4CD2-AA5D-C961BCEE68CA}"/>
-              </a:ext>
-            </a:extLst>
-          </p:cNvPr>
-          <p:cNvPicPr>
-            <a:picLocks noChangeAspect="1"/>
-          </p:cNvPicPr>
-          <p:nvPr/>
-        </p:nvPicPr>
-        <p:blipFill>
-          <a:blip r:embed="rId4"/>
-          <a:stretch>
-            <a:fillRect/>
-          </a:stretch>
-        </p:blipFill>
-        <p:spPr>
-          <a:xfrm>
-            <a:off x="6832963" y="1039514"/>
-            <a:ext cx="3333750" cy="1304925"/>
+            <a:off x="7079869" y="1791317"/>
+            <a:ext cx="5112131" cy="1713644"/>
           </a:xfrm>
           <a:prstGeom prst="rect">
             <a:avLst/>
@@ -21923,136 +25004,26 @@
           </a:effectLst>
         </p:spPr>
       </p:pic>
-      <p:pic>
-        <p:nvPicPr>
-          <p:cNvPr id="3" name="Imagen 2">
-            <a:extLst>
-              <a:ext uri="{FF2B5EF4-FFF2-40B4-BE49-F238E27FC236}">
-                <a16:creationId xmlns:a16="http://schemas.microsoft.com/office/drawing/2014/main" id="{4400D3A2-6F03-43A7-8561-5BA0E4EC4E72}"/>
-              </a:ext>
-            </a:extLst>
-          </p:cNvPr>
-          <p:cNvPicPr>
-            <a:picLocks noChangeAspect="1"/>
-          </p:cNvPicPr>
-          <p:nvPr/>
-        </p:nvPicPr>
-        <p:blipFill>
-          <a:blip r:embed="rId5"/>
-          <a:stretch>
-            <a:fillRect/>
-          </a:stretch>
-        </p:blipFill>
-        <p:spPr>
-          <a:xfrm>
-            <a:off x="8581929" y="3156900"/>
-            <a:ext cx="2771775" cy="1390650"/>
-          </a:xfrm>
-          <a:prstGeom prst="rect">
-            <a:avLst/>
-          </a:prstGeom>
-          <a:effectLst>
-            <a:glow rad="25400">
-              <a:schemeClr val="bg1">
-                <a:alpha val="40000"/>
-              </a:schemeClr>
-            </a:glow>
-          </a:effectLst>
-        </p:spPr>
-      </p:pic>
-      <p:pic>
-        <p:nvPicPr>
-          <p:cNvPr id="9" name="Imagen 8">
-            <a:extLst>
-              <a:ext uri="{FF2B5EF4-FFF2-40B4-BE49-F238E27FC236}">
-                <a16:creationId xmlns:a16="http://schemas.microsoft.com/office/drawing/2014/main" id="{BB73BF90-97D7-4C41-B7DE-BB6F7E427B20}"/>
-              </a:ext>
-            </a:extLst>
-          </p:cNvPr>
-          <p:cNvPicPr>
-            <a:picLocks noChangeAspect="1"/>
-          </p:cNvPicPr>
-          <p:nvPr/>
-        </p:nvPicPr>
-        <p:blipFill>
-          <a:blip r:embed="rId6"/>
-          <a:stretch>
-            <a:fillRect/>
-          </a:stretch>
-        </p:blipFill>
-        <p:spPr>
-          <a:xfrm>
-            <a:off x="5715593" y="3156900"/>
-            <a:ext cx="2743200" cy="1371600"/>
-          </a:xfrm>
-          <a:prstGeom prst="rect">
-            <a:avLst/>
-          </a:prstGeom>
-          <a:effectLst>
-            <a:glow rad="25400">
-              <a:schemeClr val="bg1">
-                <a:alpha val="40000"/>
-              </a:schemeClr>
-            </a:glow>
-          </a:effectLst>
-        </p:spPr>
-      </p:pic>
-      <p:pic>
-        <p:nvPicPr>
-          <p:cNvPr id="10" name="Imagen 9">
-            <a:extLst>
-              <a:ext uri="{FF2B5EF4-FFF2-40B4-BE49-F238E27FC236}">
-                <a16:creationId xmlns:a16="http://schemas.microsoft.com/office/drawing/2014/main" id="{753BA75E-AFB4-43C7-93C5-DBBA2CC5CFE2}"/>
-              </a:ext>
-            </a:extLst>
-          </p:cNvPr>
-          <p:cNvPicPr>
-            <a:picLocks noChangeAspect="1"/>
-          </p:cNvPicPr>
-          <p:nvPr/>
-        </p:nvPicPr>
-        <p:blipFill>
-          <a:blip r:embed="rId7"/>
-          <a:stretch>
-            <a:fillRect/>
-          </a:stretch>
-        </p:blipFill>
-        <p:spPr>
-          <a:xfrm>
-            <a:off x="2468561" y="5135271"/>
-            <a:ext cx="7162800" cy="1076325"/>
-          </a:xfrm>
-          <a:prstGeom prst="rect">
-            <a:avLst/>
-          </a:prstGeom>
-          <a:effectLst>
-            <a:glow rad="25400">
-              <a:schemeClr val="bg1">
-                <a:alpha val="40000"/>
-              </a:schemeClr>
-            </a:glow>
-          </a:effectLst>
-        </p:spPr>
-      </p:pic>
       <p:cxnSp>
         <p:nvCxnSpPr>
-          <p:cNvPr id="14" name="Conector recto de flecha 13">
-            <a:extLst>
-              <a:ext uri="{FF2B5EF4-FFF2-40B4-BE49-F238E27FC236}">
-                <a16:creationId xmlns:a16="http://schemas.microsoft.com/office/drawing/2014/main" id="{BBE9E990-FC3E-41C9-B43C-3EFC0962AB9D}"/>
+          <p:cNvPr id="27" name="Conector recto de flecha 26">
+            <a:extLst>
+              <a:ext uri="{FF2B5EF4-FFF2-40B4-BE49-F238E27FC236}">
+                <a16:creationId xmlns:a16="http://schemas.microsoft.com/office/drawing/2014/main" id="{BCD76D3D-CC21-4D8B-BE1F-9A3AAB477B30}"/>
               </a:ext>
             </a:extLst>
           </p:cNvPr>
           <p:cNvCxnSpPr>
-            <a:stCxn id="4" idx="0"/>
-            <a:endCxn id="2" idx="2"/>
+            <a:cxnSpLocks/>
+            <a:stCxn id="28" idx="3"/>
+            <a:endCxn id="6" idx="1"/>
           </p:cNvCxnSpPr>
           <p:nvPr/>
         </p:nvCxnSpPr>
         <p:spPr>
-          <a:xfrm flipH="1" flipV="1">
-            <a:off x="2732505" y="2282158"/>
-            <a:ext cx="1" cy="1068169"/>
+          <a:xfrm flipV="1">
+            <a:off x="6816436" y="1416526"/>
+            <a:ext cx="2576060" cy="5610"/>
           </a:xfrm>
           <a:prstGeom prst="straightConnector1">
             <a:avLst/>
@@ -22079,25 +25050,64 @@
           </a:fontRef>
         </p:style>
       </p:cxnSp>
+      <p:sp>
+        <p:nvSpPr>
+          <p:cNvPr id="28" name="CuadroTexto 27">
+            <a:extLst>
+              <a:ext uri="{FF2B5EF4-FFF2-40B4-BE49-F238E27FC236}">
+                <a16:creationId xmlns:a16="http://schemas.microsoft.com/office/drawing/2014/main" id="{0EA56A32-4692-4A43-8865-B9DAB0747B52}"/>
+              </a:ext>
+            </a:extLst>
+          </p:cNvPr>
+          <p:cNvSpPr txBox="1"/>
+          <p:nvPr/>
+        </p:nvSpPr>
+        <p:spPr>
+          <a:xfrm>
+            <a:off x="5647285" y="1252859"/>
+            <a:ext cx="1169151" cy="338554"/>
+          </a:xfrm>
+          <a:prstGeom prst="rect">
+            <a:avLst/>
+          </a:prstGeom>
+          <a:noFill/>
+        </p:spPr>
+        <p:txBody>
+          <a:bodyPr wrap="square" rtlCol="0">
+            <a:spAutoFit/>
+          </a:bodyPr>
+          <a:lstStyle/>
+          <a:p>
+            <a:r>
+              <a:rPr lang="en-US" sz="1600" dirty="0">
+                <a:solidFill>
+                  <a:schemeClr val="bg1"/>
+                </a:solidFill>
+              </a:rPr>
+              <a:t>implements</a:t>
+            </a:r>
+          </a:p>
+        </p:txBody>
+      </p:sp>
       <p:cxnSp>
         <p:nvCxnSpPr>
-          <p:cNvPr id="20" name="Conector recto de flecha 19">
-            <a:extLst>
-              <a:ext uri="{FF2B5EF4-FFF2-40B4-BE49-F238E27FC236}">
-                <a16:creationId xmlns:a16="http://schemas.microsoft.com/office/drawing/2014/main" id="{9B15C56A-0FE9-4CBC-B44D-29503B41A061}"/>
+          <p:cNvPr id="31" name="Conector recto de flecha 30">
+            <a:extLst>
+              <a:ext uri="{FF2B5EF4-FFF2-40B4-BE49-F238E27FC236}">
+                <a16:creationId xmlns:a16="http://schemas.microsoft.com/office/drawing/2014/main" id="{1F94211B-24ED-41AE-9E98-08E144D353D3}"/>
               </a:ext>
             </a:extLst>
           </p:cNvPr>
           <p:cNvCxnSpPr>
-            <a:stCxn id="9" idx="0"/>
-            <a:endCxn id="5" idx="2"/>
+            <a:cxnSpLocks/>
+            <a:endCxn id="18" idx="3"/>
           </p:cNvCxnSpPr>
           <p:nvPr/>
         </p:nvCxnSpPr>
         <p:spPr>
-          <a:xfrm flipV="1">
-            <a:off x="7087193" y="2344439"/>
-            <a:ext cx="1412645" cy="812461"/>
+          <a:xfrm flipH="1" flipV="1">
+            <a:off x="5624137" y="2415358"/>
+            <a:ext cx="818227" cy="1206509"/>
           </a:xfrm>
           <a:prstGeom prst="straightConnector1">
             <a:avLst/>
@@ -22124,25 +25134,67 @@
           </a:fontRef>
         </p:style>
       </p:cxnSp>
+      <p:sp>
+        <p:nvSpPr>
+          <p:cNvPr id="36" name="CuadroTexto 35">
+            <a:extLst>
+              <a:ext uri="{FF2B5EF4-FFF2-40B4-BE49-F238E27FC236}">
+                <a16:creationId xmlns:a16="http://schemas.microsoft.com/office/drawing/2014/main" id="{DE28EF74-F915-4354-B18B-3926503544B8}"/>
+              </a:ext>
+            </a:extLst>
+          </p:cNvPr>
+          <p:cNvSpPr txBox="1"/>
+          <p:nvPr/>
+        </p:nvSpPr>
+        <p:spPr>
+          <a:xfrm>
+            <a:off x="5980693" y="2645034"/>
+            <a:ext cx="1376218" cy="338554"/>
+          </a:xfrm>
+          <a:prstGeom prst="rect">
+            <a:avLst/>
+          </a:prstGeom>
+          <a:noFill/>
+        </p:spPr>
+        <p:txBody>
+          <a:bodyPr wrap="square" rtlCol="0">
+            <a:spAutoFit/>
+          </a:bodyPr>
+          <a:lstStyle/>
+          <a:p>
+            <a:r>
+              <a:rPr lang="en-US" sz="1600" dirty="0">
+                <a:solidFill>
+                  <a:schemeClr val="bg1"/>
+                </a:solidFill>
+              </a:rPr>
+              <a:t>creates</a:t>
+            </a:r>
+          </a:p>
+        </p:txBody>
+      </p:sp>
       <p:cxnSp>
         <p:nvCxnSpPr>
-          <p:cNvPr id="22" name="Conector recto de flecha 21">
-            <a:extLst>
-              <a:ext uri="{FF2B5EF4-FFF2-40B4-BE49-F238E27FC236}">
-                <a16:creationId xmlns:a16="http://schemas.microsoft.com/office/drawing/2014/main" id="{18DD3FA9-DF3D-4D01-9C2B-4C794196CD33}"/>
+          <p:cNvPr id="37" name="Conector recto de flecha 36">
+            <a:extLst>
+              <a:ext uri="{FF2B5EF4-FFF2-40B4-BE49-F238E27FC236}">
+                <a16:creationId xmlns:a16="http://schemas.microsoft.com/office/drawing/2014/main" id="{84C96256-9E04-4A36-81E4-3C78FE3D7E61}"/>
+              </a:ext>
+              <a:ext uri="{C183D7F6-B498-43B3-948B-1728B52AA6E4}">
+                <adec:decorative xmlns:adec="http://schemas.microsoft.com/office/drawing/2017/decorative" val="0"/>
               </a:ext>
             </a:extLst>
           </p:cNvPr>
           <p:cNvCxnSpPr>
-            <a:stCxn id="3" idx="0"/>
-            <a:endCxn id="5" idx="2"/>
+            <a:cxnSpLocks/>
+            <a:endCxn id="13" idx="2"/>
           </p:cNvCxnSpPr>
           <p:nvPr/>
         </p:nvCxnSpPr>
         <p:spPr>
-          <a:xfrm flipH="1" flipV="1">
-            <a:off x="8499838" y="2344439"/>
-            <a:ext cx="1467979" cy="812461"/>
+          <a:xfrm flipV="1">
+            <a:off x="9635935" y="3504961"/>
+            <a:ext cx="0" cy="344044"/>
           </a:xfrm>
           <a:prstGeom prst="straightConnector1">
             <a:avLst/>
@@ -22169,57 +25221,12 @@
           </a:fontRef>
         </p:style>
       </p:cxnSp>
-      <p:cxnSp>
-        <p:nvCxnSpPr>
-          <p:cNvPr id="24" name="Conector recto de flecha 23">
-            <a:extLst>
-              <a:ext uri="{FF2B5EF4-FFF2-40B4-BE49-F238E27FC236}">
-                <a16:creationId xmlns:a16="http://schemas.microsoft.com/office/drawing/2014/main" id="{E5FDCDA5-D881-447C-B1BE-4FBD7E901A48}"/>
-              </a:ext>
-            </a:extLst>
-          </p:cNvPr>
-          <p:cNvCxnSpPr>
-            <a:stCxn id="9" idx="1"/>
-            <a:endCxn id="4" idx="3"/>
-          </p:cNvCxnSpPr>
-          <p:nvPr/>
-        </p:nvCxnSpPr>
-        <p:spPr>
-          <a:xfrm flipH="1" flipV="1">
-            <a:off x="4747043" y="3836102"/>
-            <a:ext cx="968550" cy="6598"/>
-          </a:xfrm>
-          <a:prstGeom prst="straightConnector1">
-            <a:avLst/>
-          </a:prstGeom>
-          <a:ln w="12700">
-            <a:solidFill>
-              <a:schemeClr val="bg1"/>
-            </a:solidFill>
-            <a:tailEnd type="triangle"/>
-          </a:ln>
-        </p:spPr>
-        <p:style>
-          <a:lnRef idx="1">
-            <a:schemeClr val="accent1"/>
-          </a:lnRef>
-          <a:fillRef idx="0">
-            <a:schemeClr val="accent1"/>
-          </a:fillRef>
-          <a:effectRef idx="0">
-            <a:schemeClr val="accent1"/>
-          </a:effectRef>
-          <a:fontRef idx="minor">
-            <a:schemeClr val="tx1"/>
-          </a:fontRef>
-        </p:style>
-      </p:cxnSp>
-      <p:sp>
-        <p:nvSpPr>
-          <p:cNvPr id="32" name="CuadroTexto 31">
-            <a:extLst>
-              <a:ext uri="{FF2B5EF4-FFF2-40B4-BE49-F238E27FC236}">
-                <a16:creationId xmlns:a16="http://schemas.microsoft.com/office/drawing/2014/main" id="{40F2DF41-A2B9-4A87-A4B5-9EBF59CA34CA}"/>
+      <p:sp>
+        <p:nvSpPr>
+          <p:cNvPr id="39" name="CuadroTexto 38">
+            <a:extLst>
+              <a:ext uri="{FF2B5EF4-FFF2-40B4-BE49-F238E27FC236}">
+                <a16:creationId xmlns:a16="http://schemas.microsoft.com/office/drawing/2014/main" id="{C8EAE2A9-1D48-4069-9D0F-2D14D1453AA2}"/>
               </a:ext>
             </a:extLst>
           </p:cNvPr>
@@ -22228,8 +25235,8 @@
         </p:nvSpPr>
         <p:spPr>
           <a:xfrm>
-            <a:off x="9320753" y="2485766"/>
-            <a:ext cx="1376218" cy="369332"/>
+            <a:off x="9527331" y="1796799"/>
+            <a:ext cx="1376218" cy="338554"/>
           </a:xfrm>
           <a:prstGeom prst="rect">
             <a:avLst/>
@@ -22243,22 +25250,52 @@
           <a:lstStyle/>
           <a:p>
             <a:r>
-              <a:rPr lang="en-US" dirty="0">
+              <a:rPr lang="en-US" sz="1600" dirty="0">
                 <a:solidFill>
                   <a:schemeClr val="bg1"/>
                 </a:solidFill>
               </a:rPr>
-              <a:t>extends</a:t>
+              <a:t>gets</a:t>
             </a:r>
           </a:p>
         </p:txBody>
       </p:sp>
-      <p:sp>
-        <p:nvSpPr>
-          <p:cNvPr id="33" name="CuadroTexto 32">
-            <a:extLst>
-              <a:ext uri="{FF2B5EF4-FFF2-40B4-BE49-F238E27FC236}">
-                <a16:creationId xmlns:a16="http://schemas.microsoft.com/office/drawing/2014/main" id="{97668815-0728-4759-9556-057F414F3B45}"/>
+      <p:pic>
+        <p:nvPicPr>
+          <p:cNvPr id="53" name="Imagen 52">
+            <a:extLst>
+              <a:ext uri="{FF2B5EF4-FFF2-40B4-BE49-F238E27FC236}">
+                <a16:creationId xmlns:a16="http://schemas.microsoft.com/office/drawing/2014/main" id="{258348A1-8868-4B4B-B380-B32C7F6D44D0}"/>
+              </a:ext>
+            </a:extLst>
+          </p:cNvPr>
+          <p:cNvPicPr>
+            <a:picLocks noChangeAspect="1"/>
+          </p:cNvPicPr>
+          <p:nvPr/>
+        </p:nvPicPr>
+        <p:blipFill>
+          <a:blip r:embed="rId4"/>
+          <a:stretch>
+            <a:fillRect/>
+          </a:stretch>
+        </p:blipFill>
+        <p:spPr>
+          <a:xfrm>
+            <a:off x="329997" y="4798389"/>
+            <a:ext cx="3219074" cy="1642218"/>
+          </a:xfrm>
+          <a:prstGeom prst="rect">
+            <a:avLst/>
+          </a:prstGeom>
+        </p:spPr>
+      </p:pic>
+      <p:sp>
+        <p:nvSpPr>
+          <p:cNvPr id="95" name="CuadroTexto 94">
+            <a:extLst>
+              <a:ext uri="{FF2B5EF4-FFF2-40B4-BE49-F238E27FC236}">
+                <a16:creationId xmlns:a16="http://schemas.microsoft.com/office/drawing/2014/main" id="{67848249-14A6-4729-A6A1-BB8AF75BB5E5}"/>
               </a:ext>
             </a:extLst>
           </p:cNvPr>
@@ -22267,8 +25304,8 @@
         </p:nvSpPr>
         <p:spPr>
           <a:xfrm>
-            <a:off x="6832963" y="2490822"/>
-            <a:ext cx="1376218" cy="369332"/>
+            <a:off x="175289" y="3723216"/>
+            <a:ext cx="935768" cy="369332"/>
           </a:xfrm>
           <a:prstGeom prst="rect">
             <a:avLst/>
@@ -22287,17 +25324,268 @@
                   <a:schemeClr val="bg1"/>
                 </a:solidFill>
               </a:rPr>
-              <a:t>extends</a:t>
+              <a:t>Usage:</a:t>
             </a:r>
           </a:p>
         </p:txBody>
       </p:sp>
-      <p:sp>
-        <p:nvSpPr>
-          <p:cNvPr id="34" name="CuadroTexto 33">
-            <a:extLst>
-              <a:ext uri="{FF2B5EF4-FFF2-40B4-BE49-F238E27FC236}">
-                <a16:creationId xmlns:a16="http://schemas.microsoft.com/office/drawing/2014/main" id="{AF390347-4FE9-4637-ADC2-2F883038674D}"/>
+      <p:pic>
+        <p:nvPicPr>
+          <p:cNvPr id="98" name="Imagen 97">
+            <a:extLst>
+              <a:ext uri="{FF2B5EF4-FFF2-40B4-BE49-F238E27FC236}">
+                <a16:creationId xmlns:a16="http://schemas.microsoft.com/office/drawing/2014/main" id="{FD217EEE-32A7-4431-A10D-C72C9D432A7D}"/>
+              </a:ext>
+            </a:extLst>
+          </p:cNvPr>
+          <p:cNvPicPr>
+            <a:picLocks noChangeAspect="1"/>
+          </p:cNvPicPr>
+          <p:nvPr/>
+        </p:nvPicPr>
+        <p:blipFill>
+          <a:blip r:embed="rId5"/>
+          <a:stretch>
+            <a:fillRect/>
+          </a:stretch>
+        </p:blipFill>
+        <p:spPr>
+          <a:xfrm>
+            <a:off x="235185" y="2097665"/>
+            <a:ext cx="5328679" cy="598728"/>
+          </a:xfrm>
+          <a:prstGeom prst="rect">
+            <a:avLst/>
+          </a:prstGeom>
+        </p:spPr>
+      </p:pic>
+      <p:pic>
+        <p:nvPicPr>
+          <p:cNvPr id="99" name="Imagen 98">
+            <a:extLst>
+              <a:ext uri="{FF2B5EF4-FFF2-40B4-BE49-F238E27FC236}">
+                <a16:creationId xmlns:a16="http://schemas.microsoft.com/office/drawing/2014/main" id="{B7554640-2141-4ECA-9DBB-AA03B44695E0}"/>
+              </a:ext>
+            </a:extLst>
+          </p:cNvPr>
+          <p:cNvPicPr>
+            <a:picLocks noChangeAspect="1"/>
+          </p:cNvPicPr>
+          <p:nvPr/>
+        </p:nvPicPr>
+        <p:blipFill>
+          <a:blip r:embed="rId6"/>
+          <a:stretch>
+            <a:fillRect/>
+          </a:stretch>
+        </p:blipFill>
+        <p:spPr>
+          <a:xfrm>
+            <a:off x="244407" y="1395745"/>
+            <a:ext cx="5143609" cy="631952"/>
+          </a:xfrm>
+          <a:prstGeom prst="rect">
+            <a:avLst/>
+          </a:prstGeom>
+        </p:spPr>
+      </p:pic>
+      <p:pic>
+        <p:nvPicPr>
+          <p:cNvPr id="100" name="Imagen 99">
+            <a:extLst>
+              <a:ext uri="{FF2B5EF4-FFF2-40B4-BE49-F238E27FC236}">
+                <a16:creationId xmlns:a16="http://schemas.microsoft.com/office/drawing/2014/main" id="{0D705CEE-9F14-416B-8B73-39260594E740}"/>
+              </a:ext>
+            </a:extLst>
+          </p:cNvPr>
+          <p:cNvPicPr>
+            <a:picLocks noChangeAspect="1"/>
+          </p:cNvPicPr>
+          <p:nvPr/>
+        </p:nvPicPr>
+        <p:blipFill>
+          <a:blip r:embed="rId7"/>
+          <a:stretch>
+            <a:fillRect/>
+          </a:stretch>
+        </p:blipFill>
+        <p:spPr>
+          <a:xfrm>
+            <a:off x="235185" y="2755462"/>
+            <a:ext cx="5290656" cy="629285"/>
+          </a:xfrm>
+          <a:prstGeom prst="rect">
+            <a:avLst/>
+          </a:prstGeom>
+        </p:spPr>
+      </p:pic>
+      <p:pic>
+        <p:nvPicPr>
+          <p:cNvPr id="2" name="Imagen 1">
+            <a:extLst>
+              <a:ext uri="{FF2B5EF4-FFF2-40B4-BE49-F238E27FC236}">
+                <a16:creationId xmlns:a16="http://schemas.microsoft.com/office/drawing/2014/main" id="{609F9505-B986-494B-892B-D1F095D77BE1}"/>
+              </a:ext>
+            </a:extLst>
+          </p:cNvPr>
+          <p:cNvPicPr>
+            <a:picLocks noChangeAspect="1"/>
+          </p:cNvPicPr>
+          <p:nvPr/>
+        </p:nvPicPr>
+        <p:blipFill>
+          <a:blip r:embed="rId8"/>
+          <a:stretch>
+            <a:fillRect/>
+          </a:stretch>
+        </p:blipFill>
+        <p:spPr>
+          <a:xfrm>
+            <a:off x="288904" y="4238453"/>
+            <a:ext cx="5431478" cy="446854"/>
+          </a:xfrm>
+          <a:prstGeom prst="rect">
+            <a:avLst/>
+          </a:prstGeom>
+        </p:spPr>
+      </p:pic>
+      <p:pic>
+        <p:nvPicPr>
+          <p:cNvPr id="3" name="Imagen 2">
+            <a:extLst>
+              <a:ext uri="{FF2B5EF4-FFF2-40B4-BE49-F238E27FC236}">
+                <a16:creationId xmlns:a16="http://schemas.microsoft.com/office/drawing/2014/main" id="{9ECA7B51-42E0-45E5-BDA6-E7BA03961FBE}"/>
+              </a:ext>
+            </a:extLst>
+          </p:cNvPr>
+          <p:cNvPicPr>
+            <a:picLocks noChangeAspect="1"/>
+          </p:cNvPicPr>
+          <p:nvPr/>
+        </p:nvPicPr>
+        <p:blipFill>
+          <a:blip r:embed="rId9"/>
+          <a:stretch>
+            <a:fillRect/>
+          </a:stretch>
+        </p:blipFill>
+        <p:spPr>
+          <a:xfrm>
+            <a:off x="6085576" y="3626464"/>
+            <a:ext cx="4970351" cy="3079393"/>
+          </a:xfrm>
+          <a:prstGeom prst="rect">
+            <a:avLst/>
+          </a:prstGeom>
+          <a:effectLst>
+            <a:glow rad="25400">
+              <a:schemeClr val="bg1">
+                <a:alpha val="40000"/>
+              </a:schemeClr>
+            </a:glow>
+          </a:effectLst>
+        </p:spPr>
+      </p:pic>
+      <p:sp>
+        <p:nvSpPr>
+          <p:cNvPr id="30" name="Rectángulo 29"/>
+          <p:cNvSpPr/>
+          <p:nvPr/>
+        </p:nvSpPr>
+        <p:spPr>
+          <a:xfrm>
+            <a:off x="484863" y="351291"/>
+            <a:ext cx="7904064" cy="769441"/>
+          </a:xfrm>
+          <a:prstGeom prst="rect">
+            <a:avLst/>
+          </a:prstGeom>
+        </p:spPr>
+        <p:txBody>
+          <a:bodyPr wrap="square">
+            <a:spAutoFit/>
+          </a:bodyPr>
+          <a:lstStyle/>
+          <a:p>
+            <a:r>
+              <a:rPr lang="es-ES" sz="4400" dirty="0">
+                <a:solidFill>
+                  <a:schemeClr val="bg1"/>
+                </a:solidFill>
+                <a:latin typeface="Segoe UI" panose="020B0502040204020203" pitchFamily="34" charset="0"/>
+                <a:cs typeface="Segoe UI" panose="020B0502040204020203" pitchFamily="34" charset="0"/>
+              </a:rPr>
+              <a:t>Factory </a:t>
+            </a:r>
+            <a:r>
+              <a:rPr lang="es-ES" sz="4400" dirty="0" err="1">
+                <a:solidFill>
+                  <a:schemeClr val="bg1"/>
+                </a:solidFill>
+                <a:latin typeface="Segoe UI" panose="020B0502040204020203" pitchFamily="34" charset="0"/>
+                <a:cs typeface="Segoe UI" panose="020B0502040204020203" pitchFamily="34" charset="0"/>
+              </a:rPr>
+              <a:t>method</a:t>
+            </a:r>
+            <a:r>
+              <a:rPr lang="es-ES" sz="4400" dirty="0">
+                <a:solidFill>
+                  <a:schemeClr val="bg1"/>
+                </a:solidFill>
+                <a:latin typeface="Segoe UI" panose="020B0502040204020203" pitchFamily="34" charset="0"/>
+                <a:cs typeface="Segoe UI" panose="020B0502040204020203" pitchFamily="34" charset="0"/>
+              </a:rPr>
+              <a:t> (</a:t>
+            </a:r>
+            <a:r>
+              <a:rPr lang="es-ES" sz="4400" dirty="0" err="1">
+                <a:solidFill>
+                  <a:schemeClr val="bg1"/>
+                </a:solidFill>
+                <a:latin typeface="Segoe UI" panose="020B0502040204020203" pitchFamily="34" charset="0"/>
+                <a:cs typeface="Segoe UI" panose="020B0502040204020203" pitchFamily="34" charset="0"/>
+              </a:rPr>
+              <a:t>with</a:t>
+            </a:r>
+            <a:r>
+              <a:rPr lang="es-ES" sz="4400" dirty="0">
+                <a:solidFill>
+                  <a:schemeClr val="bg1"/>
+                </a:solidFill>
+                <a:latin typeface="Segoe UI" panose="020B0502040204020203" pitchFamily="34" charset="0"/>
+                <a:cs typeface="Segoe UI" panose="020B0502040204020203" pitchFamily="34" charset="0"/>
+              </a:rPr>
+              <a:t> </a:t>
+            </a:r>
+            <a:r>
+              <a:rPr lang="es-ES" sz="4400" dirty="0" err="1">
+                <a:solidFill>
+                  <a:schemeClr val="bg1"/>
+                </a:solidFill>
+                <a:latin typeface="Segoe UI" panose="020B0502040204020203" pitchFamily="34" charset="0"/>
+                <a:cs typeface="Segoe UI" panose="020B0502040204020203" pitchFamily="34" charset="0"/>
+              </a:rPr>
+              <a:t>params</a:t>
+            </a:r>
+            <a:r>
+              <a:rPr lang="es-ES" sz="4400" dirty="0">
+                <a:solidFill>
+                  <a:schemeClr val="bg1"/>
+                </a:solidFill>
+                <a:latin typeface="Segoe UI" panose="020B0502040204020203" pitchFamily="34" charset="0"/>
+                <a:cs typeface="Segoe UI" panose="020B0502040204020203" pitchFamily="34" charset="0"/>
+              </a:rPr>
+              <a:t>)</a:t>
+            </a:r>
+          </a:p>
+        </p:txBody>
+      </p:sp>
+      <p:sp>
+        <p:nvSpPr>
+          <p:cNvPr id="35" name="CuadroTexto 34">
+            <a:extLst>
+              <a:ext uri="{FF2B5EF4-FFF2-40B4-BE49-F238E27FC236}">
+                <a16:creationId xmlns:a16="http://schemas.microsoft.com/office/drawing/2014/main" id="{8D5F8848-69CC-474A-8B0C-8685958FFF9D}"/>
               </a:ext>
             </a:extLst>
           </p:cNvPr>
@@ -22306,8 +25594,8 @@
         </p:nvSpPr>
         <p:spPr>
           <a:xfrm>
-            <a:off x="2782076" y="2589214"/>
-            <a:ext cx="1376218" cy="369332"/>
+            <a:off x="7936937" y="474401"/>
+            <a:ext cx="3397994" cy="646331"/>
           </a:xfrm>
           <a:prstGeom prst="rect">
             <a:avLst/>
@@ -22321,124 +25609,7 @@
           <a:lstStyle/>
           <a:p>
             <a:r>
-              <a:rPr lang="en-US" dirty="0">
-                <a:solidFill>
-                  <a:schemeClr val="bg1"/>
-                </a:solidFill>
-              </a:rPr>
-              <a:t>implements</a:t>
-            </a:r>
-          </a:p>
-        </p:txBody>
-      </p:sp>
-      <p:sp>
-        <p:nvSpPr>
-          <p:cNvPr id="35" name="CuadroTexto 34">
-            <a:extLst>
-              <a:ext uri="{FF2B5EF4-FFF2-40B4-BE49-F238E27FC236}">
-                <a16:creationId xmlns:a16="http://schemas.microsoft.com/office/drawing/2014/main" id="{BE50640E-D77B-4741-921C-C1EB9BC55B03}"/>
-              </a:ext>
-            </a:extLst>
-          </p:cNvPr>
-          <p:cNvSpPr txBox="1"/>
-          <p:nvPr/>
-        </p:nvSpPr>
-        <p:spPr>
-          <a:xfrm>
-            <a:off x="2413855" y="4765939"/>
-            <a:ext cx="935768" cy="369332"/>
-          </a:xfrm>
-          <a:prstGeom prst="rect">
-            <a:avLst/>
-          </a:prstGeom>
-          <a:noFill/>
-        </p:spPr>
-        <p:txBody>
-          <a:bodyPr wrap="square" rtlCol="0">
-            <a:spAutoFit/>
-          </a:bodyPr>
-          <a:lstStyle/>
-          <a:p>
-            <a:r>
-              <a:rPr lang="en-US" dirty="0">
-                <a:solidFill>
-                  <a:schemeClr val="bg1"/>
-                </a:solidFill>
-              </a:rPr>
-              <a:t>Usage:</a:t>
-            </a:r>
-          </a:p>
-        </p:txBody>
-      </p:sp>
-      <p:sp>
-        <p:nvSpPr>
-          <p:cNvPr id="38" name="CuadroTexto 37">
-            <a:extLst>
-              <a:ext uri="{FF2B5EF4-FFF2-40B4-BE49-F238E27FC236}">
-                <a16:creationId xmlns:a16="http://schemas.microsoft.com/office/drawing/2014/main" id="{59ACC0EC-E019-4E05-89A5-7D9CEFC1BBA2}"/>
-              </a:ext>
-            </a:extLst>
-          </p:cNvPr>
-          <p:cNvSpPr txBox="1"/>
-          <p:nvPr/>
-        </p:nvSpPr>
-        <p:spPr>
-          <a:xfrm>
-            <a:off x="4829134" y="3408549"/>
-            <a:ext cx="1376218" cy="369332"/>
-          </a:xfrm>
-          <a:prstGeom prst="rect">
-            <a:avLst/>
-          </a:prstGeom>
-          <a:noFill/>
-        </p:spPr>
-        <p:txBody>
-          <a:bodyPr wrap="square" rtlCol="0">
-            <a:spAutoFit/>
-          </a:bodyPr>
-          <a:lstStyle/>
-          <a:p>
-            <a:r>
-              <a:rPr lang="en-US" dirty="0">
-                <a:solidFill>
-                  <a:schemeClr val="bg1"/>
-                </a:solidFill>
-              </a:rPr>
-              <a:t>creates</a:t>
-            </a:r>
-          </a:p>
-        </p:txBody>
-      </p:sp>
-      <p:sp>
-        <p:nvSpPr>
-          <p:cNvPr id="18" name="CuadroTexto 17">
-            <a:extLst>
-              <a:ext uri="{FF2B5EF4-FFF2-40B4-BE49-F238E27FC236}">
-                <a16:creationId xmlns:a16="http://schemas.microsoft.com/office/drawing/2014/main" id="{8D5F8848-69CC-474A-8B0C-8685958FFF9D}"/>
-              </a:ext>
-            </a:extLst>
-          </p:cNvPr>
-          <p:cNvSpPr txBox="1"/>
-          <p:nvPr/>
-        </p:nvSpPr>
-        <p:spPr>
-          <a:xfrm>
-            <a:off x="4541886" y="468734"/>
-            <a:ext cx="3397994" cy="646331"/>
-          </a:xfrm>
-          <a:prstGeom prst="rect">
-            <a:avLst/>
-          </a:prstGeom>
-          <a:noFill/>
-        </p:spPr>
-        <p:txBody>
-          <a:bodyPr wrap="square" rtlCol="0">
-            <a:spAutoFit/>
-          </a:bodyPr>
-          <a:lstStyle/>
-          <a:p>
-            <a:r>
-              <a:rPr lang="en-US" sz="3600" dirty="0" err="1" smtClean="0">
+              <a:rPr lang="en-US" sz="3600" dirty="0" err="1">
                 <a:solidFill>
                   <a:srgbClr val="53A2D3"/>
                 </a:solidFill>
@@ -22457,67 +25628,16 @@
           </a:p>
         </p:txBody>
       </p:sp>
-      <p:sp>
-        <p:nvSpPr>
-          <p:cNvPr id="21" name="Rectángulo 20"/>
-          <p:cNvSpPr/>
-          <p:nvPr/>
-        </p:nvSpPr>
-        <p:spPr>
-          <a:xfrm>
-            <a:off x="484863" y="351291"/>
-            <a:ext cx="4101187" cy="769441"/>
-          </a:xfrm>
-          <a:prstGeom prst="rect">
-            <a:avLst/>
-          </a:prstGeom>
-        </p:spPr>
-        <p:txBody>
-          <a:bodyPr wrap="none">
-            <a:spAutoFit/>
-          </a:bodyPr>
-          <a:lstStyle/>
-          <a:p>
-            <a:r>
-              <a:rPr lang="es-ES" sz="4400" dirty="0" smtClean="0">
-                <a:solidFill>
-                  <a:schemeClr val="bg1"/>
-                </a:solidFill>
-                <a:latin typeface="Segoe UI" panose="020B0502040204020203" pitchFamily="34" charset="0"/>
-                <a:cs typeface="Segoe UI" panose="020B0502040204020203" pitchFamily="34" charset="0"/>
-              </a:rPr>
-              <a:t>Factory </a:t>
-            </a:r>
-            <a:r>
-              <a:rPr lang="es-ES" sz="4400" dirty="0" err="1" smtClean="0">
-                <a:solidFill>
-                  <a:schemeClr val="bg1"/>
-                </a:solidFill>
-                <a:latin typeface="Segoe UI" panose="020B0502040204020203" pitchFamily="34" charset="0"/>
-                <a:cs typeface="Segoe UI" panose="020B0502040204020203" pitchFamily="34" charset="0"/>
-              </a:rPr>
-              <a:t>method</a:t>
-            </a:r>
-            <a:endParaRPr lang="es-ES" sz="4400" dirty="0">
-              <a:solidFill>
-                <a:schemeClr val="bg1"/>
-              </a:solidFill>
-              <a:latin typeface="Segoe UI" panose="020B0502040204020203" pitchFamily="34" charset="0"/>
-              <a:cs typeface="Segoe UI" panose="020B0502040204020203" pitchFamily="34" charset="0"/>
-            </a:endParaRPr>
-          </a:p>
-        </p:txBody>
-      </p:sp>
       <p:pic>
         <p:nvPicPr>
-          <p:cNvPr id="25" name="Imagen 24"/>
+          <p:cNvPr id="40" name="Imagen 39"/>
           <p:cNvPicPr>
             <a:picLocks noChangeAspect="1"/>
           </p:cNvPicPr>
           <p:nvPr/>
         </p:nvPicPr>
         <p:blipFill>
-          <a:blip r:embed="rId8" cstate="hqprint">
+          <a:blip r:embed="rId10" cstate="hqprint">
             <a:extLst>
               <a:ext uri="{28A0092B-C50C-407E-A947-70E740481C1C}">
                 <a14:useLocalDpi xmlns:a14="http://schemas.microsoft.com/office/drawing/2010/main" val="0"/>
@@ -22541,20 +25661,13 @@
     </p:spTree>
     <p:extLst>
       <p:ext uri="{BB962C8B-B14F-4D97-AF65-F5344CB8AC3E}">
-        <p14:creationId xmlns:p14="http://schemas.microsoft.com/office/powerpoint/2010/main" val="1822608010"/>
+        <p14:creationId xmlns:p14="http://schemas.microsoft.com/office/powerpoint/2010/main" val="4033332203"/>
       </p:ext>
     </p:extLst>
   </p:cSld>
   <p:clrMapOvr>
     <a:masterClrMapping/>
   </p:clrMapOvr>
-  <p:timing>
-    <p:tnLst>
-      <p:par>
-        <p:cTn id="1" dur="indefinite" restart="never" nodeType="tmRoot"/>
-      </p:par>
-    </p:tnLst>
-  </p:timing>
 </p:sld>
 </file>
 
@@ -22583,26 +25696,136 @@
           <a:chExt cx="0" cy="0"/>
         </a:xfrm>
       </p:grpSpPr>
+      <p:pic>
+        <p:nvPicPr>
+          <p:cNvPr id="20" name="Picture 1">
+            <a:extLst>
+              <a:ext uri="{FF2B5EF4-FFF2-40B4-BE49-F238E27FC236}">
+                <a16:creationId xmlns:a16="http://schemas.microsoft.com/office/drawing/2014/main" id="{21C31B19-DF57-47E9-B406-10EE64C30F01}"/>
+              </a:ext>
+            </a:extLst>
+          </p:cNvPr>
+          <p:cNvPicPr>
+            <a:picLocks noChangeAspect="1"/>
+          </p:cNvPicPr>
+          <p:nvPr/>
+        </p:nvPicPr>
+        <p:blipFill>
+          <a:blip r:embed="rId3"/>
+          <a:stretch>
+            <a:fillRect/>
+          </a:stretch>
+        </p:blipFill>
+        <p:spPr>
+          <a:xfrm>
+            <a:off x="7325870" y="4316209"/>
+            <a:ext cx="2076450" cy="952500"/>
+          </a:xfrm>
+          <a:prstGeom prst="rect">
+            <a:avLst/>
+          </a:prstGeom>
+          <a:effectLst>
+            <a:glow rad="25400">
+              <a:schemeClr val="bg1">
+                <a:alpha val="40000"/>
+              </a:schemeClr>
+            </a:glow>
+          </a:effectLst>
+        </p:spPr>
+      </p:pic>
+      <p:pic>
+        <p:nvPicPr>
+          <p:cNvPr id="21" name="Picture 3">
+            <a:extLst>
+              <a:ext uri="{FF2B5EF4-FFF2-40B4-BE49-F238E27FC236}">
+                <a16:creationId xmlns:a16="http://schemas.microsoft.com/office/drawing/2014/main" id="{C37A88D5-1F0D-4B15-838A-366A421E4DA8}"/>
+              </a:ext>
+            </a:extLst>
+          </p:cNvPr>
+          <p:cNvPicPr>
+            <a:picLocks noChangeAspect="1"/>
+          </p:cNvPicPr>
+          <p:nvPr/>
+        </p:nvPicPr>
+        <p:blipFill>
+          <a:blip r:embed="rId4"/>
+          <a:stretch>
+            <a:fillRect/>
+          </a:stretch>
+        </p:blipFill>
+        <p:spPr>
+          <a:xfrm>
+            <a:off x="7325870" y="1330861"/>
+            <a:ext cx="4229100" cy="2028825"/>
+          </a:xfrm>
+          <a:prstGeom prst="rect">
+            <a:avLst/>
+          </a:prstGeom>
+          <a:effectLst>
+            <a:glow rad="25400">
+              <a:schemeClr val="bg1">
+                <a:alpha val="40000"/>
+              </a:schemeClr>
+            </a:glow>
+          </a:effectLst>
+        </p:spPr>
+      </p:pic>
+      <p:pic>
+        <p:nvPicPr>
+          <p:cNvPr id="22" name="Picture 2">
+            <a:extLst>
+              <a:ext uri="{FF2B5EF4-FFF2-40B4-BE49-F238E27FC236}">
+                <a16:creationId xmlns:a16="http://schemas.microsoft.com/office/drawing/2014/main" id="{FBE4BB2D-7556-44BB-B948-E32900459FB9}"/>
+              </a:ext>
+            </a:extLst>
+          </p:cNvPr>
+          <p:cNvPicPr>
+            <a:picLocks noChangeAspect="1"/>
+          </p:cNvPicPr>
+          <p:nvPr/>
+        </p:nvPicPr>
+        <p:blipFill>
+          <a:blip r:embed="rId5"/>
+          <a:stretch>
+            <a:fillRect/>
+          </a:stretch>
+        </p:blipFill>
+        <p:spPr>
+          <a:xfrm>
+            <a:off x="484863" y="1330861"/>
+            <a:ext cx="5172075" cy="4572000"/>
+          </a:xfrm>
+          <a:prstGeom prst="rect">
+            <a:avLst/>
+          </a:prstGeom>
+          <a:effectLst>
+            <a:glow rad="25400">
+              <a:schemeClr val="bg1">
+                <a:alpha val="40000"/>
+              </a:schemeClr>
+            </a:glow>
+          </a:effectLst>
+        </p:spPr>
+      </p:pic>
       <p:cxnSp>
         <p:nvCxnSpPr>
-          <p:cNvPr id="7" name="Conector recto de flecha 6">
-            <a:extLst>
-              <a:ext uri="{FF2B5EF4-FFF2-40B4-BE49-F238E27FC236}">
-                <a16:creationId xmlns:a16="http://schemas.microsoft.com/office/drawing/2014/main" id="{CACB2080-F611-4C38-875E-FD4937B2074C}"/>
+          <p:cNvPr id="23" name="Conector recto de flecha 22">
+            <a:extLst>
+              <a:ext uri="{FF2B5EF4-FFF2-40B4-BE49-F238E27FC236}">
+                <a16:creationId xmlns:a16="http://schemas.microsoft.com/office/drawing/2014/main" id="{2626C732-DAD1-471D-A6EA-9618A7C15298}"/>
               </a:ext>
             </a:extLst>
           </p:cNvPr>
           <p:cNvCxnSpPr>
             <a:cxnSpLocks/>
-            <a:stCxn id="23" idx="0"/>
-            <a:endCxn id="22" idx="2"/>
+            <a:stCxn id="21" idx="1"/>
           </p:cNvCxnSpPr>
           <p:nvPr/>
         </p:nvCxnSpPr>
         <p:spPr>
-          <a:xfrm flipV="1">
-            <a:off x="3104463" y="2511743"/>
-            <a:ext cx="0" cy="774652"/>
+          <a:xfrm flipH="1" flipV="1">
+            <a:off x="5656938" y="2345273"/>
+            <a:ext cx="1668932" cy="1"/>
           </a:xfrm>
           <a:prstGeom prst="straightConnector1">
             <a:avLst/>
@@ -22629,29 +25852,64 @@
           </a:fontRef>
         </p:style>
       </p:cxnSp>
+      <p:sp>
+        <p:nvSpPr>
+          <p:cNvPr id="24" name="CuadroTexto 23">
+            <a:extLst>
+              <a:ext uri="{FF2B5EF4-FFF2-40B4-BE49-F238E27FC236}">
+                <a16:creationId xmlns:a16="http://schemas.microsoft.com/office/drawing/2014/main" id="{62EF3058-36A7-476C-AD00-1173F8635F6C}"/>
+              </a:ext>
+            </a:extLst>
+          </p:cNvPr>
+          <p:cNvSpPr txBox="1"/>
+          <p:nvPr/>
+        </p:nvSpPr>
+        <p:spPr>
+          <a:xfrm>
+            <a:off x="6002310" y="1975941"/>
+            <a:ext cx="1376218" cy="369332"/>
+          </a:xfrm>
+          <a:prstGeom prst="rect">
+            <a:avLst/>
+          </a:prstGeom>
+          <a:noFill/>
+        </p:spPr>
+        <p:txBody>
+          <a:bodyPr wrap="square" rtlCol="0">
+            <a:spAutoFit/>
+          </a:bodyPr>
+          <a:lstStyle/>
+          <a:p>
+            <a:r>
+              <a:rPr lang="en-US" dirty="0">
+                <a:solidFill>
+                  <a:schemeClr val="bg1"/>
+                </a:solidFill>
+              </a:rPr>
+              <a:t>creates</a:t>
+            </a:r>
+          </a:p>
+        </p:txBody>
+      </p:sp>
       <p:cxnSp>
         <p:nvCxnSpPr>
-          <p:cNvPr id="10" name="Conector recto de flecha 9">
-            <a:extLst>
-              <a:ext uri="{FF2B5EF4-FFF2-40B4-BE49-F238E27FC236}">
-                <a16:creationId xmlns:a16="http://schemas.microsoft.com/office/drawing/2014/main" id="{8E8142DB-1054-415D-AC96-53835950BB91}"/>
-              </a:ext>
-              <a:ext uri="{C183D7F6-B498-43B3-948B-1728B52AA6E4}">
-                <adec:decorative xmlns:adec="http://schemas.microsoft.com/office/drawing/2017/decorative" xmlns="" val="0"/>
+          <p:cNvPr id="25" name="Conector recto de flecha 24">
+            <a:extLst>
+              <a:ext uri="{FF2B5EF4-FFF2-40B4-BE49-F238E27FC236}">
+                <a16:creationId xmlns:a16="http://schemas.microsoft.com/office/drawing/2014/main" id="{C79F1991-9441-4ED0-8807-803B127A617B}"/>
               </a:ext>
             </a:extLst>
           </p:cNvPr>
           <p:cNvCxnSpPr>
             <a:cxnSpLocks/>
-            <a:stCxn id="21" idx="0"/>
-            <a:endCxn id="20" idx="2"/>
+            <a:endCxn id="20" idx="1"/>
           </p:cNvCxnSpPr>
           <p:nvPr/>
         </p:nvCxnSpPr>
         <p:spPr>
-          <a:xfrm flipV="1">
-            <a:off x="8442821" y="2300813"/>
-            <a:ext cx="0" cy="826454"/>
+          <a:xfrm>
+            <a:off x="5656938" y="4792459"/>
+            <a:ext cx="1668932" cy="0"/>
           </a:xfrm>
           <a:prstGeom prst="straightConnector1">
             <a:avLst/>
@@ -22678,58 +25936,12 @@
           </a:fontRef>
         </p:style>
       </p:cxnSp>
-      <p:cxnSp>
-        <p:nvCxnSpPr>
-          <p:cNvPr id="12" name="Conector recto de flecha 11">
-            <a:extLst>
-              <a:ext uri="{FF2B5EF4-FFF2-40B4-BE49-F238E27FC236}">
-                <a16:creationId xmlns:a16="http://schemas.microsoft.com/office/drawing/2014/main" id="{864C9DE1-4B25-4E8D-BACD-990C6B3F64E1}"/>
-              </a:ext>
-            </a:extLst>
-          </p:cNvPr>
-          <p:cNvCxnSpPr>
-            <a:cxnSpLocks/>
-            <a:stCxn id="21" idx="1"/>
-            <a:endCxn id="23" idx="3"/>
-          </p:cNvCxnSpPr>
-          <p:nvPr/>
-        </p:nvCxnSpPr>
-        <p:spPr>
-          <a:xfrm flipH="1">
-            <a:off x="5161982" y="4584592"/>
-            <a:ext cx="771001" cy="0"/>
-          </a:xfrm>
-          <a:prstGeom prst="straightConnector1">
-            <a:avLst/>
-          </a:prstGeom>
-          <a:ln w="12700">
-            <a:solidFill>
-              <a:schemeClr val="bg1"/>
-            </a:solidFill>
-            <a:tailEnd type="triangle"/>
-          </a:ln>
-        </p:spPr>
-        <p:style>
-          <a:lnRef idx="1">
-            <a:schemeClr val="accent1"/>
-          </a:lnRef>
-          <a:fillRef idx="0">
-            <a:schemeClr val="accent1"/>
-          </a:fillRef>
-          <a:effectRef idx="0">
-            <a:schemeClr val="accent1"/>
-          </a:effectRef>
-          <a:fontRef idx="minor">
-            <a:schemeClr val="tx1"/>
-          </a:fontRef>
-        </p:style>
-      </p:cxnSp>
-      <p:sp>
-        <p:nvSpPr>
-          <p:cNvPr id="13" name="CuadroTexto 12">
-            <a:extLst>
-              <a:ext uri="{FF2B5EF4-FFF2-40B4-BE49-F238E27FC236}">
-                <a16:creationId xmlns:a16="http://schemas.microsoft.com/office/drawing/2014/main" id="{E787060D-FE99-441B-A857-E421157059B2}"/>
+      <p:sp>
+        <p:nvSpPr>
+          <p:cNvPr id="26" name="CuadroTexto 25">
+            <a:extLst>
+              <a:ext uri="{FF2B5EF4-FFF2-40B4-BE49-F238E27FC236}">
+                <a16:creationId xmlns:a16="http://schemas.microsoft.com/office/drawing/2014/main" id="{5A92FB26-6235-4D88-8F20-EE99AAB9B3AA}"/>
               </a:ext>
             </a:extLst>
           </p:cNvPr>
@@ -22738,7 +25950,7 @@
         </p:nvSpPr>
         <p:spPr>
           <a:xfrm>
-            <a:off x="8522073" y="2512716"/>
+            <a:off x="6002310" y="4446608"/>
             <a:ext cx="1376218" cy="369332"/>
           </a:xfrm>
           <a:prstGeom prst="rect">
@@ -22758,17 +25970,17 @@
                   <a:schemeClr val="bg1"/>
                 </a:solidFill>
               </a:rPr>
-              <a:t>implements</a:t>
+              <a:t>returns</a:t>
             </a:r>
           </a:p>
         </p:txBody>
       </p:sp>
       <p:sp>
         <p:nvSpPr>
-          <p:cNvPr id="14" name="CuadroTexto 13">
-            <a:extLst>
-              <a:ext uri="{FF2B5EF4-FFF2-40B4-BE49-F238E27FC236}">
-                <a16:creationId xmlns:a16="http://schemas.microsoft.com/office/drawing/2014/main" id="{B8579608-CD71-4529-A8DF-5564C1172DAC}"/>
+          <p:cNvPr id="12" name="CuadroTexto 11">
+            <a:extLst>
+              <a:ext uri="{FF2B5EF4-FFF2-40B4-BE49-F238E27FC236}">
+                <a16:creationId xmlns:a16="http://schemas.microsoft.com/office/drawing/2014/main" id="{8D5F8848-69CC-474A-8B0C-8685958FFF9D}"/>
               </a:ext>
             </a:extLst>
           </p:cNvPr>
@@ -22777,8 +25989,8 @@
         </p:nvSpPr>
         <p:spPr>
           <a:xfrm>
-            <a:off x="5155837" y="4215260"/>
-            <a:ext cx="1376218" cy="369332"/>
+            <a:off x="2347000" y="474401"/>
+            <a:ext cx="1447800" cy="646331"/>
           </a:xfrm>
           <a:prstGeom prst="rect">
             <a:avLst/>
@@ -22792,233 +26004,7 @@
           <a:lstStyle/>
           <a:p>
             <a:r>
-              <a:rPr lang="en-US" dirty="0">
-                <a:solidFill>
-                  <a:schemeClr val="bg1"/>
-                </a:solidFill>
-              </a:rPr>
-              <a:t>creates</a:t>
-            </a:r>
-          </a:p>
-        </p:txBody>
-      </p:sp>
-      <p:sp>
-        <p:nvSpPr>
-          <p:cNvPr id="15" name="CuadroTexto 14">
-            <a:extLst>
-              <a:ext uri="{FF2B5EF4-FFF2-40B4-BE49-F238E27FC236}">
-                <a16:creationId xmlns:a16="http://schemas.microsoft.com/office/drawing/2014/main" id="{BC9DC069-9617-4C0E-A5AB-D76C202F9CF6}"/>
-              </a:ext>
-            </a:extLst>
-          </p:cNvPr>
-          <p:cNvSpPr txBox="1"/>
-          <p:nvPr/>
-        </p:nvSpPr>
-        <p:spPr>
-          <a:xfrm>
-            <a:off x="3142505" y="2697382"/>
-            <a:ext cx="1376218" cy="369332"/>
-          </a:xfrm>
-          <a:prstGeom prst="rect">
-            <a:avLst/>
-          </a:prstGeom>
-          <a:noFill/>
-        </p:spPr>
-        <p:txBody>
-          <a:bodyPr wrap="square" rtlCol="0">
-            <a:spAutoFit/>
-          </a:bodyPr>
-          <a:lstStyle/>
-          <a:p>
-            <a:r>
-              <a:rPr lang="en-US" dirty="0">
-                <a:solidFill>
-                  <a:schemeClr val="bg1"/>
-                </a:solidFill>
-              </a:rPr>
-              <a:t>implements</a:t>
-            </a:r>
-          </a:p>
-        </p:txBody>
-      </p:sp>
-      <p:pic>
-        <p:nvPicPr>
-          <p:cNvPr id="20" name="Picture 1">
-            <a:extLst>
-              <a:ext uri="{FF2B5EF4-FFF2-40B4-BE49-F238E27FC236}">
-                <a16:creationId xmlns:a16="http://schemas.microsoft.com/office/drawing/2014/main" id="{BDCA5F6F-7F18-496C-80F9-C4AD8853DA6D}"/>
-              </a:ext>
-            </a:extLst>
-          </p:cNvPr>
-          <p:cNvPicPr>
-            <a:picLocks noChangeAspect="1"/>
-          </p:cNvPicPr>
-          <p:nvPr/>
-        </p:nvPicPr>
-        <p:blipFill>
-          <a:blip r:embed="rId2"/>
-          <a:stretch>
-            <a:fillRect/>
-          </a:stretch>
-        </p:blipFill>
-        <p:spPr>
-          <a:xfrm>
-            <a:off x="6118721" y="1481663"/>
-            <a:ext cx="4648200" cy="819150"/>
-          </a:xfrm>
-          <a:prstGeom prst="rect">
-            <a:avLst/>
-          </a:prstGeom>
-          <a:effectLst>
-            <a:glow rad="25400">
-              <a:schemeClr val="bg1">
-                <a:alpha val="40000"/>
-              </a:schemeClr>
-            </a:glow>
-          </a:effectLst>
-        </p:spPr>
-      </p:pic>
-      <p:pic>
-        <p:nvPicPr>
-          <p:cNvPr id="21" name="Picture 9">
-            <a:extLst>
-              <a:ext uri="{FF2B5EF4-FFF2-40B4-BE49-F238E27FC236}">
-                <a16:creationId xmlns:a16="http://schemas.microsoft.com/office/drawing/2014/main" id="{04241BB1-EA6D-46FC-BB47-A95340EEBBE0}"/>
-              </a:ext>
-            </a:extLst>
-          </p:cNvPr>
-          <p:cNvPicPr>
-            <a:picLocks noChangeAspect="1"/>
-          </p:cNvPicPr>
-          <p:nvPr/>
-        </p:nvPicPr>
-        <p:blipFill>
-          <a:blip r:embed="rId3"/>
-          <a:stretch>
-            <a:fillRect/>
-          </a:stretch>
-        </p:blipFill>
-        <p:spPr>
-          <a:xfrm>
-            <a:off x="5932983" y="3127267"/>
-            <a:ext cx="5019675" cy="2914650"/>
-          </a:xfrm>
-          <a:prstGeom prst="rect">
-            <a:avLst/>
-          </a:prstGeom>
-          <a:effectLst>
-            <a:glow rad="25400">
-              <a:schemeClr val="bg1">
-                <a:alpha val="40000"/>
-              </a:schemeClr>
-            </a:glow>
-          </a:effectLst>
-        </p:spPr>
-      </p:pic>
-      <p:pic>
-        <p:nvPicPr>
-          <p:cNvPr id="22" name="Picture 5">
-            <a:extLst>
-              <a:ext uri="{FF2B5EF4-FFF2-40B4-BE49-F238E27FC236}">
-                <a16:creationId xmlns:a16="http://schemas.microsoft.com/office/drawing/2014/main" id="{291618EF-9E9B-418B-92B1-1BC24730A0AC}"/>
-              </a:ext>
-            </a:extLst>
-          </p:cNvPr>
-          <p:cNvPicPr>
-            <a:picLocks noChangeAspect="1"/>
-          </p:cNvPicPr>
-          <p:nvPr/>
-        </p:nvPicPr>
-        <p:blipFill>
-          <a:blip r:embed="rId4"/>
-          <a:stretch>
-            <a:fillRect/>
-          </a:stretch>
-        </p:blipFill>
-        <p:spPr>
-          <a:xfrm>
-            <a:off x="1951938" y="1702118"/>
-            <a:ext cx="2305050" cy="809625"/>
-          </a:xfrm>
-          <a:prstGeom prst="rect">
-            <a:avLst/>
-          </a:prstGeom>
-          <a:effectLst>
-            <a:glow rad="25400">
-              <a:schemeClr val="bg1">
-                <a:alpha val="40000"/>
-              </a:schemeClr>
-            </a:glow>
-          </a:effectLst>
-        </p:spPr>
-      </p:pic>
-      <p:pic>
-        <p:nvPicPr>
-          <p:cNvPr id="23" name="Picture 12">
-            <a:extLst>
-              <a:ext uri="{FF2B5EF4-FFF2-40B4-BE49-F238E27FC236}">
-                <a16:creationId xmlns:a16="http://schemas.microsoft.com/office/drawing/2014/main" id="{2AB2827F-1BFF-4AD5-BE46-91F694BB0C1D}"/>
-              </a:ext>
-            </a:extLst>
-          </p:cNvPr>
-          <p:cNvPicPr>
-            <a:picLocks noChangeAspect="1"/>
-          </p:cNvPicPr>
-          <p:nvPr/>
-        </p:nvPicPr>
-        <p:blipFill>
-          <a:blip r:embed="rId5"/>
-          <a:stretch>
-            <a:fillRect/>
-          </a:stretch>
-        </p:blipFill>
-        <p:spPr>
-          <a:xfrm>
-            <a:off x="1046944" y="3286395"/>
-            <a:ext cx="4115038" cy="2596393"/>
-          </a:xfrm>
-          <a:prstGeom prst="rect">
-            <a:avLst/>
-          </a:prstGeom>
-          <a:effectLst>
-            <a:glow rad="25400">
-              <a:schemeClr val="bg1">
-                <a:alpha val="40000"/>
-              </a:schemeClr>
-            </a:glow>
-          </a:effectLst>
-        </p:spPr>
-      </p:pic>
-      <p:sp>
-        <p:nvSpPr>
-          <p:cNvPr id="18" name="CuadroTexto 17">
-            <a:extLst>
-              <a:ext uri="{FF2B5EF4-FFF2-40B4-BE49-F238E27FC236}">
-                <a16:creationId xmlns:a16="http://schemas.microsoft.com/office/drawing/2014/main" id="{8D5F8848-69CC-474A-8B0C-8685958FFF9D}"/>
-              </a:ext>
-            </a:extLst>
-          </p:cNvPr>
-          <p:cNvSpPr txBox="1"/>
-          <p:nvPr/>
-        </p:nvSpPr>
-        <p:spPr>
-          <a:xfrm>
-            <a:off x="8042758" y="459544"/>
-            <a:ext cx="1447800" cy="646331"/>
-          </a:xfrm>
-          <a:prstGeom prst="rect">
-            <a:avLst/>
-          </a:prstGeom>
-          <a:noFill/>
-        </p:spPr>
-        <p:txBody>
-          <a:bodyPr wrap="square" rtlCol="0">
-            <a:spAutoFit/>
-          </a:bodyPr>
-          <a:lstStyle/>
-          <a:p>
-            <a:r>
-              <a:rPr lang="en-US" sz="3600" dirty="0" err="1" smtClean="0">
+              <a:rPr lang="en-US" sz="3600" dirty="0" err="1">
                 <a:solidFill>
                   <a:srgbClr val="49C593"/>
                 </a:solidFill>
@@ -23039,94 +26025,34 @@
       </p:sp>
       <p:sp>
         <p:nvSpPr>
-          <p:cNvPr id="19" name="Rectángulo 18"/>
+          <p:cNvPr id="3" name="Rectángulo 2"/>
           <p:cNvSpPr/>
           <p:nvPr/>
         </p:nvSpPr>
         <p:spPr>
           <a:xfrm>
             <a:off x="484863" y="351291"/>
-            <a:ext cx="7904064" cy="769441"/>
+            <a:ext cx="1922321" cy="769441"/>
           </a:xfrm>
           <a:prstGeom prst="rect">
             <a:avLst/>
           </a:prstGeom>
         </p:spPr>
         <p:txBody>
-          <a:bodyPr wrap="square">
+          <a:bodyPr wrap="none">
             <a:spAutoFit/>
           </a:bodyPr>
           <a:lstStyle/>
           <a:p>
             <a:r>
-              <a:rPr lang="es-ES" sz="4400" dirty="0" smtClean="0">
+              <a:rPr lang="es-ES" sz="4400" dirty="0" err="1">
                 <a:solidFill>
                   <a:schemeClr val="bg1"/>
                 </a:solidFill>
                 <a:latin typeface="Segoe UI" panose="020B0502040204020203" pitchFamily="34" charset="0"/>
                 <a:cs typeface="Segoe UI" panose="020B0502040204020203" pitchFamily="34" charset="0"/>
               </a:rPr>
-              <a:t>Factory </a:t>
-            </a:r>
-            <a:r>
-              <a:rPr lang="es-ES" sz="4400" dirty="0" err="1" smtClean="0">
-                <a:solidFill>
-                  <a:schemeClr val="bg1"/>
-                </a:solidFill>
-                <a:latin typeface="Segoe UI" panose="020B0502040204020203" pitchFamily="34" charset="0"/>
-                <a:cs typeface="Segoe UI" panose="020B0502040204020203" pitchFamily="34" charset="0"/>
-              </a:rPr>
-              <a:t>method</a:t>
-            </a:r>
-            <a:r>
-              <a:rPr lang="es-ES" sz="4400" dirty="0" smtClean="0">
-                <a:solidFill>
-                  <a:schemeClr val="bg1"/>
-                </a:solidFill>
-                <a:latin typeface="Segoe UI" panose="020B0502040204020203" pitchFamily="34" charset="0"/>
-                <a:cs typeface="Segoe UI" panose="020B0502040204020203" pitchFamily="34" charset="0"/>
-              </a:rPr>
-              <a:t> (</a:t>
-            </a:r>
-            <a:r>
-              <a:rPr lang="es-ES" sz="4400" dirty="0" err="1" smtClean="0">
-                <a:solidFill>
-                  <a:schemeClr val="bg1"/>
-                </a:solidFill>
-                <a:latin typeface="Segoe UI" panose="020B0502040204020203" pitchFamily="34" charset="0"/>
-                <a:cs typeface="Segoe UI" panose="020B0502040204020203" pitchFamily="34" charset="0"/>
-              </a:rPr>
-              <a:t>with</a:t>
-            </a:r>
-            <a:r>
-              <a:rPr lang="es-ES" sz="4400" dirty="0" smtClean="0">
-                <a:solidFill>
-                  <a:schemeClr val="bg1"/>
-                </a:solidFill>
-                <a:latin typeface="Segoe UI" panose="020B0502040204020203" pitchFamily="34" charset="0"/>
-                <a:cs typeface="Segoe UI" panose="020B0502040204020203" pitchFamily="34" charset="0"/>
-              </a:rPr>
-              <a:t> </a:t>
-            </a:r>
-            <a:r>
-              <a:rPr lang="es-ES" sz="4400" dirty="0" err="1" smtClean="0">
-                <a:solidFill>
-                  <a:schemeClr val="bg1"/>
-                </a:solidFill>
-                <a:latin typeface="Segoe UI" panose="020B0502040204020203" pitchFamily="34" charset="0"/>
-                <a:cs typeface="Segoe UI" panose="020B0502040204020203" pitchFamily="34" charset="0"/>
-              </a:rPr>
-              <a:t>params</a:t>
-            </a:r>
-            <a:r>
-              <a:rPr lang="es-ES" sz="4400" dirty="0" smtClean="0">
-                <a:solidFill>
-                  <a:schemeClr val="bg1"/>
-                </a:solidFill>
-                <a:latin typeface="Segoe UI" panose="020B0502040204020203" pitchFamily="34" charset="0"/>
-                <a:cs typeface="Segoe UI" panose="020B0502040204020203" pitchFamily="34" charset="0"/>
-              </a:rPr>
-              <a:t>)</a:t>
+              <a:t>Builder</a:t>
             </a:r>
             <a:endParaRPr lang="es-ES" sz="4400" dirty="0">
               <a:solidFill>
@@ -23140,7 +26066,7 @@
       </p:sp>
       <p:pic>
         <p:nvPicPr>
-          <p:cNvPr id="25" name="Imagen 24"/>
+          <p:cNvPr id="5" name="Imagen 4"/>
           <p:cNvPicPr>
             <a:picLocks noChangeAspect="1"/>
           </p:cNvPicPr>
@@ -23171,20 +26097,13 @@
     </p:spTree>
     <p:extLst>
       <p:ext uri="{BB962C8B-B14F-4D97-AF65-F5344CB8AC3E}">
-        <p14:creationId xmlns:p14="http://schemas.microsoft.com/office/powerpoint/2010/main" val="2067568303"/>
+        <p14:creationId xmlns:p14="http://schemas.microsoft.com/office/powerpoint/2010/main" val="2424642454"/>
       </p:ext>
     </p:extLst>
   </p:cSld>
   <p:clrMapOvr>
     <a:masterClrMapping/>
   </p:clrMapOvr>
-  <p:timing>
-    <p:tnLst>
-      <p:par>
-        <p:cTn id="1" dur="indefinite" restart="never" nodeType="tmRoot"/>
-      </p:par>
-    </p:tnLst>
-  </p:timing>
 </p:sld>
 </file>
 
@@ -23213,108 +26132,12 @@
           <a:chExt cx="0" cy="0"/>
         </a:xfrm>
       </p:grpSpPr>
-      <p:sp>
-        <p:nvSpPr>
-          <p:cNvPr id="59" name="CuadroTexto 58">
-            <a:extLst>
-              <a:ext uri="{FF2B5EF4-FFF2-40B4-BE49-F238E27FC236}">
-                <a16:creationId xmlns:a16="http://schemas.microsoft.com/office/drawing/2014/main" id="{4C81365D-BA99-4D51-A6D9-EB87A8B13E78}"/>
-              </a:ext>
-            </a:extLst>
-          </p:cNvPr>
-          <p:cNvSpPr txBox="1"/>
-          <p:nvPr/>
-        </p:nvSpPr>
-        <p:spPr>
-          <a:xfrm>
-            <a:off x="223163" y="4092548"/>
-            <a:ext cx="5647017" cy="2489732"/>
-          </a:xfrm>
-          <a:prstGeom prst="rect">
-            <a:avLst/>
-          </a:prstGeom>
-          <a:noFill/>
-          <a:ln w="0">
-            <a:solidFill>
-              <a:schemeClr val="bg1"/>
-            </a:solidFill>
-          </a:ln>
-          <a:effectLst>
-            <a:glow>
-              <a:schemeClr val="bg1">
-                <a:alpha val="40000"/>
-              </a:schemeClr>
-            </a:glow>
-          </a:effectLst>
-        </p:spPr>
-        <p:txBody>
-          <a:bodyPr wrap="square" rtlCol="0">
-            <a:spAutoFit/>
-          </a:bodyPr>
-          <a:lstStyle/>
-          <a:p>
-            <a:endParaRPr lang="en-US" dirty="0">
-              <a:solidFill>
-                <a:schemeClr val="bg1"/>
-              </a:solidFill>
-            </a:endParaRPr>
-          </a:p>
-        </p:txBody>
-      </p:sp>
-      <p:sp>
-        <p:nvSpPr>
-          <p:cNvPr id="18" name="CuadroTexto 17">
-            <a:extLst>
-              <a:ext uri="{FF2B5EF4-FFF2-40B4-BE49-F238E27FC236}">
-                <a16:creationId xmlns:a16="http://schemas.microsoft.com/office/drawing/2014/main" id="{B39B8261-0BA7-4BC5-89F6-FAA9B3688524}"/>
-              </a:ext>
-            </a:extLst>
-          </p:cNvPr>
-          <p:cNvSpPr txBox="1"/>
-          <p:nvPr/>
-        </p:nvSpPr>
-        <p:spPr>
-          <a:xfrm>
-            <a:off x="134486" y="1301802"/>
-            <a:ext cx="5489651" cy="2227112"/>
-          </a:xfrm>
-          <a:prstGeom prst="rect">
-            <a:avLst/>
-          </a:prstGeom>
-          <a:noFill/>
-          <a:ln w="0">
-            <a:solidFill>
-              <a:schemeClr val="bg1"/>
-            </a:solidFill>
-          </a:ln>
-          <a:effectLst>
-            <a:glow>
-              <a:schemeClr val="bg1">
-                <a:alpha val="40000"/>
-              </a:schemeClr>
-            </a:glow>
-          </a:effectLst>
-        </p:spPr>
-        <p:txBody>
-          <a:bodyPr wrap="square" rtlCol="0">
-            <a:spAutoFit/>
-          </a:bodyPr>
-          <a:lstStyle/>
-          <a:p>
-            <a:endParaRPr lang="en-US" dirty="0">
-              <a:solidFill>
-                <a:schemeClr val="bg1"/>
-              </a:solidFill>
-            </a:endParaRPr>
-          </a:p>
-        </p:txBody>
-      </p:sp>
       <p:pic>
         <p:nvPicPr>
-          <p:cNvPr id="6" name="Imagen 5">
-            <a:extLst>
-              <a:ext uri="{FF2B5EF4-FFF2-40B4-BE49-F238E27FC236}">
-                <a16:creationId xmlns:a16="http://schemas.microsoft.com/office/drawing/2014/main" id="{7FB57C20-E605-409C-BD47-72273570642B}"/>
+          <p:cNvPr id="18" name="Picture 8">
+            <a:extLst>
+              <a:ext uri="{FF2B5EF4-FFF2-40B4-BE49-F238E27FC236}">
+                <a16:creationId xmlns:a16="http://schemas.microsoft.com/office/drawing/2014/main" id="{7E816B38-4865-4B86-A84B-54838FA5E23D}"/>
               </a:ext>
             </a:extLst>
           </p:cNvPr>
@@ -23331,8 +26154,8 @@
         </p:blipFill>
         <p:spPr>
           <a:xfrm>
-            <a:off x="9392496" y="1093360"/>
-            <a:ext cx="2618469" cy="646331"/>
+            <a:off x="7987656" y="1387734"/>
+            <a:ext cx="2784000" cy="1258600"/>
           </a:xfrm>
           <a:prstGeom prst="rect">
             <a:avLst/>
@@ -23348,10 +26171,10 @@
       </p:pic>
       <p:pic>
         <p:nvPicPr>
-          <p:cNvPr id="13" name="Imagen 12">
-            <a:extLst>
-              <a:ext uri="{FF2B5EF4-FFF2-40B4-BE49-F238E27FC236}">
-                <a16:creationId xmlns:a16="http://schemas.microsoft.com/office/drawing/2014/main" id="{96980A7C-6F1D-416F-9CC3-367F9B2EC5D2}"/>
+          <p:cNvPr id="19" name="Picture 7">
+            <a:extLst>
+              <a:ext uri="{FF2B5EF4-FFF2-40B4-BE49-F238E27FC236}">
+                <a16:creationId xmlns:a16="http://schemas.microsoft.com/office/drawing/2014/main" id="{A8E7E7BA-44A2-47A3-998F-6292EF064665}"/>
               </a:ext>
             </a:extLst>
           </p:cNvPr>
@@ -23368,8 +26191,8 @@
         </p:blipFill>
         <p:spPr>
           <a:xfrm>
-            <a:off x="7079869" y="1791317"/>
-            <a:ext cx="5112131" cy="1713644"/>
+            <a:off x="6678817" y="2823638"/>
+            <a:ext cx="4916769" cy="2779258"/>
           </a:xfrm>
           <a:prstGeom prst="rect">
             <a:avLst/>
@@ -23383,26 +26206,62 @@
           </a:effectLst>
         </p:spPr>
       </p:pic>
+      <p:pic>
+        <p:nvPicPr>
+          <p:cNvPr id="21" name="Picture 6">
+            <a:extLst>
+              <a:ext uri="{FF2B5EF4-FFF2-40B4-BE49-F238E27FC236}">
+                <a16:creationId xmlns:a16="http://schemas.microsoft.com/office/drawing/2014/main" id="{0AB08EB7-1698-4787-B163-79AC1FB33D40}"/>
+              </a:ext>
+            </a:extLst>
+          </p:cNvPr>
+          <p:cNvPicPr>
+            <a:picLocks noChangeAspect="1"/>
+          </p:cNvPicPr>
+          <p:nvPr/>
+        </p:nvPicPr>
+        <p:blipFill>
+          <a:blip r:embed="rId4"/>
+          <a:stretch>
+            <a:fillRect/>
+          </a:stretch>
+        </p:blipFill>
+        <p:spPr>
+          <a:xfrm>
+            <a:off x="473524" y="1387734"/>
+            <a:ext cx="5241088" cy="4082532"/>
+          </a:xfrm>
+          <a:prstGeom prst="rect">
+            <a:avLst/>
+          </a:prstGeom>
+          <a:effectLst>
+            <a:glow rad="25400">
+              <a:schemeClr val="bg1">
+                <a:alpha val="40000"/>
+              </a:schemeClr>
+            </a:glow>
+          </a:effectLst>
+        </p:spPr>
+      </p:pic>
       <p:cxnSp>
         <p:nvCxnSpPr>
-          <p:cNvPr id="27" name="Conector recto de flecha 26">
-            <a:extLst>
-              <a:ext uri="{FF2B5EF4-FFF2-40B4-BE49-F238E27FC236}">
-                <a16:creationId xmlns:a16="http://schemas.microsoft.com/office/drawing/2014/main" id="{BCD76D3D-CC21-4D8B-BE1F-9A3AAB477B30}"/>
+          <p:cNvPr id="23" name="Conector recto de flecha 22">
+            <a:extLst>
+              <a:ext uri="{FF2B5EF4-FFF2-40B4-BE49-F238E27FC236}">
+                <a16:creationId xmlns:a16="http://schemas.microsoft.com/office/drawing/2014/main" id="{7E7EEA6A-D2CE-4B10-9A82-B648226F0F6E}"/>
               </a:ext>
             </a:extLst>
           </p:cNvPr>
           <p:cNvCxnSpPr>
             <a:cxnSpLocks/>
-            <a:stCxn id="28" idx="3"/>
-            <a:endCxn id="6" idx="1"/>
+            <a:stCxn id="18" idx="1"/>
           </p:cNvCxnSpPr>
           <p:nvPr/>
         </p:nvCxnSpPr>
         <p:spPr>
-          <a:xfrm flipV="1">
-            <a:off x="6816436" y="1416526"/>
-            <a:ext cx="2576060" cy="5610"/>
+          <a:xfrm flipH="1">
+            <a:off x="5714612" y="2017034"/>
+            <a:ext cx="2273044" cy="0"/>
           </a:xfrm>
           <a:prstGeom prst="straightConnector1">
             <a:avLst/>
@@ -23431,10 +26290,10 @@
       </p:cxnSp>
       <p:sp>
         <p:nvSpPr>
-          <p:cNvPr id="28" name="CuadroTexto 27">
-            <a:extLst>
-              <a:ext uri="{FF2B5EF4-FFF2-40B4-BE49-F238E27FC236}">
-                <a16:creationId xmlns:a16="http://schemas.microsoft.com/office/drawing/2014/main" id="{0EA56A32-4692-4A43-8865-B9DAB0747B52}"/>
+          <p:cNvPr id="25" name="CuadroTexto 24">
+            <a:extLst>
+              <a:ext uri="{FF2B5EF4-FFF2-40B4-BE49-F238E27FC236}">
+                <a16:creationId xmlns:a16="http://schemas.microsoft.com/office/drawing/2014/main" id="{4D91A72F-443C-40A4-8D7A-1D59FB30C006}"/>
               </a:ext>
             </a:extLst>
           </p:cNvPr>
@@ -23443,8 +26302,8 @@
         </p:nvSpPr>
         <p:spPr>
           <a:xfrm>
-            <a:off x="5647285" y="1252859"/>
-            <a:ext cx="1169151" cy="338554"/>
+            <a:off x="6361926" y="1647702"/>
+            <a:ext cx="1376218" cy="369332"/>
           </a:xfrm>
           <a:prstGeom prst="rect">
             <a:avLst/>
@@ -23458,35 +26317,35 @@
           <a:lstStyle/>
           <a:p>
             <a:r>
-              <a:rPr lang="en-US" sz="1600" dirty="0">
+              <a:rPr lang="en-US" dirty="0">
                 <a:solidFill>
                   <a:schemeClr val="bg1"/>
                 </a:solidFill>
               </a:rPr>
-              <a:t>implements</a:t>
+              <a:t>creates</a:t>
             </a:r>
           </a:p>
         </p:txBody>
       </p:sp>
       <p:cxnSp>
         <p:nvCxnSpPr>
-          <p:cNvPr id="31" name="Conector recto de flecha 30">
-            <a:extLst>
-              <a:ext uri="{FF2B5EF4-FFF2-40B4-BE49-F238E27FC236}">
-                <a16:creationId xmlns:a16="http://schemas.microsoft.com/office/drawing/2014/main" id="{1F94211B-24ED-41AE-9E98-08E144D353D3}"/>
+          <p:cNvPr id="26" name="Conector recto de flecha 25">
+            <a:extLst>
+              <a:ext uri="{FF2B5EF4-FFF2-40B4-BE49-F238E27FC236}">
+                <a16:creationId xmlns:a16="http://schemas.microsoft.com/office/drawing/2014/main" id="{EBC8A51A-87AD-44B5-ACEB-DAD460CAE27D}"/>
               </a:ext>
             </a:extLst>
           </p:cNvPr>
           <p:cNvCxnSpPr>
             <a:cxnSpLocks/>
-            <a:endCxn id="18" idx="3"/>
+            <a:endCxn id="19" idx="1"/>
           </p:cNvCxnSpPr>
           <p:nvPr/>
         </p:nvCxnSpPr>
         <p:spPr>
-          <a:xfrm flipH="1" flipV="1">
-            <a:off x="5624137" y="2415358"/>
-            <a:ext cx="818227" cy="1206509"/>
+          <a:xfrm flipV="1">
+            <a:off x="5763491" y="4213267"/>
+            <a:ext cx="915326" cy="5442"/>
           </a:xfrm>
           <a:prstGeom prst="straightConnector1">
             <a:avLst/>
@@ -23515,10 +26374,10 @@
       </p:cxnSp>
       <p:sp>
         <p:nvSpPr>
-          <p:cNvPr id="36" name="CuadroTexto 35">
-            <a:extLst>
-              <a:ext uri="{FF2B5EF4-FFF2-40B4-BE49-F238E27FC236}">
-                <a16:creationId xmlns:a16="http://schemas.microsoft.com/office/drawing/2014/main" id="{DE28EF74-F915-4354-B18B-3926503544B8}"/>
+          <p:cNvPr id="27" name="CuadroTexto 26">
+            <a:extLst>
+              <a:ext uri="{FF2B5EF4-FFF2-40B4-BE49-F238E27FC236}">
+                <a16:creationId xmlns:a16="http://schemas.microsoft.com/office/drawing/2014/main" id="{5091A3F0-2F6A-4C2E-8E53-EA7B331E99A5}"/>
               </a:ext>
             </a:extLst>
           </p:cNvPr>
@@ -23527,8 +26386,8 @@
         </p:nvSpPr>
         <p:spPr>
           <a:xfrm>
-            <a:off x="5980693" y="2645034"/>
-            <a:ext cx="1376218" cy="338554"/>
+            <a:off x="5763491" y="4235533"/>
+            <a:ext cx="1376218" cy="369332"/>
           </a:xfrm>
           <a:prstGeom prst="rect">
             <a:avLst/>
@@ -23542,70 +26401,22 @@
           <a:lstStyle/>
           <a:p>
             <a:r>
-              <a:rPr lang="en-US" sz="1600" dirty="0">
+              <a:rPr lang="en-US" dirty="0">
                 <a:solidFill>
                   <a:schemeClr val="bg1"/>
                 </a:solidFill>
               </a:rPr>
-              <a:t>creates</a:t>
+              <a:t>returns</a:t>
             </a:r>
           </a:p>
         </p:txBody>
       </p:sp>
-      <p:cxnSp>
-        <p:nvCxnSpPr>
-          <p:cNvPr id="37" name="Conector recto de flecha 36">
-            <a:extLst>
-              <a:ext uri="{FF2B5EF4-FFF2-40B4-BE49-F238E27FC236}">
-                <a16:creationId xmlns:a16="http://schemas.microsoft.com/office/drawing/2014/main" id="{84C96256-9E04-4A36-81E4-3C78FE3D7E61}"/>
-              </a:ext>
-              <a:ext uri="{C183D7F6-B498-43B3-948B-1728B52AA6E4}">
-                <adec:decorative xmlns:adec="http://schemas.microsoft.com/office/drawing/2017/decorative" xmlns="" val="0"/>
-              </a:ext>
-            </a:extLst>
-          </p:cNvPr>
-          <p:cNvCxnSpPr>
-            <a:cxnSpLocks/>
-            <a:endCxn id="13" idx="2"/>
-          </p:cNvCxnSpPr>
-          <p:nvPr/>
-        </p:nvCxnSpPr>
-        <p:spPr>
-          <a:xfrm flipV="1">
-            <a:off x="9635935" y="3504961"/>
-            <a:ext cx="0" cy="344044"/>
-          </a:xfrm>
-          <a:prstGeom prst="straightConnector1">
-            <a:avLst/>
-          </a:prstGeom>
-          <a:ln w="12700">
-            <a:solidFill>
-              <a:schemeClr val="bg1"/>
-            </a:solidFill>
-            <a:tailEnd type="triangle"/>
-          </a:ln>
-        </p:spPr>
-        <p:style>
-          <a:lnRef idx="1">
-            <a:schemeClr val="accent1"/>
-          </a:lnRef>
-          <a:fillRef idx="0">
-            <a:schemeClr val="accent1"/>
-          </a:fillRef>
-          <a:effectRef idx="0">
-            <a:schemeClr val="accent1"/>
-          </a:effectRef>
-          <a:fontRef idx="minor">
-            <a:schemeClr val="tx1"/>
-          </a:fontRef>
-        </p:style>
-      </p:cxnSp>
-      <p:sp>
-        <p:nvSpPr>
-          <p:cNvPr id="39" name="CuadroTexto 38">
-            <a:extLst>
-              <a:ext uri="{FF2B5EF4-FFF2-40B4-BE49-F238E27FC236}">
-                <a16:creationId xmlns:a16="http://schemas.microsoft.com/office/drawing/2014/main" id="{C8EAE2A9-1D48-4069-9D0F-2D14D1453AA2}"/>
+      <p:sp>
+        <p:nvSpPr>
+          <p:cNvPr id="12" name="CuadroTexto 11">
+            <a:extLst>
+              <a:ext uri="{FF2B5EF4-FFF2-40B4-BE49-F238E27FC236}">
+                <a16:creationId xmlns:a16="http://schemas.microsoft.com/office/drawing/2014/main" id="{8D5F8848-69CC-474A-8B0C-8685958FFF9D}"/>
               </a:ext>
             </a:extLst>
           </p:cNvPr>
@@ -23614,8 +26425,8 @@
         </p:nvSpPr>
         <p:spPr>
           <a:xfrm>
-            <a:off x="9527331" y="1796799"/>
-            <a:ext cx="1376218" cy="338554"/>
+            <a:off x="2365497" y="442977"/>
+            <a:ext cx="3397994" cy="646331"/>
           </a:xfrm>
           <a:prstGeom prst="rect">
             <a:avLst/>
@@ -23629,332 +26440,55 @@
           <a:lstStyle/>
           <a:p>
             <a:r>
-              <a:rPr lang="en-US" sz="1600" dirty="0">
-                <a:solidFill>
-                  <a:schemeClr val="bg1"/>
-                </a:solidFill>
+              <a:rPr lang="en-US" sz="3600" dirty="0" err="1">
+                <a:solidFill>
+                  <a:srgbClr val="53A2D3"/>
+                </a:solidFill>
+                <a:latin typeface="Segoe UI" panose="020B0502040204020203" pitchFamily="34" charset="0"/>
+                <a:cs typeface="Segoe UI" panose="020B0502040204020203" pitchFamily="34" charset="0"/>
               </a:rPr>
-              <a:t>gets</a:t>
-            </a:r>
+              <a:t>realidad</a:t>
+            </a:r>
+            <a:endParaRPr lang="en-US" sz="3600" dirty="0">
+              <a:solidFill>
+                <a:srgbClr val="53A2D3"/>
+              </a:solidFill>
+              <a:latin typeface="Segoe UI" panose="020B0502040204020203" pitchFamily="34" charset="0"/>
+              <a:cs typeface="Segoe UI" panose="020B0502040204020203" pitchFamily="34" charset="0"/>
+            </a:endParaRPr>
           </a:p>
         </p:txBody>
       </p:sp>
-      <p:pic>
-        <p:nvPicPr>
-          <p:cNvPr id="53" name="Imagen 52">
-            <a:extLst>
-              <a:ext uri="{FF2B5EF4-FFF2-40B4-BE49-F238E27FC236}">
-                <a16:creationId xmlns:a16="http://schemas.microsoft.com/office/drawing/2014/main" id="{258348A1-8868-4B4B-B380-B32C7F6D44D0}"/>
-              </a:ext>
-            </a:extLst>
-          </p:cNvPr>
-          <p:cNvPicPr>
-            <a:picLocks noChangeAspect="1"/>
-          </p:cNvPicPr>
-          <p:nvPr/>
-        </p:nvPicPr>
-        <p:blipFill>
-          <a:blip r:embed="rId4"/>
-          <a:stretch>
-            <a:fillRect/>
-          </a:stretch>
-        </p:blipFill>
-        <p:spPr>
-          <a:xfrm>
-            <a:off x="329997" y="4798389"/>
-            <a:ext cx="3219074" cy="1642218"/>
-          </a:xfrm>
-          <a:prstGeom prst="rect">
-            <a:avLst/>
-          </a:prstGeom>
-        </p:spPr>
-      </p:pic>
-      <p:sp>
-        <p:nvSpPr>
-          <p:cNvPr id="95" name="CuadroTexto 94">
-            <a:extLst>
-              <a:ext uri="{FF2B5EF4-FFF2-40B4-BE49-F238E27FC236}">
-                <a16:creationId xmlns:a16="http://schemas.microsoft.com/office/drawing/2014/main" id="{67848249-14A6-4729-A6A1-BB8AF75BB5E5}"/>
-              </a:ext>
-            </a:extLst>
-          </p:cNvPr>
-          <p:cNvSpPr txBox="1"/>
-          <p:nvPr/>
-        </p:nvSpPr>
-        <p:spPr>
-          <a:xfrm>
-            <a:off x="175289" y="3723216"/>
-            <a:ext cx="935768" cy="369332"/>
-          </a:xfrm>
-          <a:prstGeom prst="rect">
-            <a:avLst/>
-          </a:prstGeom>
-          <a:noFill/>
+      <p:sp>
+        <p:nvSpPr>
+          <p:cNvPr id="15" name="Rectángulo 14"/>
+          <p:cNvSpPr/>
+          <p:nvPr/>
+        </p:nvSpPr>
+        <p:spPr>
+          <a:xfrm>
+            <a:off x="484863" y="351291"/>
+            <a:ext cx="1922321" cy="769441"/>
+          </a:xfrm>
+          <a:prstGeom prst="rect">
+            <a:avLst/>
+          </a:prstGeom>
         </p:spPr>
         <p:txBody>
-          <a:bodyPr wrap="square" rtlCol="0">
+          <a:bodyPr wrap="none">
             <a:spAutoFit/>
           </a:bodyPr>
           <a:lstStyle/>
           <a:p>
             <a:r>
-              <a:rPr lang="en-US" dirty="0">
-                <a:solidFill>
-                  <a:schemeClr val="bg1"/>
-                </a:solidFill>
-              </a:rPr>
-              <a:t>Usage:</a:t>
-            </a:r>
-          </a:p>
-        </p:txBody>
-      </p:sp>
-      <p:pic>
-        <p:nvPicPr>
-          <p:cNvPr id="98" name="Imagen 97">
-            <a:extLst>
-              <a:ext uri="{FF2B5EF4-FFF2-40B4-BE49-F238E27FC236}">
-                <a16:creationId xmlns:a16="http://schemas.microsoft.com/office/drawing/2014/main" id="{FD217EEE-32A7-4431-A10D-C72C9D432A7D}"/>
-              </a:ext>
-            </a:extLst>
-          </p:cNvPr>
-          <p:cNvPicPr>
-            <a:picLocks noChangeAspect="1"/>
-          </p:cNvPicPr>
-          <p:nvPr/>
-        </p:nvPicPr>
-        <p:blipFill>
-          <a:blip r:embed="rId5"/>
-          <a:stretch>
-            <a:fillRect/>
-          </a:stretch>
-        </p:blipFill>
-        <p:spPr>
-          <a:xfrm>
-            <a:off x="235185" y="2097665"/>
-            <a:ext cx="5328679" cy="598728"/>
-          </a:xfrm>
-          <a:prstGeom prst="rect">
-            <a:avLst/>
-          </a:prstGeom>
-        </p:spPr>
-      </p:pic>
-      <p:pic>
-        <p:nvPicPr>
-          <p:cNvPr id="99" name="Imagen 98">
-            <a:extLst>
-              <a:ext uri="{FF2B5EF4-FFF2-40B4-BE49-F238E27FC236}">
-                <a16:creationId xmlns:a16="http://schemas.microsoft.com/office/drawing/2014/main" id="{B7554640-2141-4ECA-9DBB-AA03B44695E0}"/>
-              </a:ext>
-            </a:extLst>
-          </p:cNvPr>
-          <p:cNvPicPr>
-            <a:picLocks noChangeAspect="1"/>
-          </p:cNvPicPr>
-          <p:nvPr/>
-        </p:nvPicPr>
-        <p:blipFill>
-          <a:blip r:embed="rId6"/>
-          <a:stretch>
-            <a:fillRect/>
-          </a:stretch>
-        </p:blipFill>
-        <p:spPr>
-          <a:xfrm>
-            <a:off x="244407" y="1395745"/>
-            <a:ext cx="5143609" cy="631952"/>
-          </a:xfrm>
-          <a:prstGeom prst="rect">
-            <a:avLst/>
-          </a:prstGeom>
-        </p:spPr>
-      </p:pic>
-      <p:pic>
-        <p:nvPicPr>
-          <p:cNvPr id="100" name="Imagen 99">
-            <a:extLst>
-              <a:ext uri="{FF2B5EF4-FFF2-40B4-BE49-F238E27FC236}">
-                <a16:creationId xmlns:a16="http://schemas.microsoft.com/office/drawing/2014/main" id="{0D705CEE-9F14-416B-8B73-39260594E740}"/>
-              </a:ext>
-            </a:extLst>
-          </p:cNvPr>
-          <p:cNvPicPr>
-            <a:picLocks noChangeAspect="1"/>
-          </p:cNvPicPr>
-          <p:nvPr/>
-        </p:nvPicPr>
-        <p:blipFill>
-          <a:blip r:embed="rId7"/>
-          <a:stretch>
-            <a:fillRect/>
-          </a:stretch>
-        </p:blipFill>
-        <p:spPr>
-          <a:xfrm>
-            <a:off x="235185" y="2755462"/>
-            <a:ext cx="5290656" cy="629285"/>
-          </a:xfrm>
-          <a:prstGeom prst="rect">
-            <a:avLst/>
-          </a:prstGeom>
-        </p:spPr>
-      </p:pic>
-      <p:pic>
-        <p:nvPicPr>
-          <p:cNvPr id="2" name="Imagen 1">
-            <a:extLst>
-              <a:ext uri="{FF2B5EF4-FFF2-40B4-BE49-F238E27FC236}">
-                <a16:creationId xmlns:a16="http://schemas.microsoft.com/office/drawing/2014/main" id="{609F9505-B986-494B-892B-D1F095D77BE1}"/>
-              </a:ext>
-            </a:extLst>
-          </p:cNvPr>
-          <p:cNvPicPr>
-            <a:picLocks noChangeAspect="1"/>
-          </p:cNvPicPr>
-          <p:nvPr/>
-        </p:nvPicPr>
-        <p:blipFill>
-          <a:blip r:embed="rId8"/>
-          <a:stretch>
-            <a:fillRect/>
-          </a:stretch>
-        </p:blipFill>
-        <p:spPr>
-          <a:xfrm>
-            <a:off x="288904" y="4238453"/>
-            <a:ext cx="5431478" cy="446854"/>
-          </a:xfrm>
-          <a:prstGeom prst="rect">
-            <a:avLst/>
-          </a:prstGeom>
-        </p:spPr>
-      </p:pic>
-      <p:pic>
-        <p:nvPicPr>
-          <p:cNvPr id="3" name="Imagen 2">
-            <a:extLst>
-              <a:ext uri="{FF2B5EF4-FFF2-40B4-BE49-F238E27FC236}">
-                <a16:creationId xmlns:a16="http://schemas.microsoft.com/office/drawing/2014/main" id="{9ECA7B51-42E0-45E5-BDA6-E7BA03961FBE}"/>
-              </a:ext>
-            </a:extLst>
-          </p:cNvPr>
-          <p:cNvPicPr>
-            <a:picLocks noChangeAspect="1"/>
-          </p:cNvPicPr>
-          <p:nvPr/>
-        </p:nvPicPr>
-        <p:blipFill>
-          <a:blip r:embed="rId9"/>
-          <a:stretch>
-            <a:fillRect/>
-          </a:stretch>
-        </p:blipFill>
-        <p:spPr>
-          <a:xfrm>
-            <a:off x="6085576" y="3626464"/>
-            <a:ext cx="4970351" cy="3079393"/>
-          </a:xfrm>
-          <a:prstGeom prst="rect">
-            <a:avLst/>
-          </a:prstGeom>
-          <a:effectLst>
-            <a:glow rad="25400">
-              <a:schemeClr val="bg1">
-                <a:alpha val="40000"/>
-              </a:schemeClr>
-            </a:glow>
-          </a:effectLst>
-        </p:spPr>
-      </p:pic>
-      <p:sp>
-        <p:nvSpPr>
-          <p:cNvPr id="30" name="Rectángulo 29"/>
-          <p:cNvSpPr/>
-          <p:nvPr/>
-        </p:nvSpPr>
-        <p:spPr>
-          <a:xfrm>
-            <a:off x="484863" y="351291"/>
-            <a:ext cx="7904064" cy="769441"/>
-          </a:xfrm>
-          <a:prstGeom prst="rect">
-            <a:avLst/>
-          </a:prstGeom>
-        </p:spPr>
-        <p:txBody>
-          <a:bodyPr wrap="square">
-            <a:spAutoFit/>
-          </a:bodyPr>
-          <a:lstStyle/>
-          <a:p>
-            <a:r>
-              <a:rPr lang="es-ES" sz="4400" dirty="0" smtClean="0">
+              <a:rPr lang="es-ES" sz="4400" dirty="0" err="1">
                 <a:solidFill>
                   <a:schemeClr val="bg1"/>
                 </a:solidFill>
                 <a:latin typeface="Segoe UI" panose="020B0502040204020203" pitchFamily="34" charset="0"/>
                 <a:cs typeface="Segoe UI" panose="020B0502040204020203" pitchFamily="34" charset="0"/>
               </a:rPr>
-              <a:t>Factory </a:t>
-            </a:r>
-            <a:r>
-              <a:rPr lang="es-ES" sz="4400" dirty="0" err="1" smtClean="0">
-                <a:solidFill>
-                  <a:schemeClr val="bg1"/>
-                </a:solidFill>
-                <a:latin typeface="Segoe UI" panose="020B0502040204020203" pitchFamily="34" charset="0"/>
-                <a:cs typeface="Segoe UI" panose="020B0502040204020203" pitchFamily="34" charset="0"/>
-              </a:rPr>
-              <a:t>method</a:t>
-            </a:r>
-            <a:r>
-              <a:rPr lang="es-ES" sz="4400" dirty="0" smtClean="0">
-                <a:solidFill>
-                  <a:schemeClr val="bg1"/>
-                </a:solidFill>
-                <a:latin typeface="Segoe UI" panose="020B0502040204020203" pitchFamily="34" charset="0"/>
-                <a:cs typeface="Segoe UI" panose="020B0502040204020203" pitchFamily="34" charset="0"/>
-              </a:rPr>
-              <a:t> (</a:t>
-            </a:r>
-            <a:r>
-              <a:rPr lang="es-ES" sz="4400" dirty="0" err="1" smtClean="0">
-                <a:solidFill>
-                  <a:schemeClr val="bg1"/>
-                </a:solidFill>
-                <a:latin typeface="Segoe UI" panose="020B0502040204020203" pitchFamily="34" charset="0"/>
-                <a:cs typeface="Segoe UI" panose="020B0502040204020203" pitchFamily="34" charset="0"/>
-              </a:rPr>
-              <a:t>with</a:t>
-            </a:r>
-            <a:r>
-              <a:rPr lang="es-ES" sz="4400" dirty="0" smtClean="0">
-                <a:solidFill>
-                  <a:schemeClr val="bg1"/>
-                </a:solidFill>
-                <a:latin typeface="Segoe UI" panose="020B0502040204020203" pitchFamily="34" charset="0"/>
-                <a:cs typeface="Segoe UI" panose="020B0502040204020203" pitchFamily="34" charset="0"/>
-              </a:rPr>
-              <a:t> </a:t>
-            </a:r>
-            <a:r>
-              <a:rPr lang="es-ES" sz="4400" dirty="0" err="1" smtClean="0">
-                <a:solidFill>
-                  <a:schemeClr val="bg1"/>
-                </a:solidFill>
-                <a:latin typeface="Segoe UI" panose="020B0502040204020203" pitchFamily="34" charset="0"/>
-                <a:cs typeface="Segoe UI" panose="020B0502040204020203" pitchFamily="34" charset="0"/>
-              </a:rPr>
-              <a:t>params</a:t>
-            </a:r>
-            <a:r>
-              <a:rPr lang="es-ES" sz="4400" dirty="0" smtClean="0">
-                <a:solidFill>
-                  <a:schemeClr val="bg1"/>
-                </a:solidFill>
-                <a:latin typeface="Segoe UI" panose="020B0502040204020203" pitchFamily="34" charset="0"/>
-                <a:cs typeface="Segoe UI" panose="020B0502040204020203" pitchFamily="34" charset="0"/>
-              </a:rPr>
-              <a:t>)</a:t>
+              <a:t>Builder</a:t>
             </a:r>
             <a:endParaRPr lang="es-ES" sz="4400" dirty="0">
               <a:solidFill>
@@ -23966,64 +26500,16 @@
           </a:p>
         </p:txBody>
       </p:sp>
-      <p:sp>
-        <p:nvSpPr>
-          <p:cNvPr id="35" name="CuadroTexto 34">
-            <a:extLst>
-              <a:ext uri="{FF2B5EF4-FFF2-40B4-BE49-F238E27FC236}">
-                <a16:creationId xmlns:a16="http://schemas.microsoft.com/office/drawing/2014/main" id="{8D5F8848-69CC-474A-8B0C-8685958FFF9D}"/>
-              </a:ext>
-            </a:extLst>
-          </p:cNvPr>
-          <p:cNvSpPr txBox="1"/>
-          <p:nvPr/>
-        </p:nvSpPr>
-        <p:spPr>
-          <a:xfrm>
-            <a:off x="7936937" y="474401"/>
-            <a:ext cx="3397994" cy="646331"/>
-          </a:xfrm>
-          <a:prstGeom prst="rect">
-            <a:avLst/>
-          </a:prstGeom>
-          <a:noFill/>
-        </p:spPr>
-        <p:txBody>
-          <a:bodyPr wrap="square" rtlCol="0">
-            <a:spAutoFit/>
-          </a:bodyPr>
-          <a:lstStyle/>
-          <a:p>
-            <a:r>
-              <a:rPr lang="en-US" sz="3600" dirty="0" err="1" smtClean="0">
-                <a:solidFill>
-                  <a:srgbClr val="53A2D3"/>
-                </a:solidFill>
-                <a:latin typeface="Segoe UI" panose="020B0502040204020203" pitchFamily="34" charset="0"/>
-                <a:cs typeface="Segoe UI" panose="020B0502040204020203" pitchFamily="34" charset="0"/>
-              </a:rPr>
-              <a:t>realidad</a:t>
-            </a:r>
-            <a:endParaRPr lang="en-US" sz="3600" dirty="0">
-              <a:solidFill>
-                <a:srgbClr val="53A2D3"/>
-              </a:solidFill>
-              <a:latin typeface="Segoe UI" panose="020B0502040204020203" pitchFamily="34" charset="0"/>
-              <a:cs typeface="Segoe UI" panose="020B0502040204020203" pitchFamily="34" charset="0"/>
-            </a:endParaRPr>
-          </a:p>
-        </p:txBody>
-      </p:sp>
       <p:pic>
         <p:nvPicPr>
-          <p:cNvPr id="40" name="Imagen 39"/>
+          <p:cNvPr id="20" name="Imagen 19"/>
           <p:cNvPicPr>
             <a:picLocks noChangeAspect="1"/>
           </p:cNvPicPr>
           <p:nvPr/>
         </p:nvPicPr>
         <p:blipFill>
-          <a:blip r:embed="rId10" cstate="hqprint">
+          <a:blip r:embed="rId5" cstate="hqprint">
             <a:extLst>
               <a:ext uri="{28A0092B-C50C-407E-A947-70E740481C1C}">
                 <a14:useLocalDpi xmlns:a14="http://schemas.microsoft.com/office/drawing/2010/main" val="0"/>
@@ -24047,20 +26533,13 @@
     </p:spTree>
     <p:extLst>
       <p:ext uri="{BB962C8B-B14F-4D97-AF65-F5344CB8AC3E}">
-        <p14:creationId xmlns:p14="http://schemas.microsoft.com/office/powerpoint/2010/main" val="4033332203"/>
+        <p14:creationId xmlns:p14="http://schemas.microsoft.com/office/powerpoint/2010/main" val="4145431675"/>
       </p:ext>
     </p:extLst>
   </p:cSld>
   <p:clrMapOvr>
     <a:masterClrMapping/>
   </p:clrMapOvr>
-  <p:timing>
-    <p:tnLst>
-      <p:par>
-        <p:cTn id="1" dur="indefinite" restart="never" nodeType="tmRoot"/>
-      </p:par>
-    </p:tnLst>
-  </p:timing>
 </p:sld>
 </file>
 

--- a/slides/Patrones de diseño con Typescript en el mundo real.pptx
+++ b/slides/Patrones de diseño con Typescript en el mundo real.pptx
@@ -229,7 +229,7 @@
           <a:p>
             <a:fld id="{EE51316C-28F6-4304-8589-C6B7F7B17E4E}" type="datetimeFigureOut">
               <a:rPr lang="es-ES" smtClean="0"/>
-              <a:t>01/11/2019</a:t>
+              <a:t>02/11/2019</a:t>
             </a:fld>
             <a:endParaRPr lang="es-ES"/>
           </a:p>
@@ -2549,116 +2549,6 @@
             </a:pPr>
             <a:r>
               <a:rPr lang="en-US" dirty="0" err="1"/>
-              <a:t>Desde</a:t>
-            </a:r>
-            <a:r>
-              <a:rPr lang="en-US" dirty="0"/>
-              <a:t> el </a:t>
-            </a:r>
-            <a:r>
-              <a:rPr lang="en-US" dirty="0" err="1"/>
-              <a:t>cliente</a:t>
-            </a:r>
-            <a:r>
-              <a:rPr lang="en-US" dirty="0"/>
-              <a:t> </a:t>
-            </a:r>
-            <a:r>
-              <a:rPr lang="en-US" dirty="0" err="1"/>
-              <a:t>sólo</a:t>
-            </a:r>
-            <a:r>
-              <a:rPr lang="en-US" dirty="0"/>
-              <a:t> se </a:t>
-            </a:r>
-            <a:r>
-              <a:rPr lang="en-US" dirty="0" err="1"/>
-              <a:t>conocen</a:t>
-            </a:r>
-            <a:r>
-              <a:rPr lang="en-US" dirty="0"/>
-              <a:t> los </a:t>
-            </a:r>
-            <a:r>
-              <a:rPr lang="en-US" dirty="0" err="1"/>
-              <a:t>métodos</a:t>
-            </a:r>
-            <a:r>
-              <a:rPr lang="en-US" dirty="0"/>
-              <a:t> </a:t>
-            </a:r>
-            <a:r>
-              <a:rPr lang="en-US" dirty="0" err="1"/>
-              <a:t>públicos</a:t>
-            </a:r>
-            <a:r>
-              <a:rPr lang="en-US" dirty="0"/>
-              <a:t> de la </a:t>
-            </a:r>
-            <a:r>
-              <a:rPr lang="en-US" dirty="0" err="1"/>
-              <a:t>interfaz</a:t>
-            </a:r>
-            <a:r>
-              <a:rPr lang="en-US" dirty="0"/>
-              <a:t>, del </a:t>
-            </a:r>
-            <a:r>
-              <a:rPr lang="en-US" dirty="0" err="1"/>
-              <a:t>prototipo</a:t>
-            </a:r>
-            <a:r>
-              <a:rPr lang="en-US" dirty="0"/>
-              <a:t>. Por </a:t>
-            </a:r>
-            <a:r>
-              <a:rPr lang="en-US" dirty="0" err="1"/>
-              <a:t>ejemplo</a:t>
-            </a:r>
-            <a:r>
-              <a:rPr lang="en-US" dirty="0"/>
-              <a:t> </a:t>
-            </a:r>
-            <a:r>
-              <a:rPr lang="en-US" dirty="0" err="1"/>
-              <a:t>su</a:t>
-            </a:r>
-            <a:r>
-              <a:rPr lang="en-US" dirty="0"/>
-              <a:t> </a:t>
-            </a:r>
-            <a:r>
-              <a:rPr lang="en-US" dirty="0" err="1"/>
-              <a:t>habilidad</a:t>
-            </a:r>
-            <a:r>
-              <a:rPr lang="en-US" dirty="0"/>
-              <a:t> de </a:t>
-            </a:r>
-            <a:r>
-              <a:rPr lang="en-US" dirty="0" err="1"/>
-              <a:t>copiarse</a:t>
-            </a:r>
-            <a:r>
-              <a:rPr lang="en-US" dirty="0"/>
-              <a:t>/</a:t>
-            </a:r>
-            <a:r>
-              <a:rPr lang="en-US" dirty="0" err="1"/>
-              <a:t>clonarse</a:t>
-            </a:r>
-            <a:r>
-              <a:rPr lang="en-US" dirty="0"/>
-              <a:t>.</a:t>
-            </a:r>
-          </a:p>
-          <a:p>
-            <a:pPr marL="171450" indent="-171450">
-              <a:buFont typeface="Arial" panose="020B0604020202020204" pitchFamily="34" charset="0"/>
-              <a:buChar char="•"/>
-            </a:pPr>
-            <a:r>
-              <a:rPr lang="en-US" dirty="0" err="1"/>
               <a:t>Permite</a:t>
             </a:r>
             <a:r>
@@ -4420,7 +4310,7 @@
           <a:p>
             <a:fld id="{0985B797-0E29-4660-9B0F-1C71CA65525C}" type="datetimeFigureOut">
               <a:rPr lang="en-US" smtClean="0"/>
-              <a:t>11/1/2019</a:t>
+              <a:t>11/2/2019</a:t>
             </a:fld>
             <a:endParaRPr lang="en-US"/>
           </a:p>
@@ -4620,7 +4510,7 @@
           <a:p>
             <a:fld id="{0985B797-0E29-4660-9B0F-1C71CA65525C}" type="datetimeFigureOut">
               <a:rPr lang="en-US" smtClean="0"/>
-              <a:t>11/1/2019</a:t>
+              <a:t>11/2/2019</a:t>
             </a:fld>
             <a:endParaRPr lang="en-US"/>
           </a:p>
@@ -4830,7 +4720,7 @@
           <a:p>
             <a:fld id="{0985B797-0E29-4660-9B0F-1C71CA65525C}" type="datetimeFigureOut">
               <a:rPr lang="en-US" smtClean="0"/>
-              <a:t>11/1/2019</a:t>
+              <a:t>11/2/2019</a:t>
             </a:fld>
             <a:endParaRPr lang="en-US"/>
           </a:p>
@@ -5030,7 +4920,7 @@
           <a:p>
             <a:fld id="{0985B797-0E29-4660-9B0F-1C71CA65525C}" type="datetimeFigureOut">
               <a:rPr lang="en-US" smtClean="0"/>
-              <a:t>11/1/2019</a:t>
+              <a:t>11/2/2019</a:t>
             </a:fld>
             <a:endParaRPr lang="en-US"/>
           </a:p>
@@ -5306,7 +5196,7 @@
           <a:p>
             <a:fld id="{0985B797-0E29-4660-9B0F-1C71CA65525C}" type="datetimeFigureOut">
               <a:rPr lang="en-US" smtClean="0"/>
-              <a:t>11/1/2019</a:t>
+              <a:t>11/2/2019</a:t>
             </a:fld>
             <a:endParaRPr lang="en-US"/>
           </a:p>
@@ -5574,7 +5464,7 @@
           <a:p>
             <a:fld id="{0985B797-0E29-4660-9B0F-1C71CA65525C}" type="datetimeFigureOut">
               <a:rPr lang="en-US" smtClean="0"/>
-              <a:t>11/1/2019</a:t>
+              <a:t>11/2/2019</a:t>
             </a:fld>
             <a:endParaRPr lang="en-US"/>
           </a:p>
@@ -5989,7 +5879,7 @@
           <a:p>
             <a:fld id="{0985B797-0E29-4660-9B0F-1C71CA65525C}" type="datetimeFigureOut">
               <a:rPr lang="en-US" smtClean="0"/>
-              <a:t>11/1/2019</a:t>
+              <a:t>11/2/2019</a:t>
             </a:fld>
             <a:endParaRPr lang="en-US"/>
           </a:p>
@@ -6131,7 +6021,7 @@
           <a:p>
             <a:fld id="{0985B797-0E29-4660-9B0F-1C71CA65525C}" type="datetimeFigureOut">
               <a:rPr lang="en-US" smtClean="0"/>
-              <a:t>11/1/2019</a:t>
+              <a:t>11/2/2019</a:t>
             </a:fld>
             <a:endParaRPr lang="en-US"/>
           </a:p>
@@ -6244,7 +6134,7 @@
           <a:p>
             <a:fld id="{0985B797-0E29-4660-9B0F-1C71CA65525C}" type="datetimeFigureOut">
               <a:rPr lang="en-US" smtClean="0"/>
-              <a:t>11/1/2019</a:t>
+              <a:t>11/2/2019</a:t>
             </a:fld>
             <a:endParaRPr lang="en-US"/>
           </a:p>
@@ -6557,7 +6447,7 @@
           <a:p>
             <a:fld id="{0985B797-0E29-4660-9B0F-1C71CA65525C}" type="datetimeFigureOut">
               <a:rPr lang="en-US" smtClean="0"/>
-              <a:t>11/1/2019</a:t>
+              <a:t>11/2/2019</a:t>
             </a:fld>
             <a:endParaRPr lang="en-US"/>
           </a:p>
@@ -6846,7 +6736,7 @@
           <a:p>
             <a:fld id="{0985B797-0E29-4660-9B0F-1C71CA65525C}" type="datetimeFigureOut">
               <a:rPr lang="en-US" smtClean="0"/>
-              <a:t>11/1/2019</a:t>
+              <a:t>11/2/2019</a:t>
             </a:fld>
             <a:endParaRPr lang="en-US"/>
           </a:p>
@@ -7089,7 +6979,7 @@
           <a:p>
             <a:fld id="{0985B797-0E29-4660-9B0F-1C71CA65525C}" type="datetimeFigureOut">
               <a:rPr lang="en-US" smtClean="0"/>
-              <a:t>11/1/2019</a:t>
+              <a:t>11/2/2019</a:t>
             </a:fld>
             <a:endParaRPr lang="en-US"/>
           </a:p>

--- a/slides/Patrones de diseño con Typescript en el mundo real.pptx
+++ b/slides/Patrones de diseño con Typescript en el mundo real.pptx
@@ -229,7 +229,7 @@
           <a:p>
             <a:fld id="{EE51316C-28F6-4304-8589-C6B7F7B17E4E}" type="datetimeFigureOut">
               <a:rPr lang="es-ES" smtClean="0"/>
-              <a:t>02/11/2019</a:t>
+              <a:t>08/11/2019</a:t>
             </a:fld>
             <a:endParaRPr lang="es-ES"/>
           </a:p>
@@ -4310,7 +4310,7 @@
           <a:p>
             <a:fld id="{0985B797-0E29-4660-9B0F-1C71CA65525C}" type="datetimeFigureOut">
               <a:rPr lang="en-US" smtClean="0"/>
-              <a:t>11/2/2019</a:t>
+              <a:t>11/8/2019</a:t>
             </a:fld>
             <a:endParaRPr lang="en-US"/>
           </a:p>
@@ -4510,7 +4510,7 @@
           <a:p>
             <a:fld id="{0985B797-0E29-4660-9B0F-1C71CA65525C}" type="datetimeFigureOut">
               <a:rPr lang="en-US" smtClean="0"/>
-              <a:t>11/2/2019</a:t>
+              <a:t>11/8/2019</a:t>
             </a:fld>
             <a:endParaRPr lang="en-US"/>
           </a:p>
@@ -4720,7 +4720,7 @@
           <a:p>
             <a:fld id="{0985B797-0E29-4660-9B0F-1C71CA65525C}" type="datetimeFigureOut">
               <a:rPr lang="en-US" smtClean="0"/>
-              <a:t>11/2/2019</a:t>
+              <a:t>11/8/2019</a:t>
             </a:fld>
             <a:endParaRPr lang="en-US"/>
           </a:p>
@@ -4920,7 +4920,7 @@
           <a:p>
             <a:fld id="{0985B797-0E29-4660-9B0F-1C71CA65525C}" type="datetimeFigureOut">
               <a:rPr lang="en-US" smtClean="0"/>
-              <a:t>11/2/2019</a:t>
+              <a:t>11/8/2019</a:t>
             </a:fld>
             <a:endParaRPr lang="en-US"/>
           </a:p>
@@ -5196,7 +5196,7 @@
           <a:p>
             <a:fld id="{0985B797-0E29-4660-9B0F-1C71CA65525C}" type="datetimeFigureOut">
               <a:rPr lang="en-US" smtClean="0"/>
-              <a:t>11/2/2019</a:t>
+              <a:t>11/8/2019</a:t>
             </a:fld>
             <a:endParaRPr lang="en-US"/>
           </a:p>
@@ -5464,7 +5464,7 @@
           <a:p>
             <a:fld id="{0985B797-0E29-4660-9B0F-1C71CA65525C}" type="datetimeFigureOut">
               <a:rPr lang="en-US" smtClean="0"/>
-              <a:t>11/2/2019</a:t>
+              <a:t>11/8/2019</a:t>
             </a:fld>
             <a:endParaRPr lang="en-US"/>
           </a:p>
@@ -5879,7 +5879,7 @@
           <a:p>
             <a:fld id="{0985B797-0E29-4660-9B0F-1C71CA65525C}" type="datetimeFigureOut">
               <a:rPr lang="en-US" smtClean="0"/>
-              <a:t>11/2/2019</a:t>
+              <a:t>11/8/2019</a:t>
             </a:fld>
             <a:endParaRPr lang="en-US"/>
           </a:p>
@@ -6021,7 +6021,7 @@
           <a:p>
             <a:fld id="{0985B797-0E29-4660-9B0F-1C71CA65525C}" type="datetimeFigureOut">
               <a:rPr lang="en-US" smtClean="0"/>
-              <a:t>11/2/2019</a:t>
+              <a:t>11/8/2019</a:t>
             </a:fld>
             <a:endParaRPr lang="en-US"/>
           </a:p>
@@ -6134,7 +6134,7 @@
           <a:p>
             <a:fld id="{0985B797-0E29-4660-9B0F-1C71CA65525C}" type="datetimeFigureOut">
               <a:rPr lang="en-US" smtClean="0"/>
-              <a:t>11/2/2019</a:t>
+              <a:t>11/8/2019</a:t>
             </a:fld>
             <a:endParaRPr lang="en-US"/>
           </a:p>
@@ -6447,7 +6447,7 @@
           <a:p>
             <a:fld id="{0985B797-0E29-4660-9B0F-1C71CA65525C}" type="datetimeFigureOut">
               <a:rPr lang="en-US" smtClean="0"/>
-              <a:t>11/2/2019</a:t>
+              <a:t>11/8/2019</a:t>
             </a:fld>
             <a:endParaRPr lang="en-US"/>
           </a:p>
@@ -6736,7 +6736,7 @@
           <a:p>
             <a:fld id="{0985B797-0E29-4660-9B0F-1C71CA65525C}" type="datetimeFigureOut">
               <a:rPr lang="en-US" smtClean="0"/>
-              <a:t>11/2/2019</a:t>
+              <a:t>11/8/2019</a:t>
             </a:fld>
             <a:endParaRPr lang="en-US"/>
           </a:p>
@@ -6979,7 +6979,7 @@
           <a:p>
             <a:fld id="{0985B797-0E29-4660-9B0F-1C71CA65525C}" type="datetimeFigureOut">
               <a:rPr lang="en-US" smtClean="0"/>
-              <a:t>11/2/2019</a:t>
+              <a:t>11/8/2019</a:t>
             </a:fld>
             <a:endParaRPr lang="en-US"/>
           </a:p>
@@ -7404,6 +7404,42 @@
           <a:chExt cx="0" cy="0"/>
         </a:xfrm>
       </p:grpSpPr>
+      <p:pic>
+        <p:nvPicPr>
+          <p:cNvPr id="6" name="Imagen 5" descr="Imagen que contiene dibujo, reloj&#10;&#10;Descripción generada automáticamente">
+            <a:extLst>
+              <a:ext uri="{FF2B5EF4-FFF2-40B4-BE49-F238E27FC236}">
+                <a16:creationId xmlns:a16="http://schemas.microsoft.com/office/drawing/2014/main" id="{0E4268FC-8624-4670-9497-FDE48924CE4B}"/>
+              </a:ext>
+            </a:extLst>
+          </p:cNvPr>
+          <p:cNvPicPr>
+            <a:picLocks noChangeAspect="1"/>
+          </p:cNvPicPr>
+          <p:nvPr/>
+        </p:nvPicPr>
+        <p:blipFill>
+          <a:blip r:embed="rId2">
+            <a:extLst>
+              <a:ext uri="{28A0092B-C50C-407E-A947-70E740481C1C}">
+                <a14:useLocalDpi xmlns:a14="http://schemas.microsoft.com/office/drawing/2010/main" val="0"/>
+              </a:ext>
+            </a:extLst>
+          </a:blip>
+          <a:stretch>
+            <a:fillRect/>
+          </a:stretch>
+        </p:blipFill>
+        <p:spPr>
+          <a:xfrm>
+            <a:off x="863332" y="778396"/>
+            <a:ext cx="4135539" cy="766384"/>
+          </a:xfrm>
+          <a:prstGeom prst="rect">
+            <a:avLst/>
+          </a:prstGeom>
+        </p:spPr>
+      </p:pic>
       <p:sp>
         <p:nvSpPr>
           <p:cNvPr id="2" name="Título 1"/>
@@ -7454,45 +7490,6 @@
           </a:p>
         </p:txBody>
       </p:sp>
-      <p:pic>
-        <p:nvPicPr>
-          <p:cNvPr id="4" name="Graphic 3">
-            <a:extLst>
-              <a:ext uri="{FF2B5EF4-FFF2-40B4-BE49-F238E27FC236}">
-                <a16:creationId xmlns:a16="http://schemas.microsoft.com/office/drawing/2014/main" id="{139EE45F-5F5A-4806-9E1F-03457367F69D}"/>
-              </a:ext>
-            </a:extLst>
-          </p:cNvPr>
-          <p:cNvPicPr>
-            <a:picLocks noChangeAspect="1"/>
-          </p:cNvPicPr>
-          <p:nvPr/>
-        </p:nvPicPr>
-        <p:blipFill>
-          <a:blip r:embed="rId2" cstate="hqprint">
-            <a:extLst>
-              <a:ext uri="{28A0092B-C50C-407E-A947-70E740481C1C}">
-                <a14:useLocalDpi xmlns:a14="http://schemas.microsoft.com/office/drawing/2010/main" val="0"/>
-              </a:ext>
-              <a:ext uri="{96DAC541-7B7A-43D3-8B79-37D633B846F1}">
-                <asvg:svgBlip xmlns:asvg="http://schemas.microsoft.com/office/drawing/2016/SVG/main" r:embed="rId3"/>
-              </a:ext>
-            </a:extLst>
-          </a:blip>
-          <a:stretch>
-            <a:fillRect/>
-          </a:stretch>
-        </p:blipFill>
-        <p:spPr>
-          <a:xfrm>
-            <a:off x="863332" y="778397"/>
-            <a:ext cx="4136663" cy="766383"/>
-          </a:xfrm>
-          <a:prstGeom prst="rect">
-            <a:avLst/>
-          </a:prstGeom>
-        </p:spPr>
-      </p:pic>
       <p:sp>
         <p:nvSpPr>
           <p:cNvPr id="5" name="Marcador de posición de texto 23">
@@ -22235,205 +22232,6 @@
       </p:grpSpPr>
       <p:sp>
         <p:nvSpPr>
-          <p:cNvPr id="4" name="Marcador de posición de texto 26">
-            <a:extLst>
-              <a:ext uri="{FF2B5EF4-FFF2-40B4-BE49-F238E27FC236}">
-                <a16:creationId xmlns:a16="http://schemas.microsoft.com/office/drawing/2014/main" id="{39A58E15-8C27-4298-8EC9-9393BDA37E69}"/>
-              </a:ext>
-            </a:extLst>
-          </p:cNvPr>
-          <p:cNvSpPr>
-            <a:spLocks noGrp="1"/>
-          </p:cNvSpPr>
-          <p:nvPr/>
-        </p:nvSpPr>
-        <p:spPr>
-          <a:xfrm>
-            <a:off x="2389787" y="2326338"/>
-            <a:ext cx="7412426" cy="1234281"/>
-          </a:xfrm>
-          <a:prstGeom prst="rect">
-            <a:avLst/>
-          </a:prstGeom>
-        </p:spPr>
-        <p:txBody>
-          <a:bodyPr vert="horz" lIns="91440" tIns="45720" rIns="91440" bIns="45720" rtlCol="0">
-            <a:noAutofit/>
-          </a:bodyPr>
-          <a:lstStyle>
-            <a:lvl1pPr marL="0" indent="0" algn="l" defTabSz="1828709" rtl="0" eaLnBrk="1" latinLnBrk="0" hangingPunct="1">
-              <a:lnSpc>
-                <a:spcPct val="90000"/>
-              </a:lnSpc>
-              <a:spcBef>
-                <a:spcPts val="2000"/>
-              </a:spcBef>
-              <a:buFont typeface="Arial" panose="020B0604020202020204" pitchFamily="34" charset="0"/>
-              <a:buNone/>
-              <a:defRPr sz="8000" b="1" i="0" kern="1200">
-                <a:solidFill>
-                  <a:schemeClr val="tx1"/>
-                </a:solidFill>
-                <a:latin typeface="Calibri" panose="020F0502020204030204" pitchFamily="34" charset="0"/>
-                <a:ea typeface="+mn-ea"/>
-                <a:cs typeface="Calibri" panose="020F0502020204030204" pitchFamily="34" charset="0"/>
-              </a:defRPr>
-            </a:lvl1pPr>
-            <a:lvl2pPr marL="914354" indent="0" algn="l" defTabSz="1828709" rtl="0" eaLnBrk="1" latinLnBrk="0" hangingPunct="1">
-              <a:lnSpc>
-                <a:spcPct val="90000"/>
-              </a:lnSpc>
-              <a:spcBef>
-                <a:spcPts val="1000"/>
-              </a:spcBef>
-              <a:buFont typeface="Arial" panose="020B0604020202020204" pitchFamily="34" charset="0"/>
-              <a:buNone/>
-              <a:defRPr sz="8000" b="1" i="0" kern="1200">
-                <a:solidFill>
-                  <a:schemeClr val="tx1"/>
-                </a:solidFill>
-                <a:latin typeface="Calibri" panose="020F0502020204030204" pitchFamily="34" charset="0"/>
-                <a:ea typeface="+mn-ea"/>
-                <a:cs typeface="Calibri" panose="020F0502020204030204" pitchFamily="34" charset="0"/>
-              </a:defRPr>
-            </a:lvl2pPr>
-            <a:lvl3pPr marL="1828709" indent="0" algn="l" defTabSz="1828709" rtl="0" eaLnBrk="1" latinLnBrk="0" hangingPunct="1">
-              <a:lnSpc>
-                <a:spcPct val="90000"/>
-              </a:lnSpc>
-              <a:spcBef>
-                <a:spcPts val="1000"/>
-              </a:spcBef>
-              <a:buFont typeface="Arial" panose="020B0604020202020204" pitchFamily="34" charset="0"/>
-              <a:buNone/>
-              <a:defRPr sz="8000" b="1" i="0" kern="1200">
-                <a:solidFill>
-                  <a:schemeClr val="tx1"/>
-                </a:solidFill>
-                <a:latin typeface="Calibri" panose="020F0502020204030204" pitchFamily="34" charset="0"/>
-                <a:ea typeface="+mn-ea"/>
-                <a:cs typeface="Calibri" panose="020F0502020204030204" pitchFamily="34" charset="0"/>
-              </a:defRPr>
-            </a:lvl3pPr>
-            <a:lvl4pPr marL="2743063" indent="0" algn="l" defTabSz="1828709" rtl="0" eaLnBrk="1" latinLnBrk="0" hangingPunct="1">
-              <a:lnSpc>
-                <a:spcPct val="90000"/>
-              </a:lnSpc>
-              <a:spcBef>
-                <a:spcPts val="1000"/>
-              </a:spcBef>
-              <a:buFont typeface="Arial" panose="020B0604020202020204" pitchFamily="34" charset="0"/>
-              <a:buNone/>
-              <a:defRPr sz="8000" b="1" i="0" kern="1200">
-                <a:solidFill>
-                  <a:schemeClr val="tx1"/>
-                </a:solidFill>
-                <a:latin typeface="Calibri" panose="020F0502020204030204" pitchFamily="34" charset="0"/>
-                <a:ea typeface="+mn-ea"/>
-                <a:cs typeface="Calibri" panose="020F0502020204030204" pitchFamily="34" charset="0"/>
-              </a:defRPr>
-            </a:lvl4pPr>
-            <a:lvl5pPr marL="3657417" indent="0" algn="l" defTabSz="1828709" rtl="0" eaLnBrk="1" latinLnBrk="0" hangingPunct="1">
-              <a:lnSpc>
-                <a:spcPct val="90000"/>
-              </a:lnSpc>
-              <a:spcBef>
-                <a:spcPts val="1000"/>
-              </a:spcBef>
-              <a:buFont typeface="Arial" panose="020B0604020202020204" pitchFamily="34" charset="0"/>
-              <a:buNone/>
-              <a:defRPr sz="8000" b="1" i="0" kern="1200">
-                <a:solidFill>
-                  <a:schemeClr val="tx1"/>
-                </a:solidFill>
-                <a:latin typeface="Calibri" panose="020F0502020204030204" pitchFamily="34" charset="0"/>
-                <a:ea typeface="+mn-ea"/>
-                <a:cs typeface="Calibri" panose="020F0502020204030204" pitchFamily="34" charset="0"/>
-              </a:defRPr>
-            </a:lvl5pPr>
-            <a:lvl6pPr marL="5028949" indent="-457177" algn="l" defTabSz="1828709" rtl="0" eaLnBrk="1" latinLnBrk="0" hangingPunct="1">
-              <a:lnSpc>
-                <a:spcPct val="90000"/>
-              </a:lnSpc>
-              <a:spcBef>
-                <a:spcPts val="1000"/>
-              </a:spcBef>
-              <a:buFont typeface="Arial" panose="020B0604020202020204" pitchFamily="34" charset="0"/>
-              <a:buChar char="•"/>
-              <a:defRPr sz="3600" kern="1200">
-                <a:solidFill>
-                  <a:schemeClr val="tx1"/>
-                </a:solidFill>
-                <a:latin typeface="+mn-lt"/>
-                <a:ea typeface="+mn-ea"/>
-                <a:cs typeface="+mn-cs"/>
-              </a:defRPr>
-            </a:lvl6pPr>
-            <a:lvl7pPr marL="5943303" indent="-457177" algn="l" defTabSz="1828709" rtl="0" eaLnBrk="1" latinLnBrk="0" hangingPunct="1">
-              <a:lnSpc>
-                <a:spcPct val="90000"/>
-              </a:lnSpc>
-              <a:spcBef>
-                <a:spcPts val="1000"/>
-              </a:spcBef>
-              <a:buFont typeface="Arial" panose="020B0604020202020204" pitchFamily="34" charset="0"/>
-              <a:buChar char="•"/>
-              <a:defRPr sz="3600" kern="1200">
-                <a:solidFill>
-                  <a:schemeClr val="tx1"/>
-                </a:solidFill>
-                <a:latin typeface="+mn-lt"/>
-                <a:ea typeface="+mn-ea"/>
-                <a:cs typeface="+mn-cs"/>
-              </a:defRPr>
-            </a:lvl7pPr>
-            <a:lvl8pPr marL="6857657" indent="-457177" algn="l" defTabSz="1828709" rtl="0" eaLnBrk="1" latinLnBrk="0" hangingPunct="1">
-              <a:lnSpc>
-                <a:spcPct val="90000"/>
-              </a:lnSpc>
-              <a:spcBef>
-                <a:spcPts val="1000"/>
-              </a:spcBef>
-              <a:buFont typeface="Arial" panose="020B0604020202020204" pitchFamily="34" charset="0"/>
-              <a:buChar char="•"/>
-              <a:defRPr sz="3600" kern="1200">
-                <a:solidFill>
-                  <a:schemeClr val="tx1"/>
-                </a:solidFill>
-                <a:latin typeface="+mn-lt"/>
-                <a:ea typeface="+mn-ea"/>
-                <a:cs typeface="+mn-cs"/>
-              </a:defRPr>
-            </a:lvl8pPr>
-            <a:lvl9pPr marL="7772011" indent="-457177" algn="l" defTabSz="1828709" rtl="0" eaLnBrk="1" latinLnBrk="0" hangingPunct="1">
-              <a:lnSpc>
-                <a:spcPct val="90000"/>
-              </a:lnSpc>
-              <a:spcBef>
-                <a:spcPts val="1000"/>
-              </a:spcBef>
-              <a:buFont typeface="Arial" panose="020B0604020202020204" pitchFamily="34" charset="0"/>
-              <a:buChar char="•"/>
-              <a:defRPr sz="3600" kern="1200">
-                <a:solidFill>
-                  <a:schemeClr val="tx1"/>
-                </a:solidFill>
-                <a:latin typeface="+mn-lt"/>
-                <a:ea typeface="+mn-ea"/>
-                <a:cs typeface="+mn-cs"/>
-              </a:defRPr>
-            </a:lvl9pPr>
-          </a:lstStyle>
-          <a:p>
-            <a:r>
-              <a:rPr lang="es-ES" dirty="0"/>
-              <a:t>¡Muchas gracias!</a:t>
-            </a:r>
-          </a:p>
-        </p:txBody>
-      </p:sp>
-      <p:sp>
-        <p:nvSpPr>
           <p:cNvPr id="6" name="Rectangle 5">
             <a:extLst>
               <a:ext uri="{FF2B5EF4-FFF2-40B4-BE49-F238E27FC236}">
@@ -22483,10 +22281,10 @@
       </p:sp>
       <p:pic>
         <p:nvPicPr>
-          <p:cNvPr id="7" name="Graphic 6">
-            <a:extLst>
-              <a:ext uri="{FF2B5EF4-FFF2-40B4-BE49-F238E27FC236}">
-                <a16:creationId xmlns:a16="http://schemas.microsoft.com/office/drawing/2014/main" id="{20F4E7B3-C185-4485-829A-F2608A2BA392}"/>
+          <p:cNvPr id="8" name="Imagen 7" descr="Imagen que contiene dibujo, reloj&#10;&#10;Descripción generada automáticamente">
+            <a:extLst>
+              <a:ext uri="{FF2B5EF4-FFF2-40B4-BE49-F238E27FC236}">
+                <a16:creationId xmlns:a16="http://schemas.microsoft.com/office/drawing/2014/main" id="{5D440C69-C7C3-479B-A4D6-674FFFDA1973}"/>
               </a:ext>
             </a:extLst>
           </p:cNvPr>
@@ -22496,13 +22294,10 @@
           <p:nvPr/>
         </p:nvPicPr>
         <p:blipFill>
-          <a:blip r:embed="rId2" cstate="hqprint">
+          <a:blip r:embed="rId2">
             <a:extLst>
               <a:ext uri="{28A0092B-C50C-407E-A947-70E740481C1C}">
                 <a14:useLocalDpi xmlns:a14="http://schemas.microsoft.com/office/drawing/2010/main" val="0"/>
-              </a:ext>
-              <a:ext uri="{96DAC541-7B7A-43D3-8B79-37D633B846F1}">
-                <asvg:svgBlip xmlns:asvg="http://schemas.microsoft.com/office/drawing/2016/SVG/main" r:embed="rId3"/>
               </a:ext>
             </a:extLst>
           </a:blip>
@@ -22512,14 +22307,213 @@
         </p:blipFill>
         <p:spPr>
           <a:xfrm>
-            <a:off x="630461" y="5477261"/>
-            <a:ext cx="4809916" cy="891114"/>
+            <a:off x="630461" y="5463611"/>
+            <a:ext cx="4808598" cy="891113"/>
           </a:xfrm>
           <a:prstGeom prst="rect">
             <a:avLst/>
           </a:prstGeom>
         </p:spPr>
       </p:pic>
+      <p:sp>
+        <p:nvSpPr>
+          <p:cNvPr id="4" name="Marcador de posición de texto 26">
+            <a:extLst>
+              <a:ext uri="{FF2B5EF4-FFF2-40B4-BE49-F238E27FC236}">
+                <a16:creationId xmlns:a16="http://schemas.microsoft.com/office/drawing/2014/main" id="{39A58E15-8C27-4298-8EC9-9393BDA37E69}"/>
+              </a:ext>
+            </a:extLst>
+          </p:cNvPr>
+          <p:cNvSpPr>
+            <a:spLocks noGrp="1"/>
+          </p:cNvSpPr>
+          <p:nvPr/>
+        </p:nvSpPr>
+        <p:spPr>
+          <a:xfrm>
+            <a:off x="2389787" y="2326338"/>
+            <a:ext cx="7412426" cy="1234281"/>
+          </a:xfrm>
+          <a:prstGeom prst="rect">
+            <a:avLst/>
+          </a:prstGeom>
+        </p:spPr>
+        <p:txBody>
+          <a:bodyPr vert="horz" lIns="91440" tIns="45720" rIns="91440" bIns="45720" rtlCol="0">
+            <a:noAutofit/>
+          </a:bodyPr>
+          <a:lstStyle>
+            <a:lvl1pPr marL="0" indent="0" algn="l" defTabSz="1828709" rtl="0" eaLnBrk="1" latinLnBrk="0" hangingPunct="1">
+              <a:lnSpc>
+                <a:spcPct val="90000"/>
+              </a:lnSpc>
+              <a:spcBef>
+                <a:spcPts val="2000"/>
+              </a:spcBef>
+              <a:buFont typeface="Arial" panose="020B0604020202020204" pitchFamily="34" charset="0"/>
+              <a:buNone/>
+              <a:defRPr sz="8000" b="1" i="0" kern="1200">
+                <a:solidFill>
+                  <a:schemeClr val="tx1"/>
+                </a:solidFill>
+                <a:latin typeface="Calibri" panose="020F0502020204030204" pitchFamily="34" charset="0"/>
+                <a:ea typeface="+mn-ea"/>
+                <a:cs typeface="Calibri" panose="020F0502020204030204" pitchFamily="34" charset="0"/>
+              </a:defRPr>
+            </a:lvl1pPr>
+            <a:lvl2pPr marL="914354" indent="0" algn="l" defTabSz="1828709" rtl="0" eaLnBrk="1" latinLnBrk="0" hangingPunct="1">
+              <a:lnSpc>
+                <a:spcPct val="90000"/>
+              </a:lnSpc>
+              <a:spcBef>
+                <a:spcPts val="1000"/>
+              </a:spcBef>
+              <a:buFont typeface="Arial" panose="020B0604020202020204" pitchFamily="34" charset="0"/>
+              <a:buNone/>
+              <a:defRPr sz="8000" b="1" i="0" kern="1200">
+                <a:solidFill>
+                  <a:schemeClr val="tx1"/>
+                </a:solidFill>
+                <a:latin typeface="Calibri" panose="020F0502020204030204" pitchFamily="34" charset="0"/>
+                <a:ea typeface="+mn-ea"/>
+                <a:cs typeface="Calibri" panose="020F0502020204030204" pitchFamily="34" charset="0"/>
+              </a:defRPr>
+            </a:lvl2pPr>
+            <a:lvl3pPr marL="1828709" indent="0" algn="l" defTabSz="1828709" rtl="0" eaLnBrk="1" latinLnBrk="0" hangingPunct="1">
+              <a:lnSpc>
+                <a:spcPct val="90000"/>
+              </a:lnSpc>
+              <a:spcBef>
+                <a:spcPts val="1000"/>
+              </a:spcBef>
+              <a:buFont typeface="Arial" panose="020B0604020202020204" pitchFamily="34" charset="0"/>
+              <a:buNone/>
+              <a:defRPr sz="8000" b="1" i="0" kern="1200">
+                <a:solidFill>
+                  <a:schemeClr val="tx1"/>
+                </a:solidFill>
+                <a:latin typeface="Calibri" panose="020F0502020204030204" pitchFamily="34" charset="0"/>
+                <a:ea typeface="+mn-ea"/>
+                <a:cs typeface="Calibri" panose="020F0502020204030204" pitchFamily="34" charset="0"/>
+              </a:defRPr>
+            </a:lvl3pPr>
+            <a:lvl4pPr marL="2743063" indent="0" algn="l" defTabSz="1828709" rtl="0" eaLnBrk="1" latinLnBrk="0" hangingPunct="1">
+              <a:lnSpc>
+                <a:spcPct val="90000"/>
+              </a:lnSpc>
+              <a:spcBef>
+                <a:spcPts val="1000"/>
+              </a:spcBef>
+              <a:buFont typeface="Arial" panose="020B0604020202020204" pitchFamily="34" charset="0"/>
+              <a:buNone/>
+              <a:defRPr sz="8000" b="1" i="0" kern="1200">
+                <a:solidFill>
+                  <a:schemeClr val="tx1"/>
+                </a:solidFill>
+                <a:latin typeface="Calibri" panose="020F0502020204030204" pitchFamily="34" charset="0"/>
+                <a:ea typeface="+mn-ea"/>
+                <a:cs typeface="Calibri" panose="020F0502020204030204" pitchFamily="34" charset="0"/>
+              </a:defRPr>
+            </a:lvl4pPr>
+            <a:lvl5pPr marL="3657417" indent="0" algn="l" defTabSz="1828709" rtl="0" eaLnBrk="1" latinLnBrk="0" hangingPunct="1">
+              <a:lnSpc>
+                <a:spcPct val="90000"/>
+              </a:lnSpc>
+              <a:spcBef>
+                <a:spcPts val="1000"/>
+              </a:spcBef>
+              <a:buFont typeface="Arial" panose="020B0604020202020204" pitchFamily="34" charset="0"/>
+              <a:buNone/>
+              <a:defRPr sz="8000" b="1" i="0" kern="1200">
+                <a:solidFill>
+                  <a:schemeClr val="tx1"/>
+                </a:solidFill>
+                <a:latin typeface="Calibri" panose="020F0502020204030204" pitchFamily="34" charset="0"/>
+                <a:ea typeface="+mn-ea"/>
+                <a:cs typeface="Calibri" panose="020F0502020204030204" pitchFamily="34" charset="0"/>
+              </a:defRPr>
+            </a:lvl5pPr>
+            <a:lvl6pPr marL="5028949" indent="-457177" algn="l" defTabSz="1828709" rtl="0" eaLnBrk="1" latinLnBrk="0" hangingPunct="1">
+              <a:lnSpc>
+                <a:spcPct val="90000"/>
+              </a:lnSpc>
+              <a:spcBef>
+                <a:spcPts val="1000"/>
+              </a:spcBef>
+              <a:buFont typeface="Arial" panose="020B0604020202020204" pitchFamily="34" charset="0"/>
+              <a:buChar char="•"/>
+              <a:defRPr sz="3600" kern="1200">
+                <a:solidFill>
+                  <a:schemeClr val="tx1"/>
+                </a:solidFill>
+                <a:latin typeface="+mn-lt"/>
+                <a:ea typeface="+mn-ea"/>
+                <a:cs typeface="+mn-cs"/>
+              </a:defRPr>
+            </a:lvl6pPr>
+            <a:lvl7pPr marL="5943303" indent="-457177" algn="l" defTabSz="1828709" rtl="0" eaLnBrk="1" latinLnBrk="0" hangingPunct="1">
+              <a:lnSpc>
+                <a:spcPct val="90000"/>
+              </a:lnSpc>
+              <a:spcBef>
+                <a:spcPts val="1000"/>
+              </a:spcBef>
+              <a:buFont typeface="Arial" panose="020B0604020202020204" pitchFamily="34" charset="0"/>
+              <a:buChar char="•"/>
+              <a:defRPr sz="3600" kern="1200">
+                <a:solidFill>
+                  <a:schemeClr val="tx1"/>
+                </a:solidFill>
+                <a:latin typeface="+mn-lt"/>
+                <a:ea typeface="+mn-ea"/>
+                <a:cs typeface="+mn-cs"/>
+              </a:defRPr>
+            </a:lvl7pPr>
+            <a:lvl8pPr marL="6857657" indent="-457177" algn="l" defTabSz="1828709" rtl="0" eaLnBrk="1" latinLnBrk="0" hangingPunct="1">
+              <a:lnSpc>
+                <a:spcPct val="90000"/>
+              </a:lnSpc>
+              <a:spcBef>
+                <a:spcPts val="1000"/>
+              </a:spcBef>
+              <a:buFont typeface="Arial" panose="020B0604020202020204" pitchFamily="34" charset="0"/>
+              <a:buChar char="•"/>
+              <a:defRPr sz="3600" kern="1200">
+                <a:solidFill>
+                  <a:schemeClr val="tx1"/>
+                </a:solidFill>
+                <a:latin typeface="+mn-lt"/>
+                <a:ea typeface="+mn-ea"/>
+                <a:cs typeface="+mn-cs"/>
+              </a:defRPr>
+            </a:lvl8pPr>
+            <a:lvl9pPr marL="7772011" indent="-457177" algn="l" defTabSz="1828709" rtl="0" eaLnBrk="1" latinLnBrk="0" hangingPunct="1">
+              <a:lnSpc>
+                <a:spcPct val="90000"/>
+              </a:lnSpc>
+              <a:spcBef>
+                <a:spcPts val="1000"/>
+              </a:spcBef>
+              <a:buFont typeface="Arial" panose="020B0604020202020204" pitchFamily="34" charset="0"/>
+              <a:buChar char="•"/>
+              <a:defRPr sz="3600" kern="1200">
+                <a:solidFill>
+                  <a:schemeClr val="tx1"/>
+                </a:solidFill>
+                <a:latin typeface="+mn-lt"/>
+                <a:ea typeface="+mn-ea"/>
+                <a:cs typeface="+mn-cs"/>
+              </a:defRPr>
+            </a:lvl9pPr>
+          </a:lstStyle>
+          <a:p>
+            <a:r>
+              <a:rPr lang="es-ES" dirty="0"/>
+              <a:t>¡Muchas gracias!</a:t>
+            </a:r>
+          </a:p>
+        </p:txBody>
+      </p:sp>
       <p:sp>
         <p:nvSpPr>
           <p:cNvPr id="5" name="Marcador de posición de texto 23">

--- a/slides/Patrones de diseño con Typescript en el mundo real.pptx
+++ b/slides/Patrones de diseño con Typescript en el mundo real.pptx
@@ -231,7 +231,7 @@
           <a:p>
             <a:fld id="{EE51316C-28F6-4304-8589-C6B7F7B17E4E}" type="datetimeFigureOut">
               <a:rPr lang="es-ES" smtClean="0"/>
-              <a:t>08/11/2019</a:t>
+              <a:t>09/11/2019</a:t>
             </a:fld>
             <a:endParaRPr lang="es-ES"/>
           </a:p>
@@ -4400,7 +4400,7 @@
           <a:p>
             <a:fld id="{0985B797-0E29-4660-9B0F-1C71CA65525C}" type="datetimeFigureOut">
               <a:rPr lang="en-US" smtClean="0"/>
-              <a:t>11/8/2019</a:t>
+              <a:t>11/9/2019</a:t>
             </a:fld>
             <a:endParaRPr lang="en-US"/>
           </a:p>
@@ -4600,7 +4600,7 @@
           <a:p>
             <a:fld id="{0985B797-0E29-4660-9B0F-1C71CA65525C}" type="datetimeFigureOut">
               <a:rPr lang="en-US" smtClean="0"/>
-              <a:t>11/8/2019</a:t>
+              <a:t>11/9/2019</a:t>
             </a:fld>
             <a:endParaRPr lang="en-US"/>
           </a:p>
@@ -4810,7 +4810,7 @@
           <a:p>
             <a:fld id="{0985B797-0E29-4660-9B0F-1C71CA65525C}" type="datetimeFigureOut">
               <a:rPr lang="en-US" smtClean="0"/>
-              <a:t>11/8/2019</a:t>
+              <a:t>11/9/2019</a:t>
             </a:fld>
             <a:endParaRPr lang="en-US"/>
           </a:p>
@@ -5010,7 +5010,7 @@
           <a:p>
             <a:fld id="{0985B797-0E29-4660-9B0F-1C71CA65525C}" type="datetimeFigureOut">
               <a:rPr lang="en-US" smtClean="0"/>
-              <a:t>11/8/2019</a:t>
+              <a:t>11/9/2019</a:t>
             </a:fld>
             <a:endParaRPr lang="en-US"/>
           </a:p>
@@ -5286,7 +5286,7 @@
           <a:p>
             <a:fld id="{0985B797-0E29-4660-9B0F-1C71CA65525C}" type="datetimeFigureOut">
               <a:rPr lang="en-US" smtClean="0"/>
-              <a:t>11/8/2019</a:t>
+              <a:t>11/9/2019</a:t>
             </a:fld>
             <a:endParaRPr lang="en-US"/>
           </a:p>
@@ -5554,7 +5554,7 @@
           <a:p>
             <a:fld id="{0985B797-0E29-4660-9B0F-1C71CA65525C}" type="datetimeFigureOut">
               <a:rPr lang="en-US" smtClean="0"/>
-              <a:t>11/8/2019</a:t>
+              <a:t>11/9/2019</a:t>
             </a:fld>
             <a:endParaRPr lang="en-US"/>
           </a:p>
@@ -5969,7 +5969,7 @@
           <a:p>
             <a:fld id="{0985B797-0E29-4660-9B0F-1C71CA65525C}" type="datetimeFigureOut">
               <a:rPr lang="en-US" smtClean="0"/>
-              <a:t>11/8/2019</a:t>
+              <a:t>11/9/2019</a:t>
             </a:fld>
             <a:endParaRPr lang="en-US"/>
           </a:p>
@@ -6111,7 +6111,7 @@
           <a:p>
             <a:fld id="{0985B797-0E29-4660-9B0F-1C71CA65525C}" type="datetimeFigureOut">
               <a:rPr lang="en-US" smtClean="0"/>
-              <a:t>11/8/2019</a:t>
+              <a:t>11/9/2019</a:t>
             </a:fld>
             <a:endParaRPr lang="en-US"/>
           </a:p>
@@ -6224,7 +6224,7 @@
           <a:p>
             <a:fld id="{0985B797-0E29-4660-9B0F-1C71CA65525C}" type="datetimeFigureOut">
               <a:rPr lang="en-US" smtClean="0"/>
-              <a:t>11/8/2019</a:t>
+              <a:t>11/9/2019</a:t>
             </a:fld>
             <a:endParaRPr lang="en-US"/>
           </a:p>
@@ -6537,7 +6537,7 @@
           <a:p>
             <a:fld id="{0985B797-0E29-4660-9B0F-1C71CA65525C}" type="datetimeFigureOut">
               <a:rPr lang="en-US" smtClean="0"/>
-              <a:t>11/8/2019</a:t>
+              <a:t>11/9/2019</a:t>
             </a:fld>
             <a:endParaRPr lang="en-US"/>
           </a:p>
@@ -6826,7 +6826,7 @@
           <a:p>
             <a:fld id="{0985B797-0E29-4660-9B0F-1C71CA65525C}" type="datetimeFigureOut">
               <a:rPr lang="en-US" smtClean="0"/>
-              <a:t>11/8/2019</a:t>
+              <a:t>11/9/2019</a:t>
             </a:fld>
             <a:endParaRPr lang="en-US"/>
           </a:p>
@@ -7069,7 +7069,7 @@
           <a:p>
             <a:fld id="{0985B797-0E29-4660-9B0F-1C71CA65525C}" type="datetimeFigureOut">
               <a:rPr lang="en-US" smtClean="0"/>
-              <a:t>11/8/2019</a:t>
+              <a:t>11/9/2019</a:t>
             </a:fld>
             <a:endParaRPr lang="en-US"/>
           </a:p>
@@ -23709,7 +23709,15 @@
             </a:pPr>
             <a:r>
               <a:rPr lang="es-ES" i="1" dirty="0"/>
-              <a:t>Los patrones de diseño son unas técnicas para resolver problemas comunes en el desarrollo de software y otros ámbitos referentes al diseño de interacción o interfaces.</a:t>
+              <a:t>Los patrones de diseño son unas </a:t>
+            </a:r>
+            <a:r>
+              <a:rPr lang="es-ES" b="1" i="1" dirty="0"/>
+              <a:t>técnicas para resolver problemas comunes en el desarrollo de software</a:t>
+            </a:r>
+            <a:r>
+              <a:rPr lang="es-ES" i="1" dirty="0"/>
+              <a:t> y otros ámbitos referentes al diseño de interacción o interfaces.</a:t>
             </a:r>
           </a:p>
           <a:p>
@@ -23724,8 +23732,37 @@
             </a:pPr>
             <a:r>
               <a:rPr lang="es-ES" i="1" dirty="0"/>
-              <a:t>Un patrón de diseño resulta ser una solución a un problema de diseño. Para que una solución sea considerada un patrón debe poseer ciertas características. Una de ellas es que debe haber comprobado su efectividad resolviendo problemas similares en ocasiones anteriores. Otra es que debe ser reutilizable, lo que significa que es aplicable a diferentes problemas de diseño en distintas circunstancias</a:t>
-            </a:r>
+              <a:t>Un patrón de diseño resulta ser una </a:t>
+            </a:r>
+            <a:r>
+              <a:rPr lang="es-ES" b="1" i="1" dirty="0"/>
+              <a:t>solución a un problema de diseño</a:t>
+            </a:r>
+            <a:r>
+              <a:rPr lang="es-ES" i="1" dirty="0"/>
+              <a:t>. Para que una solución sea considerada un patrón debe poseer ciertas características. Una de ellas es que </a:t>
+            </a:r>
+            <a:r>
+              <a:rPr lang="es-ES" b="1" i="1" dirty="0"/>
+              <a:t>debe haber comprobado su efectividad</a:t>
+            </a:r>
+            <a:r>
+              <a:rPr lang="es-ES" i="1" dirty="0"/>
+              <a:t> resolviendo problemas similares en ocasiones anteriores. Otra es que </a:t>
+            </a:r>
+            <a:r>
+              <a:rPr lang="es-ES" b="1" i="1" dirty="0"/>
+              <a:t>debe ser reutilizable</a:t>
+            </a:r>
+            <a:r>
+              <a:rPr lang="es-ES" i="1" dirty="0"/>
+              <a:t>, lo que significa que es aplicable a diferentes problemas de diseño en </a:t>
+            </a:r>
+            <a:r>
+              <a:rPr lang="es-ES" i="1"/>
+              <a:t>distintas circunstancias.</a:t>
+            </a:r>
+            <a:endParaRPr lang="es-ES" i="1" dirty="0"/>
           </a:p>
           <a:p>
             <a:pPr marL="0" indent="0">

--- a/slides/Patrones de diseño con Typescript en el mundo real.pptx
+++ b/slides/Patrones de diseño con Typescript en el mundo real.pptx
@@ -233,7 +233,7 @@
           <a:p>
             <a:fld id="{EE51316C-28F6-4304-8589-C6B7F7B17E4E}" type="datetimeFigureOut">
               <a:rPr lang="es-ES" smtClean="0"/>
-              <a:t>18/01/2020</a:t>
+              <a:t>19/01/2020</a:t>
             </a:fld>
             <a:endParaRPr lang="es-ES"/>
           </a:p>
@@ -4680,7 +4680,7 @@
           <a:p>
             <a:fld id="{0985B797-0E29-4660-9B0F-1C71CA65525C}" type="datetimeFigureOut">
               <a:rPr lang="en-US" smtClean="0"/>
-              <a:t>1/18/2020</a:t>
+              <a:t>1/19/2020</a:t>
             </a:fld>
             <a:endParaRPr lang="en-US"/>
           </a:p>
@@ -4880,7 +4880,7 @@
           <a:p>
             <a:fld id="{0985B797-0E29-4660-9B0F-1C71CA65525C}" type="datetimeFigureOut">
               <a:rPr lang="en-US" smtClean="0"/>
-              <a:t>1/18/2020</a:t>
+              <a:t>1/19/2020</a:t>
             </a:fld>
             <a:endParaRPr lang="en-US"/>
           </a:p>
@@ -5090,7 +5090,7 @@
           <a:p>
             <a:fld id="{0985B797-0E29-4660-9B0F-1C71CA65525C}" type="datetimeFigureOut">
               <a:rPr lang="en-US" smtClean="0"/>
-              <a:t>1/18/2020</a:t>
+              <a:t>1/19/2020</a:t>
             </a:fld>
             <a:endParaRPr lang="en-US"/>
           </a:p>
@@ -5290,7 +5290,7 @@
           <a:p>
             <a:fld id="{0985B797-0E29-4660-9B0F-1C71CA65525C}" type="datetimeFigureOut">
               <a:rPr lang="en-US" smtClean="0"/>
-              <a:t>1/18/2020</a:t>
+              <a:t>1/19/2020</a:t>
             </a:fld>
             <a:endParaRPr lang="en-US"/>
           </a:p>
@@ -5566,7 +5566,7 @@
           <a:p>
             <a:fld id="{0985B797-0E29-4660-9B0F-1C71CA65525C}" type="datetimeFigureOut">
               <a:rPr lang="en-US" smtClean="0"/>
-              <a:t>1/18/2020</a:t>
+              <a:t>1/19/2020</a:t>
             </a:fld>
             <a:endParaRPr lang="en-US"/>
           </a:p>
@@ -5834,7 +5834,7 @@
           <a:p>
             <a:fld id="{0985B797-0E29-4660-9B0F-1C71CA65525C}" type="datetimeFigureOut">
               <a:rPr lang="en-US" smtClean="0"/>
-              <a:t>1/18/2020</a:t>
+              <a:t>1/19/2020</a:t>
             </a:fld>
             <a:endParaRPr lang="en-US"/>
           </a:p>
@@ -6249,7 +6249,7 @@
           <a:p>
             <a:fld id="{0985B797-0E29-4660-9B0F-1C71CA65525C}" type="datetimeFigureOut">
               <a:rPr lang="en-US" smtClean="0"/>
-              <a:t>1/18/2020</a:t>
+              <a:t>1/19/2020</a:t>
             </a:fld>
             <a:endParaRPr lang="en-US"/>
           </a:p>
@@ -6391,7 +6391,7 @@
           <a:p>
             <a:fld id="{0985B797-0E29-4660-9B0F-1C71CA65525C}" type="datetimeFigureOut">
               <a:rPr lang="en-US" smtClean="0"/>
-              <a:t>1/18/2020</a:t>
+              <a:t>1/19/2020</a:t>
             </a:fld>
             <a:endParaRPr lang="en-US"/>
           </a:p>
@@ -6504,7 +6504,7 @@
           <a:p>
             <a:fld id="{0985B797-0E29-4660-9B0F-1C71CA65525C}" type="datetimeFigureOut">
               <a:rPr lang="en-US" smtClean="0"/>
-              <a:t>1/18/2020</a:t>
+              <a:t>1/19/2020</a:t>
             </a:fld>
             <a:endParaRPr lang="en-US"/>
           </a:p>
@@ -6817,7 +6817,7 @@
           <a:p>
             <a:fld id="{0985B797-0E29-4660-9B0F-1C71CA65525C}" type="datetimeFigureOut">
               <a:rPr lang="en-US" smtClean="0"/>
-              <a:t>1/18/2020</a:t>
+              <a:t>1/19/2020</a:t>
             </a:fld>
             <a:endParaRPr lang="en-US"/>
           </a:p>
@@ -7106,7 +7106,7 @@
           <a:p>
             <a:fld id="{0985B797-0E29-4660-9B0F-1C71CA65525C}" type="datetimeFigureOut">
               <a:rPr lang="en-US" smtClean="0"/>
-              <a:t>1/18/2020</a:t>
+              <a:t>1/19/2020</a:t>
             </a:fld>
             <a:endParaRPr lang="en-US"/>
           </a:p>
@@ -7349,7 +7349,7 @@
           <a:p>
             <a:fld id="{0985B797-0E29-4660-9B0F-1C71CA65525C}" type="datetimeFigureOut">
               <a:rPr lang="en-US" smtClean="0"/>
-              <a:t>1/18/2020</a:t>
+              <a:t>1/19/2020</a:t>
             </a:fld>
             <a:endParaRPr lang="en-US"/>
           </a:p>
@@ -27540,15 +27540,14 @@
           </p:cNvPr>
           <p:cNvCxnSpPr>
             <a:cxnSpLocks/>
-            <a:stCxn id="28" idx="3"/>
             <a:endCxn id="6" idx="1"/>
           </p:cNvCxnSpPr>
           <p:nvPr/>
         </p:nvCxnSpPr>
         <p:spPr>
-          <a:xfrm flipV="1">
-            <a:off x="6816436" y="1416526"/>
-            <a:ext cx="2576060" cy="5610"/>
+          <a:xfrm>
+            <a:off x="5624137" y="1407529"/>
+            <a:ext cx="3768359" cy="8997"/>
           </a:xfrm>
           <a:prstGeom prst="straightConnector1">
             <a:avLst/>
@@ -27589,7 +27588,7 @@
         </p:nvSpPr>
         <p:spPr>
           <a:xfrm>
-            <a:off x="5647285" y="1252859"/>
+            <a:off x="6258999" y="1091613"/>
             <a:ext cx="1169151" cy="338554"/>
           </a:xfrm>
           <a:prstGeom prst="rect">
@@ -27698,6 +27697,443 @@
           </a:p>
         </p:txBody>
       </p:sp>
+      <p:sp>
+        <p:nvSpPr>
+          <p:cNvPr id="39" name="CuadroTexto 38">
+            <a:extLst>
+              <a:ext uri="{FF2B5EF4-FFF2-40B4-BE49-F238E27FC236}">
+                <a16:creationId xmlns:a16="http://schemas.microsoft.com/office/drawing/2014/main" id="{C8EAE2A9-1D48-4069-9D0F-2D14D1453AA2}"/>
+              </a:ext>
+            </a:extLst>
+          </p:cNvPr>
+          <p:cNvSpPr txBox="1"/>
+          <p:nvPr/>
+        </p:nvSpPr>
+        <p:spPr>
+          <a:xfrm>
+            <a:off x="9839880" y="3106912"/>
+            <a:ext cx="1376218" cy="338554"/>
+          </a:xfrm>
+          <a:prstGeom prst="rect">
+            <a:avLst/>
+          </a:prstGeom>
+          <a:noFill/>
+        </p:spPr>
+        <p:txBody>
+          <a:bodyPr wrap="square" rtlCol="0">
+            <a:spAutoFit/>
+          </a:bodyPr>
+          <a:lstStyle/>
+          <a:p>
+            <a:r>
+              <a:rPr lang="en-US" sz="1600" dirty="0">
+                <a:solidFill>
+                  <a:schemeClr val="bg1"/>
+                </a:solidFill>
+              </a:rPr>
+              <a:t>gets</a:t>
+            </a:r>
+          </a:p>
+        </p:txBody>
+      </p:sp>
+      <p:pic>
+        <p:nvPicPr>
+          <p:cNvPr id="53" name="Imagen 52">
+            <a:extLst>
+              <a:ext uri="{FF2B5EF4-FFF2-40B4-BE49-F238E27FC236}">
+                <a16:creationId xmlns:a16="http://schemas.microsoft.com/office/drawing/2014/main" id="{258348A1-8868-4B4B-B380-B32C7F6D44D0}"/>
+              </a:ext>
+            </a:extLst>
+          </p:cNvPr>
+          <p:cNvPicPr>
+            <a:picLocks noChangeAspect="1"/>
+          </p:cNvPicPr>
+          <p:nvPr/>
+        </p:nvPicPr>
+        <p:blipFill>
+          <a:blip r:embed="rId4"/>
+          <a:stretch>
+            <a:fillRect/>
+          </a:stretch>
+        </p:blipFill>
+        <p:spPr>
+          <a:xfrm>
+            <a:off x="329997" y="4798389"/>
+            <a:ext cx="3219074" cy="1642218"/>
+          </a:xfrm>
+          <a:prstGeom prst="rect">
+            <a:avLst/>
+          </a:prstGeom>
+        </p:spPr>
+      </p:pic>
+      <p:sp>
+        <p:nvSpPr>
+          <p:cNvPr id="95" name="CuadroTexto 94">
+            <a:extLst>
+              <a:ext uri="{FF2B5EF4-FFF2-40B4-BE49-F238E27FC236}">
+                <a16:creationId xmlns:a16="http://schemas.microsoft.com/office/drawing/2014/main" id="{67848249-14A6-4729-A6A1-BB8AF75BB5E5}"/>
+              </a:ext>
+            </a:extLst>
+          </p:cNvPr>
+          <p:cNvSpPr txBox="1"/>
+          <p:nvPr/>
+        </p:nvSpPr>
+        <p:spPr>
+          <a:xfrm>
+            <a:off x="175289" y="3723216"/>
+            <a:ext cx="935768" cy="369332"/>
+          </a:xfrm>
+          <a:prstGeom prst="rect">
+            <a:avLst/>
+          </a:prstGeom>
+          <a:noFill/>
+        </p:spPr>
+        <p:txBody>
+          <a:bodyPr wrap="square" rtlCol="0">
+            <a:spAutoFit/>
+          </a:bodyPr>
+          <a:lstStyle/>
+          <a:p>
+            <a:r>
+              <a:rPr lang="en-US" dirty="0">
+                <a:solidFill>
+                  <a:schemeClr val="bg1"/>
+                </a:solidFill>
+              </a:rPr>
+              <a:t>Usage:</a:t>
+            </a:r>
+          </a:p>
+        </p:txBody>
+      </p:sp>
+      <p:pic>
+        <p:nvPicPr>
+          <p:cNvPr id="98" name="Imagen 97">
+            <a:extLst>
+              <a:ext uri="{FF2B5EF4-FFF2-40B4-BE49-F238E27FC236}">
+                <a16:creationId xmlns:a16="http://schemas.microsoft.com/office/drawing/2014/main" id="{FD217EEE-32A7-4431-A10D-C72C9D432A7D}"/>
+              </a:ext>
+            </a:extLst>
+          </p:cNvPr>
+          <p:cNvPicPr>
+            <a:picLocks noChangeAspect="1"/>
+          </p:cNvPicPr>
+          <p:nvPr/>
+        </p:nvPicPr>
+        <p:blipFill>
+          <a:blip r:embed="rId5"/>
+          <a:stretch>
+            <a:fillRect/>
+          </a:stretch>
+        </p:blipFill>
+        <p:spPr>
+          <a:xfrm>
+            <a:off x="235185" y="2097665"/>
+            <a:ext cx="5328679" cy="598728"/>
+          </a:xfrm>
+          <a:prstGeom prst="rect">
+            <a:avLst/>
+          </a:prstGeom>
+        </p:spPr>
+      </p:pic>
+      <p:pic>
+        <p:nvPicPr>
+          <p:cNvPr id="99" name="Imagen 98">
+            <a:extLst>
+              <a:ext uri="{FF2B5EF4-FFF2-40B4-BE49-F238E27FC236}">
+                <a16:creationId xmlns:a16="http://schemas.microsoft.com/office/drawing/2014/main" id="{B7554640-2141-4ECA-9DBB-AA03B44695E0}"/>
+              </a:ext>
+            </a:extLst>
+          </p:cNvPr>
+          <p:cNvPicPr>
+            <a:picLocks noChangeAspect="1"/>
+          </p:cNvPicPr>
+          <p:nvPr/>
+        </p:nvPicPr>
+        <p:blipFill>
+          <a:blip r:embed="rId6"/>
+          <a:stretch>
+            <a:fillRect/>
+          </a:stretch>
+        </p:blipFill>
+        <p:spPr>
+          <a:xfrm>
+            <a:off x="244407" y="1395745"/>
+            <a:ext cx="5143609" cy="631952"/>
+          </a:xfrm>
+          <a:prstGeom prst="rect">
+            <a:avLst/>
+          </a:prstGeom>
+        </p:spPr>
+      </p:pic>
+      <p:pic>
+        <p:nvPicPr>
+          <p:cNvPr id="100" name="Imagen 99">
+            <a:extLst>
+              <a:ext uri="{FF2B5EF4-FFF2-40B4-BE49-F238E27FC236}">
+                <a16:creationId xmlns:a16="http://schemas.microsoft.com/office/drawing/2014/main" id="{0D705CEE-9F14-416B-8B73-39260594E740}"/>
+              </a:ext>
+            </a:extLst>
+          </p:cNvPr>
+          <p:cNvPicPr>
+            <a:picLocks noChangeAspect="1"/>
+          </p:cNvPicPr>
+          <p:nvPr/>
+        </p:nvPicPr>
+        <p:blipFill>
+          <a:blip r:embed="rId7"/>
+          <a:stretch>
+            <a:fillRect/>
+          </a:stretch>
+        </p:blipFill>
+        <p:spPr>
+          <a:xfrm>
+            <a:off x="235185" y="2755462"/>
+            <a:ext cx="5290656" cy="629285"/>
+          </a:xfrm>
+          <a:prstGeom prst="rect">
+            <a:avLst/>
+          </a:prstGeom>
+        </p:spPr>
+      </p:pic>
+      <p:pic>
+        <p:nvPicPr>
+          <p:cNvPr id="2" name="Imagen 1">
+            <a:extLst>
+              <a:ext uri="{FF2B5EF4-FFF2-40B4-BE49-F238E27FC236}">
+                <a16:creationId xmlns:a16="http://schemas.microsoft.com/office/drawing/2014/main" id="{609F9505-B986-494B-892B-D1F095D77BE1}"/>
+              </a:ext>
+            </a:extLst>
+          </p:cNvPr>
+          <p:cNvPicPr>
+            <a:picLocks noChangeAspect="1"/>
+          </p:cNvPicPr>
+          <p:nvPr/>
+        </p:nvPicPr>
+        <p:blipFill>
+          <a:blip r:embed="rId8"/>
+          <a:stretch>
+            <a:fillRect/>
+          </a:stretch>
+        </p:blipFill>
+        <p:spPr>
+          <a:xfrm>
+            <a:off x="288904" y="4238453"/>
+            <a:ext cx="5431478" cy="446854"/>
+          </a:xfrm>
+          <a:prstGeom prst="rect">
+            <a:avLst/>
+          </a:prstGeom>
+        </p:spPr>
+      </p:pic>
+      <p:pic>
+        <p:nvPicPr>
+          <p:cNvPr id="3" name="Imagen 2">
+            <a:extLst>
+              <a:ext uri="{FF2B5EF4-FFF2-40B4-BE49-F238E27FC236}">
+                <a16:creationId xmlns:a16="http://schemas.microsoft.com/office/drawing/2014/main" id="{9ECA7B51-42E0-45E5-BDA6-E7BA03961FBE}"/>
+              </a:ext>
+            </a:extLst>
+          </p:cNvPr>
+          <p:cNvPicPr>
+            <a:picLocks noChangeAspect="1"/>
+          </p:cNvPicPr>
+          <p:nvPr/>
+        </p:nvPicPr>
+        <p:blipFill>
+          <a:blip r:embed="rId9"/>
+          <a:stretch>
+            <a:fillRect/>
+          </a:stretch>
+        </p:blipFill>
+        <p:spPr>
+          <a:xfrm>
+            <a:off x="6085576" y="3626464"/>
+            <a:ext cx="4970351" cy="3079393"/>
+          </a:xfrm>
+          <a:prstGeom prst="rect">
+            <a:avLst/>
+          </a:prstGeom>
+          <a:effectLst>
+            <a:glow rad="25400">
+              <a:schemeClr val="bg1">
+                <a:alpha val="40000"/>
+              </a:schemeClr>
+            </a:glow>
+          </a:effectLst>
+        </p:spPr>
+      </p:pic>
+      <p:sp>
+        <p:nvSpPr>
+          <p:cNvPr id="30" name="Rectángulo 29"/>
+          <p:cNvSpPr/>
+          <p:nvPr/>
+        </p:nvSpPr>
+        <p:spPr>
+          <a:xfrm>
+            <a:off x="484863" y="351291"/>
+            <a:ext cx="7904064" cy="769441"/>
+          </a:xfrm>
+          <a:prstGeom prst="rect">
+            <a:avLst/>
+          </a:prstGeom>
+        </p:spPr>
+        <p:txBody>
+          <a:bodyPr wrap="square">
+            <a:spAutoFit/>
+          </a:bodyPr>
+          <a:lstStyle/>
+          <a:p>
+            <a:r>
+              <a:rPr lang="es-ES" sz="4400" dirty="0">
+                <a:solidFill>
+                  <a:schemeClr val="bg1"/>
+                </a:solidFill>
+                <a:latin typeface="Segoe UI" panose="020B0502040204020203" pitchFamily="34" charset="0"/>
+                <a:cs typeface="Segoe UI" panose="020B0502040204020203" pitchFamily="34" charset="0"/>
+              </a:rPr>
+              <a:t>Factory </a:t>
+            </a:r>
+            <a:r>
+              <a:rPr lang="es-ES" sz="4400" dirty="0" err="1">
+                <a:solidFill>
+                  <a:schemeClr val="bg1"/>
+                </a:solidFill>
+                <a:latin typeface="Segoe UI" panose="020B0502040204020203" pitchFamily="34" charset="0"/>
+                <a:cs typeface="Segoe UI" panose="020B0502040204020203" pitchFamily="34" charset="0"/>
+              </a:rPr>
+              <a:t>method</a:t>
+            </a:r>
+            <a:r>
+              <a:rPr lang="es-ES" sz="4400" dirty="0">
+                <a:solidFill>
+                  <a:schemeClr val="bg1"/>
+                </a:solidFill>
+                <a:latin typeface="Segoe UI" panose="020B0502040204020203" pitchFamily="34" charset="0"/>
+                <a:cs typeface="Segoe UI" panose="020B0502040204020203" pitchFamily="34" charset="0"/>
+              </a:rPr>
+              <a:t> (</a:t>
+            </a:r>
+            <a:r>
+              <a:rPr lang="es-ES" sz="4400" dirty="0" err="1">
+                <a:solidFill>
+                  <a:schemeClr val="bg1"/>
+                </a:solidFill>
+                <a:latin typeface="Segoe UI" panose="020B0502040204020203" pitchFamily="34" charset="0"/>
+                <a:cs typeface="Segoe UI" panose="020B0502040204020203" pitchFamily="34" charset="0"/>
+              </a:rPr>
+              <a:t>with</a:t>
+            </a:r>
+            <a:r>
+              <a:rPr lang="es-ES" sz="4400" dirty="0">
+                <a:solidFill>
+                  <a:schemeClr val="bg1"/>
+                </a:solidFill>
+                <a:latin typeface="Segoe UI" panose="020B0502040204020203" pitchFamily="34" charset="0"/>
+                <a:cs typeface="Segoe UI" panose="020B0502040204020203" pitchFamily="34" charset="0"/>
+              </a:rPr>
+              <a:t> </a:t>
+            </a:r>
+            <a:r>
+              <a:rPr lang="es-ES" sz="4400" dirty="0" err="1">
+                <a:solidFill>
+                  <a:schemeClr val="bg1"/>
+                </a:solidFill>
+                <a:latin typeface="Segoe UI" panose="020B0502040204020203" pitchFamily="34" charset="0"/>
+                <a:cs typeface="Segoe UI" panose="020B0502040204020203" pitchFamily="34" charset="0"/>
+              </a:rPr>
+              <a:t>params</a:t>
+            </a:r>
+            <a:r>
+              <a:rPr lang="es-ES" sz="4400" dirty="0">
+                <a:solidFill>
+                  <a:schemeClr val="bg1"/>
+                </a:solidFill>
+                <a:latin typeface="Segoe UI" panose="020B0502040204020203" pitchFamily="34" charset="0"/>
+                <a:cs typeface="Segoe UI" panose="020B0502040204020203" pitchFamily="34" charset="0"/>
+              </a:rPr>
+              <a:t>)</a:t>
+            </a:r>
+          </a:p>
+        </p:txBody>
+      </p:sp>
+      <p:sp>
+        <p:nvSpPr>
+          <p:cNvPr id="35" name="CuadroTexto 34">
+            <a:extLst>
+              <a:ext uri="{FF2B5EF4-FFF2-40B4-BE49-F238E27FC236}">
+                <a16:creationId xmlns:a16="http://schemas.microsoft.com/office/drawing/2014/main" id="{8D5F8848-69CC-474A-8B0C-8685958FFF9D}"/>
+              </a:ext>
+            </a:extLst>
+          </p:cNvPr>
+          <p:cNvSpPr txBox="1"/>
+          <p:nvPr/>
+        </p:nvSpPr>
+        <p:spPr>
+          <a:xfrm>
+            <a:off x="7936937" y="474401"/>
+            <a:ext cx="3397994" cy="646331"/>
+          </a:xfrm>
+          <a:prstGeom prst="rect">
+            <a:avLst/>
+          </a:prstGeom>
+          <a:noFill/>
+        </p:spPr>
+        <p:txBody>
+          <a:bodyPr wrap="square" rtlCol="0">
+            <a:spAutoFit/>
+          </a:bodyPr>
+          <a:lstStyle/>
+          <a:p>
+            <a:r>
+              <a:rPr lang="en-US" sz="3600" dirty="0" err="1">
+                <a:solidFill>
+                  <a:srgbClr val="53A2D3"/>
+                </a:solidFill>
+                <a:latin typeface="Segoe UI" panose="020B0502040204020203" pitchFamily="34" charset="0"/>
+                <a:cs typeface="Segoe UI" panose="020B0502040204020203" pitchFamily="34" charset="0"/>
+              </a:rPr>
+              <a:t>realidad</a:t>
+            </a:r>
+            <a:endParaRPr lang="en-US" sz="3600" dirty="0">
+              <a:solidFill>
+                <a:srgbClr val="53A2D3"/>
+              </a:solidFill>
+              <a:latin typeface="Segoe UI" panose="020B0502040204020203" pitchFamily="34" charset="0"/>
+              <a:cs typeface="Segoe UI" panose="020B0502040204020203" pitchFamily="34" charset="0"/>
+            </a:endParaRPr>
+          </a:p>
+        </p:txBody>
+      </p:sp>
+      <p:pic>
+        <p:nvPicPr>
+          <p:cNvPr id="40" name="Imagen 39"/>
+          <p:cNvPicPr>
+            <a:picLocks noChangeAspect="1"/>
+          </p:cNvPicPr>
+          <p:nvPr/>
+        </p:nvPicPr>
+        <p:blipFill>
+          <a:blip r:embed="rId10" cstate="hqprint">
+            <a:extLst>
+              <a:ext uri="{28A0092B-C50C-407E-A947-70E740481C1C}">
+                <a14:useLocalDpi xmlns:a14="http://schemas.microsoft.com/office/drawing/2010/main" val="0"/>
+              </a:ext>
+            </a:extLst>
+          </a:blip>
+          <a:stretch>
+            <a:fillRect/>
+          </a:stretch>
+        </p:blipFill>
+        <p:spPr>
+          <a:xfrm>
+            <a:off x="10676614" y="5268709"/>
+            <a:ext cx="1078969" cy="1078969"/>
+          </a:xfrm>
+          <a:prstGeom prst="rect">
+            <a:avLst/>
+          </a:prstGeom>
+        </p:spPr>
+      </p:pic>
       <p:cxnSp>
         <p:nvCxnSpPr>
           <p:cNvPr id="37" name="Conector recto de flecha 36">
@@ -27712,14 +28148,13 @@
           </p:cNvPr>
           <p:cNvCxnSpPr>
             <a:cxnSpLocks/>
-            <a:endCxn id="13" idx="2"/>
           </p:cNvCxnSpPr>
           <p:nvPr/>
         </p:nvCxnSpPr>
         <p:spPr>
           <a:xfrm flipV="1">
-            <a:off x="9635935" y="3504961"/>
-            <a:ext cx="0" cy="344044"/>
+            <a:off x="9687369" y="2983589"/>
+            <a:ext cx="229517" cy="638278"/>
           </a:xfrm>
           <a:prstGeom prst="straightConnector1">
             <a:avLst/>
@@ -27746,443 +28181,6 @@
           </a:fontRef>
         </p:style>
       </p:cxnSp>
-      <p:sp>
-        <p:nvSpPr>
-          <p:cNvPr id="39" name="CuadroTexto 38">
-            <a:extLst>
-              <a:ext uri="{FF2B5EF4-FFF2-40B4-BE49-F238E27FC236}">
-                <a16:creationId xmlns:a16="http://schemas.microsoft.com/office/drawing/2014/main" id="{C8EAE2A9-1D48-4069-9D0F-2D14D1453AA2}"/>
-              </a:ext>
-            </a:extLst>
-          </p:cNvPr>
-          <p:cNvSpPr txBox="1"/>
-          <p:nvPr/>
-        </p:nvSpPr>
-        <p:spPr>
-          <a:xfrm>
-            <a:off x="9527331" y="1796799"/>
-            <a:ext cx="1376218" cy="338554"/>
-          </a:xfrm>
-          <a:prstGeom prst="rect">
-            <a:avLst/>
-          </a:prstGeom>
-          <a:noFill/>
-        </p:spPr>
-        <p:txBody>
-          <a:bodyPr wrap="square" rtlCol="0">
-            <a:spAutoFit/>
-          </a:bodyPr>
-          <a:lstStyle/>
-          <a:p>
-            <a:r>
-              <a:rPr lang="en-US" sz="1600" dirty="0">
-                <a:solidFill>
-                  <a:schemeClr val="bg1"/>
-                </a:solidFill>
-              </a:rPr>
-              <a:t>gets</a:t>
-            </a:r>
-          </a:p>
-        </p:txBody>
-      </p:sp>
-      <p:pic>
-        <p:nvPicPr>
-          <p:cNvPr id="53" name="Imagen 52">
-            <a:extLst>
-              <a:ext uri="{FF2B5EF4-FFF2-40B4-BE49-F238E27FC236}">
-                <a16:creationId xmlns:a16="http://schemas.microsoft.com/office/drawing/2014/main" id="{258348A1-8868-4B4B-B380-B32C7F6D44D0}"/>
-              </a:ext>
-            </a:extLst>
-          </p:cNvPr>
-          <p:cNvPicPr>
-            <a:picLocks noChangeAspect="1"/>
-          </p:cNvPicPr>
-          <p:nvPr/>
-        </p:nvPicPr>
-        <p:blipFill>
-          <a:blip r:embed="rId4"/>
-          <a:stretch>
-            <a:fillRect/>
-          </a:stretch>
-        </p:blipFill>
-        <p:spPr>
-          <a:xfrm>
-            <a:off x="329997" y="4798389"/>
-            <a:ext cx="3219074" cy="1642218"/>
-          </a:xfrm>
-          <a:prstGeom prst="rect">
-            <a:avLst/>
-          </a:prstGeom>
-        </p:spPr>
-      </p:pic>
-      <p:sp>
-        <p:nvSpPr>
-          <p:cNvPr id="95" name="CuadroTexto 94">
-            <a:extLst>
-              <a:ext uri="{FF2B5EF4-FFF2-40B4-BE49-F238E27FC236}">
-                <a16:creationId xmlns:a16="http://schemas.microsoft.com/office/drawing/2014/main" id="{67848249-14A6-4729-A6A1-BB8AF75BB5E5}"/>
-              </a:ext>
-            </a:extLst>
-          </p:cNvPr>
-          <p:cNvSpPr txBox="1"/>
-          <p:nvPr/>
-        </p:nvSpPr>
-        <p:spPr>
-          <a:xfrm>
-            <a:off x="175289" y="3723216"/>
-            <a:ext cx="935768" cy="369332"/>
-          </a:xfrm>
-          <a:prstGeom prst="rect">
-            <a:avLst/>
-          </a:prstGeom>
-          <a:noFill/>
-        </p:spPr>
-        <p:txBody>
-          <a:bodyPr wrap="square" rtlCol="0">
-            <a:spAutoFit/>
-          </a:bodyPr>
-          <a:lstStyle/>
-          <a:p>
-            <a:r>
-              <a:rPr lang="en-US" dirty="0">
-                <a:solidFill>
-                  <a:schemeClr val="bg1"/>
-                </a:solidFill>
-              </a:rPr>
-              <a:t>Usage:</a:t>
-            </a:r>
-          </a:p>
-        </p:txBody>
-      </p:sp>
-      <p:pic>
-        <p:nvPicPr>
-          <p:cNvPr id="98" name="Imagen 97">
-            <a:extLst>
-              <a:ext uri="{FF2B5EF4-FFF2-40B4-BE49-F238E27FC236}">
-                <a16:creationId xmlns:a16="http://schemas.microsoft.com/office/drawing/2014/main" id="{FD217EEE-32A7-4431-A10D-C72C9D432A7D}"/>
-              </a:ext>
-            </a:extLst>
-          </p:cNvPr>
-          <p:cNvPicPr>
-            <a:picLocks noChangeAspect="1"/>
-          </p:cNvPicPr>
-          <p:nvPr/>
-        </p:nvPicPr>
-        <p:blipFill>
-          <a:blip r:embed="rId5"/>
-          <a:stretch>
-            <a:fillRect/>
-          </a:stretch>
-        </p:blipFill>
-        <p:spPr>
-          <a:xfrm>
-            <a:off x="235185" y="2097665"/>
-            <a:ext cx="5328679" cy="598728"/>
-          </a:xfrm>
-          <a:prstGeom prst="rect">
-            <a:avLst/>
-          </a:prstGeom>
-        </p:spPr>
-      </p:pic>
-      <p:pic>
-        <p:nvPicPr>
-          <p:cNvPr id="99" name="Imagen 98">
-            <a:extLst>
-              <a:ext uri="{FF2B5EF4-FFF2-40B4-BE49-F238E27FC236}">
-                <a16:creationId xmlns:a16="http://schemas.microsoft.com/office/drawing/2014/main" id="{B7554640-2141-4ECA-9DBB-AA03B44695E0}"/>
-              </a:ext>
-            </a:extLst>
-          </p:cNvPr>
-          <p:cNvPicPr>
-            <a:picLocks noChangeAspect="1"/>
-          </p:cNvPicPr>
-          <p:nvPr/>
-        </p:nvPicPr>
-        <p:blipFill>
-          <a:blip r:embed="rId6"/>
-          <a:stretch>
-            <a:fillRect/>
-          </a:stretch>
-        </p:blipFill>
-        <p:spPr>
-          <a:xfrm>
-            <a:off x="244407" y="1395745"/>
-            <a:ext cx="5143609" cy="631952"/>
-          </a:xfrm>
-          <a:prstGeom prst="rect">
-            <a:avLst/>
-          </a:prstGeom>
-        </p:spPr>
-      </p:pic>
-      <p:pic>
-        <p:nvPicPr>
-          <p:cNvPr id="100" name="Imagen 99">
-            <a:extLst>
-              <a:ext uri="{FF2B5EF4-FFF2-40B4-BE49-F238E27FC236}">
-                <a16:creationId xmlns:a16="http://schemas.microsoft.com/office/drawing/2014/main" id="{0D705CEE-9F14-416B-8B73-39260594E740}"/>
-              </a:ext>
-            </a:extLst>
-          </p:cNvPr>
-          <p:cNvPicPr>
-            <a:picLocks noChangeAspect="1"/>
-          </p:cNvPicPr>
-          <p:nvPr/>
-        </p:nvPicPr>
-        <p:blipFill>
-          <a:blip r:embed="rId7"/>
-          <a:stretch>
-            <a:fillRect/>
-          </a:stretch>
-        </p:blipFill>
-        <p:spPr>
-          <a:xfrm>
-            <a:off x="235185" y="2755462"/>
-            <a:ext cx="5290656" cy="629285"/>
-          </a:xfrm>
-          <a:prstGeom prst="rect">
-            <a:avLst/>
-          </a:prstGeom>
-        </p:spPr>
-      </p:pic>
-      <p:pic>
-        <p:nvPicPr>
-          <p:cNvPr id="2" name="Imagen 1">
-            <a:extLst>
-              <a:ext uri="{FF2B5EF4-FFF2-40B4-BE49-F238E27FC236}">
-                <a16:creationId xmlns:a16="http://schemas.microsoft.com/office/drawing/2014/main" id="{609F9505-B986-494B-892B-D1F095D77BE1}"/>
-              </a:ext>
-            </a:extLst>
-          </p:cNvPr>
-          <p:cNvPicPr>
-            <a:picLocks noChangeAspect="1"/>
-          </p:cNvPicPr>
-          <p:nvPr/>
-        </p:nvPicPr>
-        <p:blipFill>
-          <a:blip r:embed="rId8"/>
-          <a:stretch>
-            <a:fillRect/>
-          </a:stretch>
-        </p:blipFill>
-        <p:spPr>
-          <a:xfrm>
-            <a:off x="288904" y="4238453"/>
-            <a:ext cx="5431478" cy="446854"/>
-          </a:xfrm>
-          <a:prstGeom prst="rect">
-            <a:avLst/>
-          </a:prstGeom>
-        </p:spPr>
-      </p:pic>
-      <p:pic>
-        <p:nvPicPr>
-          <p:cNvPr id="3" name="Imagen 2">
-            <a:extLst>
-              <a:ext uri="{FF2B5EF4-FFF2-40B4-BE49-F238E27FC236}">
-                <a16:creationId xmlns:a16="http://schemas.microsoft.com/office/drawing/2014/main" id="{9ECA7B51-42E0-45E5-BDA6-E7BA03961FBE}"/>
-              </a:ext>
-            </a:extLst>
-          </p:cNvPr>
-          <p:cNvPicPr>
-            <a:picLocks noChangeAspect="1"/>
-          </p:cNvPicPr>
-          <p:nvPr/>
-        </p:nvPicPr>
-        <p:blipFill>
-          <a:blip r:embed="rId9"/>
-          <a:stretch>
-            <a:fillRect/>
-          </a:stretch>
-        </p:blipFill>
-        <p:spPr>
-          <a:xfrm>
-            <a:off x="6085576" y="3626464"/>
-            <a:ext cx="4970351" cy="3079393"/>
-          </a:xfrm>
-          <a:prstGeom prst="rect">
-            <a:avLst/>
-          </a:prstGeom>
-          <a:effectLst>
-            <a:glow rad="25400">
-              <a:schemeClr val="bg1">
-                <a:alpha val="40000"/>
-              </a:schemeClr>
-            </a:glow>
-          </a:effectLst>
-        </p:spPr>
-      </p:pic>
-      <p:sp>
-        <p:nvSpPr>
-          <p:cNvPr id="30" name="Rectángulo 29"/>
-          <p:cNvSpPr/>
-          <p:nvPr/>
-        </p:nvSpPr>
-        <p:spPr>
-          <a:xfrm>
-            <a:off x="484863" y="351291"/>
-            <a:ext cx="7904064" cy="769441"/>
-          </a:xfrm>
-          <a:prstGeom prst="rect">
-            <a:avLst/>
-          </a:prstGeom>
-        </p:spPr>
-        <p:txBody>
-          <a:bodyPr wrap="square">
-            <a:spAutoFit/>
-          </a:bodyPr>
-          <a:lstStyle/>
-          <a:p>
-            <a:r>
-              <a:rPr lang="es-ES" sz="4400" dirty="0">
-                <a:solidFill>
-                  <a:schemeClr val="bg1"/>
-                </a:solidFill>
-                <a:latin typeface="Segoe UI" panose="020B0502040204020203" pitchFamily="34" charset="0"/>
-                <a:cs typeface="Segoe UI" panose="020B0502040204020203" pitchFamily="34" charset="0"/>
-              </a:rPr>
-              <a:t>Factory </a:t>
-            </a:r>
-            <a:r>
-              <a:rPr lang="es-ES" sz="4400" dirty="0" err="1">
-                <a:solidFill>
-                  <a:schemeClr val="bg1"/>
-                </a:solidFill>
-                <a:latin typeface="Segoe UI" panose="020B0502040204020203" pitchFamily="34" charset="0"/>
-                <a:cs typeface="Segoe UI" panose="020B0502040204020203" pitchFamily="34" charset="0"/>
-              </a:rPr>
-              <a:t>method</a:t>
-            </a:r>
-            <a:r>
-              <a:rPr lang="es-ES" sz="4400" dirty="0">
-                <a:solidFill>
-                  <a:schemeClr val="bg1"/>
-                </a:solidFill>
-                <a:latin typeface="Segoe UI" panose="020B0502040204020203" pitchFamily="34" charset="0"/>
-                <a:cs typeface="Segoe UI" panose="020B0502040204020203" pitchFamily="34" charset="0"/>
-              </a:rPr>
-              <a:t> (</a:t>
-            </a:r>
-            <a:r>
-              <a:rPr lang="es-ES" sz="4400" dirty="0" err="1">
-                <a:solidFill>
-                  <a:schemeClr val="bg1"/>
-                </a:solidFill>
-                <a:latin typeface="Segoe UI" panose="020B0502040204020203" pitchFamily="34" charset="0"/>
-                <a:cs typeface="Segoe UI" panose="020B0502040204020203" pitchFamily="34" charset="0"/>
-              </a:rPr>
-              <a:t>with</a:t>
-            </a:r>
-            <a:r>
-              <a:rPr lang="es-ES" sz="4400" dirty="0">
-                <a:solidFill>
-                  <a:schemeClr val="bg1"/>
-                </a:solidFill>
-                <a:latin typeface="Segoe UI" panose="020B0502040204020203" pitchFamily="34" charset="0"/>
-                <a:cs typeface="Segoe UI" panose="020B0502040204020203" pitchFamily="34" charset="0"/>
-              </a:rPr>
-              <a:t> </a:t>
-            </a:r>
-            <a:r>
-              <a:rPr lang="es-ES" sz="4400" dirty="0" err="1">
-                <a:solidFill>
-                  <a:schemeClr val="bg1"/>
-                </a:solidFill>
-                <a:latin typeface="Segoe UI" panose="020B0502040204020203" pitchFamily="34" charset="0"/>
-                <a:cs typeface="Segoe UI" panose="020B0502040204020203" pitchFamily="34" charset="0"/>
-              </a:rPr>
-              <a:t>params</a:t>
-            </a:r>
-            <a:r>
-              <a:rPr lang="es-ES" sz="4400" dirty="0">
-                <a:solidFill>
-                  <a:schemeClr val="bg1"/>
-                </a:solidFill>
-                <a:latin typeface="Segoe UI" panose="020B0502040204020203" pitchFamily="34" charset="0"/>
-                <a:cs typeface="Segoe UI" panose="020B0502040204020203" pitchFamily="34" charset="0"/>
-              </a:rPr>
-              <a:t>)</a:t>
-            </a:r>
-          </a:p>
-        </p:txBody>
-      </p:sp>
-      <p:sp>
-        <p:nvSpPr>
-          <p:cNvPr id="35" name="CuadroTexto 34">
-            <a:extLst>
-              <a:ext uri="{FF2B5EF4-FFF2-40B4-BE49-F238E27FC236}">
-                <a16:creationId xmlns:a16="http://schemas.microsoft.com/office/drawing/2014/main" id="{8D5F8848-69CC-474A-8B0C-8685958FFF9D}"/>
-              </a:ext>
-            </a:extLst>
-          </p:cNvPr>
-          <p:cNvSpPr txBox="1"/>
-          <p:nvPr/>
-        </p:nvSpPr>
-        <p:spPr>
-          <a:xfrm>
-            <a:off x="7936937" y="474401"/>
-            <a:ext cx="3397994" cy="646331"/>
-          </a:xfrm>
-          <a:prstGeom prst="rect">
-            <a:avLst/>
-          </a:prstGeom>
-          <a:noFill/>
-        </p:spPr>
-        <p:txBody>
-          <a:bodyPr wrap="square" rtlCol="0">
-            <a:spAutoFit/>
-          </a:bodyPr>
-          <a:lstStyle/>
-          <a:p>
-            <a:r>
-              <a:rPr lang="en-US" sz="3600" dirty="0" err="1">
-                <a:solidFill>
-                  <a:srgbClr val="53A2D3"/>
-                </a:solidFill>
-                <a:latin typeface="Segoe UI" panose="020B0502040204020203" pitchFamily="34" charset="0"/>
-                <a:cs typeface="Segoe UI" panose="020B0502040204020203" pitchFamily="34" charset="0"/>
-              </a:rPr>
-              <a:t>realidad</a:t>
-            </a:r>
-            <a:endParaRPr lang="en-US" sz="3600" dirty="0">
-              <a:solidFill>
-                <a:srgbClr val="53A2D3"/>
-              </a:solidFill>
-              <a:latin typeface="Segoe UI" panose="020B0502040204020203" pitchFamily="34" charset="0"/>
-              <a:cs typeface="Segoe UI" panose="020B0502040204020203" pitchFamily="34" charset="0"/>
-            </a:endParaRPr>
-          </a:p>
-        </p:txBody>
-      </p:sp>
-      <p:pic>
-        <p:nvPicPr>
-          <p:cNvPr id="40" name="Imagen 39"/>
-          <p:cNvPicPr>
-            <a:picLocks noChangeAspect="1"/>
-          </p:cNvPicPr>
-          <p:nvPr/>
-        </p:nvPicPr>
-        <p:blipFill>
-          <a:blip r:embed="rId10" cstate="hqprint">
-            <a:extLst>
-              <a:ext uri="{28A0092B-C50C-407E-A947-70E740481C1C}">
-                <a14:useLocalDpi xmlns:a14="http://schemas.microsoft.com/office/drawing/2010/main" val="0"/>
-              </a:ext>
-            </a:extLst>
-          </a:blip>
-          <a:stretch>
-            <a:fillRect/>
-          </a:stretch>
-        </p:blipFill>
-        <p:spPr>
-          <a:xfrm>
-            <a:off x="10676614" y="5268709"/>
-            <a:ext cx="1078969" cy="1078969"/>
-          </a:xfrm>
-          <a:prstGeom prst="rect">
-            <a:avLst/>
-          </a:prstGeom>
-        </p:spPr>
-      </p:pic>
     </p:spTree>
     <p:extLst>
       <p:ext uri="{BB962C8B-B14F-4D97-AF65-F5344CB8AC3E}">

--- a/slides/Patrones de diseño con Typescript en el mundo real.pptx
+++ b/slides/Patrones de diseño con Typescript en el mundo real.pptx
@@ -233,7 +233,7 @@
           <a:p>
             <a:fld id="{EE51316C-28F6-4304-8589-C6B7F7B17E4E}" type="datetimeFigureOut">
               <a:rPr lang="es-ES" smtClean="0"/>
-              <a:t>19/01/2020</a:t>
+              <a:t>24/01/2020</a:t>
             </a:fld>
             <a:endParaRPr lang="es-ES"/>
           </a:p>
@@ -4680,7 +4680,7 @@
           <a:p>
             <a:fld id="{0985B797-0E29-4660-9B0F-1C71CA65525C}" type="datetimeFigureOut">
               <a:rPr lang="en-US" smtClean="0"/>
-              <a:t>1/19/2020</a:t>
+              <a:t>1/24/2020</a:t>
             </a:fld>
             <a:endParaRPr lang="en-US"/>
           </a:p>
@@ -4880,7 +4880,7 @@
           <a:p>
             <a:fld id="{0985B797-0E29-4660-9B0F-1C71CA65525C}" type="datetimeFigureOut">
               <a:rPr lang="en-US" smtClean="0"/>
-              <a:t>1/19/2020</a:t>
+              <a:t>1/24/2020</a:t>
             </a:fld>
             <a:endParaRPr lang="en-US"/>
           </a:p>
@@ -5090,7 +5090,7 @@
           <a:p>
             <a:fld id="{0985B797-0E29-4660-9B0F-1C71CA65525C}" type="datetimeFigureOut">
               <a:rPr lang="en-US" smtClean="0"/>
-              <a:t>1/19/2020</a:t>
+              <a:t>1/24/2020</a:t>
             </a:fld>
             <a:endParaRPr lang="en-US"/>
           </a:p>
@@ -5290,7 +5290,7 @@
           <a:p>
             <a:fld id="{0985B797-0E29-4660-9B0F-1C71CA65525C}" type="datetimeFigureOut">
               <a:rPr lang="en-US" smtClean="0"/>
-              <a:t>1/19/2020</a:t>
+              <a:t>1/24/2020</a:t>
             </a:fld>
             <a:endParaRPr lang="en-US"/>
           </a:p>
@@ -5566,7 +5566,7 @@
           <a:p>
             <a:fld id="{0985B797-0E29-4660-9B0F-1C71CA65525C}" type="datetimeFigureOut">
               <a:rPr lang="en-US" smtClean="0"/>
-              <a:t>1/19/2020</a:t>
+              <a:t>1/24/2020</a:t>
             </a:fld>
             <a:endParaRPr lang="en-US"/>
           </a:p>
@@ -5834,7 +5834,7 @@
           <a:p>
             <a:fld id="{0985B797-0E29-4660-9B0F-1C71CA65525C}" type="datetimeFigureOut">
               <a:rPr lang="en-US" smtClean="0"/>
-              <a:t>1/19/2020</a:t>
+              <a:t>1/24/2020</a:t>
             </a:fld>
             <a:endParaRPr lang="en-US"/>
           </a:p>
@@ -6249,7 +6249,7 @@
           <a:p>
             <a:fld id="{0985B797-0E29-4660-9B0F-1C71CA65525C}" type="datetimeFigureOut">
               <a:rPr lang="en-US" smtClean="0"/>
-              <a:t>1/19/2020</a:t>
+              <a:t>1/24/2020</a:t>
             </a:fld>
             <a:endParaRPr lang="en-US"/>
           </a:p>
@@ -6391,7 +6391,7 @@
           <a:p>
             <a:fld id="{0985B797-0E29-4660-9B0F-1C71CA65525C}" type="datetimeFigureOut">
               <a:rPr lang="en-US" smtClean="0"/>
-              <a:t>1/19/2020</a:t>
+              <a:t>1/24/2020</a:t>
             </a:fld>
             <a:endParaRPr lang="en-US"/>
           </a:p>
@@ -6504,7 +6504,7 @@
           <a:p>
             <a:fld id="{0985B797-0E29-4660-9B0F-1C71CA65525C}" type="datetimeFigureOut">
               <a:rPr lang="en-US" smtClean="0"/>
-              <a:t>1/19/2020</a:t>
+              <a:t>1/24/2020</a:t>
             </a:fld>
             <a:endParaRPr lang="en-US"/>
           </a:p>
@@ -6817,7 +6817,7 @@
           <a:p>
             <a:fld id="{0985B797-0E29-4660-9B0F-1C71CA65525C}" type="datetimeFigureOut">
               <a:rPr lang="en-US" smtClean="0"/>
-              <a:t>1/19/2020</a:t>
+              <a:t>1/24/2020</a:t>
             </a:fld>
             <a:endParaRPr lang="en-US"/>
           </a:p>
@@ -7106,7 +7106,7 @@
           <a:p>
             <a:fld id="{0985B797-0E29-4660-9B0F-1C71CA65525C}" type="datetimeFigureOut">
               <a:rPr lang="en-US" smtClean="0"/>
-              <a:t>1/19/2020</a:t>
+              <a:t>1/24/2020</a:t>
             </a:fld>
             <a:endParaRPr lang="en-US"/>
           </a:p>
@@ -7349,7 +7349,7 @@
           <a:p>
             <a:fld id="{0985B797-0E29-4660-9B0F-1C71CA65525C}" type="datetimeFigureOut">
               <a:rPr lang="en-US" smtClean="0"/>
-              <a:t>1/19/2020</a:t>
+              <a:t>1/24/2020</a:t>
             </a:fld>
             <a:endParaRPr lang="en-US"/>
           </a:p>
@@ -9140,6 +9140,43 @@
       </p:grpSpPr>
       <p:sp>
         <p:nvSpPr>
+          <p:cNvPr id="12" name="CuadroTexto 11">
+            <a:extLst>
+              <a:ext uri="{FF2B5EF4-FFF2-40B4-BE49-F238E27FC236}">
+                <a16:creationId xmlns:a16="http://schemas.microsoft.com/office/drawing/2014/main" id="{4984E2BF-9736-48EF-99A3-6D7FCC5212CD}"/>
+              </a:ext>
+            </a:extLst>
+          </p:cNvPr>
+          <p:cNvSpPr txBox="1"/>
+          <p:nvPr/>
+        </p:nvSpPr>
+        <p:spPr>
+          <a:xfrm>
+            <a:off x="568859" y="1313975"/>
+            <a:ext cx="7376721" cy="3541043"/>
+          </a:xfrm>
+          <a:prstGeom prst="rect">
+            <a:avLst/>
+          </a:prstGeom>
+          <a:noFill/>
+          <a:ln>
+            <a:solidFill>
+              <a:schemeClr val="bg1"/>
+            </a:solidFill>
+          </a:ln>
+        </p:spPr>
+        <p:txBody>
+          <a:bodyPr wrap="square" rtlCol="0">
+            <a:spAutoFit/>
+          </a:bodyPr>
+          <a:lstStyle/>
+          <a:p>
+            <a:endParaRPr lang="en-US" dirty="0"/>
+          </a:p>
+        </p:txBody>
+      </p:sp>
+      <p:sp>
+        <p:nvSpPr>
           <p:cNvPr id="13" name="CuadroTexto 12">
             <a:extLst>
               <a:ext uri="{FF2B5EF4-FFF2-40B4-BE49-F238E27FC236}">
@@ -9214,66 +9251,6 @@
       </p:pic>
       <p:pic>
         <p:nvPicPr>
-          <p:cNvPr id="8" name="Imagen 7">
-            <a:extLst>
-              <a:ext uri="{FF2B5EF4-FFF2-40B4-BE49-F238E27FC236}">
-                <a16:creationId xmlns:a16="http://schemas.microsoft.com/office/drawing/2014/main" id="{485C5F0C-7AD6-4DE3-9926-D9F267B388D9}"/>
-              </a:ext>
-            </a:extLst>
-          </p:cNvPr>
-          <p:cNvPicPr>
-            <a:picLocks noChangeAspect="1"/>
-          </p:cNvPicPr>
-          <p:nvPr/>
-        </p:nvPicPr>
-        <p:blipFill>
-          <a:blip r:embed="rId3"/>
-          <a:stretch>
-            <a:fillRect/>
-          </a:stretch>
-        </p:blipFill>
-        <p:spPr>
-          <a:xfrm>
-            <a:off x="568859" y="1827350"/>
-            <a:ext cx="6524625" cy="3305175"/>
-          </a:xfrm>
-          <a:prstGeom prst="rect">
-            <a:avLst/>
-          </a:prstGeom>
-        </p:spPr>
-      </p:pic>
-      <p:pic>
-        <p:nvPicPr>
-          <p:cNvPr id="11" name="Imagen 10">
-            <a:extLst>
-              <a:ext uri="{FF2B5EF4-FFF2-40B4-BE49-F238E27FC236}">
-                <a16:creationId xmlns:a16="http://schemas.microsoft.com/office/drawing/2014/main" id="{A16E7029-5441-49AB-A7B5-6206776246F1}"/>
-              </a:ext>
-            </a:extLst>
-          </p:cNvPr>
-          <p:cNvPicPr>
-            <a:picLocks noChangeAspect="1"/>
-          </p:cNvPicPr>
-          <p:nvPr/>
-        </p:nvPicPr>
-        <p:blipFill>
-          <a:blip r:embed="rId4"/>
-          <a:stretch>
-            <a:fillRect/>
-          </a:stretch>
-        </p:blipFill>
-        <p:spPr>
-          <a:xfrm>
-            <a:off x="568859" y="1442890"/>
-            <a:ext cx="7301926" cy="199370"/>
-          </a:xfrm>
-          <a:prstGeom prst="rect">
-            <a:avLst/>
-          </a:prstGeom>
-        </p:spPr>
-      </p:pic>
-      <p:pic>
-        <p:nvPicPr>
           <p:cNvPr id="1026" name="Picture 2" descr="Resultado de imagen de logo npm transparent">
             <a:extLst>
               <a:ext uri="{FF2B5EF4-FFF2-40B4-BE49-F238E27FC236}">
@@ -9287,7 +9264,7 @@
           <p:nvPr/>
         </p:nvPicPr>
         <p:blipFill>
-          <a:blip r:embed="rId5" cstate="hqprint">
+          <a:blip r:embed="rId3" cstate="hqprint">
             <a:extLst>
               <a:ext uri="{28A0092B-C50C-407E-A947-70E740481C1C}">
                 <a14:useLocalDpi xmlns:a14="http://schemas.microsoft.com/office/drawing/2010/main" val="0"/>
@@ -9355,43 +9332,6 @@
               </a:rPr>
               <a:t>ng2-tooltip-directive</a:t>
             </a:r>
-          </a:p>
-        </p:txBody>
-      </p:sp>
-      <p:sp>
-        <p:nvSpPr>
-          <p:cNvPr id="12" name="CuadroTexto 11">
-            <a:extLst>
-              <a:ext uri="{FF2B5EF4-FFF2-40B4-BE49-F238E27FC236}">
-                <a16:creationId xmlns:a16="http://schemas.microsoft.com/office/drawing/2014/main" id="{4984E2BF-9736-48EF-99A3-6D7FCC5212CD}"/>
-              </a:ext>
-            </a:extLst>
-          </p:cNvPr>
-          <p:cNvSpPr txBox="1"/>
-          <p:nvPr/>
-        </p:nvSpPr>
-        <p:spPr>
-          <a:xfrm>
-            <a:off x="568859" y="1313975"/>
-            <a:ext cx="7376723" cy="3818550"/>
-          </a:xfrm>
-          <a:prstGeom prst="rect">
-            <a:avLst/>
-          </a:prstGeom>
-          <a:noFill/>
-          <a:ln>
-            <a:solidFill>
-              <a:schemeClr val="bg1"/>
-            </a:solidFill>
-          </a:ln>
-        </p:spPr>
-        <p:txBody>
-          <a:bodyPr wrap="square" rtlCol="0">
-            <a:spAutoFit/>
-          </a:bodyPr>
-          <a:lstStyle/>
-          <a:p>
-            <a:endParaRPr lang="en-US" dirty="0"/>
           </a:p>
         </p:txBody>
       </p:sp>
@@ -9615,7 +9555,7 @@
           <p:nvPr/>
         </p:nvPicPr>
         <p:blipFill>
-          <a:blip r:embed="rId6" cstate="hqprint">
+          <a:blip r:embed="rId4" cstate="hqprint">
             <a:extLst>
               <a:ext uri="{28A0092B-C50C-407E-A947-70E740481C1C}">
                 <a14:useLocalDpi xmlns:a14="http://schemas.microsoft.com/office/drawing/2010/main" val="0"/>
@@ -9630,6 +9570,36 @@
           <a:xfrm>
             <a:off x="10861876" y="5491473"/>
             <a:ext cx="865997" cy="985445"/>
+          </a:xfrm>
+          <a:prstGeom prst="rect">
+            <a:avLst/>
+          </a:prstGeom>
+        </p:spPr>
+      </p:pic>
+      <p:pic>
+        <p:nvPicPr>
+          <p:cNvPr id="2" name="Imagen 1">
+            <a:extLst>
+              <a:ext uri="{FF2B5EF4-FFF2-40B4-BE49-F238E27FC236}">
+                <a16:creationId xmlns:a16="http://schemas.microsoft.com/office/drawing/2014/main" id="{564576D5-2A15-4FFF-AB88-F2554A76232A}"/>
+              </a:ext>
+            </a:extLst>
+          </p:cNvPr>
+          <p:cNvPicPr>
+            <a:picLocks noChangeAspect="1"/>
+          </p:cNvPicPr>
+          <p:nvPr/>
+        </p:nvPicPr>
+        <p:blipFill>
+          <a:blip r:embed="rId5"/>
+          <a:stretch>
+            <a:fillRect/>
+          </a:stretch>
+        </p:blipFill>
+        <p:spPr>
+          <a:xfrm>
+            <a:off x="649200" y="1546042"/>
+            <a:ext cx="7220981" cy="3087649"/>
           </a:xfrm>
           <a:prstGeom prst="rect">
             <a:avLst/>

--- a/slides/Patrones de diseño con Typescript en el mundo real.pptx
+++ b/slides/Patrones de diseño con Typescript en el mundo real.pptx
@@ -233,7 +233,7 @@
           <a:p>
             <a:fld id="{EE51316C-28F6-4304-8589-C6B7F7B17E4E}" type="datetimeFigureOut">
               <a:rPr lang="es-ES" smtClean="0"/>
-              <a:t>24/01/2020</a:t>
+              <a:t>31/01/2020</a:t>
             </a:fld>
             <a:endParaRPr lang="es-ES"/>
           </a:p>
@@ -4680,7 +4680,7 @@
           <a:p>
             <a:fld id="{0985B797-0E29-4660-9B0F-1C71CA65525C}" type="datetimeFigureOut">
               <a:rPr lang="en-US" smtClean="0"/>
-              <a:t>1/24/2020</a:t>
+              <a:t>1/31/2020</a:t>
             </a:fld>
             <a:endParaRPr lang="en-US"/>
           </a:p>
@@ -4880,7 +4880,7 @@
           <a:p>
             <a:fld id="{0985B797-0E29-4660-9B0F-1C71CA65525C}" type="datetimeFigureOut">
               <a:rPr lang="en-US" smtClean="0"/>
-              <a:t>1/24/2020</a:t>
+              <a:t>1/31/2020</a:t>
             </a:fld>
             <a:endParaRPr lang="en-US"/>
           </a:p>
@@ -5090,7 +5090,7 @@
           <a:p>
             <a:fld id="{0985B797-0E29-4660-9B0F-1C71CA65525C}" type="datetimeFigureOut">
               <a:rPr lang="en-US" smtClean="0"/>
-              <a:t>1/24/2020</a:t>
+              <a:t>1/31/2020</a:t>
             </a:fld>
             <a:endParaRPr lang="en-US"/>
           </a:p>
@@ -5290,7 +5290,7 @@
           <a:p>
             <a:fld id="{0985B797-0E29-4660-9B0F-1C71CA65525C}" type="datetimeFigureOut">
               <a:rPr lang="en-US" smtClean="0"/>
-              <a:t>1/24/2020</a:t>
+              <a:t>1/31/2020</a:t>
             </a:fld>
             <a:endParaRPr lang="en-US"/>
           </a:p>
@@ -5566,7 +5566,7 @@
           <a:p>
             <a:fld id="{0985B797-0E29-4660-9B0F-1C71CA65525C}" type="datetimeFigureOut">
               <a:rPr lang="en-US" smtClean="0"/>
-              <a:t>1/24/2020</a:t>
+              <a:t>1/31/2020</a:t>
             </a:fld>
             <a:endParaRPr lang="en-US"/>
           </a:p>
@@ -5834,7 +5834,7 @@
           <a:p>
             <a:fld id="{0985B797-0E29-4660-9B0F-1C71CA65525C}" type="datetimeFigureOut">
               <a:rPr lang="en-US" smtClean="0"/>
-              <a:t>1/24/2020</a:t>
+              <a:t>1/31/2020</a:t>
             </a:fld>
             <a:endParaRPr lang="en-US"/>
           </a:p>
@@ -6249,7 +6249,7 @@
           <a:p>
             <a:fld id="{0985B797-0E29-4660-9B0F-1C71CA65525C}" type="datetimeFigureOut">
               <a:rPr lang="en-US" smtClean="0"/>
-              <a:t>1/24/2020</a:t>
+              <a:t>1/31/2020</a:t>
             </a:fld>
             <a:endParaRPr lang="en-US"/>
           </a:p>
@@ -6391,7 +6391,7 @@
           <a:p>
             <a:fld id="{0985B797-0E29-4660-9B0F-1C71CA65525C}" type="datetimeFigureOut">
               <a:rPr lang="en-US" smtClean="0"/>
-              <a:t>1/24/2020</a:t>
+              <a:t>1/31/2020</a:t>
             </a:fld>
             <a:endParaRPr lang="en-US"/>
           </a:p>
@@ -6504,7 +6504,7 @@
           <a:p>
             <a:fld id="{0985B797-0E29-4660-9B0F-1C71CA65525C}" type="datetimeFigureOut">
               <a:rPr lang="en-US" smtClean="0"/>
-              <a:t>1/24/2020</a:t>
+              <a:t>1/31/2020</a:t>
             </a:fld>
             <a:endParaRPr lang="en-US"/>
           </a:p>
@@ -6817,7 +6817,7 @@
           <a:p>
             <a:fld id="{0985B797-0E29-4660-9B0F-1C71CA65525C}" type="datetimeFigureOut">
               <a:rPr lang="en-US" smtClean="0"/>
-              <a:t>1/24/2020</a:t>
+              <a:t>1/31/2020</a:t>
             </a:fld>
             <a:endParaRPr lang="en-US"/>
           </a:p>
@@ -7106,7 +7106,7 @@
           <a:p>
             <a:fld id="{0985B797-0E29-4660-9B0F-1C71CA65525C}" type="datetimeFigureOut">
               <a:rPr lang="en-US" smtClean="0"/>
-              <a:t>1/24/2020</a:t>
+              <a:t>1/31/2020</a:t>
             </a:fld>
             <a:endParaRPr lang="en-US"/>
           </a:p>
@@ -7349,7 +7349,7 @@
           <a:p>
             <a:fld id="{0985B797-0E29-4660-9B0F-1C71CA65525C}" type="datetimeFigureOut">
               <a:rPr lang="en-US" smtClean="0"/>
-              <a:t>1/24/2020</a:t>
+              <a:t>1/31/2020</a:t>
             </a:fld>
             <a:endParaRPr lang="en-US"/>
           </a:p>
@@ -25435,15 +25435,15 @@
           </p:cNvPr>
           <p:cNvCxnSpPr>
             <a:cxnSpLocks/>
-            <a:stCxn id="17" idx="0"/>
-            <a:endCxn id="16" idx="2"/>
+            <a:stCxn id="3" idx="0"/>
+            <a:endCxn id="2" idx="2"/>
           </p:cNvCxnSpPr>
           <p:nvPr/>
         </p:nvCxnSpPr>
         <p:spPr>
-          <a:xfrm flipH="1" flipV="1">
-            <a:off x="8872306" y="2733234"/>
-            <a:ext cx="1" cy="1260954"/>
+          <a:xfrm flipV="1">
+            <a:off x="8822216" y="2637305"/>
+            <a:ext cx="0" cy="1299059"/>
           </a:xfrm>
           <a:prstGeom prst="straightConnector1">
             <a:avLst/>
@@ -25481,15 +25481,15 @@
           </p:cNvPr>
           <p:cNvCxnSpPr>
             <a:cxnSpLocks/>
-            <a:stCxn id="17" idx="1"/>
+            <a:stCxn id="3" idx="1"/>
             <a:endCxn id="19" idx="3"/>
           </p:cNvCxnSpPr>
           <p:nvPr/>
         </p:nvCxnSpPr>
         <p:spPr>
-          <a:xfrm flipH="1" flipV="1">
+          <a:xfrm flipH="1">
             <a:off x="5412772" y="4665700"/>
-            <a:ext cx="1178297" cy="1"/>
+            <a:ext cx="1152524" cy="0"/>
           </a:xfrm>
           <a:prstGeom prst="straightConnector1">
             <a:avLst/>
@@ -25550,7 +25550,7 @@
                   <a:schemeClr val="bg1"/>
                 </a:solidFill>
               </a:rPr>
-              <a:t>implements</a:t>
+              <a:t>extends</a:t>
             </a:r>
           </a:p>
         </p:txBody>
@@ -25569,7 +25569,7 @@
         </p:nvSpPr>
         <p:spPr>
           <a:xfrm>
-            <a:off x="5553973" y="4256125"/>
+            <a:off x="5617710" y="4256125"/>
             <a:ext cx="1376218" cy="369332"/>
           </a:xfrm>
           <a:prstGeom prst="rect">
@@ -25635,10 +25635,10 @@
       </p:sp>
       <p:pic>
         <p:nvPicPr>
-          <p:cNvPr id="16" name="Picture 20">
-            <a:extLst>
-              <a:ext uri="{FF2B5EF4-FFF2-40B4-BE49-F238E27FC236}">
-                <a16:creationId xmlns:a16="http://schemas.microsoft.com/office/drawing/2014/main" id="{20F5CF87-6066-42DF-A37A-0ED8E41AEC7B}"/>
+          <p:cNvPr id="18" name="Picture 5">
+            <a:extLst>
+              <a:ext uri="{FF2B5EF4-FFF2-40B4-BE49-F238E27FC236}">
+                <a16:creationId xmlns:a16="http://schemas.microsoft.com/office/drawing/2014/main" id="{150E2F75-1749-462D-9A46-C31B36E47638}"/>
               </a:ext>
             </a:extLst>
           </p:cNvPr>
@@ -25655,8 +25655,8 @@
         </p:blipFill>
         <p:spPr>
           <a:xfrm>
-            <a:off x="7391168" y="1875984"/>
-            <a:ext cx="2962275" cy="857250"/>
+            <a:off x="1931386" y="1875984"/>
+            <a:ext cx="2305050" cy="809625"/>
           </a:xfrm>
           <a:prstGeom prst="rect">
             <a:avLst/>
@@ -25672,10 +25672,10 @@
       </p:pic>
       <p:pic>
         <p:nvPicPr>
-          <p:cNvPr id="17" name="Picture 23">
-            <a:extLst>
-              <a:ext uri="{FF2B5EF4-FFF2-40B4-BE49-F238E27FC236}">
-                <a16:creationId xmlns:a16="http://schemas.microsoft.com/office/drawing/2014/main" id="{9CF8FE69-6A1E-4815-8271-299035F12114}"/>
+          <p:cNvPr id="19" name="Picture 6">
+            <a:extLst>
+              <a:ext uri="{FF2B5EF4-FFF2-40B4-BE49-F238E27FC236}">
+                <a16:creationId xmlns:a16="http://schemas.microsoft.com/office/drawing/2014/main" id="{D9CE24AE-88DE-4FC9-8D09-9B4FDF793F56}"/>
               </a:ext>
             </a:extLst>
           </p:cNvPr>
@@ -25692,8 +25692,8 @@
         </p:blipFill>
         <p:spPr>
           <a:xfrm>
-            <a:off x="6591069" y="3994188"/>
-            <a:ext cx="4562475" cy="1343025"/>
+            <a:off x="755047" y="4256125"/>
+            <a:ext cx="4657725" cy="819150"/>
           </a:xfrm>
           <a:prstGeom prst="rect">
             <a:avLst/>
@@ -25707,30 +25707,159 @@
           </a:effectLst>
         </p:spPr>
       </p:pic>
+      <p:sp>
+        <p:nvSpPr>
+          <p:cNvPr id="24" name="CuadroTexto 23">
+            <a:extLst>
+              <a:ext uri="{FF2B5EF4-FFF2-40B4-BE49-F238E27FC236}">
+                <a16:creationId xmlns:a16="http://schemas.microsoft.com/office/drawing/2014/main" id="{8D5F8848-69CC-474A-8B0C-8685958FFF9D}"/>
+              </a:ext>
+            </a:extLst>
+          </p:cNvPr>
+          <p:cNvSpPr txBox="1"/>
+          <p:nvPr/>
+        </p:nvSpPr>
+        <p:spPr>
+          <a:xfrm>
+            <a:off x="4495996" y="447480"/>
+            <a:ext cx="1447800" cy="646331"/>
+          </a:xfrm>
+          <a:prstGeom prst="rect">
+            <a:avLst/>
+          </a:prstGeom>
+          <a:noFill/>
+        </p:spPr>
+        <p:txBody>
+          <a:bodyPr wrap="square" rtlCol="0">
+            <a:spAutoFit/>
+          </a:bodyPr>
+          <a:lstStyle/>
+          <a:p>
+            <a:r>
+              <a:rPr lang="en-US" sz="3600" dirty="0" err="1">
+                <a:solidFill>
+                  <a:srgbClr val="49C593"/>
+                </a:solidFill>
+                <a:latin typeface="Segoe UI" panose="020B0502040204020203" pitchFamily="34" charset="0"/>
+                <a:cs typeface="Segoe UI" panose="020B0502040204020203" pitchFamily="34" charset="0"/>
+              </a:rPr>
+              <a:t>teoría</a:t>
+            </a:r>
+            <a:endParaRPr lang="en-US" sz="3600" dirty="0">
+              <a:solidFill>
+                <a:srgbClr val="49C593"/>
+              </a:solidFill>
+              <a:latin typeface="Segoe UI" panose="020B0502040204020203" pitchFamily="34" charset="0"/>
+              <a:cs typeface="Segoe UI" panose="020B0502040204020203" pitchFamily="34" charset="0"/>
+            </a:endParaRPr>
+          </a:p>
+        </p:txBody>
+      </p:sp>
+      <p:sp>
+        <p:nvSpPr>
+          <p:cNvPr id="25" name="Rectángulo 24"/>
+          <p:cNvSpPr/>
+          <p:nvPr/>
+        </p:nvSpPr>
+        <p:spPr>
+          <a:xfrm>
+            <a:off x="484863" y="351291"/>
+            <a:ext cx="4101187" cy="769441"/>
+          </a:xfrm>
+          <a:prstGeom prst="rect">
+            <a:avLst/>
+          </a:prstGeom>
+        </p:spPr>
+        <p:txBody>
+          <a:bodyPr wrap="none">
+            <a:spAutoFit/>
+          </a:bodyPr>
+          <a:lstStyle/>
+          <a:p>
+            <a:r>
+              <a:rPr lang="es-ES" sz="4400" dirty="0">
+                <a:solidFill>
+                  <a:schemeClr val="bg1"/>
+                </a:solidFill>
+                <a:latin typeface="Segoe UI" panose="020B0502040204020203" pitchFamily="34" charset="0"/>
+                <a:cs typeface="Segoe UI" panose="020B0502040204020203" pitchFamily="34" charset="0"/>
+              </a:rPr>
+              <a:t>Factory </a:t>
+            </a:r>
+            <a:r>
+              <a:rPr lang="es-ES" sz="4400" dirty="0" err="1">
+                <a:solidFill>
+                  <a:schemeClr val="bg1"/>
+                </a:solidFill>
+                <a:latin typeface="Segoe UI" panose="020B0502040204020203" pitchFamily="34" charset="0"/>
+                <a:cs typeface="Segoe UI" panose="020B0502040204020203" pitchFamily="34" charset="0"/>
+              </a:rPr>
+              <a:t>method</a:t>
+            </a:r>
+            <a:endParaRPr lang="es-ES" sz="4400" dirty="0">
+              <a:solidFill>
+                <a:schemeClr val="bg1"/>
+              </a:solidFill>
+              <a:latin typeface="Segoe UI" panose="020B0502040204020203" pitchFamily="34" charset="0"/>
+              <a:cs typeface="Segoe UI" panose="020B0502040204020203" pitchFamily="34" charset="0"/>
+            </a:endParaRPr>
+          </a:p>
+        </p:txBody>
+      </p:sp>
       <p:pic>
         <p:nvPicPr>
-          <p:cNvPr id="18" name="Picture 5">
-            <a:extLst>
-              <a:ext uri="{FF2B5EF4-FFF2-40B4-BE49-F238E27FC236}">
-                <a16:creationId xmlns:a16="http://schemas.microsoft.com/office/drawing/2014/main" id="{150E2F75-1749-462D-9A46-C31B36E47638}"/>
-              </a:ext>
-            </a:extLst>
-          </p:cNvPr>
+          <p:cNvPr id="27" name="Imagen 26"/>
           <p:cNvPicPr>
             <a:picLocks noChangeAspect="1"/>
           </p:cNvPicPr>
           <p:nvPr/>
         </p:nvPicPr>
         <p:blipFill>
-          <a:blip r:embed="rId5"/>
+          <a:blip r:embed="rId5" cstate="hqprint">
+            <a:extLst>
+              <a:ext uri="{28A0092B-C50C-407E-A947-70E740481C1C}">
+                <a14:useLocalDpi xmlns:a14="http://schemas.microsoft.com/office/drawing/2010/main" val="0"/>
+              </a:ext>
+            </a:extLst>
+          </a:blip>
           <a:stretch>
             <a:fillRect/>
           </a:stretch>
         </p:blipFill>
         <p:spPr>
           <a:xfrm>
-            <a:off x="1931386" y="1875984"/>
-            <a:ext cx="2305050" cy="809625"/>
+            <a:off x="10676614" y="5268709"/>
+            <a:ext cx="1078969" cy="1078969"/>
+          </a:xfrm>
+          <a:prstGeom prst="rect">
+            <a:avLst/>
+          </a:prstGeom>
+        </p:spPr>
+      </p:pic>
+      <p:pic>
+        <p:nvPicPr>
+          <p:cNvPr id="2" name="Imagen 1">
+            <a:extLst>
+              <a:ext uri="{FF2B5EF4-FFF2-40B4-BE49-F238E27FC236}">
+                <a16:creationId xmlns:a16="http://schemas.microsoft.com/office/drawing/2014/main" id="{6CC29873-FEBB-4DC7-9AED-FD017F5D8AE8}"/>
+              </a:ext>
+            </a:extLst>
+          </p:cNvPr>
+          <p:cNvPicPr>
+            <a:picLocks noChangeAspect="1"/>
+          </p:cNvPicPr>
+          <p:nvPr/>
+        </p:nvPicPr>
+        <p:blipFill>
+          <a:blip r:embed="rId6"/>
+          <a:stretch>
+            <a:fillRect/>
+          </a:stretch>
+        </p:blipFill>
+        <p:spPr>
+          <a:xfrm>
+            <a:off x="6540546" y="1827680"/>
+            <a:ext cx="4563340" cy="809625"/>
           </a:xfrm>
           <a:prstGeom prst="rect">
             <a:avLst/>
@@ -25746,10 +25875,10 @@
       </p:pic>
       <p:pic>
         <p:nvPicPr>
-          <p:cNvPr id="19" name="Picture 6">
-            <a:extLst>
-              <a:ext uri="{FF2B5EF4-FFF2-40B4-BE49-F238E27FC236}">
-                <a16:creationId xmlns:a16="http://schemas.microsoft.com/office/drawing/2014/main" id="{D9CE24AE-88DE-4FC9-8D09-9B4FDF793F56}"/>
+          <p:cNvPr id="3" name="Imagen 2">
+            <a:extLst>
+              <a:ext uri="{FF2B5EF4-FFF2-40B4-BE49-F238E27FC236}">
+                <a16:creationId xmlns:a16="http://schemas.microsoft.com/office/drawing/2014/main" id="{C24FC2AF-8BAD-42BF-A241-478A57812E14}"/>
               </a:ext>
             </a:extLst>
           </p:cNvPr>
@@ -25759,15 +25888,15 @@
           <p:nvPr/>
         </p:nvPicPr>
         <p:blipFill>
-          <a:blip r:embed="rId6"/>
+          <a:blip r:embed="rId7"/>
           <a:stretch>
             <a:fillRect/>
           </a:stretch>
         </p:blipFill>
         <p:spPr>
           <a:xfrm>
-            <a:off x="755047" y="4256125"/>
-            <a:ext cx="4657725" cy="819150"/>
+            <a:off x="6565296" y="3936364"/>
+            <a:ext cx="4513840" cy="1458671"/>
           </a:xfrm>
           <a:prstGeom prst="rect">
             <a:avLst/>
@@ -25779,135 +25908,6 @@
               </a:schemeClr>
             </a:glow>
           </a:effectLst>
-        </p:spPr>
-      </p:pic>
-      <p:sp>
-        <p:nvSpPr>
-          <p:cNvPr id="24" name="CuadroTexto 23">
-            <a:extLst>
-              <a:ext uri="{FF2B5EF4-FFF2-40B4-BE49-F238E27FC236}">
-                <a16:creationId xmlns:a16="http://schemas.microsoft.com/office/drawing/2014/main" id="{8D5F8848-69CC-474A-8B0C-8685958FFF9D}"/>
-              </a:ext>
-            </a:extLst>
-          </p:cNvPr>
-          <p:cNvSpPr txBox="1"/>
-          <p:nvPr/>
-        </p:nvSpPr>
-        <p:spPr>
-          <a:xfrm>
-            <a:off x="4495996" y="447480"/>
-            <a:ext cx="1447800" cy="646331"/>
-          </a:xfrm>
-          <a:prstGeom prst="rect">
-            <a:avLst/>
-          </a:prstGeom>
-          <a:noFill/>
-        </p:spPr>
-        <p:txBody>
-          <a:bodyPr wrap="square" rtlCol="0">
-            <a:spAutoFit/>
-          </a:bodyPr>
-          <a:lstStyle/>
-          <a:p>
-            <a:r>
-              <a:rPr lang="en-US" sz="3600" dirty="0" err="1">
-                <a:solidFill>
-                  <a:srgbClr val="49C593"/>
-                </a:solidFill>
-                <a:latin typeface="Segoe UI" panose="020B0502040204020203" pitchFamily="34" charset="0"/>
-                <a:cs typeface="Segoe UI" panose="020B0502040204020203" pitchFamily="34" charset="0"/>
-              </a:rPr>
-              <a:t>teoría</a:t>
-            </a:r>
-            <a:endParaRPr lang="en-US" sz="3600" dirty="0">
-              <a:solidFill>
-                <a:srgbClr val="49C593"/>
-              </a:solidFill>
-              <a:latin typeface="Segoe UI" panose="020B0502040204020203" pitchFamily="34" charset="0"/>
-              <a:cs typeface="Segoe UI" panose="020B0502040204020203" pitchFamily="34" charset="0"/>
-            </a:endParaRPr>
-          </a:p>
-        </p:txBody>
-      </p:sp>
-      <p:sp>
-        <p:nvSpPr>
-          <p:cNvPr id="25" name="Rectángulo 24"/>
-          <p:cNvSpPr/>
-          <p:nvPr/>
-        </p:nvSpPr>
-        <p:spPr>
-          <a:xfrm>
-            <a:off x="484863" y="351291"/>
-            <a:ext cx="4101187" cy="769441"/>
-          </a:xfrm>
-          <a:prstGeom prst="rect">
-            <a:avLst/>
-          </a:prstGeom>
-        </p:spPr>
-        <p:txBody>
-          <a:bodyPr wrap="none">
-            <a:spAutoFit/>
-          </a:bodyPr>
-          <a:lstStyle/>
-          <a:p>
-            <a:r>
-              <a:rPr lang="es-ES" sz="4400" dirty="0">
-                <a:solidFill>
-                  <a:schemeClr val="bg1"/>
-                </a:solidFill>
-                <a:latin typeface="Segoe UI" panose="020B0502040204020203" pitchFamily="34" charset="0"/>
-                <a:cs typeface="Segoe UI" panose="020B0502040204020203" pitchFamily="34" charset="0"/>
-              </a:rPr>
-              <a:t>Factory </a:t>
-            </a:r>
-            <a:r>
-              <a:rPr lang="es-ES" sz="4400" dirty="0" err="1">
-                <a:solidFill>
-                  <a:schemeClr val="bg1"/>
-                </a:solidFill>
-                <a:latin typeface="Segoe UI" panose="020B0502040204020203" pitchFamily="34" charset="0"/>
-                <a:cs typeface="Segoe UI" panose="020B0502040204020203" pitchFamily="34" charset="0"/>
-              </a:rPr>
-              <a:t>method</a:t>
-            </a:r>
-            <a:endParaRPr lang="es-ES" sz="4400" dirty="0">
-              <a:solidFill>
-                <a:schemeClr val="bg1"/>
-              </a:solidFill>
-              <a:latin typeface="Segoe UI" panose="020B0502040204020203" pitchFamily="34" charset="0"/>
-              <a:cs typeface="Segoe UI" panose="020B0502040204020203" pitchFamily="34" charset="0"/>
-            </a:endParaRPr>
-          </a:p>
-        </p:txBody>
-      </p:sp>
-      <p:pic>
-        <p:nvPicPr>
-          <p:cNvPr id="27" name="Imagen 26"/>
-          <p:cNvPicPr>
-            <a:picLocks noChangeAspect="1"/>
-          </p:cNvPicPr>
-          <p:nvPr/>
-        </p:nvPicPr>
-        <p:blipFill>
-          <a:blip r:embed="rId7" cstate="hqprint">
-            <a:extLst>
-              <a:ext uri="{28A0092B-C50C-407E-A947-70E740481C1C}">
-                <a14:useLocalDpi xmlns:a14="http://schemas.microsoft.com/office/drawing/2010/main" val="0"/>
-              </a:ext>
-            </a:extLst>
-          </a:blip>
-          <a:stretch>
-            <a:fillRect/>
-          </a:stretch>
-        </p:blipFill>
-        <p:spPr>
-          <a:xfrm>
-            <a:off x="10676614" y="5268709"/>
-            <a:ext cx="1078969" cy="1078969"/>
-          </a:xfrm>
-          <a:prstGeom prst="rect">
-            <a:avLst/>
-          </a:prstGeom>
         </p:spPr>
       </p:pic>
     </p:spTree>
@@ -25970,7 +25970,7 @@
         </p:blipFill>
         <p:spPr>
           <a:xfrm>
-            <a:off x="1599030" y="1663033"/>
+            <a:off x="1435923" y="1358461"/>
             <a:ext cx="2266950" cy="619125"/>
           </a:xfrm>
           <a:prstGeom prst="rect">
@@ -26007,7 +26007,7 @@
         </p:blipFill>
         <p:spPr>
           <a:xfrm>
-            <a:off x="717968" y="3350327"/>
+            <a:off x="554861" y="2995255"/>
             <a:ext cx="4029075" cy="971550"/>
           </a:xfrm>
           <a:prstGeom prst="rect">
@@ -26045,7 +26045,7 @@
         </p:blipFill>
         <p:spPr>
           <a:xfrm>
-            <a:off x="6832963" y="1039514"/>
+            <a:off x="7087193" y="736011"/>
             <a:ext cx="3333750" cy="1304925"/>
           </a:xfrm>
           <a:prstGeom prst="rect">
@@ -26082,7 +26082,7 @@
         </p:blipFill>
         <p:spPr>
           <a:xfrm>
-            <a:off x="8581929" y="3156900"/>
+            <a:off x="8836159" y="2785705"/>
             <a:ext cx="2771775" cy="1390650"/>
           </a:xfrm>
           <a:prstGeom prst="rect">
@@ -26119,7 +26119,7 @@
         </p:blipFill>
         <p:spPr>
           <a:xfrm>
-            <a:off x="5715593" y="3156900"/>
+            <a:off x="5969823" y="2804755"/>
             <a:ext cx="2743200" cy="1371600"/>
           </a:xfrm>
           <a:prstGeom prst="rect">
@@ -26134,43 +26134,6 @@
           </a:effectLst>
         </p:spPr>
       </p:pic>
-      <p:pic>
-        <p:nvPicPr>
-          <p:cNvPr id="10" name="Imagen 9">
-            <a:extLst>
-              <a:ext uri="{FF2B5EF4-FFF2-40B4-BE49-F238E27FC236}">
-                <a16:creationId xmlns:a16="http://schemas.microsoft.com/office/drawing/2014/main" id="{753BA75E-AFB4-43C7-93C5-DBBA2CC5CFE2}"/>
-              </a:ext>
-            </a:extLst>
-          </p:cNvPr>
-          <p:cNvPicPr>
-            <a:picLocks noChangeAspect="1"/>
-          </p:cNvPicPr>
-          <p:nvPr/>
-        </p:nvPicPr>
-        <p:blipFill>
-          <a:blip r:embed="rId7"/>
-          <a:stretch>
-            <a:fillRect/>
-          </a:stretch>
-        </p:blipFill>
-        <p:spPr>
-          <a:xfrm>
-            <a:off x="2468561" y="5135271"/>
-            <a:ext cx="7162800" cy="1076325"/>
-          </a:xfrm>
-          <a:prstGeom prst="rect">
-            <a:avLst/>
-          </a:prstGeom>
-          <a:effectLst>
-            <a:glow rad="25400">
-              <a:schemeClr val="bg1">
-                <a:alpha val="40000"/>
-              </a:schemeClr>
-            </a:glow>
-          </a:effectLst>
-        </p:spPr>
-      </p:pic>
       <p:cxnSp>
         <p:nvCxnSpPr>
           <p:cNvPr id="14" name="Conector recto de flecha 13">
@@ -26188,8 +26151,8 @@
         </p:nvCxnSpPr>
         <p:spPr>
           <a:xfrm flipH="1" flipV="1">
-            <a:off x="2732505" y="2282158"/>
-            <a:ext cx="1" cy="1068169"/>
+            <a:off x="2569398" y="1977586"/>
+            <a:ext cx="1" cy="1017669"/>
           </a:xfrm>
           <a:prstGeom prst="straightConnector1">
             <a:avLst/>
@@ -26233,8 +26196,8 @@
         </p:nvCxnSpPr>
         <p:spPr>
           <a:xfrm flipV="1">
-            <a:off x="7087193" y="2344439"/>
-            <a:ext cx="1412645" cy="812461"/>
+            <a:off x="7341423" y="2040936"/>
+            <a:ext cx="1412645" cy="763819"/>
           </a:xfrm>
           <a:prstGeom prst="straightConnector1">
             <a:avLst/>
@@ -26278,8 +26241,8 @@
         </p:nvCxnSpPr>
         <p:spPr>
           <a:xfrm flipH="1" flipV="1">
-            <a:off x="8499838" y="2344439"/>
-            <a:ext cx="1467979" cy="812461"/>
+            <a:off x="8754068" y="2040936"/>
+            <a:ext cx="1467979" cy="744769"/>
           </a:xfrm>
           <a:prstGeom prst="straightConnector1">
             <a:avLst/>
@@ -26316,6 +26279,7 @@
             </a:extLst>
           </p:cNvPr>
           <p:cNvCxnSpPr>
+            <a:cxnSpLocks/>
             <a:stCxn id="9" idx="1"/>
             <a:endCxn id="4" idx="3"/>
           </p:cNvCxnSpPr>
@@ -26323,8 +26287,8 @@
         </p:nvCxnSpPr>
         <p:spPr>
           <a:xfrm flipH="1" flipV="1">
-            <a:off x="4747043" y="3836102"/>
-            <a:ext cx="968550" cy="6598"/>
+            <a:off x="4583936" y="3481030"/>
+            <a:ext cx="1385887" cy="9525"/>
           </a:xfrm>
           <a:prstGeom prst="straightConnector1">
             <a:avLst/>
@@ -26365,7 +26329,7 @@
         </p:nvSpPr>
         <p:spPr>
           <a:xfrm>
-            <a:off x="9320753" y="2485766"/>
+            <a:off x="9574983" y="2182263"/>
             <a:ext cx="1376218" cy="369332"/>
           </a:xfrm>
           <a:prstGeom prst="rect">
@@ -26404,7 +26368,7 @@
         </p:nvSpPr>
         <p:spPr>
           <a:xfrm>
-            <a:off x="6832963" y="2490822"/>
+            <a:off x="7087193" y="2187319"/>
             <a:ext cx="1376218" cy="369332"/>
           </a:xfrm>
           <a:prstGeom prst="rect">
@@ -26443,7 +26407,7 @@
         </p:nvSpPr>
         <p:spPr>
           <a:xfrm>
-            <a:off x="2782076" y="2589214"/>
+            <a:off x="2618969" y="2284642"/>
             <a:ext cx="1376218" cy="369332"/>
           </a:xfrm>
           <a:prstGeom prst="rect">
@@ -26482,7 +26446,7 @@
         </p:nvSpPr>
         <p:spPr>
           <a:xfrm>
-            <a:off x="2413855" y="4765939"/>
+            <a:off x="169377" y="4676508"/>
             <a:ext cx="935768" cy="369332"/>
           </a:xfrm>
           <a:prstGeom prst="rect">
@@ -26521,7 +26485,7 @@
         </p:nvSpPr>
         <p:spPr>
           <a:xfrm>
-            <a:off x="4829134" y="3408549"/>
+            <a:off x="4845961" y="3111698"/>
             <a:ext cx="1376218" cy="369332"/>
           </a:xfrm>
           <a:prstGeom prst="rect">
@@ -26654,7 +26618,7 @@
           <p:nvPr/>
         </p:nvPicPr>
         <p:blipFill>
-          <a:blip r:embed="rId8" cstate="hqprint">
+          <a:blip r:embed="rId7" cstate="hqprint">
             <a:extLst>
               <a:ext uri="{28A0092B-C50C-407E-A947-70E740481C1C}">
                 <a14:useLocalDpi xmlns:a14="http://schemas.microsoft.com/office/drawing/2010/main" val="0"/>
@@ -26667,7 +26631,7 @@
         </p:blipFill>
         <p:spPr>
           <a:xfrm>
-            <a:off x="10676614" y="5268709"/>
+            <a:off x="10951201" y="5560998"/>
             <a:ext cx="1078969" cy="1078969"/>
           </a:xfrm>
           <a:prstGeom prst="rect">
@@ -26675,6 +26639,250 @@
           </a:prstGeom>
         </p:spPr>
       </p:pic>
+      <p:pic>
+        <p:nvPicPr>
+          <p:cNvPr id="6" name="Imagen 5">
+            <a:extLst>
+              <a:ext uri="{FF2B5EF4-FFF2-40B4-BE49-F238E27FC236}">
+                <a16:creationId xmlns:a16="http://schemas.microsoft.com/office/drawing/2014/main" id="{C9BC8E56-1EAF-44FD-9A65-0890AA6126F8}"/>
+              </a:ext>
+            </a:extLst>
+          </p:cNvPr>
+          <p:cNvPicPr>
+            <a:picLocks noChangeAspect="1"/>
+          </p:cNvPicPr>
+          <p:nvPr/>
+        </p:nvPicPr>
+        <p:blipFill>
+          <a:blip r:embed="rId8"/>
+          <a:stretch>
+            <a:fillRect/>
+          </a:stretch>
+        </p:blipFill>
+        <p:spPr>
+          <a:xfrm>
+            <a:off x="6611690" y="4978663"/>
+            <a:ext cx="4313294" cy="1661304"/>
+          </a:xfrm>
+          <a:prstGeom prst="rect">
+            <a:avLst/>
+          </a:prstGeom>
+          <a:effectLst>
+            <a:glow rad="25400">
+              <a:schemeClr val="bg1">
+                <a:alpha val="40000"/>
+              </a:schemeClr>
+            </a:glow>
+          </a:effectLst>
+        </p:spPr>
+      </p:pic>
+      <p:pic>
+        <p:nvPicPr>
+          <p:cNvPr id="7" name="Imagen 6">
+            <a:extLst>
+              <a:ext uri="{FF2B5EF4-FFF2-40B4-BE49-F238E27FC236}">
+                <a16:creationId xmlns:a16="http://schemas.microsoft.com/office/drawing/2014/main" id="{C89E3786-E217-4E6A-8C99-03CCC1151751}"/>
+              </a:ext>
+            </a:extLst>
+          </p:cNvPr>
+          <p:cNvPicPr>
+            <a:picLocks noChangeAspect="1"/>
+          </p:cNvPicPr>
+          <p:nvPr/>
+        </p:nvPicPr>
+        <p:blipFill>
+          <a:blip r:embed="rId9"/>
+          <a:stretch>
+            <a:fillRect/>
+          </a:stretch>
+        </p:blipFill>
+        <p:spPr>
+          <a:xfrm>
+            <a:off x="269186" y="5092316"/>
+            <a:ext cx="5794839" cy="1174534"/>
+          </a:xfrm>
+          <a:prstGeom prst="rect">
+            <a:avLst/>
+          </a:prstGeom>
+          <a:effectLst>
+            <a:glow rad="25400">
+              <a:schemeClr val="bg1">
+                <a:alpha val="40000"/>
+              </a:schemeClr>
+            </a:glow>
+          </a:effectLst>
+        </p:spPr>
+      </p:pic>
+      <p:cxnSp>
+        <p:nvCxnSpPr>
+          <p:cNvPr id="23" name="Conector recto de flecha 22">
+            <a:extLst>
+              <a:ext uri="{FF2B5EF4-FFF2-40B4-BE49-F238E27FC236}">
+                <a16:creationId xmlns:a16="http://schemas.microsoft.com/office/drawing/2014/main" id="{E3A50647-F6AA-4981-B773-0D7F27CB5307}"/>
+              </a:ext>
+            </a:extLst>
+          </p:cNvPr>
+          <p:cNvCxnSpPr>
+            <a:cxnSpLocks/>
+            <a:stCxn id="6" idx="0"/>
+            <a:endCxn id="9" idx="2"/>
+          </p:cNvCxnSpPr>
+          <p:nvPr/>
+        </p:nvCxnSpPr>
+        <p:spPr>
+          <a:xfrm flipH="1" flipV="1">
+            <a:off x="7341423" y="4176355"/>
+            <a:ext cx="1426914" cy="802308"/>
+          </a:xfrm>
+          <a:prstGeom prst="straightConnector1">
+            <a:avLst/>
+          </a:prstGeom>
+          <a:ln w="12700">
+            <a:solidFill>
+              <a:schemeClr val="bg1"/>
+            </a:solidFill>
+            <a:tailEnd type="triangle"/>
+          </a:ln>
+        </p:spPr>
+        <p:style>
+          <a:lnRef idx="1">
+            <a:schemeClr val="accent1"/>
+          </a:lnRef>
+          <a:fillRef idx="0">
+            <a:schemeClr val="accent1"/>
+          </a:fillRef>
+          <a:effectRef idx="0">
+            <a:schemeClr val="accent1"/>
+          </a:effectRef>
+          <a:fontRef idx="minor">
+            <a:schemeClr val="tx1"/>
+          </a:fontRef>
+        </p:style>
+      </p:cxnSp>
+      <p:sp>
+        <p:nvSpPr>
+          <p:cNvPr id="26" name="CuadroTexto 25">
+            <a:extLst>
+              <a:ext uri="{FF2B5EF4-FFF2-40B4-BE49-F238E27FC236}">
+                <a16:creationId xmlns:a16="http://schemas.microsoft.com/office/drawing/2014/main" id="{22AAB100-6AED-40FC-8806-DB2F2E038392}"/>
+              </a:ext>
+            </a:extLst>
+          </p:cNvPr>
+          <p:cNvSpPr txBox="1"/>
+          <p:nvPr/>
+        </p:nvSpPr>
+        <p:spPr>
+          <a:xfrm>
+            <a:off x="6892180" y="4392843"/>
+            <a:ext cx="1376218" cy="369332"/>
+          </a:xfrm>
+          <a:prstGeom prst="rect">
+            <a:avLst/>
+          </a:prstGeom>
+          <a:noFill/>
+        </p:spPr>
+        <p:txBody>
+          <a:bodyPr wrap="square" rtlCol="0">
+            <a:spAutoFit/>
+          </a:bodyPr>
+          <a:lstStyle/>
+          <a:p>
+            <a:r>
+              <a:rPr lang="en-US" dirty="0">
+                <a:solidFill>
+                  <a:schemeClr val="bg1"/>
+                </a:solidFill>
+              </a:rPr>
+              <a:t>creates</a:t>
+            </a:r>
+          </a:p>
+        </p:txBody>
+      </p:sp>
+      <p:cxnSp>
+        <p:nvCxnSpPr>
+          <p:cNvPr id="27" name="Conector recto de flecha 26">
+            <a:extLst>
+              <a:ext uri="{FF2B5EF4-FFF2-40B4-BE49-F238E27FC236}">
+                <a16:creationId xmlns:a16="http://schemas.microsoft.com/office/drawing/2014/main" id="{0C96292C-A60A-4FB5-BD05-839478A67046}"/>
+              </a:ext>
+            </a:extLst>
+          </p:cNvPr>
+          <p:cNvCxnSpPr>
+            <a:cxnSpLocks/>
+            <a:stCxn id="6" idx="0"/>
+            <a:endCxn id="3" idx="2"/>
+          </p:cNvCxnSpPr>
+          <p:nvPr/>
+        </p:nvCxnSpPr>
+        <p:spPr>
+          <a:xfrm flipV="1">
+            <a:off x="8768337" y="4176355"/>
+            <a:ext cx="1453710" cy="802308"/>
+          </a:xfrm>
+          <a:prstGeom prst="straightConnector1">
+            <a:avLst/>
+          </a:prstGeom>
+          <a:ln w="12700">
+            <a:solidFill>
+              <a:schemeClr val="bg1"/>
+            </a:solidFill>
+            <a:tailEnd type="triangle"/>
+          </a:ln>
+        </p:spPr>
+        <p:style>
+          <a:lnRef idx="1">
+            <a:schemeClr val="accent1"/>
+          </a:lnRef>
+          <a:fillRef idx="0">
+            <a:schemeClr val="accent1"/>
+          </a:fillRef>
+          <a:effectRef idx="0">
+            <a:schemeClr val="accent1"/>
+          </a:effectRef>
+          <a:fontRef idx="minor">
+            <a:schemeClr val="tx1"/>
+          </a:fontRef>
+        </p:style>
+      </p:cxnSp>
+      <p:sp>
+        <p:nvSpPr>
+          <p:cNvPr id="30" name="CuadroTexto 29">
+            <a:extLst>
+              <a:ext uri="{FF2B5EF4-FFF2-40B4-BE49-F238E27FC236}">
+                <a16:creationId xmlns:a16="http://schemas.microsoft.com/office/drawing/2014/main" id="{97808C26-71C8-429E-A670-85346B50C0B3}"/>
+              </a:ext>
+            </a:extLst>
+          </p:cNvPr>
+          <p:cNvSpPr txBox="1"/>
+          <p:nvPr/>
+        </p:nvSpPr>
+        <p:spPr>
+          <a:xfrm>
+            <a:off x="9768216" y="4410465"/>
+            <a:ext cx="1376218" cy="369332"/>
+          </a:xfrm>
+          <a:prstGeom prst="rect">
+            <a:avLst/>
+          </a:prstGeom>
+          <a:noFill/>
+        </p:spPr>
+        <p:txBody>
+          <a:bodyPr wrap="square" rtlCol="0">
+            <a:spAutoFit/>
+          </a:bodyPr>
+          <a:lstStyle/>
+          <a:p>
+            <a:r>
+              <a:rPr lang="en-US" dirty="0">
+                <a:solidFill>
+                  <a:schemeClr val="bg1"/>
+                </a:solidFill>
+              </a:rPr>
+              <a:t>creates</a:t>
+            </a:r>
+          </a:p>
+        </p:txBody>
+      </p:sp>
     </p:spTree>
     <p:extLst>
       <p:ext uri="{BB962C8B-B14F-4D97-AF65-F5344CB8AC3E}">
